--- a/paper/abstraction/figures/examples.pptx
+++ b/paper/abstraction/figures/examples.pptx
@@ -3040,8 +3040,8 @@
         </p:nvSpPr>
         <p:spPr>
           <a:xfrm>
-            <a:off x="2800354" y="4573704"/>
-            <a:ext cx="5103836" cy="2046714"/>
+            <a:off x="2800353" y="4573704"/>
+            <a:ext cx="5433551" cy="2046714"/>
           </a:xfrm>
           <a:prstGeom prst="rect">
             <a:avLst/>
@@ -3063,13 +3063,8 @@
           <a:p>
             <a:r>
               <a:rPr lang="en-US" sz="2000" dirty="0" smtClean="0"/>
-              <a:t>All </a:t>
+              <a:t>All-to-all internal connectivity</a:t>
             </a:r>
-            <a:r>
-              <a:rPr lang="en-US" sz="2000" dirty="0" err="1" smtClean="0"/>
-              <a:t>switc</a:t>
-            </a:r>
-            <a:endParaRPr lang="en-US" sz="2000" dirty="0" smtClean="0"/>
           </a:p>
           <a:p>
             <a:r>

--- a/paper/abstraction/figures/examples.pptx
+++ b/paper/abstraction/figures/examples.pptx
@@ -3029,67 +3029,6 @@
                 </a:schemeClr>
               </a:solidFill>
             </a:endParaRPr>
-          </a:p>
-        </p:txBody>
-      </p:sp>
-      <p:sp>
-        <p:nvSpPr>
-          <p:cNvPr id="47" name="TextBox 46"/>
-          <p:cNvSpPr txBox="1"/>
-          <p:nvPr/>
-        </p:nvSpPr>
-        <p:spPr>
-          <a:xfrm>
-            <a:off x="2800353" y="4573704"/>
-            <a:ext cx="5433551" cy="2046714"/>
-          </a:xfrm>
-          <a:prstGeom prst="rect">
-            <a:avLst/>
-          </a:prstGeom>
-          <a:noFill/>
-        </p:spPr>
-        <p:txBody>
-          <a:bodyPr wrap="square" rtlCol="0">
-            <a:spAutoFit/>
-          </a:bodyPr>
-          <a:lstStyle/>
-          <a:p>
-            <a:pPr algn="ctr"/>
-            <a:r>
-              <a:rPr lang="en-US" sz="2000" b="1" dirty="0" smtClean="0"/>
-              <a:t>Policy</a:t>
-            </a:r>
-          </a:p>
-          <a:p>
-            <a:r>
-              <a:rPr lang="en-US" sz="2000" dirty="0" smtClean="0"/>
-              <a:t>All-to-all internal connectivity</a:t>
-            </a:r>
-          </a:p>
-          <a:p>
-            <a:r>
-              <a:rPr lang="en-US" sz="2000" dirty="0" smtClean="0"/>
-              <a:t>Pods 1 and 2 hold global services, which should be advertised externally </a:t>
-            </a:r>
-            <a:r>
-              <a:rPr lang="en-US" sz="2000" dirty="0" smtClean="0"/>
-              <a:t>as an aggregate PG</a:t>
-            </a:r>
-            <a:endParaRPr lang="en-US" sz="2000" baseline="-25000" dirty="0"/>
-          </a:p>
-          <a:p>
-            <a:endParaRPr lang="en-US" sz="1050" baseline="-25000" dirty="0" smtClean="0"/>
-          </a:p>
-          <a:p>
-            <a:r>
-              <a:rPr lang="en-US" sz="2000" dirty="0" smtClean="0"/>
-              <a:t>Pods 3 and 4 hold local services, which </a:t>
-            </a:r>
-            <a:r>
-              <a:rPr lang="en-US" sz="2000" dirty="0" smtClean="0"/>
-              <a:t>should not be announced externally</a:t>
-            </a:r>
-            <a:endParaRPr lang="en-US" sz="2000" dirty="0"/>
           </a:p>
         </p:txBody>
       </p:sp>

--- a/paper/abstraction/figures/examples.pptx
+++ b/paper/abstraction/figures/examples.pptx
@@ -4,9 +4,13 @@
   <p:sldMasterIdLst>
     <p:sldMasterId id="2147483648" r:id="rId1"/>
   </p:sldMasterIdLst>
+  <p:notesMasterIdLst>
+    <p:notesMasterId r:id="rId5"/>
+  </p:notesMasterIdLst>
   <p:sldIdLst>
     <p:sldId id="412" r:id="rId2"/>
     <p:sldId id="413" r:id="rId3"/>
+    <p:sldId id="414" r:id="rId4"/>
   </p:sldIdLst>
   <p:sldSz cx="12192000" cy="6858000"/>
   <p:notesSz cx="6858000" cy="9144000"/>
@@ -113,6 +117,356 @@
 </p:presentation>
 </file>
 
+<file path=ppt/notesMasters/notesMaster1.xml><?xml version="1.0" encoding="utf-8"?>
+<p:notesMaster xmlns:a="http://schemas.openxmlformats.org/drawingml/2006/main" xmlns:r="http://schemas.openxmlformats.org/officeDocument/2006/relationships" xmlns:p="http://schemas.openxmlformats.org/presentationml/2006/main">
+  <p:cSld>
+    <p:bg>
+      <p:bgRef idx="1001">
+        <a:schemeClr val="bg1"/>
+      </p:bgRef>
+    </p:bg>
+    <p:spTree>
+      <p:nvGrpSpPr>
+        <p:cNvPr id="1" name=""/>
+        <p:cNvGrpSpPr/>
+        <p:nvPr/>
+      </p:nvGrpSpPr>
+      <p:grpSpPr>
+        <a:xfrm>
+          <a:off x="0" y="0"/>
+          <a:ext cx="0" cy="0"/>
+          <a:chOff x="0" y="0"/>
+          <a:chExt cx="0" cy="0"/>
+        </a:xfrm>
+      </p:grpSpPr>
+      <p:sp>
+        <p:nvSpPr>
+          <p:cNvPr id="2" name="Header Placeholder 1"/>
+          <p:cNvSpPr>
+            <a:spLocks noGrp="1"/>
+          </p:cNvSpPr>
+          <p:nvPr>
+            <p:ph type="hdr" sz="quarter"/>
+          </p:nvPr>
+        </p:nvSpPr>
+        <p:spPr>
+          <a:xfrm>
+            <a:off x="0" y="0"/>
+            <a:ext cx="2971800" cy="458788"/>
+          </a:xfrm>
+          <a:prstGeom prst="rect">
+            <a:avLst/>
+          </a:prstGeom>
+        </p:spPr>
+        <p:txBody>
+          <a:bodyPr vert="horz" lIns="91440" tIns="45720" rIns="91440" bIns="45720" rtlCol="0"/>
+          <a:lstStyle>
+            <a:lvl1pPr algn="l">
+              <a:defRPr sz="1200"/>
+            </a:lvl1pPr>
+          </a:lstStyle>
+          <a:p>
+            <a:endParaRPr lang="en-US"/>
+          </a:p>
+        </p:txBody>
+      </p:sp>
+      <p:sp>
+        <p:nvSpPr>
+          <p:cNvPr id="3" name="Date Placeholder 2"/>
+          <p:cNvSpPr>
+            <a:spLocks noGrp="1"/>
+          </p:cNvSpPr>
+          <p:nvPr>
+            <p:ph type="dt" idx="1"/>
+          </p:nvPr>
+        </p:nvSpPr>
+        <p:spPr>
+          <a:xfrm>
+            <a:off x="3884613" y="0"/>
+            <a:ext cx="2971800" cy="458788"/>
+          </a:xfrm>
+          <a:prstGeom prst="rect">
+            <a:avLst/>
+          </a:prstGeom>
+        </p:spPr>
+        <p:txBody>
+          <a:bodyPr vert="horz" lIns="91440" tIns="45720" rIns="91440" bIns="45720" rtlCol="0"/>
+          <a:lstStyle>
+            <a:lvl1pPr algn="r">
+              <a:defRPr sz="1200"/>
+            </a:lvl1pPr>
+          </a:lstStyle>
+          <a:p>
+            <a:fld id="{0CCB65A4-74BE-2E49-B697-B48CA3DADDCF}" type="datetimeFigureOut">
+              <a:rPr lang="en-US" smtClean="0"/>
+              <a:t>10/31/16</a:t>
+            </a:fld>
+            <a:endParaRPr lang="en-US"/>
+          </a:p>
+        </p:txBody>
+      </p:sp>
+      <p:sp>
+        <p:nvSpPr>
+          <p:cNvPr id="4" name="Slide Image Placeholder 3"/>
+          <p:cNvSpPr>
+            <a:spLocks noGrp="1" noRot="1" noChangeAspect="1"/>
+          </p:cNvSpPr>
+          <p:nvPr>
+            <p:ph type="sldImg" idx="2"/>
+          </p:nvPr>
+        </p:nvSpPr>
+        <p:spPr>
+          <a:xfrm>
+            <a:off x="685800" y="1143000"/>
+            <a:ext cx="5486400" cy="3086100"/>
+          </a:xfrm>
+          <a:prstGeom prst="rect">
+            <a:avLst/>
+          </a:prstGeom>
+          <a:noFill/>
+          <a:ln w="12700">
+            <a:solidFill>
+              <a:prstClr val="black"/>
+            </a:solidFill>
+          </a:ln>
+        </p:spPr>
+        <p:txBody>
+          <a:bodyPr vert="horz" lIns="91440" tIns="45720" rIns="91440" bIns="45720" rtlCol="0" anchor="ctr"/>
+          <a:lstStyle/>
+          <a:p>
+            <a:endParaRPr lang="en-US"/>
+          </a:p>
+        </p:txBody>
+      </p:sp>
+      <p:sp>
+        <p:nvSpPr>
+          <p:cNvPr id="5" name="Notes Placeholder 4"/>
+          <p:cNvSpPr>
+            <a:spLocks noGrp="1"/>
+          </p:cNvSpPr>
+          <p:nvPr>
+            <p:ph type="body" sz="quarter" idx="3"/>
+          </p:nvPr>
+        </p:nvSpPr>
+        <p:spPr>
+          <a:xfrm>
+            <a:off x="685800" y="4400550"/>
+            <a:ext cx="5486400" cy="3600450"/>
+          </a:xfrm>
+          <a:prstGeom prst="rect">
+            <a:avLst/>
+          </a:prstGeom>
+        </p:spPr>
+        <p:txBody>
+          <a:bodyPr vert="horz" lIns="91440" tIns="45720" rIns="91440" bIns="45720" rtlCol="0"/>
+          <a:lstStyle/>
+          <a:p>
+            <a:pPr lvl="0"/>
+            <a:r>
+              <a:rPr lang="en-US" smtClean="0"/>
+              <a:t>Click to edit Master text styles</a:t>
+            </a:r>
+          </a:p>
+          <a:p>
+            <a:pPr lvl="1"/>
+            <a:r>
+              <a:rPr lang="en-US" smtClean="0"/>
+              <a:t>Second level</a:t>
+            </a:r>
+          </a:p>
+          <a:p>
+            <a:pPr lvl="2"/>
+            <a:r>
+              <a:rPr lang="en-US" smtClean="0"/>
+              <a:t>Third level</a:t>
+            </a:r>
+          </a:p>
+          <a:p>
+            <a:pPr lvl="3"/>
+            <a:r>
+              <a:rPr lang="en-US" smtClean="0"/>
+              <a:t>Fourth level</a:t>
+            </a:r>
+          </a:p>
+          <a:p>
+            <a:pPr lvl="4"/>
+            <a:r>
+              <a:rPr lang="en-US" smtClean="0"/>
+              <a:t>Fifth level</a:t>
+            </a:r>
+            <a:endParaRPr lang="en-US"/>
+          </a:p>
+        </p:txBody>
+      </p:sp>
+      <p:sp>
+        <p:nvSpPr>
+          <p:cNvPr id="6" name="Footer Placeholder 5"/>
+          <p:cNvSpPr>
+            <a:spLocks noGrp="1"/>
+          </p:cNvSpPr>
+          <p:nvPr>
+            <p:ph type="ftr" sz="quarter" idx="4"/>
+          </p:nvPr>
+        </p:nvSpPr>
+        <p:spPr>
+          <a:xfrm>
+            <a:off x="0" y="8685213"/>
+            <a:ext cx="2971800" cy="458787"/>
+          </a:xfrm>
+          <a:prstGeom prst="rect">
+            <a:avLst/>
+          </a:prstGeom>
+        </p:spPr>
+        <p:txBody>
+          <a:bodyPr vert="horz" lIns="91440" tIns="45720" rIns="91440" bIns="45720" rtlCol="0" anchor="b"/>
+          <a:lstStyle>
+            <a:lvl1pPr algn="l">
+              <a:defRPr sz="1200"/>
+            </a:lvl1pPr>
+          </a:lstStyle>
+          <a:p>
+            <a:endParaRPr lang="en-US"/>
+          </a:p>
+        </p:txBody>
+      </p:sp>
+      <p:sp>
+        <p:nvSpPr>
+          <p:cNvPr id="7" name="Slide Number Placeholder 6"/>
+          <p:cNvSpPr>
+            <a:spLocks noGrp="1"/>
+          </p:cNvSpPr>
+          <p:nvPr>
+            <p:ph type="sldNum" sz="quarter" idx="5"/>
+          </p:nvPr>
+        </p:nvSpPr>
+        <p:spPr>
+          <a:xfrm>
+            <a:off x="3884613" y="8685213"/>
+            <a:ext cx="2971800" cy="458787"/>
+          </a:xfrm>
+          <a:prstGeom prst="rect">
+            <a:avLst/>
+          </a:prstGeom>
+        </p:spPr>
+        <p:txBody>
+          <a:bodyPr vert="horz" lIns="91440" tIns="45720" rIns="91440" bIns="45720" rtlCol="0" anchor="b"/>
+          <a:lstStyle>
+            <a:lvl1pPr algn="r">
+              <a:defRPr sz="1200"/>
+            </a:lvl1pPr>
+          </a:lstStyle>
+          <a:p>
+            <a:fld id="{D7574437-4189-E14E-8E73-0C93B1A92DE9}" type="slidenum">
+              <a:rPr lang="en-US" smtClean="0"/>
+              <a:t>‹#›</a:t>
+            </a:fld>
+            <a:endParaRPr lang="en-US"/>
+          </a:p>
+        </p:txBody>
+      </p:sp>
+    </p:spTree>
+    <p:extLst>
+      <p:ext uri="{BB962C8B-B14F-4D97-AF65-F5344CB8AC3E}">
+        <p14:creationId xmlns:p14="http://schemas.microsoft.com/office/powerpoint/2010/main" val="1152424069"/>
+      </p:ext>
+    </p:extLst>
+  </p:cSld>
+  <p:clrMap bg1="lt1" tx1="dk1" bg2="lt2" tx2="dk2" accent1="accent1" accent2="accent2" accent3="accent3" accent4="accent4" accent5="accent5" accent6="accent6" hlink="hlink" folHlink="folHlink"/>
+  <p:notesStyle>
+    <a:lvl1pPr marL="0" algn="l" defTabSz="914400" rtl="0" eaLnBrk="1" latinLnBrk="0" hangingPunct="1">
+      <a:defRPr sz="1200" kern="1200">
+        <a:solidFill>
+          <a:schemeClr val="tx1"/>
+        </a:solidFill>
+        <a:latin typeface="+mn-lt"/>
+        <a:ea typeface="+mn-ea"/>
+        <a:cs typeface="+mn-cs"/>
+      </a:defRPr>
+    </a:lvl1pPr>
+    <a:lvl2pPr marL="457200" algn="l" defTabSz="914400" rtl="0" eaLnBrk="1" latinLnBrk="0" hangingPunct="1">
+      <a:defRPr sz="1200" kern="1200">
+        <a:solidFill>
+          <a:schemeClr val="tx1"/>
+        </a:solidFill>
+        <a:latin typeface="+mn-lt"/>
+        <a:ea typeface="+mn-ea"/>
+        <a:cs typeface="+mn-cs"/>
+      </a:defRPr>
+    </a:lvl2pPr>
+    <a:lvl3pPr marL="914400" algn="l" defTabSz="914400" rtl="0" eaLnBrk="1" latinLnBrk="0" hangingPunct="1">
+      <a:defRPr sz="1200" kern="1200">
+        <a:solidFill>
+          <a:schemeClr val="tx1"/>
+        </a:solidFill>
+        <a:latin typeface="+mn-lt"/>
+        <a:ea typeface="+mn-ea"/>
+        <a:cs typeface="+mn-cs"/>
+      </a:defRPr>
+    </a:lvl3pPr>
+    <a:lvl4pPr marL="1371600" algn="l" defTabSz="914400" rtl="0" eaLnBrk="1" latinLnBrk="0" hangingPunct="1">
+      <a:defRPr sz="1200" kern="1200">
+        <a:solidFill>
+          <a:schemeClr val="tx1"/>
+        </a:solidFill>
+        <a:latin typeface="+mn-lt"/>
+        <a:ea typeface="+mn-ea"/>
+        <a:cs typeface="+mn-cs"/>
+      </a:defRPr>
+    </a:lvl4pPr>
+    <a:lvl5pPr marL="1828800" algn="l" defTabSz="914400" rtl="0" eaLnBrk="1" latinLnBrk="0" hangingPunct="1">
+      <a:defRPr sz="1200" kern="1200">
+        <a:solidFill>
+          <a:schemeClr val="tx1"/>
+        </a:solidFill>
+        <a:latin typeface="+mn-lt"/>
+        <a:ea typeface="+mn-ea"/>
+        <a:cs typeface="+mn-cs"/>
+      </a:defRPr>
+    </a:lvl5pPr>
+    <a:lvl6pPr marL="2286000" algn="l" defTabSz="914400" rtl="0" eaLnBrk="1" latinLnBrk="0" hangingPunct="1">
+      <a:defRPr sz="1200" kern="1200">
+        <a:solidFill>
+          <a:schemeClr val="tx1"/>
+        </a:solidFill>
+        <a:latin typeface="+mn-lt"/>
+        <a:ea typeface="+mn-ea"/>
+        <a:cs typeface="+mn-cs"/>
+      </a:defRPr>
+    </a:lvl6pPr>
+    <a:lvl7pPr marL="2743200" algn="l" defTabSz="914400" rtl="0" eaLnBrk="1" latinLnBrk="0" hangingPunct="1">
+      <a:defRPr sz="1200" kern="1200">
+        <a:solidFill>
+          <a:schemeClr val="tx1"/>
+        </a:solidFill>
+        <a:latin typeface="+mn-lt"/>
+        <a:ea typeface="+mn-ea"/>
+        <a:cs typeface="+mn-cs"/>
+      </a:defRPr>
+    </a:lvl7pPr>
+    <a:lvl8pPr marL="3200400" algn="l" defTabSz="914400" rtl="0" eaLnBrk="1" latinLnBrk="0" hangingPunct="1">
+      <a:defRPr sz="1200" kern="1200">
+        <a:solidFill>
+          <a:schemeClr val="tx1"/>
+        </a:solidFill>
+        <a:latin typeface="+mn-lt"/>
+        <a:ea typeface="+mn-ea"/>
+        <a:cs typeface="+mn-cs"/>
+      </a:defRPr>
+    </a:lvl8pPr>
+    <a:lvl9pPr marL="3657600" algn="l" defTabSz="914400" rtl="0" eaLnBrk="1" latinLnBrk="0" hangingPunct="1">
+      <a:defRPr sz="1200" kern="1200">
+        <a:solidFill>
+          <a:schemeClr val="tx1"/>
+        </a:solidFill>
+        <a:latin typeface="+mn-lt"/>
+        <a:ea typeface="+mn-ea"/>
+        <a:cs typeface="+mn-cs"/>
+      </a:defRPr>
+    </a:lvl9pPr>
+  </p:notesStyle>
+</p:notesMaster>
+</file>
+
 <file path=ppt/slideLayouts/slideLayout1.xml><?xml version="1.0" encoding="utf-8"?>
 <p:sldLayout xmlns:a="http://schemas.openxmlformats.org/drawingml/2006/main" xmlns:r="http://schemas.openxmlformats.org/officeDocument/2006/relationships" xmlns:p="http://schemas.openxmlformats.org/presentationml/2006/main" type="title" preserve="1">
   <p:cSld name="Title Slide">
@@ -244,7 +598,7 @@
           <a:p>
             <a:fld id="{D1C2FE12-02FD-40D2-9E73-08CF8D46514A}" type="datetimeFigureOut">
               <a:rPr lang="en-US" smtClean="0"/>
-              <a:t>10/26/2016</a:t>
+              <a:t>10/31/16</a:t>
             </a:fld>
             <a:endParaRPr lang="en-US"/>
           </a:p>
@@ -414,7 +768,7 @@
           <a:p>
             <a:fld id="{D1C2FE12-02FD-40D2-9E73-08CF8D46514A}" type="datetimeFigureOut">
               <a:rPr lang="en-US" smtClean="0"/>
-              <a:t>10/26/2016</a:t>
+              <a:t>10/31/16</a:t>
             </a:fld>
             <a:endParaRPr lang="en-US"/>
           </a:p>
@@ -594,7 +948,7 @@
           <a:p>
             <a:fld id="{D1C2FE12-02FD-40D2-9E73-08CF8D46514A}" type="datetimeFigureOut">
               <a:rPr lang="en-US" smtClean="0"/>
-              <a:t>10/26/2016</a:t>
+              <a:t>10/31/16</a:t>
             </a:fld>
             <a:endParaRPr lang="en-US"/>
           </a:p>
@@ -764,7 +1118,7 @@
           <a:p>
             <a:fld id="{D1C2FE12-02FD-40D2-9E73-08CF8D46514A}" type="datetimeFigureOut">
               <a:rPr lang="en-US" smtClean="0"/>
-              <a:t>10/26/2016</a:t>
+              <a:t>10/31/16</a:t>
             </a:fld>
             <a:endParaRPr lang="en-US"/>
           </a:p>
@@ -1010,7 +1364,7 @@
           <a:p>
             <a:fld id="{D1C2FE12-02FD-40D2-9E73-08CF8D46514A}" type="datetimeFigureOut">
               <a:rPr lang="en-US" smtClean="0"/>
-              <a:t>10/26/2016</a:t>
+              <a:t>10/31/16</a:t>
             </a:fld>
             <a:endParaRPr lang="en-US"/>
           </a:p>
@@ -1242,7 +1596,7 @@
           <a:p>
             <a:fld id="{D1C2FE12-02FD-40D2-9E73-08CF8D46514A}" type="datetimeFigureOut">
               <a:rPr lang="en-US" smtClean="0"/>
-              <a:t>10/26/2016</a:t>
+              <a:t>10/31/16</a:t>
             </a:fld>
             <a:endParaRPr lang="en-US"/>
           </a:p>
@@ -1609,7 +1963,7 @@
           <a:p>
             <a:fld id="{D1C2FE12-02FD-40D2-9E73-08CF8D46514A}" type="datetimeFigureOut">
               <a:rPr lang="en-US" smtClean="0"/>
-              <a:t>10/26/2016</a:t>
+              <a:t>10/31/16</a:t>
             </a:fld>
             <a:endParaRPr lang="en-US"/>
           </a:p>
@@ -1727,7 +2081,7 @@
           <a:p>
             <a:fld id="{D1C2FE12-02FD-40D2-9E73-08CF8D46514A}" type="datetimeFigureOut">
               <a:rPr lang="en-US" smtClean="0"/>
-              <a:t>10/26/2016</a:t>
+              <a:t>10/31/16</a:t>
             </a:fld>
             <a:endParaRPr lang="en-US"/>
           </a:p>
@@ -1822,7 +2176,7 @@
           <a:p>
             <a:fld id="{D1C2FE12-02FD-40D2-9E73-08CF8D46514A}" type="datetimeFigureOut">
               <a:rPr lang="en-US" smtClean="0"/>
-              <a:t>10/26/2016</a:t>
+              <a:t>10/31/16</a:t>
             </a:fld>
             <a:endParaRPr lang="en-US"/>
           </a:p>
@@ -2099,7 +2453,7 @@
           <a:p>
             <a:fld id="{D1C2FE12-02FD-40D2-9E73-08CF8D46514A}" type="datetimeFigureOut">
               <a:rPr lang="en-US" smtClean="0"/>
-              <a:t>10/26/2016</a:t>
+              <a:t>10/31/16</a:t>
             </a:fld>
             <a:endParaRPr lang="en-US"/>
           </a:p>
@@ -2352,7 +2706,7 @@
           <a:p>
             <a:fld id="{D1C2FE12-02FD-40D2-9E73-08CF8D46514A}" type="datetimeFigureOut">
               <a:rPr lang="en-US" smtClean="0"/>
-              <a:t>10/26/2016</a:t>
+              <a:t>10/31/16</a:t>
             </a:fld>
             <a:endParaRPr lang="en-US"/>
           </a:p>
@@ -2565,7 +2919,7 @@
           <a:p>
             <a:fld id="{D1C2FE12-02FD-40D2-9E73-08CF8D46514A}" type="datetimeFigureOut">
               <a:rPr lang="en-US" smtClean="0"/>
-              <a:t>10/26/2016</a:t>
+              <a:t>10/31/16</a:t>
             </a:fld>
             <a:endParaRPr lang="en-US"/>
           </a:p>
@@ -9687,6 +10041,866 @@
 </p:sld>
 </file>
 
+<file path=ppt/slides/slide3.xml><?xml version="1.0" encoding="utf-8"?>
+<p:sld xmlns:a="http://schemas.openxmlformats.org/drawingml/2006/main" xmlns:r="http://schemas.openxmlformats.org/officeDocument/2006/relationships" xmlns:p="http://schemas.openxmlformats.org/presentationml/2006/main">
+  <p:cSld>
+    <p:spTree>
+      <p:nvGrpSpPr>
+        <p:cNvPr id="1" name=""/>
+        <p:cNvGrpSpPr/>
+        <p:nvPr/>
+      </p:nvGrpSpPr>
+      <p:grpSpPr>
+        <a:xfrm>
+          <a:off x="0" y="0"/>
+          <a:ext cx="0" cy="0"/>
+          <a:chOff x="0" y="0"/>
+          <a:chExt cx="0" cy="0"/>
+        </a:xfrm>
+      </p:grpSpPr>
+      <p:sp>
+        <p:nvSpPr>
+          <p:cNvPr id="4" name="Title 1"/>
+          <p:cNvSpPr txBox="1">
+            <a:spLocks/>
+          </p:cNvSpPr>
+          <p:nvPr/>
+        </p:nvSpPr>
+        <p:spPr>
+          <a:xfrm>
+            <a:off x="-7637" y="-44719"/>
+            <a:ext cx="6007995" cy="852891"/>
+          </a:xfrm>
+          <a:prstGeom prst="rect">
+            <a:avLst/>
+          </a:prstGeom>
+        </p:spPr>
+        <p:txBody>
+          <a:bodyPr vert="horz" lIns="91440" tIns="45720" rIns="91440" bIns="45720" rtlCol="0" anchor="b">
+            <a:normAutofit/>
+          </a:bodyPr>
+          <a:lstStyle>
+            <a:lvl1pPr algn="ctr" defTabSz="914400" rtl="0" eaLnBrk="1" latinLnBrk="0" hangingPunct="1">
+              <a:lnSpc>
+                <a:spcPct val="90000"/>
+              </a:lnSpc>
+              <a:spcBef>
+                <a:spcPct val="0"/>
+              </a:spcBef>
+              <a:buNone/>
+              <a:defRPr sz="6000" kern="1200">
+                <a:solidFill>
+                  <a:schemeClr val="tx1"/>
+                </a:solidFill>
+                <a:latin typeface="+mj-lt"/>
+                <a:ea typeface="+mj-ea"/>
+                <a:cs typeface="+mj-cs"/>
+              </a:defRPr>
+            </a:lvl1pPr>
+          </a:lstStyle>
+          <a:p>
+            <a:pPr algn="l"/>
+            <a:r>
+              <a:rPr lang="en-US" sz="4000" dirty="0" smtClean="0">
+                <a:solidFill>
+                  <a:schemeClr val="accent1">
+                    <a:lumMod val="50000"/>
+                  </a:schemeClr>
+                </a:solidFill>
+              </a:rPr>
+              <a:t>Example</a:t>
+            </a:r>
+            <a:endParaRPr lang="en-US" sz="4000" dirty="0">
+              <a:solidFill>
+                <a:schemeClr val="accent1">
+                  <a:lumMod val="50000"/>
+                </a:schemeClr>
+              </a:solidFill>
+            </a:endParaRPr>
+          </a:p>
+        </p:txBody>
+      </p:sp>
+      <p:sp>
+        <p:nvSpPr>
+          <p:cNvPr id="59" name="Rectangle 58"/>
+          <p:cNvSpPr/>
+          <p:nvPr/>
+        </p:nvSpPr>
+        <p:spPr>
+          <a:xfrm>
+            <a:off x="5671026" y="1734130"/>
+            <a:ext cx="504684" cy="326113"/>
+          </a:xfrm>
+          <a:prstGeom prst="rect">
+            <a:avLst/>
+          </a:prstGeom>
+          <a:solidFill>
+            <a:schemeClr val="bg2">
+              <a:lumMod val="90000"/>
+            </a:schemeClr>
+          </a:solidFill>
+          <a:ln>
+            <a:solidFill>
+              <a:schemeClr val="tx1"/>
+            </a:solidFill>
+          </a:ln>
+        </p:spPr>
+        <p:style>
+          <a:lnRef idx="2">
+            <a:schemeClr val="accent1">
+              <a:shade val="50000"/>
+            </a:schemeClr>
+          </a:lnRef>
+          <a:fillRef idx="1">
+            <a:schemeClr val="accent1"/>
+          </a:fillRef>
+          <a:effectRef idx="0">
+            <a:schemeClr val="accent1"/>
+          </a:effectRef>
+          <a:fontRef idx="minor">
+            <a:schemeClr val="lt1"/>
+          </a:fontRef>
+        </p:style>
+        <p:txBody>
+          <a:bodyPr rtlCol="0" anchor="ctr"/>
+          <a:lstStyle/>
+          <a:p>
+            <a:pPr algn="ctr"/>
+            <a:r>
+              <a:rPr lang="en-US" sz="2000" dirty="0" smtClean="0">
+                <a:solidFill>
+                  <a:schemeClr val="tx1"/>
+                </a:solidFill>
+              </a:rPr>
+              <a:t>S</a:t>
+            </a:r>
+            <a:endParaRPr lang="en-US" sz="2000" dirty="0">
+              <a:solidFill>
+                <a:schemeClr val="tx1"/>
+              </a:solidFill>
+            </a:endParaRPr>
+          </a:p>
+        </p:txBody>
+      </p:sp>
+      <p:cxnSp>
+        <p:nvCxnSpPr>
+          <p:cNvPr id="121" name="Straight Connector 120"/>
+          <p:cNvCxnSpPr>
+            <a:stCxn id="59" idx="2"/>
+            <a:endCxn id="114" idx="0"/>
+          </p:cNvCxnSpPr>
+          <p:nvPr/>
+        </p:nvCxnSpPr>
+        <p:spPr>
+          <a:xfrm>
+            <a:off x="5923368" y="2060243"/>
+            <a:ext cx="972761" cy="651123"/>
+          </a:xfrm>
+          <a:prstGeom prst="line">
+            <a:avLst/>
+          </a:prstGeom>
+          <a:ln w="19050">
+            <a:solidFill>
+              <a:schemeClr val="tx1"/>
+            </a:solidFill>
+          </a:ln>
+        </p:spPr>
+        <p:style>
+          <a:lnRef idx="1">
+            <a:schemeClr val="accent1"/>
+          </a:lnRef>
+          <a:fillRef idx="0">
+            <a:schemeClr val="accent1"/>
+          </a:fillRef>
+          <a:effectRef idx="0">
+            <a:schemeClr val="accent1"/>
+          </a:effectRef>
+          <a:fontRef idx="minor">
+            <a:schemeClr val="tx1"/>
+          </a:fontRef>
+        </p:style>
+      </p:cxnSp>
+      <p:grpSp>
+        <p:nvGrpSpPr>
+          <p:cNvPr id="106" name="Group 105"/>
+          <p:cNvGrpSpPr/>
+          <p:nvPr/>
+        </p:nvGrpSpPr>
+        <p:grpSpPr>
+          <a:xfrm>
+            <a:off x="6643787" y="2711366"/>
+            <a:ext cx="504684" cy="938289"/>
+            <a:chOff x="4422388" y="3788229"/>
+            <a:chExt cx="825651" cy="1785257"/>
+          </a:xfrm>
+        </p:grpSpPr>
+        <p:sp>
+          <p:nvSpPr>
+            <p:cNvPr id="112" name="Rectangle 111"/>
+            <p:cNvSpPr/>
+            <p:nvPr/>
+          </p:nvSpPr>
+          <p:spPr>
+            <a:xfrm>
+              <a:off x="4422388" y="4953000"/>
+              <a:ext cx="825651" cy="620486"/>
+            </a:xfrm>
+            <a:prstGeom prst="rect">
+              <a:avLst/>
+            </a:prstGeom>
+            <a:solidFill>
+              <a:schemeClr val="bg2">
+                <a:lumMod val="90000"/>
+              </a:schemeClr>
+            </a:solidFill>
+            <a:ln>
+              <a:solidFill>
+                <a:schemeClr val="tx1"/>
+              </a:solidFill>
+            </a:ln>
+          </p:spPr>
+          <p:style>
+            <a:lnRef idx="2">
+              <a:schemeClr val="accent1">
+                <a:shade val="50000"/>
+              </a:schemeClr>
+            </a:lnRef>
+            <a:fillRef idx="1">
+              <a:schemeClr val="accent1"/>
+            </a:fillRef>
+            <a:effectRef idx="0">
+              <a:schemeClr val="accent1"/>
+            </a:effectRef>
+            <a:fontRef idx="minor">
+              <a:schemeClr val="lt1"/>
+            </a:fontRef>
+          </p:style>
+          <p:txBody>
+            <a:bodyPr rtlCol="0" anchor="ctr"/>
+            <a:lstStyle/>
+            <a:p>
+              <a:pPr algn="ctr"/>
+              <a:r>
+                <a:rPr lang="en-US" sz="2000" dirty="0" smtClean="0">
+                  <a:solidFill>
+                    <a:schemeClr val="tx1"/>
+                  </a:solidFill>
+                </a:rPr>
+                <a:t>TL</a:t>
+              </a:r>
+              <a:endParaRPr lang="en-US" sz="2000" dirty="0">
+                <a:solidFill>
+                  <a:schemeClr val="tx1"/>
+                </a:solidFill>
+              </a:endParaRPr>
+            </a:p>
+          </p:txBody>
+        </p:sp>
+        <p:sp>
+          <p:nvSpPr>
+            <p:cNvPr id="114" name="Rectangle 113"/>
+            <p:cNvSpPr/>
+            <p:nvPr/>
+          </p:nvSpPr>
+          <p:spPr>
+            <a:xfrm>
+              <a:off x="4422388" y="3788229"/>
+              <a:ext cx="825651" cy="620486"/>
+            </a:xfrm>
+            <a:prstGeom prst="rect">
+              <a:avLst/>
+            </a:prstGeom>
+            <a:solidFill>
+              <a:schemeClr val="bg2">
+                <a:lumMod val="90000"/>
+              </a:schemeClr>
+            </a:solidFill>
+            <a:ln>
+              <a:solidFill>
+                <a:schemeClr val="tx1"/>
+              </a:solidFill>
+            </a:ln>
+          </p:spPr>
+          <p:style>
+            <a:lnRef idx="2">
+              <a:schemeClr val="accent1">
+                <a:shade val="50000"/>
+              </a:schemeClr>
+            </a:lnRef>
+            <a:fillRef idx="1">
+              <a:schemeClr val="accent1"/>
+            </a:fillRef>
+            <a:effectRef idx="0">
+              <a:schemeClr val="accent1"/>
+            </a:effectRef>
+            <a:fontRef idx="minor">
+              <a:schemeClr val="lt1"/>
+            </a:fontRef>
+          </p:style>
+          <p:txBody>
+            <a:bodyPr rtlCol="0" anchor="ctr"/>
+            <a:lstStyle/>
+            <a:p>
+              <a:pPr algn="ctr"/>
+              <a:r>
+                <a:rPr lang="en-US" sz="2000" dirty="0" smtClean="0">
+                  <a:solidFill>
+                    <a:schemeClr val="tx1"/>
+                  </a:solidFill>
+                </a:rPr>
+                <a:t>AL</a:t>
+              </a:r>
+              <a:endParaRPr lang="en-US" sz="2000" dirty="0">
+                <a:solidFill>
+                  <a:schemeClr val="tx1"/>
+                </a:solidFill>
+              </a:endParaRPr>
+            </a:p>
+          </p:txBody>
+        </p:sp>
+      </p:grpSp>
+      <p:cxnSp>
+        <p:nvCxnSpPr>
+          <p:cNvPr id="108" name="Straight Connector 107"/>
+          <p:cNvCxnSpPr>
+            <a:stCxn id="114" idx="2"/>
+            <a:endCxn id="112" idx="0"/>
+          </p:cNvCxnSpPr>
+          <p:nvPr/>
+        </p:nvCxnSpPr>
+        <p:spPr>
+          <a:xfrm>
+            <a:off x="6896130" y="3037479"/>
+            <a:ext cx="0" cy="286063"/>
+          </a:xfrm>
+          <a:prstGeom prst="line">
+            <a:avLst/>
+          </a:prstGeom>
+          <a:ln w="19050">
+            <a:solidFill>
+              <a:schemeClr val="tx1"/>
+            </a:solidFill>
+          </a:ln>
+        </p:spPr>
+        <p:style>
+          <a:lnRef idx="1">
+            <a:schemeClr val="accent1"/>
+          </a:lnRef>
+          <a:fillRef idx="0">
+            <a:schemeClr val="accent1"/>
+          </a:fillRef>
+          <a:effectRef idx="0">
+            <a:schemeClr val="accent1"/>
+          </a:effectRef>
+          <a:fontRef idx="minor">
+            <a:schemeClr val="tx1"/>
+          </a:fontRef>
+        </p:style>
+      </p:cxnSp>
+      <p:sp>
+        <p:nvSpPr>
+          <p:cNvPr id="38" name="TextBox 37"/>
+          <p:cNvSpPr txBox="1"/>
+          <p:nvPr/>
+        </p:nvSpPr>
+        <p:spPr>
+          <a:xfrm>
+            <a:off x="6559203" y="3615327"/>
+            <a:ext cx="633611" cy="400110"/>
+          </a:xfrm>
+          <a:prstGeom prst="rect">
+            <a:avLst/>
+          </a:prstGeom>
+          <a:noFill/>
+        </p:spPr>
+        <p:txBody>
+          <a:bodyPr wrap="square" rtlCol="0">
+            <a:spAutoFit/>
+          </a:bodyPr>
+          <a:lstStyle/>
+          <a:p>
+            <a:pPr algn="ctr"/>
+            <a:r>
+              <a:rPr lang="en-US" sz="2000" smtClean="0"/>
+              <a:t>P</a:t>
+            </a:r>
+            <a:r>
+              <a:rPr lang="en-US" sz="2000" dirty="0"/>
+              <a:t>L</a:t>
+            </a:r>
+            <a:endParaRPr lang="en-US" sz="2000" baseline="-25000" dirty="0"/>
+          </a:p>
+        </p:txBody>
+      </p:sp>
+      <p:sp>
+        <p:nvSpPr>
+          <p:cNvPr id="49" name="Rectangle 48"/>
+          <p:cNvSpPr/>
+          <p:nvPr/>
+        </p:nvSpPr>
+        <p:spPr>
+          <a:xfrm>
+            <a:off x="6518107" y="2548080"/>
+            <a:ext cx="749534" cy="1465330"/>
+          </a:xfrm>
+          <a:prstGeom prst="rect">
+            <a:avLst/>
+          </a:prstGeom>
+          <a:noFill/>
+          <a:ln>
+            <a:solidFill>
+              <a:schemeClr val="tx1"/>
+            </a:solidFill>
+            <a:prstDash val="dashDot"/>
+          </a:ln>
+        </p:spPr>
+        <p:style>
+          <a:lnRef idx="2">
+            <a:schemeClr val="accent1">
+              <a:shade val="50000"/>
+            </a:schemeClr>
+          </a:lnRef>
+          <a:fillRef idx="1">
+            <a:schemeClr val="accent1"/>
+          </a:fillRef>
+          <a:effectRef idx="0">
+            <a:schemeClr val="accent1"/>
+          </a:effectRef>
+          <a:fontRef idx="minor">
+            <a:schemeClr val="lt1"/>
+          </a:fontRef>
+        </p:style>
+        <p:txBody>
+          <a:bodyPr rtlCol="0" anchor="ctr"/>
+          <a:lstStyle/>
+          <a:p>
+            <a:pPr algn="ctr"/>
+            <a:endParaRPr lang="en-US" sz="1600"/>
+          </a:p>
+        </p:txBody>
+      </p:sp>
+      <p:cxnSp>
+        <p:nvCxnSpPr>
+          <p:cNvPr id="64" name="Straight Connector 63"/>
+          <p:cNvCxnSpPr>
+            <a:endCxn id="59" idx="0"/>
+          </p:cNvCxnSpPr>
+          <p:nvPr/>
+        </p:nvCxnSpPr>
+        <p:spPr>
+          <a:xfrm>
+            <a:off x="5923368" y="1423607"/>
+            <a:ext cx="0" cy="310523"/>
+          </a:xfrm>
+          <a:prstGeom prst="line">
+            <a:avLst/>
+          </a:prstGeom>
+          <a:ln w="38100">
+            <a:solidFill>
+              <a:schemeClr val="tx1"/>
+            </a:solidFill>
+            <a:headEnd type="triangle" w="med" len="med"/>
+            <a:tailEnd type="triangle" w="med" len="med"/>
+          </a:ln>
+        </p:spPr>
+        <p:style>
+          <a:lnRef idx="1">
+            <a:schemeClr val="accent1"/>
+          </a:lnRef>
+          <a:fillRef idx="0">
+            <a:schemeClr val="accent1"/>
+          </a:fillRef>
+          <a:effectRef idx="0">
+            <a:schemeClr val="accent1"/>
+          </a:effectRef>
+          <a:fontRef idx="minor">
+            <a:schemeClr val="tx1"/>
+          </a:fontRef>
+        </p:style>
+      </p:cxnSp>
+      <p:grpSp>
+        <p:nvGrpSpPr>
+          <p:cNvPr id="99" name="Group 98"/>
+          <p:cNvGrpSpPr/>
+          <p:nvPr/>
+        </p:nvGrpSpPr>
+        <p:grpSpPr>
+          <a:xfrm>
+            <a:off x="4722355" y="2700590"/>
+            <a:ext cx="504684" cy="938289"/>
+            <a:chOff x="4422388" y="3788229"/>
+            <a:chExt cx="825651" cy="1785257"/>
+          </a:xfrm>
+        </p:grpSpPr>
+        <p:grpSp>
+          <p:nvGrpSpPr>
+            <p:cNvPr id="124" name="Group 123"/>
+            <p:cNvGrpSpPr/>
+            <p:nvPr/>
+          </p:nvGrpSpPr>
+          <p:grpSpPr>
+            <a:xfrm>
+              <a:off x="4422388" y="3788229"/>
+              <a:ext cx="825651" cy="1785257"/>
+              <a:chOff x="4422388" y="3788229"/>
+              <a:chExt cx="825651" cy="1785257"/>
+            </a:xfrm>
+          </p:grpSpPr>
+          <p:sp>
+            <p:nvSpPr>
+              <p:cNvPr id="130" name="Rectangle 129"/>
+              <p:cNvSpPr/>
+              <p:nvPr/>
+            </p:nvSpPr>
+            <p:spPr>
+              <a:xfrm>
+                <a:off x="4422388" y="4953000"/>
+                <a:ext cx="825651" cy="620486"/>
+              </a:xfrm>
+              <a:prstGeom prst="rect">
+                <a:avLst/>
+              </a:prstGeom>
+              <a:solidFill>
+                <a:schemeClr val="bg2">
+                  <a:lumMod val="90000"/>
+                </a:schemeClr>
+              </a:solidFill>
+              <a:ln>
+                <a:solidFill>
+                  <a:schemeClr val="tx1"/>
+                </a:solidFill>
+              </a:ln>
+            </p:spPr>
+            <p:style>
+              <a:lnRef idx="2">
+                <a:schemeClr val="accent1">
+                  <a:shade val="50000"/>
+                </a:schemeClr>
+              </a:lnRef>
+              <a:fillRef idx="1">
+                <a:schemeClr val="accent1"/>
+              </a:fillRef>
+              <a:effectRef idx="0">
+                <a:schemeClr val="accent1"/>
+              </a:effectRef>
+              <a:fontRef idx="minor">
+                <a:schemeClr val="lt1"/>
+              </a:fontRef>
+            </p:style>
+            <p:txBody>
+              <a:bodyPr rtlCol="0" anchor="ctr"/>
+              <a:lstStyle/>
+              <a:p>
+                <a:pPr algn="ctr"/>
+                <a:r>
+                  <a:rPr lang="en-US" sz="2000" dirty="0" smtClean="0">
+                    <a:solidFill>
+                      <a:schemeClr val="tx1"/>
+                    </a:solidFill>
+                  </a:rPr>
+                  <a:t>TG</a:t>
+                </a:r>
+                <a:endParaRPr lang="en-US" sz="2000" dirty="0">
+                  <a:solidFill>
+                    <a:schemeClr val="tx1"/>
+                  </a:solidFill>
+                </a:endParaRPr>
+              </a:p>
+            </p:txBody>
+          </p:sp>
+          <p:sp>
+            <p:nvSpPr>
+              <p:cNvPr id="132" name="Rectangle 131"/>
+              <p:cNvSpPr/>
+              <p:nvPr/>
+            </p:nvSpPr>
+            <p:spPr>
+              <a:xfrm>
+                <a:off x="4422388" y="3788229"/>
+                <a:ext cx="825651" cy="620486"/>
+              </a:xfrm>
+              <a:prstGeom prst="rect">
+                <a:avLst/>
+              </a:prstGeom>
+              <a:solidFill>
+                <a:schemeClr val="bg2">
+                  <a:lumMod val="90000"/>
+                </a:schemeClr>
+              </a:solidFill>
+              <a:ln>
+                <a:solidFill>
+                  <a:schemeClr val="tx1"/>
+                </a:solidFill>
+              </a:ln>
+            </p:spPr>
+            <p:style>
+              <a:lnRef idx="2">
+                <a:schemeClr val="accent1">
+                  <a:shade val="50000"/>
+                </a:schemeClr>
+              </a:lnRef>
+              <a:fillRef idx="1">
+                <a:schemeClr val="accent1"/>
+              </a:fillRef>
+              <a:effectRef idx="0">
+                <a:schemeClr val="accent1"/>
+              </a:effectRef>
+              <a:fontRef idx="minor">
+                <a:schemeClr val="lt1"/>
+              </a:fontRef>
+            </p:style>
+            <p:txBody>
+              <a:bodyPr rtlCol="0" anchor="ctr"/>
+              <a:lstStyle/>
+              <a:p>
+                <a:pPr algn="ctr"/>
+                <a:r>
+                  <a:rPr lang="en-US" sz="2000" dirty="0" smtClean="0">
+                    <a:solidFill>
+                      <a:schemeClr val="tx1"/>
+                    </a:solidFill>
+                  </a:rPr>
+                  <a:t>AG</a:t>
+                </a:r>
+                <a:endParaRPr lang="en-US" sz="2000" dirty="0">
+                  <a:solidFill>
+                    <a:schemeClr val="tx1"/>
+                  </a:solidFill>
+                </a:endParaRPr>
+              </a:p>
+            </p:txBody>
+          </p:sp>
+        </p:grpSp>
+        <p:cxnSp>
+          <p:nvCxnSpPr>
+            <p:cNvPr id="126" name="Straight Connector 125"/>
+            <p:cNvCxnSpPr>
+              <a:stCxn id="132" idx="2"/>
+              <a:endCxn id="130" idx="0"/>
+            </p:cNvCxnSpPr>
+            <p:nvPr/>
+          </p:nvCxnSpPr>
+          <p:spPr>
+            <a:xfrm>
+              <a:off x="4835214" y="4408715"/>
+              <a:ext cx="0" cy="544284"/>
+            </a:xfrm>
+            <a:prstGeom prst="line">
+              <a:avLst/>
+            </a:prstGeom>
+            <a:ln w="19050">
+              <a:solidFill>
+                <a:schemeClr val="tx1"/>
+              </a:solidFill>
+            </a:ln>
+          </p:spPr>
+          <p:style>
+            <a:lnRef idx="1">
+              <a:schemeClr val="accent1"/>
+            </a:lnRef>
+            <a:fillRef idx="0">
+              <a:schemeClr val="accent1"/>
+            </a:fillRef>
+            <a:effectRef idx="0">
+              <a:schemeClr val="accent1"/>
+            </a:effectRef>
+            <a:fontRef idx="minor">
+              <a:schemeClr val="tx1"/>
+            </a:fontRef>
+          </p:style>
+        </p:cxnSp>
+      </p:grpSp>
+      <p:sp>
+        <p:nvSpPr>
+          <p:cNvPr id="102" name="TextBox 101"/>
+          <p:cNvSpPr txBox="1"/>
+          <p:nvPr/>
+        </p:nvSpPr>
+        <p:spPr>
+          <a:xfrm>
+            <a:off x="4603685" y="3604551"/>
+            <a:ext cx="703121" cy="400110"/>
+          </a:xfrm>
+          <a:prstGeom prst="rect">
+            <a:avLst/>
+          </a:prstGeom>
+          <a:noFill/>
+        </p:spPr>
+        <p:txBody>
+          <a:bodyPr wrap="square" rtlCol="0">
+            <a:spAutoFit/>
+          </a:bodyPr>
+          <a:lstStyle/>
+          <a:p>
+            <a:pPr algn="ctr"/>
+            <a:r>
+              <a:rPr lang="en-US" sz="2000" dirty="0" smtClean="0"/>
+              <a:t>PG</a:t>
+            </a:r>
+            <a:endParaRPr lang="en-US" sz="2000" baseline="-25000" dirty="0"/>
+          </a:p>
+        </p:txBody>
+      </p:sp>
+      <p:sp>
+        <p:nvSpPr>
+          <p:cNvPr id="123" name="Rectangle 122"/>
+          <p:cNvSpPr/>
+          <p:nvPr/>
+        </p:nvSpPr>
+        <p:spPr>
+          <a:xfrm>
+            <a:off x="4563032" y="2537304"/>
+            <a:ext cx="786870" cy="1465218"/>
+          </a:xfrm>
+          <a:prstGeom prst="rect">
+            <a:avLst/>
+          </a:prstGeom>
+          <a:noFill/>
+          <a:ln>
+            <a:solidFill>
+              <a:schemeClr val="tx1"/>
+            </a:solidFill>
+            <a:prstDash val="dashDot"/>
+          </a:ln>
+        </p:spPr>
+        <p:style>
+          <a:lnRef idx="2">
+            <a:schemeClr val="accent1">
+              <a:shade val="50000"/>
+            </a:schemeClr>
+          </a:lnRef>
+          <a:fillRef idx="1">
+            <a:schemeClr val="accent1"/>
+          </a:fillRef>
+          <a:effectRef idx="0">
+            <a:schemeClr val="accent1"/>
+          </a:effectRef>
+          <a:fontRef idx="minor">
+            <a:schemeClr val="lt1"/>
+          </a:fontRef>
+        </p:style>
+        <p:txBody>
+          <a:bodyPr rtlCol="0" anchor="ctr"/>
+          <a:lstStyle/>
+          <a:p>
+            <a:pPr algn="ctr"/>
+            <a:endParaRPr lang="en-US" sz="1600"/>
+          </a:p>
+        </p:txBody>
+      </p:sp>
+      <p:cxnSp>
+        <p:nvCxnSpPr>
+          <p:cNvPr id="148" name="Straight Connector 147"/>
+          <p:cNvCxnSpPr>
+            <a:stCxn id="59" idx="2"/>
+            <a:endCxn id="132" idx="0"/>
+          </p:cNvCxnSpPr>
+          <p:nvPr/>
+        </p:nvCxnSpPr>
+        <p:spPr>
+          <a:xfrm flipH="1">
+            <a:off x="4974697" y="2060243"/>
+            <a:ext cx="948671" cy="640347"/>
+          </a:xfrm>
+          <a:prstGeom prst="line">
+            <a:avLst/>
+          </a:prstGeom>
+          <a:ln w="19050">
+            <a:solidFill>
+              <a:schemeClr val="tx1"/>
+            </a:solidFill>
+          </a:ln>
+        </p:spPr>
+        <p:style>
+          <a:lnRef idx="1">
+            <a:schemeClr val="accent1"/>
+          </a:lnRef>
+          <a:fillRef idx="0">
+            <a:schemeClr val="accent1"/>
+          </a:fillRef>
+          <a:effectRef idx="0">
+            <a:schemeClr val="accent1"/>
+          </a:effectRef>
+          <a:fontRef idx="minor">
+            <a:schemeClr val="tx1"/>
+          </a:fontRef>
+        </p:style>
+      </p:cxnSp>
+      <p:sp>
+        <p:nvSpPr>
+          <p:cNvPr id="153" name="TextBox 152"/>
+          <p:cNvSpPr txBox="1"/>
+          <p:nvPr/>
+        </p:nvSpPr>
+        <p:spPr>
+          <a:xfrm>
+            <a:off x="3949714" y="4362580"/>
+            <a:ext cx="1987313" cy="400110"/>
+          </a:xfrm>
+          <a:prstGeom prst="rect">
+            <a:avLst/>
+          </a:prstGeom>
+          <a:noFill/>
+        </p:spPr>
+        <p:txBody>
+          <a:bodyPr wrap="square" rtlCol="0">
+            <a:spAutoFit/>
+          </a:bodyPr>
+          <a:lstStyle/>
+          <a:p>
+            <a:pPr algn="ctr"/>
+            <a:r>
+              <a:rPr lang="en-US" sz="2000" dirty="0" smtClean="0"/>
+              <a:t>Global services</a:t>
+            </a:r>
+            <a:endParaRPr lang="en-US" sz="2000" baseline="-25000" dirty="0"/>
+          </a:p>
+        </p:txBody>
+      </p:sp>
+      <p:sp>
+        <p:nvSpPr>
+          <p:cNvPr id="154" name="TextBox 153"/>
+          <p:cNvSpPr txBox="1"/>
+          <p:nvPr/>
+        </p:nvSpPr>
+        <p:spPr>
+          <a:xfrm>
+            <a:off x="5937027" y="4391203"/>
+            <a:ext cx="1987313" cy="400110"/>
+          </a:xfrm>
+          <a:prstGeom prst="rect">
+            <a:avLst/>
+          </a:prstGeom>
+          <a:noFill/>
+        </p:spPr>
+        <p:txBody>
+          <a:bodyPr wrap="square" rtlCol="0">
+            <a:spAutoFit/>
+          </a:bodyPr>
+          <a:lstStyle/>
+          <a:p>
+            <a:pPr algn="ctr"/>
+            <a:r>
+              <a:rPr lang="en-US" sz="2000" dirty="0" smtClean="0"/>
+              <a:t>Local services</a:t>
+            </a:r>
+            <a:endParaRPr lang="en-US" sz="2000" baseline="-25000" dirty="0"/>
+          </a:p>
+        </p:txBody>
+      </p:sp>
+    </p:spTree>
+    <p:extLst>
+      <p:ext uri="{BB962C8B-B14F-4D97-AF65-F5344CB8AC3E}">
+        <p14:creationId xmlns:p14="http://schemas.microsoft.com/office/powerpoint/2010/main" val="356119335"/>
+      </p:ext>
+    </p:extLst>
+  </p:cSld>
+  <p:clrMapOvr>
+    <a:masterClrMapping/>
+  </p:clrMapOvr>
+</p:sld>
+</file>
+
 <file path=ppt/theme/theme1.xml><?xml version="1.0" encoding="utf-8"?>
 <a:theme xmlns:a="http://schemas.openxmlformats.org/drawingml/2006/main" name="Office Theme">
   <a:themeElements>
@@ -9946,4 +11160,265 @@
     </a:ext>
   </a:extLst>
 </a:theme>
+</file>
+
+<file path=ppt/theme/theme2.xml><?xml version="1.0" encoding="utf-8"?>
+<a:theme xmlns:a="http://schemas.openxmlformats.org/drawingml/2006/main" name="Office Theme">
+  <a:themeElements>
+    <a:clrScheme name="Office">
+      <a:dk1>
+        <a:sysClr val="windowText" lastClr="000000"/>
+      </a:dk1>
+      <a:lt1>
+        <a:sysClr val="window" lastClr="FFFFFF"/>
+      </a:lt1>
+      <a:dk2>
+        <a:srgbClr val="44546A"/>
+      </a:dk2>
+      <a:lt2>
+        <a:srgbClr val="E7E6E6"/>
+      </a:lt2>
+      <a:accent1>
+        <a:srgbClr val="5B9BD5"/>
+      </a:accent1>
+      <a:accent2>
+        <a:srgbClr val="ED7D31"/>
+      </a:accent2>
+      <a:accent3>
+        <a:srgbClr val="A5A5A5"/>
+      </a:accent3>
+      <a:accent4>
+        <a:srgbClr val="FFC000"/>
+      </a:accent4>
+      <a:accent5>
+        <a:srgbClr val="4472C4"/>
+      </a:accent5>
+      <a:accent6>
+        <a:srgbClr val="70AD47"/>
+      </a:accent6>
+      <a:hlink>
+        <a:srgbClr val="0563C1"/>
+      </a:hlink>
+      <a:folHlink>
+        <a:srgbClr val="954F72"/>
+      </a:folHlink>
+    </a:clrScheme>
+    <a:fontScheme name="Office">
+      <a:majorFont>
+        <a:latin typeface="Calibri Light" panose="020F0302020204030204"/>
+        <a:ea typeface=""/>
+        <a:cs typeface=""/>
+        <a:font script="Jpan" typeface="Yu Gothic Light"/>
+        <a:font script="Hang" typeface="맑은 고딕"/>
+        <a:font script="Hans" typeface="DengXian Light"/>
+        <a:font script="Hant" typeface="新細明體"/>
+        <a:font script="Arab" typeface="Times New Roman"/>
+        <a:font script="Hebr" typeface="Times New Roman"/>
+        <a:font script="Thai" typeface="Angsana New"/>
+        <a:font script="Ethi" typeface="Nyala"/>
+        <a:font script="Beng" typeface="Vrinda"/>
+        <a:font script="Gujr" typeface="Shruti"/>
+        <a:font script="Khmr" typeface="MoolBoran"/>
+        <a:font script="Knda" typeface="Tunga"/>
+        <a:font script="Guru" typeface="Raavi"/>
+        <a:font script="Cans" typeface="Euphemia"/>
+        <a:font script="Cher" typeface="Plantagenet Cherokee"/>
+        <a:font script="Yiii" typeface="Microsoft Yi Baiti"/>
+        <a:font script="Tibt" typeface="Microsoft Himalaya"/>
+        <a:font script="Thaa" typeface="MV Boli"/>
+        <a:font script="Deva" typeface="Mangal"/>
+        <a:font script="Telu" typeface="Gautami"/>
+        <a:font script="Taml" typeface="Latha"/>
+        <a:font script="Syrc" typeface="Estrangelo Edessa"/>
+        <a:font script="Orya" typeface="Kalinga"/>
+        <a:font script="Mlym" typeface="Kartika"/>
+        <a:font script="Laoo" typeface="DokChampa"/>
+        <a:font script="Sinh" typeface="Iskoola Pota"/>
+        <a:font script="Mong" typeface="Mongolian Baiti"/>
+        <a:font script="Viet" typeface="Times New Roman"/>
+        <a:font script="Uigh" typeface="Microsoft Uighur"/>
+        <a:font script="Geor" typeface="Sylfaen"/>
+      </a:majorFont>
+      <a:minorFont>
+        <a:latin typeface="Calibri" panose="020F0502020204030204"/>
+        <a:ea typeface=""/>
+        <a:cs typeface=""/>
+        <a:font script="Jpan" typeface="Yu Gothic"/>
+        <a:font script="Hang" typeface="맑은 고딕"/>
+        <a:font script="Hans" typeface="DengXian"/>
+        <a:font script="Hant" typeface="新細明體"/>
+        <a:font script="Arab" typeface="Arial"/>
+        <a:font script="Hebr" typeface="Arial"/>
+        <a:font script="Thai" typeface="Cordia New"/>
+        <a:font script="Ethi" typeface="Nyala"/>
+        <a:font script="Beng" typeface="Vrinda"/>
+        <a:font script="Gujr" typeface="Shruti"/>
+        <a:font script="Khmr" typeface="DaunPenh"/>
+        <a:font script="Knda" typeface="Tunga"/>
+        <a:font script="Guru" typeface="Raavi"/>
+        <a:font script="Cans" typeface="Euphemia"/>
+        <a:font script="Cher" typeface="Plantagenet Cherokee"/>
+        <a:font script="Yiii" typeface="Microsoft Yi Baiti"/>
+        <a:font script="Tibt" typeface="Microsoft Himalaya"/>
+        <a:font script="Thaa" typeface="MV Boli"/>
+        <a:font script="Deva" typeface="Mangal"/>
+        <a:font script="Telu" typeface="Gautami"/>
+        <a:font script="Taml" typeface="Latha"/>
+        <a:font script="Syrc" typeface="Estrangelo Edessa"/>
+        <a:font script="Orya" typeface="Kalinga"/>
+        <a:font script="Mlym" typeface="Kartika"/>
+        <a:font script="Laoo" typeface="DokChampa"/>
+        <a:font script="Sinh" typeface="Iskoola Pota"/>
+        <a:font script="Mong" typeface="Mongolian Baiti"/>
+        <a:font script="Viet" typeface="Arial"/>
+        <a:font script="Uigh" typeface="Microsoft Uighur"/>
+        <a:font script="Geor" typeface="Sylfaen"/>
+      </a:minorFont>
+    </a:fontScheme>
+    <a:fmtScheme name="Office">
+      <a:fillStyleLst>
+        <a:solidFill>
+          <a:schemeClr val="phClr"/>
+        </a:solidFill>
+        <a:gradFill rotWithShape="1">
+          <a:gsLst>
+            <a:gs pos="0">
+              <a:schemeClr val="phClr">
+                <a:lumMod val="110000"/>
+                <a:satMod val="105000"/>
+                <a:tint val="67000"/>
+              </a:schemeClr>
+            </a:gs>
+            <a:gs pos="50000">
+              <a:schemeClr val="phClr">
+                <a:lumMod val="105000"/>
+                <a:satMod val="103000"/>
+                <a:tint val="73000"/>
+              </a:schemeClr>
+            </a:gs>
+            <a:gs pos="100000">
+              <a:schemeClr val="phClr">
+                <a:lumMod val="105000"/>
+                <a:satMod val="109000"/>
+                <a:tint val="81000"/>
+              </a:schemeClr>
+            </a:gs>
+          </a:gsLst>
+          <a:lin ang="5400000" scaled="0"/>
+        </a:gradFill>
+        <a:gradFill rotWithShape="1">
+          <a:gsLst>
+            <a:gs pos="0">
+              <a:schemeClr val="phClr">
+                <a:satMod val="103000"/>
+                <a:lumMod val="102000"/>
+                <a:tint val="94000"/>
+              </a:schemeClr>
+            </a:gs>
+            <a:gs pos="50000">
+              <a:schemeClr val="phClr">
+                <a:satMod val="110000"/>
+                <a:lumMod val="100000"/>
+                <a:shade val="100000"/>
+              </a:schemeClr>
+            </a:gs>
+            <a:gs pos="100000">
+              <a:schemeClr val="phClr">
+                <a:lumMod val="99000"/>
+                <a:satMod val="120000"/>
+                <a:shade val="78000"/>
+              </a:schemeClr>
+            </a:gs>
+          </a:gsLst>
+          <a:lin ang="5400000" scaled="0"/>
+        </a:gradFill>
+      </a:fillStyleLst>
+      <a:lnStyleLst>
+        <a:ln w="6350" cap="flat" cmpd="sng" algn="ctr">
+          <a:solidFill>
+            <a:schemeClr val="phClr"/>
+          </a:solidFill>
+          <a:prstDash val="solid"/>
+          <a:miter lim="800000"/>
+        </a:ln>
+        <a:ln w="12700" cap="flat" cmpd="sng" algn="ctr">
+          <a:solidFill>
+            <a:schemeClr val="phClr"/>
+          </a:solidFill>
+          <a:prstDash val="solid"/>
+          <a:miter lim="800000"/>
+        </a:ln>
+        <a:ln w="19050" cap="flat" cmpd="sng" algn="ctr">
+          <a:solidFill>
+            <a:schemeClr val="phClr"/>
+          </a:solidFill>
+          <a:prstDash val="solid"/>
+          <a:miter lim="800000"/>
+        </a:ln>
+      </a:lnStyleLst>
+      <a:effectStyleLst>
+        <a:effectStyle>
+          <a:effectLst/>
+        </a:effectStyle>
+        <a:effectStyle>
+          <a:effectLst/>
+        </a:effectStyle>
+        <a:effectStyle>
+          <a:effectLst>
+            <a:outerShdw blurRad="57150" dist="19050" dir="5400000" algn="ctr" rotWithShape="0">
+              <a:srgbClr val="000000">
+                <a:alpha val="63000"/>
+              </a:srgbClr>
+            </a:outerShdw>
+          </a:effectLst>
+        </a:effectStyle>
+      </a:effectStyleLst>
+      <a:bgFillStyleLst>
+        <a:solidFill>
+          <a:schemeClr val="phClr"/>
+        </a:solidFill>
+        <a:solidFill>
+          <a:schemeClr val="phClr">
+            <a:tint val="95000"/>
+            <a:satMod val="170000"/>
+          </a:schemeClr>
+        </a:solidFill>
+        <a:gradFill rotWithShape="1">
+          <a:gsLst>
+            <a:gs pos="0">
+              <a:schemeClr val="phClr">
+                <a:tint val="93000"/>
+                <a:satMod val="150000"/>
+                <a:shade val="98000"/>
+                <a:lumMod val="102000"/>
+              </a:schemeClr>
+            </a:gs>
+            <a:gs pos="50000">
+              <a:schemeClr val="phClr">
+                <a:tint val="98000"/>
+                <a:satMod val="130000"/>
+                <a:shade val="90000"/>
+                <a:lumMod val="103000"/>
+              </a:schemeClr>
+            </a:gs>
+            <a:gs pos="100000">
+              <a:schemeClr val="phClr">
+                <a:shade val="63000"/>
+                <a:satMod val="120000"/>
+              </a:schemeClr>
+            </a:gs>
+          </a:gsLst>
+          <a:lin ang="5400000" scaled="0"/>
+        </a:gradFill>
+      </a:bgFillStyleLst>
+    </a:fmtScheme>
+  </a:themeElements>
+  <a:objectDefaults/>
+  <a:extraClrSchemeLst/>
+  <a:extLst>
+    <a:ext uri="{05A4C25C-085E-4340-85A3-A5531E510DB2}">
+      <thm15:themeFamily xmlns:thm15="http://schemas.microsoft.com/office/thememl/2012/main" name="Office Theme" id="{62F939B6-93AF-4DB8-9C6B-D6C7DFDC589F}" vid="{4A3C46E8-61CC-4603-A589-7422A47A8E4A}"/>
+    </a:ext>
+  </a:extLst>
+</a:theme>
 </file>
--- a/paper/abstraction/figures/examples.pptx
+++ b/paper/abstraction/figures/examples.pptx
@@ -10128,7 +10128,7 @@
         </p:nvSpPr>
         <p:spPr>
           <a:xfrm>
-            <a:off x="5671026" y="1734130"/>
+            <a:off x="5748016" y="1657930"/>
             <a:ext cx="504684" cy="326113"/>
           </a:xfrm>
           <a:prstGeom prst="rect">
@@ -10193,8 +10193,8 @@
         </p:nvCxnSpPr>
         <p:spPr>
           <a:xfrm>
-            <a:off x="5923368" y="2060243"/>
-            <a:ext cx="972761" cy="651123"/>
+            <a:off x="6000358" y="1984043"/>
+            <a:ext cx="1373034" cy="645069"/>
           </a:xfrm>
           <a:prstGeom prst="line">
             <a:avLst/>
@@ -10220,43 +10220,402 @@
           </a:fontRef>
         </p:style>
       </p:cxnSp>
+      <p:cxnSp>
+        <p:nvCxnSpPr>
+          <p:cNvPr id="64" name="Straight Connector 63"/>
+          <p:cNvCxnSpPr>
+            <a:endCxn id="59" idx="0"/>
+          </p:cNvCxnSpPr>
+          <p:nvPr/>
+        </p:nvCxnSpPr>
+        <p:spPr>
+          <a:xfrm>
+            <a:off x="6000358" y="1347407"/>
+            <a:ext cx="0" cy="310523"/>
+          </a:xfrm>
+          <a:prstGeom prst="line">
+            <a:avLst/>
+          </a:prstGeom>
+          <a:ln w="38100">
+            <a:solidFill>
+              <a:schemeClr val="tx1"/>
+            </a:solidFill>
+            <a:headEnd type="triangle" w="med" len="med"/>
+            <a:tailEnd type="triangle" w="med" len="med"/>
+          </a:ln>
+        </p:spPr>
+        <p:style>
+          <a:lnRef idx="1">
+            <a:schemeClr val="accent1"/>
+          </a:lnRef>
+          <a:fillRef idx="0">
+            <a:schemeClr val="accent1"/>
+          </a:fillRef>
+          <a:effectRef idx="0">
+            <a:schemeClr val="accent1"/>
+          </a:effectRef>
+          <a:fontRef idx="minor">
+            <a:schemeClr val="tx1"/>
+          </a:fontRef>
+        </p:style>
+      </p:cxnSp>
+      <p:cxnSp>
+        <p:nvCxnSpPr>
+          <p:cNvPr id="148" name="Straight Connector 147"/>
+          <p:cNvCxnSpPr>
+            <a:stCxn id="59" idx="2"/>
+            <a:endCxn id="132" idx="0"/>
+          </p:cNvCxnSpPr>
+          <p:nvPr/>
+        </p:nvCxnSpPr>
+        <p:spPr>
+          <a:xfrm flipH="1">
+            <a:off x="4634378" y="1984043"/>
+            <a:ext cx="1365980" cy="649080"/>
+          </a:xfrm>
+          <a:prstGeom prst="line">
+            <a:avLst/>
+          </a:prstGeom>
+          <a:ln w="19050">
+            <a:solidFill>
+              <a:schemeClr val="tx1"/>
+            </a:solidFill>
+          </a:ln>
+        </p:spPr>
+        <p:style>
+          <a:lnRef idx="1">
+            <a:schemeClr val="accent1"/>
+          </a:lnRef>
+          <a:fillRef idx="0">
+            <a:schemeClr val="accent1"/>
+          </a:fillRef>
+          <a:effectRef idx="0">
+            <a:schemeClr val="accent1"/>
+          </a:effectRef>
+          <a:fontRef idx="minor">
+            <a:schemeClr val="tx1"/>
+          </a:fontRef>
+        </p:style>
+      </p:cxnSp>
+      <p:sp>
+        <p:nvSpPr>
+          <p:cNvPr id="153" name="TextBox 152"/>
+          <p:cNvSpPr txBox="1"/>
+          <p:nvPr/>
+        </p:nvSpPr>
+        <p:spPr>
+          <a:xfrm>
+            <a:off x="3640721" y="4364194"/>
+            <a:ext cx="1987313" cy="400110"/>
+          </a:xfrm>
+          <a:prstGeom prst="rect">
+            <a:avLst/>
+          </a:prstGeom>
+          <a:noFill/>
+        </p:spPr>
+        <p:txBody>
+          <a:bodyPr wrap="square" rtlCol="0">
+            <a:spAutoFit/>
+          </a:bodyPr>
+          <a:lstStyle/>
+          <a:p>
+            <a:pPr algn="ctr"/>
+            <a:r>
+              <a:rPr lang="en-US" sz="2000" dirty="0" smtClean="0"/>
+              <a:t>Global services</a:t>
+            </a:r>
+            <a:endParaRPr lang="en-US" sz="2000" baseline="-25000" dirty="0"/>
+          </a:p>
+        </p:txBody>
+      </p:sp>
+      <p:sp>
+        <p:nvSpPr>
+          <p:cNvPr id="154" name="TextBox 153"/>
+          <p:cNvSpPr txBox="1"/>
+          <p:nvPr/>
+        </p:nvSpPr>
+        <p:spPr>
+          <a:xfrm>
+            <a:off x="6379735" y="4364194"/>
+            <a:ext cx="1987313" cy="400110"/>
+          </a:xfrm>
+          <a:prstGeom prst="rect">
+            <a:avLst/>
+          </a:prstGeom>
+          <a:noFill/>
+        </p:spPr>
+        <p:txBody>
+          <a:bodyPr wrap="square" rtlCol="0">
+            <a:spAutoFit/>
+          </a:bodyPr>
+          <a:lstStyle/>
+          <a:p>
+            <a:pPr algn="ctr"/>
+            <a:r>
+              <a:rPr lang="en-US" sz="2000" dirty="0" smtClean="0"/>
+              <a:t>Local services</a:t>
+            </a:r>
+            <a:endParaRPr lang="en-US" sz="2000" baseline="-25000" dirty="0"/>
+          </a:p>
+        </p:txBody>
+      </p:sp>
       <p:grpSp>
         <p:nvGrpSpPr>
-          <p:cNvPr id="106" name="Group 105"/>
+          <p:cNvPr id="29" name="Group 28"/>
           <p:cNvGrpSpPr/>
           <p:nvPr/>
         </p:nvGrpSpPr>
         <p:grpSpPr>
           <a:xfrm>
-            <a:off x="6643787" y="2711366"/>
-            <a:ext cx="504684" cy="938289"/>
-            <a:chOff x="4422388" y="3788229"/>
-            <a:chExt cx="825651" cy="1785257"/>
+            <a:off x="4083431" y="2471057"/>
+            <a:ext cx="1114071" cy="1762788"/>
+            <a:chOff x="4083431" y="2471057"/>
+            <a:chExt cx="1114071" cy="1762788"/>
           </a:xfrm>
         </p:grpSpPr>
+        <p:grpSp>
+          <p:nvGrpSpPr>
+            <p:cNvPr id="99" name="Group 98"/>
+            <p:cNvGrpSpPr/>
+            <p:nvPr/>
+          </p:nvGrpSpPr>
+          <p:grpSpPr>
+            <a:xfrm>
+              <a:off x="4382036" y="2633123"/>
+              <a:ext cx="504684" cy="1208704"/>
+              <a:chOff x="4422388" y="3273718"/>
+              <a:chExt cx="825651" cy="2299768"/>
+            </a:xfrm>
+          </p:grpSpPr>
+          <p:grpSp>
+            <p:nvGrpSpPr>
+              <p:cNvPr id="124" name="Group 123"/>
+              <p:cNvGrpSpPr/>
+              <p:nvPr/>
+            </p:nvGrpSpPr>
+            <p:grpSpPr>
+              <a:xfrm>
+                <a:off x="4422388" y="3273718"/>
+                <a:ext cx="825651" cy="2299768"/>
+                <a:chOff x="4422388" y="3273718"/>
+                <a:chExt cx="825651" cy="2299768"/>
+              </a:xfrm>
+            </p:grpSpPr>
+            <p:sp>
+              <p:nvSpPr>
+                <p:cNvPr id="130" name="Rectangle 129"/>
+                <p:cNvSpPr/>
+                <p:nvPr/>
+              </p:nvSpPr>
+              <p:spPr>
+                <a:xfrm>
+                  <a:off x="4422388" y="4953000"/>
+                  <a:ext cx="825651" cy="620486"/>
+                </a:xfrm>
+                <a:prstGeom prst="rect">
+                  <a:avLst/>
+                </a:prstGeom>
+                <a:solidFill>
+                  <a:schemeClr val="bg2">
+                    <a:lumMod val="90000"/>
+                  </a:schemeClr>
+                </a:solidFill>
+                <a:ln>
+                  <a:solidFill>
+                    <a:schemeClr val="tx1"/>
+                  </a:solidFill>
+                </a:ln>
+              </p:spPr>
+              <p:style>
+                <a:lnRef idx="2">
+                  <a:schemeClr val="accent1">
+                    <a:shade val="50000"/>
+                  </a:schemeClr>
+                </a:lnRef>
+                <a:fillRef idx="1">
+                  <a:schemeClr val="accent1"/>
+                </a:fillRef>
+                <a:effectRef idx="0">
+                  <a:schemeClr val="accent1"/>
+                </a:effectRef>
+                <a:fontRef idx="minor">
+                  <a:schemeClr val="lt1"/>
+                </a:fontRef>
+              </p:style>
+              <p:txBody>
+                <a:bodyPr rtlCol="0" anchor="ctr"/>
+                <a:lstStyle/>
+                <a:p>
+                  <a:pPr algn="ctr"/>
+                  <a:r>
+                    <a:rPr lang="en-US" sz="2000" dirty="0" smtClean="0">
+                      <a:solidFill>
+                        <a:schemeClr val="tx1"/>
+                      </a:solidFill>
+                    </a:rPr>
+                    <a:t>TG</a:t>
+                  </a:r>
+                  <a:endParaRPr lang="en-US" sz="2000" dirty="0">
+                    <a:solidFill>
+                      <a:schemeClr val="tx1"/>
+                    </a:solidFill>
+                  </a:endParaRPr>
+                </a:p>
+              </p:txBody>
+            </p:sp>
+            <p:sp>
+              <p:nvSpPr>
+                <p:cNvPr id="132" name="Rectangle 131"/>
+                <p:cNvSpPr/>
+                <p:nvPr/>
+              </p:nvSpPr>
+              <p:spPr>
+                <a:xfrm>
+                  <a:off x="4422388" y="3273718"/>
+                  <a:ext cx="825651" cy="620486"/>
+                </a:xfrm>
+                <a:prstGeom prst="rect">
+                  <a:avLst/>
+                </a:prstGeom>
+                <a:solidFill>
+                  <a:schemeClr val="bg2">
+                    <a:lumMod val="90000"/>
+                  </a:schemeClr>
+                </a:solidFill>
+                <a:ln>
+                  <a:solidFill>
+                    <a:schemeClr val="tx1"/>
+                  </a:solidFill>
+                </a:ln>
+              </p:spPr>
+              <p:style>
+                <a:lnRef idx="2">
+                  <a:schemeClr val="accent1">
+                    <a:shade val="50000"/>
+                  </a:schemeClr>
+                </a:lnRef>
+                <a:fillRef idx="1">
+                  <a:schemeClr val="accent1"/>
+                </a:fillRef>
+                <a:effectRef idx="0">
+                  <a:schemeClr val="accent1"/>
+                </a:effectRef>
+                <a:fontRef idx="minor">
+                  <a:schemeClr val="lt1"/>
+                </a:fontRef>
+              </p:style>
+              <p:txBody>
+                <a:bodyPr rtlCol="0" anchor="ctr"/>
+                <a:lstStyle/>
+                <a:p>
+                  <a:pPr algn="ctr"/>
+                  <a:r>
+                    <a:rPr lang="en-US" sz="2000" dirty="0" smtClean="0">
+                      <a:solidFill>
+                        <a:schemeClr val="tx1"/>
+                      </a:solidFill>
+                    </a:rPr>
+                    <a:t>AG</a:t>
+                  </a:r>
+                  <a:endParaRPr lang="en-US" sz="2000" dirty="0">
+                    <a:solidFill>
+                      <a:schemeClr val="tx1"/>
+                    </a:solidFill>
+                  </a:endParaRPr>
+                </a:p>
+              </p:txBody>
+            </p:sp>
+          </p:grpSp>
+          <p:cxnSp>
+            <p:nvCxnSpPr>
+              <p:cNvPr id="126" name="Straight Connector 125"/>
+              <p:cNvCxnSpPr>
+                <a:stCxn id="132" idx="2"/>
+                <a:endCxn id="130" idx="0"/>
+              </p:cNvCxnSpPr>
+              <p:nvPr/>
+            </p:nvCxnSpPr>
+            <p:spPr>
+              <a:xfrm>
+                <a:off x="4835214" y="3894204"/>
+                <a:ext cx="0" cy="1058795"/>
+              </a:xfrm>
+              <a:prstGeom prst="line">
+                <a:avLst/>
+              </a:prstGeom>
+              <a:ln w="19050">
+                <a:solidFill>
+                  <a:schemeClr val="tx1"/>
+                </a:solidFill>
+              </a:ln>
+            </p:spPr>
+            <p:style>
+              <a:lnRef idx="1">
+                <a:schemeClr val="accent1"/>
+              </a:lnRef>
+              <a:fillRef idx="0">
+                <a:schemeClr val="accent1"/>
+              </a:fillRef>
+              <a:effectRef idx="0">
+                <a:schemeClr val="accent1"/>
+              </a:effectRef>
+              <a:fontRef idx="minor">
+                <a:schemeClr val="tx1"/>
+              </a:fontRef>
+            </p:style>
+          </p:cxnSp>
+        </p:grpSp>
         <p:sp>
           <p:nvSpPr>
-            <p:cNvPr id="112" name="Rectangle 111"/>
+            <p:cNvPr id="102" name="TextBox 101"/>
+            <p:cNvSpPr txBox="1"/>
+            <p:nvPr/>
+          </p:nvSpPr>
+          <p:spPr>
+            <a:xfrm>
+              <a:off x="4282818" y="3833735"/>
+              <a:ext cx="703121" cy="400110"/>
+            </a:xfrm>
+            <a:prstGeom prst="rect">
+              <a:avLst/>
+            </a:prstGeom>
+            <a:noFill/>
+          </p:spPr>
+          <p:txBody>
+            <a:bodyPr wrap="square" rtlCol="0">
+              <a:spAutoFit/>
+            </a:bodyPr>
+            <a:lstStyle/>
+            <a:p>
+              <a:pPr algn="ctr"/>
+              <a:r>
+                <a:rPr lang="en-US" sz="2000" dirty="0" smtClean="0"/>
+                <a:t>PG</a:t>
+              </a:r>
+              <a:endParaRPr lang="en-US" sz="2000" baseline="-25000" dirty="0"/>
+            </a:p>
+          </p:txBody>
+        </p:sp>
+        <p:sp>
+          <p:nvSpPr>
+            <p:cNvPr id="123" name="Rectangle 122"/>
             <p:cNvSpPr/>
             <p:nvPr/>
           </p:nvSpPr>
           <p:spPr>
             <a:xfrm>
-              <a:off x="4422388" y="4953000"/>
-              <a:ext cx="825651" cy="620486"/>
+              <a:off x="4083431" y="2471057"/>
+              <a:ext cx="1114071" cy="1709057"/>
             </a:xfrm>
             <a:prstGeom prst="rect">
               <a:avLst/>
             </a:prstGeom>
-            <a:solidFill>
-              <a:schemeClr val="bg2">
-                <a:lumMod val="90000"/>
-              </a:schemeClr>
-            </a:solidFill>
-            <a:ln>
+            <a:noFill/>
+            <a:ln w="25400">
               <a:solidFill>
                 <a:schemeClr val="tx1"/>
               </a:solidFill>
+              <a:prstDash val="sysDot"/>
             </a:ln>
           </p:spPr>
           <p:style>
@@ -10280,275 +10639,104 @@
             <a:lstStyle/>
             <a:p>
               <a:pPr algn="ctr"/>
-              <a:r>
-                <a:rPr lang="en-US" sz="2000" dirty="0" smtClean="0">
-                  <a:solidFill>
-                    <a:schemeClr val="tx1"/>
-                  </a:solidFill>
-                </a:rPr>
-                <a:t>TL</a:t>
-              </a:r>
-              <a:endParaRPr lang="en-US" sz="2000" dirty="0">
-                <a:solidFill>
-                  <a:schemeClr val="tx1"/>
-                </a:solidFill>
-              </a:endParaRPr>
+              <a:endParaRPr lang="en-US" sz="1600"/>
             </a:p>
           </p:txBody>
         </p:sp>
         <p:sp>
           <p:nvSpPr>
-            <p:cNvPr id="114" name="Rectangle 113"/>
-            <p:cNvSpPr/>
+            <p:cNvPr id="26" name="TextBox 25"/>
+            <p:cNvSpPr txBox="1"/>
             <p:nvPr/>
           </p:nvSpPr>
           <p:spPr>
             <a:xfrm>
-              <a:off x="4422388" y="3788229"/>
-              <a:ext cx="825651" cy="620486"/>
+              <a:off x="4162352" y="3189936"/>
+              <a:ext cx="633611" cy="400110"/>
             </a:xfrm>
             <a:prstGeom prst="rect">
               <a:avLst/>
             </a:prstGeom>
-            <a:solidFill>
-              <a:schemeClr val="bg2">
-                <a:lumMod val="90000"/>
-              </a:schemeClr>
-            </a:solidFill>
-            <a:ln>
-              <a:solidFill>
-                <a:schemeClr val="tx1"/>
-              </a:solidFill>
-            </a:ln>
+            <a:noFill/>
           </p:spPr>
-          <p:style>
-            <a:lnRef idx="2">
-              <a:schemeClr val="accent1">
-                <a:shade val="50000"/>
-              </a:schemeClr>
-            </a:lnRef>
-            <a:fillRef idx="1">
-              <a:schemeClr val="accent1"/>
-            </a:fillRef>
-            <a:effectRef idx="0">
-              <a:schemeClr val="accent1"/>
-            </a:effectRef>
-            <a:fontRef idx="minor">
-              <a:schemeClr val="lt1"/>
-            </a:fontRef>
-          </p:style>
           <p:txBody>
-            <a:bodyPr rtlCol="0" anchor="ctr"/>
+            <a:bodyPr wrap="square" rtlCol="0">
+              <a:spAutoFit/>
+            </a:bodyPr>
             <a:lstStyle/>
             <a:p>
               <a:pPr algn="ctr"/>
               <a:r>
-                <a:rPr lang="en-US" sz="2000" dirty="0" smtClean="0">
-                  <a:solidFill>
-                    <a:schemeClr val="tx1"/>
-                  </a:solidFill>
-                </a:rPr>
-                <a:t>AL</a:t>
+                <a:rPr lang="en-US" sz="2000" dirty="0" smtClean="0"/>
+                <a:t>e1</a:t>
               </a:r>
-              <a:endParaRPr lang="en-US" sz="2000" dirty="0">
-                <a:solidFill>
-                  <a:schemeClr val="tx1"/>
-                </a:solidFill>
-              </a:endParaRPr>
+              <a:endParaRPr lang="en-US" sz="2000" baseline="-25000" dirty="0"/>
+            </a:p>
+          </p:txBody>
+        </p:sp>
+        <p:sp>
+          <p:nvSpPr>
+            <p:cNvPr id="45" name="TextBox 44"/>
+            <p:cNvSpPr txBox="1"/>
+            <p:nvPr/>
+          </p:nvSpPr>
+          <p:spPr>
+            <a:xfrm>
+              <a:off x="4162352" y="2906908"/>
+              <a:ext cx="633611" cy="400110"/>
+            </a:xfrm>
+            <a:prstGeom prst="rect">
+              <a:avLst/>
+            </a:prstGeom>
+            <a:noFill/>
+          </p:spPr>
+          <p:txBody>
+            <a:bodyPr wrap="square" rtlCol="0">
+              <a:spAutoFit/>
+            </a:bodyPr>
+            <a:lstStyle/>
+            <a:p>
+              <a:pPr algn="ctr"/>
+              <a:r>
+                <a:rPr lang="en-US" sz="2000" dirty="0" smtClean="0"/>
+                <a:t>e2</a:t>
+              </a:r>
+              <a:endParaRPr lang="en-US" sz="2000" baseline="-25000" dirty="0"/>
             </a:p>
           </p:txBody>
         </p:sp>
       </p:grpSp>
-      <p:cxnSp>
-        <p:nvCxnSpPr>
-          <p:cNvPr id="108" name="Straight Connector 107"/>
-          <p:cNvCxnSpPr>
-            <a:stCxn id="114" idx="2"/>
-            <a:endCxn id="112" idx="0"/>
-          </p:cNvCxnSpPr>
-          <p:nvPr/>
-        </p:nvCxnSpPr>
-        <p:spPr>
-          <a:xfrm>
-            <a:off x="6896130" y="3037479"/>
-            <a:ext cx="0" cy="286063"/>
-          </a:xfrm>
-          <a:prstGeom prst="line">
-            <a:avLst/>
-          </a:prstGeom>
-          <a:ln w="19050">
-            <a:solidFill>
-              <a:schemeClr val="tx1"/>
-            </a:solidFill>
-          </a:ln>
-        </p:spPr>
-        <p:style>
-          <a:lnRef idx="1">
-            <a:schemeClr val="accent1"/>
-          </a:lnRef>
-          <a:fillRef idx="0">
-            <a:schemeClr val="accent1"/>
-          </a:fillRef>
-          <a:effectRef idx="0">
-            <a:schemeClr val="accent1"/>
-          </a:effectRef>
-          <a:fontRef idx="minor">
-            <a:schemeClr val="tx1"/>
-          </a:fontRef>
-        </p:style>
-      </p:cxnSp>
-      <p:sp>
-        <p:nvSpPr>
-          <p:cNvPr id="38" name="TextBox 37"/>
-          <p:cNvSpPr txBox="1"/>
-          <p:nvPr/>
-        </p:nvSpPr>
-        <p:spPr>
-          <a:xfrm>
-            <a:off x="6559203" y="3615327"/>
-            <a:ext cx="633611" cy="400110"/>
-          </a:xfrm>
-          <a:prstGeom prst="rect">
-            <a:avLst/>
-          </a:prstGeom>
-          <a:noFill/>
-        </p:spPr>
-        <p:txBody>
-          <a:bodyPr wrap="square" rtlCol="0">
-            <a:spAutoFit/>
-          </a:bodyPr>
-          <a:lstStyle/>
-          <a:p>
-            <a:pPr algn="ctr"/>
-            <a:r>
-              <a:rPr lang="en-US" sz="2000" smtClean="0"/>
-              <a:t>P</a:t>
-            </a:r>
-            <a:r>
-              <a:rPr lang="en-US" sz="2000" dirty="0"/>
-              <a:t>L</a:t>
-            </a:r>
-            <a:endParaRPr lang="en-US" sz="2000" baseline="-25000" dirty="0"/>
-          </a:p>
-        </p:txBody>
-      </p:sp>
-      <p:sp>
-        <p:nvSpPr>
-          <p:cNvPr id="49" name="Rectangle 48"/>
-          <p:cNvSpPr/>
-          <p:nvPr/>
-        </p:nvSpPr>
-        <p:spPr>
-          <a:xfrm>
-            <a:off x="6518107" y="2548080"/>
-            <a:ext cx="749534" cy="1465330"/>
-          </a:xfrm>
-          <a:prstGeom prst="rect">
-            <a:avLst/>
-          </a:prstGeom>
-          <a:noFill/>
-          <a:ln>
-            <a:solidFill>
-              <a:schemeClr val="tx1"/>
-            </a:solidFill>
-            <a:prstDash val="dashDot"/>
-          </a:ln>
-        </p:spPr>
-        <p:style>
-          <a:lnRef idx="2">
-            <a:schemeClr val="accent1">
-              <a:shade val="50000"/>
-            </a:schemeClr>
-          </a:lnRef>
-          <a:fillRef idx="1">
-            <a:schemeClr val="accent1"/>
-          </a:fillRef>
-          <a:effectRef idx="0">
-            <a:schemeClr val="accent1"/>
-          </a:effectRef>
-          <a:fontRef idx="minor">
-            <a:schemeClr val="lt1"/>
-          </a:fontRef>
-        </p:style>
-        <p:txBody>
-          <a:bodyPr rtlCol="0" anchor="ctr"/>
-          <a:lstStyle/>
-          <a:p>
-            <a:pPr algn="ctr"/>
-            <a:endParaRPr lang="en-US" sz="1600"/>
-          </a:p>
-        </p:txBody>
-      </p:sp>
-      <p:cxnSp>
-        <p:nvCxnSpPr>
-          <p:cNvPr id="64" name="Straight Connector 63"/>
-          <p:cNvCxnSpPr>
-            <a:endCxn id="59" idx="0"/>
-          </p:cNvCxnSpPr>
-          <p:nvPr/>
-        </p:nvCxnSpPr>
-        <p:spPr>
-          <a:xfrm>
-            <a:off x="5923368" y="1423607"/>
-            <a:ext cx="0" cy="310523"/>
-          </a:xfrm>
-          <a:prstGeom prst="line">
-            <a:avLst/>
-          </a:prstGeom>
-          <a:ln w="38100">
-            <a:solidFill>
-              <a:schemeClr val="tx1"/>
-            </a:solidFill>
-            <a:headEnd type="triangle" w="med" len="med"/>
-            <a:tailEnd type="triangle" w="med" len="med"/>
-          </a:ln>
-        </p:spPr>
-        <p:style>
-          <a:lnRef idx="1">
-            <a:schemeClr val="accent1"/>
-          </a:lnRef>
-          <a:fillRef idx="0">
-            <a:schemeClr val="accent1"/>
-          </a:fillRef>
-          <a:effectRef idx="0">
-            <a:schemeClr val="accent1"/>
-          </a:effectRef>
-          <a:fontRef idx="minor">
-            <a:schemeClr val="tx1"/>
-          </a:fontRef>
-        </p:style>
-      </p:cxnSp>
       <p:grpSp>
         <p:nvGrpSpPr>
-          <p:cNvPr id="99" name="Group 98"/>
+          <p:cNvPr id="28" name="Group 27"/>
           <p:cNvGrpSpPr/>
           <p:nvPr/>
         </p:nvGrpSpPr>
         <p:grpSpPr>
           <a:xfrm>
-            <a:off x="4722355" y="2700590"/>
-            <a:ext cx="504684" cy="938289"/>
-            <a:chOff x="4422388" y="3788229"/>
-            <a:chExt cx="825651" cy="1785257"/>
+            <a:off x="6822447" y="2471058"/>
+            <a:ext cx="1102353" cy="1744104"/>
+            <a:chOff x="6822447" y="2471058"/>
+            <a:chExt cx="1102353" cy="1744104"/>
           </a:xfrm>
         </p:grpSpPr>
         <p:grpSp>
           <p:nvGrpSpPr>
-            <p:cNvPr id="124" name="Group 123"/>
+            <p:cNvPr id="106" name="Group 105"/>
             <p:cNvGrpSpPr/>
             <p:nvPr/>
           </p:nvGrpSpPr>
           <p:grpSpPr>
             <a:xfrm>
-              <a:off x="4422388" y="3788229"/>
-              <a:ext cx="825651" cy="1785257"/>
-              <a:chOff x="4422388" y="3788229"/>
-              <a:chExt cx="825651" cy="1785257"/>
+              <a:off x="7121050" y="2629112"/>
+              <a:ext cx="504684" cy="1190942"/>
+              <a:chOff x="4422388" y="3307512"/>
+              <a:chExt cx="825651" cy="2265974"/>
             </a:xfrm>
           </p:grpSpPr>
           <p:sp>
             <p:nvSpPr>
-              <p:cNvPr id="130" name="Rectangle 129"/>
+              <p:cNvPr id="112" name="Rectangle 111"/>
               <p:cNvSpPr/>
               <p:nvPr/>
             </p:nvSpPr>
@@ -10598,7 +10786,7 @@
                       <a:schemeClr val="tx1"/>
                     </a:solidFill>
                   </a:rPr>
-                  <a:t>TG</a:t>
+                  <a:t>TL</a:t>
                 </a:r>
                 <a:endParaRPr lang="en-US" sz="2000" dirty="0">
                   <a:solidFill>
@@ -10610,14 +10798,14 @@
           </p:sp>
           <p:sp>
             <p:nvSpPr>
-              <p:cNvPr id="132" name="Rectangle 131"/>
+              <p:cNvPr id="114" name="Rectangle 113"/>
               <p:cNvSpPr/>
               <p:nvPr/>
             </p:nvSpPr>
             <p:spPr>
               <a:xfrm>
-                <a:off x="4422388" y="3788229"/>
-                <a:ext cx="825651" cy="620486"/>
+                <a:off x="4422388" y="3307512"/>
+                <a:ext cx="825651" cy="620487"/>
               </a:xfrm>
               <a:prstGeom prst="rect">
                 <a:avLst/>
@@ -10660,7 +10848,7 @@
                       <a:schemeClr val="tx1"/>
                     </a:solidFill>
                   </a:rPr>
-                  <a:t>AG</a:t>
+                  <a:t>AL</a:t>
                 </a:r>
                 <a:endParaRPr lang="en-US" sz="2000" dirty="0">
                   <a:solidFill>
@@ -10673,17 +10861,17 @@
         </p:grpSp>
         <p:cxnSp>
           <p:nvCxnSpPr>
-            <p:cNvPr id="126" name="Straight Connector 125"/>
+            <p:cNvPr id="108" name="Straight Connector 107"/>
             <p:cNvCxnSpPr>
-              <a:stCxn id="132" idx="2"/>
-              <a:endCxn id="130" idx="0"/>
+              <a:stCxn id="114" idx="2"/>
+              <a:endCxn id="112" idx="0"/>
             </p:cNvCxnSpPr>
             <p:nvPr/>
           </p:nvCxnSpPr>
           <p:spPr>
             <a:xfrm>
-              <a:off x="4835214" y="4408715"/>
-              <a:ext cx="0" cy="544284"/>
+              <a:off x="7373392" y="2955225"/>
+              <a:ext cx="0" cy="538716"/>
             </a:xfrm>
             <a:prstGeom prst="line">
               <a:avLst/>
@@ -10709,17 +10897,161 @@
             </a:fontRef>
           </p:style>
         </p:cxnSp>
+        <p:sp>
+          <p:nvSpPr>
+            <p:cNvPr id="38" name="TextBox 37"/>
+            <p:cNvSpPr txBox="1"/>
+            <p:nvPr/>
+          </p:nvSpPr>
+          <p:spPr>
+            <a:xfrm>
+              <a:off x="7056587" y="3815052"/>
+              <a:ext cx="633611" cy="400110"/>
+            </a:xfrm>
+            <a:prstGeom prst="rect">
+              <a:avLst/>
+            </a:prstGeom>
+            <a:noFill/>
+          </p:spPr>
+          <p:txBody>
+            <a:bodyPr wrap="square" rtlCol="0">
+              <a:spAutoFit/>
+            </a:bodyPr>
+            <a:lstStyle/>
+            <a:p>
+              <a:pPr algn="ctr"/>
+              <a:r>
+                <a:rPr lang="en-US" sz="2000" smtClean="0"/>
+                <a:t>P</a:t>
+              </a:r>
+              <a:r>
+                <a:rPr lang="en-US" sz="2000" dirty="0"/>
+                <a:t>L</a:t>
+              </a:r>
+              <a:endParaRPr lang="en-US" sz="2000" baseline="-25000" dirty="0"/>
+            </a:p>
+          </p:txBody>
+        </p:sp>
+        <p:sp>
+          <p:nvSpPr>
+            <p:cNvPr id="49" name="Rectangle 48"/>
+            <p:cNvSpPr/>
+            <p:nvPr/>
+          </p:nvSpPr>
+          <p:spPr>
+            <a:xfrm>
+              <a:off x="6822447" y="2471058"/>
+              <a:ext cx="1102353" cy="1709056"/>
+            </a:xfrm>
+            <a:prstGeom prst="rect">
+              <a:avLst/>
+            </a:prstGeom>
+            <a:noFill/>
+            <a:ln w="25400">
+              <a:solidFill>
+                <a:schemeClr val="tx1"/>
+              </a:solidFill>
+              <a:prstDash val="sysDot"/>
+            </a:ln>
+          </p:spPr>
+          <p:style>
+            <a:lnRef idx="2">
+              <a:schemeClr val="accent1">
+                <a:shade val="50000"/>
+              </a:schemeClr>
+            </a:lnRef>
+            <a:fillRef idx="1">
+              <a:schemeClr val="accent1"/>
+            </a:fillRef>
+            <a:effectRef idx="0">
+              <a:schemeClr val="accent1"/>
+            </a:effectRef>
+            <a:fontRef idx="minor">
+              <a:schemeClr val="lt1"/>
+            </a:fontRef>
+          </p:style>
+          <p:txBody>
+            <a:bodyPr rtlCol="0" anchor="ctr"/>
+            <a:lstStyle/>
+            <a:p>
+              <a:pPr algn="ctr"/>
+              <a:endParaRPr lang="en-US" sz="1600"/>
+            </a:p>
+          </p:txBody>
+        </p:sp>
+        <p:sp>
+          <p:nvSpPr>
+            <p:cNvPr id="46" name="TextBox 45"/>
+            <p:cNvSpPr txBox="1"/>
+            <p:nvPr/>
+          </p:nvSpPr>
+          <p:spPr>
+            <a:xfrm>
+              <a:off x="7253895" y="3168165"/>
+              <a:ext cx="633611" cy="400110"/>
+            </a:xfrm>
+            <a:prstGeom prst="rect">
+              <a:avLst/>
+            </a:prstGeom>
+            <a:noFill/>
+          </p:spPr>
+          <p:txBody>
+            <a:bodyPr wrap="square" rtlCol="0">
+              <a:spAutoFit/>
+            </a:bodyPr>
+            <a:lstStyle/>
+            <a:p>
+              <a:pPr algn="ctr"/>
+              <a:r>
+                <a:rPr lang="en-US" sz="2000" dirty="0" smtClean="0"/>
+                <a:t>e5</a:t>
+              </a:r>
+              <a:endParaRPr lang="en-US" sz="2000" baseline="-25000" dirty="0"/>
+            </a:p>
+          </p:txBody>
+        </p:sp>
+        <p:sp>
+          <p:nvSpPr>
+            <p:cNvPr id="47" name="TextBox 46"/>
+            <p:cNvSpPr txBox="1"/>
+            <p:nvPr/>
+          </p:nvSpPr>
+          <p:spPr>
+            <a:xfrm>
+              <a:off x="7253895" y="2885137"/>
+              <a:ext cx="633611" cy="400110"/>
+            </a:xfrm>
+            <a:prstGeom prst="rect">
+              <a:avLst/>
+            </a:prstGeom>
+            <a:noFill/>
+          </p:spPr>
+          <p:txBody>
+            <a:bodyPr wrap="square" rtlCol="0">
+              <a:spAutoFit/>
+            </a:bodyPr>
+            <a:lstStyle/>
+            <a:p>
+              <a:pPr algn="ctr"/>
+              <a:r>
+                <a:rPr lang="en-US" sz="2000" dirty="0" smtClean="0"/>
+                <a:t>e6</a:t>
+              </a:r>
+              <a:endParaRPr lang="en-US" sz="2000" baseline="-25000" dirty="0"/>
+            </a:p>
+          </p:txBody>
+        </p:sp>
       </p:grpSp>
       <p:sp>
         <p:nvSpPr>
-          <p:cNvPr id="102" name="TextBox 101"/>
+          <p:cNvPr id="48" name="TextBox 47"/>
           <p:cNvSpPr txBox="1"/>
           <p:nvPr/>
         </p:nvSpPr>
         <p:spPr>
           <a:xfrm>
-            <a:off x="4603685" y="3604551"/>
-            <a:ext cx="703121" cy="400110"/>
+            <a:off x="6773705" y="2105716"/>
+            <a:ext cx="1028530" cy="400110"/>
           </a:xfrm>
           <a:prstGeom prst="rect">
             <a:avLst/>
@@ -10735,7 +11067,7 @@
             <a:pPr algn="ctr"/>
             <a:r>
               <a:rPr lang="en-US" sz="2000" dirty="0" smtClean="0"/>
-              <a:t>PG</a:t>
+              <a:t>e7</a:t>
             </a:r>
             <a:endParaRPr lang="en-US" sz="2000" baseline="-25000" dirty="0"/>
           </a:p>
@@ -10743,99 +11075,14 @@
       </p:sp>
       <p:sp>
         <p:nvSpPr>
-          <p:cNvPr id="123" name="Rectangle 122"/>
-          <p:cNvSpPr/>
-          <p:nvPr/>
-        </p:nvSpPr>
-        <p:spPr>
-          <a:xfrm>
-            <a:off x="4563032" y="2537304"/>
-            <a:ext cx="786870" cy="1465218"/>
-          </a:xfrm>
-          <a:prstGeom prst="rect">
-            <a:avLst/>
-          </a:prstGeom>
-          <a:noFill/>
-          <a:ln>
-            <a:solidFill>
-              <a:schemeClr val="tx1"/>
-            </a:solidFill>
-            <a:prstDash val="dashDot"/>
-          </a:ln>
-        </p:spPr>
-        <p:style>
-          <a:lnRef idx="2">
-            <a:schemeClr val="accent1">
-              <a:shade val="50000"/>
-            </a:schemeClr>
-          </a:lnRef>
-          <a:fillRef idx="1">
-            <a:schemeClr val="accent1"/>
-          </a:fillRef>
-          <a:effectRef idx="0">
-            <a:schemeClr val="accent1"/>
-          </a:effectRef>
-          <a:fontRef idx="minor">
-            <a:schemeClr val="lt1"/>
-          </a:fontRef>
-        </p:style>
-        <p:txBody>
-          <a:bodyPr rtlCol="0" anchor="ctr"/>
-          <a:lstStyle/>
-          <a:p>
-            <a:pPr algn="ctr"/>
-            <a:endParaRPr lang="en-US" sz="1600"/>
-          </a:p>
-        </p:txBody>
-      </p:sp>
-      <p:cxnSp>
-        <p:nvCxnSpPr>
-          <p:cNvPr id="148" name="Straight Connector 147"/>
-          <p:cNvCxnSpPr>
-            <a:stCxn id="59" idx="2"/>
-            <a:endCxn id="132" idx="0"/>
-          </p:cNvCxnSpPr>
-          <p:nvPr/>
-        </p:nvCxnSpPr>
-        <p:spPr>
-          <a:xfrm flipH="1">
-            <a:off x="4974697" y="2060243"/>
-            <a:ext cx="948671" cy="640347"/>
-          </a:xfrm>
-          <a:prstGeom prst="line">
-            <a:avLst/>
-          </a:prstGeom>
-          <a:ln w="19050">
-            <a:solidFill>
-              <a:schemeClr val="tx1"/>
-            </a:solidFill>
-          </a:ln>
-        </p:spPr>
-        <p:style>
-          <a:lnRef idx="1">
-            <a:schemeClr val="accent1"/>
-          </a:lnRef>
-          <a:fillRef idx="0">
-            <a:schemeClr val="accent1"/>
-          </a:fillRef>
-          <a:effectRef idx="0">
-            <a:schemeClr val="accent1"/>
-          </a:effectRef>
-          <a:fontRef idx="minor">
-            <a:schemeClr val="tx1"/>
-          </a:fontRef>
-        </p:style>
-      </p:cxnSp>
-      <p:sp>
-        <p:nvSpPr>
-          <p:cNvPr id="153" name="TextBox 152"/>
+          <p:cNvPr id="50" name="TextBox 49"/>
           <p:cNvSpPr txBox="1"/>
           <p:nvPr/>
         </p:nvSpPr>
         <p:spPr>
           <a:xfrm>
-            <a:off x="3949714" y="4362580"/>
-            <a:ext cx="1987313" cy="400110"/>
+            <a:off x="4229178" y="2136483"/>
+            <a:ext cx="1028530" cy="400110"/>
           </a:xfrm>
           <a:prstGeom prst="rect">
             <a:avLst/>
@@ -10851,7 +11098,7 @@
             <a:pPr algn="ctr"/>
             <a:r>
               <a:rPr lang="en-US" sz="2000" dirty="0" smtClean="0"/>
-              <a:t>Global services</a:t>
+              <a:t>e3</a:t>
             </a:r>
             <a:endParaRPr lang="en-US" sz="2000" baseline="-25000" dirty="0"/>
           </a:p>
@@ -10859,14 +11106,14 @@
       </p:sp>
       <p:sp>
         <p:nvSpPr>
-          <p:cNvPr id="154" name="TextBox 153"/>
+          <p:cNvPr id="51" name="TextBox 50"/>
           <p:cNvSpPr txBox="1"/>
           <p:nvPr/>
         </p:nvSpPr>
         <p:spPr>
           <a:xfrm>
-            <a:off x="5937027" y="4391203"/>
-            <a:ext cx="1987313" cy="400110"/>
+            <a:off x="5165227" y="1789289"/>
+            <a:ext cx="633611" cy="400110"/>
           </a:xfrm>
           <a:prstGeom prst="rect">
             <a:avLst/>
@@ -10882,7 +11129,38 @@
             <a:pPr algn="ctr"/>
             <a:r>
               <a:rPr lang="en-US" sz="2000" dirty="0" smtClean="0"/>
-              <a:t>Local services</a:t>
+              <a:t>e4</a:t>
+            </a:r>
+            <a:endParaRPr lang="en-US" sz="2000" baseline="-25000" dirty="0"/>
+          </a:p>
+        </p:txBody>
+      </p:sp>
+      <p:sp>
+        <p:nvSpPr>
+          <p:cNvPr id="52" name="TextBox 51"/>
+          <p:cNvSpPr txBox="1"/>
+          <p:nvPr/>
+        </p:nvSpPr>
+        <p:spPr>
+          <a:xfrm>
+            <a:off x="6176859" y="1778403"/>
+            <a:ext cx="633611" cy="400110"/>
+          </a:xfrm>
+          <a:prstGeom prst="rect">
+            <a:avLst/>
+          </a:prstGeom>
+          <a:noFill/>
+        </p:spPr>
+        <p:txBody>
+          <a:bodyPr wrap="square" rtlCol="0">
+            <a:spAutoFit/>
+          </a:bodyPr>
+          <a:lstStyle/>
+          <a:p>
+            <a:pPr algn="ctr"/>
+            <a:r>
+              <a:rPr lang="en-US" sz="2000" dirty="0" smtClean="0"/>
+              <a:t>e8</a:t>
             </a:r>
             <a:endParaRPr lang="en-US" sz="2000" baseline="-25000" dirty="0"/>
           </a:p>

--- a/paper/abstraction/figures/examples.pptx
+++ b/paper/abstraction/figures/examples.pptx
@@ -199,7 +199,7 @@
           <a:p>
             <a:fld id="{0CCB65A4-74BE-2E49-B697-B48CA3DADDCF}" type="datetimeFigureOut">
               <a:rPr lang="en-US" smtClean="0"/>
-              <a:t>10/31/16</a:t>
+              <a:t>11/1/16</a:t>
             </a:fld>
             <a:endParaRPr lang="en-US"/>
           </a:p>
@@ -598,7 +598,7 @@
           <a:p>
             <a:fld id="{D1C2FE12-02FD-40D2-9E73-08CF8D46514A}" type="datetimeFigureOut">
               <a:rPr lang="en-US" smtClean="0"/>
-              <a:t>10/31/16</a:t>
+              <a:t>11/1/16</a:t>
             </a:fld>
             <a:endParaRPr lang="en-US"/>
           </a:p>
@@ -768,7 +768,7 @@
           <a:p>
             <a:fld id="{D1C2FE12-02FD-40D2-9E73-08CF8D46514A}" type="datetimeFigureOut">
               <a:rPr lang="en-US" smtClean="0"/>
-              <a:t>10/31/16</a:t>
+              <a:t>11/1/16</a:t>
             </a:fld>
             <a:endParaRPr lang="en-US"/>
           </a:p>
@@ -948,7 +948,7 @@
           <a:p>
             <a:fld id="{D1C2FE12-02FD-40D2-9E73-08CF8D46514A}" type="datetimeFigureOut">
               <a:rPr lang="en-US" smtClean="0"/>
-              <a:t>10/31/16</a:t>
+              <a:t>11/1/16</a:t>
             </a:fld>
             <a:endParaRPr lang="en-US"/>
           </a:p>
@@ -1118,7 +1118,7 @@
           <a:p>
             <a:fld id="{D1C2FE12-02FD-40D2-9E73-08CF8D46514A}" type="datetimeFigureOut">
               <a:rPr lang="en-US" smtClean="0"/>
-              <a:t>10/31/16</a:t>
+              <a:t>11/1/16</a:t>
             </a:fld>
             <a:endParaRPr lang="en-US"/>
           </a:p>
@@ -1364,7 +1364,7 @@
           <a:p>
             <a:fld id="{D1C2FE12-02FD-40D2-9E73-08CF8D46514A}" type="datetimeFigureOut">
               <a:rPr lang="en-US" smtClean="0"/>
-              <a:t>10/31/16</a:t>
+              <a:t>11/1/16</a:t>
             </a:fld>
             <a:endParaRPr lang="en-US"/>
           </a:p>
@@ -1596,7 +1596,7 @@
           <a:p>
             <a:fld id="{D1C2FE12-02FD-40D2-9E73-08CF8D46514A}" type="datetimeFigureOut">
               <a:rPr lang="en-US" smtClean="0"/>
-              <a:t>10/31/16</a:t>
+              <a:t>11/1/16</a:t>
             </a:fld>
             <a:endParaRPr lang="en-US"/>
           </a:p>
@@ -1963,7 +1963,7 @@
           <a:p>
             <a:fld id="{D1C2FE12-02FD-40D2-9E73-08CF8D46514A}" type="datetimeFigureOut">
               <a:rPr lang="en-US" smtClean="0"/>
-              <a:t>10/31/16</a:t>
+              <a:t>11/1/16</a:t>
             </a:fld>
             <a:endParaRPr lang="en-US"/>
           </a:p>
@@ -2081,7 +2081,7 @@
           <a:p>
             <a:fld id="{D1C2FE12-02FD-40D2-9E73-08CF8D46514A}" type="datetimeFigureOut">
               <a:rPr lang="en-US" smtClean="0"/>
-              <a:t>10/31/16</a:t>
+              <a:t>11/1/16</a:t>
             </a:fld>
             <a:endParaRPr lang="en-US"/>
           </a:p>
@@ -2176,7 +2176,7 @@
           <a:p>
             <a:fld id="{D1C2FE12-02FD-40D2-9E73-08CF8D46514A}" type="datetimeFigureOut">
               <a:rPr lang="en-US" smtClean="0"/>
-              <a:t>10/31/16</a:t>
+              <a:t>11/1/16</a:t>
             </a:fld>
             <a:endParaRPr lang="en-US"/>
           </a:p>
@@ -2453,7 +2453,7 @@
           <a:p>
             <a:fld id="{D1C2FE12-02FD-40D2-9E73-08CF8D46514A}" type="datetimeFigureOut">
               <a:rPr lang="en-US" smtClean="0"/>
-              <a:t>10/31/16</a:t>
+              <a:t>11/1/16</a:t>
             </a:fld>
             <a:endParaRPr lang="en-US"/>
           </a:p>
@@ -2706,7 +2706,7 @@
           <a:p>
             <a:fld id="{D1C2FE12-02FD-40D2-9E73-08CF8D46514A}" type="datetimeFigureOut">
               <a:rPr lang="en-US" smtClean="0"/>
-              <a:t>10/31/16</a:t>
+              <a:t>11/1/16</a:t>
             </a:fld>
             <a:endParaRPr lang="en-US"/>
           </a:p>
@@ -2919,7 +2919,7 @@
           <a:p>
             <a:fld id="{D1C2FE12-02FD-40D2-9E73-08CF8D46514A}" type="datetimeFigureOut">
               <a:rPr lang="en-US" smtClean="0"/>
-              <a:t>10/31/16</a:t>
+              <a:t>11/1/16</a:t>
             </a:fld>
             <a:endParaRPr lang="en-US"/>
           </a:p>
@@ -10122,6 +10122,1486 @@
       </p:sp>
       <p:sp>
         <p:nvSpPr>
+          <p:cNvPr id="154" name="TextBox 153"/>
+          <p:cNvSpPr txBox="1"/>
+          <p:nvPr/>
+        </p:nvSpPr>
+        <p:spPr>
+          <a:xfrm>
+            <a:off x="5984310" y="4195327"/>
+            <a:ext cx="1987313" cy="400110"/>
+          </a:xfrm>
+          <a:prstGeom prst="rect">
+            <a:avLst/>
+          </a:prstGeom>
+          <a:noFill/>
+        </p:spPr>
+        <p:txBody>
+          <a:bodyPr wrap="square" rtlCol="0">
+            <a:spAutoFit/>
+          </a:bodyPr>
+          <a:lstStyle/>
+          <a:p>
+            <a:pPr algn="ctr"/>
+            <a:r>
+              <a:rPr lang="en-US" sz="2000" dirty="0" smtClean="0"/>
+              <a:t>Local services</a:t>
+            </a:r>
+            <a:endParaRPr lang="en-US" sz="2000" baseline="-25000" dirty="0"/>
+          </a:p>
+        </p:txBody>
+      </p:sp>
+      <p:grpSp>
+        <p:nvGrpSpPr>
+          <p:cNvPr id="5" name="Group 4"/>
+          <p:cNvGrpSpPr/>
+          <p:nvPr/>
+        </p:nvGrpSpPr>
+        <p:grpSpPr>
+          <a:xfrm>
+            <a:off x="8006240" y="1963317"/>
+            <a:ext cx="2705743" cy="2586110"/>
+            <a:chOff x="8488695" y="1173988"/>
+            <a:chExt cx="2705743" cy="2586110"/>
+          </a:xfrm>
+        </p:grpSpPr>
+        <mc:AlternateContent xmlns:mc="http://schemas.openxmlformats.org/markup-compatibility/2006" xmlns:a14="http://schemas.microsoft.com/office/drawing/2010/main">
+          <mc:Choice Requires="a14">
+            <p:sp>
+              <p:nvSpPr>
+                <p:cNvPr id="2" name="TextBox 1"/>
+                <p:cNvSpPr txBox="1"/>
+                <p:nvPr/>
+              </p:nvSpPr>
+              <p:spPr>
+                <a:xfrm>
+                  <a:off x="8488695" y="1190742"/>
+                  <a:ext cx="898195" cy="276999"/>
+                </a:xfrm>
+                <a:prstGeom prst="rect">
+                  <a:avLst/>
+                </a:prstGeom>
+                <a:noFill/>
+              </p:spPr>
+              <p:txBody>
+                <a:bodyPr wrap="none" lIns="0" tIns="0" rIns="0" bIns="0" rtlCol="0">
+                  <a:spAutoFit/>
+                </a:bodyPr>
+                <a:lstStyle/>
+                <a:p>
+                  <a:pPr/>
+                  <a14:m>
+                    <m:oMathPara xmlns:m="http://schemas.openxmlformats.org/officeDocument/2006/math">
+                      <m:oMathParaPr>
+                        <m:jc m:val="centerGroup"/>
+                      </m:oMathParaPr>
+                      <m:oMath xmlns:m="http://schemas.openxmlformats.org/officeDocument/2006/math">
+                        <m:r>
+                          <a:rPr lang="en-US" b="0" i="1" smtClean="0">
+                            <a:latin typeface="Cambria Math" charset="0"/>
+                          </a:rPr>
+                          <m:t>𝑒</m:t>
+                        </m:r>
+                        <m:r>
+                          <a:rPr lang="en-US" b="0" i="1" smtClean="0">
+                            <a:latin typeface="Cambria Math" charset="0"/>
+                          </a:rPr>
+                          <m:t>1=</m:t>
+                        </m:r>
+                        <m:r>
+                          <a:rPr lang="en-US" b="0" i="1" smtClean="0">
+                            <a:latin typeface="Cambria Math" charset="0"/>
+                          </a:rPr>
+                          <m:t>𝐴𝐺</m:t>
+                        </m:r>
+                      </m:oMath>
+                    </m:oMathPara>
+                  </a14:m>
+                  <a:endParaRPr lang="en-US" dirty="0" smtClean="0"/>
+                </a:p>
+              </p:txBody>
+            </p:sp>
+          </mc:Choice>
+          <mc:Fallback xmlns="">
+            <p:sp>
+              <p:nvSpPr>
+                <p:cNvPr id="2" name="TextBox 1"/>
+                <p:cNvSpPr txBox="1">
+                  <a:spLocks noRot="1" noChangeAspect="1" noMove="1" noResize="1" noEditPoints="1" noAdjustHandles="1" noChangeArrowheads="1" noChangeShapeType="1" noTextEdit="1"/>
+                </p:cNvSpPr>
+                <p:nvPr/>
+              </p:nvSpPr>
+              <p:spPr>
+                <a:xfrm>
+                  <a:off x="8488695" y="1190742"/>
+                  <a:ext cx="898195" cy="276999"/>
+                </a:xfrm>
+                <a:prstGeom prst="rect">
+                  <a:avLst/>
+                </a:prstGeom>
+                <a:blipFill rotWithShape="0">
+                  <a:blip r:embed="rId2"/>
+                  <a:stretch>
+                    <a:fillRect l="-5405" r="-4730" b="-6522"/>
+                  </a:stretch>
+                </a:blipFill>
+              </p:spPr>
+              <p:txBody>
+                <a:bodyPr/>
+                <a:lstStyle/>
+                <a:p>
+                  <a:r>
+                    <a:rPr lang="en-US">
+                      <a:noFill/>
+                    </a:rPr>
+                    <a:t> </a:t>
+                  </a:r>
+                </a:p>
+              </p:txBody>
+            </p:sp>
+          </mc:Fallback>
+        </mc:AlternateContent>
+        <mc:AlternateContent xmlns:mc="http://schemas.openxmlformats.org/markup-compatibility/2006" xmlns:a14="http://schemas.microsoft.com/office/drawing/2010/main">
+          <mc:Choice Requires="a14">
+            <p:sp>
+              <p:nvSpPr>
+                <p:cNvPr id="34" name="TextBox 33"/>
+                <p:cNvSpPr txBox="1"/>
+                <p:nvPr/>
+              </p:nvSpPr>
+              <p:spPr>
+                <a:xfrm>
+                  <a:off x="8496710" y="1491366"/>
+                  <a:ext cx="890180" cy="276999"/>
+                </a:xfrm>
+                <a:prstGeom prst="rect">
+                  <a:avLst/>
+                </a:prstGeom>
+                <a:noFill/>
+              </p:spPr>
+              <p:txBody>
+                <a:bodyPr wrap="none" lIns="0" tIns="0" rIns="0" bIns="0" rtlCol="0">
+                  <a:spAutoFit/>
+                </a:bodyPr>
+                <a:lstStyle/>
+                <a:p>
+                  <a:pPr/>
+                  <a14:m>
+                    <m:oMathPara xmlns:m="http://schemas.openxmlformats.org/officeDocument/2006/math">
+                      <m:oMathParaPr>
+                        <m:jc m:val="centerGroup"/>
+                      </m:oMathParaPr>
+                      <m:oMath xmlns:m="http://schemas.openxmlformats.org/officeDocument/2006/math">
+                        <m:r>
+                          <a:rPr lang="en-US" b="0" i="1" smtClean="0">
+                            <a:latin typeface="Cambria Math" charset="0"/>
+                          </a:rPr>
+                          <m:t>𝑒</m:t>
+                        </m:r>
+                        <m:r>
+                          <a:rPr lang="en-US" b="0" i="1" smtClean="0">
+                            <a:latin typeface="Cambria Math" charset="0"/>
+                          </a:rPr>
+                          <m:t>2=</m:t>
+                        </m:r>
+                        <m:r>
+                          <a:rPr lang="en-US" b="0" i="1" smtClean="0">
+                            <a:latin typeface="Cambria Math" charset="0"/>
+                          </a:rPr>
+                          <m:t>𝑇𝐺</m:t>
+                        </m:r>
+                      </m:oMath>
+                    </m:oMathPara>
+                  </a14:m>
+                  <a:endParaRPr lang="en-US" dirty="0" smtClean="0"/>
+                </a:p>
+              </p:txBody>
+            </p:sp>
+          </mc:Choice>
+          <mc:Fallback xmlns="">
+            <p:sp>
+              <p:nvSpPr>
+                <p:cNvPr id="34" name="TextBox 33"/>
+                <p:cNvSpPr txBox="1">
+                  <a:spLocks noRot="1" noChangeAspect="1" noMove="1" noResize="1" noEditPoints="1" noAdjustHandles="1" noChangeArrowheads="1" noChangeShapeType="1" noTextEdit="1"/>
+                </p:cNvSpPr>
+                <p:nvPr/>
+              </p:nvSpPr>
+              <p:spPr>
+                <a:xfrm>
+                  <a:off x="8496710" y="1491366"/>
+                  <a:ext cx="890180" cy="276999"/>
+                </a:xfrm>
+                <a:prstGeom prst="rect">
+                  <a:avLst/>
+                </a:prstGeom>
+                <a:blipFill rotWithShape="0">
+                  <a:blip r:embed="rId3"/>
+                  <a:stretch>
+                    <a:fillRect l="-6164" r="-4795" b="-6667"/>
+                  </a:stretch>
+                </a:blipFill>
+              </p:spPr>
+              <p:txBody>
+                <a:bodyPr/>
+                <a:lstStyle/>
+                <a:p>
+                  <a:r>
+                    <a:rPr lang="en-US">
+                      <a:noFill/>
+                    </a:rPr>
+                    <a:t> </a:t>
+                  </a:r>
+                </a:p>
+              </p:txBody>
+            </p:sp>
+          </mc:Fallback>
+        </mc:AlternateContent>
+        <mc:AlternateContent xmlns:mc="http://schemas.openxmlformats.org/markup-compatibility/2006" xmlns:a14="http://schemas.microsoft.com/office/drawing/2010/main">
+          <mc:Choice Requires="a14">
+            <p:sp>
+              <p:nvSpPr>
+                <p:cNvPr id="35" name="TextBox 34"/>
+                <p:cNvSpPr txBox="1"/>
+                <p:nvPr/>
+              </p:nvSpPr>
+              <p:spPr>
+                <a:xfrm>
+                  <a:off x="8488695" y="1811480"/>
+                  <a:ext cx="870366" cy="276999"/>
+                </a:xfrm>
+                <a:prstGeom prst="rect">
+                  <a:avLst/>
+                </a:prstGeom>
+                <a:noFill/>
+              </p:spPr>
+              <p:txBody>
+                <a:bodyPr wrap="none" lIns="0" tIns="0" rIns="0" bIns="0" rtlCol="0">
+                  <a:spAutoFit/>
+                </a:bodyPr>
+                <a:lstStyle/>
+                <a:p>
+                  <a:pPr/>
+                  <a14:m>
+                    <m:oMathPara xmlns:m="http://schemas.openxmlformats.org/officeDocument/2006/math">
+                      <m:oMathParaPr>
+                        <m:jc m:val="centerGroup"/>
+                      </m:oMathParaPr>
+                      <m:oMath xmlns:m="http://schemas.openxmlformats.org/officeDocument/2006/math">
+                        <m:r>
+                          <a:rPr lang="en-US" b="0" i="1" smtClean="0">
+                            <a:latin typeface="Cambria Math" charset="0"/>
+                          </a:rPr>
+                          <m:t>𝑒</m:t>
+                        </m:r>
+                        <m:r>
+                          <a:rPr lang="en-US" b="0" i="1" smtClean="0">
+                            <a:latin typeface="Cambria Math" charset="0"/>
+                          </a:rPr>
+                          <m:t>5=</m:t>
+                        </m:r>
+                        <m:r>
+                          <a:rPr lang="en-US" b="0" i="1" smtClean="0">
+                            <a:latin typeface="Cambria Math" charset="0"/>
+                          </a:rPr>
+                          <m:t>𝐴𝐿</m:t>
+                        </m:r>
+                      </m:oMath>
+                    </m:oMathPara>
+                  </a14:m>
+                  <a:endParaRPr lang="en-US" dirty="0" smtClean="0"/>
+                </a:p>
+              </p:txBody>
+            </p:sp>
+          </mc:Choice>
+          <mc:Fallback xmlns="">
+            <p:sp>
+              <p:nvSpPr>
+                <p:cNvPr id="35" name="TextBox 34"/>
+                <p:cNvSpPr txBox="1">
+                  <a:spLocks noRot="1" noChangeAspect="1" noMove="1" noResize="1" noEditPoints="1" noAdjustHandles="1" noChangeArrowheads="1" noChangeShapeType="1" noTextEdit="1"/>
+                </p:cNvSpPr>
+                <p:nvPr/>
+              </p:nvSpPr>
+              <p:spPr>
+                <a:xfrm>
+                  <a:off x="8488695" y="1811480"/>
+                  <a:ext cx="870366" cy="276999"/>
+                </a:xfrm>
+                <a:prstGeom prst="rect">
+                  <a:avLst/>
+                </a:prstGeom>
+                <a:blipFill rotWithShape="0">
+                  <a:blip r:embed="rId4"/>
+                  <a:stretch>
+                    <a:fillRect l="-6294" r="-5594" b="-6522"/>
+                  </a:stretch>
+                </a:blipFill>
+              </p:spPr>
+              <p:txBody>
+                <a:bodyPr/>
+                <a:lstStyle/>
+                <a:p>
+                  <a:r>
+                    <a:rPr lang="en-US">
+                      <a:noFill/>
+                    </a:rPr>
+                    <a:t> </a:t>
+                  </a:r>
+                </a:p>
+              </p:txBody>
+            </p:sp>
+          </mc:Fallback>
+        </mc:AlternateContent>
+        <mc:AlternateContent xmlns:mc="http://schemas.openxmlformats.org/markup-compatibility/2006" xmlns:a14="http://schemas.microsoft.com/office/drawing/2010/main">
+          <mc:Choice Requires="a14">
+            <p:sp>
+              <p:nvSpPr>
+                <p:cNvPr id="36" name="TextBox 35"/>
+                <p:cNvSpPr txBox="1"/>
+                <p:nvPr/>
+              </p:nvSpPr>
+              <p:spPr>
+                <a:xfrm>
+                  <a:off x="8488695" y="2136232"/>
+                  <a:ext cx="870366" cy="276999"/>
+                </a:xfrm>
+                <a:prstGeom prst="rect">
+                  <a:avLst/>
+                </a:prstGeom>
+                <a:noFill/>
+              </p:spPr>
+              <p:txBody>
+                <a:bodyPr wrap="none" lIns="0" tIns="0" rIns="0" bIns="0" rtlCol="0">
+                  <a:spAutoFit/>
+                </a:bodyPr>
+                <a:lstStyle/>
+                <a:p>
+                  <a:pPr/>
+                  <a14:m>
+                    <m:oMathPara xmlns:m="http://schemas.openxmlformats.org/officeDocument/2006/math">
+                      <m:oMathParaPr>
+                        <m:jc m:val="centerGroup"/>
+                      </m:oMathParaPr>
+                      <m:oMath xmlns:m="http://schemas.openxmlformats.org/officeDocument/2006/math">
+                        <m:r>
+                          <a:rPr lang="en-US" b="0" i="1" smtClean="0">
+                            <a:latin typeface="Cambria Math" charset="0"/>
+                          </a:rPr>
+                          <m:t>𝑒</m:t>
+                        </m:r>
+                        <m:r>
+                          <a:rPr lang="en-US" b="0" i="1" smtClean="0">
+                            <a:latin typeface="Cambria Math" charset="0"/>
+                          </a:rPr>
+                          <m:t>6=</m:t>
+                        </m:r>
+                        <m:r>
+                          <a:rPr lang="en-US" b="0" i="1" smtClean="0">
+                            <a:latin typeface="Cambria Math" charset="0"/>
+                          </a:rPr>
+                          <m:t>𝑇𝐿</m:t>
+                        </m:r>
+                      </m:oMath>
+                    </m:oMathPara>
+                  </a14:m>
+                  <a:endParaRPr lang="en-US" dirty="0" smtClean="0"/>
+                </a:p>
+              </p:txBody>
+            </p:sp>
+          </mc:Choice>
+          <mc:Fallback xmlns="">
+            <p:sp>
+              <p:nvSpPr>
+                <p:cNvPr id="36" name="TextBox 35"/>
+                <p:cNvSpPr txBox="1">
+                  <a:spLocks noRot="1" noChangeAspect="1" noMove="1" noResize="1" noEditPoints="1" noAdjustHandles="1" noChangeArrowheads="1" noChangeShapeType="1" noTextEdit="1"/>
+                </p:cNvSpPr>
+                <p:nvPr/>
+              </p:nvSpPr>
+              <p:spPr>
+                <a:xfrm>
+                  <a:off x="8488695" y="2136232"/>
+                  <a:ext cx="870366" cy="276999"/>
+                </a:xfrm>
+                <a:prstGeom prst="rect">
+                  <a:avLst/>
+                </a:prstGeom>
+                <a:blipFill rotWithShape="0">
+                  <a:blip r:embed="rId5"/>
+                  <a:stretch>
+                    <a:fillRect l="-4895" r="-4895" b="-6522"/>
+                  </a:stretch>
+                </a:blipFill>
+              </p:spPr>
+              <p:txBody>
+                <a:bodyPr/>
+                <a:lstStyle/>
+                <a:p>
+                  <a:r>
+                    <a:rPr lang="en-US">
+                      <a:noFill/>
+                    </a:rPr>
+                    <a:t> </a:t>
+                  </a:r>
+                </a:p>
+              </p:txBody>
+            </p:sp>
+          </mc:Fallback>
+        </mc:AlternateContent>
+        <mc:AlternateContent xmlns:mc="http://schemas.openxmlformats.org/markup-compatibility/2006" xmlns:a14="http://schemas.microsoft.com/office/drawing/2010/main">
+          <mc:Choice Requires="a14">
+            <p:sp>
+              <p:nvSpPr>
+                <p:cNvPr id="37" name="TextBox 36"/>
+                <p:cNvSpPr txBox="1"/>
+                <p:nvPr/>
+              </p:nvSpPr>
+              <p:spPr>
+                <a:xfrm>
+                  <a:off x="8510932" y="3140277"/>
+                  <a:ext cx="784382" cy="276999"/>
+                </a:xfrm>
+                <a:prstGeom prst="rect">
+                  <a:avLst/>
+                </a:prstGeom>
+                <a:noFill/>
+              </p:spPr>
+              <p:txBody>
+                <a:bodyPr wrap="none" lIns="0" tIns="0" rIns="0" bIns="0" rtlCol="0">
+                  <a:spAutoFit/>
+                </a:bodyPr>
+                <a:lstStyle/>
+                <a:p>
+                  <a:pPr/>
+                  <a14:m>
+                    <m:oMathPara xmlns:m="http://schemas.openxmlformats.org/officeDocument/2006/math">
+                      <m:oMathParaPr>
+                        <m:jc m:val="centerGroup"/>
+                      </m:oMathParaPr>
+                      <m:oMath xmlns:m="http://schemas.openxmlformats.org/officeDocument/2006/math">
+                        <m:r>
+                          <a:rPr lang="en-US" b="0" i="1" smtClean="0">
+                            <a:latin typeface="Cambria Math" charset="0"/>
+                          </a:rPr>
+                          <m:t>𝐴𝐺</m:t>
+                        </m:r>
+                        <m:r>
+                          <a:rPr lang="en-US" b="0" i="1" smtClean="0">
+                            <a:latin typeface="Cambria Math" charset="0"/>
+                          </a:rPr>
+                          <m:t>≥2</m:t>
+                        </m:r>
+                      </m:oMath>
+                    </m:oMathPara>
+                  </a14:m>
+                  <a:endParaRPr lang="en-US" dirty="0" smtClean="0"/>
+                </a:p>
+              </p:txBody>
+            </p:sp>
+          </mc:Choice>
+          <mc:Fallback xmlns="">
+            <p:sp>
+              <p:nvSpPr>
+                <p:cNvPr id="37" name="TextBox 36"/>
+                <p:cNvSpPr txBox="1">
+                  <a:spLocks noRot="1" noChangeAspect="1" noMove="1" noResize="1" noEditPoints="1" noAdjustHandles="1" noChangeArrowheads="1" noChangeShapeType="1" noTextEdit="1"/>
+                </p:cNvSpPr>
+                <p:nvPr/>
+              </p:nvSpPr>
+              <p:spPr>
+                <a:xfrm>
+                  <a:off x="8510932" y="3140277"/>
+                  <a:ext cx="784382" cy="276999"/>
+                </a:xfrm>
+                <a:prstGeom prst="rect">
+                  <a:avLst/>
+                </a:prstGeom>
+                <a:blipFill rotWithShape="0">
+                  <a:blip r:embed="rId6"/>
+                  <a:stretch>
+                    <a:fillRect l="-6977" r="-6202" b="-10870"/>
+                  </a:stretch>
+                </a:blipFill>
+              </p:spPr>
+              <p:txBody>
+                <a:bodyPr/>
+                <a:lstStyle/>
+                <a:p>
+                  <a:r>
+                    <a:rPr lang="en-US">
+                      <a:noFill/>
+                    </a:rPr>
+                    <a:t> </a:t>
+                  </a:r>
+                </a:p>
+              </p:txBody>
+            </p:sp>
+          </mc:Fallback>
+        </mc:AlternateContent>
+        <mc:AlternateContent xmlns:mc="http://schemas.openxmlformats.org/markup-compatibility/2006" xmlns:a14="http://schemas.microsoft.com/office/drawing/2010/main">
+          <mc:Choice Requires="a14">
+            <p:sp>
+              <p:nvSpPr>
+                <p:cNvPr id="39" name="TextBox 38"/>
+                <p:cNvSpPr txBox="1"/>
+                <p:nvPr/>
+              </p:nvSpPr>
+              <p:spPr>
+                <a:xfrm>
+                  <a:off x="8510932" y="2476598"/>
+                  <a:ext cx="950004" cy="276999"/>
+                </a:xfrm>
+                <a:prstGeom prst="rect">
+                  <a:avLst/>
+                </a:prstGeom>
+                <a:noFill/>
+              </p:spPr>
+              <p:txBody>
+                <a:bodyPr wrap="none" lIns="0" tIns="0" rIns="0" bIns="0" rtlCol="0">
+                  <a:spAutoFit/>
+                </a:bodyPr>
+                <a:lstStyle/>
+                <a:p>
+                  <a:pPr/>
+                  <a14:m>
+                    <m:oMathPara xmlns:m="http://schemas.openxmlformats.org/officeDocument/2006/math">
+                      <m:oMathParaPr>
+                        <m:jc m:val="centerGroup"/>
+                      </m:oMathParaPr>
+                      <m:oMath xmlns:m="http://schemas.openxmlformats.org/officeDocument/2006/math">
+                        <m:r>
+                          <a:rPr lang="en-US" b="0" i="1" smtClean="0">
+                            <a:latin typeface="Cambria Math" charset="0"/>
+                          </a:rPr>
+                          <m:t>𝑇𝐺</m:t>
+                        </m:r>
+                        <m:r>
+                          <a:rPr lang="en-US" b="0" i="1" smtClean="0">
+                            <a:latin typeface="Cambria Math" charset="0"/>
+                          </a:rPr>
+                          <m:t>=</m:t>
+                        </m:r>
+                        <m:r>
+                          <a:rPr lang="en-US" b="0" i="1" smtClean="0">
+                            <a:latin typeface="Cambria Math" charset="0"/>
+                          </a:rPr>
+                          <m:t>𝐴𝐺</m:t>
+                        </m:r>
+                      </m:oMath>
+                    </m:oMathPara>
+                  </a14:m>
+                  <a:endParaRPr lang="en-US" dirty="0" smtClean="0"/>
+                </a:p>
+              </p:txBody>
+            </p:sp>
+          </mc:Choice>
+          <mc:Fallback xmlns="">
+            <p:sp>
+              <p:nvSpPr>
+                <p:cNvPr id="39" name="TextBox 38"/>
+                <p:cNvSpPr txBox="1">
+                  <a:spLocks noRot="1" noChangeAspect="1" noMove="1" noResize="1" noEditPoints="1" noAdjustHandles="1" noChangeArrowheads="1" noChangeShapeType="1" noTextEdit="1"/>
+                </p:cNvSpPr>
+                <p:nvPr/>
+              </p:nvSpPr>
+              <p:spPr>
+                <a:xfrm>
+                  <a:off x="8510932" y="2476598"/>
+                  <a:ext cx="950004" cy="276999"/>
+                </a:xfrm>
+                <a:prstGeom prst="rect">
+                  <a:avLst/>
+                </a:prstGeom>
+                <a:blipFill rotWithShape="0">
+                  <a:blip r:embed="rId7"/>
+                  <a:stretch>
+                    <a:fillRect l="-5769" r="-4487" b="-6522"/>
+                  </a:stretch>
+                </a:blipFill>
+              </p:spPr>
+              <p:txBody>
+                <a:bodyPr/>
+                <a:lstStyle/>
+                <a:p>
+                  <a:r>
+                    <a:rPr lang="en-US">
+                      <a:noFill/>
+                    </a:rPr>
+                    <a:t> </a:t>
+                  </a:r>
+                </a:p>
+              </p:txBody>
+            </p:sp>
+          </mc:Fallback>
+        </mc:AlternateContent>
+        <mc:AlternateContent xmlns:mc="http://schemas.openxmlformats.org/markup-compatibility/2006" xmlns:a14="http://schemas.microsoft.com/office/drawing/2010/main">
+          <mc:Choice Requires="a14">
+            <p:sp>
+              <p:nvSpPr>
+                <p:cNvPr id="40" name="TextBox 39"/>
+                <p:cNvSpPr txBox="1"/>
+                <p:nvPr/>
+              </p:nvSpPr>
+              <p:spPr>
+                <a:xfrm>
+                  <a:off x="8510932" y="2809694"/>
+                  <a:ext cx="894347" cy="276999"/>
+                </a:xfrm>
+                <a:prstGeom prst="rect">
+                  <a:avLst/>
+                </a:prstGeom>
+                <a:noFill/>
+              </p:spPr>
+              <p:txBody>
+                <a:bodyPr wrap="none" lIns="0" tIns="0" rIns="0" bIns="0" rtlCol="0">
+                  <a:spAutoFit/>
+                </a:bodyPr>
+                <a:lstStyle/>
+                <a:p>
+                  <a:pPr/>
+                  <a14:m>
+                    <m:oMathPara xmlns:m="http://schemas.openxmlformats.org/officeDocument/2006/math">
+                      <m:oMathParaPr>
+                        <m:jc m:val="centerGroup"/>
+                      </m:oMathParaPr>
+                      <m:oMath xmlns:m="http://schemas.openxmlformats.org/officeDocument/2006/math">
+                        <m:r>
+                          <a:rPr lang="en-US" b="0" i="1" smtClean="0">
+                            <a:latin typeface="Cambria Math" charset="0"/>
+                          </a:rPr>
+                          <m:t>𝑇𝐿</m:t>
+                        </m:r>
+                        <m:r>
+                          <a:rPr lang="en-US" b="0" i="1" smtClean="0">
+                            <a:latin typeface="Cambria Math" charset="0"/>
+                          </a:rPr>
+                          <m:t>=</m:t>
+                        </m:r>
+                        <m:r>
+                          <a:rPr lang="en-US" b="0" i="1" smtClean="0">
+                            <a:latin typeface="Cambria Math" charset="0"/>
+                          </a:rPr>
+                          <m:t>𝐴𝐿</m:t>
+                        </m:r>
+                      </m:oMath>
+                    </m:oMathPara>
+                  </a14:m>
+                  <a:endParaRPr lang="en-US" dirty="0" smtClean="0"/>
+                </a:p>
+              </p:txBody>
+            </p:sp>
+          </mc:Choice>
+          <mc:Fallback xmlns="">
+            <p:sp>
+              <p:nvSpPr>
+                <p:cNvPr id="40" name="TextBox 39"/>
+                <p:cNvSpPr txBox="1">
+                  <a:spLocks noRot="1" noChangeAspect="1" noMove="1" noResize="1" noEditPoints="1" noAdjustHandles="1" noChangeArrowheads="1" noChangeShapeType="1" noTextEdit="1"/>
+                </p:cNvSpPr>
+                <p:nvPr/>
+              </p:nvSpPr>
+              <p:spPr>
+                <a:xfrm>
+                  <a:off x="8510932" y="2809694"/>
+                  <a:ext cx="894347" cy="276999"/>
+                </a:xfrm>
+                <a:prstGeom prst="rect">
+                  <a:avLst/>
+                </a:prstGeom>
+                <a:blipFill rotWithShape="0">
+                  <a:blip r:embed="rId8"/>
+                  <a:stretch>
+                    <a:fillRect l="-5442" r="-4762" b="-6667"/>
+                  </a:stretch>
+                </a:blipFill>
+              </p:spPr>
+              <p:txBody>
+                <a:bodyPr/>
+                <a:lstStyle/>
+                <a:p>
+                  <a:r>
+                    <a:rPr lang="en-US">
+                      <a:noFill/>
+                    </a:rPr>
+                    <a:t> </a:t>
+                  </a:r>
+                </a:p>
+              </p:txBody>
+            </p:sp>
+          </mc:Fallback>
+        </mc:AlternateContent>
+        <mc:AlternateContent xmlns:mc="http://schemas.openxmlformats.org/markup-compatibility/2006" xmlns:a14="http://schemas.microsoft.com/office/drawing/2010/main">
+          <mc:Choice Requires="a14">
+            <p:sp>
+              <p:nvSpPr>
+                <p:cNvPr id="41" name="TextBox 40"/>
+                <p:cNvSpPr txBox="1"/>
+                <p:nvPr/>
+              </p:nvSpPr>
+              <p:spPr>
+                <a:xfrm>
+                  <a:off x="8510932" y="3483099"/>
+                  <a:ext cx="756554" cy="276999"/>
+                </a:xfrm>
+                <a:prstGeom prst="rect">
+                  <a:avLst/>
+                </a:prstGeom>
+                <a:noFill/>
+              </p:spPr>
+              <p:txBody>
+                <a:bodyPr wrap="none" lIns="0" tIns="0" rIns="0" bIns="0" rtlCol="0">
+                  <a:spAutoFit/>
+                </a:bodyPr>
+                <a:lstStyle/>
+                <a:p>
+                  <a:pPr/>
+                  <a14:m>
+                    <m:oMathPara xmlns:m="http://schemas.openxmlformats.org/officeDocument/2006/math">
+                      <m:oMathParaPr>
+                        <m:jc m:val="centerGroup"/>
+                      </m:oMathParaPr>
+                      <m:oMath xmlns:m="http://schemas.openxmlformats.org/officeDocument/2006/math">
+                        <m:r>
+                          <a:rPr lang="en-US" b="0" i="1" smtClean="0">
+                            <a:latin typeface="Cambria Math" charset="0"/>
+                          </a:rPr>
+                          <m:t>𝐴𝐿</m:t>
+                        </m:r>
+                        <m:r>
+                          <a:rPr lang="en-US" b="0" i="1" smtClean="0">
+                            <a:latin typeface="Cambria Math" charset="0"/>
+                          </a:rPr>
+                          <m:t>≥2</m:t>
+                        </m:r>
+                      </m:oMath>
+                    </m:oMathPara>
+                  </a14:m>
+                  <a:endParaRPr lang="en-US" dirty="0" smtClean="0"/>
+                </a:p>
+              </p:txBody>
+            </p:sp>
+          </mc:Choice>
+          <mc:Fallback xmlns="">
+            <p:sp>
+              <p:nvSpPr>
+                <p:cNvPr id="41" name="TextBox 40"/>
+                <p:cNvSpPr txBox="1">
+                  <a:spLocks noRot="1" noChangeAspect="1" noMove="1" noResize="1" noEditPoints="1" noAdjustHandles="1" noChangeArrowheads="1" noChangeShapeType="1" noTextEdit="1"/>
+                </p:cNvSpPr>
+                <p:nvPr/>
+              </p:nvSpPr>
+              <p:spPr>
+                <a:xfrm>
+                  <a:off x="8510932" y="3483099"/>
+                  <a:ext cx="756554" cy="276999"/>
+                </a:xfrm>
+                <a:prstGeom prst="rect">
+                  <a:avLst/>
+                </a:prstGeom>
+                <a:blipFill rotWithShape="0">
+                  <a:blip r:embed="rId9"/>
+                  <a:stretch>
+                    <a:fillRect l="-7258" r="-6452" b="-10870"/>
+                  </a:stretch>
+                </a:blipFill>
+              </p:spPr>
+              <p:txBody>
+                <a:bodyPr/>
+                <a:lstStyle/>
+                <a:p>
+                  <a:r>
+                    <a:rPr lang="en-US">
+                      <a:noFill/>
+                    </a:rPr>
+                    <a:t> </a:t>
+                  </a:r>
+                </a:p>
+              </p:txBody>
+            </p:sp>
+          </mc:Fallback>
+        </mc:AlternateContent>
+        <mc:AlternateContent xmlns:mc="http://schemas.openxmlformats.org/markup-compatibility/2006" xmlns:a14="http://schemas.microsoft.com/office/drawing/2010/main">
+          <mc:Choice Requires="a14">
+            <p:sp>
+              <p:nvSpPr>
+                <p:cNvPr id="42" name="TextBox 41"/>
+                <p:cNvSpPr txBox="1"/>
+                <p:nvPr/>
+              </p:nvSpPr>
+              <p:spPr>
+                <a:xfrm>
+                  <a:off x="9707133" y="1173988"/>
+                  <a:ext cx="724557" cy="276999"/>
+                </a:xfrm>
+                <a:prstGeom prst="rect">
+                  <a:avLst/>
+                </a:prstGeom>
+                <a:noFill/>
+              </p:spPr>
+              <p:txBody>
+                <a:bodyPr wrap="none" lIns="0" tIns="0" rIns="0" bIns="0" rtlCol="0">
+                  <a:spAutoFit/>
+                </a:bodyPr>
+                <a:lstStyle/>
+                <a:p>
+                  <a:pPr/>
+                  <a14:m>
+                    <m:oMathPara xmlns:m="http://schemas.openxmlformats.org/officeDocument/2006/math">
+                      <m:oMathParaPr>
+                        <m:jc m:val="centerGroup"/>
+                      </m:oMathParaPr>
+                      <m:oMath xmlns:m="http://schemas.openxmlformats.org/officeDocument/2006/math">
+                        <m:r>
+                          <a:rPr lang="en-US" b="0" i="1" smtClean="0">
+                            <a:latin typeface="Cambria Math" charset="0"/>
+                          </a:rPr>
+                          <m:t>𝑒</m:t>
+                        </m:r>
+                        <m:r>
+                          <a:rPr lang="en-US" b="0" i="1" smtClean="0">
+                            <a:latin typeface="Cambria Math" charset="0"/>
+                          </a:rPr>
+                          <m:t>3≥2</m:t>
+                        </m:r>
+                      </m:oMath>
+                    </m:oMathPara>
+                  </a14:m>
+                  <a:endParaRPr lang="en-US" dirty="0" smtClean="0"/>
+                </a:p>
+              </p:txBody>
+            </p:sp>
+          </mc:Choice>
+          <mc:Fallback xmlns="">
+            <p:sp>
+              <p:nvSpPr>
+                <p:cNvPr id="42" name="TextBox 41"/>
+                <p:cNvSpPr txBox="1">
+                  <a:spLocks noRot="1" noChangeAspect="1" noMove="1" noResize="1" noEditPoints="1" noAdjustHandles="1" noChangeArrowheads="1" noChangeShapeType="1" noTextEdit="1"/>
+                </p:cNvSpPr>
+                <p:nvPr/>
+              </p:nvSpPr>
+              <p:spPr>
+                <a:xfrm>
+                  <a:off x="9707133" y="1173988"/>
+                  <a:ext cx="724557" cy="276999"/>
+                </a:xfrm>
+                <a:prstGeom prst="rect">
+                  <a:avLst/>
+                </a:prstGeom>
+                <a:blipFill rotWithShape="0">
+                  <a:blip r:embed="rId10"/>
+                  <a:stretch>
+                    <a:fillRect l="-6723" r="-7563" b="-11111"/>
+                  </a:stretch>
+                </a:blipFill>
+              </p:spPr>
+              <p:txBody>
+                <a:bodyPr/>
+                <a:lstStyle/>
+                <a:p>
+                  <a:r>
+                    <a:rPr lang="en-US">
+                      <a:noFill/>
+                    </a:rPr>
+                    <a:t> </a:t>
+                  </a:r>
+                </a:p>
+              </p:txBody>
+            </p:sp>
+          </mc:Fallback>
+        </mc:AlternateContent>
+        <mc:AlternateContent xmlns:mc="http://schemas.openxmlformats.org/markup-compatibility/2006" xmlns:a14="http://schemas.microsoft.com/office/drawing/2010/main">
+          <mc:Choice Requires="a14">
+            <p:sp>
+              <p:nvSpPr>
+                <p:cNvPr id="43" name="TextBox 42"/>
+                <p:cNvSpPr txBox="1"/>
+                <p:nvPr/>
+              </p:nvSpPr>
+              <p:spPr>
+                <a:xfrm>
+                  <a:off x="9723131" y="1493141"/>
+                  <a:ext cx="724557" cy="276999"/>
+                </a:xfrm>
+                <a:prstGeom prst="rect">
+                  <a:avLst/>
+                </a:prstGeom>
+                <a:noFill/>
+              </p:spPr>
+              <p:txBody>
+                <a:bodyPr wrap="none" lIns="0" tIns="0" rIns="0" bIns="0" rtlCol="0">
+                  <a:spAutoFit/>
+                </a:bodyPr>
+                <a:lstStyle/>
+                <a:p>
+                  <a:pPr/>
+                  <a14:m>
+                    <m:oMathPara xmlns:m="http://schemas.openxmlformats.org/officeDocument/2006/math">
+                      <m:oMathParaPr>
+                        <m:jc m:val="centerGroup"/>
+                      </m:oMathParaPr>
+                      <m:oMath xmlns:m="http://schemas.openxmlformats.org/officeDocument/2006/math">
+                        <m:r>
+                          <a:rPr lang="en-US" b="0" i="1" smtClean="0">
+                            <a:latin typeface="Cambria Math" charset="0"/>
+                          </a:rPr>
+                          <m:t>𝑒</m:t>
+                        </m:r>
+                        <m:r>
+                          <a:rPr lang="en-US" b="0" i="1" smtClean="0">
+                            <a:latin typeface="Cambria Math" charset="0"/>
+                          </a:rPr>
+                          <m:t>4≥1</m:t>
+                        </m:r>
+                      </m:oMath>
+                    </m:oMathPara>
+                  </a14:m>
+                  <a:endParaRPr lang="en-US" dirty="0" smtClean="0"/>
+                </a:p>
+              </p:txBody>
+            </p:sp>
+          </mc:Choice>
+          <mc:Fallback xmlns="">
+            <p:sp>
+              <p:nvSpPr>
+                <p:cNvPr id="43" name="TextBox 42"/>
+                <p:cNvSpPr txBox="1">
+                  <a:spLocks noRot="1" noChangeAspect="1" noMove="1" noResize="1" noEditPoints="1" noAdjustHandles="1" noChangeArrowheads="1" noChangeShapeType="1" noTextEdit="1"/>
+                </p:cNvSpPr>
+                <p:nvPr/>
+              </p:nvSpPr>
+              <p:spPr>
+                <a:xfrm>
+                  <a:off x="9723131" y="1493141"/>
+                  <a:ext cx="724557" cy="276999"/>
+                </a:xfrm>
+                <a:prstGeom prst="rect">
+                  <a:avLst/>
+                </a:prstGeom>
+                <a:blipFill rotWithShape="0">
+                  <a:blip r:embed="rId11"/>
+                  <a:stretch>
+                    <a:fillRect l="-6723" r="-6723" b="-11111"/>
+                  </a:stretch>
+                </a:blipFill>
+              </p:spPr>
+              <p:txBody>
+                <a:bodyPr/>
+                <a:lstStyle/>
+                <a:p>
+                  <a:r>
+                    <a:rPr lang="en-US">
+                      <a:noFill/>
+                    </a:rPr>
+                    <a:t> </a:t>
+                  </a:r>
+                </a:p>
+              </p:txBody>
+            </p:sp>
+          </mc:Fallback>
+        </mc:AlternateContent>
+        <mc:AlternateContent xmlns:mc="http://schemas.openxmlformats.org/markup-compatibility/2006" xmlns:a14="http://schemas.microsoft.com/office/drawing/2010/main">
+          <mc:Choice Requires="a14">
+            <p:sp>
+              <p:nvSpPr>
+                <p:cNvPr id="44" name="TextBox 43"/>
+                <p:cNvSpPr txBox="1"/>
+                <p:nvPr/>
+              </p:nvSpPr>
+              <p:spPr>
+                <a:xfrm>
+                  <a:off x="9723131" y="1809824"/>
+                  <a:ext cx="724557" cy="276999"/>
+                </a:xfrm>
+                <a:prstGeom prst="rect">
+                  <a:avLst/>
+                </a:prstGeom>
+                <a:noFill/>
+              </p:spPr>
+              <p:txBody>
+                <a:bodyPr wrap="none" lIns="0" tIns="0" rIns="0" bIns="0" rtlCol="0">
+                  <a:spAutoFit/>
+                </a:bodyPr>
+                <a:lstStyle/>
+                <a:p>
+                  <a:pPr/>
+                  <a14:m>
+                    <m:oMathPara xmlns:m="http://schemas.openxmlformats.org/officeDocument/2006/math">
+                      <m:oMathParaPr>
+                        <m:jc m:val="centerGroup"/>
+                      </m:oMathParaPr>
+                      <m:oMath xmlns:m="http://schemas.openxmlformats.org/officeDocument/2006/math">
+                        <m:r>
+                          <a:rPr lang="en-US" b="0" i="1" smtClean="0">
+                            <a:latin typeface="Cambria Math" charset="0"/>
+                          </a:rPr>
+                          <m:t>𝑒</m:t>
+                        </m:r>
+                        <m:r>
+                          <a:rPr lang="en-US" b="0" i="1" smtClean="0">
+                            <a:latin typeface="Cambria Math" charset="0"/>
+                          </a:rPr>
+                          <m:t>7≥2</m:t>
+                        </m:r>
+                      </m:oMath>
+                    </m:oMathPara>
+                  </a14:m>
+                  <a:endParaRPr lang="en-US" dirty="0" smtClean="0"/>
+                </a:p>
+              </p:txBody>
+            </p:sp>
+          </mc:Choice>
+          <mc:Fallback xmlns="">
+            <p:sp>
+              <p:nvSpPr>
+                <p:cNvPr id="44" name="TextBox 43"/>
+                <p:cNvSpPr txBox="1">
+                  <a:spLocks noRot="1" noChangeAspect="1" noMove="1" noResize="1" noEditPoints="1" noAdjustHandles="1" noChangeArrowheads="1" noChangeShapeType="1" noTextEdit="1"/>
+                </p:cNvSpPr>
+                <p:nvPr/>
+              </p:nvSpPr>
+              <p:spPr>
+                <a:xfrm>
+                  <a:off x="9723131" y="1809824"/>
+                  <a:ext cx="724557" cy="276999"/>
+                </a:xfrm>
+                <a:prstGeom prst="rect">
+                  <a:avLst/>
+                </a:prstGeom>
+                <a:blipFill rotWithShape="0">
+                  <a:blip r:embed="rId12"/>
+                  <a:stretch>
+                    <a:fillRect l="-6723" r="-6723" b="-11111"/>
+                  </a:stretch>
+                </a:blipFill>
+              </p:spPr>
+              <p:txBody>
+                <a:bodyPr/>
+                <a:lstStyle/>
+                <a:p>
+                  <a:r>
+                    <a:rPr lang="en-US">
+                      <a:noFill/>
+                    </a:rPr>
+                    <a:t> </a:t>
+                  </a:r>
+                </a:p>
+              </p:txBody>
+            </p:sp>
+          </mc:Fallback>
+        </mc:AlternateContent>
+        <mc:AlternateContent xmlns:mc="http://schemas.openxmlformats.org/markup-compatibility/2006" xmlns:a14="http://schemas.microsoft.com/office/drawing/2010/main">
+          <mc:Choice Requires="a14">
+            <p:sp>
+              <p:nvSpPr>
+                <p:cNvPr id="53" name="TextBox 52"/>
+                <p:cNvSpPr txBox="1"/>
+                <p:nvPr/>
+              </p:nvSpPr>
+              <p:spPr>
+                <a:xfrm>
+                  <a:off x="9723130" y="2131777"/>
+                  <a:ext cx="724557" cy="276999"/>
+                </a:xfrm>
+                <a:prstGeom prst="rect">
+                  <a:avLst/>
+                </a:prstGeom>
+                <a:noFill/>
+              </p:spPr>
+              <p:txBody>
+                <a:bodyPr wrap="none" lIns="0" tIns="0" rIns="0" bIns="0" rtlCol="0">
+                  <a:spAutoFit/>
+                </a:bodyPr>
+                <a:lstStyle/>
+                <a:p>
+                  <a:pPr/>
+                  <a14:m>
+                    <m:oMathPara xmlns:m="http://schemas.openxmlformats.org/officeDocument/2006/math">
+                      <m:oMathParaPr>
+                        <m:jc m:val="centerGroup"/>
+                      </m:oMathParaPr>
+                      <m:oMath xmlns:m="http://schemas.openxmlformats.org/officeDocument/2006/math">
+                        <m:r>
+                          <a:rPr lang="en-US" b="0" i="1" smtClean="0">
+                            <a:latin typeface="Cambria Math" charset="0"/>
+                          </a:rPr>
+                          <m:t>𝑒</m:t>
+                        </m:r>
+                        <m:r>
+                          <a:rPr lang="en-US" b="0" i="1" smtClean="0">
+                            <a:latin typeface="Cambria Math" charset="0"/>
+                          </a:rPr>
+                          <m:t>8≥1</m:t>
+                        </m:r>
+                      </m:oMath>
+                    </m:oMathPara>
+                  </a14:m>
+                  <a:endParaRPr lang="en-US" dirty="0" smtClean="0"/>
+                </a:p>
+              </p:txBody>
+            </p:sp>
+          </mc:Choice>
+          <mc:Fallback xmlns="">
+            <p:sp>
+              <p:nvSpPr>
+                <p:cNvPr id="53" name="TextBox 52"/>
+                <p:cNvSpPr txBox="1">
+                  <a:spLocks noRot="1" noChangeAspect="1" noMove="1" noResize="1" noEditPoints="1" noAdjustHandles="1" noChangeArrowheads="1" noChangeShapeType="1" noTextEdit="1"/>
+                </p:cNvSpPr>
+                <p:nvPr/>
+              </p:nvSpPr>
+              <p:spPr>
+                <a:xfrm>
+                  <a:off x="9723130" y="2131777"/>
+                  <a:ext cx="724557" cy="276999"/>
+                </a:xfrm>
+                <a:prstGeom prst="rect">
+                  <a:avLst/>
+                </a:prstGeom>
+                <a:blipFill rotWithShape="0">
+                  <a:blip r:embed="rId13"/>
+                  <a:stretch>
+                    <a:fillRect l="-7563" r="-6723" b="-11111"/>
+                  </a:stretch>
+                </a:blipFill>
+              </p:spPr>
+              <p:txBody>
+                <a:bodyPr/>
+                <a:lstStyle/>
+                <a:p>
+                  <a:r>
+                    <a:rPr lang="en-US">
+                      <a:noFill/>
+                    </a:rPr>
+                    <a:t> </a:t>
+                  </a:r>
+                </a:p>
+              </p:txBody>
+            </p:sp>
+          </mc:Fallback>
+        </mc:AlternateContent>
+        <mc:AlternateContent xmlns:mc="http://schemas.openxmlformats.org/markup-compatibility/2006" xmlns:a14="http://schemas.microsoft.com/office/drawing/2010/main">
+          <mc:Choice Requires="a14">
+            <p:sp>
+              <p:nvSpPr>
+                <p:cNvPr id="54" name="TextBox 53"/>
+                <p:cNvSpPr txBox="1"/>
+                <p:nvPr/>
+              </p:nvSpPr>
+              <p:spPr>
+                <a:xfrm>
+                  <a:off x="9723129" y="2476873"/>
+                  <a:ext cx="608820" cy="276999"/>
+                </a:xfrm>
+                <a:prstGeom prst="rect">
+                  <a:avLst/>
+                </a:prstGeom>
+                <a:noFill/>
+              </p:spPr>
+              <p:txBody>
+                <a:bodyPr wrap="none" lIns="0" tIns="0" rIns="0" bIns="0" rtlCol="0">
+                  <a:spAutoFit/>
+                </a:bodyPr>
+                <a:lstStyle/>
+                <a:p>
+                  <a:pPr/>
+                  <a14:m>
+                    <m:oMathPara xmlns:m="http://schemas.openxmlformats.org/officeDocument/2006/math">
+                      <m:oMathParaPr>
+                        <m:jc m:val="centerGroup"/>
+                      </m:oMathParaPr>
+                      <m:oMath xmlns:m="http://schemas.openxmlformats.org/officeDocument/2006/math">
+                        <m:r>
+                          <a:rPr lang="en-US" b="0" i="1" smtClean="0">
+                            <a:latin typeface="Cambria Math" charset="0"/>
+                          </a:rPr>
+                          <m:t>𝑆</m:t>
+                        </m:r>
+                        <m:r>
+                          <a:rPr lang="en-US" b="0" i="1" smtClean="0">
+                            <a:latin typeface="Cambria Math" charset="0"/>
+                          </a:rPr>
+                          <m:t>≥2</m:t>
+                        </m:r>
+                      </m:oMath>
+                    </m:oMathPara>
+                  </a14:m>
+                  <a:endParaRPr lang="en-US" dirty="0" smtClean="0"/>
+                </a:p>
+              </p:txBody>
+            </p:sp>
+          </mc:Choice>
+          <mc:Fallback xmlns="">
+            <p:sp>
+              <p:nvSpPr>
+                <p:cNvPr id="54" name="TextBox 53"/>
+                <p:cNvSpPr txBox="1">
+                  <a:spLocks noRot="1" noChangeAspect="1" noMove="1" noResize="1" noEditPoints="1" noAdjustHandles="1" noChangeArrowheads="1" noChangeShapeType="1" noTextEdit="1"/>
+                </p:cNvSpPr>
+                <p:nvPr/>
+              </p:nvSpPr>
+              <p:spPr>
+                <a:xfrm>
+                  <a:off x="9723129" y="2476873"/>
+                  <a:ext cx="608820" cy="276999"/>
+                </a:xfrm>
+                <a:prstGeom prst="rect">
+                  <a:avLst/>
+                </a:prstGeom>
+                <a:blipFill rotWithShape="0">
+                  <a:blip r:embed="rId14"/>
+                  <a:stretch>
+                    <a:fillRect l="-9000" r="-8000" b="-10870"/>
+                  </a:stretch>
+                </a:blipFill>
+              </p:spPr>
+              <p:txBody>
+                <a:bodyPr/>
+                <a:lstStyle/>
+                <a:p>
+                  <a:r>
+                    <a:rPr lang="en-US">
+                      <a:noFill/>
+                    </a:rPr>
+                    <a:t> </a:t>
+                  </a:r>
+                </a:p>
+              </p:txBody>
+            </p:sp>
+          </mc:Fallback>
+        </mc:AlternateContent>
+        <mc:AlternateContent xmlns:mc="http://schemas.openxmlformats.org/markup-compatibility/2006" xmlns:a14="http://schemas.microsoft.com/office/drawing/2010/main">
+          <mc:Choice Requires="a14">
+            <p:sp>
+              <p:nvSpPr>
+                <p:cNvPr id="55" name="TextBox 54"/>
+                <p:cNvSpPr txBox="1"/>
+                <p:nvPr/>
+              </p:nvSpPr>
+              <p:spPr>
+                <a:xfrm>
+                  <a:off x="9723394" y="2809695"/>
+                  <a:ext cx="1471044" cy="276999"/>
+                </a:xfrm>
+                <a:prstGeom prst="rect">
+                  <a:avLst/>
+                </a:prstGeom>
+                <a:noFill/>
+              </p:spPr>
+              <p:txBody>
+                <a:bodyPr wrap="none" lIns="0" tIns="0" rIns="0" bIns="0" rtlCol="0">
+                  <a:spAutoFit/>
+                </a:bodyPr>
+                <a:lstStyle/>
+                <a:p>
+                  <a:pPr/>
+                  <a14:m>
+                    <m:oMathPara xmlns:m="http://schemas.openxmlformats.org/officeDocument/2006/math">
+                      <m:oMathParaPr>
+                        <m:jc m:val="centerGroup"/>
+                      </m:oMathParaPr>
+                      <m:oMath xmlns:m="http://schemas.openxmlformats.org/officeDocument/2006/math">
+                        <m:r>
+                          <a:rPr lang="en-US" b="0" i="1" smtClean="0">
+                            <a:latin typeface="Cambria Math" charset="0"/>
+                          </a:rPr>
+                          <m:t>𝑆</m:t>
+                        </m:r>
+                        <m:r>
+                          <a:rPr lang="en-US" b="0" i="1" smtClean="0">
+                            <a:latin typeface="Cambria Math" charset="0"/>
+                          </a:rPr>
+                          <m:t> </m:t>
+                        </m:r>
+                        <m:r>
+                          <a:rPr lang="en-US" b="0" i="1" smtClean="0">
+                            <a:latin typeface="Cambria Math" charset="0"/>
+                          </a:rPr>
+                          <m:t>𝑚𝑜𝑑</m:t>
+                        </m:r>
+                        <m:r>
+                          <a:rPr lang="en-US" b="0" i="1" smtClean="0">
+                            <a:latin typeface="Cambria Math" charset="0"/>
+                          </a:rPr>
+                          <m:t> </m:t>
+                        </m:r>
+                        <m:r>
+                          <a:rPr lang="en-US" b="0" i="1" smtClean="0">
+                            <a:latin typeface="Cambria Math" charset="0"/>
+                          </a:rPr>
+                          <m:t>𝐴𝐺</m:t>
+                        </m:r>
+                        <m:r>
+                          <a:rPr lang="en-US" b="0" i="1" smtClean="0">
+                            <a:latin typeface="Cambria Math" charset="0"/>
+                          </a:rPr>
+                          <m:t>=0</m:t>
+                        </m:r>
+                      </m:oMath>
+                    </m:oMathPara>
+                  </a14:m>
+                  <a:endParaRPr lang="en-US" dirty="0" smtClean="0"/>
+                </a:p>
+              </p:txBody>
+            </p:sp>
+          </mc:Choice>
+          <mc:Fallback xmlns="">
+            <p:sp>
+              <p:nvSpPr>
+                <p:cNvPr id="55" name="TextBox 54"/>
+                <p:cNvSpPr txBox="1">
+                  <a:spLocks noRot="1" noChangeAspect="1" noMove="1" noResize="1" noEditPoints="1" noAdjustHandles="1" noChangeArrowheads="1" noChangeShapeType="1" noTextEdit="1"/>
+                </p:cNvSpPr>
+                <p:nvPr/>
+              </p:nvSpPr>
+              <p:spPr>
+                <a:xfrm>
+                  <a:off x="9723394" y="2809695"/>
+                  <a:ext cx="1471044" cy="276999"/>
+                </a:xfrm>
+                <a:prstGeom prst="rect">
+                  <a:avLst/>
+                </a:prstGeom>
+                <a:blipFill rotWithShape="0">
+                  <a:blip r:embed="rId15"/>
+                  <a:stretch>
+                    <a:fillRect l="-3734" t="-146667" r="-3320" b="-182222"/>
+                  </a:stretch>
+                </a:blipFill>
+              </p:spPr>
+              <p:txBody>
+                <a:bodyPr/>
+                <a:lstStyle/>
+                <a:p>
+                  <a:r>
+                    <a:rPr lang="en-US">
+                      <a:noFill/>
+                    </a:rPr>
+                    <a:t> </a:t>
+                  </a:r>
+                </a:p>
+              </p:txBody>
+            </p:sp>
+          </mc:Fallback>
+        </mc:AlternateContent>
+        <mc:AlternateContent xmlns:mc="http://schemas.openxmlformats.org/markup-compatibility/2006" xmlns:a14="http://schemas.microsoft.com/office/drawing/2010/main">
+          <mc:Choice Requires="a14">
+            <p:sp>
+              <p:nvSpPr>
+                <p:cNvPr id="56" name="TextBox 55"/>
+                <p:cNvSpPr txBox="1"/>
+                <p:nvPr/>
+              </p:nvSpPr>
+              <p:spPr>
+                <a:xfrm>
+                  <a:off x="9710082" y="3139744"/>
+                  <a:ext cx="1443216" cy="276999"/>
+                </a:xfrm>
+                <a:prstGeom prst="rect">
+                  <a:avLst/>
+                </a:prstGeom>
+                <a:noFill/>
+              </p:spPr>
+              <p:txBody>
+                <a:bodyPr wrap="none" lIns="0" tIns="0" rIns="0" bIns="0" rtlCol="0">
+                  <a:spAutoFit/>
+                </a:bodyPr>
+                <a:lstStyle/>
+                <a:p>
+                  <a:pPr/>
+                  <a14:m>
+                    <m:oMathPara xmlns:m="http://schemas.openxmlformats.org/officeDocument/2006/math">
+                      <m:oMathParaPr>
+                        <m:jc m:val="centerGroup"/>
+                      </m:oMathParaPr>
+                      <m:oMath xmlns:m="http://schemas.openxmlformats.org/officeDocument/2006/math">
+                        <m:r>
+                          <a:rPr lang="en-US" b="0" i="1" smtClean="0">
+                            <a:latin typeface="Cambria Math" charset="0"/>
+                          </a:rPr>
+                          <m:t>𝑆</m:t>
+                        </m:r>
+                        <m:r>
+                          <a:rPr lang="en-US" b="0" i="1" smtClean="0">
+                            <a:latin typeface="Cambria Math" charset="0"/>
+                          </a:rPr>
+                          <m:t> </m:t>
+                        </m:r>
+                        <m:r>
+                          <a:rPr lang="en-US" b="0" i="1" smtClean="0">
+                            <a:latin typeface="Cambria Math" charset="0"/>
+                          </a:rPr>
+                          <m:t>𝑚𝑜𝑑</m:t>
+                        </m:r>
+                        <m:r>
+                          <a:rPr lang="en-US" b="0" i="1" smtClean="0">
+                            <a:latin typeface="Cambria Math" charset="0"/>
+                          </a:rPr>
+                          <m:t> </m:t>
+                        </m:r>
+                        <m:r>
+                          <a:rPr lang="en-US" b="0" i="1" smtClean="0">
+                            <a:latin typeface="Cambria Math" charset="0"/>
+                          </a:rPr>
+                          <m:t>𝐴𝐿</m:t>
+                        </m:r>
+                        <m:r>
+                          <a:rPr lang="en-US" b="0" i="1" smtClean="0">
+                            <a:latin typeface="Cambria Math" charset="0"/>
+                          </a:rPr>
+                          <m:t>=0</m:t>
+                        </m:r>
+                      </m:oMath>
+                    </m:oMathPara>
+                  </a14:m>
+                  <a:endParaRPr lang="en-US" dirty="0" smtClean="0"/>
+                </a:p>
+              </p:txBody>
+            </p:sp>
+          </mc:Choice>
+          <mc:Fallback xmlns="">
+            <p:sp>
+              <p:nvSpPr>
+                <p:cNvPr id="56" name="TextBox 55"/>
+                <p:cNvSpPr txBox="1">
+                  <a:spLocks noRot="1" noChangeAspect="1" noMove="1" noResize="1" noEditPoints="1" noAdjustHandles="1" noChangeArrowheads="1" noChangeShapeType="1" noTextEdit="1"/>
+                </p:cNvSpPr>
+                <p:nvPr/>
+              </p:nvSpPr>
+              <p:spPr>
+                <a:xfrm>
+                  <a:off x="9710082" y="3139744"/>
+                  <a:ext cx="1443216" cy="276999"/>
+                </a:xfrm>
+                <a:prstGeom prst="rect">
+                  <a:avLst/>
+                </a:prstGeom>
+                <a:blipFill rotWithShape="0">
+                  <a:blip r:embed="rId16"/>
+                  <a:stretch>
+                    <a:fillRect l="-3814" t="-146667" r="-3390" b="-182222"/>
+                  </a:stretch>
+                </a:blipFill>
+              </p:spPr>
+              <p:txBody>
+                <a:bodyPr/>
+                <a:lstStyle/>
+                <a:p>
+                  <a:r>
+                    <a:rPr lang="en-US">
+                      <a:noFill/>
+                    </a:rPr>
+                    <a:t> </a:t>
+                  </a:r>
+                </a:p>
+              </p:txBody>
+            </p:sp>
+          </mc:Fallback>
+        </mc:AlternateContent>
+      </p:grpSp>
+      <p:sp>
+        <p:nvSpPr>
           <p:cNvPr id="59" name="Rectangle 58"/>
           <p:cNvSpPr/>
           <p:nvPr/>
@@ -10166,14 +11646,6 @@
           <a:lstStyle/>
           <a:p>
             <a:pPr algn="ctr"/>
-            <a:r>
-              <a:rPr lang="en-US" sz="2000" dirty="0" smtClean="0">
-                <a:solidFill>
-                  <a:schemeClr val="tx1"/>
-                </a:solidFill>
-              </a:rPr>
-              <a:t>S</a:t>
-            </a:r>
             <a:endParaRPr lang="en-US" sz="2000" dirty="0">
               <a:solidFill>
                 <a:schemeClr val="tx1"/>
@@ -10194,7 +11666,7 @@
         <p:spPr>
           <a:xfrm>
             <a:off x="6000358" y="1984043"/>
-            <a:ext cx="1373034" cy="645069"/>
+            <a:ext cx="982433" cy="645433"/>
           </a:xfrm>
           <a:prstGeom prst="line">
             <a:avLst/>
@@ -10270,8 +11742,8 @@
         </p:nvCxnSpPr>
         <p:spPr>
           <a:xfrm flipH="1">
-            <a:off x="4634378" y="1984043"/>
-            <a:ext cx="1365980" cy="649080"/>
+            <a:off x="5054513" y="1984043"/>
+            <a:ext cx="945845" cy="649080"/>
           </a:xfrm>
           <a:prstGeom prst="line">
             <a:avLst/>
@@ -10305,7 +11777,7 @@
         </p:nvSpPr>
         <p:spPr>
           <a:xfrm>
-            <a:off x="3640721" y="4364194"/>
+            <a:off x="4010323" y="4195490"/>
             <a:ext cx="1987313" cy="400110"/>
           </a:xfrm>
           <a:prstGeom prst="rect">
@@ -10328,49 +11800,1095 @@
           </a:p>
         </p:txBody>
       </p:sp>
-      <p:sp>
-        <p:nvSpPr>
-          <p:cNvPr id="154" name="TextBox 153"/>
-          <p:cNvSpPr txBox="1"/>
-          <p:nvPr/>
-        </p:nvSpPr>
-        <p:spPr>
-          <a:xfrm>
-            <a:off x="6379735" y="4364194"/>
-            <a:ext cx="1987313" cy="400110"/>
-          </a:xfrm>
-          <a:prstGeom prst="rect">
-            <a:avLst/>
-          </a:prstGeom>
-          <a:noFill/>
-        </p:spPr>
-        <p:txBody>
-          <a:bodyPr wrap="square" rtlCol="0">
-            <a:spAutoFit/>
-          </a:bodyPr>
-          <a:lstStyle/>
-          <a:p>
-            <a:pPr algn="ctr"/>
-            <a:r>
-              <a:rPr lang="en-US" sz="2000" dirty="0" smtClean="0"/>
-              <a:t>Local services</a:t>
-            </a:r>
-            <a:endParaRPr lang="en-US" sz="2000" baseline="-25000" dirty="0"/>
-          </a:p>
-        </p:txBody>
-      </p:sp>
+      <mc:AlternateContent xmlns:mc="http://schemas.openxmlformats.org/markup-compatibility/2006" xmlns:a14="http://schemas.microsoft.com/office/drawing/2010/main">
+        <mc:Choice Requires="a14">
+          <p:sp>
+            <p:nvSpPr>
+              <p:cNvPr id="62" name="TextBox 61"/>
+              <p:cNvSpPr txBox="1"/>
+              <p:nvPr/>
+            </p:nvSpPr>
+            <p:spPr>
+              <a:xfrm>
+                <a:off x="5036616" y="2164332"/>
+                <a:ext cx="294953" cy="276999"/>
+              </a:xfrm>
+              <a:prstGeom prst="rect">
+                <a:avLst/>
+              </a:prstGeom>
+              <a:noFill/>
+            </p:spPr>
+            <p:txBody>
+              <a:bodyPr wrap="none" lIns="0" tIns="0" rIns="0" bIns="0" rtlCol="0">
+                <a:spAutoFit/>
+              </a:bodyPr>
+              <a:lstStyle/>
+              <a:p>
+                <a:pPr/>
+                <a14:m>
+                  <m:oMathPara xmlns:m="http://schemas.openxmlformats.org/officeDocument/2006/math">
+                    <m:oMathParaPr>
+                      <m:jc m:val="centerGroup"/>
+                    </m:oMathParaPr>
+                    <m:oMath xmlns:m="http://schemas.openxmlformats.org/officeDocument/2006/math">
+                      <m:r>
+                        <a:rPr lang="en-US" b="0" i="1" smtClean="0">
+                          <a:latin typeface="Cambria Math" charset="0"/>
+                        </a:rPr>
+                        <m:t>𝑒</m:t>
+                      </m:r>
+                      <m:r>
+                        <a:rPr lang="en-US" b="0" i="1" smtClean="0">
+                          <a:latin typeface="Cambria Math" charset="0"/>
+                        </a:rPr>
+                        <m:t>3</m:t>
+                      </m:r>
+                    </m:oMath>
+                  </m:oMathPara>
+                </a14:m>
+                <a:endParaRPr lang="en-US" dirty="0" smtClean="0"/>
+              </a:p>
+            </p:txBody>
+          </p:sp>
+        </mc:Choice>
+        <mc:Fallback xmlns="">
+          <p:sp>
+            <p:nvSpPr>
+              <p:cNvPr id="62" name="TextBox 61"/>
+              <p:cNvSpPr txBox="1">
+                <a:spLocks noRot="1" noChangeAspect="1" noMove="1" noResize="1" noEditPoints="1" noAdjustHandles="1" noChangeArrowheads="1" noChangeShapeType="1" noTextEdit="1"/>
+              </p:cNvSpPr>
+              <p:nvPr/>
+            </p:nvSpPr>
+            <p:spPr>
+              <a:xfrm>
+                <a:off x="5036616" y="2164332"/>
+                <a:ext cx="294953" cy="276999"/>
+              </a:xfrm>
+              <a:prstGeom prst="rect">
+                <a:avLst/>
+              </a:prstGeom>
+              <a:blipFill rotWithShape="0">
+                <a:blip r:embed="rId17"/>
+                <a:stretch>
+                  <a:fillRect l="-18367" r="-18367" b="-8889"/>
+                </a:stretch>
+              </a:blipFill>
+            </p:spPr>
+            <p:txBody>
+              <a:bodyPr/>
+              <a:lstStyle/>
+              <a:p>
+                <a:r>
+                  <a:rPr lang="en-US">
+                    <a:noFill/>
+                  </a:rPr>
+                  <a:t> </a:t>
+                </a:r>
+              </a:p>
+            </p:txBody>
+          </p:sp>
+        </mc:Fallback>
+      </mc:AlternateContent>
+      <mc:AlternateContent xmlns:mc="http://schemas.openxmlformats.org/markup-compatibility/2006" xmlns:a14="http://schemas.microsoft.com/office/drawing/2010/main">
+        <mc:Choice Requires="a14">
+          <p:sp>
+            <p:nvSpPr>
+              <p:cNvPr id="63" name="TextBox 62"/>
+              <p:cNvSpPr txBox="1"/>
+              <p:nvPr/>
+            </p:nvSpPr>
+            <p:spPr>
+              <a:xfrm>
+                <a:off x="5373418" y="1876114"/>
+                <a:ext cx="294953" cy="276999"/>
+              </a:xfrm>
+              <a:prstGeom prst="rect">
+                <a:avLst/>
+              </a:prstGeom>
+              <a:noFill/>
+            </p:spPr>
+            <p:txBody>
+              <a:bodyPr wrap="none" lIns="0" tIns="0" rIns="0" bIns="0" rtlCol="0">
+                <a:spAutoFit/>
+              </a:bodyPr>
+              <a:lstStyle/>
+              <a:p>
+                <a:pPr/>
+                <a14:m>
+                  <m:oMathPara xmlns:m="http://schemas.openxmlformats.org/officeDocument/2006/math">
+                    <m:oMathParaPr>
+                      <m:jc m:val="centerGroup"/>
+                    </m:oMathParaPr>
+                    <m:oMath xmlns:m="http://schemas.openxmlformats.org/officeDocument/2006/math">
+                      <m:r>
+                        <a:rPr lang="en-US" b="0" i="1" smtClean="0">
+                          <a:latin typeface="Cambria Math" charset="0"/>
+                        </a:rPr>
+                        <m:t>𝑒</m:t>
+                      </m:r>
+                      <m:r>
+                        <a:rPr lang="en-US" b="0" i="1" smtClean="0">
+                          <a:latin typeface="Cambria Math" charset="0"/>
+                        </a:rPr>
+                        <m:t>4</m:t>
+                      </m:r>
+                    </m:oMath>
+                  </m:oMathPara>
+                </a14:m>
+                <a:endParaRPr lang="en-US" dirty="0" smtClean="0"/>
+              </a:p>
+            </p:txBody>
+          </p:sp>
+        </mc:Choice>
+        <mc:Fallback xmlns="">
+          <p:sp>
+            <p:nvSpPr>
+              <p:cNvPr id="63" name="TextBox 62"/>
+              <p:cNvSpPr txBox="1">
+                <a:spLocks noRot="1" noChangeAspect="1" noMove="1" noResize="1" noEditPoints="1" noAdjustHandles="1" noChangeArrowheads="1" noChangeShapeType="1" noTextEdit="1"/>
+              </p:cNvSpPr>
+              <p:nvPr/>
+            </p:nvSpPr>
+            <p:spPr>
+              <a:xfrm>
+                <a:off x="5373418" y="1876114"/>
+                <a:ext cx="294953" cy="276999"/>
+              </a:xfrm>
+              <a:prstGeom prst="rect">
+                <a:avLst/>
+              </a:prstGeom>
+              <a:blipFill rotWithShape="0">
+                <a:blip r:embed="rId18"/>
+                <a:stretch>
+                  <a:fillRect l="-18367" r="-16327" b="-6667"/>
+                </a:stretch>
+              </a:blipFill>
+            </p:spPr>
+            <p:txBody>
+              <a:bodyPr/>
+              <a:lstStyle/>
+              <a:p>
+                <a:r>
+                  <a:rPr lang="en-US">
+                    <a:noFill/>
+                  </a:rPr>
+                  <a:t> </a:t>
+                </a:r>
+              </a:p>
+            </p:txBody>
+          </p:sp>
+        </mc:Fallback>
+      </mc:AlternateContent>
+      <mc:AlternateContent xmlns:mc="http://schemas.openxmlformats.org/markup-compatibility/2006" xmlns:a14="http://schemas.microsoft.com/office/drawing/2010/main">
+        <mc:Choice Requires="a14">
+          <p:sp>
+            <p:nvSpPr>
+              <p:cNvPr id="65" name="TextBox 64"/>
+              <p:cNvSpPr txBox="1"/>
+              <p:nvPr/>
+            </p:nvSpPr>
+            <p:spPr>
+              <a:xfrm>
+                <a:off x="6756245" y="2163406"/>
+                <a:ext cx="294953" cy="276999"/>
+              </a:xfrm>
+              <a:prstGeom prst="rect">
+                <a:avLst/>
+              </a:prstGeom>
+              <a:noFill/>
+            </p:spPr>
+            <p:txBody>
+              <a:bodyPr wrap="none" lIns="0" tIns="0" rIns="0" bIns="0" rtlCol="0">
+                <a:spAutoFit/>
+              </a:bodyPr>
+              <a:lstStyle/>
+              <a:p>
+                <a:pPr/>
+                <a14:m>
+                  <m:oMathPara xmlns:m="http://schemas.openxmlformats.org/officeDocument/2006/math">
+                    <m:oMathParaPr>
+                      <m:jc m:val="centerGroup"/>
+                    </m:oMathParaPr>
+                    <m:oMath xmlns:m="http://schemas.openxmlformats.org/officeDocument/2006/math">
+                      <m:r>
+                        <a:rPr lang="en-US" b="0" i="1" smtClean="0">
+                          <a:latin typeface="Cambria Math" charset="0"/>
+                        </a:rPr>
+                        <m:t>𝑒</m:t>
+                      </m:r>
+                      <m:r>
+                        <a:rPr lang="en-US" b="0" i="1" smtClean="0">
+                          <a:latin typeface="Cambria Math" charset="0"/>
+                        </a:rPr>
+                        <m:t>7</m:t>
+                      </m:r>
+                    </m:oMath>
+                  </m:oMathPara>
+                </a14:m>
+                <a:endParaRPr lang="en-US" dirty="0" smtClean="0"/>
+              </a:p>
+            </p:txBody>
+          </p:sp>
+        </mc:Choice>
+        <mc:Fallback xmlns="">
+          <p:sp>
+            <p:nvSpPr>
+              <p:cNvPr id="65" name="TextBox 64"/>
+              <p:cNvSpPr txBox="1">
+                <a:spLocks noRot="1" noChangeAspect="1" noMove="1" noResize="1" noEditPoints="1" noAdjustHandles="1" noChangeArrowheads="1" noChangeShapeType="1" noTextEdit="1"/>
+              </p:cNvSpPr>
+              <p:nvPr/>
+            </p:nvSpPr>
+            <p:spPr>
+              <a:xfrm>
+                <a:off x="6756245" y="2163406"/>
+                <a:ext cx="294953" cy="276999"/>
+              </a:xfrm>
+              <a:prstGeom prst="rect">
+                <a:avLst/>
+              </a:prstGeom>
+              <a:blipFill rotWithShape="0">
+                <a:blip r:embed="rId19"/>
+                <a:stretch>
+                  <a:fillRect l="-18367" r="-16327" b="-6667"/>
+                </a:stretch>
+              </a:blipFill>
+            </p:spPr>
+            <p:txBody>
+              <a:bodyPr/>
+              <a:lstStyle/>
+              <a:p>
+                <a:r>
+                  <a:rPr lang="en-US">
+                    <a:noFill/>
+                  </a:rPr>
+                  <a:t> </a:t>
+                </a:r>
+              </a:p>
+            </p:txBody>
+          </p:sp>
+        </mc:Fallback>
+      </mc:AlternateContent>
+      <mc:AlternateContent xmlns:mc="http://schemas.openxmlformats.org/markup-compatibility/2006" xmlns:a14="http://schemas.microsoft.com/office/drawing/2010/main">
+        <mc:Choice Requires="a14">
+          <p:sp>
+            <p:nvSpPr>
+              <p:cNvPr id="66" name="TextBox 65"/>
+              <p:cNvSpPr txBox="1"/>
+              <p:nvPr/>
+            </p:nvSpPr>
+            <p:spPr>
+              <a:xfrm>
+                <a:off x="6301275" y="1876114"/>
+                <a:ext cx="294953" cy="276999"/>
+              </a:xfrm>
+              <a:prstGeom prst="rect">
+                <a:avLst/>
+              </a:prstGeom>
+              <a:noFill/>
+            </p:spPr>
+            <p:txBody>
+              <a:bodyPr wrap="none" lIns="0" tIns="0" rIns="0" bIns="0" rtlCol="0">
+                <a:spAutoFit/>
+              </a:bodyPr>
+              <a:lstStyle/>
+              <a:p>
+                <a:pPr/>
+                <a14:m>
+                  <m:oMathPara xmlns:m="http://schemas.openxmlformats.org/officeDocument/2006/math">
+                    <m:oMathParaPr>
+                      <m:jc m:val="centerGroup"/>
+                    </m:oMathParaPr>
+                    <m:oMath xmlns:m="http://schemas.openxmlformats.org/officeDocument/2006/math">
+                      <m:r>
+                        <a:rPr lang="en-US" b="0" i="1" smtClean="0">
+                          <a:latin typeface="Cambria Math" charset="0"/>
+                        </a:rPr>
+                        <m:t>𝑒</m:t>
+                      </m:r>
+                      <m:r>
+                        <a:rPr lang="en-US" b="0" i="1" smtClean="0">
+                          <a:latin typeface="Cambria Math" charset="0"/>
+                        </a:rPr>
+                        <m:t>8</m:t>
+                      </m:r>
+                    </m:oMath>
+                  </m:oMathPara>
+                </a14:m>
+                <a:endParaRPr lang="en-US" dirty="0" smtClean="0"/>
+              </a:p>
+            </p:txBody>
+          </p:sp>
+        </mc:Choice>
+        <mc:Fallback xmlns="">
+          <p:sp>
+            <p:nvSpPr>
+              <p:cNvPr id="66" name="TextBox 65"/>
+              <p:cNvSpPr txBox="1">
+                <a:spLocks noRot="1" noChangeAspect="1" noMove="1" noResize="1" noEditPoints="1" noAdjustHandles="1" noChangeArrowheads="1" noChangeShapeType="1" noTextEdit="1"/>
+              </p:cNvSpPr>
+              <p:nvPr/>
+            </p:nvSpPr>
+            <p:spPr>
+              <a:xfrm>
+                <a:off x="6301275" y="1876114"/>
+                <a:ext cx="294953" cy="276999"/>
+              </a:xfrm>
+              <a:prstGeom prst="rect">
+                <a:avLst/>
+              </a:prstGeom>
+              <a:blipFill rotWithShape="0">
+                <a:blip r:embed="rId20"/>
+                <a:stretch>
+                  <a:fillRect l="-20833" r="-18750" b="-6667"/>
+                </a:stretch>
+              </a:blipFill>
+            </p:spPr>
+            <p:txBody>
+              <a:bodyPr/>
+              <a:lstStyle/>
+              <a:p>
+                <a:r>
+                  <a:rPr lang="en-US">
+                    <a:noFill/>
+                  </a:rPr>
+                  <a:t> </a:t>
+                </a:r>
+              </a:p>
+            </p:txBody>
+          </p:sp>
+        </mc:Fallback>
+      </mc:AlternateContent>
       <p:grpSp>
         <p:nvGrpSpPr>
-          <p:cNvPr id="29" name="Group 28"/>
+          <p:cNvPr id="7" name="Group 6"/>
           <p:cNvGrpSpPr/>
           <p:nvPr/>
         </p:nvGrpSpPr>
         <p:grpSpPr>
           <a:xfrm>
-            <a:off x="4083431" y="2471057"/>
-            <a:ext cx="1114071" cy="1762788"/>
-            <a:chOff x="4083431" y="2471057"/>
-            <a:chExt cx="1114071" cy="1762788"/>
+            <a:off x="6032480" y="2425541"/>
+            <a:ext cx="1649298" cy="1785644"/>
+            <a:chOff x="6427902" y="2431637"/>
+            <a:chExt cx="1649298" cy="1785644"/>
+          </a:xfrm>
+        </p:grpSpPr>
+        <p:grpSp>
+          <p:nvGrpSpPr>
+            <p:cNvPr id="106" name="Group 105"/>
+            <p:cNvGrpSpPr/>
+            <p:nvPr/>
+          </p:nvGrpSpPr>
+          <p:grpSpPr>
+            <a:xfrm>
+              <a:off x="7121049" y="2635572"/>
+              <a:ext cx="509506" cy="1184482"/>
+              <a:chOff x="4422388" y="3319803"/>
+              <a:chExt cx="833540" cy="2253683"/>
+            </a:xfrm>
+          </p:grpSpPr>
+          <p:sp>
+            <p:nvSpPr>
+              <p:cNvPr id="112" name="Rectangle 111"/>
+              <p:cNvSpPr/>
+              <p:nvPr/>
+            </p:nvSpPr>
+            <p:spPr>
+              <a:xfrm>
+                <a:off x="4422388" y="4953000"/>
+                <a:ext cx="825651" cy="620486"/>
+              </a:xfrm>
+              <a:prstGeom prst="rect">
+                <a:avLst/>
+              </a:prstGeom>
+              <a:solidFill>
+                <a:schemeClr val="bg2">
+                  <a:lumMod val="90000"/>
+                </a:schemeClr>
+              </a:solidFill>
+              <a:ln>
+                <a:solidFill>
+                  <a:schemeClr val="tx1"/>
+                </a:solidFill>
+              </a:ln>
+            </p:spPr>
+            <p:style>
+              <a:lnRef idx="2">
+                <a:schemeClr val="accent1">
+                  <a:shade val="50000"/>
+                </a:schemeClr>
+              </a:lnRef>
+              <a:fillRef idx="1">
+                <a:schemeClr val="accent1"/>
+              </a:fillRef>
+              <a:effectRef idx="0">
+                <a:schemeClr val="accent1"/>
+              </a:effectRef>
+              <a:fontRef idx="minor">
+                <a:schemeClr val="lt1"/>
+              </a:fontRef>
+            </p:style>
+            <p:txBody>
+              <a:bodyPr rtlCol="0" anchor="ctr"/>
+              <a:lstStyle/>
+              <a:p>
+                <a:pPr algn="ctr"/>
+                <a:endParaRPr lang="en-US" sz="2000" dirty="0">
+                  <a:solidFill>
+                    <a:schemeClr val="tx1"/>
+                  </a:solidFill>
+                </a:endParaRPr>
+              </a:p>
+            </p:txBody>
+          </p:sp>
+          <p:sp>
+            <p:nvSpPr>
+              <p:cNvPr id="114" name="Rectangle 113"/>
+              <p:cNvSpPr/>
+              <p:nvPr/>
+            </p:nvSpPr>
+            <p:spPr>
+              <a:xfrm>
+                <a:off x="4430277" y="3319803"/>
+                <a:ext cx="825651" cy="620487"/>
+              </a:xfrm>
+              <a:prstGeom prst="rect">
+                <a:avLst/>
+              </a:prstGeom>
+              <a:solidFill>
+                <a:schemeClr val="bg2">
+                  <a:lumMod val="90000"/>
+                </a:schemeClr>
+              </a:solidFill>
+              <a:ln>
+                <a:solidFill>
+                  <a:schemeClr val="tx1"/>
+                </a:solidFill>
+              </a:ln>
+            </p:spPr>
+            <p:style>
+              <a:lnRef idx="2">
+                <a:schemeClr val="accent1">
+                  <a:shade val="50000"/>
+                </a:schemeClr>
+              </a:lnRef>
+              <a:fillRef idx="1">
+                <a:schemeClr val="accent1"/>
+              </a:fillRef>
+              <a:effectRef idx="0">
+                <a:schemeClr val="accent1"/>
+              </a:effectRef>
+              <a:fontRef idx="minor">
+                <a:schemeClr val="lt1"/>
+              </a:fontRef>
+            </p:style>
+            <p:txBody>
+              <a:bodyPr rtlCol="0" anchor="ctr"/>
+              <a:lstStyle/>
+              <a:p>
+                <a:pPr algn="ctr"/>
+                <a:endParaRPr lang="en-US" sz="2000" dirty="0">
+                  <a:solidFill>
+                    <a:schemeClr val="tx1"/>
+                  </a:solidFill>
+                </a:endParaRPr>
+              </a:p>
+            </p:txBody>
+          </p:sp>
+        </p:grpSp>
+        <p:cxnSp>
+          <p:nvCxnSpPr>
+            <p:cNvPr id="108" name="Straight Connector 107"/>
+            <p:cNvCxnSpPr>
+              <a:stCxn id="114" idx="2"/>
+              <a:endCxn id="112" idx="0"/>
+            </p:cNvCxnSpPr>
+            <p:nvPr/>
+          </p:nvCxnSpPr>
+          <p:spPr>
+            <a:xfrm flipH="1">
+              <a:off x="7373391" y="2961685"/>
+              <a:ext cx="4822" cy="532256"/>
+            </a:xfrm>
+            <a:prstGeom prst="line">
+              <a:avLst/>
+            </a:prstGeom>
+            <a:ln w="19050">
+              <a:solidFill>
+                <a:schemeClr val="tx1"/>
+              </a:solidFill>
+            </a:ln>
+          </p:spPr>
+          <p:style>
+            <a:lnRef idx="1">
+              <a:schemeClr val="accent1"/>
+            </a:lnRef>
+            <a:fillRef idx="0">
+              <a:schemeClr val="accent1"/>
+            </a:fillRef>
+            <a:effectRef idx="0">
+              <a:schemeClr val="accent1"/>
+            </a:effectRef>
+            <a:fontRef idx="minor">
+              <a:schemeClr val="tx1"/>
+            </a:fontRef>
+          </p:style>
+        </p:cxnSp>
+        <p:sp>
+          <p:nvSpPr>
+            <p:cNvPr id="38" name="TextBox 37"/>
+            <p:cNvSpPr txBox="1"/>
+            <p:nvPr/>
+          </p:nvSpPr>
+          <p:spPr>
+            <a:xfrm>
+              <a:off x="7056585" y="3817171"/>
+              <a:ext cx="633611" cy="400110"/>
+            </a:xfrm>
+            <a:prstGeom prst="rect">
+              <a:avLst/>
+            </a:prstGeom>
+            <a:noFill/>
+          </p:spPr>
+          <p:txBody>
+            <a:bodyPr wrap="square" rtlCol="0">
+              <a:spAutoFit/>
+            </a:bodyPr>
+            <a:lstStyle/>
+            <a:p>
+              <a:pPr algn="ctr"/>
+              <a:r>
+                <a:rPr lang="en-US" sz="2000" smtClean="0"/>
+                <a:t>LP</a:t>
+              </a:r>
+              <a:endParaRPr lang="en-US" sz="2000" baseline="-25000" dirty="0"/>
+            </a:p>
+          </p:txBody>
+        </p:sp>
+        <p:sp>
+          <p:nvSpPr>
+            <p:cNvPr id="49" name="Rectangle 48"/>
+            <p:cNvSpPr/>
+            <p:nvPr/>
+          </p:nvSpPr>
+          <p:spPr>
+            <a:xfrm>
+              <a:off x="6624784" y="2431637"/>
+              <a:ext cx="1452416" cy="1748477"/>
+            </a:xfrm>
+            <a:prstGeom prst="rect">
+              <a:avLst/>
+            </a:prstGeom>
+            <a:noFill/>
+            <a:ln w="25400">
+              <a:solidFill>
+                <a:schemeClr val="tx1"/>
+              </a:solidFill>
+              <a:prstDash val="sysDot"/>
+            </a:ln>
+          </p:spPr>
+          <p:style>
+            <a:lnRef idx="2">
+              <a:schemeClr val="accent1">
+                <a:shade val="50000"/>
+              </a:schemeClr>
+            </a:lnRef>
+            <a:fillRef idx="1">
+              <a:schemeClr val="accent1"/>
+            </a:fillRef>
+            <a:effectRef idx="0">
+              <a:schemeClr val="accent1"/>
+            </a:effectRef>
+            <a:fontRef idx="minor">
+              <a:schemeClr val="lt1"/>
+            </a:fontRef>
+          </p:style>
+          <p:txBody>
+            <a:bodyPr rtlCol="0" anchor="ctr"/>
+            <a:lstStyle/>
+            <a:p>
+              <a:pPr algn="ctr"/>
+              <a:endParaRPr lang="en-US" sz="1600"/>
+            </a:p>
+          </p:txBody>
+        </p:sp>
+        <p:sp>
+          <p:nvSpPr>
+            <p:cNvPr id="32" name="TextBox 31"/>
+            <p:cNvSpPr txBox="1"/>
+            <p:nvPr/>
+          </p:nvSpPr>
+          <p:spPr>
+            <a:xfrm>
+              <a:off x="6427902" y="2431637"/>
+              <a:ext cx="703121" cy="400110"/>
+            </a:xfrm>
+            <a:prstGeom prst="rect">
+              <a:avLst/>
+            </a:prstGeom>
+            <a:noFill/>
+          </p:spPr>
+          <p:txBody>
+            <a:bodyPr wrap="square" rtlCol="0">
+              <a:spAutoFit/>
+            </a:bodyPr>
+            <a:lstStyle/>
+            <a:p>
+              <a:pPr algn="ctr"/>
+              <a:r>
+                <a:rPr lang="en-US" sz="2000" dirty="0" smtClean="0"/>
+                <a:t>Q</a:t>
+              </a:r>
+              <a:endParaRPr lang="en-US" sz="2000" baseline="-25000" dirty="0"/>
+            </a:p>
+          </p:txBody>
+        </p:sp>
+        <mc:AlternateContent xmlns:mc="http://schemas.openxmlformats.org/markup-compatibility/2006" xmlns:a14="http://schemas.microsoft.com/office/drawing/2010/main">
+          <mc:Choice Requires="a14">
+            <p:sp>
+              <p:nvSpPr>
+                <p:cNvPr id="60" name="TextBox 59"/>
+                <p:cNvSpPr txBox="1"/>
+                <p:nvPr/>
+              </p:nvSpPr>
+              <p:spPr>
+                <a:xfrm>
+                  <a:off x="7395243" y="3230174"/>
+                  <a:ext cx="294953" cy="276999"/>
+                </a:xfrm>
+                <a:prstGeom prst="rect">
+                  <a:avLst/>
+                </a:prstGeom>
+                <a:noFill/>
+              </p:spPr>
+              <p:txBody>
+                <a:bodyPr wrap="none" lIns="0" tIns="0" rIns="0" bIns="0" rtlCol="0">
+                  <a:spAutoFit/>
+                </a:bodyPr>
+                <a:lstStyle/>
+                <a:p>
+                  <a:pPr/>
+                  <a14:m>
+                    <m:oMathPara xmlns:m="http://schemas.openxmlformats.org/officeDocument/2006/math">
+                      <m:oMathParaPr>
+                        <m:jc m:val="centerGroup"/>
+                      </m:oMathParaPr>
+                      <m:oMath xmlns:m="http://schemas.openxmlformats.org/officeDocument/2006/math">
+                        <m:r>
+                          <a:rPr lang="en-US" b="0" i="1" smtClean="0">
+                            <a:latin typeface="Cambria Math" charset="0"/>
+                          </a:rPr>
+                          <m:t>𝑒</m:t>
+                        </m:r>
+                        <m:r>
+                          <a:rPr lang="en-US" b="0" i="1" smtClean="0">
+                            <a:latin typeface="Cambria Math" charset="0"/>
+                          </a:rPr>
+                          <m:t>5</m:t>
+                        </m:r>
+                      </m:oMath>
+                    </m:oMathPara>
+                  </a14:m>
+                  <a:endParaRPr lang="en-US" dirty="0" smtClean="0"/>
+                </a:p>
+              </p:txBody>
+            </p:sp>
+          </mc:Choice>
+          <mc:Fallback xmlns="">
+            <p:sp>
+              <p:nvSpPr>
+                <p:cNvPr id="60" name="TextBox 59"/>
+                <p:cNvSpPr txBox="1">
+                  <a:spLocks noRot="1" noChangeAspect="1" noMove="1" noResize="1" noEditPoints="1" noAdjustHandles="1" noChangeArrowheads="1" noChangeShapeType="1" noTextEdit="1"/>
+                </p:cNvSpPr>
+                <p:nvPr/>
+              </p:nvSpPr>
+              <p:spPr>
+                <a:xfrm>
+                  <a:off x="7395243" y="3230174"/>
+                  <a:ext cx="294953" cy="276999"/>
+                </a:xfrm>
+                <a:prstGeom prst="rect">
+                  <a:avLst/>
+                </a:prstGeom>
+                <a:blipFill rotWithShape="0">
+                  <a:blip r:embed="rId21"/>
+                  <a:stretch>
+                    <a:fillRect l="-20408" r="-18367" b="-8889"/>
+                  </a:stretch>
+                </a:blipFill>
+              </p:spPr>
+              <p:txBody>
+                <a:bodyPr/>
+                <a:lstStyle/>
+                <a:p>
+                  <a:r>
+                    <a:rPr lang="en-US">
+                      <a:noFill/>
+                    </a:rPr>
+                    <a:t> </a:t>
+                  </a:r>
+                </a:p>
+              </p:txBody>
+            </p:sp>
+          </mc:Fallback>
+        </mc:AlternateContent>
+        <mc:AlternateContent xmlns:mc="http://schemas.openxmlformats.org/markup-compatibility/2006" xmlns:a14="http://schemas.microsoft.com/office/drawing/2010/main">
+          <mc:Choice Requires="a14">
+            <p:sp>
+              <p:nvSpPr>
+                <p:cNvPr id="61" name="TextBox 60"/>
+                <p:cNvSpPr txBox="1"/>
+                <p:nvPr/>
+              </p:nvSpPr>
+              <p:spPr>
+                <a:xfrm>
+                  <a:off x="7395243" y="2950328"/>
+                  <a:ext cx="294953" cy="276999"/>
+                </a:xfrm>
+                <a:prstGeom prst="rect">
+                  <a:avLst/>
+                </a:prstGeom>
+                <a:noFill/>
+              </p:spPr>
+              <p:txBody>
+                <a:bodyPr wrap="none" lIns="0" tIns="0" rIns="0" bIns="0" rtlCol="0">
+                  <a:spAutoFit/>
+                </a:bodyPr>
+                <a:lstStyle/>
+                <a:p>
+                  <a:pPr/>
+                  <a14:m>
+                    <m:oMathPara xmlns:m="http://schemas.openxmlformats.org/officeDocument/2006/math">
+                      <m:oMathParaPr>
+                        <m:jc m:val="centerGroup"/>
+                      </m:oMathParaPr>
+                      <m:oMath xmlns:m="http://schemas.openxmlformats.org/officeDocument/2006/math">
+                        <m:r>
+                          <a:rPr lang="en-US" b="0" i="1" smtClean="0">
+                            <a:latin typeface="Cambria Math" charset="0"/>
+                          </a:rPr>
+                          <m:t>𝑒</m:t>
+                        </m:r>
+                        <m:r>
+                          <a:rPr lang="en-US" b="0" i="1" smtClean="0">
+                            <a:latin typeface="Cambria Math" charset="0"/>
+                          </a:rPr>
+                          <m:t>6</m:t>
+                        </m:r>
+                      </m:oMath>
+                    </m:oMathPara>
+                  </a14:m>
+                  <a:endParaRPr lang="en-US" dirty="0" smtClean="0"/>
+                </a:p>
+              </p:txBody>
+            </p:sp>
+          </mc:Choice>
+          <mc:Fallback xmlns="">
+            <p:sp>
+              <p:nvSpPr>
+                <p:cNvPr id="61" name="TextBox 60"/>
+                <p:cNvSpPr txBox="1">
+                  <a:spLocks noRot="1" noChangeAspect="1" noMove="1" noResize="1" noEditPoints="1" noAdjustHandles="1" noChangeArrowheads="1" noChangeShapeType="1" noTextEdit="1"/>
+                </p:cNvSpPr>
+                <p:nvPr/>
+              </p:nvSpPr>
+              <p:spPr>
+                <a:xfrm>
+                  <a:off x="7395243" y="2950328"/>
+                  <a:ext cx="294953" cy="276999"/>
+                </a:xfrm>
+                <a:prstGeom prst="rect">
+                  <a:avLst/>
+                </a:prstGeom>
+                <a:blipFill rotWithShape="0">
+                  <a:blip r:embed="rId22"/>
+                  <a:stretch>
+                    <a:fillRect l="-18367" r="-18367" b="-6667"/>
+                  </a:stretch>
+                </a:blipFill>
+              </p:spPr>
+              <p:txBody>
+                <a:bodyPr/>
+                <a:lstStyle/>
+                <a:p>
+                  <a:r>
+                    <a:rPr lang="en-US">
+                      <a:noFill/>
+                    </a:rPr>
+                    <a:t> </a:t>
+                  </a:r>
+                </a:p>
+              </p:txBody>
+            </p:sp>
+          </mc:Fallback>
+        </mc:AlternateContent>
+        <mc:AlternateContent xmlns:mc="http://schemas.openxmlformats.org/markup-compatibility/2006" xmlns:a14="http://schemas.microsoft.com/office/drawing/2010/main">
+          <mc:Choice Requires="a14">
+            <p:sp>
+              <p:nvSpPr>
+                <p:cNvPr id="69" name="TextBox 68"/>
+                <p:cNvSpPr txBox="1"/>
+                <p:nvPr/>
+              </p:nvSpPr>
+              <p:spPr>
+                <a:xfrm>
+                  <a:off x="7209915" y="2655847"/>
+                  <a:ext cx="326949" cy="276999"/>
+                </a:xfrm>
+                <a:prstGeom prst="rect">
+                  <a:avLst/>
+                </a:prstGeom>
+                <a:noFill/>
+              </p:spPr>
+              <p:txBody>
+                <a:bodyPr wrap="none" lIns="0" tIns="0" rIns="0" bIns="0" rtlCol="0">
+                  <a:spAutoFit/>
+                </a:bodyPr>
+                <a:lstStyle/>
+                <a:p>
+                  <a:pPr/>
+                  <a14:m>
+                    <m:oMathPara xmlns:m="http://schemas.openxmlformats.org/officeDocument/2006/math">
+                      <m:oMathParaPr>
+                        <m:jc m:val="centerGroup"/>
+                      </m:oMathParaPr>
+                      <m:oMath xmlns:m="http://schemas.openxmlformats.org/officeDocument/2006/math">
+                        <m:r>
+                          <a:rPr lang="en-US" b="0" i="1" smtClean="0">
+                            <a:latin typeface="Cambria Math" charset="0"/>
+                          </a:rPr>
+                          <m:t>𝐴𝐿</m:t>
+                        </m:r>
+                      </m:oMath>
+                    </m:oMathPara>
+                  </a14:m>
+                  <a:endParaRPr lang="en-US" dirty="0" smtClean="0"/>
+                </a:p>
+              </p:txBody>
+            </p:sp>
+          </mc:Choice>
+          <mc:Fallback xmlns="">
+            <p:sp>
+              <p:nvSpPr>
+                <p:cNvPr id="69" name="TextBox 68"/>
+                <p:cNvSpPr txBox="1">
+                  <a:spLocks noRot="1" noChangeAspect="1" noMove="1" noResize="1" noEditPoints="1" noAdjustHandles="1" noChangeArrowheads="1" noChangeShapeType="1" noTextEdit="1"/>
+                </p:cNvSpPr>
+                <p:nvPr/>
+              </p:nvSpPr>
+              <p:spPr>
+                <a:xfrm>
+                  <a:off x="7209915" y="2655847"/>
+                  <a:ext cx="326949" cy="276999"/>
+                </a:xfrm>
+                <a:prstGeom prst="rect">
+                  <a:avLst/>
+                </a:prstGeom>
+                <a:blipFill rotWithShape="0">
+                  <a:blip r:embed="rId23"/>
+                  <a:stretch>
+                    <a:fillRect l="-18868" r="-15094" b="-6667"/>
+                  </a:stretch>
+                </a:blipFill>
+              </p:spPr>
+              <p:txBody>
+                <a:bodyPr/>
+                <a:lstStyle/>
+                <a:p>
+                  <a:r>
+                    <a:rPr lang="en-US">
+                      <a:noFill/>
+                    </a:rPr>
+                    <a:t> </a:t>
+                  </a:r>
+                </a:p>
+              </p:txBody>
+            </p:sp>
+          </mc:Fallback>
+        </mc:AlternateContent>
+        <mc:AlternateContent xmlns:mc="http://schemas.openxmlformats.org/markup-compatibility/2006" xmlns:a14="http://schemas.microsoft.com/office/drawing/2010/main">
+          <mc:Choice Requires="a14">
+            <p:sp>
+              <p:nvSpPr>
+                <p:cNvPr id="70" name="TextBox 69"/>
+                <p:cNvSpPr txBox="1"/>
+                <p:nvPr/>
+              </p:nvSpPr>
+              <p:spPr>
+                <a:xfrm>
+                  <a:off x="7230631" y="3530355"/>
+                  <a:ext cx="318933" cy="276999"/>
+                </a:xfrm>
+                <a:prstGeom prst="rect">
+                  <a:avLst/>
+                </a:prstGeom>
+                <a:noFill/>
+              </p:spPr>
+              <p:txBody>
+                <a:bodyPr wrap="none" lIns="0" tIns="0" rIns="0" bIns="0" rtlCol="0">
+                  <a:spAutoFit/>
+                </a:bodyPr>
+                <a:lstStyle/>
+                <a:p>
+                  <a:pPr/>
+                  <a14:m>
+                    <m:oMathPara xmlns:m="http://schemas.openxmlformats.org/officeDocument/2006/math">
+                      <m:oMathParaPr>
+                        <m:jc m:val="centerGroup"/>
+                      </m:oMathParaPr>
+                      <m:oMath xmlns:m="http://schemas.openxmlformats.org/officeDocument/2006/math">
+                        <m:r>
+                          <a:rPr lang="en-US" b="0" i="1" smtClean="0">
+                            <a:latin typeface="Cambria Math" charset="0"/>
+                          </a:rPr>
+                          <m:t>𝑇𝐿</m:t>
+                        </m:r>
+                      </m:oMath>
+                    </m:oMathPara>
+                  </a14:m>
+                  <a:endParaRPr lang="en-US" dirty="0" smtClean="0"/>
+                </a:p>
+              </p:txBody>
+            </p:sp>
+          </mc:Choice>
+          <mc:Fallback xmlns="">
+            <p:sp>
+              <p:nvSpPr>
+                <p:cNvPr id="70" name="TextBox 69"/>
+                <p:cNvSpPr txBox="1">
+                  <a:spLocks noRot="1" noChangeAspect="1" noMove="1" noResize="1" noEditPoints="1" noAdjustHandles="1" noChangeArrowheads="1" noChangeShapeType="1" noTextEdit="1"/>
+                </p:cNvSpPr>
+                <p:nvPr/>
+              </p:nvSpPr>
+              <p:spPr>
+                <a:xfrm>
+                  <a:off x="7230631" y="3530355"/>
+                  <a:ext cx="318933" cy="276999"/>
+                </a:xfrm>
+                <a:prstGeom prst="rect">
+                  <a:avLst/>
+                </a:prstGeom>
+                <a:blipFill rotWithShape="0">
+                  <a:blip r:embed="rId24"/>
+                  <a:stretch>
+                    <a:fillRect l="-17308" r="-15385" b="-4348"/>
+                  </a:stretch>
+                </a:blipFill>
+              </p:spPr>
+              <p:txBody>
+                <a:bodyPr/>
+                <a:lstStyle/>
+                <a:p>
+                  <a:r>
+                    <a:rPr lang="en-US">
+                      <a:noFill/>
+                    </a:rPr>
+                    <a:t> </a:t>
+                  </a:r>
+                </a:p>
+              </p:txBody>
+            </p:sp>
+          </mc:Fallback>
+        </mc:AlternateContent>
+      </p:grpSp>
+      <mc:AlternateContent xmlns:mc="http://schemas.openxmlformats.org/markup-compatibility/2006" xmlns:a14="http://schemas.microsoft.com/office/drawing/2010/main">
+        <mc:Choice Requires="a14">
+          <p:sp>
+            <p:nvSpPr>
+              <p:cNvPr id="71" name="TextBox 70"/>
+              <p:cNvSpPr txBox="1"/>
+              <p:nvPr/>
+            </p:nvSpPr>
+            <p:spPr>
+              <a:xfrm>
+                <a:off x="5908029" y="1682486"/>
+                <a:ext cx="179215" cy="276999"/>
+              </a:xfrm>
+              <a:prstGeom prst="rect">
+                <a:avLst/>
+              </a:prstGeom>
+              <a:noFill/>
+            </p:spPr>
+            <p:txBody>
+              <a:bodyPr wrap="none" lIns="0" tIns="0" rIns="0" bIns="0" rtlCol="0">
+                <a:spAutoFit/>
+              </a:bodyPr>
+              <a:lstStyle/>
+              <a:p>
+                <a:pPr/>
+                <a14:m>
+                  <m:oMathPara xmlns:m="http://schemas.openxmlformats.org/officeDocument/2006/math">
+                    <m:oMathParaPr>
+                      <m:jc m:val="centerGroup"/>
+                    </m:oMathParaPr>
+                    <m:oMath xmlns:m="http://schemas.openxmlformats.org/officeDocument/2006/math">
+                      <m:r>
+                        <a:rPr lang="en-US" b="0" i="1" smtClean="0">
+                          <a:latin typeface="Cambria Math" charset="0"/>
+                        </a:rPr>
+                        <m:t>𝑆</m:t>
+                      </m:r>
+                    </m:oMath>
+                  </m:oMathPara>
+                </a14:m>
+                <a:endParaRPr lang="en-US" dirty="0" smtClean="0"/>
+              </a:p>
+            </p:txBody>
+          </p:sp>
+        </mc:Choice>
+        <mc:Fallback xmlns="">
+          <p:sp>
+            <p:nvSpPr>
+              <p:cNvPr id="71" name="TextBox 70"/>
+              <p:cNvSpPr txBox="1">
+                <a:spLocks noRot="1" noChangeAspect="1" noMove="1" noResize="1" noEditPoints="1" noAdjustHandles="1" noChangeArrowheads="1" noChangeShapeType="1" noTextEdit="1"/>
+              </p:cNvSpPr>
+              <p:nvPr/>
+            </p:nvSpPr>
+            <p:spPr>
+              <a:xfrm>
+                <a:off x="5908029" y="1682486"/>
+                <a:ext cx="179215" cy="276999"/>
+              </a:xfrm>
+              <a:prstGeom prst="rect">
+                <a:avLst/>
+              </a:prstGeom>
+              <a:blipFill rotWithShape="0">
+                <a:blip r:embed="rId25"/>
+                <a:stretch>
+                  <a:fillRect l="-30000" r="-26667" b="-6667"/>
+                </a:stretch>
+              </a:blipFill>
+            </p:spPr>
+            <p:txBody>
+              <a:bodyPr/>
+              <a:lstStyle/>
+              <a:p>
+                <a:r>
+                  <a:rPr lang="en-US">
+                    <a:noFill/>
+                  </a:rPr>
+                  <a:t> </a:t>
+                </a:r>
+              </a:p>
+            </p:txBody>
+          </p:sp>
+        </mc:Fallback>
+      </mc:AlternateContent>
+      <p:grpSp>
+        <p:nvGrpSpPr>
+          <p:cNvPr id="6" name="Group 5"/>
+          <p:cNvGrpSpPr/>
+          <p:nvPr/>
+        </p:nvGrpSpPr>
+        <p:grpSpPr>
+          <a:xfrm>
+            <a:off x="4085846" y="2433089"/>
+            <a:ext cx="1684190" cy="1787477"/>
+            <a:chOff x="3665711" y="2433089"/>
+            <a:chExt cx="1684190" cy="1787477"/>
           </a:xfrm>
         </p:grpSpPr>
         <p:grpSp>
@@ -10447,14 +12965,6 @@
                 <a:lstStyle/>
                 <a:p>
                   <a:pPr algn="ctr"/>
-                  <a:r>
-                    <a:rPr lang="en-US" sz="2000" dirty="0" smtClean="0">
-                      <a:solidFill>
-                        <a:schemeClr val="tx1"/>
-                      </a:solidFill>
-                    </a:rPr>
-                    <a:t>TG</a:t>
-                  </a:r>
                   <a:endParaRPr lang="en-US" sz="2000" dirty="0">
                     <a:solidFill>
                       <a:schemeClr val="tx1"/>
@@ -10509,14 +13019,6 @@
                 <a:lstStyle/>
                 <a:p>
                   <a:pPr algn="ctr"/>
-                  <a:r>
-                    <a:rPr lang="en-US" sz="2000" dirty="0" smtClean="0">
-                      <a:solidFill>
-                        <a:schemeClr val="tx1"/>
-                      </a:solidFill>
-                    </a:rPr>
-                    <a:t>AG</a:t>
-                  </a:r>
                   <a:endParaRPr lang="en-US" sz="2000" dirty="0">
                     <a:solidFill>
                       <a:schemeClr val="tx1"/>
@@ -10573,7 +13075,7 @@
           </p:nvSpPr>
           <p:spPr>
             <a:xfrm>
-              <a:off x="4282818" y="3833735"/>
+              <a:off x="4257121" y="3820456"/>
               <a:ext cx="703121" cy="400110"/>
             </a:xfrm>
             <a:prstGeom prst="rect">
@@ -10589,8 +13091,8 @@
             <a:p>
               <a:pPr algn="ctr"/>
               <a:r>
-                <a:rPr lang="en-US" sz="2000" dirty="0" smtClean="0"/>
-                <a:t>PG</a:t>
+                <a:rPr lang="en-US" sz="2000" smtClean="0"/>
+                <a:t>GP</a:t>
               </a:r>
               <a:endParaRPr lang="en-US" sz="2000" baseline="-25000" dirty="0"/>
             </a:p>
@@ -10604,8 +13106,8 @@
           </p:nvSpPr>
           <p:spPr>
             <a:xfrm>
-              <a:off x="4083431" y="2471057"/>
-              <a:ext cx="1114071" cy="1709057"/>
+              <a:off x="3867464" y="2433089"/>
+              <a:ext cx="1482437" cy="1747026"/>
             </a:xfrm>
             <a:prstGeom prst="rect">
               <a:avLst/>
@@ -10643,270 +13145,364 @@
             </a:p>
           </p:txBody>
         </p:sp>
+        <mc:AlternateContent xmlns:mc="http://schemas.openxmlformats.org/markup-compatibility/2006" xmlns:a14="http://schemas.microsoft.com/office/drawing/2010/main">
+          <mc:Choice Requires="a14">
+            <p:sp>
+              <p:nvSpPr>
+                <p:cNvPr id="57" name="TextBox 56"/>
+                <p:cNvSpPr txBox="1"/>
+                <p:nvPr/>
+              </p:nvSpPr>
+              <p:spPr>
+                <a:xfrm>
+                  <a:off x="4325317" y="3233021"/>
+                  <a:ext cx="294953" cy="276999"/>
+                </a:xfrm>
+                <a:prstGeom prst="rect">
+                  <a:avLst/>
+                </a:prstGeom>
+                <a:noFill/>
+              </p:spPr>
+              <p:txBody>
+                <a:bodyPr wrap="none" lIns="0" tIns="0" rIns="0" bIns="0" rtlCol="0">
+                  <a:spAutoFit/>
+                </a:bodyPr>
+                <a:lstStyle/>
+                <a:p>
+                  <a:pPr/>
+                  <a14:m>
+                    <m:oMathPara xmlns:m="http://schemas.openxmlformats.org/officeDocument/2006/math">
+                      <m:oMathParaPr>
+                        <m:jc m:val="centerGroup"/>
+                      </m:oMathParaPr>
+                      <m:oMath xmlns:m="http://schemas.openxmlformats.org/officeDocument/2006/math">
+                        <m:r>
+                          <a:rPr lang="en-US" b="0" i="1" smtClean="0">
+                            <a:latin typeface="Cambria Math" charset="0"/>
+                          </a:rPr>
+                          <m:t>𝑒</m:t>
+                        </m:r>
+                        <m:r>
+                          <a:rPr lang="en-US" b="0" i="1" smtClean="0">
+                            <a:latin typeface="Cambria Math" charset="0"/>
+                          </a:rPr>
+                          <m:t>1</m:t>
+                        </m:r>
+                      </m:oMath>
+                    </m:oMathPara>
+                  </a14:m>
+                  <a:endParaRPr lang="en-US" dirty="0" smtClean="0"/>
+                </a:p>
+              </p:txBody>
+            </p:sp>
+          </mc:Choice>
+          <mc:Fallback xmlns="">
+            <p:sp>
+              <p:nvSpPr>
+                <p:cNvPr id="57" name="TextBox 56"/>
+                <p:cNvSpPr txBox="1">
+                  <a:spLocks noRot="1" noChangeAspect="1" noMove="1" noResize="1" noEditPoints="1" noAdjustHandles="1" noChangeArrowheads="1" noChangeShapeType="1" noTextEdit="1"/>
+                </p:cNvSpPr>
+                <p:nvPr/>
+              </p:nvSpPr>
+              <p:spPr>
+                <a:xfrm>
+                  <a:off x="4325317" y="3233021"/>
+                  <a:ext cx="294953" cy="276999"/>
+                </a:xfrm>
+                <a:prstGeom prst="rect">
+                  <a:avLst/>
+                </a:prstGeom>
+                <a:blipFill rotWithShape="0">
+                  <a:blip r:embed="rId26"/>
+                  <a:stretch>
+                    <a:fillRect l="-20833" r="-18750" b="-6522"/>
+                  </a:stretch>
+                </a:blipFill>
+              </p:spPr>
+              <p:txBody>
+                <a:bodyPr/>
+                <a:lstStyle/>
+                <a:p>
+                  <a:r>
+                    <a:rPr lang="en-US">
+                      <a:noFill/>
+                    </a:rPr>
+                    <a:t> </a:t>
+                  </a:r>
+                </a:p>
+              </p:txBody>
+            </p:sp>
+          </mc:Fallback>
+        </mc:AlternateContent>
+        <mc:AlternateContent xmlns:mc="http://schemas.openxmlformats.org/markup-compatibility/2006" xmlns:a14="http://schemas.microsoft.com/office/drawing/2010/main">
+          <mc:Choice Requires="a14">
+            <p:sp>
+              <p:nvSpPr>
+                <p:cNvPr id="58" name="TextBox 57"/>
+                <p:cNvSpPr txBox="1"/>
+                <p:nvPr/>
+              </p:nvSpPr>
+              <p:spPr>
+                <a:xfrm>
+                  <a:off x="4325317" y="2953175"/>
+                  <a:ext cx="294953" cy="276999"/>
+                </a:xfrm>
+                <a:prstGeom prst="rect">
+                  <a:avLst/>
+                </a:prstGeom>
+                <a:noFill/>
+              </p:spPr>
+              <p:txBody>
+                <a:bodyPr wrap="none" lIns="0" tIns="0" rIns="0" bIns="0" rtlCol="0">
+                  <a:spAutoFit/>
+                </a:bodyPr>
+                <a:lstStyle/>
+                <a:p>
+                  <a:pPr/>
+                  <a14:m>
+                    <m:oMathPara xmlns:m="http://schemas.openxmlformats.org/officeDocument/2006/math">
+                      <m:oMathParaPr>
+                        <m:jc m:val="centerGroup"/>
+                      </m:oMathParaPr>
+                      <m:oMath xmlns:m="http://schemas.openxmlformats.org/officeDocument/2006/math">
+                        <m:r>
+                          <a:rPr lang="en-US" b="0" i="1" smtClean="0">
+                            <a:latin typeface="Cambria Math" charset="0"/>
+                          </a:rPr>
+                          <m:t>𝑒</m:t>
+                        </m:r>
+                        <m:r>
+                          <a:rPr lang="en-US" b="0" i="1" smtClean="0">
+                            <a:latin typeface="Cambria Math" charset="0"/>
+                          </a:rPr>
+                          <m:t>2</m:t>
+                        </m:r>
+                      </m:oMath>
+                    </m:oMathPara>
+                  </a14:m>
+                  <a:endParaRPr lang="en-US" dirty="0" smtClean="0"/>
+                </a:p>
+              </p:txBody>
+            </p:sp>
+          </mc:Choice>
+          <mc:Fallback xmlns="">
+            <p:sp>
+              <p:nvSpPr>
+                <p:cNvPr id="58" name="TextBox 57"/>
+                <p:cNvSpPr txBox="1">
+                  <a:spLocks noRot="1" noChangeAspect="1" noMove="1" noResize="1" noEditPoints="1" noAdjustHandles="1" noChangeArrowheads="1" noChangeShapeType="1" noTextEdit="1"/>
+                </p:cNvSpPr>
+                <p:nvPr/>
+              </p:nvSpPr>
+              <p:spPr>
+                <a:xfrm>
+                  <a:off x="4325317" y="2953175"/>
+                  <a:ext cx="294953" cy="276999"/>
+                </a:xfrm>
+                <a:prstGeom prst="rect">
+                  <a:avLst/>
+                </a:prstGeom>
+                <a:blipFill rotWithShape="0">
+                  <a:blip r:embed="rId27"/>
+                  <a:stretch>
+                    <a:fillRect l="-20833" r="-18750" b="-6522"/>
+                  </a:stretch>
+                </a:blipFill>
+              </p:spPr>
+              <p:txBody>
+                <a:bodyPr/>
+                <a:lstStyle/>
+                <a:p>
+                  <a:r>
+                    <a:rPr lang="en-US">
+                      <a:noFill/>
+                    </a:rPr>
+                    <a:t> </a:t>
+                  </a:r>
+                </a:p>
+              </p:txBody>
+            </p:sp>
+          </mc:Fallback>
+        </mc:AlternateContent>
+        <mc:AlternateContent xmlns:mc="http://schemas.openxmlformats.org/markup-compatibility/2006" xmlns:a14="http://schemas.microsoft.com/office/drawing/2010/main">
+          <mc:Choice Requires="a14">
+            <p:sp>
+              <p:nvSpPr>
+                <p:cNvPr id="67" name="TextBox 66"/>
+                <p:cNvSpPr txBox="1"/>
+                <p:nvPr/>
+              </p:nvSpPr>
+              <p:spPr>
+                <a:xfrm>
+                  <a:off x="4456989" y="2655848"/>
+                  <a:ext cx="354776" cy="276999"/>
+                </a:xfrm>
+                <a:prstGeom prst="rect">
+                  <a:avLst/>
+                </a:prstGeom>
+                <a:noFill/>
+              </p:spPr>
+              <p:txBody>
+                <a:bodyPr wrap="none" lIns="0" tIns="0" rIns="0" bIns="0" rtlCol="0">
+                  <a:spAutoFit/>
+                </a:bodyPr>
+                <a:lstStyle/>
+                <a:p>
+                  <a:pPr/>
+                  <a14:m>
+                    <m:oMathPara xmlns:m="http://schemas.openxmlformats.org/officeDocument/2006/math">
+                      <m:oMathParaPr>
+                        <m:jc m:val="centerGroup"/>
+                      </m:oMathParaPr>
+                      <m:oMath xmlns:m="http://schemas.openxmlformats.org/officeDocument/2006/math">
+                        <m:r>
+                          <a:rPr lang="en-US" b="0" i="1" smtClean="0">
+                            <a:latin typeface="Cambria Math" charset="0"/>
+                          </a:rPr>
+                          <m:t>𝐴𝐺</m:t>
+                        </m:r>
+                      </m:oMath>
+                    </m:oMathPara>
+                  </a14:m>
+                  <a:endParaRPr lang="en-US" dirty="0" smtClean="0"/>
+                </a:p>
+              </p:txBody>
+            </p:sp>
+          </mc:Choice>
+          <mc:Fallback xmlns="">
+            <p:sp>
+              <p:nvSpPr>
+                <p:cNvPr id="67" name="TextBox 66"/>
+                <p:cNvSpPr txBox="1">
+                  <a:spLocks noRot="1" noChangeAspect="1" noMove="1" noResize="1" noEditPoints="1" noAdjustHandles="1" noChangeArrowheads="1" noChangeShapeType="1" noTextEdit="1"/>
+                </p:cNvSpPr>
+                <p:nvPr/>
+              </p:nvSpPr>
+              <p:spPr>
+                <a:xfrm>
+                  <a:off x="4456989" y="2655848"/>
+                  <a:ext cx="354776" cy="276999"/>
+                </a:xfrm>
+                <a:prstGeom prst="rect">
+                  <a:avLst/>
+                </a:prstGeom>
+                <a:blipFill rotWithShape="0">
+                  <a:blip r:embed="rId28"/>
+                  <a:stretch>
+                    <a:fillRect l="-13793" r="-15517" b="-6667"/>
+                  </a:stretch>
+                </a:blipFill>
+              </p:spPr>
+              <p:txBody>
+                <a:bodyPr/>
+                <a:lstStyle/>
+                <a:p>
+                  <a:r>
+                    <a:rPr lang="en-US">
+                      <a:noFill/>
+                    </a:rPr>
+                    <a:t> </a:t>
+                  </a:r>
+                </a:p>
+              </p:txBody>
+            </p:sp>
+          </mc:Fallback>
+        </mc:AlternateContent>
+        <mc:AlternateContent xmlns:mc="http://schemas.openxmlformats.org/markup-compatibility/2006" xmlns:a14="http://schemas.microsoft.com/office/drawing/2010/main">
+          <mc:Choice Requires="a14">
+            <p:sp>
+              <p:nvSpPr>
+                <p:cNvPr id="68" name="TextBox 67"/>
+                <p:cNvSpPr txBox="1"/>
+                <p:nvPr/>
+              </p:nvSpPr>
+              <p:spPr>
+                <a:xfrm>
+                  <a:off x="4456989" y="3556154"/>
+                  <a:ext cx="346762" cy="276999"/>
+                </a:xfrm>
+                <a:prstGeom prst="rect">
+                  <a:avLst/>
+                </a:prstGeom>
+                <a:noFill/>
+              </p:spPr>
+              <p:txBody>
+                <a:bodyPr wrap="none" lIns="0" tIns="0" rIns="0" bIns="0" rtlCol="0">
+                  <a:spAutoFit/>
+                </a:bodyPr>
+                <a:lstStyle/>
+                <a:p>
+                  <a:pPr/>
+                  <a14:m>
+                    <m:oMathPara xmlns:m="http://schemas.openxmlformats.org/officeDocument/2006/math">
+                      <m:oMathParaPr>
+                        <m:jc m:val="centerGroup"/>
+                      </m:oMathParaPr>
+                      <m:oMath xmlns:m="http://schemas.openxmlformats.org/officeDocument/2006/math">
+                        <m:r>
+                          <a:rPr lang="en-US" b="0" i="1" smtClean="0">
+                            <a:latin typeface="Cambria Math" charset="0"/>
+                          </a:rPr>
+                          <m:t>𝑇𝐺</m:t>
+                        </m:r>
+                      </m:oMath>
+                    </m:oMathPara>
+                  </a14:m>
+                  <a:endParaRPr lang="en-US" dirty="0" smtClean="0"/>
+                </a:p>
+              </p:txBody>
+            </p:sp>
+          </mc:Choice>
+          <mc:Fallback xmlns="">
+            <p:sp>
+              <p:nvSpPr>
+                <p:cNvPr id="68" name="TextBox 67"/>
+                <p:cNvSpPr txBox="1">
+                  <a:spLocks noRot="1" noChangeAspect="1" noMove="1" noResize="1" noEditPoints="1" noAdjustHandles="1" noChangeArrowheads="1" noChangeShapeType="1" noTextEdit="1"/>
+                </p:cNvSpPr>
+                <p:nvPr/>
+              </p:nvSpPr>
+              <p:spPr>
+                <a:xfrm>
+                  <a:off x="4456989" y="3556154"/>
+                  <a:ext cx="346762" cy="276999"/>
+                </a:xfrm>
+                <a:prstGeom prst="rect">
+                  <a:avLst/>
+                </a:prstGeom>
+                <a:blipFill rotWithShape="0">
+                  <a:blip r:embed="rId29"/>
+                  <a:stretch>
+                    <a:fillRect l="-14035" r="-15789" b="-6522"/>
+                  </a:stretch>
+                </a:blipFill>
+              </p:spPr>
+              <p:txBody>
+                <a:bodyPr/>
+                <a:lstStyle/>
+                <a:p>
+                  <a:r>
+                    <a:rPr lang="en-US">
+                      <a:noFill/>
+                    </a:rPr>
+                    <a:t> </a:t>
+                  </a:r>
+                </a:p>
+              </p:txBody>
+            </p:sp>
+          </mc:Fallback>
+        </mc:AlternateContent>
         <p:sp>
           <p:nvSpPr>
-            <p:cNvPr id="26" name="TextBox 25"/>
+            <p:cNvPr id="72" name="TextBox 71"/>
             <p:cNvSpPr txBox="1"/>
             <p:nvPr/>
           </p:nvSpPr>
           <p:spPr>
             <a:xfrm>
-              <a:off x="4162352" y="3189936"/>
-              <a:ext cx="633611" cy="400110"/>
-            </a:xfrm>
-            <a:prstGeom prst="rect">
-              <a:avLst/>
-            </a:prstGeom>
-            <a:noFill/>
-          </p:spPr>
-          <p:txBody>
-            <a:bodyPr wrap="square" rtlCol="0">
-              <a:spAutoFit/>
-            </a:bodyPr>
-            <a:lstStyle/>
-            <a:p>
-              <a:pPr algn="ctr"/>
-              <a:r>
-                <a:rPr lang="en-US" sz="2000" dirty="0" smtClean="0"/>
-                <a:t>e1</a:t>
-              </a:r>
-              <a:endParaRPr lang="en-US" sz="2000" baseline="-25000" dirty="0"/>
-            </a:p>
-          </p:txBody>
-        </p:sp>
-        <p:sp>
-          <p:nvSpPr>
-            <p:cNvPr id="45" name="TextBox 44"/>
-            <p:cNvSpPr txBox="1"/>
-            <p:nvPr/>
-          </p:nvSpPr>
-          <p:spPr>
-            <a:xfrm>
-              <a:off x="4162352" y="2906908"/>
-              <a:ext cx="633611" cy="400110"/>
-            </a:xfrm>
-            <a:prstGeom prst="rect">
-              <a:avLst/>
-            </a:prstGeom>
-            <a:noFill/>
-          </p:spPr>
-          <p:txBody>
-            <a:bodyPr wrap="square" rtlCol="0">
-              <a:spAutoFit/>
-            </a:bodyPr>
-            <a:lstStyle/>
-            <a:p>
-              <a:pPr algn="ctr"/>
-              <a:r>
-                <a:rPr lang="en-US" sz="2000" dirty="0" smtClean="0"/>
-                <a:t>e2</a:t>
-              </a:r>
-              <a:endParaRPr lang="en-US" sz="2000" baseline="-25000" dirty="0"/>
-            </a:p>
-          </p:txBody>
-        </p:sp>
-      </p:grpSp>
-      <p:grpSp>
-        <p:nvGrpSpPr>
-          <p:cNvPr id="28" name="Group 27"/>
-          <p:cNvGrpSpPr/>
-          <p:nvPr/>
-        </p:nvGrpSpPr>
-        <p:grpSpPr>
-          <a:xfrm>
-            <a:off x="6822447" y="2471058"/>
-            <a:ext cx="1102353" cy="1744104"/>
-            <a:chOff x="6822447" y="2471058"/>
-            <a:chExt cx="1102353" cy="1744104"/>
-          </a:xfrm>
-        </p:grpSpPr>
-        <p:grpSp>
-          <p:nvGrpSpPr>
-            <p:cNvPr id="106" name="Group 105"/>
-            <p:cNvGrpSpPr/>
-            <p:nvPr/>
-          </p:nvGrpSpPr>
-          <p:grpSpPr>
-            <a:xfrm>
-              <a:off x="7121050" y="2629112"/>
-              <a:ext cx="504684" cy="1190942"/>
-              <a:chOff x="4422388" y="3307512"/>
-              <a:chExt cx="825651" cy="2265974"/>
-            </a:xfrm>
-          </p:grpSpPr>
-          <p:sp>
-            <p:nvSpPr>
-              <p:cNvPr id="112" name="Rectangle 111"/>
-              <p:cNvSpPr/>
-              <p:nvPr/>
-            </p:nvSpPr>
-            <p:spPr>
-              <a:xfrm>
-                <a:off x="4422388" y="4953000"/>
-                <a:ext cx="825651" cy="620486"/>
-              </a:xfrm>
-              <a:prstGeom prst="rect">
-                <a:avLst/>
-              </a:prstGeom>
-              <a:solidFill>
-                <a:schemeClr val="bg2">
-                  <a:lumMod val="90000"/>
-                </a:schemeClr>
-              </a:solidFill>
-              <a:ln>
-                <a:solidFill>
-                  <a:schemeClr val="tx1"/>
-                </a:solidFill>
-              </a:ln>
-            </p:spPr>
-            <p:style>
-              <a:lnRef idx="2">
-                <a:schemeClr val="accent1">
-                  <a:shade val="50000"/>
-                </a:schemeClr>
-              </a:lnRef>
-              <a:fillRef idx="1">
-                <a:schemeClr val="accent1"/>
-              </a:fillRef>
-              <a:effectRef idx="0">
-                <a:schemeClr val="accent1"/>
-              </a:effectRef>
-              <a:fontRef idx="minor">
-                <a:schemeClr val="lt1"/>
-              </a:fontRef>
-            </p:style>
-            <p:txBody>
-              <a:bodyPr rtlCol="0" anchor="ctr"/>
-              <a:lstStyle/>
-              <a:p>
-                <a:pPr algn="ctr"/>
-                <a:r>
-                  <a:rPr lang="en-US" sz="2000" dirty="0" smtClean="0">
-                    <a:solidFill>
-                      <a:schemeClr val="tx1"/>
-                    </a:solidFill>
-                  </a:rPr>
-                  <a:t>TL</a:t>
-                </a:r>
-                <a:endParaRPr lang="en-US" sz="2000" dirty="0">
-                  <a:solidFill>
-                    <a:schemeClr val="tx1"/>
-                  </a:solidFill>
-                </a:endParaRPr>
-              </a:p>
-            </p:txBody>
-          </p:sp>
-          <p:sp>
-            <p:nvSpPr>
-              <p:cNvPr id="114" name="Rectangle 113"/>
-              <p:cNvSpPr/>
-              <p:nvPr/>
-            </p:nvSpPr>
-            <p:spPr>
-              <a:xfrm>
-                <a:off x="4422388" y="3307512"/>
-                <a:ext cx="825651" cy="620487"/>
-              </a:xfrm>
-              <a:prstGeom prst="rect">
-                <a:avLst/>
-              </a:prstGeom>
-              <a:solidFill>
-                <a:schemeClr val="bg2">
-                  <a:lumMod val="90000"/>
-                </a:schemeClr>
-              </a:solidFill>
-              <a:ln>
-                <a:solidFill>
-                  <a:schemeClr val="tx1"/>
-                </a:solidFill>
-              </a:ln>
-            </p:spPr>
-            <p:style>
-              <a:lnRef idx="2">
-                <a:schemeClr val="accent1">
-                  <a:shade val="50000"/>
-                </a:schemeClr>
-              </a:lnRef>
-              <a:fillRef idx="1">
-                <a:schemeClr val="accent1"/>
-              </a:fillRef>
-              <a:effectRef idx="0">
-                <a:schemeClr val="accent1"/>
-              </a:effectRef>
-              <a:fontRef idx="minor">
-                <a:schemeClr val="lt1"/>
-              </a:fontRef>
-            </p:style>
-            <p:txBody>
-              <a:bodyPr rtlCol="0" anchor="ctr"/>
-              <a:lstStyle/>
-              <a:p>
-                <a:pPr algn="ctr"/>
-                <a:r>
-                  <a:rPr lang="en-US" sz="2000" dirty="0" smtClean="0">
-                    <a:solidFill>
-                      <a:schemeClr val="tx1"/>
-                    </a:solidFill>
-                  </a:rPr>
-                  <a:t>AL</a:t>
-                </a:r>
-                <a:endParaRPr lang="en-US" sz="2000" dirty="0">
-                  <a:solidFill>
-                    <a:schemeClr val="tx1"/>
-                  </a:solidFill>
-                </a:endParaRPr>
-              </a:p>
-            </p:txBody>
-          </p:sp>
-        </p:grpSp>
-        <p:cxnSp>
-          <p:nvCxnSpPr>
-            <p:cNvPr id="108" name="Straight Connector 107"/>
-            <p:cNvCxnSpPr>
-              <a:stCxn id="114" idx="2"/>
-              <a:endCxn id="112" idx="0"/>
-            </p:cNvCxnSpPr>
-            <p:nvPr/>
-          </p:nvCxnSpPr>
-          <p:spPr>
-            <a:xfrm>
-              <a:off x="7373392" y="2955225"/>
-              <a:ext cx="0" cy="538716"/>
-            </a:xfrm>
-            <a:prstGeom prst="line">
-              <a:avLst/>
-            </a:prstGeom>
-            <a:ln w="19050">
-              <a:solidFill>
-                <a:schemeClr val="tx1"/>
-              </a:solidFill>
-            </a:ln>
-          </p:spPr>
-          <p:style>
-            <a:lnRef idx="1">
-              <a:schemeClr val="accent1"/>
-            </a:lnRef>
-            <a:fillRef idx="0">
-              <a:schemeClr val="accent1"/>
-            </a:fillRef>
-            <a:effectRef idx="0">
-              <a:schemeClr val="accent1"/>
-            </a:effectRef>
-            <a:fontRef idx="minor">
-              <a:schemeClr val="tx1"/>
-            </a:fontRef>
-          </p:style>
-        </p:cxnSp>
-        <p:sp>
-          <p:nvSpPr>
-            <p:cNvPr id="38" name="TextBox 37"/>
-            <p:cNvSpPr txBox="1"/>
-            <p:nvPr/>
-          </p:nvSpPr>
-          <p:spPr>
-            <a:xfrm>
-              <a:off x="7056587" y="3815052"/>
-              <a:ext cx="633611" cy="400110"/>
+              <a:off x="3665711" y="2440405"/>
+              <a:ext cx="703121" cy="400110"/>
             </a:xfrm>
             <a:prstGeom prst="rect">
               <a:avLst/>
@@ -10924,248 +13520,11 @@
                 <a:rPr lang="en-US" sz="2000" smtClean="0"/>
                 <a:t>P</a:t>
               </a:r>
-              <a:r>
-                <a:rPr lang="en-US" sz="2000" dirty="0"/>
-                <a:t>L</a:t>
-              </a:r>
-              <a:endParaRPr lang="en-US" sz="2000" baseline="-25000" dirty="0"/>
-            </a:p>
-          </p:txBody>
-        </p:sp>
-        <p:sp>
-          <p:nvSpPr>
-            <p:cNvPr id="49" name="Rectangle 48"/>
-            <p:cNvSpPr/>
-            <p:nvPr/>
-          </p:nvSpPr>
-          <p:spPr>
-            <a:xfrm>
-              <a:off x="6822447" y="2471058"/>
-              <a:ext cx="1102353" cy="1709056"/>
-            </a:xfrm>
-            <a:prstGeom prst="rect">
-              <a:avLst/>
-            </a:prstGeom>
-            <a:noFill/>
-            <a:ln w="25400">
-              <a:solidFill>
-                <a:schemeClr val="tx1"/>
-              </a:solidFill>
-              <a:prstDash val="sysDot"/>
-            </a:ln>
-          </p:spPr>
-          <p:style>
-            <a:lnRef idx="2">
-              <a:schemeClr val="accent1">
-                <a:shade val="50000"/>
-              </a:schemeClr>
-            </a:lnRef>
-            <a:fillRef idx="1">
-              <a:schemeClr val="accent1"/>
-            </a:fillRef>
-            <a:effectRef idx="0">
-              <a:schemeClr val="accent1"/>
-            </a:effectRef>
-            <a:fontRef idx="minor">
-              <a:schemeClr val="lt1"/>
-            </a:fontRef>
-          </p:style>
-          <p:txBody>
-            <a:bodyPr rtlCol="0" anchor="ctr"/>
-            <a:lstStyle/>
-            <a:p>
-              <a:pPr algn="ctr"/>
-              <a:endParaRPr lang="en-US" sz="1600"/>
-            </a:p>
-          </p:txBody>
-        </p:sp>
-        <p:sp>
-          <p:nvSpPr>
-            <p:cNvPr id="46" name="TextBox 45"/>
-            <p:cNvSpPr txBox="1"/>
-            <p:nvPr/>
-          </p:nvSpPr>
-          <p:spPr>
-            <a:xfrm>
-              <a:off x="7253895" y="3168165"/>
-              <a:ext cx="633611" cy="400110"/>
-            </a:xfrm>
-            <a:prstGeom prst="rect">
-              <a:avLst/>
-            </a:prstGeom>
-            <a:noFill/>
-          </p:spPr>
-          <p:txBody>
-            <a:bodyPr wrap="square" rtlCol="0">
-              <a:spAutoFit/>
-            </a:bodyPr>
-            <a:lstStyle/>
-            <a:p>
-              <a:pPr algn="ctr"/>
-              <a:r>
-                <a:rPr lang="en-US" sz="2000" dirty="0" smtClean="0"/>
-                <a:t>e5</a:t>
-              </a:r>
-              <a:endParaRPr lang="en-US" sz="2000" baseline="-25000" dirty="0"/>
-            </a:p>
-          </p:txBody>
-        </p:sp>
-        <p:sp>
-          <p:nvSpPr>
-            <p:cNvPr id="47" name="TextBox 46"/>
-            <p:cNvSpPr txBox="1"/>
-            <p:nvPr/>
-          </p:nvSpPr>
-          <p:spPr>
-            <a:xfrm>
-              <a:off x="7253895" y="2885137"/>
-              <a:ext cx="633611" cy="400110"/>
-            </a:xfrm>
-            <a:prstGeom prst="rect">
-              <a:avLst/>
-            </a:prstGeom>
-            <a:noFill/>
-          </p:spPr>
-          <p:txBody>
-            <a:bodyPr wrap="square" rtlCol="0">
-              <a:spAutoFit/>
-            </a:bodyPr>
-            <a:lstStyle/>
-            <a:p>
-              <a:pPr algn="ctr"/>
-              <a:r>
-                <a:rPr lang="en-US" sz="2000" dirty="0" smtClean="0"/>
-                <a:t>e6</a:t>
-              </a:r>
               <a:endParaRPr lang="en-US" sz="2000" baseline="-25000" dirty="0"/>
             </a:p>
           </p:txBody>
         </p:sp>
       </p:grpSp>
-      <p:sp>
-        <p:nvSpPr>
-          <p:cNvPr id="48" name="TextBox 47"/>
-          <p:cNvSpPr txBox="1"/>
-          <p:nvPr/>
-        </p:nvSpPr>
-        <p:spPr>
-          <a:xfrm>
-            <a:off x="6773705" y="2105716"/>
-            <a:ext cx="1028530" cy="400110"/>
-          </a:xfrm>
-          <a:prstGeom prst="rect">
-            <a:avLst/>
-          </a:prstGeom>
-          <a:noFill/>
-        </p:spPr>
-        <p:txBody>
-          <a:bodyPr wrap="square" rtlCol="0">
-            <a:spAutoFit/>
-          </a:bodyPr>
-          <a:lstStyle/>
-          <a:p>
-            <a:pPr algn="ctr"/>
-            <a:r>
-              <a:rPr lang="en-US" sz="2000" dirty="0" smtClean="0"/>
-              <a:t>e7</a:t>
-            </a:r>
-            <a:endParaRPr lang="en-US" sz="2000" baseline="-25000" dirty="0"/>
-          </a:p>
-        </p:txBody>
-      </p:sp>
-      <p:sp>
-        <p:nvSpPr>
-          <p:cNvPr id="50" name="TextBox 49"/>
-          <p:cNvSpPr txBox="1"/>
-          <p:nvPr/>
-        </p:nvSpPr>
-        <p:spPr>
-          <a:xfrm>
-            <a:off x="4229178" y="2136483"/>
-            <a:ext cx="1028530" cy="400110"/>
-          </a:xfrm>
-          <a:prstGeom prst="rect">
-            <a:avLst/>
-          </a:prstGeom>
-          <a:noFill/>
-        </p:spPr>
-        <p:txBody>
-          <a:bodyPr wrap="square" rtlCol="0">
-            <a:spAutoFit/>
-          </a:bodyPr>
-          <a:lstStyle/>
-          <a:p>
-            <a:pPr algn="ctr"/>
-            <a:r>
-              <a:rPr lang="en-US" sz="2000" dirty="0" smtClean="0"/>
-              <a:t>e3</a:t>
-            </a:r>
-            <a:endParaRPr lang="en-US" sz="2000" baseline="-25000" dirty="0"/>
-          </a:p>
-        </p:txBody>
-      </p:sp>
-      <p:sp>
-        <p:nvSpPr>
-          <p:cNvPr id="51" name="TextBox 50"/>
-          <p:cNvSpPr txBox="1"/>
-          <p:nvPr/>
-        </p:nvSpPr>
-        <p:spPr>
-          <a:xfrm>
-            <a:off x="5165227" y="1789289"/>
-            <a:ext cx="633611" cy="400110"/>
-          </a:xfrm>
-          <a:prstGeom prst="rect">
-            <a:avLst/>
-          </a:prstGeom>
-          <a:noFill/>
-        </p:spPr>
-        <p:txBody>
-          <a:bodyPr wrap="square" rtlCol="0">
-            <a:spAutoFit/>
-          </a:bodyPr>
-          <a:lstStyle/>
-          <a:p>
-            <a:pPr algn="ctr"/>
-            <a:r>
-              <a:rPr lang="en-US" sz="2000" dirty="0" smtClean="0"/>
-              <a:t>e4</a:t>
-            </a:r>
-            <a:endParaRPr lang="en-US" sz="2000" baseline="-25000" dirty="0"/>
-          </a:p>
-        </p:txBody>
-      </p:sp>
-      <p:sp>
-        <p:nvSpPr>
-          <p:cNvPr id="52" name="TextBox 51"/>
-          <p:cNvSpPr txBox="1"/>
-          <p:nvPr/>
-        </p:nvSpPr>
-        <p:spPr>
-          <a:xfrm>
-            <a:off x="6176859" y="1778403"/>
-            <a:ext cx="633611" cy="400110"/>
-          </a:xfrm>
-          <a:prstGeom prst="rect">
-            <a:avLst/>
-          </a:prstGeom>
-          <a:noFill/>
-        </p:spPr>
-        <p:txBody>
-          <a:bodyPr wrap="square" rtlCol="0">
-            <a:spAutoFit/>
-          </a:bodyPr>
-          <a:lstStyle/>
-          <a:p>
-            <a:pPr algn="ctr"/>
-            <a:r>
-              <a:rPr lang="en-US" sz="2000" dirty="0" smtClean="0"/>
-              <a:t>e8</a:t>
-            </a:r>
-            <a:endParaRPr lang="en-US" sz="2000" baseline="-25000" dirty="0"/>
-          </a:p>
-        </p:txBody>
-      </p:sp>
     </p:spTree>
     <p:extLst>
       <p:ext uri="{BB962C8B-B14F-4D97-AF65-F5344CB8AC3E}">

--- a/paper/abstraction/figures/examples.pptx
+++ b/paper/abstraction/figures/examples.pptx
@@ -5,12 +5,14 @@
     <p:sldMasterId id="2147483648" r:id="rId1"/>
   </p:sldMasterIdLst>
   <p:notesMasterIdLst>
-    <p:notesMasterId r:id="rId5"/>
+    <p:notesMasterId r:id="rId7"/>
   </p:notesMasterIdLst>
   <p:sldIdLst>
     <p:sldId id="412" r:id="rId2"/>
     <p:sldId id="413" r:id="rId3"/>
     <p:sldId id="414" r:id="rId4"/>
+    <p:sldId id="415" r:id="rId5"/>
+    <p:sldId id="416" r:id="rId6"/>
   </p:sldIdLst>
   <p:sldSz cx="12192000" cy="6858000"/>
   <p:notesSz cx="6858000" cy="9144000"/>
@@ -10060,68 +10062,6 @@
       </p:grpSpPr>
       <p:sp>
         <p:nvSpPr>
-          <p:cNvPr id="4" name="Title 1"/>
-          <p:cNvSpPr txBox="1">
-            <a:spLocks/>
-          </p:cNvSpPr>
-          <p:nvPr/>
-        </p:nvSpPr>
-        <p:spPr>
-          <a:xfrm>
-            <a:off x="-7637" y="-44719"/>
-            <a:ext cx="6007995" cy="852891"/>
-          </a:xfrm>
-          <a:prstGeom prst="rect">
-            <a:avLst/>
-          </a:prstGeom>
-        </p:spPr>
-        <p:txBody>
-          <a:bodyPr vert="horz" lIns="91440" tIns="45720" rIns="91440" bIns="45720" rtlCol="0" anchor="b">
-            <a:normAutofit/>
-          </a:bodyPr>
-          <a:lstStyle>
-            <a:lvl1pPr algn="ctr" defTabSz="914400" rtl="0" eaLnBrk="1" latinLnBrk="0" hangingPunct="1">
-              <a:lnSpc>
-                <a:spcPct val="90000"/>
-              </a:lnSpc>
-              <a:spcBef>
-                <a:spcPct val="0"/>
-              </a:spcBef>
-              <a:buNone/>
-              <a:defRPr sz="6000" kern="1200">
-                <a:solidFill>
-                  <a:schemeClr val="tx1"/>
-                </a:solidFill>
-                <a:latin typeface="+mj-lt"/>
-                <a:ea typeface="+mj-ea"/>
-                <a:cs typeface="+mj-cs"/>
-              </a:defRPr>
-            </a:lvl1pPr>
-          </a:lstStyle>
-          <a:p>
-            <a:pPr algn="l"/>
-            <a:r>
-              <a:rPr lang="en-US" sz="4000" dirty="0" smtClean="0">
-                <a:solidFill>
-                  <a:schemeClr val="accent1">
-                    <a:lumMod val="50000"/>
-                  </a:schemeClr>
-                </a:solidFill>
-              </a:rPr>
-              <a:t>Example</a:t>
-            </a:r>
-            <a:endParaRPr lang="en-US" sz="4000" dirty="0">
-              <a:solidFill>
-                <a:schemeClr val="accent1">
-                  <a:lumMod val="50000"/>
-                </a:schemeClr>
-              </a:solidFill>
-            </a:endParaRPr>
-          </a:p>
-        </p:txBody>
-      </p:sp>
-      <p:sp>
-        <p:nvSpPr>
           <p:cNvPr id="154" name="TextBox 153"/>
           <p:cNvSpPr txBox="1"/>
           <p:nvPr/>
@@ -13538,6 +13478,1807 @@
 </p:sld>
 </file>
 
+<file path=ppt/slides/slide4.xml><?xml version="1.0" encoding="utf-8"?>
+<p:sld xmlns:a="http://schemas.openxmlformats.org/drawingml/2006/main" xmlns:r="http://schemas.openxmlformats.org/officeDocument/2006/relationships" xmlns:p="http://schemas.openxmlformats.org/presentationml/2006/main">
+  <p:cSld>
+    <p:spTree>
+      <p:nvGrpSpPr>
+        <p:cNvPr id="1" name=""/>
+        <p:cNvGrpSpPr/>
+        <p:nvPr/>
+      </p:nvGrpSpPr>
+      <p:grpSpPr>
+        <a:xfrm>
+          <a:off x="0" y="0"/>
+          <a:ext cx="0" cy="0"/>
+          <a:chOff x="0" y="0"/>
+          <a:chExt cx="0" cy="0"/>
+        </a:xfrm>
+      </p:grpSpPr>
+    </p:spTree>
+    <p:extLst>
+      <p:ext uri="{BB962C8B-B14F-4D97-AF65-F5344CB8AC3E}">
+        <p14:creationId xmlns:p14="http://schemas.microsoft.com/office/powerpoint/2010/main" val="2057084932"/>
+      </p:ext>
+    </p:extLst>
+  </p:cSld>
+  <p:clrMapOvr>
+    <a:masterClrMapping/>
+  </p:clrMapOvr>
+</p:sld>
+</file>
+
+<file path=ppt/slides/slide5.xml><?xml version="1.0" encoding="utf-8"?>
+<p:sld xmlns:a="http://schemas.openxmlformats.org/drawingml/2006/main" xmlns:r="http://schemas.openxmlformats.org/officeDocument/2006/relationships" xmlns:p="http://schemas.openxmlformats.org/presentationml/2006/main">
+  <p:cSld>
+    <p:spTree>
+      <p:nvGrpSpPr>
+        <p:cNvPr id="1" name=""/>
+        <p:cNvGrpSpPr/>
+        <p:nvPr/>
+      </p:nvGrpSpPr>
+      <p:grpSpPr>
+        <a:xfrm>
+          <a:off x="0" y="0"/>
+          <a:ext cx="0" cy="0"/>
+          <a:chOff x="0" y="0"/>
+          <a:chExt cx="0" cy="0"/>
+        </a:xfrm>
+      </p:grpSpPr>
+      <p:cxnSp>
+        <p:nvCxnSpPr>
+          <p:cNvPr id="115" name="Straight Connector 114"/>
+          <p:cNvCxnSpPr/>
+          <p:nvPr/>
+        </p:nvCxnSpPr>
+        <p:spPr>
+          <a:xfrm flipH="1">
+            <a:off x="4100785" y="1956333"/>
+            <a:ext cx="451454" cy="640345"/>
+          </a:xfrm>
+          <a:prstGeom prst="line">
+            <a:avLst/>
+          </a:prstGeom>
+          <a:ln w="19050">
+            <a:solidFill>
+              <a:schemeClr val="tx1"/>
+            </a:solidFill>
+          </a:ln>
+        </p:spPr>
+        <p:style>
+          <a:lnRef idx="1">
+            <a:schemeClr val="accent1"/>
+          </a:lnRef>
+          <a:fillRef idx="0">
+            <a:schemeClr val="accent1"/>
+          </a:fillRef>
+          <a:effectRef idx="0">
+            <a:schemeClr val="accent1"/>
+          </a:effectRef>
+          <a:fontRef idx="minor">
+            <a:schemeClr val="tx1"/>
+          </a:fontRef>
+        </p:style>
+      </p:cxnSp>
+      <p:cxnSp>
+        <p:nvCxnSpPr>
+          <p:cNvPr id="116" name="Straight Connector 115"/>
+          <p:cNvCxnSpPr/>
+          <p:nvPr/>
+        </p:nvCxnSpPr>
+        <p:spPr>
+          <a:xfrm flipH="1">
+            <a:off x="4100785" y="1995050"/>
+            <a:ext cx="2029689" cy="601628"/>
+          </a:xfrm>
+          <a:prstGeom prst="line">
+            <a:avLst/>
+          </a:prstGeom>
+          <a:ln w="19050">
+            <a:solidFill>
+              <a:schemeClr val="tx1"/>
+            </a:solidFill>
+          </a:ln>
+        </p:spPr>
+        <p:style>
+          <a:lnRef idx="1">
+            <a:schemeClr val="accent1"/>
+          </a:lnRef>
+          <a:fillRef idx="0">
+            <a:schemeClr val="accent1"/>
+          </a:fillRef>
+          <a:effectRef idx="0">
+            <a:schemeClr val="accent1"/>
+          </a:effectRef>
+          <a:fontRef idx="minor">
+            <a:schemeClr val="tx1"/>
+          </a:fontRef>
+        </p:style>
+      </p:cxnSp>
+      <p:cxnSp>
+        <p:nvCxnSpPr>
+          <p:cNvPr id="117" name="Straight Connector 116"/>
+          <p:cNvCxnSpPr/>
+          <p:nvPr/>
+        </p:nvCxnSpPr>
+        <p:spPr>
+          <a:xfrm>
+            <a:off x="4552239" y="1956333"/>
+            <a:ext cx="307097" cy="640345"/>
+          </a:xfrm>
+          <a:prstGeom prst="line">
+            <a:avLst/>
+          </a:prstGeom>
+          <a:ln w="19050">
+            <a:solidFill>
+              <a:schemeClr val="tx1"/>
+            </a:solidFill>
+          </a:ln>
+        </p:spPr>
+        <p:style>
+          <a:lnRef idx="1">
+            <a:schemeClr val="accent1"/>
+          </a:lnRef>
+          <a:fillRef idx="0">
+            <a:schemeClr val="accent1"/>
+          </a:fillRef>
+          <a:effectRef idx="0">
+            <a:schemeClr val="accent1"/>
+          </a:effectRef>
+          <a:fontRef idx="minor">
+            <a:schemeClr val="tx1"/>
+          </a:fontRef>
+        </p:style>
+      </p:cxnSp>
+      <p:cxnSp>
+        <p:nvCxnSpPr>
+          <p:cNvPr id="118" name="Straight Connector 117"/>
+          <p:cNvCxnSpPr/>
+          <p:nvPr/>
+        </p:nvCxnSpPr>
+        <p:spPr>
+          <a:xfrm>
+            <a:off x="6130474" y="1995050"/>
+            <a:ext cx="432214" cy="612406"/>
+          </a:xfrm>
+          <a:prstGeom prst="line">
+            <a:avLst/>
+          </a:prstGeom>
+          <a:ln w="19050">
+            <a:solidFill>
+              <a:schemeClr val="tx1"/>
+            </a:solidFill>
+          </a:ln>
+        </p:spPr>
+        <p:style>
+          <a:lnRef idx="1">
+            <a:schemeClr val="accent1"/>
+          </a:lnRef>
+          <a:fillRef idx="0">
+            <a:schemeClr val="accent1"/>
+          </a:fillRef>
+          <a:effectRef idx="0">
+            <a:schemeClr val="accent1"/>
+          </a:effectRef>
+          <a:fontRef idx="minor">
+            <a:schemeClr val="tx1"/>
+          </a:fontRef>
+        </p:style>
+      </p:cxnSp>
+      <p:cxnSp>
+        <p:nvCxnSpPr>
+          <p:cNvPr id="119" name="Straight Connector 118"/>
+          <p:cNvCxnSpPr/>
+          <p:nvPr/>
+        </p:nvCxnSpPr>
+        <p:spPr>
+          <a:xfrm flipH="1">
+            <a:off x="5804137" y="1995050"/>
+            <a:ext cx="326337" cy="612406"/>
+          </a:xfrm>
+          <a:prstGeom prst="line">
+            <a:avLst/>
+          </a:prstGeom>
+          <a:ln w="19050">
+            <a:solidFill>
+              <a:schemeClr val="tx1"/>
+            </a:solidFill>
+          </a:ln>
+        </p:spPr>
+        <p:style>
+          <a:lnRef idx="1">
+            <a:schemeClr val="accent1"/>
+          </a:lnRef>
+          <a:fillRef idx="0">
+            <a:schemeClr val="accent1"/>
+          </a:fillRef>
+          <a:effectRef idx="0">
+            <a:schemeClr val="accent1"/>
+          </a:effectRef>
+          <a:fontRef idx="minor">
+            <a:schemeClr val="tx1"/>
+          </a:fontRef>
+        </p:style>
+      </p:cxnSp>
+      <p:cxnSp>
+        <p:nvCxnSpPr>
+          <p:cNvPr id="120" name="Straight Connector 119"/>
+          <p:cNvCxnSpPr/>
+          <p:nvPr/>
+        </p:nvCxnSpPr>
+        <p:spPr>
+          <a:xfrm flipH="1">
+            <a:off x="4859336" y="1995050"/>
+            <a:ext cx="1271138" cy="601628"/>
+          </a:xfrm>
+          <a:prstGeom prst="line">
+            <a:avLst/>
+          </a:prstGeom>
+          <a:ln w="19050">
+            <a:solidFill>
+              <a:schemeClr val="tx1"/>
+            </a:solidFill>
+          </a:ln>
+        </p:spPr>
+        <p:style>
+          <a:lnRef idx="1">
+            <a:schemeClr val="accent1"/>
+          </a:lnRef>
+          <a:fillRef idx="0">
+            <a:schemeClr val="accent1"/>
+          </a:fillRef>
+          <a:effectRef idx="0">
+            <a:schemeClr val="accent1"/>
+          </a:effectRef>
+          <a:fontRef idx="minor">
+            <a:schemeClr val="tx1"/>
+          </a:fontRef>
+        </p:style>
+      </p:cxnSp>
+      <p:cxnSp>
+        <p:nvCxnSpPr>
+          <p:cNvPr id="121" name="Straight Connector 120"/>
+          <p:cNvCxnSpPr/>
+          <p:nvPr/>
+        </p:nvCxnSpPr>
+        <p:spPr>
+          <a:xfrm>
+            <a:off x="4552239" y="1956333"/>
+            <a:ext cx="2010449" cy="651123"/>
+          </a:xfrm>
+          <a:prstGeom prst="line">
+            <a:avLst/>
+          </a:prstGeom>
+          <a:ln w="19050">
+            <a:solidFill>
+              <a:schemeClr val="tx1"/>
+            </a:solidFill>
+          </a:ln>
+        </p:spPr>
+        <p:style>
+          <a:lnRef idx="1">
+            <a:schemeClr val="accent1"/>
+          </a:lnRef>
+          <a:fillRef idx="0">
+            <a:schemeClr val="accent1"/>
+          </a:fillRef>
+          <a:effectRef idx="0">
+            <a:schemeClr val="accent1"/>
+          </a:effectRef>
+          <a:fontRef idx="minor">
+            <a:schemeClr val="tx1"/>
+          </a:fontRef>
+        </p:style>
+      </p:cxnSp>
+      <p:cxnSp>
+        <p:nvCxnSpPr>
+          <p:cNvPr id="122" name="Straight Connector 121"/>
+          <p:cNvCxnSpPr/>
+          <p:nvPr/>
+        </p:nvCxnSpPr>
+        <p:spPr>
+          <a:xfrm>
+            <a:off x="4552239" y="1956333"/>
+            <a:ext cx="1251898" cy="651123"/>
+          </a:xfrm>
+          <a:prstGeom prst="line">
+            <a:avLst/>
+          </a:prstGeom>
+          <a:ln w="19050">
+            <a:solidFill>
+              <a:schemeClr val="tx1"/>
+            </a:solidFill>
+          </a:ln>
+        </p:spPr>
+        <p:style>
+          <a:lnRef idx="1">
+            <a:schemeClr val="accent1"/>
+          </a:lnRef>
+          <a:fillRef idx="0">
+            <a:schemeClr val="accent1"/>
+          </a:fillRef>
+          <a:effectRef idx="0">
+            <a:schemeClr val="accent1"/>
+          </a:effectRef>
+          <a:fontRef idx="minor">
+            <a:schemeClr val="tx1"/>
+          </a:fontRef>
+        </p:style>
+      </p:cxnSp>
+      <p:cxnSp>
+        <p:nvCxnSpPr>
+          <p:cNvPr id="73" name="Straight Connector 72"/>
+          <p:cNvCxnSpPr/>
+          <p:nvPr/>
+        </p:nvCxnSpPr>
+        <p:spPr>
+          <a:xfrm>
+            <a:off x="4100785" y="2922791"/>
+            <a:ext cx="0" cy="286063"/>
+          </a:xfrm>
+          <a:prstGeom prst="line">
+            <a:avLst/>
+          </a:prstGeom>
+          <a:ln w="19050">
+            <a:solidFill>
+              <a:schemeClr val="tx1"/>
+            </a:solidFill>
+          </a:ln>
+        </p:spPr>
+        <p:style>
+          <a:lnRef idx="1">
+            <a:schemeClr val="accent1"/>
+          </a:lnRef>
+          <a:fillRef idx="0">
+            <a:schemeClr val="accent1"/>
+          </a:fillRef>
+          <a:effectRef idx="0">
+            <a:schemeClr val="accent1"/>
+          </a:effectRef>
+          <a:fontRef idx="minor">
+            <a:schemeClr val="tx1"/>
+          </a:fontRef>
+        </p:style>
+      </p:cxnSp>
+      <p:cxnSp>
+        <p:nvCxnSpPr>
+          <p:cNvPr id="100" name="Straight Connector 99"/>
+          <p:cNvCxnSpPr/>
+          <p:nvPr/>
+        </p:nvCxnSpPr>
+        <p:spPr>
+          <a:xfrm>
+            <a:off x="4859336" y="2922791"/>
+            <a:ext cx="0" cy="286063"/>
+          </a:xfrm>
+          <a:prstGeom prst="line">
+            <a:avLst/>
+          </a:prstGeom>
+          <a:ln w="19050">
+            <a:solidFill>
+              <a:schemeClr val="tx1"/>
+            </a:solidFill>
+          </a:ln>
+        </p:spPr>
+        <p:style>
+          <a:lnRef idx="1">
+            <a:schemeClr val="accent1"/>
+          </a:lnRef>
+          <a:fillRef idx="0">
+            <a:schemeClr val="accent1"/>
+          </a:fillRef>
+          <a:effectRef idx="0">
+            <a:schemeClr val="accent1"/>
+          </a:effectRef>
+          <a:fontRef idx="minor">
+            <a:schemeClr val="tx1"/>
+          </a:fontRef>
+        </p:style>
+      </p:cxnSp>
+      <p:cxnSp>
+        <p:nvCxnSpPr>
+          <p:cNvPr id="103" name="Straight Connector 102"/>
+          <p:cNvCxnSpPr/>
+          <p:nvPr/>
+        </p:nvCxnSpPr>
+        <p:spPr>
+          <a:xfrm flipH="1">
+            <a:off x="4234373" y="2928512"/>
+            <a:ext cx="375949" cy="280341"/>
+          </a:xfrm>
+          <a:prstGeom prst="line">
+            <a:avLst/>
+          </a:prstGeom>
+          <a:ln w="19050">
+            <a:solidFill>
+              <a:schemeClr val="tx1"/>
+            </a:solidFill>
+          </a:ln>
+        </p:spPr>
+        <p:style>
+          <a:lnRef idx="1">
+            <a:schemeClr val="accent1"/>
+          </a:lnRef>
+          <a:fillRef idx="0">
+            <a:schemeClr val="accent1"/>
+          </a:fillRef>
+          <a:effectRef idx="0">
+            <a:schemeClr val="accent1"/>
+          </a:effectRef>
+          <a:fontRef idx="minor">
+            <a:schemeClr val="tx1"/>
+          </a:fontRef>
+        </p:style>
+      </p:cxnSp>
+      <p:cxnSp>
+        <p:nvCxnSpPr>
+          <p:cNvPr id="104" name="Straight Connector 103"/>
+          <p:cNvCxnSpPr/>
+          <p:nvPr/>
+        </p:nvCxnSpPr>
+        <p:spPr>
+          <a:xfrm>
+            <a:off x="4234373" y="2928512"/>
+            <a:ext cx="372621" cy="286063"/>
+          </a:xfrm>
+          <a:prstGeom prst="line">
+            <a:avLst/>
+          </a:prstGeom>
+          <a:ln w="19050">
+            <a:solidFill>
+              <a:schemeClr val="tx1"/>
+            </a:solidFill>
+          </a:ln>
+        </p:spPr>
+        <p:style>
+          <a:lnRef idx="1">
+            <a:schemeClr val="accent1"/>
+          </a:lnRef>
+          <a:fillRef idx="0">
+            <a:schemeClr val="accent1"/>
+          </a:fillRef>
+          <a:effectRef idx="0">
+            <a:schemeClr val="accent1"/>
+          </a:effectRef>
+          <a:fontRef idx="minor">
+            <a:schemeClr val="tx1"/>
+          </a:fontRef>
+        </p:style>
+      </p:cxnSp>
+      <p:cxnSp>
+        <p:nvCxnSpPr>
+          <p:cNvPr id="46" name="Straight Connector 45"/>
+          <p:cNvCxnSpPr/>
+          <p:nvPr/>
+        </p:nvCxnSpPr>
+        <p:spPr>
+          <a:xfrm>
+            <a:off x="6136621" y="1344207"/>
+            <a:ext cx="0" cy="324730"/>
+          </a:xfrm>
+          <a:prstGeom prst="line">
+            <a:avLst/>
+          </a:prstGeom>
+          <a:ln w="38100">
+            <a:solidFill>
+              <a:schemeClr val="tx1"/>
+            </a:solidFill>
+            <a:headEnd type="triangle" w="med" len="med"/>
+            <a:tailEnd type="triangle" w="med" len="med"/>
+          </a:ln>
+        </p:spPr>
+        <p:style>
+          <a:lnRef idx="1">
+            <a:schemeClr val="accent1"/>
+          </a:lnRef>
+          <a:fillRef idx="0">
+            <a:schemeClr val="accent1"/>
+          </a:fillRef>
+          <a:effectRef idx="0">
+            <a:schemeClr val="accent1"/>
+          </a:effectRef>
+          <a:fontRef idx="minor">
+            <a:schemeClr val="tx1"/>
+          </a:fontRef>
+        </p:style>
+      </p:cxnSp>
+      <p:cxnSp>
+        <p:nvCxnSpPr>
+          <p:cNvPr id="107" name="Straight Connector 106"/>
+          <p:cNvCxnSpPr/>
+          <p:nvPr/>
+        </p:nvCxnSpPr>
+        <p:spPr>
+          <a:xfrm>
+            <a:off x="5804137" y="2933569"/>
+            <a:ext cx="0" cy="286063"/>
+          </a:xfrm>
+          <a:prstGeom prst="line">
+            <a:avLst/>
+          </a:prstGeom>
+          <a:ln w="19050">
+            <a:solidFill>
+              <a:schemeClr val="tx1"/>
+            </a:solidFill>
+          </a:ln>
+        </p:spPr>
+        <p:style>
+          <a:lnRef idx="1">
+            <a:schemeClr val="accent1"/>
+          </a:lnRef>
+          <a:fillRef idx="0">
+            <a:schemeClr val="accent1"/>
+          </a:fillRef>
+          <a:effectRef idx="0">
+            <a:schemeClr val="accent1"/>
+          </a:effectRef>
+          <a:fontRef idx="minor">
+            <a:schemeClr val="tx1"/>
+          </a:fontRef>
+        </p:style>
+      </p:cxnSp>
+      <p:cxnSp>
+        <p:nvCxnSpPr>
+          <p:cNvPr id="108" name="Straight Connector 107"/>
+          <p:cNvCxnSpPr/>
+          <p:nvPr/>
+        </p:nvCxnSpPr>
+        <p:spPr>
+          <a:xfrm>
+            <a:off x="6562688" y="2933569"/>
+            <a:ext cx="0" cy="286063"/>
+          </a:xfrm>
+          <a:prstGeom prst="line">
+            <a:avLst/>
+          </a:prstGeom>
+          <a:ln w="19050">
+            <a:solidFill>
+              <a:schemeClr val="tx1"/>
+            </a:solidFill>
+          </a:ln>
+        </p:spPr>
+        <p:style>
+          <a:lnRef idx="1">
+            <a:schemeClr val="accent1"/>
+          </a:lnRef>
+          <a:fillRef idx="0">
+            <a:schemeClr val="accent1"/>
+          </a:fillRef>
+          <a:effectRef idx="0">
+            <a:schemeClr val="accent1"/>
+          </a:effectRef>
+          <a:fontRef idx="minor">
+            <a:schemeClr val="tx1"/>
+          </a:fontRef>
+        </p:style>
+      </p:cxnSp>
+      <p:cxnSp>
+        <p:nvCxnSpPr>
+          <p:cNvPr id="109" name="Straight Connector 108"/>
+          <p:cNvCxnSpPr/>
+          <p:nvPr/>
+        </p:nvCxnSpPr>
+        <p:spPr>
+          <a:xfrm flipH="1">
+            <a:off x="5937725" y="2939290"/>
+            <a:ext cx="375949" cy="280341"/>
+          </a:xfrm>
+          <a:prstGeom prst="line">
+            <a:avLst/>
+          </a:prstGeom>
+          <a:ln w="19050">
+            <a:solidFill>
+              <a:schemeClr val="tx1"/>
+            </a:solidFill>
+          </a:ln>
+        </p:spPr>
+        <p:style>
+          <a:lnRef idx="1">
+            <a:schemeClr val="accent1"/>
+          </a:lnRef>
+          <a:fillRef idx="0">
+            <a:schemeClr val="accent1"/>
+          </a:fillRef>
+          <a:effectRef idx="0">
+            <a:schemeClr val="accent1"/>
+          </a:effectRef>
+          <a:fontRef idx="minor">
+            <a:schemeClr val="tx1"/>
+          </a:fontRef>
+        </p:style>
+      </p:cxnSp>
+      <p:cxnSp>
+        <p:nvCxnSpPr>
+          <p:cNvPr id="110" name="Straight Connector 109"/>
+          <p:cNvCxnSpPr/>
+          <p:nvPr/>
+        </p:nvCxnSpPr>
+        <p:spPr>
+          <a:xfrm>
+            <a:off x="5937725" y="2939290"/>
+            <a:ext cx="372621" cy="286063"/>
+          </a:xfrm>
+          <a:prstGeom prst="line">
+            <a:avLst/>
+          </a:prstGeom>
+          <a:ln w="19050">
+            <a:solidFill>
+              <a:schemeClr val="tx1"/>
+            </a:solidFill>
+          </a:ln>
+        </p:spPr>
+        <p:style>
+          <a:lnRef idx="1">
+            <a:schemeClr val="accent1"/>
+          </a:lnRef>
+          <a:fillRef idx="0">
+            <a:schemeClr val="accent1"/>
+          </a:fillRef>
+          <a:effectRef idx="0">
+            <a:schemeClr val="accent1"/>
+          </a:effectRef>
+          <a:fontRef idx="minor">
+            <a:schemeClr val="tx1"/>
+          </a:fontRef>
+        </p:style>
+      </p:cxnSp>
+      <p:cxnSp>
+        <p:nvCxnSpPr>
+          <p:cNvPr id="64" name="Straight Connector 63"/>
+          <p:cNvCxnSpPr/>
+          <p:nvPr/>
+        </p:nvCxnSpPr>
+        <p:spPr>
+          <a:xfrm>
+            <a:off x="4552239" y="1319697"/>
+            <a:ext cx="0" cy="310523"/>
+          </a:xfrm>
+          <a:prstGeom prst="line">
+            <a:avLst/>
+          </a:prstGeom>
+          <a:ln w="38100">
+            <a:solidFill>
+              <a:schemeClr val="tx1"/>
+            </a:solidFill>
+            <a:headEnd type="triangle" w="med" len="med"/>
+            <a:tailEnd type="triangle" w="med" len="med"/>
+          </a:ln>
+        </p:spPr>
+        <p:style>
+          <a:lnRef idx="1">
+            <a:schemeClr val="accent1"/>
+          </a:lnRef>
+          <a:fillRef idx="0">
+            <a:schemeClr val="accent1"/>
+          </a:fillRef>
+          <a:effectRef idx="0">
+            <a:schemeClr val="accent1"/>
+          </a:effectRef>
+          <a:fontRef idx="minor">
+            <a:schemeClr val="tx1"/>
+          </a:fontRef>
+        </p:style>
+      </p:cxnSp>
+      <p:cxnSp>
+        <p:nvCxnSpPr>
+          <p:cNvPr id="35" name="Straight Connector 34"/>
+          <p:cNvCxnSpPr/>
+          <p:nvPr/>
+        </p:nvCxnSpPr>
+        <p:spPr>
+          <a:xfrm>
+            <a:off x="8402214" y="1956333"/>
+            <a:ext cx="977609" cy="658782"/>
+          </a:xfrm>
+          <a:prstGeom prst="line">
+            <a:avLst/>
+          </a:prstGeom>
+          <a:ln w="19050">
+            <a:solidFill>
+              <a:schemeClr val="tx1"/>
+            </a:solidFill>
+          </a:ln>
+        </p:spPr>
+        <p:style>
+          <a:lnRef idx="1">
+            <a:schemeClr val="accent1"/>
+          </a:lnRef>
+          <a:fillRef idx="0">
+            <a:schemeClr val="accent1"/>
+          </a:fillRef>
+          <a:effectRef idx="0">
+            <a:schemeClr val="accent1"/>
+          </a:effectRef>
+          <a:fontRef idx="minor">
+            <a:schemeClr val="tx1"/>
+          </a:fontRef>
+        </p:style>
+      </p:cxnSp>
+      <p:cxnSp>
+        <p:nvCxnSpPr>
+          <p:cNvPr id="36" name="Straight Connector 35"/>
+          <p:cNvCxnSpPr/>
+          <p:nvPr/>
+        </p:nvCxnSpPr>
+        <p:spPr>
+          <a:xfrm>
+            <a:off x="8402212" y="1315169"/>
+            <a:ext cx="0" cy="310523"/>
+          </a:xfrm>
+          <a:prstGeom prst="line">
+            <a:avLst/>
+          </a:prstGeom>
+          <a:ln w="38100">
+            <a:solidFill>
+              <a:schemeClr val="tx1"/>
+            </a:solidFill>
+            <a:headEnd type="triangle" w="med" len="med"/>
+            <a:tailEnd type="triangle" w="med" len="med"/>
+          </a:ln>
+        </p:spPr>
+        <p:style>
+          <a:lnRef idx="1">
+            <a:schemeClr val="accent1"/>
+          </a:lnRef>
+          <a:fillRef idx="0">
+            <a:schemeClr val="accent1"/>
+          </a:fillRef>
+          <a:effectRef idx="0">
+            <a:schemeClr val="accent1"/>
+          </a:effectRef>
+          <a:fontRef idx="minor">
+            <a:schemeClr val="tx1"/>
+          </a:fontRef>
+        </p:style>
+      </p:cxnSp>
+      <p:cxnSp>
+        <p:nvCxnSpPr>
+          <p:cNvPr id="37" name="Straight Connector 36"/>
+          <p:cNvCxnSpPr/>
+          <p:nvPr/>
+        </p:nvCxnSpPr>
+        <p:spPr>
+          <a:xfrm flipH="1">
+            <a:off x="7456367" y="1956333"/>
+            <a:ext cx="945847" cy="640345"/>
+          </a:xfrm>
+          <a:prstGeom prst="line">
+            <a:avLst/>
+          </a:prstGeom>
+          <a:ln w="19050">
+            <a:solidFill>
+              <a:schemeClr val="tx1"/>
+            </a:solidFill>
+          </a:ln>
+        </p:spPr>
+        <p:style>
+          <a:lnRef idx="1">
+            <a:schemeClr val="accent1"/>
+          </a:lnRef>
+          <a:fillRef idx="0">
+            <a:schemeClr val="accent1"/>
+          </a:fillRef>
+          <a:effectRef idx="0">
+            <a:schemeClr val="accent1"/>
+          </a:effectRef>
+          <a:fontRef idx="minor">
+            <a:schemeClr val="tx1"/>
+          </a:fontRef>
+        </p:style>
+      </p:cxnSp>
+      <p:cxnSp>
+        <p:nvCxnSpPr>
+          <p:cNvPr id="41" name="Straight Connector 40"/>
+          <p:cNvCxnSpPr/>
+          <p:nvPr/>
+        </p:nvCxnSpPr>
+        <p:spPr>
+          <a:xfrm>
+            <a:off x="9379823" y="2941228"/>
+            <a:ext cx="0" cy="258469"/>
+          </a:xfrm>
+          <a:prstGeom prst="line">
+            <a:avLst/>
+          </a:prstGeom>
+          <a:ln w="19050">
+            <a:solidFill>
+              <a:schemeClr val="tx1"/>
+            </a:solidFill>
+          </a:ln>
+        </p:spPr>
+        <p:style>
+          <a:lnRef idx="1">
+            <a:schemeClr val="accent1"/>
+          </a:lnRef>
+          <a:fillRef idx="0">
+            <a:schemeClr val="accent1"/>
+          </a:fillRef>
+          <a:effectRef idx="0">
+            <a:schemeClr val="accent1"/>
+          </a:effectRef>
+          <a:fontRef idx="minor">
+            <a:schemeClr val="tx1"/>
+          </a:fontRef>
+        </p:style>
+      </p:cxnSp>
+      <p:cxnSp>
+        <p:nvCxnSpPr>
+          <p:cNvPr id="44" name="Straight Connector 43"/>
+          <p:cNvCxnSpPr/>
+          <p:nvPr/>
+        </p:nvCxnSpPr>
+        <p:spPr>
+          <a:xfrm>
+            <a:off x="7456367" y="2922791"/>
+            <a:ext cx="0" cy="304775"/>
+          </a:xfrm>
+          <a:prstGeom prst="line">
+            <a:avLst/>
+          </a:prstGeom>
+          <a:ln w="19050">
+            <a:solidFill>
+              <a:schemeClr val="tx1"/>
+            </a:solidFill>
+          </a:ln>
+        </p:spPr>
+        <p:style>
+          <a:lnRef idx="1">
+            <a:schemeClr val="accent1"/>
+          </a:lnRef>
+          <a:fillRef idx="0">
+            <a:schemeClr val="accent1"/>
+          </a:fillRef>
+          <a:effectRef idx="0">
+            <a:schemeClr val="accent1"/>
+          </a:effectRef>
+          <a:fontRef idx="minor">
+            <a:schemeClr val="tx1"/>
+          </a:fontRef>
+        </p:style>
+      </p:cxnSp>
+      <p:sp>
+        <p:nvSpPr>
+          <p:cNvPr id="57" name="Rectangle 56"/>
+          <p:cNvSpPr/>
+          <p:nvPr/>
+        </p:nvSpPr>
+        <p:spPr>
+          <a:xfrm>
+            <a:off x="8149872" y="1630220"/>
+            <a:ext cx="504684" cy="326113"/>
+          </a:xfrm>
+          <a:prstGeom prst="rect">
+            <a:avLst/>
+          </a:prstGeom>
+          <a:solidFill>
+            <a:schemeClr val="bg2">
+              <a:lumMod val="90000"/>
+            </a:schemeClr>
+          </a:solidFill>
+          <a:ln>
+            <a:solidFill>
+              <a:schemeClr val="tx1"/>
+            </a:solidFill>
+          </a:ln>
+        </p:spPr>
+        <p:style>
+          <a:lnRef idx="2">
+            <a:schemeClr val="accent1">
+              <a:shade val="50000"/>
+            </a:schemeClr>
+          </a:lnRef>
+          <a:fillRef idx="1">
+            <a:schemeClr val="accent1"/>
+          </a:fillRef>
+          <a:effectRef idx="0">
+            <a:schemeClr val="accent1"/>
+          </a:effectRef>
+          <a:fontRef idx="minor">
+            <a:schemeClr val="lt1"/>
+          </a:fontRef>
+        </p:style>
+        <p:txBody>
+          <a:bodyPr rtlCol="0" anchor="ctr"/>
+          <a:lstStyle/>
+          <a:p>
+            <a:pPr algn="ctr"/>
+            <a:r>
+              <a:rPr lang="en-US" sz="2000" dirty="0" smtClean="0">
+                <a:solidFill>
+                  <a:schemeClr val="tx1"/>
+                </a:solidFill>
+              </a:rPr>
+              <a:t>S</a:t>
+            </a:r>
+            <a:endParaRPr lang="en-US" sz="2000" dirty="0">
+              <a:solidFill>
+                <a:schemeClr val="tx1"/>
+              </a:solidFill>
+            </a:endParaRPr>
+          </a:p>
+        </p:txBody>
+      </p:sp>
+      <p:sp>
+        <p:nvSpPr>
+          <p:cNvPr id="58" name="Rectangle 57"/>
+          <p:cNvSpPr/>
+          <p:nvPr/>
+        </p:nvSpPr>
+        <p:spPr>
+          <a:xfrm>
+            <a:off x="9127481" y="2615115"/>
+            <a:ext cx="504684" cy="326113"/>
+          </a:xfrm>
+          <a:prstGeom prst="rect">
+            <a:avLst/>
+          </a:prstGeom>
+          <a:solidFill>
+            <a:schemeClr val="bg2">
+              <a:lumMod val="90000"/>
+            </a:schemeClr>
+          </a:solidFill>
+          <a:ln>
+            <a:solidFill>
+              <a:schemeClr val="tx1"/>
+            </a:solidFill>
+          </a:ln>
+        </p:spPr>
+        <p:style>
+          <a:lnRef idx="2">
+            <a:schemeClr val="accent1">
+              <a:shade val="50000"/>
+            </a:schemeClr>
+          </a:lnRef>
+          <a:fillRef idx="1">
+            <a:schemeClr val="accent1"/>
+          </a:fillRef>
+          <a:effectRef idx="0">
+            <a:schemeClr val="accent1"/>
+          </a:effectRef>
+          <a:fontRef idx="minor">
+            <a:schemeClr val="lt1"/>
+          </a:fontRef>
+        </p:style>
+        <p:txBody>
+          <a:bodyPr rtlCol="0" anchor="ctr"/>
+          <a:lstStyle/>
+          <a:p>
+            <a:pPr algn="ctr"/>
+            <a:r>
+              <a:rPr lang="en-US" sz="2000" dirty="0" smtClean="0">
+                <a:solidFill>
+                  <a:schemeClr val="tx1"/>
+                </a:solidFill>
+              </a:rPr>
+              <a:t>AL</a:t>
+            </a:r>
+            <a:endParaRPr lang="en-US" sz="2000" dirty="0">
+              <a:solidFill>
+                <a:schemeClr val="tx1"/>
+              </a:solidFill>
+            </a:endParaRPr>
+          </a:p>
+        </p:txBody>
+      </p:sp>
+      <p:sp>
+        <p:nvSpPr>
+          <p:cNvPr id="60" name="Rectangle 59"/>
+          <p:cNvSpPr/>
+          <p:nvPr/>
+        </p:nvSpPr>
+        <p:spPr>
+          <a:xfrm>
+            <a:off x="7204025" y="2596678"/>
+            <a:ext cx="504684" cy="326113"/>
+          </a:xfrm>
+          <a:prstGeom prst="rect">
+            <a:avLst/>
+          </a:prstGeom>
+          <a:solidFill>
+            <a:schemeClr val="bg2">
+              <a:lumMod val="90000"/>
+            </a:schemeClr>
+          </a:solidFill>
+          <a:ln>
+            <a:solidFill>
+              <a:schemeClr val="tx1"/>
+            </a:solidFill>
+          </a:ln>
+        </p:spPr>
+        <p:style>
+          <a:lnRef idx="2">
+            <a:schemeClr val="accent1">
+              <a:shade val="50000"/>
+            </a:schemeClr>
+          </a:lnRef>
+          <a:fillRef idx="1">
+            <a:schemeClr val="accent1"/>
+          </a:fillRef>
+          <a:effectRef idx="0">
+            <a:schemeClr val="accent1"/>
+          </a:effectRef>
+          <a:fontRef idx="minor">
+            <a:schemeClr val="lt1"/>
+          </a:fontRef>
+        </p:style>
+        <p:txBody>
+          <a:bodyPr rtlCol="0" anchor="ctr"/>
+          <a:lstStyle/>
+          <a:p>
+            <a:pPr algn="ctr"/>
+            <a:r>
+              <a:rPr lang="en-US" sz="2000" dirty="0" smtClean="0">
+                <a:solidFill>
+                  <a:schemeClr val="tx1"/>
+                </a:solidFill>
+              </a:rPr>
+              <a:t>AG</a:t>
+            </a:r>
+            <a:endParaRPr lang="en-US" sz="2000" dirty="0">
+              <a:solidFill>
+                <a:schemeClr val="tx1"/>
+              </a:solidFill>
+            </a:endParaRPr>
+          </a:p>
+        </p:txBody>
+      </p:sp>
+      <p:sp>
+        <p:nvSpPr>
+          <p:cNvPr id="61" name="Rectangle 60"/>
+          <p:cNvSpPr/>
+          <p:nvPr/>
+        </p:nvSpPr>
+        <p:spPr>
+          <a:xfrm>
+            <a:off x="9127481" y="3199697"/>
+            <a:ext cx="504684" cy="326113"/>
+          </a:xfrm>
+          <a:prstGeom prst="rect">
+            <a:avLst/>
+          </a:prstGeom>
+          <a:solidFill>
+            <a:schemeClr val="bg2">
+              <a:lumMod val="90000"/>
+            </a:schemeClr>
+          </a:solidFill>
+          <a:ln>
+            <a:solidFill>
+              <a:schemeClr val="tx1"/>
+            </a:solidFill>
+          </a:ln>
+        </p:spPr>
+        <p:style>
+          <a:lnRef idx="2">
+            <a:schemeClr val="accent1">
+              <a:shade val="50000"/>
+            </a:schemeClr>
+          </a:lnRef>
+          <a:fillRef idx="1">
+            <a:schemeClr val="accent1"/>
+          </a:fillRef>
+          <a:effectRef idx="0">
+            <a:schemeClr val="accent1"/>
+          </a:effectRef>
+          <a:fontRef idx="minor">
+            <a:schemeClr val="lt1"/>
+          </a:fontRef>
+        </p:style>
+        <p:txBody>
+          <a:bodyPr rtlCol="0" anchor="ctr"/>
+          <a:lstStyle/>
+          <a:p>
+            <a:pPr algn="ctr"/>
+            <a:r>
+              <a:rPr lang="en-US" sz="2000" dirty="0" smtClean="0">
+                <a:solidFill>
+                  <a:schemeClr val="tx1"/>
+                </a:solidFill>
+              </a:rPr>
+              <a:t>TL</a:t>
+            </a:r>
+            <a:endParaRPr lang="en-US" sz="2000" dirty="0">
+              <a:solidFill>
+                <a:schemeClr val="tx1"/>
+              </a:solidFill>
+            </a:endParaRPr>
+          </a:p>
+        </p:txBody>
+      </p:sp>
+      <p:sp>
+        <p:nvSpPr>
+          <p:cNvPr id="62" name="Rectangle 61"/>
+          <p:cNvSpPr/>
+          <p:nvPr/>
+        </p:nvSpPr>
+        <p:spPr>
+          <a:xfrm>
+            <a:off x="7204025" y="3227566"/>
+            <a:ext cx="504684" cy="326113"/>
+          </a:xfrm>
+          <a:prstGeom prst="rect">
+            <a:avLst/>
+          </a:prstGeom>
+          <a:solidFill>
+            <a:schemeClr val="bg2">
+              <a:lumMod val="90000"/>
+            </a:schemeClr>
+          </a:solidFill>
+          <a:ln>
+            <a:solidFill>
+              <a:schemeClr val="tx1"/>
+            </a:solidFill>
+          </a:ln>
+        </p:spPr>
+        <p:style>
+          <a:lnRef idx="2">
+            <a:schemeClr val="accent1">
+              <a:shade val="50000"/>
+            </a:schemeClr>
+          </a:lnRef>
+          <a:fillRef idx="1">
+            <a:schemeClr val="accent1"/>
+          </a:fillRef>
+          <a:effectRef idx="0">
+            <a:schemeClr val="accent1"/>
+          </a:effectRef>
+          <a:fontRef idx="minor">
+            <a:schemeClr val="lt1"/>
+          </a:fontRef>
+        </p:style>
+        <p:txBody>
+          <a:bodyPr rtlCol="0" anchor="ctr"/>
+          <a:lstStyle/>
+          <a:p>
+            <a:pPr algn="ctr"/>
+            <a:r>
+              <a:rPr lang="en-US" sz="2000" dirty="0" smtClean="0">
+                <a:solidFill>
+                  <a:schemeClr val="tx1"/>
+                </a:solidFill>
+              </a:rPr>
+              <a:t>TG</a:t>
+            </a:r>
+            <a:endParaRPr lang="en-US" sz="2000" dirty="0">
+              <a:solidFill>
+                <a:schemeClr val="tx1"/>
+              </a:solidFill>
+            </a:endParaRPr>
+          </a:p>
+        </p:txBody>
+      </p:sp>
+      <p:sp>
+        <p:nvSpPr>
+          <p:cNvPr id="63" name="Rectangle 62"/>
+          <p:cNvSpPr/>
+          <p:nvPr/>
+        </p:nvSpPr>
+        <p:spPr>
+          <a:xfrm>
+            <a:off x="4299897" y="1630220"/>
+            <a:ext cx="504684" cy="326113"/>
+          </a:xfrm>
+          <a:prstGeom prst="rect">
+            <a:avLst/>
+          </a:prstGeom>
+          <a:solidFill>
+            <a:schemeClr val="bg2">
+              <a:lumMod val="90000"/>
+            </a:schemeClr>
+          </a:solidFill>
+          <a:ln>
+            <a:solidFill>
+              <a:schemeClr val="tx1"/>
+            </a:solidFill>
+          </a:ln>
+        </p:spPr>
+        <p:style>
+          <a:lnRef idx="2">
+            <a:schemeClr val="accent1">
+              <a:shade val="50000"/>
+            </a:schemeClr>
+          </a:lnRef>
+          <a:fillRef idx="1">
+            <a:schemeClr val="accent1"/>
+          </a:fillRef>
+          <a:effectRef idx="0">
+            <a:schemeClr val="accent1"/>
+          </a:effectRef>
+          <a:fontRef idx="minor">
+            <a:schemeClr val="lt1"/>
+          </a:fontRef>
+        </p:style>
+        <p:txBody>
+          <a:bodyPr rtlCol="0" anchor="ctr"/>
+          <a:lstStyle/>
+          <a:p>
+            <a:pPr algn="ctr"/>
+            <a:r>
+              <a:rPr lang="en-US" sz="2000" dirty="0" smtClean="0">
+                <a:solidFill>
+                  <a:schemeClr val="tx1"/>
+                </a:solidFill>
+              </a:rPr>
+              <a:t>S1</a:t>
+            </a:r>
+            <a:endParaRPr lang="en-US" sz="2000" dirty="0">
+              <a:solidFill>
+                <a:schemeClr val="tx1"/>
+              </a:solidFill>
+            </a:endParaRPr>
+          </a:p>
+        </p:txBody>
+      </p:sp>
+      <p:sp>
+        <p:nvSpPr>
+          <p:cNvPr id="65" name="Rectangle 64"/>
+          <p:cNvSpPr/>
+          <p:nvPr/>
+        </p:nvSpPr>
+        <p:spPr>
+          <a:xfrm>
+            <a:off x="5878132" y="1668937"/>
+            <a:ext cx="504684" cy="326113"/>
+          </a:xfrm>
+          <a:prstGeom prst="rect">
+            <a:avLst/>
+          </a:prstGeom>
+          <a:solidFill>
+            <a:schemeClr val="bg2">
+              <a:lumMod val="90000"/>
+            </a:schemeClr>
+          </a:solidFill>
+          <a:ln>
+            <a:solidFill>
+              <a:schemeClr val="tx1"/>
+            </a:solidFill>
+          </a:ln>
+        </p:spPr>
+        <p:style>
+          <a:lnRef idx="2">
+            <a:schemeClr val="accent1">
+              <a:shade val="50000"/>
+            </a:schemeClr>
+          </a:lnRef>
+          <a:fillRef idx="1">
+            <a:schemeClr val="accent1"/>
+          </a:fillRef>
+          <a:effectRef idx="0">
+            <a:schemeClr val="accent1"/>
+          </a:effectRef>
+          <a:fontRef idx="minor">
+            <a:schemeClr val="lt1"/>
+          </a:fontRef>
+        </p:style>
+        <p:txBody>
+          <a:bodyPr rtlCol="0" anchor="ctr"/>
+          <a:lstStyle/>
+          <a:p>
+            <a:pPr algn="ctr"/>
+            <a:r>
+              <a:rPr lang="en-US" sz="2000" dirty="0" smtClean="0">
+                <a:solidFill>
+                  <a:schemeClr val="tx1"/>
+                </a:solidFill>
+              </a:rPr>
+              <a:t>S2</a:t>
+            </a:r>
+            <a:endParaRPr lang="en-US" sz="2000" dirty="0">
+              <a:solidFill>
+                <a:schemeClr val="tx1"/>
+              </a:solidFill>
+            </a:endParaRPr>
+          </a:p>
+        </p:txBody>
+      </p:sp>
+      <p:sp>
+        <p:nvSpPr>
+          <p:cNvPr id="66" name="Rectangle 65"/>
+          <p:cNvSpPr/>
+          <p:nvPr/>
+        </p:nvSpPr>
+        <p:spPr>
+          <a:xfrm>
+            <a:off x="3848443" y="3208854"/>
+            <a:ext cx="504684" cy="326113"/>
+          </a:xfrm>
+          <a:prstGeom prst="rect">
+            <a:avLst/>
+          </a:prstGeom>
+          <a:solidFill>
+            <a:schemeClr val="bg2">
+              <a:lumMod val="90000"/>
+            </a:schemeClr>
+          </a:solidFill>
+          <a:ln>
+            <a:solidFill>
+              <a:schemeClr val="tx1"/>
+            </a:solidFill>
+          </a:ln>
+        </p:spPr>
+        <p:style>
+          <a:lnRef idx="2">
+            <a:schemeClr val="accent1">
+              <a:shade val="50000"/>
+            </a:schemeClr>
+          </a:lnRef>
+          <a:fillRef idx="1">
+            <a:schemeClr val="accent1"/>
+          </a:fillRef>
+          <a:effectRef idx="0">
+            <a:schemeClr val="accent1"/>
+          </a:effectRef>
+          <a:fontRef idx="minor">
+            <a:schemeClr val="lt1"/>
+          </a:fontRef>
+        </p:style>
+        <p:txBody>
+          <a:bodyPr rtlCol="0" anchor="ctr"/>
+          <a:lstStyle/>
+          <a:p>
+            <a:pPr algn="ctr"/>
+            <a:r>
+              <a:rPr lang="en-US" sz="2000" dirty="0" smtClean="0">
+                <a:solidFill>
+                  <a:schemeClr val="tx1"/>
+                </a:solidFill>
+              </a:rPr>
+              <a:t>T1</a:t>
+            </a:r>
+            <a:endParaRPr lang="en-US" sz="2000" dirty="0">
+              <a:solidFill>
+                <a:schemeClr val="tx1"/>
+              </a:solidFill>
+            </a:endParaRPr>
+          </a:p>
+        </p:txBody>
+      </p:sp>
+      <p:sp>
+        <p:nvSpPr>
+          <p:cNvPr id="68" name="Rectangle 67"/>
+          <p:cNvSpPr/>
+          <p:nvPr/>
+        </p:nvSpPr>
+        <p:spPr>
+          <a:xfrm>
+            <a:off x="4606994" y="3208854"/>
+            <a:ext cx="504684" cy="326113"/>
+          </a:xfrm>
+          <a:prstGeom prst="rect">
+            <a:avLst/>
+          </a:prstGeom>
+          <a:solidFill>
+            <a:schemeClr val="bg2">
+              <a:lumMod val="90000"/>
+            </a:schemeClr>
+          </a:solidFill>
+          <a:ln>
+            <a:solidFill>
+              <a:schemeClr val="tx1"/>
+            </a:solidFill>
+          </a:ln>
+        </p:spPr>
+        <p:style>
+          <a:lnRef idx="2">
+            <a:schemeClr val="accent1">
+              <a:shade val="50000"/>
+            </a:schemeClr>
+          </a:lnRef>
+          <a:fillRef idx="1">
+            <a:schemeClr val="accent1"/>
+          </a:fillRef>
+          <a:effectRef idx="0">
+            <a:schemeClr val="accent1"/>
+          </a:effectRef>
+          <a:fontRef idx="minor">
+            <a:schemeClr val="lt1"/>
+          </a:fontRef>
+        </p:style>
+        <p:txBody>
+          <a:bodyPr rtlCol="0" anchor="ctr"/>
+          <a:lstStyle/>
+          <a:p>
+            <a:pPr algn="ctr"/>
+            <a:r>
+              <a:rPr lang="en-US" sz="2000" dirty="0" smtClean="0">
+                <a:solidFill>
+                  <a:schemeClr val="tx1"/>
+                </a:solidFill>
+              </a:rPr>
+              <a:t>T2</a:t>
+            </a:r>
+            <a:endParaRPr lang="en-US" sz="2000" dirty="0">
+              <a:solidFill>
+                <a:schemeClr val="tx1"/>
+              </a:solidFill>
+            </a:endParaRPr>
+          </a:p>
+        </p:txBody>
+      </p:sp>
+      <p:sp>
+        <p:nvSpPr>
+          <p:cNvPr id="69" name="Rectangle 68"/>
+          <p:cNvSpPr/>
+          <p:nvPr/>
+        </p:nvSpPr>
+        <p:spPr>
+          <a:xfrm>
+            <a:off x="3848443" y="2596678"/>
+            <a:ext cx="504684" cy="326113"/>
+          </a:xfrm>
+          <a:prstGeom prst="rect">
+            <a:avLst/>
+          </a:prstGeom>
+          <a:solidFill>
+            <a:schemeClr val="bg2">
+              <a:lumMod val="90000"/>
+            </a:schemeClr>
+          </a:solidFill>
+          <a:ln>
+            <a:solidFill>
+              <a:schemeClr val="tx1"/>
+            </a:solidFill>
+          </a:ln>
+        </p:spPr>
+        <p:style>
+          <a:lnRef idx="2">
+            <a:schemeClr val="accent1">
+              <a:shade val="50000"/>
+            </a:schemeClr>
+          </a:lnRef>
+          <a:fillRef idx="1">
+            <a:schemeClr val="accent1"/>
+          </a:fillRef>
+          <a:effectRef idx="0">
+            <a:schemeClr val="accent1"/>
+          </a:effectRef>
+          <a:fontRef idx="minor">
+            <a:schemeClr val="lt1"/>
+          </a:fontRef>
+        </p:style>
+        <p:txBody>
+          <a:bodyPr rtlCol="0" anchor="ctr"/>
+          <a:lstStyle/>
+          <a:p>
+            <a:pPr algn="ctr"/>
+            <a:r>
+              <a:rPr lang="en-US" sz="2000" dirty="0" smtClean="0">
+                <a:solidFill>
+                  <a:schemeClr val="tx1"/>
+                </a:solidFill>
+              </a:rPr>
+              <a:t>A1</a:t>
+            </a:r>
+            <a:endParaRPr lang="en-US" sz="2000" dirty="0">
+              <a:solidFill>
+                <a:schemeClr val="tx1"/>
+              </a:solidFill>
+            </a:endParaRPr>
+          </a:p>
+        </p:txBody>
+      </p:sp>
+      <p:sp>
+        <p:nvSpPr>
+          <p:cNvPr id="70" name="Rectangle 69"/>
+          <p:cNvSpPr/>
+          <p:nvPr/>
+        </p:nvSpPr>
+        <p:spPr>
+          <a:xfrm>
+            <a:off x="4606994" y="2596678"/>
+            <a:ext cx="504684" cy="326113"/>
+          </a:xfrm>
+          <a:prstGeom prst="rect">
+            <a:avLst/>
+          </a:prstGeom>
+          <a:solidFill>
+            <a:schemeClr val="bg2">
+              <a:lumMod val="90000"/>
+            </a:schemeClr>
+          </a:solidFill>
+          <a:ln>
+            <a:solidFill>
+              <a:schemeClr val="tx1"/>
+            </a:solidFill>
+          </a:ln>
+        </p:spPr>
+        <p:style>
+          <a:lnRef idx="2">
+            <a:schemeClr val="accent1">
+              <a:shade val="50000"/>
+            </a:schemeClr>
+          </a:lnRef>
+          <a:fillRef idx="1">
+            <a:schemeClr val="accent1"/>
+          </a:fillRef>
+          <a:effectRef idx="0">
+            <a:schemeClr val="accent1"/>
+          </a:effectRef>
+          <a:fontRef idx="minor">
+            <a:schemeClr val="lt1"/>
+          </a:fontRef>
+        </p:style>
+        <p:txBody>
+          <a:bodyPr rtlCol="0" anchor="ctr"/>
+          <a:lstStyle/>
+          <a:p>
+            <a:pPr algn="ctr"/>
+            <a:r>
+              <a:rPr lang="en-US" sz="2000" dirty="0" smtClean="0">
+                <a:solidFill>
+                  <a:schemeClr val="tx1"/>
+                </a:solidFill>
+              </a:rPr>
+              <a:t>A2</a:t>
+            </a:r>
+            <a:endParaRPr lang="en-US" sz="2000" dirty="0">
+              <a:solidFill>
+                <a:schemeClr val="tx1"/>
+              </a:solidFill>
+            </a:endParaRPr>
+          </a:p>
+        </p:txBody>
+      </p:sp>
+      <p:sp>
+        <p:nvSpPr>
+          <p:cNvPr id="71" name="Rectangle 70"/>
+          <p:cNvSpPr/>
+          <p:nvPr/>
+        </p:nvSpPr>
+        <p:spPr>
+          <a:xfrm>
+            <a:off x="5551795" y="3219632"/>
+            <a:ext cx="504684" cy="326113"/>
+          </a:xfrm>
+          <a:prstGeom prst="rect">
+            <a:avLst/>
+          </a:prstGeom>
+          <a:solidFill>
+            <a:schemeClr val="bg2">
+              <a:lumMod val="90000"/>
+            </a:schemeClr>
+          </a:solidFill>
+          <a:ln>
+            <a:solidFill>
+              <a:schemeClr val="tx1"/>
+            </a:solidFill>
+          </a:ln>
+        </p:spPr>
+        <p:style>
+          <a:lnRef idx="2">
+            <a:schemeClr val="accent1">
+              <a:shade val="50000"/>
+            </a:schemeClr>
+          </a:lnRef>
+          <a:fillRef idx="1">
+            <a:schemeClr val="accent1"/>
+          </a:fillRef>
+          <a:effectRef idx="0">
+            <a:schemeClr val="accent1"/>
+          </a:effectRef>
+          <a:fontRef idx="minor">
+            <a:schemeClr val="lt1"/>
+          </a:fontRef>
+        </p:style>
+        <p:txBody>
+          <a:bodyPr rtlCol="0" anchor="ctr"/>
+          <a:lstStyle/>
+          <a:p>
+            <a:pPr algn="ctr"/>
+            <a:r>
+              <a:rPr lang="en-US" sz="2000" dirty="0" smtClean="0">
+                <a:solidFill>
+                  <a:schemeClr val="tx1"/>
+                </a:solidFill>
+              </a:rPr>
+              <a:t>T3</a:t>
+            </a:r>
+            <a:endParaRPr lang="en-US" sz="2000" dirty="0">
+              <a:solidFill>
+                <a:schemeClr val="tx1"/>
+              </a:solidFill>
+            </a:endParaRPr>
+          </a:p>
+        </p:txBody>
+      </p:sp>
+      <p:sp>
+        <p:nvSpPr>
+          <p:cNvPr id="72" name="Rectangle 71"/>
+          <p:cNvSpPr/>
+          <p:nvPr/>
+        </p:nvSpPr>
+        <p:spPr>
+          <a:xfrm>
+            <a:off x="6310346" y="3219632"/>
+            <a:ext cx="504684" cy="326113"/>
+          </a:xfrm>
+          <a:prstGeom prst="rect">
+            <a:avLst/>
+          </a:prstGeom>
+          <a:solidFill>
+            <a:schemeClr val="bg2">
+              <a:lumMod val="90000"/>
+            </a:schemeClr>
+          </a:solidFill>
+          <a:ln>
+            <a:solidFill>
+              <a:schemeClr val="tx1"/>
+            </a:solidFill>
+          </a:ln>
+        </p:spPr>
+        <p:style>
+          <a:lnRef idx="2">
+            <a:schemeClr val="accent1">
+              <a:shade val="50000"/>
+            </a:schemeClr>
+          </a:lnRef>
+          <a:fillRef idx="1">
+            <a:schemeClr val="accent1"/>
+          </a:fillRef>
+          <a:effectRef idx="0">
+            <a:schemeClr val="accent1"/>
+          </a:effectRef>
+          <a:fontRef idx="minor">
+            <a:schemeClr val="lt1"/>
+          </a:fontRef>
+        </p:style>
+        <p:txBody>
+          <a:bodyPr rtlCol="0" anchor="ctr"/>
+          <a:lstStyle/>
+          <a:p>
+            <a:pPr algn="ctr"/>
+            <a:r>
+              <a:rPr lang="en-US" sz="2000" dirty="0" smtClean="0">
+                <a:solidFill>
+                  <a:schemeClr val="tx1"/>
+                </a:solidFill>
+              </a:rPr>
+              <a:t>T4</a:t>
+            </a:r>
+            <a:endParaRPr lang="en-US" sz="2000" dirty="0">
+              <a:solidFill>
+                <a:schemeClr val="tx1"/>
+              </a:solidFill>
+            </a:endParaRPr>
+          </a:p>
+        </p:txBody>
+      </p:sp>
+      <p:sp>
+        <p:nvSpPr>
+          <p:cNvPr id="74" name="Rectangle 73"/>
+          <p:cNvSpPr/>
+          <p:nvPr/>
+        </p:nvSpPr>
+        <p:spPr>
+          <a:xfrm>
+            <a:off x="5551795" y="2607456"/>
+            <a:ext cx="504684" cy="326113"/>
+          </a:xfrm>
+          <a:prstGeom prst="rect">
+            <a:avLst/>
+          </a:prstGeom>
+          <a:solidFill>
+            <a:schemeClr val="bg2">
+              <a:lumMod val="90000"/>
+            </a:schemeClr>
+          </a:solidFill>
+          <a:ln>
+            <a:solidFill>
+              <a:schemeClr val="tx1"/>
+            </a:solidFill>
+          </a:ln>
+        </p:spPr>
+        <p:style>
+          <a:lnRef idx="2">
+            <a:schemeClr val="accent1">
+              <a:shade val="50000"/>
+            </a:schemeClr>
+          </a:lnRef>
+          <a:fillRef idx="1">
+            <a:schemeClr val="accent1"/>
+          </a:fillRef>
+          <a:effectRef idx="0">
+            <a:schemeClr val="accent1"/>
+          </a:effectRef>
+          <a:fontRef idx="minor">
+            <a:schemeClr val="lt1"/>
+          </a:fontRef>
+        </p:style>
+        <p:txBody>
+          <a:bodyPr rtlCol="0" anchor="ctr"/>
+          <a:lstStyle/>
+          <a:p>
+            <a:pPr algn="ctr"/>
+            <a:r>
+              <a:rPr lang="en-US" sz="2000" dirty="0" smtClean="0">
+                <a:solidFill>
+                  <a:schemeClr val="tx1"/>
+                </a:solidFill>
+              </a:rPr>
+              <a:t>A3</a:t>
+            </a:r>
+            <a:endParaRPr lang="en-US" sz="2000" dirty="0">
+              <a:solidFill>
+                <a:schemeClr val="tx1"/>
+              </a:solidFill>
+            </a:endParaRPr>
+          </a:p>
+        </p:txBody>
+      </p:sp>
+      <p:sp>
+        <p:nvSpPr>
+          <p:cNvPr id="75" name="Rectangle 74"/>
+          <p:cNvSpPr/>
+          <p:nvPr/>
+        </p:nvSpPr>
+        <p:spPr>
+          <a:xfrm>
+            <a:off x="6310346" y="2607456"/>
+            <a:ext cx="504684" cy="326113"/>
+          </a:xfrm>
+          <a:prstGeom prst="rect">
+            <a:avLst/>
+          </a:prstGeom>
+          <a:solidFill>
+            <a:schemeClr val="bg2">
+              <a:lumMod val="90000"/>
+            </a:schemeClr>
+          </a:solidFill>
+          <a:ln>
+            <a:solidFill>
+              <a:schemeClr val="tx1"/>
+            </a:solidFill>
+          </a:ln>
+        </p:spPr>
+        <p:style>
+          <a:lnRef idx="2">
+            <a:schemeClr val="accent1">
+              <a:shade val="50000"/>
+            </a:schemeClr>
+          </a:lnRef>
+          <a:fillRef idx="1">
+            <a:schemeClr val="accent1"/>
+          </a:fillRef>
+          <a:effectRef idx="0">
+            <a:schemeClr val="accent1"/>
+          </a:effectRef>
+          <a:fontRef idx="minor">
+            <a:schemeClr val="lt1"/>
+          </a:fontRef>
+        </p:style>
+        <p:txBody>
+          <a:bodyPr rtlCol="0" anchor="ctr"/>
+          <a:lstStyle/>
+          <a:p>
+            <a:pPr algn="ctr"/>
+            <a:r>
+              <a:rPr lang="en-US" sz="2000" dirty="0" smtClean="0">
+                <a:solidFill>
+                  <a:schemeClr val="tx1"/>
+                </a:solidFill>
+              </a:rPr>
+              <a:t>A4</a:t>
+            </a:r>
+            <a:endParaRPr lang="en-US" sz="2000" dirty="0">
+              <a:solidFill>
+                <a:schemeClr val="tx1"/>
+              </a:solidFill>
+            </a:endParaRPr>
+          </a:p>
+        </p:txBody>
+      </p:sp>
+    </p:spTree>
+    <p:extLst>
+      <p:ext uri="{BB962C8B-B14F-4D97-AF65-F5344CB8AC3E}">
+        <p14:creationId xmlns:p14="http://schemas.microsoft.com/office/powerpoint/2010/main" val="1433883102"/>
+      </p:ext>
+    </p:extLst>
+  </p:cSld>
+  <p:clrMapOvr>
+    <a:masterClrMapping/>
+  </p:clrMapOvr>
+</p:sld>
+</file>
+
 <file path=ppt/theme/theme1.xml><?xml version="1.0" encoding="utf-8"?>
 <a:theme xmlns:a="http://schemas.openxmlformats.org/drawingml/2006/main" name="Office Theme">
   <a:themeElements>

--- a/paper/abstraction/figures/examples.pptx
+++ b/paper/abstraction/figures/examples.pptx
@@ -5,7 +5,7 @@
     <p:sldMasterId id="2147483648" r:id="rId1"/>
   </p:sldMasterIdLst>
   <p:notesMasterIdLst>
-    <p:notesMasterId r:id="rId7"/>
+    <p:notesMasterId r:id="rId10"/>
   </p:notesMasterIdLst>
   <p:sldIdLst>
     <p:sldId id="412" r:id="rId2"/>
@@ -13,6 +13,9 @@
     <p:sldId id="414" r:id="rId4"/>
     <p:sldId id="415" r:id="rId5"/>
     <p:sldId id="416" r:id="rId6"/>
+    <p:sldId id="417" r:id="rId7"/>
+    <p:sldId id="419" r:id="rId8"/>
+    <p:sldId id="418" r:id="rId9"/>
   </p:sldIdLst>
   <p:sldSz cx="12192000" cy="6858000"/>
   <p:notesSz cx="6858000" cy="9144000"/>
@@ -467,6 +470,174 @@
     </a:lvl9pPr>
   </p:notesStyle>
 </p:notesMaster>
+</file>
+
+<file path=ppt/notesSlides/notesSlide1.xml><?xml version="1.0" encoding="utf-8"?>
+<p:notes xmlns:a="http://schemas.openxmlformats.org/drawingml/2006/main" xmlns:r="http://schemas.openxmlformats.org/officeDocument/2006/relationships" xmlns:p="http://schemas.openxmlformats.org/presentationml/2006/main">
+  <p:cSld>
+    <p:spTree>
+      <p:nvGrpSpPr>
+        <p:cNvPr id="1" name=""/>
+        <p:cNvGrpSpPr/>
+        <p:nvPr/>
+      </p:nvGrpSpPr>
+      <p:grpSpPr>
+        <a:xfrm>
+          <a:off x="0" y="0"/>
+          <a:ext cx="0" cy="0"/>
+          <a:chOff x="0" y="0"/>
+          <a:chExt cx="0" cy="0"/>
+        </a:xfrm>
+      </p:grpSpPr>
+      <p:sp>
+        <p:nvSpPr>
+          <p:cNvPr id="2" name="Slide Image Placeholder 1"/>
+          <p:cNvSpPr>
+            <a:spLocks noGrp="1" noRot="1" noChangeAspect="1"/>
+          </p:cNvSpPr>
+          <p:nvPr>
+            <p:ph type="sldImg"/>
+          </p:nvPr>
+        </p:nvSpPr>
+        <p:spPr/>
+      </p:sp>
+      <p:sp>
+        <p:nvSpPr>
+          <p:cNvPr id="3" name="Notes Placeholder 2"/>
+          <p:cNvSpPr>
+            <a:spLocks noGrp="1"/>
+          </p:cNvSpPr>
+          <p:nvPr>
+            <p:ph type="body" idx="1"/>
+          </p:nvPr>
+        </p:nvSpPr>
+        <p:spPr/>
+        <p:txBody>
+          <a:bodyPr/>
+          <a:lstStyle/>
+          <a:p>
+            <a:endParaRPr lang="en-US" dirty="0"/>
+          </a:p>
+        </p:txBody>
+      </p:sp>
+      <p:sp>
+        <p:nvSpPr>
+          <p:cNvPr id="4" name="Slide Number Placeholder 3"/>
+          <p:cNvSpPr>
+            <a:spLocks noGrp="1"/>
+          </p:cNvSpPr>
+          <p:nvPr>
+            <p:ph type="sldNum" sz="quarter" idx="10"/>
+          </p:nvPr>
+        </p:nvSpPr>
+        <p:spPr/>
+        <p:txBody>
+          <a:bodyPr/>
+          <a:lstStyle/>
+          <a:p>
+            <a:fld id="{D7574437-4189-E14E-8E73-0C93B1A92DE9}" type="slidenum">
+              <a:rPr lang="en-US" smtClean="0"/>
+              <a:t>6</a:t>
+            </a:fld>
+            <a:endParaRPr lang="en-US"/>
+          </a:p>
+        </p:txBody>
+      </p:sp>
+    </p:spTree>
+    <p:extLst>
+      <p:ext uri="{BB962C8B-B14F-4D97-AF65-F5344CB8AC3E}">
+        <p14:creationId xmlns:p14="http://schemas.microsoft.com/office/powerpoint/2010/main" val="1378067437"/>
+      </p:ext>
+    </p:extLst>
+  </p:cSld>
+  <p:clrMapOvr>
+    <a:masterClrMapping/>
+  </p:clrMapOvr>
+</p:notes>
+</file>
+
+<file path=ppt/notesSlides/notesSlide2.xml><?xml version="1.0" encoding="utf-8"?>
+<p:notes xmlns:a="http://schemas.openxmlformats.org/drawingml/2006/main" xmlns:r="http://schemas.openxmlformats.org/officeDocument/2006/relationships" xmlns:p="http://schemas.openxmlformats.org/presentationml/2006/main">
+  <p:cSld>
+    <p:spTree>
+      <p:nvGrpSpPr>
+        <p:cNvPr id="1" name=""/>
+        <p:cNvGrpSpPr/>
+        <p:nvPr/>
+      </p:nvGrpSpPr>
+      <p:grpSpPr>
+        <a:xfrm>
+          <a:off x="0" y="0"/>
+          <a:ext cx="0" cy="0"/>
+          <a:chOff x="0" y="0"/>
+          <a:chExt cx="0" cy="0"/>
+        </a:xfrm>
+      </p:grpSpPr>
+      <p:sp>
+        <p:nvSpPr>
+          <p:cNvPr id="2" name="Slide Image Placeholder 1"/>
+          <p:cNvSpPr>
+            <a:spLocks noGrp="1" noRot="1" noChangeAspect="1"/>
+          </p:cNvSpPr>
+          <p:nvPr>
+            <p:ph type="sldImg"/>
+          </p:nvPr>
+        </p:nvSpPr>
+        <p:spPr/>
+      </p:sp>
+      <p:sp>
+        <p:nvSpPr>
+          <p:cNvPr id="3" name="Notes Placeholder 2"/>
+          <p:cNvSpPr>
+            <a:spLocks noGrp="1"/>
+          </p:cNvSpPr>
+          <p:nvPr>
+            <p:ph type="body" idx="1"/>
+          </p:nvPr>
+        </p:nvSpPr>
+        <p:spPr/>
+        <p:txBody>
+          <a:bodyPr/>
+          <a:lstStyle/>
+          <a:p>
+            <a:endParaRPr lang="en-US" dirty="0"/>
+          </a:p>
+        </p:txBody>
+      </p:sp>
+      <p:sp>
+        <p:nvSpPr>
+          <p:cNvPr id="4" name="Slide Number Placeholder 3"/>
+          <p:cNvSpPr>
+            <a:spLocks noGrp="1"/>
+          </p:cNvSpPr>
+          <p:nvPr>
+            <p:ph type="sldNum" sz="quarter" idx="10"/>
+          </p:nvPr>
+        </p:nvSpPr>
+        <p:spPr/>
+        <p:txBody>
+          <a:bodyPr/>
+          <a:lstStyle/>
+          <a:p>
+            <a:fld id="{D7574437-4189-E14E-8E73-0C93B1A92DE9}" type="slidenum">
+              <a:rPr lang="en-US" smtClean="0"/>
+              <a:t>7</a:t>
+            </a:fld>
+            <a:endParaRPr lang="en-US"/>
+          </a:p>
+        </p:txBody>
+      </p:sp>
+    </p:spTree>
+    <p:extLst>
+      <p:ext uri="{BB962C8B-B14F-4D97-AF65-F5344CB8AC3E}">
+        <p14:creationId xmlns:p14="http://schemas.microsoft.com/office/powerpoint/2010/main" val="1344491886"/>
+      </p:ext>
+    </p:extLst>
+  </p:cSld>
+  <p:clrMapOvr>
+    <a:masterClrMapping/>
+  </p:clrMapOvr>
+</p:notes>
 </file>
 
 <file path=ppt/slideLayouts/slideLayout1.xml><?xml version="1.0" encoding="utf-8"?>
@@ -15279,6 +15450,6703 @@
 </p:sld>
 </file>
 
+<file path=ppt/slides/slide6.xml><?xml version="1.0" encoding="utf-8"?>
+<p:sld xmlns:a="http://schemas.openxmlformats.org/drawingml/2006/main" xmlns:r="http://schemas.openxmlformats.org/officeDocument/2006/relationships" xmlns:p="http://schemas.openxmlformats.org/presentationml/2006/main">
+  <p:cSld>
+    <p:spTree>
+      <p:nvGrpSpPr>
+        <p:cNvPr id="1" name=""/>
+        <p:cNvGrpSpPr/>
+        <p:nvPr/>
+      </p:nvGrpSpPr>
+      <p:grpSpPr>
+        <a:xfrm>
+          <a:off x="0" y="0"/>
+          <a:ext cx="0" cy="0"/>
+          <a:chOff x="0" y="0"/>
+          <a:chExt cx="0" cy="0"/>
+        </a:xfrm>
+      </p:grpSpPr>
+      <p:sp>
+        <p:nvSpPr>
+          <p:cNvPr id="2" name="Oval 1"/>
+          <p:cNvSpPr/>
+          <p:nvPr/>
+        </p:nvSpPr>
+        <p:spPr>
+          <a:xfrm>
+            <a:off x="4625393" y="527983"/>
+            <a:ext cx="889686" cy="481914"/>
+          </a:xfrm>
+          <a:prstGeom prst="ellipse">
+            <a:avLst/>
+          </a:prstGeom>
+          <a:solidFill>
+            <a:schemeClr val="bg2"/>
+          </a:solidFill>
+          <a:ln>
+            <a:solidFill>
+              <a:schemeClr val="tx1"/>
+            </a:solidFill>
+          </a:ln>
+        </p:spPr>
+        <p:style>
+          <a:lnRef idx="2">
+            <a:schemeClr val="accent1">
+              <a:shade val="50000"/>
+            </a:schemeClr>
+          </a:lnRef>
+          <a:fillRef idx="1">
+            <a:schemeClr val="accent1"/>
+          </a:fillRef>
+          <a:effectRef idx="0">
+            <a:schemeClr val="accent1"/>
+          </a:effectRef>
+          <a:fontRef idx="minor">
+            <a:schemeClr val="lt1"/>
+          </a:fontRef>
+        </p:style>
+        <p:txBody>
+          <a:bodyPr rtlCol="0" anchor="ctr"/>
+          <a:lstStyle/>
+          <a:p>
+            <a:pPr algn="ctr"/>
+            <a:r>
+              <a:rPr lang="en-US" dirty="0" smtClean="0">
+                <a:solidFill>
+                  <a:schemeClr val="tx1"/>
+                </a:solidFill>
+              </a:rPr>
+              <a:t>Start</a:t>
+            </a:r>
+            <a:endParaRPr lang="en-US" dirty="0">
+              <a:solidFill>
+                <a:schemeClr val="tx1"/>
+              </a:solidFill>
+            </a:endParaRPr>
+          </a:p>
+        </p:txBody>
+      </p:sp>
+      <p:grpSp>
+        <p:nvGrpSpPr>
+          <p:cNvPr id="5" name="Group 4"/>
+          <p:cNvGrpSpPr/>
+          <p:nvPr/>
+        </p:nvGrpSpPr>
+        <p:grpSpPr>
+          <a:xfrm>
+            <a:off x="1402808" y="2713940"/>
+            <a:ext cx="819455" cy="654703"/>
+            <a:chOff x="6847409" y="1656010"/>
+            <a:chExt cx="819455" cy="654703"/>
+          </a:xfrm>
+        </p:grpSpPr>
+        <p:sp>
+          <p:nvSpPr>
+            <p:cNvPr id="89" name="Oval 88"/>
+            <p:cNvSpPr/>
+            <p:nvPr/>
+          </p:nvSpPr>
+          <p:spPr>
+            <a:xfrm>
+              <a:off x="6874016" y="1656010"/>
+              <a:ext cx="766243" cy="654703"/>
+            </a:xfrm>
+            <a:prstGeom prst="ellipse">
+              <a:avLst/>
+            </a:prstGeom>
+            <a:solidFill>
+              <a:schemeClr val="bg2"/>
+            </a:solidFill>
+            <a:ln>
+              <a:solidFill>
+                <a:schemeClr val="tx1"/>
+              </a:solidFill>
+            </a:ln>
+          </p:spPr>
+          <p:style>
+            <a:lnRef idx="2">
+              <a:schemeClr val="accent1">
+                <a:shade val="50000"/>
+              </a:schemeClr>
+            </a:lnRef>
+            <a:fillRef idx="1">
+              <a:schemeClr val="accent1"/>
+            </a:fillRef>
+            <a:effectRef idx="0">
+              <a:schemeClr val="accent1"/>
+            </a:effectRef>
+            <a:fontRef idx="minor">
+              <a:schemeClr val="lt1"/>
+            </a:fontRef>
+          </p:style>
+          <p:txBody>
+            <a:bodyPr rtlCol="0" anchor="ctr"/>
+            <a:lstStyle/>
+            <a:p>
+              <a:pPr algn="ctr"/>
+              <a:endParaRPr lang="en-US" dirty="0">
+                <a:solidFill>
+                  <a:schemeClr val="tx1"/>
+                </a:solidFill>
+              </a:endParaRPr>
+            </a:p>
+          </p:txBody>
+        </p:sp>
+        <p:sp>
+          <p:nvSpPr>
+            <p:cNvPr id="4" name="TextBox 3"/>
+            <p:cNvSpPr txBox="1"/>
+            <p:nvPr/>
+          </p:nvSpPr>
+          <p:spPr>
+            <a:xfrm>
+              <a:off x="6847409" y="1814084"/>
+              <a:ext cx="819455" cy="338554"/>
+            </a:xfrm>
+            <a:prstGeom prst="rect">
+              <a:avLst/>
+            </a:prstGeom>
+            <a:noFill/>
+          </p:spPr>
+          <p:txBody>
+            <a:bodyPr wrap="none" rtlCol="0">
+              <a:spAutoFit/>
+            </a:bodyPr>
+            <a:lstStyle/>
+            <a:p>
+              <a:r>
+                <a:rPr lang="en-US" sz="1600" dirty="0" smtClean="0"/>
+                <a:t>(S1,1,0)</a:t>
+              </a:r>
+              <a:endParaRPr lang="en-US" sz="1600" dirty="0"/>
+            </a:p>
+          </p:txBody>
+        </p:sp>
+      </p:grpSp>
+      <p:grpSp>
+        <p:nvGrpSpPr>
+          <p:cNvPr id="90" name="Group 89"/>
+          <p:cNvGrpSpPr/>
+          <p:nvPr/>
+        </p:nvGrpSpPr>
+        <p:grpSpPr>
+          <a:xfrm>
+            <a:off x="2478106" y="1812496"/>
+            <a:ext cx="830677" cy="654703"/>
+            <a:chOff x="6847409" y="1656010"/>
+            <a:chExt cx="830677" cy="654703"/>
+          </a:xfrm>
+        </p:grpSpPr>
+        <p:sp>
+          <p:nvSpPr>
+            <p:cNvPr id="91" name="Oval 90"/>
+            <p:cNvSpPr/>
+            <p:nvPr/>
+          </p:nvSpPr>
+          <p:spPr>
+            <a:xfrm>
+              <a:off x="6874016" y="1656010"/>
+              <a:ext cx="766243" cy="654703"/>
+            </a:xfrm>
+            <a:prstGeom prst="ellipse">
+              <a:avLst/>
+            </a:prstGeom>
+            <a:solidFill>
+              <a:schemeClr val="bg2"/>
+            </a:solidFill>
+            <a:ln>
+              <a:solidFill>
+                <a:schemeClr val="tx1"/>
+              </a:solidFill>
+            </a:ln>
+          </p:spPr>
+          <p:style>
+            <a:lnRef idx="2">
+              <a:schemeClr val="accent1">
+                <a:shade val="50000"/>
+              </a:schemeClr>
+            </a:lnRef>
+            <a:fillRef idx="1">
+              <a:schemeClr val="accent1"/>
+            </a:fillRef>
+            <a:effectRef idx="0">
+              <a:schemeClr val="accent1"/>
+            </a:effectRef>
+            <a:fontRef idx="minor">
+              <a:schemeClr val="lt1"/>
+            </a:fontRef>
+          </p:style>
+          <p:txBody>
+            <a:bodyPr rtlCol="0" anchor="ctr"/>
+            <a:lstStyle/>
+            <a:p>
+              <a:pPr algn="ctr"/>
+              <a:endParaRPr lang="en-US" dirty="0">
+                <a:solidFill>
+                  <a:schemeClr val="tx1"/>
+                </a:solidFill>
+              </a:endParaRPr>
+            </a:p>
+          </p:txBody>
+        </p:sp>
+        <p:sp>
+          <p:nvSpPr>
+            <p:cNvPr id="92" name="TextBox 91"/>
+            <p:cNvSpPr txBox="1"/>
+            <p:nvPr/>
+          </p:nvSpPr>
+          <p:spPr>
+            <a:xfrm>
+              <a:off x="6847409" y="1814084"/>
+              <a:ext cx="830677" cy="338554"/>
+            </a:xfrm>
+            <a:prstGeom prst="rect">
+              <a:avLst/>
+            </a:prstGeom>
+            <a:noFill/>
+          </p:spPr>
+          <p:txBody>
+            <a:bodyPr wrap="none" rtlCol="0">
+              <a:spAutoFit/>
+            </a:bodyPr>
+            <a:lstStyle/>
+            <a:p>
+              <a:r>
+                <a:rPr lang="en-US" sz="1600" dirty="0" smtClean="0"/>
+                <a:t>(P1,0,0)</a:t>
+              </a:r>
+              <a:endParaRPr lang="en-US" sz="1600" dirty="0"/>
+            </a:p>
+          </p:txBody>
+        </p:sp>
+      </p:grpSp>
+      <p:grpSp>
+        <p:nvGrpSpPr>
+          <p:cNvPr id="99" name="Group 98"/>
+          <p:cNvGrpSpPr/>
+          <p:nvPr/>
+        </p:nvGrpSpPr>
+        <p:grpSpPr>
+          <a:xfrm>
+            <a:off x="3471014" y="2713940"/>
+            <a:ext cx="819455" cy="654703"/>
+            <a:chOff x="6847409" y="1656010"/>
+            <a:chExt cx="819455" cy="654703"/>
+          </a:xfrm>
+        </p:grpSpPr>
+        <p:sp>
+          <p:nvSpPr>
+            <p:cNvPr id="101" name="Oval 100"/>
+            <p:cNvSpPr/>
+            <p:nvPr/>
+          </p:nvSpPr>
+          <p:spPr>
+            <a:xfrm>
+              <a:off x="6874016" y="1656010"/>
+              <a:ext cx="766243" cy="654703"/>
+            </a:xfrm>
+            <a:prstGeom prst="ellipse">
+              <a:avLst/>
+            </a:prstGeom>
+            <a:solidFill>
+              <a:schemeClr val="bg2"/>
+            </a:solidFill>
+            <a:ln>
+              <a:solidFill>
+                <a:schemeClr val="tx1"/>
+              </a:solidFill>
+            </a:ln>
+          </p:spPr>
+          <p:style>
+            <a:lnRef idx="2">
+              <a:schemeClr val="accent1">
+                <a:shade val="50000"/>
+              </a:schemeClr>
+            </a:lnRef>
+            <a:fillRef idx="1">
+              <a:schemeClr val="accent1"/>
+            </a:fillRef>
+            <a:effectRef idx="0">
+              <a:schemeClr val="accent1"/>
+            </a:effectRef>
+            <a:fontRef idx="minor">
+              <a:schemeClr val="lt1"/>
+            </a:fontRef>
+          </p:style>
+          <p:txBody>
+            <a:bodyPr rtlCol="0" anchor="ctr"/>
+            <a:lstStyle/>
+            <a:p>
+              <a:pPr algn="ctr"/>
+              <a:endParaRPr lang="en-US" dirty="0">
+                <a:solidFill>
+                  <a:schemeClr val="tx1"/>
+                </a:solidFill>
+              </a:endParaRPr>
+            </a:p>
+          </p:txBody>
+        </p:sp>
+        <p:sp>
+          <p:nvSpPr>
+            <p:cNvPr id="102" name="TextBox 101"/>
+            <p:cNvSpPr txBox="1"/>
+            <p:nvPr/>
+          </p:nvSpPr>
+          <p:spPr>
+            <a:xfrm>
+              <a:off x="6847409" y="1814084"/>
+              <a:ext cx="819455" cy="338554"/>
+            </a:xfrm>
+            <a:prstGeom prst="rect">
+              <a:avLst/>
+            </a:prstGeom>
+            <a:noFill/>
+          </p:spPr>
+          <p:txBody>
+            <a:bodyPr wrap="none" rtlCol="0">
+              <a:spAutoFit/>
+            </a:bodyPr>
+            <a:lstStyle/>
+            <a:p>
+              <a:r>
+                <a:rPr lang="en-US" sz="1600" dirty="0" smtClean="0"/>
+                <a:t>(S2,1,0)</a:t>
+              </a:r>
+              <a:endParaRPr lang="en-US" sz="1600" dirty="0"/>
+            </a:p>
+          </p:txBody>
+        </p:sp>
+      </p:grpSp>
+      <p:grpSp>
+        <p:nvGrpSpPr>
+          <p:cNvPr id="123" name="Group 122"/>
+          <p:cNvGrpSpPr/>
+          <p:nvPr/>
+        </p:nvGrpSpPr>
+        <p:grpSpPr>
+          <a:xfrm>
+            <a:off x="2977814" y="3893571"/>
+            <a:ext cx="843501" cy="654703"/>
+            <a:chOff x="6847409" y="1656010"/>
+            <a:chExt cx="843501" cy="654703"/>
+          </a:xfrm>
+        </p:grpSpPr>
+        <p:sp>
+          <p:nvSpPr>
+            <p:cNvPr id="124" name="Oval 123"/>
+            <p:cNvSpPr/>
+            <p:nvPr/>
+          </p:nvSpPr>
+          <p:spPr>
+            <a:xfrm>
+              <a:off x="6874016" y="1656010"/>
+              <a:ext cx="766243" cy="654703"/>
+            </a:xfrm>
+            <a:prstGeom prst="ellipse">
+              <a:avLst/>
+            </a:prstGeom>
+            <a:solidFill>
+              <a:schemeClr val="bg2"/>
+            </a:solidFill>
+            <a:ln>
+              <a:solidFill>
+                <a:schemeClr val="tx1"/>
+              </a:solidFill>
+            </a:ln>
+          </p:spPr>
+          <p:style>
+            <a:lnRef idx="2">
+              <a:schemeClr val="accent1">
+                <a:shade val="50000"/>
+              </a:schemeClr>
+            </a:lnRef>
+            <a:fillRef idx="1">
+              <a:schemeClr val="accent1"/>
+            </a:fillRef>
+            <a:effectRef idx="0">
+              <a:schemeClr val="accent1"/>
+            </a:effectRef>
+            <a:fontRef idx="minor">
+              <a:schemeClr val="lt1"/>
+            </a:fontRef>
+          </p:style>
+          <p:txBody>
+            <a:bodyPr rtlCol="0" anchor="ctr"/>
+            <a:lstStyle/>
+            <a:p>
+              <a:pPr algn="ctr"/>
+              <a:endParaRPr lang="en-US" dirty="0">
+                <a:solidFill>
+                  <a:schemeClr val="tx1"/>
+                </a:solidFill>
+              </a:endParaRPr>
+            </a:p>
+          </p:txBody>
+        </p:sp>
+        <p:sp>
+          <p:nvSpPr>
+            <p:cNvPr id="125" name="TextBox 124"/>
+            <p:cNvSpPr txBox="1"/>
+            <p:nvPr/>
+          </p:nvSpPr>
+          <p:spPr>
+            <a:xfrm>
+              <a:off x="6847409" y="1814084"/>
+              <a:ext cx="843501" cy="338554"/>
+            </a:xfrm>
+            <a:prstGeom prst="rect">
+              <a:avLst/>
+            </a:prstGeom>
+            <a:noFill/>
+          </p:spPr>
+          <p:txBody>
+            <a:bodyPr wrap="none" rtlCol="0">
+              <a:spAutoFit/>
+            </a:bodyPr>
+            <a:lstStyle/>
+            <a:p>
+              <a:r>
+                <a:rPr lang="en-US" sz="1600" dirty="0" smtClean="0"/>
+                <a:t>(A3,1,0)</a:t>
+              </a:r>
+              <a:endParaRPr lang="en-US" sz="1600" dirty="0"/>
+            </a:p>
+          </p:txBody>
+        </p:sp>
+      </p:grpSp>
+      <p:grpSp>
+        <p:nvGrpSpPr>
+          <p:cNvPr id="126" name="Group 125"/>
+          <p:cNvGrpSpPr/>
+          <p:nvPr/>
+        </p:nvGrpSpPr>
+        <p:grpSpPr>
+          <a:xfrm>
+            <a:off x="4020222" y="3895227"/>
+            <a:ext cx="843501" cy="654703"/>
+            <a:chOff x="6847409" y="1656010"/>
+            <a:chExt cx="843501" cy="654703"/>
+          </a:xfrm>
+        </p:grpSpPr>
+        <p:sp>
+          <p:nvSpPr>
+            <p:cNvPr id="127" name="Oval 126"/>
+            <p:cNvSpPr/>
+            <p:nvPr/>
+          </p:nvSpPr>
+          <p:spPr>
+            <a:xfrm>
+              <a:off x="6874016" y="1656010"/>
+              <a:ext cx="766243" cy="654703"/>
+            </a:xfrm>
+            <a:prstGeom prst="ellipse">
+              <a:avLst/>
+            </a:prstGeom>
+            <a:solidFill>
+              <a:schemeClr val="bg2"/>
+            </a:solidFill>
+            <a:ln>
+              <a:solidFill>
+                <a:schemeClr val="tx1"/>
+              </a:solidFill>
+            </a:ln>
+          </p:spPr>
+          <p:style>
+            <a:lnRef idx="2">
+              <a:schemeClr val="accent1">
+                <a:shade val="50000"/>
+              </a:schemeClr>
+            </a:lnRef>
+            <a:fillRef idx="1">
+              <a:schemeClr val="accent1"/>
+            </a:fillRef>
+            <a:effectRef idx="0">
+              <a:schemeClr val="accent1"/>
+            </a:effectRef>
+            <a:fontRef idx="minor">
+              <a:schemeClr val="lt1"/>
+            </a:fontRef>
+          </p:style>
+          <p:txBody>
+            <a:bodyPr rtlCol="0" anchor="ctr"/>
+            <a:lstStyle/>
+            <a:p>
+              <a:pPr algn="ctr"/>
+              <a:endParaRPr lang="en-US" dirty="0">
+                <a:solidFill>
+                  <a:schemeClr val="tx1"/>
+                </a:solidFill>
+              </a:endParaRPr>
+            </a:p>
+          </p:txBody>
+        </p:sp>
+        <p:sp>
+          <p:nvSpPr>
+            <p:cNvPr id="128" name="TextBox 127"/>
+            <p:cNvSpPr txBox="1"/>
+            <p:nvPr/>
+          </p:nvSpPr>
+          <p:spPr>
+            <a:xfrm>
+              <a:off x="6847409" y="1814084"/>
+              <a:ext cx="843501" cy="338554"/>
+            </a:xfrm>
+            <a:prstGeom prst="rect">
+              <a:avLst/>
+            </a:prstGeom>
+            <a:noFill/>
+          </p:spPr>
+          <p:txBody>
+            <a:bodyPr wrap="none" rtlCol="0">
+              <a:spAutoFit/>
+            </a:bodyPr>
+            <a:lstStyle/>
+            <a:p>
+              <a:r>
+                <a:rPr lang="en-US" sz="1600" dirty="0" smtClean="0"/>
+                <a:t>(A4,1,0)</a:t>
+              </a:r>
+              <a:endParaRPr lang="en-US" sz="1600" dirty="0"/>
+            </a:p>
+          </p:txBody>
+        </p:sp>
+      </p:grpSp>
+      <p:grpSp>
+        <p:nvGrpSpPr>
+          <p:cNvPr id="129" name="Group 128"/>
+          <p:cNvGrpSpPr/>
+          <p:nvPr/>
+        </p:nvGrpSpPr>
+        <p:grpSpPr>
+          <a:xfrm>
+            <a:off x="798443" y="3897122"/>
+            <a:ext cx="843501" cy="654703"/>
+            <a:chOff x="6847409" y="1656010"/>
+            <a:chExt cx="843501" cy="654703"/>
+          </a:xfrm>
+        </p:grpSpPr>
+        <p:sp>
+          <p:nvSpPr>
+            <p:cNvPr id="130" name="Oval 129"/>
+            <p:cNvSpPr/>
+            <p:nvPr/>
+          </p:nvSpPr>
+          <p:spPr>
+            <a:xfrm>
+              <a:off x="6874016" y="1656010"/>
+              <a:ext cx="766243" cy="654703"/>
+            </a:xfrm>
+            <a:prstGeom prst="ellipse">
+              <a:avLst/>
+            </a:prstGeom>
+            <a:solidFill>
+              <a:schemeClr val="bg2"/>
+            </a:solidFill>
+            <a:ln>
+              <a:solidFill>
+                <a:schemeClr val="tx1"/>
+              </a:solidFill>
+            </a:ln>
+          </p:spPr>
+          <p:style>
+            <a:lnRef idx="2">
+              <a:schemeClr val="accent1">
+                <a:shade val="50000"/>
+              </a:schemeClr>
+            </a:lnRef>
+            <a:fillRef idx="1">
+              <a:schemeClr val="accent1"/>
+            </a:fillRef>
+            <a:effectRef idx="0">
+              <a:schemeClr val="accent1"/>
+            </a:effectRef>
+            <a:fontRef idx="minor">
+              <a:schemeClr val="lt1"/>
+            </a:fontRef>
+          </p:style>
+          <p:txBody>
+            <a:bodyPr rtlCol="0" anchor="ctr"/>
+            <a:lstStyle/>
+            <a:p>
+              <a:pPr algn="ctr"/>
+              <a:endParaRPr lang="en-US" dirty="0">
+                <a:solidFill>
+                  <a:schemeClr val="tx1"/>
+                </a:solidFill>
+              </a:endParaRPr>
+            </a:p>
+          </p:txBody>
+        </p:sp>
+        <p:sp>
+          <p:nvSpPr>
+            <p:cNvPr id="131" name="TextBox 130"/>
+            <p:cNvSpPr txBox="1"/>
+            <p:nvPr/>
+          </p:nvSpPr>
+          <p:spPr>
+            <a:xfrm>
+              <a:off x="6847409" y="1814084"/>
+              <a:ext cx="843501" cy="338554"/>
+            </a:xfrm>
+            <a:prstGeom prst="rect">
+              <a:avLst/>
+            </a:prstGeom>
+            <a:noFill/>
+          </p:spPr>
+          <p:txBody>
+            <a:bodyPr wrap="none" rtlCol="0">
+              <a:spAutoFit/>
+            </a:bodyPr>
+            <a:lstStyle/>
+            <a:p>
+              <a:r>
+                <a:rPr lang="en-US" sz="1600" dirty="0" smtClean="0"/>
+                <a:t>(A1,1,0)</a:t>
+              </a:r>
+              <a:endParaRPr lang="en-US" sz="1600" dirty="0"/>
+            </a:p>
+          </p:txBody>
+        </p:sp>
+      </p:grpSp>
+      <p:grpSp>
+        <p:nvGrpSpPr>
+          <p:cNvPr id="132" name="Group 131"/>
+          <p:cNvGrpSpPr/>
+          <p:nvPr/>
+        </p:nvGrpSpPr>
+        <p:grpSpPr>
+          <a:xfrm>
+            <a:off x="1893005" y="3893571"/>
+            <a:ext cx="843501" cy="654703"/>
+            <a:chOff x="6847409" y="1656010"/>
+            <a:chExt cx="843501" cy="654703"/>
+          </a:xfrm>
+        </p:grpSpPr>
+        <p:sp>
+          <p:nvSpPr>
+            <p:cNvPr id="133" name="Oval 132"/>
+            <p:cNvSpPr/>
+            <p:nvPr/>
+          </p:nvSpPr>
+          <p:spPr>
+            <a:xfrm>
+              <a:off x="6874016" y="1656010"/>
+              <a:ext cx="766243" cy="654703"/>
+            </a:xfrm>
+            <a:prstGeom prst="ellipse">
+              <a:avLst/>
+            </a:prstGeom>
+            <a:solidFill>
+              <a:schemeClr val="bg2"/>
+            </a:solidFill>
+            <a:ln>
+              <a:solidFill>
+                <a:schemeClr val="tx1"/>
+              </a:solidFill>
+            </a:ln>
+          </p:spPr>
+          <p:style>
+            <a:lnRef idx="2">
+              <a:schemeClr val="accent1">
+                <a:shade val="50000"/>
+              </a:schemeClr>
+            </a:lnRef>
+            <a:fillRef idx="1">
+              <a:schemeClr val="accent1"/>
+            </a:fillRef>
+            <a:effectRef idx="0">
+              <a:schemeClr val="accent1"/>
+            </a:effectRef>
+            <a:fontRef idx="minor">
+              <a:schemeClr val="lt1"/>
+            </a:fontRef>
+          </p:style>
+          <p:txBody>
+            <a:bodyPr rtlCol="0" anchor="ctr"/>
+            <a:lstStyle/>
+            <a:p>
+              <a:pPr algn="ctr"/>
+              <a:endParaRPr lang="en-US" dirty="0">
+                <a:solidFill>
+                  <a:schemeClr val="tx1"/>
+                </a:solidFill>
+              </a:endParaRPr>
+            </a:p>
+          </p:txBody>
+        </p:sp>
+        <p:sp>
+          <p:nvSpPr>
+            <p:cNvPr id="134" name="TextBox 133"/>
+            <p:cNvSpPr txBox="1"/>
+            <p:nvPr/>
+          </p:nvSpPr>
+          <p:spPr>
+            <a:xfrm>
+              <a:off x="6847409" y="1814084"/>
+              <a:ext cx="843501" cy="338554"/>
+            </a:xfrm>
+            <a:prstGeom prst="rect">
+              <a:avLst/>
+            </a:prstGeom>
+            <a:noFill/>
+          </p:spPr>
+          <p:txBody>
+            <a:bodyPr wrap="none" rtlCol="0">
+              <a:spAutoFit/>
+            </a:bodyPr>
+            <a:lstStyle/>
+            <a:p>
+              <a:r>
+                <a:rPr lang="en-US" sz="1600" dirty="0" smtClean="0"/>
+                <a:t>(A2,1,0)</a:t>
+              </a:r>
+              <a:endParaRPr lang="en-US" sz="1600" dirty="0"/>
+            </a:p>
+          </p:txBody>
+        </p:sp>
+      </p:grpSp>
+      <p:grpSp>
+        <p:nvGrpSpPr>
+          <p:cNvPr id="135" name="Group 134"/>
+          <p:cNvGrpSpPr/>
+          <p:nvPr/>
+        </p:nvGrpSpPr>
+        <p:grpSpPr>
+          <a:xfrm>
+            <a:off x="808909" y="5052636"/>
+            <a:ext cx="824265" cy="654703"/>
+            <a:chOff x="6847409" y="1656010"/>
+            <a:chExt cx="824265" cy="654703"/>
+          </a:xfrm>
+        </p:grpSpPr>
+        <p:sp>
+          <p:nvSpPr>
+            <p:cNvPr id="136" name="Oval 135"/>
+            <p:cNvSpPr/>
+            <p:nvPr/>
+          </p:nvSpPr>
+          <p:spPr>
+            <a:xfrm>
+              <a:off x="6874016" y="1656010"/>
+              <a:ext cx="766243" cy="654703"/>
+            </a:xfrm>
+            <a:prstGeom prst="ellipse">
+              <a:avLst/>
+            </a:prstGeom>
+            <a:solidFill>
+              <a:schemeClr val="bg2"/>
+            </a:solidFill>
+            <a:ln>
+              <a:solidFill>
+                <a:schemeClr val="tx1"/>
+              </a:solidFill>
+            </a:ln>
+          </p:spPr>
+          <p:style>
+            <a:lnRef idx="2">
+              <a:schemeClr val="accent1">
+                <a:shade val="50000"/>
+              </a:schemeClr>
+            </a:lnRef>
+            <a:fillRef idx="1">
+              <a:schemeClr val="accent1"/>
+            </a:fillRef>
+            <a:effectRef idx="0">
+              <a:schemeClr val="accent1"/>
+            </a:effectRef>
+            <a:fontRef idx="minor">
+              <a:schemeClr val="lt1"/>
+            </a:fontRef>
+          </p:style>
+          <p:txBody>
+            <a:bodyPr rtlCol="0" anchor="ctr"/>
+            <a:lstStyle/>
+            <a:p>
+              <a:pPr algn="ctr"/>
+              <a:endParaRPr lang="en-US" dirty="0">
+                <a:solidFill>
+                  <a:schemeClr val="tx1"/>
+                </a:solidFill>
+              </a:endParaRPr>
+            </a:p>
+          </p:txBody>
+        </p:sp>
+        <p:sp>
+          <p:nvSpPr>
+            <p:cNvPr id="137" name="TextBox 136"/>
+            <p:cNvSpPr txBox="1"/>
+            <p:nvPr/>
+          </p:nvSpPr>
+          <p:spPr>
+            <a:xfrm>
+              <a:off x="6847409" y="1814084"/>
+              <a:ext cx="824265" cy="338554"/>
+            </a:xfrm>
+            <a:prstGeom prst="rect">
+              <a:avLst/>
+            </a:prstGeom>
+            <a:noFill/>
+          </p:spPr>
+          <p:txBody>
+            <a:bodyPr wrap="none" rtlCol="0">
+              <a:spAutoFit/>
+            </a:bodyPr>
+            <a:lstStyle/>
+            <a:p>
+              <a:r>
+                <a:rPr lang="en-US" sz="1600" dirty="0" smtClean="0"/>
+                <a:t>(T1,1,0)</a:t>
+              </a:r>
+              <a:endParaRPr lang="en-US" sz="1600" dirty="0"/>
+            </a:p>
+          </p:txBody>
+        </p:sp>
+      </p:grpSp>
+      <p:grpSp>
+        <p:nvGrpSpPr>
+          <p:cNvPr id="138" name="Group 137"/>
+          <p:cNvGrpSpPr/>
+          <p:nvPr/>
+        </p:nvGrpSpPr>
+        <p:grpSpPr>
+          <a:xfrm>
+            <a:off x="1891114" y="5049085"/>
+            <a:ext cx="824265" cy="654703"/>
+            <a:chOff x="6847409" y="1656010"/>
+            <a:chExt cx="824265" cy="654703"/>
+          </a:xfrm>
+        </p:grpSpPr>
+        <p:sp>
+          <p:nvSpPr>
+            <p:cNvPr id="139" name="Oval 138"/>
+            <p:cNvSpPr/>
+            <p:nvPr/>
+          </p:nvSpPr>
+          <p:spPr>
+            <a:xfrm>
+              <a:off x="6874016" y="1656010"/>
+              <a:ext cx="766243" cy="654703"/>
+            </a:xfrm>
+            <a:prstGeom prst="ellipse">
+              <a:avLst/>
+            </a:prstGeom>
+            <a:solidFill>
+              <a:schemeClr val="bg2"/>
+            </a:solidFill>
+            <a:ln>
+              <a:solidFill>
+                <a:schemeClr val="tx1"/>
+              </a:solidFill>
+            </a:ln>
+          </p:spPr>
+          <p:style>
+            <a:lnRef idx="2">
+              <a:schemeClr val="accent1">
+                <a:shade val="50000"/>
+              </a:schemeClr>
+            </a:lnRef>
+            <a:fillRef idx="1">
+              <a:schemeClr val="accent1"/>
+            </a:fillRef>
+            <a:effectRef idx="0">
+              <a:schemeClr val="accent1"/>
+            </a:effectRef>
+            <a:fontRef idx="minor">
+              <a:schemeClr val="lt1"/>
+            </a:fontRef>
+          </p:style>
+          <p:txBody>
+            <a:bodyPr rtlCol="0" anchor="ctr"/>
+            <a:lstStyle/>
+            <a:p>
+              <a:pPr algn="ctr"/>
+              <a:endParaRPr lang="en-US" dirty="0">
+                <a:solidFill>
+                  <a:schemeClr val="tx1"/>
+                </a:solidFill>
+              </a:endParaRPr>
+            </a:p>
+          </p:txBody>
+        </p:sp>
+        <p:sp>
+          <p:nvSpPr>
+            <p:cNvPr id="140" name="TextBox 139"/>
+            <p:cNvSpPr txBox="1"/>
+            <p:nvPr/>
+          </p:nvSpPr>
+          <p:spPr>
+            <a:xfrm>
+              <a:off x="6847409" y="1814084"/>
+              <a:ext cx="824265" cy="338554"/>
+            </a:xfrm>
+            <a:prstGeom prst="rect">
+              <a:avLst/>
+            </a:prstGeom>
+            <a:noFill/>
+          </p:spPr>
+          <p:txBody>
+            <a:bodyPr wrap="none" rtlCol="0">
+              <a:spAutoFit/>
+            </a:bodyPr>
+            <a:lstStyle/>
+            <a:p>
+              <a:r>
+                <a:rPr lang="en-US" sz="1600" dirty="0" smtClean="0"/>
+                <a:t>(T2,1,0)</a:t>
+              </a:r>
+              <a:endParaRPr lang="en-US" sz="1600" dirty="0"/>
+            </a:p>
+          </p:txBody>
+        </p:sp>
+      </p:grpSp>
+      <p:grpSp>
+        <p:nvGrpSpPr>
+          <p:cNvPr id="141" name="Group 140"/>
+          <p:cNvGrpSpPr/>
+          <p:nvPr/>
+        </p:nvGrpSpPr>
+        <p:grpSpPr>
+          <a:xfrm>
+            <a:off x="2970946" y="5052636"/>
+            <a:ext cx="824265" cy="654703"/>
+            <a:chOff x="6847409" y="1656010"/>
+            <a:chExt cx="824265" cy="654703"/>
+          </a:xfrm>
+        </p:grpSpPr>
+        <p:sp>
+          <p:nvSpPr>
+            <p:cNvPr id="142" name="Oval 141"/>
+            <p:cNvSpPr/>
+            <p:nvPr/>
+          </p:nvSpPr>
+          <p:spPr>
+            <a:xfrm>
+              <a:off x="6874016" y="1656010"/>
+              <a:ext cx="766243" cy="654703"/>
+            </a:xfrm>
+            <a:prstGeom prst="ellipse">
+              <a:avLst/>
+            </a:prstGeom>
+            <a:solidFill>
+              <a:schemeClr val="bg2"/>
+            </a:solidFill>
+            <a:ln>
+              <a:solidFill>
+                <a:schemeClr val="tx1"/>
+              </a:solidFill>
+            </a:ln>
+          </p:spPr>
+          <p:style>
+            <a:lnRef idx="2">
+              <a:schemeClr val="accent1">
+                <a:shade val="50000"/>
+              </a:schemeClr>
+            </a:lnRef>
+            <a:fillRef idx="1">
+              <a:schemeClr val="accent1"/>
+            </a:fillRef>
+            <a:effectRef idx="0">
+              <a:schemeClr val="accent1"/>
+            </a:effectRef>
+            <a:fontRef idx="minor">
+              <a:schemeClr val="lt1"/>
+            </a:fontRef>
+          </p:style>
+          <p:txBody>
+            <a:bodyPr rtlCol="0" anchor="ctr"/>
+            <a:lstStyle/>
+            <a:p>
+              <a:pPr algn="ctr"/>
+              <a:endParaRPr lang="en-US" dirty="0">
+                <a:solidFill>
+                  <a:schemeClr val="tx1"/>
+                </a:solidFill>
+              </a:endParaRPr>
+            </a:p>
+          </p:txBody>
+        </p:sp>
+        <p:sp>
+          <p:nvSpPr>
+            <p:cNvPr id="143" name="TextBox 142"/>
+            <p:cNvSpPr txBox="1"/>
+            <p:nvPr/>
+          </p:nvSpPr>
+          <p:spPr>
+            <a:xfrm>
+              <a:off x="6847409" y="1814084"/>
+              <a:ext cx="824265" cy="338554"/>
+            </a:xfrm>
+            <a:prstGeom prst="rect">
+              <a:avLst/>
+            </a:prstGeom>
+            <a:noFill/>
+          </p:spPr>
+          <p:txBody>
+            <a:bodyPr wrap="none" rtlCol="0">
+              <a:spAutoFit/>
+            </a:bodyPr>
+            <a:lstStyle/>
+            <a:p>
+              <a:r>
+                <a:rPr lang="en-US" sz="1600" dirty="0" smtClean="0"/>
+                <a:t>(T3,1,0)</a:t>
+              </a:r>
+              <a:endParaRPr lang="en-US" sz="1600" dirty="0"/>
+            </a:p>
+          </p:txBody>
+        </p:sp>
+      </p:grpSp>
+      <p:grpSp>
+        <p:nvGrpSpPr>
+          <p:cNvPr id="144" name="Group 143"/>
+          <p:cNvGrpSpPr/>
+          <p:nvPr/>
+        </p:nvGrpSpPr>
+        <p:grpSpPr>
+          <a:xfrm>
+            <a:off x="4016080" y="5049085"/>
+            <a:ext cx="824265" cy="654703"/>
+            <a:chOff x="6847409" y="1656010"/>
+            <a:chExt cx="824265" cy="654703"/>
+          </a:xfrm>
+        </p:grpSpPr>
+        <p:sp>
+          <p:nvSpPr>
+            <p:cNvPr id="145" name="Oval 144"/>
+            <p:cNvSpPr/>
+            <p:nvPr/>
+          </p:nvSpPr>
+          <p:spPr>
+            <a:xfrm>
+              <a:off x="6874016" y="1656010"/>
+              <a:ext cx="766243" cy="654703"/>
+            </a:xfrm>
+            <a:prstGeom prst="ellipse">
+              <a:avLst/>
+            </a:prstGeom>
+            <a:solidFill>
+              <a:schemeClr val="bg2"/>
+            </a:solidFill>
+            <a:ln>
+              <a:solidFill>
+                <a:schemeClr val="tx1"/>
+              </a:solidFill>
+            </a:ln>
+          </p:spPr>
+          <p:style>
+            <a:lnRef idx="2">
+              <a:schemeClr val="accent1">
+                <a:shade val="50000"/>
+              </a:schemeClr>
+            </a:lnRef>
+            <a:fillRef idx="1">
+              <a:schemeClr val="accent1"/>
+            </a:fillRef>
+            <a:effectRef idx="0">
+              <a:schemeClr val="accent1"/>
+            </a:effectRef>
+            <a:fontRef idx="minor">
+              <a:schemeClr val="lt1"/>
+            </a:fontRef>
+          </p:style>
+          <p:txBody>
+            <a:bodyPr rtlCol="0" anchor="ctr"/>
+            <a:lstStyle/>
+            <a:p>
+              <a:pPr algn="ctr"/>
+              <a:endParaRPr lang="en-US" dirty="0">
+                <a:solidFill>
+                  <a:schemeClr val="tx1"/>
+                </a:solidFill>
+              </a:endParaRPr>
+            </a:p>
+          </p:txBody>
+        </p:sp>
+        <p:sp>
+          <p:nvSpPr>
+            <p:cNvPr id="146" name="TextBox 145"/>
+            <p:cNvSpPr txBox="1"/>
+            <p:nvPr/>
+          </p:nvSpPr>
+          <p:spPr>
+            <a:xfrm>
+              <a:off x="6847409" y="1814084"/>
+              <a:ext cx="824265" cy="338554"/>
+            </a:xfrm>
+            <a:prstGeom prst="rect">
+              <a:avLst/>
+            </a:prstGeom>
+            <a:noFill/>
+          </p:spPr>
+          <p:txBody>
+            <a:bodyPr wrap="none" rtlCol="0">
+              <a:spAutoFit/>
+            </a:bodyPr>
+            <a:lstStyle/>
+            <a:p>
+              <a:r>
+                <a:rPr lang="en-US" sz="1600" dirty="0" smtClean="0"/>
+                <a:t>(T4,1,0)</a:t>
+              </a:r>
+              <a:endParaRPr lang="en-US" sz="1600" dirty="0"/>
+            </a:p>
+          </p:txBody>
+        </p:sp>
+      </p:grpSp>
+      <p:grpSp>
+        <p:nvGrpSpPr>
+          <p:cNvPr id="171" name="Group 170"/>
+          <p:cNvGrpSpPr/>
+          <p:nvPr/>
+        </p:nvGrpSpPr>
+        <p:grpSpPr>
+          <a:xfrm>
+            <a:off x="5933680" y="2778042"/>
+            <a:ext cx="819455" cy="654703"/>
+            <a:chOff x="6847409" y="1656010"/>
+            <a:chExt cx="819455" cy="654703"/>
+          </a:xfrm>
+        </p:grpSpPr>
+        <p:sp>
+          <p:nvSpPr>
+            <p:cNvPr id="172" name="Oval 171"/>
+            <p:cNvSpPr/>
+            <p:nvPr/>
+          </p:nvSpPr>
+          <p:spPr>
+            <a:xfrm>
+              <a:off x="6874016" y="1656010"/>
+              <a:ext cx="766243" cy="654703"/>
+            </a:xfrm>
+            <a:prstGeom prst="ellipse">
+              <a:avLst/>
+            </a:prstGeom>
+            <a:solidFill>
+              <a:schemeClr val="bg2"/>
+            </a:solidFill>
+            <a:ln>
+              <a:solidFill>
+                <a:schemeClr val="tx1"/>
+              </a:solidFill>
+            </a:ln>
+          </p:spPr>
+          <p:style>
+            <a:lnRef idx="2">
+              <a:schemeClr val="accent1">
+                <a:shade val="50000"/>
+              </a:schemeClr>
+            </a:lnRef>
+            <a:fillRef idx="1">
+              <a:schemeClr val="accent1"/>
+            </a:fillRef>
+            <a:effectRef idx="0">
+              <a:schemeClr val="accent1"/>
+            </a:effectRef>
+            <a:fontRef idx="minor">
+              <a:schemeClr val="lt1"/>
+            </a:fontRef>
+          </p:style>
+          <p:txBody>
+            <a:bodyPr rtlCol="0" anchor="ctr"/>
+            <a:lstStyle/>
+            <a:p>
+              <a:pPr algn="ctr"/>
+              <a:endParaRPr lang="en-US" dirty="0">
+                <a:solidFill>
+                  <a:schemeClr val="tx1"/>
+                </a:solidFill>
+              </a:endParaRPr>
+            </a:p>
+          </p:txBody>
+        </p:sp>
+        <p:sp>
+          <p:nvSpPr>
+            <p:cNvPr id="173" name="TextBox 172"/>
+            <p:cNvSpPr txBox="1"/>
+            <p:nvPr/>
+          </p:nvSpPr>
+          <p:spPr>
+            <a:xfrm>
+              <a:off x="6847409" y="1814084"/>
+              <a:ext cx="819455" cy="338554"/>
+            </a:xfrm>
+            <a:prstGeom prst="rect">
+              <a:avLst/>
+            </a:prstGeom>
+            <a:noFill/>
+          </p:spPr>
+          <p:txBody>
+            <a:bodyPr wrap="none" rtlCol="0">
+              <a:spAutoFit/>
+            </a:bodyPr>
+            <a:lstStyle/>
+            <a:p>
+              <a:r>
+                <a:rPr lang="en-US" sz="1600" dirty="0" smtClean="0"/>
+                <a:t>(S1,0,1)</a:t>
+              </a:r>
+              <a:endParaRPr lang="en-US" sz="1600" dirty="0"/>
+            </a:p>
+          </p:txBody>
+        </p:sp>
+      </p:grpSp>
+      <p:grpSp>
+        <p:nvGrpSpPr>
+          <p:cNvPr id="174" name="Group 173"/>
+          <p:cNvGrpSpPr/>
+          <p:nvPr/>
+        </p:nvGrpSpPr>
+        <p:grpSpPr>
+          <a:xfrm>
+            <a:off x="7044565" y="1812496"/>
+            <a:ext cx="830677" cy="654703"/>
+            <a:chOff x="6847409" y="1656010"/>
+            <a:chExt cx="830677" cy="654703"/>
+          </a:xfrm>
+        </p:grpSpPr>
+        <p:sp>
+          <p:nvSpPr>
+            <p:cNvPr id="175" name="Oval 174"/>
+            <p:cNvSpPr/>
+            <p:nvPr/>
+          </p:nvSpPr>
+          <p:spPr>
+            <a:xfrm>
+              <a:off x="6874016" y="1656010"/>
+              <a:ext cx="766243" cy="654703"/>
+            </a:xfrm>
+            <a:prstGeom prst="ellipse">
+              <a:avLst/>
+            </a:prstGeom>
+            <a:solidFill>
+              <a:schemeClr val="bg2"/>
+            </a:solidFill>
+            <a:ln>
+              <a:solidFill>
+                <a:schemeClr val="tx1"/>
+              </a:solidFill>
+            </a:ln>
+          </p:spPr>
+          <p:style>
+            <a:lnRef idx="2">
+              <a:schemeClr val="accent1">
+                <a:shade val="50000"/>
+              </a:schemeClr>
+            </a:lnRef>
+            <a:fillRef idx="1">
+              <a:schemeClr val="accent1"/>
+            </a:fillRef>
+            <a:effectRef idx="0">
+              <a:schemeClr val="accent1"/>
+            </a:effectRef>
+            <a:fontRef idx="minor">
+              <a:schemeClr val="lt1"/>
+            </a:fontRef>
+          </p:style>
+          <p:txBody>
+            <a:bodyPr rtlCol="0" anchor="ctr"/>
+            <a:lstStyle/>
+            <a:p>
+              <a:pPr algn="ctr"/>
+              <a:endParaRPr lang="en-US" dirty="0">
+                <a:solidFill>
+                  <a:schemeClr val="tx1"/>
+                </a:solidFill>
+              </a:endParaRPr>
+            </a:p>
+          </p:txBody>
+        </p:sp>
+        <p:sp>
+          <p:nvSpPr>
+            <p:cNvPr id="176" name="TextBox 175"/>
+            <p:cNvSpPr txBox="1"/>
+            <p:nvPr/>
+          </p:nvSpPr>
+          <p:spPr>
+            <a:xfrm>
+              <a:off x="6847409" y="1814084"/>
+              <a:ext cx="830677" cy="338554"/>
+            </a:xfrm>
+            <a:prstGeom prst="rect">
+              <a:avLst/>
+            </a:prstGeom>
+            <a:noFill/>
+          </p:spPr>
+          <p:txBody>
+            <a:bodyPr wrap="none" rtlCol="0">
+              <a:spAutoFit/>
+            </a:bodyPr>
+            <a:lstStyle/>
+            <a:p>
+              <a:r>
+                <a:rPr lang="en-US" sz="1600" dirty="0" smtClean="0"/>
+                <a:t>(P1,0,0)</a:t>
+              </a:r>
+              <a:endParaRPr lang="en-US" sz="1600" dirty="0"/>
+            </a:p>
+          </p:txBody>
+        </p:sp>
+      </p:grpSp>
+      <p:grpSp>
+        <p:nvGrpSpPr>
+          <p:cNvPr id="177" name="Group 176"/>
+          <p:cNvGrpSpPr/>
+          <p:nvPr/>
+        </p:nvGrpSpPr>
+        <p:grpSpPr>
+          <a:xfrm>
+            <a:off x="8037472" y="2751007"/>
+            <a:ext cx="819455" cy="654703"/>
+            <a:chOff x="6847409" y="1656010"/>
+            <a:chExt cx="819455" cy="654703"/>
+          </a:xfrm>
+        </p:grpSpPr>
+        <p:sp>
+          <p:nvSpPr>
+            <p:cNvPr id="178" name="Oval 177"/>
+            <p:cNvSpPr/>
+            <p:nvPr/>
+          </p:nvSpPr>
+          <p:spPr>
+            <a:xfrm>
+              <a:off x="6874016" y="1656010"/>
+              <a:ext cx="766243" cy="654703"/>
+            </a:xfrm>
+            <a:prstGeom prst="ellipse">
+              <a:avLst/>
+            </a:prstGeom>
+            <a:solidFill>
+              <a:schemeClr val="bg2"/>
+            </a:solidFill>
+            <a:ln>
+              <a:solidFill>
+                <a:schemeClr val="tx1"/>
+              </a:solidFill>
+            </a:ln>
+          </p:spPr>
+          <p:style>
+            <a:lnRef idx="2">
+              <a:schemeClr val="accent1">
+                <a:shade val="50000"/>
+              </a:schemeClr>
+            </a:lnRef>
+            <a:fillRef idx="1">
+              <a:schemeClr val="accent1"/>
+            </a:fillRef>
+            <a:effectRef idx="0">
+              <a:schemeClr val="accent1"/>
+            </a:effectRef>
+            <a:fontRef idx="minor">
+              <a:schemeClr val="lt1"/>
+            </a:fontRef>
+          </p:style>
+          <p:txBody>
+            <a:bodyPr rtlCol="0" anchor="ctr"/>
+            <a:lstStyle/>
+            <a:p>
+              <a:pPr algn="ctr"/>
+              <a:endParaRPr lang="en-US" dirty="0">
+                <a:solidFill>
+                  <a:schemeClr val="tx1"/>
+                </a:solidFill>
+              </a:endParaRPr>
+            </a:p>
+          </p:txBody>
+        </p:sp>
+        <p:sp>
+          <p:nvSpPr>
+            <p:cNvPr id="179" name="TextBox 178"/>
+            <p:cNvSpPr txBox="1"/>
+            <p:nvPr/>
+          </p:nvSpPr>
+          <p:spPr>
+            <a:xfrm>
+              <a:off x="6847409" y="1814084"/>
+              <a:ext cx="819455" cy="338554"/>
+            </a:xfrm>
+            <a:prstGeom prst="rect">
+              <a:avLst/>
+            </a:prstGeom>
+            <a:noFill/>
+          </p:spPr>
+          <p:txBody>
+            <a:bodyPr wrap="none" rtlCol="0">
+              <a:spAutoFit/>
+            </a:bodyPr>
+            <a:lstStyle/>
+            <a:p>
+              <a:r>
+                <a:rPr lang="en-US" sz="1600" dirty="0" smtClean="0"/>
+                <a:t>(S2,0,1)</a:t>
+              </a:r>
+              <a:endParaRPr lang="en-US" sz="1600" dirty="0"/>
+            </a:p>
+          </p:txBody>
+        </p:sp>
+      </p:grpSp>
+      <p:grpSp>
+        <p:nvGrpSpPr>
+          <p:cNvPr id="180" name="Group 179"/>
+          <p:cNvGrpSpPr/>
+          <p:nvPr/>
+        </p:nvGrpSpPr>
+        <p:grpSpPr>
+          <a:xfrm>
+            <a:off x="7519559" y="3905924"/>
+            <a:ext cx="843501" cy="654703"/>
+            <a:chOff x="6847409" y="1656010"/>
+            <a:chExt cx="843501" cy="654703"/>
+          </a:xfrm>
+        </p:grpSpPr>
+        <p:sp>
+          <p:nvSpPr>
+            <p:cNvPr id="181" name="Oval 180"/>
+            <p:cNvSpPr/>
+            <p:nvPr/>
+          </p:nvSpPr>
+          <p:spPr>
+            <a:xfrm>
+              <a:off x="6874016" y="1656010"/>
+              <a:ext cx="766243" cy="654703"/>
+            </a:xfrm>
+            <a:prstGeom prst="ellipse">
+              <a:avLst/>
+            </a:prstGeom>
+            <a:solidFill>
+              <a:schemeClr val="bg2"/>
+            </a:solidFill>
+            <a:ln>
+              <a:solidFill>
+                <a:schemeClr val="tx1"/>
+              </a:solidFill>
+            </a:ln>
+          </p:spPr>
+          <p:style>
+            <a:lnRef idx="2">
+              <a:schemeClr val="accent1">
+                <a:shade val="50000"/>
+              </a:schemeClr>
+            </a:lnRef>
+            <a:fillRef idx="1">
+              <a:schemeClr val="accent1"/>
+            </a:fillRef>
+            <a:effectRef idx="0">
+              <a:schemeClr val="accent1"/>
+            </a:effectRef>
+            <a:fontRef idx="minor">
+              <a:schemeClr val="lt1"/>
+            </a:fontRef>
+          </p:style>
+          <p:txBody>
+            <a:bodyPr rtlCol="0" anchor="ctr"/>
+            <a:lstStyle/>
+            <a:p>
+              <a:pPr algn="ctr"/>
+              <a:endParaRPr lang="en-US" dirty="0">
+                <a:solidFill>
+                  <a:schemeClr val="tx1"/>
+                </a:solidFill>
+              </a:endParaRPr>
+            </a:p>
+          </p:txBody>
+        </p:sp>
+        <p:sp>
+          <p:nvSpPr>
+            <p:cNvPr id="182" name="TextBox 181"/>
+            <p:cNvSpPr txBox="1"/>
+            <p:nvPr/>
+          </p:nvSpPr>
+          <p:spPr>
+            <a:xfrm>
+              <a:off x="6847409" y="1814084"/>
+              <a:ext cx="843501" cy="338554"/>
+            </a:xfrm>
+            <a:prstGeom prst="rect">
+              <a:avLst/>
+            </a:prstGeom>
+            <a:noFill/>
+          </p:spPr>
+          <p:txBody>
+            <a:bodyPr wrap="none" rtlCol="0">
+              <a:spAutoFit/>
+            </a:bodyPr>
+            <a:lstStyle/>
+            <a:p>
+              <a:r>
+                <a:rPr lang="en-US" sz="1600" dirty="0" smtClean="0"/>
+                <a:t>(A3,0,1)</a:t>
+              </a:r>
+              <a:endParaRPr lang="en-US" sz="1600" dirty="0"/>
+            </a:p>
+          </p:txBody>
+        </p:sp>
+      </p:grpSp>
+      <p:grpSp>
+        <p:nvGrpSpPr>
+          <p:cNvPr id="183" name="Group 182"/>
+          <p:cNvGrpSpPr/>
+          <p:nvPr/>
+        </p:nvGrpSpPr>
+        <p:grpSpPr>
+          <a:xfrm>
+            <a:off x="8586681" y="3907580"/>
+            <a:ext cx="843501" cy="654703"/>
+            <a:chOff x="6847409" y="1656010"/>
+            <a:chExt cx="843501" cy="654703"/>
+          </a:xfrm>
+        </p:grpSpPr>
+        <p:sp>
+          <p:nvSpPr>
+            <p:cNvPr id="184" name="Oval 183"/>
+            <p:cNvSpPr/>
+            <p:nvPr/>
+          </p:nvSpPr>
+          <p:spPr>
+            <a:xfrm>
+              <a:off x="6874016" y="1656010"/>
+              <a:ext cx="766243" cy="654703"/>
+            </a:xfrm>
+            <a:prstGeom prst="ellipse">
+              <a:avLst/>
+            </a:prstGeom>
+            <a:solidFill>
+              <a:schemeClr val="bg2"/>
+            </a:solidFill>
+            <a:ln>
+              <a:solidFill>
+                <a:schemeClr val="tx1"/>
+              </a:solidFill>
+            </a:ln>
+          </p:spPr>
+          <p:style>
+            <a:lnRef idx="2">
+              <a:schemeClr val="accent1">
+                <a:shade val="50000"/>
+              </a:schemeClr>
+            </a:lnRef>
+            <a:fillRef idx="1">
+              <a:schemeClr val="accent1"/>
+            </a:fillRef>
+            <a:effectRef idx="0">
+              <a:schemeClr val="accent1"/>
+            </a:effectRef>
+            <a:fontRef idx="minor">
+              <a:schemeClr val="lt1"/>
+            </a:fontRef>
+          </p:style>
+          <p:txBody>
+            <a:bodyPr rtlCol="0" anchor="ctr"/>
+            <a:lstStyle/>
+            <a:p>
+              <a:pPr algn="ctr"/>
+              <a:endParaRPr lang="en-US" dirty="0">
+                <a:solidFill>
+                  <a:schemeClr val="tx1"/>
+                </a:solidFill>
+              </a:endParaRPr>
+            </a:p>
+          </p:txBody>
+        </p:sp>
+        <p:sp>
+          <p:nvSpPr>
+            <p:cNvPr id="185" name="TextBox 184"/>
+            <p:cNvSpPr txBox="1"/>
+            <p:nvPr/>
+          </p:nvSpPr>
+          <p:spPr>
+            <a:xfrm>
+              <a:off x="6847409" y="1814084"/>
+              <a:ext cx="843501" cy="338554"/>
+            </a:xfrm>
+            <a:prstGeom prst="rect">
+              <a:avLst/>
+            </a:prstGeom>
+            <a:noFill/>
+          </p:spPr>
+          <p:txBody>
+            <a:bodyPr wrap="none" rtlCol="0">
+              <a:spAutoFit/>
+            </a:bodyPr>
+            <a:lstStyle/>
+            <a:p>
+              <a:r>
+                <a:rPr lang="en-US" sz="1600" dirty="0" smtClean="0"/>
+                <a:t>(A4,0,1)</a:t>
+              </a:r>
+              <a:endParaRPr lang="en-US" sz="1600" dirty="0"/>
+            </a:p>
+          </p:txBody>
+        </p:sp>
+      </p:grpSp>
+      <p:grpSp>
+        <p:nvGrpSpPr>
+          <p:cNvPr id="186" name="Group 185"/>
+          <p:cNvGrpSpPr/>
+          <p:nvPr/>
+        </p:nvGrpSpPr>
+        <p:grpSpPr>
+          <a:xfrm>
+            <a:off x="5377259" y="3909475"/>
+            <a:ext cx="843501" cy="654703"/>
+            <a:chOff x="6847409" y="1656010"/>
+            <a:chExt cx="843501" cy="654703"/>
+          </a:xfrm>
+        </p:grpSpPr>
+        <p:sp>
+          <p:nvSpPr>
+            <p:cNvPr id="187" name="Oval 186"/>
+            <p:cNvSpPr/>
+            <p:nvPr/>
+          </p:nvSpPr>
+          <p:spPr>
+            <a:xfrm>
+              <a:off x="6874016" y="1656010"/>
+              <a:ext cx="766243" cy="654703"/>
+            </a:xfrm>
+            <a:prstGeom prst="ellipse">
+              <a:avLst/>
+            </a:prstGeom>
+            <a:solidFill>
+              <a:schemeClr val="bg2"/>
+            </a:solidFill>
+            <a:ln>
+              <a:solidFill>
+                <a:schemeClr val="tx1"/>
+              </a:solidFill>
+            </a:ln>
+          </p:spPr>
+          <p:style>
+            <a:lnRef idx="2">
+              <a:schemeClr val="accent1">
+                <a:shade val="50000"/>
+              </a:schemeClr>
+            </a:lnRef>
+            <a:fillRef idx="1">
+              <a:schemeClr val="accent1"/>
+            </a:fillRef>
+            <a:effectRef idx="0">
+              <a:schemeClr val="accent1"/>
+            </a:effectRef>
+            <a:fontRef idx="minor">
+              <a:schemeClr val="lt1"/>
+            </a:fontRef>
+          </p:style>
+          <p:txBody>
+            <a:bodyPr rtlCol="0" anchor="ctr"/>
+            <a:lstStyle/>
+            <a:p>
+              <a:pPr algn="ctr"/>
+              <a:endParaRPr lang="en-US" dirty="0">
+                <a:solidFill>
+                  <a:schemeClr val="tx1"/>
+                </a:solidFill>
+              </a:endParaRPr>
+            </a:p>
+          </p:txBody>
+        </p:sp>
+        <p:sp>
+          <p:nvSpPr>
+            <p:cNvPr id="188" name="TextBox 187"/>
+            <p:cNvSpPr txBox="1"/>
+            <p:nvPr/>
+          </p:nvSpPr>
+          <p:spPr>
+            <a:xfrm>
+              <a:off x="6847409" y="1814084"/>
+              <a:ext cx="843501" cy="338554"/>
+            </a:xfrm>
+            <a:prstGeom prst="rect">
+              <a:avLst/>
+            </a:prstGeom>
+            <a:noFill/>
+          </p:spPr>
+          <p:txBody>
+            <a:bodyPr wrap="none" rtlCol="0">
+              <a:spAutoFit/>
+            </a:bodyPr>
+            <a:lstStyle/>
+            <a:p>
+              <a:r>
+                <a:rPr lang="en-US" sz="1600" dirty="0" smtClean="0"/>
+                <a:t>(A1,0,1)</a:t>
+              </a:r>
+              <a:endParaRPr lang="en-US" sz="1600" dirty="0"/>
+            </a:p>
+          </p:txBody>
+        </p:sp>
+      </p:grpSp>
+      <p:grpSp>
+        <p:nvGrpSpPr>
+          <p:cNvPr id="189" name="Group 188"/>
+          <p:cNvGrpSpPr/>
+          <p:nvPr/>
+        </p:nvGrpSpPr>
+        <p:grpSpPr>
+          <a:xfrm>
+            <a:off x="6459464" y="3905924"/>
+            <a:ext cx="843501" cy="654703"/>
+            <a:chOff x="6847409" y="1656010"/>
+            <a:chExt cx="843501" cy="654703"/>
+          </a:xfrm>
+        </p:grpSpPr>
+        <p:sp>
+          <p:nvSpPr>
+            <p:cNvPr id="190" name="Oval 189"/>
+            <p:cNvSpPr/>
+            <p:nvPr/>
+          </p:nvSpPr>
+          <p:spPr>
+            <a:xfrm>
+              <a:off x="6874016" y="1656010"/>
+              <a:ext cx="766243" cy="654703"/>
+            </a:xfrm>
+            <a:prstGeom prst="ellipse">
+              <a:avLst/>
+            </a:prstGeom>
+            <a:solidFill>
+              <a:schemeClr val="bg2"/>
+            </a:solidFill>
+            <a:ln>
+              <a:solidFill>
+                <a:schemeClr val="tx1"/>
+              </a:solidFill>
+            </a:ln>
+          </p:spPr>
+          <p:style>
+            <a:lnRef idx="2">
+              <a:schemeClr val="accent1">
+                <a:shade val="50000"/>
+              </a:schemeClr>
+            </a:lnRef>
+            <a:fillRef idx="1">
+              <a:schemeClr val="accent1"/>
+            </a:fillRef>
+            <a:effectRef idx="0">
+              <a:schemeClr val="accent1"/>
+            </a:effectRef>
+            <a:fontRef idx="minor">
+              <a:schemeClr val="lt1"/>
+            </a:fontRef>
+          </p:style>
+          <p:txBody>
+            <a:bodyPr rtlCol="0" anchor="ctr"/>
+            <a:lstStyle/>
+            <a:p>
+              <a:pPr algn="ctr"/>
+              <a:endParaRPr lang="en-US" dirty="0">
+                <a:solidFill>
+                  <a:schemeClr val="tx1"/>
+                </a:solidFill>
+              </a:endParaRPr>
+            </a:p>
+          </p:txBody>
+        </p:sp>
+        <p:sp>
+          <p:nvSpPr>
+            <p:cNvPr id="191" name="TextBox 190"/>
+            <p:cNvSpPr txBox="1"/>
+            <p:nvPr/>
+          </p:nvSpPr>
+          <p:spPr>
+            <a:xfrm>
+              <a:off x="6847409" y="1814084"/>
+              <a:ext cx="843501" cy="338554"/>
+            </a:xfrm>
+            <a:prstGeom prst="rect">
+              <a:avLst/>
+            </a:prstGeom>
+            <a:noFill/>
+          </p:spPr>
+          <p:txBody>
+            <a:bodyPr wrap="none" rtlCol="0">
+              <a:spAutoFit/>
+            </a:bodyPr>
+            <a:lstStyle/>
+            <a:p>
+              <a:r>
+                <a:rPr lang="en-US" sz="1600" dirty="0" smtClean="0"/>
+                <a:t>(A2,0,1)</a:t>
+              </a:r>
+              <a:endParaRPr lang="en-US" sz="1600" dirty="0"/>
+            </a:p>
+          </p:txBody>
+        </p:sp>
+      </p:grpSp>
+      <p:grpSp>
+        <p:nvGrpSpPr>
+          <p:cNvPr id="192" name="Group 191"/>
+          <p:cNvGrpSpPr/>
+          <p:nvPr/>
+        </p:nvGrpSpPr>
+        <p:grpSpPr>
+          <a:xfrm>
+            <a:off x="5375368" y="5064989"/>
+            <a:ext cx="824265" cy="654703"/>
+            <a:chOff x="6847409" y="1656010"/>
+            <a:chExt cx="824265" cy="654703"/>
+          </a:xfrm>
+        </p:grpSpPr>
+        <p:sp>
+          <p:nvSpPr>
+            <p:cNvPr id="193" name="Oval 192"/>
+            <p:cNvSpPr/>
+            <p:nvPr/>
+          </p:nvSpPr>
+          <p:spPr>
+            <a:xfrm>
+              <a:off x="6874016" y="1656010"/>
+              <a:ext cx="766243" cy="654703"/>
+            </a:xfrm>
+            <a:prstGeom prst="ellipse">
+              <a:avLst/>
+            </a:prstGeom>
+            <a:solidFill>
+              <a:schemeClr val="bg2"/>
+            </a:solidFill>
+            <a:ln>
+              <a:solidFill>
+                <a:schemeClr val="tx1"/>
+              </a:solidFill>
+            </a:ln>
+          </p:spPr>
+          <p:style>
+            <a:lnRef idx="2">
+              <a:schemeClr val="accent1">
+                <a:shade val="50000"/>
+              </a:schemeClr>
+            </a:lnRef>
+            <a:fillRef idx="1">
+              <a:schemeClr val="accent1"/>
+            </a:fillRef>
+            <a:effectRef idx="0">
+              <a:schemeClr val="accent1"/>
+            </a:effectRef>
+            <a:fontRef idx="minor">
+              <a:schemeClr val="lt1"/>
+            </a:fontRef>
+          </p:style>
+          <p:txBody>
+            <a:bodyPr rtlCol="0" anchor="ctr"/>
+            <a:lstStyle/>
+            <a:p>
+              <a:pPr algn="ctr"/>
+              <a:endParaRPr lang="en-US" dirty="0">
+                <a:solidFill>
+                  <a:schemeClr val="tx1"/>
+                </a:solidFill>
+              </a:endParaRPr>
+            </a:p>
+          </p:txBody>
+        </p:sp>
+        <p:sp>
+          <p:nvSpPr>
+            <p:cNvPr id="194" name="TextBox 193"/>
+            <p:cNvSpPr txBox="1"/>
+            <p:nvPr/>
+          </p:nvSpPr>
+          <p:spPr>
+            <a:xfrm>
+              <a:off x="6847409" y="1814084"/>
+              <a:ext cx="824265" cy="338554"/>
+            </a:xfrm>
+            <a:prstGeom prst="rect">
+              <a:avLst/>
+            </a:prstGeom>
+            <a:noFill/>
+          </p:spPr>
+          <p:txBody>
+            <a:bodyPr wrap="none" rtlCol="0">
+              <a:spAutoFit/>
+            </a:bodyPr>
+            <a:lstStyle/>
+            <a:p>
+              <a:r>
+                <a:rPr lang="en-US" sz="1600" dirty="0" smtClean="0"/>
+                <a:t>(T1,0,1)</a:t>
+              </a:r>
+              <a:endParaRPr lang="en-US" sz="1600" dirty="0"/>
+            </a:p>
+          </p:txBody>
+        </p:sp>
+      </p:grpSp>
+      <p:grpSp>
+        <p:nvGrpSpPr>
+          <p:cNvPr id="195" name="Group 194"/>
+          <p:cNvGrpSpPr/>
+          <p:nvPr/>
+        </p:nvGrpSpPr>
+        <p:grpSpPr>
+          <a:xfrm>
+            <a:off x="6457573" y="5061438"/>
+            <a:ext cx="824265" cy="654703"/>
+            <a:chOff x="6847409" y="1656010"/>
+            <a:chExt cx="824265" cy="654703"/>
+          </a:xfrm>
+        </p:grpSpPr>
+        <p:sp>
+          <p:nvSpPr>
+            <p:cNvPr id="196" name="Oval 195"/>
+            <p:cNvSpPr/>
+            <p:nvPr/>
+          </p:nvSpPr>
+          <p:spPr>
+            <a:xfrm>
+              <a:off x="6874016" y="1656010"/>
+              <a:ext cx="766243" cy="654703"/>
+            </a:xfrm>
+            <a:prstGeom prst="ellipse">
+              <a:avLst/>
+            </a:prstGeom>
+            <a:solidFill>
+              <a:schemeClr val="bg2"/>
+            </a:solidFill>
+            <a:ln>
+              <a:solidFill>
+                <a:schemeClr val="tx1"/>
+              </a:solidFill>
+            </a:ln>
+          </p:spPr>
+          <p:style>
+            <a:lnRef idx="2">
+              <a:schemeClr val="accent1">
+                <a:shade val="50000"/>
+              </a:schemeClr>
+            </a:lnRef>
+            <a:fillRef idx="1">
+              <a:schemeClr val="accent1"/>
+            </a:fillRef>
+            <a:effectRef idx="0">
+              <a:schemeClr val="accent1"/>
+            </a:effectRef>
+            <a:fontRef idx="minor">
+              <a:schemeClr val="lt1"/>
+            </a:fontRef>
+          </p:style>
+          <p:txBody>
+            <a:bodyPr rtlCol="0" anchor="ctr"/>
+            <a:lstStyle/>
+            <a:p>
+              <a:pPr algn="ctr"/>
+              <a:endParaRPr lang="en-US" dirty="0">
+                <a:solidFill>
+                  <a:schemeClr val="tx1"/>
+                </a:solidFill>
+              </a:endParaRPr>
+            </a:p>
+          </p:txBody>
+        </p:sp>
+        <p:sp>
+          <p:nvSpPr>
+            <p:cNvPr id="197" name="TextBox 196"/>
+            <p:cNvSpPr txBox="1"/>
+            <p:nvPr/>
+          </p:nvSpPr>
+          <p:spPr>
+            <a:xfrm>
+              <a:off x="6847409" y="1814084"/>
+              <a:ext cx="824265" cy="338554"/>
+            </a:xfrm>
+            <a:prstGeom prst="rect">
+              <a:avLst/>
+            </a:prstGeom>
+            <a:noFill/>
+          </p:spPr>
+          <p:txBody>
+            <a:bodyPr wrap="none" rtlCol="0">
+              <a:spAutoFit/>
+            </a:bodyPr>
+            <a:lstStyle/>
+            <a:p>
+              <a:r>
+                <a:rPr lang="en-US" sz="1600" dirty="0" smtClean="0"/>
+                <a:t>(T2,0,1)</a:t>
+              </a:r>
+              <a:endParaRPr lang="en-US" sz="1600" dirty="0"/>
+            </a:p>
+          </p:txBody>
+        </p:sp>
+      </p:grpSp>
+      <p:grpSp>
+        <p:nvGrpSpPr>
+          <p:cNvPr id="198" name="Group 197"/>
+          <p:cNvGrpSpPr/>
+          <p:nvPr/>
+        </p:nvGrpSpPr>
+        <p:grpSpPr>
+          <a:xfrm>
+            <a:off x="7525048" y="5064989"/>
+            <a:ext cx="824265" cy="654703"/>
+            <a:chOff x="6847409" y="1656010"/>
+            <a:chExt cx="824265" cy="654703"/>
+          </a:xfrm>
+        </p:grpSpPr>
+        <p:sp>
+          <p:nvSpPr>
+            <p:cNvPr id="199" name="Oval 198"/>
+            <p:cNvSpPr/>
+            <p:nvPr/>
+          </p:nvSpPr>
+          <p:spPr>
+            <a:xfrm>
+              <a:off x="6874016" y="1656010"/>
+              <a:ext cx="766243" cy="654703"/>
+            </a:xfrm>
+            <a:prstGeom prst="ellipse">
+              <a:avLst/>
+            </a:prstGeom>
+            <a:solidFill>
+              <a:schemeClr val="bg2"/>
+            </a:solidFill>
+            <a:ln>
+              <a:solidFill>
+                <a:schemeClr val="tx1"/>
+              </a:solidFill>
+            </a:ln>
+          </p:spPr>
+          <p:style>
+            <a:lnRef idx="2">
+              <a:schemeClr val="accent1">
+                <a:shade val="50000"/>
+              </a:schemeClr>
+            </a:lnRef>
+            <a:fillRef idx="1">
+              <a:schemeClr val="accent1"/>
+            </a:fillRef>
+            <a:effectRef idx="0">
+              <a:schemeClr val="accent1"/>
+            </a:effectRef>
+            <a:fontRef idx="minor">
+              <a:schemeClr val="lt1"/>
+            </a:fontRef>
+          </p:style>
+          <p:txBody>
+            <a:bodyPr rtlCol="0" anchor="ctr"/>
+            <a:lstStyle/>
+            <a:p>
+              <a:pPr algn="ctr"/>
+              <a:endParaRPr lang="en-US" dirty="0">
+                <a:solidFill>
+                  <a:schemeClr val="tx1"/>
+                </a:solidFill>
+              </a:endParaRPr>
+            </a:p>
+          </p:txBody>
+        </p:sp>
+        <p:sp>
+          <p:nvSpPr>
+            <p:cNvPr id="200" name="TextBox 199"/>
+            <p:cNvSpPr txBox="1"/>
+            <p:nvPr/>
+          </p:nvSpPr>
+          <p:spPr>
+            <a:xfrm>
+              <a:off x="6847409" y="1814084"/>
+              <a:ext cx="824265" cy="338554"/>
+            </a:xfrm>
+            <a:prstGeom prst="rect">
+              <a:avLst/>
+            </a:prstGeom>
+            <a:noFill/>
+          </p:spPr>
+          <p:txBody>
+            <a:bodyPr wrap="none" rtlCol="0">
+              <a:spAutoFit/>
+            </a:bodyPr>
+            <a:lstStyle/>
+            <a:p>
+              <a:r>
+                <a:rPr lang="en-US" sz="1600" dirty="0" smtClean="0"/>
+                <a:t>(T3,0,1)</a:t>
+              </a:r>
+              <a:endParaRPr lang="en-US" sz="1600" dirty="0"/>
+            </a:p>
+          </p:txBody>
+        </p:sp>
+      </p:grpSp>
+      <p:grpSp>
+        <p:nvGrpSpPr>
+          <p:cNvPr id="201" name="Group 200"/>
+          <p:cNvGrpSpPr/>
+          <p:nvPr/>
+        </p:nvGrpSpPr>
+        <p:grpSpPr>
+          <a:xfrm>
+            <a:off x="8582539" y="5061438"/>
+            <a:ext cx="824265" cy="654703"/>
+            <a:chOff x="6847409" y="1656010"/>
+            <a:chExt cx="824265" cy="654703"/>
+          </a:xfrm>
+        </p:grpSpPr>
+        <p:sp>
+          <p:nvSpPr>
+            <p:cNvPr id="202" name="Oval 201"/>
+            <p:cNvSpPr/>
+            <p:nvPr/>
+          </p:nvSpPr>
+          <p:spPr>
+            <a:xfrm>
+              <a:off x="6874016" y="1656010"/>
+              <a:ext cx="766243" cy="654703"/>
+            </a:xfrm>
+            <a:prstGeom prst="ellipse">
+              <a:avLst/>
+            </a:prstGeom>
+            <a:solidFill>
+              <a:schemeClr val="bg2"/>
+            </a:solidFill>
+            <a:ln>
+              <a:solidFill>
+                <a:schemeClr val="tx1"/>
+              </a:solidFill>
+            </a:ln>
+          </p:spPr>
+          <p:style>
+            <a:lnRef idx="2">
+              <a:schemeClr val="accent1">
+                <a:shade val="50000"/>
+              </a:schemeClr>
+            </a:lnRef>
+            <a:fillRef idx="1">
+              <a:schemeClr val="accent1"/>
+            </a:fillRef>
+            <a:effectRef idx="0">
+              <a:schemeClr val="accent1"/>
+            </a:effectRef>
+            <a:fontRef idx="minor">
+              <a:schemeClr val="lt1"/>
+            </a:fontRef>
+          </p:style>
+          <p:txBody>
+            <a:bodyPr rtlCol="0" anchor="ctr"/>
+            <a:lstStyle/>
+            <a:p>
+              <a:pPr algn="ctr"/>
+              <a:endParaRPr lang="en-US" dirty="0">
+                <a:solidFill>
+                  <a:schemeClr val="tx1"/>
+                </a:solidFill>
+              </a:endParaRPr>
+            </a:p>
+          </p:txBody>
+        </p:sp>
+        <p:sp>
+          <p:nvSpPr>
+            <p:cNvPr id="203" name="TextBox 202"/>
+            <p:cNvSpPr txBox="1"/>
+            <p:nvPr/>
+          </p:nvSpPr>
+          <p:spPr>
+            <a:xfrm>
+              <a:off x="6847409" y="1814084"/>
+              <a:ext cx="824265" cy="338554"/>
+            </a:xfrm>
+            <a:prstGeom prst="rect">
+              <a:avLst/>
+            </a:prstGeom>
+            <a:noFill/>
+          </p:spPr>
+          <p:txBody>
+            <a:bodyPr wrap="none" rtlCol="0">
+              <a:spAutoFit/>
+            </a:bodyPr>
+            <a:lstStyle/>
+            <a:p>
+              <a:r>
+                <a:rPr lang="en-US" sz="1600" dirty="0" smtClean="0"/>
+                <a:t>(T4,0,1)</a:t>
+              </a:r>
+              <a:endParaRPr lang="en-US" sz="1600" dirty="0"/>
+            </a:p>
+          </p:txBody>
+        </p:sp>
+      </p:grpSp>
+      <p:cxnSp>
+        <p:nvCxnSpPr>
+          <p:cNvPr id="7" name="Straight Connector 6"/>
+          <p:cNvCxnSpPr>
+            <a:stCxn id="2" idx="3"/>
+            <a:endCxn id="91" idx="7"/>
+          </p:cNvCxnSpPr>
+          <p:nvPr/>
+        </p:nvCxnSpPr>
+        <p:spPr>
+          <a:xfrm flipH="1">
+            <a:off x="3158742" y="939322"/>
+            <a:ext cx="1596942" cy="969053"/>
+          </a:xfrm>
+          <a:prstGeom prst="line">
+            <a:avLst/>
+          </a:prstGeom>
+          <a:ln w="25400">
+            <a:solidFill>
+              <a:schemeClr val="tx1"/>
+            </a:solidFill>
+            <a:tailEnd type="stealth" w="lg" len="lg"/>
+          </a:ln>
+        </p:spPr>
+        <p:style>
+          <a:lnRef idx="1">
+            <a:schemeClr val="accent1"/>
+          </a:lnRef>
+          <a:fillRef idx="0">
+            <a:schemeClr val="accent1"/>
+          </a:fillRef>
+          <a:effectRef idx="0">
+            <a:schemeClr val="accent1"/>
+          </a:effectRef>
+          <a:fontRef idx="minor">
+            <a:schemeClr val="tx1"/>
+          </a:fontRef>
+        </p:style>
+      </p:cxnSp>
+      <p:cxnSp>
+        <p:nvCxnSpPr>
+          <p:cNvPr id="204" name="Straight Connector 203"/>
+          <p:cNvCxnSpPr>
+            <a:stCxn id="2" idx="4"/>
+            <a:endCxn id="283" idx="0"/>
+          </p:cNvCxnSpPr>
+          <p:nvPr/>
+        </p:nvCxnSpPr>
+        <p:spPr>
+          <a:xfrm>
+            <a:off x="5070236" y="1009897"/>
+            <a:ext cx="3245" cy="282133"/>
+          </a:xfrm>
+          <a:prstGeom prst="line">
+            <a:avLst/>
+          </a:prstGeom>
+          <a:ln w="25400">
+            <a:solidFill>
+              <a:schemeClr val="tx1"/>
+            </a:solidFill>
+            <a:tailEnd type="stealth" w="lg" len="lg"/>
+          </a:ln>
+        </p:spPr>
+        <p:style>
+          <a:lnRef idx="1">
+            <a:schemeClr val="accent1"/>
+          </a:lnRef>
+          <a:fillRef idx="0">
+            <a:schemeClr val="accent1"/>
+          </a:fillRef>
+          <a:effectRef idx="0">
+            <a:schemeClr val="accent1"/>
+          </a:effectRef>
+          <a:fontRef idx="minor">
+            <a:schemeClr val="tx1"/>
+          </a:fontRef>
+        </p:style>
+      </p:cxnSp>
+      <p:cxnSp>
+        <p:nvCxnSpPr>
+          <p:cNvPr id="205" name="Straight Connector 204"/>
+          <p:cNvCxnSpPr>
+            <a:stCxn id="2" idx="5"/>
+            <a:endCxn id="175" idx="1"/>
+          </p:cNvCxnSpPr>
+          <p:nvPr/>
+        </p:nvCxnSpPr>
+        <p:spPr>
+          <a:xfrm>
+            <a:off x="5384788" y="939322"/>
+            <a:ext cx="1798598" cy="969053"/>
+          </a:xfrm>
+          <a:prstGeom prst="line">
+            <a:avLst/>
+          </a:prstGeom>
+          <a:ln w="25400">
+            <a:solidFill>
+              <a:schemeClr val="tx1"/>
+            </a:solidFill>
+            <a:tailEnd type="stealth" w="lg" len="lg"/>
+          </a:ln>
+        </p:spPr>
+        <p:style>
+          <a:lnRef idx="1">
+            <a:schemeClr val="accent1"/>
+          </a:lnRef>
+          <a:fillRef idx="0">
+            <a:schemeClr val="accent1"/>
+          </a:fillRef>
+          <a:effectRef idx="0">
+            <a:schemeClr val="accent1"/>
+          </a:effectRef>
+          <a:fontRef idx="minor">
+            <a:schemeClr val="tx1"/>
+          </a:fontRef>
+        </p:style>
+      </p:cxnSp>
+      <p:cxnSp>
+        <p:nvCxnSpPr>
+          <p:cNvPr id="206" name="Straight Connector 205"/>
+          <p:cNvCxnSpPr>
+            <a:stCxn id="175" idx="5"/>
+            <a:endCxn id="178" idx="0"/>
+          </p:cNvCxnSpPr>
+          <p:nvPr/>
+        </p:nvCxnSpPr>
+        <p:spPr>
+          <a:xfrm>
+            <a:off x="7725201" y="2371320"/>
+            <a:ext cx="722000" cy="379687"/>
+          </a:xfrm>
+          <a:prstGeom prst="line">
+            <a:avLst/>
+          </a:prstGeom>
+          <a:ln w="25400">
+            <a:solidFill>
+              <a:schemeClr val="tx1"/>
+            </a:solidFill>
+            <a:headEnd type="stealth" w="lg" len="lg"/>
+            <a:tailEnd type="stealth" w="lg" len="lg"/>
+          </a:ln>
+        </p:spPr>
+        <p:style>
+          <a:lnRef idx="1">
+            <a:schemeClr val="accent1"/>
+          </a:lnRef>
+          <a:fillRef idx="0">
+            <a:schemeClr val="accent1"/>
+          </a:fillRef>
+          <a:effectRef idx="0">
+            <a:schemeClr val="accent1"/>
+          </a:effectRef>
+          <a:fontRef idx="minor">
+            <a:schemeClr val="tx1"/>
+          </a:fontRef>
+        </p:style>
+      </p:cxnSp>
+      <p:cxnSp>
+        <p:nvCxnSpPr>
+          <p:cNvPr id="207" name="Straight Connector 206"/>
+          <p:cNvCxnSpPr>
+            <a:stCxn id="175" idx="3"/>
+            <a:endCxn id="172" idx="0"/>
+          </p:cNvCxnSpPr>
+          <p:nvPr/>
+        </p:nvCxnSpPr>
+        <p:spPr>
+          <a:xfrm flipH="1">
+            <a:off x="6343409" y="2371320"/>
+            <a:ext cx="839977" cy="406722"/>
+          </a:xfrm>
+          <a:prstGeom prst="line">
+            <a:avLst/>
+          </a:prstGeom>
+          <a:ln w="25400">
+            <a:solidFill>
+              <a:schemeClr val="tx1"/>
+            </a:solidFill>
+            <a:headEnd type="stealth" w="lg" len="lg"/>
+            <a:tailEnd type="stealth" w="lg" len="lg"/>
+          </a:ln>
+        </p:spPr>
+        <p:style>
+          <a:lnRef idx="1">
+            <a:schemeClr val="accent1"/>
+          </a:lnRef>
+          <a:fillRef idx="0">
+            <a:schemeClr val="accent1"/>
+          </a:fillRef>
+          <a:effectRef idx="0">
+            <a:schemeClr val="accent1"/>
+          </a:effectRef>
+          <a:fontRef idx="minor">
+            <a:schemeClr val="tx1"/>
+          </a:fontRef>
+        </p:style>
+      </p:cxnSp>
+      <p:cxnSp>
+        <p:nvCxnSpPr>
+          <p:cNvPr id="208" name="Straight Connector 207"/>
+          <p:cNvCxnSpPr>
+            <a:stCxn id="172" idx="3"/>
+            <a:endCxn id="187" idx="0"/>
+          </p:cNvCxnSpPr>
+          <p:nvPr/>
+        </p:nvCxnSpPr>
+        <p:spPr>
+          <a:xfrm flipH="1">
+            <a:off x="5786988" y="3336866"/>
+            <a:ext cx="285513" cy="572609"/>
+          </a:xfrm>
+          <a:prstGeom prst="line">
+            <a:avLst/>
+          </a:prstGeom>
+          <a:ln w="25400">
+            <a:solidFill>
+              <a:schemeClr val="tx1"/>
+            </a:solidFill>
+            <a:headEnd type="stealth" w="lg" len="lg"/>
+            <a:tailEnd type="stealth" w="lg" len="lg"/>
+          </a:ln>
+        </p:spPr>
+        <p:style>
+          <a:lnRef idx="1">
+            <a:schemeClr val="accent1"/>
+          </a:lnRef>
+          <a:fillRef idx="0">
+            <a:schemeClr val="accent1"/>
+          </a:fillRef>
+          <a:effectRef idx="0">
+            <a:schemeClr val="accent1"/>
+          </a:effectRef>
+          <a:fontRef idx="minor">
+            <a:schemeClr val="tx1"/>
+          </a:fontRef>
+        </p:style>
+      </p:cxnSp>
+      <p:cxnSp>
+        <p:nvCxnSpPr>
+          <p:cNvPr id="209" name="Straight Connector 208"/>
+          <p:cNvCxnSpPr>
+            <a:stCxn id="172" idx="5"/>
+            <a:endCxn id="190" idx="0"/>
+          </p:cNvCxnSpPr>
+          <p:nvPr/>
+        </p:nvCxnSpPr>
+        <p:spPr>
+          <a:xfrm>
+            <a:off x="6614316" y="3336866"/>
+            <a:ext cx="254877" cy="569058"/>
+          </a:xfrm>
+          <a:prstGeom prst="line">
+            <a:avLst/>
+          </a:prstGeom>
+          <a:ln w="25400">
+            <a:solidFill>
+              <a:schemeClr val="tx1"/>
+            </a:solidFill>
+            <a:headEnd type="stealth" w="lg" len="lg"/>
+            <a:tailEnd type="stealth" w="lg" len="lg"/>
+          </a:ln>
+        </p:spPr>
+        <p:style>
+          <a:lnRef idx="1">
+            <a:schemeClr val="accent1"/>
+          </a:lnRef>
+          <a:fillRef idx="0">
+            <a:schemeClr val="accent1"/>
+          </a:fillRef>
+          <a:effectRef idx="0">
+            <a:schemeClr val="accent1"/>
+          </a:effectRef>
+          <a:fontRef idx="minor">
+            <a:schemeClr val="tx1"/>
+          </a:fontRef>
+        </p:style>
+      </p:cxnSp>
+      <p:cxnSp>
+        <p:nvCxnSpPr>
+          <p:cNvPr id="210" name="Straight Connector 209"/>
+          <p:cNvCxnSpPr>
+            <a:stCxn id="178" idx="3"/>
+            <a:endCxn id="181" idx="0"/>
+          </p:cNvCxnSpPr>
+          <p:nvPr/>
+        </p:nvCxnSpPr>
+        <p:spPr>
+          <a:xfrm flipH="1">
+            <a:off x="7929288" y="3309831"/>
+            <a:ext cx="247005" cy="596093"/>
+          </a:xfrm>
+          <a:prstGeom prst="line">
+            <a:avLst/>
+          </a:prstGeom>
+          <a:ln w="25400">
+            <a:solidFill>
+              <a:schemeClr val="tx1"/>
+            </a:solidFill>
+            <a:headEnd type="stealth" w="lg" len="lg"/>
+            <a:tailEnd type="stealth" w="lg" len="lg"/>
+          </a:ln>
+        </p:spPr>
+        <p:style>
+          <a:lnRef idx="1">
+            <a:schemeClr val="accent1"/>
+          </a:lnRef>
+          <a:fillRef idx="0">
+            <a:schemeClr val="accent1"/>
+          </a:fillRef>
+          <a:effectRef idx="0">
+            <a:schemeClr val="accent1"/>
+          </a:effectRef>
+          <a:fontRef idx="minor">
+            <a:schemeClr val="tx1"/>
+          </a:fontRef>
+        </p:style>
+      </p:cxnSp>
+      <p:cxnSp>
+        <p:nvCxnSpPr>
+          <p:cNvPr id="211" name="Straight Connector 210"/>
+          <p:cNvCxnSpPr>
+            <a:stCxn id="178" idx="5"/>
+            <a:endCxn id="184" idx="0"/>
+          </p:cNvCxnSpPr>
+          <p:nvPr/>
+        </p:nvCxnSpPr>
+        <p:spPr>
+          <a:xfrm>
+            <a:off x="8718108" y="3309831"/>
+            <a:ext cx="278302" cy="597749"/>
+          </a:xfrm>
+          <a:prstGeom prst="line">
+            <a:avLst/>
+          </a:prstGeom>
+          <a:ln w="25400">
+            <a:solidFill>
+              <a:schemeClr val="tx1"/>
+            </a:solidFill>
+            <a:headEnd type="stealth" w="lg" len="lg"/>
+            <a:tailEnd type="stealth" w="lg" len="lg"/>
+          </a:ln>
+        </p:spPr>
+        <p:style>
+          <a:lnRef idx="1">
+            <a:schemeClr val="accent1"/>
+          </a:lnRef>
+          <a:fillRef idx="0">
+            <a:schemeClr val="accent1"/>
+          </a:fillRef>
+          <a:effectRef idx="0">
+            <a:schemeClr val="accent1"/>
+          </a:effectRef>
+          <a:fontRef idx="minor">
+            <a:schemeClr val="tx1"/>
+          </a:fontRef>
+        </p:style>
+      </p:cxnSp>
+      <p:cxnSp>
+        <p:nvCxnSpPr>
+          <p:cNvPr id="212" name="Straight Connector 211"/>
+          <p:cNvCxnSpPr>
+            <a:stCxn id="184" idx="3"/>
+            <a:endCxn id="199" idx="7"/>
+          </p:cNvCxnSpPr>
+          <p:nvPr/>
+        </p:nvCxnSpPr>
+        <p:spPr>
+          <a:xfrm flipH="1">
+            <a:off x="8205684" y="4466404"/>
+            <a:ext cx="519818" cy="694464"/>
+          </a:xfrm>
+          <a:prstGeom prst="line">
+            <a:avLst/>
+          </a:prstGeom>
+          <a:ln w="25400">
+            <a:solidFill>
+              <a:schemeClr val="tx1"/>
+            </a:solidFill>
+            <a:headEnd type="stealth" w="lg" len="lg"/>
+            <a:tailEnd type="stealth" w="lg" len="lg"/>
+          </a:ln>
+        </p:spPr>
+        <p:style>
+          <a:lnRef idx="1">
+            <a:schemeClr val="accent1"/>
+          </a:lnRef>
+          <a:fillRef idx="0">
+            <a:schemeClr val="accent1"/>
+          </a:fillRef>
+          <a:effectRef idx="0">
+            <a:schemeClr val="accent1"/>
+          </a:effectRef>
+          <a:fontRef idx="minor">
+            <a:schemeClr val="tx1"/>
+          </a:fontRef>
+        </p:style>
+      </p:cxnSp>
+      <p:cxnSp>
+        <p:nvCxnSpPr>
+          <p:cNvPr id="213" name="Straight Connector 212"/>
+          <p:cNvCxnSpPr>
+            <a:stCxn id="184" idx="4"/>
+            <a:endCxn id="202" idx="0"/>
+          </p:cNvCxnSpPr>
+          <p:nvPr/>
+        </p:nvCxnSpPr>
+        <p:spPr>
+          <a:xfrm flipH="1">
+            <a:off x="8992268" y="4562283"/>
+            <a:ext cx="4142" cy="499155"/>
+          </a:xfrm>
+          <a:prstGeom prst="line">
+            <a:avLst/>
+          </a:prstGeom>
+          <a:ln w="25400">
+            <a:solidFill>
+              <a:schemeClr val="tx1"/>
+            </a:solidFill>
+            <a:headEnd type="stealth" w="lg" len="lg"/>
+            <a:tailEnd type="stealth" w="lg" len="lg"/>
+          </a:ln>
+        </p:spPr>
+        <p:style>
+          <a:lnRef idx="1">
+            <a:schemeClr val="accent1"/>
+          </a:lnRef>
+          <a:fillRef idx="0">
+            <a:schemeClr val="accent1"/>
+          </a:fillRef>
+          <a:effectRef idx="0">
+            <a:schemeClr val="accent1"/>
+          </a:effectRef>
+          <a:fontRef idx="minor">
+            <a:schemeClr val="tx1"/>
+          </a:fontRef>
+        </p:style>
+      </p:cxnSp>
+      <p:cxnSp>
+        <p:nvCxnSpPr>
+          <p:cNvPr id="214" name="Straight Connector 213"/>
+          <p:cNvCxnSpPr>
+            <a:stCxn id="181" idx="5"/>
+            <a:endCxn id="202" idx="1"/>
+          </p:cNvCxnSpPr>
+          <p:nvPr/>
+        </p:nvCxnSpPr>
+        <p:spPr>
+          <a:xfrm>
+            <a:off x="8200195" y="4464748"/>
+            <a:ext cx="521165" cy="692569"/>
+          </a:xfrm>
+          <a:prstGeom prst="line">
+            <a:avLst/>
+          </a:prstGeom>
+          <a:ln w="25400">
+            <a:solidFill>
+              <a:schemeClr val="tx1"/>
+            </a:solidFill>
+            <a:headEnd type="stealth" w="lg" len="lg"/>
+            <a:tailEnd type="stealth" w="lg" len="lg"/>
+          </a:ln>
+        </p:spPr>
+        <p:style>
+          <a:lnRef idx="1">
+            <a:schemeClr val="accent1"/>
+          </a:lnRef>
+          <a:fillRef idx="0">
+            <a:schemeClr val="accent1"/>
+          </a:fillRef>
+          <a:effectRef idx="0">
+            <a:schemeClr val="accent1"/>
+          </a:effectRef>
+          <a:fontRef idx="minor">
+            <a:schemeClr val="tx1"/>
+          </a:fontRef>
+        </p:style>
+      </p:cxnSp>
+      <p:cxnSp>
+        <p:nvCxnSpPr>
+          <p:cNvPr id="215" name="Straight Connector 214"/>
+          <p:cNvCxnSpPr>
+            <a:stCxn id="181" idx="4"/>
+            <a:endCxn id="199" idx="0"/>
+          </p:cNvCxnSpPr>
+          <p:nvPr/>
+        </p:nvCxnSpPr>
+        <p:spPr>
+          <a:xfrm>
+            <a:off x="7929288" y="4560627"/>
+            <a:ext cx="5489" cy="504362"/>
+          </a:xfrm>
+          <a:prstGeom prst="line">
+            <a:avLst/>
+          </a:prstGeom>
+          <a:ln w="25400">
+            <a:solidFill>
+              <a:schemeClr val="tx1"/>
+            </a:solidFill>
+            <a:headEnd type="stealth" w="lg" len="lg"/>
+            <a:tailEnd type="stealth" w="lg" len="lg"/>
+          </a:ln>
+        </p:spPr>
+        <p:style>
+          <a:lnRef idx="1">
+            <a:schemeClr val="accent1"/>
+          </a:lnRef>
+          <a:fillRef idx="0">
+            <a:schemeClr val="accent1"/>
+          </a:fillRef>
+          <a:effectRef idx="0">
+            <a:schemeClr val="accent1"/>
+          </a:effectRef>
+          <a:fontRef idx="minor">
+            <a:schemeClr val="tx1"/>
+          </a:fontRef>
+        </p:style>
+      </p:cxnSp>
+      <p:cxnSp>
+        <p:nvCxnSpPr>
+          <p:cNvPr id="216" name="Straight Connector 215"/>
+          <p:cNvCxnSpPr>
+            <a:stCxn id="190" idx="4"/>
+            <a:endCxn id="196" idx="0"/>
+          </p:cNvCxnSpPr>
+          <p:nvPr/>
+        </p:nvCxnSpPr>
+        <p:spPr>
+          <a:xfrm flipH="1">
+            <a:off x="6867302" y="4560627"/>
+            <a:ext cx="1891" cy="500811"/>
+          </a:xfrm>
+          <a:prstGeom prst="line">
+            <a:avLst/>
+          </a:prstGeom>
+          <a:ln w="25400">
+            <a:solidFill>
+              <a:schemeClr val="tx1"/>
+            </a:solidFill>
+            <a:headEnd type="stealth" w="lg" len="lg"/>
+            <a:tailEnd type="stealth" w="lg" len="lg"/>
+          </a:ln>
+        </p:spPr>
+        <p:style>
+          <a:lnRef idx="1">
+            <a:schemeClr val="accent1"/>
+          </a:lnRef>
+          <a:fillRef idx="0">
+            <a:schemeClr val="accent1"/>
+          </a:fillRef>
+          <a:effectRef idx="0">
+            <a:schemeClr val="accent1"/>
+          </a:effectRef>
+          <a:fontRef idx="minor">
+            <a:schemeClr val="tx1"/>
+          </a:fontRef>
+        </p:style>
+      </p:cxnSp>
+      <p:cxnSp>
+        <p:nvCxnSpPr>
+          <p:cNvPr id="218" name="Straight Connector 217"/>
+          <p:cNvCxnSpPr>
+            <a:stCxn id="187" idx="4"/>
+            <a:endCxn id="193" idx="0"/>
+          </p:cNvCxnSpPr>
+          <p:nvPr/>
+        </p:nvCxnSpPr>
+        <p:spPr>
+          <a:xfrm flipH="1">
+            <a:off x="5785097" y="4564178"/>
+            <a:ext cx="1891" cy="500811"/>
+          </a:xfrm>
+          <a:prstGeom prst="line">
+            <a:avLst/>
+          </a:prstGeom>
+          <a:ln w="25400">
+            <a:solidFill>
+              <a:schemeClr val="tx1"/>
+            </a:solidFill>
+            <a:headEnd type="stealth" w="lg" len="lg"/>
+            <a:tailEnd type="stealth" w="lg" len="lg"/>
+          </a:ln>
+        </p:spPr>
+        <p:style>
+          <a:lnRef idx="1">
+            <a:schemeClr val="accent1"/>
+          </a:lnRef>
+          <a:fillRef idx="0">
+            <a:schemeClr val="accent1"/>
+          </a:fillRef>
+          <a:effectRef idx="0">
+            <a:schemeClr val="accent1"/>
+          </a:effectRef>
+          <a:fontRef idx="minor">
+            <a:schemeClr val="tx1"/>
+          </a:fontRef>
+        </p:style>
+      </p:cxnSp>
+      <p:cxnSp>
+        <p:nvCxnSpPr>
+          <p:cNvPr id="221" name="Straight Connector 220"/>
+          <p:cNvCxnSpPr>
+            <a:stCxn id="187" idx="5"/>
+            <a:endCxn id="196" idx="1"/>
+          </p:cNvCxnSpPr>
+          <p:nvPr/>
+        </p:nvCxnSpPr>
+        <p:spPr>
+          <a:xfrm>
+            <a:off x="6057895" y="4468299"/>
+            <a:ext cx="538499" cy="689018"/>
+          </a:xfrm>
+          <a:prstGeom prst="line">
+            <a:avLst/>
+          </a:prstGeom>
+          <a:ln w="25400">
+            <a:solidFill>
+              <a:schemeClr val="tx1"/>
+            </a:solidFill>
+            <a:headEnd type="stealth" w="lg" len="lg"/>
+            <a:tailEnd type="stealth" w="lg" len="lg"/>
+          </a:ln>
+        </p:spPr>
+        <p:style>
+          <a:lnRef idx="1">
+            <a:schemeClr val="accent1"/>
+          </a:lnRef>
+          <a:fillRef idx="0">
+            <a:schemeClr val="accent1"/>
+          </a:fillRef>
+          <a:effectRef idx="0">
+            <a:schemeClr val="accent1"/>
+          </a:effectRef>
+          <a:fontRef idx="minor">
+            <a:schemeClr val="tx1"/>
+          </a:fontRef>
+        </p:style>
+      </p:cxnSp>
+      <p:cxnSp>
+        <p:nvCxnSpPr>
+          <p:cNvPr id="224" name="Straight Connector 223"/>
+          <p:cNvCxnSpPr>
+            <a:stCxn id="190" idx="3"/>
+            <a:endCxn id="193" idx="7"/>
+          </p:cNvCxnSpPr>
+          <p:nvPr/>
+        </p:nvCxnSpPr>
+        <p:spPr>
+          <a:xfrm flipH="1">
+            <a:off x="6056004" y="4464748"/>
+            <a:ext cx="542281" cy="696120"/>
+          </a:xfrm>
+          <a:prstGeom prst="line">
+            <a:avLst/>
+          </a:prstGeom>
+          <a:ln w="25400">
+            <a:solidFill>
+              <a:schemeClr val="tx1"/>
+            </a:solidFill>
+            <a:headEnd type="stealth" w="lg" len="lg"/>
+            <a:tailEnd type="stealth" w="lg" len="lg"/>
+          </a:ln>
+        </p:spPr>
+        <p:style>
+          <a:lnRef idx="1">
+            <a:schemeClr val="accent1"/>
+          </a:lnRef>
+          <a:fillRef idx="0">
+            <a:schemeClr val="accent1"/>
+          </a:fillRef>
+          <a:effectRef idx="0">
+            <a:schemeClr val="accent1"/>
+          </a:effectRef>
+          <a:fontRef idx="minor">
+            <a:schemeClr val="tx1"/>
+          </a:fontRef>
+        </p:style>
+      </p:cxnSp>
+      <p:cxnSp>
+        <p:nvCxnSpPr>
+          <p:cNvPr id="227" name="Straight Connector 226"/>
+          <p:cNvCxnSpPr>
+            <a:stCxn id="91" idx="5"/>
+            <a:endCxn id="101" idx="0"/>
+          </p:cNvCxnSpPr>
+          <p:nvPr/>
+        </p:nvCxnSpPr>
+        <p:spPr>
+          <a:xfrm>
+            <a:off x="3158742" y="2371320"/>
+            <a:ext cx="722001" cy="342620"/>
+          </a:xfrm>
+          <a:prstGeom prst="line">
+            <a:avLst/>
+          </a:prstGeom>
+          <a:ln w="25400">
+            <a:solidFill>
+              <a:schemeClr val="tx1"/>
+            </a:solidFill>
+            <a:headEnd type="stealth" w="lg" len="lg"/>
+            <a:tailEnd type="stealth" w="lg" len="lg"/>
+          </a:ln>
+        </p:spPr>
+        <p:style>
+          <a:lnRef idx="1">
+            <a:schemeClr val="accent1"/>
+          </a:lnRef>
+          <a:fillRef idx="0">
+            <a:schemeClr val="accent1"/>
+          </a:fillRef>
+          <a:effectRef idx="0">
+            <a:schemeClr val="accent1"/>
+          </a:effectRef>
+          <a:fontRef idx="minor">
+            <a:schemeClr val="tx1"/>
+          </a:fontRef>
+        </p:style>
+      </p:cxnSp>
+      <p:cxnSp>
+        <p:nvCxnSpPr>
+          <p:cNvPr id="230" name="Straight Connector 229"/>
+          <p:cNvCxnSpPr>
+            <a:stCxn id="91" idx="3"/>
+            <a:endCxn id="89" idx="0"/>
+          </p:cNvCxnSpPr>
+          <p:nvPr/>
+        </p:nvCxnSpPr>
+        <p:spPr>
+          <a:xfrm flipH="1">
+            <a:off x="1812537" y="2371320"/>
+            <a:ext cx="804390" cy="342620"/>
+          </a:xfrm>
+          <a:prstGeom prst="line">
+            <a:avLst/>
+          </a:prstGeom>
+          <a:ln w="25400">
+            <a:solidFill>
+              <a:schemeClr val="tx1"/>
+            </a:solidFill>
+            <a:headEnd type="stealth" w="lg" len="lg"/>
+            <a:tailEnd type="stealth" w="lg" len="lg"/>
+          </a:ln>
+        </p:spPr>
+        <p:style>
+          <a:lnRef idx="1">
+            <a:schemeClr val="accent1"/>
+          </a:lnRef>
+          <a:fillRef idx="0">
+            <a:schemeClr val="accent1"/>
+          </a:fillRef>
+          <a:effectRef idx="0">
+            <a:schemeClr val="accent1"/>
+          </a:effectRef>
+          <a:fontRef idx="minor">
+            <a:schemeClr val="tx1"/>
+          </a:fontRef>
+        </p:style>
+      </p:cxnSp>
+      <p:cxnSp>
+        <p:nvCxnSpPr>
+          <p:cNvPr id="233" name="Straight Connector 232"/>
+          <p:cNvCxnSpPr>
+            <a:stCxn id="101" idx="5"/>
+            <a:endCxn id="127" idx="0"/>
+          </p:cNvCxnSpPr>
+          <p:nvPr/>
+        </p:nvCxnSpPr>
+        <p:spPr>
+          <a:xfrm>
+            <a:off x="4151650" y="3272764"/>
+            <a:ext cx="278301" cy="622463"/>
+          </a:xfrm>
+          <a:prstGeom prst="line">
+            <a:avLst/>
+          </a:prstGeom>
+          <a:ln w="25400">
+            <a:solidFill>
+              <a:schemeClr val="tx1"/>
+            </a:solidFill>
+            <a:headEnd type="stealth" w="lg" len="lg"/>
+            <a:tailEnd type="stealth" w="lg" len="lg"/>
+          </a:ln>
+        </p:spPr>
+        <p:style>
+          <a:lnRef idx="1">
+            <a:schemeClr val="accent1"/>
+          </a:lnRef>
+          <a:fillRef idx="0">
+            <a:schemeClr val="accent1"/>
+          </a:fillRef>
+          <a:effectRef idx="0">
+            <a:schemeClr val="accent1"/>
+          </a:effectRef>
+          <a:fontRef idx="minor">
+            <a:schemeClr val="tx1"/>
+          </a:fontRef>
+        </p:style>
+      </p:cxnSp>
+      <p:cxnSp>
+        <p:nvCxnSpPr>
+          <p:cNvPr id="236" name="Straight Connector 235"/>
+          <p:cNvCxnSpPr>
+            <a:stCxn id="101" idx="3"/>
+            <a:endCxn id="124" idx="0"/>
+          </p:cNvCxnSpPr>
+          <p:nvPr/>
+        </p:nvCxnSpPr>
+        <p:spPr>
+          <a:xfrm flipH="1">
+            <a:off x="3387543" y="3272764"/>
+            <a:ext cx="222292" cy="620807"/>
+          </a:xfrm>
+          <a:prstGeom prst="line">
+            <a:avLst/>
+          </a:prstGeom>
+          <a:ln w="25400">
+            <a:solidFill>
+              <a:schemeClr val="tx1"/>
+            </a:solidFill>
+            <a:headEnd type="stealth" w="lg" len="lg"/>
+            <a:tailEnd type="stealth" w="lg" len="lg"/>
+          </a:ln>
+        </p:spPr>
+        <p:style>
+          <a:lnRef idx="1">
+            <a:schemeClr val="accent1"/>
+          </a:lnRef>
+          <a:fillRef idx="0">
+            <a:schemeClr val="accent1"/>
+          </a:fillRef>
+          <a:effectRef idx="0">
+            <a:schemeClr val="accent1"/>
+          </a:effectRef>
+          <a:fontRef idx="minor">
+            <a:schemeClr val="tx1"/>
+          </a:fontRef>
+        </p:style>
+      </p:cxnSp>
+      <p:cxnSp>
+        <p:nvCxnSpPr>
+          <p:cNvPr id="239" name="Straight Connector 238"/>
+          <p:cNvCxnSpPr>
+            <a:stCxn id="89" idx="5"/>
+            <a:endCxn id="133" idx="0"/>
+          </p:cNvCxnSpPr>
+          <p:nvPr/>
+        </p:nvCxnSpPr>
+        <p:spPr>
+          <a:xfrm>
+            <a:off x="2083444" y="3272764"/>
+            <a:ext cx="219290" cy="620807"/>
+          </a:xfrm>
+          <a:prstGeom prst="line">
+            <a:avLst/>
+          </a:prstGeom>
+          <a:ln w="25400">
+            <a:solidFill>
+              <a:schemeClr val="tx1"/>
+            </a:solidFill>
+            <a:headEnd type="stealth" w="lg" len="lg"/>
+            <a:tailEnd type="stealth" w="lg" len="lg"/>
+          </a:ln>
+        </p:spPr>
+        <p:style>
+          <a:lnRef idx="1">
+            <a:schemeClr val="accent1"/>
+          </a:lnRef>
+          <a:fillRef idx="0">
+            <a:schemeClr val="accent1"/>
+          </a:fillRef>
+          <a:effectRef idx="0">
+            <a:schemeClr val="accent1"/>
+          </a:effectRef>
+          <a:fontRef idx="minor">
+            <a:schemeClr val="tx1"/>
+          </a:fontRef>
+        </p:style>
+      </p:cxnSp>
+      <p:cxnSp>
+        <p:nvCxnSpPr>
+          <p:cNvPr id="242" name="Straight Connector 241"/>
+          <p:cNvCxnSpPr>
+            <a:stCxn id="89" idx="3"/>
+            <a:endCxn id="130" idx="0"/>
+          </p:cNvCxnSpPr>
+          <p:nvPr/>
+        </p:nvCxnSpPr>
+        <p:spPr>
+          <a:xfrm flipH="1">
+            <a:off x="1208172" y="3272764"/>
+            <a:ext cx="333457" cy="624358"/>
+          </a:xfrm>
+          <a:prstGeom prst="line">
+            <a:avLst/>
+          </a:prstGeom>
+          <a:ln w="25400">
+            <a:solidFill>
+              <a:schemeClr val="tx1"/>
+            </a:solidFill>
+            <a:headEnd type="stealth" w="lg" len="lg"/>
+            <a:tailEnd type="stealth" w="lg" len="lg"/>
+          </a:ln>
+        </p:spPr>
+        <p:style>
+          <a:lnRef idx="1">
+            <a:schemeClr val="accent1"/>
+          </a:lnRef>
+          <a:fillRef idx="0">
+            <a:schemeClr val="accent1"/>
+          </a:fillRef>
+          <a:effectRef idx="0">
+            <a:schemeClr val="accent1"/>
+          </a:effectRef>
+          <a:fontRef idx="minor">
+            <a:schemeClr val="tx1"/>
+          </a:fontRef>
+        </p:style>
+      </p:cxnSp>
+      <p:cxnSp>
+        <p:nvCxnSpPr>
+          <p:cNvPr id="245" name="Straight Connector 244"/>
+          <p:cNvCxnSpPr>
+            <a:stCxn id="133" idx="4"/>
+            <a:endCxn id="139" idx="0"/>
+          </p:cNvCxnSpPr>
+          <p:nvPr/>
+        </p:nvCxnSpPr>
+        <p:spPr>
+          <a:xfrm flipH="1">
+            <a:off x="2300843" y="4548274"/>
+            <a:ext cx="1891" cy="500811"/>
+          </a:xfrm>
+          <a:prstGeom prst="line">
+            <a:avLst/>
+          </a:prstGeom>
+          <a:ln w="25400">
+            <a:solidFill>
+              <a:schemeClr val="tx1"/>
+            </a:solidFill>
+            <a:headEnd type="stealth" w="lg" len="lg"/>
+            <a:tailEnd type="stealth" w="lg" len="lg"/>
+          </a:ln>
+        </p:spPr>
+        <p:style>
+          <a:lnRef idx="1">
+            <a:schemeClr val="accent1"/>
+          </a:lnRef>
+          <a:fillRef idx="0">
+            <a:schemeClr val="accent1"/>
+          </a:fillRef>
+          <a:effectRef idx="0">
+            <a:schemeClr val="accent1"/>
+          </a:effectRef>
+          <a:fontRef idx="minor">
+            <a:schemeClr val="tx1"/>
+          </a:fontRef>
+        </p:style>
+      </p:cxnSp>
+      <p:cxnSp>
+        <p:nvCxnSpPr>
+          <p:cNvPr id="248" name="Straight Connector 247"/>
+          <p:cNvCxnSpPr>
+            <a:stCxn id="127" idx="4"/>
+            <a:endCxn id="145" idx="0"/>
+          </p:cNvCxnSpPr>
+          <p:nvPr/>
+        </p:nvCxnSpPr>
+        <p:spPr>
+          <a:xfrm flipH="1">
+            <a:off x="4425809" y="4549930"/>
+            <a:ext cx="4142" cy="499155"/>
+          </a:xfrm>
+          <a:prstGeom prst="line">
+            <a:avLst/>
+          </a:prstGeom>
+          <a:ln w="25400">
+            <a:solidFill>
+              <a:schemeClr val="tx1"/>
+            </a:solidFill>
+            <a:headEnd type="stealth" w="lg" len="lg"/>
+            <a:tailEnd type="stealth" w="lg" len="lg"/>
+          </a:ln>
+        </p:spPr>
+        <p:style>
+          <a:lnRef idx="1">
+            <a:schemeClr val="accent1"/>
+          </a:lnRef>
+          <a:fillRef idx="0">
+            <a:schemeClr val="accent1"/>
+          </a:fillRef>
+          <a:effectRef idx="0">
+            <a:schemeClr val="accent1"/>
+          </a:effectRef>
+          <a:fontRef idx="minor">
+            <a:schemeClr val="tx1"/>
+          </a:fontRef>
+        </p:style>
+      </p:cxnSp>
+      <p:cxnSp>
+        <p:nvCxnSpPr>
+          <p:cNvPr id="251" name="Straight Connector 250"/>
+          <p:cNvCxnSpPr>
+            <a:stCxn id="124" idx="4"/>
+            <a:endCxn id="142" idx="0"/>
+          </p:cNvCxnSpPr>
+          <p:nvPr/>
+        </p:nvCxnSpPr>
+        <p:spPr>
+          <a:xfrm flipH="1">
+            <a:off x="3380675" y="4548274"/>
+            <a:ext cx="6868" cy="504362"/>
+          </a:xfrm>
+          <a:prstGeom prst="line">
+            <a:avLst/>
+          </a:prstGeom>
+          <a:ln w="25400">
+            <a:solidFill>
+              <a:schemeClr val="tx1"/>
+            </a:solidFill>
+            <a:headEnd type="stealth" w="lg" len="lg"/>
+            <a:tailEnd type="stealth" w="lg" len="lg"/>
+          </a:ln>
+        </p:spPr>
+        <p:style>
+          <a:lnRef idx="1">
+            <a:schemeClr val="accent1"/>
+          </a:lnRef>
+          <a:fillRef idx="0">
+            <a:schemeClr val="accent1"/>
+          </a:fillRef>
+          <a:effectRef idx="0">
+            <a:schemeClr val="accent1"/>
+          </a:effectRef>
+          <a:fontRef idx="minor">
+            <a:schemeClr val="tx1"/>
+          </a:fontRef>
+        </p:style>
+      </p:cxnSp>
+      <p:cxnSp>
+        <p:nvCxnSpPr>
+          <p:cNvPr id="254" name="Straight Connector 253"/>
+          <p:cNvCxnSpPr>
+            <a:stCxn id="124" idx="5"/>
+            <a:endCxn id="145" idx="1"/>
+          </p:cNvCxnSpPr>
+          <p:nvPr/>
+        </p:nvCxnSpPr>
+        <p:spPr>
+          <a:xfrm>
+            <a:off x="3658450" y="4452395"/>
+            <a:ext cx="496451" cy="692569"/>
+          </a:xfrm>
+          <a:prstGeom prst="line">
+            <a:avLst/>
+          </a:prstGeom>
+          <a:ln w="25400">
+            <a:solidFill>
+              <a:schemeClr val="tx1"/>
+            </a:solidFill>
+            <a:headEnd type="stealth" w="lg" len="lg"/>
+            <a:tailEnd type="stealth" w="lg" len="lg"/>
+          </a:ln>
+        </p:spPr>
+        <p:style>
+          <a:lnRef idx="1">
+            <a:schemeClr val="accent1"/>
+          </a:lnRef>
+          <a:fillRef idx="0">
+            <a:schemeClr val="accent1"/>
+          </a:fillRef>
+          <a:effectRef idx="0">
+            <a:schemeClr val="accent1"/>
+          </a:effectRef>
+          <a:fontRef idx="minor">
+            <a:schemeClr val="tx1"/>
+          </a:fontRef>
+        </p:style>
+      </p:cxnSp>
+      <p:cxnSp>
+        <p:nvCxnSpPr>
+          <p:cNvPr id="257" name="Straight Connector 256"/>
+          <p:cNvCxnSpPr>
+            <a:stCxn id="127" idx="3"/>
+            <a:endCxn id="142" idx="7"/>
+          </p:cNvCxnSpPr>
+          <p:nvPr/>
+        </p:nvCxnSpPr>
+        <p:spPr>
+          <a:xfrm flipH="1">
+            <a:off x="3651582" y="4454051"/>
+            <a:ext cx="507461" cy="694464"/>
+          </a:xfrm>
+          <a:prstGeom prst="line">
+            <a:avLst/>
+          </a:prstGeom>
+          <a:ln w="25400">
+            <a:solidFill>
+              <a:schemeClr val="tx1"/>
+            </a:solidFill>
+            <a:headEnd type="stealth" w="lg" len="lg"/>
+            <a:tailEnd type="stealth" w="lg" len="lg"/>
+          </a:ln>
+        </p:spPr>
+        <p:style>
+          <a:lnRef idx="1">
+            <a:schemeClr val="accent1"/>
+          </a:lnRef>
+          <a:fillRef idx="0">
+            <a:schemeClr val="accent1"/>
+          </a:fillRef>
+          <a:effectRef idx="0">
+            <a:schemeClr val="accent1"/>
+          </a:effectRef>
+          <a:fontRef idx="minor">
+            <a:schemeClr val="tx1"/>
+          </a:fontRef>
+        </p:style>
+      </p:cxnSp>
+      <p:cxnSp>
+        <p:nvCxnSpPr>
+          <p:cNvPr id="260" name="Straight Connector 259"/>
+          <p:cNvCxnSpPr>
+            <a:stCxn id="133" idx="3"/>
+            <a:endCxn id="136" idx="7"/>
+          </p:cNvCxnSpPr>
+          <p:nvPr/>
+        </p:nvCxnSpPr>
+        <p:spPr>
+          <a:xfrm flipH="1">
+            <a:off x="1489545" y="4452395"/>
+            <a:ext cx="542281" cy="696120"/>
+          </a:xfrm>
+          <a:prstGeom prst="line">
+            <a:avLst/>
+          </a:prstGeom>
+          <a:ln w="25400">
+            <a:solidFill>
+              <a:schemeClr val="tx1"/>
+            </a:solidFill>
+            <a:headEnd type="stealth" w="lg" len="lg"/>
+            <a:tailEnd type="stealth" w="lg" len="lg"/>
+          </a:ln>
+        </p:spPr>
+        <p:style>
+          <a:lnRef idx="1">
+            <a:schemeClr val="accent1"/>
+          </a:lnRef>
+          <a:fillRef idx="0">
+            <a:schemeClr val="accent1"/>
+          </a:fillRef>
+          <a:effectRef idx="0">
+            <a:schemeClr val="accent1"/>
+          </a:effectRef>
+          <a:fontRef idx="minor">
+            <a:schemeClr val="tx1"/>
+          </a:fontRef>
+        </p:style>
+      </p:cxnSp>
+      <p:cxnSp>
+        <p:nvCxnSpPr>
+          <p:cNvPr id="263" name="Straight Connector 262"/>
+          <p:cNvCxnSpPr>
+            <a:stCxn id="130" idx="4"/>
+            <a:endCxn id="136" idx="0"/>
+          </p:cNvCxnSpPr>
+          <p:nvPr/>
+        </p:nvCxnSpPr>
+        <p:spPr>
+          <a:xfrm>
+            <a:off x="1208172" y="4551825"/>
+            <a:ext cx="10466" cy="500811"/>
+          </a:xfrm>
+          <a:prstGeom prst="line">
+            <a:avLst/>
+          </a:prstGeom>
+          <a:ln w="25400">
+            <a:solidFill>
+              <a:schemeClr val="tx1"/>
+            </a:solidFill>
+            <a:headEnd type="stealth" w="lg" len="lg"/>
+            <a:tailEnd type="stealth" w="lg" len="lg"/>
+          </a:ln>
+        </p:spPr>
+        <p:style>
+          <a:lnRef idx="1">
+            <a:schemeClr val="accent1"/>
+          </a:lnRef>
+          <a:fillRef idx="0">
+            <a:schemeClr val="accent1"/>
+          </a:fillRef>
+          <a:effectRef idx="0">
+            <a:schemeClr val="accent1"/>
+          </a:effectRef>
+          <a:fontRef idx="minor">
+            <a:schemeClr val="tx1"/>
+          </a:fontRef>
+        </p:style>
+      </p:cxnSp>
+      <p:cxnSp>
+        <p:nvCxnSpPr>
+          <p:cNvPr id="266" name="Straight Connector 265"/>
+          <p:cNvCxnSpPr>
+            <a:stCxn id="130" idx="5"/>
+            <a:endCxn id="139" idx="1"/>
+          </p:cNvCxnSpPr>
+          <p:nvPr/>
+        </p:nvCxnSpPr>
+        <p:spPr>
+          <a:xfrm>
+            <a:off x="1479079" y="4455946"/>
+            <a:ext cx="550856" cy="689018"/>
+          </a:xfrm>
+          <a:prstGeom prst="line">
+            <a:avLst/>
+          </a:prstGeom>
+          <a:ln w="25400">
+            <a:solidFill>
+              <a:schemeClr val="tx1"/>
+            </a:solidFill>
+            <a:headEnd type="stealth" w="lg" len="lg"/>
+            <a:tailEnd type="stealth" w="lg" len="lg"/>
+          </a:ln>
+        </p:spPr>
+        <p:style>
+          <a:lnRef idx="1">
+            <a:schemeClr val="accent1"/>
+          </a:lnRef>
+          <a:fillRef idx="0">
+            <a:schemeClr val="accent1"/>
+          </a:fillRef>
+          <a:effectRef idx="0">
+            <a:schemeClr val="accent1"/>
+          </a:effectRef>
+          <a:fontRef idx="minor">
+            <a:schemeClr val="tx1"/>
+          </a:fontRef>
+        </p:style>
+      </p:cxnSp>
+      <p:cxnSp>
+        <p:nvCxnSpPr>
+          <p:cNvPr id="269" name="Straight Connector 268"/>
+          <p:cNvCxnSpPr>
+            <a:stCxn id="283" idx="3"/>
+            <a:endCxn id="92" idx="3"/>
+          </p:cNvCxnSpPr>
+          <p:nvPr/>
+        </p:nvCxnSpPr>
+        <p:spPr>
+          <a:xfrm flipH="1">
+            <a:off x="3308783" y="1850854"/>
+            <a:ext cx="1453780" cy="288993"/>
+          </a:xfrm>
+          <a:prstGeom prst="line">
+            <a:avLst/>
+          </a:prstGeom>
+          <a:ln w="25400">
+            <a:solidFill>
+              <a:schemeClr val="tx1"/>
+            </a:solidFill>
+            <a:tailEnd type="stealth" w="lg" len="lg"/>
+          </a:ln>
+        </p:spPr>
+        <p:style>
+          <a:lnRef idx="1">
+            <a:schemeClr val="accent1"/>
+          </a:lnRef>
+          <a:fillRef idx="0">
+            <a:schemeClr val="accent1"/>
+          </a:fillRef>
+          <a:effectRef idx="0">
+            <a:schemeClr val="accent1"/>
+          </a:effectRef>
+          <a:fontRef idx="minor">
+            <a:schemeClr val="tx1"/>
+          </a:fontRef>
+        </p:style>
+      </p:cxnSp>
+      <p:cxnSp>
+        <p:nvCxnSpPr>
+          <p:cNvPr id="273" name="Straight Connector 272"/>
+          <p:cNvCxnSpPr>
+            <a:stCxn id="283" idx="5"/>
+            <a:endCxn id="176" idx="1"/>
+          </p:cNvCxnSpPr>
+          <p:nvPr/>
+        </p:nvCxnSpPr>
+        <p:spPr>
+          <a:xfrm>
+            <a:off x="5384399" y="1850854"/>
+            <a:ext cx="1660166" cy="288993"/>
+          </a:xfrm>
+          <a:prstGeom prst="line">
+            <a:avLst/>
+          </a:prstGeom>
+          <a:ln w="25400">
+            <a:solidFill>
+              <a:schemeClr val="tx1"/>
+            </a:solidFill>
+            <a:tailEnd type="stealth" w="lg" len="lg"/>
+          </a:ln>
+        </p:spPr>
+        <p:style>
+          <a:lnRef idx="1">
+            <a:schemeClr val="accent1"/>
+          </a:lnRef>
+          <a:fillRef idx="0">
+            <a:schemeClr val="accent1"/>
+          </a:fillRef>
+          <a:effectRef idx="0">
+            <a:schemeClr val="accent1"/>
+          </a:effectRef>
+          <a:fontRef idx="minor">
+            <a:schemeClr val="tx1"/>
+          </a:fontRef>
+        </p:style>
+      </p:cxnSp>
+      <p:grpSp>
+        <p:nvGrpSpPr>
+          <p:cNvPr id="287" name="Group 286"/>
+          <p:cNvGrpSpPr/>
+          <p:nvPr/>
+        </p:nvGrpSpPr>
+        <p:grpSpPr>
+          <a:xfrm>
+            <a:off x="4607169" y="1292030"/>
+            <a:ext cx="906017" cy="892066"/>
+            <a:chOff x="4607169" y="1205531"/>
+            <a:chExt cx="906017" cy="892066"/>
+          </a:xfrm>
+        </p:grpSpPr>
+        <p:sp>
+          <p:nvSpPr>
+            <p:cNvPr id="281" name="Arc 280"/>
+            <p:cNvSpPr/>
+            <p:nvPr/>
+          </p:nvSpPr>
+          <p:spPr>
+            <a:xfrm>
+              <a:off x="4886661" y="1622869"/>
+              <a:ext cx="454240" cy="474728"/>
+            </a:xfrm>
+            <a:prstGeom prst="arc">
+              <a:avLst>
+                <a:gd name="adj1" fmla="val 20615935"/>
+                <a:gd name="adj2" fmla="val 11255835"/>
+              </a:avLst>
+            </a:prstGeom>
+            <a:ln w="25400">
+              <a:solidFill>
+                <a:schemeClr val="tx1"/>
+              </a:solidFill>
+              <a:headEnd w="lg" len="lg"/>
+              <a:tailEnd type="stealth"/>
+            </a:ln>
+          </p:spPr>
+          <p:style>
+            <a:lnRef idx="1">
+              <a:schemeClr val="accent1"/>
+            </a:lnRef>
+            <a:fillRef idx="0">
+              <a:schemeClr val="accent1"/>
+            </a:fillRef>
+            <a:effectRef idx="0">
+              <a:schemeClr val="accent1"/>
+            </a:effectRef>
+            <a:fontRef idx="minor">
+              <a:schemeClr val="tx1"/>
+            </a:fontRef>
+          </p:style>
+          <p:txBody>
+            <a:bodyPr rtlCol="0" anchor="ctr"/>
+            <a:lstStyle/>
+            <a:p>
+              <a:pPr algn="ctr"/>
+              <a:endParaRPr lang="en-US"/>
+            </a:p>
+          </p:txBody>
+        </p:sp>
+        <p:grpSp>
+          <p:nvGrpSpPr>
+            <p:cNvPr id="282" name="Group 281"/>
+            <p:cNvGrpSpPr/>
+            <p:nvPr/>
+          </p:nvGrpSpPr>
+          <p:grpSpPr>
+            <a:xfrm>
+              <a:off x="4607169" y="1205531"/>
+              <a:ext cx="906017" cy="654703"/>
+              <a:chOff x="6847409" y="1656010"/>
+              <a:chExt cx="906017" cy="654703"/>
+            </a:xfrm>
+          </p:grpSpPr>
+          <p:sp>
+            <p:nvSpPr>
+              <p:cNvPr id="283" name="Oval 282"/>
+              <p:cNvSpPr/>
+              <p:nvPr/>
+            </p:nvSpPr>
+            <p:spPr>
+              <a:xfrm>
+                <a:off x="6874016" y="1656010"/>
+                <a:ext cx="879410" cy="654703"/>
+              </a:xfrm>
+              <a:prstGeom prst="ellipse">
+                <a:avLst/>
+              </a:prstGeom>
+              <a:solidFill>
+                <a:schemeClr val="bg2"/>
+              </a:solidFill>
+              <a:ln>
+                <a:solidFill>
+                  <a:schemeClr val="tx1"/>
+                </a:solidFill>
+              </a:ln>
+            </p:spPr>
+            <p:style>
+              <a:lnRef idx="2">
+                <a:schemeClr val="accent1">
+                  <a:shade val="50000"/>
+                </a:schemeClr>
+              </a:lnRef>
+              <a:fillRef idx="1">
+                <a:schemeClr val="accent1"/>
+              </a:fillRef>
+              <a:effectRef idx="0">
+                <a:schemeClr val="accent1"/>
+              </a:effectRef>
+              <a:fontRef idx="minor">
+                <a:schemeClr val="lt1"/>
+              </a:fontRef>
+            </p:style>
+            <p:txBody>
+              <a:bodyPr rtlCol="0" anchor="ctr"/>
+              <a:lstStyle/>
+              <a:p>
+                <a:pPr algn="ctr"/>
+                <a:endParaRPr lang="en-US" dirty="0">
+                  <a:solidFill>
+                    <a:schemeClr val="tx1"/>
+                  </a:solidFill>
+                </a:endParaRPr>
+              </a:p>
+            </p:txBody>
+          </p:sp>
+          <p:sp>
+            <p:nvSpPr>
+              <p:cNvPr id="284" name="TextBox 283"/>
+              <p:cNvSpPr txBox="1"/>
+              <p:nvPr/>
+            </p:nvSpPr>
+            <p:spPr>
+              <a:xfrm>
+                <a:off x="6847409" y="1814084"/>
+                <a:ext cx="906017" cy="338554"/>
+              </a:xfrm>
+              <a:prstGeom prst="rect">
+                <a:avLst/>
+              </a:prstGeom>
+              <a:noFill/>
+            </p:spPr>
+            <p:txBody>
+              <a:bodyPr wrap="none" rtlCol="0">
+                <a:spAutoFit/>
+              </a:bodyPr>
+              <a:lstStyle/>
+              <a:p>
+                <a:r>
+                  <a:rPr lang="en-US" sz="1600" dirty="0" smtClean="0"/>
+                  <a:t>(out,0,0)</a:t>
+                </a:r>
+                <a:endParaRPr lang="en-US" sz="1600" dirty="0"/>
+              </a:p>
+            </p:txBody>
+          </p:sp>
+        </p:grpSp>
+      </p:grpSp>
+    </p:spTree>
+    <p:extLst>
+      <p:ext uri="{BB962C8B-B14F-4D97-AF65-F5344CB8AC3E}">
+        <p14:creationId xmlns:p14="http://schemas.microsoft.com/office/powerpoint/2010/main" val="391872942"/>
+      </p:ext>
+    </p:extLst>
+  </p:cSld>
+  <p:clrMapOvr>
+    <a:masterClrMapping/>
+  </p:clrMapOvr>
+</p:sld>
+</file>
+
+<file path=ppt/slides/slide7.xml><?xml version="1.0" encoding="utf-8"?>
+<p:sld xmlns:a="http://schemas.openxmlformats.org/drawingml/2006/main" xmlns:r="http://schemas.openxmlformats.org/officeDocument/2006/relationships" xmlns:p="http://schemas.openxmlformats.org/presentationml/2006/main">
+  <p:cSld>
+    <p:spTree>
+      <p:nvGrpSpPr>
+        <p:cNvPr id="1" name=""/>
+        <p:cNvGrpSpPr/>
+        <p:nvPr/>
+      </p:nvGrpSpPr>
+      <p:grpSpPr>
+        <a:xfrm>
+          <a:off x="0" y="0"/>
+          <a:ext cx="0" cy="0"/>
+          <a:chOff x="0" y="0"/>
+          <a:chExt cx="0" cy="0"/>
+        </a:xfrm>
+      </p:grpSpPr>
+      <p:sp>
+        <p:nvSpPr>
+          <p:cNvPr id="2" name="Oval 1"/>
+          <p:cNvSpPr/>
+          <p:nvPr/>
+        </p:nvSpPr>
+        <p:spPr>
+          <a:xfrm>
+            <a:off x="4625393" y="527983"/>
+            <a:ext cx="889686" cy="481914"/>
+          </a:xfrm>
+          <a:prstGeom prst="ellipse">
+            <a:avLst/>
+          </a:prstGeom>
+          <a:solidFill>
+            <a:schemeClr val="bg2"/>
+          </a:solidFill>
+          <a:ln>
+            <a:solidFill>
+              <a:schemeClr val="tx1"/>
+            </a:solidFill>
+          </a:ln>
+        </p:spPr>
+        <p:style>
+          <a:lnRef idx="2">
+            <a:schemeClr val="accent1">
+              <a:shade val="50000"/>
+            </a:schemeClr>
+          </a:lnRef>
+          <a:fillRef idx="1">
+            <a:schemeClr val="accent1"/>
+          </a:fillRef>
+          <a:effectRef idx="0">
+            <a:schemeClr val="accent1"/>
+          </a:effectRef>
+          <a:fontRef idx="minor">
+            <a:schemeClr val="lt1"/>
+          </a:fontRef>
+        </p:style>
+        <p:txBody>
+          <a:bodyPr rtlCol="0" anchor="ctr"/>
+          <a:lstStyle/>
+          <a:p>
+            <a:pPr algn="ctr"/>
+            <a:r>
+              <a:rPr lang="en-US" dirty="0" smtClean="0">
+                <a:solidFill>
+                  <a:schemeClr val="tx1"/>
+                </a:solidFill>
+              </a:rPr>
+              <a:t>Start</a:t>
+            </a:r>
+            <a:endParaRPr lang="en-US" dirty="0">
+              <a:solidFill>
+                <a:schemeClr val="tx1"/>
+              </a:solidFill>
+            </a:endParaRPr>
+          </a:p>
+        </p:txBody>
+      </p:sp>
+      <p:grpSp>
+        <p:nvGrpSpPr>
+          <p:cNvPr id="5" name="Group 4"/>
+          <p:cNvGrpSpPr/>
+          <p:nvPr/>
+        </p:nvGrpSpPr>
+        <p:grpSpPr>
+          <a:xfrm>
+            <a:off x="3070974" y="2837510"/>
+            <a:ext cx="792850" cy="654703"/>
+            <a:chOff x="6847409" y="1656010"/>
+            <a:chExt cx="792850" cy="654703"/>
+          </a:xfrm>
+        </p:grpSpPr>
+        <p:sp>
+          <p:nvSpPr>
+            <p:cNvPr id="89" name="Oval 88"/>
+            <p:cNvSpPr/>
+            <p:nvPr/>
+          </p:nvSpPr>
+          <p:spPr>
+            <a:xfrm>
+              <a:off x="6874016" y="1656010"/>
+              <a:ext cx="766243" cy="654703"/>
+            </a:xfrm>
+            <a:prstGeom prst="ellipse">
+              <a:avLst/>
+            </a:prstGeom>
+            <a:solidFill>
+              <a:schemeClr val="bg2"/>
+            </a:solidFill>
+            <a:ln>
+              <a:solidFill>
+                <a:schemeClr val="tx1"/>
+              </a:solidFill>
+            </a:ln>
+          </p:spPr>
+          <p:style>
+            <a:lnRef idx="2">
+              <a:schemeClr val="accent1">
+                <a:shade val="50000"/>
+              </a:schemeClr>
+            </a:lnRef>
+            <a:fillRef idx="1">
+              <a:schemeClr val="accent1"/>
+            </a:fillRef>
+            <a:effectRef idx="0">
+              <a:schemeClr val="accent1"/>
+            </a:effectRef>
+            <a:fontRef idx="minor">
+              <a:schemeClr val="lt1"/>
+            </a:fontRef>
+          </p:style>
+          <p:txBody>
+            <a:bodyPr rtlCol="0" anchor="ctr"/>
+            <a:lstStyle/>
+            <a:p>
+              <a:pPr algn="ctr"/>
+              <a:endParaRPr lang="en-US" dirty="0">
+                <a:solidFill>
+                  <a:schemeClr val="tx1"/>
+                </a:solidFill>
+              </a:endParaRPr>
+            </a:p>
+          </p:txBody>
+        </p:sp>
+        <p:sp>
+          <p:nvSpPr>
+            <p:cNvPr id="4" name="TextBox 3"/>
+            <p:cNvSpPr txBox="1"/>
+            <p:nvPr/>
+          </p:nvSpPr>
+          <p:spPr>
+            <a:xfrm>
+              <a:off x="6847409" y="1814084"/>
+              <a:ext cx="715260" cy="338554"/>
+            </a:xfrm>
+            <a:prstGeom prst="rect">
+              <a:avLst/>
+            </a:prstGeom>
+            <a:noFill/>
+          </p:spPr>
+          <p:txBody>
+            <a:bodyPr wrap="none" rtlCol="0">
+              <a:spAutoFit/>
+            </a:bodyPr>
+            <a:lstStyle/>
+            <a:p>
+              <a:r>
+                <a:rPr lang="en-US" sz="1600" dirty="0" smtClean="0"/>
+                <a:t>(S,1,0)</a:t>
+              </a:r>
+              <a:endParaRPr lang="en-US" sz="1600" dirty="0"/>
+            </a:p>
+          </p:txBody>
+        </p:sp>
+      </p:grpSp>
+      <p:grpSp>
+        <p:nvGrpSpPr>
+          <p:cNvPr id="90" name="Group 89"/>
+          <p:cNvGrpSpPr/>
+          <p:nvPr/>
+        </p:nvGrpSpPr>
+        <p:grpSpPr>
+          <a:xfrm>
+            <a:off x="3071233" y="1812496"/>
+            <a:ext cx="830677" cy="654703"/>
+            <a:chOff x="6847409" y="1656010"/>
+            <a:chExt cx="830677" cy="654703"/>
+          </a:xfrm>
+        </p:grpSpPr>
+        <p:sp>
+          <p:nvSpPr>
+            <p:cNvPr id="91" name="Oval 90"/>
+            <p:cNvSpPr/>
+            <p:nvPr/>
+          </p:nvSpPr>
+          <p:spPr>
+            <a:xfrm>
+              <a:off x="6874016" y="1656010"/>
+              <a:ext cx="766243" cy="654703"/>
+            </a:xfrm>
+            <a:prstGeom prst="ellipse">
+              <a:avLst/>
+            </a:prstGeom>
+            <a:solidFill>
+              <a:schemeClr val="bg2"/>
+            </a:solidFill>
+            <a:ln>
+              <a:solidFill>
+                <a:schemeClr val="tx1"/>
+              </a:solidFill>
+            </a:ln>
+          </p:spPr>
+          <p:style>
+            <a:lnRef idx="2">
+              <a:schemeClr val="accent1">
+                <a:shade val="50000"/>
+              </a:schemeClr>
+            </a:lnRef>
+            <a:fillRef idx="1">
+              <a:schemeClr val="accent1"/>
+            </a:fillRef>
+            <a:effectRef idx="0">
+              <a:schemeClr val="accent1"/>
+            </a:effectRef>
+            <a:fontRef idx="minor">
+              <a:schemeClr val="lt1"/>
+            </a:fontRef>
+          </p:style>
+          <p:txBody>
+            <a:bodyPr rtlCol="0" anchor="ctr"/>
+            <a:lstStyle/>
+            <a:p>
+              <a:pPr algn="ctr"/>
+              <a:endParaRPr lang="en-US" dirty="0">
+                <a:solidFill>
+                  <a:schemeClr val="tx1"/>
+                </a:solidFill>
+              </a:endParaRPr>
+            </a:p>
+          </p:txBody>
+        </p:sp>
+        <p:sp>
+          <p:nvSpPr>
+            <p:cNvPr id="92" name="TextBox 91"/>
+            <p:cNvSpPr txBox="1"/>
+            <p:nvPr/>
+          </p:nvSpPr>
+          <p:spPr>
+            <a:xfrm>
+              <a:off x="6847409" y="1814084"/>
+              <a:ext cx="830677" cy="338554"/>
+            </a:xfrm>
+            <a:prstGeom prst="rect">
+              <a:avLst/>
+            </a:prstGeom>
+            <a:noFill/>
+          </p:spPr>
+          <p:txBody>
+            <a:bodyPr wrap="none" rtlCol="0">
+              <a:spAutoFit/>
+            </a:bodyPr>
+            <a:lstStyle/>
+            <a:p>
+              <a:r>
+                <a:rPr lang="en-US" sz="1600" dirty="0" smtClean="0"/>
+                <a:t>(P1,0,0)</a:t>
+              </a:r>
+              <a:endParaRPr lang="en-US" sz="1600" dirty="0"/>
+            </a:p>
+          </p:txBody>
+        </p:sp>
+      </p:grpSp>
+      <p:grpSp>
+        <p:nvGrpSpPr>
+          <p:cNvPr id="129" name="Group 128"/>
+          <p:cNvGrpSpPr/>
+          <p:nvPr/>
+        </p:nvGrpSpPr>
+        <p:grpSpPr>
+          <a:xfrm>
+            <a:off x="2294340" y="3905924"/>
+            <a:ext cx="867738" cy="654703"/>
+            <a:chOff x="6847409" y="1656010"/>
+            <a:chExt cx="867738" cy="654703"/>
+          </a:xfrm>
+        </p:grpSpPr>
+        <p:sp>
+          <p:nvSpPr>
+            <p:cNvPr id="130" name="Oval 129"/>
+            <p:cNvSpPr/>
+            <p:nvPr/>
+          </p:nvSpPr>
+          <p:spPr>
+            <a:xfrm>
+              <a:off x="6874016" y="1656010"/>
+              <a:ext cx="766243" cy="654703"/>
+            </a:xfrm>
+            <a:prstGeom prst="ellipse">
+              <a:avLst/>
+            </a:prstGeom>
+            <a:solidFill>
+              <a:schemeClr val="bg2"/>
+            </a:solidFill>
+            <a:ln>
+              <a:solidFill>
+                <a:schemeClr val="tx1"/>
+              </a:solidFill>
+            </a:ln>
+          </p:spPr>
+          <p:style>
+            <a:lnRef idx="2">
+              <a:schemeClr val="accent1">
+                <a:shade val="50000"/>
+              </a:schemeClr>
+            </a:lnRef>
+            <a:fillRef idx="1">
+              <a:schemeClr val="accent1"/>
+            </a:fillRef>
+            <a:effectRef idx="0">
+              <a:schemeClr val="accent1"/>
+            </a:effectRef>
+            <a:fontRef idx="minor">
+              <a:schemeClr val="lt1"/>
+            </a:fontRef>
+          </p:style>
+          <p:txBody>
+            <a:bodyPr rtlCol="0" anchor="ctr"/>
+            <a:lstStyle/>
+            <a:p>
+              <a:pPr algn="ctr"/>
+              <a:endParaRPr lang="en-US" dirty="0">
+                <a:solidFill>
+                  <a:schemeClr val="tx1"/>
+                </a:solidFill>
+              </a:endParaRPr>
+            </a:p>
+          </p:txBody>
+        </p:sp>
+        <p:sp>
+          <p:nvSpPr>
+            <p:cNvPr id="131" name="TextBox 130"/>
+            <p:cNvSpPr txBox="1"/>
+            <p:nvPr/>
+          </p:nvSpPr>
+          <p:spPr>
+            <a:xfrm>
+              <a:off x="6847409" y="1814084"/>
+              <a:ext cx="867738" cy="338554"/>
+            </a:xfrm>
+            <a:prstGeom prst="rect">
+              <a:avLst/>
+            </a:prstGeom>
+            <a:noFill/>
+          </p:spPr>
+          <p:txBody>
+            <a:bodyPr wrap="none" rtlCol="0">
+              <a:spAutoFit/>
+            </a:bodyPr>
+            <a:lstStyle/>
+            <a:p>
+              <a:r>
+                <a:rPr lang="en-US" sz="1600" dirty="0" smtClean="0"/>
+                <a:t>(AG,1,0)</a:t>
+              </a:r>
+              <a:endParaRPr lang="en-US" sz="1600" dirty="0"/>
+            </a:p>
+          </p:txBody>
+        </p:sp>
+      </p:grpSp>
+      <p:grpSp>
+        <p:nvGrpSpPr>
+          <p:cNvPr id="135" name="Group 134"/>
+          <p:cNvGrpSpPr/>
+          <p:nvPr/>
+        </p:nvGrpSpPr>
+        <p:grpSpPr>
+          <a:xfrm>
+            <a:off x="2292449" y="5061438"/>
+            <a:ext cx="844142" cy="654703"/>
+            <a:chOff x="6847409" y="1656010"/>
+            <a:chExt cx="844142" cy="654703"/>
+          </a:xfrm>
+        </p:grpSpPr>
+        <p:sp>
+          <p:nvSpPr>
+            <p:cNvPr id="136" name="Oval 135"/>
+            <p:cNvSpPr/>
+            <p:nvPr/>
+          </p:nvSpPr>
+          <p:spPr>
+            <a:xfrm>
+              <a:off x="6874016" y="1656010"/>
+              <a:ext cx="766243" cy="654703"/>
+            </a:xfrm>
+            <a:prstGeom prst="ellipse">
+              <a:avLst/>
+            </a:prstGeom>
+            <a:solidFill>
+              <a:schemeClr val="bg2"/>
+            </a:solidFill>
+            <a:ln>
+              <a:solidFill>
+                <a:schemeClr val="tx1"/>
+              </a:solidFill>
+            </a:ln>
+          </p:spPr>
+          <p:style>
+            <a:lnRef idx="2">
+              <a:schemeClr val="accent1">
+                <a:shade val="50000"/>
+              </a:schemeClr>
+            </a:lnRef>
+            <a:fillRef idx="1">
+              <a:schemeClr val="accent1"/>
+            </a:fillRef>
+            <a:effectRef idx="0">
+              <a:schemeClr val="accent1"/>
+            </a:effectRef>
+            <a:fontRef idx="minor">
+              <a:schemeClr val="lt1"/>
+            </a:fontRef>
+          </p:style>
+          <p:txBody>
+            <a:bodyPr rtlCol="0" anchor="ctr"/>
+            <a:lstStyle/>
+            <a:p>
+              <a:pPr algn="ctr"/>
+              <a:endParaRPr lang="en-US" dirty="0">
+                <a:solidFill>
+                  <a:schemeClr val="tx1"/>
+                </a:solidFill>
+              </a:endParaRPr>
+            </a:p>
+          </p:txBody>
+        </p:sp>
+        <p:sp>
+          <p:nvSpPr>
+            <p:cNvPr id="137" name="TextBox 136"/>
+            <p:cNvSpPr txBox="1"/>
+            <p:nvPr/>
+          </p:nvSpPr>
+          <p:spPr>
+            <a:xfrm>
+              <a:off x="6847409" y="1814084"/>
+              <a:ext cx="844142" cy="338554"/>
+            </a:xfrm>
+            <a:prstGeom prst="rect">
+              <a:avLst/>
+            </a:prstGeom>
+            <a:noFill/>
+          </p:spPr>
+          <p:txBody>
+            <a:bodyPr wrap="none" rtlCol="0">
+              <a:spAutoFit/>
+            </a:bodyPr>
+            <a:lstStyle/>
+            <a:p>
+              <a:r>
+                <a:rPr lang="en-US" sz="1600" dirty="0" smtClean="0"/>
+                <a:t>(TG,1,0)</a:t>
+              </a:r>
+              <a:endParaRPr lang="en-US" sz="1600" dirty="0"/>
+            </a:p>
+          </p:txBody>
+        </p:sp>
+      </p:grpSp>
+      <p:grpSp>
+        <p:nvGrpSpPr>
+          <p:cNvPr id="174" name="Group 173"/>
+          <p:cNvGrpSpPr/>
+          <p:nvPr/>
+        </p:nvGrpSpPr>
+        <p:grpSpPr>
+          <a:xfrm>
+            <a:off x="6229016" y="1787782"/>
+            <a:ext cx="830677" cy="654703"/>
+            <a:chOff x="6847409" y="1656010"/>
+            <a:chExt cx="830677" cy="654703"/>
+          </a:xfrm>
+        </p:grpSpPr>
+        <p:sp>
+          <p:nvSpPr>
+            <p:cNvPr id="175" name="Oval 174"/>
+            <p:cNvSpPr/>
+            <p:nvPr/>
+          </p:nvSpPr>
+          <p:spPr>
+            <a:xfrm>
+              <a:off x="6874016" y="1656010"/>
+              <a:ext cx="766243" cy="654703"/>
+            </a:xfrm>
+            <a:prstGeom prst="ellipse">
+              <a:avLst/>
+            </a:prstGeom>
+            <a:solidFill>
+              <a:schemeClr val="bg2"/>
+            </a:solidFill>
+            <a:ln>
+              <a:solidFill>
+                <a:schemeClr val="tx1"/>
+              </a:solidFill>
+            </a:ln>
+          </p:spPr>
+          <p:style>
+            <a:lnRef idx="2">
+              <a:schemeClr val="accent1">
+                <a:shade val="50000"/>
+              </a:schemeClr>
+            </a:lnRef>
+            <a:fillRef idx="1">
+              <a:schemeClr val="accent1"/>
+            </a:fillRef>
+            <a:effectRef idx="0">
+              <a:schemeClr val="accent1"/>
+            </a:effectRef>
+            <a:fontRef idx="minor">
+              <a:schemeClr val="lt1"/>
+            </a:fontRef>
+          </p:style>
+          <p:txBody>
+            <a:bodyPr rtlCol="0" anchor="ctr"/>
+            <a:lstStyle/>
+            <a:p>
+              <a:pPr algn="ctr"/>
+              <a:endParaRPr lang="en-US" dirty="0">
+                <a:solidFill>
+                  <a:schemeClr val="tx1"/>
+                </a:solidFill>
+              </a:endParaRPr>
+            </a:p>
+          </p:txBody>
+        </p:sp>
+        <p:sp>
+          <p:nvSpPr>
+            <p:cNvPr id="176" name="TextBox 175"/>
+            <p:cNvSpPr txBox="1"/>
+            <p:nvPr/>
+          </p:nvSpPr>
+          <p:spPr>
+            <a:xfrm>
+              <a:off x="6847409" y="1814084"/>
+              <a:ext cx="830677" cy="338554"/>
+            </a:xfrm>
+            <a:prstGeom prst="rect">
+              <a:avLst/>
+            </a:prstGeom>
+            <a:noFill/>
+          </p:spPr>
+          <p:txBody>
+            <a:bodyPr wrap="none" rtlCol="0">
+              <a:spAutoFit/>
+            </a:bodyPr>
+            <a:lstStyle/>
+            <a:p>
+              <a:r>
+                <a:rPr lang="en-US" sz="1600" dirty="0" smtClean="0"/>
+                <a:t>(P1,0,0)</a:t>
+              </a:r>
+              <a:endParaRPr lang="en-US" sz="1600" dirty="0"/>
+            </a:p>
+          </p:txBody>
+        </p:sp>
+      </p:grpSp>
+      <p:cxnSp>
+        <p:nvCxnSpPr>
+          <p:cNvPr id="7" name="Straight Connector 6"/>
+          <p:cNvCxnSpPr>
+            <a:stCxn id="2" idx="3"/>
+            <a:endCxn id="91" idx="7"/>
+          </p:cNvCxnSpPr>
+          <p:nvPr/>
+        </p:nvCxnSpPr>
+        <p:spPr>
+          <a:xfrm flipH="1">
+            <a:off x="3751869" y="939322"/>
+            <a:ext cx="1003815" cy="969053"/>
+          </a:xfrm>
+          <a:prstGeom prst="line">
+            <a:avLst/>
+          </a:prstGeom>
+          <a:ln w="25400">
+            <a:solidFill>
+              <a:schemeClr val="tx1"/>
+            </a:solidFill>
+            <a:tailEnd type="stealth" w="lg" len="lg"/>
+          </a:ln>
+        </p:spPr>
+        <p:style>
+          <a:lnRef idx="1">
+            <a:schemeClr val="accent1"/>
+          </a:lnRef>
+          <a:fillRef idx="0">
+            <a:schemeClr val="accent1"/>
+          </a:fillRef>
+          <a:effectRef idx="0">
+            <a:schemeClr val="accent1"/>
+          </a:effectRef>
+          <a:fontRef idx="minor">
+            <a:schemeClr val="tx1"/>
+          </a:fontRef>
+        </p:style>
+      </p:cxnSp>
+      <p:cxnSp>
+        <p:nvCxnSpPr>
+          <p:cNvPr id="204" name="Straight Connector 203"/>
+          <p:cNvCxnSpPr>
+            <a:stCxn id="2" idx="4"/>
+            <a:endCxn id="283" idx="0"/>
+          </p:cNvCxnSpPr>
+          <p:nvPr/>
+        </p:nvCxnSpPr>
+        <p:spPr>
+          <a:xfrm>
+            <a:off x="5070236" y="1009897"/>
+            <a:ext cx="3245" cy="282133"/>
+          </a:xfrm>
+          <a:prstGeom prst="line">
+            <a:avLst/>
+          </a:prstGeom>
+          <a:ln w="25400">
+            <a:solidFill>
+              <a:schemeClr val="tx1"/>
+            </a:solidFill>
+            <a:tailEnd type="stealth" w="lg" len="lg"/>
+          </a:ln>
+        </p:spPr>
+        <p:style>
+          <a:lnRef idx="1">
+            <a:schemeClr val="accent1"/>
+          </a:lnRef>
+          <a:fillRef idx="0">
+            <a:schemeClr val="accent1"/>
+          </a:fillRef>
+          <a:effectRef idx="0">
+            <a:schemeClr val="accent1"/>
+          </a:effectRef>
+          <a:fontRef idx="minor">
+            <a:schemeClr val="tx1"/>
+          </a:fontRef>
+        </p:style>
+      </p:cxnSp>
+      <p:cxnSp>
+        <p:nvCxnSpPr>
+          <p:cNvPr id="205" name="Straight Connector 204"/>
+          <p:cNvCxnSpPr>
+            <a:stCxn id="2" idx="5"/>
+            <a:endCxn id="175" idx="1"/>
+          </p:cNvCxnSpPr>
+          <p:nvPr/>
+        </p:nvCxnSpPr>
+        <p:spPr>
+          <a:xfrm>
+            <a:off x="5384788" y="939322"/>
+            <a:ext cx="983049" cy="944339"/>
+          </a:xfrm>
+          <a:prstGeom prst="line">
+            <a:avLst/>
+          </a:prstGeom>
+          <a:ln w="25400">
+            <a:solidFill>
+              <a:schemeClr val="tx1"/>
+            </a:solidFill>
+            <a:tailEnd type="stealth" w="lg" len="lg"/>
+          </a:ln>
+        </p:spPr>
+        <p:style>
+          <a:lnRef idx="1">
+            <a:schemeClr val="accent1"/>
+          </a:lnRef>
+          <a:fillRef idx="0">
+            <a:schemeClr val="accent1"/>
+          </a:fillRef>
+          <a:effectRef idx="0">
+            <a:schemeClr val="accent1"/>
+          </a:effectRef>
+          <a:fontRef idx="minor">
+            <a:schemeClr val="tx1"/>
+          </a:fontRef>
+        </p:style>
+      </p:cxnSp>
+      <p:cxnSp>
+        <p:nvCxnSpPr>
+          <p:cNvPr id="230" name="Straight Connector 229"/>
+          <p:cNvCxnSpPr>
+            <a:stCxn id="91" idx="4"/>
+            <a:endCxn id="89" idx="0"/>
+          </p:cNvCxnSpPr>
+          <p:nvPr/>
+        </p:nvCxnSpPr>
+        <p:spPr>
+          <a:xfrm flipH="1">
+            <a:off x="3480703" y="2467199"/>
+            <a:ext cx="259" cy="370311"/>
+          </a:xfrm>
+          <a:prstGeom prst="line">
+            <a:avLst/>
+          </a:prstGeom>
+          <a:ln w="25400">
+            <a:solidFill>
+              <a:schemeClr val="tx1"/>
+            </a:solidFill>
+            <a:headEnd type="stealth" w="lg" len="lg"/>
+            <a:tailEnd type="stealth" w="lg" len="lg"/>
+          </a:ln>
+        </p:spPr>
+        <p:style>
+          <a:lnRef idx="1">
+            <a:schemeClr val="accent1"/>
+          </a:lnRef>
+          <a:fillRef idx="0">
+            <a:schemeClr val="accent1"/>
+          </a:fillRef>
+          <a:effectRef idx="0">
+            <a:schemeClr val="accent1"/>
+          </a:effectRef>
+          <a:fontRef idx="minor">
+            <a:schemeClr val="tx1"/>
+          </a:fontRef>
+        </p:style>
+      </p:cxnSp>
+      <p:cxnSp>
+        <p:nvCxnSpPr>
+          <p:cNvPr id="242" name="Straight Connector 241"/>
+          <p:cNvCxnSpPr>
+            <a:stCxn id="89" idx="3"/>
+            <a:endCxn id="130" idx="0"/>
+          </p:cNvCxnSpPr>
+          <p:nvPr/>
+        </p:nvCxnSpPr>
+        <p:spPr>
+          <a:xfrm flipH="1">
+            <a:off x="2704069" y="3396334"/>
+            <a:ext cx="505726" cy="509590"/>
+          </a:xfrm>
+          <a:prstGeom prst="line">
+            <a:avLst/>
+          </a:prstGeom>
+          <a:ln w="25400">
+            <a:solidFill>
+              <a:schemeClr val="tx1"/>
+            </a:solidFill>
+            <a:headEnd type="stealth" w="lg" len="lg"/>
+            <a:tailEnd type="stealth" w="lg" len="lg"/>
+          </a:ln>
+        </p:spPr>
+        <p:style>
+          <a:lnRef idx="1">
+            <a:schemeClr val="accent1"/>
+          </a:lnRef>
+          <a:fillRef idx="0">
+            <a:schemeClr val="accent1"/>
+          </a:fillRef>
+          <a:effectRef idx="0">
+            <a:schemeClr val="accent1"/>
+          </a:effectRef>
+          <a:fontRef idx="minor">
+            <a:schemeClr val="tx1"/>
+          </a:fontRef>
+        </p:style>
+      </p:cxnSp>
+      <p:cxnSp>
+        <p:nvCxnSpPr>
+          <p:cNvPr id="263" name="Straight Connector 262"/>
+          <p:cNvCxnSpPr>
+            <a:stCxn id="130" idx="4"/>
+            <a:endCxn id="136" idx="0"/>
+          </p:cNvCxnSpPr>
+          <p:nvPr/>
+        </p:nvCxnSpPr>
+        <p:spPr>
+          <a:xfrm flipH="1">
+            <a:off x="2702178" y="4560627"/>
+            <a:ext cx="1891" cy="500811"/>
+          </a:xfrm>
+          <a:prstGeom prst="line">
+            <a:avLst/>
+          </a:prstGeom>
+          <a:ln w="25400">
+            <a:solidFill>
+              <a:schemeClr val="tx1"/>
+            </a:solidFill>
+            <a:headEnd type="stealth" w="lg" len="lg"/>
+            <a:tailEnd type="stealth" w="lg" len="lg"/>
+          </a:ln>
+        </p:spPr>
+        <p:style>
+          <a:lnRef idx="1">
+            <a:schemeClr val="accent1"/>
+          </a:lnRef>
+          <a:fillRef idx="0">
+            <a:schemeClr val="accent1"/>
+          </a:fillRef>
+          <a:effectRef idx="0">
+            <a:schemeClr val="accent1"/>
+          </a:effectRef>
+          <a:fontRef idx="minor">
+            <a:schemeClr val="tx1"/>
+          </a:fontRef>
+        </p:style>
+      </p:cxnSp>
+      <p:cxnSp>
+        <p:nvCxnSpPr>
+          <p:cNvPr id="269" name="Straight Connector 268"/>
+          <p:cNvCxnSpPr>
+            <a:stCxn id="283" idx="3"/>
+            <a:endCxn id="92" idx="3"/>
+          </p:cNvCxnSpPr>
+          <p:nvPr/>
+        </p:nvCxnSpPr>
+        <p:spPr>
+          <a:xfrm flipH="1">
+            <a:off x="3901910" y="1850854"/>
+            <a:ext cx="860653" cy="288993"/>
+          </a:xfrm>
+          <a:prstGeom prst="line">
+            <a:avLst/>
+          </a:prstGeom>
+          <a:ln w="25400">
+            <a:solidFill>
+              <a:schemeClr val="tx1"/>
+            </a:solidFill>
+            <a:tailEnd type="stealth" w="lg" len="lg"/>
+          </a:ln>
+        </p:spPr>
+        <p:style>
+          <a:lnRef idx="1">
+            <a:schemeClr val="accent1"/>
+          </a:lnRef>
+          <a:fillRef idx="0">
+            <a:schemeClr val="accent1"/>
+          </a:fillRef>
+          <a:effectRef idx="0">
+            <a:schemeClr val="accent1"/>
+          </a:effectRef>
+          <a:fontRef idx="minor">
+            <a:schemeClr val="tx1"/>
+          </a:fontRef>
+        </p:style>
+      </p:cxnSp>
+      <p:cxnSp>
+        <p:nvCxnSpPr>
+          <p:cNvPr id="273" name="Straight Connector 272"/>
+          <p:cNvCxnSpPr>
+            <a:stCxn id="283" idx="5"/>
+            <a:endCxn id="176" idx="1"/>
+          </p:cNvCxnSpPr>
+          <p:nvPr/>
+        </p:nvCxnSpPr>
+        <p:spPr>
+          <a:xfrm>
+            <a:off x="5384399" y="1850854"/>
+            <a:ext cx="844617" cy="264279"/>
+          </a:xfrm>
+          <a:prstGeom prst="line">
+            <a:avLst/>
+          </a:prstGeom>
+          <a:ln w="25400">
+            <a:solidFill>
+              <a:schemeClr val="tx1"/>
+            </a:solidFill>
+            <a:tailEnd type="stealth" w="lg" len="lg"/>
+          </a:ln>
+        </p:spPr>
+        <p:style>
+          <a:lnRef idx="1">
+            <a:schemeClr val="accent1"/>
+          </a:lnRef>
+          <a:fillRef idx="0">
+            <a:schemeClr val="accent1"/>
+          </a:fillRef>
+          <a:effectRef idx="0">
+            <a:schemeClr val="accent1"/>
+          </a:effectRef>
+          <a:fontRef idx="minor">
+            <a:schemeClr val="tx1"/>
+          </a:fontRef>
+        </p:style>
+      </p:cxnSp>
+      <p:grpSp>
+        <p:nvGrpSpPr>
+          <p:cNvPr id="287" name="Group 286"/>
+          <p:cNvGrpSpPr/>
+          <p:nvPr/>
+        </p:nvGrpSpPr>
+        <p:grpSpPr>
+          <a:xfrm>
+            <a:off x="4607169" y="1292030"/>
+            <a:ext cx="906017" cy="892066"/>
+            <a:chOff x="4607169" y="1205531"/>
+            <a:chExt cx="906017" cy="892066"/>
+          </a:xfrm>
+        </p:grpSpPr>
+        <p:sp>
+          <p:nvSpPr>
+            <p:cNvPr id="281" name="Arc 280"/>
+            <p:cNvSpPr/>
+            <p:nvPr/>
+          </p:nvSpPr>
+          <p:spPr>
+            <a:xfrm>
+              <a:off x="4886661" y="1622869"/>
+              <a:ext cx="454240" cy="474728"/>
+            </a:xfrm>
+            <a:prstGeom prst="arc">
+              <a:avLst>
+                <a:gd name="adj1" fmla="val 20615935"/>
+                <a:gd name="adj2" fmla="val 11255835"/>
+              </a:avLst>
+            </a:prstGeom>
+            <a:ln w="25400">
+              <a:solidFill>
+                <a:schemeClr val="tx1"/>
+              </a:solidFill>
+              <a:headEnd w="lg" len="lg"/>
+              <a:tailEnd type="stealth"/>
+            </a:ln>
+          </p:spPr>
+          <p:style>
+            <a:lnRef idx="1">
+              <a:schemeClr val="accent1"/>
+            </a:lnRef>
+            <a:fillRef idx="0">
+              <a:schemeClr val="accent1"/>
+            </a:fillRef>
+            <a:effectRef idx="0">
+              <a:schemeClr val="accent1"/>
+            </a:effectRef>
+            <a:fontRef idx="minor">
+              <a:schemeClr val="tx1"/>
+            </a:fontRef>
+          </p:style>
+          <p:txBody>
+            <a:bodyPr rtlCol="0" anchor="ctr"/>
+            <a:lstStyle/>
+            <a:p>
+              <a:pPr algn="ctr"/>
+              <a:endParaRPr lang="en-US"/>
+            </a:p>
+          </p:txBody>
+        </p:sp>
+        <p:grpSp>
+          <p:nvGrpSpPr>
+            <p:cNvPr id="282" name="Group 281"/>
+            <p:cNvGrpSpPr/>
+            <p:nvPr/>
+          </p:nvGrpSpPr>
+          <p:grpSpPr>
+            <a:xfrm>
+              <a:off x="4607169" y="1205531"/>
+              <a:ext cx="906017" cy="654703"/>
+              <a:chOff x="6847409" y="1656010"/>
+              <a:chExt cx="906017" cy="654703"/>
+            </a:xfrm>
+          </p:grpSpPr>
+          <p:sp>
+            <p:nvSpPr>
+              <p:cNvPr id="283" name="Oval 282"/>
+              <p:cNvSpPr/>
+              <p:nvPr/>
+            </p:nvSpPr>
+            <p:spPr>
+              <a:xfrm>
+                <a:off x="6874016" y="1656010"/>
+                <a:ext cx="879410" cy="654703"/>
+              </a:xfrm>
+              <a:prstGeom prst="ellipse">
+                <a:avLst/>
+              </a:prstGeom>
+              <a:solidFill>
+                <a:schemeClr val="bg2"/>
+              </a:solidFill>
+              <a:ln>
+                <a:solidFill>
+                  <a:schemeClr val="tx1"/>
+                </a:solidFill>
+              </a:ln>
+            </p:spPr>
+            <p:style>
+              <a:lnRef idx="2">
+                <a:schemeClr val="accent1">
+                  <a:shade val="50000"/>
+                </a:schemeClr>
+              </a:lnRef>
+              <a:fillRef idx="1">
+                <a:schemeClr val="accent1"/>
+              </a:fillRef>
+              <a:effectRef idx="0">
+                <a:schemeClr val="accent1"/>
+              </a:effectRef>
+              <a:fontRef idx="minor">
+                <a:schemeClr val="lt1"/>
+              </a:fontRef>
+            </p:style>
+            <p:txBody>
+              <a:bodyPr rtlCol="0" anchor="ctr"/>
+              <a:lstStyle/>
+              <a:p>
+                <a:pPr algn="ctr"/>
+                <a:endParaRPr lang="en-US" dirty="0">
+                  <a:solidFill>
+                    <a:schemeClr val="tx1"/>
+                  </a:solidFill>
+                </a:endParaRPr>
+              </a:p>
+            </p:txBody>
+          </p:sp>
+          <p:sp>
+            <p:nvSpPr>
+              <p:cNvPr id="284" name="TextBox 283"/>
+              <p:cNvSpPr txBox="1"/>
+              <p:nvPr/>
+            </p:nvSpPr>
+            <p:spPr>
+              <a:xfrm>
+                <a:off x="6847409" y="1814084"/>
+                <a:ext cx="906017" cy="338554"/>
+              </a:xfrm>
+              <a:prstGeom prst="rect">
+                <a:avLst/>
+              </a:prstGeom>
+              <a:noFill/>
+            </p:spPr>
+            <p:txBody>
+              <a:bodyPr wrap="none" rtlCol="0">
+                <a:spAutoFit/>
+              </a:bodyPr>
+              <a:lstStyle/>
+              <a:p>
+                <a:r>
+                  <a:rPr lang="en-US" sz="1600" dirty="0" smtClean="0"/>
+                  <a:t>(out,0,0)</a:t>
+                </a:r>
+                <a:endParaRPr lang="en-US" sz="1600" dirty="0"/>
+              </a:p>
+            </p:txBody>
+          </p:sp>
+        </p:grpSp>
+      </p:grpSp>
+      <p:grpSp>
+        <p:nvGrpSpPr>
+          <p:cNvPr id="109" name="Group 108"/>
+          <p:cNvGrpSpPr/>
+          <p:nvPr/>
+        </p:nvGrpSpPr>
+        <p:grpSpPr>
+          <a:xfrm>
+            <a:off x="3865686" y="3897122"/>
+            <a:ext cx="867738" cy="654703"/>
+            <a:chOff x="6847409" y="1656010"/>
+            <a:chExt cx="867738" cy="654703"/>
+          </a:xfrm>
+        </p:grpSpPr>
+        <p:sp>
+          <p:nvSpPr>
+            <p:cNvPr id="110" name="Oval 109"/>
+            <p:cNvSpPr/>
+            <p:nvPr/>
+          </p:nvSpPr>
+          <p:spPr>
+            <a:xfrm>
+              <a:off x="6874016" y="1656010"/>
+              <a:ext cx="766243" cy="654703"/>
+            </a:xfrm>
+            <a:prstGeom prst="ellipse">
+              <a:avLst/>
+            </a:prstGeom>
+            <a:solidFill>
+              <a:schemeClr val="bg2"/>
+            </a:solidFill>
+            <a:ln>
+              <a:solidFill>
+                <a:schemeClr val="tx1"/>
+              </a:solidFill>
+            </a:ln>
+          </p:spPr>
+          <p:style>
+            <a:lnRef idx="2">
+              <a:schemeClr val="accent1">
+                <a:shade val="50000"/>
+              </a:schemeClr>
+            </a:lnRef>
+            <a:fillRef idx="1">
+              <a:schemeClr val="accent1"/>
+            </a:fillRef>
+            <a:effectRef idx="0">
+              <a:schemeClr val="accent1"/>
+            </a:effectRef>
+            <a:fontRef idx="minor">
+              <a:schemeClr val="lt1"/>
+            </a:fontRef>
+          </p:style>
+          <p:txBody>
+            <a:bodyPr rtlCol="0" anchor="ctr"/>
+            <a:lstStyle/>
+            <a:p>
+              <a:pPr algn="ctr"/>
+              <a:endParaRPr lang="en-US" dirty="0">
+                <a:solidFill>
+                  <a:schemeClr val="tx1"/>
+                </a:solidFill>
+              </a:endParaRPr>
+            </a:p>
+          </p:txBody>
+        </p:sp>
+        <p:sp>
+          <p:nvSpPr>
+            <p:cNvPr id="111" name="TextBox 110"/>
+            <p:cNvSpPr txBox="1"/>
+            <p:nvPr/>
+          </p:nvSpPr>
+          <p:spPr>
+            <a:xfrm>
+              <a:off x="6847409" y="1814084"/>
+              <a:ext cx="867738" cy="338554"/>
+            </a:xfrm>
+            <a:prstGeom prst="rect">
+              <a:avLst/>
+            </a:prstGeom>
+            <a:noFill/>
+          </p:spPr>
+          <p:txBody>
+            <a:bodyPr wrap="none" rtlCol="0">
+              <a:spAutoFit/>
+            </a:bodyPr>
+            <a:lstStyle/>
+            <a:p>
+              <a:r>
+                <a:rPr lang="en-US" sz="1600" dirty="0" smtClean="0"/>
+                <a:t>(AG,1,0)</a:t>
+              </a:r>
+              <a:endParaRPr lang="en-US" sz="1600" dirty="0"/>
+            </a:p>
+          </p:txBody>
+        </p:sp>
+      </p:grpSp>
+      <p:grpSp>
+        <p:nvGrpSpPr>
+          <p:cNvPr id="112" name="Group 111"/>
+          <p:cNvGrpSpPr/>
+          <p:nvPr/>
+        </p:nvGrpSpPr>
+        <p:grpSpPr>
+          <a:xfrm>
+            <a:off x="3863795" y="5052636"/>
+            <a:ext cx="844142" cy="654703"/>
+            <a:chOff x="6847409" y="1656010"/>
+            <a:chExt cx="844142" cy="654703"/>
+          </a:xfrm>
+        </p:grpSpPr>
+        <p:sp>
+          <p:nvSpPr>
+            <p:cNvPr id="113" name="Oval 112"/>
+            <p:cNvSpPr/>
+            <p:nvPr/>
+          </p:nvSpPr>
+          <p:spPr>
+            <a:xfrm>
+              <a:off x="6874016" y="1656010"/>
+              <a:ext cx="766243" cy="654703"/>
+            </a:xfrm>
+            <a:prstGeom prst="ellipse">
+              <a:avLst/>
+            </a:prstGeom>
+            <a:solidFill>
+              <a:schemeClr val="bg2"/>
+            </a:solidFill>
+            <a:ln>
+              <a:solidFill>
+                <a:schemeClr val="tx1"/>
+              </a:solidFill>
+            </a:ln>
+          </p:spPr>
+          <p:style>
+            <a:lnRef idx="2">
+              <a:schemeClr val="accent1">
+                <a:shade val="50000"/>
+              </a:schemeClr>
+            </a:lnRef>
+            <a:fillRef idx="1">
+              <a:schemeClr val="accent1"/>
+            </a:fillRef>
+            <a:effectRef idx="0">
+              <a:schemeClr val="accent1"/>
+            </a:effectRef>
+            <a:fontRef idx="minor">
+              <a:schemeClr val="lt1"/>
+            </a:fontRef>
+          </p:style>
+          <p:txBody>
+            <a:bodyPr rtlCol="0" anchor="ctr"/>
+            <a:lstStyle/>
+            <a:p>
+              <a:pPr algn="ctr"/>
+              <a:endParaRPr lang="en-US" dirty="0">
+                <a:solidFill>
+                  <a:schemeClr val="tx1"/>
+                </a:solidFill>
+              </a:endParaRPr>
+            </a:p>
+          </p:txBody>
+        </p:sp>
+        <p:sp>
+          <p:nvSpPr>
+            <p:cNvPr id="114" name="TextBox 113"/>
+            <p:cNvSpPr txBox="1"/>
+            <p:nvPr/>
+          </p:nvSpPr>
+          <p:spPr>
+            <a:xfrm>
+              <a:off x="6847409" y="1814084"/>
+              <a:ext cx="844142" cy="338554"/>
+            </a:xfrm>
+            <a:prstGeom prst="rect">
+              <a:avLst/>
+            </a:prstGeom>
+            <a:noFill/>
+          </p:spPr>
+          <p:txBody>
+            <a:bodyPr wrap="none" rtlCol="0">
+              <a:spAutoFit/>
+            </a:bodyPr>
+            <a:lstStyle/>
+            <a:p>
+              <a:r>
+                <a:rPr lang="en-US" sz="1600" dirty="0" smtClean="0"/>
+                <a:t>(TG,1,0)</a:t>
+              </a:r>
+              <a:endParaRPr lang="en-US" sz="1600" dirty="0"/>
+            </a:p>
+          </p:txBody>
+        </p:sp>
+      </p:grpSp>
+      <p:cxnSp>
+        <p:nvCxnSpPr>
+          <p:cNvPr id="115" name="Straight Connector 114"/>
+          <p:cNvCxnSpPr/>
+          <p:nvPr/>
+        </p:nvCxnSpPr>
+        <p:spPr>
+          <a:xfrm>
+            <a:off x="4275415" y="4551825"/>
+            <a:ext cx="10466" cy="500811"/>
+          </a:xfrm>
+          <a:prstGeom prst="line">
+            <a:avLst/>
+          </a:prstGeom>
+          <a:ln w="25400">
+            <a:solidFill>
+              <a:schemeClr val="tx1"/>
+            </a:solidFill>
+            <a:headEnd type="stealth" w="lg" len="lg"/>
+            <a:tailEnd type="stealth" w="lg" len="lg"/>
+          </a:ln>
+        </p:spPr>
+        <p:style>
+          <a:lnRef idx="1">
+            <a:schemeClr val="accent1"/>
+          </a:lnRef>
+          <a:fillRef idx="0">
+            <a:schemeClr val="accent1"/>
+          </a:fillRef>
+          <a:effectRef idx="0">
+            <a:schemeClr val="accent1"/>
+          </a:effectRef>
+          <a:fontRef idx="minor">
+            <a:schemeClr val="tx1"/>
+          </a:fontRef>
+        </p:style>
+      </p:cxnSp>
+      <p:cxnSp>
+        <p:nvCxnSpPr>
+          <p:cNvPr id="116" name="Straight Connector 115"/>
+          <p:cNvCxnSpPr>
+            <a:stCxn id="89" idx="5"/>
+            <a:endCxn id="110" idx="0"/>
+          </p:cNvCxnSpPr>
+          <p:nvPr/>
+        </p:nvCxnSpPr>
+        <p:spPr>
+          <a:xfrm>
+            <a:off x="3751610" y="3396334"/>
+            <a:ext cx="523805" cy="500788"/>
+          </a:xfrm>
+          <a:prstGeom prst="line">
+            <a:avLst/>
+          </a:prstGeom>
+          <a:ln w="25400">
+            <a:solidFill>
+              <a:schemeClr val="tx1"/>
+            </a:solidFill>
+            <a:headEnd type="stealth" w="lg" len="lg"/>
+            <a:tailEnd type="stealth" w="lg" len="lg"/>
+          </a:ln>
+        </p:spPr>
+        <p:style>
+          <a:lnRef idx="1">
+            <a:schemeClr val="accent1"/>
+          </a:lnRef>
+          <a:fillRef idx="0">
+            <a:schemeClr val="accent1"/>
+          </a:fillRef>
+          <a:effectRef idx="0">
+            <a:schemeClr val="accent1"/>
+          </a:effectRef>
+          <a:fontRef idx="minor">
+            <a:schemeClr val="tx1"/>
+          </a:fontRef>
+        </p:style>
+      </p:cxnSp>
+      <p:grpSp>
+        <p:nvGrpSpPr>
+          <p:cNvPr id="119" name="Group 118"/>
+          <p:cNvGrpSpPr/>
+          <p:nvPr/>
+        </p:nvGrpSpPr>
+        <p:grpSpPr>
+          <a:xfrm>
+            <a:off x="6225063" y="2837510"/>
+            <a:ext cx="792850" cy="654703"/>
+            <a:chOff x="6847409" y="1656010"/>
+            <a:chExt cx="792850" cy="654703"/>
+          </a:xfrm>
+        </p:grpSpPr>
+        <p:sp>
+          <p:nvSpPr>
+            <p:cNvPr id="120" name="Oval 119"/>
+            <p:cNvSpPr/>
+            <p:nvPr/>
+          </p:nvSpPr>
+          <p:spPr>
+            <a:xfrm>
+              <a:off x="6874016" y="1656010"/>
+              <a:ext cx="766243" cy="654703"/>
+            </a:xfrm>
+            <a:prstGeom prst="ellipse">
+              <a:avLst/>
+            </a:prstGeom>
+            <a:solidFill>
+              <a:schemeClr val="bg2"/>
+            </a:solidFill>
+            <a:ln>
+              <a:solidFill>
+                <a:schemeClr val="tx1"/>
+              </a:solidFill>
+            </a:ln>
+          </p:spPr>
+          <p:style>
+            <a:lnRef idx="2">
+              <a:schemeClr val="accent1">
+                <a:shade val="50000"/>
+              </a:schemeClr>
+            </a:lnRef>
+            <a:fillRef idx="1">
+              <a:schemeClr val="accent1"/>
+            </a:fillRef>
+            <a:effectRef idx="0">
+              <a:schemeClr val="accent1"/>
+            </a:effectRef>
+            <a:fontRef idx="minor">
+              <a:schemeClr val="lt1"/>
+            </a:fontRef>
+          </p:style>
+          <p:txBody>
+            <a:bodyPr rtlCol="0" anchor="ctr"/>
+            <a:lstStyle/>
+            <a:p>
+              <a:pPr algn="ctr"/>
+              <a:endParaRPr lang="en-US" dirty="0">
+                <a:solidFill>
+                  <a:schemeClr val="tx1"/>
+                </a:solidFill>
+              </a:endParaRPr>
+            </a:p>
+          </p:txBody>
+        </p:sp>
+        <p:sp>
+          <p:nvSpPr>
+            <p:cNvPr id="121" name="TextBox 120"/>
+            <p:cNvSpPr txBox="1"/>
+            <p:nvPr/>
+          </p:nvSpPr>
+          <p:spPr>
+            <a:xfrm>
+              <a:off x="6847409" y="1814084"/>
+              <a:ext cx="715260" cy="338554"/>
+            </a:xfrm>
+            <a:prstGeom prst="rect">
+              <a:avLst/>
+            </a:prstGeom>
+            <a:noFill/>
+          </p:spPr>
+          <p:txBody>
+            <a:bodyPr wrap="none" rtlCol="0">
+              <a:spAutoFit/>
+            </a:bodyPr>
+            <a:lstStyle/>
+            <a:p>
+              <a:r>
+                <a:rPr lang="en-US" sz="1600" dirty="0" smtClean="0"/>
+                <a:t>(S,0,1)</a:t>
+              </a:r>
+              <a:endParaRPr lang="en-US" sz="1600" dirty="0"/>
+            </a:p>
+          </p:txBody>
+        </p:sp>
+      </p:grpSp>
+      <p:grpSp>
+        <p:nvGrpSpPr>
+          <p:cNvPr id="122" name="Group 121"/>
+          <p:cNvGrpSpPr/>
+          <p:nvPr/>
+        </p:nvGrpSpPr>
+        <p:grpSpPr>
+          <a:xfrm>
+            <a:off x="5448429" y="3905924"/>
+            <a:ext cx="827534" cy="654703"/>
+            <a:chOff x="6847409" y="1656010"/>
+            <a:chExt cx="827534" cy="654703"/>
+          </a:xfrm>
+        </p:grpSpPr>
+        <p:sp>
+          <p:nvSpPr>
+            <p:cNvPr id="147" name="Oval 146"/>
+            <p:cNvSpPr/>
+            <p:nvPr/>
+          </p:nvSpPr>
+          <p:spPr>
+            <a:xfrm>
+              <a:off x="6874016" y="1656010"/>
+              <a:ext cx="766243" cy="654703"/>
+            </a:xfrm>
+            <a:prstGeom prst="ellipse">
+              <a:avLst/>
+            </a:prstGeom>
+            <a:solidFill>
+              <a:schemeClr val="bg2"/>
+            </a:solidFill>
+            <a:ln>
+              <a:solidFill>
+                <a:schemeClr val="tx1"/>
+              </a:solidFill>
+            </a:ln>
+          </p:spPr>
+          <p:style>
+            <a:lnRef idx="2">
+              <a:schemeClr val="accent1">
+                <a:shade val="50000"/>
+              </a:schemeClr>
+            </a:lnRef>
+            <a:fillRef idx="1">
+              <a:schemeClr val="accent1"/>
+            </a:fillRef>
+            <a:effectRef idx="0">
+              <a:schemeClr val="accent1"/>
+            </a:effectRef>
+            <a:fontRef idx="minor">
+              <a:schemeClr val="lt1"/>
+            </a:fontRef>
+          </p:style>
+          <p:txBody>
+            <a:bodyPr rtlCol="0" anchor="ctr"/>
+            <a:lstStyle/>
+            <a:p>
+              <a:pPr algn="ctr"/>
+              <a:endParaRPr lang="en-US" dirty="0">
+                <a:solidFill>
+                  <a:schemeClr val="tx1"/>
+                </a:solidFill>
+              </a:endParaRPr>
+            </a:p>
+          </p:txBody>
+        </p:sp>
+        <p:sp>
+          <p:nvSpPr>
+            <p:cNvPr id="148" name="TextBox 147"/>
+            <p:cNvSpPr txBox="1"/>
+            <p:nvPr/>
+          </p:nvSpPr>
+          <p:spPr>
+            <a:xfrm>
+              <a:off x="6847409" y="1814084"/>
+              <a:ext cx="827534" cy="338554"/>
+            </a:xfrm>
+            <a:prstGeom prst="rect">
+              <a:avLst/>
+            </a:prstGeom>
+            <a:noFill/>
+          </p:spPr>
+          <p:txBody>
+            <a:bodyPr wrap="none" rtlCol="0">
+              <a:spAutoFit/>
+            </a:bodyPr>
+            <a:lstStyle/>
+            <a:p>
+              <a:r>
+                <a:rPr lang="en-US" sz="1600" dirty="0" smtClean="0"/>
+                <a:t>(AL,0,1)</a:t>
+              </a:r>
+              <a:endParaRPr lang="en-US" sz="1600" dirty="0"/>
+            </a:p>
+          </p:txBody>
+        </p:sp>
+      </p:grpSp>
+      <p:grpSp>
+        <p:nvGrpSpPr>
+          <p:cNvPr id="149" name="Group 148"/>
+          <p:cNvGrpSpPr/>
+          <p:nvPr/>
+        </p:nvGrpSpPr>
+        <p:grpSpPr>
+          <a:xfrm>
+            <a:off x="5446538" y="5061438"/>
+            <a:ext cx="808298" cy="654703"/>
+            <a:chOff x="6847409" y="1656010"/>
+            <a:chExt cx="808298" cy="654703"/>
+          </a:xfrm>
+        </p:grpSpPr>
+        <p:sp>
+          <p:nvSpPr>
+            <p:cNvPr id="150" name="Oval 149"/>
+            <p:cNvSpPr/>
+            <p:nvPr/>
+          </p:nvSpPr>
+          <p:spPr>
+            <a:xfrm>
+              <a:off x="6874016" y="1656010"/>
+              <a:ext cx="766243" cy="654703"/>
+            </a:xfrm>
+            <a:prstGeom prst="ellipse">
+              <a:avLst/>
+            </a:prstGeom>
+            <a:solidFill>
+              <a:schemeClr val="bg2"/>
+            </a:solidFill>
+            <a:ln>
+              <a:solidFill>
+                <a:schemeClr val="tx1"/>
+              </a:solidFill>
+            </a:ln>
+          </p:spPr>
+          <p:style>
+            <a:lnRef idx="2">
+              <a:schemeClr val="accent1">
+                <a:shade val="50000"/>
+              </a:schemeClr>
+            </a:lnRef>
+            <a:fillRef idx="1">
+              <a:schemeClr val="accent1"/>
+            </a:fillRef>
+            <a:effectRef idx="0">
+              <a:schemeClr val="accent1"/>
+            </a:effectRef>
+            <a:fontRef idx="minor">
+              <a:schemeClr val="lt1"/>
+            </a:fontRef>
+          </p:style>
+          <p:txBody>
+            <a:bodyPr rtlCol="0" anchor="ctr"/>
+            <a:lstStyle/>
+            <a:p>
+              <a:pPr algn="ctr"/>
+              <a:endParaRPr lang="en-US" dirty="0">
+                <a:solidFill>
+                  <a:schemeClr val="tx1"/>
+                </a:solidFill>
+              </a:endParaRPr>
+            </a:p>
+          </p:txBody>
+        </p:sp>
+        <p:sp>
+          <p:nvSpPr>
+            <p:cNvPr id="151" name="TextBox 150"/>
+            <p:cNvSpPr txBox="1"/>
+            <p:nvPr/>
+          </p:nvSpPr>
+          <p:spPr>
+            <a:xfrm>
+              <a:off x="6847409" y="1814084"/>
+              <a:ext cx="808298" cy="338554"/>
+            </a:xfrm>
+            <a:prstGeom prst="rect">
+              <a:avLst/>
+            </a:prstGeom>
+            <a:noFill/>
+          </p:spPr>
+          <p:txBody>
+            <a:bodyPr wrap="none" rtlCol="0">
+              <a:spAutoFit/>
+            </a:bodyPr>
+            <a:lstStyle/>
+            <a:p>
+              <a:r>
+                <a:rPr lang="en-US" sz="1600" dirty="0" smtClean="0"/>
+                <a:t>(TL,0,1)</a:t>
+              </a:r>
+              <a:endParaRPr lang="en-US" sz="1600" dirty="0"/>
+            </a:p>
+          </p:txBody>
+        </p:sp>
+      </p:grpSp>
+      <p:cxnSp>
+        <p:nvCxnSpPr>
+          <p:cNvPr id="152" name="Straight Connector 151"/>
+          <p:cNvCxnSpPr/>
+          <p:nvPr/>
+        </p:nvCxnSpPr>
+        <p:spPr>
+          <a:xfrm flipH="1">
+            <a:off x="5858158" y="3396334"/>
+            <a:ext cx="505726" cy="509590"/>
+          </a:xfrm>
+          <a:prstGeom prst="line">
+            <a:avLst/>
+          </a:prstGeom>
+          <a:ln w="25400">
+            <a:solidFill>
+              <a:schemeClr val="tx1"/>
+            </a:solidFill>
+            <a:headEnd type="stealth" w="lg" len="lg"/>
+            <a:tailEnd type="stealth" w="lg" len="lg"/>
+          </a:ln>
+        </p:spPr>
+        <p:style>
+          <a:lnRef idx="1">
+            <a:schemeClr val="accent1"/>
+          </a:lnRef>
+          <a:fillRef idx="0">
+            <a:schemeClr val="accent1"/>
+          </a:fillRef>
+          <a:effectRef idx="0">
+            <a:schemeClr val="accent1"/>
+          </a:effectRef>
+          <a:fontRef idx="minor">
+            <a:schemeClr val="tx1"/>
+          </a:fontRef>
+        </p:style>
+      </p:cxnSp>
+      <p:cxnSp>
+        <p:nvCxnSpPr>
+          <p:cNvPr id="153" name="Straight Connector 152"/>
+          <p:cNvCxnSpPr/>
+          <p:nvPr/>
+        </p:nvCxnSpPr>
+        <p:spPr>
+          <a:xfrm flipH="1">
+            <a:off x="5856267" y="4560627"/>
+            <a:ext cx="1891" cy="500811"/>
+          </a:xfrm>
+          <a:prstGeom prst="line">
+            <a:avLst/>
+          </a:prstGeom>
+          <a:ln w="25400">
+            <a:solidFill>
+              <a:schemeClr val="tx1"/>
+            </a:solidFill>
+            <a:headEnd type="stealth" w="lg" len="lg"/>
+            <a:tailEnd type="stealth" w="lg" len="lg"/>
+          </a:ln>
+        </p:spPr>
+        <p:style>
+          <a:lnRef idx="1">
+            <a:schemeClr val="accent1"/>
+          </a:lnRef>
+          <a:fillRef idx="0">
+            <a:schemeClr val="accent1"/>
+          </a:fillRef>
+          <a:effectRef idx="0">
+            <a:schemeClr val="accent1"/>
+          </a:effectRef>
+          <a:fontRef idx="minor">
+            <a:schemeClr val="tx1"/>
+          </a:fontRef>
+        </p:style>
+      </p:cxnSp>
+      <p:grpSp>
+        <p:nvGrpSpPr>
+          <p:cNvPr id="154" name="Group 153"/>
+          <p:cNvGrpSpPr/>
+          <p:nvPr/>
+        </p:nvGrpSpPr>
+        <p:grpSpPr>
+          <a:xfrm>
+            <a:off x="7019775" y="3897122"/>
+            <a:ext cx="827534" cy="654703"/>
+            <a:chOff x="6847409" y="1656010"/>
+            <a:chExt cx="827534" cy="654703"/>
+          </a:xfrm>
+        </p:grpSpPr>
+        <p:sp>
+          <p:nvSpPr>
+            <p:cNvPr id="155" name="Oval 154"/>
+            <p:cNvSpPr/>
+            <p:nvPr/>
+          </p:nvSpPr>
+          <p:spPr>
+            <a:xfrm>
+              <a:off x="6874016" y="1656010"/>
+              <a:ext cx="766243" cy="654703"/>
+            </a:xfrm>
+            <a:prstGeom prst="ellipse">
+              <a:avLst/>
+            </a:prstGeom>
+            <a:solidFill>
+              <a:schemeClr val="bg2"/>
+            </a:solidFill>
+            <a:ln>
+              <a:solidFill>
+                <a:schemeClr val="tx1"/>
+              </a:solidFill>
+            </a:ln>
+          </p:spPr>
+          <p:style>
+            <a:lnRef idx="2">
+              <a:schemeClr val="accent1">
+                <a:shade val="50000"/>
+              </a:schemeClr>
+            </a:lnRef>
+            <a:fillRef idx="1">
+              <a:schemeClr val="accent1"/>
+            </a:fillRef>
+            <a:effectRef idx="0">
+              <a:schemeClr val="accent1"/>
+            </a:effectRef>
+            <a:fontRef idx="minor">
+              <a:schemeClr val="lt1"/>
+            </a:fontRef>
+          </p:style>
+          <p:txBody>
+            <a:bodyPr rtlCol="0" anchor="ctr"/>
+            <a:lstStyle/>
+            <a:p>
+              <a:pPr algn="ctr"/>
+              <a:endParaRPr lang="en-US" dirty="0">
+                <a:solidFill>
+                  <a:schemeClr val="tx1"/>
+                </a:solidFill>
+              </a:endParaRPr>
+            </a:p>
+          </p:txBody>
+        </p:sp>
+        <p:sp>
+          <p:nvSpPr>
+            <p:cNvPr id="156" name="TextBox 155"/>
+            <p:cNvSpPr txBox="1"/>
+            <p:nvPr/>
+          </p:nvSpPr>
+          <p:spPr>
+            <a:xfrm>
+              <a:off x="6847409" y="1814084"/>
+              <a:ext cx="827534" cy="338554"/>
+            </a:xfrm>
+            <a:prstGeom prst="rect">
+              <a:avLst/>
+            </a:prstGeom>
+            <a:noFill/>
+          </p:spPr>
+          <p:txBody>
+            <a:bodyPr wrap="none" rtlCol="0">
+              <a:spAutoFit/>
+            </a:bodyPr>
+            <a:lstStyle/>
+            <a:p>
+              <a:r>
+                <a:rPr lang="en-US" sz="1600" dirty="0" smtClean="0"/>
+                <a:t>(AL,0,1)</a:t>
+              </a:r>
+              <a:endParaRPr lang="en-US" sz="1600" dirty="0"/>
+            </a:p>
+          </p:txBody>
+        </p:sp>
+      </p:grpSp>
+      <p:grpSp>
+        <p:nvGrpSpPr>
+          <p:cNvPr id="157" name="Group 156"/>
+          <p:cNvGrpSpPr/>
+          <p:nvPr/>
+        </p:nvGrpSpPr>
+        <p:grpSpPr>
+          <a:xfrm>
+            <a:off x="7017884" y="5052636"/>
+            <a:ext cx="808298" cy="654703"/>
+            <a:chOff x="6847409" y="1656010"/>
+            <a:chExt cx="808298" cy="654703"/>
+          </a:xfrm>
+        </p:grpSpPr>
+        <p:sp>
+          <p:nvSpPr>
+            <p:cNvPr id="158" name="Oval 157"/>
+            <p:cNvSpPr/>
+            <p:nvPr/>
+          </p:nvSpPr>
+          <p:spPr>
+            <a:xfrm>
+              <a:off x="6874016" y="1656010"/>
+              <a:ext cx="766243" cy="654703"/>
+            </a:xfrm>
+            <a:prstGeom prst="ellipse">
+              <a:avLst/>
+            </a:prstGeom>
+            <a:solidFill>
+              <a:schemeClr val="bg2"/>
+            </a:solidFill>
+            <a:ln>
+              <a:solidFill>
+                <a:schemeClr val="tx1"/>
+              </a:solidFill>
+            </a:ln>
+          </p:spPr>
+          <p:style>
+            <a:lnRef idx="2">
+              <a:schemeClr val="accent1">
+                <a:shade val="50000"/>
+              </a:schemeClr>
+            </a:lnRef>
+            <a:fillRef idx="1">
+              <a:schemeClr val="accent1"/>
+            </a:fillRef>
+            <a:effectRef idx="0">
+              <a:schemeClr val="accent1"/>
+            </a:effectRef>
+            <a:fontRef idx="minor">
+              <a:schemeClr val="lt1"/>
+            </a:fontRef>
+          </p:style>
+          <p:txBody>
+            <a:bodyPr rtlCol="0" anchor="ctr"/>
+            <a:lstStyle/>
+            <a:p>
+              <a:pPr algn="ctr"/>
+              <a:endParaRPr lang="en-US" dirty="0">
+                <a:solidFill>
+                  <a:schemeClr val="tx1"/>
+                </a:solidFill>
+              </a:endParaRPr>
+            </a:p>
+          </p:txBody>
+        </p:sp>
+        <p:sp>
+          <p:nvSpPr>
+            <p:cNvPr id="159" name="TextBox 158"/>
+            <p:cNvSpPr txBox="1"/>
+            <p:nvPr/>
+          </p:nvSpPr>
+          <p:spPr>
+            <a:xfrm>
+              <a:off x="6847409" y="1814084"/>
+              <a:ext cx="808298" cy="338554"/>
+            </a:xfrm>
+            <a:prstGeom prst="rect">
+              <a:avLst/>
+            </a:prstGeom>
+            <a:noFill/>
+          </p:spPr>
+          <p:txBody>
+            <a:bodyPr wrap="none" rtlCol="0">
+              <a:spAutoFit/>
+            </a:bodyPr>
+            <a:lstStyle/>
+            <a:p>
+              <a:r>
+                <a:rPr lang="en-US" sz="1600" dirty="0" smtClean="0"/>
+                <a:t>(TL,0,1)</a:t>
+              </a:r>
+              <a:endParaRPr lang="en-US" sz="1600" dirty="0"/>
+            </a:p>
+          </p:txBody>
+        </p:sp>
+      </p:grpSp>
+      <p:cxnSp>
+        <p:nvCxnSpPr>
+          <p:cNvPr id="160" name="Straight Connector 159"/>
+          <p:cNvCxnSpPr/>
+          <p:nvPr/>
+        </p:nvCxnSpPr>
+        <p:spPr>
+          <a:xfrm>
+            <a:off x="7429504" y="4551825"/>
+            <a:ext cx="10466" cy="500811"/>
+          </a:xfrm>
+          <a:prstGeom prst="line">
+            <a:avLst/>
+          </a:prstGeom>
+          <a:ln w="25400">
+            <a:solidFill>
+              <a:schemeClr val="tx1"/>
+            </a:solidFill>
+            <a:headEnd type="stealth" w="lg" len="lg"/>
+            <a:tailEnd type="stealth" w="lg" len="lg"/>
+          </a:ln>
+        </p:spPr>
+        <p:style>
+          <a:lnRef idx="1">
+            <a:schemeClr val="accent1"/>
+          </a:lnRef>
+          <a:fillRef idx="0">
+            <a:schemeClr val="accent1"/>
+          </a:fillRef>
+          <a:effectRef idx="0">
+            <a:schemeClr val="accent1"/>
+          </a:effectRef>
+          <a:fontRef idx="minor">
+            <a:schemeClr val="tx1"/>
+          </a:fontRef>
+        </p:style>
+      </p:cxnSp>
+      <p:cxnSp>
+        <p:nvCxnSpPr>
+          <p:cNvPr id="161" name="Straight Connector 160"/>
+          <p:cNvCxnSpPr/>
+          <p:nvPr/>
+        </p:nvCxnSpPr>
+        <p:spPr>
+          <a:xfrm>
+            <a:off x="6905699" y="3396334"/>
+            <a:ext cx="523805" cy="500788"/>
+          </a:xfrm>
+          <a:prstGeom prst="line">
+            <a:avLst/>
+          </a:prstGeom>
+          <a:ln w="25400">
+            <a:solidFill>
+              <a:schemeClr val="tx1"/>
+            </a:solidFill>
+            <a:headEnd type="stealth" w="lg" len="lg"/>
+            <a:tailEnd type="stealth" w="lg" len="lg"/>
+          </a:ln>
+        </p:spPr>
+        <p:style>
+          <a:lnRef idx="1">
+            <a:schemeClr val="accent1"/>
+          </a:lnRef>
+          <a:fillRef idx="0">
+            <a:schemeClr val="accent1"/>
+          </a:fillRef>
+          <a:effectRef idx="0">
+            <a:schemeClr val="accent1"/>
+          </a:effectRef>
+          <a:fontRef idx="minor">
+            <a:schemeClr val="tx1"/>
+          </a:fontRef>
+        </p:style>
+      </p:cxnSp>
+      <p:cxnSp>
+        <p:nvCxnSpPr>
+          <p:cNvPr id="162" name="Straight Connector 161"/>
+          <p:cNvCxnSpPr>
+            <a:stCxn id="175" idx="4"/>
+            <a:endCxn id="120" idx="0"/>
+          </p:cNvCxnSpPr>
+          <p:nvPr/>
+        </p:nvCxnSpPr>
+        <p:spPr>
+          <a:xfrm flipH="1">
+            <a:off x="6634792" y="2442485"/>
+            <a:ext cx="3953" cy="395025"/>
+          </a:xfrm>
+          <a:prstGeom prst="line">
+            <a:avLst/>
+          </a:prstGeom>
+          <a:ln w="25400">
+            <a:solidFill>
+              <a:schemeClr val="tx1"/>
+            </a:solidFill>
+            <a:headEnd type="stealth" w="lg" len="lg"/>
+            <a:tailEnd type="stealth" w="lg" len="lg"/>
+          </a:ln>
+        </p:spPr>
+        <p:style>
+          <a:lnRef idx="1">
+            <a:schemeClr val="accent1"/>
+          </a:lnRef>
+          <a:fillRef idx="0">
+            <a:schemeClr val="accent1"/>
+          </a:fillRef>
+          <a:effectRef idx="0">
+            <a:schemeClr val="accent1"/>
+          </a:effectRef>
+          <a:fontRef idx="minor">
+            <a:schemeClr val="tx1"/>
+          </a:fontRef>
+        </p:style>
+      </p:cxnSp>
+    </p:spTree>
+    <p:extLst>
+      <p:ext uri="{BB962C8B-B14F-4D97-AF65-F5344CB8AC3E}">
+        <p14:creationId xmlns:p14="http://schemas.microsoft.com/office/powerpoint/2010/main" val="486256903"/>
+      </p:ext>
+    </p:extLst>
+  </p:cSld>
+  <p:clrMapOvr>
+    <a:masterClrMapping/>
+  </p:clrMapOvr>
+</p:sld>
+</file>
+
+<file path=ppt/slides/slide8.xml><?xml version="1.0" encoding="utf-8"?>
+<p:sld xmlns:a="http://schemas.openxmlformats.org/drawingml/2006/main" xmlns:r="http://schemas.openxmlformats.org/officeDocument/2006/relationships" xmlns:p="http://schemas.openxmlformats.org/presentationml/2006/main">
+  <p:cSld>
+    <p:spTree>
+      <p:nvGrpSpPr>
+        <p:cNvPr id="1" name=""/>
+        <p:cNvGrpSpPr/>
+        <p:nvPr/>
+      </p:nvGrpSpPr>
+      <p:grpSpPr>
+        <a:xfrm>
+          <a:off x="0" y="0"/>
+          <a:ext cx="0" cy="0"/>
+          <a:chOff x="0" y="0"/>
+          <a:chExt cx="0" cy="0"/>
+        </a:xfrm>
+      </p:grpSpPr>
+      <p:cxnSp>
+        <p:nvCxnSpPr>
+          <p:cNvPr id="35" name="Straight Connector 34"/>
+          <p:cNvCxnSpPr/>
+          <p:nvPr/>
+        </p:nvCxnSpPr>
+        <p:spPr>
+          <a:xfrm>
+            <a:off x="2436989" y="2852504"/>
+            <a:ext cx="977609" cy="658782"/>
+          </a:xfrm>
+          <a:prstGeom prst="line">
+            <a:avLst/>
+          </a:prstGeom>
+          <a:ln w="19050">
+            <a:solidFill>
+              <a:schemeClr val="tx1"/>
+            </a:solidFill>
+          </a:ln>
+        </p:spPr>
+        <p:style>
+          <a:lnRef idx="1">
+            <a:schemeClr val="accent1"/>
+          </a:lnRef>
+          <a:fillRef idx="0">
+            <a:schemeClr val="accent1"/>
+          </a:fillRef>
+          <a:effectRef idx="0">
+            <a:schemeClr val="accent1"/>
+          </a:effectRef>
+          <a:fontRef idx="minor">
+            <a:schemeClr val="tx1"/>
+          </a:fontRef>
+        </p:style>
+      </p:cxnSp>
+      <p:cxnSp>
+        <p:nvCxnSpPr>
+          <p:cNvPr id="36" name="Straight Connector 35"/>
+          <p:cNvCxnSpPr/>
+          <p:nvPr/>
+        </p:nvCxnSpPr>
+        <p:spPr>
+          <a:xfrm>
+            <a:off x="2436987" y="2211340"/>
+            <a:ext cx="0" cy="310523"/>
+          </a:xfrm>
+          <a:prstGeom prst="line">
+            <a:avLst/>
+          </a:prstGeom>
+          <a:ln w="38100">
+            <a:solidFill>
+              <a:schemeClr val="tx1"/>
+            </a:solidFill>
+            <a:headEnd type="triangle" w="med" len="med"/>
+            <a:tailEnd type="triangle" w="med" len="med"/>
+          </a:ln>
+        </p:spPr>
+        <p:style>
+          <a:lnRef idx="1">
+            <a:schemeClr val="accent1"/>
+          </a:lnRef>
+          <a:fillRef idx="0">
+            <a:schemeClr val="accent1"/>
+          </a:fillRef>
+          <a:effectRef idx="0">
+            <a:schemeClr val="accent1"/>
+          </a:effectRef>
+          <a:fontRef idx="minor">
+            <a:schemeClr val="tx1"/>
+          </a:fontRef>
+        </p:style>
+      </p:cxnSp>
+      <p:cxnSp>
+        <p:nvCxnSpPr>
+          <p:cNvPr id="37" name="Straight Connector 36"/>
+          <p:cNvCxnSpPr/>
+          <p:nvPr/>
+        </p:nvCxnSpPr>
+        <p:spPr>
+          <a:xfrm flipH="1">
+            <a:off x="1491142" y="2852504"/>
+            <a:ext cx="945847" cy="640345"/>
+          </a:xfrm>
+          <a:prstGeom prst="line">
+            <a:avLst/>
+          </a:prstGeom>
+          <a:ln w="19050">
+            <a:solidFill>
+              <a:schemeClr val="tx1"/>
+            </a:solidFill>
+          </a:ln>
+        </p:spPr>
+        <p:style>
+          <a:lnRef idx="1">
+            <a:schemeClr val="accent1"/>
+          </a:lnRef>
+          <a:fillRef idx="0">
+            <a:schemeClr val="accent1"/>
+          </a:fillRef>
+          <a:effectRef idx="0">
+            <a:schemeClr val="accent1"/>
+          </a:effectRef>
+          <a:fontRef idx="minor">
+            <a:schemeClr val="tx1"/>
+          </a:fontRef>
+        </p:style>
+      </p:cxnSp>
+      <p:cxnSp>
+        <p:nvCxnSpPr>
+          <p:cNvPr id="41" name="Straight Connector 40"/>
+          <p:cNvCxnSpPr/>
+          <p:nvPr/>
+        </p:nvCxnSpPr>
+        <p:spPr>
+          <a:xfrm>
+            <a:off x="3414598" y="3837399"/>
+            <a:ext cx="0" cy="258469"/>
+          </a:xfrm>
+          <a:prstGeom prst="line">
+            <a:avLst/>
+          </a:prstGeom>
+          <a:ln w="19050">
+            <a:solidFill>
+              <a:schemeClr val="tx1"/>
+            </a:solidFill>
+          </a:ln>
+        </p:spPr>
+        <p:style>
+          <a:lnRef idx="1">
+            <a:schemeClr val="accent1"/>
+          </a:lnRef>
+          <a:fillRef idx="0">
+            <a:schemeClr val="accent1"/>
+          </a:fillRef>
+          <a:effectRef idx="0">
+            <a:schemeClr val="accent1"/>
+          </a:effectRef>
+          <a:fontRef idx="minor">
+            <a:schemeClr val="tx1"/>
+          </a:fontRef>
+        </p:style>
+      </p:cxnSp>
+      <p:cxnSp>
+        <p:nvCxnSpPr>
+          <p:cNvPr id="44" name="Straight Connector 43"/>
+          <p:cNvCxnSpPr/>
+          <p:nvPr/>
+        </p:nvCxnSpPr>
+        <p:spPr>
+          <a:xfrm>
+            <a:off x="1491142" y="3818962"/>
+            <a:ext cx="0" cy="304775"/>
+          </a:xfrm>
+          <a:prstGeom prst="line">
+            <a:avLst/>
+          </a:prstGeom>
+          <a:ln w="19050">
+            <a:solidFill>
+              <a:schemeClr val="tx1"/>
+            </a:solidFill>
+          </a:ln>
+        </p:spPr>
+        <p:style>
+          <a:lnRef idx="1">
+            <a:schemeClr val="accent1"/>
+          </a:lnRef>
+          <a:fillRef idx="0">
+            <a:schemeClr val="accent1"/>
+          </a:fillRef>
+          <a:effectRef idx="0">
+            <a:schemeClr val="accent1"/>
+          </a:effectRef>
+          <a:fontRef idx="minor">
+            <a:schemeClr val="tx1"/>
+          </a:fontRef>
+        </p:style>
+      </p:cxnSp>
+      <p:sp>
+        <p:nvSpPr>
+          <p:cNvPr id="57" name="Rectangle 56"/>
+          <p:cNvSpPr/>
+          <p:nvPr/>
+        </p:nvSpPr>
+        <p:spPr>
+          <a:xfrm>
+            <a:off x="2184647" y="2526391"/>
+            <a:ext cx="504684" cy="326113"/>
+          </a:xfrm>
+          <a:prstGeom prst="rect">
+            <a:avLst/>
+          </a:prstGeom>
+          <a:solidFill>
+            <a:schemeClr val="bg2">
+              <a:lumMod val="90000"/>
+            </a:schemeClr>
+          </a:solidFill>
+          <a:ln>
+            <a:solidFill>
+              <a:schemeClr val="tx1"/>
+            </a:solidFill>
+          </a:ln>
+        </p:spPr>
+        <p:style>
+          <a:lnRef idx="2">
+            <a:schemeClr val="accent1">
+              <a:shade val="50000"/>
+            </a:schemeClr>
+          </a:lnRef>
+          <a:fillRef idx="1">
+            <a:schemeClr val="accent1"/>
+          </a:fillRef>
+          <a:effectRef idx="0">
+            <a:schemeClr val="accent1"/>
+          </a:effectRef>
+          <a:fontRef idx="minor">
+            <a:schemeClr val="lt1"/>
+          </a:fontRef>
+        </p:style>
+        <p:txBody>
+          <a:bodyPr rtlCol="0" anchor="ctr"/>
+          <a:lstStyle/>
+          <a:p>
+            <a:pPr algn="ctr"/>
+            <a:r>
+              <a:rPr lang="en-US" sz="2000" dirty="0" smtClean="0">
+                <a:solidFill>
+                  <a:schemeClr val="tx1"/>
+                </a:solidFill>
+              </a:rPr>
+              <a:t>S</a:t>
+            </a:r>
+            <a:endParaRPr lang="en-US" sz="2000" dirty="0">
+              <a:solidFill>
+                <a:schemeClr val="tx1"/>
+              </a:solidFill>
+            </a:endParaRPr>
+          </a:p>
+        </p:txBody>
+      </p:sp>
+      <p:sp>
+        <p:nvSpPr>
+          <p:cNvPr id="58" name="Rectangle 57"/>
+          <p:cNvSpPr/>
+          <p:nvPr/>
+        </p:nvSpPr>
+        <p:spPr>
+          <a:xfrm>
+            <a:off x="3162256" y="3511286"/>
+            <a:ext cx="504684" cy="326113"/>
+          </a:xfrm>
+          <a:prstGeom prst="rect">
+            <a:avLst/>
+          </a:prstGeom>
+          <a:solidFill>
+            <a:schemeClr val="bg2">
+              <a:lumMod val="90000"/>
+            </a:schemeClr>
+          </a:solidFill>
+          <a:ln>
+            <a:solidFill>
+              <a:schemeClr val="tx1"/>
+            </a:solidFill>
+          </a:ln>
+        </p:spPr>
+        <p:style>
+          <a:lnRef idx="2">
+            <a:schemeClr val="accent1">
+              <a:shade val="50000"/>
+            </a:schemeClr>
+          </a:lnRef>
+          <a:fillRef idx="1">
+            <a:schemeClr val="accent1"/>
+          </a:fillRef>
+          <a:effectRef idx="0">
+            <a:schemeClr val="accent1"/>
+          </a:effectRef>
+          <a:fontRef idx="minor">
+            <a:schemeClr val="lt1"/>
+          </a:fontRef>
+        </p:style>
+        <p:txBody>
+          <a:bodyPr rtlCol="0" anchor="ctr"/>
+          <a:lstStyle/>
+          <a:p>
+            <a:pPr algn="ctr"/>
+            <a:r>
+              <a:rPr lang="en-US" sz="2000" dirty="0" smtClean="0">
+                <a:solidFill>
+                  <a:schemeClr val="tx1"/>
+                </a:solidFill>
+              </a:rPr>
+              <a:t>AL</a:t>
+            </a:r>
+            <a:endParaRPr lang="en-US" sz="2000" dirty="0">
+              <a:solidFill>
+                <a:schemeClr val="tx1"/>
+              </a:solidFill>
+            </a:endParaRPr>
+          </a:p>
+        </p:txBody>
+      </p:sp>
+      <p:sp>
+        <p:nvSpPr>
+          <p:cNvPr id="60" name="Rectangle 59"/>
+          <p:cNvSpPr/>
+          <p:nvPr/>
+        </p:nvSpPr>
+        <p:spPr>
+          <a:xfrm>
+            <a:off x="1238800" y="3492849"/>
+            <a:ext cx="504684" cy="326113"/>
+          </a:xfrm>
+          <a:prstGeom prst="rect">
+            <a:avLst/>
+          </a:prstGeom>
+          <a:solidFill>
+            <a:schemeClr val="bg2">
+              <a:lumMod val="90000"/>
+            </a:schemeClr>
+          </a:solidFill>
+          <a:ln>
+            <a:solidFill>
+              <a:schemeClr val="tx1"/>
+            </a:solidFill>
+          </a:ln>
+        </p:spPr>
+        <p:style>
+          <a:lnRef idx="2">
+            <a:schemeClr val="accent1">
+              <a:shade val="50000"/>
+            </a:schemeClr>
+          </a:lnRef>
+          <a:fillRef idx="1">
+            <a:schemeClr val="accent1"/>
+          </a:fillRef>
+          <a:effectRef idx="0">
+            <a:schemeClr val="accent1"/>
+          </a:effectRef>
+          <a:fontRef idx="minor">
+            <a:schemeClr val="lt1"/>
+          </a:fontRef>
+        </p:style>
+        <p:txBody>
+          <a:bodyPr rtlCol="0" anchor="ctr"/>
+          <a:lstStyle/>
+          <a:p>
+            <a:pPr algn="ctr"/>
+            <a:r>
+              <a:rPr lang="en-US" sz="2000" dirty="0" smtClean="0">
+                <a:solidFill>
+                  <a:schemeClr val="tx1"/>
+                </a:solidFill>
+              </a:rPr>
+              <a:t>AG</a:t>
+            </a:r>
+            <a:endParaRPr lang="en-US" sz="2000" dirty="0">
+              <a:solidFill>
+                <a:schemeClr val="tx1"/>
+              </a:solidFill>
+            </a:endParaRPr>
+          </a:p>
+        </p:txBody>
+      </p:sp>
+      <p:sp>
+        <p:nvSpPr>
+          <p:cNvPr id="61" name="Rectangle 60"/>
+          <p:cNvSpPr/>
+          <p:nvPr/>
+        </p:nvSpPr>
+        <p:spPr>
+          <a:xfrm>
+            <a:off x="3162256" y="4095868"/>
+            <a:ext cx="504684" cy="326113"/>
+          </a:xfrm>
+          <a:prstGeom prst="rect">
+            <a:avLst/>
+          </a:prstGeom>
+          <a:solidFill>
+            <a:schemeClr val="bg2">
+              <a:lumMod val="90000"/>
+            </a:schemeClr>
+          </a:solidFill>
+          <a:ln>
+            <a:solidFill>
+              <a:schemeClr val="tx1"/>
+            </a:solidFill>
+          </a:ln>
+        </p:spPr>
+        <p:style>
+          <a:lnRef idx="2">
+            <a:schemeClr val="accent1">
+              <a:shade val="50000"/>
+            </a:schemeClr>
+          </a:lnRef>
+          <a:fillRef idx="1">
+            <a:schemeClr val="accent1"/>
+          </a:fillRef>
+          <a:effectRef idx="0">
+            <a:schemeClr val="accent1"/>
+          </a:effectRef>
+          <a:fontRef idx="minor">
+            <a:schemeClr val="lt1"/>
+          </a:fontRef>
+        </p:style>
+        <p:txBody>
+          <a:bodyPr rtlCol="0" anchor="ctr"/>
+          <a:lstStyle/>
+          <a:p>
+            <a:pPr algn="ctr"/>
+            <a:r>
+              <a:rPr lang="en-US" sz="2000" dirty="0" smtClean="0">
+                <a:solidFill>
+                  <a:schemeClr val="tx1"/>
+                </a:solidFill>
+              </a:rPr>
+              <a:t>TL</a:t>
+            </a:r>
+            <a:endParaRPr lang="en-US" sz="2000" dirty="0">
+              <a:solidFill>
+                <a:schemeClr val="tx1"/>
+              </a:solidFill>
+            </a:endParaRPr>
+          </a:p>
+        </p:txBody>
+      </p:sp>
+      <p:sp>
+        <p:nvSpPr>
+          <p:cNvPr id="62" name="Rectangle 61"/>
+          <p:cNvSpPr/>
+          <p:nvPr/>
+        </p:nvSpPr>
+        <p:spPr>
+          <a:xfrm>
+            <a:off x="1238800" y="4123737"/>
+            <a:ext cx="504684" cy="326113"/>
+          </a:xfrm>
+          <a:prstGeom prst="rect">
+            <a:avLst/>
+          </a:prstGeom>
+          <a:solidFill>
+            <a:schemeClr val="bg2">
+              <a:lumMod val="90000"/>
+            </a:schemeClr>
+          </a:solidFill>
+          <a:ln>
+            <a:solidFill>
+              <a:schemeClr val="tx1"/>
+            </a:solidFill>
+          </a:ln>
+        </p:spPr>
+        <p:style>
+          <a:lnRef idx="2">
+            <a:schemeClr val="accent1">
+              <a:shade val="50000"/>
+            </a:schemeClr>
+          </a:lnRef>
+          <a:fillRef idx="1">
+            <a:schemeClr val="accent1"/>
+          </a:fillRef>
+          <a:effectRef idx="0">
+            <a:schemeClr val="accent1"/>
+          </a:effectRef>
+          <a:fontRef idx="minor">
+            <a:schemeClr val="lt1"/>
+          </a:fontRef>
+        </p:style>
+        <p:txBody>
+          <a:bodyPr rtlCol="0" anchor="ctr"/>
+          <a:lstStyle/>
+          <a:p>
+            <a:pPr algn="ctr"/>
+            <a:r>
+              <a:rPr lang="en-US" sz="2000" dirty="0" smtClean="0">
+                <a:solidFill>
+                  <a:schemeClr val="tx1"/>
+                </a:solidFill>
+              </a:rPr>
+              <a:t>TG</a:t>
+            </a:r>
+            <a:endParaRPr lang="en-US" sz="2000" dirty="0">
+              <a:solidFill>
+                <a:schemeClr val="tx1"/>
+              </a:solidFill>
+            </a:endParaRPr>
+          </a:p>
+        </p:txBody>
+      </p:sp>
+      <p:cxnSp>
+        <p:nvCxnSpPr>
+          <p:cNvPr id="88" name="Straight Connector 87"/>
+          <p:cNvCxnSpPr/>
+          <p:nvPr/>
+        </p:nvCxnSpPr>
+        <p:spPr>
+          <a:xfrm>
+            <a:off x="6031559" y="2847976"/>
+            <a:ext cx="977609" cy="658782"/>
+          </a:xfrm>
+          <a:prstGeom prst="line">
+            <a:avLst/>
+          </a:prstGeom>
+          <a:ln w="19050">
+            <a:solidFill>
+              <a:schemeClr val="tx1"/>
+            </a:solidFill>
+          </a:ln>
+        </p:spPr>
+        <p:style>
+          <a:lnRef idx="1">
+            <a:schemeClr val="accent1"/>
+          </a:lnRef>
+          <a:fillRef idx="0">
+            <a:schemeClr val="accent1"/>
+          </a:fillRef>
+          <a:effectRef idx="0">
+            <a:schemeClr val="accent1"/>
+          </a:effectRef>
+          <a:fontRef idx="minor">
+            <a:schemeClr val="tx1"/>
+          </a:fontRef>
+        </p:style>
+      </p:cxnSp>
+      <p:cxnSp>
+        <p:nvCxnSpPr>
+          <p:cNvPr id="89" name="Straight Connector 88"/>
+          <p:cNvCxnSpPr/>
+          <p:nvPr/>
+        </p:nvCxnSpPr>
+        <p:spPr>
+          <a:xfrm>
+            <a:off x="6031557" y="2206812"/>
+            <a:ext cx="0" cy="310523"/>
+          </a:xfrm>
+          <a:prstGeom prst="line">
+            <a:avLst/>
+          </a:prstGeom>
+          <a:ln w="38100">
+            <a:solidFill>
+              <a:schemeClr val="tx1"/>
+            </a:solidFill>
+            <a:headEnd type="triangle" w="med" len="med"/>
+            <a:tailEnd type="triangle" w="med" len="med"/>
+          </a:ln>
+        </p:spPr>
+        <p:style>
+          <a:lnRef idx="1">
+            <a:schemeClr val="accent1"/>
+          </a:lnRef>
+          <a:fillRef idx="0">
+            <a:schemeClr val="accent1"/>
+          </a:fillRef>
+          <a:effectRef idx="0">
+            <a:schemeClr val="accent1"/>
+          </a:effectRef>
+          <a:fontRef idx="minor">
+            <a:schemeClr val="tx1"/>
+          </a:fontRef>
+        </p:style>
+      </p:cxnSp>
+      <p:cxnSp>
+        <p:nvCxnSpPr>
+          <p:cNvPr id="90" name="Straight Connector 89"/>
+          <p:cNvCxnSpPr/>
+          <p:nvPr/>
+        </p:nvCxnSpPr>
+        <p:spPr>
+          <a:xfrm flipH="1">
+            <a:off x="5085712" y="2847976"/>
+            <a:ext cx="945847" cy="640345"/>
+          </a:xfrm>
+          <a:prstGeom prst="line">
+            <a:avLst/>
+          </a:prstGeom>
+          <a:ln w="19050">
+            <a:solidFill>
+              <a:schemeClr val="tx1"/>
+            </a:solidFill>
+          </a:ln>
+        </p:spPr>
+        <p:style>
+          <a:lnRef idx="1">
+            <a:schemeClr val="accent1"/>
+          </a:lnRef>
+          <a:fillRef idx="0">
+            <a:schemeClr val="accent1"/>
+          </a:fillRef>
+          <a:effectRef idx="0">
+            <a:schemeClr val="accent1"/>
+          </a:effectRef>
+          <a:fontRef idx="minor">
+            <a:schemeClr val="tx1"/>
+          </a:fontRef>
+        </p:style>
+      </p:cxnSp>
+      <p:cxnSp>
+        <p:nvCxnSpPr>
+          <p:cNvPr id="91" name="Straight Connector 90"/>
+          <p:cNvCxnSpPr/>
+          <p:nvPr/>
+        </p:nvCxnSpPr>
+        <p:spPr>
+          <a:xfrm>
+            <a:off x="7009168" y="3832871"/>
+            <a:ext cx="0" cy="258469"/>
+          </a:xfrm>
+          <a:prstGeom prst="line">
+            <a:avLst/>
+          </a:prstGeom>
+          <a:ln w="19050">
+            <a:solidFill>
+              <a:schemeClr val="tx1"/>
+            </a:solidFill>
+          </a:ln>
+        </p:spPr>
+        <p:style>
+          <a:lnRef idx="1">
+            <a:schemeClr val="accent1"/>
+          </a:lnRef>
+          <a:fillRef idx="0">
+            <a:schemeClr val="accent1"/>
+          </a:fillRef>
+          <a:effectRef idx="0">
+            <a:schemeClr val="accent1"/>
+          </a:effectRef>
+          <a:fontRef idx="minor">
+            <a:schemeClr val="tx1"/>
+          </a:fontRef>
+        </p:style>
+      </p:cxnSp>
+      <p:cxnSp>
+        <p:nvCxnSpPr>
+          <p:cNvPr id="92" name="Straight Connector 91"/>
+          <p:cNvCxnSpPr/>
+          <p:nvPr/>
+        </p:nvCxnSpPr>
+        <p:spPr>
+          <a:xfrm>
+            <a:off x="5085712" y="3814434"/>
+            <a:ext cx="0" cy="304775"/>
+          </a:xfrm>
+          <a:prstGeom prst="line">
+            <a:avLst/>
+          </a:prstGeom>
+          <a:ln w="19050">
+            <a:solidFill>
+              <a:schemeClr val="tx1"/>
+            </a:solidFill>
+          </a:ln>
+        </p:spPr>
+        <p:style>
+          <a:lnRef idx="1">
+            <a:schemeClr val="accent1"/>
+          </a:lnRef>
+          <a:fillRef idx="0">
+            <a:schemeClr val="accent1"/>
+          </a:fillRef>
+          <a:effectRef idx="0">
+            <a:schemeClr val="accent1"/>
+          </a:effectRef>
+          <a:fontRef idx="minor">
+            <a:schemeClr val="tx1"/>
+          </a:fontRef>
+        </p:style>
+      </p:cxnSp>
+      <p:sp>
+        <p:nvSpPr>
+          <p:cNvPr id="93" name="Rectangle 92"/>
+          <p:cNvSpPr/>
+          <p:nvPr/>
+        </p:nvSpPr>
+        <p:spPr>
+          <a:xfrm>
+            <a:off x="5779217" y="2521863"/>
+            <a:ext cx="504684" cy="326113"/>
+          </a:xfrm>
+          <a:prstGeom prst="rect">
+            <a:avLst/>
+          </a:prstGeom>
+          <a:solidFill>
+            <a:schemeClr val="bg2">
+              <a:lumMod val="90000"/>
+            </a:schemeClr>
+          </a:solidFill>
+          <a:ln>
+            <a:solidFill>
+              <a:schemeClr val="tx1"/>
+            </a:solidFill>
+          </a:ln>
+        </p:spPr>
+        <p:style>
+          <a:lnRef idx="2">
+            <a:schemeClr val="accent1">
+              <a:shade val="50000"/>
+            </a:schemeClr>
+          </a:lnRef>
+          <a:fillRef idx="1">
+            <a:schemeClr val="accent1"/>
+          </a:fillRef>
+          <a:effectRef idx="0">
+            <a:schemeClr val="accent1"/>
+          </a:effectRef>
+          <a:fontRef idx="minor">
+            <a:schemeClr val="lt1"/>
+          </a:fontRef>
+        </p:style>
+        <p:txBody>
+          <a:bodyPr rtlCol="0" anchor="ctr"/>
+          <a:lstStyle/>
+          <a:p>
+            <a:pPr algn="ctr"/>
+            <a:r>
+              <a:rPr lang="en-US" sz="2000" dirty="0" smtClean="0">
+                <a:solidFill>
+                  <a:schemeClr val="tx1"/>
+                </a:solidFill>
+              </a:rPr>
+              <a:t>S</a:t>
+            </a:r>
+            <a:endParaRPr lang="en-US" sz="2000" dirty="0">
+              <a:solidFill>
+                <a:schemeClr val="tx1"/>
+              </a:solidFill>
+            </a:endParaRPr>
+          </a:p>
+        </p:txBody>
+      </p:sp>
+      <p:sp>
+        <p:nvSpPr>
+          <p:cNvPr id="94" name="Rectangle 93"/>
+          <p:cNvSpPr/>
+          <p:nvPr/>
+        </p:nvSpPr>
+        <p:spPr>
+          <a:xfrm>
+            <a:off x="6756826" y="3506758"/>
+            <a:ext cx="504684" cy="326113"/>
+          </a:xfrm>
+          <a:prstGeom prst="rect">
+            <a:avLst/>
+          </a:prstGeom>
+          <a:solidFill>
+            <a:schemeClr val="bg2">
+              <a:lumMod val="90000"/>
+            </a:schemeClr>
+          </a:solidFill>
+          <a:ln>
+            <a:solidFill>
+              <a:schemeClr val="tx1"/>
+            </a:solidFill>
+          </a:ln>
+        </p:spPr>
+        <p:style>
+          <a:lnRef idx="2">
+            <a:schemeClr val="accent1">
+              <a:shade val="50000"/>
+            </a:schemeClr>
+          </a:lnRef>
+          <a:fillRef idx="1">
+            <a:schemeClr val="accent1"/>
+          </a:fillRef>
+          <a:effectRef idx="0">
+            <a:schemeClr val="accent1"/>
+          </a:effectRef>
+          <a:fontRef idx="minor">
+            <a:schemeClr val="lt1"/>
+          </a:fontRef>
+        </p:style>
+        <p:txBody>
+          <a:bodyPr rtlCol="0" anchor="ctr"/>
+          <a:lstStyle/>
+          <a:p>
+            <a:pPr algn="ctr"/>
+            <a:r>
+              <a:rPr lang="en-US" sz="2000" dirty="0" smtClean="0">
+                <a:solidFill>
+                  <a:schemeClr val="tx1"/>
+                </a:solidFill>
+              </a:rPr>
+              <a:t>AL</a:t>
+            </a:r>
+            <a:endParaRPr lang="en-US" sz="2000" dirty="0">
+              <a:solidFill>
+                <a:schemeClr val="tx1"/>
+              </a:solidFill>
+            </a:endParaRPr>
+          </a:p>
+        </p:txBody>
+      </p:sp>
+      <p:sp>
+        <p:nvSpPr>
+          <p:cNvPr id="95" name="Rectangle 94"/>
+          <p:cNvSpPr/>
+          <p:nvPr/>
+        </p:nvSpPr>
+        <p:spPr>
+          <a:xfrm>
+            <a:off x="4833370" y="3488321"/>
+            <a:ext cx="504684" cy="326113"/>
+          </a:xfrm>
+          <a:prstGeom prst="rect">
+            <a:avLst/>
+          </a:prstGeom>
+          <a:solidFill>
+            <a:schemeClr val="bg2">
+              <a:lumMod val="90000"/>
+            </a:schemeClr>
+          </a:solidFill>
+          <a:ln>
+            <a:solidFill>
+              <a:schemeClr val="tx1"/>
+            </a:solidFill>
+          </a:ln>
+        </p:spPr>
+        <p:style>
+          <a:lnRef idx="2">
+            <a:schemeClr val="accent1">
+              <a:shade val="50000"/>
+            </a:schemeClr>
+          </a:lnRef>
+          <a:fillRef idx="1">
+            <a:schemeClr val="accent1"/>
+          </a:fillRef>
+          <a:effectRef idx="0">
+            <a:schemeClr val="accent1"/>
+          </a:effectRef>
+          <a:fontRef idx="minor">
+            <a:schemeClr val="lt1"/>
+          </a:fontRef>
+        </p:style>
+        <p:txBody>
+          <a:bodyPr rtlCol="0" anchor="ctr"/>
+          <a:lstStyle/>
+          <a:p>
+            <a:pPr algn="ctr"/>
+            <a:r>
+              <a:rPr lang="en-US" sz="2000" dirty="0" smtClean="0">
+                <a:solidFill>
+                  <a:schemeClr val="tx1"/>
+                </a:solidFill>
+              </a:rPr>
+              <a:t>AG</a:t>
+            </a:r>
+            <a:endParaRPr lang="en-US" sz="2000" dirty="0">
+              <a:solidFill>
+                <a:schemeClr val="tx1"/>
+              </a:solidFill>
+            </a:endParaRPr>
+          </a:p>
+        </p:txBody>
+      </p:sp>
+      <p:sp>
+        <p:nvSpPr>
+          <p:cNvPr id="96" name="Rectangle 95"/>
+          <p:cNvSpPr/>
+          <p:nvPr/>
+        </p:nvSpPr>
+        <p:spPr>
+          <a:xfrm>
+            <a:off x="6756826" y="4091340"/>
+            <a:ext cx="504684" cy="326113"/>
+          </a:xfrm>
+          <a:prstGeom prst="rect">
+            <a:avLst/>
+          </a:prstGeom>
+          <a:solidFill>
+            <a:schemeClr val="bg2">
+              <a:lumMod val="90000"/>
+            </a:schemeClr>
+          </a:solidFill>
+          <a:ln>
+            <a:solidFill>
+              <a:schemeClr val="tx1"/>
+            </a:solidFill>
+          </a:ln>
+        </p:spPr>
+        <p:style>
+          <a:lnRef idx="2">
+            <a:schemeClr val="accent1">
+              <a:shade val="50000"/>
+            </a:schemeClr>
+          </a:lnRef>
+          <a:fillRef idx="1">
+            <a:schemeClr val="accent1"/>
+          </a:fillRef>
+          <a:effectRef idx="0">
+            <a:schemeClr val="accent1"/>
+          </a:effectRef>
+          <a:fontRef idx="minor">
+            <a:schemeClr val="lt1"/>
+          </a:fontRef>
+        </p:style>
+        <p:txBody>
+          <a:bodyPr rtlCol="0" anchor="ctr"/>
+          <a:lstStyle/>
+          <a:p>
+            <a:pPr algn="ctr"/>
+            <a:r>
+              <a:rPr lang="en-US" sz="2000" dirty="0" smtClean="0">
+                <a:solidFill>
+                  <a:schemeClr val="tx1"/>
+                </a:solidFill>
+              </a:rPr>
+              <a:t>TL</a:t>
+            </a:r>
+            <a:endParaRPr lang="en-US" sz="2000" dirty="0">
+              <a:solidFill>
+                <a:schemeClr val="tx1"/>
+              </a:solidFill>
+            </a:endParaRPr>
+          </a:p>
+        </p:txBody>
+      </p:sp>
+      <p:sp>
+        <p:nvSpPr>
+          <p:cNvPr id="97" name="Rectangle 96"/>
+          <p:cNvSpPr/>
+          <p:nvPr/>
+        </p:nvSpPr>
+        <p:spPr>
+          <a:xfrm>
+            <a:off x="4833370" y="4119209"/>
+            <a:ext cx="504684" cy="326113"/>
+          </a:xfrm>
+          <a:prstGeom prst="rect">
+            <a:avLst/>
+          </a:prstGeom>
+          <a:solidFill>
+            <a:schemeClr val="bg2">
+              <a:lumMod val="90000"/>
+            </a:schemeClr>
+          </a:solidFill>
+          <a:ln>
+            <a:solidFill>
+              <a:schemeClr val="tx1"/>
+            </a:solidFill>
+          </a:ln>
+        </p:spPr>
+        <p:style>
+          <a:lnRef idx="2">
+            <a:schemeClr val="accent1">
+              <a:shade val="50000"/>
+            </a:schemeClr>
+          </a:lnRef>
+          <a:fillRef idx="1">
+            <a:schemeClr val="accent1"/>
+          </a:fillRef>
+          <a:effectRef idx="0">
+            <a:schemeClr val="accent1"/>
+          </a:effectRef>
+          <a:fontRef idx="minor">
+            <a:schemeClr val="lt1"/>
+          </a:fontRef>
+        </p:style>
+        <p:txBody>
+          <a:bodyPr rtlCol="0" anchor="ctr"/>
+          <a:lstStyle/>
+          <a:p>
+            <a:pPr algn="ctr"/>
+            <a:r>
+              <a:rPr lang="en-US" sz="2000" dirty="0" smtClean="0">
+                <a:solidFill>
+                  <a:schemeClr val="tx1"/>
+                </a:solidFill>
+              </a:rPr>
+              <a:t>TG</a:t>
+            </a:r>
+            <a:endParaRPr lang="en-US" sz="2000" dirty="0">
+              <a:solidFill>
+                <a:schemeClr val="tx1"/>
+              </a:solidFill>
+            </a:endParaRPr>
+          </a:p>
+        </p:txBody>
+      </p:sp>
+    </p:spTree>
+    <p:extLst>
+      <p:ext uri="{BB962C8B-B14F-4D97-AF65-F5344CB8AC3E}">
+        <p14:creationId xmlns:p14="http://schemas.microsoft.com/office/powerpoint/2010/main" val="1287256606"/>
+      </p:ext>
+    </p:extLst>
+  </p:cSld>
+  <p:clrMapOvr>
+    <a:masterClrMapping/>
+  </p:clrMapOvr>
+</p:sld>
+</file>
+
 <file path=ppt/theme/theme1.xml><?xml version="1.0" encoding="utf-8"?>
 <a:theme xmlns:a="http://schemas.openxmlformats.org/drawingml/2006/main" name="Office Theme">
   <a:themeElements>

--- a/paper/abstraction/figures/examples.pptx
+++ b/paper/abstraction/figures/examples.pptx
@@ -15,7 +15,7 @@
     <p:sldId id="416" r:id="rId6"/>
     <p:sldId id="417" r:id="rId7"/>
     <p:sldId id="419" r:id="rId8"/>
-    <p:sldId id="418" r:id="rId9"/>
+    <p:sldId id="420" r:id="rId9"/>
   </p:sldIdLst>
   <p:sldSz cx="12192000" cy="6858000"/>
   <p:notesSz cx="6858000" cy="9144000"/>
@@ -204,7 +204,7 @@
           <a:p>
             <a:fld id="{0CCB65A4-74BE-2E49-B697-B48CA3DADDCF}" type="datetimeFigureOut">
               <a:rPr lang="en-US" smtClean="0"/>
-              <a:t>11/1/16</a:t>
+              <a:t>11/3/16</a:t>
             </a:fld>
             <a:endParaRPr lang="en-US"/>
           </a:p>
@@ -640,6 +640,90 @@
 </p:notes>
 </file>
 
+<file path=ppt/notesSlides/notesSlide3.xml><?xml version="1.0" encoding="utf-8"?>
+<p:notes xmlns:a="http://schemas.openxmlformats.org/drawingml/2006/main" xmlns:r="http://schemas.openxmlformats.org/officeDocument/2006/relationships" xmlns:p="http://schemas.openxmlformats.org/presentationml/2006/main">
+  <p:cSld>
+    <p:spTree>
+      <p:nvGrpSpPr>
+        <p:cNvPr id="1" name=""/>
+        <p:cNvGrpSpPr/>
+        <p:nvPr/>
+      </p:nvGrpSpPr>
+      <p:grpSpPr>
+        <a:xfrm>
+          <a:off x="0" y="0"/>
+          <a:ext cx="0" cy="0"/>
+          <a:chOff x="0" y="0"/>
+          <a:chExt cx="0" cy="0"/>
+        </a:xfrm>
+      </p:grpSpPr>
+      <p:sp>
+        <p:nvSpPr>
+          <p:cNvPr id="2" name="Slide Image Placeholder 1"/>
+          <p:cNvSpPr>
+            <a:spLocks noGrp="1" noRot="1" noChangeAspect="1"/>
+          </p:cNvSpPr>
+          <p:nvPr>
+            <p:ph type="sldImg"/>
+          </p:nvPr>
+        </p:nvSpPr>
+        <p:spPr/>
+      </p:sp>
+      <p:sp>
+        <p:nvSpPr>
+          <p:cNvPr id="3" name="Notes Placeholder 2"/>
+          <p:cNvSpPr>
+            <a:spLocks noGrp="1"/>
+          </p:cNvSpPr>
+          <p:nvPr>
+            <p:ph type="body" idx="1"/>
+          </p:nvPr>
+        </p:nvSpPr>
+        <p:spPr/>
+        <p:txBody>
+          <a:bodyPr/>
+          <a:lstStyle/>
+          <a:p>
+            <a:endParaRPr lang="en-US" dirty="0"/>
+          </a:p>
+        </p:txBody>
+      </p:sp>
+      <p:sp>
+        <p:nvSpPr>
+          <p:cNvPr id="4" name="Slide Number Placeholder 3"/>
+          <p:cNvSpPr>
+            <a:spLocks noGrp="1"/>
+          </p:cNvSpPr>
+          <p:nvPr>
+            <p:ph type="sldNum" sz="quarter" idx="10"/>
+          </p:nvPr>
+        </p:nvSpPr>
+        <p:spPr/>
+        <p:txBody>
+          <a:bodyPr/>
+          <a:lstStyle/>
+          <a:p>
+            <a:fld id="{D7574437-4189-E14E-8E73-0C93B1A92DE9}" type="slidenum">
+              <a:rPr lang="en-US" smtClean="0"/>
+              <a:t>8</a:t>
+            </a:fld>
+            <a:endParaRPr lang="en-US"/>
+          </a:p>
+        </p:txBody>
+      </p:sp>
+    </p:spTree>
+    <p:extLst>
+      <p:ext uri="{BB962C8B-B14F-4D97-AF65-F5344CB8AC3E}">
+        <p14:creationId xmlns:p14="http://schemas.microsoft.com/office/powerpoint/2010/main" val="1252889509"/>
+      </p:ext>
+    </p:extLst>
+  </p:cSld>
+  <p:clrMapOvr>
+    <a:masterClrMapping/>
+  </p:clrMapOvr>
+</p:notes>
+</file>
+
 <file path=ppt/slideLayouts/slideLayout1.xml><?xml version="1.0" encoding="utf-8"?>
 <p:sldLayout xmlns:a="http://schemas.openxmlformats.org/drawingml/2006/main" xmlns:r="http://schemas.openxmlformats.org/officeDocument/2006/relationships" xmlns:p="http://schemas.openxmlformats.org/presentationml/2006/main" type="title" preserve="1">
   <p:cSld name="Title Slide">
@@ -771,7 +855,7 @@
           <a:p>
             <a:fld id="{D1C2FE12-02FD-40D2-9E73-08CF8D46514A}" type="datetimeFigureOut">
               <a:rPr lang="en-US" smtClean="0"/>
-              <a:t>11/1/16</a:t>
+              <a:t>11/3/16</a:t>
             </a:fld>
             <a:endParaRPr lang="en-US"/>
           </a:p>
@@ -941,7 +1025,7 @@
           <a:p>
             <a:fld id="{D1C2FE12-02FD-40D2-9E73-08CF8D46514A}" type="datetimeFigureOut">
               <a:rPr lang="en-US" smtClean="0"/>
-              <a:t>11/1/16</a:t>
+              <a:t>11/3/16</a:t>
             </a:fld>
             <a:endParaRPr lang="en-US"/>
           </a:p>
@@ -1121,7 +1205,7 @@
           <a:p>
             <a:fld id="{D1C2FE12-02FD-40D2-9E73-08CF8D46514A}" type="datetimeFigureOut">
               <a:rPr lang="en-US" smtClean="0"/>
-              <a:t>11/1/16</a:t>
+              <a:t>11/3/16</a:t>
             </a:fld>
             <a:endParaRPr lang="en-US"/>
           </a:p>
@@ -1291,7 +1375,7 @@
           <a:p>
             <a:fld id="{D1C2FE12-02FD-40D2-9E73-08CF8D46514A}" type="datetimeFigureOut">
               <a:rPr lang="en-US" smtClean="0"/>
-              <a:t>11/1/16</a:t>
+              <a:t>11/3/16</a:t>
             </a:fld>
             <a:endParaRPr lang="en-US"/>
           </a:p>
@@ -1537,7 +1621,7 @@
           <a:p>
             <a:fld id="{D1C2FE12-02FD-40D2-9E73-08CF8D46514A}" type="datetimeFigureOut">
               <a:rPr lang="en-US" smtClean="0"/>
-              <a:t>11/1/16</a:t>
+              <a:t>11/3/16</a:t>
             </a:fld>
             <a:endParaRPr lang="en-US"/>
           </a:p>
@@ -1769,7 +1853,7 @@
           <a:p>
             <a:fld id="{D1C2FE12-02FD-40D2-9E73-08CF8D46514A}" type="datetimeFigureOut">
               <a:rPr lang="en-US" smtClean="0"/>
-              <a:t>11/1/16</a:t>
+              <a:t>11/3/16</a:t>
             </a:fld>
             <a:endParaRPr lang="en-US"/>
           </a:p>
@@ -2136,7 +2220,7 @@
           <a:p>
             <a:fld id="{D1C2FE12-02FD-40D2-9E73-08CF8D46514A}" type="datetimeFigureOut">
               <a:rPr lang="en-US" smtClean="0"/>
-              <a:t>11/1/16</a:t>
+              <a:t>11/3/16</a:t>
             </a:fld>
             <a:endParaRPr lang="en-US"/>
           </a:p>
@@ -2254,7 +2338,7 @@
           <a:p>
             <a:fld id="{D1C2FE12-02FD-40D2-9E73-08CF8D46514A}" type="datetimeFigureOut">
               <a:rPr lang="en-US" smtClean="0"/>
-              <a:t>11/1/16</a:t>
+              <a:t>11/3/16</a:t>
             </a:fld>
             <a:endParaRPr lang="en-US"/>
           </a:p>
@@ -2349,7 +2433,7 @@
           <a:p>
             <a:fld id="{D1C2FE12-02FD-40D2-9E73-08CF8D46514A}" type="datetimeFigureOut">
               <a:rPr lang="en-US" smtClean="0"/>
-              <a:t>11/1/16</a:t>
+              <a:t>11/3/16</a:t>
             </a:fld>
             <a:endParaRPr lang="en-US"/>
           </a:p>
@@ -2626,7 +2710,7 @@
           <a:p>
             <a:fld id="{D1C2FE12-02FD-40D2-9E73-08CF8D46514A}" type="datetimeFigureOut">
               <a:rPr lang="en-US" smtClean="0"/>
-              <a:t>11/1/16</a:t>
+              <a:t>11/3/16</a:t>
             </a:fld>
             <a:endParaRPr lang="en-US"/>
           </a:p>
@@ -2879,7 +2963,7 @@
           <a:p>
             <a:fld id="{D1C2FE12-02FD-40D2-9E73-08CF8D46514A}" type="datetimeFigureOut">
               <a:rPr lang="en-US" smtClean="0"/>
-              <a:t>11/1/16</a:t>
+              <a:t>11/3/16</a:t>
             </a:fld>
             <a:endParaRPr lang="en-US"/>
           </a:p>
@@ -3092,7 +3176,7 @@
           <a:p>
             <a:fld id="{D1C2FE12-02FD-40D2-9E73-08CF8D46514A}" type="datetimeFigureOut">
               <a:rPr lang="en-US" smtClean="0"/>
-              <a:t>11/1/16</a:t>
+              <a:t>11/3/16</a:t>
             </a:fld>
             <a:endParaRPr lang="en-US"/>
           </a:p>
@@ -21160,201 +21244,22 @@
           <a:chExt cx="0" cy="0"/>
         </a:xfrm>
       </p:grpSpPr>
-      <p:cxnSp>
-        <p:nvCxnSpPr>
-          <p:cNvPr id="35" name="Straight Connector 34"/>
-          <p:cNvCxnSpPr/>
-          <p:nvPr/>
-        </p:nvCxnSpPr>
-        <p:spPr>
-          <a:xfrm>
-            <a:off x="2436989" y="2852504"/>
-            <a:ext cx="977609" cy="658782"/>
-          </a:xfrm>
-          <a:prstGeom prst="line">
-            <a:avLst/>
-          </a:prstGeom>
-          <a:ln w="19050">
-            <a:solidFill>
-              <a:schemeClr val="tx1"/>
-            </a:solidFill>
-          </a:ln>
-        </p:spPr>
-        <p:style>
-          <a:lnRef idx="1">
-            <a:schemeClr val="accent1"/>
-          </a:lnRef>
-          <a:fillRef idx="0">
-            <a:schemeClr val="accent1"/>
-          </a:fillRef>
-          <a:effectRef idx="0">
-            <a:schemeClr val="accent1"/>
-          </a:effectRef>
-          <a:fontRef idx="minor">
-            <a:schemeClr val="tx1"/>
-          </a:fontRef>
-        </p:style>
-      </p:cxnSp>
-      <p:cxnSp>
-        <p:nvCxnSpPr>
-          <p:cNvPr id="36" name="Straight Connector 35"/>
-          <p:cNvCxnSpPr/>
-          <p:nvPr/>
-        </p:nvCxnSpPr>
-        <p:spPr>
-          <a:xfrm>
-            <a:off x="2436987" y="2211340"/>
-            <a:ext cx="0" cy="310523"/>
-          </a:xfrm>
-          <a:prstGeom prst="line">
-            <a:avLst/>
-          </a:prstGeom>
-          <a:ln w="38100">
-            <a:solidFill>
-              <a:schemeClr val="tx1"/>
-            </a:solidFill>
-            <a:headEnd type="triangle" w="med" len="med"/>
-            <a:tailEnd type="triangle" w="med" len="med"/>
-          </a:ln>
-        </p:spPr>
-        <p:style>
-          <a:lnRef idx="1">
-            <a:schemeClr val="accent1"/>
-          </a:lnRef>
-          <a:fillRef idx="0">
-            <a:schemeClr val="accent1"/>
-          </a:fillRef>
-          <a:effectRef idx="0">
-            <a:schemeClr val="accent1"/>
-          </a:effectRef>
-          <a:fontRef idx="minor">
-            <a:schemeClr val="tx1"/>
-          </a:fontRef>
-        </p:style>
-      </p:cxnSp>
-      <p:cxnSp>
-        <p:nvCxnSpPr>
-          <p:cNvPr id="37" name="Straight Connector 36"/>
-          <p:cNvCxnSpPr/>
-          <p:nvPr/>
-        </p:nvCxnSpPr>
-        <p:spPr>
-          <a:xfrm flipH="1">
-            <a:off x="1491142" y="2852504"/>
-            <a:ext cx="945847" cy="640345"/>
-          </a:xfrm>
-          <a:prstGeom prst="line">
-            <a:avLst/>
-          </a:prstGeom>
-          <a:ln w="19050">
-            <a:solidFill>
-              <a:schemeClr val="tx1"/>
-            </a:solidFill>
-          </a:ln>
-        </p:spPr>
-        <p:style>
-          <a:lnRef idx="1">
-            <a:schemeClr val="accent1"/>
-          </a:lnRef>
-          <a:fillRef idx="0">
-            <a:schemeClr val="accent1"/>
-          </a:fillRef>
-          <a:effectRef idx="0">
-            <a:schemeClr val="accent1"/>
-          </a:effectRef>
-          <a:fontRef idx="minor">
-            <a:schemeClr val="tx1"/>
-          </a:fontRef>
-        </p:style>
-      </p:cxnSp>
-      <p:cxnSp>
-        <p:nvCxnSpPr>
-          <p:cNvPr id="41" name="Straight Connector 40"/>
-          <p:cNvCxnSpPr/>
-          <p:nvPr/>
-        </p:nvCxnSpPr>
-        <p:spPr>
-          <a:xfrm>
-            <a:off x="3414598" y="3837399"/>
-            <a:ext cx="0" cy="258469"/>
-          </a:xfrm>
-          <a:prstGeom prst="line">
-            <a:avLst/>
-          </a:prstGeom>
-          <a:ln w="19050">
-            <a:solidFill>
-              <a:schemeClr val="tx1"/>
-            </a:solidFill>
-          </a:ln>
-        </p:spPr>
-        <p:style>
-          <a:lnRef idx="1">
-            <a:schemeClr val="accent1"/>
-          </a:lnRef>
-          <a:fillRef idx="0">
-            <a:schemeClr val="accent1"/>
-          </a:fillRef>
-          <a:effectRef idx="0">
-            <a:schemeClr val="accent1"/>
-          </a:effectRef>
-          <a:fontRef idx="minor">
-            <a:schemeClr val="tx1"/>
-          </a:fontRef>
-        </p:style>
-      </p:cxnSp>
-      <p:cxnSp>
-        <p:nvCxnSpPr>
-          <p:cNvPr id="44" name="Straight Connector 43"/>
-          <p:cNvCxnSpPr/>
-          <p:nvPr/>
-        </p:nvCxnSpPr>
-        <p:spPr>
-          <a:xfrm>
-            <a:off x="1491142" y="3818962"/>
-            <a:ext cx="0" cy="304775"/>
-          </a:xfrm>
-          <a:prstGeom prst="line">
-            <a:avLst/>
-          </a:prstGeom>
-          <a:ln w="19050">
-            <a:solidFill>
-              <a:schemeClr val="tx1"/>
-            </a:solidFill>
-          </a:ln>
-        </p:spPr>
-        <p:style>
-          <a:lnRef idx="1">
-            <a:schemeClr val="accent1"/>
-          </a:lnRef>
-          <a:fillRef idx="0">
-            <a:schemeClr val="accent1"/>
-          </a:fillRef>
-          <a:effectRef idx="0">
-            <a:schemeClr val="accent1"/>
-          </a:effectRef>
-          <a:fontRef idx="minor">
-            <a:schemeClr val="tx1"/>
-          </a:fontRef>
-        </p:style>
-      </p:cxnSp>
       <p:sp>
         <p:nvSpPr>
-          <p:cNvPr id="57" name="Rectangle 56"/>
+          <p:cNvPr id="2" name="Oval 1"/>
           <p:cNvSpPr/>
           <p:nvPr/>
         </p:nvSpPr>
         <p:spPr>
           <a:xfrm>
-            <a:off x="2184647" y="2526391"/>
-            <a:ext cx="504684" cy="326113"/>
-          </a:xfrm>
-          <a:prstGeom prst="rect">
+            <a:off x="4534460" y="1166963"/>
+            <a:ext cx="889686" cy="481914"/>
+          </a:xfrm>
+          <a:prstGeom prst="ellipse">
             <a:avLst/>
           </a:prstGeom>
           <a:solidFill>
-            <a:schemeClr val="bg2">
-              <a:lumMod val="90000"/>
-            </a:schemeClr>
+            <a:schemeClr val="bg2"/>
           </a:solidFill>
           <a:ln>
             <a:solidFill>
@@ -21384,262 +21289,14 @@
           <a:p>
             <a:pPr algn="ctr"/>
             <a:r>
-              <a:rPr lang="en-US" sz="2000" dirty="0" smtClean="0">
+              <a:rPr lang="en-US" dirty="0" smtClean="0">
                 <a:solidFill>
                   <a:schemeClr val="tx1"/>
                 </a:solidFill>
               </a:rPr>
-              <a:t>S</a:t>
+              <a:t>Start</a:t>
             </a:r>
-            <a:endParaRPr lang="en-US" sz="2000" dirty="0">
-              <a:solidFill>
-                <a:schemeClr val="tx1"/>
-              </a:solidFill>
-            </a:endParaRPr>
-          </a:p>
-        </p:txBody>
-      </p:sp>
-      <p:sp>
-        <p:nvSpPr>
-          <p:cNvPr id="58" name="Rectangle 57"/>
-          <p:cNvSpPr/>
-          <p:nvPr/>
-        </p:nvSpPr>
-        <p:spPr>
-          <a:xfrm>
-            <a:off x="3162256" y="3511286"/>
-            <a:ext cx="504684" cy="326113"/>
-          </a:xfrm>
-          <a:prstGeom prst="rect">
-            <a:avLst/>
-          </a:prstGeom>
-          <a:solidFill>
-            <a:schemeClr val="bg2">
-              <a:lumMod val="90000"/>
-            </a:schemeClr>
-          </a:solidFill>
-          <a:ln>
-            <a:solidFill>
-              <a:schemeClr val="tx1"/>
-            </a:solidFill>
-          </a:ln>
-        </p:spPr>
-        <p:style>
-          <a:lnRef idx="2">
-            <a:schemeClr val="accent1">
-              <a:shade val="50000"/>
-            </a:schemeClr>
-          </a:lnRef>
-          <a:fillRef idx="1">
-            <a:schemeClr val="accent1"/>
-          </a:fillRef>
-          <a:effectRef idx="0">
-            <a:schemeClr val="accent1"/>
-          </a:effectRef>
-          <a:fontRef idx="minor">
-            <a:schemeClr val="lt1"/>
-          </a:fontRef>
-        </p:style>
-        <p:txBody>
-          <a:bodyPr rtlCol="0" anchor="ctr"/>
-          <a:lstStyle/>
-          <a:p>
-            <a:pPr algn="ctr"/>
-            <a:r>
-              <a:rPr lang="en-US" sz="2000" dirty="0" smtClean="0">
-                <a:solidFill>
-                  <a:schemeClr val="tx1"/>
-                </a:solidFill>
-              </a:rPr>
-              <a:t>AL</a:t>
-            </a:r>
-            <a:endParaRPr lang="en-US" sz="2000" dirty="0">
-              <a:solidFill>
-                <a:schemeClr val="tx1"/>
-              </a:solidFill>
-            </a:endParaRPr>
-          </a:p>
-        </p:txBody>
-      </p:sp>
-      <p:sp>
-        <p:nvSpPr>
-          <p:cNvPr id="60" name="Rectangle 59"/>
-          <p:cNvSpPr/>
-          <p:nvPr/>
-        </p:nvSpPr>
-        <p:spPr>
-          <a:xfrm>
-            <a:off x="1238800" y="3492849"/>
-            <a:ext cx="504684" cy="326113"/>
-          </a:xfrm>
-          <a:prstGeom prst="rect">
-            <a:avLst/>
-          </a:prstGeom>
-          <a:solidFill>
-            <a:schemeClr val="bg2">
-              <a:lumMod val="90000"/>
-            </a:schemeClr>
-          </a:solidFill>
-          <a:ln>
-            <a:solidFill>
-              <a:schemeClr val="tx1"/>
-            </a:solidFill>
-          </a:ln>
-        </p:spPr>
-        <p:style>
-          <a:lnRef idx="2">
-            <a:schemeClr val="accent1">
-              <a:shade val="50000"/>
-            </a:schemeClr>
-          </a:lnRef>
-          <a:fillRef idx="1">
-            <a:schemeClr val="accent1"/>
-          </a:fillRef>
-          <a:effectRef idx="0">
-            <a:schemeClr val="accent1"/>
-          </a:effectRef>
-          <a:fontRef idx="minor">
-            <a:schemeClr val="lt1"/>
-          </a:fontRef>
-        </p:style>
-        <p:txBody>
-          <a:bodyPr rtlCol="0" anchor="ctr"/>
-          <a:lstStyle/>
-          <a:p>
-            <a:pPr algn="ctr"/>
-            <a:r>
-              <a:rPr lang="en-US" sz="2000" dirty="0" smtClean="0">
-                <a:solidFill>
-                  <a:schemeClr val="tx1"/>
-                </a:solidFill>
-              </a:rPr>
-              <a:t>AG</a:t>
-            </a:r>
-            <a:endParaRPr lang="en-US" sz="2000" dirty="0">
-              <a:solidFill>
-                <a:schemeClr val="tx1"/>
-              </a:solidFill>
-            </a:endParaRPr>
-          </a:p>
-        </p:txBody>
-      </p:sp>
-      <p:sp>
-        <p:nvSpPr>
-          <p:cNvPr id="61" name="Rectangle 60"/>
-          <p:cNvSpPr/>
-          <p:nvPr/>
-        </p:nvSpPr>
-        <p:spPr>
-          <a:xfrm>
-            <a:off x="3162256" y="4095868"/>
-            <a:ext cx="504684" cy="326113"/>
-          </a:xfrm>
-          <a:prstGeom prst="rect">
-            <a:avLst/>
-          </a:prstGeom>
-          <a:solidFill>
-            <a:schemeClr val="bg2">
-              <a:lumMod val="90000"/>
-            </a:schemeClr>
-          </a:solidFill>
-          <a:ln>
-            <a:solidFill>
-              <a:schemeClr val="tx1"/>
-            </a:solidFill>
-          </a:ln>
-        </p:spPr>
-        <p:style>
-          <a:lnRef idx="2">
-            <a:schemeClr val="accent1">
-              <a:shade val="50000"/>
-            </a:schemeClr>
-          </a:lnRef>
-          <a:fillRef idx="1">
-            <a:schemeClr val="accent1"/>
-          </a:fillRef>
-          <a:effectRef idx="0">
-            <a:schemeClr val="accent1"/>
-          </a:effectRef>
-          <a:fontRef idx="minor">
-            <a:schemeClr val="lt1"/>
-          </a:fontRef>
-        </p:style>
-        <p:txBody>
-          <a:bodyPr rtlCol="0" anchor="ctr"/>
-          <a:lstStyle/>
-          <a:p>
-            <a:pPr algn="ctr"/>
-            <a:r>
-              <a:rPr lang="en-US" sz="2000" dirty="0" smtClean="0">
-                <a:solidFill>
-                  <a:schemeClr val="tx1"/>
-                </a:solidFill>
-              </a:rPr>
-              <a:t>TL</a:t>
-            </a:r>
-            <a:endParaRPr lang="en-US" sz="2000" dirty="0">
-              <a:solidFill>
-                <a:schemeClr val="tx1"/>
-              </a:solidFill>
-            </a:endParaRPr>
-          </a:p>
-        </p:txBody>
-      </p:sp>
-      <p:sp>
-        <p:nvSpPr>
-          <p:cNvPr id="62" name="Rectangle 61"/>
-          <p:cNvSpPr/>
-          <p:nvPr/>
-        </p:nvSpPr>
-        <p:spPr>
-          <a:xfrm>
-            <a:off x="1238800" y="4123737"/>
-            <a:ext cx="504684" cy="326113"/>
-          </a:xfrm>
-          <a:prstGeom prst="rect">
-            <a:avLst/>
-          </a:prstGeom>
-          <a:solidFill>
-            <a:schemeClr val="bg2">
-              <a:lumMod val="90000"/>
-            </a:schemeClr>
-          </a:solidFill>
-          <a:ln>
-            <a:solidFill>
-              <a:schemeClr val="tx1"/>
-            </a:solidFill>
-          </a:ln>
-        </p:spPr>
-        <p:style>
-          <a:lnRef idx="2">
-            <a:schemeClr val="accent1">
-              <a:shade val="50000"/>
-            </a:schemeClr>
-          </a:lnRef>
-          <a:fillRef idx="1">
-            <a:schemeClr val="accent1"/>
-          </a:fillRef>
-          <a:effectRef idx="0">
-            <a:schemeClr val="accent1"/>
-          </a:effectRef>
-          <a:fontRef idx="minor">
-            <a:schemeClr val="lt1"/>
-          </a:fontRef>
-        </p:style>
-        <p:txBody>
-          <a:bodyPr rtlCol="0" anchor="ctr"/>
-          <a:lstStyle/>
-          <a:p>
-            <a:pPr algn="ctr"/>
-            <a:r>
-              <a:rPr lang="en-US" sz="2000" dirty="0" smtClean="0">
-                <a:solidFill>
-                  <a:schemeClr val="tx1"/>
-                </a:solidFill>
-              </a:rPr>
-              <a:t>TG</a:t>
-            </a:r>
-            <a:endParaRPr lang="en-US" sz="2000" dirty="0">
+            <a:endParaRPr lang="en-US" dirty="0">
               <a:solidFill>
                 <a:schemeClr val="tx1"/>
               </a:solidFill>
@@ -21649,22 +21306,591 @@
       </p:sp>
       <p:cxnSp>
         <p:nvCxnSpPr>
-          <p:cNvPr id="88" name="Straight Connector 87"/>
-          <p:cNvCxnSpPr/>
+          <p:cNvPr id="204" name="Straight Connector 203"/>
+          <p:cNvCxnSpPr>
+            <a:stCxn id="2" idx="4"/>
+            <a:endCxn id="158" idx="0"/>
+          </p:cNvCxnSpPr>
           <p:nvPr/>
         </p:nvCxnSpPr>
         <p:spPr>
           <a:xfrm>
-            <a:off x="6031559" y="2847976"/>
-            <a:ext cx="977609" cy="658782"/>
+            <a:off x="4979303" y="1648877"/>
+            <a:ext cx="574" cy="273447"/>
           </a:xfrm>
           <a:prstGeom prst="line">
             <a:avLst/>
           </a:prstGeom>
-          <a:ln w="19050">
+          <a:ln w="25400">
             <a:solidFill>
               <a:schemeClr val="tx1"/>
             </a:solidFill>
+            <a:tailEnd type="stealth" w="lg" len="lg"/>
+          </a:ln>
+        </p:spPr>
+        <p:style>
+          <a:lnRef idx="1">
+            <a:schemeClr val="accent1"/>
+          </a:lnRef>
+          <a:fillRef idx="0">
+            <a:schemeClr val="accent1"/>
+          </a:fillRef>
+          <a:effectRef idx="0">
+            <a:schemeClr val="accent1"/>
+          </a:effectRef>
+          <a:fontRef idx="minor">
+            <a:schemeClr val="tx1"/>
+          </a:fontRef>
+        </p:style>
+      </p:cxnSp>
+      <p:grpSp>
+        <p:nvGrpSpPr>
+          <p:cNvPr id="119" name="Group 118"/>
+          <p:cNvGrpSpPr/>
+          <p:nvPr/>
+        </p:nvGrpSpPr>
+        <p:grpSpPr>
+          <a:xfrm>
+            <a:off x="5219064" y="3704499"/>
+            <a:ext cx="766243" cy="654703"/>
+            <a:chOff x="6874016" y="1656010"/>
+            <a:chExt cx="766243" cy="654703"/>
+          </a:xfrm>
+        </p:grpSpPr>
+        <p:sp>
+          <p:nvSpPr>
+            <p:cNvPr id="120" name="Oval 119"/>
+            <p:cNvSpPr/>
+            <p:nvPr/>
+          </p:nvSpPr>
+          <p:spPr>
+            <a:xfrm>
+              <a:off x="6874016" y="1656010"/>
+              <a:ext cx="766243" cy="654703"/>
+            </a:xfrm>
+            <a:prstGeom prst="ellipse">
+              <a:avLst/>
+            </a:prstGeom>
+            <a:solidFill>
+              <a:schemeClr val="bg2"/>
+            </a:solidFill>
+            <a:ln>
+              <a:solidFill>
+                <a:schemeClr val="tx1"/>
+              </a:solidFill>
+            </a:ln>
+          </p:spPr>
+          <p:style>
+            <a:lnRef idx="2">
+              <a:schemeClr val="accent1">
+                <a:shade val="50000"/>
+              </a:schemeClr>
+            </a:lnRef>
+            <a:fillRef idx="1">
+              <a:schemeClr val="accent1"/>
+            </a:fillRef>
+            <a:effectRef idx="0">
+              <a:schemeClr val="accent1"/>
+            </a:effectRef>
+            <a:fontRef idx="minor">
+              <a:schemeClr val="lt1"/>
+            </a:fontRef>
+          </p:style>
+          <p:txBody>
+            <a:bodyPr rtlCol="0" anchor="ctr"/>
+            <a:lstStyle/>
+            <a:p>
+              <a:pPr algn="ctr"/>
+              <a:endParaRPr lang="en-US" dirty="0">
+                <a:solidFill>
+                  <a:schemeClr val="tx1"/>
+                </a:solidFill>
+              </a:endParaRPr>
+            </a:p>
+          </p:txBody>
+        </p:sp>
+        <p:sp>
+          <p:nvSpPr>
+            <p:cNvPr id="121" name="TextBox 120"/>
+            <p:cNvSpPr txBox="1"/>
+            <p:nvPr/>
+          </p:nvSpPr>
+          <p:spPr>
+            <a:xfrm>
+              <a:off x="6884480" y="1814084"/>
+              <a:ext cx="715260" cy="338554"/>
+            </a:xfrm>
+            <a:prstGeom prst="rect">
+              <a:avLst/>
+            </a:prstGeom>
+            <a:noFill/>
+          </p:spPr>
+          <p:txBody>
+            <a:bodyPr wrap="none" rtlCol="0">
+              <a:spAutoFit/>
+            </a:bodyPr>
+            <a:lstStyle/>
+            <a:p>
+              <a:r>
+                <a:rPr lang="en-US" sz="1600" dirty="0" smtClean="0"/>
+                <a:t>(S,0,0)</a:t>
+              </a:r>
+              <a:endParaRPr lang="en-US" sz="1600" dirty="0"/>
+            </a:p>
+          </p:txBody>
+        </p:sp>
+      </p:grpSp>
+      <p:grpSp>
+        <p:nvGrpSpPr>
+          <p:cNvPr id="122" name="Group 121"/>
+          <p:cNvGrpSpPr/>
+          <p:nvPr/>
+        </p:nvGrpSpPr>
+        <p:grpSpPr>
+          <a:xfrm>
+            <a:off x="5859844" y="2856692"/>
+            <a:ext cx="827534" cy="654703"/>
+            <a:chOff x="6847409" y="1656010"/>
+            <a:chExt cx="827534" cy="654703"/>
+          </a:xfrm>
+        </p:grpSpPr>
+        <p:sp>
+          <p:nvSpPr>
+            <p:cNvPr id="147" name="Oval 146"/>
+            <p:cNvSpPr/>
+            <p:nvPr/>
+          </p:nvSpPr>
+          <p:spPr>
+            <a:xfrm>
+              <a:off x="6874016" y="1656010"/>
+              <a:ext cx="766243" cy="654703"/>
+            </a:xfrm>
+            <a:prstGeom prst="ellipse">
+              <a:avLst/>
+            </a:prstGeom>
+            <a:solidFill>
+              <a:schemeClr val="bg2"/>
+            </a:solidFill>
+            <a:ln>
+              <a:solidFill>
+                <a:schemeClr val="tx1"/>
+              </a:solidFill>
+            </a:ln>
+          </p:spPr>
+          <p:style>
+            <a:lnRef idx="2">
+              <a:schemeClr val="accent1">
+                <a:shade val="50000"/>
+              </a:schemeClr>
+            </a:lnRef>
+            <a:fillRef idx="1">
+              <a:schemeClr val="accent1"/>
+            </a:fillRef>
+            <a:effectRef idx="0">
+              <a:schemeClr val="accent1"/>
+            </a:effectRef>
+            <a:fontRef idx="minor">
+              <a:schemeClr val="lt1"/>
+            </a:fontRef>
+          </p:style>
+          <p:txBody>
+            <a:bodyPr rtlCol="0" anchor="ctr"/>
+            <a:lstStyle/>
+            <a:p>
+              <a:pPr algn="ctr"/>
+              <a:endParaRPr lang="en-US" dirty="0">
+                <a:solidFill>
+                  <a:schemeClr val="tx1"/>
+                </a:solidFill>
+              </a:endParaRPr>
+            </a:p>
+          </p:txBody>
+        </p:sp>
+        <p:sp>
+          <p:nvSpPr>
+            <p:cNvPr id="148" name="TextBox 147"/>
+            <p:cNvSpPr txBox="1"/>
+            <p:nvPr/>
+          </p:nvSpPr>
+          <p:spPr>
+            <a:xfrm>
+              <a:off x="6847409" y="1814084"/>
+              <a:ext cx="827534" cy="338554"/>
+            </a:xfrm>
+            <a:prstGeom prst="rect">
+              <a:avLst/>
+            </a:prstGeom>
+            <a:noFill/>
+          </p:spPr>
+          <p:txBody>
+            <a:bodyPr wrap="none" rtlCol="0">
+              <a:spAutoFit/>
+            </a:bodyPr>
+            <a:lstStyle/>
+            <a:p>
+              <a:r>
+                <a:rPr lang="en-US" sz="1600" dirty="0" smtClean="0"/>
+                <a:t>(AL,0,0)</a:t>
+              </a:r>
+              <a:endParaRPr lang="en-US" sz="1600" dirty="0"/>
+            </a:p>
+          </p:txBody>
+        </p:sp>
+      </p:grpSp>
+      <p:grpSp>
+        <p:nvGrpSpPr>
+          <p:cNvPr id="149" name="Group 148"/>
+          <p:cNvGrpSpPr/>
+          <p:nvPr/>
+        </p:nvGrpSpPr>
+        <p:grpSpPr>
+          <a:xfrm>
+            <a:off x="4545434" y="2856693"/>
+            <a:ext cx="867738" cy="654703"/>
+            <a:chOff x="6822695" y="1656010"/>
+            <a:chExt cx="867738" cy="654703"/>
+          </a:xfrm>
+        </p:grpSpPr>
+        <p:sp>
+          <p:nvSpPr>
+            <p:cNvPr id="150" name="Oval 149"/>
+            <p:cNvSpPr/>
+            <p:nvPr/>
+          </p:nvSpPr>
+          <p:spPr>
+            <a:xfrm>
+              <a:off x="6874016" y="1656010"/>
+              <a:ext cx="766243" cy="654703"/>
+            </a:xfrm>
+            <a:prstGeom prst="ellipse">
+              <a:avLst/>
+            </a:prstGeom>
+            <a:solidFill>
+              <a:schemeClr val="bg2"/>
+            </a:solidFill>
+            <a:ln>
+              <a:solidFill>
+                <a:schemeClr val="tx1"/>
+              </a:solidFill>
+            </a:ln>
+          </p:spPr>
+          <p:style>
+            <a:lnRef idx="2">
+              <a:schemeClr val="accent1">
+                <a:shade val="50000"/>
+              </a:schemeClr>
+            </a:lnRef>
+            <a:fillRef idx="1">
+              <a:schemeClr val="accent1"/>
+            </a:fillRef>
+            <a:effectRef idx="0">
+              <a:schemeClr val="accent1"/>
+            </a:effectRef>
+            <a:fontRef idx="minor">
+              <a:schemeClr val="lt1"/>
+            </a:fontRef>
+          </p:style>
+          <p:txBody>
+            <a:bodyPr rtlCol="0" anchor="ctr"/>
+            <a:lstStyle/>
+            <a:p>
+              <a:pPr algn="ctr"/>
+              <a:endParaRPr lang="en-US" dirty="0">
+                <a:solidFill>
+                  <a:schemeClr val="tx1"/>
+                </a:solidFill>
+              </a:endParaRPr>
+            </a:p>
+          </p:txBody>
+        </p:sp>
+        <p:sp>
+          <p:nvSpPr>
+            <p:cNvPr id="151" name="TextBox 150"/>
+            <p:cNvSpPr txBox="1"/>
+            <p:nvPr/>
+          </p:nvSpPr>
+          <p:spPr>
+            <a:xfrm>
+              <a:off x="6822695" y="1814084"/>
+              <a:ext cx="867738" cy="338554"/>
+            </a:xfrm>
+            <a:prstGeom prst="rect">
+              <a:avLst/>
+            </a:prstGeom>
+            <a:noFill/>
+          </p:spPr>
+          <p:txBody>
+            <a:bodyPr wrap="none" rtlCol="0">
+              <a:spAutoFit/>
+            </a:bodyPr>
+            <a:lstStyle/>
+            <a:p>
+              <a:r>
+                <a:rPr lang="en-US" sz="1600" smtClean="0"/>
+                <a:t>(AG,0,0)</a:t>
+              </a:r>
+              <a:endParaRPr lang="en-US" sz="1600" dirty="0"/>
+            </a:p>
+          </p:txBody>
+        </p:sp>
+      </p:grpSp>
+      <p:cxnSp>
+        <p:nvCxnSpPr>
+          <p:cNvPr id="153" name="Straight Connector 152"/>
+          <p:cNvCxnSpPr>
+            <a:stCxn id="155" idx="4"/>
+            <a:endCxn id="147" idx="0"/>
+          </p:cNvCxnSpPr>
+          <p:nvPr/>
+        </p:nvCxnSpPr>
+        <p:spPr>
+          <a:xfrm>
+            <a:off x="6269573" y="2574397"/>
+            <a:ext cx="0" cy="282295"/>
+          </a:xfrm>
+          <a:prstGeom prst="line">
+            <a:avLst/>
+          </a:prstGeom>
+          <a:ln w="25400">
+            <a:solidFill>
+              <a:schemeClr val="tx1"/>
+            </a:solidFill>
+            <a:headEnd type="stealth" w="lg" len="lg"/>
+            <a:tailEnd type="none" w="lg" len="lg"/>
+          </a:ln>
+        </p:spPr>
+        <p:style>
+          <a:lnRef idx="1">
+            <a:schemeClr val="accent1"/>
+          </a:lnRef>
+          <a:fillRef idx="0">
+            <a:schemeClr val="accent1"/>
+          </a:fillRef>
+          <a:effectRef idx="0">
+            <a:schemeClr val="accent1"/>
+          </a:effectRef>
+          <a:fontRef idx="minor">
+            <a:schemeClr val="tx1"/>
+          </a:fontRef>
+        </p:style>
+      </p:cxnSp>
+      <p:grpSp>
+        <p:nvGrpSpPr>
+          <p:cNvPr id="154" name="Group 153"/>
+          <p:cNvGrpSpPr/>
+          <p:nvPr/>
+        </p:nvGrpSpPr>
+        <p:grpSpPr>
+          <a:xfrm>
+            <a:off x="5859844" y="1919694"/>
+            <a:ext cx="827534" cy="654703"/>
+            <a:chOff x="6847409" y="1656010"/>
+            <a:chExt cx="827534" cy="654703"/>
+          </a:xfrm>
+        </p:grpSpPr>
+        <p:sp>
+          <p:nvSpPr>
+            <p:cNvPr id="155" name="Oval 154"/>
+            <p:cNvSpPr/>
+            <p:nvPr/>
+          </p:nvSpPr>
+          <p:spPr>
+            <a:xfrm>
+              <a:off x="6874016" y="1656010"/>
+              <a:ext cx="766243" cy="654703"/>
+            </a:xfrm>
+            <a:prstGeom prst="ellipse">
+              <a:avLst/>
+            </a:prstGeom>
+            <a:solidFill>
+              <a:schemeClr val="bg2"/>
+            </a:solidFill>
+            <a:ln>
+              <a:solidFill>
+                <a:schemeClr val="tx1"/>
+              </a:solidFill>
+            </a:ln>
+          </p:spPr>
+          <p:style>
+            <a:lnRef idx="2">
+              <a:schemeClr val="accent1">
+                <a:shade val="50000"/>
+              </a:schemeClr>
+            </a:lnRef>
+            <a:fillRef idx="1">
+              <a:schemeClr val="accent1"/>
+            </a:fillRef>
+            <a:effectRef idx="0">
+              <a:schemeClr val="accent1"/>
+            </a:effectRef>
+            <a:fontRef idx="minor">
+              <a:schemeClr val="lt1"/>
+            </a:fontRef>
+          </p:style>
+          <p:txBody>
+            <a:bodyPr rtlCol="0" anchor="ctr"/>
+            <a:lstStyle/>
+            <a:p>
+              <a:pPr algn="ctr"/>
+              <a:endParaRPr lang="en-US" dirty="0">
+                <a:solidFill>
+                  <a:schemeClr val="tx1"/>
+                </a:solidFill>
+              </a:endParaRPr>
+            </a:p>
+          </p:txBody>
+        </p:sp>
+        <p:sp>
+          <p:nvSpPr>
+            <p:cNvPr id="156" name="TextBox 155"/>
+            <p:cNvSpPr txBox="1"/>
+            <p:nvPr/>
+          </p:nvSpPr>
+          <p:spPr>
+            <a:xfrm>
+              <a:off x="6847409" y="1814084"/>
+              <a:ext cx="827534" cy="338554"/>
+            </a:xfrm>
+            <a:prstGeom prst="rect">
+              <a:avLst/>
+            </a:prstGeom>
+            <a:noFill/>
+          </p:spPr>
+          <p:txBody>
+            <a:bodyPr wrap="none" rtlCol="0">
+              <a:spAutoFit/>
+            </a:bodyPr>
+            <a:lstStyle/>
+            <a:p>
+              <a:r>
+                <a:rPr lang="en-US" sz="1600" dirty="0" smtClean="0"/>
+                <a:t>(TL,0,0)</a:t>
+              </a:r>
+              <a:endParaRPr lang="en-US" sz="1600" dirty="0"/>
+            </a:p>
+          </p:txBody>
+        </p:sp>
+      </p:grpSp>
+      <p:grpSp>
+        <p:nvGrpSpPr>
+          <p:cNvPr id="157" name="Group 156"/>
+          <p:cNvGrpSpPr/>
+          <p:nvPr/>
+        </p:nvGrpSpPr>
+        <p:grpSpPr>
+          <a:xfrm>
+            <a:off x="4570148" y="1922324"/>
+            <a:ext cx="844142" cy="654703"/>
+            <a:chOff x="6847409" y="1656010"/>
+            <a:chExt cx="844142" cy="654703"/>
+          </a:xfrm>
+        </p:grpSpPr>
+        <p:sp>
+          <p:nvSpPr>
+            <p:cNvPr id="158" name="Oval 157"/>
+            <p:cNvSpPr/>
+            <p:nvPr/>
+          </p:nvSpPr>
+          <p:spPr>
+            <a:xfrm>
+              <a:off x="6874016" y="1656010"/>
+              <a:ext cx="766243" cy="654703"/>
+            </a:xfrm>
+            <a:prstGeom prst="ellipse">
+              <a:avLst/>
+            </a:prstGeom>
+            <a:solidFill>
+              <a:schemeClr val="bg2"/>
+            </a:solidFill>
+            <a:ln>
+              <a:solidFill>
+                <a:schemeClr val="tx1"/>
+              </a:solidFill>
+            </a:ln>
+          </p:spPr>
+          <p:style>
+            <a:lnRef idx="2">
+              <a:schemeClr val="accent1">
+                <a:shade val="50000"/>
+              </a:schemeClr>
+            </a:lnRef>
+            <a:fillRef idx="1">
+              <a:schemeClr val="accent1"/>
+            </a:fillRef>
+            <a:effectRef idx="0">
+              <a:schemeClr val="accent1"/>
+            </a:effectRef>
+            <a:fontRef idx="minor">
+              <a:schemeClr val="lt1"/>
+            </a:fontRef>
+          </p:style>
+          <p:txBody>
+            <a:bodyPr rtlCol="0" anchor="ctr"/>
+            <a:lstStyle/>
+            <a:p>
+              <a:pPr algn="ctr"/>
+              <a:endParaRPr lang="en-US" dirty="0">
+                <a:solidFill>
+                  <a:schemeClr val="tx1"/>
+                </a:solidFill>
+              </a:endParaRPr>
+            </a:p>
+          </p:txBody>
+        </p:sp>
+        <p:sp>
+          <p:nvSpPr>
+            <p:cNvPr id="159" name="TextBox 158"/>
+            <p:cNvSpPr txBox="1"/>
+            <p:nvPr/>
+          </p:nvSpPr>
+          <p:spPr>
+            <a:xfrm>
+              <a:off x="6847409" y="1814084"/>
+              <a:ext cx="844142" cy="338554"/>
+            </a:xfrm>
+            <a:prstGeom prst="rect">
+              <a:avLst/>
+            </a:prstGeom>
+            <a:noFill/>
+          </p:spPr>
+          <p:txBody>
+            <a:bodyPr wrap="none" rtlCol="0">
+              <a:spAutoFit/>
+            </a:bodyPr>
+            <a:lstStyle/>
+            <a:p>
+              <a:r>
+                <a:rPr lang="en-US" sz="1600" dirty="0" smtClean="0"/>
+                <a:t>(TG,0,0)</a:t>
+              </a:r>
+              <a:endParaRPr lang="en-US" sz="1600" dirty="0"/>
+            </a:p>
+          </p:txBody>
+        </p:sp>
+      </p:grpSp>
+      <p:cxnSp>
+        <p:nvCxnSpPr>
+          <p:cNvPr id="162" name="Straight Connector 161"/>
+          <p:cNvCxnSpPr>
+            <a:stCxn id="158" idx="4"/>
+            <a:endCxn id="150" idx="0"/>
+          </p:cNvCxnSpPr>
+          <p:nvPr/>
+        </p:nvCxnSpPr>
+        <p:spPr>
+          <a:xfrm>
+            <a:off x="4979877" y="2577027"/>
+            <a:ext cx="0" cy="279666"/>
+          </a:xfrm>
+          <a:prstGeom prst="line">
+            <a:avLst/>
+          </a:prstGeom>
+          <a:ln w="25400">
+            <a:solidFill>
+              <a:schemeClr val="tx1"/>
+            </a:solidFill>
+            <a:headEnd type="none" w="lg" len="lg"/>
+            <a:tailEnd type="stealth" w="lg" len="lg"/>
           </a:ln>
         </p:spPr>
         <p:style>
@@ -21684,24 +21910,27 @@
       </p:cxnSp>
       <p:cxnSp>
         <p:nvCxnSpPr>
-          <p:cNvPr id="89" name="Straight Connector 88"/>
-          <p:cNvCxnSpPr/>
+          <p:cNvPr id="59" name="Straight Connector 58"/>
+          <p:cNvCxnSpPr>
+            <a:stCxn id="150" idx="4"/>
+            <a:endCxn id="120" idx="1"/>
+          </p:cNvCxnSpPr>
           <p:nvPr/>
         </p:nvCxnSpPr>
         <p:spPr>
           <a:xfrm>
-            <a:off x="6031557" y="2206812"/>
-            <a:ext cx="0" cy="310523"/>
+            <a:off x="4979877" y="3511396"/>
+            <a:ext cx="351401" cy="288982"/>
           </a:xfrm>
           <a:prstGeom prst="line">
             <a:avLst/>
           </a:prstGeom>
-          <a:ln w="38100">
+          <a:ln w="25400">
             <a:solidFill>
               <a:schemeClr val="tx1"/>
             </a:solidFill>
-            <a:headEnd type="triangle" w="med" len="med"/>
-            <a:tailEnd type="triangle" w="med" len="med"/>
+            <a:headEnd type="none" w="lg" len="lg"/>
+            <a:tailEnd type="stealth" w="lg" len="lg"/>
           </a:ln>
         </p:spPr>
         <p:style>
@@ -21721,22 +21950,27 @@
       </p:cxnSp>
       <p:cxnSp>
         <p:nvCxnSpPr>
-          <p:cNvPr id="90" name="Straight Connector 89"/>
-          <p:cNvCxnSpPr/>
+          <p:cNvPr id="66" name="Straight Connector 65"/>
+          <p:cNvCxnSpPr>
+            <a:stCxn id="147" idx="4"/>
+            <a:endCxn id="120" idx="7"/>
+          </p:cNvCxnSpPr>
           <p:nvPr/>
         </p:nvCxnSpPr>
         <p:spPr>
           <a:xfrm flipH="1">
-            <a:off x="5085712" y="2847976"/>
-            <a:ext cx="945847" cy="640345"/>
+            <a:off x="5873093" y="3511395"/>
+            <a:ext cx="396480" cy="288983"/>
           </a:xfrm>
           <a:prstGeom prst="line">
             <a:avLst/>
           </a:prstGeom>
-          <a:ln w="19050">
+          <a:ln w="25400">
             <a:solidFill>
               <a:schemeClr val="tx1"/>
             </a:solidFill>
+            <a:headEnd type="stealth" w="lg" len="lg"/>
+            <a:tailEnd type="none" w="lg" len="lg"/>
           </a:ln>
         </p:spPr>
         <p:style>
@@ -21756,22 +21990,26 @@
       </p:cxnSp>
       <p:cxnSp>
         <p:nvCxnSpPr>
-          <p:cNvPr id="91" name="Straight Connector 90"/>
-          <p:cNvCxnSpPr/>
+          <p:cNvPr id="72" name="Straight Connector 71"/>
+          <p:cNvCxnSpPr>
+            <a:stCxn id="120" idx="4"/>
+            <a:endCxn id="86" idx="0"/>
+          </p:cNvCxnSpPr>
           <p:nvPr/>
         </p:nvCxnSpPr>
         <p:spPr>
           <a:xfrm>
-            <a:off x="7009168" y="3832871"/>
-            <a:ext cx="0" cy="258469"/>
+            <a:off x="5602186" y="4359202"/>
+            <a:ext cx="4392" cy="245000"/>
           </a:xfrm>
           <a:prstGeom prst="line">
             <a:avLst/>
           </a:prstGeom>
-          <a:ln w="19050">
+          <a:ln w="25400">
             <a:solidFill>
               <a:schemeClr val="tx1"/>
             </a:solidFill>
+            <a:tailEnd type="stealth" w="lg" len="lg"/>
           </a:ln>
         </p:spPr>
         <p:style>
@@ -21789,355 +22027,586 @@
           </a:fontRef>
         </p:style>
       </p:cxnSp>
-      <p:cxnSp>
-        <p:nvCxnSpPr>
-          <p:cNvPr id="92" name="Straight Connector 91"/>
-          <p:cNvCxnSpPr/>
-          <p:nvPr/>
-        </p:nvCxnSpPr>
-        <p:spPr>
-          <a:xfrm>
-            <a:off x="5085712" y="3814434"/>
-            <a:ext cx="0" cy="304775"/>
-          </a:xfrm>
-          <a:prstGeom prst="line">
-            <a:avLst/>
-          </a:prstGeom>
-          <a:ln w="19050">
-            <a:solidFill>
-              <a:schemeClr val="tx1"/>
-            </a:solidFill>
-          </a:ln>
-        </p:spPr>
-        <p:style>
-          <a:lnRef idx="1">
-            <a:schemeClr val="accent1"/>
-          </a:lnRef>
-          <a:fillRef idx="0">
-            <a:schemeClr val="accent1"/>
-          </a:fillRef>
-          <a:effectRef idx="0">
-            <a:schemeClr val="accent1"/>
-          </a:effectRef>
-          <a:fontRef idx="minor">
-            <a:schemeClr val="tx1"/>
-          </a:fontRef>
-        </p:style>
-      </p:cxnSp>
+      <mc:AlternateContent xmlns:mc="http://schemas.openxmlformats.org/markup-compatibility/2006">
+        <mc:Choice xmlns:a14="http://schemas.microsoft.com/office/drawing/2010/main" Requires="a14">
+          <p:sp>
+            <p:nvSpPr>
+              <p:cNvPr id="93" name="TextBox 92"/>
+              <p:cNvSpPr txBox="1"/>
+              <p:nvPr/>
+            </p:nvSpPr>
+            <p:spPr>
+              <a:xfrm>
+                <a:off x="2830466" y="2096192"/>
+                <a:ext cx="1530997" cy="276999"/>
+              </a:xfrm>
+              <a:prstGeom prst="rect">
+                <a:avLst/>
+              </a:prstGeom>
+              <a:noFill/>
+            </p:spPr>
+            <p:txBody>
+              <a:bodyPr wrap="none" lIns="0" tIns="0" rIns="0" bIns="0" rtlCol="0">
+                <a:spAutoFit/>
+              </a:bodyPr>
+              <a:lstStyle/>
+              <a:p>
+                <a:pPr/>
+                <a14:m>
+                  <m:oMathPara xmlns:m="http://schemas.openxmlformats.org/officeDocument/2006/math">
+                    <m:oMathParaPr>
+                      <m:jc m:val="centerGroup"/>
+                    </m:oMathParaPr>
+                    <m:oMath xmlns:m="http://schemas.openxmlformats.org/officeDocument/2006/math">
+                      <m:sSub>
+                        <m:sSubPr>
+                          <m:ctrlPr>
+                            <a:rPr lang="en-US" b="0" i="1" smtClean="0">
+                              <a:latin typeface="Cambria Math" charset="0"/>
+                            </a:rPr>
+                          </m:ctrlPr>
+                        </m:sSubPr>
+                        <m:e>
+                          <m:r>
+                            <a:rPr lang="en-US" b="0" i="1" smtClean="0">
+                              <a:latin typeface="Cambria Math" charset="0"/>
+                            </a:rPr>
+                            <m:t>1.  </m:t>
+                          </m:r>
+                          <m:r>
+                            <a:rPr lang="en-US" b="0" i="1" smtClean="0">
+                              <a:latin typeface="Cambria Math" charset="0"/>
+                            </a:rPr>
+                            <m:t>𝑆</m:t>
+                          </m:r>
+                        </m:e>
+                        <m:sub>
+                          <m:r>
+                            <a:rPr lang="en-US" b="0" i="1" smtClean="0">
+                              <a:latin typeface="Cambria Math" charset="0"/>
+                            </a:rPr>
+                            <m:t>𝑃</m:t>
+                          </m:r>
+                        </m:sub>
+                      </m:sSub>
+                      <m:sSub>
+                        <m:sSubPr>
+                          <m:ctrlPr>
+                            <a:rPr lang="en-US" b="0" i="1" smtClean="0">
+                              <a:latin typeface="Cambria Math" charset="0"/>
+                            </a:rPr>
+                          </m:ctrlPr>
+                        </m:sSubPr>
+                        <m:e>
+                          <m:r>
+                            <a:rPr lang="en-US" b="0" i="1" smtClean="0">
+                              <a:latin typeface="Cambria Math" charset="0"/>
+                            </a:rPr>
+                            <m:t>𝑆</m:t>
+                          </m:r>
+                        </m:e>
+                        <m:sub>
+                          <m:r>
+                            <a:rPr lang="en-US" b="0" i="1" smtClean="0">
+                              <a:latin typeface="Cambria Math" charset="0"/>
+                            </a:rPr>
+                            <m:t>𝑇𝐺</m:t>
+                          </m:r>
+                        </m:sub>
+                      </m:sSub>
+                      <m:r>
+                        <a:rPr lang="en-US" b="0" i="1" smtClean="0">
+                          <a:latin typeface="Cambria Math" charset="0"/>
+                        </a:rPr>
+                        <m:t>(1,∞)</m:t>
+                      </m:r>
+                    </m:oMath>
+                  </m:oMathPara>
+                </a14:m>
+                <a:endParaRPr lang="en-US" dirty="0" smtClean="0"/>
+              </a:p>
+            </p:txBody>
+          </p:sp>
+        </mc:Choice>
+        <mc:Fallback>
+          <p:sp>
+            <p:nvSpPr>
+              <p:cNvPr id="93" name="TextBox 92"/>
+              <p:cNvSpPr txBox="1">
+                <a:spLocks noRot="1" noChangeAspect="1" noMove="1" noResize="1" noEditPoints="1" noAdjustHandles="1" noChangeArrowheads="1" noChangeShapeType="1" noTextEdit="1"/>
+              </p:cNvSpPr>
+              <p:nvPr/>
+            </p:nvSpPr>
+            <p:spPr>
+              <a:xfrm>
+                <a:off x="2830466" y="2096192"/>
+                <a:ext cx="1530997" cy="276999"/>
+              </a:xfrm>
+              <a:prstGeom prst="rect">
+                <a:avLst/>
+              </a:prstGeom>
+              <a:blipFill rotWithShape="0">
+                <a:blip r:embed="rId3"/>
+                <a:stretch>
+                  <a:fillRect l="-2390" t="-146667" r="-4382" b="-182222"/>
+                </a:stretch>
+              </a:blipFill>
+            </p:spPr>
+            <p:txBody>
+              <a:bodyPr/>
+              <a:lstStyle/>
+              <a:p>
+                <a:r>
+                  <a:rPr lang="en-US">
+                    <a:noFill/>
+                  </a:rPr>
+                  <a:t> </a:t>
+                </a:r>
+              </a:p>
+            </p:txBody>
+          </p:sp>
+        </mc:Fallback>
+      </mc:AlternateContent>
+      <mc:AlternateContent xmlns:mc="http://schemas.openxmlformats.org/markup-compatibility/2006">
+        <mc:Choice xmlns:a14="http://schemas.microsoft.com/office/drawing/2010/main" Requires="a14">
+          <p:sp>
+            <p:nvSpPr>
+              <p:cNvPr id="94" name="TextBox 93"/>
+              <p:cNvSpPr txBox="1"/>
+              <p:nvPr/>
+            </p:nvSpPr>
+            <p:spPr>
+              <a:xfrm>
+                <a:off x="2834303" y="3073758"/>
+                <a:ext cx="1462708" cy="276999"/>
+              </a:xfrm>
+              <a:prstGeom prst="rect">
+                <a:avLst/>
+              </a:prstGeom>
+              <a:noFill/>
+            </p:spPr>
+            <p:txBody>
+              <a:bodyPr wrap="none" lIns="0" tIns="0" rIns="0" bIns="0" rtlCol="0">
+                <a:spAutoFit/>
+              </a:bodyPr>
+              <a:lstStyle/>
+              <a:p>
+                <a:pPr/>
+                <a14:m>
+                  <m:oMathPara xmlns:m="http://schemas.openxmlformats.org/officeDocument/2006/math">
+                    <m:oMathParaPr>
+                      <m:jc m:val="centerGroup"/>
+                    </m:oMathParaPr>
+                    <m:oMath xmlns:m="http://schemas.openxmlformats.org/officeDocument/2006/math">
+                      <m:sSub>
+                        <m:sSubPr>
+                          <m:ctrlPr>
+                            <a:rPr lang="en-US" b="0" i="1" smtClean="0">
+                              <a:latin typeface="Cambria Math" charset="0"/>
+                            </a:rPr>
+                          </m:ctrlPr>
+                        </m:sSubPr>
+                        <m:e>
+                          <m:r>
+                            <a:rPr lang="en-US" b="0" i="1" smtClean="0">
+                              <a:latin typeface="Cambria Math" charset="0"/>
+                            </a:rPr>
+                            <m:t>2.  </m:t>
+                          </m:r>
+                          <m:r>
+                            <a:rPr lang="en-US" b="0" i="1" smtClean="0">
+                              <a:latin typeface="Cambria Math" charset="0"/>
+                            </a:rPr>
+                            <m:t>𝑆</m:t>
+                          </m:r>
+                        </m:e>
+                        <m:sub>
+                          <m:r>
+                            <a:rPr lang="en-US" b="0" i="1" smtClean="0">
+                              <a:latin typeface="Cambria Math" charset="0"/>
+                            </a:rPr>
+                            <m:t>𝑃</m:t>
+                          </m:r>
+                        </m:sub>
+                      </m:sSub>
+                      <m:sSub>
+                        <m:sSubPr>
+                          <m:ctrlPr>
+                            <a:rPr lang="en-US" b="0" i="1" smtClean="0">
+                              <a:latin typeface="Cambria Math" charset="0"/>
+                            </a:rPr>
+                          </m:ctrlPr>
+                        </m:sSubPr>
+                        <m:e>
+                          <m:r>
+                            <a:rPr lang="en-US" b="0" i="1" smtClean="0">
+                              <a:latin typeface="Cambria Math" charset="0"/>
+                            </a:rPr>
+                            <m:t>𝐴</m:t>
+                          </m:r>
+                        </m:e>
+                        <m:sub>
+                          <m:r>
+                            <a:rPr lang="en-US" b="0" i="1" smtClean="0">
+                              <a:latin typeface="Cambria Math" charset="0"/>
+                            </a:rPr>
+                            <m:t>𝐴𝐺</m:t>
+                          </m:r>
+                        </m:sub>
+                      </m:sSub>
+                      <m:r>
+                        <a:rPr lang="en-US" b="0" i="1" smtClean="0">
+                          <a:latin typeface="Cambria Math" charset="0"/>
+                        </a:rPr>
+                        <m:t>(2, 1)</m:t>
+                      </m:r>
+                    </m:oMath>
+                  </m:oMathPara>
+                </a14:m>
+                <a:endParaRPr lang="en-US" dirty="0" smtClean="0"/>
+              </a:p>
+            </p:txBody>
+          </p:sp>
+        </mc:Choice>
+        <mc:Fallback>
+          <p:sp>
+            <p:nvSpPr>
+              <p:cNvPr id="94" name="TextBox 93"/>
+              <p:cNvSpPr txBox="1">
+                <a:spLocks noRot="1" noChangeAspect="1" noMove="1" noResize="1" noEditPoints="1" noAdjustHandles="1" noChangeArrowheads="1" noChangeShapeType="1" noTextEdit="1"/>
+              </p:cNvSpPr>
+              <p:nvPr/>
+            </p:nvSpPr>
+            <p:spPr>
+              <a:xfrm>
+                <a:off x="2834303" y="3073758"/>
+                <a:ext cx="1462708" cy="276999"/>
+              </a:xfrm>
+              <a:prstGeom prst="rect">
+                <a:avLst/>
+              </a:prstGeom>
+              <a:blipFill rotWithShape="0">
+                <a:blip r:embed="rId4"/>
+                <a:stretch>
+                  <a:fillRect l="-3750" t="-143478" r="-5417" b="-176087"/>
+                </a:stretch>
+              </a:blipFill>
+            </p:spPr>
+            <p:txBody>
+              <a:bodyPr/>
+              <a:lstStyle/>
+              <a:p>
+                <a:r>
+                  <a:rPr lang="en-US">
+                    <a:noFill/>
+                  </a:rPr>
+                  <a:t> </a:t>
+                </a:r>
+              </a:p>
+            </p:txBody>
+          </p:sp>
+        </mc:Fallback>
+      </mc:AlternateContent>
+      <mc:AlternateContent xmlns:mc="http://schemas.openxmlformats.org/markup-compatibility/2006">
+        <mc:Choice xmlns:a14="http://schemas.microsoft.com/office/drawing/2010/main" Requires="a14">
+          <p:sp>
+            <p:nvSpPr>
+              <p:cNvPr id="95" name="TextBox 94"/>
+              <p:cNvSpPr txBox="1"/>
+              <p:nvPr/>
+            </p:nvSpPr>
+            <p:spPr>
+              <a:xfrm>
+                <a:off x="3835028" y="4250561"/>
+                <a:ext cx="1099532" cy="276999"/>
+              </a:xfrm>
+              <a:prstGeom prst="rect">
+                <a:avLst/>
+              </a:prstGeom>
+              <a:noFill/>
+            </p:spPr>
+            <p:txBody>
+              <a:bodyPr wrap="none" lIns="0" tIns="0" rIns="0" bIns="0" rtlCol="0">
+                <a:spAutoFit/>
+              </a:bodyPr>
+              <a:lstStyle/>
+              <a:p>
+                <a:pPr/>
+                <a14:m>
+                  <m:oMathPara xmlns:m="http://schemas.openxmlformats.org/officeDocument/2006/math">
+                    <m:oMathParaPr>
+                      <m:jc m:val="centerGroup"/>
+                    </m:oMathParaPr>
+                    <m:oMath xmlns:m="http://schemas.openxmlformats.org/officeDocument/2006/math">
+                      <m:r>
+                        <a:rPr lang="en-US" b="0" i="1" smtClean="0">
+                          <a:latin typeface="Cambria Math" charset="0"/>
+                        </a:rPr>
+                        <m:t>4.  </m:t>
+                      </m:r>
+                      <m:sSub>
+                        <m:sSubPr>
+                          <m:ctrlPr>
+                            <a:rPr lang="en-US" b="0" i="1" smtClean="0">
+                              <a:latin typeface="Cambria Math" charset="0"/>
+                            </a:rPr>
+                          </m:ctrlPr>
+                        </m:sSubPr>
+                        <m:e>
+                          <m:r>
+                            <a:rPr lang="en-US" b="0" i="1" smtClean="0">
+                              <a:latin typeface="Cambria Math" charset="0"/>
+                            </a:rPr>
+                            <m:t>𝐴</m:t>
+                          </m:r>
+                        </m:e>
+                        <m:sub>
+                          <m:r>
+                            <a:rPr lang="en-US" b="0" i="1" smtClean="0">
+                              <a:latin typeface="Cambria Math" charset="0"/>
+                            </a:rPr>
+                            <m:t>𝑆</m:t>
+                          </m:r>
+                        </m:sub>
+                      </m:sSub>
+                      <m:r>
+                        <a:rPr lang="en-US" b="0" i="1" smtClean="0">
+                          <a:latin typeface="Cambria Math" charset="0"/>
+                        </a:rPr>
+                        <m:t>(1, 1)</m:t>
+                      </m:r>
+                    </m:oMath>
+                  </m:oMathPara>
+                </a14:m>
+                <a:endParaRPr lang="en-US" dirty="0" smtClean="0"/>
+              </a:p>
+            </p:txBody>
+          </p:sp>
+        </mc:Choice>
+        <mc:Fallback>
+          <p:sp>
+            <p:nvSpPr>
+              <p:cNvPr id="95" name="TextBox 94"/>
+              <p:cNvSpPr txBox="1">
+                <a:spLocks noRot="1" noChangeAspect="1" noMove="1" noResize="1" noEditPoints="1" noAdjustHandles="1" noChangeArrowheads="1" noChangeShapeType="1" noTextEdit="1"/>
+              </p:cNvSpPr>
+              <p:nvPr/>
+            </p:nvSpPr>
+            <p:spPr>
+              <a:xfrm>
+                <a:off x="3835028" y="4250561"/>
+                <a:ext cx="1099532" cy="276999"/>
+              </a:xfrm>
+              <a:prstGeom prst="rect">
+                <a:avLst/>
+              </a:prstGeom>
+              <a:blipFill rotWithShape="0">
+                <a:blip r:embed="rId5"/>
+                <a:stretch>
+                  <a:fillRect l="-4444" t="-143478" r="-7778" b="-176087"/>
+                </a:stretch>
+              </a:blipFill>
+            </p:spPr>
+            <p:txBody>
+              <a:bodyPr/>
+              <a:lstStyle/>
+              <a:p>
+                <a:r>
+                  <a:rPr lang="en-US">
+                    <a:noFill/>
+                  </a:rPr>
+                  <a:t> </a:t>
+                </a:r>
+              </a:p>
+            </p:txBody>
+          </p:sp>
+        </mc:Fallback>
+      </mc:AlternateContent>
       <p:sp>
         <p:nvSpPr>
-          <p:cNvPr id="93" name="Rectangle 92"/>
-          <p:cNvSpPr/>
+          <p:cNvPr id="29" name="TextBox 28"/>
+          <p:cNvSpPr txBox="1"/>
           <p:nvPr/>
         </p:nvSpPr>
         <p:spPr>
           <a:xfrm>
-            <a:off x="5779217" y="2521863"/>
-            <a:ext cx="504684" cy="326113"/>
+            <a:off x="3075483" y="2533612"/>
+            <a:ext cx="779381" cy="369332"/>
           </a:xfrm>
           <a:prstGeom prst="rect">
             <a:avLst/>
           </a:prstGeom>
-          <a:solidFill>
-            <a:schemeClr val="bg2">
-              <a:lumMod val="90000"/>
-            </a:schemeClr>
-          </a:solidFill>
-          <a:ln>
-            <a:solidFill>
-              <a:schemeClr val="tx1"/>
-            </a:solidFill>
-          </a:ln>
+          <a:noFill/>
         </p:spPr>
-        <p:style>
-          <a:lnRef idx="2">
-            <a:schemeClr val="accent1">
-              <a:shade val="50000"/>
-            </a:schemeClr>
-          </a:lnRef>
-          <a:fillRef idx="1">
-            <a:schemeClr val="accent1"/>
-          </a:fillRef>
-          <a:effectRef idx="0">
-            <a:schemeClr val="accent1"/>
-          </a:effectRef>
-          <a:fontRef idx="minor">
-            <a:schemeClr val="lt1"/>
-          </a:fontRef>
-        </p:style>
         <p:txBody>
-          <a:bodyPr rtlCol="0" anchor="ctr"/>
+          <a:bodyPr wrap="none" rtlCol="0">
+            <a:spAutoFit/>
+          </a:bodyPr>
           <a:lstStyle/>
           <a:p>
-            <a:pPr algn="ctr"/>
             <a:r>
-              <a:rPr lang="en-US" sz="2000" dirty="0" smtClean="0">
-                <a:solidFill>
-                  <a:schemeClr val="tx1"/>
-                </a:solidFill>
-              </a:rPr>
-              <a:t>S</a:t>
+              <a:rPr lang="en-US" b="1" dirty="0" smtClean="0"/>
+              <a:t>Rule 1</a:t>
             </a:r>
-            <a:endParaRPr lang="en-US" sz="2000" dirty="0">
-              <a:solidFill>
-                <a:schemeClr val="tx1"/>
-              </a:solidFill>
-            </a:endParaRPr>
+            <a:endParaRPr lang="en-US" b="1" dirty="0"/>
           </a:p>
         </p:txBody>
       </p:sp>
       <p:sp>
         <p:nvSpPr>
-          <p:cNvPr id="94" name="Rectangle 93"/>
-          <p:cNvSpPr/>
+          <p:cNvPr id="106" name="TextBox 105"/>
+          <p:cNvSpPr txBox="1"/>
           <p:nvPr/>
         </p:nvSpPr>
         <p:spPr>
           <a:xfrm>
-            <a:off x="6756826" y="3506758"/>
-            <a:ext cx="504684" cy="326113"/>
+            <a:off x="3072899" y="3440438"/>
+            <a:ext cx="1539204" cy="369332"/>
           </a:xfrm>
           <a:prstGeom prst="rect">
             <a:avLst/>
           </a:prstGeom>
-          <a:solidFill>
-            <a:schemeClr val="bg2">
-              <a:lumMod val="90000"/>
-            </a:schemeClr>
-          </a:solidFill>
-          <a:ln>
-            <a:solidFill>
-              <a:schemeClr val="tx1"/>
-            </a:solidFill>
-          </a:ln>
+          <a:noFill/>
         </p:spPr>
-        <p:style>
-          <a:lnRef idx="2">
-            <a:schemeClr val="accent1">
-              <a:shade val="50000"/>
-            </a:schemeClr>
-          </a:lnRef>
-          <a:fillRef idx="1">
-            <a:schemeClr val="accent1"/>
-          </a:fillRef>
-          <a:effectRef idx="0">
-            <a:schemeClr val="accent1"/>
-          </a:effectRef>
-          <a:fontRef idx="minor">
-            <a:schemeClr val="lt1"/>
-          </a:fontRef>
-        </p:style>
         <p:txBody>
-          <a:bodyPr rtlCol="0" anchor="ctr"/>
+          <a:bodyPr wrap="none" rtlCol="0">
+            <a:spAutoFit/>
+          </a:bodyPr>
           <a:lstStyle/>
           <a:p>
-            <a:pPr algn="ctr"/>
             <a:r>
-              <a:rPr lang="en-US" sz="2000" dirty="0" smtClean="0">
-                <a:solidFill>
-                  <a:schemeClr val="tx1"/>
-                </a:solidFill>
-              </a:rPr>
-              <a:t>AL</a:t>
+              <a:rPr lang="en-US" b="1" dirty="0" smtClean="0"/>
+              <a:t>Rule 2,  Rule 3</a:t>
             </a:r>
-            <a:endParaRPr lang="en-US" sz="2000" dirty="0">
-              <a:solidFill>
-                <a:schemeClr val="tx1"/>
-              </a:solidFill>
-            </a:endParaRPr>
+            <a:endParaRPr lang="en-US" b="1" dirty="0"/>
           </a:p>
         </p:txBody>
       </p:sp>
-      <p:sp>
-        <p:nvSpPr>
-          <p:cNvPr id="95" name="Rectangle 94"/>
-          <p:cNvSpPr/>
-          <p:nvPr/>
-        </p:nvSpPr>
-        <p:spPr>
-          <a:xfrm>
-            <a:off x="4833370" y="3488321"/>
-            <a:ext cx="504684" cy="326113"/>
-          </a:xfrm>
-          <a:prstGeom prst="rect">
-            <a:avLst/>
-          </a:prstGeom>
-          <a:solidFill>
-            <a:schemeClr val="bg2">
-              <a:lumMod val="90000"/>
-            </a:schemeClr>
-          </a:solidFill>
-          <a:ln>
-            <a:solidFill>
-              <a:schemeClr val="tx1"/>
-            </a:solidFill>
-          </a:ln>
-        </p:spPr>
-        <p:style>
-          <a:lnRef idx="2">
-            <a:schemeClr val="accent1">
-              <a:shade val="50000"/>
-            </a:schemeClr>
-          </a:lnRef>
-          <a:fillRef idx="1">
-            <a:schemeClr val="accent1"/>
-          </a:fillRef>
-          <a:effectRef idx="0">
-            <a:schemeClr val="accent1"/>
-          </a:effectRef>
-          <a:fontRef idx="minor">
-            <a:schemeClr val="lt1"/>
-          </a:fontRef>
-        </p:style>
-        <p:txBody>
-          <a:bodyPr rtlCol="0" anchor="ctr"/>
-          <a:lstStyle/>
-          <a:p>
-            <a:pPr algn="ctr"/>
-            <a:r>
-              <a:rPr lang="en-US" sz="2000" dirty="0" smtClean="0">
-                <a:solidFill>
-                  <a:schemeClr val="tx1"/>
-                </a:solidFill>
-              </a:rPr>
-              <a:t>AG</a:t>
-            </a:r>
-            <a:endParaRPr lang="en-US" sz="2000" dirty="0">
-              <a:solidFill>
-                <a:schemeClr val="tx1"/>
-              </a:solidFill>
-            </a:endParaRPr>
-          </a:p>
-        </p:txBody>
-      </p:sp>
-      <p:sp>
-        <p:nvSpPr>
-          <p:cNvPr id="96" name="Rectangle 95"/>
-          <p:cNvSpPr/>
-          <p:nvPr/>
-        </p:nvSpPr>
-        <p:spPr>
-          <a:xfrm>
-            <a:off x="6756826" y="4091340"/>
-            <a:ext cx="504684" cy="326113"/>
-          </a:xfrm>
-          <a:prstGeom prst="rect">
-            <a:avLst/>
-          </a:prstGeom>
-          <a:solidFill>
-            <a:schemeClr val="bg2">
-              <a:lumMod val="90000"/>
-            </a:schemeClr>
-          </a:solidFill>
-          <a:ln>
-            <a:solidFill>
-              <a:schemeClr val="tx1"/>
-            </a:solidFill>
-          </a:ln>
-        </p:spPr>
-        <p:style>
-          <a:lnRef idx="2">
-            <a:schemeClr val="accent1">
-              <a:shade val="50000"/>
-            </a:schemeClr>
-          </a:lnRef>
-          <a:fillRef idx="1">
-            <a:schemeClr val="accent1"/>
-          </a:fillRef>
-          <a:effectRef idx="0">
-            <a:schemeClr val="accent1"/>
-          </a:effectRef>
-          <a:fontRef idx="minor">
-            <a:schemeClr val="lt1"/>
-          </a:fontRef>
-        </p:style>
-        <p:txBody>
-          <a:bodyPr rtlCol="0" anchor="ctr"/>
-          <a:lstStyle/>
-          <a:p>
-            <a:pPr algn="ctr"/>
-            <a:r>
-              <a:rPr lang="en-US" sz="2000" dirty="0" smtClean="0">
-                <a:solidFill>
-                  <a:schemeClr val="tx1"/>
-                </a:solidFill>
-              </a:rPr>
-              <a:t>TL</a:t>
-            </a:r>
-            <a:endParaRPr lang="en-US" sz="2000" dirty="0">
-              <a:solidFill>
-                <a:schemeClr val="tx1"/>
-              </a:solidFill>
-            </a:endParaRPr>
-          </a:p>
-        </p:txBody>
-      </p:sp>
-      <p:sp>
-        <p:nvSpPr>
-          <p:cNvPr id="97" name="Rectangle 96"/>
-          <p:cNvSpPr/>
-          <p:nvPr/>
-        </p:nvSpPr>
-        <p:spPr>
-          <a:xfrm>
-            <a:off x="4833370" y="4119209"/>
-            <a:ext cx="504684" cy="326113"/>
-          </a:xfrm>
-          <a:prstGeom prst="rect">
-            <a:avLst/>
-          </a:prstGeom>
-          <a:solidFill>
-            <a:schemeClr val="bg2">
-              <a:lumMod val="90000"/>
-            </a:schemeClr>
-          </a:solidFill>
-          <a:ln>
-            <a:solidFill>
-              <a:schemeClr val="tx1"/>
-            </a:solidFill>
-          </a:ln>
-        </p:spPr>
-        <p:style>
-          <a:lnRef idx="2">
-            <a:schemeClr val="accent1">
-              <a:shade val="50000"/>
-            </a:schemeClr>
-          </a:lnRef>
-          <a:fillRef idx="1">
-            <a:schemeClr val="accent1"/>
-          </a:fillRef>
-          <a:effectRef idx="0">
-            <a:schemeClr val="accent1"/>
-          </a:effectRef>
-          <a:fontRef idx="minor">
-            <a:schemeClr val="lt1"/>
-          </a:fontRef>
-        </p:style>
-        <p:txBody>
-          <a:bodyPr rtlCol="0" anchor="ctr"/>
-          <a:lstStyle/>
-          <a:p>
-            <a:pPr algn="ctr"/>
-            <a:r>
-              <a:rPr lang="en-US" sz="2000" dirty="0" smtClean="0">
-                <a:solidFill>
-                  <a:schemeClr val="tx1"/>
-                </a:solidFill>
-              </a:rPr>
-              <a:t>TG</a:t>
-            </a:r>
-            <a:endParaRPr lang="en-US" sz="2000" dirty="0">
-              <a:solidFill>
-                <a:schemeClr val="tx1"/>
-              </a:solidFill>
-            </a:endParaRPr>
-          </a:p>
-        </p:txBody>
-      </p:sp>
+      <mc:AlternateContent xmlns:mc="http://schemas.openxmlformats.org/markup-compatibility/2006">
+        <mc:Choice xmlns:a14="http://schemas.microsoft.com/office/drawing/2010/main" Requires="a14">
+          <p:sp>
+            <p:nvSpPr>
+              <p:cNvPr id="107" name="TextBox 106"/>
+              <p:cNvSpPr txBox="1"/>
+              <p:nvPr/>
+            </p:nvSpPr>
+            <p:spPr>
+              <a:xfrm>
+                <a:off x="3824054" y="3915612"/>
+                <a:ext cx="1099532" cy="276999"/>
+              </a:xfrm>
+              <a:prstGeom prst="rect">
+                <a:avLst/>
+              </a:prstGeom>
+              <a:noFill/>
+            </p:spPr>
+            <p:txBody>
+              <a:bodyPr wrap="none" lIns="0" tIns="0" rIns="0" bIns="0" rtlCol="0">
+                <a:spAutoFit/>
+              </a:bodyPr>
+              <a:lstStyle/>
+              <a:p>
+                <a:pPr/>
+                <a14:m>
+                  <m:oMathPara xmlns:m="http://schemas.openxmlformats.org/officeDocument/2006/math">
+                    <m:oMathParaPr>
+                      <m:jc m:val="centerGroup"/>
+                    </m:oMathParaPr>
+                    <m:oMath xmlns:m="http://schemas.openxmlformats.org/officeDocument/2006/math">
+                      <m:r>
+                        <a:rPr lang="en-US" i="1" smtClean="0">
+                          <a:latin typeface="Cambria Math" charset="0"/>
+                        </a:rPr>
+                        <m:t>3</m:t>
+                      </m:r>
+                      <m:r>
+                        <a:rPr lang="en-US" b="0" i="1" smtClean="0">
+                          <a:latin typeface="Cambria Math" charset="0"/>
+                        </a:rPr>
+                        <m:t>.  </m:t>
+                      </m:r>
+                      <m:sSub>
+                        <m:sSubPr>
+                          <m:ctrlPr>
+                            <a:rPr lang="en-US" b="0" i="1" smtClean="0">
+                              <a:latin typeface="Cambria Math" charset="0"/>
+                            </a:rPr>
+                          </m:ctrlPr>
+                        </m:sSubPr>
+                        <m:e>
+                          <m:r>
+                            <a:rPr lang="en-US" b="0" i="1" smtClean="0">
+                              <a:latin typeface="Cambria Math" charset="0"/>
+                            </a:rPr>
+                            <m:t>𝑆</m:t>
+                          </m:r>
+                        </m:e>
+                        <m:sub>
+                          <m:r>
+                            <a:rPr lang="en-US" b="0" i="1" smtClean="0">
+                              <a:latin typeface="Cambria Math" charset="0"/>
+                            </a:rPr>
+                            <m:t>𝑆</m:t>
+                          </m:r>
+                        </m:sub>
+                      </m:sSub>
+                      <m:r>
+                        <a:rPr lang="en-US" b="0" i="1" smtClean="0">
+                          <a:latin typeface="Cambria Math" charset="0"/>
+                        </a:rPr>
+                        <m:t>(2, 1)</m:t>
+                      </m:r>
+                    </m:oMath>
+                  </m:oMathPara>
+                </a14:m>
+                <a:endParaRPr lang="en-US" dirty="0" smtClean="0"/>
+              </a:p>
+            </p:txBody>
+          </p:sp>
+        </mc:Choice>
+        <mc:Fallback>
+          <p:sp>
+            <p:nvSpPr>
+              <p:cNvPr id="107" name="TextBox 106"/>
+              <p:cNvSpPr txBox="1">
+                <a:spLocks noRot="1" noChangeAspect="1" noMove="1" noResize="1" noEditPoints="1" noAdjustHandles="1" noChangeArrowheads="1" noChangeShapeType="1" noTextEdit="1"/>
+              </p:cNvSpPr>
+              <p:nvPr/>
+            </p:nvSpPr>
+            <p:spPr>
+              <a:xfrm>
+                <a:off x="3824054" y="3915612"/>
+                <a:ext cx="1099532" cy="276999"/>
+              </a:xfrm>
+              <a:prstGeom prst="rect">
+                <a:avLst/>
+              </a:prstGeom>
+              <a:blipFill rotWithShape="0">
+                <a:blip r:embed="rId6"/>
+                <a:stretch>
+                  <a:fillRect l="-2762" t="-143478" r="-5525" b="-176087"/>
+                </a:stretch>
+              </a:blipFill>
+            </p:spPr>
+            <p:txBody>
+              <a:bodyPr/>
+              <a:lstStyle/>
+              <a:p>
+                <a:r>
+                  <a:rPr lang="en-US">
+                    <a:noFill/>
+                  </a:rPr>
+                  <a:t> </a:t>
+                </a:r>
+              </a:p>
+            </p:txBody>
+          </p:sp>
+        </mc:Fallback>
+      </mc:AlternateContent>
     </p:spTree>
     <p:extLst>
       <p:ext uri="{BB962C8B-B14F-4D97-AF65-F5344CB8AC3E}">
-        <p14:creationId xmlns:p14="http://schemas.microsoft.com/office/powerpoint/2010/main" val="1287256606"/>
+        <p14:creationId xmlns:p14="http://schemas.microsoft.com/office/powerpoint/2010/main" val="912758290"/>
       </p:ext>
     </p:extLst>
   </p:cSld>

--- a/paper/abstraction/figures/examples.pptx
+++ b/paper/abstraction/figures/examples.pptx
@@ -206,7 +206,7 @@
           <a:p>
             <a:fld id="{0CCB65A4-74BE-2E49-B697-B48CA3DADDCF}" type="datetimeFigureOut">
               <a:rPr lang="en-US" smtClean="0"/>
-              <a:t>11/3/2016</a:t>
+              <a:t>11/5/16</a:t>
             </a:fld>
             <a:endParaRPr lang="en-US"/>
           </a:p>
@@ -857,7 +857,7 @@
           <a:p>
             <a:fld id="{D1C2FE12-02FD-40D2-9E73-08CF8D46514A}" type="datetimeFigureOut">
               <a:rPr lang="en-US" smtClean="0"/>
-              <a:t>11/3/2016</a:t>
+              <a:t>11/5/16</a:t>
             </a:fld>
             <a:endParaRPr lang="en-US"/>
           </a:p>
@@ -1027,7 +1027,7 @@
           <a:p>
             <a:fld id="{D1C2FE12-02FD-40D2-9E73-08CF8D46514A}" type="datetimeFigureOut">
               <a:rPr lang="en-US" smtClean="0"/>
-              <a:t>11/3/2016</a:t>
+              <a:t>11/5/16</a:t>
             </a:fld>
             <a:endParaRPr lang="en-US"/>
           </a:p>
@@ -1207,7 +1207,7 @@
           <a:p>
             <a:fld id="{D1C2FE12-02FD-40D2-9E73-08CF8D46514A}" type="datetimeFigureOut">
               <a:rPr lang="en-US" smtClean="0"/>
-              <a:t>11/3/2016</a:t>
+              <a:t>11/5/16</a:t>
             </a:fld>
             <a:endParaRPr lang="en-US"/>
           </a:p>
@@ -1377,7 +1377,7 @@
           <a:p>
             <a:fld id="{D1C2FE12-02FD-40D2-9E73-08CF8D46514A}" type="datetimeFigureOut">
               <a:rPr lang="en-US" smtClean="0"/>
-              <a:t>11/3/2016</a:t>
+              <a:t>11/5/16</a:t>
             </a:fld>
             <a:endParaRPr lang="en-US"/>
           </a:p>
@@ -1623,7 +1623,7 @@
           <a:p>
             <a:fld id="{D1C2FE12-02FD-40D2-9E73-08CF8D46514A}" type="datetimeFigureOut">
               <a:rPr lang="en-US" smtClean="0"/>
-              <a:t>11/3/2016</a:t>
+              <a:t>11/5/16</a:t>
             </a:fld>
             <a:endParaRPr lang="en-US"/>
           </a:p>
@@ -1855,7 +1855,7 @@
           <a:p>
             <a:fld id="{D1C2FE12-02FD-40D2-9E73-08CF8D46514A}" type="datetimeFigureOut">
               <a:rPr lang="en-US" smtClean="0"/>
-              <a:t>11/3/2016</a:t>
+              <a:t>11/5/16</a:t>
             </a:fld>
             <a:endParaRPr lang="en-US"/>
           </a:p>
@@ -2222,7 +2222,7 @@
           <a:p>
             <a:fld id="{D1C2FE12-02FD-40D2-9E73-08CF8D46514A}" type="datetimeFigureOut">
               <a:rPr lang="en-US" smtClean="0"/>
-              <a:t>11/3/2016</a:t>
+              <a:t>11/5/16</a:t>
             </a:fld>
             <a:endParaRPr lang="en-US"/>
           </a:p>
@@ -2340,7 +2340,7 @@
           <a:p>
             <a:fld id="{D1C2FE12-02FD-40D2-9E73-08CF8D46514A}" type="datetimeFigureOut">
               <a:rPr lang="en-US" smtClean="0"/>
-              <a:t>11/3/2016</a:t>
+              <a:t>11/5/16</a:t>
             </a:fld>
             <a:endParaRPr lang="en-US"/>
           </a:p>
@@ -2435,7 +2435,7 @@
           <a:p>
             <a:fld id="{D1C2FE12-02FD-40D2-9E73-08CF8D46514A}" type="datetimeFigureOut">
               <a:rPr lang="en-US" smtClean="0"/>
-              <a:t>11/3/2016</a:t>
+              <a:t>11/5/16</a:t>
             </a:fld>
             <a:endParaRPr lang="en-US"/>
           </a:p>
@@ -2712,7 +2712,7 @@
           <a:p>
             <a:fld id="{D1C2FE12-02FD-40D2-9E73-08CF8D46514A}" type="datetimeFigureOut">
               <a:rPr lang="en-US" smtClean="0"/>
-              <a:t>11/3/2016</a:t>
+              <a:t>11/5/16</a:t>
             </a:fld>
             <a:endParaRPr lang="en-US"/>
           </a:p>
@@ -2965,7 +2965,7 @@
           <a:p>
             <a:fld id="{D1C2FE12-02FD-40D2-9E73-08CF8D46514A}" type="datetimeFigureOut">
               <a:rPr lang="en-US" smtClean="0"/>
-              <a:t>11/3/2016</a:t>
+              <a:t>11/5/16</a:t>
             </a:fld>
             <a:endParaRPr lang="en-US"/>
           </a:p>
@@ -3178,7 +3178,7 @@
           <a:p>
             <a:fld id="{D1C2FE12-02FD-40D2-9E73-08CF8D46514A}" type="datetimeFigureOut">
               <a:rPr lang="en-US" smtClean="0"/>
-              <a:t>11/3/2016</a:t>
+              <a:t>11/5/16</a:t>
             </a:fld>
             <a:endParaRPr lang="en-US"/>
           </a:p>
@@ -6889,7 +6889,7 @@
         </p:nvSpPr>
         <p:spPr>
           <a:xfrm>
-            <a:off x="4534460" y="1166963"/>
+            <a:off x="4534460" y="1049733"/>
             <a:ext cx="889686" cy="481914"/>
           </a:xfrm>
           <a:prstGeom prst="ellipse">
@@ -6952,8 +6952,8 @@
         </p:nvCxnSpPr>
         <p:spPr>
           <a:xfrm>
-            <a:off x="4979303" y="1648877"/>
-            <a:ext cx="574" cy="273447"/>
+            <a:off x="4979303" y="1531647"/>
+            <a:ext cx="574" cy="296893"/>
           </a:xfrm>
           <a:prstGeom prst="line">
             <a:avLst/>
@@ -6988,7 +6988,7 @@
         </p:nvGrpSpPr>
         <p:grpSpPr>
           <a:xfrm>
-            <a:off x="5219064" y="3704499"/>
+            <a:off x="5512139" y="3880344"/>
             <a:ext cx="766243" cy="654703"/>
             <a:chOff x="6874016" y="1656010"/>
             <a:chExt cx="766243" cy="654703"/>
@@ -7054,8 +7054,8 @@
           </p:nvSpPr>
           <p:spPr>
             <a:xfrm>
-              <a:off x="6884480" y="1814084"/>
-              <a:ext cx="715260" cy="338554"/>
+              <a:off x="6943095" y="1814084"/>
+              <a:ext cx="559769" cy="338554"/>
             </a:xfrm>
             <a:prstGeom prst="rect">
               <a:avLst/>
@@ -7070,7 +7070,11 @@
             <a:p>
               <a:r>
                 <a:rPr lang="en-US" sz="1600" dirty="0" smtClean="0"/>
-                <a:t>(S,0,0)</a:t>
+                <a:t>(</a:t>
+              </a:r>
+              <a:r>
+                <a:rPr lang="en-US" sz="1600" dirty="0" smtClean="0"/>
+                <a:t>S,0)</a:t>
               </a:r>
               <a:endParaRPr lang="en-US" sz="1600" dirty="0"/>
             </a:p>
@@ -7085,10 +7089,10 @@
         </p:nvGrpSpPr>
         <p:grpSpPr>
           <a:xfrm>
-            <a:off x="5859844" y="2856692"/>
-            <a:ext cx="827534" cy="654703"/>
-            <a:chOff x="6847409" y="1656010"/>
-            <a:chExt cx="827534" cy="654703"/>
+            <a:off x="6293595" y="2938753"/>
+            <a:ext cx="769404" cy="654703"/>
+            <a:chOff x="6870855" y="1656010"/>
+            <a:chExt cx="769404" cy="654703"/>
           </a:xfrm>
         </p:grpSpPr>
         <p:sp>
@@ -7151,8 +7155,8 @@
           </p:nvSpPr>
           <p:spPr>
             <a:xfrm>
-              <a:off x="6847409" y="1814084"/>
-              <a:ext cx="827534" cy="338554"/>
+              <a:off x="6870855" y="1814084"/>
+              <a:ext cx="672043" cy="338554"/>
             </a:xfrm>
             <a:prstGeom prst="rect">
               <a:avLst/>
@@ -7166,8 +7170,12 @@
             <a:lstStyle/>
             <a:p>
               <a:r>
-                <a:rPr lang="en-US" sz="1600" dirty="0" smtClean="0"/>
-                <a:t>(AL,0,0)</a:t>
+                <a:rPr lang="en-US" sz="1600" smtClean="0"/>
+                <a:t>(</a:t>
+              </a:r>
+              <a:r>
+                <a:rPr lang="en-US" sz="1600" smtClean="0"/>
+                <a:t>AL,0)</a:t>
               </a:r>
               <a:endParaRPr lang="en-US" sz="1600" dirty="0"/>
             </a:p>
@@ -7182,10 +7190,10 @@
         </p:nvGrpSpPr>
         <p:grpSpPr>
           <a:xfrm>
-            <a:off x="4545434" y="2856693"/>
-            <a:ext cx="867738" cy="654703"/>
-            <a:chOff x="6822695" y="1656010"/>
-            <a:chExt cx="867738" cy="654703"/>
+            <a:off x="4568880" y="2938754"/>
+            <a:ext cx="794118" cy="654703"/>
+            <a:chOff x="6846141" y="1656010"/>
+            <a:chExt cx="794118" cy="654703"/>
           </a:xfrm>
         </p:grpSpPr>
         <p:sp>
@@ -7248,8 +7256,8 @@
           </p:nvSpPr>
           <p:spPr>
             <a:xfrm>
-              <a:off x="6822695" y="1814084"/>
-              <a:ext cx="867738" cy="338554"/>
+              <a:off x="6846141" y="1814084"/>
+              <a:ext cx="712246" cy="338554"/>
             </a:xfrm>
             <a:prstGeom prst="rect">
               <a:avLst/>
@@ -7264,7 +7272,11 @@
             <a:p>
               <a:r>
                 <a:rPr lang="en-US" sz="1600" smtClean="0"/>
-                <a:t>(AG,0,0)</a:t>
+                <a:t>(</a:t>
+              </a:r>
+              <a:r>
+                <a:rPr lang="en-US" sz="1600" smtClean="0"/>
+                <a:t>AG,0)</a:t>
               </a:r>
               <a:endParaRPr lang="en-US" sz="1600" dirty="0"/>
             </a:p>
@@ -7282,8 +7294,8 @@
         </p:nvCxnSpPr>
         <p:spPr>
           <a:xfrm>
-            <a:off x="6269573" y="2574397"/>
-            <a:ext cx="0" cy="282295"/>
+            <a:off x="6679878" y="2480613"/>
+            <a:ext cx="0" cy="458140"/>
           </a:xfrm>
           <a:prstGeom prst="line">
             <a:avLst/>
@@ -7319,10 +7331,10 @@
         </p:nvGrpSpPr>
         <p:grpSpPr>
           <a:xfrm>
-            <a:off x="5859844" y="1919694"/>
-            <a:ext cx="827534" cy="654703"/>
-            <a:chOff x="6847409" y="1656010"/>
-            <a:chExt cx="827534" cy="654703"/>
+            <a:off x="6296756" y="1825910"/>
+            <a:ext cx="766243" cy="654703"/>
+            <a:chOff x="6874016" y="1656010"/>
+            <a:chExt cx="766243" cy="654703"/>
           </a:xfrm>
         </p:grpSpPr>
         <p:sp>
@@ -7385,8 +7397,8 @@
           </p:nvSpPr>
           <p:spPr>
             <a:xfrm>
-              <a:off x="6847409" y="1814084"/>
-              <a:ext cx="827534" cy="338554"/>
+              <a:off x="6882578" y="1814084"/>
+              <a:ext cx="652807" cy="338554"/>
             </a:xfrm>
             <a:prstGeom prst="rect">
               <a:avLst/>
@@ -7400,8 +7412,12 @@
             <a:lstStyle/>
             <a:p>
               <a:r>
-                <a:rPr lang="en-US" sz="1600" dirty="0" smtClean="0"/>
-                <a:t>(TL,0,0)</a:t>
+                <a:rPr lang="en-US" sz="1600" smtClean="0"/>
+                <a:t>(</a:t>
+              </a:r>
+              <a:r>
+                <a:rPr lang="en-US" sz="1600" smtClean="0"/>
+                <a:t>TL,0)</a:t>
               </a:r>
               <a:endParaRPr lang="en-US" sz="1600" dirty="0"/>
             </a:p>
@@ -7416,10 +7432,10 @@
         </p:nvGrpSpPr>
         <p:grpSpPr>
           <a:xfrm>
-            <a:off x="4570148" y="1922324"/>
-            <a:ext cx="844142" cy="654703"/>
-            <a:chOff x="6847409" y="1656010"/>
-            <a:chExt cx="844142" cy="654703"/>
+            <a:off x="4581871" y="1828540"/>
+            <a:ext cx="781127" cy="654703"/>
+            <a:chOff x="6859132" y="1656010"/>
+            <a:chExt cx="781127" cy="654703"/>
           </a:xfrm>
         </p:grpSpPr>
         <p:sp>
@@ -7482,8 +7498,8 @@
           </p:nvSpPr>
           <p:spPr>
             <a:xfrm>
-              <a:off x="6847409" y="1814084"/>
-              <a:ext cx="844142" cy="338554"/>
+              <a:off x="6859132" y="1814084"/>
+              <a:ext cx="688650" cy="338554"/>
             </a:xfrm>
             <a:prstGeom prst="rect">
               <a:avLst/>
@@ -7497,8 +7513,12 @@
             <a:lstStyle/>
             <a:p>
               <a:r>
-                <a:rPr lang="en-US" sz="1600" dirty="0" smtClean="0"/>
-                <a:t>(TG,0,0)</a:t>
+                <a:rPr lang="en-US" sz="1600" smtClean="0"/>
+                <a:t>(</a:t>
+              </a:r>
+              <a:r>
+                <a:rPr lang="en-US" sz="1600" smtClean="0"/>
+                <a:t>TG,0)</a:t>
               </a:r>
               <a:endParaRPr lang="en-US" sz="1600" dirty="0"/>
             </a:p>
@@ -7516,8 +7536,8 @@
         </p:nvCxnSpPr>
         <p:spPr>
           <a:xfrm>
-            <a:off x="4979877" y="2577027"/>
-            <a:ext cx="0" cy="279666"/>
+            <a:off x="4979877" y="2483243"/>
+            <a:ext cx="0" cy="455511"/>
           </a:xfrm>
           <a:prstGeom prst="line">
             <a:avLst/>
@@ -7556,8 +7576,8 @@
         </p:nvCxnSpPr>
         <p:spPr>
           <a:xfrm>
-            <a:off x="4979877" y="3511396"/>
-            <a:ext cx="351401" cy="288982"/>
+            <a:off x="4979877" y="3593457"/>
+            <a:ext cx="644476" cy="382766"/>
           </a:xfrm>
           <a:prstGeom prst="line">
             <a:avLst/>
@@ -7596,8 +7616,8 @@
         </p:nvCxnSpPr>
         <p:spPr>
           <a:xfrm flipH="1">
-            <a:off x="5873093" y="3511395"/>
-            <a:ext cx="396480" cy="288983"/>
+            <a:off x="6166168" y="3593456"/>
+            <a:ext cx="513710" cy="382767"/>
           </a:xfrm>
           <a:prstGeom prst="line">
             <a:avLst/>
@@ -7629,15 +7649,14 @@
         <p:nvCxnSpPr>
           <p:cNvPr id="72" name="Straight Connector 71"/>
           <p:cNvCxnSpPr>
-            <a:stCxn id="120" idx="4"/>
-            <a:endCxn id="86" idx="0"/>
+            <a:stCxn id="120" idx="3"/>
           </p:cNvCxnSpPr>
           <p:nvPr/>
         </p:nvCxnSpPr>
         <p:spPr>
-          <a:xfrm>
-            <a:off x="5602186" y="4359202"/>
-            <a:ext cx="4392" cy="245000"/>
+          <a:xfrm flipH="1">
+            <a:off x="5341434" y="4439168"/>
+            <a:ext cx="282919" cy="422764"/>
           </a:xfrm>
           <a:prstGeom prst="line">
             <a:avLst/>
@@ -7664,8 +7683,8 @@
           </a:fontRef>
         </p:style>
       </p:cxnSp>
-      <mc:AlternateContent xmlns:mc="http://schemas.openxmlformats.org/markup-compatibility/2006" xmlns:a14="http://schemas.microsoft.com/office/drawing/2010/main">
-        <mc:Choice Requires="a14">
+      <mc:AlternateContent xmlns:mc="http://schemas.openxmlformats.org/markup-compatibility/2006">
+        <mc:Choice xmlns:a14="http://schemas.microsoft.com/office/drawing/2010/main" Requires="a14">
           <p:sp>
             <p:nvSpPr>
               <p:cNvPr id="93" name="TextBox 92"/>
@@ -7674,7 +7693,7 @@
             </p:nvSpPr>
             <p:spPr>
               <a:xfrm>
-                <a:off x="2830466" y="2096192"/>
+                <a:off x="2957390" y="2014761"/>
                 <a:ext cx="1530997" cy="276999"/>
               </a:xfrm>
               <a:prstGeom prst="rect">
@@ -7699,7 +7718,7 @@
                         <m:sSubPr>
                           <m:ctrlPr>
                             <a:rPr lang="en-US" b="0" i="1" smtClean="0">
-                              <a:latin typeface="Cambria Math" panose="02040503050406030204" pitchFamily="18" charset="0"/>
+                              <a:latin typeface="Cambria Math" charset="0"/>
                             </a:rPr>
                           </m:ctrlPr>
                         </m:sSubPr>
@@ -7730,7 +7749,7 @@
                         <m:sSubPr>
                           <m:ctrlPr>
                             <a:rPr lang="en-US" b="0" i="1" smtClean="0">
-                              <a:latin typeface="Cambria Math" panose="02040503050406030204" pitchFamily="18" charset="0"/>
+                              <a:latin typeface="Cambria Math" charset="0"/>
                             </a:rPr>
                           </m:ctrlPr>
                         </m:sSubPr>
@@ -7765,7 +7784,7 @@
             </p:txBody>
           </p:sp>
         </mc:Choice>
-        <mc:Fallback xmlns="">
+        <mc:Fallback>
           <p:sp>
             <p:nvSpPr>
               <p:cNvPr id="93" name="TextBox 92"/>
@@ -7776,7 +7795,7 @@
             </p:nvSpPr>
             <p:spPr>
               <a:xfrm>
-                <a:off x="2830466" y="2096192"/>
+                <a:off x="2957390" y="2014761"/>
                 <a:ext cx="1530997" cy="276999"/>
               </a:xfrm>
               <a:prstGeom prst="rect">
@@ -7785,7 +7804,7 @@
               <a:blipFill rotWithShape="0">
                 <a:blip r:embed="rId3"/>
                 <a:stretch>
-                  <a:fillRect l="-2390" t="-146667" r="-4382" b="-182222"/>
+                  <a:fillRect l="-2390" t="-148889" r="-4382" b="-180000"/>
                 </a:stretch>
               </a:blipFill>
             </p:spPr>
@@ -7804,8 +7823,8 @@
           </p:sp>
         </mc:Fallback>
       </mc:AlternateContent>
-      <mc:AlternateContent xmlns:mc="http://schemas.openxmlformats.org/markup-compatibility/2006" xmlns:a14="http://schemas.microsoft.com/office/drawing/2010/main">
-        <mc:Choice Requires="a14">
+      <mc:AlternateContent xmlns:mc="http://schemas.openxmlformats.org/markup-compatibility/2006">
+        <mc:Choice xmlns:a14="http://schemas.microsoft.com/office/drawing/2010/main" Requires="a14">
           <p:sp>
             <p:nvSpPr>
               <p:cNvPr id="94" name="TextBox 93"/>
@@ -7814,7 +7833,7 @@
             </p:nvSpPr>
             <p:spPr>
               <a:xfrm>
-                <a:off x="2834303" y="3073758"/>
+                <a:off x="2974420" y="3127604"/>
                 <a:ext cx="1462708" cy="276999"/>
               </a:xfrm>
               <a:prstGeom prst="rect">
@@ -7839,7 +7858,7 @@
                         <m:sSubPr>
                           <m:ctrlPr>
                             <a:rPr lang="en-US" b="0" i="1" smtClean="0">
-                              <a:latin typeface="Cambria Math" panose="02040503050406030204" pitchFamily="18" charset="0"/>
+                              <a:latin typeface="Cambria Math" charset="0"/>
                             </a:rPr>
                           </m:ctrlPr>
                         </m:sSubPr>
@@ -7870,7 +7889,7 @@
                         <m:sSubPr>
                           <m:ctrlPr>
                             <a:rPr lang="en-US" b="0" i="1" smtClean="0">
-                              <a:latin typeface="Cambria Math" panose="02040503050406030204" pitchFamily="18" charset="0"/>
+                              <a:latin typeface="Cambria Math" charset="0"/>
                             </a:rPr>
                           </m:ctrlPr>
                         </m:sSubPr>
@@ -7905,7 +7924,7 @@
             </p:txBody>
           </p:sp>
         </mc:Choice>
-        <mc:Fallback xmlns="">
+        <mc:Fallback>
           <p:sp>
             <p:nvSpPr>
               <p:cNvPr id="94" name="TextBox 93"/>
@@ -7916,7 +7935,7 @@
             </p:nvSpPr>
             <p:spPr>
               <a:xfrm>
-                <a:off x="2834303" y="3073758"/>
+                <a:off x="2974420" y="3127604"/>
                 <a:ext cx="1462708" cy="276999"/>
               </a:xfrm>
               <a:prstGeom prst="rect">
@@ -7925,7 +7944,7 @@
               <a:blipFill rotWithShape="0">
                 <a:blip r:embed="rId4"/>
                 <a:stretch>
-                  <a:fillRect l="-3750" t="-143478" r="-5417" b="-176087"/>
+                  <a:fillRect l="-3750" t="-146667" r="-5417" b="-182222"/>
                 </a:stretch>
               </a:blipFill>
             </p:spPr>
@@ -7944,8 +7963,8 @@
           </p:sp>
         </mc:Fallback>
       </mc:AlternateContent>
-      <mc:AlternateContent xmlns:mc="http://schemas.openxmlformats.org/markup-compatibility/2006" xmlns:a14="http://schemas.microsoft.com/office/drawing/2010/main">
-        <mc:Choice Requires="a14">
+      <mc:AlternateContent xmlns:mc="http://schemas.openxmlformats.org/markup-compatibility/2006">
+        <mc:Choice xmlns:a14="http://schemas.microsoft.com/office/drawing/2010/main" Requires="a14">
           <p:sp>
             <p:nvSpPr>
               <p:cNvPr id="95" name="TextBox 94"/>
@@ -7954,7 +7973,7 @@
             </p:nvSpPr>
             <p:spPr>
               <a:xfrm>
-                <a:off x="3835028" y="4250561"/>
+                <a:off x="4222125" y="4119548"/>
                 <a:ext cx="1099532" cy="276999"/>
               </a:xfrm>
               <a:prstGeom prst="rect">
@@ -7979,13 +7998,13 @@
                         <a:rPr lang="en-US" b="0" i="1" smtClean="0">
                           <a:latin typeface="Cambria Math" charset="0"/>
                         </a:rPr>
-                        <m:t>4.  </m:t>
+                        <m:t>5.  </m:t>
                       </m:r>
                       <m:sSub>
                         <m:sSubPr>
                           <m:ctrlPr>
                             <a:rPr lang="en-US" b="0" i="1" smtClean="0">
-                              <a:latin typeface="Cambria Math" panose="02040503050406030204" pitchFamily="18" charset="0"/>
+                              <a:latin typeface="Cambria Math" charset="0"/>
                             </a:rPr>
                           </m:ctrlPr>
                         </m:sSubPr>
@@ -8020,7 +8039,7 @@
             </p:txBody>
           </p:sp>
         </mc:Choice>
-        <mc:Fallback xmlns="">
+        <mc:Fallback>
           <p:sp>
             <p:nvSpPr>
               <p:cNvPr id="95" name="TextBox 94"/>
@@ -8031,7 +8050,7 @@
             </p:nvSpPr>
             <p:spPr>
               <a:xfrm>
-                <a:off x="3835028" y="4250561"/>
+                <a:off x="4222125" y="4119548"/>
                 <a:ext cx="1099532" cy="276999"/>
               </a:xfrm>
               <a:prstGeom prst="rect">
@@ -8040,7 +8059,7 @@
               <a:blipFill rotWithShape="0">
                 <a:blip r:embed="rId5"/>
                 <a:stretch>
-                  <a:fillRect l="-4444" t="-143478" r="-7778" b="-176087"/>
+                  <a:fillRect l="-5000" t="-146667" r="-7778" b="-180000"/>
                 </a:stretch>
               </a:blipFill>
             </p:spPr>
@@ -8067,8 +8086,8 @@
         </p:nvSpPr>
         <p:spPr>
           <a:xfrm>
-            <a:off x="3075483" y="2533612"/>
-            <a:ext cx="779381" cy="369332"/>
+            <a:off x="2916569" y="2534614"/>
+            <a:ext cx="1868268" cy="369332"/>
           </a:xfrm>
           <a:prstGeom prst="rect">
             <a:avLst/>
@@ -8082,8 +8101,12 @@
           <a:lstStyle/>
           <a:p>
             <a:r>
+              <a:rPr lang="en-US" b="1" smtClean="0"/>
+              <a:t>1, I-local</a:t>
+            </a:r>
+            <a:r>
               <a:rPr lang="en-US" b="1" dirty="0" smtClean="0"/>
-              <a:t>Rule 1</a:t>
+              <a:t>, I-mesh1</a:t>
             </a:r>
             <a:endParaRPr lang="en-US" b="1" dirty="0"/>
           </a:p>
@@ -8097,8 +8120,8 @@
         </p:nvSpPr>
         <p:spPr>
           <a:xfrm>
-            <a:off x="3072899" y="3440438"/>
-            <a:ext cx="1539204" cy="369332"/>
+            <a:off x="2732345" y="3669086"/>
+            <a:ext cx="1264129" cy="369332"/>
           </a:xfrm>
           <a:prstGeom prst="rect">
             <a:avLst/>
@@ -8112,15 +8135,15 @@
           <a:lstStyle/>
           <a:p>
             <a:r>
-              <a:rPr lang="en-US" b="1" dirty="0" smtClean="0"/>
-              <a:t>Rule 2,  Rule 3</a:t>
+              <a:rPr lang="en-US" b="1" smtClean="0"/>
+              <a:t>2, I-striping</a:t>
             </a:r>
             <a:endParaRPr lang="en-US" b="1" dirty="0"/>
           </a:p>
         </p:txBody>
       </p:sp>
-      <mc:AlternateContent xmlns:mc="http://schemas.openxmlformats.org/markup-compatibility/2006" xmlns:a14="http://schemas.microsoft.com/office/drawing/2010/main">
-        <mc:Choice Requires="a14">
+      <mc:AlternateContent xmlns:mc="http://schemas.openxmlformats.org/markup-compatibility/2006">
+        <mc:Choice xmlns:a14="http://schemas.microsoft.com/office/drawing/2010/main" Requires="a14">
           <p:sp>
             <p:nvSpPr>
               <p:cNvPr id="107" name="TextBox 106"/>
@@ -8129,7 +8152,7 @@
             </p:nvSpPr>
             <p:spPr>
               <a:xfrm>
-                <a:off x="3824054" y="3915612"/>
+                <a:off x="2865969" y="4119547"/>
                 <a:ext cx="1099532" cy="276999"/>
               </a:xfrm>
               <a:prstGeom prst="rect">
@@ -8151,22 +8174,16 @@
                     </m:oMathParaPr>
                     <m:oMath xmlns:m="http://schemas.openxmlformats.org/officeDocument/2006/math">
                       <m:r>
-                        <a:rPr lang="en-US" i="1" smtClean="0">
-                          <a:latin typeface="Cambria Math" charset="0"/>
-                        </a:rPr>
-                        <m:t>3</m:t>
-                      </m:r>
-                      <m:r>
                         <a:rPr lang="en-US" b="0" i="1" smtClean="0">
                           <a:latin typeface="Cambria Math" charset="0"/>
                         </a:rPr>
-                        <m:t>.  </m:t>
+                        <m:t>4.  </m:t>
                       </m:r>
                       <m:sSub>
                         <m:sSubPr>
                           <m:ctrlPr>
                             <a:rPr lang="en-US" b="0" i="1" smtClean="0">
-                              <a:latin typeface="Cambria Math" panose="02040503050406030204" pitchFamily="18" charset="0"/>
+                              <a:latin typeface="Cambria Math" charset="0"/>
                             </a:rPr>
                           </m:ctrlPr>
                         </m:sSubPr>
@@ -8201,7 +8218,7 @@
             </p:txBody>
           </p:sp>
         </mc:Choice>
-        <mc:Fallback xmlns="">
+        <mc:Fallback>
           <p:sp>
             <p:nvSpPr>
               <p:cNvPr id="107" name="TextBox 106"/>
@@ -8212,7 +8229,7 @@
             </p:nvSpPr>
             <p:spPr>
               <a:xfrm>
-                <a:off x="3824054" y="3915612"/>
+                <a:off x="2865969" y="4119547"/>
                 <a:ext cx="1099532" cy="276999"/>
               </a:xfrm>
               <a:prstGeom prst="rect">
@@ -8221,7 +8238,7 @@
               <a:blipFill rotWithShape="0">
                 <a:blip r:embed="rId6"/>
                 <a:stretch>
-                  <a:fillRect l="-2762" t="-143478" r="-5525" b="-176087"/>
+                  <a:fillRect l="-2762" t="-146667" r="-5525" b="-180000"/>
                 </a:stretch>
               </a:blipFill>
             </p:spPr>
@@ -8240,6 +8257,765 @@
           </p:sp>
         </mc:Fallback>
       </mc:AlternateContent>
+      <mc:AlternateContent xmlns:mc="http://schemas.openxmlformats.org/markup-compatibility/2006">
+        <mc:Choice xmlns:a14="http://schemas.microsoft.com/office/drawing/2010/main" Requires="a14">
+          <p:sp>
+            <p:nvSpPr>
+              <p:cNvPr id="30" name="TextBox 29"/>
+              <p:cNvSpPr txBox="1"/>
+              <p:nvPr/>
+            </p:nvSpPr>
+            <p:spPr>
+              <a:xfrm>
+                <a:off x="7208921" y="3127604"/>
+                <a:ext cx="1496885" cy="276999"/>
+              </a:xfrm>
+              <a:prstGeom prst="rect">
+                <a:avLst/>
+              </a:prstGeom>
+              <a:noFill/>
+            </p:spPr>
+            <p:txBody>
+              <a:bodyPr wrap="none" lIns="0" tIns="0" rIns="0" bIns="0" rtlCol="0">
+                <a:spAutoFit/>
+              </a:bodyPr>
+              <a:lstStyle/>
+              <a:p>
+                <a:pPr/>
+                <a14:m>
+                  <m:oMathPara xmlns:m="http://schemas.openxmlformats.org/officeDocument/2006/math">
+                    <m:oMathParaPr>
+                      <m:jc m:val="centerGroup"/>
+                    </m:oMathParaPr>
+                    <m:oMath xmlns:m="http://schemas.openxmlformats.org/officeDocument/2006/math">
+                      <m:sSub>
+                        <m:sSubPr>
+                          <m:ctrlPr>
+                            <a:rPr lang="en-US" b="0" i="1" smtClean="0">
+                              <a:latin typeface="Cambria Math" charset="0"/>
+                            </a:rPr>
+                          </m:ctrlPr>
+                        </m:sSubPr>
+                        <m:e>
+                          <m:r>
+                            <a:rPr lang="en-US" b="0" i="1" smtClean="0">
+                              <a:latin typeface="Cambria Math" charset="0"/>
+                            </a:rPr>
+                            <m:t>5.  </m:t>
+                          </m:r>
+                          <m:r>
+                            <a:rPr lang="en-US" b="0" i="1" smtClean="0">
+                              <a:latin typeface="Cambria Math" charset="0"/>
+                            </a:rPr>
+                            <m:t>𝐴</m:t>
+                          </m:r>
+                        </m:e>
+                        <m:sub>
+                          <m:r>
+                            <a:rPr lang="en-US" b="0" i="1" smtClean="0">
+                              <a:latin typeface="Cambria Math" charset="0"/>
+                            </a:rPr>
+                            <m:t>𝑃</m:t>
+                          </m:r>
+                        </m:sub>
+                      </m:sSub>
+                      <m:sSub>
+                        <m:sSubPr>
+                          <m:ctrlPr>
+                            <a:rPr lang="en-US" b="0" i="1" smtClean="0">
+                              <a:latin typeface="Cambria Math" charset="0"/>
+                            </a:rPr>
+                          </m:ctrlPr>
+                        </m:sSubPr>
+                        <m:e>
+                          <m:r>
+                            <a:rPr lang="en-US" b="0" i="1" smtClean="0">
+                              <a:latin typeface="Cambria Math" charset="0"/>
+                            </a:rPr>
+                            <m:t>𝑆</m:t>
+                          </m:r>
+                        </m:e>
+                        <m:sub>
+                          <m:r>
+                            <a:rPr lang="en-US" b="0" i="1" smtClean="0">
+                              <a:latin typeface="Cambria Math" charset="0"/>
+                            </a:rPr>
+                            <m:t>𝐴𝐺</m:t>
+                          </m:r>
+                        </m:sub>
+                      </m:sSub>
+                      <m:r>
+                        <a:rPr lang="en-US" b="0" i="1" smtClean="0">
+                          <a:latin typeface="Cambria Math" charset="0"/>
+                        </a:rPr>
+                        <m:t>(2, 1)</m:t>
+                      </m:r>
+                    </m:oMath>
+                  </m:oMathPara>
+                </a14:m>
+                <a:endParaRPr lang="en-US" dirty="0" smtClean="0"/>
+              </a:p>
+            </p:txBody>
+          </p:sp>
+        </mc:Choice>
+        <mc:Fallback>
+          <p:sp>
+            <p:nvSpPr>
+              <p:cNvPr id="30" name="TextBox 29"/>
+              <p:cNvSpPr txBox="1">
+                <a:spLocks noRot="1" noChangeAspect="1" noMove="1" noResize="1" noEditPoints="1" noAdjustHandles="1" noChangeArrowheads="1" noChangeShapeType="1" noTextEdit="1"/>
+              </p:cNvSpPr>
+              <p:nvPr/>
+            </p:nvSpPr>
+            <p:spPr>
+              <a:xfrm>
+                <a:off x="7208921" y="3127604"/>
+                <a:ext cx="1496885" cy="276999"/>
+              </a:xfrm>
+              <a:prstGeom prst="rect">
+                <a:avLst/>
+              </a:prstGeom>
+              <a:blipFill rotWithShape="0">
+                <a:blip r:embed="rId7"/>
+                <a:stretch>
+                  <a:fillRect l="-2449" t="-146667" r="-4490" b="-182222"/>
+                </a:stretch>
+              </a:blipFill>
+            </p:spPr>
+            <p:txBody>
+              <a:bodyPr/>
+              <a:lstStyle/>
+              <a:p>
+                <a:r>
+                  <a:rPr lang="en-US">
+                    <a:noFill/>
+                  </a:rPr>
+                  <a:t> </a:t>
+                </a:r>
+              </a:p>
+            </p:txBody>
+          </p:sp>
+        </mc:Fallback>
+      </mc:AlternateContent>
+      <mc:AlternateContent xmlns:mc="http://schemas.openxmlformats.org/markup-compatibility/2006">
+        <mc:Choice xmlns:a14="http://schemas.microsoft.com/office/drawing/2010/main" Requires="a14">
+          <p:sp>
+            <p:nvSpPr>
+              <p:cNvPr id="31" name="TextBox 30"/>
+              <p:cNvSpPr txBox="1"/>
+              <p:nvPr/>
+            </p:nvSpPr>
+            <p:spPr>
+              <a:xfrm>
+                <a:off x="7221130" y="2014760"/>
+                <a:ext cx="1496885" cy="276999"/>
+              </a:xfrm>
+              <a:prstGeom prst="rect">
+                <a:avLst/>
+              </a:prstGeom>
+              <a:noFill/>
+            </p:spPr>
+            <p:txBody>
+              <a:bodyPr wrap="none" lIns="0" tIns="0" rIns="0" bIns="0" rtlCol="0">
+                <a:spAutoFit/>
+              </a:bodyPr>
+              <a:lstStyle/>
+              <a:p>
+                <a:pPr/>
+                <a14:m>
+                  <m:oMathPara xmlns:m="http://schemas.openxmlformats.org/officeDocument/2006/math">
+                    <m:oMathParaPr>
+                      <m:jc m:val="centerGroup"/>
+                    </m:oMathParaPr>
+                    <m:oMath xmlns:m="http://schemas.openxmlformats.org/officeDocument/2006/math">
+                      <m:sSub>
+                        <m:sSubPr>
+                          <m:ctrlPr>
+                            <a:rPr lang="en-US" b="0" i="1" smtClean="0">
+                              <a:latin typeface="Cambria Math" charset="0"/>
+                            </a:rPr>
+                          </m:ctrlPr>
+                        </m:sSubPr>
+                        <m:e>
+                          <m:r>
+                            <a:rPr lang="en-US" b="0" i="1" smtClean="0">
+                              <a:latin typeface="Cambria Math" charset="0"/>
+                            </a:rPr>
+                            <m:t>6.  </m:t>
+                          </m:r>
+                          <m:r>
+                            <a:rPr lang="en-US" b="0" i="1" smtClean="0">
+                              <a:latin typeface="Cambria Math" charset="0"/>
+                            </a:rPr>
+                            <m:t>𝐴</m:t>
+                          </m:r>
+                        </m:e>
+                        <m:sub>
+                          <m:r>
+                            <a:rPr lang="en-US" b="0" i="1" smtClean="0">
+                              <a:latin typeface="Cambria Math" charset="0"/>
+                            </a:rPr>
+                            <m:t>𝑃</m:t>
+                          </m:r>
+                        </m:sub>
+                      </m:sSub>
+                      <m:sSub>
+                        <m:sSubPr>
+                          <m:ctrlPr>
+                            <a:rPr lang="en-US" b="0" i="1" smtClean="0">
+                              <a:latin typeface="Cambria Math" charset="0"/>
+                            </a:rPr>
+                          </m:ctrlPr>
+                        </m:sSubPr>
+                        <m:e>
+                          <m:r>
+                            <a:rPr lang="en-US" b="0" i="1" smtClean="0">
+                              <a:latin typeface="Cambria Math" charset="0"/>
+                            </a:rPr>
+                            <m:t>𝐴</m:t>
+                          </m:r>
+                        </m:e>
+                        <m:sub>
+                          <m:r>
+                            <a:rPr lang="en-US" b="0" i="1" smtClean="0">
+                              <a:latin typeface="Cambria Math" charset="0"/>
+                            </a:rPr>
+                            <m:t>𝐴𝐺</m:t>
+                          </m:r>
+                        </m:sub>
+                      </m:sSub>
+                      <m:r>
+                        <a:rPr lang="en-US" b="0" i="1" smtClean="0">
+                          <a:latin typeface="Cambria Math" charset="0"/>
+                        </a:rPr>
+                        <m:t>(1, 2)</m:t>
+                      </m:r>
+                    </m:oMath>
+                  </m:oMathPara>
+                </a14:m>
+                <a:endParaRPr lang="en-US" dirty="0" smtClean="0"/>
+              </a:p>
+            </p:txBody>
+          </p:sp>
+        </mc:Choice>
+        <mc:Fallback>
+          <p:sp>
+            <p:nvSpPr>
+              <p:cNvPr id="31" name="TextBox 30"/>
+              <p:cNvSpPr txBox="1">
+                <a:spLocks noRot="1" noChangeAspect="1" noMove="1" noResize="1" noEditPoints="1" noAdjustHandles="1" noChangeArrowheads="1" noChangeShapeType="1" noTextEdit="1"/>
+              </p:cNvSpPr>
+              <p:nvPr/>
+            </p:nvSpPr>
+            <p:spPr>
+              <a:xfrm>
+                <a:off x="7221130" y="2014760"/>
+                <a:ext cx="1496885" cy="276999"/>
+              </a:xfrm>
+              <a:prstGeom prst="rect">
+                <a:avLst/>
+              </a:prstGeom>
+              <a:blipFill rotWithShape="0">
+                <a:blip r:embed="rId8"/>
+                <a:stretch>
+                  <a:fillRect l="-3673" t="-148889" r="-5306" b="-180000"/>
+                </a:stretch>
+              </a:blipFill>
+            </p:spPr>
+            <p:txBody>
+              <a:bodyPr/>
+              <a:lstStyle/>
+              <a:p>
+                <a:r>
+                  <a:rPr lang="en-US">
+                    <a:noFill/>
+                  </a:rPr>
+                  <a:t> </a:t>
+                </a:r>
+              </a:p>
+            </p:txBody>
+          </p:sp>
+        </mc:Fallback>
+      </mc:AlternateContent>
+      <p:sp>
+        <p:nvSpPr>
+          <p:cNvPr id="32" name="TextBox 31"/>
+          <p:cNvSpPr txBox="1"/>
+          <p:nvPr/>
+        </p:nvSpPr>
+        <p:spPr>
+          <a:xfrm>
+            <a:off x="4145032" y="3681475"/>
+            <a:ext cx="989373" cy="369332"/>
+          </a:xfrm>
+          <a:prstGeom prst="rect">
+            <a:avLst/>
+          </a:prstGeom>
+          <a:noFill/>
+        </p:spPr>
+        <p:txBody>
+          <a:bodyPr wrap="none" rtlCol="0">
+            <a:spAutoFit/>
+          </a:bodyPr>
+          <a:lstStyle/>
+          <a:p>
+            <a:r>
+              <a:rPr lang="en-US" b="1" dirty="0" smtClean="0"/>
+              <a:t>2, I-out2</a:t>
+            </a:r>
+            <a:endParaRPr lang="en-US" b="1" dirty="0"/>
+          </a:p>
+        </p:txBody>
+      </p:sp>
+      <p:sp>
+        <p:nvSpPr>
+          <p:cNvPr id="33" name="TextBox 32"/>
+          <p:cNvSpPr txBox="1"/>
+          <p:nvPr/>
+        </p:nvSpPr>
+        <p:spPr>
+          <a:xfrm>
+            <a:off x="7174801" y="3484420"/>
+            <a:ext cx="2089675" cy="369332"/>
+          </a:xfrm>
+          <a:prstGeom prst="rect">
+            <a:avLst/>
+          </a:prstGeom>
+          <a:noFill/>
+        </p:spPr>
+        <p:txBody>
+          <a:bodyPr wrap="none" rtlCol="0">
+            <a:spAutoFit/>
+          </a:bodyPr>
+          <a:lstStyle/>
+          <a:p>
+            <a:r>
+              <a:rPr lang="en-US" b="1" dirty="0" smtClean="0"/>
+              <a:t>2, I-global, I-striping</a:t>
+            </a:r>
+            <a:endParaRPr lang="en-US" b="1" dirty="0"/>
+          </a:p>
+        </p:txBody>
+      </p:sp>
+      <p:sp>
+        <p:nvSpPr>
+          <p:cNvPr id="34" name="TextBox 33"/>
+          <p:cNvSpPr txBox="1"/>
+          <p:nvPr/>
+        </p:nvSpPr>
+        <p:spPr>
+          <a:xfrm>
+            <a:off x="7174801" y="2548766"/>
+            <a:ext cx="1868268" cy="369332"/>
+          </a:xfrm>
+          <a:prstGeom prst="rect">
+            <a:avLst/>
+          </a:prstGeom>
+          <a:noFill/>
+        </p:spPr>
+        <p:txBody>
+          <a:bodyPr wrap="none" rtlCol="0">
+            <a:spAutoFit/>
+          </a:bodyPr>
+          <a:lstStyle/>
+          <a:p>
+            <a:r>
+              <a:rPr lang="en-US" b="1" dirty="0" smtClean="0"/>
+              <a:t>5, I-local, I-mesh2</a:t>
+            </a:r>
+            <a:endParaRPr lang="en-US" b="1" dirty="0"/>
+          </a:p>
+        </p:txBody>
+      </p:sp>
+      <p:cxnSp>
+        <p:nvCxnSpPr>
+          <p:cNvPr id="35" name="Straight Connector 34"/>
+          <p:cNvCxnSpPr>
+            <a:stCxn id="150" idx="7"/>
+          </p:cNvCxnSpPr>
+          <p:nvPr/>
+        </p:nvCxnSpPr>
+        <p:spPr>
+          <a:xfrm flipV="1">
+            <a:off x="5250784" y="2518050"/>
+            <a:ext cx="302892" cy="516583"/>
+          </a:xfrm>
+          <a:prstGeom prst="line">
+            <a:avLst/>
+          </a:prstGeom>
+          <a:ln w="25400">
+            <a:solidFill>
+              <a:schemeClr val="tx1"/>
+            </a:solidFill>
+            <a:headEnd type="none" w="lg" len="lg"/>
+            <a:tailEnd type="stealth" w="lg" len="lg"/>
+          </a:ln>
+        </p:spPr>
+        <p:style>
+          <a:lnRef idx="1">
+            <a:schemeClr val="accent1"/>
+          </a:lnRef>
+          <a:fillRef idx="0">
+            <a:schemeClr val="accent1"/>
+          </a:fillRef>
+          <a:effectRef idx="0">
+            <a:schemeClr val="accent1"/>
+          </a:effectRef>
+          <a:fontRef idx="minor">
+            <a:schemeClr val="tx1"/>
+          </a:fontRef>
+        </p:style>
+      </p:cxnSp>
+      <p:cxnSp>
+        <p:nvCxnSpPr>
+          <p:cNvPr id="42" name="Straight Connector 41"/>
+          <p:cNvCxnSpPr>
+            <a:stCxn id="120" idx="0"/>
+          </p:cNvCxnSpPr>
+          <p:nvPr/>
+        </p:nvCxnSpPr>
+        <p:spPr>
+          <a:xfrm flipH="1" flipV="1">
+            <a:off x="5895260" y="3435381"/>
+            <a:ext cx="1" cy="444963"/>
+          </a:xfrm>
+          <a:prstGeom prst="line">
+            <a:avLst/>
+          </a:prstGeom>
+          <a:ln w="25400">
+            <a:solidFill>
+              <a:schemeClr val="tx1"/>
+            </a:solidFill>
+            <a:headEnd type="none" w="lg" len="lg"/>
+            <a:tailEnd type="stealth" w="lg" len="lg"/>
+          </a:ln>
+        </p:spPr>
+        <p:style>
+          <a:lnRef idx="1">
+            <a:schemeClr val="accent1"/>
+          </a:lnRef>
+          <a:fillRef idx="0">
+            <a:schemeClr val="accent1"/>
+          </a:fillRef>
+          <a:effectRef idx="0">
+            <a:schemeClr val="accent1"/>
+          </a:effectRef>
+          <a:fontRef idx="minor">
+            <a:schemeClr val="tx1"/>
+          </a:fontRef>
+        </p:style>
+      </p:cxnSp>
+      <p:sp>
+        <p:nvSpPr>
+          <p:cNvPr id="48" name="TextBox 47"/>
+          <p:cNvSpPr txBox="1"/>
+          <p:nvPr/>
+        </p:nvSpPr>
+        <p:spPr>
+          <a:xfrm>
+            <a:off x="5402230" y="2119957"/>
+            <a:ext cx="471114" cy="369332"/>
+          </a:xfrm>
+          <a:prstGeom prst="rect">
+            <a:avLst/>
+          </a:prstGeom>
+          <a:noFill/>
+        </p:spPr>
+        <p:txBody>
+          <a:bodyPr wrap="square" rtlCol="0">
+            <a:spAutoFit/>
+          </a:bodyPr>
+          <a:lstStyle/>
+          <a:p>
+            <a:r>
+              <a:rPr lang="is-IS" b="1" dirty="0" smtClean="0"/>
+              <a:t>...</a:t>
+            </a:r>
+            <a:endParaRPr lang="en-US" b="1" dirty="0"/>
+          </a:p>
+        </p:txBody>
+      </p:sp>
+      <p:sp>
+        <p:nvSpPr>
+          <p:cNvPr id="50" name="TextBox 49"/>
+          <p:cNvSpPr txBox="1"/>
+          <p:nvPr/>
+        </p:nvSpPr>
+        <p:spPr>
+          <a:xfrm>
+            <a:off x="5721900" y="3039553"/>
+            <a:ext cx="471114" cy="369332"/>
+          </a:xfrm>
+          <a:prstGeom prst="rect">
+            <a:avLst/>
+          </a:prstGeom>
+          <a:noFill/>
+        </p:spPr>
+        <p:txBody>
+          <a:bodyPr wrap="square" rtlCol="0">
+            <a:spAutoFit/>
+          </a:bodyPr>
+          <a:lstStyle/>
+          <a:p>
+            <a:r>
+              <a:rPr lang="is-IS" b="1" smtClean="0"/>
+              <a:t>...</a:t>
+            </a:r>
+            <a:endParaRPr lang="en-US" b="1" dirty="0"/>
+          </a:p>
+        </p:txBody>
+      </p:sp>
+      <p:cxnSp>
+        <p:nvCxnSpPr>
+          <p:cNvPr id="51" name="Straight Connector 50"/>
+          <p:cNvCxnSpPr>
+            <a:stCxn id="147" idx="1"/>
+          </p:cNvCxnSpPr>
+          <p:nvPr/>
+        </p:nvCxnSpPr>
+        <p:spPr>
+          <a:xfrm flipH="1" flipV="1">
+            <a:off x="6145277" y="2529411"/>
+            <a:ext cx="263693" cy="505221"/>
+          </a:xfrm>
+          <a:prstGeom prst="line">
+            <a:avLst/>
+          </a:prstGeom>
+          <a:ln w="25400">
+            <a:solidFill>
+              <a:schemeClr val="tx1"/>
+            </a:solidFill>
+            <a:headEnd type="none" w="lg" len="lg"/>
+            <a:tailEnd type="stealth" w="lg" len="lg"/>
+          </a:ln>
+        </p:spPr>
+        <p:style>
+          <a:lnRef idx="1">
+            <a:schemeClr val="accent1"/>
+          </a:lnRef>
+          <a:fillRef idx="0">
+            <a:schemeClr val="accent1"/>
+          </a:fillRef>
+          <a:effectRef idx="0">
+            <a:schemeClr val="accent1"/>
+          </a:effectRef>
+          <a:fontRef idx="minor">
+            <a:schemeClr val="tx1"/>
+          </a:fontRef>
+        </p:style>
+      </p:cxnSp>
+      <p:sp>
+        <p:nvSpPr>
+          <p:cNvPr id="55" name="TextBox 54"/>
+          <p:cNvSpPr txBox="1"/>
+          <p:nvPr/>
+        </p:nvSpPr>
+        <p:spPr>
+          <a:xfrm>
+            <a:off x="5908906" y="2128451"/>
+            <a:ext cx="471114" cy="369332"/>
+          </a:xfrm>
+          <a:prstGeom prst="rect">
+            <a:avLst/>
+          </a:prstGeom>
+          <a:noFill/>
+        </p:spPr>
+        <p:txBody>
+          <a:bodyPr wrap="square" rtlCol="0">
+            <a:spAutoFit/>
+          </a:bodyPr>
+          <a:lstStyle/>
+          <a:p>
+            <a:r>
+              <a:rPr lang="is-IS" b="1" dirty="0" smtClean="0"/>
+              <a:t>...</a:t>
+            </a:r>
+            <a:endParaRPr lang="en-US" b="1" dirty="0"/>
+          </a:p>
+        </p:txBody>
+      </p:sp>
+      <p:pic>
+        <p:nvPicPr>
+          <p:cNvPr id="63" name="Picture 62"/>
+          <p:cNvPicPr>
+            <a:picLocks noChangeAspect="1"/>
+          </p:cNvPicPr>
+          <p:nvPr/>
+        </p:nvPicPr>
+        <p:blipFill>
+          <a:blip r:embed="rId9" cstate="print">
+            <a:extLst>
+              <a:ext uri="{28A0092B-C50C-407E-A947-70E740481C1C}">
+                <a14:useLocalDpi xmlns:a14="http://schemas.microsoft.com/office/drawing/2010/main" val="0"/>
+              </a:ext>
+            </a:extLst>
+          </a:blip>
+          <a:stretch>
+            <a:fillRect/>
+          </a:stretch>
+        </p:blipFill>
+        <p:spPr>
+          <a:xfrm>
+            <a:off x="5908906" y="4828336"/>
+            <a:ext cx="1602935" cy="574987"/>
+          </a:xfrm>
+          <a:prstGeom prst="rect">
+            <a:avLst/>
+          </a:prstGeom>
+        </p:spPr>
+      </p:pic>
+      <p:pic>
+        <p:nvPicPr>
+          <p:cNvPr id="65" name="Picture 64"/>
+          <p:cNvPicPr>
+            <a:picLocks noChangeAspect="1"/>
+          </p:cNvPicPr>
+          <p:nvPr/>
+        </p:nvPicPr>
+        <p:blipFill>
+          <a:blip r:embed="rId10" cstate="print">
+            <a:extLst>
+              <a:ext uri="{28A0092B-C50C-407E-A947-70E740481C1C}">
+                <a14:useLocalDpi xmlns:a14="http://schemas.microsoft.com/office/drawing/2010/main" val="0"/>
+              </a:ext>
+            </a:extLst>
+          </a:blip>
+          <a:stretch>
+            <a:fillRect/>
+          </a:stretch>
+        </p:blipFill>
+        <p:spPr>
+          <a:xfrm>
+            <a:off x="4390899" y="4828337"/>
+            <a:ext cx="1471608" cy="580226"/>
+          </a:xfrm>
+          <a:prstGeom prst="rect">
+            <a:avLst/>
+          </a:prstGeom>
+        </p:spPr>
+      </p:pic>
+      <p:sp>
+        <p:nvSpPr>
+          <p:cNvPr id="68" name="TextBox 67"/>
+          <p:cNvSpPr txBox="1"/>
+          <p:nvPr/>
+        </p:nvSpPr>
+        <p:spPr>
+          <a:xfrm>
+            <a:off x="4752606" y="4998590"/>
+            <a:ext cx="675185" cy="338554"/>
+          </a:xfrm>
+          <a:prstGeom prst="rect">
+            <a:avLst/>
+          </a:prstGeom>
+          <a:noFill/>
+        </p:spPr>
+        <p:txBody>
+          <a:bodyPr wrap="none" rtlCol="0">
+            <a:spAutoFit/>
+          </a:bodyPr>
+          <a:lstStyle/>
+          <a:p>
+            <a:r>
+              <a:rPr lang="en-US" sz="1600" smtClean="0"/>
+              <a:t>(</a:t>
+            </a:r>
+            <a:r>
+              <a:rPr lang="en-US" sz="1600" smtClean="0"/>
+              <a:t>P1</a:t>
+            </a:r>
+            <a:r>
+              <a:rPr lang="en-US" sz="1600" smtClean="0"/>
+              <a:t>,0</a:t>
+            </a:r>
+            <a:r>
+              <a:rPr lang="en-US" sz="1600" dirty="0" smtClean="0"/>
+              <a:t>)</a:t>
+            </a:r>
+            <a:endParaRPr lang="en-US" sz="1600" dirty="0"/>
+          </a:p>
+        </p:txBody>
+      </p:sp>
+      <p:sp>
+        <p:nvSpPr>
+          <p:cNvPr id="69" name="TextBox 68"/>
+          <p:cNvSpPr txBox="1"/>
+          <p:nvPr/>
+        </p:nvSpPr>
+        <p:spPr>
+          <a:xfrm>
+            <a:off x="6256596" y="4998590"/>
+            <a:ext cx="675185" cy="338554"/>
+          </a:xfrm>
+          <a:prstGeom prst="rect">
+            <a:avLst/>
+          </a:prstGeom>
+          <a:noFill/>
+        </p:spPr>
+        <p:txBody>
+          <a:bodyPr wrap="none" rtlCol="0">
+            <a:spAutoFit/>
+          </a:bodyPr>
+          <a:lstStyle/>
+          <a:p>
+            <a:r>
+              <a:rPr lang="en-US" sz="1600" smtClean="0"/>
+              <a:t>(</a:t>
+            </a:r>
+            <a:r>
+              <a:rPr lang="en-US" sz="1600" smtClean="0"/>
+              <a:t>P2</a:t>
+            </a:r>
+            <a:r>
+              <a:rPr lang="en-US" sz="1600" smtClean="0"/>
+              <a:t>,0</a:t>
+            </a:r>
+            <a:r>
+              <a:rPr lang="en-US" sz="1600" dirty="0" smtClean="0"/>
+              <a:t>)</a:t>
+            </a:r>
+            <a:endParaRPr lang="en-US" sz="1600" dirty="0"/>
+          </a:p>
+        </p:txBody>
+      </p:sp>
+      <p:cxnSp>
+        <p:nvCxnSpPr>
+          <p:cNvPr id="70" name="Straight Connector 69"/>
+          <p:cNvCxnSpPr>
+            <a:stCxn id="120" idx="5"/>
+          </p:cNvCxnSpPr>
+          <p:nvPr/>
+        </p:nvCxnSpPr>
+        <p:spPr>
+          <a:xfrm>
+            <a:off x="6166168" y="4439168"/>
+            <a:ext cx="312691" cy="433915"/>
+          </a:xfrm>
+          <a:prstGeom prst="line">
+            <a:avLst/>
+          </a:prstGeom>
+          <a:ln w="25400">
+            <a:solidFill>
+              <a:schemeClr val="tx1"/>
+            </a:solidFill>
+            <a:tailEnd type="stealth" w="lg" len="lg"/>
+          </a:ln>
+        </p:spPr>
+        <p:style>
+          <a:lnRef idx="1">
+            <a:schemeClr val="accent1"/>
+          </a:lnRef>
+          <a:fillRef idx="0">
+            <a:schemeClr val="accent1"/>
+          </a:fillRef>
+          <a:effectRef idx="0">
+            <a:schemeClr val="accent1"/>
+          </a:effectRef>
+          <a:fontRef idx="minor">
+            <a:schemeClr val="tx1"/>
+          </a:fontRef>
+        </p:style>
+      </p:cxnSp>
     </p:spTree>
     <p:extLst>
       <p:ext uri="{BB962C8B-B14F-4D97-AF65-F5344CB8AC3E}">

--- a/paper/abstraction/figures/examples.pptx
+++ b/paper/abstraction/figures/examples.pptx
@@ -206,7 +206,7 @@
           <a:p>
             <a:fld id="{0CCB65A4-74BE-2E49-B697-B48CA3DADDCF}" type="datetimeFigureOut">
               <a:rPr lang="en-US" smtClean="0"/>
-              <a:t>11/5/16</a:t>
+              <a:t>11/9/16</a:t>
             </a:fld>
             <a:endParaRPr lang="en-US"/>
           </a:p>
@@ -857,7 +857,7 @@
           <a:p>
             <a:fld id="{D1C2FE12-02FD-40D2-9E73-08CF8D46514A}" type="datetimeFigureOut">
               <a:rPr lang="en-US" smtClean="0"/>
-              <a:t>11/5/16</a:t>
+              <a:t>11/9/16</a:t>
             </a:fld>
             <a:endParaRPr lang="en-US"/>
           </a:p>
@@ -1027,7 +1027,7 @@
           <a:p>
             <a:fld id="{D1C2FE12-02FD-40D2-9E73-08CF8D46514A}" type="datetimeFigureOut">
               <a:rPr lang="en-US" smtClean="0"/>
-              <a:t>11/5/16</a:t>
+              <a:t>11/9/16</a:t>
             </a:fld>
             <a:endParaRPr lang="en-US"/>
           </a:p>
@@ -1207,7 +1207,7 @@
           <a:p>
             <a:fld id="{D1C2FE12-02FD-40D2-9E73-08CF8D46514A}" type="datetimeFigureOut">
               <a:rPr lang="en-US" smtClean="0"/>
-              <a:t>11/5/16</a:t>
+              <a:t>11/9/16</a:t>
             </a:fld>
             <a:endParaRPr lang="en-US"/>
           </a:p>
@@ -1377,7 +1377,7 @@
           <a:p>
             <a:fld id="{D1C2FE12-02FD-40D2-9E73-08CF8D46514A}" type="datetimeFigureOut">
               <a:rPr lang="en-US" smtClean="0"/>
-              <a:t>11/5/16</a:t>
+              <a:t>11/9/16</a:t>
             </a:fld>
             <a:endParaRPr lang="en-US"/>
           </a:p>
@@ -1623,7 +1623,7 @@
           <a:p>
             <a:fld id="{D1C2FE12-02FD-40D2-9E73-08CF8D46514A}" type="datetimeFigureOut">
               <a:rPr lang="en-US" smtClean="0"/>
-              <a:t>11/5/16</a:t>
+              <a:t>11/9/16</a:t>
             </a:fld>
             <a:endParaRPr lang="en-US"/>
           </a:p>
@@ -1855,7 +1855,7 @@
           <a:p>
             <a:fld id="{D1C2FE12-02FD-40D2-9E73-08CF8D46514A}" type="datetimeFigureOut">
               <a:rPr lang="en-US" smtClean="0"/>
-              <a:t>11/5/16</a:t>
+              <a:t>11/9/16</a:t>
             </a:fld>
             <a:endParaRPr lang="en-US"/>
           </a:p>
@@ -2222,7 +2222,7 @@
           <a:p>
             <a:fld id="{D1C2FE12-02FD-40D2-9E73-08CF8D46514A}" type="datetimeFigureOut">
               <a:rPr lang="en-US" smtClean="0"/>
-              <a:t>11/5/16</a:t>
+              <a:t>11/9/16</a:t>
             </a:fld>
             <a:endParaRPr lang="en-US"/>
           </a:p>
@@ -2340,7 +2340,7 @@
           <a:p>
             <a:fld id="{D1C2FE12-02FD-40D2-9E73-08CF8D46514A}" type="datetimeFigureOut">
               <a:rPr lang="en-US" smtClean="0"/>
-              <a:t>11/5/16</a:t>
+              <a:t>11/9/16</a:t>
             </a:fld>
             <a:endParaRPr lang="en-US"/>
           </a:p>
@@ -2435,7 +2435,7 @@
           <a:p>
             <a:fld id="{D1C2FE12-02FD-40D2-9E73-08CF8D46514A}" type="datetimeFigureOut">
               <a:rPr lang="en-US" smtClean="0"/>
-              <a:t>11/5/16</a:t>
+              <a:t>11/9/16</a:t>
             </a:fld>
             <a:endParaRPr lang="en-US"/>
           </a:p>
@@ -2712,7 +2712,7 @@
           <a:p>
             <a:fld id="{D1C2FE12-02FD-40D2-9E73-08CF8D46514A}" type="datetimeFigureOut">
               <a:rPr lang="en-US" smtClean="0"/>
-              <a:t>11/5/16</a:t>
+              <a:t>11/9/16</a:t>
             </a:fld>
             <a:endParaRPr lang="en-US"/>
           </a:p>
@@ -2965,7 +2965,7 @@
           <a:p>
             <a:fld id="{D1C2FE12-02FD-40D2-9E73-08CF8D46514A}" type="datetimeFigureOut">
               <a:rPr lang="en-US" smtClean="0"/>
-              <a:t>11/5/16</a:t>
+              <a:t>11/9/16</a:t>
             </a:fld>
             <a:endParaRPr lang="en-US"/>
           </a:p>
@@ -3178,7 +3178,7 @@
           <a:p>
             <a:fld id="{D1C2FE12-02FD-40D2-9E73-08CF8D46514A}" type="datetimeFigureOut">
               <a:rPr lang="en-US" smtClean="0"/>
-              <a:t>11/5/16</a:t>
+              <a:t>11/9/16</a:t>
             </a:fld>
             <a:endParaRPr lang="en-US"/>
           </a:p>
@@ -7070,11 +7070,7 @@
             <a:p>
               <a:r>
                 <a:rPr lang="en-US" sz="1600" dirty="0" smtClean="0"/>
-                <a:t>(</a:t>
-              </a:r>
-              <a:r>
-                <a:rPr lang="en-US" sz="1600" dirty="0" smtClean="0"/>
-                <a:t>S,0)</a:t>
+                <a:t>(S,0)</a:t>
               </a:r>
               <a:endParaRPr lang="en-US" sz="1600" dirty="0"/>
             </a:p>
@@ -7171,11 +7167,7 @@
             <a:p>
               <a:r>
                 <a:rPr lang="en-US" sz="1600" smtClean="0"/>
-                <a:t>(</a:t>
-              </a:r>
-              <a:r>
-                <a:rPr lang="en-US" sz="1600" smtClean="0"/>
-                <a:t>AL,0)</a:t>
+                <a:t>(AL,0)</a:t>
               </a:r>
               <a:endParaRPr lang="en-US" sz="1600" dirty="0"/>
             </a:p>
@@ -7272,11 +7264,7 @@
             <a:p>
               <a:r>
                 <a:rPr lang="en-US" sz="1600" smtClean="0"/>
-                <a:t>(</a:t>
-              </a:r>
-              <a:r>
-                <a:rPr lang="en-US" sz="1600" smtClean="0"/>
-                <a:t>AG,0)</a:t>
+                <a:t>(AG,0)</a:t>
               </a:r>
               <a:endParaRPr lang="en-US" sz="1600" dirty="0"/>
             </a:p>
@@ -7413,11 +7401,7 @@
             <a:p>
               <a:r>
                 <a:rPr lang="en-US" sz="1600" smtClean="0"/>
-                <a:t>(</a:t>
-              </a:r>
-              <a:r>
-                <a:rPr lang="en-US" sz="1600" smtClean="0"/>
-                <a:t>TL,0)</a:t>
+                <a:t>(TL,0)</a:t>
               </a:r>
               <a:endParaRPr lang="en-US" sz="1600" dirty="0"/>
             </a:p>
@@ -7514,11 +7498,7 @@
             <a:p>
               <a:r>
                 <a:rPr lang="en-US" sz="1600" smtClean="0"/>
-                <a:t>(</a:t>
-              </a:r>
-              <a:r>
-                <a:rPr lang="en-US" sz="1600" smtClean="0"/>
-                <a:t>TG,0)</a:t>
+                <a:t>(TG,0)</a:t>
               </a:r>
               <a:endParaRPr lang="en-US" sz="1600" dirty="0"/>
             </a:p>
@@ -7683,8 +7663,8 @@
           </a:fontRef>
         </p:style>
       </p:cxnSp>
-      <mc:AlternateContent xmlns:mc="http://schemas.openxmlformats.org/markup-compatibility/2006">
-        <mc:Choice xmlns:a14="http://schemas.microsoft.com/office/drawing/2010/main" Requires="a14">
+      <mc:AlternateContent xmlns:mc="http://schemas.openxmlformats.org/markup-compatibility/2006" xmlns:a14="http://schemas.microsoft.com/office/drawing/2010/main">
+        <mc:Choice Requires="a14">
           <p:sp>
             <p:nvSpPr>
               <p:cNvPr id="93" name="TextBox 92"/>
@@ -7784,7 +7764,7 @@
             </p:txBody>
           </p:sp>
         </mc:Choice>
-        <mc:Fallback>
+        <mc:Fallback xmlns="">
           <p:sp>
             <p:nvSpPr>
               <p:cNvPr id="93" name="TextBox 92"/>
@@ -7823,8 +7803,8 @@
           </p:sp>
         </mc:Fallback>
       </mc:AlternateContent>
-      <mc:AlternateContent xmlns:mc="http://schemas.openxmlformats.org/markup-compatibility/2006">
-        <mc:Choice xmlns:a14="http://schemas.microsoft.com/office/drawing/2010/main" Requires="a14">
+      <mc:AlternateContent xmlns:mc="http://schemas.openxmlformats.org/markup-compatibility/2006" xmlns:a14="http://schemas.microsoft.com/office/drawing/2010/main">
+        <mc:Choice Requires="a14">
           <p:sp>
             <p:nvSpPr>
               <p:cNvPr id="94" name="TextBox 93"/>
@@ -7924,7 +7904,7 @@
             </p:txBody>
           </p:sp>
         </mc:Choice>
-        <mc:Fallback>
+        <mc:Fallback xmlns="">
           <p:sp>
             <p:nvSpPr>
               <p:cNvPr id="94" name="TextBox 93"/>
@@ -7963,8 +7943,8 @@
           </p:sp>
         </mc:Fallback>
       </mc:AlternateContent>
-      <mc:AlternateContent xmlns:mc="http://schemas.openxmlformats.org/markup-compatibility/2006">
-        <mc:Choice xmlns:a14="http://schemas.microsoft.com/office/drawing/2010/main" Requires="a14">
+      <mc:AlternateContent xmlns:mc="http://schemas.openxmlformats.org/markup-compatibility/2006" xmlns:a14="http://schemas.microsoft.com/office/drawing/2010/main">
+        <mc:Choice Requires="a14">
           <p:sp>
             <p:nvSpPr>
               <p:cNvPr id="95" name="TextBox 94"/>
@@ -8039,7 +8019,7 @@
             </p:txBody>
           </p:sp>
         </mc:Choice>
-        <mc:Fallback>
+        <mc:Fallback xmlns="">
           <p:sp>
             <p:nvSpPr>
               <p:cNvPr id="95" name="TextBox 94"/>
@@ -8142,8 +8122,8 @@
           </a:p>
         </p:txBody>
       </p:sp>
-      <mc:AlternateContent xmlns:mc="http://schemas.openxmlformats.org/markup-compatibility/2006">
-        <mc:Choice xmlns:a14="http://schemas.microsoft.com/office/drawing/2010/main" Requires="a14">
+      <mc:AlternateContent xmlns:mc="http://schemas.openxmlformats.org/markup-compatibility/2006" xmlns:a14="http://schemas.microsoft.com/office/drawing/2010/main">
+        <mc:Choice Requires="a14">
           <p:sp>
             <p:nvSpPr>
               <p:cNvPr id="107" name="TextBox 106"/>
@@ -8218,7 +8198,7 @@
             </p:txBody>
           </p:sp>
         </mc:Choice>
-        <mc:Fallback>
+        <mc:Fallback xmlns="">
           <p:sp>
             <p:nvSpPr>
               <p:cNvPr id="107" name="TextBox 106"/>
@@ -8257,8 +8237,8 @@
           </p:sp>
         </mc:Fallback>
       </mc:AlternateContent>
-      <mc:AlternateContent xmlns:mc="http://schemas.openxmlformats.org/markup-compatibility/2006">
-        <mc:Choice xmlns:a14="http://schemas.microsoft.com/office/drawing/2010/main" Requires="a14">
+      <mc:AlternateContent xmlns:mc="http://schemas.openxmlformats.org/markup-compatibility/2006" xmlns:a14="http://schemas.microsoft.com/office/drawing/2010/main">
+        <mc:Choice Requires="a14">
           <p:sp>
             <p:nvSpPr>
               <p:cNvPr id="30" name="TextBox 29"/>
@@ -8358,7 +8338,7 @@
             </p:txBody>
           </p:sp>
         </mc:Choice>
-        <mc:Fallback>
+        <mc:Fallback xmlns="">
           <p:sp>
             <p:nvSpPr>
               <p:cNvPr id="30" name="TextBox 29"/>
@@ -8397,8 +8377,8 @@
           </p:sp>
         </mc:Fallback>
       </mc:AlternateContent>
-      <mc:AlternateContent xmlns:mc="http://schemas.openxmlformats.org/markup-compatibility/2006">
-        <mc:Choice xmlns:a14="http://schemas.microsoft.com/office/drawing/2010/main" Requires="a14">
+      <mc:AlternateContent xmlns:mc="http://schemas.openxmlformats.org/markup-compatibility/2006" xmlns:a14="http://schemas.microsoft.com/office/drawing/2010/main">
+        <mc:Choice Requires="a14">
           <p:sp>
             <p:nvSpPr>
               <p:cNvPr id="31" name="TextBox 30"/>
@@ -8498,7 +8478,7 @@
             </p:txBody>
           </p:sp>
         </mc:Choice>
-        <mc:Fallback>
+        <mc:Fallback xmlns="">
           <p:sp>
             <p:nvSpPr>
               <p:cNvPr id="31" name="TextBox 30"/>
@@ -8918,15 +8898,7 @@
           <a:p>
             <a:r>
               <a:rPr lang="en-US" sz="1600" smtClean="0"/>
-              <a:t>(</a:t>
-            </a:r>
-            <a:r>
-              <a:rPr lang="en-US" sz="1600" smtClean="0"/>
-              <a:t>P1</a:t>
-            </a:r>
-            <a:r>
-              <a:rPr lang="en-US" sz="1600" smtClean="0"/>
-              <a:t>,0</a:t>
+              <a:t>(P1,0</a:t>
             </a:r>
             <a:r>
               <a:rPr lang="en-US" sz="1600" dirty="0" smtClean="0"/>
@@ -8960,15 +8932,7 @@
           <a:p>
             <a:r>
               <a:rPr lang="en-US" sz="1600" smtClean="0"/>
-              <a:t>(</a:t>
-            </a:r>
-            <a:r>
-              <a:rPr lang="en-US" sz="1600" smtClean="0"/>
-              <a:t>P2</a:t>
-            </a:r>
-            <a:r>
-              <a:rPr lang="en-US" sz="1600" smtClean="0"/>
-              <a:t>,0</a:t>
+              <a:t>(P2,0</a:t>
             </a:r>
             <a:r>
               <a:rPr lang="en-US" sz="1600" dirty="0" smtClean="0"/>
@@ -24948,90 +24912,30 @@
           <a:chExt cx="0" cy="0"/>
         </a:xfrm>
       </p:grpSpPr>
-      <p:sp>
-        <p:nvSpPr>
-          <p:cNvPr id="2" name="Oval 1"/>
-          <p:cNvSpPr/>
-          <p:nvPr/>
-        </p:nvSpPr>
-        <p:spPr>
-          <a:xfrm>
-            <a:off x="4625393" y="527983"/>
-            <a:ext cx="889686" cy="481914"/>
-          </a:xfrm>
-          <a:prstGeom prst="ellipse">
-            <a:avLst/>
-          </a:prstGeom>
-          <a:solidFill>
-            <a:schemeClr val="bg2"/>
-          </a:solidFill>
-          <a:ln>
-            <a:solidFill>
-              <a:schemeClr val="tx1"/>
-            </a:solidFill>
-          </a:ln>
-        </p:spPr>
-        <p:style>
-          <a:lnRef idx="2">
-            <a:schemeClr val="accent1">
-              <a:shade val="50000"/>
-            </a:schemeClr>
-          </a:lnRef>
-          <a:fillRef idx="1">
-            <a:schemeClr val="accent1"/>
-          </a:fillRef>
-          <a:effectRef idx="0">
-            <a:schemeClr val="accent1"/>
-          </a:effectRef>
-          <a:fontRef idx="minor">
-            <a:schemeClr val="lt1"/>
-          </a:fontRef>
-        </p:style>
-        <p:txBody>
-          <a:bodyPr rtlCol="0" anchor="ctr"/>
-          <a:lstStyle/>
-          <a:p>
-            <a:pPr algn="ctr"/>
-            <a:r>
-              <a:rPr lang="en-US" dirty="0" smtClean="0">
-                <a:solidFill>
-                  <a:schemeClr val="tx1"/>
-                </a:solidFill>
-              </a:rPr>
-              <a:t>Start</a:t>
-            </a:r>
-            <a:endParaRPr lang="en-US" dirty="0">
-              <a:solidFill>
-                <a:schemeClr val="tx1"/>
-              </a:solidFill>
-            </a:endParaRPr>
-          </a:p>
-        </p:txBody>
-      </p:sp>
       <p:grpSp>
         <p:nvGrpSpPr>
-          <p:cNvPr id="5" name="Group 4"/>
+          <p:cNvPr id="3" name="Group 2"/>
           <p:cNvGrpSpPr/>
           <p:nvPr/>
         </p:nvGrpSpPr>
         <p:grpSpPr>
           <a:xfrm>
-            <a:off x="1402808" y="2713940"/>
-            <a:ext cx="819455" cy="654703"/>
-            <a:chOff x="6847409" y="1656010"/>
-            <a:chExt cx="819455" cy="654703"/>
+            <a:off x="798443" y="527983"/>
+            <a:ext cx="8631739" cy="5191709"/>
+            <a:chOff x="798443" y="527983"/>
+            <a:chExt cx="8631739" cy="5191709"/>
           </a:xfrm>
         </p:grpSpPr>
         <p:sp>
           <p:nvSpPr>
-            <p:cNvPr id="89" name="Oval 88"/>
+            <p:cNvPr id="2" name="Oval 1"/>
             <p:cNvSpPr/>
             <p:nvPr/>
           </p:nvSpPr>
           <p:spPr>
             <a:xfrm>
-              <a:off x="6874016" y="1656010"/>
-              <a:ext cx="766243" cy="654703"/>
+              <a:off x="4625393" y="527983"/>
+              <a:ext cx="889686" cy="481914"/>
             </a:xfrm>
             <a:prstGeom prst="ellipse">
               <a:avLst/>
@@ -25066,6 +24970,14 @@
             <a:lstStyle/>
             <a:p>
               <a:pPr algn="ctr"/>
+              <a:r>
+                <a:rPr lang="en-US" dirty="0" smtClean="0">
+                  <a:solidFill>
+                    <a:schemeClr val="tx1"/>
+                  </a:solidFill>
+                </a:rPr>
+                <a:t>Start</a:t>
+              </a:r>
               <a:endParaRPr lang="en-US" dirty="0">
                 <a:solidFill>
                   <a:schemeClr val="tx1"/>
@@ -25074,3475 +24986,30 @@
             </a:p>
           </p:txBody>
         </p:sp>
-        <p:sp>
-          <p:nvSpPr>
-            <p:cNvPr id="4" name="TextBox 3"/>
-            <p:cNvSpPr txBox="1"/>
-            <p:nvPr/>
-          </p:nvSpPr>
-          <p:spPr>
-            <a:xfrm>
-              <a:off x="6847409" y="1814084"/>
-              <a:ext cx="819455" cy="338554"/>
-            </a:xfrm>
-            <a:prstGeom prst="rect">
-              <a:avLst/>
-            </a:prstGeom>
-            <a:noFill/>
-          </p:spPr>
-          <p:txBody>
-            <a:bodyPr wrap="none" rtlCol="0">
-              <a:spAutoFit/>
-            </a:bodyPr>
-            <a:lstStyle/>
-            <a:p>
-              <a:r>
-                <a:rPr lang="en-US" sz="1600" dirty="0" smtClean="0"/>
-                <a:t>(S1,1,0)</a:t>
-              </a:r>
-              <a:endParaRPr lang="en-US" sz="1600" dirty="0"/>
-            </a:p>
-          </p:txBody>
-        </p:sp>
-      </p:grpSp>
-      <p:grpSp>
-        <p:nvGrpSpPr>
-          <p:cNvPr id="90" name="Group 89"/>
-          <p:cNvGrpSpPr/>
-          <p:nvPr/>
-        </p:nvGrpSpPr>
-        <p:grpSpPr>
-          <a:xfrm>
-            <a:off x="2478106" y="1812496"/>
-            <a:ext cx="830677" cy="654703"/>
-            <a:chOff x="6847409" y="1656010"/>
-            <a:chExt cx="830677" cy="654703"/>
-          </a:xfrm>
-        </p:grpSpPr>
-        <p:sp>
-          <p:nvSpPr>
-            <p:cNvPr id="91" name="Oval 90"/>
-            <p:cNvSpPr/>
-            <p:nvPr/>
-          </p:nvSpPr>
-          <p:spPr>
-            <a:xfrm>
-              <a:off x="6874016" y="1656010"/>
-              <a:ext cx="766243" cy="654703"/>
-            </a:xfrm>
-            <a:prstGeom prst="ellipse">
-              <a:avLst/>
-            </a:prstGeom>
-            <a:solidFill>
-              <a:schemeClr val="bg2"/>
-            </a:solidFill>
-            <a:ln>
-              <a:solidFill>
-                <a:schemeClr val="tx1"/>
-              </a:solidFill>
-            </a:ln>
-          </p:spPr>
-          <p:style>
-            <a:lnRef idx="2">
-              <a:schemeClr val="accent1">
-                <a:shade val="50000"/>
-              </a:schemeClr>
-            </a:lnRef>
-            <a:fillRef idx="1">
-              <a:schemeClr val="accent1"/>
-            </a:fillRef>
-            <a:effectRef idx="0">
-              <a:schemeClr val="accent1"/>
-            </a:effectRef>
-            <a:fontRef idx="minor">
-              <a:schemeClr val="lt1"/>
-            </a:fontRef>
-          </p:style>
-          <p:txBody>
-            <a:bodyPr rtlCol="0" anchor="ctr"/>
-            <a:lstStyle/>
-            <a:p>
-              <a:pPr algn="ctr"/>
-              <a:endParaRPr lang="en-US" dirty="0">
-                <a:solidFill>
-                  <a:schemeClr val="tx1"/>
-                </a:solidFill>
-              </a:endParaRPr>
-            </a:p>
-          </p:txBody>
-        </p:sp>
-        <p:sp>
-          <p:nvSpPr>
-            <p:cNvPr id="92" name="TextBox 91"/>
-            <p:cNvSpPr txBox="1"/>
-            <p:nvPr/>
-          </p:nvSpPr>
-          <p:spPr>
-            <a:xfrm>
-              <a:off x="6847409" y="1814084"/>
-              <a:ext cx="830677" cy="338554"/>
-            </a:xfrm>
-            <a:prstGeom prst="rect">
-              <a:avLst/>
-            </a:prstGeom>
-            <a:noFill/>
-          </p:spPr>
-          <p:txBody>
-            <a:bodyPr wrap="none" rtlCol="0">
-              <a:spAutoFit/>
-            </a:bodyPr>
-            <a:lstStyle/>
-            <a:p>
-              <a:r>
-                <a:rPr lang="en-US" sz="1600" dirty="0" smtClean="0"/>
-                <a:t>(P1,0,0)</a:t>
-              </a:r>
-              <a:endParaRPr lang="en-US" sz="1600" dirty="0"/>
-            </a:p>
-          </p:txBody>
-        </p:sp>
-      </p:grpSp>
-      <p:grpSp>
-        <p:nvGrpSpPr>
-          <p:cNvPr id="99" name="Group 98"/>
-          <p:cNvGrpSpPr/>
-          <p:nvPr/>
-        </p:nvGrpSpPr>
-        <p:grpSpPr>
-          <a:xfrm>
-            <a:off x="3471014" y="2713940"/>
-            <a:ext cx="819455" cy="654703"/>
-            <a:chOff x="6847409" y="1656010"/>
-            <a:chExt cx="819455" cy="654703"/>
-          </a:xfrm>
-        </p:grpSpPr>
-        <p:sp>
-          <p:nvSpPr>
-            <p:cNvPr id="101" name="Oval 100"/>
-            <p:cNvSpPr/>
-            <p:nvPr/>
-          </p:nvSpPr>
-          <p:spPr>
-            <a:xfrm>
-              <a:off x="6874016" y="1656010"/>
-              <a:ext cx="766243" cy="654703"/>
-            </a:xfrm>
-            <a:prstGeom prst="ellipse">
-              <a:avLst/>
-            </a:prstGeom>
-            <a:solidFill>
-              <a:schemeClr val="bg2"/>
-            </a:solidFill>
-            <a:ln>
-              <a:solidFill>
-                <a:schemeClr val="tx1"/>
-              </a:solidFill>
-            </a:ln>
-          </p:spPr>
-          <p:style>
-            <a:lnRef idx="2">
-              <a:schemeClr val="accent1">
-                <a:shade val="50000"/>
-              </a:schemeClr>
-            </a:lnRef>
-            <a:fillRef idx="1">
-              <a:schemeClr val="accent1"/>
-            </a:fillRef>
-            <a:effectRef idx="0">
-              <a:schemeClr val="accent1"/>
-            </a:effectRef>
-            <a:fontRef idx="minor">
-              <a:schemeClr val="lt1"/>
-            </a:fontRef>
-          </p:style>
-          <p:txBody>
-            <a:bodyPr rtlCol="0" anchor="ctr"/>
-            <a:lstStyle/>
-            <a:p>
-              <a:pPr algn="ctr"/>
-              <a:endParaRPr lang="en-US" dirty="0">
-                <a:solidFill>
-                  <a:schemeClr val="tx1"/>
-                </a:solidFill>
-              </a:endParaRPr>
-            </a:p>
-          </p:txBody>
-        </p:sp>
-        <p:sp>
-          <p:nvSpPr>
-            <p:cNvPr id="102" name="TextBox 101"/>
-            <p:cNvSpPr txBox="1"/>
-            <p:nvPr/>
-          </p:nvSpPr>
-          <p:spPr>
-            <a:xfrm>
-              <a:off x="6847409" y="1814084"/>
-              <a:ext cx="819455" cy="338554"/>
-            </a:xfrm>
-            <a:prstGeom prst="rect">
-              <a:avLst/>
-            </a:prstGeom>
-            <a:noFill/>
-          </p:spPr>
-          <p:txBody>
-            <a:bodyPr wrap="none" rtlCol="0">
-              <a:spAutoFit/>
-            </a:bodyPr>
-            <a:lstStyle/>
-            <a:p>
-              <a:r>
-                <a:rPr lang="en-US" sz="1600" dirty="0" smtClean="0"/>
-                <a:t>(S2,1,0)</a:t>
-              </a:r>
-              <a:endParaRPr lang="en-US" sz="1600" dirty="0"/>
-            </a:p>
-          </p:txBody>
-        </p:sp>
-      </p:grpSp>
-      <p:grpSp>
-        <p:nvGrpSpPr>
-          <p:cNvPr id="123" name="Group 122"/>
-          <p:cNvGrpSpPr/>
-          <p:nvPr/>
-        </p:nvGrpSpPr>
-        <p:grpSpPr>
-          <a:xfrm>
-            <a:off x="2977814" y="3893571"/>
-            <a:ext cx="843501" cy="654703"/>
-            <a:chOff x="6847409" y="1656010"/>
-            <a:chExt cx="843501" cy="654703"/>
-          </a:xfrm>
-        </p:grpSpPr>
-        <p:sp>
-          <p:nvSpPr>
-            <p:cNvPr id="124" name="Oval 123"/>
-            <p:cNvSpPr/>
-            <p:nvPr/>
-          </p:nvSpPr>
-          <p:spPr>
-            <a:xfrm>
-              <a:off x="6874016" y="1656010"/>
-              <a:ext cx="766243" cy="654703"/>
-            </a:xfrm>
-            <a:prstGeom prst="ellipse">
-              <a:avLst/>
-            </a:prstGeom>
-            <a:solidFill>
-              <a:schemeClr val="bg2"/>
-            </a:solidFill>
-            <a:ln>
-              <a:solidFill>
-                <a:schemeClr val="tx1"/>
-              </a:solidFill>
-            </a:ln>
-          </p:spPr>
-          <p:style>
-            <a:lnRef idx="2">
-              <a:schemeClr val="accent1">
-                <a:shade val="50000"/>
-              </a:schemeClr>
-            </a:lnRef>
-            <a:fillRef idx="1">
-              <a:schemeClr val="accent1"/>
-            </a:fillRef>
-            <a:effectRef idx="0">
-              <a:schemeClr val="accent1"/>
-            </a:effectRef>
-            <a:fontRef idx="minor">
-              <a:schemeClr val="lt1"/>
-            </a:fontRef>
-          </p:style>
-          <p:txBody>
-            <a:bodyPr rtlCol="0" anchor="ctr"/>
-            <a:lstStyle/>
-            <a:p>
-              <a:pPr algn="ctr"/>
-              <a:endParaRPr lang="en-US" dirty="0">
-                <a:solidFill>
-                  <a:schemeClr val="tx1"/>
-                </a:solidFill>
-              </a:endParaRPr>
-            </a:p>
-          </p:txBody>
-        </p:sp>
-        <p:sp>
-          <p:nvSpPr>
-            <p:cNvPr id="125" name="TextBox 124"/>
-            <p:cNvSpPr txBox="1"/>
-            <p:nvPr/>
-          </p:nvSpPr>
-          <p:spPr>
-            <a:xfrm>
-              <a:off x="6847409" y="1814084"/>
-              <a:ext cx="843501" cy="338554"/>
-            </a:xfrm>
-            <a:prstGeom prst="rect">
-              <a:avLst/>
-            </a:prstGeom>
-            <a:noFill/>
-          </p:spPr>
-          <p:txBody>
-            <a:bodyPr wrap="none" rtlCol="0">
-              <a:spAutoFit/>
-            </a:bodyPr>
-            <a:lstStyle/>
-            <a:p>
-              <a:r>
-                <a:rPr lang="en-US" sz="1600" dirty="0" smtClean="0"/>
-                <a:t>(A3,1,0)</a:t>
-              </a:r>
-              <a:endParaRPr lang="en-US" sz="1600" dirty="0"/>
-            </a:p>
-          </p:txBody>
-        </p:sp>
-      </p:grpSp>
-      <p:grpSp>
-        <p:nvGrpSpPr>
-          <p:cNvPr id="126" name="Group 125"/>
-          <p:cNvGrpSpPr/>
-          <p:nvPr/>
-        </p:nvGrpSpPr>
-        <p:grpSpPr>
-          <a:xfrm>
-            <a:off x="4020222" y="3895227"/>
-            <a:ext cx="843501" cy="654703"/>
-            <a:chOff x="6847409" y="1656010"/>
-            <a:chExt cx="843501" cy="654703"/>
-          </a:xfrm>
-        </p:grpSpPr>
-        <p:sp>
-          <p:nvSpPr>
-            <p:cNvPr id="127" name="Oval 126"/>
-            <p:cNvSpPr/>
-            <p:nvPr/>
-          </p:nvSpPr>
-          <p:spPr>
-            <a:xfrm>
-              <a:off x="6874016" y="1656010"/>
-              <a:ext cx="766243" cy="654703"/>
-            </a:xfrm>
-            <a:prstGeom prst="ellipse">
-              <a:avLst/>
-            </a:prstGeom>
-            <a:solidFill>
-              <a:schemeClr val="bg2"/>
-            </a:solidFill>
-            <a:ln>
-              <a:solidFill>
-                <a:schemeClr val="tx1"/>
-              </a:solidFill>
-            </a:ln>
-          </p:spPr>
-          <p:style>
-            <a:lnRef idx="2">
-              <a:schemeClr val="accent1">
-                <a:shade val="50000"/>
-              </a:schemeClr>
-            </a:lnRef>
-            <a:fillRef idx="1">
-              <a:schemeClr val="accent1"/>
-            </a:fillRef>
-            <a:effectRef idx="0">
-              <a:schemeClr val="accent1"/>
-            </a:effectRef>
-            <a:fontRef idx="minor">
-              <a:schemeClr val="lt1"/>
-            </a:fontRef>
-          </p:style>
-          <p:txBody>
-            <a:bodyPr rtlCol="0" anchor="ctr"/>
-            <a:lstStyle/>
-            <a:p>
-              <a:pPr algn="ctr"/>
-              <a:endParaRPr lang="en-US" dirty="0">
-                <a:solidFill>
-                  <a:schemeClr val="tx1"/>
-                </a:solidFill>
-              </a:endParaRPr>
-            </a:p>
-          </p:txBody>
-        </p:sp>
-        <p:sp>
-          <p:nvSpPr>
-            <p:cNvPr id="128" name="TextBox 127"/>
-            <p:cNvSpPr txBox="1"/>
-            <p:nvPr/>
-          </p:nvSpPr>
-          <p:spPr>
-            <a:xfrm>
-              <a:off x="6847409" y="1814084"/>
-              <a:ext cx="843501" cy="338554"/>
-            </a:xfrm>
-            <a:prstGeom prst="rect">
-              <a:avLst/>
-            </a:prstGeom>
-            <a:noFill/>
-          </p:spPr>
-          <p:txBody>
-            <a:bodyPr wrap="none" rtlCol="0">
-              <a:spAutoFit/>
-            </a:bodyPr>
-            <a:lstStyle/>
-            <a:p>
-              <a:r>
-                <a:rPr lang="en-US" sz="1600" dirty="0" smtClean="0"/>
-                <a:t>(A4,1,0)</a:t>
-              </a:r>
-              <a:endParaRPr lang="en-US" sz="1600" dirty="0"/>
-            </a:p>
-          </p:txBody>
-        </p:sp>
-      </p:grpSp>
-      <p:grpSp>
-        <p:nvGrpSpPr>
-          <p:cNvPr id="129" name="Group 128"/>
-          <p:cNvGrpSpPr/>
-          <p:nvPr/>
-        </p:nvGrpSpPr>
-        <p:grpSpPr>
-          <a:xfrm>
-            <a:off x="798443" y="3897122"/>
-            <a:ext cx="843501" cy="654703"/>
-            <a:chOff x="6847409" y="1656010"/>
-            <a:chExt cx="843501" cy="654703"/>
-          </a:xfrm>
-        </p:grpSpPr>
-        <p:sp>
-          <p:nvSpPr>
-            <p:cNvPr id="130" name="Oval 129"/>
-            <p:cNvSpPr/>
-            <p:nvPr/>
-          </p:nvSpPr>
-          <p:spPr>
-            <a:xfrm>
-              <a:off x="6874016" y="1656010"/>
-              <a:ext cx="766243" cy="654703"/>
-            </a:xfrm>
-            <a:prstGeom prst="ellipse">
-              <a:avLst/>
-            </a:prstGeom>
-            <a:solidFill>
-              <a:schemeClr val="bg2"/>
-            </a:solidFill>
-            <a:ln>
-              <a:solidFill>
-                <a:schemeClr val="tx1"/>
-              </a:solidFill>
-            </a:ln>
-          </p:spPr>
-          <p:style>
-            <a:lnRef idx="2">
-              <a:schemeClr val="accent1">
-                <a:shade val="50000"/>
-              </a:schemeClr>
-            </a:lnRef>
-            <a:fillRef idx="1">
-              <a:schemeClr val="accent1"/>
-            </a:fillRef>
-            <a:effectRef idx="0">
-              <a:schemeClr val="accent1"/>
-            </a:effectRef>
-            <a:fontRef idx="minor">
-              <a:schemeClr val="lt1"/>
-            </a:fontRef>
-          </p:style>
-          <p:txBody>
-            <a:bodyPr rtlCol="0" anchor="ctr"/>
-            <a:lstStyle/>
-            <a:p>
-              <a:pPr algn="ctr"/>
-              <a:endParaRPr lang="en-US" dirty="0">
-                <a:solidFill>
-                  <a:schemeClr val="tx1"/>
-                </a:solidFill>
-              </a:endParaRPr>
-            </a:p>
-          </p:txBody>
-        </p:sp>
-        <p:sp>
-          <p:nvSpPr>
-            <p:cNvPr id="131" name="TextBox 130"/>
-            <p:cNvSpPr txBox="1"/>
-            <p:nvPr/>
-          </p:nvSpPr>
-          <p:spPr>
-            <a:xfrm>
-              <a:off x="6847409" y="1814084"/>
-              <a:ext cx="843501" cy="338554"/>
-            </a:xfrm>
-            <a:prstGeom prst="rect">
-              <a:avLst/>
-            </a:prstGeom>
-            <a:noFill/>
-          </p:spPr>
-          <p:txBody>
-            <a:bodyPr wrap="none" rtlCol="0">
-              <a:spAutoFit/>
-            </a:bodyPr>
-            <a:lstStyle/>
-            <a:p>
-              <a:r>
-                <a:rPr lang="en-US" sz="1600" dirty="0" smtClean="0"/>
-                <a:t>(A1,1,0)</a:t>
-              </a:r>
-              <a:endParaRPr lang="en-US" sz="1600" dirty="0"/>
-            </a:p>
-          </p:txBody>
-        </p:sp>
-      </p:grpSp>
-      <p:grpSp>
-        <p:nvGrpSpPr>
-          <p:cNvPr id="132" name="Group 131"/>
-          <p:cNvGrpSpPr/>
-          <p:nvPr/>
-        </p:nvGrpSpPr>
-        <p:grpSpPr>
-          <a:xfrm>
-            <a:off x="1893005" y="3893571"/>
-            <a:ext cx="843501" cy="654703"/>
-            <a:chOff x="6847409" y="1656010"/>
-            <a:chExt cx="843501" cy="654703"/>
-          </a:xfrm>
-        </p:grpSpPr>
-        <p:sp>
-          <p:nvSpPr>
-            <p:cNvPr id="133" name="Oval 132"/>
-            <p:cNvSpPr/>
-            <p:nvPr/>
-          </p:nvSpPr>
-          <p:spPr>
-            <a:xfrm>
-              <a:off x="6874016" y="1656010"/>
-              <a:ext cx="766243" cy="654703"/>
-            </a:xfrm>
-            <a:prstGeom prst="ellipse">
-              <a:avLst/>
-            </a:prstGeom>
-            <a:solidFill>
-              <a:schemeClr val="bg2"/>
-            </a:solidFill>
-            <a:ln>
-              <a:solidFill>
-                <a:schemeClr val="tx1"/>
-              </a:solidFill>
-            </a:ln>
-          </p:spPr>
-          <p:style>
-            <a:lnRef idx="2">
-              <a:schemeClr val="accent1">
-                <a:shade val="50000"/>
-              </a:schemeClr>
-            </a:lnRef>
-            <a:fillRef idx="1">
-              <a:schemeClr val="accent1"/>
-            </a:fillRef>
-            <a:effectRef idx="0">
-              <a:schemeClr val="accent1"/>
-            </a:effectRef>
-            <a:fontRef idx="minor">
-              <a:schemeClr val="lt1"/>
-            </a:fontRef>
-          </p:style>
-          <p:txBody>
-            <a:bodyPr rtlCol="0" anchor="ctr"/>
-            <a:lstStyle/>
-            <a:p>
-              <a:pPr algn="ctr"/>
-              <a:endParaRPr lang="en-US" dirty="0">
-                <a:solidFill>
-                  <a:schemeClr val="tx1"/>
-                </a:solidFill>
-              </a:endParaRPr>
-            </a:p>
-          </p:txBody>
-        </p:sp>
-        <p:sp>
-          <p:nvSpPr>
-            <p:cNvPr id="134" name="TextBox 133"/>
-            <p:cNvSpPr txBox="1"/>
-            <p:nvPr/>
-          </p:nvSpPr>
-          <p:spPr>
-            <a:xfrm>
-              <a:off x="6847409" y="1814084"/>
-              <a:ext cx="843501" cy="338554"/>
-            </a:xfrm>
-            <a:prstGeom prst="rect">
-              <a:avLst/>
-            </a:prstGeom>
-            <a:noFill/>
-          </p:spPr>
-          <p:txBody>
-            <a:bodyPr wrap="none" rtlCol="0">
-              <a:spAutoFit/>
-            </a:bodyPr>
-            <a:lstStyle/>
-            <a:p>
-              <a:r>
-                <a:rPr lang="en-US" sz="1600" dirty="0" smtClean="0"/>
-                <a:t>(A2,1,0)</a:t>
-              </a:r>
-              <a:endParaRPr lang="en-US" sz="1600" dirty="0"/>
-            </a:p>
-          </p:txBody>
-        </p:sp>
-      </p:grpSp>
-      <p:grpSp>
-        <p:nvGrpSpPr>
-          <p:cNvPr id="135" name="Group 134"/>
-          <p:cNvGrpSpPr/>
-          <p:nvPr/>
-        </p:nvGrpSpPr>
-        <p:grpSpPr>
-          <a:xfrm>
-            <a:off x="808909" y="5052636"/>
-            <a:ext cx="824265" cy="654703"/>
-            <a:chOff x="6847409" y="1656010"/>
-            <a:chExt cx="824265" cy="654703"/>
-          </a:xfrm>
-        </p:grpSpPr>
-        <p:sp>
-          <p:nvSpPr>
-            <p:cNvPr id="136" name="Oval 135"/>
-            <p:cNvSpPr/>
-            <p:nvPr/>
-          </p:nvSpPr>
-          <p:spPr>
-            <a:xfrm>
-              <a:off x="6874016" y="1656010"/>
-              <a:ext cx="766243" cy="654703"/>
-            </a:xfrm>
-            <a:prstGeom prst="ellipse">
-              <a:avLst/>
-            </a:prstGeom>
-            <a:solidFill>
-              <a:schemeClr val="bg2"/>
-            </a:solidFill>
-            <a:ln>
-              <a:solidFill>
-                <a:schemeClr val="tx1"/>
-              </a:solidFill>
-            </a:ln>
-          </p:spPr>
-          <p:style>
-            <a:lnRef idx="2">
-              <a:schemeClr val="accent1">
-                <a:shade val="50000"/>
-              </a:schemeClr>
-            </a:lnRef>
-            <a:fillRef idx="1">
-              <a:schemeClr val="accent1"/>
-            </a:fillRef>
-            <a:effectRef idx="0">
-              <a:schemeClr val="accent1"/>
-            </a:effectRef>
-            <a:fontRef idx="minor">
-              <a:schemeClr val="lt1"/>
-            </a:fontRef>
-          </p:style>
-          <p:txBody>
-            <a:bodyPr rtlCol="0" anchor="ctr"/>
-            <a:lstStyle/>
-            <a:p>
-              <a:pPr algn="ctr"/>
-              <a:endParaRPr lang="en-US" dirty="0">
-                <a:solidFill>
-                  <a:schemeClr val="tx1"/>
-                </a:solidFill>
-              </a:endParaRPr>
-            </a:p>
-          </p:txBody>
-        </p:sp>
-        <p:sp>
-          <p:nvSpPr>
-            <p:cNvPr id="137" name="TextBox 136"/>
-            <p:cNvSpPr txBox="1"/>
-            <p:nvPr/>
-          </p:nvSpPr>
-          <p:spPr>
-            <a:xfrm>
-              <a:off x="6847409" y="1814084"/>
-              <a:ext cx="824265" cy="338554"/>
-            </a:xfrm>
-            <a:prstGeom prst="rect">
-              <a:avLst/>
-            </a:prstGeom>
-            <a:noFill/>
-          </p:spPr>
-          <p:txBody>
-            <a:bodyPr wrap="none" rtlCol="0">
-              <a:spAutoFit/>
-            </a:bodyPr>
-            <a:lstStyle/>
-            <a:p>
-              <a:r>
-                <a:rPr lang="en-US" sz="1600" dirty="0" smtClean="0"/>
-                <a:t>(T1,1,0)</a:t>
-              </a:r>
-              <a:endParaRPr lang="en-US" sz="1600" dirty="0"/>
-            </a:p>
-          </p:txBody>
-        </p:sp>
-      </p:grpSp>
-      <p:grpSp>
-        <p:nvGrpSpPr>
-          <p:cNvPr id="138" name="Group 137"/>
-          <p:cNvGrpSpPr/>
-          <p:nvPr/>
-        </p:nvGrpSpPr>
-        <p:grpSpPr>
-          <a:xfrm>
-            <a:off x="1891114" y="5049085"/>
-            <a:ext cx="824265" cy="654703"/>
-            <a:chOff x="6847409" y="1656010"/>
-            <a:chExt cx="824265" cy="654703"/>
-          </a:xfrm>
-        </p:grpSpPr>
-        <p:sp>
-          <p:nvSpPr>
-            <p:cNvPr id="139" name="Oval 138"/>
-            <p:cNvSpPr/>
-            <p:nvPr/>
-          </p:nvSpPr>
-          <p:spPr>
-            <a:xfrm>
-              <a:off x="6874016" y="1656010"/>
-              <a:ext cx="766243" cy="654703"/>
-            </a:xfrm>
-            <a:prstGeom prst="ellipse">
-              <a:avLst/>
-            </a:prstGeom>
-            <a:solidFill>
-              <a:schemeClr val="bg2"/>
-            </a:solidFill>
-            <a:ln>
-              <a:solidFill>
-                <a:schemeClr val="tx1"/>
-              </a:solidFill>
-            </a:ln>
-          </p:spPr>
-          <p:style>
-            <a:lnRef idx="2">
-              <a:schemeClr val="accent1">
-                <a:shade val="50000"/>
-              </a:schemeClr>
-            </a:lnRef>
-            <a:fillRef idx="1">
-              <a:schemeClr val="accent1"/>
-            </a:fillRef>
-            <a:effectRef idx="0">
-              <a:schemeClr val="accent1"/>
-            </a:effectRef>
-            <a:fontRef idx="minor">
-              <a:schemeClr val="lt1"/>
-            </a:fontRef>
-          </p:style>
-          <p:txBody>
-            <a:bodyPr rtlCol="0" anchor="ctr"/>
-            <a:lstStyle/>
-            <a:p>
-              <a:pPr algn="ctr"/>
-              <a:endParaRPr lang="en-US" dirty="0">
-                <a:solidFill>
-                  <a:schemeClr val="tx1"/>
-                </a:solidFill>
-              </a:endParaRPr>
-            </a:p>
-          </p:txBody>
-        </p:sp>
-        <p:sp>
-          <p:nvSpPr>
-            <p:cNvPr id="140" name="TextBox 139"/>
-            <p:cNvSpPr txBox="1"/>
-            <p:nvPr/>
-          </p:nvSpPr>
-          <p:spPr>
-            <a:xfrm>
-              <a:off x="6847409" y="1814084"/>
-              <a:ext cx="824265" cy="338554"/>
-            </a:xfrm>
-            <a:prstGeom prst="rect">
-              <a:avLst/>
-            </a:prstGeom>
-            <a:noFill/>
-          </p:spPr>
-          <p:txBody>
-            <a:bodyPr wrap="none" rtlCol="0">
-              <a:spAutoFit/>
-            </a:bodyPr>
-            <a:lstStyle/>
-            <a:p>
-              <a:r>
-                <a:rPr lang="en-US" sz="1600" dirty="0" smtClean="0"/>
-                <a:t>(T2,1,0)</a:t>
-              </a:r>
-              <a:endParaRPr lang="en-US" sz="1600" dirty="0"/>
-            </a:p>
-          </p:txBody>
-        </p:sp>
-      </p:grpSp>
-      <p:grpSp>
-        <p:nvGrpSpPr>
-          <p:cNvPr id="141" name="Group 140"/>
-          <p:cNvGrpSpPr/>
-          <p:nvPr/>
-        </p:nvGrpSpPr>
-        <p:grpSpPr>
-          <a:xfrm>
-            <a:off x="2970946" y="5052636"/>
-            <a:ext cx="824265" cy="654703"/>
-            <a:chOff x="6847409" y="1656010"/>
-            <a:chExt cx="824265" cy="654703"/>
-          </a:xfrm>
-        </p:grpSpPr>
-        <p:sp>
-          <p:nvSpPr>
-            <p:cNvPr id="142" name="Oval 141"/>
-            <p:cNvSpPr/>
-            <p:nvPr/>
-          </p:nvSpPr>
-          <p:spPr>
-            <a:xfrm>
-              <a:off x="6874016" y="1656010"/>
-              <a:ext cx="766243" cy="654703"/>
-            </a:xfrm>
-            <a:prstGeom prst="ellipse">
-              <a:avLst/>
-            </a:prstGeom>
-            <a:solidFill>
-              <a:schemeClr val="bg2"/>
-            </a:solidFill>
-            <a:ln>
-              <a:solidFill>
-                <a:schemeClr val="tx1"/>
-              </a:solidFill>
-            </a:ln>
-          </p:spPr>
-          <p:style>
-            <a:lnRef idx="2">
-              <a:schemeClr val="accent1">
-                <a:shade val="50000"/>
-              </a:schemeClr>
-            </a:lnRef>
-            <a:fillRef idx="1">
-              <a:schemeClr val="accent1"/>
-            </a:fillRef>
-            <a:effectRef idx="0">
-              <a:schemeClr val="accent1"/>
-            </a:effectRef>
-            <a:fontRef idx="minor">
-              <a:schemeClr val="lt1"/>
-            </a:fontRef>
-          </p:style>
-          <p:txBody>
-            <a:bodyPr rtlCol="0" anchor="ctr"/>
-            <a:lstStyle/>
-            <a:p>
-              <a:pPr algn="ctr"/>
-              <a:endParaRPr lang="en-US" dirty="0">
-                <a:solidFill>
-                  <a:schemeClr val="tx1"/>
-                </a:solidFill>
-              </a:endParaRPr>
-            </a:p>
-          </p:txBody>
-        </p:sp>
-        <p:sp>
-          <p:nvSpPr>
-            <p:cNvPr id="143" name="TextBox 142"/>
-            <p:cNvSpPr txBox="1"/>
-            <p:nvPr/>
-          </p:nvSpPr>
-          <p:spPr>
-            <a:xfrm>
-              <a:off x="6847409" y="1814084"/>
-              <a:ext cx="824265" cy="338554"/>
-            </a:xfrm>
-            <a:prstGeom prst="rect">
-              <a:avLst/>
-            </a:prstGeom>
-            <a:noFill/>
-          </p:spPr>
-          <p:txBody>
-            <a:bodyPr wrap="none" rtlCol="0">
-              <a:spAutoFit/>
-            </a:bodyPr>
-            <a:lstStyle/>
-            <a:p>
-              <a:r>
-                <a:rPr lang="en-US" sz="1600" dirty="0" smtClean="0"/>
-                <a:t>(T3,1,0)</a:t>
-              </a:r>
-              <a:endParaRPr lang="en-US" sz="1600" dirty="0"/>
-            </a:p>
-          </p:txBody>
-        </p:sp>
-      </p:grpSp>
-      <p:grpSp>
-        <p:nvGrpSpPr>
-          <p:cNvPr id="144" name="Group 143"/>
-          <p:cNvGrpSpPr/>
-          <p:nvPr/>
-        </p:nvGrpSpPr>
-        <p:grpSpPr>
-          <a:xfrm>
-            <a:off x="4016080" y="5049085"/>
-            <a:ext cx="824265" cy="654703"/>
-            <a:chOff x="6847409" y="1656010"/>
-            <a:chExt cx="824265" cy="654703"/>
-          </a:xfrm>
-        </p:grpSpPr>
-        <p:sp>
-          <p:nvSpPr>
-            <p:cNvPr id="145" name="Oval 144"/>
-            <p:cNvSpPr/>
-            <p:nvPr/>
-          </p:nvSpPr>
-          <p:spPr>
-            <a:xfrm>
-              <a:off x="6874016" y="1656010"/>
-              <a:ext cx="766243" cy="654703"/>
-            </a:xfrm>
-            <a:prstGeom prst="ellipse">
-              <a:avLst/>
-            </a:prstGeom>
-            <a:solidFill>
-              <a:schemeClr val="bg2"/>
-            </a:solidFill>
-            <a:ln>
-              <a:solidFill>
-                <a:schemeClr val="tx1"/>
-              </a:solidFill>
-            </a:ln>
-          </p:spPr>
-          <p:style>
-            <a:lnRef idx="2">
-              <a:schemeClr val="accent1">
-                <a:shade val="50000"/>
-              </a:schemeClr>
-            </a:lnRef>
-            <a:fillRef idx="1">
-              <a:schemeClr val="accent1"/>
-            </a:fillRef>
-            <a:effectRef idx="0">
-              <a:schemeClr val="accent1"/>
-            </a:effectRef>
-            <a:fontRef idx="minor">
-              <a:schemeClr val="lt1"/>
-            </a:fontRef>
-          </p:style>
-          <p:txBody>
-            <a:bodyPr rtlCol="0" anchor="ctr"/>
-            <a:lstStyle/>
-            <a:p>
-              <a:pPr algn="ctr"/>
-              <a:endParaRPr lang="en-US" dirty="0">
-                <a:solidFill>
-                  <a:schemeClr val="tx1"/>
-                </a:solidFill>
-              </a:endParaRPr>
-            </a:p>
-          </p:txBody>
-        </p:sp>
-        <p:sp>
-          <p:nvSpPr>
-            <p:cNvPr id="146" name="TextBox 145"/>
-            <p:cNvSpPr txBox="1"/>
-            <p:nvPr/>
-          </p:nvSpPr>
-          <p:spPr>
-            <a:xfrm>
-              <a:off x="6847409" y="1814084"/>
-              <a:ext cx="824265" cy="338554"/>
-            </a:xfrm>
-            <a:prstGeom prst="rect">
-              <a:avLst/>
-            </a:prstGeom>
-            <a:noFill/>
-          </p:spPr>
-          <p:txBody>
-            <a:bodyPr wrap="none" rtlCol="0">
-              <a:spAutoFit/>
-            </a:bodyPr>
-            <a:lstStyle/>
-            <a:p>
-              <a:r>
-                <a:rPr lang="en-US" sz="1600" dirty="0" smtClean="0"/>
-                <a:t>(T4,1,0)</a:t>
-              </a:r>
-              <a:endParaRPr lang="en-US" sz="1600" dirty="0"/>
-            </a:p>
-          </p:txBody>
-        </p:sp>
-      </p:grpSp>
-      <p:grpSp>
-        <p:nvGrpSpPr>
-          <p:cNvPr id="171" name="Group 170"/>
-          <p:cNvGrpSpPr/>
-          <p:nvPr/>
-        </p:nvGrpSpPr>
-        <p:grpSpPr>
-          <a:xfrm>
-            <a:off x="5933680" y="2778042"/>
-            <a:ext cx="819455" cy="654703"/>
-            <a:chOff x="6847409" y="1656010"/>
-            <a:chExt cx="819455" cy="654703"/>
-          </a:xfrm>
-        </p:grpSpPr>
-        <p:sp>
-          <p:nvSpPr>
-            <p:cNvPr id="172" name="Oval 171"/>
-            <p:cNvSpPr/>
-            <p:nvPr/>
-          </p:nvSpPr>
-          <p:spPr>
-            <a:xfrm>
-              <a:off x="6874016" y="1656010"/>
-              <a:ext cx="766243" cy="654703"/>
-            </a:xfrm>
-            <a:prstGeom prst="ellipse">
-              <a:avLst/>
-            </a:prstGeom>
-            <a:solidFill>
-              <a:schemeClr val="bg2"/>
-            </a:solidFill>
-            <a:ln>
-              <a:solidFill>
-                <a:schemeClr val="tx1"/>
-              </a:solidFill>
-            </a:ln>
-          </p:spPr>
-          <p:style>
-            <a:lnRef idx="2">
-              <a:schemeClr val="accent1">
-                <a:shade val="50000"/>
-              </a:schemeClr>
-            </a:lnRef>
-            <a:fillRef idx="1">
-              <a:schemeClr val="accent1"/>
-            </a:fillRef>
-            <a:effectRef idx="0">
-              <a:schemeClr val="accent1"/>
-            </a:effectRef>
-            <a:fontRef idx="minor">
-              <a:schemeClr val="lt1"/>
-            </a:fontRef>
-          </p:style>
-          <p:txBody>
-            <a:bodyPr rtlCol="0" anchor="ctr"/>
-            <a:lstStyle/>
-            <a:p>
-              <a:pPr algn="ctr"/>
-              <a:endParaRPr lang="en-US" dirty="0">
-                <a:solidFill>
-                  <a:schemeClr val="tx1"/>
-                </a:solidFill>
-              </a:endParaRPr>
-            </a:p>
-          </p:txBody>
-        </p:sp>
-        <p:sp>
-          <p:nvSpPr>
-            <p:cNvPr id="173" name="TextBox 172"/>
-            <p:cNvSpPr txBox="1"/>
-            <p:nvPr/>
-          </p:nvSpPr>
-          <p:spPr>
-            <a:xfrm>
-              <a:off x="6847409" y="1814084"/>
-              <a:ext cx="819455" cy="338554"/>
-            </a:xfrm>
-            <a:prstGeom prst="rect">
-              <a:avLst/>
-            </a:prstGeom>
-            <a:noFill/>
-          </p:spPr>
-          <p:txBody>
-            <a:bodyPr wrap="none" rtlCol="0">
-              <a:spAutoFit/>
-            </a:bodyPr>
-            <a:lstStyle/>
-            <a:p>
-              <a:r>
-                <a:rPr lang="en-US" sz="1600" dirty="0" smtClean="0"/>
-                <a:t>(S1,0,1)</a:t>
-              </a:r>
-              <a:endParaRPr lang="en-US" sz="1600" dirty="0"/>
-            </a:p>
-          </p:txBody>
-        </p:sp>
-      </p:grpSp>
-      <p:grpSp>
-        <p:nvGrpSpPr>
-          <p:cNvPr id="174" name="Group 173"/>
-          <p:cNvGrpSpPr/>
-          <p:nvPr/>
-        </p:nvGrpSpPr>
-        <p:grpSpPr>
-          <a:xfrm>
-            <a:off x="7044565" y="1812496"/>
-            <a:ext cx="830677" cy="654703"/>
-            <a:chOff x="6847409" y="1656010"/>
-            <a:chExt cx="830677" cy="654703"/>
-          </a:xfrm>
-        </p:grpSpPr>
-        <p:sp>
-          <p:nvSpPr>
-            <p:cNvPr id="175" name="Oval 174"/>
-            <p:cNvSpPr/>
-            <p:nvPr/>
-          </p:nvSpPr>
-          <p:spPr>
-            <a:xfrm>
-              <a:off x="6874016" y="1656010"/>
-              <a:ext cx="766243" cy="654703"/>
-            </a:xfrm>
-            <a:prstGeom prst="ellipse">
-              <a:avLst/>
-            </a:prstGeom>
-            <a:solidFill>
-              <a:schemeClr val="bg2"/>
-            </a:solidFill>
-            <a:ln>
-              <a:solidFill>
-                <a:schemeClr val="tx1"/>
-              </a:solidFill>
-            </a:ln>
-          </p:spPr>
-          <p:style>
-            <a:lnRef idx="2">
-              <a:schemeClr val="accent1">
-                <a:shade val="50000"/>
-              </a:schemeClr>
-            </a:lnRef>
-            <a:fillRef idx="1">
-              <a:schemeClr val="accent1"/>
-            </a:fillRef>
-            <a:effectRef idx="0">
-              <a:schemeClr val="accent1"/>
-            </a:effectRef>
-            <a:fontRef idx="minor">
-              <a:schemeClr val="lt1"/>
-            </a:fontRef>
-          </p:style>
-          <p:txBody>
-            <a:bodyPr rtlCol="0" anchor="ctr"/>
-            <a:lstStyle/>
-            <a:p>
-              <a:pPr algn="ctr"/>
-              <a:endParaRPr lang="en-US" dirty="0">
-                <a:solidFill>
-                  <a:schemeClr val="tx1"/>
-                </a:solidFill>
-              </a:endParaRPr>
-            </a:p>
-          </p:txBody>
-        </p:sp>
-        <p:sp>
-          <p:nvSpPr>
-            <p:cNvPr id="176" name="TextBox 175"/>
-            <p:cNvSpPr txBox="1"/>
-            <p:nvPr/>
-          </p:nvSpPr>
-          <p:spPr>
-            <a:xfrm>
-              <a:off x="6847409" y="1814084"/>
-              <a:ext cx="830677" cy="338554"/>
-            </a:xfrm>
-            <a:prstGeom prst="rect">
-              <a:avLst/>
-            </a:prstGeom>
-            <a:noFill/>
-          </p:spPr>
-          <p:txBody>
-            <a:bodyPr wrap="none" rtlCol="0">
-              <a:spAutoFit/>
-            </a:bodyPr>
-            <a:lstStyle/>
-            <a:p>
-              <a:r>
-                <a:rPr lang="en-US" sz="1600" dirty="0" smtClean="0"/>
-                <a:t>(P1,0,0)</a:t>
-              </a:r>
-              <a:endParaRPr lang="en-US" sz="1600" dirty="0"/>
-            </a:p>
-          </p:txBody>
-        </p:sp>
-      </p:grpSp>
-      <p:grpSp>
-        <p:nvGrpSpPr>
-          <p:cNvPr id="177" name="Group 176"/>
-          <p:cNvGrpSpPr/>
-          <p:nvPr/>
-        </p:nvGrpSpPr>
-        <p:grpSpPr>
-          <a:xfrm>
-            <a:off x="8037472" y="2751007"/>
-            <a:ext cx="819455" cy="654703"/>
-            <a:chOff x="6847409" y="1656010"/>
-            <a:chExt cx="819455" cy="654703"/>
-          </a:xfrm>
-        </p:grpSpPr>
-        <p:sp>
-          <p:nvSpPr>
-            <p:cNvPr id="178" name="Oval 177"/>
-            <p:cNvSpPr/>
-            <p:nvPr/>
-          </p:nvSpPr>
-          <p:spPr>
-            <a:xfrm>
-              <a:off x="6874016" y="1656010"/>
-              <a:ext cx="766243" cy="654703"/>
-            </a:xfrm>
-            <a:prstGeom prst="ellipse">
-              <a:avLst/>
-            </a:prstGeom>
-            <a:solidFill>
-              <a:schemeClr val="bg2"/>
-            </a:solidFill>
-            <a:ln>
-              <a:solidFill>
-                <a:schemeClr val="tx1"/>
-              </a:solidFill>
-            </a:ln>
-          </p:spPr>
-          <p:style>
-            <a:lnRef idx="2">
-              <a:schemeClr val="accent1">
-                <a:shade val="50000"/>
-              </a:schemeClr>
-            </a:lnRef>
-            <a:fillRef idx="1">
-              <a:schemeClr val="accent1"/>
-            </a:fillRef>
-            <a:effectRef idx="0">
-              <a:schemeClr val="accent1"/>
-            </a:effectRef>
-            <a:fontRef idx="minor">
-              <a:schemeClr val="lt1"/>
-            </a:fontRef>
-          </p:style>
-          <p:txBody>
-            <a:bodyPr rtlCol="0" anchor="ctr"/>
-            <a:lstStyle/>
-            <a:p>
-              <a:pPr algn="ctr"/>
-              <a:endParaRPr lang="en-US" dirty="0">
-                <a:solidFill>
-                  <a:schemeClr val="tx1"/>
-                </a:solidFill>
-              </a:endParaRPr>
-            </a:p>
-          </p:txBody>
-        </p:sp>
-        <p:sp>
-          <p:nvSpPr>
-            <p:cNvPr id="179" name="TextBox 178"/>
-            <p:cNvSpPr txBox="1"/>
-            <p:nvPr/>
-          </p:nvSpPr>
-          <p:spPr>
-            <a:xfrm>
-              <a:off x="6847409" y="1814084"/>
-              <a:ext cx="819455" cy="338554"/>
-            </a:xfrm>
-            <a:prstGeom prst="rect">
-              <a:avLst/>
-            </a:prstGeom>
-            <a:noFill/>
-          </p:spPr>
-          <p:txBody>
-            <a:bodyPr wrap="none" rtlCol="0">
-              <a:spAutoFit/>
-            </a:bodyPr>
-            <a:lstStyle/>
-            <a:p>
-              <a:r>
-                <a:rPr lang="en-US" sz="1600" dirty="0" smtClean="0"/>
-                <a:t>(S2,0,1)</a:t>
-              </a:r>
-              <a:endParaRPr lang="en-US" sz="1600" dirty="0"/>
-            </a:p>
-          </p:txBody>
-        </p:sp>
-      </p:grpSp>
-      <p:grpSp>
-        <p:nvGrpSpPr>
-          <p:cNvPr id="180" name="Group 179"/>
-          <p:cNvGrpSpPr/>
-          <p:nvPr/>
-        </p:nvGrpSpPr>
-        <p:grpSpPr>
-          <a:xfrm>
-            <a:off x="7519559" y="3905924"/>
-            <a:ext cx="843501" cy="654703"/>
-            <a:chOff x="6847409" y="1656010"/>
-            <a:chExt cx="843501" cy="654703"/>
-          </a:xfrm>
-        </p:grpSpPr>
-        <p:sp>
-          <p:nvSpPr>
-            <p:cNvPr id="181" name="Oval 180"/>
-            <p:cNvSpPr/>
-            <p:nvPr/>
-          </p:nvSpPr>
-          <p:spPr>
-            <a:xfrm>
-              <a:off x="6874016" y="1656010"/>
-              <a:ext cx="766243" cy="654703"/>
-            </a:xfrm>
-            <a:prstGeom prst="ellipse">
-              <a:avLst/>
-            </a:prstGeom>
-            <a:solidFill>
-              <a:schemeClr val="bg2"/>
-            </a:solidFill>
-            <a:ln>
-              <a:solidFill>
-                <a:schemeClr val="tx1"/>
-              </a:solidFill>
-            </a:ln>
-          </p:spPr>
-          <p:style>
-            <a:lnRef idx="2">
-              <a:schemeClr val="accent1">
-                <a:shade val="50000"/>
-              </a:schemeClr>
-            </a:lnRef>
-            <a:fillRef idx="1">
-              <a:schemeClr val="accent1"/>
-            </a:fillRef>
-            <a:effectRef idx="0">
-              <a:schemeClr val="accent1"/>
-            </a:effectRef>
-            <a:fontRef idx="minor">
-              <a:schemeClr val="lt1"/>
-            </a:fontRef>
-          </p:style>
-          <p:txBody>
-            <a:bodyPr rtlCol="0" anchor="ctr"/>
-            <a:lstStyle/>
-            <a:p>
-              <a:pPr algn="ctr"/>
-              <a:endParaRPr lang="en-US" dirty="0">
-                <a:solidFill>
-                  <a:schemeClr val="tx1"/>
-                </a:solidFill>
-              </a:endParaRPr>
-            </a:p>
-          </p:txBody>
-        </p:sp>
-        <p:sp>
-          <p:nvSpPr>
-            <p:cNvPr id="182" name="TextBox 181"/>
-            <p:cNvSpPr txBox="1"/>
-            <p:nvPr/>
-          </p:nvSpPr>
-          <p:spPr>
-            <a:xfrm>
-              <a:off x="6847409" y="1814084"/>
-              <a:ext cx="843501" cy="338554"/>
-            </a:xfrm>
-            <a:prstGeom prst="rect">
-              <a:avLst/>
-            </a:prstGeom>
-            <a:noFill/>
-          </p:spPr>
-          <p:txBody>
-            <a:bodyPr wrap="none" rtlCol="0">
-              <a:spAutoFit/>
-            </a:bodyPr>
-            <a:lstStyle/>
-            <a:p>
-              <a:r>
-                <a:rPr lang="en-US" sz="1600" dirty="0" smtClean="0"/>
-                <a:t>(A3,0,1)</a:t>
-              </a:r>
-              <a:endParaRPr lang="en-US" sz="1600" dirty="0"/>
-            </a:p>
-          </p:txBody>
-        </p:sp>
-      </p:grpSp>
-      <p:grpSp>
-        <p:nvGrpSpPr>
-          <p:cNvPr id="183" name="Group 182"/>
-          <p:cNvGrpSpPr/>
-          <p:nvPr/>
-        </p:nvGrpSpPr>
-        <p:grpSpPr>
-          <a:xfrm>
-            <a:off x="8586681" y="3907580"/>
-            <a:ext cx="843501" cy="654703"/>
-            <a:chOff x="6847409" y="1656010"/>
-            <a:chExt cx="843501" cy="654703"/>
-          </a:xfrm>
-        </p:grpSpPr>
-        <p:sp>
-          <p:nvSpPr>
-            <p:cNvPr id="184" name="Oval 183"/>
-            <p:cNvSpPr/>
-            <p:nvPr/>
-          </p:nvSpPr>
-          <p:spPr>
-            <a:xfrm>
-              <a:off x="6874016" y="1656010"/>
-              <a:ext cx="766243" cy="654703"/>
-            </a:xfrm>
-            <a:prstGeom prst="ellipse">
-              <a:avLst/>
-            </a:prstGeom>
-            <a:solidFill>
-              <a:schemeClr val="bg2"/>
-            </a:solidFill>
-            <a:ln>
-              <a:solidFill>
-                <a:schemeClr val="tx1"/>
-              </a:solidFill>
-            </a:ln>
-          </p:spPr>
-          <p:style>
-            <a:lnRef idx="2">
-              <a:schemeClr val="accent1">
-                <a:shade val="50000"/>
-              </a:schemeClr>
-            </a:lnRef>
-            <a:fillRef idx="1">
-              <a:schemeClr val="accent1"/>
-            </a:fillRef>
-            <a:effectRef idx="0">
-              <a:schemeClr val="accent1"/>
-            </a:effectRef>
-            <a:fontRef idx="minor">
-              <a:schemeClr val="lt1"/>
-            </a:fontRef>
-          </p:style>
-          <p:txBody>
-            <a:bodyPr rtlCol="0" anchor="ctr"/>
-            <a:lstStyle/>
-            <a:p>
-              <a:pPr algn="ctr"/>
-              <a:endParaRPr lang="en-US" dirty="0">
-                <a:solidFill>
-                  <a:schemeClr val="tx1"/>
-                </a:solidFill>
-              </a:endParaRPr>
-            </a:p>
-          </p:txBody>
-        </p:sp>
-        <p:sp>
-          <p:nvSpPr>
-            <p:cNvPr id="185" name="TextBox 184"/>
-            <p:cNvSpPr txBox="1"/>
-            <p:nvPr/>
-          </p:nvSpPr>
-          <p:spPr>
-            <a:xfrm>
-              <a:off x="6847409" y="1814084"/>
-              <a:ext cx="843501" cy="338554"/>
-            </a:xfrm>
-            <a:prstGeom prst="rect">
-              <a:avLst/>
-            </a:prstGeom>
-            <a:noFill/>
-          </p:spPr>
-          <p:txBody>
-            <a:bodyPr wrap="none" rtlCol="0">
-              <a:spAutoFit/>
-            </a:bodyPr>
-            <a:lstStyle/>
-            <a:p>
-              <a:r>
-                <a:rPr lang="en-US" sz="1600" dirty="0" smtClean="0"/>
-                <a:t>(A4,0,1)</a:t>
-              </a:r>
-              <a:endParaRPr lang="en-US" sz="1600" dirty="0"/>
-            </a:p>
-          </p:txBody>
-        </p:sp>
-      </p:grpSp>
-      <p:grpSp>
-        <p:nvGrpSpPr>
-          <p:cNvPr id="186" name="Group 185"/>
-          <p:cNvGrpSpPr/>
-          <p:nvPr/>
-        </p:nvGrpSpPr>
-        <p:grpSpPr>
-          <a:xfrm>
-            <a:off x="5377259" y="3909475"/>
-            <a:ext cx="843501" cy="654703"/>
-            <a:chOff x="6847409" y="1656010"/>
-            <a:chExt cx="843501" cy="654703"/>
-          </a:xfrm>
-        </p:grpSpPr>
-        <p:sp>
-          <p:nvSpPr>
-            <p:cNvPr id="187" name="Oval 186"/>
-            <p:cNvSpPr/>
-            <p:nvPr/>
-          </p:nvSpPr>
-          <p:spPr>
-            <a:xfrm>
-              <a:off x="6874016" y="1656010"/>
-              <a:ext cx="766243" cy="654703"/>
-            </a:xfrm>
-            <a:prstGeom prst="ellipse">
-              <a:avLst/>
-            </a:prstGeom>
-            <a:solidFill>
-              <a:schemeClr val="bg2"/>
-            </a:solidFill>
-            <a:ln>
-              <a:solidFill>
-                <a:schemeClr val="tx1"/>
-              </a:solidFill>
-            </a:ln>
-          </p:spPr>
-          <p:style>
-            <a:lnRef idx="2">
-              <a:schemeClr val="accent1">
-                <a:shade val="50000"/>
-              </a:schemeClr>
-            </a:lnRef>
-            <a:fillRef idx="1">
-              <a:schemeClr val="accent1"/>
-            </a:fillRef>
-            <a:effectRef idx="0">
-              <a:schemeClr val="accent1"/>
-            </a:effectRef>
-            <a:fontRef idx="minor">
-              <a:schemeClr val="lt1"/>
-            </a:fontRef>
-          </p:style>
-          <p:txBody>
-            <a:bodyPr rtlCol="0" anchor="ctr"/>
-            <a:lstStyle/>
-            <a:p>
-              <a:pPr algn="ctr"/>
-              <a:endParaRPr lang="en-US" dirty="0">
-                <a:solidFill>
-                  <a:schemeClr val="tx1"/>
-                </a:solidFill>
-              </a:endParaRPr>
-            </a:p>
-          </p:txBody>
-        </p:sp>
-        <p:sp>
-          <p:nvSpPr>
-            <p:cNvPr id="188" name="TextBox 187"/>
-            <p:cNvSpPr txBox="1"/>
-            <p:nvPr/>
-          </p:nvSpPr>
-          <p:spPr>
-            <a:xfrm>
-              <a:off x="6847409" y="1814084"/>
-              <a:ext cx="843501" cy="338554"/>
-            </a:xfrm>
-            <a:prstGeom prst="rect">
-              <a:avLst/>
-            </a:prstGeom>
-            <a:noFill/>
-          </p:spPr>
-          <p:txBody>
-            <a:bodyPr wrap="none" rtlCol="0">
-              <a:spAutoFit/>
-            </a:bodyPr>
-            <a:lstStyle/>
-            <a:p>
-              <a:r>
-                <a:rPr lang="en-US" sz="1600" dirty="0" smtClean="0"/>
-                <a:t>(A1,0,1)</a:t>
-              </a:r>
-              <a:endParaRPr lang="en-US" sz="1600" dirty="0"/>
-            </a:p>
-          </p:txBody>
-        </p:sp>
-      </p:grpSp>
-      <p:grpSp>
-        <p:nvGrpSpPr>
-          <p:cNvPr id="189" name="Group 188"/>
-          <p:cNvGrpSpPr/>
-          <p:nvPr/>
-        </p:nvGrpSpPr>
-        <p:grpSpPr>
-          <a:xfrm>
-            <a:off x="6459464" y="3905924"/>
-            <a:ext cx="843501" cy="654703"/>
-            <a:chOff x="6847409" y="1656010"/>
-            <a:chExt cx="843501" cy="654703"/>
-          </a:xfrm>
-        </p:grpSpPr>
-        <p:sp>
-          <p:nvSpPr>
-            <p:cNvPr id="190" name="Oval 189"/>
-            <p:cNvSpPr/>
-            <p:nvPr/>
-          </p:nvSpPr>
-          <p:spPr>
-            <a:xfrm>
-              <a:off x="6874016" y="1656010"/>
-              <a:ext cx="766243" cy="654703"/>
-            </a:xfrm>
-            <a:prstGeom prst="ellipse">
-              <a:avLst/>
-            </a:prstGeom>
-            <a:solidFill>
-              <a:schemeClr val="bg2"/>
-            </a:solidFill>
-            <a:ln>
-              <a:solidFill>
-                <a:schemeClr val="tx1"/>
-              </a:solidFill>
-            </a:ln>
-          </p:spPr>
-          <p:style>
-            <a:lnRef idx="2">
-              <a:schemeClr val="accent1">
-                <a:shade val="50000"/>
-              </a:schemeClr>
-            </a:lnRef>
-            <a:fillRef idx="1">
-              <a:schemeClr val="accent1"/>
-            </a:fillRef>
-            <a:effectRef idx="0">
-              <a:schemeClr val="accent1"/>
-            </a:effectRef>
-            <a:fontRef idx="minor">
-              <a:schemeClr val="lt1"/>
-            </a:fontRef>
-          </p:style>
-          <p:txBody>
-            <a:bodyPr rtlCol="0" anchor="ctr"/>
-            <a:lstStyle/>
-            <a:p>
-              <a:pPr algn="ctr"/>
-              <a:endParaRPr lang="en-US" dirty="0">
-                <a:solidFill>
-                  <a:schemeClr val="tx1"/>
-                </a:solidFill>
-              </a:endParaRPr>
-            </a:p>
-          </p:txBody>
-        </p:sp>
-        <p:sp>
-          <p:nvSpPr>
-            <p:cNvPr id="191" name="TextBox 190"/>
-            <p:cNvSpPr txBox="1"/>
-            <p:nvPr/>
-          </p:nvSpPr>
-          <p:spPr>
-            <a:xfrm>
-              <a:off x="6847409" y="1814084"/>
-              <a:ext cx="843501" cy="338554"/>
-            </a:xfrm>
-            <a:prstGeom prst="rect">
-              <a:avLst/>
-            </a:prstGeom>
-            <a:noFill/>
-          </p:spPr>
-          <p:txBody>
-            <a:bodyPr wrap="none" rtlCol="0">
-              <a:spAutoFit/>
-            </a:bodyPr>
-            <a:lstStyle/>
-            <a:p>
-              <a:r>
-                <a:rPr lang="en-US" sz="1600" dirty="0" smtClean="0"/>
-                <a:t>(A2,0,1)</a:t>
-              </a:r>
-              <a:endParaRPr lang="en-US" sz="1600" dirty="0"/>
-            </a:p>
-          </p:txBody>
-        </p:sp>
-      </p:grpSp>
-      <p:grpSp>
-        <p:nvGrpSpPr>
-          <p:cNvPr id="192" name="Group 191"/>
-          <p:cNvGrpSpPr/>
-          <p:nvPr/>
-        </p:nvGrpSpPr>
-        <p:grpSpPr>
-          <a:xfrm>
-            <a:off x="5375368" y="5064989"/>
-            <a:ext cx="824265" cy="654703"/>
-            <a:chOff x="6847409" y="1656010"/>
-            <a:chExt cx="824265" cy="654703"/>
-          </a:xfrm>
-        </p:grpSpPr>
-        <p:sp>
-          <p:nvSpPr>
-            <p:cNvPr id="193" name="Oval 192"/>
-            <p:cNvSpPr/>
-            <p:nvPr/>
-          </p:nvSpPr>
-          <p:spPr>
-            <a:xfrm>
-              <a:off x="6874016" y="1656010"/>
-              <a:ext cx="766243" cy="654703"/>
-            </a:xfrm>
-            <a:prstGeom prst="ellipse">
-              <a:avLst/>
-            </a:prstGeom>
-            <a:solidFill>
-              <a:schemeClr val="bg2"/>
-            </a:solidFill>
-            <a:ln>
-              <a:solidFill>
-                <a:schemeClr val="tx1"/>
-              </a:solidFill>
-            </a:ln>
-          </p:spPr>
-          <p:style>
-            <a:lnRef idx="2">
-              <a:schemeClr val="accent1">
-                <a:shade val="50000"/>
-              </a:schemeClr>
-            </a:lnRef>
-            <a:fillRef idx="1">
-              <a:schemeClr val="accent1"/>
-            </a:fillRef>
-            <a:effectRef idx="0">
-              <a:schemeClr val="accent1"/>
-            </a:effectRef>
-            <a:fontRef idx="minor">
-              <a:schemeClr val="lt1"/>
-            </a:fontRef>
-          </p:style>
-          <p:txBody>
-            <a:bodyPr rtlCol="0" anchor="ctr"/>
-            <a:lstStyle/>
-            <a:p>
-              <a:pPr algn="ctr"/>
-              <a:endParaRPr lang="en-US" dirty="0">
-                <a:solidFill>
-                  <a:schemeClr val="tx1"/>
-                </a:solidFill>
-              </a:endParaRPr>
-            </a:p>
-          </p:txBody>
-        </p:sp>
-        <p:sp>
-          <p:nvSpPr>
-            <p:cNvPr id="194" name="TextBox 193"/>
-            <p:cNvSpPr txBox="1"/>
-            <p:nvPr/>
-          </p:nvSpPr>
-          <p:spPr>
-            <a:xfrm>
-              <a:off x="6847409" y="1814084"/>
-              <a:ext cx="824265" cy="338554"/>
-            </a:xfrm>
-            <a:prstGeom prst="rect">
-              <a:avLst/>
-            </a:prstGeom>
-            <a:noFill/>
-          </p:spPr>
-          <p:txBody>
-            <a:bodyPr wrap="none" rtlCol="0">
-              <a:spAutoFit/>
-            </a:bodyPr>
-            <a:lstStyle/>
-            <a:p>
-              <a:r>
-                <a:rPr lang="en-US" sz="1600" dirty="0" smtClean="0"/>
-                <a:t>(T1,0,1)</a:t>
-              </a:r>
-              <a:endParaRPr lang="en-US" sz="1600" dirty="0"/>
-            </a:p>
-          </p:txBody>
-        </p:sp>
-      </p:grpSp>
-      <p:grpSp>
-        <p:nvGrpSpPr>
-          <p:cNvPr id="195" name="Group 194"/>
-          <p:cNvGrpSpPr/>
-          <p:nvPr/>
-        </p:nvGrpSpPr>
-        <p:grpSpPr>
-          <a:xfrm>
-            <a:off x="6457573" y="5061438"/>
-            <a:ext cx="824265" cy="654703"/>
-            <a:chOff x="6847409" y="1656010"/>
-            <a:chExt cx="824265" cy="654703"/>
-          </a:xfrm>
-        </p:grpSpPr>
-        <p:sp>
-          <p:nvSpPr>
-            <p:cNvPr id="196" name="Oval 195"/>
-            <p:cNvSpPr/>
-            <p:nvPr/>
-          </p:nvSpPr>
-          <p:spPr>
-            <a:xfrm>
-              <a:off x="6874016" y="1656010"/>
-              <a:ext cx="766243" cy="654703"/>
-            </a:xfrm>
-            <a:prstGeom prst="ellipse">
-              <a:avLst/>
-            </a:prstGeom>
-            <a:solidFill>
-              <a:schemeClr val="bg2"/>
-            </a:solidFill>
-            <a:ln>
-              <a:solidFill>
-                <a:schemeClr val="tx1"/>
-              </a:solidFill>
-            </a:ln>
-          </p:spPr>
-          <p:style>
-            <a:lnRef idx="2">
-              <a:schemeClr val="accent1">
-                <a:shade val="50000"/>
-              </a:schemeClr>
-            </a:lnRef>
-            <a:fillRef idx="1">
-              <a:schemeClr val="accent1"/>
-            </a:fillRef>
-            <a:effectRef idx="0">
-              <a:schemeClr val="accent1"/>
-            </a:effectRef>
-            <a:fontRef idx="minor">
-              <a:schemeClr val="lt1"/>
-            </a:fontRef>
-          </p:style>
-          <p:txBody>
-            <a:bodyPr rtlCol="0" anchor="ctr"/>
-            <a:lstStyle/>
-            <a:p>
-              <a:pPr algn="ctr"/>
-              <a:endParaRPr lang="en-US" dirty="0">
-                <a:solidFill>
-                  <a:schemeClr val="tx1"/>
-                </a:solidFill>
-              </a:endParaRPr>
-            </a:p>
-          </p:txBody>
-        </p:sp>
-        <p:sp>
-          <p:nvSpPr>
-            <p:cNvPr id="197" name="TextBox 196"/>
-            <p:cNvSpPr txBox="1"/>
-            <p:nvPr/>
-          </p:nvSpPr>
-          <p:spPr>
-            <a:xfrm>
-              <a:off x="6847409" y="1814084"/>
-              <a:ext cx="824265" cy="338554"/>
-            </a:xfrm>
-            <a:prstGeom prst="rect">
-              <a:avLst/>
-            </a:prstGeom>
-            <a:noFill/>
-          </p:spPr>
-          <p:txBody>
-            <a:bodyPr wrap="none" rtlCol="0">
-              <a:spAutoFit/>
-            </a:bodyPr>
-            <a:lstStyle/>
-            <a:p>
-              <a:r>
-                <a:rPr lang="en-US" sz="1600" dirty="0" smtClean="0"/>
-                <a:t>(T2,0,1)</a:t>
-              </a:r>
-              <a:endParaRPr lang="en-US" sz="1600" dirty="0"/>
-            </a:p>
-          </p:txBody>
-        </p:sp>
-      </p:grpSp>
-      <p:grpSp>
-        <p:nvGrpSpPr>
-          <p:cNvPr id="198" name="Group 197"/>
-          <p:cNvGrpSpPr/>
-          <p:nvPr/>
-        </p:nvGrpSpPr>
-        <p:grpSpPr>
-          <a:xfrm>
-            <a:off x="7525048" y="5064989"/>
-            <a:ext cx="824265" cy="654703"/>
-            <a:chOff x="6847409" y="1656010"/>
-            <a:chExt cx="824265" cy="654703"/>
-          </a:xfrm>
-        </p:grpSpPr>
-        <p:sp>
-          <p:nvSpPr>
-            <p:cNvPr id="199" name="Oval 198"/>
-            <p:cNvSpPr/>
-            <p:nvPr/>
-          </p:nvSpPr>
-          <p:spPr>
-            <a:xfrm>
-              <a:off x="6874016" y="1656010"/>
-              <a:ext cx="766243" cy="654703"/>
-            </a:xfrm>
-            <a:prstGeom prst="ellipse">
-              <a:avLst/>
-            </a:prstGeom>
-            <a:solidFill>
-              <a:schemeClr val="bg2"/>
-            </a:solidFill>
-            <a:ln>
-              <a:solidFill>
-                <a:schemeClr val="tx1"/>
-              </a:solidFill>
-            </a:ln>
-          </p:spPr>
-          <p:style>
-            <a:lnRef idx="2">
-              <a:schemeClr val="accent1">
-                <a:shade val="50000"/>
-              </a:schemeClr>
-            </a:lnRef>
-            <a:fillRef idx="1">
-              <a:schemeClr val="accent1"/>
-            </a:fillRef>
-            <a:effectRef idx="0">
-              <a:schemeClr val="accent1"/>
-            </a:effectRef>
-            <a:fontRef idx="minor">
-              <a:schemeClr val="lt1"/>
-            </a:fontRef>
-          </p:style>
-          <p:txBody>
-            <a:bodyPr rtlCol="0" anchor="ctr"/>
-            <a:lstStyle/>
-            <a:p>
-              <a:pPr algn="ctr"/>
-              <a:endParaRPr lang="en-US" dirty="0">
-                <a:solidFill>
-                  <a:schemeClr val="tx1"/>
-                </a:solidFill>
-              </a:endParaRPr>
-            </a:p>
-          </p:txBody>
-        </p:sp>
-        <p:sp>
-          <p:nvSpPr>
-            <p:cNvPr id="200" name="TextBox 199"/>
-            <p:cNvSpPr txBox="1"/>
-            <p:nvPr/>
-          </p:nvSpPr>
-          <p:spPr>
-            <a:xfrm>
-              <a:off x="6847409" y="1814084"/>
-              <a:ext cx="824265" cy="338554"/>
-            </a:xfrm>
-            <a:prstGeom prst="rect">
-              <a:avLst/>
-            </a:prstGeom>
-            <a:noFill/>
-          </p:spPr>
-          <p:txBody>
-            <a:bodyPr wrap="none" rtlCol="0">
-              <a:spAutoFit/>
-            </a:bodyPr>
-            <a:lstStyle/>
-            <a:p>
-              <a:r>
-                <a:rPr lang="en-US" sz="1600" dirty="0" smtClean="0"/>
-                <a:t>(T3,0,1)</a:t>
-              </a:r>
-              <a:endParaRPr lang="en-US" sz="1600" dirty="0"/>
-            </a:p>
-          </p:txBody>
-        </p:sp>
-      </p:grpSp>
-      <p:grpSp>
-        <p:nvGrpSpPr>
-          <p:cNvPr id="201" name="Group 200"/>
-          <p:cNvGrpSpPr/>
-          <p:nvPr/>
-        </p:nvGrpSpPr>
-        <p:grpSpPr>
-          <a:xfrm>
-            <a:off x="8582539" y="5061438"/>
-            <a:ext cx="824265" cy="654703"/>
-            <a:chOff x="6847409" y="1656010"/>
-            <a:chExt cx="824265" cy="654703"/>
-          </a:xfrm>
-        </p:grpSpPr>
-        <p:sp>
-          <p:nvSpPr>
-            <p:cNvPr id="202" name="Oval 201"/>
-            <p:cNvSpPr/>
-            <p:nvPr/>
-          </p:nvSpPr>
-          <p:spPr>
-            <a:xfrm>
-              <a:off x="6874016" y="1656010"/>
-              <a:ext cx="766243" cy="654703"/>
-            </a:xfrm>
-            <a:prstGeom prst="ellipse">
-              <a:avLst/>
-            </a:prstGeom>
-            <a:solidFill>
-              <a:schemeClr val="bg2"/>
-            </a:solidFill>
-            <a:ln>
-              <a:solidFill>
-                <a:schemeClr val="tx1"/>
-              </a:solidFill>
-            </a:ln>
-          </p:spPr>
-          <p:style>
-            <a:lnRef idx="2">
-              <a:schemeClr val="accent1">
-                <a:shade val="50000"/>
-              </a:schemeClr>
-            </a:lnRef>
-            <a:fillRef idx="1">
-              <a:schemeClr val="accent1"/>
-            </a:fillRef>
-            <a:effectRef idx="0">
-              <a:schemeClr val="accent1"/>
-            </a:effectRef>
-            <a:fontRef idx="minor">
-              <a:schemeClr val="lt1"/>
-            </a:fontRef>
-          </p:style>
-          <p:txBody>
-            <a:bodyPr rtlCol="0" anchor="ctr"/>
-            <a:lstStyle/>
-            <a:p>
-              <a:pPr algn="ctr"/>
-              <a:endParaRPr lang="en-US" dirty="0">
-                <a:solidFill>
-                  <a:schemeClr val="tx1"/>
-                </a:solidFill>
-              </a:endParaRPr>
-            </a:p>
-          </p:txBody>
-        </p:sp>
-        <p:sp>
-          <p:nvSpPr>
-            <p:cNvPr id="203" name="TextBox 202"/>
-            <p:cNvSpPr txBox="1"/>
-            <p:nvPr/>
-          </p:nvSpPr>
-          <p:spPr>
-            <a:xfrm>
-              <a:off x="6847409" y="1814084"/>
-              <a:ext cx="824265" cy="338554"/>
-            </a:xfrm>
-            <a:prstGeom prst="rect">
-              <a:avLst/>
-            </a:prstGeom>
-            <a:noFill/>
-          </p:spPr>
-          <p:txBody>
-            <a:bodyPr wrap="none" rtlCol="0">
-              <a:spAutoFit/>
-            </a:bodyPr>
-            <a:lstStyle/>
-            <a:p>
-              <a:r>
-                <a:rPr lang="en-US" sz="1600" dirty="0" smtClean="0"/>
-                <a:t>(T4,0,1)</a:t>
-              </a:r>
-              <a:endParaRPr lang="en-US" sz="1600" dirty="0"/>
-            </a:p>
-          </p:txBody>
-        </p:sp>
-      </p:grpSp>
-      <p:cxnSp>
-        <p:nvCxnSpPr>
-          <p:cNvPr id="7" name="Straight Connector 6"/>
-          <p:cNvCxnSpPr>
-            <a:stCxn id="2" idx="3"/>
-            <a:endCxn id="91" idx="7"/>
-          </p:cNvCxnSpPr>
-          <p:nvPr/>
-        </p:nvCxnSpPr>
-        <p:spPr>
-          <a:xfrm flipH="1">
-            <a:off x="3158742" y="939322"/>
-            <a:ext cx="1596942" cy="969053"/>
-          </a:xfrm>
-          <a:prstGeom prst="line">
-            <a:avLst/>
-          </a:prstGeom>
-          <a:ln w="25400">
-            <a:solidFill>
-              <a:schemeClr val="tx1"/>
-            </a:solidFill>
-            <a:tailEnd type="stealth" w="lg" len="lg"/>
-          </a:ln>
-        </p:spPr>
-        <p:style>
-          <a:lnRef idx="1">
-            <a:schemeClr val="accent1"/>
-          </a:lnRef>
-          <a:fillRef idx="0">
-            <a:schemeClr val="accent1"/>
-          </a:fillRef>
-          <a:effectRef idx="0">
-            <a:schemeClr val="accent1"/>
-          </a:effectRef>
-          <a:fontRef idx="minor">
-            <a:schemeClr val="tx1"/>
-          </a:fontRef>
-        </p:style>
-      </p:cxnSp>
-      <p:cxnSp>
-        <p:nvCxnSpPr>
-          <p:cNvPr id="204" name="Straight Connector 203"/>
-          <p:cNvCxnSpPr>
-            <a:stCxn id="2" idx="4"/>
-            <a:endCxn id="283" idx="0"/>
-          </p:cNvCxnSpPr>
-          <p:nvPr/>
-        </p:nvCxnSpPr>
-        <p:spPr>
-          <a:xfrm>
-            <a:off x="5070236" y="1009897"/>
-            <a:ext cx="3245" cy="282133"/>
-          </a:xfrm>
-          <a:prstGeom prst="line">
-            <a:avLst/>
-          </a:prstGeom>
-          <a:ln w="25400">
-            <a:solidFill>
-              <a:schemeClr val="tx1"/>
-            </a:solidFill>
-            <a:tailEnd type="stealth" w="lg" len="lg"/>
-          </a:ln>
-        </p:spPr>
-        <p:style>
-          <a:lnRef idx="1">
-            <a:schemeClr val="accent1"/>
-          </a:lnRef>
-          <a:fillRef idx="0">
-            <a:schemeClr val="accent1"/>
-          </a:fillRef>
-          <a:effectRef idx="0">
-            <a:schemeClr val="accent1"/>
-          </a:effectRef>
-          <a:fontRef idx="minor">
-            <a:schemeClr val="tx1"/>
-          </a:fontRef>
-        </p:style>
-      </p:cxnSp>
-      <p:cxnSp>
-        <p:nvCxnSpPr>
-          <p:cNvPr id="205" name="Straight Connector 204"/>
-          <p:cNvCxnSpPr>
-            <a:stCxn id="2" idx="5"/>
-            <a:endCxn id="175" idx="1"/>
-          </p:cNvCxnSpPr>
-          <p:nvPr/>
-        </p:nvCxnSpPr>
-        <p:spPr>
-          <a:xfrm>
-            <a:off x="5384788" y="939322"/>
-            <a:ext cx="1798598" cy="969053"/>
-          </a:xfrm>
-          <a:prstGeom prst="line">
-            <a:avLst/>
-          </a:prstGeom>
-          <a:ln w="25400">
-            <a:solidFill>
-              <a:schemeClr val="tx1"/>
-            </a:solidFill>
-            <a:tailEnd type="stealth" w="lg" len="lg"/>
-          </a:ln>
-        </p:spPr>
-        <p:style>
-          <a:lnRef idx="1">
-            <a:schemeClr val="accent1"/>
-          </a:lnRef>
-          <a:fillRef idx="0">
-            <a:schemeClr val="accent1"/>
-          </a:fillRef>
-          <a:effectRef idx="0">
-            <a:schemeClr val="accent1"/>
-          </a:effectRef>
-          <a:fontRef idx="minor">
-            <a:schemeClr val="tx1"/>
-          </a:fontRef>
-        </p:style>
-      </p:cxnSp>
-      <p:cxnSp>
-        <p:nvCxnSpPr>
-          <p:cNvPr id="206" name="Straight Connector 205"/>
-          <p:cNvCxnSpPr>
-            <a:stCxn id="175" idx="5"/>
-            <a:endCxn id="178" idx="0"/>
-          </p:cNvCxnSpPr>
-          <p:nvPr/>
-        </p:nvCxnSpPr>
-        <p:spPr>
-          <a:xfrm>
-            <a:off x="7725201" y="2371320"/>
-            <a:ext cx="722000" cy="379687"/>
-          </a:xfrm>
-          <a:prstGeom prst="line">
-            <a:avLst/>
-          </a:prstGeom>
-          <a:ln w="25400">
-            <a:solidFill>
-              <a:schemeClr val="tx1"/>
-            </a:solidFill>
-            <a:headEnd type="stealth" w="lg" len="lg"/>
-            <a:tailEnd type="stealth" w="lg" len="lg"/>
-          </a:ln>
-        </p:spPr>
-        <p:style>
-          <a:lnRef idx="1">
-            <a:schemeClr val="accent1"/>
-          </a:lnRef>
-          <a:fillRef idx="0">
-            <a:schemeClr val="accent1"/>
-          </a:fillRef>
-          <a:effectRef idx="0">
-            <a:schemeClr val="accent1"/>
-          </a:effectRef>
-          <a:fontRef idx="minor">
-            <a:schemeClr val="tx1"/>
-          </a:fontRef>
-        </p:style>
-      </p:cxnSp>
-      <p:cxnSp>
-        <p:nvCxnSpPr>
-          <p:cNvPr id="207" name="Straight Connector 206"/>
-          <p:cNvCxnSpPr>
-            <a:stCxn id="175" idx="3"/>
-            <a:endCxn id="172" idx="0"/>
-          </p:cNvCxnSpPr>
-          <p:nvPr/>
-        </p:nvCxnSpPr>
-        <p:spPr>
-          <a:xfrm flipH="1">
-            <a:off x="6343409" y="2371320"/>
-            <a:ext cx="839977" cy="406722"/>
-          </a:xfrm>
-          <a:prstGeom prst="line">
-            <a:avLst/>
-          </a:prstGeom>
-          <a:ln w="25400">
-            <a:solidFill>
-              <a:schemeClr val="tx1"/>
-            </a:solidFill>
-            <a:headEnd type="stealth" w="lg" len="lg"/>
-            <a:tailEnd type="stealth" w="lg" len="lg"/>
-          </a:ln>
-        </p:spPr>
-        <p:style>
-          <a:lnRef idx="1">
-            <a:schemeClr val="accent1"/>
-          </a:lnRef>
-          <a:fillRef idx="0">
-            <a:schemeClr val="accent1"/>
-          </a:fillRef>
-          <a:effectRef idx="0">
-            <a:schemeClr val="accent1"/>
-          </a:effectRef>
-          <a:fontRef idx="minor">
-            <a:schemeClr val="tx1"/>
-          </a:fontRef>
-        </p:style>
-      </p:cxnSp>
-      <p:cxnSp>
-        <p:nvCxnSpPr>
-          <p:cNvPr id="208" name="Straight Connector 207"/>
-          <p:cNvCxnSpPr>
-            <a:stCxn id="172" idx="3"/>
-            <a:endCxn id="187" idx="0"/>
-          </p:cNvCxnSpPr>
-          <p:nvPr/>
-        </p:nvCxnSpPr>
-        <p:spPr>
-          <a:xfrm flipH="1">
-            <a:off x="5786988" y="3336866"/>
-            <a:ext cx="285513" cy="572609"/>
-          </a:xfrm>
-          <a:prstGeom prst="line">
-            <a:avLst/>
-          </a:prstGeom>
-          <a:ln w="25400">
-            <a:solidFill>
-              <a:schemeClr val="tx1"/>
-            </a:solidFill>
-            <a:headEnd type="stealth" w="lg" len="lg"/>
-            <a:tailEnd type="stealth" w="lg" len="lg"/>
-          </a:ln>
-        </p:spPr>
-        <p:style>
-          <a:lnRef idx="1">
-            <a:schemeClr val="accent1"/>
-          </a:lnRef>
-          <a:fillRef idx="0">
-            <a:schemeClr val="accent1"/>
-          </a:fillRef>
-          <a:effectRef idx="0">
-            <a:schemeClr val="accent1"/>
-          </a:effectRef>
-          <a:fontRef idx="minor">
-            <a:schemeClr val="tx1"/>
-          </a:fontRef>
-        </p:style>
-      </p:cxnSp>
-      <p:cxnSp>
-        <p:nvCxnSpPr>
-          <p:cNvPr id="209" name="Straight Connector 208"/>
-          <p:cNvCxnSpPr>
-            <a:stCxn id="172" idx="5"/>
-            <a:endCxn id="190" idx="0"/>
-          </p:cNvCxnSpPr>
-          <p:nvPr/>
-        </p:nvCxnSpPr>
-        <p:spPr>
-          <a:xfrm>
-            <a:off x="6614316" y="3336866"/>
-            <a:ext cx="254877" cy="569058"/>
-          </a:xfrm>
-          <a:prstGeom prst="line">
-            <a:avLst/>
-          </a:prstGeom>
-          <a:ln w="25400">
-            <a:solidFill>
-              <a:schemeClr val="tx1"/>
-            </a:solidFill>
-            <a:headEnd type="stealth" w="lg" len="lg"/>
-            <a:tailEnd type="stealth" w="lg" len="lg"/>
-          </a:ln>
-        </p:spPr>
-        <p:style>
-          <a:lnRef idx="1">
-            <a:schemeClr val="accent1"/>
-          </a:lnRef>
-          <a:fillRef idx="0">
-            <a:schemeClr val="accent1"/>
-          </a:fillRef>
-          <a:effectRef idx="0">
-            <a:schemeClr val="accent1"/>
-          </a:effectRef>
-          <a:fontRef idx="minor">
-            <a:schemeClr val="tx1"/>
-          </a:fontRef>
-        </p:style>
-      </p:cxnSp>
-      <p:cxnSp>
-        <p:nvCxnSpPr>
-          <p:cNvPr id="210" name="Straight Connector 209"/>
-          <p:cNvCxnSpPr>
-            <a:stCxn id="178" idx="3"/>
-            <a:endCxn id="181" idx="0"/>
-          </p:cNvCxnSpPr>
-          <p:nvPr/>
-        </p:nvCxnSpPr>
-        <p:spPr>
-          <a:xfrm flipH="1">
-            <a:off x="7929288" y="3309831"/>
-            <a:ext cx="247005" cy="596093"/>
-          </a:xfrm>
-          <a:prstGeom prst="line">
-            <a:avLst/>
-          </a:prstGeom>
-          <a:ln w="25400">
-            <a:solidFill>
-              <a:schemeClr val="tx1"/>
-            </a:solidFill>
-            <a:headEnd type="stealth" w="lg" len="lg"/>
-            <a:tailEnd type="stealth" w="lg" len="lg"/>
-          </a:ln>
-        </p:spPr>
-        <p:style>
-          <a:lnRef idx="1">
-            <a:schemeClr val="accent1"/>
-          </a:lnRef>
-          <a:fillRef idx="0">
-            <a:schemeClr val="accent1"/>
-          </a:fillRef>
-          <a:effectRef idx="0">
-            <a:schemeClr val="accent1"/>
-          </a:effectRef>
-          <a:fontRef idx="minor">
-            <a:schemeClr val="tx1"/>
-          </a:fontRef>
-        </p:style>
-      </p:cxnSp>
-      <p:cxnSp>
-        <p:nvCxnSpPr>
-          <p:cNvPr id="211" name="Straight Connector 210"/>
-          <p:cNvCxnSpPr>
-            <a:stCxn id="178" idx="5"/>
-            <a:endCxn id="184" idx="0"/>
-          </p:cNvCxnSpPr>
-          <p:nvPr/>
-        </p:nvCxnSpPr>
-        <p:spPr>
-          <a:xfrm>
-            <a:off x="8718108" y="3309831"/>
-            <a:ext cx="278302" cy="597749"/>
-          </a:xfrm>
-          <a:prstGeom prst="line">
-            <a:avLst/>
-          </a:prstGeom>
-          <a:ln w="25400">
-            <a:solidFill>
-              <a:schemeClr val="tx1"/>
-            </a:solidFill>
-            <a:headEnd type="stealth" w="lg" len="lg"/>
-            <a:tailEnd type="stealth" w="lg" len="lg"/>
-          </a:ln>
-        </p:spPr>
-        <p:style>
-          <a:lnRef idx="1">
-            <a:schemeClr val="accent1"/>
-          </a:lnRef>
-          <a:fillRef idx="0">
-            <a:schemeClr val="accent1"/>
-          </a:fillRef>
-          <a:effectRef idx="0">
-            <a:schemeClr val="accent1"/>
-          </a:effectRef>
-          <a:fontRef idx="minor">
-            <a:schemeClr val="tx1"/>
-          </a:fontRef>
-        </p:style>
-      </p:cxnSp>
-      <p:cxnSp>
-        <p:nvCxnSpPr>
-          <p:cNvPr id="212" name="Straight Connector 211"/>
-          <p:cNvCxnSpPr>
-            <a:stCxn id="184" idx="3"/>
-            <a:endCxn id="199" idx="7"/>
-          </p:cNvCxnSpPr>
-          <p:nvPr/>
-        </p:nvCxnSpPr>
-        <p:spPr>
-          <a:xfrm flipH="1">
-            <a:off x="8205684" y="4466404"/>
-            <a:ext cx="519818" cy="694464"/>
-          </a:xfrm>
-          <a:prstGeom prst="line">
-            <a:avLst/>
-          </a:prstGeom>
-          <a:ln w="25400">
-            <a:solidFill>
-              <a:schemeClr val="tx1"/>
-            </a:solidFill>
-            <a:headEnd type="stealth" w="lg" len="lg"/>
-            <a:tailEnd type="stealth" w="lg" len="lg"/>
-          </a:ln>
-        </p:spPr>
-        <p:style>
-          <a:lnRef idx="1">
-            <a:schemeClr val="accent1"/>
-          </a:lnRef>
-          <a:fillRef idx="0">
-            <a:schemeClr val="accent1"/>
-          </a:fillRef>
-          <a:effectRef idx="0">
-            <a:schemeClr val="accent1"/>
-          </a:effectRef>
-          <a:fontRef idx="minor">
-            <a:schemeClr val="tx1"/>
-          </a:fontRef>
-        </p:style>
-      </p:cxnSp>
-      <p:cxnSp>
-        <p:nvCxnSpPr>
-          <p:cNvPr id="213" name="Straight Connector 212"/>
-          <p:cNvCxnSpPr>
-            <a:stCxn id="184" idx="4"/>
-            <a:endCxn id="202" idx="0"/>
-          </p:cNvCxnSpPr>
-          <p:nvPr/>
-        </p:nvCxnSpPr>
-        <p:spPr>
-          <a:xfrm flipH="1">
-            <a:off x="8992268" y="4562283"/>
-            <a:ext cx="4142" cy="499155"/>
-          </a:xfrm>
-          <a:prstGeom prst="line">
-            <a:avLst/>
-          </a:prstGeom>
-          <a:ln w="25400">
-            <a:solidFill>
-              <a:schemeClr val="tx1"/>
-            </a:solidFill>
-            <a:headEnd type="stealth" w="lg" len="lg"/>
-            <a:tailEnd type="stealth" w="lg" len="lg"/>
-          </a:ln>
-        </p:spPr>
-        <p:style>
-          <a:lnRef idx="1">
-            <a:schemeClr val="accent1"/>
-          </a:lnRef>
-          <a:fillRef idx="0">
-            <a:schemeClr val="accent1"/>
-          </a:fillRef>
-          <a:effectRef idx="0">
-            <a:schemeClr val="accent1"/>
-          </a:effectRef>
-          <a:fontRef idx="minor">
-            <a:schemeClr val="tx1"/>
-          </a:fontRef>
-        </p:style>
-      </p:cxnSp>
-      <p:cxnSp>
-        <p:nvCxnSpPr>
-          <p:cNvPr id="214" name="Straight Connector 213"/>
-          <p:cNvCxnSpPr>
-            <a:stCxn id="181" idx="5"/>
-            <a:endCxn id="202" idx="1"/>
-          </p:cNvCxnSpPr>
-          <p:nvPr/>
-        </p:nvCxnSpPr>
-        <p:spPr>
-          <a:xfrm>
-            <a:off x="8200195" y="4464748"/>
-            <a:ext cx="521165" cy="692569"/>
-          </a:xfrm>
-          <a:prstGeom prst="line">
-            <a:avLst/>
-          </a:prstGeom>
-          <a:ln w="25400">
-            <a:solidFill>
-              <a:schemeClr val="tx1"/>
-            </a:solidFill>
-            <a:headEnd type="stealth" w="lg" len="lg"/>
-            <a:tailEnd type="stealth" w="lg" len="lg"/>
-          </a:ln>
-        </p:spPr>
-        <p:style>
-          <a:lnRef idx="1">
-            <a:schemeClr val="accent1"/>
-          </a:lnRef>
-          <a:fillRef idx="0">
-            <a:schemeClr val="accent1"/>
-          </a:fillRef>
-          <a:effectRef idx="0">
-            <a:schemeClr val="accent1"/>
-          </a:effectRef>
-          <a:fontRef idx="minor">
-            <a:schemeClr val="tx1"/>
-          </a:fontRef>
-        </p:style>
-      </p:cxnSp>
-      <p:cxnSp>
-        <p:nvCxnSpPr>
-          <p:cNvPr id="215" name="Straight Connector 214"/>
-          <p:cNvCxnSpPr>
-            <a:stCxn id="181" idx="4"/>
-            <a:endCxn id="199" idx="0"/>
-          </p:cNvCxnSpPr>
-          <p:nvPr/>
-        </p:nvCxnSpPr>
-        <p:spPr>
-          <a:xfrm>
-            <a:off x="7929288" y="4560627"/>
-            <a:ext cx="5489" cy="504362"/>
-          </a:xfrm>
-          <a:prstGeom prst="line">
-            <a:avLst/>
-          </a:prstGeom>
-          <a:ln w="25400">
-            <a:solidFill>
-              <a:schemeClr val="tx1"/>
-            </a:solidFill>
-            <a:headEnd type="stealth" w="lg" len="lg"/>
-            <a:tailEnd type="stealth" w="lg" len="lg"/>
-          </a:ln>
-        </p:spPr>
-        <p:style>
-          <a:lnRef idx="1">
-            <a:schemeClr val="accent1"/>
-          </a:lnRef>
-          <a:fillRef idx="0">
-            <a:schemeClr val="accent1"/>
-          </a:fillRef>
-          <a:effectRef idx="0">
-            <a:schemeClr val="accent1"/>
-          </a:effectRef>
-          <a:fontRef idx="minor">
-            <a:schemeClr val="tx1"/>
-          </a:fontRef>
-        </p:style>
-      </p:cxnSp>
-      <p:cxnSp>
-        <p:nvCxnSpPr>
-          <p:cNvPr id="216" name="Straight Connector 215"/>
-          <p:cNvCxnSpPr>
-            <a:stCxn id="190" idx="4"/>
-            <a:endCxn id="196" idx="0"/>
-          </p:cNvCxnSpPr>
-          <p:nvPr/>
-        </p:nvCxnSpPr>
-        <p:spPr>
-          <a:xfrm flipH="1">
-            <a:off x="6867302" y="4560627"/>
-            <a:ext cx="1891" cy="500811"/>
-          </a:xfrm>
-          <a:prstGeom prst="line">
-            <a:avLst/>
-          </a:prstGeom>
-          <a:ln w="25400">
-            <a:solidFill>
-              <a:schemeClr val="tx1"/>
-            </a:solidFill>
-            <a:headEnd type="stealth" w="lg" len="lg"/>
-            <a:tailEnd type="stealth" w="lg" len="lg"/>
-          </a:ln>
-        </p:spPr>
-        <p:style>
-          <a:lnRef idx="1">
-            <a:schemeClr val="accent1"/>
-          </a:lnRef>
-          <a:fillRef idx="0">
-            <a:schemeClr val="accent1"/>
-          </a:fillRef>
-          <a:effectRef idx="0">
-            <a:schemeClr val="accent1"/>
-          </a:effectRef>
-          <a:fontRef idx="minor">
-            <a:schemeClr val="tx1"/>
-          </a:fontRef>
-        </p:style>
-      </p:cxnSp>
-      <p:cxnSp>
-        <p:nvCxnSpPr>
-          <p:cNvPr id="218" name="Straight Connector 217"/>
-          <p:cNvCxnSpPr>
-            <a:stCxn id="187" idx="4"/>
-            <a:endCxn id="193" idx="0"/>
-          </p:cNvCxnSpPr>
-          <p:nvPr/>
-        </p:nvCxnSpPr>
-        <p:spPr>
-          <a:xfrm flipH="1">
-            <a:off x="5785097" y="4564178"/>
-            <a:ext cx="1891" cy="500811"/>
-          </a:xfrm>
-          <a:prstGeom prst="line">
-            <a:avLst/>
-          </a:prstGeom>
-          <a:ln w="25400">
-            <a:solidFill>
-              <a:schemeClr val="tx1"/>
-            </a:solidFill>
-            <a:headEnd type="stealth" w="lg" len="lg"/>
-            <a:tailEnd type="stealth" w="lg" len="lg"/>
-          </a:ln>
-        </p:spPr>
-        <p:style>
-          <a:lnRef idx="1">
-            <a:schemeClr val="accent1"/>
-          </a:lnRef>
-          <a:fillRef idx="0">
-            <a:schemeClr val="accent1"/>
-          </a:fillRef>
-          <a:effectRef idx="0">
-            <a:schemeClr val="accent1"/>
-          </a:effectRef>
-          <a:fontRef idx="minor">
-            <a:schemeClr val="tx1"/>
-          </a:fontRef>
-        </p:style>
-      </p:cxnSp>
-      <p:cxnSp>
-        <p:nvCxnSpPr>
-          <p:cNvPr id="221" name="Straight Connector 220"/>
-          <p:cNvCxnSpPr>
-            <a:stCxn id="187" idx="5"/>
-            <a:endCxn id="196" idx="1"/>
-          </p:cNvCxnSpPr>
-          <p:nvPr/>
-        </p:nvCxnSpPr>
-        <p:spPr>
-          <a:xfrm>
-            <a:off x="6057895" y="4468299"/>
-            <a:ext cx="538499" cy="689018"/>
-          </a:xfrm>
-          <a:prstGeom prst="line">
-            <a:avLst/>
-          </a:prstGeom>
-          <a:ln w="25400">
-            <a:solidFill>
-              <a:schemeClr val="tx1"/>
-            </a:solidFill>
-            <a:headEnd type="stealth" w="lg" len="lg"/>
-            <a:tailEnd type="stealth" w="lg" len="lg"/>
-          </a:ln>
-        </p:spPr>
-        <p:style>
-          <a:lnRef idx="1">
-            <a:schemeClr val="accent1"/>
-          </a:lnRef>
-          <a:fillRef idx="0">
-            <a:schemeClr val="accent1"/>
-          </a:fillRef>
-          <a:effectRef idx="0">
-            <a:schemeClr val="accent1"/>
-          </a:effectRef>
-          <a:fontRef idx="minor">
-            <a:schemeClr val="tx1"/>
-          </a:fontRef>
-        </p:style>
-      </p:cxnSp>
-      <p:cxnSp>
-        <p:nvCxnSpPr>
-          <p:cNvPr id="224" name="Straight Connector 223"/>
-          <p:cNvCxnSpPr>
-            <a:stCxn id="190" idx="3"/>
-            <a:endCxn id="193" idx="7"/>
-          </p:cNvCxnSpPr>
-          <p:nvPr/>
-        </p:nvCxnSpPr>
-        <p:spPr>
-          <a:xfrm flipH="1">
-            <a:off x="6056004" y="4464748"/>
-            <a:ext cx="542281" cy="696120"/>
-          </a:xfrm>
-          <a:prstGeom prst="line">
-            <a:avLst/>
-          </a:prstGeom>
-          <a:ln w="25400">
-            <a:solidFill>
-              <a:schemeClr val="tx1"/>
-            </a:solidFill>
-            <a:headEnd type="stealth" w="lg" len="lg"/>
-            <a:tailEnd type="stealth" w="lg" len="lg"/>
-          </a:ln>
-        </p:spPr>
-        <p:style>
-          <a:lnRef idx="1">
-            <a:schemeClr val="accent1"/>
-          </a:lnRef>
-          <a:fillRef idx="0">
-            <a:schemeClr val="accent1"/>
-          </a:fillRef>
-          <a:effectRef idx="0">
-            <a:schemeClr val="accent1"/>
-          </a:effectRef>
-          <a:fontRef idx="minor">
-            <a:schemeClr val="tx1"/>
-          </a:fontRef>
-        </p:style>
-      </p:cxnSp>
-      <p:cxnSp>
-        <p:nvCxnSpPr>
-          <p:cNvPr id="227" name="Straight Connector 226"/>
-          <p:cNvCxnSpPr>
-            <a:stCxn id="91" idx="5"/>
-            <a:endCxn id="101" idx="0"/>
-          </p:cNvCxnSpPr>
-          <p:nvPr/>
-        </p:nvCxnSpPr>
-        <p:spPr>
-          <a:xfrm>
-            <a:off x="3158742" y="2371320"/>
-            <a:ext cx="722001" cy="342620"/>
-          </a:xfrm>
-          <a:prstGeom prst="line">
-            <a:avLst/>
-          </a:prstGeom>
-          <a:ln w="25400">
-            <a:solidFill>
-              <a:schemeClr val="tx1"/>
-            </a:solidFill>
-            <a:headEnd type="stealth" w="lg" len="lg"/>
-            <a:tailEnd type="stealth" w="lg" len="lg"/>
-          </a:ln>
-        </p:spPr>
-        <p:style>
-          <a:lnRef idx="1">
-            <a:schemeClr val="accent1"/>
-          </a:lnRef>
-          <a:fillRef idx="0">
-            <a:schemeClr val="accent1"/>
-          </a:fillRef>
-          <a:effectRef idx="0">
-            <a:schemeClr val="accent1"/>
-          </a:effectRef>
-          <a:fontRef idx="minor">
-            <a:schemeClr val="tx1"/>
-          </a:fontRef>
-        </p:style>
-      </p:cxnSp>
-      <p:cxnSp>
-        <p:nvCxnSpPr>
-          <p:cNvPr id="230" name="Straight Connector 229"/>
-          <p:cNvCxnSpPr>
-            <a:stCxn id="91" idx="3"/>
-            <a:endCxn id="89" idx="0"/>
-          </p:cNvCxnSpPr>
-          <p:nvPr/>
-        </p:nvCxnSpPr>
-        <p:spPr>
-          <a:xfrm flipH="1">
-            <a:off x="1812537" y="2371320"/>
-            <a:ext cx="804390" cy="342620"/>
-          </a:xfrm>
-          <a:prstGeom prst="line">
-            <a:avLst/>
-          </a:prstGeom>
-          <a:ln w="25400">
-            <a:solidFill>
-              <a:schemeClr val="tx1"/>
-            </a:solidFill>
-            <a:headEnd type="stealth" w="lg" len="lg"/>
-            <a:tailEnd type="stealth" w="lg" len="lg"/>
-          </a:ln>
-        </p:spPr>
-        <p:style>
-          <a:lnRef idx="1">
-            <a:schemeClr val="accent1"/>
-          </a:lnRef>
-          <a:fillRef idx="0">
-            <a:schemeClr val="accent1"/>
-          </a:fillRef>
-          <a:effectRef idx="0">
-            <a:schemeClr val="accent1"/>
-          </a:effectRef>
-          <a:fontRef idx="minor">
-            <a:schemeClr val="tx1"/>
-          </a:fontRef>
-        </p:style>
-      </p:cxnSp>
-      <p:cxnSp>
-        <p:nvCxnSpPr>
-          <p:cNvPr id="233" name="Straight Connector 232"/>
-          <p:cNvCxnSpPr>
-            <a:stCxn id="101" idx="5"/>
-            <a:endCxn id="127" idx="0"/>
-          </p:cNvCxnSpPr>
-          <p:nvPr/>
-        </p:nvCxnSpPr>
-        <p:spPr>
-          <a:xfrm>
-            <a:off x="4151650" y="3272764"/>
-            <a:ext cx="278301" cy="622463"/>
-          </a:xfrm>
-          <a:prstGeom prst="line">
-            <a:avLst/>
-          </a:prstGeom>
-          <a:ln w="25400">
-            <a:solidFill>
-              <a:schemeClr val="tx1"/>
-            </a:solidFill>
-            <a:headEnd type="stealth" w="lg" len="lg"/>
-            <a:tailEnd type="stealth" w="lg" len="lg"/>
-          </a:ln>
-        </p:spPr>
-        <p:style>
-          <a:lnRef idx="1">
-            <a:schemeClr val="accent1"/>
-          </a:lnRef>
-          <a:fillRef idx="0">
-            <a:schemeClr val="accent1"/>
-          </a:fillRef>
-          <a:effectRef idx="0">
-            <a:schemeClr val="accent1"/>
-          </a:effectRef>
-          <a:fontRef idx="minor">
-            <a:schemeClr val="tx1"/>
-          </a:fontRef>
-        </p:style>
-      </p:cxnSp>
-      <p:cxnSp>
-        <p:nvCxnSpPr>
-          <p:cNvPr id="236" name="Straight Connector 235"/>
-          <p:cNvCxnSpPr>
-            <a:stCxn id="101" idx="3"/>
-            <a:endCxn id="124" idx="0"/>
-          </p:cNvCxnSpPr>
-          <p:nvPr/>
-        </p:nvCxnSpPr>
-        <p:spPr>
-          <a:xfrm flipH="1">
-            <a:off x="3387543" y="3272764"/>
-            <a:ext cx="222292" cy="620807"/>
-          </a:xfrm>
-          <a:prstGeom prst="line">
-            <a:avLst/>
-          </a:prstGeom>
-          <a:ln w="25400">
-            <a:solidFill>
-              <a:schemeClr val="tx1"/>
-            </a:solidFill>
-            <a:headEnd type="stealth" w="lg" len="lg"/>
-            <a:tailEnd type="stealth" w="lg" len="lg"/>
-          </a:ln>
-        </p:spPr>
-        <p:style>
-          <a:lnRef idx="1">
-            <a:schemeClr val="accent1"/>
-          </a:lnRef>
-          <a:fillRef idx="0">
-            <a:schemeClr val="accent1"/>
-          </a:fillRef>
-          <a:effectRef idx="0">
-            <a:schemeClr val="accent1"/>
-          </a:effectRef>
-          <a:fontRef idx="minor">
-            <a:schemeClr val="tx1"/>
-          </a:fontRef>
-        </p:style>
-      </p:cxnSp>
-      <p:cxnSp>
-        <p:nvCxnSpPr>
-          <p:cNvPr id="239" name="Straight Connector 238"/>
-          <p:cNvCxnSpPr>
-            <a:stCxn id="89" idx="5"/>
-            <a:endCxn id="133" idx="0"/>
-          </p:cNvCxnSpPr>
-          <p:nvPr/>
-        </p:nvCxnSpPr>
-        <p:spPr>
-          <a:xfrm>
-            <a:off x="2083444" y="3272764"/>
-            <a:ext cx="219290" cy="620807"/>
-          </a:xfrm>
-          <a:prstGeom prst="line">
-            <a:avLst/>
-          </a:prstGeom>
-          <a:ln w="25400">
-            <a:solidFill>
-              <a:schemeClr val="tx1"/>
-            </a:solidFill>
-            <a:headEnd type="stealth" w="lg" len="lg"/>
-            <a:tailEnd type="stealth" w="lg" len="lg"/>
-          </a:ln>
-        </p:spPr>
-        <p:style>
-          <a:lnRef idx="1">
-            <a:schemeClr val="accent1"/>
-          </a:lnRef>
-          <a:fillRef idx="0">
-            <a:schemeClr val="accent1"/>
-          </a:fillRef>
-          <a:effectRef idx="0">
-            <a:schemeClr val="accent1"/>
-          </a:effectRef>
-          <a:fontRef idx="minor">
-            <a:schemeClr val="tx1"/>
-          </a:fontRef>
-        </p:style>
-      </p:cxnSp>
-      <p:cxnSp>
-        <p:nvCxnSpPr>
-          <p:cNvPr id="242" name="Straight Connector 241"/>
-          <p:cNvCxnSpPr>
-            <a:stCxn id="89" idx="3"/>
-            <a:endCxn id="130" idx="0"/>
-          </p:cNvCxnSpPr>
-          <p:nvPr/>
-        </p:nvCxnSpPr>
-        <p:spPr>
-          <a:xfrm flipH="1">
-            <a:off x="1208172" y="3272764"/>
-            <a:ext cx="333457" cy="624358"/>
-          </a:xfrm>
-          <a:prstGeom prst="line">
-            <a:avLst/>
-          </a:prstGeom>
-          <a:ln w="25400">
-            <a:solidFill>
-              <a:schemeClr val="tx1"/>
-            </a:solidFill>
-            <a:headEnd type="stealth" w="lg" len="lg"/>
-            <a:tailEnd type="stealth" w="lg" len="lg"/>
-          </a:ln>
-        </p:spPr>
-        <p:style>
-          <a:lnRef idx="1">
-            <a:schemeClr val="accent1"/>
-          </a:lnRef>
-          <a:fillRef idx="0">
-            <a:schemeClr val="accent1"/>
-          </a:fillRef>
-          <a:effectRef idx="0">
-            <a:schemeClr val="accent1"/>
-          </a:effectRef>
-          <a:fontRef idx="minor">
-            <a:schemeClr val="tx1"/>
-          </a:fontRef>
-        </p:style>
-      </p:cxnSp>
-      <p:cxnSp>
-        <p:nvCxnSpPr>
-          <p:cNvPr id="245" name="Straight Connector 244"/>
-          <p:cNvCxnSpPr>
-            <a:stCxn id="133" idx="4"/>
-            <a:endCxn id="139" idx="0"/>
-          </p:cNvCxnSpPr>
-          <p:nvPr/>
-        </p:nvCxnSpPr>
-        <p:spPr>
-          <a:xfrm flipH="1">
-            <a:off x="2300843" y="4548274"/>
-            <a:ext cx="1891" cy="500811"/>
-          </a:xfrm>
-          <a:prstGeom prst="line">
-            <a:avLst/>
-          </a:prstGeom>
-          <a:ln w="25400">
-            <a:solidFill>
-              <a:schemeClr val="tx1"/>
-            </a:solidFill>
-            <a:headEnd type="stealth" w="lg" len="lg"/>
-            <a:tailEnd type="stealth" w="lg" len="lg"/>
-          </a:ln>
-        </p:spPr>
-        <p:style>
-          <a:lnRef idx="1">
-            <a:schemeClr val="accent1"/>
-          </a:lnRef>
-          <a:fillRef idx="0">
-            <a:schemeClr val="accent1"/>
-          </a:fillRef>
-          <a:effectRef idx="0">
-            <a:schemeClr val="accent1"/>
-          </a:effectRef>
-          <a:fontRef idx="minor">
-            <a:schemeClr val="tx1"/>
-          </a:fontRef>
-        </p:style>
-      </p:cxnSp>
-      <p:cxnSp>
-        <p:nvCxnSpPr>
-          <p:cNvPr id="248" name="Straight Connector 247"/>
-          <p:cNvCxnSpPr>
-            <a:stCxn id="127" idx="4"/>
-            <a:endCxn id="145" idx="0"/>
-          </p:cNvCxnSpPr>
-          <p:nvPr/>
-        </p:nvCxnSpPr>
-        <p:spPr>
-          <a:xfrm flipH="1">
-            <a:off x="4425809" y="4549930"/>
-            <a:ext cx="4142" cy="499155"/>
-          </a:xfrm>
-          <a:prstGeom prst="line">
-            <a:avLst/>
-          </a:prstGeom>
-          <a:ln w="25400">
-            <a:solidFill>
-              <a:schemeClr val="tx1"/>
-            </a:solidFill>
-            <a:headEnd type="stealth" w="lg" len="lg"/>
-            <a:tailEnd type="stealth" w="lg" len="lg"/>
-          </a:ln>
-        </p:spPr>
-        <p:style>
-          <a:lnRef idx="1">
-            <a:schemeClr val="accent1"/>
-          </a:lnRef>
-          <a:fillRef idx="0">
-            <a:schemeClr val="accent1"/>
-          </a:fillRef>
-          <a:effectRef idx="0">
-            <a:schemeClr val="accent1"/>
-          </a:effectRef>
-          <a:fontRef idx="minor">
-            <a:schemeClr val="tx1"/>
-          </a:fontRef>
-        </p:style>
-      </p:cxnSp>
-      <p:cxnSp>
-        <p:nvCxnSpPr>
-          <p:cNvPr id="251" name="Straight Connector 250"/>
-          <p:cNvCxnSpPr>
-            <a:stCxn id="124" idx="4"/>
-            <a:endCxn id="142" idx="0"/>
-          </p:cNvCxnSpPr>
-          <p:nvPr/>
-        </p:nvCxnSpPr>
-        <p:spPr>
-          <a:xfrm flipH="1">
-            <a:off x="3380675" y="4548274"/>
-            <a:ext cx="6868" cy="504362"/>
-          </a:xfrm>
-          <a:prstGeom prst="line">
-            <a:avLst/>
-          </a:prstGeom>
-          <a:ln w="25400">
-            <a:solidFill>
-              <a:schemeClr val="tx1"/>
-            </a:solidFill>
-            <a:headEnd type="stealth" w="lg" len="lg"/>
-            <a:tailEnd type="stealth" w="lg" len="lg"/>
-          </a:ln>
-        </p:spPr>
-        <p:style>
-          <a:lnRef idx="1">
-            <a:schemeClr val="accent1"/>
-          </a:lnRef>
-          <a:fillRef idx="0">
-            <a:schemeClr val="accent1"/>
-          </a:fillRef>
-          <a:effectRef idx="0">
-            <a:schemeClr val="accent1"/>
-          </a:effectRef>
-          <a:fontRef idx="minor">
-            <a:schemeClr val="tx1"/>
-          </a:fontRef>
-        </p:style>
-      </p:cxnSp>
-      <p:cxnSp>
-        <p:nvCxnSpPr>
-          <p:cNvPr id="254" name="Straight Connector 253"/>
-          <p:cNvCxnSpPr>
-            <a:stCxn id="124" idx="5"/>
-            <a:endCxn id="145" idx="1"/>
-          </p:cNvCxnSpPr>
-          <p:nvPr/>
-        </p:nvCxnSpPr>
-        <p:spPr>
-          <a:xfrm>
-            <a:off x="3658450" y="4452395"/>
-            <a:ext cx="496451" cy="692569"/>
-          </a:xfrm>
-          <a:prstGeom prst="line">
-            <a:avLst/>
-          </a:prstGeom>
-          <a:ln w="25400">
-            <a:solidFill>
-              <a:schemeClr val="tx1"/>
-            </a:solidFill>
-            <a:headEnd type="stealth" w="lg" len="lg"/>
-            <a:tailEnd type="stealth" w="lg" len="lg"/>
-          </a:ln>
-        </p:spPr>
-        <p:style>
-          <a:lnRef idx="1">
-            <a:schemeClr val="accent1"/>
-          </a:lnRef>
-          <a:fillRef idx="0">
-            <a:schemeClr val="accent1"/>
-          </a:fillRef>
-          <a:effectRef idx="0">
-            <a:schemeClr val="accent1"/>
-          </a:effectRef>
-          <a:fontRef idx="minor">
-            <a:schemeClr val="tx1"/>
-          </a:fontRef>
-        </p:style>
-      </p:cxnSp>
-      <p:cxnSp>
-        <p:nvCxnSpPr>
-          <p:cNvPr id="257" name="Straight Connector 256"/>
-          <p:cNvCxnSpPr>
-            <a:stCxn id="127" idx="3"/>
-            <a:endCxn id="142" idx="7"/>
-          </p:cNvCxnSpPr>
-          <p:nvPr/>
-        </p:nvCxnSpPr>
-        <p:spPr>
-          <a:xfrm flipH="1">
-            <a:off x="3651582" y="4454051"/>
-            <a:ext cx="507461" cy="694464"/>
-          </a:xfrm>
-          <a:prstGeom prst="line">
-            <a:avLst/>
-          </a:prstGeom>
-          <a:ln w="25400">
-            <a:solidFill>
-              <a:schemeClr val="tx1"/>
-            </a:solidFill>
-            <a:headEnd type="stealth" w="lg" len="lg"/>
-            <a:tailEnd type="stealth" w="lg" len="lg"/>
-          </a:ln>
-        </p:spPr>
-        <p:style>
-          <a:lnRef idx="1">
-            <a:schemeClr val="accent1"/>
-          </a:lnRef>
-          <a:fillRef idx="0">
-            <a:schemeClr val="accent1"/>
-          </a:fillRef>
-          <a:effectRef idx="0">
-            <a:schemeClr val="accent1"/>
-          </a:effectRef>
-          <a:fontRef idx="minor">
-            <a:schemeClr val="tx1"/>
-          </a:fontRef>
-        </p:style>
-      </p:cxnSp>
-      <p:cxnSp>
-        <p:nvCxnSpPr>
-          <p:cNvPr id="260" name="Straight Connector 259"/>
-          <p:cNvCxnSpPr>
-            <a:stCxn id="133" idx="3"/>
-            <a:endCxn id="136" idx="7"/>
-          </p:cNvCxnSpPr>
-          <p:nvPr/>
-        </p:nvCxnSpPr>
-        <p:spPr>
-          <a:xfrm flipH="1">
-            <a:off x="1489545" y="4452395"/>
-            <a:ext cx="542281" cy="696120"/>
-          </a:xfrm>
-          <a:prstGeom prst="line">
-            <a:avLst/>
-          </a:prstGeom>
-          <a:ln w="25400">
-            <a:solidFill>
-              <a:schemeClr val="tx1"/>
-            </a:solidFill>
-            <a:headEnd type="stealth" w="lg" len="lg"/>
-            <a:tailEnd type="stealth" w="lg" len="lg"/>
-          </a:ln>
-        </p:spPr>
-        <p:style>
-          <a:lnRef idx="1">
-            <a:schemeClr val="accent1"/>
-          </a:lnRef>
-          <a:fillRef idx="0">
-            <a:schemeClr val="accent1"/>
-          </a:fillRef>
-          <a:effectRef idx="0">
-            <a:schemeClr val="accent1"/>
-          </a:effectRef>
-          <a:fontRef idx="minor">
-            <a:schemeClr val="tx1"/>
-          </a:fontRef>
-        </p:style>
-      </p:cxnSp>
-      <p:cxnSp>
-        <p:nvCxnSpPr>
-          <p:cNvPr id="263" name="Straight Connector 262"/>
-          <p:cNvCxnSpPr>
-            <a:stCxn id="130" idx="4"/>
-            <a:endCxn id="136" idx="0"/>
-          </p:cNvCxnSpPr>
-          <p:nvPr/>
-        </p:nvCxnSpPr>
-        <p:spPr>
-          <a:xfrm>
-            <a:off x="1208172" y="4551825"/>
-            <a:ext cx="10466" cy="500811"/>
-          </a:xfrm>
-          <a:prstGeom prst="line">
-            <a:avLst/>
-          </a:prstGeom>
-          <a:ln w="25400">
-            <a:solidFill>
-              <a:schemeClr val="tx1"/>
-            </a:solidFill>
-            <a:headEnd type="stealth" w="lg" len="lg"/>
-            <a:tailEnd type="stealth" w="lg" len="lg"/>
-          </a:ln>
-        </p:spPr>
-        <p:style>
-          <a:lnRef idx="1">
-            <a:schemeClr val="accent1"/>
-          </a:lnRef>
-          <a:fillRef idx="0">
-            <a:schemeClr val="accent1"/>
-          </a:fillRef>
-          <a:effectRef idx="0">
-            <a:schemeClr val="accent1"/>
-          </a:effectRef>
-          <a:fontRef idx="minor">
-            <a:schemeClr val="tx1"/>
-          </a:fontRef>
-        </p:style>
-      </p:cxnSp>
-      <p:cxnSp>
-        <p:nvCxnSpPr>
-          <p:cNvPr id="266" name="Straight Connector 265"/>
-          <p:cNvCxnSpPr>
-            <a:stCxn id="130" idx="5"/>
-            <a:endCxn id="139" idx="1"/>
-          </p:cNvCxnSpPr>
-          <p:nvPr/>
-        </p:nvCxnSpPr>
-        <p:spPr>
-          <a:xfrm>
-            <a:off x="1479079" y="4455946"/>
-            <a:ext cx="550856" cy="689018"/>
-          </a:xfrm>
-          <a:prstGeom prst="line">
-            <a:avLst/>
-          </a:prstGeom>
-          <a:ln w="25400">
-            <a:solidFill>
-              <a:schemeClr val="tx1"/>
-            </a:solidFill>
-            <a:headEnd type="stealth" w="lg" len="lg"/>
-            <a:tailEnd type="stealth" w="lg" len="lg"/>
-          </a:ln>
-        </p:spPr>
-        <p:style>
-          <a:lnRef idx="1">
-            <a:schemeClr val="accent1"/>
-          </a:lnRef>
-          <a:fillRef idx="0">
-            <a:schemeClr val="accent1"/>
-          </a:fillRef>
-          <a:effectRef idx="0">
-            <a:schemeClr val="accent1"/>
-          </a:effectRef>
-          <a:fontRef idx="minor">
-            <a:schemeClr val="tx1"/>
-          </a:fontRef>
-        </p:style>
-      </p:cxnSp>
-      <p:cxnSp>
-        <p:nvCxnSpPr>
-          <p:cNvPr id="269" name="Straight Connector 268"/>
-          <p:cNvCxnSpPr>
-            <a:stCxn id="283" idx="3"/>
-            <a:endCxn id="92" idx="3"/>
-          </p:cNvCxnSpPr>
-          <p:nvPr/>
-        </p:nvCxnSpPr>
-        <p:spPr>
-          <a:xfrm flipH="1">
-            <a:off x="3308783" y="1850854"/>
-            <a:ext cx="1453780" cy="288993"/>
-          </a:xfrm>
-          <a:prstGeom prst="line">
-            <a:avLst/>
-          </a:prstGeom>
-          <a:ln w="25400">
-            <a:solidFill>
-              <a:schemeClr val="tx1"/>
-            </a:solidFill>
-            <a:tailEnd type="stealth" w="lg" len="lg"/>
-          </a:ln>
-        </p:spPr>
-        <p:style>
-          <a:lnRef idx="1">
-            <a:schemeClr val="accent1"/>
-          </a:lnRef>
-          <a:fillRef idx="0">
-            <a:schemeClr val="accent1"/>
-          </a:fillRef>
-          <a:effectRef idx="0">
-            <a:schemeClr val="accent1"/>
-          </a:effectRef>
-          <a:fontRef idx="minor">
-            <a:schemeClr val="tx1"/>
-          </a:fontRef>
-        </p:style>
-      </p:cxnSp>
-      <p:cxnSp>
-        <p:nvCxnSpPr>
-          <p:cNvPr id="273" name="Straight Connector 272"/>
-          <p:cNvCxnSpPr>
-            <a:stCxn id="283" idx="5"/>
-            <a:endCxn id="176" idx="1"/>
-          </p:cNvCxnSpPr>
-          <p:nvPr/>
-        </p:nvCxnSpPr>
-        <p:spPr>
-          <a:xfrm>
-            <a:off x="5384399" y="1850854"/>
-            <a:ext cx="1660166" cy="288993"/>
-          </a:xfrm>
-          <a:prstGeom prst="line">
-            <a:avLst/>
-          </a:prstGeom>
-          <a:ln w="25400">
-            <a:solidFill>
-              <a:schemeClr val="tx1"/>
-            </a:solidFill>
-            <a:tailEnd type="stealth" w="lg" len="lg"/>
-          </a:ln>
-        </p:spPr>
-        <p:style>
-          <a:lnRef idx="1">
-            <a:schemeClr val="accent1"/>
-          </a:lnRef>
-          <a:fillRef idx="0">
-            <a:schemeClr val="accent1"/>
-          </a:fillRef>
-          <a:effectRef idx="0">
-            <a:schemeClr val="accent1"/>
-          </a:effectRef>
-          <a:fontRef idx="minor">
-            <a:schemeClr val="tx1"/>
-          </a:fontRef>
-        </p:style>
-      </p:cxnSp>
-      <p:grpSp>
-        <p:nvGrpSpPr>
-          <p:cNvPr id="287" name="Group 286"/>
-          <p:cNvGrpSpPr/>
-          <p:nvPr/>
-        </p:nvGrpSpPr>
-        <p:grpSpPr>
-          <a:xfrm>
-            <a:off x="4607169" y="1292030"/>
-            <a:ext cx="906017" cy="892066"/>
-            <a:chOff x="4607169" y="1205531"/>
-            <a:chExt cx="906017" cy="892066"/>
-          </a:xfrm>
-        </p:grpSpPr>
-        <p:sp>
-          <p:nvSpPr>
-            <p:cNvPr id="281" name="Arc 280"/>
-            <p:cNvSpPr/>
-            <p:nvPr/>
-          </p:nvSpPr>
-          <p:spPr>
-            <a:xfrm>
-              <a:off x="4886661" y="1622869"/>
-              <a:ext cx="454240" cy="474728"/>
-            </a:xfrm>
-            <a:prstGeom prst="arc">
-              <a:avLst>
-                <a:gd name="adj1" fmla="val 20615935"/>
-                <a:gd name="adj2" fmla="val 11255835"/>
-              </a:avLst>
-            </a:prstGeom>
-            <a:ln w="25400">
-              <a:solidFill>
-                <a:schemeClr val="tx1"/>
-              </a:solidFill>
-              <a:headEnd w="lg" len="lg"/>
-              <a:tailEnd type="stealth"/>
-            </a:ln>
-          </p:spPr>
-          <p:style>
-            <a:lnRef idx="1">
-              <a:schemeClr val="accent1"/>
-            </a:lnRef>
-            <a:fillRef idx="0">
-              <a:schemeClr val="accent1"/>
-            </a:fillRef>
-            <a:effectRef idx="0">
-              <a:schemeClr val="accent1"/>
-            </a:effectRef>
-            <a:fontRef idx="minor">
-              <a:schemeClr val="tx1"/>
-            </a:fontRef>
-          </p:style>
-          <p:txBody>
-            <a:bodyPr rtlCol="0" anchor="ctr"/>
-            <a:lstStyle/>
-            <a:p>
-              <a:pPr algn="ctr"/>
-              <a:endParaRPr lang="en-US"/>
-            </a:p>
-          </p:txBody>
-        </p:sp>
         <p:grpSp>
           <p:nvGrpSpPr>
-            <p:cNvPr id="282" name="Group 281"/>
+            <p:cNvPr id="5" name="Group 4"/>
             <p:cNvGrpSpPr/>
             <p:nvPr/>
           </p:nvGrpSpPr>
           <p:grpSpPr>
             <a:xfrm>
-              <a:off x="4607169" y="1205531"/>
-              <a:ext cx="906017" cy="654703"/>
+              <a:off x="1402808" y="2713940"/>
+              <a:ext cx="819455" cy="654703"/>
               <a:chOff x="6847409" y="1656010"/>
-              <a:chExt cx="906017" cy="654703"/>
+              <a:chExt cx="819455" cy="654703"/>
             </a:xfrm>
           </p:grpSpPr>
           <p:sp>
             <p:nvSpPr>
-              <p:cNvPr id="283" name="Oval 282"/>
+              <p:cNvPr id="89" name="Oval 88"/>
               <p:cNvSpPr/>
               <p:nvPr/>
             </p:nvSpPr>
             <p:spPr>
               <a:xfrm>
                 <a:off x="6874016" y="1656010"/>
-                <a:ext cx="879410" cy="654703"/>
+                <a:ext cx="766243" cy="654703"/>
               </a:xfrm>
               <a:prstGeom prst="ellipse">
                 <a:avLst/>
@@ -28587,14 +25054,14 @@
           </p:sp>
           <p:sp>
             <p:nvSpPr>
-              <p:cNvPr id="284" name="TextBox 283"/>
+              <p:cNvPr id="4" name="TextBox 3"/>
               <p:cNvSpPr txBox="1"/>
               <p:nvPr/>
             </p:nvSpPr>
             <p:spPr>
               <a:xfrm>
                 <a:off x="6847409" y="1814084"/>
-                <a:ext cx="906017" cy="338554"/>
+                <a:ext cx="819455" cy="338554"/>
               </a:xfrm>
               <a:prstGeom prst="rect">
                 <a:avLst/>
@@ -28609,12 +25076,3524 @@
               <a:p>
                 <a:r>
                   <a:rPr lang="en-US" sz="1600" dirty="0" smtClean="0"/>
-                  <a:t>(out,0,0)</a:t>
+                  <a:t>(S1,1,0)</a:t>
                 </a:r>
                 <a:endParaRPr lang="en-US" sz="1600" dirty="0"/>
               </a:p>
             </p:txBody>
           </p:sp>
+        </p:grpSp>
+        <p:grpSp>
+          <p:nvGrpSpPr>
+            <p:cNvPr id="90" name="Group 89"/>
+            <p:cNvGrpSpPr/>
+            <p:nvPr/>
+          </p:nvGrpSpPr>
+          <p:grpSpPr>
+            <a:xfrm>
+              <a:off x="2478106" y="1812496"/>
+              <a:ext cx="830677" cy="654703"/>
+              <a:chOff x="6847409" y="1656010"/>
+              <a:chExt cx="830677" cy="654703"/>
+            </a:xfrm>
+          </p:grpSpPr>
+          <p:sp>
+            <p:nvSpPr>
+              <p:cNvPr id="91" name="Oval 90"/>
+              <p:cNvSpPr/>
+              <p:nvPr/>
+            </p:nvSpPr>
+            <p:spPr>
+              <a:xfrm>
+                <a:off x="6874016" y="1656010"/>
+                <a:ext cx="766243" cy="654703"/>
+              </a:xfrm>
+              <a:prstGeom prst="ellipse">
+                <a:avLst/>
+              </a:prstGeom>
+              <a:solidFill>
+                <a:schemeClr val="bg2"/>
+              </a:solidFill>
+              <a:ln>
+                <a:solidFill>
+                  <a:schemeClr val="tx1"/>
+                </a:solidFill>
+              </a:ln>
+            </p:spPr>
+            <p:style>
+              <a:lnRef idx="2">
+                <a:schemeClr val="accent1">
+                  <a:shade val="50000"/>
+                </a:schemeClr>
+              </a:lnRef>
+              <a:fillRef idx="1">
+                <a:schemeClr val="accent1"/>
+              </a:fillRef>
+              <a:effectRef idx="0">
+                <a:schemeClr val="accent1"/>
+              </a:effectRef>
+              <a:fontRef idx="minor">
+                <a:schemeClr val="lt1"/>
+              </a:fontRef>
+            </p:style>
+            <p:txBody>
+              <a:bodyPr rtlCol="0" anchor="ctr"/>
+              <a:lstStyle/>
+              <a:p>
+                <a:pPr algn="ctr"/>
+                <a:endParaRPr lang="en-US" dirty="0">
+                  <a:solidFill>
+                    <a:schemeClr val="tx1"/>
+                  </a:solidFill>
+                </a:endParaRPr>
+              </a:p>
+            </p:txBody>
+          </p:sp>
+          <p:sp>
+            <p:nvSpPr>
+              <p:cNvPr id="92" name="TextBox 91"/>
+              <p:cNvSpPr txBox="1"/>
+              <p:nvPr/>
+            </p:nvSpPr>
+            <p:spPr>
+              <a:xfrm>
+                <a:off x="6847409" y="1814084"/>
+                <a:ext cx="830677" cy="338554"/>
+              </a:xfrm>
+              <a:prstGeom prst="rect">
+                <a:avLst/>
+              </a:prstGeom>
+              <a:noFill/>
+            </p:spPr>
+            <p:txBody>
+              <a:bodyPr wrap="none" rtlCol="0">
+                <a:spAutoFit/>
+              </a:bodyPr>
+              <a:lstStyle/>
+              <a:p>
+                <a:r>
+                  <a:rPr lang="en-US" sz="1600" dirty="0" smtClean="0"/>
+                  <a:t>(P1,0,0)</a:t>
+                </a:r>
+                <a:endParaRPr lang="en-US" sz="1600" dirty="0"/>
+              </a:p>
+            </p:txBody>
+          </p:sp>
+        </p:grpSp>
+        <p:grpSp>
+          <p:nvGrpSpPr>
+            <p:cNvPr id="99" name="Group 98"/>
+            <p:cNvGrpSpPr/>
+            <p:nvPr/>
+          </p:nvGrpSpPr>
+          <p:grpSpPr>
+            <a:xfrm>
+              <a:off x="3471014" y="2713940"/>
+              <a:ext cx="819455" cy="654703"/>
+              <a:chOff x="6847409" y="1656010"/>
+              <a:chExt cx="819455" cy="654703"/>
+            </a:xfrm>
+          </p:grpSpPr>
+          <p:sp>
+            <p:nvSpPr>
+              <p:cNvPr id="101" name="Oval 100"/>
+              <p:cNvSpPr/>
+              <p:nvPr/>
+            </p:nvSpPr>
+            <p:spPr>
+              <a:xfrm>
+                <a:off x="6874016" y="1656010"/>
+                <a:ext cx="766243" cy="654703"/>
+              </a:xfrm>
+              <a:prstGeom prst="ellipse">
+                <a:avLst/>
+              </a:prstGeom>
+              <a:solidFill>
+                <a:schemeClr val="bg2"/>
+              </a:solidFill>
+              <a:ln>
+                <a:solidFill>
+                  <a:schemeClr val="tx1"/>
+                </a:solidFill>
+              </a:ln>
+            </p:spPr>
+            <p:style>
+              <a:lnRef idx="2">
+                <a:schemeClr val="accent1">
+                  <a:shade val="50000"/>
+                </a:schemeClr>
+              </a:lnRef>
+              <a:fillRef idx="1">
+                <a:schemeClr val="accent1"/>
+              </a:fillRef>
+              <a:effectRef idx="0">
+                <a:schemeClr val="accent1"/>
+              </a:effectRef>
+              <a:fontRef idx="minor">
+                <a:schemeClr val="lt1"/>
+              </a:fontRef>
+            </p:style>
+            <p:txBody>
+              <a:bodyPr rtlCol="0" anchor="ctr"/>
+              <a:lstStyle/>
+              <a:p>
+                <a:pPr algn="ctr"/>
+                <a:endParaRPr lang="en-US" dirty="0">
+                  <a:solidFill>
+                    <a:schemeClr val="tx1"/>
+                  </a:solidFill>
+                </a:endParaRPr>
+              </a:p>
+            </p:txBody>
+          </p:sp>
+          <p:sp>
+            <p:nvSpPr>
+              <p:cNvPr id="102" name="TextBox 101"/>
+              <p:cNvSpPr txBox="1"/>
+              <p:nvPr/>
+            </p:nvSpPr>
+            <p:spPr>
+              <a:xfrm>
+                <a:off x="6847409" y="1814084"/>
+                <a:ext cx="819455" cy="338554"/>
+              </a:xfrm>
+              <a:prstGeom prst="rect">
+                <a:avLst/>
+              </a:prstGeom>
+              <a:noFill/>
+            </p:spPr>
+            <p:txBody>
+              <a:bodyPr wrap="none" rtlCol="0">
+                <a:spAutoFit/>
+              </a:bodyPr>
+              <a:lstStyle/>
+              <a:p>
+                <a:r>
+                  <a:rPr lang="en-US" sz="1600" dirty="0" smtClean="0"/>
+                  <a:t>(S2,1,0)</a:t>
+                </a:r>
+                <a:endParaRPr lang="en-US" sz="1600" dirty="0"/>
+              </a:p>
+            </p:txBody>
+          </p:sp>
+        </p:grpSp>
+        <p:grpSp>
+          <p:nvGrpSpPr>
+            <p:cNvPr id="123" name="Group 122"/>
+            <p:cNvGrpSpPr/>
+            <p:nvPr/>
+          </p:nvGrpSpPr>
+          <p:grpSpPr>
+            <a:xfrm>
+              <a:off x="2977814" y="3893571"/>
+              <a:ext cx="843501" cy="654703"/>
+              <a:chOff x="6847409" y="1656010"/>
+              <a:chExt cx="843501" cy="654703"/>
+            </a:xfrm>
+          </p:grpSpPr>
+          <p:sp>
+            <p:nvSpPr>
+              <p:cNvPr id="124" name="Oval 123"/>
+              <p:cNvSpPr/>
+              <p:nvPr/>
+            </p:nvSpPr>
+            <p:spPr>
+              <a:xfrm>
+                <a:off x="6874016" y="1656010"/>
+                <a:ext cx="766243" cy="654703"/>
+              </a:xfrm>
+              <a:prstGeom prst="ellipse">
+                <a:avLst/>
+              </a:prstGeom>
+              <a:solidFill>
+                <a:schemeClr val="bg2"/>
+              </a:solidFill>
+              <a:ln>
+                <a:solidFill>
+                  <a:schemeClr val="tx1"/>
+                </a:solidFill>
+              </a:ln>
+            </p:spPr>
+            <p:style>
+              <a:lnRef idx="2">
+                <a:schemeClr val="accent1">
+                  <a:shade val="50000"/>
+                </a:schemeClr>
+              </a:lnRef>
+              <a:fillRef idx="1">
+                <a:schemeClr val="accent1"/>
+              </a:fillRef>
+              <a:effectRef idx="0">
+                <a:schemeClr val="accent1"/>
+              </a:effectRef>
+              <a:fontRef idx="minor">
+                <a:schemeClr val="lt1"/>
+              </a:fontRef>
+            </p:style>
+            <p:txBody>
+              <a:bodyPr rtlCol="0" anchor="ctr"/>
+              <a:lstStyle/>
+              <a:p>
+                <a:pPr algn="ctr"/>
+                <a:endParaRPr lang="en-US" dirty="0">
+                  <a:solidFill>
+                    <a:schemeClr val="tx1"/>
+                  </a:solidFill>
+                </a:endParaRPr>
+              </a:p>
+            </p:txBody>
+          </p:sp>
+          <p:sp>
+            <p:nvSpPr>
+              <p:cNvPr id="125" name="TextBox 124"/>
+              <p:cNvSpPr txBox="1"/>
+              <p:nvPr/>
+            </p:nvSpPr>
+            <p:spPr>
+              <a:xfrm>
+                <a:off x="6847409" y="1814084"/>
+                <a:ext cx="843501" cy="338554"/>
+              </a:xfrm>
+              <a:prstGeom prst="rect">
+                <a:avLst/>
+              </a:prstGeom>
+              <a:noFill/>
+            </p:spPr>
+            <p:txBody>
+              <a:bodyPr wrap="none" rtlCol="0">
+                <a:spAutoFit/>
+              </a:bodyPr>
+              <a:lstStyle/>
+              <a:p>
+                <a:r>
+                  <a:rPr lang="en-US" sz="1600" dirty="0" smtClean="0"/>
+                  <a:t>(A3,1,0)</a:t>
+                </a:r>
+                <a:endParaRPr lang="en-US" sz="1600" dirty="0"/>
+              </a:p>
+            </p:txBody>
+          </p:sp>
+        </p:grpSp>
+        <p:grpSp>
+          <p:nvGrpSpPr>
+            <p:cNvPr id="126" name="Group 125"/>
+            <p:cNvGrpSpPr/>
+            <p:nvPr/>
+          </p:nvGrpSpPr>
+          <p:grpSpPr>
+            <a:xfrm>
+              <a:off x="4020222" y="3895227"/>
+              <a:ext cx="843501" cy="654703"/>
+              <a:chOff x="6847409" y="1656010"/>
+              <a:chExt cx="843501" cy="654703"/>
+            </a:xfrm>
+          </p:grpSpPr>
+          <p:sp>
+            <p:nvSpPr>
+              <p:cNvPr id="127" name="Oval 126"/>
+              <p:cNvSpPr/>
+              <p:nvPr/>
+            </p:nvSpPr>
+            <p:spPr>
+              <a:xfrm>
+                <a:off x="6874016" y="1656010"/>
+                <a:ext cx="766243" cy="654703"/>
+              </a:xfrm>
+              <a:prstGeom prst="ellipse">
+                <a:avLst/>
+              </a:prstGeom>
+              <a:solidFill>
+                <a:schemeClr val="bg2"/>
+              </a:solidFill>
+              <a:ln>
+                <a:solidFill>
+                  <a:schemeClr val="tx1"/>
+                </a:solidFill>
+              </a:ln>
+            </p:spPr>
+            <p:style>
+              <a:lnRef idx="2">
+                <a:schemeClr val="accent1">
+                  <a:shade val="50000"/>
+                </a:schemeClr>
+              </a:lnRef>
+              <a:fillRef idx="1">
+                <a:schemeClr val="accent1"/>
+              </a:fillRef>
+              <a:effectRef idx="0">
+                <a:schemeClr val="accent1"/>
+              </a:effectRef>
+              <a:fontRef idx="minor">
+                <a:schemeClr val="lt1"/>
+              </a:fontRef>
+            </p:style>
+            <p:txBody>
+              <a:bodyPr rtlCol="0" anchor="ctr"/>
+              <a:lstStyle/>
+              <a:p>
+                <a:pPr algn="ctr"/>
+                <a:endParaRPr lang="en-US" dirty="0">
+                  <a:solidFill>
+                    <a:schemeClr val="tx1"/>
+                  </a:solidFill>
+                </a:endParaRPr>
+              </a:p>
+            </p:txBody>
+          </p:sp>
+          <p:sp>
+            <p:nvSpPr>
+              <p:cNvPr id="128" name="TextBox 127"/>
+              <p:cNvSpPr txBox="1"/>
+              <p:nvPr/>
+            </p:nvSpPr>
+            <p:spPr>
+              <a:xfrm>
+                <a:off x="6847409" y="1814084"/>
+                <a:ext cx="843501" cy="338554"/>
+              </a:xfrm>
+              <a:prstGeom prst="rect">
+                <a:avLst/>
+              </a:prstGeom>
+              <a:noFill/>
+            </p:spPr>
+            <p:txBody>
+              <a:bodyPr wrap="none" rtlCol="0">
+                <a:spAutoFit/>
+              </a:bodyPr>
+              <a:lstStyle/>
+              <a:p>
+                <a:r>
+                  <a:rPr lang="en-US" sz="1600" dirty="0" smtClean="0"/>
+                  <a:t>(A4,1,0)</a:t>
+                </a:r>
+                <a:endParaRPr lang="en-US" sz="1600" dirty="0"/>
+              </a:p>
+            </p:txBody>
+          </p:sp>
+        </p:grpSp>
+        <p:grpSp>
+          <p:nvGrpSpPr>
+            <p:cNvPr id="129" name="Group 128"/>
+            <p:cNvGrpSpPr/>
+            <p:nvPr/>
+          </p:nvGrpSpPr>
+          <p:grpSpPr>
+            <a:xfrm>
+              <a:off x="798443" y="3897122"/>
+              <a:ext cx="843501" cy="654703"/>
+              <a:chOff x="6847409" y="1656010"/>
+              <a:chExt cx="843501" cy="654703"/>
+            </a:xfrm>
+          </p:grpSpPr>
+          <p:sp>
+            <p:nvSpPr>
+              <p:cNvPr id="130" name="Oval 129"/>
+              <p:cNvSpPr/>
+              <p:nvPr/>
+            </p:nvSpPr>
+            <p:spPr>
+              <a:xfrm>
+                <a:off x="6874016" y="1656010"/>
+                <a:ext cx="766243" cy="654703"/>
+              </a:xfrm>
+              <a:prstGeom prst="ellipse">
+                <a:avLst/>
+              </a:prstGeom>
+              <a:solidFill>
+                <a:schemeClr val="bg2"/>
+              </a:solidFill>
+              <a:ln>
+                <a:solidFill>
+                  <a:schemeClr val="tx1"/>
+                </a:solidFill>
+              </a:ln>
+            </p:spPr>
+            <p:style>
+              <a:lnRef idx="2">
+                <a:schemeClr val="accent1">
+                  <a:shade val="50000"/>
+                </a:schemeClr>
+              </a:lnRef>
+              <a:fillRef idx="1">
+                <a:schemeClr val="accent1"/>
+              </a:fillRef>
+              <a:effectRef idx="0">
+                <a:schemeClr val="accent1"/>
+              </a:effectRef>
+              <a:fontRef idx="minor">
+                <a:schemeClr val="lt1"/>
+              </a:fontRef>
+            </p:style>
+            <p:txBody>
+              <a:bodyPr rtlCol="0" anchor="ctr"/>
+              <a:lstStyle/>
+              <a:p>
+                <a:pPr algn="ctr"/>
+                <a:endParaRPr lang="en-US" dirty="0">
+                  <a:solidFill>
+                    <a:schemeClr val="tx1"/>
+                  </a:solidFill>
+                </a:endParaRPr>
+              </a:p>
+            </p:txBody>
+          </p:sp>
+          <p:sp>
+            <p:nvSpPr>
+              <p:cNvPr id="131" name="TextBox 130"/>
+              <p:cNvSpPr txBox="1"/>
+              <p:nvPr/>
+            </p:nvSpPr>
+            <p:spPr>
+              <a:xfrm>
+                <a:off x="6847409" y="1814084"/>
+                <a:ext cx="843501" cy="338554"/>
+              </a:xfrm>
+              <a:prstGeom prst="rect">
+                <a:avLst/>
+              </a:prstGeom>
+              <a:noFill/>
+            </p:spPr>
+            <p:txBody>
+              <a:bodyPr wrap="none" rtlCol="0">
+                <a:spAutoFit/>
+              </a:bodyPr>
+              <a:lstStyle/>
+              <a:p>
+                <a:r>
+                  <a:rPr lang="en-US" sz="1600" dirty="0" smtClean="0"/>
+                  <a:t>(A1,1,0)</a:t>
+                </a:r>
+                <a:endParaRPr lang="en-US" sz="1600" dirty="0"/>
+              </a:p>
+            </p:txBody>
+          </p:sp>
+        </p:grpSp>
+        <p:grpSp>
+          <p:nvGrpSpPr>
+            <p:cNvPr id="132" name="Group 131"/>
+            <p:cNvGrpSpPr/>
+            <p:nvPr/>
+          </p:nvGrpSpPr>
+          <p:grpSpPr>
+            <a:xfrm>
+              <a:off x="1893005" y="3893571"/>
+              <a:ext cx="843501" cy="654703"/>
+              <a:chOff x="6847409" y="1656010"/>
+              <a:chExt cx="843501" cy="654703"/>
+            </a:xfrm>
+          </p:grpSpPr>
+          <p:sp>
+            <p:nvSpPr>
+              <p:cNvPr id="133" name="Oval 132"/>
+              <p:cNvSpPr/>
+              <p:nvPr/>
+            </p:nvSpPr>
+            <p:spPr>
+              <a:xfrm>
+                <a:off x="6874016" y="1656010"/>
+                <a:ext cx="766243" cy="654703"/>
+              </a:xfrm>
+              <a:prstGeom prst="ellipse">
+                <a:avLst/>
+              </a:prstGeom>
+              <a:solidFill>
+                <a:schemeClr val="bg2"/>
+              </a:solidFill>
+              <a:ln>
+                <a:solidFill>
+                  <a:schemeClr val="tx1"/>
+                </a:solidFill>
+              </a:ln>
+            </p:spPr>
+            <p:style>
+              <a:lnRef idx="2">
+                <a:schemeClr val="accent1">
+                  <a:shade val="50000"/>
+                </a:schemeClr>
+              </a:lnRef>
+              <a:fillRef idx="1">
+                <a:schemeClr val="accent1"/>
+              </a:fillRef>
+              <a:effectRef idx="0">
+                <a:schemeClr val="accent1"/>
+              </a:effectRef>
+              <a:fontRef idx="minor">
+                <a:schemeClr val="lt1"/>
+              </a:fontRef>
+            </p:style>
+            <p:txBody>
+              <a:bodyPr rtlCol="0" anchor="ctr"/>
+              <a:lstStyle/>
+              <a:p>
+                <a:pPr algn="ctr"/>
+                <a:endParaRPr lang="en-US" dirty="0">
+                  <a:solidFill>
+                    <a:schemeClr val="tx1"/>
+                  </a:solidFill>
+                </a:endParaRPr>
+              </a:p>
+            </p:txBody>
+          </p:sp>
+          <p:sp>
+            <p:nvSpPr>
+              <p:cNvPr id="134" name="TextBox 133"/>
+              <p:cNvSpPr txBox="1"/>
+              <p:nvPr/>
+            </p:nvSpPr>
+            <p:spPr>
+              <a:xfrm>
+                <a:off x="6847409" y="1814084"/>
+                <a:ext cx="843501" cy="338554"/>
+              </a:xfrm>
+              <a:prstGeom prst="rect">
+                <a:avLst/>
+              </a:prstGeom>
+              <a:noFill/>
+            </p:spPr>
+            <p:txBody>
+              <a:bodyPr wrap="none" rtlCol="0">
+                <a:spAutoFit/>
+              </a:bodyPr>
+              <a:lstStyle/>
+              <a:p>
+                <a:r>
+                  <a:rPr lang="en-US" sz="1600" dirty="0" smtClean="0"/>
+                  <a:t>(A2,1,0)</a:t>
+                </a:r>
+                <a:endParaRPr lang="en-US" sz="1600" dirty="0"/>
+              </a:p>
+            </p:txBody>
+          </p:sp>
+        </p:grpSp>
+        <p:grpSp>
+          <p:nvGrpSpPr>
+            <p:cNvPr id="135" name="Group 134"/>
+            <p:cNvGrpSpPr/>
+            <p:nvPr/>
+          </p:nvGrpSpPr>
+          <p:grpSpPr>
+            <a:xfrm>
+              <a:off x="808909" y="5052636"/>
+              <a:ext cx="824265" cy="654703"/>
+              <a:chOff x="6847409" y="1656010"/>
+              <a:chExt cx="824265" cy="654703"/>
+            </a:xfrm>
+          </p:grpSpPr>
+          <p:sp>
+            <p:nvSpPr>
+              <p:cNvPr id="136" name="Oval 135"/>
+              <p:cNvSpPr/>
+              <p:nvPr/>
+            </p:nvSpPr>
+            <p:spPr>
+              <a:xfrm>
+                <a:off x="6874016" y="1656010"/>
+                <a:ext cx="766243" cy="654703"/>
+              </a:xfrm>
+              <a:prstGeom prst="ellipse">
+                <a:avLst/>
+              </a:prstGeom>
+              <a:solidFill>
+                <a:schemeClr val="bg2"/>
+              </a:solidFill>
+              <a:ln>
+                <a:solidFill>
+                  <a:schemeClr val="tx1"/>
+                </a:solidFill>
+              </a:ln>
+            </p:spPr>
+            <p:style>
+              <a:lnRef idx="2">
+                <a:schemeClr val="accent1">
+                  <a:shade val="50000"/>
+                </a:schemeClr>
+              </a:lnRef>
+              <a:fillRef idx="1">
+                <a:schemeClr val="accent1"/>
+              </a:fillRef>
+              <a:effectRef idx="0">
+                <a:schemeClr val="accent1"/>
+              </a:effectRef>
+              <a:fontRef idx="minor">
+                <a:schemeClr val="lt1"/>
+              </a:fontRef>
+            </p:style>
+            <p:txBody>
+              <a:bodyPr rtlCol="0" anchor="ctr"/>
+              <a:lstStyle/>
+              <a:p>
+                <a:pPr algn="ctr"/>
+                <a:endParaRPr lang="en-US" dirty="0">
+                  <a:solidFill>
+                    <a:schemeClr val="tx1"/>
+                  </a:solidFill>
+                </a:endParaRPr>
+              </a:p>
+            </p:txBody>
+          </p:sp>
+          <p:sp>
+            <p:nvSpPr>
+              <p:cNvPr id="137" name="TextBox 136"/>
+              <p:cNvSpPr txBox="1"/>
+              <p:nvPr/>
+            </p:nvSpPr>
+            <p:spPr>
+              <a:xfrm>
+                <a:off x="6847409" y="1814084"/>
+                <a:ext cx="824265" cy="338554"/>
+              </a:xfrm>
+              <a:prstGeom prst="rect">
+                <a:avLst/>
+              </a:prstGeom>
+              <a:noFill/>
+            </p:spPr>
+            <p:txBody>
+              <a:bodyPr wrap="none" rtlCol="0">
+                <a:spAutoFit/>
+              </a:bodyPr>
+              <a:lstStyle/>
+              <a:p>
+                <a:r>
+                  <a:rPr lang="en-US" sz="1600" dirty="0" smtClean="0"/>
+                  <a:t>(T1,1,0)</a:t>
+                </a:r>
+                <a:endParaRPr lang="en-US" sz="1600" dirty="0"/>
+              </a:p>
+            </p:txBody>
+          </p:sp>
+        </p:grpSp>
+        <p:grpSp>
+          <p:nvGrpSpPr>
+            <p:cNvPr id="138" name="Group 137"/>
+            <p:cNvGrpSpPr/>
+            <p:nvPr/>
+          </p:nvGrpSpPr>
+          <p:grpSpPr>
+            <a:xfrm>
+              <a:off x="1891114" y="5049085"/>
+              <a:ext cx="824265" cy="654703"/>
+              <a:chOff x="6847409" y="1656010"/>
+              <a:chExt cx="824265" cy="654703"/>
+            </a:xfrm>
+          </p:grpSpPr>
+          <p:sp>
+            <p:nvSpPr>
+              <p:cNvPr id="139" name="Oval 138"/>
+              <p:cNvSpPr/>
+              <p:nvPr/>
+            </p:nvSpPr>
+            <p:spPr>
+              <a:xfrm>
+                <a:off x="6874016" y="1656010"/>
+                <a:ext cx="766243" cy="654703"/>
+              </a:xfrm>
+              <a:prstGeom prst="ellipse">
+                <a:avLst/>
+              </a:prstGeom>
+              <a:solidFill>
+                <a:schemeClr val="bg2"/>
+              </a:solidFill>
+              <a:ln>
+                <a:solidFill>
+                  <a:schemeClr val="tx1"/>
+                </a:solidFill>
+              </a:ln>
+            </p:spPr>
+            <p:style>
+              <a:lnRef idx="2">
+                <a:schemeClr val="accent1">
+                  <a:shade val="50000"/>
+                </a:schemeClr>
+              </a:lnRef>
+              <a:fillRef idx="1">
+                <a:schemeClr val="accent1"/>
+              </a:fillRef>
+              <a:effectRef idx="0">
+                <a:schemeClr val="accent1"/>
+              </a:effectRef>
+              <a:fontRef idx="minor">
+                <a:schemeClr val="lt1"/>
+              </a:fontRef>
+            </p:style>
+            <p:txBody>
+              <a:bodyPr rtlCol="0" anchor="ctr"/>
+              <a:lstStyle/>
+              <a:p>
+                <a:pPr algn="ctr"/>
+                <a:endParaRPr lang="en-US" dirty="0">
+                  <a:solidFill>
+                    <a:schemeClr val="tx1"/>
+                  </a:solidFill>
+                </a:endParaRPr>
+              </a:p>
+            </p:txBody>
+          </p:sp>
+          <p:sp>
+            <p:nvSpPr>
+              <p:cNvPr id="140" name="TextBox 139"/>
+              <p:cNvSpPr txBox="1"/>
+              <p:nvPr/>
+            </p:nvSpPr>
+            <p:spPr>
+              <a:xfrm>
+                <a:off x="6847409" y="1814084"/>
+                <a:ext cx="824265" cy="338554"/>
+              </a:xfrm>
+              <a:prstGeom prst="rect">
+                <a:avLst/>
+              </a:prstGeom>
+              <a:noFill/>
+            </p:spPr>
+            <p:txBody>
+              <a:bodyPr wrap="none" rtlCol="0">
+                <a:spAutoFit/>
+              </a:bodyPr>
+              <a:lstStyle/>
+              <a:p>
+                <a:r>
+                  <a:rPr lang="en-US" sz="1600" dirty="0" smtClean="0"/>
+                  <a:t>(T2,1,0)</a:t>
+                </a:r>
+                <a:endParaRPr lang="en-US" sz="1600" dirty="0"/>
+              </a:p>
+            </p:txBody>
+          </p:sp>
+        </p:grpSp>
+        <p:grpSp>
+          <p:nvGrpSpPr>
+            <p:cNvPr id="141" name="Group 140"/>
+            <p:cNvGrpSpPr/>
+            <p:nvPr/>
+          </p:nvGrpSpPr>
+          <p:grpSpPr>
+            <a:xfrm>
+              <a:off x="2970946" y="5052636"/>
+              <a:ext cx="824265" cy="654703"/>
+              <a:chOff x="6847409" y="1656010"/>
+              <a:chExt cx="824265" cy="654703"/>
+            </a:xfrm>
+          </p:grpSpPr>
+          <p:sp>
+            <p:nvSpPr>
+              <p:cNvPr id="142" name="Oval 141"/>
+              <p:cNvSpPr/>
+              <p:nvPr/>
+            </p:nvSpPr>
+            <p:spPr>
+              <a:xfrm>
+                <a:off x="6874016" y="1656010"/>
+                <a:ext cx="766243" cy="654703"/>
+              </a:xfrm>
+              <a:prstGeom prst="ellipse">
+                <a:avLst/>
+              </a:prstGeom>
+              <a:solidFill>
+                <a:schemeClr val="bg2"/>
+              </a:solidFill>
+              <a:ln>
+                <a:solidFill>
+                  <a:schemeClr val="tx1"/>
+                </a:solidFill>
+              </a:ln>
+            </p:spPr>
+            <p:style>
+              <a:lnRef idx="2">
+                <a:schemeClr val="accent1">
+                  <a:shade val="50000"/>
+                </a:schemeClr>
+              </a:lnRef>
+              <a:fillRef idx="1">
+                <a:schemeClr val="accent1"/>
+              </a:fillRef>
+              <a:effectRef idx="0">
+                <a:schemeClr val="accent1"/>
+              </a:effectRef>
+              <a:fontRef idx="minor">
+                <a:schemeClr val="lt1"/>
+              </a:fontRef>
+            </p:style>
+            <p:txBody>
+              <a:bodyPr rtlCol="0" anchor="ctr"/>
+              <a:lstStyle/>
+              <a:p>
+                <a:pPr algn="ctr"/>
+                <a:endParaRPr lang="en-US" dirty="0">
+                  <a:solidFill>
+                    <a:schemeClr val="tx1"/>
+                  </a:solidFill>
+                </a:endParaRPr>
+              </a:p>
+            </p:txBody>
+          </p:sp>
+          <p:sp>
+            <p:nvSpPr>
+              <p:cNvPr id="143" name="TextBox 142"/>
+              <p:cNvSpPr txBox="1"/>
+              <p:nvPr/>
+            </p:nvSpPr>
+            <p:spPr>
+              <a:xfrm>
+                <a:off x="6847409" y="1814084"/>
+                <a:ext cx="824265" cy="338554"/>
+              </a:xfrm>
+              <a:prstGeom prst="rect">
+                <a:avLst/>
+              </a:prstGeom>
+              <a:noFill/>
+            </p:spPr>
+            <p:txBody>
+              <a:bodyPr wrap="none" rtlCol="0">
+                <a:spAutoFit/>
+              </a:bodyPr>
+              <a:lstStyle/>
+              <a:p>
+                <a:r>
+                  <a:rPr lang="en-US" sz="1600" dirty="0" smtClean="0"/>
+                  <a:t>(T3,1,0)</a:t>
+                </a:r>
+                <a:endParaRPr lang="en-US" sz="1600" dirty="0"/>
+              </a:p>
+            </p:txBody>
+          </p:sp>
+        </p:grpSp>
+        <p:grpSp>
+          <p:nvGrpSpPr>
+            <p:cNvPr id="144" name="Group 143"/>
+            <p:cNvGrpSpPr/>
+            <p:nvPr/>
+          </p:nvGrpSpPr>
+          <p:grpSpPr>
+            <a:xfrm>
+              <a:off x="4016080" y="5049085"/>
+              <a:ext cx="824265" cy="654703"/>
+              <a:chOff x="6847409" y="1656010"/>
+              <a:chExt cx="824265" cy="654703"/>
+            </a:xfrm>
+          </p:grpSpPr>
+          <p:sp>
+            <p:nvSpPr>
+              <p:cNvPr id="145" name="Oval 144"/>
+              <p:cNvSpPr/>
+              <p:nvPr/>
+            </p:nvSpPr>
+            <p:spPr>
+              <a:xfrm>
+                <a:off x="6874016" y="1656010"/>
+                <a:ext cx="766243" cy="654703"/>
+              </a:xfrm>
+              <a:prstGeom prst="ellipse">
+                <a:avLst/>
+              </a:prstGeom>
+              <a:solidFill>
+                <a:schemeClr val="bg2"/>
+              </a:solidFill>
+              <a:ln>
+                <a:solidFill>
+                  <a:schemeClr val="tx1"/>
+                </a:solidFill>
+              </a:ln>
+            </p:spPr>
+            <p:style>
+              <a:lnRef idx="2">
+                <a:schemeClr val="accent1">
+                  <a:shade val="50000"/>
+                </a:schemeClr>
+              </a:lnRef>
+              <a:fillRef idx="1">
+                <a:schemeClr val="accent1"/>
+              </a:fillRef>
+              <a:effectRef idx="0">
+                <a:schemeClr val="accent1"/>
+              </a:effectRef>
+              <a:fontRef idx="minor">
+                <a:schemeClr val="lt1"/>
+              </a:fontRef>
+            </p:style>
+            <p:txBody>
+              <a:bodyPr rtlCol="0" anchor="ctr"/>
+              <a:lstStyle/>
+              <a:p>
+                <a:pPr algn="ctr"/>
+                <a:endParaRPr lang="en-US" dirty="0">
+                  <a:solidFill>
+                    <a:schemeClr val="tx1"/>
+                  </a:solidFill>
+                </a:endParaRPr>
+              </a:p>
+            </p:txBody>
+          </p:sp>
+          <p:sp>
+            <p:nvSpPr>
+              <p:cNvPr id="146" name="TextBox 145"/>
+              <p:cNvSpPr txBox="1"/>
+              <p:nvPr/>
+            </p:nvSpPr>
+            <p:spPr>
+              <a:xfrm>
+                <a:off x="6847409" y="1814084"/>
+                <a:ext cx="824265" cy="338554"/>
+              </a:xfrm>
+              <a:prstGeom prst="rect">
+                <a:avLst/>
+              </a:prstGeom>
+              <a:noFill/>
+            </p:spPr>
+            <p:txBody>
+              <a:bodyPr wrap="none" rtlCol="0">
+                <a:spAutoFit/>
+              </a:bodyPr>
+              <a:lstStyle/>
+              <a:p>
+                <a:r>
+                  <a:rPr lang="en-US" sz="1600" dirty="0" smtClean="0"/>
+                  <a:t>(T4,1,0)</a:t>
+                </a:r>
+                <a:endParaRPr lang="en-US" sz="1600" dirty="0"/>
+              </a:p>
+            </p:txBody>
+          </p:sp>
+        </p:grpSp>
+        <p:grpSp>
+          <p:nvGrpSpPr>
+            <p:cNvPr id="171" name="Group 170"/>
+            <p:cNvGrpSpPr/>
+            <p:nvPr/>
+          </p:nvGrpSpPr>
+          <p:grpSpPr>
+            <a:xfrm>
+              <a:off x="5933680" y="2778042"/>
+              <a:ext cx="819455" cy="654703"/>
+              <a:chOff x="6847409" y="1656010"/>
+              <a:chExt cx="819455" cy="654703"/>
+            </a:xfrm>
+          </p:grpSpPr>
+          <p:sp>
+            <p:nvSpPr>
+              <p:cNvPr id="172" name="Oval 171"/>
+              <p:cNvSpPr/>
+              <p:nvPr/>
+            </p:nvSpPr>
+            <p:spPr>
+              <a:xfrm>
+                <a:off x="6874016" y="1656010"/>
+                <a:ext cx="766243" cy="654703"/>
+              </a:xfrm>
+              <a:prstGeom prst="ellipse">
+                <a:avLst/>
+              </a:prstGeom>
+              <a:solidFill>
+                <a:schemeClr val="bg2"/>
+              </a:solidFill>
+              <a:ln>
+                <a:solidFill>
+                  <a:schemeClr val="tx1"/>
+                </a:solidFill>
+              </a:ln>
+            </p:spPr>
+            <p:style>
+              <a:lnRef idx="2">
+                <a:schemeClr val="accent1">
+                  <a:shade val="50000"/>
+                </a:schemeClr>
+              </a:lnRef>
+              <a:fillRef idx="1">
+                <a:schemeClr val="accent1"/>
+              </a:fillRef>
+              <a:effectRef idx="0">
+                <a:schemeClr val="accent1"/>
+              </a:effectRef>
+              <a:fontRef idx="minor">
+                <a:schemeClr val="lt1"/>
+              </a:fontRef>
+            </p:style>
+            <p:txBody>
+              <a:bodyPr rtlCol="0" anchor="ctr"/>
+              <a:lstStyle/>
+              <a:p>
+                <a:pPr algn="ctr"/>
+                <a:endParaRPr lang="en-US" dirty="0">
+                  <a:solidFill>
+                    <a:schemeClr val="tx1"/>
+                  </a:solidFill>
+                </a:endParaRPr>
+              </a:p>
+            </p:txBody>
+          </p:sp>
+          <p:sp>
+            <p:nvSpPr>
+              <p:cNvPr id="173" name="TextBox 172"/>
+              <p:cNvSpPr txBox="1"/>
+              <p:nvPr/>
+            </p:nvSpPr>
+            <p:spPr>
+              <a:xfrm>
+                <a:off x="6847409" y="1814084"/>
+                <a:ext cx="819455" cy="338554"/>
+              </a:xfrm>
+              <a:prstGeom prst="rect">
+                <a:avLst/>
+              </a:prstGeom>
+              <a:noFill/>
+            </p:spPr>
+            <p:txBody>
+              <a:bodyPr wrap="none" rtlCol="0">
+                <a:spAutoFit/>
+              </a:bodyPr>
+              <a:lstStyle/>
+              <a:p>
+                <a:r>
+                  <a:rPr lang="en-US" sz="1600" dirty="0" smtClean="0"/>
+                  <a:t>(S1,0,1)</a:t>
+                </a:r>
+                <a:endParaRPr lang="en-US" sz="1600" dirty="0"/>
+              </a:p>
+            </p:txBody>
+          </p:sp>
+        </p:grpSp>
+        <p:grpSp>
+          <p:nvGrpSpPr>
+            <p:cNvPr id="174" name="Group 173"/>
+            <p:cNvGrpSpPr/>
+            <p:nvPr/>
+          </p:nvGrpSpPr>
+          <p:grpSpPr>
+            <a:xfrm>
+              <a:off x="7044565" y="1812496"/>
+              <a:ext cx="830677" cy="654703"/>
+              <a:chOff x="6847409" y="1656010"/>
+              <a:chExt cx="830677" cy="654703"/>
+            </a:xfrm>
+          </p:grpSpPr>
+          <p:sp>
+            <p:nvSpPr>
+              <p:cNvPr id="175" name="Oval 174"/>
+              <p:cNvSpPr/>
+              <p:nvPr/>
+            </p:nvSpPr>
+            <p:spPr>
+              <a:xfrm>
+                <a:off x="6874016" y="1656010"/>
+                <a:ext cx="766243" cy="654703"/>
+              </a:xfrm>
+              <a:prstGeom prst="ellipse">
+                <a:avLst/>
+              </a:prstGeom>
+              <a:solidFill>
+                <a:schemeClr val="bg2"/>
+              </a:solidFill>
+              <a:ln>
+                <a:solidFill>
+                  <a:schemeClr val="tx1"/>
+                </a:solidFill>
+              </a:ln>
+            </p:spPr>
+            <p:style>
+              <a:lnRef idx="2">
+                <a:schemeClr val="accent1">
+                  <a:shade val="50000"/>
+                </a:schemeClr>
+              </a:lnRef>
+              <a:fillRef idx="1">
+                <a:schemeClr val="accent1"/>
+              </a:fillRef>
+              <a:effectRef idx="0">
+                <a:schemeClr val="accent1"/>
+              </a:effectRef>
+              <a:fontRef idx="minor">
+                <a:schemeClr val="lt1"/>
+              </a:fontRef>
+            </p:style>
+            <p:txBody>
+              <a:bodyPr rtlCol="0" anchor="ctr"/>
+              <a:lstStyle/>
+              <a:p>
+                <a:pPr algn="ctr"/>
+                <a:endParaRPr lang="en-US" dirty="0">
+                  <a:solidFill>
+                    <a:schemeClr val="tx1"/>
+                  </a:solidFill>
+                </a:endParaRPr>
+              </a:p>
+            </p:txBody>
+          </p:sp>
+          <p:sp>
+            <p:nvSpPr>
+              <p:cNvPr id="176" name="TextBox 175"/>
+              <p:cNvSpPr txBox="1"/>
+              <p:nvPr/>
+            </p:nvSpPr>
+            <p:spPr>
+              <a:xfrm>
+                <a:off x="6847409" y="1814084"/>
+                <a:ext cx="830677" cy="338554"/>
+              </a:xfrm>
+              <a:prstGeom prst="rect">
+                <a:avLst/>
+              </a:prstGeom>
+              <a:noFill/>
+            </p:spPr>
+            <p:txBody>
+              <a:bodyPr wrap="none" rtlCol="0">
+                <a:spAutoFit/>
+              </a:bodyPr>
+              <a:lstStyle/>
+              <a:p>
+                <a:r>
+                  <a:rPr lang="en-US" sz="1600" dirty="0" smtClean="0"/>
+                  <a:t>(P1,0,0)</a:t>
+                </a:r>
+                <a:endParaRPr lang="en-US" sz="1600" dirty="0"/>
+              </a:p>
+            </p:txBody>
+          </p:sp>
+        </p:grpSp>
+        <p:grpSp>
+          <p:nvGrpSpPr>
+            <p:cNvPr id="177" name="Group 176"/>
+            <p:cNvGrpSpPr/>
+            <p:nvPr/>
+          </p:nvGrpSpPr>
+          <p:grpSpPr>
+            <a:xfrm>
+              <a:off x="8037472" y="2751007"/>
+              <a:ext cx="819455" cy="654703"/>
+              <a:chOff x="6847409" y="1656010"/>
+              <a:chExt cx="819455" cy="654703"/>
+            </a:xfrm>
+          </p:grpSpPr>
+          <p:sp>
+            <p:nvSpPr>
+              <p:cNvPr id="178" name="Oval 177"/>
+              <p:cNvSpPr/>
+              <p:nvPr/>
+            </p:nvSpPr>
+            <p:spPr>
+              <a:xfrm>
+                <a:off x="6874016" y="1656010"/>
+                <a:ext cx="766243" cy="654703"/>
+              </a:xfrm>
+              <a:prstGeom prst="ellipse">
+                <a:avLst/>
+              </a:prstGeom>
+              <a:solidFill>
+                <a:schemeClr val="bg2"/>
+              </a:solidFill>
+              <a:ln>
+                <a:solidFill>
+                  <a:schemeClr val="tx1"/>
+                </a:solidFill>
+              </a:ln>
+            </p:spPr>
+            <p:style>
+              <a:lnRef idx="2">
+                <a:schemeClr val="accent1">
+                  <a:shade val="50000"/>
+                </a:schemeClr>
+              </a:lnRef>
+              <a:fillRef idx="1">
+                <a:schemeClr val="accent1"/>
+              </a:fillRef>
+              <a:effectRef idx="0">
+                <a:schemeClr val="accent1"/>
+              </a:effectRef>
+              <a:fontRef idx="minor">
+                <a:schemeClr val="lt1"/>
+              </a:fontRef>
+            </p:style>
+            <p:txBody>
+              <a:bodyPr rtlCol="0" anchor="ctr"/>
+              <a:lstStyle/>
+              <a:p>
+                <a:pPr algn="ctr"/>
+                <a:endParaRPr lang="en-US" dirty="0">
+                  <a:solidFill>
+                    <a:schemeClr val="tx1"/>
+                  </a:solidFill>
+                </a:endParaRPr>
+              </a:p>
+            </p:txBody>
+          </p:sp>
+          <p:sp>
+            <p:nvSpPr>
+              <p:cNvPr id="179" name="TextBox 178"/>
+              <p:cNvSpPr txBox="1"/>
+              <p:nvPr/>
+            </p:nvSpPr>
+            <p:spPr>
+              <a:xfrm>
+                <a:off x="6847409" y="1814084"/>
+                <a:ext cx="819455" cy="338554"/>
+              </a:xfrm>
+              <a:prstGeom prst="rect">
+                <a:avLst/>
+              </a:prstGeom>
+              <a:noFill/>
+            </p:spPr>
+            <p:txBody>
+              <a:bodyPr wrap="none" rtlCol="0">
+                <a:spAutoFit/>
+              </a:bodyPr>
+              <a:lstStyle/>
+              <a:p>
+                <a:r>
+                  <a:rPr lang="en-US" sz="1600" dirty="0" smtClean="0"/>
+                  <a:t>(S2,0,1)</a:t>
+                </a:r>
+                <a:endParaRPr lang="en-US" sz="1600" dirty="0"/>
+              </a:p>
+            </p:txBody>
+          </p:sp>
+        </p:grpSp>
+        <p:grpSp>
+          <p:nvGrpSpPr>
+            <p:cNvPr id="180" name="Group 179"/>
+            <p:cNvGrpSpPr/>
+            <p:nvPr/>
+          </p:nvGrpSpPr>
+          <p:grpSpPr>
+            <a:xfrm>
+              <a:off x="7519559" y="3905924"/>
+              <a:ext cx="843501" cy="654703"/>
+              <a:chOff x="6847409" y="1656010"/>
+              <a:chExt cx="843501" cy="654703"/>
+            </a:xfrm>
+          </p:grpSpPr>
+          <p:sp>
+            <p:nvSpPr>
+              <p:cNvPr id="181" name="Oval 180"/>
+              <p:cNvSpPr/>
+              <p:nvPr/>
+            </p:nvSpPr>
+            <p:spPr>
+              <a:xfrm>
+                <a:off x="6874016" y="1656010"/>
+                <a:ext cx="766243" cy="654703"/>
+              </a:xfrm>
+              <a:prstGeom prst="ellipse">
+                <a:avLst/>
+              </a:prstGeom>
+              <a:solidFill>
+                <a:schemeClr val="bg2"/>
+              </a:solidFill>
+              <a:ln>
+                <a:solidFill>
+                  <a:schemeClr val="tx1"/>
+                </a:solidFill>
+              </a:ln>
+            </p:spPr>
+            <p:style>
+              <a:lnRef idx="2">
+                <a:schemeClr val="accent1">
+                  <a:shade val="50000"/>
+                </a:schemeClr>
+              </a:lnRef>
+              <a:fillRef idx="1">
+                <a:schemeClr val="accent1"/>
+              </a:fillRef>
+              <a:effectRef idx="0">
+                <a:schemeClr val="accent1"/>
+              </a:effectRef>
+              <a:fontRef idx="minor">
+                <a:schemeClr val="lt1"/>
+              </a:fontRef>
+            </p:style>
+            <p:txBody>
+              <a:bodyPr rtlCol="0" anchor="ctr"/>
+              <a:lstStyle/>
+              <a:p>
+                <a:pPr algn="ctr"/>
+                <a:endParaRPr lang="en-US" dirty="0">
+                  <a:solidFill>
+                    <a:schemeClr val="tx1"/>
+                  </a:solidFill>
+                </a:endParaRPr>
+              </a:p>
+            </p:txBody>
+          </p:sp>
+          <p:sp>
+            <p:nvSpPr>
+              <p:cNvPr id="182" name="TextBox 181"/>
+              <p:cNvSpPr txBox="1"/>
+              <p:nvPr/>
+            </p:nvSpPr>
+            <p:spPr>
+              <a:xfrm>
+                <a:off x="6847409" y="1814084"/>
+                <a:ext cx="843501" cy="338554"/>
+              </a:xfrm>
+              <a:prstGeom prst="rect">
+                <a:avLst/>
+              </a:prstGeom>
+              <a:noFill/>
+            </p:spPr>
+            <p:txBody>
+              <a:bodyPr wrap="none" rtlCol="0">
+                <a:spAutoFit/>
+              </a:bodyPr>
+              <a:lstStyle/>
+              <a:p>
+                <a:r>
+                  <a:rPr lang="en-US" sz="1600" dirty="0" smtClean="0"/>
+                  <a:t>(A3,0,1)</a:t>
+                </a:r>
+                <a:endParaRPr lang="en-US" sz="1600" dirty="0"/>
+              </a:p>
+            </p:txBody>
+          </p:sp>
+        </p:grpSp>
+        <p:grpSp>
+          <p:nvGrpSpPr>
+            <p:cNvPr id="183" name="Group 182"/>
+            <p:cNvGrpSpPr/>
+            <p:nvPr/>
+          </p:nvGrpSpPr>
+          <p:grpSpPr>
+            <a:xfrm>
+              <a:off x="8586681" y="3907580"/>
+              <a:ext cx="843501" cy="654703"/>
+              <a:chOff x="6847409" y="1656010"/>
+              <a:chExt cx="843501" cy="654703"/>
+            </a:xfrm>
+          </p:grpSpPr>
+          <p:sp>
+            <p:nvSpPr>
+              <p:cNvPr id="184" name="Oval 183"/>
+              <p:cNvSpPr/>
+              <p:nvPr/>
+            </p:nvSpPr>
+            <p:spPr>
+              <a:xfrm>
+                <a:off x="6874016" y="1656010"/>
+                <a:ext cx="766243" cy="654703"/>
+              </a:xfrm>
+              <a:prstGeom prst="ellipse">
+                <a:avLst/>
+              </a:prstGeom>
+              <a:solidFill>
+                <a:schemeClr val="bg2"/>
+              </a:solidFill>
+              <a:ln>
+                <a:solidFill>
+                  <a:schemeClr val="tx1"/>
+                </a:solidFill>
+              </a:ln>
+            </p:spPr>
+            <p:style>
+              <a:lnRef idx="2">
+                <a:schemeClr val="accent1">
+                  <a:shade val="50000"/>
+                </a:schemeClr>
+              </a:lnRef>
+              <a:fillRef idx="1">
+                <a:schemeClr val="accent1"/>
+              </a:fillRef>
+              <a:effectRef idx="0">
+                <a:schemeClr val="accent1"/>
+              </a:effectRef>
+              <a:fontRef idx="minor">
+                <a:schemeClr val="lt1"/>
+              </a:fontRef>
+            </p:style>
+            <p:txBody>
+              <a:bodyPr rtlCol="0" anchor="ctr"/>
+              <a:lstStyle/>
+              <a:p>
+                <a:pPr algn="ctr"/>
+                <a:endParaRPr lang="en-US" dirty="0">
+                  <a:solidFill>
+                    <a:schemeClr val="tx1"/>
+                  </a:solidFill>
+                </a:endParaRPr>
+              </a:p>
+            </p:txBody>
+          </p:sp>
+          <p:sp>
+            <p:nvSpPr>
+              <p:cNvPr id="185" name="TextBox 184"/>
+              <p:cNvSpPr txBox="1"/>
+              <p:nvPr/>
+            </p:nvSpPr>
+            <p:spPr>
+              <a:xfrm>
+                <a:off x="6847409" y="1814084"/>
+                <a:ext cx="843501" cy="338554"/>
+              </a:xfrm>
+              <a:prstGeom prst="rect">
+                <a:avLst/>
+              </a:prstGeom>
+              <a:noFill/>
+            </p:spPr>
+            <p:txBody>
+              <a:bodyPr wrap="none" rtlCol="0">
+                <a:spAutoFit/>
+              </a:bodyPr>
+              <a:lstStyle/>
+              <a:p>
+                <a:r>
+                  <a:rPr lang="en-US" sz="1600" dirty="0" smtClean="0"/>
+                  <a:t>(A4,0,1)</a:t>
+                </a:r>
+                <a:endParaRPr lang="en-US" sz="1600" dirty="0"/>
+              </a:p>
+            </p:txBody>
+          </p:sp>
+        </p:grpSp>
+        <p:grpSp>
+          <p:nvGrpSpPr>
+            <p:cNvPr id="186" name="Group 185"/>
+            <p:cNvGrpSpPr/>
+            <p:nvPr/>
+          </p:nvGrpSpPr>
+          <p:grpSpPr>
+            <a:xfrm>
+              <a:off x="5377259" y="3909475"/>
+              <a:ext cx="843501" cy="654703"/>
+              <a:chOff x="6847409" y="1656010"/>
+              <a:chExt cx="843501" cy="654703"/>
+            </a:xfrm>
+          </p:grpSpPr>
+          <p:sp>
+            <p:nvSpPr>
+              <p:cNvPr id="187" name="Oval 186"/>
+              <p:cNvSpPr/>
+              <p:nvPr/>
+            </p:nvSpPr>
+            <p:spPr>
+              <a:xfrm>
+                <a:off x="6874016" y="1656010"/>
+                <a:ext cx="766243" cy="654703"/>
+              </a:xfrm>
+              <a:prstGeom prst="ellipse">
+                <a:avLst/>
+              </a:prstGeom>
+              <a:solidFill>
+                <a:schemeClr val="bg2"/>
+              </a:solidFill>
+              <a:ln>
+                <a:solidFill>
+                  <a:schemeClr val="tx1"/>
+                </a:solidFill>
+              </a:ln>
+            </p:spPr>
+            <p:style>
+              <a:lnRef idx="2">
+                <a:schemeClr val="accent1">
+                  <a:shade val="50000"/>
+                </a:schemeClr>
+              </a:lnRef>
+              <a:fillRef idx="1">
+                <a:schemeClr val="accent1"/>
+              </a:fillRef>
+              <a:effectRef idx="0">
+                <a:schemeClr val="accent1"/>
+              </a:effectRef>
+              <a:fontRef idx="minor">
+                <a:schemeClr val="lt1"/>
+              </a:fontRef>
+            </p:style>
+            <p:txBody>
+              <a:bodyPr rtlCol="0" anchor="ctr"/>
+              <a:lstStyle/>
+              <a:p>
+                <a:pPr algn="ctr"/>
+                <a:endParaRPr lang="en-US" dirty="0">
+                  <a:solidFill>
+                    <a:schemeClr val="tx1"/>
+                  </a:solidFill>
+                </a:endParaRPr>
+              </a:p>
+            </p:txBody>
+          </p:sp>
+          <p:sp>
+            <p:nvSpPr>
+              <p:cNvPr id="188" name="TextBox 187"/>
+              <p:cNvSpPr txBox="1"/>
+              <p:nvPr/>
+            </p:nvSpPr>
+            <p:spPr>
+              <a:xfrm>
+                <a:off x="6847409" y="1814084"/>
+                <a:ext cx="843501" cy="338554"/>
+              </a:xfrm>
+              <a:prstGeom prst="rect">
+                <a:avLst/>
+              </a:prstGeom>
+              <a:noFill/>
+            </p:spPr>
+            <p:txBody>
+              <a:bodyPr wrap="none" rtlCol="0">
+                <a:spAutoFit/>
+              </a:bodyPr>
+              <a:lstStyle/>
+              <a:p>
+                <a:r>
+                  <a:rPr lang="en-US" sz="1600" dirty="0" smtClean="0"/>
+                  <a:t>(A1,0,1)</a:t>
+                </a:r>
+                <a:endParaRPr lang="en-US" sz="1600" dirty="0"/>
+              </a:p>
+            </p:txBody>
+          </p:sp>
+        </p:grpSp>
+        <p:grpSp>
+          <p:nvGrpSpPr>
+            <p:cNvPr id="189" name="Group 188"/>
+            <p:cNvGrpSpPr/>
+            <p:nvPr/>
+          </p:nvGrpSpPr>
+          <p:grpSpPr>
+            <a:xfrm>
+              <a:off x="6459464" y="3905924"/>
+              <a:ext cx="843501" cy="654703"/>
+              <a:chOff x="6847409" y="1656010"/>
+              <a:chExt cx="843501" cy="654703"/>
+            </a:xfrm>
+          </p:grpSpPr>
+          <p:sp>
+            <p:nvSpPr>
+              <p:cNvPr id="190" name="Oval 189"/>
+              <p:cNvSpPr/>
+              <p:nvPr/>
+            </p:nvSpPr>
+            <p:spPr>
+              <a:xfrm>
+                <a:off x="6874016" y="1656010"/>
+                <a:ext cx="766243" cy="654703"/>
+              </a:xfrm>
+              <a:prstGeom prst="ellipse">
+                <a:avLst/>
+              </a:prstGeom>
+              <a:solidFill>
+                <a:schemeClr val="bg2"/>
+              </a:solidFill>
+              <a:ln>
+                <a:solidFill>
+                  <a:schemeClr val="tx1"/>
+                </a:solidFill>
+              </a:ln>
+            </p:spPr>
+            <p:style>
+              <a:lnRef idx="2">
+                <a:schemeClr val="accent1">
+                  <a:shade val="50000"/>
+                </a:schemeClr>
+              </a:lnRef>
+              <a:fillRef idx="1">
+                <a:schemeClr val="accent1"/>
+              </a:fillRef>
+              <a:effectRef idx="0">
+                <a:schemeClr val="accent1"/>
+              </a:effectRef>
+              <a:fontRef idx="minor">
+                <a:schemeClr val="lt1"/>
+              </a:fontRef>
+            </p:style>
+            <p:txBody>
+              <a:bodyPr rtlCol="0" anchor="ctr"/>
+              <a:lstStyle/>
+              <a:p>
+                <a:pPr algn="ctr"/>
+                <a:endParaRPr lang="en-US" dirty="0">
+                  <a:solidFill>
+                    <a:schemeClr val="tx1"/>
+                  </a:solidFill>
+                </a:endParaRPr>
+              </a:p>
+            </p:txBody>
+          </p:sp>
+          <p:sp>
+            <p:nvSpPr>
+              <p:cNvPr id="191" name="TextBox 190"/>
+              <p:cNvSpPr txBox="1"/>
+              <p:nvPr/>
+            </p:nvSpPr>
+            <p:spPr>
+              <a:xfrm>
+                <a:off x="6847409" y="1814084"/>
+                <a:ext cx="843501" cy="338554"/>
+              </a:xfrm>
+              <a:prstGeom prst="rect">
+                <a:avLst/>
+              </a:prstGeom>
+              <a:noFill/>
+            </p:spPr>
+            <p:txBody>
+              <a:bodyPr wrap="none" rtlCol="0">
+                <a:spAutoFit/>
+              </a:bodyPr>
+              <a:lstStyle/>
+              <a:p>
+                <a:r>
+                  <a:rPr lang="en-US" sz="1600" dirty="0" smtClean="0"/>
+                  <a:t>(A2,0,1)</a:t>
+                </a:r>
+                <a:endParaRPr lang="en-US" sz="1600" dirty="0"/>
+              </a:p>
+            </p:txBody>
+          </p:sp>
+        </p:grpSp>
+        <p:grpSp>
+          <p:nvGrpSpPr>
+            <p:cNvPr id="192" name="Group 191"/>
+            <p:cNvGrpSpPr/>
+            <p:nvPr/>
+          </p:nvGrpSpPr>
+          <p:grpSpPr>
+            <a:xfrm>
+              <a:off x="5375368" y="5064989"/>
+              <a:ext cx="824265" cy="654703"/>
+              <a:chOff x="6847409" y="1656010"/>
+              <a:chExt cx="824265" cy="654703"/>
+            </a:xfrm>
+          </p:grpSpPr>
+          <p:sp>
+            <p:nvSpPr>
+              <p:cNvPr id="193" name="Oval 192"/>
+              <p:cNvSpPr/>
+              <p:nvPr/>
+            </p:nvSpPr>
+            <p:spPr>
+              <a:xfrm>
+                <a:off x="6874016" y="1656010"/>
+                <a:ext cx="766243" cy="654703"/>
+              </a:xfrm>
+              <a:prstGeom prst="ellipse">
+                <a:avLst/>
+              </a:prstGeom>
+              <a:solidFill>
+                <a:schemeClr val="bg2"/>
+              </a:solidFill>
+              <a:ln>
+                <a:solidFill>
+                  <a:schemeClr val="tx1"/>
+                </a:solidFill>
+              </a:ln>
+            </p:spPr>
+            <p:style>
+              <a:lnRef idx="2">
+                <a:schemeClr val="accent1">
+                  <a:shade val="50000"/>
+                </a:schemeClr>
+              </a:lnRef>
+              <a:fillRef idx="1">
+                <a:schemeClr val="accent1"/>
+              </a:fillRef>
+              <a:effectRef idx="0">
+                <a:schemeClr val="accent1"/>
+              </a:effectRef>
+              <a:fontRef idx="minor">
+                <a:schemeClr val="lt1"/>
+              </a:fontRef>
+            </p:style>
+            <p:txBody>
+              <a:bodyPr rtlCol="0" anchor="ctr"/>
+              <a:lstStyle/>
+              <a:p>
+                <a:pPr algn="ctr"/>
+                <a:endParaRPr lang="en-US" dirty="0">
+                  <a:solidFill>
+                    <a:schemeClr val="tx1"/>
+                  </a:solidFill>
+                </a:endParaRPr>
+              </a:p>
+            </p:txBody>
+          </p:sp>
+          <p:sp>
+            <p:nvSpPr>
+              <p:cNvPr id="194" name="TextBox 193"/>
+              <p:cNvSpPr txBox="1"/>
+              <p:nvPr/>
+            </p:nvSpPr>
+            <p:spPr>
+              <a:xfrm>
+                <a:off x="6847409" y="1814084"/>
+                <a:ext cx="824265" cy="338554"/>
+              </a:xfrm>
+              <a:prstGeom prst="rect">
+                <a:avLst/>
+              </a:prstGeom>
+              <a:noFill/>
+            </p:spPr>
+            <p:txBody>
+              <a:bodyPr wrap="none" rtlCol="0">
+                <a:spAutoFit/>
+              </a:bodyPr>
+              <a:lstStyle/>
+              <a:p>
+                <a:r>
+                  <a:rPr lang="en-US" sz="1600" dirty="0" smtClean="0"/>
+                  <a:t>(T1,0,1)</a:t>
+                </a:r>
+                <a:endParaRPr lang="en-US" sz="1600" dirty="0"/>
+              </a:p>
+            </p:txBody>
+          </p:sp>
+        </p:grpSp>
+        <p:grpSp>
+          <p:nvGrpSpPr>
+            <p:cNvPr id="195" name="Group 194"/>
+            <p:cNvGrpSpPr/>
+            <p:nvPr/>
+          </p:nvGrpSpPr>
+          <p:grpSpPr>
+            <a:xfrm>
+              <a:off x="6457573" y="5061438"/>
+              <a:ext cx="824265" cy="654703"/>
+              <a:chOff x="6847409" y="1656010"/>
+              <a:chExt cx="824265" cy="654703"/>
+            </a:xfrm>
+          </p:grpSpPr>
+          <p:sp>
+            <p:nvSpPr>
+              <p:cNvPr id="196" name="Oval 195"/>
+              <p:cNvSpPr/>
+              <p:nvPr/>
+            </p:nvSpPr>
+            <p:spPr>
+              <a:xfrm>
+                <a:off x="6874016" y="1656010"/>
+                <a:ext cx="766243" cy="654703"/>
+              </a:xfrm>
+              <a:prstGeom prst="ellipse">
+                <a:avLst/>
+              </a:prstGeom>
+              <a:solidFill>
+                <a:schemeClr val="bg2"/>
+              </a:solidFill>
+              <a:ln>
+                <a:solidFill>
+                  <a:schemeClr val="tx1"/>
+                </a:solidFill>
+              </a:ln>
+            </p:spPr>
+            <p:style>
+              <a:lnRef idx="2">
+                <a:schemeClr val="accent1">
+                  <a:shade val="50000"/>
+                </a:schemeClr>
+              </a:lnRef>
+              <a:fillRef idx="1">
+                <a:schemeClr val="accent1"/>
+              </a:fillRef>
+              <a:effectRef idx="0">
+                <a:schemeClr val="accent1"/>
+              </a:effectRef>
+              <a:fontRef idx="minor">
+                <a:schemeClr val="lt1"/>
+              </a:fontRef>
+            </p:style>
+            <p:txBody>
+              <a:bodyPr rtlCol="0" anchor="ctr"/>
+              <a:lstStyle/>
+              <a:p>
+                <a:pPr algn="ctr"/>
+                <a:endParaRPr lang="en-US" dirty="0">
+                  <a:solidFill>
+                    <a:schemeClr val="tx1"/>
+                  </a:solidFill>
+                </a:endParaRPr>
+              </a:p>
+            </p:txBody>
+          </p:sp>
+          <p:sp>
+            <p:nvSpPr>
+              <p:cNvPr id="197" name="TextBox 196"/>
+              <p:cNvSpPr txBox="1"/>
+              <p:nvPr/>
+            </p:nvSpPr>
+            <p:spPr>
+              <a:xfrm>
+                <a:off x="6847409" y="1814084"/>
+                <a:ext cx="824265" cy="338554"/>
+              </a:xfrm>
+              <a:prstGeom prst="rect">
+                <a:avLst/>
+              </a:prstGeom>
+              <a:noFill/>
+            </p:spPr>
+            <p:txBody>
+              <a:bodyPr wrap="none" rtlCol="0">
+                <a:spAutoFit/>
+              </a:bodyPr>
+              <a:lstStyle/>
+              <a:p>
+                <a:r>
+                  <a:rPr lang="en-US" sz="1600" dirty="0" smtClean="0"/>
+                  <a:t>(T2,0,1)</a:t>
+                </a:r>
+                <a:endParaRPr lang="en-US" sz="1600" dirty="0"/>
+              </a:p>
+            </p:txBody>
+          </p:sp>
+        </p:grpSp>
+        <p:grpSp>
+          <p:nvGrpSpPr>
+            <p:cNvPr id="198" name="Group 197"/>
+            <p:cNvGrpSpPr/>
+            <p:nvPr/>
+          </p:nvGrpSpPr>
+          <p:grpSpPr>
+            <a:xfrm>
+              <a:off x="7525048" y="5064989"/>
+              <a:ext cx="824265" cy="654703"/>
+              <a:chOff x="6847409" y="1656010"/>
+              <a:chExt cx="824265" cy="654703"/>
+            </a:xfrm>
+          </p:grpSpPr>
+          <p:sp>
+            <p:nvSpPr>
+              <p:cNvPr id="199" name="Oval 198"/>
+              <p:cNvSpPr/>
+              <p:nvPr/>
+            </p:nvSpPr>
+            <p:spPr>
+              <a:xfrm>
+                <a:off x="6874016" y="1656010"/>
+                <a:ext cx="766243" cy="654703"/>
+              </a:xfrm>
+              <a:prstGeom prst="ellipse">
+                <a:avLst/>
+              </a:prstGeom>
+              <a:solidFill>
+                <a:schemeClr val="bg2"/>
+              </a:solidFill>
+              <a:ln>
+                <a:solidFill>
+                  <a:schemeClr val="tx1"/>
+                </a:solidFill>
+              </a:ln>
+            </p:spPr>
+            <p:style>
+              <a:lnRef idx="2">
+                <a:schemeClr val="accent1">
+                  <a:shade val="50000"/>
+                </a:schemeClr>
+              </a:lnRef>
+              <a:fillRef idx="1">
+                <a:schemeClr val="accent1"/>
+              </a:fillRef>
+              <a:effectRef idx="0">
+                <a:schemeClr val="accent1"/>
+              </a:effectRef>
+              <a:fontRef idx="minor">
+                <a:schemeClr val="lt1"/>
+              </a:fontRef>
+            </p:style>
+            <p:txBody>
+              <a:bodyPr rtlCol="0" anchor="ctr"/>
+              <a:lstStyle/>
+              <a:p>
+                <a:pPr algn="ctr"/>
+                <a:endParaRPr lang="en-US" dirty="0">
+                  <a:solidFill>
+                    <a:schemeClr val="tx1"/>
+                  </a:solidFill>
+                </a:endParaRPr>
+              </a:p>
+            </p:txBody>
+          </p:sp>
+          <p:sp>
+            <p:nvSpPr>
+              <p:cNvPr id="200" name="TextBox 199"/>
+              <p:cNvSpPr txBox="1"/>
+              <p:nvPr/>
+            </p:nvSpPr>
+            <p:spPr>
+              <a:xfrm>
+                <a:off x="6847409" y="1814084"/>
+                <a:ext cx="824265" cy="338554"/>
+              </a:xfrm>
+              <a:prstGeom prst="rect">
+                <a:avLst/>
+              </a:prstGeom>
+              <a:noFill/>
+            </p:spPr>
+            <p:txBody>
+              <a:bodyPr wrap="none" rtlCol="0">
+                <a:spAutoFit/>
+              </a:bodyPr>
+              <a:lstStyle/>
+              <a:p>
+                <a:r>
+                  <a:rPr lang="en-US" sz="1600" dirty="0" smtClean="0"/>
+                  <a:t>(T3,0,1)</a:t>
+                </a:r>
+                <a:endParaRPr lang="en-US" sz="1600" dirty="0"/>
+              </a:p>
+            </p:txBody>
+          </p:sp>
+        </p:grpSp>
+        <p:grpSp>
+          <p:nvGrpSpPr>
+            <p:cNvPr id="201" name="Group 200"/>
+            <p:cNvGrpSpPr/>
+            <p:nvPr/>
+          </p:nvGrpSpPr>
+          <p:grpSpPr>
+            <a:xfrm>
+              <a:off x="8582539" y="5061438"/>
+              <a:ext cx="824265" cy="654703"/>
+              <a:chOff x="6847409" y="1656010"/>
+              <a:chExt cx="824265" cy="654703"/>
+            </a:xfrm>
+          </p:grpSpPr>
+          <p:sp>
+            <p:nvSpPr>
+              <p:cNvPr id="202" name="Oval 201"/>
+              <p:cNvSpPr/>
+              <p:nvPr/>
+            </p:nvSpPr>
+            <p:spPr>
+              <a:xfrm>
+                <a:off x="6874016" y="1656010"/>
+                <a:ext cx="766243" cy="654703"/>
+              </a:xfrm>
+              <a:prstGeom prst="ellipse">
+                <a:avLst/>
+              </a:prstGeom>
+              <a:solidFill>
+                <a:schemeClr val="bg2"/>
+              </a:solidFill>
+              <a:ln>
+                <a:solidFill>
+                  <a:schemeClr val="tx1"/>
+                </a:solidFill>
+              </a:ln>
+            </p:spPr>
+            <p:style>
+              <a:lnRef idx="2">
+                <a:schemeClr val="accent1">
+                  <a:shade val="50000"/>
+                </a:schemeClr>
+              </a:lnRef>
+              <a:fillRef idx="1">
+                <a:schemeClr val="accent1"/>
+              </a:fillRef>
+              <a:effectRef idx="0">
+                <a:schemeClr val="accent1"/>
+              </a:effectRef>
+              <a:fontRef idx="minor">
+                <a:schemeClr val="lt1"/>
+              </a:fontRef>
+            </p:style>
+            <p:txBody>
+              <a:bodyPr rtlCol="0" anchor="ctr"/>
+              <a:lstStyle/>
+              <a:p>
+                <a:pPr algn="ctr"/>
+                <a:endParaRPr lang="en-US" dirty="0">
+                  <a:solidFill>
+                    <a:schemeClr val="tx1"/>
+                  </a:solidFill>
+                </a:endParaRPr>
+              </a:p>
+            </p:txBody>
+          </p:sp>
+          <p:sp>
+            <p:nvSpPr>
+              <p:cNvPr id="203" name="TextBox 202"/>
+              <p:cNvSpPr txBox="1"/>
+              <p:nvPr/>
+            </p:nvSpPr>
+            <p:spPr>
+              <a:xfrm>
+                <a:off x="6847409" y="1814084"/>
+                <a:ext cx="824265" cy="338554"/>
+              </a:xfrm>
+              <a:prstGeom prst="rect">
+                <a:avLst/>
+              </a:prstGeom>
+              <a:noFill/>
+            </p:spPr>
+            <p:txBody>
+              <a:bodyPr wrap="none" rtlCol="0">
+                <a:spAutoFit/>
+              </a:bodyPr>
+              <a:lstStyle/>
+              <a:p>
+                <a:r>
+                  <a:rPr lang="en-US" sz="1600" dirty="0" smtClean="0"/>
+                  <a:t>(T4,0,1)</a:t>
+                </a:r>
+                <a:endParaRPr lang="en-US" sz="1600" dirty="0"/>
+              </a:p>
+            </p:txBody>
+          </p:sp>
+        </p:grpSp>
+        <p:cxnSp>
+          <p:nvCxnSpPr>
+            <p:cNvPr id="7" name="Straight Connector 6"/>
+            <p:cNvCxnSpPr>
+              <a:stCxn id="2" idx="3"/>
+              <a:endCxn id="91" idx="7"/>
+            </p:cNvCxnSpPr>
+            <p:nvPr/>
+          </p:nvCxnSpPr>
+          <p:spPr>
+            <a:xfrm flipH="1">
+              <a:off x="3158742" y="939322"/>
+              <a:ext cx="1596942" cy="969053"/>
+            </a:xfrm>
+            <a:prstGeom prst="line">
+              <a:avLst/>
+            </a:prstGeom>
+            <a:ln w="25400">
+              <a:solidFill>
+                <a:schemeClr val="tx1"/>
+              </a:solidFill>
+              <a:tailEnd type="stealth" w="lg" len="lg"/>
+            </a:ln>
+          </p:spPr>
+          <p:style>
+            <a:lnRef idx="1">
+              <a:schemeClr val="accent1"/>
+            </a:lnRef>
+            <a:fillRef idx="0">
+              <a:schemeClr val="accent1"/>
+            </a:fillRef>
+            <a:effectRef idx="0">
+              <a:schemeClr val="accent1"/>
+            </a:effectRef>
+            <a:fontRef idx="minor">
+              <a:schemeClr val="tx1"/>
+            </a:fontRef>
+          </p:style>
+        </p:cxnSp>
+        <p:cxnSp>
+          <p:nvCxnSpPr>
+            <p:cNvPr id="204" name="Straight Connector 203"/>
+            <p:cNvCxnSpPr>
+              <a:stCxn id="2" idx="4"/>
+              <a:endCxn id="283" idx="0"/>
+            </p:cNvCxnSpPr>
+            <p:nvPr/>
+          </p:nvCxnSpPr>
+          <p:spPr>
+            <a:xfrm>
+              <a:off x="5070236" y="1009897"/>
+              <a:ext cx="3245" cy="282133"/>
+            </a:xfrm>
+            <a:prstGeom prst="line">
+              <a:avLst/>
+            </a:prstGeom>
+            <a:ln w="25400">
+              <a:solidFill>
+                <a:schemeClr val="tx1"/>
+              </a:solidFill>
+              <a:tailEnd type="stealth" w="lg" len="lg"/>
+            </a:ln>
+          </p:spPr>
+          <p:style>
+            <a:lnRef idx="1">
+              <a:schemeClr val="accent1"/>
+            </a:lnRef>
+            <a:fillRef idx="0">
+              <a:schemeClr val="accent1"/>
+            </a:fillRef>
+            <a:effectRef idx="0">
+              <a:schemeClr val="accent1"/>
+            </a:effectRef>
+            <a:fontRef idx="minor">
+              <a:schemeClr val="tx1"/>
+            </a:fontRef>
+          </p:style>
+        </p:cxnSp>
+        <p:cxnSp>
+          <p:nvCxnSpPr>
+            <p:cNvPr id="205" name="Straight Connector 204"/>
+            <p:cNvCxnSpPr>
+              <a:stCxn id="2" idx="5"/>
+              <a:endCxn id="175" idx="1"/>
+            </p:cNvCxnSpPr>
+            <p:nvPr/>
+          </p:nvCxnSpPr>
+          <p:spPr>
+            <a:xfrm>
+              <a:off x="5384788" y="939322"/>
+              <a:ext cx="1798598" cy="969053"/>
+            </a:xfrm>
+            <a:prstGeom prst="line">
+              <a:avLst/>
+            </a:prstGeom>
+            <a:ln w="25400">
+              <a:solidFill>
+                <a:schemeClr val="tx1"/>
+              </a:solidFill>
+              <a:tailEnd type="stealth" w="lg" len="lg"/>
+            </a:ln>
+          </p:spPr>
+          <p:style>
+            <a:lnRef idx="1">
+              <a:schemeClr val="accent1"/>
+            </a:lnRef>
+            <a:fillRef idx="0">
+              <a:schemeClr val="accent1"/>
+            </a:fillRef>
+            <a:effectRef idx="0">
+              <a:schemeClr val="accent1"/>
+            </a:effectRef>
+            <a:fontRef idx="minor">
+              <a:schemeClr val="tx1"/>
+            </a:fontRef>
+          </p:style>
+        </p:cxnSp>
+        <p:cxnSp>
+          <p:nvCxnSpPr>
+            <p:cNvPr id="206" name="Straight Connector 205"/>
+            <p:cNvCxnSpPr>
+              <a:stCxn id="175" idx="5"/>
+              <a:endCxn id="178" idx="0"/>
+            </p:cNvCxnSpPr>
+            <p:nvPr/>
+          </p:nvCxnSpPr>
+          <p:spPr>
+            <a:xfrm>
+              <a:off x="7725201" y="2371320"/>
+              <a:ext cx="722000" cy="379687"/>
+            </a:xfrm>
+            <a:prstGeom prst="line">
+              <a:avLst/>
+            </a:prstGeom>
+            <a:ln w="25400">
+              <a:solidFill>
+                <a:schemeClr val="tx1"/>
+              </a:solidFill>
+              <a:headEnd type="none" w="lg" len="lg"/>
+              <a:tailEnd type="stealth" w="lg" len="lg"/>
+            </a:ln>
+          </p:spPr>
+          <p:style>
+            <a:lnRef idx="1">
+              <a:schemeClr val="accent1"/>
+            </a:lnRef>
+            <a:fillRef idx="0">
+              <a:schemeClr val="accent1"/>
+            </a:fillRef>
+            <a:effectRef idx="0">
+              <a:schemeClr val="accent1"/>
+            </a:effectRef>
+            <a:fontRef idx="minor">
+              <a:schemeClr val="tx1"/>
+            </a:fontRef>
+          </p:style>
+        </p:cxnSp>
+        <p:cxnSp>
+          <p:nvCxnSpPr>
+            <p:cNvPr id="207" name="Straight Connector 206"/>
+            <p:cNvCxnSpPr>
+              <a:stCxn id="175" idx="3"/>
+              <a:endCxn id="172" idx="0"/>
+            </p:cNvCxnSpPr>
+            <p:nvPr/>
+          </p:nvCxnSpPr>
+          <p:spPr>
+            <a:xfrm flipH="1">
+              <a:off x="6343409" y="2371320"/>
+              <a:ext cx="839977" cy="406722"/>
+            </a:xfrm>
+            <a:prstGeom prst="line">
+              <a:avLst/>
+            </a:prstGeom>
+            <a:ln w="25400">
+              <a:solidFill>
+                <a:schemeClr val="tx1"/>
+              </a:solidFill>
+              <a:headEnd type="none" w="lg" len="lg"/>
+              <a:tailEnd type="stealth" w="lg" len="lg"/>
+            </a:ln>
+          </p:spPr>
+          <p:style>
+            <a:lnRef idx="1">
+              <a:schemeClr val="accent1"/>
+            </a:lnRef>
+            <a:fillRef idx="0">
+              <a:schemeClr val="accent1"/>
+            </a:fillRef>
+            <a:effectRef idx="0">
+              <a:schemeClr val="accent1"/>
+            </a:effectRef>
+            <a:fontRef idx="minor">
+              <a:schemeClr val="tx1"/>
+            </a:fontRef>
+          </p:style>
+        </p:cxnSp>
+        <p:cxnSp>
+          <p:nvCxnSpPr>
+            <p:cNvPr id="208" name="Straight Connector 207"/>
+            <p:cNvCxnSpPr>
+              <a:stCxn id="172" idx="3"/>
+              <a:endCxn id="187" idx="0"/>
+            </p:cNvCxnSpPr>
+            <p:nvPr/>
+          </p:nvCxnSpPr>
+          <p:spPr>
+            <a:xfrm flipH="1">
+              <a:off x="5786988" y="3336866"/>
+              <a:ext cx="285513" cy="572609"/>
+            </a:xfrm>
+            <a:prstGeom prst="line">
+              <a:avLst/>
+            </a:prstGeom>
+            <a:ln w="25400">
+              <a:solidFill>
+                <a:schemeClr val="tx1"/>
+              </a:solidFill>
+              <a:headEnd type="stealth" w="lg" len="lg"/>
+              <a:tailEnd type="stealth" w="lg" len="lg"/>
+            </a:ln>
+          </p:spPr>
+          <p:style>
+            <a:lnRef idx="1">
+              <a:schemeClr val="accent1"/>
+            </a:lnRef>
+            <a:fillRef idx="0">
+              <a:schemeClr val="accent1"/>
+            </a:fillRef>
+            <a:effectRef idx="0">
+              <a:schemeClr val="accent1"/>
+            </a:effectRef>
+            <a:fontRef idx="minor">
+              <a:schemeClr val="tx1"/>
+            </a:fontRef>
+          </p:style>
+        </p:cxnSp>
+        <p:cxnSp>
+          <p:nvCxnSpPr>
+            <p:cNvPr id="209" name="Straight Connector 208"/>
+            <p:cNvCxnSpPr>
+              <a:stCxn id="172" idx="5"/>
+              <a:endCxn id="190" idx="0"/>
+            </p:cNvCxnSpPr>
+            <p:nvPr/>
+          </p:nvCxnSpPr>
+          <p:spPr>
+            <a:xfrm>
+              <a:off x="6614316" y="3336866"/>
+              <a:ext cx="254877" cy="569058"/>
+            </a:xfrm>
+            <a:prstGeom prst="line">
+              <a:avLst/>
+            </a:prstGeom>
+            <a:ln w="25400">
+              <a:solidFill>
+                <a:schemeClr val="tx1"/>
+              </a:solidFill>
+              <a:headEnd type="stealth" w="lg" len="lg"/>
+              <a:tailEnd type="stealth" w="lg" len="lg"/>
+            </a:ln>
+          </p:spPr>
+          <p:style>
+            <a:lnRef idx="1">
+              <a:schemeClr val="accent1"/>
+            </a:lnRef>
+            <a:fillRef idx="0">
+              <a:schemeClr val="accent1"/>
+            </a:fillRef>
+            <a:effectRef idx="0">
+              <a:schemeClr val="accent1"/>
+            </a:effectRef>
+            <a:fontRef idx="minor">
+              <a:schemeClr val="tx1"/>
+            </a:fontRef>
+          </p:style>
+        </p:cxnSp>
+        <p:cxnSp>
+          <p:nvCxnSpPr>
+            <p:cNvPr id="210" name="Straight Connector 209"/>
+            <p:cNvCxnSpPr>
+              <a:stCxn id="178" idx="3"/>
+              <a:endCxn id="181" idx="0"/>
+            </p:cNvCxnSpPr>
+            <p:nvPr/>
+          </p:nvCxnSpPr>
+          <p:spPr>
+            <a:xfrm flipH="1">
+              <a:off x="7929288" y="3309831"/>
+              <a:ext cx="247005" cy="596093"/>
+            </a:xfrm>
+            <a:prstGeom prst="line">
+              <a:avLst/>
+            </a:prstGeom>
+            <a:ln w="25400">
+              <a:solidFill>
+                <a:schemeClr val="tx1"/>
+              </a:solidFill>
+              <a:headEnd type="stealth" w="lg" len="lg"/>
+              <a:tailEnd type="stealth" w="lg" len="lg"/>
+            </a:ln>
+          </p:spPr>
+          <p:style>
+            <a:lnRef idx="1">
+              <a:schemeClr val="accent1"/>
+            </a:lnRef>
+            <a:fillRef idx="0">
+              <a:schemeClr val="accent1"/>
+            </a:fillRef>
+            <a:effectRef idx="0">
+              <a:schemeClr val="accent1"/>
+            </a:effectRef>
+            <a:fontRef idx="minor">
+              <a:schemeClr val="tx1"/>
+            </a:fontRef>
+          </p:style>
+        </p:cxnSp>
+        <p:cxnSp>
+          <p:nvCxnSpPr>
+            <p:cNvPr id="211" name="Straight Connector 210"/>
+            <p:cNvCxnSpPr>
+              <a:stCxn id="178" idx="5"/>
+              <a:endCxn id="184" idx="0"/>
+            </p:cNvCxnSpPr>
+            <p:nvPr/>
+          </p:nvCxnSpPr>
+          <p:spPr>
+            <a:xfrm>
+              <a:off x="8718108" y="3309831"/>
+              <a:ext cx="278302" cy="597749"/>
+            </a:xfrm>
+            <a:prstGeom prst="line">
+              <a:avLst/>
+            </a:prstGeom>
+            <a:ln w="25400">
+              <a:solidFill>
+                <a:schemeClr val="tx1"/>
+              </a:solidFill>
+              <a:headEnd type="stealth" w="lg" len="lg"/>
+              <a:tailEnd type="stealth" w="lg" len="lg"/>
+            </a:ln>
+          </p:spPr>
+          <p:style>
+            <a:lnRef idx="1">
+              <a:schemeClr val="accent1"/>
+            </a:lnRef>
+            <a:fillRef idx="0">
+              <a:schemeClr val="accent1"/>
+            </a:fillRef>
+            <a:effectRef idx="0">
+              <a:schemeClr val="accent1"/>
+            </a:effectRef>
+            <a:fontRef idx="minor">
+              <a:schemeClr val="tx1"/>
+            </a:fontRef>
+          </p:style>
+        </p:cxnSp>
+        <p:cxnSp>
+          <p:nvCxnSpPr>
+            <p:cNvPr id="212" name="Straight Connector 211"/>
+            <p:cNvCxnSpPr>
+              <a:stCxn id="184" idx="3"/>
+              <a:endCxn id="199" idx="7"/>
+            </p:cNvCxnSpPr>
+            <p:nvPr/>
+          </p:nvCxnSpPr>
+          <p:spPr>
+            <a:xfrm flipH="1">
+              <a:off x="8205684" y="4466404"/>
+              <a:ext cx="519818" cy="694464"/>
+            </a:xfrm>
+            <a:prstGeom prst="line">
+              <a:avLst/>
+            </a:prstGeom>
+            <a:ln w="25400">
+              <a:solidFill>
+                <a:schemeClr val="tx1"/>
+              </a:solidFill>
+              <a:headEnd type="stealth" w="lg" len="lg"/>
+              <a:tailEnd type="stealth" w="lg" len="lg"/>
+            </a:ln>
+          </p:spPr>
+          <p:style>
+            <a:lnRef idx="1">
+              <a:schemeClr val="accent1"/>
+            </a:lnRef>
+            <a:fillRef idx="0">
+              <a:schemeClr val="accent1"/>
+            </a:fillRef>
+            <a:effectRef idx="0">
+              <a:schemeClr val="accent1"/>
+            </a:effectRef>
+            <a:fontRef idx="minor">
+              <a:schemeClr val="tx1"/>
+            </a:fontRef>
+          </p:style>
+        </p:cxnSp>
+        <p:cxnSp>
+          <p:nvCxnSpPr>
+            <p:cNvPr id="213" name="Straight Connector 212"/>
+            <p:cNvCxnSpPr>
+              <a:stCxn id="184" idx="4"/>
+              <a:endCxn id="202" idx="0"/>
+            </p:cNvCxnSpPr>
+            <p:nvPr/>
+          </p:nvCxnSpPr>
+          <p:spPr>
+            <a:xfrm flipH="1">
+              <a:off x="8992268" y="4562283"/>
+              <a:ext cx="4142" cy="499155"/>
+            </a:xfrm>
+            <a:prstGeom prst="line">
+              <a:avLst/>
+            </a:prstGeom>
+            <a:ln w="25400">
+              <a:solidFill>
+                <a:schemeClr val="tx1"/>
+              </a:solidFill>
+              <a:headEnd type="stealth" w="lg" len="lg"/>
+              <a:tailEnd type="stealth" w="lg" len="lg"/>
+            </a:ln>
+          </p:spPr>
+          <p:style>
+            <a:lnRef idx="1">
+              <a:schemeClr val="accent1"/>
+            </a:lnRef>
+            <a:fillRef idx="0">
+              <a:schemeClr val="accent1"/>
+            </a:fillRef>
+            <a:effectRef idx="0">
+              <a:schemeClr val="accent1"/>
+            </a:effectRef>
+            <a:fontRef idx="minor">
+              <a:schemeClr val="tx1"/>
+            </a:fontRef>
+          </p:style>
+        </p:cxnSp>
+        <p:cxnSp>
+          <p:nvCxnSpPr>
+            <p:cNvPr id="214" name="Straight Connector 213"/>
+            <p:cNvCxnSpPr>
+              <a:stCxn id="181" idx="5"/>
+              <a:endCxn id="202" idx="1"/>
+            </p:cNvCxnSpPr>
+            <p:nvPr/>
+          </p:nvCxnSpPr>
+          <p:spPr>
+            <a:xfrm>
+              <a:off x="8200195" y="4464748"/>
+              <a:ext cx="521165" cy="692569"/>
+            </a:xfrm>
+            <a:prstGeom prst="line">
+              <a:avLst/>
+            </a:prstGeom>
+            <a:ln w="25400">
+              <a:solidFill>
+                <a:schemeClr val="tx1"/>
+              </a:solidFill>
+              <a:headEnd type="stealth" w="lg" len="lg"/>
+              <a:tailEnd type="stealth" w="lg" len="lg"/>
+            </a:ln>
+          </p:spPr>
+          <p:style>
+            <a:lnRef idx="1">
+              <a:schemeClr val="accent1"/>
+            </a:lnRef>
+            <a:fillRef idx="0">
+              <a:schemeClr val="accent1"/>
+            </a:fillRef>
+            <a:effectRef idx="0">
+              <a:schemeClr val="accent1"/>
+            </a:effectRef>
+            <a:fontRef idx="minor">
+              <a:schemeClr val="tx1"/>
+            </a:fontRef>
+          </p:style>
+        </p:cxnSp>
+        <p:cxnSp>
+          <p:nvCxnSpPr>
+            <p:cNvPr id="215" name="Straight Connector 214"/>
+            <p:cNvCxnSpPr>
+              <a:stCxn id="181" idx="4"/>
+              <a:endCxn id="199" idx="0"/>
+            </p:cNvCxnSpPr>
+            <p:nvPr/>
+          </p:nvCxnSpPr>
+          <p:spPr>
+            <a:xfrm>
+              <a:off x="7929288" y="4560627"/>
+              <a:ext cx="5489" cy="504362"/>
+            </a:xfrm>
+            <a:prstGeom prst="line">
+              <a:avLst/>
+            </a:prstGeom>
+            <a:ln w="25400">
+              <a:solidFill>
+                <a:schemeClr val="tx1"/>
+              </a:solidFill>
+              <a:headEnd type="stealth" w="lg" len="lg"/>
+              <a:tailEnd type="stealth" w="lg" len="lg"/>
+            </a:ln>
+          </p:spPr>
+          <p:style>
+            <a:lnRef idx="1">
+              <a:schemeClr val="accent1"/>
+            </a:lnRef>
+            <a:fillRef idx="0">
+              <a:schemeClr val="accent1"/>
+            </a:fillRef>
+            <a:effectRef idx="0">
+              <a:schemeClr val="accent1"/>
+            </a:effectRef>
+            <a:fontRef idx="minor">
+              <a:schemeClr val="tx1"/>
+            </a:fontRef>
+          </p:style>
+        </p:cxnSp>
+        <p:cxnSp>
+          <p:nvCxnSpPr>
+            <p:cNvPr id="216" name="Straight Connector 215"/>
+            <p:cNvCxnSpPr>
+              <a:stCxn id="190" idx="4"/>
+              <a:endCxn id="196" idx="0"/>
+            </p:cNvCxnSpPr>
+            <p:nvPr/>
+          </p:nvCxnSpPr>
+          <p:spPr>
+            <a:xfrm flipH="1">
+              <a:off x="6867302" y="4560627"/>
+              <a:ext cx="1891" cy="500811"/>
+            </a:xfrm>
+            <a:prstGeom prst="line">
+              <a:avLst/>
+            </a:prstGeom>
+            <a:ln w="25400">
+              <a:solidFill>
+                <a:schemeClr val="tx1"/>
+              </a:solidFill>
+              <a:headEnd type="stealth" w="lg" len="lg"/>
+              <a:tailEnd type="stealth" w="lg" len="lg"/>
+            </a:ln>
+          </p:spPr>
+          <p:style>
+            <a:lnRef idx="1">
+              <a:schemeClr val="accent1"/>
+            </a:lnRef>
+            <a:fillRef idx="0">
+              <a:schemeClr val="accent1"/>
+            </a:fillRef>
+            <a:effectRef idx="0">
+              <a:schemeClr val="accent1"/>
+            </a:effectRef>
+            <a:fontRef idx="minor">
+              <a:schemeClr val="tx1"/>
+            </a:fontRef>
+          </p:style>
+        </p:cxnSp>
+        <p:cxnSp>
+          <p:nvCxnSpPr>
+            <p:cNvPr id="218" name="Straight Connector 217"/>
+            <p:cNvCxnSpPr>
+              <a:stCxn id="187" idx="4"/>
+              <a:endCxn id="193" idx="0"/>
+            </p:cNvCxnSpPr>
+            <p:nvPr/>
+          </p:nvCxnSpPr>
+          <p:spPr>
+            <a:xfrm flipH="1">
+              <a:off x="5785097" y="4564178"/>
+              <a:ext cx="1891" cy="500811"/>
+            </a:xfrm>
+            <a:prstGeom prst="line">
+              <a:avLst/>
+            </a:prstGeom>
+            <a:ln w="25400">
+              <a:solidFill>
+                <a:schemeClr val="tx1"/>
+              </a:solidFill>
+              <a:headEnd type="stealth" w="lg" len="lg"/>
+              <a:tailEnd type="stealth" w="lg" len="lg"/>
+            </a:ln>
+          </p:spPr>
+          <p:style>
+            <a:lnRef idx="1">
+              <a:schemeClr val="accent1"/>
+            </a:lnRef>
+            <a:fillRef idx="0">
+              <a:schemeClr val="accent1"/>
+            </a:fillRef>
+            <a:effectRef idx="0">
+              <a:schemeClr val="accent1"/>
+            </a:effectRef>
+            <a:fontRef idx="minor">
+              <a:schemeClr val="tx1"/>
+            </a:fontRef>
+          </p:style>
+        </p:cxnSp>
+        <p:cxnSp>
+          <p:nvCxnSpPr>
+            <p:cNvPr id="221" name="Straight Connector 220"/>
+            <p:cNvCxnSpPr>
+              <a:stCxn id="187" idx="5"/>
+              <a:endCxn id="196" idx="1"/>
+            </p:cNvCxnSpPr>
+            <p:nvPr/>
+          </p:nvCxnSpPr>
+          <p:spPr>
+            <a:xfrm>
+              <a:off x="6057895" y="4468299"/>
+              <a:ext cx="538499" cy="689018"/>
+            </a:xfrm>
+            <a:prstGeom prst="line">
+              <a:avLst/>
+            </a:prstGeom>
+            <a:ln w="25400">
+              <a:solidFill>
+                <a:schemeClr val="tx1"/>
+              </a:solidFill>
+              <a:headEnd type="stealth" w="lg" len="lg"/>
+              <a:tailEnd type="stealth" w="lg" len="lg"/>
+            </a:ln>
+          </p:spPr>
+          <p:style>
+            <a:lnRef idx="1">
+              <a:schemeClr val="accent1"/>
+            </a:lnRef>
+            <a:fillRef idx="0">
+              <a:schemeClr val="accent1"/>
+            </a:fillRef>
+            <a:effectRef idx="0">
+              <a:schemeClr val="accent1"/>
+            </a:effectRef>
+            <a:fontRef idx="minor">
+              <a:schemeClr val="tx1"/>
+            </a:fontRef>
+          </p:style>
+        </p:cxnSp>
+        <p:cxnSp>
+          <p:nvCxnSpPr>
+            <p:cNvPr id="224" name="Straight Connector 223"/>
+            <p:cNvCxnSpPr>
+              <a:stCxn id="190" idx="3"/>
+              <a:endCxn id="193" idx="7"/>
+            </p:cNvCxnSpPr>
+            <p:nvPr/>
+          </p:nvCxnSpPr>
+          <p:spPr>
+            <a:xfrm flipH="1">
+              <a:off x="6056004" y="4464748"/>
+              <a:ext cx="542281" cy="696120"/>
+            </a:xfrm>
+            <a:prstGeom prst="line">
+              <a:avLst/>
+            </a:prstGeom>
+            <a:ln w="25400">
+              <a:solidFill>
+                <a:schemeClr val="tx1"/>
+              </a:solidFill>
+              <a:headEnd type="stealth" w="lg" len="lg"/>
+              <a:tailEnd type="stealth" w="lg" len="lg"/>
+            </a:ln>
+          </p:spPr>
+          <p:style>
+            <a:lnRef idx="1">
+              <a:schemeClr val="accent1"/>
+            </a:lnRef>
+            <a:fillRef idx="0">
+              <a:schemeClr val="accent1"/>
+            </a:fillRef>
+            <a:effectRef idx="0">
+              <a:schemeClr val="accent1"/>
+            </a:effectRef>
+            <a:fontRef idx="minor">
+              <a:schemeClr val="tx1"/>
+            </a:fontRef>
+          </p:style>
+        </p:cxnSp>
+        <p:cxnSp>
+          <p:nvCxnSpPr>
+            <p:cNvPr id="227" name="Straight Connector 226"/>
+            <p:cNvCxnSpPr>
+              <a:stCxn id="91" idx="5"/>
+              <a:endCxn id="101" idx="0"/>
+            </p:cNvCxnSpPr>
+            <p:nvPr/>
+          </p:nvCxnSpPr>
+          <p:spPr>
+            <a:xfrm>
+              <a:off x="3158742" y="2371320"/>
+              <a:ext cx="722001" cy="342620"/>
+            </a:xfrm>
+            <a:prstGeom prst="line">
+              <a:avLst/>
+            </a:prstGeom>
+            <a:ln w="25400">
+              <a:solidFill>
+                <a:schemeClr val="tx1"/>
+              </a:solidFill>
+              <a:headEnd type="none" w="lg" len="lg"/>
+              <a:tailEnd type="stealth" w="lg" len="lg"/>
+            </a:ln>
+          </p:spPr>
+          <p:style>
+            <a:lnRef idx="1">
+              <a:schemeClr val="accent1"/>
+            </a:lnRef>
+            <a:fillRef idx="0">
+              <a:schemeClr val="accent1"/>
+            </a:fillRef>
+            <a:effectRef idx="0">
+              <a:schemeClr val="accent1"/>
+            </a:effectRef>
+            <a:fontRef idx="minor">
+              <a:schemeClr val="tx1"/>
+            </a:fontRef>
+          </p:style>
+        </p:cxnSp>
+        <p:cxnSp>
+          <p:nvCxnSpPr>
+            <p:cNvPr id="230" name="Straight Connector 229"/>
+            <p:cNvCxnSpPr>
+              <a:stCxn id="91" idx="3"/>
+              <a:endCxn id="89" idx="0"/>
+            </p:cNvCxnSpPr>
+            <p:nvPr/>
+          </p:nvCxnSpPr>
+          <p:spPr>
+            <a:xfrm flipH="1">
+              <a:off x="1812537" y="2371320"/>
+              <a:ext cx="804390" cy="342620"/>
+            </a:xfrm>
+            <a:prstGeom prst="line">
+              <a:avLst/>
+            </a:prstGeom>
+            <a:ln w="25400">
+              <a:solidFill>
+                <a:schemeClr val="tx1"/>
+              </a:solidFill>
+              <a:headEnd type="none" w="lg" len="lg"/>
+              <a:tailEnd type="stealth" w="lg" len="lg"/>
+            </a:ln>
+          </p:spPr>
+          <p:style>
+            <a:lnRef idx="1">
+              <a:schemeClr val="accent1"/>
+            </a:lnRef>
+            <a:fillRef idx="0">
+              <a:schemeClr val="accent1"/>
+            </a:fillRef>
+            <a:effectRef idx="0">
+              <a:schemeClr val="accent1"/>
+            </a:effectRef>
+            <a:fontRef idx="minor">
+              <a:schemeClr val="tx1"/>
+            </a:fontRef>
+          </p:style>
+        </p:cxnSp>
+        <p:cxnSp>
+          <p:nvCxnSpPr>
+            <p:cNvPr id="233" name="Straight Connector 232"/>
+            <p:cNvCxnSpPr>
+              <a:stCxn id="101" idx="5"/>
+              <a:endCxn id="127" idx="0"/>
+            </p:cNvCxnSpPr>
+            <p:nvPr/>
+          </p:nvCxnSpPr>
+          <p:spPr>
+            <a:xfrm>
+              <a:off x="4151650" y="3272764"/>
+              <a:ext cx="278301" cy="622463"/>
+            </a:xfrm>
+            <a:prstGeom prst="line">
+              <a:avLst/>
+            </a:prstGeom>
+            <a:ln w="25400">
+              <a:solidFill>
+                <a:schemeClr val="tx1"/>
+              </a:solidFill>
+              <a:headEnd type="stealth" w="lg" len="lg"/>
+              <a:tailEnd type="stealth" w="lg" len="lg"/>
+            </a:ln>
+          </p:spPr>
+          <p:style>
+            <a:lnRef idx="1">
+              <a:schemeClr val="accent1"/>
+            </a:lnRef>
+            <a:fillRef idx="0">
+              <a:schemeClr val="accent1"/>
+            </a:fillRef>
+            <a:effectRef idx="0">
+              <a:schemeClr val="accent1"/>
+            </a:effectRef>
+            <a:fontRef idx="minor">
+              <a:schemeClr val="tx1"/>
+            </a:fontRef>
+          </p:style>
+        </p:cxnSp>
+        <p:cxnSp>
+          <p:nvCxnSpPr>
+            <p:cNvPr id="236" name="Straight Connector 235"/>
+            <p:cNvCxnSpPr>
+              <a:stCxn id="101" idx="3"/>
+              <a:endCxn id="124" idx="0"/>
+            </p:cNvCxnSpPr>
+            <p:nvPr/>
+          </p:nvCxnSpPr>
+          <p:spPr>
+            <a:xfrm flipH="1">
+              <a:off x="3387543" y="3272764"/>
+              <a:ext cx="222292" cy="620807"/>
+            </a:xfrm>
+            <a:prstGeom prst="line">
+              <a:avLst/>
+            </a:prstGeom>
+            <a:ln w="25400">
+              <a:solidFill>
+                <a:schemeClr val="tx1"/>
+              </a:solidFill>
+              <a:headEnd type="stealth" w="lg" len="lg"/>
+              <a:tailEnd type="stealth" w="lg" len="lg"/>
+            </a:ln>
+          </p:spPr>
+          <p:style>
+            <a:lnRef idx="1">
+              <a:schemeClr val="accent1"/>
+            </a:lnRef>
+            <a:fillRef idx="0">
+              <a:schemeClr val="accent1"/>
+            </a:fillRef>
+            <a:effectRef idx="0">
+              <a:schemeClr val="accent1"/>
+            </a:effectRef>
+            <a:fontRef idx="minor">
+              <a:schemeClr val="tx1"/>
+            </a:fontRef>
+          </p:style>
+        </p:cxnSp>
+        <p:cxnSp>
+          <p:nvCxnSpPr>
+            <p:cNvPr id="239" name="Straight Connector 238"/>
+            <p:cNvCxnSpPr>
+              <a:stCxn id="89" idx="5"/>
+              <a:endCxn id="133" idx="0"/>
+            </p:cNvCxnSpPr>
+            <p:nvPr/>
+          </p:nvCxnSpPr>
+          <p:spPr>
+            <a:xfrm>
+              <a:off x="2083444" y="3272764"/>
+              <a:ext cx="219290" cy="620807"/>
+            </a:xfrm>
+            <a:prstGeom prst="line">
+              <a:avLst/>
+            </a:prstGeom>
+            <a:ln w="25400">
+              <a:solidFill>
+                <a:schemeClr val="tx1"/>
+              </a:solidFill>
+              <a:headEnd type="stealth" w="lg" len="lg"/>
+              <a:tailEnd type="stealth" w="lg" len="lg"/>
+            </a:ln>
+          </p:spPr>
+          <p:style>
+            <a:lnRef idx="1">
+              <a:schemeClr val="accent1"/>
+            </a:lnRef>
+            <a:fillRef idx="0">
+              <a:schemeClr val="accent1"/>
+            </a:fillRef>
+            <a:effectRef idx="0">
+              <a:schemeClr val="accent1"/>
+            </a:effectRef>
+            <a:fontRef idx="minor">
+              <a:schemeClr val="tx1"/>
+            </a:fontRef>
+          </p:style>
+        </p:cxnSp>
+        <p:cxnSp>
+          <p:nvCxnSpPr>
+            <p:cNvPr id="242" name="Straight Connector 241"/>
+            <p:cNvCxnSpPr>
+              <a:stCxn id="89" idx="3"/>
+              <a:endCxn id="130" idx="0"/>
+            </p:cNvCxnSpPr>
+            <p:nvPr/>
+          </p:nvCxnSpPr>
+          <p:spPr>
+            <a:xfrm flipH="1">
+              <a:off x="1208172" y="3272764"/>
+              <a:ext cx="333457" cy="624358"/>
+            </a:xfrm>
+            <a:prstGeom prst="line">
+              <a:avLst/>
+            </a:prstGeom>
+            <a:ln w="25400">
+              <a:solidFill>
+                <a:schemeClr val="tx1"/>
+              </a:solidFill>
+              <a:headEnd type="stealth" w="lg" len="lg"/>
+              <a:tailEnd type="stealth" w="lg" len="lg"/>
+            </a:ln>
+          </p:spPr>
+          <p:style>
+            <a:lnRef idx="1">
+              <a:schemeClr val="accent1"/>
+            </a:lnRef>
+            <a:fillRef idx="0">
+              <a:schemeClr val="accent1"/>
+            </a:fillRef>
+            <a:effectRef idx="0">
+              <a:schemeClr val="accent1"/>
+            </a:effectRef>
+            <a:fontRef idx="minor">
+              <a:schemeClr val="tx1"/>
+            </a:fontRef>
+          </p:style>
+        </p:cxnSp>
+        <p:cxnSp>
+          <p:nvCxnSpPr>
+            <p:cNvPr id="245" name="Straight Connector 244"/>
+            <p:cNvCxnSpPr>
+              <a:stCxn id="133" idx="4"/>
+              <a:endCxn id="139" idx="0"/>
+            </p:cNvCxnSpPr>
+            <p:nvPr/>
+          </p:nvCxnSpPr>
+          <p:spPr>
+            <a:xfrm flipH="1">
+              <a:off x="2300843" y="4548274"/>
+              <a:ext cx="1891" cy="500811"/>
+            </a:xfrm>
+            <a:prstGeom prst="line">
+              <a:avLst/>
+            </a:prstGeom>
+            <a:ln w="25400">
+              <a:solidFill>
+                <a:schemeClr val="tx1"/>
+              </a:solidFill>
+              <a:headEnd type="stealth" w="lg" len="lg"/>
+              <a:tailEnd type="stealth" w="lg" len="lg"/>
+            </a:ln>
+          </p:spPr>
+          <p:style>
+            <a:lnRef idx="1">
+              <a:schemeClr val="accent1"/>
+            </a:lnRef>
+            <a:fillRef idx="0">
+              <a:schemeClr val="accent1"/>
+            </a:fillRef>
+            <a:effectRef idx="0">
+              <a:schemeClr val="accent1"/>
+            </a:effectRef>
+            <a:fontRef idx="minor">
+              <a:schemeClr val="tx1"/>
+            </a:fontRef>
+          </p:style>
+        </p:cxnSp>
+        <p:cxnSp>
+          <p:nvCxnSpPr>
+            <p:cNvPr id="248" name="Straight Connector 247"/>
+            <p:cNvCxnSpPr>
+              <a:stCxn id="127" idx="4"/>
+              <a:endCxn id="145" idx="0"/>
+            </p:cNvCxnSpPr>
+            <p:nvPr/>
+          </p:nvCxnSpPr>
+          <p:spPr>
+            <a:xfrm flipH="1">
+              <a:off x="4425809" y="4549930"/>
+              <a:ext cx="4142" cy="499155"/>
+            </a:xfrm>
+            <a:prstGeom prst="line">
+              <a:avLst/>
+            </a:prstGeom>
+            <a:ln w="25400">
+              <a:solidFill>
+                <a:schemeClr val="tx1"/>
+              </a:solidFill>
+              <a:headEnd type="stealth" w="lg" len="lg"/>
+              <a:tailEnd type="stealth" w="lg" len="lg"/>
+            </a:ln>
+          </p:spPr>
+          <p:style>
+            <a:lnRef idx="1">
+              <a:schemeClr val="accent1"/>
+            </a:lnRef>
+            <a:fillRef idx="0">
+              <a:schemeClr val="accent1"/>
+            </a:fillRef>
+            <a:effectRef idx="0">
+              <a:schemeClr val="accent1"/>
+            </a:effectRef>
+            <a:fontRef idx="minor">
+              <a:schemeClr val="tx1"/>
+            </a:fontRef>
+          </p:style>
+        </p:cxnSp>
+        <p:cxnSp>
+          <p:nvCxnSpPr>
+            <p:cNvPr id="251" name="Straight Connector 250"/>
+            <p:cNvCxnSpPr>
+              <a:stCxn id="124" idx="4"/>
+              <a:endCxn id="142" idx="0"/>
+            </p:cNvCxnSpPr>
+            <p:nvPr/>
+          </p:nvCxnSpPr>
+          <p:spPr>
+            <a:xfrm flipH="1">
+              <a:off x="3380675" y="4548274"/>
+              <a:ext cx="6868" cy="504362"/>
+            </a:xfrm>
+            <a:prstGeom prst="line">
+              <a:avLst/>
+            </a:prstGeom>
+            <a:ln w="25400">
+              <a:solidFill>
+                <a:schemeClr val="tx1"/>
+              </a:solidFill>
+              <a:headEnd type="stealth" w="lg" len="lg"/>
+              <a:tailEnd type="stealth" w="lg" len="lg"/>
+            </a:ln>
+          </p:spPr>
+          <p:style>
+            <a:lnRef idx="1">
+              <a:schemeClr val="accent1"/>
+            </a:lnRef>
+            <a:fillRef idx="0">
+              <a:schemeClr val="accent1"/>
+            </a:fillRef>
+            <a:effectRef idx="0">
+              <a:schemeClr val="accent1"/>
+            </a:effectRef>
+            <a:fontRef idx="minor">
+              <a:schemeClr val="tx1"/>
+            </a:fontRef>
+          </p:style>
+        </p:cxnSp>
+        <p:cxnSp>
+          <p:nvCxnSpPr>
+            <p:cNvPr id="254" name="Straight Connector 253"/>
+            <p:cNvCxnSpPr>
+              <a:stCxn id="124" idx="5"/>
+              <a:endCxn id="145" idx="1"/>
+            </p:cNvCxnSpPr>
+            <p:nvPr/>
+          </p:nvCxnSpPr>
+          <p:spPr>
+            <a:xfrm>
+              <a:off x="3658450" y="4452395"/>
+              <a:ext cx="496451" cy="692569"/>
+            </a:xfrm>
+            <a:prstGeom prst="line">
+              <a:avLst/>
+            </a:prstGeom>
+            <a:ln w="25400">
+              <a:solidFill>
+                <a:schemeClr val="tx1"/>
+              </a:solidFill>
+              <a:headEnd type="stealth" w="lg" len="lg"/>
+              <a:tailEnd type="stealth" w="lg" len="lg"/>
+            </a:ln>
+          </p:spPr>
+          <p:style>
+            <a:lnRef idx="1">
+              <a:schemeClr val="accent1"/>
+            </a:lnRef>
+            <a:fillRef idx="0">
+              <a:schemeClr val="accent1"/>
+            </a:fillRef>
+            <a:effectRef idx="0">
+              <a:schemeClr val="accent1"/>
+            </a:effectRef>
+            <a:fontRef idx="minor">
+              <a:schemeClr val="tx1"/>
+            </a:fontRef>
+          </p:style>
+        </p:cxnSp>
+        <p:cxnSp>
+          <p:nvCxnSpPr>
+            <p:cNvPr id="257" name="Straight Connector 256"/>
+            <p:cNvCxnSpPr>
+              <a:stCxn id="127" idx="3"/>
+              <a:endCxn id="142" idx="7"/>
+            </p:cNvCxnSpPr>
+            <p:nvPr/>
+          </p:nvCxnSpPr>
+          <p:spPr>
+            <a:xfrm flipH="1">
+              <a:off x="3651582" y="4454051"/>
+              <a:ext cx="507461" cy="694464"/>
+            </a:xfrm>
+            <a:prstGeom prst="line">
+              <a:avLst/>
+            </a:prstGeom>
+            <a:ln w="25400">
+              <a:solidFill>
+                <a:schemeClr val="tx1"/>
+              </a:solidFill>
+              <a:headEnd type="stealth" w="lg" len="lg"/>
+              <a:tailEnd type="stealth" w="lg" len="lg"/>
+            </a:ln>
+          </p:spPr>
+          <p:style>
+            <a:lnRef idx="1">
+              <a:schemeClr val="accent1"/>
+            </a:lnRef>
+            <a:fillRef idx="0">
+              <a:schemeClr val="accent1"/>
+            </a:fillRef>
+            <a:effectRef idx="0">
+              <a:schemeClr val="accent1"/>
+            </a:effectRef>
+            <a:fontRef idx="minor">
+              <a:schemeClr val="tx1"/>
+            </a:fontRef>
+          </p:style>
+        </p:cxnSp>
+        <p:cxnSp>
+          <p:nvCxnSpPr>
+            <p:cNvPr id="260" name="Straight Connector 259"/>
+            <p:cNvCxnSpPr>
+              <a:stCxn id="133" idx="3"/>
+              <a:endCxn id="136" idx="7"/>
+            </p:cNvCxnSpPr>
+            <p:nvPr/>
+          </p:nvCxnSpPr>
+          <p:spPr>
+            <a:xfrm flipH="1">
+              <a:off x="1489545" y="4452395"/>
+              <a:ext cx="542281" cy="696120"/>
+            </a:xfrm>
+            <a:prstGeom prst="line">
+              <a:avLst/>
+            </a:prstGeom>
+            <a:ln w="25400">
+              <a:solidFill>
+                <a:schemeClr val="tx1"/>
+              </a:solidFill>
+              <a:headEnd type="stealth" w="lg" len="lg"/>
+              <a:tailEnd type="stealth" w="lg" len="lg"/>
+            </a:ln>
+          </p:spPr>
+          <p:style>
+            <a:lnRef idx="1">
+              <a:schemeClr val="accent1"/>
+            </a:lnRef>
+            <a:fillRef idx="0">
+              <a:schemeClr val="accent1"/>
+            </a:fillRef>
+            <a:effectRef idx="0">
+              <a:schemeClr val="accent1"/>
+            </a:effectRef>
+            <a:fontRef idx="minor">
+              <a:schemeClr val="tx1"/>
+            </a:fontRef>
+          </p:style>
+        </p:cxnSp>
+        <p:cxnSp>
+          <p:nvCxnSpPr>
+            <p:cNvPr id="263" name="Straight Connector 262"/>
+            <p:cNvCxnSpPr>
+              <a:stCxn id="130" idx="4"/>
+              <a:endCxn id="136" idx="0"/>
+            </p:cNvCxnSpPr>
+            <p:nvPr/>
+          </p:nvCxnSpPr>
+          <p:spPr>
+            <a:xfrm>
+              <a:off x="1208172" y="4551825"/>
+              <a:ext cx="10466" cy="500811"/>
+            </a:xfrm>
+            <a:prstGeom prst="line">
+              <a:avLst/>
+            </a:prstGeom>
+            <a:ln w="25400">
+              <a:solidFill>
+                <a:schemeClr val="tx1"/>
+              </a:solidFill>
+              <a:headEnd type="stealth" w="lg" len="lg"/>
+              <a:tailEnd type="stealth" w="lg" len="lg"/>
+            </a:ln>
+          </p:spPr>
+          <p:style>
+            <a:lnRef idx="1">
+              <a:schemeClr val="accent1"/>
+            </a:lnRef>
+            <a:fillRef idx="0">
+              <a:schemeClr val="accent1"/>
+            </a:fillRef>
+            <a:effectRef idx="0">
+              <a:schemeClr val="accent1"/>
+            </a:effectRef>
+            <a:fontRef idx="minor">
+              <a:schemeClr val="tx1"/>
+            </a:fontRef>
+          </p:style>
+        </p:cxnSp>
+        <p:cxnSp>
+          <p:nvCxnSpPr>
+            <p:cNvPr id="266" name="Straight Connector 265"/>
+            <p:cNvCxnSpPr>
+              <a:stCxn id="130" idx="5"/>
+              <a:endCxn id="139" idx="1"/>
+            </p:cNvCxnSpPr>
+            <p:nvPr/>
+          </p:nvCxnSpPr>
+          <p:spPr>
+            <a:xfrm>
+              <a:off x="1479079" y="4455946"/>
+              <a:ext cx="550856" cy="689018"/>
+            </a:xfrm>
+            <a:prstGeom prst="line">
+              <a:avLst/>
+            </a:prstGeom>
+            <a:ln w="25400">
+              <a:solidFill>
+                <a:schemeClr val="tx1"/>
+              </a:solidFill>
+              <a:headEnd type="stealth" w="lg" len="lg"/>
+              <a:tailEnd type="stealth" w="lg" len="lg"/>
+            </a:ln>
+          </p:spPr>
+          <p:style>
+            <a:lnRef idx="1">
+              <a:schemeClr val="accent1"/>
+            </a:lnRef>
+            <a:fillRef idx="0">
+              <a:schemeClr val="accent1"/>
+            </a:fillRef>
+            <a:effectRef idx="0">
+              <a:schemeClr val="accent1"/>
+            </a:effectRef>
+            <a:fontRef idx="minor">
+              <a:schemeClr val="tx1"/>
+            </a:fontRef>
+          </p:style>
+        </p:cxnSp>
+        <p:cxnSp>
+          <p:nvCxnSpPr>
+            <p:cNvPr id="269" name="Straight Connector 268"/>
+            <p:cNvCxnSpPr>
+              <a:stCxn id="283" idx="3"/>
+              <a:endCxn id="92" idx="3"/>
+            </p:cNvCxnSpPr>
+            <p:nvPr/>
+          </p:nvCxnSpPr>
+          <p:spPr>
+            <a:xfrm flipH="1">
+              <a:off x="3308783" y="1850854"/>
+              <a:ext cx="1453780" cy="288993"/>
+            </a:xfrm>
+            <a:prstGeom prst="line">
+              <a:avLst/>
+            </a:prstGeom>
+            <a:ln w="25400">
+              <a:solidFill>
+                <a:schemeClr val="tx1"/>
+              </a:solidFill>
+              <a:tailEnd type="stealth" w="lg" len="lg"/>
+            </a:ln>
+          </p:spPr>
+          <p:style>
+            <a:lnRef idx="1">
+              <a:schemeClr val="accent1"/>
+            </a:lnRef>
+            <a:fillRef idx="0">
+              <a:schemeClr val="accent1"/>
+            </a:fillRef>
+            <a:effectRef idx="0">
+              <a:schemeClr val="accent1"/>
+            </a:effectRef>
+            <a:fontRef idx="minor">
+              <a:schemeClr val="tx1"/>
+            </a:fontRef>
+          </p:style>
+        </p:cxnSp>
+        <p:cxnSp>
+          <p:nvCxnSpPr>
+            <p:cNvPr id="273" name="Straight Connector 272"/>
+            <p:cNvCxnSpPr>
+              <a:stCxn id="283" idx="5"/>
+              <a:endCxn id="176" idx="1"/>
+            </p:cNvCxnSpPr>
+            <p:nvPr/>
+          </p:nvCxnSpPr>
+          <p:spPr>
+            <a:xfrm>
+              <a:off x="5384399" y="1850854"/>
+              <a:ext cx="1660166" cy="288993"/>
+            </a:xfrm>
+            <a:prstGeom prst="line">
+              <a:avLst/>
+            </a:prstGeom>
+            <a:ln w="25400">
+              <a:solidFill>
+                <a:schemeClr val="tx1"/>
+              </a:solidFill>
+              <a:tailEnd type="stealth" w="lg" len="lg"/>
+            </a:ln>
+          </p:spPr>
+          <p:style>
+            <a:lnRef idx="1">
+              <a:schemeClr val="accent1"/>
+            </a:lnRef>
+            <a:fillRef idx="0">
+              <a:schemeClr val="accent1"/>
+            </a:fillRef>
+            <a:effectRef idx="0">
+              <a:schemeClr val="accent1"/>
+            </a:effectRef>
+            <a:fontRef idx="minor">
+              <a:schemeClr val="tx1"/>
+            </a:fontRef>
+          </p:style>
+        </p:cxnSp>
+        <p:grpSp>
+          <p:nvGrpSpPr>
+            <p:cNvPr id="287" name="Group 286"/>
+            <p:cNvGrpSpPr/>
+            <p:nvPr/>
+          </p:nvGrpSpPr>
+          <p:grpSpPr>
+            <a:xfrm>
+              <a:off x="4607169" y="1292030"/>
+              <a:ext cx="906017" cy="892066"/>
+              <a:chOff x="4607169" y="1205531"/>
+              <a:chExt cx="906017" cy="892066"/>
+            </a:xfrm>
+          </p:grpSpPr>
+          <p:sp>
+            <p:nvSpPr>
+              <p:cNvPr id="281" name="Arc 280"/>
+              <p:cNvSpPr/>
+              <p:nvPr/>
+            </p:nvSpPr>
+            <p:spPr>
+              <a:xfrm>
+                <a:off x="4886661" y="1622869"/>
+                <a:ext cx="454240" cy="474728"/>
+              </a:xfrm>
+              <a:prstGeom prst="arc">
+                <a:avLst>
+                  <a:gd name="adj1" fmla="val 20615935"/>
+                  <a:gd name="adj2" fmla="val 11255835"/>
+                </a:avLst>
+              </a:prstGeom>
+              <a:ln w="25400">
+                <a:solidFill>
+                  <a:schemeClr val="tx1"/>
+                </a:solidFill>
+                <a:headEnd w="lg" len="lg"/>
+                <a:tailEnd type="stealth"/>
+              </a:ln>
+            </p:spPr>
+            <p:style>
+              <a:lnRef idx="1">
+                <a:schemeClr val="accent1"/>
+              </a:lnRef>
+              <a:fillRef idx="0">
+                <a:schemeClr val="accent1"/>
+              </a:fillRef>
+              <a:effectRef idx="0">
+                <a:schemeClr val="accent1"/>
+              </a:effectRef>
+              <a:fontRef idx="minor">
+                <a:schemeClr val="tx1"/>
+              </a:fontRef>
+            </p:style>
+            <p:txBody>
+              <a:bodyPr rtlCol="0" anchor="ctr"/>
+              <a:lstStyle/>
+              <a:p>
+                <a:pPr algn="ctr"/>
+                <a:endParaRPr lang="en-US"/>
+              </a:p>
+            </p:txBody>
+          </p:sp>
+          <p:grpSp>
+            <p:nvGrpSpPr>
+              <p:cNvPr id="282" name="Group 281"/>
+              <p:cNvGrpSpPr/>
+              <p:nvPr/>
+            </p:nvGrpSpPr>
+            <p:grpSpPr>
+              <a:xfrm>
+                <a:off x="4607169" y="1205531"/>
+                <a:ext cx="906017" cy="654703"/>
+                <a:chOff x="6847409" y="1656010"/>
+                <a:chExt cx="906017" cy="654703"/>
+              </a:xfrm>
+            </p:grpSpPr>
+            <p:sp>
+              <p:nvSpPr>
+                <p:cNvPr id="283" name="Oval 282"/>
+                <p:cNvSpPr/>
+                <p:nvPr/>
+              </p:nvSpPr>
+              <p:spPr>
+                <a:xfrm>
+                  <a:off x="6874016" y="1656010"/>
+                  <a:ext cx="879410" cy="654703"/>
+                </a:xfrm>
+                <a:prstGeom prst="ellipse">
+                  <a:avLst/>
+                </a:prstGeom>
+                <a:solidFill>
+                  <a:schemeClr val="bg2"/>
+                </a:solidFill>
+                <a:ln>
+                  <a:solidFill>
+                    <a:schemeClr val="tx1"/>
+                  </a:solidFill>
+                </a:ln>
+              </p:spPr>
+              <p:style>
+                <a:lnRef idx="2">
+                  <a:schemeClr val="accent1">
+                    <a:shade val="50000"/>
+                  </a:schemeClr>
+                </a:lnRef>
+                <a:fillRef idx="1">
+                  <a:schemeClr val="accent1"/>
+                </a:fillRef>
+                <a:effectRef idx="0">
+                  <a:schemeClr val="accent1"/>
+                </a:effectRef>
+                <a:fontRef idx="minor">
+                  <a:schemeClr val="lt1"/>
+                </a:fontRef>
+              </p:style>
+              <p:txBody>
+                <a:bodyPr rtlCol="0" anchor="ctr"/>
+                <a:lstStyle/>
+                <a:p>
+                  <a:pPr algn="ctr"/>
+                  <a:endParaRPr lang="en-US" dirty="0">
+                    <a:solidFill>
+                      <a:schemeClr val="tx1"/>
+                    </a:solidFill>
+                  </a:endParaRPr>
+                </a:p>
+              </p:txBody>
+            </p:sp>
+            <p:sp>
+              <p:nvSpPr>
+                <p:cNvPr id="284" name="TextBox 283"/>
+                <p:cNvSpPr txBox="1"/>
+                <p:nvPr/>
+              </p:nvSpPr>
+              <p:spPr>
+                <a:xfrm>
+                  <a:off x="6847409" y="1814084"/>
+                  <a:ext cx="906017" cy="338554"/>
+                </a:xfrm>
+                <a:prstGeom prst="rect">
+                  <a:avLst/>
+                </a:prstGeom>
+                <a:noFill/>
+              </p:spPr>
+              <p:txBody>
+                <a:bodyPr wrap="none" rtlCol="0">
+                  <a:spAutoFit/>
+                </a:bodyPr>
+                <a:lstStyle/>
+                <a:p>
+                  <a:r>
+                    <a:rPr lang="en-US" sz="1600" dirty="0" smtClean="0"/>
+                    <a:t>(out,0,0)</a:t>
+                  </a:r>
+                  <a:endParaRPr lang="en-US" sz="1600" dirty="0"/>
+                </a:p>
+              </p:txBody>
+            </p:sp>
+          </p:grpSp>
         </p:grpSp>
       </p:grpSp>
     </p:spTree>
@@ -29330,7 +29309,7 @@
             <a:solidFill>
               <a:schemeClr val="tx1"/>
             </a:solidFill>
-            <a:headEnd type="stealth" w="lg" len="lg"/>
+            <a:headEnd type="none" w="lg" len="lg"/>
             <a:tailEnd type="stealth" w="lg" len="lg"/>
           </a:ln>
         </p:spPr>
@@ -30592,7 +30571,7 @@
             <a:solidFill>
               <a:schemeClr val="tx1"/>
             </a:solidFill>
-            <a:headEnd type="stealth" w="lg" len="lg"/>
+            <a:headEnd type="none" w="lg" len="lg"/>
             <a:tailEnd type="stealth" w="lg" len="lg"/>
           </a:ln>
         </p:spPr>

--- a/paper/abstraction/figures/examples.pptx
+++ b/paper/abstraction/figures/examples.pptx
@@ -23144,12 +23144,14 @@
       <p:cxnSp>
         <p:nvCxnSpPr>
           <p:cNvPr id="115" name="Straight Connector 114"/>
-          <p:cNvCxnSpPr/>
+          <p:cNvCxnSpPr>
+            <a:stCxn id="63" idx="2"/>
+          </p:cNvCxnSpPr>
           <p:nvPr/>
         </p:nvCxnSpPr>
         <p:spPr>
           <a:xfrm flipH="1">
-            <a:off x="4100785" y="1956333"/>
+            <a:off x="2643853" y="2707030"/>
             <a:ext cx="451454" cy="640345"/>
           </a:xfrm>
           <a:prstGeom prst="line">
@@ -23179,13 +23181,15 @@
       <p:cxnSp>
         <p:nvCxnSpPr>
           <p:cNvPr id="116" name="Straight Connector 115"/>
-          <p:cNvCxnSpPr/>
+          <p:cNvCxnSpPr>
+            <a:stCxn id="65" idx="2"/>
+          </p:cNvCxnSpPr>
           <p:nvPr/>
         </p:nvCxnSpPr>
         <p:spPr>
           <a:xfrm flipH="1">
-            <a:off x="4100785" y="1995050"/>
-            <a:ext cx="2029689" cy="601628"/>
+            <a:off x="2643854" y="2745747"/>
+            <a:ext cx="2029688" cy="601628"/>
           </a:xfrm>
           <a:prstGeom prst="line">
             <a:avLst/>
@@ -23214,12 +23218,14 @@
       <p:cxnSp>
         <p:nvCxnSpPr>
           <p:cNvPr id="117" name="Straight Connector 116"/>
-          <p:cNvCxnSpPr/>
+          <p:cNvCxnSpPr>
+            <a:stCxn id="63" idx="2"/>
+          </p:cNvCxnSpPr>
           <p:nvPr/>
         </p:nvCxnSpPr>
         <p:spPr>
           <a:xfrm>
-            <a:off x="4552239" y="1956333"/>
+            <a:off x="3095307" y="2707030"/>
             <a:ext cx="307097" cy="640345"/>
           </a:xfrm>
           <a:prstGeom prst="line">
@@ -23249,12 +23255,14 @@
       <p:cxnSp>
         <p:nvCxnSpPr>
           <p:cNvPr id="118" name="Straight Connector 117"/>
-          <p:cNvCxnSpPr/>
+          <p:cNvCxnSpPr>
+            <a:stCxn id="65" idx="2"/>
+          </p:cNvCxnSpPr>
           <p:nvPr/>
         </p:nvCxnSpPr>
         <p:spPr>
           <a:xfrm>
-            <a:off x="6130474" y="1995050"/>
+            <a:off x="4673542" y="2745747"/>
             <a:ext cx="432214" cy="612406"/>
           </a:xfrm>
           <a:prstGeom prst="line">
@@ -23284,13 +23292,15 @@
       <p:cxnSp>
         <p:nvCxnSpPr>
           <p:cNvPr id="119" name="Straight Connector 118"/>
-          <p:cNvCxnSpPr/>
+          <p:cNvCxnSpPr>
+            <a:stCxn id="65" idx="2"/>
+          </p:cNvCxnSpPr>
           <p:nvPr/>
         </p:nvCxnSpPr>
         <p:spPr>
           <a:xfrm flipH="1">
-            <a:off x="5804137" y="1995050"/>
-            <a:ext cx="326337" cy="612406"/>
+            <a:off x="4347206" y="2745747"/>
+            <a:ext cx="326336" cy="612406"/>
           </a:xfrm>
           <a:prstGeom prst="line">
             <a:avLst/>
@@ -23319,12 +23329,14 @@
       <p:cxnSp>
         <p:nvCxnSpPr>
           <p:cNvPr id="120" name="Straight Connector 119"/>
-          <p:cNvCxnSpPr/>
+          <p:cNvCxnSpPr>
+            <a:stCxn id="65" idx="2"/>
+          </p:cNvCxnSpPr>
           <p:nvPr/>
         </p:nvCxnSpPr>
         <p:spPr>
           <a:xfrm flipH="1">
-            <a:off x="4859336" y="1995050"/>
+            <a:off x="3402404" y="2745747"/>
             <a:ext cx="1271138" cy="601628"/>
           </a:xfrm>
           <a:prstGeom prst="line">
@@ -23354,12 +23366,14 @@
       <p:cxnSp>
         <p:nvCxnSpPr>
           <p:cNvPr id="121" name="Straight Connector 120"/>
-          <p:cNvCxnSpPr/>
+          <p:cNvCxnSpPr>
+            <a:stCxn id="63" idx="2"/>
+          </p:cNvCxnSpPr>
           <p:nvPr/>
         </p:nvCxnSpPr>
         <p:spPr>
           <a:xfrm>
-            <a:off x="4552239" y="1956333"/>
+            <a:off x="3095307" y="2707030"/>
             <a:ext cx="2010449" cy="651123"/>
           </a:xfrm>
           <a:prstGeom prst="line">
@@ -23389,12 +23403,14 @@
       <p:cxnSp>
         <p:nvCxnSpPr>
           <p:cNvPr id="122" name="Straight Connector 121"/>
-          <p:cNvCxnSpPr/>
+          <p:cNvCxnSpPr>
+            <a:stCxn id="63" idx="2"/>
+          </p:cNvCxnSpPr>
           <p:nvPr/>
         </p:nvCxnSpPr>
         <p:spPr>
           <a:xfrm>
-            <a:off x="4552239" y="1956333"/>
+            <a:off x="3095307" y="2707030"/>
             <a:ext cx="1251898" cy="651123"/>
           </a:xfrm>
           <a:prstGeom prst="line">
@@ -23429,7 +23445,7 @@
         </p:nvCxnSpPr>
         <p:spPr>
           <a:xfrm>
-            <a:off x="4100785" y="2922791"/>
+            <a:off x="2643853" y="3542856"/>
             <a:ext cx="0" cy="286063"/>
           </a:xfrm>
           <a:prstGeom prst="line">
@@ -23464,7 +23480,7 @@
         </p:nvCxnSpPr>
         <p:spPr>
           <a:xfrm>
-            <a:off x="4859336" y="2922791"/>
+            <a:off x="3402404" y="3542856"/>
             <a:ext cx="0" cy="286063"/>
           </a:xfrm>
           <a:prstGeom prst="line">
@@ -23499,7 +23515,7 @@
         </p:nvCxnSpPr>
         <p:spPr>
           <a:xfrm flipH="1">
-            <a:off x="4234373" y="2928512"/>
+            <a:off x="2777441" y="3548577"/>
             <a:ext cx="375949" cy="280341"/>
           </a:xfrm>
           <a:prstGeom prst="line">
@@ -23534,7 +23550,7 @@
         </p:nvCxnSpPr>
         <p:spPr>
           <a:xfrm>
-            <a:off x="4234373" y="2928512"/>
+            <a:off x="2777441" y="3548577"/>
             <a:ext cx="372621" cy="286063"/>
           </a:xfrm>
           <a:prstGeom prst="line">
@@ -23544,43 +23560,6 @@
             <a:solidFill>
               <a:schemeClr val="tx1"/>
             </a:solidFill>
-          </a:ln>
-        </p:spPr>
-        <p:style>
-          <a:lnRef idx="1">
-            <a:schemeClr val="accent1"/>
-          </a:lnRef>
-          <a:fillRef idx="0">
-            <a:schemeClr val="accent1"/>
-          </a:fillRef>
-          <a:effectRef idx="0">
-            <a:schemeClr val="accent1"/>
-          </a:effectRef>
-          <a:fontRef idx="minor">
-            <a:schemeClr val="tx1"/>
-          </a:fontRef>
-        </p:style>
-      </p:cxnSp>
-      <p:cxnSp>
-        <p:nvCxnSpPr>
-          <p:cNvPr id="46" name="Straight Connector 45"/>
-          <p:cNvCxnSpPr/>
-          <p:nvPr/>
-        </p:nvCxnSpPr>
-        <p:spPr>
-          <a:xfrm>
-            <a:off x="6136621" y="1344207"/>
-            <a:ext cx="0" cy="324730"/>
-          </a:xfrm>
-          <a:prstGeom prst="line">
-            <a:avLst/>
-          </a:prstGeom>
-          <a:ln w="38100">
-            <a:solidFill>
-              <a:schemeClr val="tx1"/>
-            </a:solidFill>
-            <a:headEnd type="triangle" w="med" len="med"/>
-            <a:tailEnd type="triangle" w="med" len="med"/>
           </a:ln>
         </p:spPr>
         <p:style>
@@ -23606,7 +23585,7 @@
         </p:nvCxnSpPr>
         <p:spPr>
           <a:xfrm>
-            <a:off x="5804137" y="2933569"/>
+            <a:off x="4347205" y="3553634"/>
             <a:ext cx="0" cy="286063"/>
           </a:xfrm>
           <a:prstGeom prst="line">
@@ -23641,7 +23620,7 @@
         </p:nvCxnSpPr>
         <p:spPr>
           <a:xfrm>
-            <a:off x="6562688" y="2933569"/>
+            <a:off x="5105756" y="3553634"/>
             <a:ext cx="0" cy="286063"/>
           </a:xfrm>
           <a:prstGeom prst="line">
@@ -23676,7 +23655,7 @@
         </p:nvCxnSpPr>
         <p:spPr>
           <a:xfrm flipH="1">
-            <a:off x="5937725" y="2939290"/>
+            <a:off x="4480793" y="3559355"/>
             <a:ext cx="375949" cy="280341"/>
           </a:xfrm>
           <a:prstGeom prst="line">
@@ -23711,7 +23690,7 @@
         </p:nvCxnSpPr>
         <p:spPr>
           <a:xfrm>
-            <a:off x="5937725" y="2939290"/>
+            <a:off x="4480793" y="3559355"/>
             <a:ext cx="372621" cy="286063"/>
           </a:xfrm>
           <a:prstGeom prst="line">
@@ -23740,50 +23719,15 @@
       </p:cxnSp>
       <p:cxnSp>
         <p:nvCxnSpPr>
-          <p:cNvPr id="64" name="Straight Connector 63"/>
-          <p:cNvCxnSpPr/>
+          <p:cNvPr id="35" name="Straight Connector 34"/>
+          <p:cNvCxnSpPr>
+            <a:stCxn id="57" idx="2"/>
+          </p:cNvCxnSpPr>
           <p:nvPr/>
         </p:nvCxnSpPr>
         <p:spPr>
           <a:xfrm>
-            <a:off x="4552239" y="1319697"/>
-            <a:ext cx="0" cy="310523"/>
-          </a:xfrm>
-          <a:prstGeom prst="line">
-            <a:avLst/>
-          </a:prstGeom>
-          <a:ln w="38100">
-            <a:solidFill>
-              <a:schemeClr val="tx1"/>
-            </a:solidFill>
-            <a:headEnd type="triangle" w="med" len="med"/>
-            <a:tailEnd type="triangle" w="med" len="med"/>
-          </a:ln>
-        </p:spPr>
-        <p:style>
-          <a:lnRef idx="1">
-            <a:schemeClr val="accent1"/>
-          </a:lnRef>
-          <a:fillRef idx="0">
-            <a:schemeClr val="accent1"/>
-          </a:fillRef>
-          <a:effectRef idx="0">
-            <a:schemeClr val="accent1"/>
-          </a:effectRef>
-          <a:fontRef idx="minor">
-            <a:schemeClr val="tx1"/>
-          </a:fontRef>
-        </p:style>
-      </p:cxnSp>
-      <p:cxnSp>
-        <p:nvCxnSpPr>
-          <p:cNvPr id="35" name="Straight Connector 34"/>
-          <p:cNvCxnSpPr/>
-          <p:nvPr/>
-        </p:nvCxnSpPr>
-        <p:spPr>
-          <a:xfrm>
-            <a:off x="8402214" y="1956333"/>
+            <a:off x="8825124" y="2745747"/>
             <a:ext cx="977609" cy="658782"/>
           </a:xfrm>
           <a:prstGeom prst="line">
@@ -23812,51 +23756,16 @@
       </p:cxnSp>
       <p:cxnSp>
         <p:nvCxnSpPr>
-          <p:cNvPr id="36" name="Straight Connector 35"/>
-          <p:cNvCxnSpPr/>
-          <p:nvPr/>
-        </p:nvCxnSpPr>
-        <p:spPr>
-          <a:xfrm>
-            <a:off x="8402212" y="1315169"/>
-            <a:ext cx="0" cy="310523"/>
-          </a:xfrm>
-          <a:prstGeom prst="line">
-            <a:avLst/>
-          </a:prstGeom>
-          <a:ln w="38100">
-            <a:solidFill>
-              <a:schemeClr val="tx1"/>
-            </a:solidFill>
-            <a:headEnd type="triangle" w="med" len="med"/>
-            <a:tailEnd type="triangle" w="med" len="med"/>
-          </a:ln>
-        </p:spPr>
-        <p:style>
-          <a:lnRef idx="1">
-            <a:schemeClr val="accent1"/>
-          </a:lnRef>
-          <a:fillRef idx="0">
-            <a:schemeClr val="accent1"/>
-          </a:fillRef>
-          <a:effectRef idx="0">
-            <a:schemeClr val="accent1"/>
-          </a:effectRef>
-          <a:fontRef idx="minor">
-            <a:schemeClr val="tx1"/>
-          </a:fontRef>
-        </p:style>
-      </p:cxnSp>
-      <p:cxnSp>
-        <p:nvCxnSpPr>
           <p:cNvPr id="37" name="Straight Connector 36"/>
-          <p:cNvCxnSpPr/>
+          <p:cNvCxnSpPr>
+            <a:stCxn id="57" idx="2"/>
+          </p:cNvCxnSpPr>
           <p:nvPr/>
         </p:nvCxnSpPr>
         <p:spPr>
           <a:xfrm flipH="1">
-            <a:off x="7456367" y="1956333"/>
-            <a:ext cx="945847" cy="640345"/>
+            <a:off x="7879278" y="2745747"/>
+            <a:ext cx="945846" cy="640345"/>
           </a:xfrm>
           <a:prstGeom prst="line">
             <a:avLst/>
@@ -23890,7 +23799,7 @@
         </p:nvCxnSpPr>
         <p:spPr>
           <a:xfrm>
-            <a:off x="9379823" y="2941228"/>
+            <a:off x="9802733" y="3600010"/>
             <a:ext cx="0" cy="258469"/>
           </a:xfrm>
           <a:prstGeom prst="line">
@@ -23925,7 +23834,7 @@
         </p:nvCxnSpPr>
         <p:spPr>
           <a:xfrm>
-            <a:off x="7456367" y="2922791"/>
+            <a:off x="7879277" y="3581573"/>
             <a:ext cx="0" cy="304775"/>
           </a:xfrm>
           <a:prstGeom prst="line">
@@ -23960,7 +23869,7 @@
         </p:nvSpPr>
         <p:spPr>
           <a:xfrm>
-            <a:off x="8149872" y="1630220"/>
+            <a:off x="8572782" y="2419634"/>
             <a:ext cx="504684" cy="326113"/>
           </a:xfrm>
           <a:prstGeom prst="rect">
@@ -24022,7 +23931,7 @@
         </p:nvSpPr>
         <p:spPr>
           <a:xfrm>
-            <a:off x="9127481" y="2615115"/>
+            <a:off x="9550391" y="3273897"/>
             <a:ext cx="504684" cy="326113"/>
           </a:xfrm>
           <a:prstGeom prst="rect">
@@ -24084,7 +23993,7 @@
         </p:nvSpPr>
         <p:spPr>
           <a:xfrm>
-            <a:off x="7204025" y="2596678"/>
+            <a:off x="7626935" y="3255460"/>
             <a:ext cx="504684" cy="326113"/>
           </a:xfrm>
           <a:prstGeom prst="rect">
@@ -24146,7 +24055,7 @@
         </p:nvSpPr>
         <p:spPr>
           <a:xfrm>
-            <a:off x="9127481" y="3199697"/>
+            <a:off x="9550391" y="3858479"/>
             <a:ext cx="504684" cy="326113"/>
           </a:xfrm>
           <a:prstGeom prst="rect">
@@ -24208,7 +24117,7 @@
         </p:nvSpPr>
         <p:spPr>
           <a:xfrm>
-            <a:off x="7204025" y="3227566"/>
+            <a:off x="7626935" y="3886348"/>
             <a:ext cx="504684" cy="326113"/>
           </a:xfrm>
           <a:prstGeom prst="rect">
@@ -24270,7 +24179,7 @@
         </p:nvSpPr>
         <p:spPr>
           <a:xfrm>
-            <a:off x="4299897" y="1630220"/>
+            <a:off x="2842965" y="2380917"/>
             <a:ext cx="504684" cy="326113"/>
           </a:xfrm>
           <a:prstGeom prst="rect">
@@ -24332,7 +24241,7 @@
         </p:nvSpPr>
         <p:spPr>
           <a:xfrm>
-            <a:off x="5878132" y="1668937"/>
+            <a:off x="4421200" y="2419634"/>
             <a:ext cx="504684" cy="326113"/>
           </a:xfrm>
           <a:prstGeom prst="rect">
@@ -24394,7 +24303,7 @@
         </p:nvSpPr>
         <p:spPr>
           <a:xfrm>
-            <a:off x="3848443" y="3208854"/>
+            <a:off x="2391511" y="3828919"/>
             <a:ext cx="504684" cy="326113"/>
           </a:xfrm>
           <a:prstGeom prst="rect">
@@ -24456,7 +24365,7 @@
         </p:nvSpPr>
         <p:spPr>
           <a:xfrm>
-            <a:off x="4606994" y="3208854"/>
+            <a:off x="3150062" y="3828919"/>
             <a:ext cx="504684" cy="326113"/>
           </a:xfrm>
           <a:prstGeom prst="rect">
@@ -24518,7 +24427,7 @@
         </p:nvSpPr>
         <p:spPr>
           <a:xfrm>
-            <a:off x="3848443" y="2596678"/>
+            <a:off x="2391511" y="3216743"/>
             <a:ext cx="504684" cy="326113"/>
           </a:xfrm>
           <a:prstGeom prst="rect">
@@ -24580,7 +24489,7 @@
         </p:nvSpPr>
         <p:spPr>
           <a:xfrm>
-            <a:off x="4606994" y="2596678"/>
+            <a:off x="3150062" y="3216743"/>
             <a:ext cx="504684" cy="326113"/>
           </a:xfrm>
           <a:prstGeom prst="rect">
@@ -24642,7 +24551,7 @@
         </p:nvSpPr>
         <p:spPr>
           <a:xfrm>
-            <a:off x="5551795" y="3219632"/>
+            <a:off x="4094863" y="3839697"/>
             <a:ext cx="504684" cy="326113"/>
           </a:xfrm>
           <a:prstGeom prst="rect">
@@ -24704,7 +24613,7 @@
         </p:nvSpPr>
         <p:spPr>
           <a:xfrm>
-            <a:off x="6310346" y="3219632"/>
+            <a:off x="4853414" y="3839697"/>
             <a:ext cx="504684" cy="326113"/>
           </a:xfrm>
           <a:prstGeom prst="rect">
@@ -24766,7 +24675,7 @@
         </p:nvSpPr>
         <p:spPr>
           <a:xfrm>
-            <a:off x="5551795" y="2607456"/>
+            <a:off x="4094863" y="3227521"/>
             <a:ext cx="504684" cy="326113"/>
           </a:xfrm>
           <a:prstGeom prst="rect">
@@ -24828,7 +24737,7 @@
         </p:nvSpPr>
         <p:spPr>
           <a:xfrm>
-            <a:off x="6310346" y="2607456"/>
+            <a:off x="4853414" y="3227521"/>
             <a:ext cx="504684" cy="326113"/>
           </a:xfrm>
           <a:prstGeom prst="rect">
@@ -24879,6 +24788,564 @@
                 <a:schemeClr val="tx1"/>
               </a:solidFill>
             </a:endParaRPr>
+          </a:p>
+        </p:txBody>
+      </p:sp>
+      <p:grpSp>
+        <p:nvGrpSpPr>
+          <p:cNvPr id="11" name="Group 10"/>
+          <p:cNvGrpSpPr/>
+          <p:nvPr/>
+        </p:nvGrpSpPr>
+        <p:grpSpPr>
+          <a:xfrm>
+            <a:off x="3819699" y="1646991"/>
+            <a:ext cx="1240099" cy="420702"/>
+            <a:chOff x="3862426" y="1524547"/>
+            <a:chExt cx="1240099" cy="420702"/>
+          </a:xfrm>
+        </p:grpSpPr>
+        <p:pic>
+          <p:nvPicPr>
+            <p:cNvPr id="40" name="Picture 39"/>
+            <p:cNvPicPr>
+              <a:picLocks noChangeAspect="1"/>
+            </p:cNvPicPr>
+            <p:nvPr/>
+          </p:nvPicPr>
+          <p:blipFill>
+            <a:blip r:embed="rId2" cstate="print">
+              <a:extLst>
+                <a:ext uri="{28A0092B-C50C-407E-A947-70E740481C1C}">
+                  <a14:useLocalDpi xmlns:a14="http://schemas.microsoft.com/office/drawing/2010/main" val="0"/>
+                </a:ext>
+              </a:extLst>
+            </a:blip>
+            <a:stretch>
+              <a:fillRect/>
+            </a:stretch>
+          </p:blipFill>
+          <p:spPr>
+            <a:xfrm>
+              <a:off x="4005194" y="1524547"/>
+              <a:ext cx="978509" cy="420702"/>
+            </a:xfrm>
+            <a:prstGeom prst="rect">
+              <a:avLst/>
+            </a:prstGeom>
+          </p:spPr>
+        </p:pic>
+        <p:sp>
+          <p:nvSpPr>
+            <p:cNvPr id="42" name="TextBox 41"/>
+            <p:cNvSpPr txBox="1"/>
+            <p:nvPr/>
+          </p:nvSpPr>
+          <p:spPr>
+            <a:xfrm>
+              <a:off x="3862426" y="1534843"/>
+              <a:ext cx="1240099" cy="400110"/>
+            </a:xfrm>
+            <a:prstGeom prst="rect">
+              <a:avLst/>
+            </a:prstGeom>
+            <a:noFill/>
+          </p:spPr>
+          <p:txBody>
+            <a:bodyPr wrap="square" rtlCol="0">
+              <a:spAutoFit/>
+            </a:bodyPr>
+            <a:lstStyle/>
+            <a:p>
+              <a:pPr algn="ctr"/>
+              <a:r>
+                <a:rPr lang="en-US" sz="2000" dirty="0" smtClean="0"/>
+                <a:t>P2</a:t>
+              </a:r>
+              <a:endParaRPr lang="en-US" sz="2000" baseline="-25000" dirty="0"/>
+            </a:p>
+          </p:txBody>
+        </p:sp>
+      </p:grpSp>
+      <p:grpSp>
+        <p:nvGrpSpPr>
+          <p:cNvPr id="10" name="Group 9"/>
+          <p:cNvGrpSpPr/>
+          <p:nvPr/>
+        </p:nvGrpSpPr>
+        <p:grpSpPr>
+          <a:xfrm>
+            <a:off x="2688157" y="1635482"/>
+            <a:ext cx="1240099" cy="437600"/>
+            <a:chOff x="2688268" y="1516712"/>
+            <a:chExt cx="1240099" cy="437600"/>
+          </a:xfrm>
+        </p:grpSpPr>
+        <p:pic>
+          <p:nvPicPr>
+            <p:cNvPr id="43" name="Picture 42"/>
+            <p:cNvPicPr>
+              <a:picLocks noChangeAspect="1"/>
+            </p:cNvPicPr>
+            <p:nvPr/>
+          </p:nvPicPr>
+          <p:blipFill>
+            <a:blip r:embed="rId3" cstate="print">
+              <a:extLst>
+                <a:ext uri="{28A0092B-C50C-407E-A947-70E740481C1C}">
+                  <a14:useLocalDpi xmlns:a14="http://schemas.microsoft.com/office/drawing/2010/main" val="0"/>
+                </a:ext>
+              </a:extLst>
+            </a:blip>
+            <a:stretch>
+              <a:fillRect/>
+            </a:stretch>
+          </p:blipFill>
+          <p:spPr>
+            <a:xfrm>
+              <a:off x="2842965" y="1516712"/>
+              <a:ext cx="906144" cy="428537"/>
+            </a:xfrm>
+            <a:prstGeom prst="rect">
+              <a:avLst/>
+            </a:prstGeom>
+          </p:spPr>
+        </p:pic>
+        <p:sp>
+          <p:nvSpPr>
+            <p:cNvPr id="45" name="TextBox 44"/>
+            <p:cNvSpPr txBox="1"/>
+            <p:nvPr/>
+          </p:nvSpPr>
+          <p:spPr>
+            <a:xfrm>
+              <a:off x="2688268" y="1554202"/>
+              <a:ext cx="1240099" cy="400110"/>
+            </a:xfrm>
+            <a:prstGeom prst="rect">
+              <a:avLst/>
+            </a:prstGeom>
+            <a:noFill/>
+          </p:spPr>
+          <p:txBody>
+            <a:bodyPr wrap="square" rtlCol="0">
+              <a:spAutoFit/>
+            </a:bodyPr>
+            <a:lstStyle/>
+            <a:p>
+              <a:pPr algn="ctr"/>
+              <a:r>
+                <a:rPr lang="en-US" sz="2000" dirty="0" smtClean="0"/>
+                <a:t>P1</a:t>
+              </a:r>
+              <a:endParaRPr lang="en-US" sz="2000" baseline="-25000" dirty="0"/>
+            </a:p>
+          </p:txBody>
+        </p:sp>
+      </p:grpSp>
+      <p:cxnSp>
+        <p:nvCxnSpPr>
+          <p:cNvPr id="47" name="Straight Connector 46"/>
+          <p:cNvCxnSpPr>
+            <a:stCxn id="45" idx="2"/>
+            <a:endCxn id="63" idx="0"/>
+          </p:cNvCxnSpPr>
+          <p:nvPr/>
+        </p:nvCxnSpPr>
+        <p:spPr>
+          <a:xfrm flipH="1">
+            <a:off x="3095307" y="2073082"/>
+            <a:ext cx="212900" cy="307835"/>
+          </a:xfrm>
+          <a:prstGeom prst="line">
+            <a:avLst/>
+          </a:prstGeom>
+          <a:ln w="19050">
+            <a:solidFill>
+              <a:schemeClr val="tx1"/>
+            </a:solidFill>
+          </a:ln>
+        </p:spPr>
+        <p:style>
+          <a:lnRef idx="1">
+            <a:schemeClr val="accent1"/>
+          </a:lnRef>
+          <a:fillRef idx="0">
+            <a:schemeClr val="accent1"/>
+          </a:fillRef>
+          <a:effectRef idx="0">
+            <a:schemeClr val="accent1"/>
+          </a:effectRef>
+          <a:fontRef idx="minor">
+            <a:schemeClr val="tx1"/>
+          </a:fontRef>
+        </p:style>
+      </p:cxnSp>
+      <p:cxnSp>
+        <p:nvCxnSpPr>
+          <p:cNvPr id="48" name="Straight Connector 47"/>
+          <p:cNvCxnSpPr>
+            <a:stCxn id="42" idx="2"/>
+            <a:endCxn id="63" idx="0"/>
+          </p:cNvCxnSpPr>
+          <p:nvPr/>
+        </p:nvCxnSpPr>
+        <p:spPr>
+          <a:xfrm flipH="1">
+            <a:off x="3095307" y="2057397"/>
+            <a:ext cx="1344442" cy="323520"/>
+          </a:xfrm>
+          <a:prstGeom prst="line">
+            <a:avLst/>
+          </a:prstGeom>
+          <a:ln w="19050">
+            <a:solidFill>
+              <a:schemeClr val="tx1"/>
+            </a:solidFill>
+          </a:ln>
+        </p:spPr>
+        <p:style>
+          <a:lnRef idx="1">
+            <a:schemeClr val="accent1"/>
+          </a:lnRef>
+          <a:fillRef idx="0">
+            <a:schemeClr val="accent1"/>
+          </a:fillRef>
+          <a:effectRef idx="0">
+            <a:schemeClr val="accent1"/>
+          </a:effectRef>
+          <a:fontRef idx="minor">
+            <a:schemeClr val="tx1"/>
+          </a:fontRef>
+        </p:style>
+      </p:cxnSp>
+      <p:cxnSp>
+        <p:nvCxnSpPr>
+          <p:cNvPr id="50" name="Straight Connector 49"/>
+          <p:cNvCxnSpPr>
+            <a:stCxn id="42" idx="2"/>
+            <a:endCxn id="65" idx="0"/>
+          </p:cNvCxnSpPr>
+          <p:nvPr/>
+        </p:nvCxnSpPr>
+        <p:spPr>
+          <a:xfrm>
+            <a:off x="4439749" y="2057397"/>
+            <a:ext cx="233793" cy="362237"/>
+          </a:xfrm>
+          <a:prstGeom prst="line">
+            <a:avLst/>
+          </a:prstGeom>
+          <a:ln w="19050">
+            <a:solidFill>
+              <a:schemeClr val="tx1"/>
+            </a:solidFill>
+          </a:ln>
+        </p:spPr>
+        <p:style>
+          <a:lnRef idx="1">
+            <a:schemeClr val="accent1"/>
+          </a:lnRef>
+          <a:fillRef idx="0">
+            <a:schemeClr val="accent1"/>
+          </a:fillRef>
+          <a:effectRef idx="0">
+            <a:schemeClr val="accent1"/>
+          </a:effectRef>
+          <a:fontRef idx="minor">
+            <a:schemeClr val="tx1"/>
+          </a:fontRef>
+        </p:style>
+      </p:cxnSp>
+      <p:cxnSp>
+        <p:nvCxnSpPr>
+          <p:cNvPr id="53" name="Straight Connector 52"/>
+          <p:cNvCxnSpPr>
+            <a:stCxn id="45" idx="2"/>
+            <a:endCxn id="65" idx="0"/>
+          </p:cNvCxnSpPr>
+          <p:nvPr/>
+        </p:nvCxnSpPr>
+        <p:spPr>
+          <a:xfrm>
+            <a:off x="3308207" y="2073082"/>
+            <a:ext cx="1365335" cy="346552"/>
+          </a:xfrm>
+          <a:prstGeom prst="line">
+            <a:avLst/>
+          </a:prstGeom>
+          <a:ln w="19050">
+            <a:solidFill>
+              <a:schemeClr val="tx1"/>
+            </a:solidFill>
+          </a:ln>
+        </p:spPr>
+        <p:style>
+          <a:lnRef idx="1">
+            <a:schemeClr val="accent1"/>
+          </a:lnRef>
+          <a:fillRef idx="0">
+            <a:schemeClr val="accent1"/>
+          </a:fillRef>
+          <a:effectRef idx="0">
+            <a:schemeClr val="accent1"/>
+          </a:effectRef>
+          <a:fontRef idx="minor">
+            <a:schemeClr val="tx1"/>
+          </a:fontRef>
+        </p:style>
+      </p:cxnSp>
+      <p:grpSp>
+        <p:nvGrpSpPr>
+          <p:cNvPr id="67" name="Group 66"/>
+          <p:cNvGrpSpPr/>
+          <p:nvPr/>
+        </p:nvGrpSpPr>
+        <p:grpSpPr>
+          <a:xfrm>
+            <a:off x="8758833" y="1657287"/>
+            <a:ext cx="1240099" cy="420702"/>
+            <a:chOff x="3862426" y="1524547"/>
+            <a:chExt cx="1240099" cy="420702"/>
+          </a:xfrm>
+        </p:grpSpPr>
+        <p:pic>
+          <p:nvPicPr>
+            <p:cNvPr id="76" name="Picture 75"/>
+            <p:cNvPicPr>
+              <a:picLocks noChangeAspect="1"/>
+            </p:cNvPicPr>
+            <p:nvPr/>
+          </p:nvPicPr>
+          <p:blipFill>
+            <a:blip r:embed="rId2" cstate="print">
+              <a:extLst>
+                <a:ext uri="{28A0092B-C50C-407E-A947-70E740481C1C}">
+                  <a14:useLocalDpi xmlns:a14="http://schemas.microsoft.com/office/drawing/2010/main" val="0"/>
+                </a:ext>
+              </a:extLst>
+            </a:blip>
+            <a:stretch>
+              <a:fillRect/>
+            </a:stretch>
+          </p:blipFill>
+          <p:spPr>
+            <a:xfrm>
+              <a:off x="4005194" y="1524547"/>
+              <a:ext cx="978509" cy="420702"/>
+            </a:xfrm>
+            <a:prstGeom prst="rect">
+              <a:avLst/>
+            </a:prstGeom>
+          </p:spPr>
+        </p:pic>
+        <p:sp>
+          <p:nvSpPr>
+            <p:cNvPr id="77" name="TextBox 76"/>
+            <p:cNvSpPr txBox="1"/>
+            <p:nvPr/>
+          </p:nvSpPr>
+          <p:spPr>
+            <a:xfrm>
+              <a:off x="3862426" y="1534843"/>
+              <a:ext cx="1240099" cy="400110"/>
+            </a:xfrm>
+            <a:prstGeom prst="rect">
+              <a:avLst/>
+            </a:prstGeom>
+            <a:noFill/>
+          </p:spPr>
+          <p:txBody>
+            <a:bodyPr wrap="square" rtlCol="0">
+              <a:spAutoFit/>
+            </a:bodyPr>
+            <a:lstStyle/>
+            <a:p>
+              <a:pPr algn="ctr"/>
+              <a:r>
+                <a:rPr lang="en-US" sz="2000" dirty="0" smtClean="0"/>
+                <a:t>P2</a:t>
+              </a:r>
+              <a:endParaRPr lang="en-US" sz="2000" baseline="-25000" dirty="0"/>
+            </a:p>
+          </p:txBody>
+        </p:sp>
+      </p:grpSp>
+      <p:grpSp>
+        <p:nvGrpSpPr>
+          <p:cNvPr id="78" name="Group 77"/>
+          <p:cNvGrpSpPr/>
+          <p:nvPr/>
+        </p:nvGrpSpPr>
+        <p:grpSpPr>
+          <a:xfrm>
+            <a:off x="7627291" y="1645778"/>
+            <a:ext cx="1240099" cy="437600"/>
+            <a:chOff x="2688268" y="1516712"/>
+            <a:chExt cx="1240099" cy="437600"/>
+          </a:xfrm>
+        </p:grpSpPr>
+        <p:pic>
+          <p:nvPicPr>
+            <p:cNvPr id="79" name="Picture 78"/>
+            <p:cNvPicPr>
+              <a:picLocks noChangeAspect="1"/>
+            </p:cNvPicPr>
+            <p:nvPr/>
+          </p:nvPicPr>
+          <p:blipFill>
+            <a:blip r:embed="rId3" cstate="print">
+              <a:extLst>
+                <a:ext uri="{28A0092B-C50C-407E-A947-70E740481C1C}">
+                  <a14:useLocalDpi xmlns:a14="http://schemas.microsoft.com/office/drawing/2010/main" val="0"/>
+                </a:ext>
+              </a:extLst>
+            </a:blip>
+            <a:stretch>
+              <a:fillRect/>
+            </a:stretch>
+          </p:blipFill>
+          <p:spPr>
+            <a:xfrm>
+              <a:off x="2842965" y="1516712"/>
+              <a:ext cx="906144" cy="428537"/>
+            </a:xfrm>
+            <a:prstGeom prst="rect">
+              <a:avLst/>
+            </a:prstGeom>
+          </p:spPr>
+        </p:pic>
+        <p:sp>
+          <p:nvSpPr>
+            <p:cNvPr id="80" name="TextBox 79"/>
+            <p:cNvSpPr txBox="1"/>
+            <p:nvPr/>
+          </p:nvSpPr>
+          <p:spPr>
+            <a:xfrm>
+              <a:off x="2688268" y="1554202"/>
+              <a:ext cx="1240099" cy="400110"/>
+            </a:xfrm>
+            <a:prstGeom prst="rect">
+              <a:avLst/>
+            </a:prstGeom>
+            <a:noFill/>
+          </p:spPr>
+          <p:txBody>
+            <a:bodyPr wrap="square" rtlCol="0">
+              <a:spAutoFit/>
+            </a:bodyPr>
+            <a:lstStyle/>
+            <a:p>
+              <a:pPr algn="ctr"/>
+              <a:r>
+                <a:rPr lang="en-US" sz="2000" dirty="0" smtClean="0"/>
+                <a:t>P1</a:t>
+              </a:r>
+              <a:endParaRPr lang="en-US" sz="2000" baseline="-25000" dirty="0"/>
+            </a:p>
+          </p:txBody>
+        </p:sp>
+      </p:grpSp>
+      <p:cxnSp>
+        <p:nvCxnSpPr>
+          <p:cNvPr id="81" name="Straight Connector 80"/>
+          <p:cNvCxnSpPr>
+            <a:stCxn id="79" idx="2"/>
+            <a:endCxn id="57" idx="0"/>
+          </p:cNvCxnSpPr>
+          <p:nvPr/>
+        </p:nvCxnSpPr>
+        <p:spPr>
+          <a:xfrm>
+            <a:off x="8235060" y="2074315"/>
+            <a:ext cx="590064" cy="345319"/>
+          </a:xfrm>
+          <a:prstGeom prst="line">
+            <a:avLst/>
+          </a:prstGeom>
+          <a:ln w="19050">
+            <a:solidFill>
+              <a:schemeClr val="tx1"/>
+            </a:solidFill>
+          </a:ln>
+        </p:spPr>
+        <p:style>
+          <a:lnRef idx="1">
+            <a:schemeClr val="accent1"/>
+          </a:lnRef>
+          <a:fillRef idx="0">
+            <a:schemeClr val="accent1"/>
+          </a:fillRef>
+          <a:effectRef idx="0">
+            <a:schemeClr val="accent1"/>
+          </a:effectRef>
+          <a:fontRef idx="minor">
+            <a:schemeClr val="tx1"/>
+          </a:fontRef>
+        </p:style>
+      </p:cxnSp>
+      <p:cxnSp>
+        <p:nvCxnSpPr>
+          <p:cNvPr id="82" name="Straight Connector 81"/>
+          <p:cNvCxnSpPr>
+            <a:stCxn id="76" idx="2"/>
+            <a:endCxn id="57" idx="0"/>
+          </p:cNvCxnSpPr>
+          <p:nvPr/>
+        </p:nvCxnSpPr>
+        <p:spPr>
+          <a:xfrm flipH="1">
+            <a:off x="8825124" y="2077989"/>
+            <a:ext cx="565732" cy="341645"/>
+          </a:xfrm>
+          <a:prstGeom prst="line">
+            <a:avLst/>
+          </a:prstGeom>
+          <a:ln w="19050">
+            <a:solidFill>
+              <a:schemeClr val="tx1"/>
+            </a:solidFill>
+          </a:ln>
+        </p:spPr>
+        <p:style>
+          <a:lnRef idx="1">
+            <a:schemeClr val="accent1"/>
+          </a:lnRef>
+          <a:fillRef idx="0">
+            <a:schemeClr val="accent1"/>
+          </a:fillRef>
+          <a:effectRef idx="0">
+            <a:schemeClr val="accent1"/>
+          </a:effectRef>
+          <a:fontRef idx="minor">
+            <a:schemeClr val="tx1"/>
+          </a:fontRef>
+        </p:style>
+      </p:cxnSp>
+      <p:sp>
+        <p:nvSpPr>
+          <p:cNvPr id="29" name="TextBox 28"/>
+          <p:cNvSpPr txBox="1"/>
+          <p:nvPr/>
+        </p:nvSpPr>
+        <p:spPr>
+          <a:xfrm>
+            <a:off x="9002486" y="5660571"/>
+            <a:ext cx="184731" cy="369332"/>
+          </a:xfrm>
+          <a:prstGeom prst="rect">
+            <a:avLst/>
+          </a:prstGeom>
+          <a:noFill/>
+        </p:spPr>
+        <p:txBody>
+          <a:bodyPr wrap="none" rtlCol="0">
+            <a:spAutoFit/>
+          </a:bodyPr>
+          <a:lstStyle/>
+          <a:p>
+            <a:endParaRPr lang="en-US"/>
           </a:p>
         </p:txBody>
       </p:sp>
@@ -24921,9 +25388,9 @@
         <p:grpSpPr>
           <a:xfrm>
             <a:off x="798443" y="527983"/>
-            <a:ext cx="8631739" cy="5191709"/>
+            <a:ext cx="8631739" cy="5008829"/>
             <a:chOff x="798443" y="527983"/>
-            <a:chExt cx="8631739" cy="5191709"/>
+            <a:chExt cx="8631739" cy="5008829"/>
           </a:xfrm>
         </p:grpSpPr>
         <p:sp>
@@ -24941,7 +25408,7 @@
               <a:avLst/>
             </a:prstGeom>
             <a:solidFill>
-              <a:schemeClr val="bg2"/>
+              <a:schemeClr val="bg1"/>
             </a:solidFill>
             <a:ln>
               <a:solidFill>
@@ -24994,9 +25461,9 @@
           </p:nvGrpSpPr>
           <p:grpSpPr>
             <a:xfrm>
-              <a:off x="1402808" y="2713940"/>
+              <a:off x="1402808" y="2622500"/>
               <a:ext cx="819455" cy="654703"/>
-              <a:chOff x="6847409" y="1656010"/>
+              <a:chOff x="6847409" y="1564570"/>
               <a:chExt cx="819455" cy="654703"/>
             </a:xfrm>
           </p:grpSpPr>
@@ -25008,14 +25475,14 @@
             </p:nvSpPr>
             <p:spPr>
               <a:xfrm>
-                <a:off x="6874016" y="1656010"/>
+                <a:off x="6874016" y="1564570"/>
                 <a:ext cx="766243" cy="654703"/>
               </a:xfrm>
               <a:prstGeom prst="ellipse">
                 <a:avLst/>
               </a:prstGeom>
               <a:solidFill>
-                <a:schemeClr val="bg2"/>
+                <a:schemeClr val="bg1"/>
               </a:solidFill>
               <a:ln>
                 <a:solidFill>
@@ -25060,7 +25527,7 @@
             </p:nvSpPr>
             <p:spPr>
               <a:xfrm>
-                <a:off x="6847409" y="1814084"/>
+                <a:off x="6847409" y="1722644"/>
                 <a:ext cx="819455" cy="338554"/>
               </a:xfrm>
               <a:prstGeom prst="rect">
@@ -25112,7 +25579,7 @@
                 <a:avLst/>
               </a:prstGeom>
               <a:solidFill>
-                <a:schemeClr val="bg2"/>
+                <a:schemeClr val="bg1"/>
               </a:solidFill>
               <a:ln>
                 <a:solidFill>
@@ -25188,9 +25655,9 @@
           </p:nvGrpSpPr>
           <p:grpSpPr>
             <a:xfrm>
-              <a:off x="3471014" y="2713940"/>
+              <a:off x="3471014" y="2622500"/>
               <a:ext cx="819455" cy="654703"/>
-              <a:chOff x="6847409" y="1656010"/>
+              <a:chOff x="6847409" y="1564570"/>
               <a:chExt cx="819455" cy="654703"/>
             </a:xfrm>
           </p:grpSpPr>
@@ -25202,14 +25669,14 @@
             </p:nvSpPr>
             <p:spPr>
               <a:xfrm>
-                <a:off x="6874016" y="1656010"/>
+                <a:off x="6874016" y="1564570"/>
                 <a:ext cx="766243" cy="654703"/>
               </a:xfrm>
               <a:prstGeom prst="ellipse">
                 <a:avLst/>
               </a:prstGeom>
               <a:solidFill>
-                <a:schemeClr val="bg2"/>
+                <a:schemeClr val="bg1"/>
               </a:solidFill>
               <a:ln>
                 <a:solidFill>
@@ -25254,7 +25721,7 @@
             </p:nvSpPr>
             <p:spPr>
               <a:xfrm>
-                <a:off x="6847409" y="1814084"/>
+                <a:off x="6847409" y="1722644"/>
                 <a:ext cx="819455" cy="338554"/>
               </a:xfrm>
               <a:prstGeom prst="rect">
@@ -25285,9 +25752,9 @@
           </p:nvGrpSpPr>
           <p:grpSpPr>
             <a:xfrm>
-              <a:off x="2977814" y="3893571"/>
+              <a:off x="2977814" y="3710691"/>
               <a:ext cx="843501" cy="654703"/>
-              <a:chOff x="6847409" y="1656010"/>
+              <a:chOff x="6847409" y="1473130"/>
               <a:chExt cx="843501" cy="654703"/>
             </a:xfrm>
           </p:grpSpPr>
@@ -25299,14 +25766,14 @@
             </p:nvSpPr>
             <p:spPr>
               <a:xfrm>
-                <a:off x="6874016" y="1656010"/>
+                <a:off x="6874016" y="1473130"/>
                 <a:ext cx="766243" cy="654703"/>
               </a:xfrm>
               <a:prstGeom prst="ellipse">
                 <a:avLst/>
               </a:prstGeom>
               <a:solidFill>
-                <a:schemeClr val="bg2"/>
+                <a:schemeClr val="bg1"/>
               </a:solidFill>
               <a:ln>
                 <a:solidFill>
@@ -25351,7 +25818,7 @@
             </p:nvSpPr>
             <p:spPr>
               <a:xfrm>
-                <a:off x="6847409" y="1814084"/>
+                <a:off x="6847409" y="1631204"/>
                 <a:ext cx="843501" cy="338554"/>
               </a:xfrm>
               <a:prstGeom prst="rect">
@@ -25382,9 +25849,9 @@
           </p:nvGrpSpPr>
           <p:grpSpPr>
             <a:xfrm>
-              <a:off x="4020222" y="3895227"/>
+              <a:off x="4020222" y="3712347"/>
               <a:ext cx="843501" cy="654703"/>
-              <a:chOff x="6847409" y="1656010"/>
+              <a:chOff x="6847409" y="1473130"/>
               <a:chExt cx="843501" cy="654703"/>
             </a:xfrm>
           </p:grpSpPr>
@@ -25396,14 +25863,14 @@
             </p:nvSpPr>
             <p:spPr>
               <a:xfrm>
-                <a:off x="6874016" y="1656010"/>
+                <a:off x="6874016" y="1473130"/>
                 <a:ext cx="766243" cy="654703"/>
               </a:xfrm>
               <a:prstGeom prst="ellipse">
                 <a:avLst/>
               </a:prstGeom>
               <a:solidFill>
-                <a:schemeClr val="bg2"/>
+                <a:schemeClr val="bg1"/>
               </a:solidFill>
               <a:ln>
                 <a:solidFill>
@@ -25448,7 +25915,7 @@
             </p:nvSpPr>
             <p:spPr>
               <a:xfrm>
-                <a:off x="6847409" y="1814084"/>
+                <a:off x="6847409" y="1631204"/>
                 <a:ext cx="843501" cy="338554"/>
               </a:xfrm>
               <a:prstGeom prst="rect">
@@ -25479,9 +25946,9 @@
           </p:nvGrpSpPr>
           <p:grpSpPr>
             <a:xfrm>
-              <a:off x="798443" y="3897122"/>
+              <a:off x="798443" y="3714242"/>
               <a:ext cx="843501" cy="654703"/>
-              <a:chOff x="6847409" y="1656010"/>
+              <a:chOff x="6847409" y="1473130"/>
               <a:chExt cx="843501" cy="654703"/>
             </a:xfrm>
           </p:grpSpPr>
@@ -25493,14 +25960,14 @@
             </p:nvSpPr>
             <p:spPr>
               <a:xfrm>
-                <a:off x="6874016" y="1656010"/>
+                <a:off x="6874016" y="1473130"/>
                 <a:ext cx="766243" cy="654703"/>
               </a:xfrm>
               <a:prstGeom prst="ellipse">
                 <a:avLst/>
               </a:prstGeom>
               <a:solidFill>
-                <a:schemeClr val="bg2"/>
+                <a:schemeClr val="bg1"/>
               </a:solidFill>
               <a:ln>
                 <a:solidFill>
@@ -25545,7 +26012,7 @@
             </p:nvSpPr>
             <p:spPr>
               <a:xfrm>
-                <a:off x="6847409" y="1814084"/>
+                <a:off x="6847409" y="1631204"/>
                 <a:ext cx="843501" cy="338554"/>
               </a:xfrm>
               <a:prstGeom prst="rect">
@@ -25576,9 +26043,9 @@
           </p:nvGrpSpPr>
           <p:grpSpPr>
             <a:xfrm>
-              <a:off x="1893005" y="3893571"/>
+              <a:off x="1893005" y="3710691"/>
               <a:ext cx="843501" cy="654703"/>
-              <a:chOff x="6847409" y="1656010"/>
+              <a:chOff x="6847409" y="1473130"/>
               <a:chExt cx="843501" cy="654703"/>
             </a:xfrm>
           </p:grpSpPr>
@@ -25590,14 +26057,14 @@
             </p:nvSpPr>
             <p:spPr>
               <a:xfrm>
-                <a:off x="6874016" y="1656010"/>
+                <a:off x="6874016" y="1473130"/>
                 <a:ext cx="766243" cy="654703"/>
               </a:xfrm>
               <a:prstGeom prst="ellipse">
                 <a:avLst/>
               </a:prstGeom>
               <a:solidFill>
-                <a:schemeClr val="bg2"/>
+                <a:schemeClr val="bg1"/>
               </a:solidFill>
               <a:ln>
                 <a:solidFill>
@@ -25642,7 +26109,7 @@
             </p:nvSpPr>
             <p:spPr>
               <a:xfrm>
-                <a:off x="6847409" y="1814084"/>
+                <a:off x="6847409" y="1631204"/>
                 <a:ext cx="843501" cy="338554"/>
               </a:xfrm>
               <a:prstGeom prst="rect">
@@ -25673,9 +26140,9 @@
           </p:nvGrpSpPr>
           <p:grpSpPr>
             <a:xfrm>
-              <a:off x="808909" y="5052636"/>
+              <a:off x="808909" y="4869756"/>
               <a:ext cx="824265" cy="654703"/>
-              <a:chOff x="6847409" y="1656010"/>
+              <a:chOff x="6847409" y="1473130"/>
               <a:chExt cx="824265" cy="654703"/>
             </a:xfrm>
           </p:grpSpPr>
@@ -25687,14 +26154,14 @@
             </p:nvSpPr>
             <p:spPr>
               <a:xfrm>
-                <a:off x="6874016" y="1656010"/>
+                <a:off x="6874016" y="1473130"/>
                 <a:ext cx="766243" cy="654703"/>
               </a:xfrm>
               <a:prstGeom prst="ellipse">
                 <a:avLst/>
               </a:prstGeom>
               <a:solidFill>
-                <a:schemeClr val="bg2"/>
+                <a:schemeClr val="bg1"/>
               </a:solidFill>
               <a:ln>
                 <a:solidFill>
@@ -25739,7 +26206,7 @@
             </p:nvSpPr>
             <p:spPr>
               <a:xfrm>
-                <a:off x="6847409" y="1814084"/>
+                <a:off x="6847409" y="1631204"/>
                 <a:ext cx="824265" cy="338554"/>
               </a:xfrm>
               <a:prstGeom prst="rect">
@@ -25770,9 +26237,9 @@
           </p:nvGrpSpPr>
           <p:grpSpPr>
             <a:xfrm>
-              <a:off x="1891114" y="5049085"/>
+              <a:off x="1891114" y="4866205"/>
               <a:ext cx="824265" cy="654703"/>
-              <a:chOff x="6847409" y="1656010"/>
+              <a:chOff x="6847409" y="1473130"/>
               <a:chExt cx="824265" cy="654703"/>
             </a:xfrm>
           </p:grpSpPr>
@@ -25784,14 +26251,14 @@
             </p:nvSpPr>
             <p:spPr>
               <a:xfrm>
-                <a:off x="6874016" y="1656010"/>
+                <a:off x="6874016" y="1473130"/>
                 <a:ext cx="766243" cy="654703"/>
               </a:xfrm>
               <a:prstGeom prst="ellipse">
                 <a:avLst/>
               </a:prstGeom>
               <a:solidFill>
-                <a:schemeClr val="bg2"/>
+                <a:schemeClr val="bg1"/>
               </a:solidFill>
               <a:ln>
                 <a:solidFill>
@@ -25836,7 +26303,7 @@
             </p:nvSpPr>
             <p:spPr>
               <a:xfrm>
-                <a:off x="6847409" y="1814084"/>
+                <a:off x="6847409" y="1631204"/>
                 <a:ext cx="824265" cy="338554"/>
               </a:xfrm>
               <a:prstGeom prst="rect">
@@ -25867,9 +26334,9 @@
           </p:nvGrpSpPr>
           <p:grpSpPr>
             <a:xfrm>
-              <a:off x="2970946" y="5052636"/>
+              <a:off x="2970946" y="4869756"/>
               <a:ext cx="824265" cy="654703"/>
-              <a:chOff x="6847409" y="1656010"/>
+              <a:chOff x="6847409" y="1473130"/>
               <a:chExt cx="824265" cy="654703"/>
             </a:xfrm>
           </p:grpSpPr>
@@ -25881,14 +26348,14 @@
             </p:nvSpPr>
             <p:spPr>
               <a:xfrm>
-                <a:off x="6874016" y="1656010"/>
+                <a:off x="6874016" y="1473130"/>
                 <a:ext cx="766243" cy="654703"/>
               </a:xfrm>
               <a:prstGeom prst="ellipse">
                 <a:avLst/>
               </a:prstGeom>
               <a:solidFill>
-                <a:schemeClr val="bg2"/>
+                <a:schemeClr val="bg1"/>
               </a:solidFill>
               <a:ln>
                 <a:solidFill>
@@ -25933,7 +26400,7 @@
             </p:nvSpPr>
             <p:spPr>
               <a:xfrm>
-                <a:off x="6847409" y="1814084"/>
+                <a:off x="6847409" y="1631204"/>
                 <a:ext cx="824265" cy="338554"/>
               </a:xfrm>
               <a:prstGeom prst="rect">
@@ -25964,9 +26431,9 @@
           </p:nvGrpSpPr>
           <p:grpSpPr>
             <a:xfrm>
-              <a:off x="4016080" y="5049085"/>
+              <a:off x="4016080" y="4866205"/>
               <a:ext cx="824265" cy="654703"/>
-              <a:chOff x="6847409" y="1656010"/>
+              <a:chOff x="6847409" y="1473130"/>
               <a:chExt cx="824265" cy="654703"/>
             </a:xfrm>
           </p:grpSpPr>
@@ -25978,14 +26445,14 @@
             </p:nvSpPr>
             <p:spPr>
               <a:xfrm>
-                <a:off x="6874016" y="1656010"/>
+                <a:off x="6874016" y="1473130"/>
                 <a:ext cx="766243" cy="654703"/>
               </a:xfrm>
               <a:prstGeom prst="ellipse">
                 <a:avLst/>
               </a:prstGeom>
               <a:solidFill>
-                <a:schemeClr val="bg2"/>
+                <a:schemeClr val="bg1"/>
               </a:solidFill>
               <a:ln>
                 <a:solidFill>
@@ -26030,7 +26497,7 @@
             </p:nvSpPr>
             <p:spPr>
               <a:xfrm>
-                <a:off x="6847409" y="1814084"/>
+                <a:off x="6847409" y="1631204"/>
                 <a:ext cx="824265" cy="338554"/>
               </a:xfrm>
               <a:prstGeom prst="rect">
@@ -26061,9 +26528,9 @@
           </p:nvGrpSpPr>
           <p:grpSpPr>
             <a:xfrm>
-              <a:off x="5933680" y="2778042"/>
+              <a:off x="5933680" y="2686602"/>
               <a:ext cx="819455" cy="654703"/>
-              <a:chOff x="6847409" y="1656010"/>
+              <a:chOff x="6847409" y="1564570"/>
               <a:chExt cx="819455" cy="654703"/>
             </a:xfrm>
           </p:grpSpPr>
@@ -26075,14 +26542,14 @@
             </p:nvSpPr>
             <p:spPr>
               <a:xfrm>
-                <a:off x="6874016" y="1656010"/>
+                <a:off x="6874016" y="1564570"/>
                 <a:ext cx="766243" cy="654703"/>
               </a:xfrm>
               <a:prstGeom prst="ellipse">
                 <a:avLst/>
               </a:prstGeom>
               <a:solidFill>
-                <a:schemeClr val="bg2"/>
+                <a:schemeClr val="bg1"/>
               </a:solidFill>
               <a:ln>
                 <a:solidFill>
@@ -26127,7 +26594,7 @@
             </p:nvSpPr>
             <p:spPr>
               <a:xfrm>
-                <a:off x="6847409" y="1814084"/>
+                <a:off x="6847409" y="1722644"/>
                 <a:ext cx="819455" cy="338554"/>
               </a:xfrm>
               <a:prstGeom prst="rect">
@@ -26179,7 +26646,7 @@
                 <a:avLst/>
               </a:prstGeom>
               <a:solidFill>
-                <a:schemeClr val="bg2"/>
+                <a:schemeClr val="bg1"/>
               </a:solidFill>
               <a:ln>
                 <a:solidFill>
@@ -26240,7 +26707,15 @@
               <a:p>
                 <a:r>
                   <a:rPr lang="en-US" sz="1600" dirty="0" smtClean="0"/>
-                  <a:t>(P1,0,0)</a:t>
+                  <a:t>(</a:t>
+                </a:r>
+                <a:r>
+                  <a:rPr lang="en-US" sz="1600" dirty="0" smtClean="0"/>
+                  <a:t>P2,0,0</a:t>
+                </a:r>
+                <a:r>
+                  <a:rPr lang="en-US" sz="1600" dirty="0" smtClean="0"/>
+                  <a:t>)</a:t>
                 </a:r>
                 <a:endParaRPr lang="en-US" sz="1600" dirty="0"/>
               </a:p>
@@ -26255,9 +26730,9 @@
           </p:nvGrpSpPr>
           <p:grpSpPr>
             <a:xfrm>
-              <a:off x="8037472" y="2751007"/>
+              <a:off x="8037472" y="2659567"/>
               <a:ext cx="819455" cy="654703"/>
-              <a:chOff x="6847409" y="1656010"/>
+              <a:chOff x="6847409" y="1564570"/>
               <a:chExt cx="819455" cy="654703"/>
             </a:xfrm>
           </p:grpSpPr>
@@ -26269,14 +26744,14 @@
             </p:nvSpPr>
             <p:spPr>
               <a:xfrm>
-                <a:off x="6874016" y="1656010"/>
+                <a:off x="6874016" y="1564570"/>
                 <a:ext cx="766243" cy="654703"/>
               </a:xfrm>
               <a:prstGeom prst="ellipse">
                 <a:avLst/>
               </a:prstGeom>
               <a:solidFill>
-                <a:schemeClr val="bg2"/>
+                <a:schemeClr val="bg1"/>
               </a:solidFill>
               <a:ln>
                 <a:solidFill>
@@ -26321,7 +26796,7 @@
             </p:nvSpPr>
             <p:spPr>
               <a:xfrm>
-                <a:off x="6847409" y="1814084"/>
+                <a:off x="6847409" y="1722644"/>
                 <a:ext cx="819455" cy="338554"/>
               </a:xfrm>
               <a:prstGeom prst="rect">
@@ -26352,9 +26827,9 @@
           </p:nvGrpSpPr>
           <p:grpSpPr>
             <a:xfrm>
-              <a:off x="7519559" y="3905924"/>
+              <a:off x="7519559" y="3723044"/>
               <a:ext cx="843501" cy="654703"/>
-              <a:chOff x="6847409" y="1656010"/>
+              <a:chOff x="6847409" y="1473130"/>
               <a:chExt cx="843501" cy="654703"/>
             </a:xfrm>
           </p:grpSpPr>
@@ -26366,14 +26841,14 @@
             </p:nvSpPr>
             <p:spPr>
               <a:xfrm>
-                <a:off x="6874016" y="1656010"/>
+                <a:off x="6874016" y="1473130"/>
                 <a:ext cx="766243" cy="654703"/>
               </a:xfrm>
               <a:prstGeom prst="ellipse">
                 <a:avLst/>
               </a:prstGeom>
               <a:solidFill>
-                <a:schemeClr val="bg2"/>
+                <a:schemeClr val="bg1"/>
               </a:solidFill>
               <a:ln>
                 <a:solidFill>
@@ -26418,7 +26893,7 @@
             </p:nvSpPr>
             <p:spPr>
               <a:xfrm>
-                <a:off x="6847409" y="1814084"/>
+                <a:off x="6847409" y="1631204"/>
                 <a:ext cx="843501" cy="338554"/>
               </a:xfrm>
               <a:prstGeom prst="rect">
@@ -26449,9 +26924,9 @@
           </p:nvGrpSpPr>
           <p:grpSpPr>
             <a:xfrm>
-              <a:off x="8586681" y="3907580"/>
+              <a:off x="8586681" y="3724700"/>
               <a:ext cx="843501" cy="654703"/>
-              <a:chOff x="6847409" y="1656010"/>
+              <a:chOff x="6847409" y="1473130"/>
               <a:chExt cx="843501" cy="654703"/>
             </a:xfrm>
           </p:grpSpPr>
@@ -26463,14 +26938,14 @@
             </p:nvSpPr>
             <p:spPr>
               <a:xfrm>
-                <a:off x="6874016" y="1656010"/>
+                <a:off x="6874016" y="1473130"/>
                 <a:ext cx="766243" cy="654703"/>
               </a:xfrm>
               <a:prstGeom prst="ellipse">
                 <a:avLst/>
               </a:prstGeom>
               <a:solidFill>
-                <a:schemeClr val="bg2"/>
+                <a:schemeClr val="bg1"/>
               </a:solidFill>
               <a:ln>
                 <a:solidFill>
@@ -26515,7 +26990,7 @@
             </p:nvSpPr>
             <p:spPr>
               <a:xfrm>
-                <a:off x="6847409" y="1814084"/>
+                <a:off x="6847409" y="1631204"/>
                 <a:ext cx="843501" cy="338554"/>
               </a:xfrm>
               <a:prstGeom prst="rect">
@@ -26546,9 +27021,9 @@
           </p:nvGrpSpPr>
           <p:grpSpPr>
             <a:xfrm>
-              <a:off x="5377259" y="3909475"/>
+              <a:off x="5377259" y="3726595"/>
               <a:ext cx="843501" cy="654703"/>
-              <a:chOff x="6847409" y="1656010"/>
+              <a:chOff x="6847409" y="1473130"/>
               <a:chExt cx="843501" cy="654703"/>
             </a:xfrm>
           </p:grpSpPr>
@@ -26560,14 +27035,14 @@
             </p:nvSpPr>
             <p:spPr>
               <a:xfrm>
-                <a:off x="6874016" y="1656010"/>
+                <a:off x="6874016" y="1473130"/>
                 <a:ext cx="766243" cy="654703"/>
               </a:xfrm>
               <a:prstGeom prst="ellipse">
                 <a:avLst/>
               </a:prstGeom>
               <a:solidFill>
-                <a:schemeClr val="bg2"/>
+                <a:schemeClr val="bg1"/>
               </a:solidFill>
               <a:ln>
                 <a:solidFill>
@@ -26612,7 +27087,7 @@
             </p:nvSpPr>
             <p:spPr>
               <a:xfrm>
-                <a:off x="6847409" y="1814084"/>
+                <a:off x="6847409" y="1631204"/>
                 <a:ext cx="843501" cy="338554"/>
               </a:xfrm>
               <a:prstGeom prst="rect">
@@ -26643,9 +27118,9 @@
           </p:nvGrpSpPr>
           <p:grpSpPr>
             <a:xfrm>
-              <a:off x="6459464" y="3905924"/>
+              <a:off x="6459464" y="3723044"/>
               <a:ext cx="843501" cy="654703"/>
-              <a:chOff x="6847409" y="1656010"/>
+              <a:chOff x="6847409" y="1473130"/>
               <a:chExt cx="843501" cy="654703"/>
             </a:xfrm>
           </p:grpSpPr>
@@ -26657,14 +27132,14 @@
             </p:nvSpPr>
             <p:spPr>
               <a:xfrm>
-                <a:off x="6874016" y="1656010"/>
+                <a:off x="6874016" y="1473130"/>
                 <a:ext cx="766243" cy="654703"/>
               </a:xfrm>
               <a:prstGeom prst="ellipse">
                 <a:avLst/>
               </a:prstGeom>
               <a:solidFill>
-                <a:schemeClr val="bg2"/>
+                <a:schemeClr val="bg1"/>
               </a:solidFill>
               <a:ln>
                 <a:solidFill>
@@ -26709,7 +27184,7 @@
             </p:nvSpPr>
             <p:spPr>
               <a:xfrm>
-                <a:off x="6847409" y="1814084"/>
+                <a:off x="6847409" y="1631204"/>
                 <a:ext cx="843501" cy="338554"/>
               </a:xfrm>
               <a:prstGeom prst="rect">
@@ -26740,9 +27215,9 @@
           </p:nvGrpSpPr>
           <p:grpSpPr>
             <a:xfrm>
-              <a:off x="5375368" y="5064989"/>
+              <a:off x="5375368" y="4882109"/>
               <a:ext cx="824265" cy="654703"/>
-              <a:chOff x="6847409" y="1656010"/>
+              <a:chOff x="6847409" y="1473130"/>
               <a:chExt cx="824265" cy="654703"/>
             </a:xfrm>
           </p:grpSpPr>
@@ -26754,14 +27229,14 @@
             </p:nvSpPr>
             <p:spPr>
               <a:xfrm>
-                <a:off x="6874016" y="1656010"/>
+                <a:off x="6874016" y="1473130"/>
                 <a:ext cx="766243" cy="654703"/>
               </a:xfrm>
               <a:prstGeom prst="ellipse">
                 <a:avLst/>
               </a:prstGeom>
               <a:solidFill>
-                <a:schemeClr val="bg2"/>
+                <a:schemeClr val="bg1"/>
               </a:solidFill>
               <a:ln>
                 <a:solidFill>
@@ -26806,7 +27281,7 @@
             </p:nvSpPr>
             <p:spPr>
               <a:xfrm>
-                <a:off x="6847409" y="1814084"/>
+                <a:off x="6847409" y="1631204"/>
                 <a:ext cx="824265" cy="338554"/>
               </a:xfrm>
               <a:prstGeom prst="rect">
@@ -26837,9 +27312,9 @@
           </p:nvGrpSpPr>
           <p:grpSpPr>
             <a:xfrm>
-              <a:off x="6457573" y="5061438"/>
+              <a:off x="6457573" y="4878558"/>
               <a:ext cx="824265" cy="654703"/>
-              <a:chOff x="6847409" y="1656010"/>
+              <a:chOff x="6847409" y="1473130"/>
               <a:chExt cx="824265" cy="654703"/>
             </a:xfrm>
           </p:grpSpPr>
@@ -26851,14 +27326,14 @@
             </p:nvSpPr>
             <p:spPr>
               <a:xfrm>
-                <a:off x="6874016" y="1656010"/>
+                <a:off x="6874016" y="1473130"/>
                 <a:ext cx="766243" cy="654703"/>
               </a:xfrm>
               <a:prstGeom prst="ellipse">
                 <a:avLst/>
               </a:prstGeom>
               <a:solidFill>
-                <a:schemeClr val="bg2"/>
+                <a:schemeClr val="bg1"/>
               </a:solidFill>
               <a:ln>
                 <a:solidFill>
@@ -26903,7 +27378,7 @@
             </p:nvSpPr>
             <p:spPr>
               <a:xfrm>
-                <a:off x="6847409" y="1814084"/>
+                <a:off x="6847409" y="1631204"/>
                 <a:ext cx="824265" cy="338554"/>
               </a:xfrm>
               <a:prstGeom prst="rect">
@@ -26934,9 +27409,9 @@
           </p:nvGrpSpPr>
           <p:grpSpPr>
             <a:xfrm>
-              <a:off x="7525048" y="5064989"/>
+              <a:off x="7525048" y="4882109"/>
               <a:ext cx="824265" cy="654703"/>
-              <a:chOff x="6847409" y="1656010"/>
+              <a:chOff x="6847409" y="1473130"/>
               <a:chExt cx="824265" cy="654703"/>
             </a:xfrm>
           </p:grpSpPr>
@@ -26948,14 +27423,14 @@
             </p:nvSpPr>
             <p:spPr>
               <a:xfrm>
-                <a:off x="6874016" y="1656010"/>
+                <a:off x="6874016" y="1473130"/>
                 <a:ext cx="766243" cy="654703"/>
               </a:xfrm>
               <a:prstGeom prst="ellipse">
                 <a:avLst/>
               </a:prstGeom>
               <a:solidFill>
-                <a:schemeClr val="bg2"/>
+                <a:schemeClr val="bg1"/>
               </a:solidFill>
               <a:ln>
                 <a:solidFill>
@@ -27000,7 +27475,7 @@
             </p:nvSpPr>
             <p:spPr>
               <a:xfrm>
-                <a:off x="6847409" y="1814084"/>
+                <a:off x="6847409" y="1631204"/>
                 <a:ext cx="824265" cy="338554"/>
               </a:xfrm>
               <a:prstGeom prst="rect">
@@ -27031,9 +27506,9 @@
           </p:nvGrpSpPr>
           <p:grpSpPr>
             <a:xfrm>
-              <a:off x="8582539" y="5061438"/>
+              <a:off x="8582539" y="4878558"/>
               <a:ext cx="824265" cy="654703"/>
-              <a:chOff x="6847409" y="1656010"/>
+              <a:chOff x="6847409" y="1473130"/>
               <a:chExt cx="824265" cy="654703"/>
             </a:xfrm>
           </p:grpSpPr>
@@ -27045,14 +27520,14 @@
             </p:nvSpPr>
             <p:spPr>
               <a:xfrm>
-                <a:off x="6874016" y="1656010"/>
+                <a:off x="6874016" y="1473130"/>
                 <a:ext cx="766243" cy="654703"/>
               </a:xfrm>
               <a:prstGeom prst="ellipse">
                 <a:avLst/>
               </a:prstGeom>
               <a:solidFill>
-                <a:schemeClr val="bg2"/>
+                <a:schemeClr val="bg1"/>
               </a:solidFill>
               <a:ln>
                 <a:solidFill>
@@ -27097,7 +27572,7 @@
             </p:nvSpPr>
             <p:spPr>
               <a:xfrm>
-                <a:off x="6847409" y="1814084"/>
+                <a:off x="6847409" y="1631204"/>
                 <a:ext cx="824265" cy="338554"/>
               </a:xfrm>
               <a:prstGeom prst="rect">
@@ -27249,7 +27724,7 @@
           <p:spPr>
             <a:xfrm>
               <a:off x="7725201" y="2371320"/>
-              <a:ext cx="722000" cy="379687"/>
+              <a:ext cx="722000" cy="288247"/>
             </a:xfrm>
             <a:prstGeom prst="line">
               <a:avLst/>
@@ -27289,7 +27764,7 @@
           <p:spPr>
             <a:xfrm flipH="1">
               <a:off x="6343409" y="2371320"/>
-              <a:ext cx="839977" cy="406722"/>
+              <a:ext cx="839977" cy="315282"/>
             </a:xfrm>
             <a:prstGeom prst="line">
               <a:avLst/>
@@ -27328,8 +27803,8 @@
           </p:nvCxnSpPr>
           <p:spPr>
             <a:xfrm flipH="1">
-              <a:off x="5786988" y="3336866"/>
-              <a:ext cx="285513" cy="572609"/>
+              <a:off x="5786988" y="3245426"/>
+              <a:ext cx="285513" cy="481169"/>
             </a:xfrm>
             <a:prstGeom prst="line">
               <a:avLst/>
@@ -27368,8 +27843,8 @@
           </p:nvCxnSpPr>
           <p:spPr>
             <a:xfrm>
-              <a:off x="6614316" y="3336866"/>
-              <a:ext cx="254877" cy="569058"/>
+              <a:off x="6614316" y="3245426"/>
+              <a:ext cx="254877" cy="477618"/>
             </a:xfrm>
             <a:prstGeom prst="line">
               <a:avLst/>
@@ -27408,8 +27883,8 @@
           </p:nvCxnSpPr>
           <p:spPr>
             <a:xfrm flipH="1">
-              <a:off x="7929288" y="3309831"/>
-              <a:ext cx="247005" cy="596093"/>
+              <a:off x="7929288" y="3218391"/>
+              <a:ext cx="247005" cy="504653"/>
             </a:xfrm>
             <a:prstGeom prst="line">
               <a:avLst/>
@@ -27448,8 +27923,8 @@
           </p:nvCxnSpPr>
           <p:spPr>
             <a:xfrm>
-              <a:off x="8718108" y="3309831"/>
-              <a:ext cx="278302" cy="597749"/>
+              <a:off x="8718108" y="3218391"/>
+              <a:ext cx="278302" cy="506309"/>
             </a:xfrm>
             <a:prstGeom prst="line">
               <a:avLst/>
@@ -27488,7 +27963,7 @@
           </p:nvCxnSpPr>
           <p:spPr>
             <a:xfrm flipH="1">
-              <a:off x="8205684" y="4466404"/>
+              <a:off x="8205684" y="4283524"/>
               <a:ext cx="519818" cy="694464"/>
             </a:xfrm>
             <a:prstGeom prst="line">
@@ -27528,7 +28003,7 @@
           </p:nvCxnSpPr>
           <p:spPr>
             <a:xfrm flipH="1">
-              <a:off x="8992268" y="4562283"/>
+              <a:off x="8992268" y="4379403"/>
               <a:ext cx="4142" cy="499155"/>
             </a:xfrm>
             <a:prstGeom prst="line">
@@ -27568,7 +28043,7 @@
           </p:nvCxnSpPr>
           <p:spPr>
             <a:xfrm>
-              <a:off x="8200195" y="4464748"/>
+              <a:off x="8200195" y="4281868"/>
               <a:ext cx="521165" cy="692569"/>
             </a:xfrm>
             <a:prstGeom prst="line">
@@ -27608,7 +28083,7 @@
           </p:nvCxnSpPr>
           <p:spPr>
             <a:xfrm>
-              <a:off x="7929288" y="4560627"/>
+              <a:off x="7929288" y="4377747"/>
               <a:ext cx="5489" cy="504362"/>
             </a:xfrm>
             <a:prstGeom prst="line">
@@ -27648,7 +28123,7 @@
           </p:nvCxnSpPr>
           <p:spPr>
             <a:xfrm flipH="1">
-              <a:off x="6867302" y="4560627"/>
+              <a:off x="6867302" y="4377747"/>
               <a:ext cx="1891" cy="500811"/>
             </a:xfrm>
             <a:prstGeom prst="line">
@@ -27688,7 +28163,7 @@
           </p:nvCxnSpPr>
           <p:spPr>
             <a:xfrm flipH="1">
-              <a:off x="5785097" y="4564178"/>
+              <a:off x="5785097" y="4381298"/>
               <a:ext cx="1891" cy="500811"/>
             </a:xfrm>
             <a:prstGeom prst="line">
@@ -27728,7 +28203,7 @@
           </p:nvCxnSpPr>
           <p:spPr>
             <a:xfrm>
-              <a:off x="6057895" y="4468299"/>
+              <a:off x="6057895" y="4285419"/>
               <a:ext cx="538499" cy="689018"/>
             </a:xfrm>
             <a:prstGeom prst="line">
@@ -27768,7 +28243,7 @@
           </p:nvCxnSpPr>
           <p:spPr>
             <a:xfrm flipH="1">
-              <a:off x="6056004" y="4464748"/>
+              <a:off x="6056004" y="4281868"/>
               <a:ext cx="542281" cy="696120"/>
             </a:xfrm>
             <a:prstGeom prst="line">
@@ -27809,7 +28284,7 @@
           <p:spPr>
             <a:xfrm>
               <a:off x="3158742" y="2371320"/>
-              <a:ext cx="722001" cy="342620"/>
+              <a:ext cx="722001" cy="251180"/>
             </a:xfrm>
             <a:prstGeom prst="line">
               <a:avLst/>
@@ -27849,7 +28324,7 @@
           <p:spPr>
             <a:xfrm flipH="1">
               <a:off x="1812537" y="2371320"/>
-              <a:ext cx="804390" cy="342620"/>
+              <a:ext cx="804390" cy="251180"/>
             </a:xfrm>
             <a:prstGeom prst="line">
               <a:avLst/>
@@ -27888,8 +28363,8 @@
           </p:nvCxnSpPr>
           <p:spPr>
             <a:xfrm>
-              <a:off x="4151650" y="3272764"/>
-              <a:ext cx="278301" cy="622463"/>
+              <a:off x="4151650" y="3181324"/>
+              <a:ext cx="278301" cy="531023"/>
             </a:xfrm>
             <a:prstGeom prst="line">
               <a:avLst/>
@@ -27928,8 +28403,8 @@
           </p:nvCxnSpPr>
           <p:spPr>
             <a:xfrm flipH="1">
-              <a:off x="3387543" y="3272764"/>
-              <a:ext cx="222292" cy="620807"/>
+              <a:off x="3387543" y="3181324"/>
+              <a:ext cx="222292" cy="529367"/>
             </a:xfrm>
             <a:prstGeom prst="line">
               <a:avLst/>
@@ -27968,8 +28443,8 @@
           </p:nvCxnSpPr>
           <p:spPr>
             <a:xfrm>
-              <a:off x="2083444" y="3272764"/>
-              <a:ext cx="219290" cy="620807"/>
+              <a:off x="2083444" y="3181324"/>
+              <a:ext cx="219290" cy="529367"/>
             </a:xfrm>
             <a:prstGeom prst="line">
               <a:avLst/>
@@ -28008,8 +28483,8 @@
           </p:nvCxnSpPr>
           <p:spPr>
             <a:xfrm flipH="1">
-              <a:off x="1208172" y="3272764"/>
-              <a:ext cx="333457" cy="624358"/>
+              <a:off x="1208172" y="3181324"/>
+              <a:ext cx="333457" cy="532918"/>
             </a:xfrm>
             <a:prstGeom prst="line">
               <a:avLst/>
@@ -28048,7 +28523,7 @@
           </p:nvCxnSpPr>
           <p:spPr>
             <a:xfrm flipH="1">
-              <a:off x="2300843" y="4548274"/>
+              <a:off x="2300843" y="4365394"/>
               <a:ext cx="1891" cy="500811"/>
             </a:xfrm>
             <a:prstGeom prst="line">
@@ -28088,7 +28563,7 @@
           </p:nvCxnSpPr>
           <p:spPr>
             <a:xfrm flipH="1">
-              <a:off x="4425809" y="4549930"/>
+              <a:off x="4425809" y="4367050"/>
               <a:ext cx="4142" cy="499155"/>
             </a:xfrm>
             <a:prstGeom prst="line">
@@ -28128,7 +28603,7 @@
           </p:nvCxnSpPr>
           <p:spPr>
             <a:xfrm flipH="1">
-              <a:off x="3380675" y="4548274"/>
+              <a:off x="3380675" y="4365394"/>
               <a:ext cx="6868" cy="504362"/>
             </a:xfrm>
             <a:prstGeom prst="line">
@@ -28168,7 +28643,7 @@
           </p:nvCxnSpPr>
           <p:spPr>
             <a:xfrm>
-              <a:off x="3658450" y="4452395"/>
+              <a:off x="3658450" y="4269515"/>
               <a:ext cx="496451" cy="692569"/>
             </a:xfrm>
             <a:prstGeom prst="line">
@@ -28208,7 +28683,7 @@
           </p:nvCxnSpPr>
           <p:spPr>
             <a:xfrm flipH="1">
-              <a:off x="3651582" y="4454051"/>
+              <a:off x="3651582" y="4271171"/>
               <a:ext cx="507461" cy="694464"/>
             </a:xfrm>
             <a:prstGeom prst="line">
@@ -28248,7 +28723,7 @@
           </p:nvCxnSpPr>
           <p:spPr>
             <a:xfrm flipH="1">
-              <a:off x="1489545" y="4452395"/>
+              <a:off x="1489545" y="4269515"/>
               <a:ext cx="542281" cy="696120"/>
             </a:xfrm>
             <a:prstGeom prst="line">
@@ -28288,7 +28763,7 @@
           </p:nvCxnSpPr>
           <p:spPr>
             <a:xfrm>
-              <a:off x="1208172" y="4551825"/>
+              <a:off x="1208172" y="4368945"/>
               <a:ext cx="10466" cy="500811"/>
             </a:xfrm>
             <a:prstGeom prst="line">
@@ -28328,7 +28803,7 @@
           </p:nvCxnSpPr>
           <p:spPr>
             <a:xfrm>
-              <a:off x="1479079" y="4455946"/>
+              <a:off x="1479079" y="4273066"/>
               <a:ext cx="550856" cy="689018"/>
             </a:xfrm>
             <a:prstGeom prst="line">
@@ -28526,7 +29001,7 @@
                   <a:avLst/>
                 </a:prstGeom>
                 <a:solidFill>
-                  <a:schemeClr val="bg2"/>
+                  <a:schemeClr val="bg1"/>
                 </a:solidFill>
                 <a:ln>
                   <a:solidFill>
@@ -28640,9 +29115,7 @@
           <a:prstGeom prst="ellipse">
             <a:avLst/>
           </a:prstGeom>
-          <a:solidFill>
-            <a:schemeClr val="bg2"/>
-          </a:solidFill>
+          <a:noFill/>
           <a:ln>
             <a:solidFill>
               <a:schemeClr val="tx1"/>
@@ -28694,11 +29167,12 @@
         </p:nvGrpSpPr>
         <p:grpSpPr>
           <a:xfrm>
-            <a:off x="3070974" y="2837510"/>
-            <a:ext cx="792850" cy="654703"/>
-            <a:chOff x="6847409" y="1656010"/>
-            <a:chExt cx="792850" cy="654703"/>
+            <a:off x="3097581" y="2780360"/>
+            <a:ext cx="766243" cy="654703"/>
+            <a:chOff x="6874016" y="1656010"/>
+            <a:chExt cx="766243" cy="654703"/>
           </a:xfrm>
+          <a:noFill/>
         </p:grpSpPr>
         <p:sp>
           <p:nvSpPr>
@@ -28714,9 +29188,7 @@
             <a:prstGeom prst="ellipse">
               <a:avLst/>
             </a:prstGeom>
-            <a:solidFill>
-              <a:schemeClr val="bg2"/>
-            </a:solidFill>
+            <a:grpFill/>
             <a:ln>
               <a:solidFill>
                 <a:schemeClr val="tx1"/>
@@ -28760,13 +29232,13 @@
           </p:nvSpPr>
           <p:spPr>
             <a:xfrm>
-              <a:off x="6847409" y="1814084"/>
+              <a:off x="6893129" y="1814084"/>
               <a:ext cx="715260" cy="338554"/>
             </a:xfrm>
             <a:prstGeom prst="rect">
               <a:avLst/>
             </a:prstGeom>
-            <a:noFill/>
+            <a:grpFill/>
           </p:spPr>
           <p:txBody>
             <a:bodyPr wrap="none" rtlCol="0">
@@ -28796,6 +29268,7 @@
             <a:chOff x="6847409" y="1656010"/>
             <a:chExt cx="830677" cy="654703"/>
           </a:xfrm>
+          <a:noFill/>
         </p:grpSpPr>
         <p:sp>
           <p:nvSpPr>
@@ -28811,9 +29284,7 @@
             <a:prstGeom prst="ellipse">
               <a:avLst/>
             </a:prstGeom>
-            <a:solidFill>
-              <a:schemeClr val="bg2"/>
-            </a:solidFill>
+            <a:grpFill/>
             <a:ln>
               <a:solidFill>
                 <a:schemeClr val="tx1"/>
@@ -28863,7 +29334,7 @@
             <a:prstGeom prst="rect">
               <a:avLst/>
             </a:prstGeom>
-            <a:noFill/>
+            <a:grpFill/>
           </p:spPr>
           <p:txBody>
             <a:bodyPr wrap="none" rtlCol="0">
@@ -28888,11 +29359,12 @@
         </p:nvGrpSpPr>
         <p:grpSpPr>
           <a:xfrm>
-            <a:off x="2294340" y="3905924"/>
+            <a:off x="2294340" y="3814484"/>
             <a:ext cx="867738" cy="654703"/>
             <a:chOff x="6847409" y="1656010"/>
             <a:chExt cx="867738" cy="654703"/>
           </a:xfrm>
+          <a:noFill/>
         </p:grpSpPr>
         <p:sp>
           <p:nvSpPr>
@@ -28908,9 +29380,7 @@
             <a:prstGeom prst="ellipse">
               <a:avLst/>
             </a:prstGeom>
-            <a:solidFill>
-              <a:schemeClr val="bg2"/>
-            </a:solidFill>
+            <a:grpFill/>
             <a:ln>
               <a:solidFill>
                 <a:schemeClr val="tx1"/>
@@ -28960,7 +29430,7 @@
             <a:prstGeom prst="rect">
               <a:avLst/>
             </a:prstGeom>
-            <a:noFill/>
+            <a:grpFill/>
           </p:spPr>
           <p:txBody>
             <a:bodyPr wrap="none" rtlCol="0">
@@ -28985,11 +29455,12 @@
         </p:nvGrpSpPr>
         <p:grpSpPr>
           <a:xfrm>
-            <a:off x="2292449" y="5061438"/>
+            <a:off x="2292449" y="4947138"/>
             <a:ext cx="844142" cy="654703"/>
             <a:chOff x="6847409" y="1656010"/>
             <a:chExt cx="844142" cy="654703"/>
           </a:xfrm>
+          <a:noFill/>
         </p:grpSpPr>
         <p:sp>
           <p:nvSpPr>
@@ -29005,9 +29476,7 @@
             <a:prstGeom prst="ellipse">
               <a:avLst/>
             </a:prstGeom>
-            <a:solidFill>
-              <a:schemeClr val="bg2"/>
-            </a:solidFill>
+            <a:grpFill/>
             <a:ln>
               <a:solidFill>
                 <a:schemeClr val="tx1"/>
@@ -29057,7 +29526,7 @@
             <a:prstGeom prst="rect">
               <a:avLst/>
             </a:prstGeom>
-            <a:noFill/>
+            <a:grpFill/>
           </p:spPr>
           <p:txBody>
             <a:bodyPr wrap="none" rtlCol="0">
@@ -29087,6 +29556,7 @@
             <a:chOff x="6847409" y="1656010"/>
             <a:chExt cx="830677" cy="654703"/>
           </a:xfrm>
+          <a:noFill/>
         </p:grpSpPr>
         <p:sp>
           <p:nvSpPr>
@@ -29102,9 +29572,7 @@
             <a:prstGeom prst="ellipse">
               <a:avLst/>
             </a:prstGeom>
-            <a:solidFill>
-              <a:schemeClr val="bg2"/>
-            </a:solidFill>
+            <a:grpFill/>
             <a:ln>
               <a:solidFill>
                 <a:schemeClr val="tx1"/>
@@ -29154,7 +29622,7 @@
             <a:prstGeom prst="rect">
               <a:avLst/>
             </a:prstGeom>
-            <a:noFill/>
+            <a:grpFill/>
           </p:spPr>
           <p:txBody>
             <a:bodyPr wrap="none" rtlCol="0">
@@ -29164,7 +29632,15 @@
             <a:p>
               <a:r>
                 <a:rPr lang="en-US" sz="1600" dirty="0" smtClean="0"/>
-                <a:t>(P1,0,0)</a:t>
+                <a:t>(</a:t>
+              </a:r>
+              <a:r>
+                <a:rPr lang="en-US" sz="1600" dirty="0" smtClean="0"/>
+                <a:t>P2,0,0</a:t>
+              </a:r>
+              <a:r>
+                <a:rPr lang="en-US" sz="1600" dirty="0" smtClean="0"/>
+                <a:t>)</a:t>
               </a:r>
               <a:endParaRPr lang="en-US" sz="1600" dirty="0"/>
             </a:p>
@@ -29300,7 +29776,7 @@
         <p:spPr>
           <a:xfrm flipH="1">
             <a:off x="3480703" y="2467199"/>
-            <a:ext cx="259" cy="370311"/>
+            <a:ext cx="259" cy="313161"/>
           </a:xfrm>
           <a:prstGeom prst="line">
             <a:avLst/>
@@ -29339,8 +29815,8 @@
         </p:nvCxnSpPr>
         <p:spPr>
           <a:xfrm flipH="1">
-            <a:off x="2704069" y="3396334"/>
-            <a:ext cx="505726" cy="509590"/>
+            <a:off x="2704069" y="3339184"/>
+            <a:ext cx="505726" cy="475300"/>
           </a:xfrm>
           <a:prstGeom prst="line">
             <a:avLst/>
@@ -29379,8 +29855,8 @@
         </p:nvCxnSpPr>
         <p:spPr>
           <a:xfrm flipH="1">
-            <a:off x="2702178" y="4560627"/>
-            <a:ext cx="1891" cy="500811"/>
+            <a:off x="2702178" y="4469187"/>
+            <a:ext cx="1891" cy="477951"/>
           </a:xfrm>
           <a:prstGeom prst="line">
             <a:avLst/>
@@ -29577,7 +30053,7 @@
                 <a:avLst/>
               </a:prstGeom>
               <a:solidFill>
-                <a:schemeClr val="bg2"/>
+                <a:schemeClr val="bg1"/>
               </a:solidFill>
               <a:ln>
                 <a:solidFill>
@@ -29654,11 +30130,12 @@
         </p:nvGrpSpPr>
         <p:grpSpPr>
           <a:xfrm>
-            <a:off x="3865686" y="3897122"/>
+            <a:off x="3865686" y="3805682"/>
             <a:ext cx="867738" cy="654703"/>
             <a:chOff x="6847409" y="1656010"/>
             <a:chExt cx="867738" cy="654703"/>
           </a:xfrm>
+          <a:noFill/>
         </p:grpSpPr>
         <p:sp>
           <p:nvSpPr>
@@ -29674,9 +30151,7 @@
             <a:prstGeom prst="ellipse">
               <a:avLst/>
             </a:prstGeom>
-            <a:solidFill>
-              <a:schemeClr val="bg2"/>
-            </a:solidFill>
+            <a:grpFill/>
             <a:ln>
               <a:solidFill>
                 <a:schemeClr val="tx1"/>
@@ -29726,7 +30201,7 @@
             <a:prstGeom prst="rect">
               <a:avLst/>
             </a:prstGeom>
-            <a:noFill/>
+            <a:grpFill/>
           </p:spPr>
           <p:txBody>
             <a:bodyPr wrap="none" rtlCol="0">
@@ -29751,11 +30226,12 @@
         </p:nvGrpSpPr>
         <p:grpSpPr>
           <a:xfrm>
-            <a:off x="3863795" y="5052636"/>
+            <a:off x="3863795" y="4938336"/>
             <a:ext cx="844142" cy="654703"/>
             <a:chOff x="6847409" y="1656010"/>
             <a:chExt cx="844142" cy="654703"/>
           </a:xfrm>
+          <a:noFill/>
         </p:grpSpPr>
         <p:sp>
           <p:nvSpPr>
@@ -29771,9 +30247,7 @@
             <a:prstGeom prst="ellipse">
               <a:avLst/>
             </a:prstGeom>
-            <a:solidFill>
-              <a:schemeClr val="bg2"/>
-            </a:solidFill>
+            <a:grpFill/>
             <a:ln>
               <a:solidFill>
                 <a:schemeClr val="tx1"/>
@@ -29823,7 +30297,7 @@
             <a:prstGeom prst="rect">
               <a:avLst/>
             </a:prstGeom>
-            <a:noFill/>
+            <a:grpFill/>
           </p:spPr>
           <p:txBody>
             <a:bodyPr wrap="none" rtlCol="0">
@@ -29843,13 +30317,16 @@
       <p:cxnSp>
         <p:nvCxnSpPr>
           <p:cNvPr id="115" name="Straight Connector 114"/>
-          <p:cNvCxnSpPr/>
+          <p:cNvCxnSpPr>
+            <a:stCxn id="110" idx="4"/>
+            <a:endCxn id="113" idx="0"/>
+          </p:cNvCxnSpPr>
           <p:nvPr/>
         </p:nvCxnSpPr>
         <p:spPr>
-          <a:xfrm>
-            <a:off x="4275415" y="4551825"/>
-            <a:ext cx="10466" cy="500811"/>
+          <a:xfrm flipH="1">
+            <a:off x="4273524" y="4460385"/>
+            <a:ext cx="1891" cy="477951"/>
           </a:xfrm>
           <a:prstGeom prst="line">
             <a:avLst/>
@@ -29888,8 +30365,8 @@
         </p:nvCxnSpPr>
         <p:spPr>
           <a:xfrm>
-            <a:off x="3751610" y="3396334"/>
-            <a:ext cx="523805" cy="500788"/>
+            <a:off x="3751610" y="3339184"/>
+            <a:ext cx="523805" cy="466498"/>
           </a:xfrm>
           <a:prstGeom prst="line">
             <a:avLst/>
@@ -29925,11 +30402,12 @@
         </p:nvGrpSpPr>
         <p:grpSpPr>
           <a:xfrm>
-            <a:off x="6225063" y="2837510"/>
-            <a:ext cx="792850" cy="654703"/>
-            <a:chOff x="6847409" y="1656010"/>
-            <a:chExt cx="792850" cy="654703"/>
+            <a:off x="6251670" y="2780360"/>
+            <a:ext cx="766243" cy="654703"/>
+            <a:chOff x="6874016" y="1656010"/>
+            <a:chExt cx="766243" cy="654703"/>
           </a:xfrm>
+          <a:noFill/>
         </p:grpSpPr>
         <p:sp>
           <p:nvSpPr>
@@ -29945,9 +30423,7 @@
             <a:prstGeom prst="ellipse">
               <a:avLst/>
             </a:prstGeom>
-            <a:solidFill>
-              <a:schemeClr val="bg2"/>
-            </a:solidFill>
+            <a:grpFill/>
             <a:ln>
               <a:solidFill>
                 <a:schemeClr val="tx1"/>
@@ -29991,13 +30467,13 @@
           </p:nvSpPr>
           <p:spPr>
             <a:xfrm>
-              <a:off x="6847409" y="1814084"/>
+              <a:off x="6904559" y="1814084"/>
               <a:ext cx="715260" cy="338554"/>
             </a:xfrm>
             <a:prstGeom prst="rect">
               <a:avLst/>
             </a:prstGeom>
-            <a:noFill/>
+            <a:grpFill/>
           </p:spPr>
           <p:txBody>
             <a:bodyPr wrap="none" rtlCol="0">
@@ -30022,11 +30498,12 @@
         </p:nvGrpSpPr>
         <p:grpSpPr>
           <a:xfrm>
-            <a:off x="5448429" y="3905924"/>
+            <a:off x="5448429" y="3814484"/>
             <a:ext cx="827534" cy="654703"/>
             <a:chOff x="6847409" y="1656010"/>
             <a:chExt cx="827534" cy="654703"/>
           </a:xfrm>
+          <a:noFill/>
         </p:grpSpPr>
         <p:sp>
           <p:nvSpPr>
@@ -30042,9 +30519,7 @@
             <a:prstGeom prst="ellipse">
               <a:avLst/>
             </a:prstGeom>
-            <a:solidFill>
-              <a:schemeClr val="bg2"/>
-            </a:solidFill>
+            <a:grpFill/>
             <a:ln>
               <a:solidFill>
                 <a:schemeClr val="tx1"/>
@@ -30094,7 +30569,7 @@
             <a:prstGeom prst="rect">
               <a:avLst/>
             </a:prstGeom>
-            <a:noFill/>
+            <a:grpFill/>
           </p:spPr>
           <p:txBody>
             <a:bodyPr wrap="none" rtlCol="0">
@@ -30119,11 +30594,12 @@
         </p:nvGrpSpPr>
         <p:grpSpPr>
           <a:xfrm>
-            <a:off x="5446538" y="5061438"/>
+            <a:off x="5446538" y="4947138"/>
             <a:ext cx="808298" cy="654703"/>
             <a:chOff x="6847409" y="1656010"/>
             <a:chExt cx="808298" cy="654703"/>
           </a:xfrm>
+          <a:noFill/>
         </p:grpSpPr>
         <p:sp>
           <p:nvSpPr>
@@ -30139,9 +30615,7 @@
             <a:prstGeom prst="ellipse">
               <a:avLst/>
             </a:prstGeom>
-            <a:solidFill>
-              <a:schemeClr val="bg2"/>
-            </a:solidFill>
+            <a:grpFill/>
             <a:ln>
               <a:solidFill>
                 <a:schemeClr val="tx1"/>
@@ -30191,7 +30665,7 @@
             <a:prstGeom prst="rect">
               <a:avLst/>
             </a:prstGeom>
-            <a:noFill/>
+            <a:grpFill/>
           </p:spPr>
           <p:txBody>
             <a:bodyPr wrap="none" rtlCol="0">
@@ -30211,13 +30685,16 @@
       <p:cxnSp>
         <p:nvCxnSpPr>
           <p:cNvPr id="152" name="Straight Connector 151"/>
-          <p:cNvCxnSpPr/>
+          <p:cNvCxnSpPr>
+            <a:stCxn id="120" idx="3"/>
+            <a:endCxn id="147" idx="0"/>
+          </p:cNvCxnSpPr>
           <p:nvPr/>
         </p:nvCxnSpPr>
         <p:spPr>
           <a:xfrm flipH="1">
-            <a:off x="5858158" y="3396334"/>
-            <a:ext cx="505726" cy="509590"/>
+            <a:off x="5858158" y="3339184"/>
+            <a:ext cx="505726" cy="475300"/>
           </a:xfrm>
           <a:prstGeom prst="line">
             <a:avLst/>
@@ -30248,13 +30725,16 @@
       <p:cxnSp>
         <p:nvCxnSpPr>
           <p:cNvPr id="153" name="Straight Connector 152"/>
-          <p:cNvCxnSpPr/>
+          <p:cNvCxnSpPr>
+            <a:stCxn id="147" idx="4"/>
+            <a:endCxn id="150" idx="0"/>
+          </p:cNvCxnSpPr>
           <p:nvPr/>
         </p:nvCxnSpPr>
         <p:spPr>
           <a:xfrm flipH="1">
-            <a:off x="5856267" y="4560627"/>
-            <a:ext cx="1891" cy="500811"/>
+            <a:off x="5856267" y="4469187"/>
+            <a:ext cx="1891" cy="477951"/>
           </a:xfrm>
           <a:prstGeom prst="line">
             <a:avLst/>
@@ -30290,11 +30770,12 @@
         </p:nvGrpSpPr>
         <p:grpSpPr>
           <a:xfrm>
-            <a:off x="7019775" y="3897122"/>
+            <a:off x="7019775" y="3805682"/>
             <a:ext cx="827534" cy="654703"/>
             <a:chOff x="6847409" y="1656010"/>
             <a:chExt cx="827534" cy="654703"/>
           </a:xfrm>
+          <a:noFill/>
         </p:grpSpPr>
         <p:sp>
           <p:nvSpPr>
@@ -30310,9 +30791,7 @@
             <a:prstGeom prst="ellipse">
               <a:avLst/>
             </a:prstGeom>
-            <a:solidFill>
-              <a:schemeClr val="bg2"/>
-            </a:solidFill>
+            <a:grpFill/>
             <a:ln>
               <a:solidFill>
                 <a:schemeClr val="tx1"/>
@@ -30362,7 +30841,7 @@
             <a:prstGeom prst="rect">
               <a:avLst/>
             </a:prstGeom>
-            <a:noFill/>
+            <a:grpFill/>
           </p:spPr>
           <p:txBody>
             <a:bodyPr wrap="none" rtlCol="0">
@@ -30387,11 +30866,12 @@
         </p:nvGrpSpPr>
         <p:grpSpPr>
           <a:xfrm>
-            <a:off x="7017884" y="5052636"/>
+            <a:off x="7017884" y="4938336"/>
             <a:ext cx="808298" cy="654703"/>
             <a:chOff x="6847409" y="1656010"/>
             <a:chExt cx="808298" cy="654703"/>
           </a:xfrm>
+          <a:noFill/>
         </p:grpSpPr>
         <p:sp>
           <p:nvSpPr>
@@ -30407,9 +30887,7 @@
             <a:prstGeom prst="ellipse">
               <a:avLst/>
             </a:prstGeom>
-            <a:solidFill>
-              <a:schemeClr val="bg2"/>
-            </a:solidFill>
+            <a:grpFill/>
             <a:ln>
               <a:solidFill>
                 <a:schemeClr val="tx1"/>
@@ -30459,7 +30937,7 @@
             <a:prstGeom prst="rect">
               <a:avLst/>
             </a:prstGeom>
-            <a:noFill/>
+            <a:grpFill/>
           </p:spPr>
           <p:txBody>
             <a:bodyPr wrap="none" rtlCol="0">
@@ -30479,13 +30957,16 @@
       <p:cxnSp>
         <p:nvCxnSpPr>
           <p:cNvPr id="160" name="Straight Connector 159"/>
-          <p:cNvCxnSpPr/>
+          <p:cNvCxnSpPr>
+            <a:stCxn id="155" idx="4"/>
+            <a:endCxn id="158" idx="0"/>
+          </p:cNvCxnSpPr>
           <p:nvPr/>
         </p:nvCxnSpPr>
         <p:spPr>
-          <a:xfrm>
-            <a:off x="7429504" y="4551825"/>
-            <a:ext cx="10466" cy="500811"/>
+          <a:xfrm flipH="1">
+            <a:off x="7427613" y="4460385"/>
+            <a:ext cx="1891" cy="477951"/>
           </a:xfrm>
           <a:prstGeom prst="line">
             <a:avLst/>
@@ -30516,13 +30997,16 @@
       <p:cxnSp>
         <p:nvCxnSpPr>
           <p:cNvPr id="161" name="Straight Connector 160"/>
-          <p:cNvCxnSpPr/>
+          <p:cNvCxnSpPr>
+            <a:stCxn id="120" idx="5"/>
+            <a:endCxn id="155" idx="0"/>
+          </p:cNvCxnSpPr>
           <p:nvPr/>
         </p:nvCxnSpPr>
         <p:spPr>
           <a:xfrm>
-            <a:off x="6905699" y="3396334"/>
-            <a:ext cx="523805" cy="500788"/>
+            <a:off x="6905699" y="3339184"/>
+            <a:ext cx="523805" cy="466498"/>
           </a:xfrm>
           <a:prstGeom prst="line">
             <a:avLst/>
@@ -30562,7 +31046,7 @@
         <p:spPr>
           <a:xfrm flipH="1">
             <a:off x="6634792" y="2442485"/>
-            <a:ext cx="3953" cy="395025"/>
+            <a:ext cx="3953" cy="337875"/>
           </a:xfrm>
           <a:prstGeom prst="line">
             <a:avLst/>

--- a/paper/abstraction/figures/examples.pptx
+++ b/paper/abstraction/figures/examples.pptx
@@ -6896,7 +6896,7 @@
             <a:avLst/>
           </a:prstGeom>
           <a:solidFill>
-            <a:schemeClr val="bg2"/>
+            <a:schemeClr val="bg1"/>
           </a:solidFill>
           <a:ln>
             <a:solidFill>
@@ -7009,7 +7009,7 @@
               <a:avLst/>
             </a:prstGeom>
             <a:solidFill>
-              <a:schemeClr val="bg2"/>
+              <a:schemeClr val="bg1"/>
             </a:solidFill>
             <a:ln>
               <a:solidFill>
@@ -7054,7 +7054,7 @@
           </p:nvSpPr>
           <p:spPr>
             <a:xfrm>
-              <a:off x="6943095" y="1814084"/>
+              <a:off x="6977987" y="1814084"/>
               <a:ext cx="559769" cy="338554"/>
             </a:xfrm>
             <a:prstGeom prst="rect">
@@ -7085,10 +7085,10 @@
         </p:nvGrpSpPr>
         <p:grpSpPr>
           <a:xfrm>
-            <a:off x="6293595" y="2938753"/>
-            <a:ext cx="769404" cy="654703"/>
-            <a:chOff x="6870855" y="1656010"/>
-            <a:chExt cx="769404" cy="654703"/>
+            <a:off x="6296756" y="2938753"/>
+            <a:ext cx="766243" cy="654703"/>
+            <a:chOff x="6874016" y="1656010"/>
+            <a:chExt cx="766243" cy="654703"/>
           </a:xfrm>
         </p:grpSpPr>
         <p:sp>
@@ -7106,7 +7106,7 @@
               <a:avLst/>
             </a:prstGeom>
             <a:solidFill>
-              <a:schemeClr val="bg2"/>
+              <a:schemeClr val="bg1"/>
             </a:solidFill>
             <a:ln>
               <a:solidFill>
@@ -7151,7 +7151,7 @@
           </p:nvSpPr>
           <p:spPr>
             <a:xfrm>
-              <a:off x="6870855" y="1814084"/>
+              <a:off x="6927403" y="1814084"/>
               <a:ext cx="672043" cy="338554"/>
             </a:xfrm>
             <a:prstGeom prst="rect">
@@ -7182,10 +7182,10 @@
         </p:nvGrpSpPr>
         <p:grpSpPr>
           <a:xfrm>
-            <a:off x="4568880" y="2938754"/>
-            <a:ext cx="794118" cy="654703"/>
-            <a:chOff x="6846141" y="1656010"/>
-            <a:chExt cx="794118" cy="654703"/>
+            <a:off x="4596755" y="2938754"/>
+            <a:ext cx="766243" cy="654703"/>
+            <a:chOff x="6874016" y="1656010"/>
+            <a:chExt cx="766243" cy="654703"/>
           </a:xfrm>
         </p:grpSpPr>
         <p:sp>
@@ -7203,7 +7203,7 @@
               <a:avLst/>
             </a:prstGeom>
             <a:solidFill>
-              <a:schemeClr val="bg2"/>
+              <a:schemeClr val="bg1"/>
             </a:solidFill>
             <a:ln>
               <a:solidFill>
@@ -7248,7 +7248,7 @@
           </p:nvSpPr>
           <p:spPr>
             <a:xfrm>
-              <a:off x="6846141" y="1814084"/>
+              <a:off x="6903291" y="1814084"/>
               <a:ext cx="712246" cy="338554"/>
             </a:xfrm>
             <a:prstGeom prst="rect">
@@ -7340,7 +7340,7 @@
               <a:avLst/>
             </a:prstGeom>
             <a:solidFill>
-              <a:schemeClr val="bg2"/>
+              <a:schemeClr val="bg1"/>
             </a:solidFill>
             <a:ln>
               <a:solidFill>
@@ -7385,7 +7385,7 @@
           </p:nvSpPr>
           <p:spPr>
             <a:xfrm>
-              <a:off x="6882578" y="1814084"/>
+              <a:off x="6939728" y="1814084"/>
               <a:ext cx="652807" cy="338554"/>
             </a:xfrm>
             <a:prstGeom prst="rect">
@@ -7416,10 +7416,10 @@
         </p:nvGrpSpPr>
         <p:grpSpPr>
           <a:xfrm>
-            <a:off x="4581871" y="1828540"/>
-            <a:ext cx="781127" cy="654703"/>
-            <a:chOff x="6859132" y="1656010"/>
-            <a:chExt cx="781127" cy="654703"/>
+            <a:off x="4596755" y="1828540"/>
+            <a:ext cx="766243" cy="654703"/>
+            <a:chOff x="6874016" y="1656010"/>
+            <a:chExt cx="766243" cy="654703"/>
           </a:xfrm>
         </p:grpSpPr>
         <p:sp>
@@ -7437,7 +7437,7 @@
               <a:avLst/>
             </a:prstGeom>
             <a:solidFill>
-              <a:schemeClr val="bg2"/>
+              <a:schemeClr val="bg1"/>
             </a:solidFill>
             <a:ln>
               <a:solidFill>
@@ -7482,7 +7482,7 @@
           </p:nvSpPr>
           <p:spPr>
             <a:xfrm>
-              <a:off x="6859132" y="1814084"/>
+              <a:off x="6904852" y="1814084"/>
               <a:ext cx="688650" cy="338554"/>
             </a:xfrm>
             <a:prstGeom prst="rect">
@@ -7663,8 +7663,8 @@
           </a:fontRef>
         </p:style>
       </p:cxnSp>
-      <mc:AlternateContent xmlns:mc="http://schemas.openxmlformats.org/markup-compatibility/2006" xmlns:a14="http://schemas.microsoft.com/office/drawing/2010/main">
-        <mc:Choice Requires="a14">
+      <mc:AlternateContent xmlns:mc="http://schemas.openxmlformats.org/markup-compatibility/2006">
+        <mc:Choice xmlns:a14="http://schemas.microsoft.com/office/drawing/2010/main" Requires="a14">
           <p:sp>
             <p:nvSpPr>
               <p:cNvPr id="93" name="TextBox 92"/>
@@ -7673,7 +7673,7 @@
             </p:nvSpPr>
             <p:spPr>
               <a:xfrm>
-                <a:off x="2957390" y="2014761"/>
+                <a:off x="2909262" y="2014761"/>
                 <a:ext cx="1530997" cy="276999"/>
               </a:xfrm>
               <a:prstGeom prst="rect">
@@ -7764,7 +7764,7 @@
             </p:txBody>
           </p:sp>
         </mc:Choice>
-        <mc:Fallback xmlns="">
+        <mc:Fallback>
           <p:sp>
             <p:nvSpPr>
               <p:cNvPr id="93" name="TextBox 92"/>
@@ -7775,7 +7775,7 @@
             </p:nvSpPr>
             <p:spPr>
               <a:xfrm>
-                <a:off x="2957390" y="2014761"/>
+                <a:off x="2909262" y="2014761"/>
                 <a:ext cx="1530997" cy="276999"/>
               </a:xfrm>
               <a:prstGeom prst="rect">
@@ -7803,8 +7803,8 @@
           </p:sp>
         </mc:Fallback>
       </mc:AlternateContent>
-      <mc:AlternateContent xmlns:mc="http://schemas.openxmlformats.org/markup-compatibility/2006" xmlns:a14="http://schemas.microsoft.com/office/drawing/2010/main">
-        <mc:Choice Requires="a14">
+      <mc:AlternateContent xmlns:mc="http://schemas.openxmlformats.org/markup-compatibility/2006">
+        <mc:Choice xmlns:a14="http://schemas.microsoft.com/office/drawing/2010/main" Requires="a14">
           <p:sp>
             <p:nvSpPr>
               <p:cNvPr id="94" name="TextBox 93"/>
@@ -7813,7 +7813,7 @@
             </p:nvSpPr>
             <p:spPr>
               <a:xfrm>
-                <a:off x="2974420" y="3127604"/>
+                <a:off x="2926292" y="3127604"/>
                 <a:ext cx="1462708" cy="276999"/>
               </a:xfrm>
               <a:prstGeom prst="rect">
@@ -7904,7 +7904,7 @@
             </p:txBody>
           </p:sp>
         </mc:Choice>
-        <mc:Fallback xmlns="">
+        <mc:Fallback>
           <p:sp>
             <p:nvSpPr>
               <p:cNvPr id="94" name="TextBox 93"/>
@@ -7915,7 +7915,7 @@
             </p:nvSpPr>
             <p:spPr>
               <a:xfrm>
-                <a:off x="2974420" y="3127604"/>
+                <a:off x="2926292" y="3127604"/>
                 <a:ext cx="1462708" cy="276999"/>
               </a:xfrm>
               <a:prstGeom prst="rect">
@@ -7924,7 +7924,7 @@
               <a:blipFill rotWithShape="0">
                 <a:blip r:embed="rId4"/>
                 <a:stretch>
-                  <a:fillRect l="-3750" t="-146667" r="-5417" b="-182222"/>
+                  <a:fillRect l="-3333" t="-146667" r="-5417" b="-182222"/>
                 </a:stretch>
               </a:blipFill>
             </p:spPr>
@@ -7943,8 +7943,8 @@
           </p:sp>
         </mc:Fallback>
       </mc:AlternateContent>
-      <mc:AlternateContent xmlns:mc="http://schemas.openxmlformats.org/markup-compatibility/2006" xmlns:a14="http://schemas.microsoft.com/office/drawing/2010/main">
-        <mc:Choice Requires="a14">
+      <mc:AlternateContent xmlns:mc="http://schemas.openxmlformats.org/markup-compatibility/2006">
+        <mc:Choice xmlns:a14="http://schemas.microsoft.com/office/drawing/2010/main" Requires="a14">
           <p:sp>
             <p:nvSpPr>
               <p:cNvPr id="95" name="TextBox 94"/>
@@ -7978,7 +7978,13 @@
                         <a:rPr lang="en-US" b="0" i="1" smtClean="0">
                           <a:latin typeface="Cambria Math" charset="0"/>
                         </a:rPr>
-                        <m:t>5.  </m:t>
+                        <m:t>4</m:t>
+                      </m:r>
+                      <m:r>
+                        <a:rPr lang="en-US" b="0" i="1" smtClean="0">
+                          <a:latin typeface="Cambria Math" charset="0"/>
+                        </a:rPr>
+                        <m:t>.  </m:t>
                       </m:r>
                       <m:sSub>
                         <m:sSubPr>
@@ -8019,7 +8025,7 @@
             </p:txBody>
           </p:sp>
         </mc:Choice>
-        <mc:Fallback xmlns="">
+        <mc:Fallback>
           <p:sp>
             <p:nvSpPr>
               <p:cNvPr id="95" name="TextBox 94"/>
@@ -8039,7 +8045,7 @@
               <a:blipFill rotWithShape="0">
                 <a:blip r:embed="rId5"/>
                 <a:stretch>
-                  <a:fillRect l="-5000" t="-146667" r="-7778" b="-180000"/>
+                  <a:fillRect l="-4444" t="-146667" r="-7778" b="-180000"/>
                 </a:stretch>
               </a:blipFill>
             </p:spPr>
@@ -8066,7 +8072,7 @@
         </p:nvSpPr>
         <p:spPr>
           <a:xfrm>
-            <a:off x="2916569" y="2534614"/>
+            <a:off x="2868441" y="2534614"/>
             <a:ext cx="1868268" cy="369332"/>
           </a:xfrm>
           <a:prstGeom prst="rect">
@@ -8122,8 +8128,8 @@
           </a:p>
         </p:txBody>
       </p:sp>
-      <mc:AlternateContent xmlns:mc="http://schemas.openxmlformats.org/markup-compatibility/2006" xmlns:a14="http://schemas.microsoft.com/office/drawing/2010/main">
-        <mc:Choice Requires="a14">
+      <mc:AlternateContent xmlns:mc="http://schemas.openxmlformats.org/markup-compatibility/2006">
+        <mc:Choice xmlns:a14="http://schemas.microsoft.com/office/drawing/2010/main" Requires="a14">
           <p:sp>
             <p:nvSpPr>
               <p:cNvPr id="107" name="TextBox 106"/>
@@ -8157,7 +8163,13 @@
                         <a:rPr lang="en-US" b="0" i="1" smtClean="0">
                           <a:latin typeface="Cambria Math" charset="0"/>
                         </a:rPr>
-                        <m:t>4.  </m:t>
+                        <m:t>3</m:t>
+                      </m:r>
+                      <m:r>
+                        <a:rPr lang="en-US" b="0" i="1" smtClean="0">
+                          <a:latin typeface="Cambria Math" charset="0"/>
+                        </a:rPr>
+                        <m:t>.  </m:t>
                       </m:r>
                       <m:sSub>
                         <m:sSubPr>
@@ -8198,7 +8210,7 @@
             </p:txBody>
           </p:sp>
         </mc:Choice>
-        <mc:Fallback xmlns="">
+        <mc:Fallback>
           <p:sp>
             <p:nvSpPr>
               <p:cNvPr id="107" name="TextBox 106"/>
@@ -8882,7 +8894,7 @@
         </p:nvSpPr>
         <p:spPr>
           <a:xfrm>
-            <a:off x="4752606" y="4998590"/>
+            <a:off x="4786896" y="4987160"/>
             <a:ext cx="675185" cy="338554"/>
           </a:xfrm>
           <a:prstGeom prst="rect">
@@ -8897,12 +8909,8 @@
           <a:lstStyle/>
           <a:p>
             <a:r>
-              <a:rPr lang="en-US" sz="1600" smtClean="0"/>
-              <a:t>(P1,0</a:t>
-            </a:r>
-            <a:r>
               <a:rPr lang="en-US" sz="1600" dirty="0" smtClean="0"/>
-              <a:t>)</a:t>
+              <a:t>(P1,0)</a:t>
             </a:r>
             <a:endParaRPr lang="en-US" sz="1600" dirty="0"/>
           </a:p>
@@ -8916,7 +8924,7 @@
         </p:nvSpPr>
         <p:spPr>
           <a:xfrm>
-            <a:off x="6256596" y="4998590"/>
+            <a:off x="6336606" y="4987160"/>
             <a:ext cx="675185" cy="338554"/>
           </a:xfrm>
           <a:prstGeom prst="rect">
@@ -30887,7 +30895,9 @@
             <a:prstGeom prst="ellipse">
               <a:avLst/>
             </a:prstGeom>
-            <a:grpFill/>
+            <a:solidFill>
+              <a:schemeClr val="bg1"/>
+            </a:solidFill>
             <a:ln>
               <a:solidFill>
                 <a:schemeClr val="tx1"/>

--- a/paper/abstraction/figures/examples.pptx
+++ b/paper/abstraction/figures/examples.pptx
@@ -206,7 +206,7 @@
           <a:p>
             <a:fld id="{0CCB65A4-74BE-2E49-B697-B48CA3DADDCF}" type="datetimeFigureOut">
               <a:rPr lang="en-US" smtClean="0"/>
-              <a:t>11/9/16</a:t>
+              <a:t>11/11/16</a:t>
             </a:fld>
             <a:endParaRPr lang="en-US"/>
           </a:p>
@@ -857,7 +857,7 @@
           <a:p>
             <a:fld id="{D1C2FE12-02FD-40D2-9E73-08CF8D46514A}" type="datetimeFigureOut">
               <a:rPr lang="en-US" smtClean="0"/>
-              <a:t>11/9/16</a:t>
+              <a:t>11/11/16</a:t>
             </a:fld>
             <a:endParaRPr lang="en-US"/>
           </a:p>
@@ -1027,7 +1027,7 @@
           <a:p>
             <a:fld id="{D1C2FE12-02FD-40D2-9E73-08CF8D46514A}" type="datetimeFigureOut">
               <a:rPr lang="en-US" smtClean="0"/>
-              <a:t>11/9/16</a:t>
+              <a:t>11/11/16</a:t>
             </a:fld>
             <a:endParaRPr lang="en-US"/>
           </a:p>
@@ -1207,7 +1207,7 @@
           <a:p>
             <a:fld id="{D1C2FE12-02FD-40D2-9E73-08CF8D46514A}" type="datetimeFigureOut">
               <a:rPr lang="en-US" smtClean="0"/>
-              <a:t>11/9/16</a:t>
+              <a:t>11/11/16</a:t>
             </a:fld>
             <a:endParaRPr lang="en-US"/>
           </a:p>
@@ -1377,7 +1377,7 @@
           <a:p>
             <a:fld id="{D1C2FE12-02FD-40D2-9E73-08CF8D46514A}" type="datetimeFigureOut">
               <a:rPr lang="en-US" smtClean="0"/>
-              <a:t>11/9/16</a:t>
+              <a:t>11/11/16</a:t>
             </a:fld>
             <a:endParaRPr lang="en-US"/>
           </a:p>
@@ -1623,7 +1623,7 @@
           <a:p>
             <a:fld id="{D1C2FE12-02FD-40D2-9E73-08CF8D46514A}" type="datetimeFigureOut">
               <a:rPr lang="en-US" smtClean="0"/>
-              <a:t>11/9/16</a:t>
+              <a:t>11/11/16</a:t>
             </a:fld>
             <a:endParaRPr lang="en-US"/>
           </a:p>
@@ -1855,7 +1855,7 @@
           <a:p>
             <a:fld id="{D1C2FE12-02FD-40D2-9E73-08CF8D46514A}" type="datetimeFigureOut">
               <a:rPr lang="en-US" smtClean="0"/>
-              <a:t>11/9/16</a:t>
+              <a:t>11/11/16</a:t>
             </a:fld>
             <a:endParaRPr lang="en-US"/>
           </a:p>
@@ -2222,7 +2222,7 @@
           <a:p>
             <a:fld id="{D1C2FE12-02FD-40D2-9E73-08CF8D46514A}" type="datetimeFigureOut">
               <a:rPr lang="en-US" smtClean="0"/>
-              <a:t>11/9/16</a:t>
+              <a:t>11/11/16</a:t>
             </a:fld>
             <a:endParaRPr lang="en-US"/>
           </a:p>
@@ -2340,7 +2340,7 @@
           <a:p>
             <a:fld id="{D1C2FE12-02FD-40D2-9E73-08CF8D46514A}" type="datetimeFigureOut">
               <a:rPr lang="en-US" smtClean="0"/>
-              <a:t>11/9/16</a:t>
+              <a:t>11/11/16</a:t>
             </a:fld>
             <a:endParaRPr lang="en-US"/>
           </a:p>
@@ -2435,7 +2435,7 @@
           <a:p>
             <a:fld id="{D1C2FE12-02FD-40D2-9E73-08CF8D46514A}" type="datetimeFigureOut">
               <a:rPr lang="en-US" smtClean="0"/>
-              <a:t>11/9/16</a:t>
+              <a:t>11/11/16</a:t>
             </a:fld>
             <a:endParaRPr lang="en-US"/>
           </a:p>
@@ -2712,7 +2712,7 @@
           <a:p>
             <a:fld id="{D1C2FE12-02FD-40D2-9E73-08CF8D46514A}" type="datetimeFigureOut">
               <a:rPr lang="en-US" smtClean="0"/>
-              <a:t>11/9/16</a:t>
+              <a:t>11/11/16</a:t>
             </a:fld>
             <a:endParaRPr lang="en-US"/>
           </a:p>
@@ -2965,7 +2965,7 @@
           <a:p>
             <a:fld id="{D1C2FE12-02FD-40D2-9E73-08CF8D46514A}" type="datetimeFigureOut">
               <a:rPr lang="en-US" smtClean="0"/>
-              <a:t>11/9/16</a:t>
+              <a:t>11/11/16</a:t>
             </a:fld>
             <a:endParaRPr lang="en-US"/>
           </a:p>
@@ -3178,7 +3178,7 @@
           <a:p>
             <a:fld id="{D1C2FE12-02FD-40D2-9E73-08CF8D46514A}" type="datetimeFigureOut">
               <a:rPr lang="en-US" smtClean="0"/>
-              <a:t>11/9/16</a:t>
+              <a:t>11/11/16</a:t>
             </a:fld>
             <a:endParaRPr lang="en-US"/>
           </a:p>
@@ -7663,8 +7663,8 @@
           </a:fontRef>
         </p:style>
       </p:cxnSp>
-      <mc:AlternateContent xmlns:mc="http://schemas.openxmlformats.org/markup-compatibility/2006">
-        <mc:Choice xmlns:a14="http://schemas.microsoft.com/office/drawing/2010/main" Requires="a14">
+      <mc:AlternateContent xmlns:mc="http://schemas.openxmlformats.org/markup-compatibility/2006" xmlns:a14="http://schemas.microsoft.com/office/drawing/2010/main">
+        <mc:Choice Requires="a14">
           <p:sp>
             <p:nvSpPr>
               <p:cNvPr id="93" name="TextBox 92"/>
@@ -7764,7 +7764,7 @@
             </p:txBody>
           </p:sp>
         </mc:Choice>
-        <mc:Fallback>
+        <mc:Fallback xmlns="">
           <p:sp>
             <p:nvSpPr>
               <p:cNvPr id="93" name="TextBox 92"/>
@@ -7803,8 +7803,8 @@
           </p:sp>
         </mc:Fallback>
       </mc:AlternateContent>
-      <mc:AlternateContent xmlns:mc="http://schemas.openxmlformats.org/markup-compatibility/2006">
-        <mc:Choice xmlns:a14="http://schemas.microsoft.com/office/drawing/2010/main" Requires="a14">
+      <mc:AlternateContent xmlns:mc="http://schemas.openxmlformats.org/markup-compatibility/2006" xmlns:a14="http://schemas.microsoft.com/office/drawing/2010/main">
+        <mc:Choice Requires="a14">
           <p:sp>
             <p:nvSpPr>
               <p:cNvPr id="94" name="TextBox 93"/>
@@ -7904,7 +7904,7 @@
             </p:txBody>
           </p:sp>
         </mc:Choice>
-        <mc:Fallback>
+        <mc:Fallback xmlns="">
           <p:sp>
             <p:nvSpPr>
               <p:cNvPr id="94" name="TextBox 93"/>
@@ -7943,8 +7943,8 @@
           </p:sp>
         </mc:Fallback>
       </mc:AlternateContent>
-      <mc:AlternateContent xmlns:mc="http://schemas.openxmlformats.org/markup-compatibility/2006">
-        <mc:Choice xmlns:a14="http://schemas.microsoft.com/office/drawing/2010/main" Requires="a14">
+      <mc:AlternateContent xmlns:mc="http://schemas.openxmlformats.org/markup-compatibility/2006" xmlns:a14="http://schemas.microsoft.com/office/drawing/2010/main">
+        <mc:Choice Requires="a14">
           <p:sp>
             <p:nvSpPr>
               <p:cNvPr id="95" name="TextBox 94"/>
@@ -7978,13 +7978,7 @@
                         <a:rPr lang="en-US" b="0" i="1" smtClean="0">
                           <a:latin typeface="Cambria Math" charset="0"/>
                         </a:rPr>
-                        <m:t>4</m:t>
-                      </m:r>
-                      <m:r>
-                        <a:rPr lang="en-US" b="0" i="1" smtClean="0">
-                          <a:latin typeface="Cambria Math" charset="0"/>
-                        </a:rPr>
-                        <m:t>.  </m:t>
+                        <m:t>4.  </m:t>
                       </m:r>
                       <m:sSub>
                         <m:sSubPr>
@@ -8025,7 +8019,7 @@
             </p:txBody>
           </p:sp>
         </mc:Choice>
-        <mc:Fallback>
+        <mc:Fallback xmlns="">
           <p:sp>
             <p:nvSpPr>
               <p:cNvPr id="95" name="TextBox 94"/>
@@ -8128,8 +8122,8 @@
           </a:p>
         </p:txBody>
       </p:sp>
-      <mc:AlternateContent xmlns:mc="http://schemas.openxmlformats.org/markup-compatibility/2006">
-        <mc:Choice xmlns:a14="http://schemas.microsoft.com/office/drawing/2010/main" Requires="a14">
+      <mc:AlternateContent xmlns:mc="http://schemas.openxmlformats.org/markup-compatibility/2006" xmlns:a14="http://schemas.microsoft.com/office/drawing/2010/main">
+        <mc:Choice Requires="a14">
           <p:sp>
             <p:nvSpPr>
               <p:cNvPr id="107" name="TextBox 106"/>
@@ -8163,13 +8157,7 @@
                         <a:rPr lang="en-US" b="0" i="1" smtClean="0">
                           <a:latin typeface="Cambria Math" charset="0"/>
                         </a:rPr>
-                        <m:t>3</m:t>
-                      </m:r>
-                      <m:r>
-                        <a:rPr lang="en-US" b="0" i="1" smtClean="0">
-                          <a:latin typeface="Cambria Math" charset="0"/>
-                        </a:rPr>
-                        <m:t>.  </m:t>
+                        <m:t>3.  </m:t>
                       </m:r>
                       <m:sSub>
                         <m:sSubPr>
@@ -8210,7 +8198,7 @@
             </p:txBody>
           </p:sp>
         </mc:Choice>
-        <mc:Fallback>
+        <mc:Fallback xmlns="">
           <p:sp>
             <p:nvSpPr>
               <p:cNvPr id="107" name="TextBox 106"/>
@@ -12454,68 +12442,6 @@
           <a:chExt cx="0" cy="0"/>
         </a:xfrm>
       </p:grpSpPr>
-      <p:sp>
-        <p:nvSpPr>
-          <p:cNvPr id="4" name="Title 1"/>
-          <p:cNvSpPr txBox="1">
-            <a:spLocks/>
-          </p:cNvSpPr>
-          <p:nvPr/>
-        </p:nvSpPr>
-        <p:spPr>
-          <a:xfrm>
-            <a:off x="-7637" y="-44719"/>
-            <a:ext cx="6007995" cy="852891"/>
-          </a:xfrm>
-          <a:prstGeom prst="rect">
-            <a:avLst/>
-          </a:prstGeom>
-        </p:spPr>
-        <p:txBody>
-          <a:bodyPr vert="horz" lIns="91440" tIns="45720" rIns="91440" bIns="45720" rtlCol="0" anchor="b">
-            <a:normAutofit/>
-          </a:bodyPr>
-          <a:lstStyle>
-            <a:lvl1pPr algn="ctr" defTabSz="914400" rtl="0" eaLnBrk="1" latinLnBrk="0" hangingPunct="1">
-              <a:lnSpc>
-                <a:spcPct val="90000"/>
-              </a:lnSpc>
-              <a:spcBef>
-                <a:spcPct val="0"/>
-              </a:spcBef>
-              <a:buNone/>
-              <a:defRPr sz="6000" kern="1200">
-                <a:solidFill>
-                  <a:schemeClr val="tx1"/>
-                </a:solidFill>
-                <a:latin typeface="+mj-lt"/>
-                <a:ea typeface="+mj-ea"/>
-                <a:cs typeface="+mj-cs"/>
-              </a:defRPr>
-            </a:lvl1pPr>
-          </a:lstStyle>
-          <a:p>
-            <a:pPr algn="l"/>
-            <a:r>
-              <a:rPr lang="en-US" sz="4000" dirty="0" smtClean="0">
-                <a:solidFill>
-                  <a:schemeClr val="accent1">
-                    <a:lumMod val="50000"/>
-                  </a:schemeClr>
-                </a:solidFill>
-              </a:rPr>
-              <a:t>Example</a:t>
-            </a:r>
-            <a:endParaRPr lang="en-US" sz="4000" dirty="0">
-              <a:solidFill>
-                <a:schemeClr val="accent1">
-                  <a:lumMod val="50000"/>
-                </a:schemeClr>
-              </a:solidFill>
-            </a:endParaRPr>
-          </a:p>
-        </p:txBody>
-      </p:sp>
       <p:sp>
         <p:nvSpPr>
           <p:cNvPr id="59" name="Rectangle 58"/>
@@ -15764,7 +15690,7 @@
         </p:nvSpPr>
         <p:spPr>
           <a:xfrm>
-            <a:off x="5510424" y="923701"/>
+            <a:off x="5474328" y="923701"/>
             <a:ext cx="1240099" cy="400110"/>
           </a:xfrm>
           <a:prstGeom prst="rect">
@@ -15780,8 +15706,8 @@
           <a:p>
             <a:pPr algn="ctr"/>
             <a:r>
-              <a:rPr lang="en-US" sz="2000" dirty="0" smtClean="0"/>
-              <a:t>Peer2</a:t>
+              <a:rPr lang="en-US" sz="2000" smtClean="0"/>
+              <a:t>P2</a:t>
             </a:r>
             <a:endParaRPr lang="en-US" sz="2000" baseline="-25000" dirty="0"/>
           </a:p>
@@ -15922,7 +15848,7 @@
             <a:pPr algn="ctr"/>
             <a:r>
               <a:rPr lang="en-US" sz="2000" dirty="0" smtClean="0"/>
-              <a:t>Peer1</a:t>
+              <a:t>P1</a:t>
             </a:r>
             <a:endParaRPr lang="en-US" sz="2000" baseline="-25000" dirty="0"/>
           </a:p>
@@ -16953,8 +16879,8 @@
         </p:nvCxnSpPr>
         <p:spPr>
           <a:xfrm flipH="1">
-            <a:off x="5775073" y="1383158"/>
-            <a:ext cx="360837" cy="250025"/>
+            <a:off x="5775073" y="1332358"/>
+            <a:ext cx="360837" cy="300825"/>
           </a:xfrm>
           <a:prstGeom prst="line">
             <a:avLst/>
@@ -19263,8 +19189,8 @@
         </p:nvCxnSpPr>
         <p:spPr>
           <a:xfrm>
-            <a:off x="6135910" y="1383158"/>
-            <a:ext cx="477911" cy="237382"/>
+            <a:off x="6135910" y="1332358"/>
+            <a:ext cx="477911" cy="288182"/>
           </a:xfrm>
           <a:prstGeom prst="line">
             <a:avLst/>
@@ -19383,8 +19309,8 @@
         </p:nvCxnSpPr>
         <p:spPr>
           <a:xfrm flipH="1">
-            <a:off x="4039724" y="1383158"/>
-            <a:ext cx="2096186" cy="195114"/>
+            <a:off x="4039724" y="1332358"/>
+            <a:ext cx="2096186" cy="245914"/>
           </a:xfrm>
           <a:prstGeom prst="line">
             <a:avLst/>
@@ -19434,7 +19360,7 @@
         </p:blipFill>
         <p:spPr>
           <a:xfrm>
-            <a:off x="5334442" y="808171"/>
+            <a:off x="5334442" y="757371"/>
             <a:ext cx="1602935" cy="574987"/>
           </a:xfrm>
           <a:prstGeom prst="rect">
@@ -19450,7 +19376,7 @@
         </p:nvSpPr>
         <p:spPr>
           <a:xfrm>
-            <a:off x="5510424" y="923701"/>
+            <a:off x="5478072" y="848837"/>
             <a:ext cx="1240099" cy="400110"/>
           </a:xfrm>
           <a:prstGeom prst="rect">
@@ -19467,7 +19393,7 @@
             <a:pPr algn="ctr"/>
             <a:r>
               <a:rPr lang="en-US" sz="2000" dirty="0" smtClean="0"/>
-              <a:t>Peer2</a:t>
+              <a:t>P2</a:t>
             </a:r>
             <a:endParaRPr lang="en-US" sz="2000" baseline="-25000" dirty="0"/>
           </a:p>
@@ -19511,7 +19437,7 @@
         </p:nvSpPr>
         <p:spPr>
           <a:xfrm>
-            <a:off x="3986944" y="926493"/>
+            <a:off x="3918496" y="854301"/>
             <a:ext cx="1240099" cy="400110"/>
           </a:xfrm>
           <a:prstGeom prst="rect">
@@ -19528,7 +19454,7 @@
             <a:pPr algn="ctr"/>
             <a:r>
               <a:rPr lang="en-US" sz="2000" dirty="0" smtClean="0"/>
-              <a:t>Peer1</a:t>
+              <a:t>P1</a:t>
             </a:r>
             <a:endParaRPr lang="en-US" sz="2000" baseline="-25000" dirty="0"/>
           </a:p>
@@ -19585,8 +19511,8 @@
         </p:nvCxnSpPr>
         <p:spPr>
           <a:xfrm flipH="1">
-            <a:off x="4907398" y="1383158"/>
-            <a:ext cx="1228512" cy="246276"/>
+            <a:off x="4907398" y="1332358"/>
+            <a:ext cx="1228512" cy="297076"/>
           </a:xfrm>
           <a:prstGeom prst="line">
             <a:avLst/>
@@ -19684,53 +19610,2358 @@
           <a:chExt cx="0" cy="0"/>
         </a:xfrm>
       </p:grpSpPr>
-      <p:sp>
-        <p:nvSpPr>
-          <p:cNvPr id="154" name="TextBox 153"/>
-          <p:cNvSpPr txBox="1"/>
-          <p:nvPr/>
-        </p:nvSpPr>
-        <p:spPr>
-          <a:xfrm>
-            <a:off x="5984310" y="4195327"/>
-            <a:ext cx="1987313" cy="400110"/>
-          </a:xfrm>
-          <a:prstGeom prst="rect">
-            <a:avLst/>
-          </a:prstGeom>
-          <a:noFill/>
-        </p:spPr>
-        <p:txBody>
-          <a:bodyPr wrap="square" rtlCol="0">
-            <a:spAutoFit/>
-          </a:bodyPr>
-          <a:lstStyle/>
-          <a:p>
-            <a:pPr algn="ctr"/>
-            <a:r>
-              <a:rPr lang="en-US" sz="2000" dirty="0" smtClean="0"/>
-              <a:t>Local services</a:t>
-            </a:r>
-            <a:endParaRPr lang="en-US" sz="2000" baseline="-25000" dirty="0"/>
-          </a:p>
-        </p:txBody>
-      </p:sp>
       <p:grpSp>
         <p:nvGrpSpPr>
-          <p:cNvPr id="5" name="Group 4"/>
+          <p:cNvPr id="73" name="Group 72"/>
           <p:cNvGrpSpPr/>
           <p:nvPr/>
         </p:nvGrpSpPr>
         <p:grpSpPr>
           <a:xfrm>
-            <a:off x="8006240" y="1963317"/>
-            <a:ext cx="2705743" cy="2586110"/>
-            <a:chOff x="8488695" y="1173988"/>
-            <a:chExt cx="2705743" cy="2586110"/>
+            <a:off x="5976178" y="870269"/>
+            <a:ext cx="1240099" cy="420702"/>
+            <a:chOff x="3862426" y="1524547"/>
+            <a:chExt cx="1240099" cy="420702"/>
           </a:xfrm>
         </p:grpSpPr>
-        <mc:AlternateContent xmlns:mc="http://schemas.openxmlformats.org/markup-compatibility/2006" xmlns:a14="http://schemas.microsoft.com/office/drawing/2010/main">
-          <mc:Choice Requires="a14">
+        <p:pic>
+          <p:nvPicPr>
+            <p:cNvPr id="74" name="Picture 73"/>
+            <p:cNvPicPr>
+              <a:picLocks noChangeAspect="1"/>
+            </p:cNvPicPr>
+            <p:nvPr/>
+          </p:nvPicPr>
+          <p:blipFill>
+            <a:blip r:embed="rId2" cstate="print">
+              <a:extLst>
+                <a:ext uri="{28A0092B-C50C-407E-A947-70E740481C1C}">
+                  <a14:useLocalDpi xmlns:a14="http://schemas.microsoft.com/office/drawing/2010/main" val="0"/>
+                </a:ext>
+              </a:extLst>
+            </a:blip>
+            <a:stretch>
+              <a:fillRect/>
+            </a:stretch>
+          </p:blipFill>
+          <p:spPr>
+            <a:xfrm>
+              <a:off x="4005194" y="1524547"/>
+              <a:ext cx="978509" cy="420702"/>
+            </a:xfrm>
+            <a:prstGeom prst="rect">
+              <a:avLst/>
+            </a:prstGeom>
+          </p:spPr>
+        </p:pic>
+        <p:sp>
+          <p:nvSpPr>
+            <p:cNvPr id="75" name="TextBox 74"/>
+            <p:cNvSpPr txBox="1"/>
+            <p:nvPr/>
+          </p:nvSpPr>
+          <p:spPr>
+            <a:xfrm>
+              <a:off x="3862426" y="1534843"/>
+              <a:ext cx="1240099" cy="400110"/>
+            </a:xfrm>
+            <a:prstGeom prst="rect">
+              <a:avLst/>
+            </a:prstGeom>
+            <a:noFill/>
+          </p:spPr>
+          <p:txBody>
+            <a:bodyPr wrap="square" rtlCol="0">
+              <a:spAutoFit/>
+            </a:bodyPr>
+            <a:lstStyle/>
+            <a:p>
+              <a:pPr algn="ctr"/>
+              <a:r>
+                <a:rPr lang="en-US" sz="2000" dirty="0" smtClean="0"/>
+                <a:t>P2</a:t>
+              </a:r>
+              <a:endParaRPr lang="en-US" sz="2000" baseline="-25000" dirty="0"/>
+            </a:p>
+          </p:txBody>
+        </p:sp>
+      </p:grpSp>
+      <p:grpSp>
+        <p:nvGrpSpPr>
+          <p:cNvPr id="76" name="Group 75"/>
+          <p:cNvGrpSpPr/>
+          <p:nvPr/>
+        </p:nvGrpSpPr>
+        <p:grpSpPr>
+          <a:xfrm>
+            <a:off x="4844636" y="858760"/>
+            <a:ext cx="1240099" cy="437600"/>
+            <a:chOff x="2688268" y="1516712"/>
+            <a:chExt cx="1240099" cy="437600"/>
+          </a:xfrm>
+        </p:grpSpPr>
+        <p:pic>
+          <p:nvPicPr>
+            <p:cNvPr id="77" name="Picture 76"/>
+            <p:cNvPicPr>
+              <a:picLocks noChangeAspect="1"/>
+            </p:cNvPicPr>
+            <p:nvPr/>
+          </p:nvPicPr>
+          <p:blipFill>
+            <a:blip r:embed="rId3" cstate="print">
+              <a:extLst>
+                <a:ext uri="{28A0092B-C50C-407E-A947-70E740481C1C}">
+                  <a14:useLocalDpi xmlns:a14="http://schemas.microsoft.com/office/drawing/2010/main" val="0"/>
+                </a:ext>
+              </a:extLst>
+            </a:blip>
+            <a:stretch>
+              <a:fillRect/>
+            </a:stretch>
+          </p:blipFill>
+          <p:spPr>
+            <a:xfrm>
+              <a:off x="2842965" y="1516712"/>
+              <a:ext cx="906144" cy="428537"/>
+            </a:xfrm>
+            <a:prstGeom prst="rect">
+              <a:avLst/>
+            </a:prstGeom>
+          </p:spPr>
+        </p:pic>
+        <p:sp>
+          <p:nvSpPr>
+            <p:cNvPr id="78" name="TextBox 77"/>
+            <p:cNvSpPr txBox="1"/>
+            <p:nvPr/>
+          </p:nvSpPr>
+          <p:spPr>
+            <a:xfrm>
+              <a:off x="2688268" y="1554202"/>
+              <a:ext cx="1240099" cy="400110"/>
+            </a:xfrm>
+            <a:prstGeom prst="rect">
+              <a:avLst/>
+            </a:prstGeom>
+            <a:noFill/>
+          </p:spPr>
+          <p:txBody>
+            <a:bodyPr wrap="square" rtlCol="0">
+              <a:spAutoFit/>
+            </a:bodyPr>
+            <a:lstStyle/>
+            <a:p>
+              <a:pPr algn="ctr"/>
+              <a:r>
+                <a:rPr lang="en-US" sz="2000" dirty="0" smtClean="0"/>
+                <a:t>P1</a:t>
+              </a:r>
+              <a:endParaRPr lang="en-US" sz="2000" baseline="-25000" dirty="0"/>
+            </a:p>
+          </p:txBody>
+        </p:sp>
+      </p:grpSp>
+      <p:cxnSp>
+        <p:nvCxnSpPr>
+          <p:cNvPr id="79" name="Straight Connector 78"/>
+          <p:cNvCxnSpPr>
+            <a:stCxn id="74" idx="2"/>
+          </p:cNvCxnSpPr>
+          <p:nvPr/>
+        </p:nvCxnSpPr>
+        <p:spPr>
+          <a:xfrm flipH="1">
+            <a:off x="6000358" y="1290971"/>
+            <a:ext cx="607843" cy="366959"/>
+          </a:xfrm>
+          <a:prstGeom prst="line">
+            <a:avLst/>
+          </a:prstGeom>
+          <a:ln w="19050">
+            <a:solidFill>
+              <a:schemeClr val="tx1"/>
+            </a:solidFill>
+          </a:ln>
+        </p:spPr>
+        <p:style>
+          <a:lnRef idx="1">
+            <a:schemeClr val="accent1"/>
+          </a:lnRef>
+          <a:fillRef idx="0">
+            <a:schemeClr val="accent1"/>
+          </a:fillRef>
+          <a:effectRef idx="0">
+            <a:schemeClr val="accent1"/>
+          </a:effectRef>
+          <a:fontRef idx="minor">
+            <a:schemeClr val="tx1"/>
+          </a:fontRef>
+        </p:style>
+      </p:cxnSp>
+      <p:cxnSp>
+        <p:nvCxnSpPr>
+          <p:cNvPr id="80" name="Straight Connector 79"/>
+          <p:cNvCxnSpPr>
+            <a:stCxn id="77" idx="2"/>
+          </p:cNvCxnSpPr>
+          <p:nvPr/>
+        </p:nvCxnSpPr>
+        <p:spPr>
+          <a:xfrm>
+            <a:off x="5452405" y="1287297"/>
+            <a:ext cx="545232" cy="395189"/>
+          </a:xfrm>
+          <a:prstGeom prst="line">
+            <a:avLst/>
+          </a:prstGeom>
+          <a:ln w="19050">
+            <a:solidFill>
+              <a:schemeClr val="tx1"/>
+            </a:solidFill>
+          </a:ln>
+        </p:spPr>
+        <p:style>
+          <a:lnRef idx="1">
+            <a:schemeClr val="accent1"/>
+          </a:lnRef>
+          <a:fillRef idx="0">
+            <a:schemeClr val="accent1"/>
+          </a:fillRef>
+          <a:effectRef idx="0">
+            <a:schemeClr val="accent1"/>
+          </a:effectRef>
+          <a:fontRef idx="minor">
+            <a:schemeClr val="tx1"/>
+          </a:fontRef>
+        </p:style>
+      </p:cxnSp>
+      <p:grpSp>
+        <p:nvGrpSpPr>
+          <p:cNvPr id="10" name="Group 9"/>
+          <p:cNvGrpSpPr/>
+          <p:nvPr/>
+        </p:nvGrpSpPr>
+        <p:grpSpPr>
+          <a:xfrm>
+            <a:off x="4010323" y="1657930"/>
+            <a:ext cx="3961300" cy="2937670"/>
+            <a:chOff x="4010323" y="1657930"/>
+            <a:chExt cx="3961300" cy="2937670"/>
+          </a:xfrm>
+        </p:grpSpPr>
+        <p:sp>
+          <p:nvSpPr>
+            <p:cNvPr id="154" name="TextBox 153"/>
+            <p:cNvSpPr txBox="1"/>
+            <p:nvPr/>
+          </p:nvSpPr>
+          <p:spPr>
+            <a:xfrm>
+              <a:off x="5984310" y="4195327"/>
+              <a:ext cx="1987313" cy="400110"/>
+            </a:xfrm>
+            <a:prstGeom prst="rect">
+              <a:avLst/>
+            </a:prstGeom>
+            <a:noFill/>
+          </p:spPr>
+          <p:txBody>
+            <a:bodyPr wrap="square" rtlCol="0">
+              <a:spAutoFit/>
+            </a:bodyPr>
+            <a:lstStyle/>
+            <a:p>
+              <a:pPr algn="ctr"/>
+              <a:r>
+                <a:rPr lang="en-US" sz="2000" dirty="0" smtClean="0"/>
+                <a:t>Local services</a:t>
+              </a:r>
+              <a:endParaRPr lang="en-US" sz="2000" baseline="-25000" dirty="0"/>
+            </a:p>
+          </p:txBody>
+        </p:sp>
+        <p:cxnSp>
+          <p:nvCxnSpPr>
+            <p:cNvPr id="121" name="Straight Connector 120"/>
+            <p:cNvCxnSpPr>
+              <a:endCxn id="114" idx="0"/>
+            </p:cNvCxnSpPr>
+            <p:nvPr/>
+          </p:nvCxnSpPr>
+          <p:spPr>
+            <a:xfrm>
+              <a:off x="6000358" y="1984043"/>
+              <a:ext cx="982433" cy="645433"/>
+            </a:xfrm>
+            <a:prstGeom prst="line">
+              <a:avLst/>
+            </a:prstGeom>
+            <a:ln w="19050">
+              <a:solidFill>
+                <a:schemeClr val="tx1"/>
+              </a:solidFill>
+            </a:ln>
+          </p:spPr>
+          <p:style>
+            <a:lnRef idx="1">
+              <a:schemeClr val="accent1"/>
+            </a:lnRef>
+            <a:fillRef idx="0">
+              <a:schemeClr val="accent1"/>
+            </a:fillRef>
+            <a:effectRef idx="0">
+              <a:schemeClr val="accent1"/>
+            </a:effectRef>
+            <a:fontRef idx="minor">
+              <a:schemeClr val="tx1"/>
+            </a:fontRef>
+          </p:style>
+        </p:cxnSp>
+        <p:cxnSp>
+          <p:nvCxnSpPr>
+            <p:cNvPr id="148" name="Straight Connector 147"/>
+            <p:cNvCxnSpPr>
+              <a:endCxn id="132" idx="0"/>
+            </p:cNvCxnSpPr>
+            <p:nvPr/>
+          </p:nvCxnSpPr>
+          <p:spPr>
+            <a:xfrm flipH="1">
+              <a:off x="5054513" y="1984043"/>
+              <a:ext cx="945845" cy="649080"/>
+            </a:xfrm>
+            <a:prstGeom prst="line">
+              <a:avLst/>
+            </a:prstGeom>
+            <a:ln w="19050">
+              <a:solidFill>
+                <a:schemeClr val="tx1"/>
+              </a:solidFill>
+            </a:ln>
+          </p:spPr>
+          <p:style>
+            <a:lnRef idx="1">
+              <a:schemeClr val="accent1"/>
+            </a:lnRef>
+            <a:fillRef idx="0">
+              <a:schemeClr val="accent1"/>
+            </a:fillRef>
+            <a:effectRef idx="0">
+              <a:schemeClr val="accent1"/>
+            </a:effectRef>
+            <a:fontRef idx="minor">
+              <a:schemeClr val="tx1"/>
+            </a:fontRef>
+          </p:style>
+        </p:cxnSp>
+        <p:sp>
+          <p:nvSpPr>
+            <p:cNvPr id="153" name="TextBox 152"/>
+            <p:cNvSpPr txBox="1"/>
+            <p:nvPr/>
+          </p:nvSpPr>
+          <p:spPr>
+            <a:xfrm>
+              <a:off x="4010323" y="4195490"/>
+              <a:ext cx="1987313" cy="400110"/>
+            </a:xfrm>
+            <a:prstGeom prst="rect">
+              <a:avLst/>
+            </a:prstGeom>
+            <a:noFill/>
+          </p:spPr>
+          <p:txBody>
+            <a:bodyPr wrap="square" rtlCol="0">
+              <a:spAutoFit/>
+            </a:bodyPr>
+            <a:lstStyle/>
+            <a:p>
+              <a:pPr algn="ctr"/>
+              <a:r>
+                <a:rPr lang="en-US" sz="2000" dirty="0" smtClean="0"/>
+                <a:t>Global services</a:t>
+              </a:r>
+              <a:endParaRPr lang="en-US" sz="2000" baseline="-25000" dirty="0"/>
+            </a:p>
+          </p:txBody>
+        </p:sp>
+        <mc:AlternateContent xmlns:mc="http://schemas.openxmlformats.org/markup-compatibility/2006">
+          <mc:Choice xmlns:a14="http://schemas.microsoft.com/office/drawing/2010/main" Requires="a14">
+            <p:sp>
+              <p:nvSpPr>
+                <p:cNvPr id="62" name="TextBox 61"/>
+                <p:cNvSpPr txBox="1"/>
+                <p:nvPr/>
+              </p:nvSpPr>
+              <p:spPr>
+                <a:xfrm>
+                  <a:off x="5036616" y="2164332"/>
+                  <a:ext cx="294953" cy="276999"/>
+                </a:xfrm>
+                <a:prstGeom prst="rect">
+                  <a:avLst/>
+                </a:prstGeom>
+                <a:noFill/>
+              </p:spPr>
+              <p:txBody>
+                <a:bodyPr wrap="none" lIns="0" tIns="0" rIns="0" bIns="0" rtlCol="0">
+                  <a:spAutoFit/>
+                </a:bodyPr>
+                <a:lstStyle/>
+                <a:p>
+                  <a:pPr/>
+                  <a14:m>
+                    <m:oMathPara xmlns:m="http://schemas.openxmlformats.org/officeDocument/2006/math">
+                      <m:oMathParaPr>
+                        <m:jc m:val="centerGroup"/>
+                      </m:oMathParaPr>
+                      <m:oMath xmlns:m="http://schemas.openxmlformats.org/officeDocument/2006/math">
+                        <m:r>
+                          <a:rPr lang="en-US" b="0" i="1" smtClean="0">
+                            <a:latin typeface="Cambria Math" charset="0"/>
+                          </a:rPr>
+                          <m:t>𝑒</m:t>
+                        </m:r>
+                        <m:r>
+                          <a:rPr lang="en-US" b="0" i="1" smtClean="0">
+                            <a:latin typeface="Cambria Math" charset="0"/>
+                          </a:rPr>
+                          <m:t>3</m:t>
+                        </m:r>
+                      </m:oMath>
+                    </m:oMathPara>
+                  </a14:m>
+                  <a:endParaRPr lang="en-US" dirty="0" smtClean="0"/>
+                </a:p>
+              </p:txBody>
+            </p:sp>
+          </mc:Choice>
+          <mc:Fallback>
+            <p:sp>
+              <p:nvSpPr>
+                <p:cNvPr id="62" name="TextBox 61"/>
+                <p:cNvSpPr txBox="1">
+                  <a:spLocks noRot="1" noChangeAspect="1" noMove="1" noResize="1" noEditPoints="1" noAdjustHandles="1" noChangeArrowheads="1" noChangeShapeType="1" noTextEdit="1"/>
+                </p:cNvSpPr>
+                <p:nvPr/>
+              </p:nvSpPr>
+              <p:spPr>
+                <a:xfrm>
+                  <a:off x="5036616" y="2164332"/>
+                  <a:ext cx="294953" cy="276999"/>
+                </a:xfrm>
+                <a:prstGeom prst="rect">
+                  <a:avLst/>
+                </a:prstGeom>
+                <a:blipFill rotWithShape="0">
+                  <a:blip r:embed="rId4"/>
+                  <a:stretch>
+                    <a:fillRect l="-18367" r="-18367" b="-8889"/>
+                  </a:stretch>
+                </a:blipFill>
+              </p:spPr>
+              <p:txBody>
+                <a:bodyPr/>
+                <a:lstStyle/>
+                <a:p>
+                  <a:r>
+                    <a:rPr lang="en-US">
+                      <a:noFill/>
+                    </a:rPr>
+                    <a:t> </a:t>
+                  </a:r>
+                </a:p>
+              </p:txBody>
+            </p:sp>
+          </mc:Fallback>
+        </mc:AlternateContent>
+        <mc:AlternateContent xmlns:mc="http://schemas.openxmlformats.org/markup-compatibility/2006">
+          <mc:Choice xmlns:a14="http://schemas.microsoft.com/office/drawing/2010/main" Requires="a14">
+            <p:sp>
+              <p:nvSpPr>
+                <p:cNvPr id="63" name="TextBox 62"/>
+                <p:cNvSpPr txBox="1"/>
+                <p:nvPr/>
+              </p:nvSpPr>
+              <p:spPr>
+                <a:xfrm>
+                  <a:off x="5373418" y="1876114"/>
+                  <a:ext cx="294953" cy="276999"/>
+                </a:xfrm>
+                <a:prstGeom prst="rect">
+                  <a:avLst/>
+                </a:prstGeom>
+                <a:noFill/>
+              </p:spPr>
+              <p:txBody>
+                <a:bodyPr wrap="none" lIns="0" tIns="0" rIns="0" bIns="0" rtlCol="0">
+                  <a:spAutoFit/>
+                </a:bodyPr>
+                <a:lstStyle/>
+                <a:p>
+                  <a:pPr/>
+                  <a14:m>
+                    <m:oMathPara xmlns:m="http://schemas.openxmlformats.org/officeDocument/2006/math">
+                      <m:oMathParaPr>
+                        <m:jc m:val="centerGroup"/>
+                      </m:oMathParaPr>
+                      <m:oMath xmlns:m="http://schemas.openxmlformats.org/officeDocument/2006/math">
+                        <m:r>
+                          <a:rPr lang="en-US" b="0" i="1" smtClean="0">
+                            <a:latin typeface="Cambria Math" charset="0"/>
+                          </a:rPr>
+                          <m:t>𝑒</m:t>
+                        </m:r>
+                        <m:r>
+                          <a:rPr lang="en-US" b="0" i="1" smtClean="0">
+                            <a:latin typeface="Cambria Math" charset="0"/>
+                          </a:rPr>
+                          <m:t>4</m:t>
+                        </m:r>
+                      </m:oMath>
+                    </m:oMathPara>
+                  </a14:m>
+                  <a:endParaRPr lang="en-US" dirty="0" smtClean="0"/>
+                </a:p>
+              </p:txBody>
+            </p:sp>
+          </mc:Choice>
+          <mc:Fallback>
+            <p:sp>
+              <p:nvSpPr>
+                <p:cNvPr id="63" name="TextBox 62"/>
+                <p:cNvSpPr txBox="1">
+                  <a:spLocks noRot="1" noChangeAspect="1" noMove="1" noResize="1" noEditPoints="1" noAdjustHandles="1" noChangeArrowheads="1" noChangeShapeType="1" noTextEdit="1"/>
+                </p:cNvSpPr>
+                <p:nvPr/>
+              </p:nvSpPr>
+              <p:spPr>
+                <a:xfrm>
+                  <a:off x="5373418" y="1876114"/>
+                  <a:ext cx="294953" cy="276999"/>
+                </a:xfrm>
+                <a:prstGeom prst="rect">
+                  <a:avLst/>
+                </a:prstGeom>
+                <a:blipFill rotWithShape="0">
+                  <a:blip r:embed="rId5"/>
+                  <a:stretch>
+                    <a:fillRect l="-18367" r="-16327" b="-6667"/>
+                  </a:stretch>
+                </a:blipFill>
+              </p:spPr>
+              <p:txBody>
+                <a:bodyPr/>
+                <a:lstStyle/>
+                <a:p>
+                  <a:r>
+                    <a:rPr lang="en-US">
+                      <a:noFill/>
+                    </a:rPr>
+                    <a:t> </a:t>
+                  </a:r>
+                </a:p>
+              </p:txBody>
+            </p:sp>
+          </mc:Fallback>
+        </mc:AlternateContent>
+        <mc:AlternateContent xmlns:mc="http://schemas.openxmlformats.org/markup-compatibility/2006">
+          <mc:Choice xmlns:a14="http://schemas.microsoft.com/office/drawing/2010/main" Requires="a14">
+            <p:sp>
+              <p:nvSpPr>
+                <p:cNvPr id="65" name="TextBox 64"/>
+                <p:cNvSpPr txBox="1"/>
+                <p:nvPr/>
+              </p:nvSpPr>
+              <p:spPr>
+                <a:xfrm>
+                  <a:off x="6756245" y="2163406"/>
+                  <a:ext cx="294953" cy="276999"/>
+                </a:xfrm>
+                <a:prstGeom prst="rect">
+                  <a:avLst/>
+                </a:prstGeom>
+                <a:noFill/>
+              </p:spPr>
+              <p:txBody>
+                <a:bodyPr wrap="none" lIns="0" tIns="0" rIns="0" bIns="0" rtlCol="0">
+                  <a:spAutoFit/>
+                </a:bodyPr>
+                <a:lstStyle/>
+                <a:p>
+                  <a:pPr/>
+                  <a14:m>
+                    <m:oMathPara xmlns:m="http://schemas.openxmlformats.org/officeDocument/2006/math">
+                      <m:oMathParaPr>
+                        <m:jc m:val="centerGroup"/>
+                      </m:oMathParaPr>
+                      <m:oMath xmlns:m="http://schemas.openxmlformats.org/officeDocument/2006/math">
+                        <m:r>
+                          <a:rPr lang="en-US" b="0" i="1" smtClean="0">
+                            <a:latin typeface="Cambria Math" charset="0"/>
+                          </a:rPr>
+                          <m:t>𝑒</m:t>
+                        </m:r>
+                        <m:r>
+                          <a:rPr lang="en-US" b="0" i="1" smtClean="0">
+                            <a:latin typeface="Cambria Math" charset="0"/>
+                          </a:rPr>
+                          <m:t>7</m:t>
+                        </m:r>
+                      </m:oMath>
+                    </m:oMathPara>
+                  </a14:m>
+                  <a:endParaRPr lang="en-US" dirty="0" smtClean="0"/>
+                </a:p>
+              </p:txBody>
+            </p:sp>
+          </mc:Choice>
+          <mc:Fallback>
+            <p:sp>
+              <p:nvSpPr>
+                <p:cNvPr id="65" name="TextBox 64"/>
+                <p:cNvSpPr txBox="1">
+                  <a:spLocks noRot="1" noChangeAspect="1" noMove="1" noResize="1" noEditPoints="1" noAdjustHandles="1" noChangeArrowheads="1" noChangeShapeType="1" noTextEdit="1"/>
+                </p:cNvSpPr>
+                <p:nvPr/>
+              </p:nvSpPr>
+              <p:spPr>
+                <a:xfrm>
+                  <a:off x="6756245" y="2163406"/>
+                  <a:ext cx="294953" cy="276999"/>
+                </a:xfrm>
+                <a:prstGeom prst="rect">
+                  <a:avLst/>
+                </a:prstGeom>
+                <a:blipFill rotWithShape="0">
+                  <a:blip r:embed="rId6"/>
+                  <a:stretch>
+                    <a:fillRect l="-18367" r="-16327" b="-6667"/>
+                  </a:stretch>
+                </a:blipFill>
+              </p:spPr>
+              <p:txBody>
+                <a:bodyPr/>
+                <a:lstStyle/>
+                <a:p>
+                  <a:r>
+                    <a:rPr lang="en-US">
+                      <a:noFill/>
+                    </a:rPr>
+                    <a:t> </a:t>
+                  </a:r>
+                </a:p>
+              </p:txBody>
+            </p:sp>
+          </mc:Fallback>
+        </mc:AlternateContent>
+        <mc:AlternateContent xmlns:mc="http://schemas.openxmlformats.org/markup-compatibility/2006">
+          <mc:Choice xmlns:a14="http://schemas.microsoft.com/office/drawing/2010/main" Requires="a14">
+            <p:sp>
+              <p:nvSpPr>
+                <p:cNvPr id="66" name="TextBox 65"/>
+                <p:cNvSpPr txBox="1"/>
+                <p:nvPr/>
+              </p:nvSpPr>
+              <p:spPr>
+                <a:xfrm>
+                  <a:off x="6301275" y="1876114"/>
+                  <a:ext cx="294953" cy="276999"/>
+                </a:xfrm>
+                <a:prstGeom prst="rect">
+                  <a:avLst/>
+                </a:prstGeom>
+                <a:noFill/>
+              </p:spPr>
+              <p:txBody>
+                <a:bodyPr wrap="none" lIns="0" tIns="0" rIns="0" bIns="0" rtlCol="0">
+                  <a:spAutoFit/>
+                </a:bodyPr>
+                <a:lstStyle/>
+                <a:p>
+                  <a:pPr/>
+                  <a14:m>
+                    <m:oMathPara xmlns:m="http://schemas.openxmlformats.org/officeDocument/2006/math">
+                      <m:oMathParaPr>
+                        <m:jc m:val="centerGroup"/>
+                      </m:oMathParaPr>
+                      <m:oMath xmlns:m="http://schemas.openxmlformats.org/officeDocument/2006/math">
+                        <m:r>
+                          <a:rPr lang="en-US" b="0" i="1" smtClean="0">
+                            <a:latin typeface="Cambria Math" charset="0"/>
+                          </a:rPr>
+                          <m:t>𝑒</m:t>
+                        </m:r>
+                        <m:r>
+                          <a:rPr lang="en-US" b="0" i="1" smtClean="0">
+                            <a:latin typeface="Cambria Math" charset="0"/>
+                          </a:rPr>
+                          <m:t>8</m:t>
+                        </m:r>
+                      </m:oMath>
+                    </m:oMathPara>
+                  </a14:m>
+                  <a:endParaRPr lang="en-US" dirty="0" smtClean="0"/>
+                </a:p>
+              </p:txBody>
+            </p:sp>
+          </mc:Choice>
+          <mc:Fallback>
+            <p:sp>
+              <p:nvSpPr>
+                <p:cNvPr id="66" name="TextBox 65"/>
+                <p:cNvSpPr txBox="1">
+                  <a:spLocks noRot="1" noChangeAspect="1" noMove="1" noResize="1" noEditPoints="1" noAdjustHandles="1" noChangeArrowheads="1" noChangeShapeType="1" noTextEdit="1"/>
+                </p:cNvSpPr>
+                <p:nvPr/>
+              </p:nvSpPr>
+              <p:spPr>
+                <a:xfrm>
+                  <a:off x="6301275" y="1876114"/>
+                  <a:ext cx="294953" cy="276999"/>
+                </a:xfrm>
+                <a:prstGeom prst="rect">
+                  <a:avLst/>
+                </a:prstGeom>
+                <a:blipFill rotWithShape="0">
+                  <a:blip r:embed="rId7"/>
+                  <a:stretch>
+                    <a:fillRect l="-20833" r="-18750" b="-6667"/>
+                  </a:stretch>
+                </a:blipFill>
+              </p:spPr>
+              <p:txBody>
+                <a:bodyPr/>
+                <a:lstStyle/>
+                <a:p>
+                  <a:r>
+                    <a:rPr lang="en-US">
+                      <a:noFill/>
+                    </a:rPr>
+                    <a:t> </a:t>
+                  </a:r>
+                </a:p>
+              </p:txBody>
+            </p:sp>
+          </mc:Fallback>
+        </mc:AlternateContent>
+        <p:grpSp>
+          <p:nvGrpSpPr>
+            <p:cNvPr id="7" name="Group 6"/>
+            <p:cNvGrpSpPr/>
+            <p:nvPr/>
+          </p:nvGrpSpPr>
+          <p:grpSpPr>
+            <a:xfrm>
+              <a:off x="6032480" y="2425541"/>
+              <a:ext cx="1649298" cy="1785644"/>
+              <a:chOff x="6427902" y="2431637"/>
+              <a:chExt cx="1649298" cy="1785644"/>
+            </a:xfrm>
+          </p:grpSpPr>
+          <p:grpSp>
+            <p:nvGrpSpPr>
+              <p:cNvPr id="106" name="Group 105"/>
+              <p:cNvGrpSpPr/>
+              <p:nvPr/>
+            </p:nvGrpSpPr>
+            <p:grpSpPr>
+              <a:xfrm>
+                <a:off x="7121049" y="2635572"/>
+                <a:ext cx="509506" cy="1184482"/>
+                <a:chOff x="4422388" y="3319803"/>
+                <a:chExt cx="833540" cy="2253683"/>
+              </a:xfrm>
+            </p:grpSpPr>
+            <p:sp>
+              <p:nvSpPr>
+                <p:cNvPr id="112" name="Rectangle 111"/>
+                <p:cNvSpPr/>
+                <p:nvPr/>
+              </p:nvSpPr>
+              <p:spPr>
+                <a:xfrm>
+                  <a:off x="4422388" y="4953000"/>
+                  <a:ext cx="825651" cy="620486"/>
+                </a:xfrm>
+                <a:prstGeom prst="rect">
+                  <a:avLst/>
+                </a:prstGeom>
+                <a:solidFill>
+                  <a:schemeClr val="bg2">
+                    <a:lumMod val="90000"/>
+                  </a:schemeClr>
+                </a:solidFill>
+                <a:ln>
+                  <a:solidFill>
+                    <a:schemeClr val="tx1"/>
+                  </a:solidFill>
+                </a:ln>
+              </p:spPr>
+              <p:style>
+                <a:lnRef idx="2">
+                  <a:schemeClr val="accent1">
+                    <a:shade val="50000"/>
+                  </a:schemeClr>
+                </a:lnRef>
+                <a:fillRef idx="1">
+                  <a:schemeClr val="accent1"/>
+                </a:fillRef>
+                <a:effectRef idx="0">
+                  <a:schemeClr val="accent1"/>
+                </a:effectRef>
+                <a:fontRef idx="minor">
+                  <a:schemeClr val="lt1"/>
+                </a:fontRef>
+              </p:style>
+              <p:txBody>
+                <a:bodyPr rtlCol="0" anchor="ctr"/>
+                <a:lstStyle/>
+                <a:p>
+                  <a:pPr algn="ctr"/>
+                  <a:endParaRPr lang="en-US" sz="2000" dirty="0">
+                    <a:solidFill>
+                      <a:schemeClr val="tx1"/>
+                    </a:solidFill>
+                  </a:endParaRPr>
+                </a:p>
+              </p:txBody>
+            </p:sp>
+            <p:sp>
+              <p:nvSpPr>
+                <p:cNvPr id="114" name="Rectangle 113"/>
+                <p:cNvSpPr/>
+                <p:nvPr/>
+              </p:nvSpPr>
+              <p:spPr>
+                <a:xfrm>
+                  <a:off x="4430277" y="3319803"/>
+                  <a:ext cx="825651" cy="620487"/>
+                </a:xfrm>
+                <a:prstGeom prst="rect">
+                  <a:avLst/>
+                </a:prstGeom>
+                <a:solidFill>
+                  <a:schemeClr val="bg2">
+                    <a:lumMod val="90000"/>
+                  </a:schemeClr>
+                </a:solidFill>
+                <a:ln>
+                  <a:solidFill>
+                    <a:schemeClr val="tx1"/>
+                  </a:solidFill>
+                </a:ln>
+              </p:spPr>
+              <p:style>
+                <a:lnRef idx="2">
+                  <a:schemeClr val="accent1">
+                    <a:shade val="50000"/>
+                  </a:schemeClr>
+                </a:lnRef>
+                <a:fillRef idx="1">
+                  <a:schemeClr val="accent1"/>
+                </a:fillRef>
+                <a:effectRef idx="0">
+                  <a:schemeClr val="accent1"/>
+                </a:effectRef>
+                <a:fontRef idx="minor">
+                  <a:schemeClr val="lt1"/>
+                </a:fontRef>
+              </p:style>
+              <p:txBody>
+                <a:bodyPr rtlCol="0" anchor="ctr"/>
+                <a:lstStyle/>
+                <a:p>
+                  <a:pPr algn="ctr"/>
+                  <a:endParaRPr lang="en-US" sz="2000" dirty="0">
+                    <a:solidFill>
+                      <a:schemeClr val="tx1"/>
+                    </a:solidFill>
+                  </a:endParaRPr>
+                </a:p>
+              </p:txBody>
+            </p:sp>
+          </p:grpSp>
+          <p:cxnSp>
+            <p:nvCxnSpPr>
+              <p:cNvPr id="108" name="Straight Connector 107"/>
+              <p:cNvCxnSpPr>
+                <a:stCxn id="114" idx="2"/>
+                <a:endCxn id="112" idx="0"/>
+              </p:cNvCxnSpPr>
+              <p:nvPr/>
+            </p:nvCxnSpPr>
+            <p:spPr>
+              <a:xfrm flipH="1">
+                <a:off x="7373391" y="2961685"/>
+                <a:ext cx="4822" cy="532256"/>
+              </a:xfrm>
+              <a:prstGeom prst="line">
+                <a:avLst/>
+              </a:prstGeom>
+              <a:ln w="19050">
+                <a:solidFill>
+                  <a:schemeClr val="tx1"/>
+                </a:solidFill>
+              </a:ln>
+            </p:spPr>
+            <p:style>
+              <a:lnRef idx="1">
+                <a:schemeClr val="accent1"/>
+              </a:lnRef>
+              <a:fillRef idx="0">
+                <a:schemeClr val="accent1"/>
+              </a:fillRef>
+              <a:effectRef idx="0">
+                <a:schemeClr val="accent1"/>
+              </a:effectRef>
+              <a:fontRef idx="minor">
+                <a:schemeClr val="tx1"/>
+              </a:fontRef>
+            </p:style>
+          </p:cxnSp>
+          <p:sp>
+            <p:nvSpPr>
+              <p:cNvPr id="38" name="TextBox 37"/>
+              <p:cNvSpPr txBox="1"/>
+              <p:nvPr/>
+            </p:nvSpPr>
+            <p:spPr>
+              <a:xfrm>
+                <a:off x="7056585" y="3817171"/>
+                <a:ext cx="633611" cy="400110"/>
+              </a:xfrm>
+              <a:prstGeom prst="rect">
+                <a:avLst/>
+              </a:prstGeom>
+              <a:noFill/>
+            </p:spPr>
+            <p:txBody>
+              <a:bodyPr wrap="square" rtlCol="0">
+                <a:spAutoFit/>
+              </a:bodyPr>
+              <a:lstStyle/>
+              <a:p>
+                <a:pPr algn="ctr"/>
+                <a:r>
+                  <a:rPr lang="en-US" sz="2000" smtClean="0"/>
+                  <a:t>LP</a:t>
+                </a:r>
+                <a:endParaRPr lang="en-US" sz="2000" baseline="-25000" dirty="0"/>
+              </a:p>
+            </p:txBody>
+          </p:sp>
+          <p:sp>
+            <p:nvSpPr>
+              <p:cNvPr id="49" name="Rectangle 48"/>
+              <p:cNvSpPr/>
+              <p:nvPr/>
+            </p:nvSpPr>
+            <p:spPr>
+              <a:xfrm>
+                <a:off x="6624784" y="2431637"/>
+                <a:ext cx="1452416" cy="1748477"/>
+              </a:xfrm>
+              <a:prstGeom prst="rect">
+                <a:avLst/>
+              </a:prstGeom>
+              <a:noFill/>
+              <a:ln w="25400">
+                <a:solidFill>
+                  <a:schemeClr val="tx1"/>
+                </a:solidFill>
+                <a:prstDash val="sysDot"/>
+              </a:ln>
+            </p:spPr>
+            <p:style>
+              <a:lnRef idx="2">
+                <a:schemeClr val="accent1">
+                  <a:shade val="50000"/>
+                </a:schemeClr>
+              </a:lnRef>
+              <a:fillRef idx="1">
+                <a:schemeClr val="accent1"/>
+              </a:fillRef>
+              <a:effectRef idx="0">
+                <a:schemeClr val="accent1"/>
+              </a:effectRef>
+              <a:fontRef idx="minor">
+                <a:schemeClr val="lt1"/>
+              </a:fontRef>
+            </p:style>
+            <p:txBody>
+              <a:bodyPr rtlCol="0" anchor="ctr"/>
+              <a:lstStyle/>
+              <a:p>
+                <a:pPr algn="ctr"/>
+                <a:endParaRPr lang="en-US" sz="1600"/>
+              </a:p>
+            </p:txBody>
+          </p:sp>
+          <p:sp>
+            <p:nvSpPr>
+              <p:cNvPr id="32" name="TextBox 31"/>
+              <p:cNvSpPr txBox="1"/>
+              <p:nvPr/>
+            </p:nvSpPr>
+            <p:spPr>
+              <a:xfrm>
+                <a:off x="6427902" y="2431637"/>
+                <a:ext cx="703121" cy="400110"/>
+              </a:xfrm>
+              <a:prstGeom prst="rect">
+                <a:avLst/>
+              </a:prstGeom>
+              <a:noFill/>
+            </p:spPr>
+            <p:txBody>
+              <a:bodyPr wrap="square" rtlCol="0">
+                <a:spAutoFit/>
+              </a:bodyPr>
+              <a:lstStyle/>
+              <a:p>
+                <a:pPr algn="ctr"/>
+                <a:r>
+                  <a:rPr lang="en-US" sz="2000" dirty="0" smtClean="0"/>
+                  <a:t>Q</a:t>
+                </a:r>
+                <a:endParaRPr lang="en-US" sz="2000" baseline="-25000" dirty="0"/>
+              </a:p>
+            </p:txBody>
+          </p:sp>
+          <mc:AlternateContent xmlns:mc="http://schemas.openxmlformats.org/markup-compatibility/2006" xmlns:a14="http://schemas.microsoft.com/office/drawing/2010/main">
+            <mc:Choice Requires="a14">
+              <p:sp>
+                <p:nvSpPr>
+                  <p:cNvPr id="60" name="TextBox 59"/>
+                  <p:cNvSpPr txBox="1"/>
+                  <p:nvPr/>
+                </p:nvSpPr>
+                <p:spPr>
+                  <a:xfrm>
+                    <a:off x="7395243" y="3230174"/>
+                    <a:ext cx="294953" cy="276999"/>
+                  </a:xfrm>
+                  <a:prstGeom prst="rect">
+                    <a:avLst/>
+                  </a:prstGeom>
+                  <a:noFill/>
+                </p:spPr>
+                <p:txBody>
+                  <a:bodyPr wrap="none" lIns="0" tIns="0" rIns="0" bIns="0" rtlCol="0">
+                    <a:spAutoFit/>
+                  </a:bodyPr>
+                  <a:lstStyle/>
+                  <a:p>
+                    <a:pPr/>
+                    <a14:m>
+                      <m:oMathPara xmlns:m="http://schemas.openxmlformats.org/officeDocument/2006/math">
+                        <m:oMathParaPr>
+                          <m:jc m:val="centerGroup"/>
+                        </m:oMathParaPr>
+                        <m:oMath xmlns:m="http://schemas.openxmlformats.org/officeDocument/2006/math">
+                          <m:r>
+                            <a:rPr lang="en-US" b="0" i="1" smtClean="0">
+                              <a:latin typeface="Cambria Math" charset="0"/>
+                            </a:rPr>
+                            <m:t>𝑒</m:t>
+                          </m:r>
+                          <m:r>
+                            <a:rPr lang="en-US" b="0" i="1" smtClean="0">
+                              <a:latin typeface="Cambria Math" charset="0"/>
+                            </a:rPr>
+                            <m:t>5</m:t>
+                          </m:r>
+                        </m:oMath>
+                      </m:oMathPara>
+                    </a14:m>
+                    <a:endParaRPr lang="en-US" dirty="0" smtClean="0"/>
+                  </a:p>
+                </p:txBody>
+              </p:sp>
+            </mc:Choice>
+            <mc:Fallback xmlns="">
+              <p:sp>
+                <p:nvSpPr>
+                  <p:cNvPr id="60" name="TextBox 59"/>
+                  <p:cNvSpPr txBox="1">
+                    <a:spLocks noRot="1" noChangeAspect="1" noMove="1" noResize="1" noEditPoints="1" noAdjustHandles="1" noChangeArrowheads="1" noChangeShapeType="1" noTextEdit="1"/>
+                  </p:cNvSpPr>
+                  <p:nvPr/>
+                </p:nvSpPr>
+                <p:spPr>
+                  <a:xfrm>
+                    <a:off x="7395243" y="3230174"/>
+                    <a:ext cx="294953" cy="276999"/>
+                  </a:xfrm>
+                  <a:prstGeom prst="rect">
+                    <a:avLst/>
+                  </a:prstGeom>
+                  <a:blipFill rotWithShape="0">
+                    <a:blip r:embed="rId21"/>
+                    <a:stretch>
+                      <a:fillRect l="-20408" r="-18367" b="-8889"/>
+                    </a:stretch>
+                  </a:blipFill>
+                </p:spPr>
+                <p:txBody>
+                  <a:bodyPr/>
+                  <a:lstStyle/>
+                  <a:p>
+                    <a:r>
+                      <a:rPr lang="en-US">
+                        <a:noFill/>
+                      </a:rPr>
+                      <a:t> </a:t>
+                    </a:r>
+                  </a:p>
+                </p:txBody>
+              </p:sp>
+            </mc:Fallback>
+          </mc:AlternateContent>
+          <mc:AlternateContent xmlns:mc="http://schemas.openxmlformats.org/markup-compatibility/2006" xmlns:a14="http://schemas.microsoft.com/office/drawing/2010/main">
+            <mc:Choice Requires="a14">
+              <p:sp>
+                <p:nvSpPr>
+                  <p:cNvPr id="61" name="TextBox 60"/>
+                  <p:cNvSpPr txBox="1"/>
+                  <p:nvPr/>
+                </p:nvSpPr>
+                <p:spPr>
+                  <a:xfrm>
+                    <a:off x="7395243" y="2950328"/>
+                    <a:ext cx="294953" cy="276999"/>
+                  </a:xfrm>
+                  <a:prstGeom prst="rect">
+                    <a:avLst/>
+                  </a:prstGeom>
+                  <a:noFill/>
+                </p:spPr>
+                <p:txBody>
+                  <a:bodyPr wrap="none" lIns="0" tIns="0" rIns="0" bIns="0" rtlCol="0">
+                    <a:spAutoFit/>
+                  </a:bodyPr>
+                  <a:lstStyle/>
+                  <a:p>
+                    <a:pPr/>
+                    <a14:m>
+                      <m:oMathPara xmlns:m="http://schemas.openxmlformats.org/officeDocument/2006/math">
+                        <m:oMathParaPr>
+                          <m:jc m:val="centerGroup"/>
+                        </m:oMathParaPr>
+                        <m:oMath xmlns:m="http://schemas.openxmlformats.org/officeDocument/2006/math">
+                          <m:r>
+                            <a:rPr lang="en-US" b="0" i="1" smtClean="0">
+                              <a:latin typeface="Cambria Math" charset="0"/>
+                            </a:rPr>
+                            <m:t>𝑒</m:t>
+                          </m:r>
+                          <m:r>
+                            <a:rPr lang="en-US" b="0" i="1" smtClean="0">
+                              <a:latin typeface="Cambria Math" charset="0"/>
+                            </a:rPr>
+                            <m:t>6</m:t>
+                          </m:r>
+                        </m:oMath>
+                      </m:oMathPara>
+                    </a14:m>
+                    <a:endParaRPr lang="en-US" dirty="0" smtClean="0"/>
+                  </a:p>
+                </p:txBody>
+              </p:sp>
+            </mc:Choice>
+            <mc:Fallback xmlns="">
+              <p:sp>
+                <p:nvSpPr>
+                  <p:cNvPr id="61" name="TextBox 60"/>
+                  <p:cNvSpPr txBox="1">
+                    <a:spLocks noRot="1" noChangeAspect="1" noMove="1" noResize="1" noEditPoints="1" noAdjustHandles="1" noChangeArrowheads="1" noChangeShapeType="1" noTextEdit="1"/>
+                  </p:cNvSpPr>
+                  <p:nvPr/>
+                </p:nvSpPr>
+                <p:spPr>
+                  <a:xfrm>
+                    <a:off x="7395243" y="2950328"/>
+                    <a:ext cx="294953" cy="276999"/>
+                  </a:xfrm>
+                  <a:prstGeom prst="rect">
+                    <a:avLst/>
+                  </a:prstGeom>
+                  <a:blipFill rotWithShape="0">
+                    <a:blip r:embed="rId22"/>
+                    <a:stretch>
+                      <a:fillRect l="-18367" r="-18367" b="-6667"/>
+                    </a:stretch>
+                  </a:blipFill>
+                </p:spPr>
+                <p:txBody>
+                  <a:bodyPr/>
+                  <a:lstStyle/>
+                  <a:p>
+                    <a:r>
+                      <a:rPr lang="en-US">
+                        <a:noFill/>
+                      </a:rPr>
+                      <a:t> </a:t>
+                    </a:r>
+                  </a:p>
+                </p:txBody>
+              </p:sp>
+            </mc:Fallback>
+          </mc:AlternateContent>
+          <mc:AlternateContent xmlns:mc="http://schemas.openxmlformats.org/markup-compatibility/2006" xmlns:a14="http://schemas.microsoft.com/office/drawing/2010/main">
+            <mc:Choice Requires="a14">
+              <p:sp>
+                <p:nvSpPr>
+                  <p:cNvPr id="69" name="TextBox 68"/>
+                  <p:cNvSpPr txBox="1"/>
+                  <p:nvPr/>
+                </p:nvSpPr>
+                <p:spPr>
+                  <a:xfrm>
+                    <a:off x="7209915" y="2655847"/>
+                    <a:ext cx="326949" cy="276999"/>
+                  </a:xfrm>
+                  <a:prstGeom prst="rect">
+                    <a:avLst/>
+                  </a:prstGeom>
+                  <a:noFill/>
+                </p:spPr>
+                <p:txBody>
+                  <a:bodyPr wrap="none" lIns="0" tIns="0" rIns="0" bIns="0" rtlCol="0">
+                    <a:spAutoFit/>
+                  </a:bodyPr>
+                  <a:lstStyle/>
+                  <a:p>
+                    <a:pPr/>
+                    <a14:m>
+                      <m:oMathPara xmlns:m="http://schemas.openxmlformats.org/officeDocument/2006/math">
+                        <m:oMathParaPr>
+                          <m:jc m:val="centerGroup"/>
+                        </m:oMathParaPr>
+                        <m:oMath xmlns:m="http://schemas.openxmlformats.org/officeDocument/2006/math">
+                          <m:r>
+                            <a:rPr lang="en-US" b="0" i="1" smtClean="0">
+                              <a:latin typeface="Cambria Math" charset="0"/>
+                            </a:rPr>
+                            <m:t>𝐴𝐿</m:t>
+                          </m:r>
+                        </m:oMath>
+                      </m:oMathPara>
+                    </a14:m>
+                    <a:endParaRPr lang="en-US" dirty="0" smtClean="0"/>
+                  </a:p>
+                </p:txBody>
+              </p:sp>
+            </mc:Choice>
+            <mc:Fallback xmlns="">
+              <p:sp>
+                <p:nvSpPr>
+                  <p:cNvPr id="69" name="TextBox 68"/>
+                  <p:cNvSpPr txBox="1">
+                    <a:spLocks noRot="1" noChangeAspect="1" noMove="1" noResize="1" noEditPoints="1" noAdjustHandles="1" noChangeArrowheads="1" noChangeShapeType="1" noTextEdit="1"/>
+                  </p:cNvSpPr>
+                  <p:nvPr/>
+                </p:nvSpPr>
+                <p:spPr>
+                  <a:xfrm>
+                    <a:off x="7209915" y="2655847"/>
+                    <a:ext cx="326949" cy="276999"/>
+                  </a:xfrm>
+                  <a:prstGeom prst="rect">
+                    <a:avLst/>
+                  </a:prstGeom>
+                  <a:blipFill rotWithShape="0">
+                    <a:blip r:embed="rId23"/>
+                    <a:stretch>
+                      <a:fillRect l="-18868" r="-15094" b="-6667"/>
+                    </a:stretch>
+                  </a:blipFill>
+                </p:spPr>
+                <p:txBody>
+                  <a:bodyPr/>
+                  <a:lstStyle/>
+                  <a:p>
+                    <a:r>
+                      <a:rPr lang="en-US">
+                        <a:noFill/>
+                      </a:rPr>
+                      <a:t> </a:t>
+                    </a:r>
+                  </a:p>
+                </p:txBody>
+              </p:sp>
+            </mc:Fallback>
+          </mc:AlternateContent>
+          <mc:AlternateContent xmlns:mc="http://schemas.openxmlformats.org/markup-compatibility/2006" xmlns:a14="http://schemas.microsoft.com/office/drawing/2010/main">
+            <mc:Choice Requires="a14">
+              <p:sp>
+                <p:nvSpPr>
+                  <p:cNvPr id="70" name="TextBox 69"/>
+                  <p:cNvSpPr txBox="1"/>
+                  <p:nvPr/>
+                </p:nvSpPr>
+                <p:spPr>
+                  <a:xfrm>
+                    <a:off x="7230631" y="3530355"/>
+                    <a:ext cx="318933" cy="276999"/>
+                  </a:xfrm>
+                  <a:prstGeom prst="rect">
+                    <a:avLst/>
+                  </a:prstGeom>
+                  <a:noFill/>
+                </p:spPr>
+                <p:txBody>
+                  <a:bodyPr wrap="none" lIns="0" tIns="0" rIns="0" bIns="0" rtlCol="0">
+                    <a:spAutoFit/>
+                  </a:bodyPr>
+                  <a:lstStyle/>
+                  <a:p>
+                    <a:pPr/>
+                    <a14:m>
+                      <m:oMathPara xmlns:m="http://schemas.openxmlformats.org/officeDocument/2006/math">
+                        <m:oMathParaPr>
+                          <m:jc m:val="centerGroup"/>
+                        </m:oMathParaPr>
+                        <m:oMath xmlns:m="http://schemas.openxmlformats.org/officeDocument/2006/math">
+                          <m:r>
+                            <a:rPr lang="en-US" b="0" i="1" smtClean="0">
+                              <a:latin typeface="Cambria Math" charset="0"/>
+                            </a:rPr>
+                            <m:t>𝑇𝐿</m:t>
+                          </m:r>
+                        </m:oMath>
+                      </m:oMathPara>
+                    </a14:m>
+                    <a:endParaRPr lang="en-US" dirty="0" smtClean="0"/>
+                  </a:p>
+                </p:txBody>
+              </p:sp>
+            </mc:Choice>
+            <mc:Fallback xmlns="">
+              <p:sp>
+                <p:nvSpPr>
+                  <p:cNvPr id="70" name="TextBox 69"/>
+                  <p:cNvSpPr txBox="1">
+                    <a:spLocks noRot="1" noChangeAspect="1" noMove="1" noResize="1" noEditPoints="1" noAdjustHandles="1" noChangeArrowheads="1" noChangeShapeType="1" noTextEdit="1"/>
+                  </p:cNvSpPr>
+                  <p:nvPr/>
+                </p:nvSpPr>
+                <p:spPr>
+                  <a:xfrm>
+                    <a:off x="7230631" y="3530355"/>
+                    <a:ext cx="318933" cy="276999"/>
+                  </a:xfrm>
+                  <a:prstGeom prst="rect">
+                    <a:avLst/>
+                  </a:prstGeom>
+                  <a:blipFill rotWithShape="0">
+                    <a:blip r:embed="rId24"/>
+                    <a:stretch>
+                      <a:fillRect l="-17308" r="-15385" b="-4348"/>
+                    </a:stretch>
+                  </a:blipFill>
+                </p:spPr>
+                <p:txBody>
+                  <a:bodyPr/>
+                  <a:lstStyle/>
+                  <a:p>
+                    <a:r>
+                      <a:rPr lang="en-US">
+                        <a:noFill/>
+                      </a:rPr>
+                      <a:t> </a:t>
+                    </a:r>
+                  </a:p>
+                </p:txBody>
+              </p:sp>
+            </mc:Fallback>
+          </mc:AlternateContent>
+        </p:grpSp>
+        <p:grpSp>
+          <p:nvGrpSpPr>
+            <p:cNvPr id="6" name="Group 5"/>
+            <p:cNvGrpSpPr/>
+            <p:nvPr/>
+          </p:nvGrpSpPr>
+          <p:grpSpPr>
+            <a:xfrm>
+              <a:off x="4085846" y="2433089"/>
+              <a:ext cx="1684190" cy="1787477"/>
+              <a:chOff x="3665711" y="2433089"/>
+              <a:chExt cx="1684190" cy="1787477"/>
+            </a:xfrm>
+          </p:grpSpPr>
+          <p:grpSp>
+            <p:nvGrpSpPr>
+              <p:cNvPr id="99" name="Group 98"/>
+              <p:cNvGrpSpPr/>
+              <p:nvPr/>
+            </p:nvGrpSpPr>
+            <p:grpSpPr>
+              <a:xfrm>
+                <a:off x="4382036" y="2633123"/>
+                <a:ext cx="504684" cy="1208704"/>
+                <a:chOff x="4422388" y="3273718"/>
+                <a:chExt cx="825651" cy="2299768"/>
+              </a:xfrm>
+            </p:grpSpPr>
+            <p:grpSp>
+              <p:nvGrpSpPr>
+                <p:cNvPr id="124" name="Group 123"/>
+                <p:cNvGrpSpPr/>
+                <p:nvPr/>
+              </p:nvGrpSpPr>
+              <p:grpSpPr>
+                <a:xfrm>
+                  <a:off x="4422388" y="3273718"/>
+                  <a:ext cx="825651" cy="2299768"/>
+                  <a:chOff x="4422388" y="3273718"/>
+                  <a:chExt cx="825651" cy="2299768"/>
+                </a:xfrm>
+              </p:grpSpPr>
+              <p:sp>
+                <p:nvSpPr>
+                  <p:cNvPr id="130" name="Rectangle 129"/>
+                  <p:cNvSpPr/>
+                  <p:nvPr/>
+                </p:nvSpPr>
+                <p:spPr>
+                  <a:xfrm>
+                    <a:off x="4422388" y="4953000"/>
+                    <a:ext cx="825651" cy="620486"/>
+                  </a:xfrm>
+                  <a:prstGeom prst="rect">
+                    <a:avLst/>
+                  </a:prstGeom>
+                  <a:solidFill>
+                    <a:schemeClr val="bg2">
+                      <a:lumMod val="90000"/>
+                    </a:schemeClr>
+                  </a:solidFill>
+                  <a:ln>
+                    <a:solidFill>
+                      <a:schemeClr val="tx1"/>
+                    </a:solidFill>
+                  </a:ln>
+                </p:spPr>
+                <p:style>
+                  <a:lnRef idx="2">
+                    <a:schemeClr val="accent1">
+                      <a:shade val="50000"/>
+                    </a:schemeClr>
+                  </a:lnRef>
+                  <a:fillRef idx="1">
+                    <a:schemeClr val="accent1"/>
+                  </a:fillRef>
+                  <a:effectRef idx="0">
+                    <a:schemeClr val="accent1"/>
+                  </a:effectRef>
+                  <a:fontRef idx="minor">
+                    <a:schemeClr val="lt1"/>
+                  </a:fontRef>
+                </p:style>
+                <p:txBody>
+                  <a:bodyPr rtlCol="0" anchor="ctr"/>
+                  <a:lstStyle/>
+                  <a:p>
+                    <a:pPr algn="ctr"/>
+                    <a:endParaRPr lang="en-US" sz="2000" dirty="0">
+                      <a:solidFill>
+                        <a:schemeClr val="tx1"/>
+                      </a:solidFill>
+                    </a:endParaRPr>
+                  </a:p>
+                </p:txBody>
+              </p:sp>
+              <p:sp>
+                <p:nvSpPr>
+                  <p:cNvPr id="132" name="Rectangle 131"/>
+                  <p:cNvSpPr/>
+                  <p:nvPr/>
+                </p:nvSpPr>
+                <p:spPr>
+                  <a:xfrm>
+                    <a:off x="4422388" y="3273718"/>
+                    <a:ext cx="825651" cy="620486"/>
+                  </a:xfrm>
+                  <a:prstGeom prst="rect">
+                    <a:avLst/>
+                  </a:prstGeom>
+                  <a:solidFill>
+                    <a:schemeClr val="bg2">
+                      <a:lumMod val="90000"/>
+                    </a:schemeClr>
+                  </a:solidFill>
+                  <a:ln>
+                    <a:solidFill>
+                      <a:schemeClr val="tx1"/>
+                    </a:solidFill>
+                  </a:ln>
+                </p:spPr>
+                <p:style>
+                  <a:lnRef idx="2">
+                    <a:schemeClr val="accent1">
+                      <a:shade val="50000"/>
+                    </a:schemeClr>
+                  </a:lnRef>
+                  <a:fillRef idx="1">
+                    <a:schemeClr val="accent1"/>
+                  </a:fillRef>
+                  <a:effectRef idx="0">
+                    <a:schemeClr val="accent1"/>
+                  </a:effectRef>
+                  <a:fontRef idx="minor">
+                    <a:schemeClr val="lt1"/>
+                  </a:fontRef>
+                </p:style>
+                <p:txBody>
+                  <a:bodyPr rtlCol="0" anchor="ctr"/>
+                  <a:lstStyle/>
+                  <a:p>
+                    <a:pPr algn="ctr"/>
+                    <a:endParaRPr lang="en-US" sz="2000" dirty="0">
+                      <a:solidFill>
+                        <a:schemeClr val="tx1"/>
+                      </a:solidFill>
+                    </a:endParaRPr>
+                  </a:p>
+                </p:txBody>
+              </p:sp>
+            </p:grpSp>
+            <p:cxnSp>
+              <p:nvCxnSpPr>
+                <p:cNvPr id="126" name="Straight Connector 125"/>
+                <p:cNvCxnSpPr>
+                  <a:stCxn id="132" idx="2"/>
+                  <a:endCxn id="130" idx="0"/>
+                </p:cNvCxnSpPr>
+                <p:nvPr/>
+              </p:nvCxnSpPr>
+              <p:spPr>
+                <a:xfrm>
+                  <a:off x="4835214" y="3894204"/>
+                  <a:ext cx="0" cy="1058795"/>
+                </a:xfrm>
+                <a:prstGeom prst="line">
+                  <a:avLst/>
+                </a:prstGeom>
+                <a:ln w="19050">
+                  <a:solidFill>
+                    <a:schemeClr val="tx1"/>
+                  </a:solidFill>
+                </a:ln>
+              </p:spPr>
+              <p:style>
+                <a:lnRef idx="1">
+                  <a:schemeClr val="accent1"/>
+                </a:lnRef>
+                <a:fillRef idx="0">
+                  <a:schemeClr val="accent1"/>
+                </a:fillRef>
+                <a:effectRef idx="0">
+                  <a:schemeClr val="accent1"/>
+                </a:effectRef>
+                <a:fontRef idx="minor">
+                  <a:schemeClr val="tx1"/>
+                </a:fontRef>
+              </p:style>
+            </p:cxnSp>
+          </p:grpSp>
+          <p:sp>
+            <p:nvSpPr>
+              <p:cNvPr id="102" name="TextBox 101"/>
+              <p:cNvSpPr txBox="1"/>
+              <p:nvPr/>
+            </p:nvSpPr>
+            <p:spPr>
+              <a:xfrm>
+                <a:off x="4257121" y="3820456"/>
+                <a:ext cx="703121" cy="400110"/>
+              </a:xfrm>
+              <a:prstGeom prst="rect">
+                <a:avLst/>
+              </a:prstGeom>
+              <a:noFill/>
+            </p:spPr>
+            <p:txBody>
+              <a:bodyPr wrap="square" rtlCol="0">
+                <a:spAutoFit/>
+              </a:bodyPr>
+              <a:lstStyle/>
+              <a:p>
+                <a:pPr algn="ctr"/>
+                <a:r>
+                  <a:rPr lang="en-US" sz="2000" smtClean="0"/>
+                  <a:t>GP</a:t>
+                </a:r>
+                <a:endParaRPr lang="en-US" sz="2000" baseline="-25000" dirty="0"/>
+              </a:p>
+            </p:txBody>
+          </p:sp>
+          <p:sp>
+            <p:nvSpPr>
+              <p:cNvPr id="123" name="Rectangle 122"/>
+              <p:cNvSpPr/>
+              <p:nvPr/>
+            </p:nvSpPr>
+            <p:spPr>
+              <a:xfrm>
+                <a:off x="3867464" y="2433089"/>
+                <a:ext cx="1482437" cy="1747026"/>
+              </a:xfrm>
+              <a:prstGeom prst="rect">
+                <a:avLst/>
+              </a:prstGeom>
+              <a:noFill/>
+              <a:ln w="25400">
+                <a:solidFill>
+                  <a:schemeClr val="tx1"/>
+                </a:solidFill>
+                <a:prstDash val="sysDot"/>
+              </a:ln>
+            </p:spPr>
+            <p:style>
+              <a:lnRef idx="2">
+                <a:schemeClr val="accent1">
+                  <a:shade val="50000"/>
+                </a:schemeClr>
+              </a:lnRef>
+              <a:fillRef idx="1">
+                <a:schemeClr val="accent1"/>
+              </a:fillRef>
+              <a:effectRef idx="0">
+                <a:schemeClr val="accent1"/>
+              </a:effectRef>
+              <a:fontRef idx="minor">
+                <a:schemeClr val="lt1"/>
+              </a:fontRef>
+            </p:style>
+            <p:txBody>
+              <a:bodyPr rtlCol="0" anchor="ctr"/>
+              <a:lstStyle/>
+              <a:p>
+                <a:pPr algn="ctr"/>
+                <a:endParaRPr lang="en-US" sz="1600"/>
+              </a:p>
+            </p:txBody>
+          </p:sp>
+          <mc:AlternateContent xmlns:mc="http://schemas.openxmlformats.org/markup-compatibility/2006" xmlns:a14="http://schemas.microsoft.com/office/drawing/2010/main">
+            <mc:Choice Requires="a14">
+              <p:sp>
+                <p:nvSpPr>
+                  <p:cNvPr id="57" name="TextBox 56"/>
+                  <p:cNvSpPr txBox="1"/>
+                  <p:nvPr/>
+                </p:nvSpPr>
+                <p:spPr>
+                  <a:xfrm>
+                    <a:off x="4325317" y="3233021"/>
+                    <a:ext cx="294953" cy="276999"/>
+                  </a:xfrm>
+                  <a:prstGeom prst="rect">
+                    <a:avLst/>
+                  </a:prstGeom>
+                  <a:noFill/>
+                </p:spPr>
+                <p:txBody>
+                  <a:bodyPr wrap="none" lIns="0" tIns="0" rIns="0" bIns="0" rtlCol="0">
+                    <a:spAutoFit/>
+                  </a:bodyPr>
+                  <a:lstStyle/>
+                  <a:p>
+                    <a:pPr/>
+                    <a14:m>
+                      <m:oMathPara xmlns:m="http://schemas.openxmlformats.org/officeDocument/2006/math">
+                        <m:oMathParaPr>
+                          <m:jc m:val="centerGroup"/>
+                        </m:oMathParaPr>
+                        <m:oMath xmlns:m="http://schemas.openxmlformats.org/officeDocument/2006/math">
+                          <m:r>
+                            <a:rPr lang="en-US" b="0" i="1" smtClean="0">
+                              <a:latin typeface="Cambria Math" charset="0"/>
+                            </a:rPr>
+                            <m:t>𝑒</m:t>
+                          </m:r>
+                          <m:r>
+                            <a:rPr lang="en-US" b="0" i="1" smtClean="0">
+                              <a:latin typeface="Cambria Math" charset="0"/>
+                            </a:rPr>
+                            <m:t>1</m:t>
+                          </m:r>
+                        </m:oMath>
+                      </m:oMathPara>
+                    </a14:m>
+                    <a:endParaRPr lang="en-US" dirty="0" smtClean="0"/>
+                  </a:p>
+                </p:txBody>
+              </p:sp>
+            </mc:Choice>
+            <mc:Fallback xmlns="">
+              <p:sp>
+                <p:nvSpPr>
+                  <p:cNvPr id="57" name="TextBox 56"/>
+                  <p:cNvSpPr txBox="1">
+                    <a:spLocks noRot="1" noChangeAspect="1" noMove="1" noResize="1" noEditPoints="1" noAdjustHandles="1" noChangeArrowheads="1" noChangeShapeType="1" noTextEdit="1"/>
+                  </p:cNvSpPr>
+                  <p:nvPr/>
+                </p:nvSpPr>
+                <p:spPr>
+                  <a:xfrm>
+                    <a:off x="4325317" y="3233021"/>
+                    <a:ext cx="294953" cy="276999"/>
+                  </a:xfrm>
+                  <a:prstGeom prst="rect">
+                    <a:avLst/>
+                  </a:prstGeom>
+                  <a:blipFill rotWithShape="0">
+                    <a:blip r:embed="rId26"/>
+                    <a:stretch>
+                      <a:fillRect l="-20833" r="-18750" b="-6522"/>
+                    </a:stretch>
+                  </a:blipFill>
+                </p:spPr>
+                <p:txBody>
+                  <a:bodyPr/>
+                  <a:lstStyle/>
+                  <a:p>
+                    <a:r>
+                      <a:rPr lang="en-US">
+                        <a:noFill/>
+                      </a:rPr>
+                      <a:t> </a:t>
+                    </a:r>
+                  </a:p>
+                </p:txBody>
+              </p:sp>
+            </mc:Fallback>
+          </mc:AlternateContent>
+          <mc:AlternateContent xmlns:mc="http://schemas.openxmlformats.org/markup-compatibility/2006" xmlns:a14="http://schemas.microsoft.com/office/drawing/2010/main">
+            <mc:Choice Requires="a14">
+              <p:sp>
+                <p:nvSpPr>
+                  <p:cNvPr id="58" name="TextBox 57"/>
+                  <p:cNvSpPr txBox="1"/>
+                  <p:nvPr/>
+                </p:nvSpPr>
+                <p:spPr>
+                  <a:xfrm>
+                    <a:off x="4325317" y="2953175"/>
+                    <a:ext cx="294953" cy="276999"/>
+                  </a:xfrm>
+                  <a:prstGeom prst="rect">
+                    <a:avLst/>
+                  </a:prstGeom>
+                  <a:noFill/>
+                </p:spPr>
+                <p:txBody>
+                  <a:bodyPr wrap="none" lIns="0" tIns="0" rIns="0" bIns="0" rtlCol="0">
+                    <a:spAutoFit/>
+                  </a:bodyPr>
+                  <a:lstStyle/>
+                  <a:p>
+                    <a:pPr/>
+                    <a14:m>
+                      <m:oMathPara xmlns:m="http://schemas.openxmlformats.org/officeDocument/2006/math">
+                        <m:oMathParaPr>
+                          <m:jc m:val="centerGroup"/>
+                        </m:oMathParaPr>
+                        <m:oMath xmlns:m="http://schemas.openxmlformats.org/officeDocument/2006/math">
+                          <m:r>
+                            <a:rPr lang="en-US" b="0" i="1" smtClean="0">
+                              <a:latin typeface="Cambria Math" charset="0"/>
+                            </a:rPr>
+                            <m:t>𝑒</m:t>
+                          </m:r>
+                          <m:r>
+                            <a:rPr lang="en-US" b="0" i="1" smtClean="0">
+                              <a:latin typeface="Cambria Math" charset="0"/>
+                            </a:rPr>
+                            <m:t>2</m:t>
+                          </m:r>
+                        </m:oMath>
+                      </m:oMathPara>
+                    </a14:m>
+                    <a:endParaRPr lang="en-US" dirty="0" smtClean="0"/>
+                  </a:p>
+                </p:txBody>
+              </p:sp>
+            </mc:Choice>
+            <mc:Fallback xmlns="">
+              <p:sp>
+                <p:nvSpPr>
+                  <p:cNvPr id="58" name="TextBox 57"/>
+                  <p:cNvSpPr txBox="1">
+                    <a:spLocks noRot="1" noChangeAspect="1" noMove="1" noResize="1" noEditPoints="1" noAdjustHandles="1" noChangeArrowheads="1" noChangeShapeType="1" noTextEdit="1"/>
+                  </p:cNvSpPr>
+                  <p:nvPr/>
+                </p:nvSpPr>
+                <p:spPr>
+                  <a:xfrm>
+                    <a:off x="4325317" y="2953175"/>
+                    <a:ext cx="294953" cy="276999"/>
+                  </a:xfrm>
+                  <a:prstGeom prst="rect">
+                    <a:avLst/>
+                  </a:prstGeom>
+                  <a:blipFill rotWithShape="0">
+                    <a:blip r:embed="rId27"/>
+                    <a:stretch>
+                      <a:fillRect l="-20833" r="-18750" b="-6522"/>
+                    </a:stretch>
+                  </a:blipFill>
+                </p:spPr>
+                <p:txBody>
+                  <a:bodyPr/>
+                  <a:lstStyle/>
+                  <a:p>
+                    <a:r>
+                      <a:rPr lang="en-US">
+                        <a:noFill/>
+                      </a:rPr>
+                      <a:t> </a:t>
+                    </a:r>
+                  </a:p>
+                </p:txBody>
+              </p:sp>
+            </mc:Fallback>
+          </mc:AlternateContent>
+          <mc:AlternateContent xmlns:mc="http://schemas.openxmlformats.org/markup-compatibility/2006" xmlns:a14="http://schemas.microsoft.com/office/drawing/2010/main">
+            <mc:Choice Requires="a14">
+              <p:sp>
+                <p:nvSpPr>
+                  <p:cNvPr id="67" name="TextBox 66"/>
+                  <p:cNvSpPr txBox="1"/>
+                  <p:nvPr/>
+                </p:nvSpPr>
+                <p:spPr>
+                  <a:xfrm>
+                    <a:off x="4456989" y="2655848"/>
+                    <a:ext cx="354776" cy="276999"/>
+                  </a:xfrm>
+                  <a:prstGeom prst="rect">
+                    <a:avLst/>
+                  </a:prstGeom>
+                  <a:noFill/>
+                </p:spPr>
+                <p:txBody>
+                  <a:bodyPr wrap="none" lIns="0" tIns="0" rIns="0" bIns="0" rtlCol="0">
+                    <a:spAutoFit/>
+                  </a:bodyPr>
+                  <a:lstStyle/>
+                  <a:p>
+                    <a:pPr/>
+                    <a14:m>
+                      <m:oMathPara xmlns:m="http://schemas.openxmlformats.org/officeDocument/2006/math">
+                        <m:oMathParaPr>
+                          <m:jc m:val="centerGroup"/>
+                        </m:oMathParaPr>
+                        <m:oMath xmlns:m="http://schemas.openxmlformats.org/officeDocument/2006/math">
+                          <m:r>
+                            <a:rPr lang="en-US" b="0" i="1" smtClean="0">
+                              <a:latin typeface="Cambria Math" charset="0"/>
+                            </a:rPr>
+                            <m:t>𝐴𝐺</m:t>
+                          </m:r>
+                        </m:oMath>
+                      </m:oMathPara>
+                    </a14:m>
+                    <a:endParaRPr lang="en-US" dirty="0" smtClean="0"/>
+                  </a:p>
+                </p:txBody>
+              </p:sp>
+            </mc:Choice>
+            <mc:Fallback xmlns="">
+              <p:sp>
+                <p:nvSpPr>
+                  <p:cNvPr id="67" name="TextBox 66"/>
+                  <p:cNvSpPr txBox="1">
+                    <a:spLocks noRot="1" noChangeAspect="1" noMove="1" noResize="1" noEditPoints="1" noAdjustHandles="1" noChangeArrowheads="1" noChangeShapeType="1" noTextEdit="1"/>
+                  </p:cNvSpPr>
+                  <p:nvPr/>
+                </p:nvSpPr>
+                <p:spPr>
+                  <a:xfrm>
+                    <a:off x="4456989" y="2655848"/>
+                    <a:ext cx="354776" cy="276999"/>
+                  </a:xfrm>
+                  <a:prstGeom prst="rect">
+                    <a:avLst/>
+                  </a:prstGeom>
+                  <a:blipFill rotWithShape="0">
+                    <a:blip r:embed="rId28"/>
+                    <a:stretch>
+                      <a:fillRect l="-13793" r="-15517" b="-6667"/>
+                    </a:stretch>
+                  </a:blipFill>
+                </p:spPr>
+                <p:txBody>
+                  <a:bodyPr/>
+                  <a:lstStyle/>
+                  <a:p>
+                    <a:r>
+                      <a:rPr lang="en-US">
+                        <a:noFill/>
+                      </a:rPr>
+                      <a:t> </a:t>
+                    </a:r>
+                  </a:p>
+                </p:txBody>
+              </p:sp>
+            </mc:Fallback>
+          </mc:AlternateContent>
+          <mc:AlternateContent xmlns:mc="http://schemas.openxmlformats.org/markup-compatibility/2006" xmlns:a14="http://schemas.microsoft.com/office/drawing/2010/main">
+            <mc:Choice Requires="a14">
+              <p:sp>
+                <p:nvSpPr>
+                  <p:cNvPr id="68" name="TextBox 67"/>
+                  <p:cNvSpPr txBox="1"/>
+                  <p:nvPr/>
+                </p:nvSpPr>
+                <p:spPr>
+                  <a:xfrm>
+                    <a:off x="4456989" y="3556154"/>
+                    <a:ext cx="346762" cy="276999"/>
+                  </a:xfrm>
+                  <a:prstGeom prst="rect">
+                    <a:avLst/>
+                  </a:prstGeom>
+                  <a:noFill/>
+                </p:spPr>
+                <p:txBody>
+                  <a:bodyPr wrap="none" lIns="0" tIns="0" rIns="0" bIns="0" rtlCol="0">
+                    <a:spAutoFit/>
+                  </a:bodyPr>
+                  <a:lstStyle/>
+                  <a:p>
+                    <a:pPr/>
+                    <a14:m>
+                      <m:oMathPara xmlns:m="http://schemas.openxmlformats.org/officeDocument/2006/math">
+                        <m:oMathParaPr>
+                          <m:jc m:val="centerGroup"/>
+                        </m:oMathParaPr>
+                        <m:oMath xmlns:m="http://schemas.openxmlformats.org/officeDocument/2006/math">
+                          <m:r>
+                            <a:rPr lang="en-US" b="0" i="1" smtClean="0">
+                              <a:latin typeface="Cambria Math" charset="0"/>
+                            </a:rPr>
+                            <m:t>𝑇𝐺</m:t>
+                          </m:r>
+                        </m:oMath>
+                      </m:oMathPara>
+                    </a14:m>
+                    <a:endParaRPr lang="en-US" dirty="0" smtClean="0"/>
+                  </a:p>
+                </p:txBody>
+              </p:sp>
+            </mc:Choice>
+            <mc:Fallback xmlns="">
+              <p:sp>
+                <p:nvSpPr>
+                  <p:cNvPr id="68" name="TextBox 67"/>
+                  <p:cNvSpPr txBox="1">
+                    <a:spLocks noRot="1" noChangeAspect="1" noMove="1" noResize="1" noEditPoints="1" noAdjustHandles="1" noChangeArrowheads="1" noChangeShapeType="1" noTextEdit="1"/>
+                  </p:cNvSpPr>
+                  <p:nvPr/>
+                </p:nvSpPr>
+                <p:spPr>
+                  <a:xfrm>
+                    <a:off x="4456989" y="3556154"/>
+                    <a:ext cx="346762" cy="276999"/>
+                  </a:xfrm>
+                  <a:prstGeom prst="rect">
+                    <a:avLst/>
+                  </a:prstGeom>
+                  <a:blipFill rotWithShape="0">
+                    <a:blip r:embed="rId29"/>
+                    <a:stretch>
+                      <a:fillRect l="-14035" r="-15789" b="-6522"/>
+                    </a:stretch>
+                  </a:blipFill>
+                </p:spPr>
+                <p:txBody>
+                  <a:bodyPr/>
+                  <a:lstStyle/>
+                  <a:p>
+                    <a:r>
+                      <a:rPr lang="en-US">
+                        <a:noFill/>
+                      </a:rPr>
+                      <a:t> </a:t>
+                    </a:r>
+                  </a:p>
+                </p:txBody>
+              </p:sp>
+            </mc:Fallback>
+          </mc:AlternateContent>
+          <p:sp>
+            <p:nvSpPr>
+              <p:cNvPr id="72" name="TextBox 71"/>
+              <p:cNvSpPr txBox="1"/>
+              <p:nvPr/>
+            </p:nvSpPr>
+            <p:spPr>
+              <a:xfrm>
+                <a:off x="3665711" y="2440405"/>
+                <a:ext cx="703121" cy="400110"/>
+              </a:xfrm>
+              <a:prstGeom prst="rect">
+                <a:avLst/>
+              </a:prstGeom>
+              <a:noFill/>
+            </p:spPr>
+            <p:txBody>
+              <a:bodyPr wrap="square" rtlCol="0">
+                <a:spAutoFit/>
+              </a:bodyPr>
+              <a:lstStyle/>
+              <a:p>
+                <a:pPr algn="ctr"/>
+                <a:r>
+                  <a:rPr lang="en-US" sz="2000" smtClean="0"/>
+                  <a:t>P</a:t>
+                </a:r>
+                <a:endParaRPr lang="en-US" sz="2000" baseline="-25000" dirty="0"/>
+              </a:p>
+            </p:txBody>
+          </p:sp>
+        </p:grpSp>
+        <p:sp>
+          <p:nvSpPr>
+            <p:cNvPr id="82" name="Rectangle 81"/>
+            <p:cNvSpPr/>
+            <p:nvPr/>
+          </p:nvSpPr>
+          <p:spPr>
+            <a:xfrm>
+              <a:off x="5748016" y="1657930"/>
+              <a:ext cx="504684" cy="326113"/>
+            </a:xfrm>
+            <a:prstGeom prst="rect">
+              <a:avLst/>
+            </a:prstGeom>
+            <a:solidFill>
+              <a:schemeClr val="bg2">
+                <a:lumMod val="90000"/>
+              </a:schemeClr>
+            </a:solidFill>
+            <a:ln>
+              <a:solidFill>
+                <a:schemeClr val="tx1"/>
+              </a:solidFill>
+            </a:ln>
+          </p:spPr>
+          <p:style>
+            <a:lnRef idx="2">
+              <a:schemeClr val="accent1">
+                <a:shade val="50000"/>
+              </a:schemeClr>
+            </a:lnRef>
+            <a:fillRef idx="1">
+              <a:schemeClr val="accent1"/>
+            </a:fillRef>
+            <a:effectRef idx="0">
+              <a:schemeClr val="accent1"/>
+            </a:effectRef>
+            <a:fontRef idx="minor">
+              <a:schemeClr val="lt1"/>
+            </a:fontRef>
+          </p:style>
+          <p:txBody>
+            <a:bodyPr rtlCol="0" anchor="ctr"/>
+            <a:lstStyle/>
+            <a:p>
+              <a:pPr algn="ctr"/>
+              <a:endParaRPr lang="en-US" sz="2000" dirty="0">
+                <a:solidFill>
+                  <a:schemeClr val="tx1"/>
+                </a:solidFill>
+              </a:endParaRPr>
+            </a:p>
+          </p:txBody>
+        </p:sp>
+        <mc:AlternateContent xmlns:mc="http://schemas.openxmlformats.org/markup-compatibility/2006">
+          <mc:Choice xmlns:a14="http://schemas.microsoft.com/office/drawing/2010/main" Requires="a14">
+            <p:sp>
+              <p:nvSpPr>
+                <p:cNvPr id="83" name="TextBox 82"/>
+                <p:cNvSpPr txBox="1"/>
+                <p:nvPr/>
+              </p:nvSpPr>
+              <p:spPr>
+                <a:xfrm>
+                  <a:off x="5908029" y="1682486"/>
+                  <a:ext cx="179215" cy="276999"/>
+                </a:xfrm>
+                <a:prstGeom prst="rect">
+                  <a:avLst/>
+                </a:prstGeom>
+                <a:noFill/>
+              </p:spPr>
+              <p:txBody>
+                <a:bodyPr wrap="none" lIns="0" tIns="0" rIns="0" bIns="0" rtlCol="0">
+                  <a:spAutoFit/>
+                </a:bodyPr>
+                <a:lstStyle/>
+                <a:p>
+                  <a:pPr/>
+                  <a14:m>
+                    <m:oMathPara xmlns:m="http://schemas.openxmlformats.org/officeDocument/2006/math">
+                      <m:oMathParaPr>
+                        <m:jc m:val="centerGroup"/>
+                      </m:oMathParaPr>
+                      <m:oMath xmlns:m="http://schemas.openxmlformats.org/officeDocument/2006/math">
+                        <m:r>
+                          <a:rPr lang="en-US" b="0" i="1" smtClean="0">
+                            <a:latin typeface="Cambria Math" charset="0"/>
+                          </a:rPr>
+                          <m:t>𝑆</m:t>
+                        </m:r>
+                      </m:oMath>
+                    </m:oMathPara>
+                  </a14:m>
+                  <a:endParaRPr lang="en-US" dirty="0" smtClean="0"/>
+                </a:p>
+              </p:txBody>
+            </p:sp>
+          </mc:Choice>
+          <mc:Fallback>
+            <p:sp>
+              <p:nvSpPr>
+                <p:cNvPr id="83" name="TextBox 82"/>
+                <p:cNvSpPr txBox="1">
+                  <a:spLocks noRot="1" noChangeAspect="1" noMove="1" noResize="1" noEditPoints="1" noAdjustHandles="1" noChangeArrowheads="1" noChangeShapeType="1" noTextEdit="1"/>
+                </p:cNvSpPr>
+                <p:nvPr/>
+              </p:nvSpPr>
+              <p:spPr>
+                <a:xfrm>
+                  <a:off x="5908029" y="1682486"/>
+                  <a:ext cx="179215" cy="276999"/>
+                </a:xfrm>
+                <a:prstGeom prst="rect">
+                  <a:avLst/>
+                </a:prstGeom>
+                <a:blipFill rotWithShape="0">
+                  <a:blip r:embed="rId30"/>
+                  <a:stretch>
+                    <a:fillRect l="-30000" r="-26667" b="-6667"/>
+                  </a:stretch>
+                </a:blipFill>
+              </p:spPr>
+              <p:txBody>
+                <a:bodyPr/>
+                <a:lstStyle/>
+                <a:p>
+                  <a:r>
+                    <a:rPr lang="en-US">
+                      <a:noFill/>
+                    </a:rPr>
+                    <a:t> </a:t>
+                  </a:r>
+                </a:p>
+              </p:txBody>
+            </p:sp>
+          </mc:Fallback>
+        </mc:AlternateContent>
+      </p:grpSp>
+      <mc:AlternateContent xmlns:mc="http://schemas.openxmlformats.org/markup-compatibility/2006">
+        <mc:Choice xmlns:a14="http://schemas.microsoft.com/office/drawing/2010/main" Requires="a14">
+          <p:sp>
+            <p:nvSpPr>
+              <p:cNvPr id="84" name="TextBox 83"/>
+              <p:cNvSpPr txBox="1"/>
+              <p:nvPr/>
+            </p:nvSpPr>
+            <p:spPr>
+              <a:xfrm>
+                <a:off x="4499456" y="1374592"/>
+                <a:ext cx="1110112" cy="276999"/>
+              </a:xfrm>
+              <a:prstGeom prst="rect">
+                <a:avLst/>
+              </a:prstGeom>
+              <a:noFill/>
+            </p:spPr>
+            <p:txBody>
+              <a:bodyPr wrap="none" lIns="0" tIns="0" rIns="0" bIns="0" rtlCol="0">
+                <a:spAutoFit/>
+              </a:bodyPr>
+              <a:lstStyle/>
+              <a:p>
+                <a:pPr/>
+                <a14:m>
+                  <m:oMathPara xmlns:m="http://schemas.openxmlformats.org/officeDocument/2006/math">
+                    <m:oMathParaPr>
+                      <m:jc m:val="centerGroup"/>
+                    </m:oMathParaPr>
+                    <m:oMath xmlns:m="http://schemas.openxmlformats.org/officeDocument/2006/math">
+                      <m:r>
+                        <a:rPr lang="en-US" b="0" i="1" smtClean="0">
+                          <a:latin typeface="Cambria Math" charset="0"/>
+                        </a:rPr>
+                        <m:t>𝑚𝑖𝑛𝑐𝑢𝑡</m:t>
+                      </m:r>
+                      <m:r>
+                        <a:rPr lang="en-US" b="0" i="1" smtClean="0">
+                          <a:latin typeface="Cambria Math" charset="0"/>
+                        </a:rPr>
+                        <m:t>(1)</m:t>
+                      </m:r>
+                    </m:oMath>
+                  </m:oMathPara>
+                </a14:m>
+                <a:endParaRPr lang="en-US" dirty="0" smtClean="0"/>
+              </a:p>
+            </p:txBody>
+          </p:sp>
+        </mc:Choice>
+        <mc:Fallback>
+          <p:sp>
+            <p:nvSpPr>
+              <p:cNvPr id="84" name="TextBox 83"/>
+              <p:cNvSpPr txBox="1">
+                <a:spLocks noRot="1" noChangeAspect="1" noMove="1" noResize="1" noEditPoints="1" noAdjustHandles="1" noChangeArrowheads="1" noChangeShapeType="1" noTextEdit="1"/>
+              </p:cNvSpPr>
+              <p:nvPr/>
+            </p:nvSpPr>
+            <p:spPr>
+              <a:xfrm>
+                <a:off x="4499456" y="1374592"/>
+                <a:ext cx="1110112" cy="276999"/>
+              </a:xfrm>
+              <a:prstGeom prst="rect">
+                <a:avLst/>
+              </a:prstGeom>
+              <a:blipFill rotWithShape="0">
+                <a:blip r:embed="rId31"/>
+                <a:stretch>
+                  <a:fillRect l="-4396" t="-2174" r="-7692" b="-32609"/>
+                </a:stretch>
+              </a:blipFill>
+            </p:spPr>
+            <p:txBody>
+              <a:bodyPr/>
+              <a:lstStyle/>
+              <a:p>
+                <a:r>
+                  <a:rPr lang="en-US">
+                    <a:noFill/>
+                  </a:rPr>
+                  <a:t> </a:t>
+                </a:r>
+              </a:p>
+            </p:txBody>
+          </p:sp>
+        </mc:Fallback>
+      </mc:AlternateContent>
+      <mc:AlternateContent xmlns:mc="http://schemas.openxmlformats.org/markup-compatibility/2006">
+        <mc:Choice xmlns:a14="http://schemas.microsoft.com/office/drawing/2010/main" Requires="a14">
+          <p:sp>
+            <p:nvSpPr>
+              <p:cNvPr id="85" name="TextBox 84"/>
+              <p:cNvSpPr txBox="1"/>
+              <p:nvPr/>
+            </p:nvSpPr>
+            <p:spPr>
+              <a:xfrm>
+                <a:off x="6439619" y="1377672"/>
+                <a:ext cx="1110112" cy="276999"/>
+              </a:xfrm>
+              <a:prstGeom prst="rect">
+                <a:avLst/>
+              </a:prstGeom>
+              <a:noFill/>
+            </p:spPr>
+            <p:txBody>
+              <a:bodyPr wrap="none" lIns="0" tIns="0" rIns="0" bIns="0" rtlCol="0">
+                <a:spAutoFit/>
+              </a:bodyPr>
+              <a:lstStyle/>
+              <a:p>
+                <a:pPr/>
+                <a14:m>
+                  <m:oMathPara xmlns:m="http://schemas.openxmlformats.org/officeDocument/2006/math">
+                    <m:oMathParaPr>
+                      <m:jc m:val="centerGroup"/>
+                    </m:oMathParaPr>
+                    <m:oMath xmlns:m="http://schemas.openxmlformats.org/officeDocument/2006/math">
+                      <m:r>
+                        <a:rPr lang="en-US" b="0" i="1" smtClean="0">
+                          <a:latin typeface="Cambria Math" charset="0"/>
+                        </a:rPr>
+                        <m:t>𝑚𝑖𝑛𝑐𝑢𝑡</m:t>
+                      </m:r>
+                      <m:r>
+                        <a:rPr lang="en-US" b="0" i="1" smtClean="0">
+                          <a:latin typeface="Cambria Math" charset="0"/>
+                        </a:rPr>
+                        <m:t>(1)</m:t>
+                      </m:r>
+                    </m:oMath>
+                  </m:oMathPara>
+                </a14:m>
+                <a:endParaRPr lang="en-US" dirty="0" smtClean="0"/>
+              </a:p>
+            </p:txBody>
+          </p:sp>
+        </mc:Choice>
+        <mc:Fallback>
+          <p:sp>
+            <p:nvSpPr>
+              <p:cNvPr id="85" name="TextBox 84"/>
+              <p:cNvSpPr txBox="1">
+                <a:spLocks noRot="1" noChangeAspect="1" noMove="1" noResize="1" noEditPoints="1" noAdjustHandles="1" noChangeArrowheads="1" noChangeShapeType="1" noTextEdit="1"/>
+              </p:cNvSpPr>
+              <p:nvPr/>
+            </p:nvSpPr>
+            <p:spPr>
+              <a:xfrm>
+                <a:off x="6439619" y="1377672"/>
+                <a:ext cx="1110112" cy="276999"/>
+              </a:xfrm>
+              <a:prstGeom prst="rect">
+                <a:avLst/>
+              </a:prstGeom>
+              <a:blipFill rotWithShape="0">
+                <a:blip r:embed="rId32"/>
+                <a:stretch>
+                  <a:fillRect l="-4396" t="-2222" r="-7692" b="-35556"/>
+                </a:stretch>
+              </a:blipFill>
+            </p:spPr>
+            <p:txBody>
+              <a:bodyPr/>
+              <a:lstStyle/>
+              <a:p>
+                <a:r>
+                  <a:rPr lang="en-US">
+                    <a:noFill/>
+                  </a:rPr>
+                  <a:t> </a:t>
+                </a:r>
+              </a:p>
+            </p:txBody>
+          </p:sp>
+        </mc:Fallback>
+      </mc:AlternateContent>
+      <p:grpSp>
+        <p:nvGrpSpPr>
+          <p:cNvPr id="11" name="Group 10"/>
+          <p:cNvGrpSpPr/>
+          <p:nvPr/>
+        </p:nvGrpSpPr>
+        <p:grpSpPr>
+          <a:xfrm>
+            <a:off x="7951150" y="2274766"/>
+            <a:ext cx="2748944" cy="1925417"/>
+            <a:chOff x="8006240" y="1952431"/>
+            <a:chExt cx="2748944" cy="1925417"/>
+          </a:xfrm>
+        </p:grpSpPr>
+        <mc:AlternateContent xmlns:mc="http://schemas.openxmlformats.org/markup-compatibility/2006">
+          <mc:Choice xmlns:a14="http://schemas.microsoft.com/office/drawing/2010/main" Requires="a14">
             <p:sp>
               <p:nvSpPr>
                 <p:cNvPr id="2" name="TextBox 1"/>
@@ -19739,7 +21970,7 @@
               </p:nvSpPr>
               <p:spPr>
                 <a:xfrm>
-                  <a:off x="8488695" y="1190742"/>
+                  <a:off x="8006240" y="1980071"/>
                   <a:ext cx="898195" cy="276999"/>
                 </a:xfrm>
                 <a:prstGeom prst="rect">
@@ -19786,7 +22017,7 @@
               </p:txBody>
             </p:sp>
           </mc:Choice>
-          <mc:Fallback xmlns="">
+          <mc:Fallback>
             <p:sp>
               <p:nvSpPr>
                 <p:cNvPr id="2" name="TextBox 1"/>
@@ -19797,16 +22028,16 @@
               </p:nvSpPr>
               <p:spPr>
                 <a:xfrm>
-                  <a:off x="8488695" y="1190742"/>
+                  <a:off x="8006240" y="1980071"/>
                   <a:ext cx="898195" cy="276999"/>
                 </a:xfrm>
                 <a:prstGeom prst="rect">
                   <a:avLst/>
                 </a:prstGeom>
                 <a:blipFill rotWithShape="0">
-                  <a:blip r:embed="rId2"/>
+                  <a:blip r:embed="rId33"/>
                   <a:stretch>
-                    <a:fillRect l="-5405" r="-4730" b="-6522"/>
+                    <a:fillRect l="-5405" r="-4730" b="-6667"/>
                   </a:stretch>
                 </a:blipFill>
               </p:spPr>
@@ -19825,8 +22056,8 @@
             </p:sp>
           </mc:Fallback>
         </mc:AlternateContent>
-        <mc:AlternateContent xmlns:mc="http://schemas.openxmlformats.org/markup-compatibility/2006" xmlns:a14="http://schemas.microsoft.com/office/drawing/2010/main">
-          <mc:Choice Requires="a14">
+        <mc:AlternateContent xmlns:mc="http://schemas.openxmlformats.org/markup-compatibility/2006">
+          <mc:Choice xmlns:a14="http://schemas.microsoft.com/office/drawing/2010/main" Requires="a14">
             <p:sp>
               <p:nvSpPr>
                 <p:cNvPr id="34" name="TextBox 33"/>
@@ -19835,7 +22066,7 @@
               </p:nvSpPr>
               <p:spPr>
                 <a:xfrm>
-                  <a:off x="8496710" y="1491366"/>
+                  <a:off x="8014255" y="2280695"/>
                   <a:ext cx="890180" cy="276999"/>
                 </a:xfrm>
                 <a:prstGeom prst="rect">
@@ -19882,7 +22113,7 @@
               </p:txBody>
             </p:sp>
           </mc:Choice>
-          <mc:Fallback xmlns="">
+          <mc:Fallback>
             <p:sp>
               <p:nvSpPr>
                 <p:cNvPr id="34" name="TextBox 33"/>
@@ -19893,16 +22124,16 @@
               </p:nvSpPr>
               <p:spPr>
                 <a:xfrm>
-                  <a:off x="8496710" y="1491366"/>
+                  <a:off x="8014255" y="2280695"/>
                   <a:ext cx="890180" cy="276999"/>
                 </a:xfrm>
                 <a:prstGeom prst="rect">
                   <a:avLst/>
                 </a:prstGeom>
                 <a:blipFill rotWithShape="0">
-                  <a:blip r:embed="rId3"/>
+                  <a:blip r:embed="rId34"/>
                   <a:stretch>
-                    <a:fillRect l="-6164" r="-4795" b="-6667"/>
+                    <a:fillRect l="-6164" r="-4795" b="-8889"/>
                   </a:stretch>
                 </a:blipFill>
               </p:spPr>
@@ -19921,8 +22152,8 @@
             </p:sp>
           </mc:Fallback>
         </mc:AlternateContent>
-        <mc:AlternateContent xmlns:mc="http://schemas.openxmlformats.org/markup-compatibility/2006" xmlns:a14="http://schemas.microsoft.com/office/drawing/2010/main">
-          <mc:Choice Requires="a14">
+        <mc:AlternateContent xmlns:mc="http://schemas.openxmlformats.org/markup-compatibility/2006">
+          <mc:Choice xmlns:a14="http://schemas.microsoft.com/office/drawing/2010/main" Requires="a14">
             <p:sp>
               <p:nvSpPr>
                 <p:cNvPr id="35" name="TextBox 34"/>
@@ -19931,7 +22162,7 @@
               </p:nvSpPr>
               <p:spPr>
                 <a:xfrm>
-                  <a:off x="8488695" y="1811480"/>
+                  <a:off x="8006240" y="2600809"/>
                   <a:ext cx="870366" cy="276999"/>
                 </a:xfrm>
                 <a:prstGeom prst="rect">
@@ -19978,7 +22209,7 @@
               </p:txBody>
             </p:sp>
           </mc:Choice>
-          <mc:Fallback xmlns="">
+          <mc:Fallback>
             <p:sp>
               <p:nvSpPr>
                 <p:cNvPr id="35" name="TextBox 34"/>
@@ -19989,16 +22220,16 @@
               </p:nvSpPr>
               <p:spPr>
                 <a:xfrm>
-                  <a:off x="8488695" y="1811480"/>
+                  <a:off x="8006240" y="2600809"/>
                   <a:ext cx="870366" cy="276999"/>
                 </a:xfrm>
                 <a:prstGeom prst="rect">
                   <a:avLst/>
                 </a:prstGeom>
                 <a:blipFill rotWithShape="0">
-                  <a:blip r:embed="rId4"/>
+                  <a:blip r:embed="rId35"/>
                   <a:stretch>
-                    <a:fillRect l="-6294" r="-5594" b="-6522"/>
+                    <a:fillRect l="-6294" r="-5594" b="-8889"/>
                   </a:stretch>
                 </a:blipFill>
               </p:spPr>
@@ -20017,8 +22248,8 @@
             </p:sp>
           </mc:Fallback>
         </mc:AlternateContent>
-        <mc:AlternateContent xmlns:mc="http://schemas.openxmlformats.org/markup-compatibility/2006" xmlns:a14="http://schemas.microsoft.com/office/drawing/2010/main">
-          <mc:Choice Requires="a14">
+        <mc:AlternateContent xmlns:mc="http://schemas.openxmlformats.org/markup-compatibility/2006">
+          <mc:Choice xmlns:a14="http://schemas.microsoft.com/office/drawing/2010/main" Requires="a14">
             <p:sp>
               <p:nvSpPr>
                 <p:cNvPr id="36" name="TextBox 35"/>
@@ -20027,7 +22258,7 @@
               </p:nvSpPr>
               <p:spPr>
                 <a:xfrm>
-                  <a:off x="8488695" y="2136232"/>
+                  <a:off x="8006240" y="2925561"/>
                   <a:ext cx="870366" cy="276999"/>
                 </a:xfrm>
                 <a:prstGeom prst="rect">
@@ -20074,7 +22305,7 @@
               </p:txBody>
             </p:sp>
           </mc:Choice>
-          <mc:Fallback xmlns="">
+          <mc:Fallback>
             <p:sp>
               <p:nvSpPr>
                 <p:cNvPr id="36" name="TextBox 35"/>
@@ -20085,16 +22316,16 @@
               </p:nvSpPr>
               <p:spPr>
                 <a:xfrm>
-                  <a:off x="8488695" y="2136232"/>
+                  <a:off x="8006240" y="2925561"/>
                   <a:ext cx="870366" cy="276999"/>
                 </a:xfrm>
                 <a:prstGeom prst="rect">
                   <a:avLst/>
                 </a:prstGeom>
                 <a:blipFill rotWithShape="0">
-                  <a:blip r:embed="rId5"/>
+                  <a:blip r:embed="rId36"/>
                   <a:stretch>
-                    <a:fillRect l="-4895" r="-4895" b="-6522"/>
+                    <a:fillRect l="-4895" r="-4895" b="-6667"/>
                   </a:stretch>
                 </a:blipFill>
               </p:spPr>
@@ -20113,8 +22344,8 @@
             </p:sp>
           </mc:Fallback>
         </mc:AlternateContent>
-        <mc:AlternateContent xmlns:mc="http://schemas.openxmlformats.org/markup-compatibility/2006" xmlns:a14="http://schemas.microsoft.com/office/drawing/2010/main">
-          <mc:Choice Requires="a14">
+        <mc:AlternateContent xmlns:mc="http://schemas.openxmlformats.org/markup-compatibility/2006">
+          <mc:Choice xmlns:a14="http://schemas.microsoft.com/office/drawing/2010/main" Requires="a14">
             <p:sp>
               <p:nvSpPr>
                 <p:cNvPr id="37" name="TextBox 36"/>
@@ -20123,8 +22354,8 @@
               </p:nvSpPr>
               <p:spPr>
                 <a:xfrm>
-                  <a:off x="8510932" y="3140277"/>
-                  <a:ext cx="784382" cy="276999"/>
+                  <a:off x="8006240" y="3600849"/>
+                  <a:ext cx="782457" cy="276999"/>
                 </a:xfrm>
                 <a:prstGeom prst="rect">
                   <a:avLst/>
@@ -20154,7 +22385,13 @@
                           <a:rPr lang="en-US" b="0" i="1" smtClean="0">
                             <a:latin typeface="Cambria Math" charset="0"/>
                           </a:rPr>
-                          <m:t>≥2</m:t>
+                          <m:t>≤</m:t>
+                        </m:r>
+                        <m:r>
+                          <a:rPr lang="en-US" b="0" i="1" smtClean="0">
+                            <a:latin typeface="Cambria Math" charset="0"/>
+                          </a:rPr>
+                          <m:t>𝑆</m:t>
                         </m:r>
                       </m:oMath>
                     </m:oMathPara>
@@ -20164,7 +22401,7 @@
               </p:txBody>
             </p:sp>
           </mc:Choice>
-          <mc:Fallback xmlns="">
+          <mc:Fallback>
             <p:sp>
               <p:nvSpPr>
                 <p:cNvPr id="37" name="TextBox 36"/>
@@ -20175,16 +22412,16 @@
               </p:nvSpPr>
               <p:spPr>
                 <a:xfrm>
-                  <a:off x="8510932" y="3140277"/>
-                  <a:ext cx="784382" cy="276999"/>
+                  <a:off x="8006240" y="3600849"/>
+                  <a:ext cx="782457" cy="276999"/>
                 </a:xfrm>
                 <a:prstGeom prst="rect">
                   <a:avLst/>
                 </a:prstGeom>
                 <a:blipFill rotWithShape="0">
-                  <a:blip r:embed="rId6"/>
+                  <a:blip r:embed="rId37"/>
                   <a:stretch>
-                    <a:fillRect l="-6977" r="-6202" b="-10870"/>
+                    <a:fillRect l="-6202" r="-6202" b="-11111"/>
                   </a:stretch>
                 </a:blipFill>
               </p:spPr>
@@ -20203,290 +22440,8 @@
             </p:sp>
           </mc:Fallback>
         </mc:AlternateContent>
-        <mc:AlternateContent xmlns:mc="http://schemas.openxmlformats.org/markup-compatibility/2006" xmlns:a14="http://schemas.microsoft.com/office/drawing/2010/main">
-          <mc:Choice Requires="a14">
-            <p:sp>
-              <p:nvSpPr>
-                <p:cNvPr id="39" name="TextBox 38"/>
-                <p:cNvSpPr txBox="1"/>
-                <p:nvPr/>
-              </p:nvSpPr>
-              <p:spPr>
-                <a:xfrm>
-                  <a:off x="8510932" y="2476598"/>
-                  <a:ext cx="950004" cy="276999"/>
-                </a:xfrm>
-                <a:prstGeom prst="rect">
-                  <a:avLst/>
-                </a:prstGeom>
-                <a:noFill/>
-              </p:spPr>
-              <p:txBody>
-                <a:bodyPr wrap="none" lIns="0" tIns="0" rIns="0" bIns="0" rtlCol="0">
-                  <a:spAutoFit/>
-                </a:bodyPr>
-                <a:lstStyle/>
-                <a:p>
-                  <a:pPr/>
-                  <a14:m>
-                    <m:oMathPara xmlns:m="http://schemas.openxmlformats.org/officeDocument/2006/math">
-                      <m:oMathParaPr>
-                        <m:jc m:val="centerGroup"/>
-                      </m:oMathParaPr>
-                      <m:oMath xmlns:m="http://schemas.openxmlformats.org/officeDocument/2006/math">
-                        <m:r>
-                          <a:rPr lang="en-US" b="0" i="1" smtClean="0">
-                            <a:latin typeface="Cambria Math" charset="0"/>
-                          </a:rPr>
-                          <m:t>𝑇𝐺</m:t>
-                        </m:r>
-                        <m:r>
-                          <a:rPr lang="en-US" b="0" i="1" smtClean="0">
-                            <a:latin typeface="Cambria Math" charset="0"/>
-                          </a:rPr>
-                          <m:t>=</m:t>
-                        </m:r>
-                        <m:r>
-                          <a:rPr lang="en-US" b="0" i="1" smtClean="0">
-                            <a:latin typeface="Cambria Math" charset="0"/>
-                          </a:rPr>
-                          <m:t>𝐴𝐺</m:t>
-                        </m:r>
-                      </m:oMath>
-                    </m:oMathPara>
-                  </a14:m>
-                  <a:endParaRPr lang="en-US" dirty="0" smtClean="0"/>
-                </a:p>
-              </p:txBody>
-            </p:sp>
-          </mc:Choice>
-          <mc:Fallback xmlns="">
-            <p:sp>
-              <p:nvSpPr>
-                <p:cNvPr id="39" name="TextBox 38"/>
-                <p:cNvSpPr txBox="1">
-                  <a:spLocks noRot="1" noChangeAspect="1" noMove="1" noResize="1" noEditPoints="1" noAdjustHandles="1" noChangeArrowheads="1" noChangeShapeType="1" noTextEdit="1"/>
-                </p:cNvSpPr>
-                <p:nvPr/>
-              </p:nvSpPr>
-              <p:spPr>
-                <a:xfrm>
-                  <a:off x="8510932" y="2476598"/>
-                  <a:ext cx="950004" cy="276999"/>
-                </a:xfrm>
-                <a:prstGeom prst="rect">
-                  <a:avLst/>
-                </a:prstGeom>
-                <a:blipFill rotWithShape="0">
-                  <a:blip r:embed="rId7"/>
-                  <a:stretch>
-                    <a:fillRect l="-5769" r="-4487" b="-6522"/>
-                  </a:stretch>
-                </a:blipFill>
-              </p:spPr>
-              <p:txBody>
-                <a:bodyPr/>
-                <a:lstStyle/>
-                <a:p>
-                  <a:r>
-                    <a:rPr lang="en-US">
-                      <a:noFill/>
-                    </a:rPr>
-                    <a:t> </a:t>
-                  </a:r>
-                </a:p>
-              </p:txBody>
-            </p:sp>
-          </mc:Fallback>
-        </mc:AlternateContent>
-        <mc:AlternateContent xmlns:mc="http://schemas.openxmlformats.org/markup-compatibility/2006" xmlns:a14="http://schemas.microsoft.com/office/drawing/2010/main">
-          <mc:Choice Requires="a14">
-            <p:sp>
-              <p:nvSpPr>
-                <p:cNvPr id="40" name="TextBox 39"/>
-                <p:cNvSpPr txBox="1"/>
-                <p:nvPr/>
-              </p:nvSpPr>
-              <p:spPr>
-                <a:xfrm>
-                  <a:off x="8510932" y="2809694"/>
-                  <a:ext cx="894347" cy="276999"/>
-                </a:xfrm>
-                <a:prstGeom prst="rect">
-                  <a:avLst/>
-                </a:prstGeom>
-                <a:noFill/>
-              </p:spPr>
-              <p:txBody>
-                <a:bodyPr wrap="none" lIns="0" tIns="0" rIns="0" bIns="0" rtlCol="0">
-                  <a:spAutoFit/>
-                </a:bodyPr>
-                <a:lstStyle/>
-                <a:p>
-                  <a:pPr/>
-                  <a14:m>
-                    <m:oMathPara xmlns:m="http://schemas.openxmlformats.org/officeDocument/2006/math">
-                      <m:oMathParaPr>
-                        <m:jc m:val="centerGroup"/>
-                      </m:oMathParaPr>
-                      <m:oMath xmlns:m="http://schemas.openxmlformats.org/officeDocument/2006/math">
-                        <m:r>
-                          <a:rPr lang="en-US" b="0" i="1" smtClean="0">
-                            <a:latin typeface="Cambria Math" charset="0"/>
-                          </a:rPr>
-                          <m:t>𝑇𝐿</m:t>
-                        </m:r>
-                        <m:r>
-                          <a:rPr lang="en-US" b="0" i="1" smtClean="0">
-                            <a:latin typeface="Cambria Math" charset="0"/>
-                          </a:rPr>
-                          <m:t>=</m:t>
-                        </m:r>
-                        <m:r>
-                          <a:rPr lang="en-US" b="0" i="1" smtClean="0">
-                            <a:latin typeface="Cambria Math" charset="0"/>
-                          </a:rPr>
-                          <m:t>𝐴𝐿</m:t>
-                        </m:r>
-                      </m:oMath>
-                    </m:oMathPara>
-                  </a14:m>
-                  <a:endParaRPr lang="en-US" dirty="0" smtClean="0"/>
-                </a:p>
-              </p:txBody>
-            </p:sp>
-          </mc:Choice>
-          <mc:Fallback xmlns="">
-            <p:sp>
-              <p:nvSpPr>
-                <p:cNvPr id="40" name="TextBox 39"/>
-                <p:cNvSpPr txBox="1">
-                  <a:spLocks noRot="1" noChangeAspect="1" noMove="1" noResize="1" noEditPoints="1" noAdjustHandles="1" noChangeArrowheads="1" noChangeShapeType="1" noTextEdit="1"/>
-                </p:cNvSpPr>
-                <p:nvPr/>
-              </p:nvSpPr>
-              <p:spPr>
-                <a:xfrm>
-                  <a:off x="8510932" y="2809694"/>
-                  <a:ext cx="894347" cy="276999"/>
-                </a:xfrm>
-                <a:prstGeom prst="rect">
-                  <a:avLst/>
-                </a:prstGeom>
-                <a:blipFill rotWithShape="0">
-                  <a:blip r:embed="rId8"/>
-                  <a:stretch>
-                    <a:fillRect l="-5442" r="-4762" b="-6667"/>
-                  </a:stretch>
-                </a:blipFill>
-              </p:spPr>
-              <p:txBody>
-                <a:bodyPr/>
-                <a:lstStyle/>
-                <a:p>
-                  <a:r>
-                    <a:rPr lang="en-US">
-                      <a:noFill/>
-                    </a:rPr>
-                    <a:t> </a:t>
-                  </a:r>
-                </a:p>
-              </p:txBody>
-            </p:sp>
-          </mc:Fallback>
-        </mc:AlternateContent>
-        <mc:AlternateContent xmlns:mc="http://schemas.openxmlformats.org/markup-compatibility/2006" xmlns:a14="http://schemas.microsoft.com/office/drawing/2010/main">
-          <mc:Choice Requires="a14">
-            <p:sp>
-              <p:nvSpPr>
-                <p:cNvPr id="41" name="TextBox 40"/>
-                <p:cNvSpPr txBox="1"/>
-                <p:nvPr/>
-              </p:nvSpPr>
-              <p:spPr>
-                <a:xfrm>
-                  <a:off x="8510932" y="3483099"/>
-                  <a:ext cx="756554" cy="276999"/>
-                </a:xfrm>
-                <a:prstGeom prst="rect">
-                  <a:avLst/>
-                </a:prstGeom>
-                <a:noFill/>
-              </p:spPr>
-              <p:txBody>
-                <a:bodyPr wrap="none" lIns="0" tIns="0" rIns="0" bIns="0" rtlCol="0">
-                  <a:spAutoFit/>
-                </a:bodyPr>
-                <a:lstStyle/>
-                <a:p>
-                  <a:pPr/>
-                  <a14:m>
-                    <m:oMathPara xmlns:m="http://schemas.openxmlformats.org/officeDocument/2006/math">
-                      <m:oMathParaPr>
-                        <m:jc m:val="centerGroup"/>
-                      </m:oMathParaPr>
-                      <m:oMath xmlns:m="http://schemas.openxmlformats.org/officeDocument/2006/math">
-                        <m:r>
-                          <a:rPr lang="en-US" b="0" i="1" smtClean="0">
-                            <a:latin typeface="Cambria Math" charset="0"/>
-                          </a:rPr>
-                          <m:t>𝐴𝐿</m:t>
-                        </m:r>
-                        <m:r>
-                          <a:rPr lang="en-US" b="0" i="1" smtClean="0">
-                            <a:latin typeface="Cambria Math" charset="0"/>
-                          </a:rPr>
-                          <m:t>≥2</m:t>
-                        </m:r>
-                      </m:oMath>
-                    </m:oMathPara>
-                  </a14:m>
-                  <a:endParaRPr lang="en-US" dirty="0" smtClean="0"/>
-                </a:p>
-              </p:txBody>
-            </p:sp>
-          </mc:Choice>
-          <mc:Fallback xmlns="">
-            <p:sp>
-              <p:nvSpPr>
-                <p:cNvPr id="41" name="TextBox 40"/>
-                <p:cNvSpPr txBox="1">
-                  <a:spLocks noRot="1" noChangeAspect="1" noMove="1" noResize="1" noEditPoints="1" noAdjustHandles="1" noChangeArrowheads="1" noChangeShapeType="1" noTextEdit="1"/>
-                </p:cNvSpPr>
-                <p:nvPr/>
-              </p:nvSpPr>
-              <p:spPr>
-                <a:xfrm>
-                  <a:off x="8510932" y="3483099"/>
-                  <a:ext cx="756554" cy="276999"/>
-                </a:xfrm>
-                <a:prstGeom prst="rect">
-                  <a:avLst/>
-                </a:prstGeom>
-                <a:blipFill rotWithShape="0">
-                  <a:blip r:embed="rId9"/>
-                  <a:stretch>
-                    <a:fillRect l="-7258" r="-6452" b="-10870"/>
-                  </a:stretch>
-                </a:blipFill>
-              </p:spPr>
-              <p:txBody>
-                <a:bodyPr/>
-                <a:lstStyle/>
-                <a:p>
-                  <a:r>
-                    <a:rPr lang="en-US">
-                      <a:noFill/>
-                    </a:rPr>
-                    <a:t> </a:t>
-                  </a:r>
-                </a:p>
-              </p:txBody>
-            </p:sp>
-          </mc:Fallback>
-        </mc:AlternateContent>
-        <mc:AlternateContent xmlns:mc="http://schemas.openxmlformats.org/markup-compatibility/2006" xmlns:a14="http://schemas.microsoft.com/office/drawing/2010/main">
-          <mc:Choice Requires="a14">
+        <mc:AlternateContent xmlns:mc="http://schemas.openxmlformats.org/markup-compatibility/2006">
+          <mc:Choice xmlns:a14="http://schemas.microsoft.com/office/drawing/2010/main" Requires="a14">
             <p:sp>
               <p:nvSpPr>
                 <p:cNvPr id="42" name="TextBox 41"/>
@@ -20495,7 +22450,7 @@
               </p:nvSpPr>
               <p:spPr>
                 <a:xfrm>
-                  <a:off x="9707133" y="1173988"/>
+                  <a:off x="9279107" y="1952431"/>
                   <a:ext cx="724557" cy="276999"/>
                 </a:xfrm>
                 <a:prstGeom prst="rect">
@@ -20536,7 +22491,7 @@
               </p:txBody>
             </p:sp>
           </mc:Choice>
-          <mc:Fallback xmlns="">
+          <mc:Fallback>
             <p:sp>
               <p:nvSpPr>
                 <p:cNvPr id="42" name="TextBox 41"/>
@@ -20547,16 +22502,16 @@
               </p:nvSpPr>
               <p:spPr>
                 <a:xfrm>
-                  <a:off x="9707133" y="1173988"/>
+                  <a:off x="9279107" y="1952431"/>
                   <a:ext cx="724557" cy="276999"/>
                 </a:xfrm>
                 <a:prstGeom prst="rect">
                   <a:avLst/>
                 </a:prstGeom>
                 <a:blipFill rotWithShape="0">
-                  <a:blip r:embed="rId10"/>
+                  <a:blip r:embed="rId38"/>
                   <a:stretch>
-                    <a:fillRect l="-6723" r="-7563" b="-11111"/>
+                    <a:fillRect l="-6723" r="-7563" b="-10870"/>
                   </a:stretch>
                 </a:blipFill>
               </p:spPr>
@@ -20575,8 +22530,8 @@
             </p:sp>
           </mc:Fallback>
         </mc:AlternateContent>
-        <mc:AlternateContent xmlns:mc="http://schemas.openxmlformats.org/markup-compatibility/2006" xmlns:a14="http://schemas.microsoft.com/office/drawing/2010/main">
-          <mc:Choice Requires="a14">
+        <mc:AlternateContent xmlns:mc="http://schemas.openxmlformats.org/markup-compatibility/2006">
+          <mc:Choice xmlns:a14="http://schemas.microsoft.com/office/drawing/2010/main" Requires="a14">
             <p:sp>
               <p:nvSpPr>
                 <p:cNvPr id="43" name="TextBox 42"/>
@@ -20585,7 +22540,7 @@
               </p:nvSpPr>
               <p:spPr>
                 <a:xfrm>
-                  <a:off x="9723131" y="1493141"/>
+                  <a:off x="9295105" y="2271584"/>
                   <a:ext cx="724557" cy="276999"/>
                 </a:xfrm>
                 <a:prstGeom prst="rect">
@@ -20626,7 +22581,7 @@
               </p:txBody>
             </p:sp>
           </mc:Choice>
-          <mc:Fallback xmlns="">
+          <mc:Fallback>
             <p:sp>
               <p:nvSpPr>
                 <p:cNvPr id="43" name="TextBox 42"/>
@@ -20637,14 +22592,14 @@
               </p:nvSpPr>
               <p:spPr>
                 <a:xfrm>
-                  <a:off x="9723131" y="1493141"/>
+                  <a:off x="9295105" y="2271584"/>
                   <a:ext cx="724557" cy="276999"/>
                 </a:xfrm>
                 <a:prstGeom prst="rect">
                   <a:avLst/>
                 </a:prstGeom>
                 <a:blipFill rotWithShape="0">
-                  <a:blip r:embed="rId11"/>
+                  <a:blip r:embed="rId39"/>
                   <a:stretch>
                     <a:fillRect l="-6723" r="-6723" b="-11111"/>
                   </a:stretch>
@@ -20665,8 +22620,8 @@
             </p:sp>
           </mc:Fallback>
         </mc:AlternateContent>
-        <mc:AlternateContent xmlns:mc="http://schemas.openxmlformats.org/markup-compatibility/2006" xmlns:a14="http://schemas.microsoft.com/office/drawing/2010/main">
-          <mc:Choice Requires="a14">
+        <mc:AlternateContent xmlns:mc="http://schemas.openxmlformats.org/markup-compatibility/2006">
+          <mc:Choice xmlns:a14="http://schemas.microsoft.com/office/drawing/2010/main" Requires="a14">
             <p:sp>
               <p:nvSpPr>
                 <p:cNvPr id="44" name="TextBox 43"/>
@@ -20675,7 +22630,7 @@
               </p:nvSpPr>
               <p:spPr>
                 <a:xfrm>
-                  <a:off x="9723131" y="1809824"/>
+                  <a:off x="9295105" y="2588267"/>
                   <a:ext cx="724557" cy="276999"/>
                 </a:xfrm>
                 <a:prstGeom prst="rect">
@@ -20716,7 +22671,7 @@
               </p:txBody>
             </p:sp>
           </mc:Choice>
-          <mc:Fallback xmlns="">
+          <mc:Fallback>
             <p:sp>
               <p:nvSpPr>
                 <p:cNvPr id="44" name="TextBox 43"/>
@@ -20727,16 +22682,16 @@
               </p:nvSpPr>
               <p:spPr>
                 <a:xfrm>
-                  <a:off x="9723131" y="1809824"/>
+                  <a:off x="9295105" y="2588267"/>
                   <a:ext cx="724557" cy="276999"/>
                 </a:xfrm>
                 <a:prstGeom prst="rect">
                   <a:avLst/>
                 </a:prstGeom>
                 <a:blipFill rotWithShape="0">
-                  <a:blip r:embed="rId12"/>
+                  <a:blip r:embed="rId40"/>
                   <a:stretch>
-                    <a:fillRect l="-6723" r="-6723" b="-11111"/>
+                    <a:fillRect l="-6723" r="-6723" b="-10870"/>
                   </a:stretch>
                 </a:blipFill>
               </p:spPr>
@@ -20755,18 +22710,18 @@
             </p:sp>
           </mc:Fallback>
         </mc:AlternateContent>
-        <mc:AlternateContent xmlns:mc="http://schemas.openxmlformats.org/markup-compatibility/2006" xmlns:a14="http://schemas.microsoft.com/office/drawing/2010/main">
-          <mc:Choice Requires="a14">
+        <mc:AlternateContent xmlns:mc="http://schemas.openxmlformats.org/markup-compatibility/2006">
+          <mc:Choice xmlns:a14="http://schemas.microsoft.com/office/drawing/2010/main" Requires="a14">
             <p:sp>
               <p:nvSpPr>
-                <p:cNvPr id="53" name="TextBox 52"/>
+                <p:cNvPr id="54" name="TextBox 53"/>
                 <p:cNvSpPr txBox="1"/>
                 <p:nvPr/>
               </p:nvSpPr>
               <p:spPr>
                 <a:xfrm>
-                  <a:off x="9723130" y="2131777"/>
-                  <a:ext cx="724557" cy="276999"/>
+                  <a:off x="9279107" y="3593223"/>
+                  <a:ext cx="1038426" cy="276999"/>
                 </a:xfrm>
                 <a:prstGeom prst="rect">
                   <a:avLst/>
@@ -20790,13 +22745,19 @@
                           <a:rPr lang="en-US" b="0" i="1" smtClean="0">
                             <a:latin typeface="Cambria Math" charset="0"/>
                           </a:rPr>
-                          <m:t>𝑒</m:t>
+                          <m:t>2≤</m:t>
                         </m:r>
                         <m:r>
                           <a:rPr lang="en-US" b="0" i="1" smtClean="0">
                             <a:latin typeface="Cambria Math" charset="0"/>
                           </a:rPr>
-                          <m:t>8≥1</m:t>
+                          <m:t>𝑆</m:t>
+                        </m:r>
+                        <m:r>
+                          <a:rPr lang="en-US" b="0" i="1" smtClean="0">
+                            <a:latin typeface="Cambria Math" charset="0"/>
+                          </a:rPr>
+                          <m:t>≤4</m:t>
                         </m:r>
                       </m:oMath>
                     </m:oMathPara>
@@ -20806,10 +22767,10 @@
               </p:txBody>
             </p:sp>
           </mc:Choice>
-          <mc:Fallback xmlns="">
+          <mc:Fallback>
             <p:sp>
               <p:nvSpPr>
-                <p:cNvPr id="53" name="TextBox 52"/>
+                <p:cNvPr id="54" name="TextBox 53"/>
                 <p:cNvSpPr txBox="1">
                   <a:spLocks noRot="1" noChangeAspect="1" noMove="1" noResize="1" noEditPoints="1" noAdjustHandles="1" noChangeArrowheads="1" noChangeShapeType="1" noTextEdit="1"/>
                 </p:cNvSpPr>
@@ -20817,16 +22778,16 @@
               </p:nvSpPr>
               <p:spPr>
                 <a:xfrm>
-                  <a:off x="9723130" y="2131777"/>
-                  <a:ext cx="724557" cy="276999"/>
+                  <a:off x="9279107" y="3593223"/>
+                  <a:ext cx="1038426" cy="276999"/>
                 </a:xfrm>
                 <a:prstGeom prst="rect">
                   <a:avLst/>
                 </a:prstGeom>
                 <a:blipFill rotWithShape="0">
-                  <a:blip r:embed="rId13"/>
+                  <a:blip r:embed="rId41"/>
                   <a:stretch>
-                    <a:fillRect l="-7563" r="-6723" b="-11111"/>
+                    <a:fillRect l="-4706" r="-4706" b="-10870"/>
                   </a:stretch>
                 </a:blipFill>
               </p:spPr>
@@ -20845,98 +22806,8 @@
             </p:sp>
           </mc:Fallback>
         </mc:AlternateContent>
-        <mc:AlternateContent xmlns:mc="http://schemas.openxmlformats.org/markup-compatibility/2006" xmlns:a14="http://schemas.microsoft.com/office/drawing/2010/main">
-          <mc:Choice Requires="a14">
-            <p:sp>
-              <p:nvSpPr>
-                <p:cNvPr id="54" name="TextBox 53"/>
-                <p:cNvSpPr txBox="1"/>
-                <p:nvPr/>
-              </p:nvSpPr>
-              <p:spPr>
-                <a:xfrm>
-                  <a:off x="9723129" y="2476873"/>
-                  <a:ext cx="608820" cy="276999"/>
-                </a:xfrm>
-                <a:prstGeom prst="rect">
-                  <a:avLst/>
-                </a:prstGeom>
-                <a:noFill/>
-              </p:spPr>
-              <p:txBody>
-                <a:bodyPr wrap="none" lIns="0" tIns="0" rIns="0" bIns="0" rtlCol="0">
-                  <a:spAutoFit/>
-                </a:bodyPr>
-                <a:lstStyle/>
-                <a:p>
-                  <a:pPr/>
-                  <a14:m>
-                    <m:oMathPara xmlns:m="http://schemas.openxmlformats.org/officeDocument/2006/math">
-                      <m:oMathParaPr>
-                        <m:jc m:val="centerGroup"/>
-                      </m:oMathParaPr>
-                      <m:oMath xmlns:m="http://schemas.openxmlformats.org/officeDocument/2006/math">
-                        <m:r>
-                          <a:rPr lang="en-US" b="0" i="1" smtClean="0">
-                            <a:latin typeface="Cambria Math" charset="0"/>
-                          </a:rPr>
-                          <m:t>𝑆</m:t>
-                        </m:r>
-                        <m:r>
-                          <a:rPr lang="en-US" b="0" i="1" smtClean="0">
-                            <a:latin typeface="Cambria Math" charset="0"/>
-                          </a:rPr>
-                          <m:t>≥2</m:t>
-                        </m:r>
-                      </m:oMath>
-                    </m:oMathPara>
-                  </a14:m>
-                  <a:endParaRPr lang="en-US" dirty="0" smtClean="0"/>
-                </a:p>
-              </p:txBody>
-            </p:sp>
-          </mc:Choice>
-          <mc:Fallback xmlns="">
-            <p:sp>
-              <p:nvSpPr>
-                <p:cNvPr id="54" name="TextBox 53"/>
-                <p:cNvSpPr txBox="1">
-                  <a:spLocks noRot="1" noChangeAspect="1" noMove="1" noResize="1" noEditPoints="1" noAdjustHandles="1" noChangeArrowheads="1" noChangeShapeType="1" noTextEdit="1"/>
-                </p:cNvSpPr>
-                <p:nvPr/>
-              </p:nvSpPr>
-              <p:spPr>
-                <a:xfrm>
-                  <a:off x="9723129" y="2476873"/>
-                  <a:ext cx="608820" cy="276999"/>
-                </a:xfrm>
-                <a:prstGeom prst="rect">
-                  <a:avLst/>
-                </a:prstGeom>
-                <a:blipFill rotWithShape="0">
-                  <a:blip r:embed="rId14"/>
-                  <a:stretch>
-                    <a:fillRect l="-9000" r="-8000" b="-10870"/>
-                  </a:stretch>
-                </a:blipFill>
-              </p:spPr>
-              <p:txBody>
-                <a:bodyPr/>
-                <a:lstStyle/>
-                <a:p>
-                  <a:r>
-                    <a:rPr lang="en-US">
-                      <a:noFill/>
-                    </a:rPr>
-                    <a:t> </a:t>
-                  </a:r>
-                </a:p>
-              </p:txBody>
-            </p:sp>
-          </mc:Fallback>
-        </mc:AlternateContent>
-        <mc:AlternateContent xmlns:mc="http://schemas.openxmlformats.org/markup-compatibility/2006" xmlns:a14="http://schemas.microsoft.com/office/drawing/2010/main">
-          <mc:Choice Requires="a14">
+        <mc:AlternateContent xmlns:mc="http://schemas.openxmlformats.org/markup-compatibility/2006">
+          <mc:Choice xmlns:a14="http://schemas.microsoft.com/office/drawing/2010/main" Requires="a14">
             <p:sp>
               <p:nvSpPr>
                 <p:cNvPr id="55" name="TextBox 54"/>
@@ -20945,7 +22816,7 @@
               </p:nvSpPr>
               <p:spPr>
                 <a:xfrm>
-                  <a:off x="9723394" y="2809695"/>
+                  <a:off x="9284140" y="2914675"/>
                   <a:ext cx="1471044" cy="276999"/>
                 </a:xfrm>
                 <a:prstGeom prst="rect">
@@ -21010,7 +22881,7 @@
               </p:txBody>
             </p:sp>
           </mc:Choice>
-          <mc:Fallback xmlns="">
+          <mc:Fallback>
             <p:sp>
               <p:nvSpPr>
                 <p:cNvPr id="55" name="TextBox 54"/>
@@ -21021,14 +22892,14 @@
               </p:nvSpPr>
               <p:spPr>
                 <a:xfrm>
-                  <a:off x="9723394" y="2809695"/>
+                  <a:off x="9284140" y="2914675"/>
                   <a:ext cx="1471044" cy="276999"/>
                 </a:xfrm>
                 <a:prstGeom prst="rect">
                   <a:avLst/>
                 </a:prstGeom>
                 <a:blipFill rotWithShape="0">
-                  <a:blip r:embed="rId15"/>
+                  <a:blip r:embed="rId42"/>
                   <a:stretch>
                     <a:fillRect l="-3734" t="-146667" r="-3320" b="-182222"/>
                   </a:stretch>
@@ -21049,8 +22920,8 @@
             </p:sp>
           </mc:Fallback>
         </mc:AlternateContent>
-        <mc:AlternateContent xmlns:mc="http://schemas.openxmlformats.org/markup-compatibility/2006" xmlns:a14="http://schemas.microsoft.com/office/drawing/2010/main">
-          <mc:Choice Requires="a14">
+        <mc:AlternateContent xmlns:mc="http://schemas.openxmlformats.org/markup-compatibility/2006">
+          <mc:Choice xmlns:a14="http://schemas.microsoft.com/office/drawing/2010/main" Requires="a14">
             <p:sp>
               <p:nvSpPr>
                 <p:cNvPr id="56" name="TextBox 55"/>
@@ -21059,7 +22930,7 @@
               </p:nvSpPr>
               <p:spPr>
                 <a:xfrm>
-                  <a:off x="9710082" y="3139744"/>
+                  <a:off x="9279107" y="3256436"/>
                   <a:ext cx="1443216" cy="276999"/>
                 </a:xfrm>
                 <a:prstGeom prst="rect">
@@ -21124,7 +22995,7 @@
               </p:txBody>
             </p:sp>
           </mc:Choice>
-          <mc:Fallback xmlns="">
+          <mc:Fallback>
             <p:sp>
               <p:nvSpPr>
                 <p:cNvPr id="56" name="TextBox 55"/>
@@ -21135,16 +23006,16 @@
               </p:nvSpPr>
               <p:spPr>
                 <a:xfrm>
-                  <a:off x="9710082" y="3139744"/>
+                  <a:off x="9279107" y="3256436"/>
                   <a:ext cx="1443216" cy="276999"/>
                 </a:xfrm>
                 <a:prstGeom prst="rect">
                   <a:avLst/>
                 </a:prstGeom>
                 <a:blipFill rotWithShape="0">
-                  <a:blip r:embed="rId16"/>
+                  <a:blip r:embed="rId43"/>
                   <a:stretch>
-                    <a:fillRect l="-3814" t="-146667" r="-3390" b="-182222"/>
+                    <a:fillRect l="-3376" t="-143478" r="-3376" b="-176087"/>
                   </a:stretch>
                 </a:blipFill>
               </p:spPr>
@@ -21163,1744 +23034,18 @@
             </p:sp>
           </mc:Fallback>
         </mc:AlternateContent>
-      </p:grpSp>
-      <p:sp>
-        <p:nvSpPr>
-          <p:cNvPr id="59" name="Rectangle 58"/>
-          <p:cNvSpPr/>
-          <p:nvPr/>
-        </p:nvSpPr>
-        <p:spPr>
-          <a:xfrm>
-            <a:off x="5748016" y="1657930"/>
-            <a:ext cx="504684" cy="326113"/>
-          </a:xfrm>
-          <a:prstGeom prst="rect">
-            <a:avLst/>
-          </a:prstGeom>
-          <a:solidFill>
-            <a:schemeClr val="bg2">
-              <a:lumMod val="90000"/>
-            </a:schemeClr>
-          </a:solidFill>
-          <a:ln>
-            <a:solidFill>
-              <a:schemeClr val="tx1"/>
-            </a:solidFill>
-          </a:ln>
-        </p:spPr>
-        <p:style>
-          <a:lnRef idx="2">
-            <a:schemeClr val="accent1">
-              <a:shade val="50000"/>
-            </a:schemeClr>
-          </a:lnRef>
-          <a:fillRef idx="1">
-            <a:schemeClr val="accent1"/>
-          </a:fillRef>
-          <a:effectRef idx="0">
-            <a:schemeClr val="accent1"/>
-          </a:effectRef>
-          <a:fontRef idx="minor">
-            <a:schemeClr val="lt1"/>
-          </a:fontRef>
-        </p:style>
-        <p:txBody>
-          <a:bodyPr rtlCol="0" anchor="ctr"/>
-          <a:lstStyle/>
-          <a:p>
-            <a:pPr algn="ctr"/>
-            <a:endParaRPr lang="en-US" sz="2000" dirty="0">
-              <a:solidFill>
-                <a:schemeClr val="tx1"/>
-              </a:solidFill>
-            </a:endParaRPr>
-          </a:p>
-        </p:txBody>
-      </p:sp>
-      <p:cxnSp>
-        <p:nvCxnSpPr>
-          <p:cNvPr id="121" name="Straight Connector 120"/>
-          <p:cNvCxnSpPr>
-            <a:stCxn id="59" idx="2"/>
-            <a:endCxn id="114" idx="0"/>
-          </p:cNvCxnSpPr>
-          <p:nvPr/>
-        </p:nvCxnSpPr>
-        <p:spPr>
-          <a:xfrm>
-            <a:off x="6000358" y="1984043"/>
-            <a:ext cx="982433" cy="645433"/>
-          </a:xfrm>
-          <a:prstGeom prst="line">
-            <a:avLst/>
-          </a:prstGeom>
-          <a:ln w="19050">
-            <a:solidFill>
-              <a:schemeClr val="tx1"/>
-            </a:solidFill>
-          </a:ln>
-        </p:spPr>
-        <p:style>
-          <a:lnRef idx="1">
-            <a:schemeClr val="accent1"/>
-          </a:lnRef>
-          <a:fillRef idx="0">
-            <a:schemeClr val="accent1"/>
-          </a:fillRef>
-          <a:effectRef idx="0">
-            <a:schemeClr val="accent1"/>
-          </a:effectRef>
-          <a:fontRef idx="minor">
-            <a:schemeClr val="tx1"/>
-          </a:fontRef>
-        </p:style>
-      </p:cxnSp>
-      <p:cxnSp>
-        <p:nvCxnSpPr>
-          <p:cNvPr id="64" name="Straight Connector 63"/>
-          <p:cNvCxnSpPr>
-            <a:endCxn id="59" idx="0"/>
-          </p:cNvCxnSpPr>
-          <p:nvPr/>
-        </p:nvCxnSpPr>
-        <p:spPr>
-          <a:xfrm>
-            <a:off x="6000358" y="1347407"/>
-            <a:ext cx="0" cy="310523"/>
-          </a:xfrm>
-          <a:prstGeom prst="line">
-            <a:avLst/>
-          </a:prstGeom>
-          <a:ln w="38100">
-            <a:solidFill>
-              <a:schemeClr val="tx1"/>
-            </a:solidFill>
-            <a:headEnd type="triangle" w="med" len="med"/>
-            <a:tailEnd type="triangle" w="med" len="med"/>
-          </a:ln>
-        </p:spPr>
-        <p:style>
-          <a:lnRef idx="1">
-            <a:schemeClr val="accent1"/>
-          </a:lnRef>
-          <a:fillRef idx="0">
-            <a:schemeClr val="accent1"/>
-          </a:fillRef>
-          <a:effectRef idx="0">
-            <a:schemeClr val="accent1"/>
-          </a:effectRef>
-          <a:fontRef idx="minor">
-            <a:schemeClr val="tx1"/>
-          </a:fontRef>
-        </p:style>
-      </p:cxnSp>
-      <p:cxnSp>
-        <p:nvCxnSpPr>
-          <p:cNvPr id="148" name="Straight Connector 147"/>
-          <p:cNvCxnSpPr>
-            <a:stCxn id="59" idx="2"/>
-            <a:endCxn id="132" idx="0"/>
-          </p:cNvCxnSpPr>
-          <p:nvPr/>
-        </p:nvCxnSpPr>
-        <p:spPr>
-          <a:xfrm flipH="1">
-            <a:off x="5054513" y="1984043"/>
-            <a:ext cx="945845" cy="649080"/>
-          </a:xfrm>
-          <a:prstGeom prst="line">
-            <a:avLst/>
-          </a:prstGeom>
-          <a:ln w="19050">
-            <a:solidFill>
-              <a:schemeClr val="tx1"/>
-            </a:solidFill>
-          </a:ln>
-        </p:spPr>
-        <p:style>
-          <a:lnRef idx="1">
-            <a:schemeClr val="accent1"/>
-          </a:lnRef>
-          <a:fillRef idx="0">
-            <a:schemeClr val="accent1"/>
-          </a:fillRef>
-          <a:effectRef idx="0">
-            <a:schemeClr val="accent1"/>
-          </a:effectRef>
-          <a:fontRef idx="minor">
-            <a:schemeClr val="tx1"/>
-          </a:fontRef>
-        </p:style>
-      </p:cxnSp>
-      <p:sp>
-        <p:nvSpPr>
-          <p:cNvPr id="153" name="TextBox 152"/>
-          <p:cNvSpPr txBox="1"/>
-          <p:nvPr/>
-        </p:nvSpPr>
-        <p:spPr>
-          <a:xfrm>
-            <a:off x="4010323" y="4195490"/>
-            <a:ext cx="1987313" cy="400110"/>
-          </a:xfrm>
-          <a:prstGeom prst="rect">
-            <a:avLst/>
-          </a:prstGeom>
-          <a:noFill/>
-        </p:spPr>
-        <p:txBody>
-          <a:bodyPr wrap="square" rtlCol="0">
-            <a:spAutoFit/>
-          </a:bodyPr>
-          <a:lstStyle/>
-          <a:p>
-            <a:pPr algn="ctr"/>
-            <a:r>
-              <a:rPr lang="en-US" sz="2000" dirty="0" smtClean="0"/>
-              <a:t>Global services</a:t>
-            </a:r>
-            <a:endParaRPr lang="en-US" sz="2000" baseline="-25000" dirty="0"/>
-          </a:p>
-        </p:txBody>
-      </p:sp>
-      <mc:AlternateContent xmlns:mc="http://schemas.openxmlformats.org/markup-compatibility/2006" xmlns:a14="http://schemas.microsoft.com/office/drawing/2010/main">
-        <mc:Choice Requires="a14">
-          <p:sp>
-            <p:nvSpPr>
-              <p:cNvPr id="62" name="TextBox 61"/>
-              <p:cNvSpPr txBox="1"/>
-              <p:nvPr/>
-            </p:nvSpPr>
-            <p:spPr>
-              <a:xfrm>
-                <a:off x="5036616" y="2164332"/>
-                <a:ext cx="294953" cy="276999"/>
-              </a:xfrm>
-              <a:prstGeom prst="rect">
-                <a:avLst/>
-              </a:prstGeom>
-              <a:noFill/>
-            </p:spPr>
-            <p:txBody>
-              <a:bodyPr wrap="none" lIns="0" tIns="0" rIns="0" bIns="0" rtlCol="0">
-                <a:spAutoFit/>
-              </a:bodyPr>
-              <a:lstStyle/>
-              <a:p>
-                <a:pPr/>
-                <a14:m>
-                  <m:oMathPara xmlns:m="http://schemas.openxmlformats.org/officeDocument/2006/math">
-                    <m:oMathParaPr>
-                      <m:jc m:val="centerGroup"/>
-                    </m:oMathParaPr>
-                    <m:oMath xmlns:m="http://schemas.openxmlformats.org/officeDocument/2006/math">
-                      <m:r>
-                        <a:rPr lang="en-US" b="0" i="1" smtClean="0">
-                          <a:latin typeface="Cambria Math" charset="0"/>
-                        </a:rPr>
-                        <m:t>𝑒</m:t>
-                      </m:r>
-                      <m:r>
-                        <a:rPr lang="en-US" b="0" i="1" smtClean="0">
-                          <a:latin typeface="Cambria Math" charset="0"/>
-                        </a:rPr>
-                        <m:t>3</m:t>
-                      </m:r>
-                    </m:oMath>
-                  </m:oMathPara>
-                </a14:m>
-                <a:endParaRPr lang="en-US" dirty="0" smtClean="0"/>
-              </a:p>
-            </p:txBody>
-          </p:sp>
-        </mc:Choice>
-        <mc:Fallback xmlns="">
-          <p:sp>
-            <p:nvSpPr>
-              <p:cNvPr id="62" name="TextBox 61"/>
-              <p:cNvSpPr txBox="1">
-                <a:spLocks noRot="1" noChangeAspect="1" noMove="1" noResize="1" noEditPoints="1" noAdjustHandles="1" noChangeArrowheads="1" noChangeShapeType="1" noTextEdit="1"/>
-              </p:cNvSpPr>
-              <p:nvPr/>
-            </p:nvSpPr>
-            <p:spPr>
-              <a:xfrm>
-                <a:off x="5036616" y="2164332"/>
-                <a:ext cx="294953" cy="276999"/>
-              </a:xfrm>
-              <a:prstGeom prst="rect">
-                <a:avLst/>
-              </a:prstGeom>
-              <a:blipFill rotWithShape="0">
-                <a:blip r:embed="rId17"/>
-                <a:stretch>
-                  <a:fillRect l="-18367" r="-18367" b="-8889"/>
-                </a:stretch>
-              </a:blipFill>
-            </p:spPr>
-            <p:txBody>
-              <a:bodyPr/>
-              <a:lstStyle/>
-              <a:p>
-                <a:r>
-                  <a:rPr lang="en-US">
-                    <a:noFill/>
-                  </a:rPr>
-                  <a:t> </a:t>
-                </a:r>
-              </a:p>
-            </p:txBody>
-          </p:sp>
-        </mc:Fallback>
-      </mc:AlternateContent>
-      <mc:AlternateContent xmlns:mc="http://schemas.openxmlformats.org/markup-compatibility/2006" xmlns:a14="http://schemas.microsoft.com/office/drawing/2010/main">
-        <mc:Choice Requires="a14">
-          <p:sp>
-            <p:nvSpPr>
-              <p:cNvPr id="63" name="TextBox 62"/>
-              <p:cNvSpPr txBox="1"/>
-              <p:nvPr/>
-            </p:nvSpPr>
-            <p:spPr>
-              <a:xfrm>
-                <a:off x="5373418" y="1876114"/>
-                <a:ext cx="294953" cy="276999"/>
-              </a:xfrm>
-              <a:prstGeom prst="rect">
-                <a:avLst/>
-              </a:prstGeom>
-              <a:noFill/>
-            </p:spPr>
-            <p:txBody>
-              <a:bodyPr wrap="none" lIns="0" tIns="0" rIns="0" bIns="0" rtlCol="0">
-                <a:spAutoFit/>
-              </a:bodyPr>
-              <a:lstStyle/>
-              <a:p>
-                <a:pPr/>
-                <a14:m>
-                  <m:oMathPara xmlns:m="http://schemas.openxmlformats.org/officeDocument/2006/math">
-                    <m:oMathParaPr>
-                      <m:jc m:val="centerGroup"/>
-                    </m:oMathParaPr>
-                    <m:oMath xmlns:m="http://schemas.openxmlformats.org/officeDocument/2006/math">
-                      <m:r>
-                        <a:rPr lang="en-US" b="0" i="1" smtClean="0">
-                          <a:latin typeface="Cambria Math" charset="0"/>
-                        </a:rPr>
-                        <m:t>𝑒</m:t>
-                      </m:r>
-                      <m:r>
-                        <a:rPr lang="en-US" b="0" i="1" smtClean="0">
-                          <a:latin typeface="Cambria Math" charset="0"/>
-                        </a:rPr>
-                        <m:t>4</m:t>
-                      </m:r>
-                    </m:oMath>
-                  </m:oMathPara>
-                </a14:m>
-                <a:endParaRPr lang="en-US" dirty="0" smtClean="0"/>
-              </a:p>
-            </p:txBody>
-          </p:sp>
-        </mc:Choice>
-        <mc:Fallback xmlns="">
-          <p:sp>
-            <p:nvSpPr>
-              <p:cNvPr id="63" name="TextBox 62"/>
-              <p:cNvSpPr txBox="1">
-                <a:spLocks noRot="1" noChangeAspect="1" noMove="1" noResize="1" noEditPoints="1" noAdjustHandles="1" noChangeArrowheads="1" noChangeShapeType="1" noTextEdit="1"/>
-              </p:cNvSpPr>
-              <p:nvPr/>
-            </p:nvSpPr>
-            <p:spPr>
-              <a:xfrm>
-                <a:off x="5373418" y="1876114"/>
-                <a:ext cx="294953" cy="276999"/>
-              </a:xfrm>
-              <a:prstGeom prst="rect">
-                <a:avLst/>
-              </a:prstGeom>
-              <a:blipFill rotWithShape="0">
-                <a:blip r:embed="rId18"/>
-                <a:stretch>
-                  <a:fillRect l="-18367" r="-16327" b="-6667"/>
-                </a:stretch>
-              </a:blipFill>
-            </p:spPr>
-            <p:txBody>
-              <a:bodyPr/>
-              <a:lstStyle/>
-              <a:p>
-                <a:r>
-                  <a:rPr lang="en-US">
-                    <a:noFill/>
-                  </a:rPr>
-                  <a:t> </a:t>
-                </a:r>
-              </a:p>
-            </p:txBody>
-          </p:sp>
-        </mc:Fallback>
-      </mc:AlternateContent>
-      <mc:AlternateContent xmlns:mc="http://schemas.openxmlformats.org/markup-compatibility/2006" xmlns:a14="http://schemas.microsoft.com/office/drawing/2010/main">
-        <mc:Choice Requires="a14">
-          <p:sp>
-            <p:nvSpPr>
-              <p:cNvPr id="65" name="TextBox 64"/>
-              <p:cNvSpPr txBox="1"/>
-              <p:nvPr/>
-            </p:nvSpPr>
-            <p:spPr>
-              <a:xfrm>
-                <a:off x="6756245" y="2163406"/>
-                <a:ext cx="294953" cy="276999"/>
-              </a:xfrm>
-              <a:prstGeom prst="rect">
-                <a:avLst/>
-              </a:prstGeom>
-              <a:noFill/>
-            </p:spPr>
-            <p:txBody>
-              <a:bodyPr wrap="none" lIns="0" tIns="0" rIns="0" bIns="0" rtlCol="0">
-                <a:spAutoFit/>
-              </a:bodyPr>
-              <a:lstStyle/>
-              <a:p>
-                <a:pPr/>
-                <a14:m>
-                  <m:oMathPara xmlns:m="http://schemas.openxmlformats.org/officeDocument/2006/math">
-                    <m:oMathParaPr>
-                      <m:jc m:val="centerGroup"/>
-                    </m:oMathParaPr>
-                    <m:oMath xmlns:m="http://schemas.openxmlformats.org/officeDocument/2006/math">
-                      <m:r>
-                        <a:rPr lang="en-US" b="0" i="1" smtClean="0">
-                          <a:latin typeface="Cambria Math" charset="0"/>
-                        </a:rPr>
-                        <m:t>𝑒</m:t>
-                      </m:r>
-                      <m:r>
-                        <a:rPr lang="en-US" b="0" i="1" smtClean="0">
-                          <a:latin typeface="Cambria Math" charset="0"/>
-                        </a:rPr>
-                        <m:t>7</m:t>
-                      </m:r>
-                    </m:oMath>
-                  </m:oMathPara>
-                </a14:m>
-                <a:endParaRPr lang="en-US" dirty="0" smtClean="0"/>
-              </a:p>
-            </p:txBody>
-          </p:sp>
-        </mc:Choice>
-        <mc:Fallback xmlns="">
-          <p:sp>
-            <p:nvSpPr>
-              <p:cNvPr id="65" name="TextBox 64"/>
-              <p:cNvSpPr txBox="1">
-                <a:spLocks noRot="1" noChangeAspect="1" noMove="1" noResize="1" noEditPoints="1" noAdjustHandles="1" noChangeArrowheads="1" noChangeShapeType="1" noTextEdit="1"/>
-              </p:cNvSpPr>
-              <p:nvPr/>
-            </p:nvSpPr>
-            <p:spPr>
-              <a:xfrm>
-                <a:off x="6756245" y="2163406"/>
-                <a:ext cx="294953" cy="276999"/>
-              </a:xfrm>
-              <a:prstGeom prst="rect">
-                <a:avLst/>
-              </a:prstGeom>
-              <a:blipFill rotWithShape="0">
-                <a:blip r:embed="rId19"/>
-                <a:stretch>
-                  <a:fillRect l="-18367" r="-16327" b="-6667"/>
-                </a:stretch>
-              </a:blipFill>
-            </p:spPr>
-            <p:txBody>
-              <a:bodyPr/>
-              <a:lstStyle/>
-              <a:p>
-                <a:r>
-                  <a:rPr lang="en-US">
-                    <a:noFill/>
-                  </a:rPr>
-                  <a:t> </a:t>
-                </a:r>
-              </a:p>
-            </p:txBody>
-          </p:sp>
-        </mc:Fallback>
-      </mc:AlternateContent>
-      <mc:AlternateContent xmlns:mc="http://schemas.openxmlformats.org/markup-compatibility/2006" xmlns:a14="http://schemas.microsoft.com/office/drawing/2010/main">
-        <mc:Choice Requires="a14">
-          <p:sp>
-            <p:nvSpPr>
-              <p:cNvPr id="66" name="TextBox 65"/>
-              <p:cNvSpPr txBox="1"/>
-              <p:nvPr/>
-            </p:nvSpPr>
-            <p:spPr>
-              <a:xfrm>
-                <a:off x="6301275" y="1876114"/>
-                <a:ext cx="294953" cy="276999"/>
-              </a:xfrm>
-              <a:prstGeom prst="rect">
-                <a:avLst/>
-              </a:prstGeom>
-              <a:noFill/>
-            </p:spPr>
-            <p:txBody>
-              <a:bodyPr wrap="none" lIns="0" tIns="0" rIns="0" bIns="0" rtlCol="0">
-                <a:spAutoFit/>
-              </a:bodyPr>
-              <a:lstStyle/>
-              <a:p>
-                <a:pPr/>
-                <a14:m>
-                  <m:oMathPara xmlns:m="http://schemas.openxmlformats.org/officeDocument/2006/math">
-                    <m:oMathParaPr>
-                      <m:jc m:val="centerGroup"/>
-                    </m:oMathParaPr>
-                    <m:oMath xmlns:m="http://schemas.openxmlformats.org/officeDocument/2006/math">
-                      <m:r>
-                        <a:rPr lang="en-US" b="0" i="1" smtClean="0">
-                          <a:latin typeface="Cambria Math" charset="0"/>
-                        </a:rPr>
-                        <m:t>𝑒</m:t>
-                      </m:r>
-                      <m:r>
-                        <a:rPr lang="en-US" b="0" i="1" smtClean="0">
-                          <a:latin typeface="Cambria Math" charset="0"/>
-                        </a:rPr>
-                        <m:t>8</m:t>
-                      </m:r>
-                    </m:oMath>
-                  </m:oMathPara>
-                </a14:m>
-                <a:endParaRPr lang="en-US" dirty="0" smtClean="0"/>
-              </a:p>
-            </p:txBody>
-          </p:sp>
-        </mc:Choice>
-        <mc:Fallback xmlns="">
-          <p:sp>
-            <p:nvSpPr>
-              <p:cNvPr id="66" name="TextBox 65"/>
-              <p:cNvSpPr txBox="1">
-                <a:spLocks noRot="1" noChangeAspect="1" noMove="1" noResize="1" noEditPoints="1" noAdjustHandles="1" noChangeArrowheads="1" noChangeShapeType="1" noTextEdit="1"/>
-              </p:cNvSpPr>
-              <p:nvPr/>
-            </p:nvSpPr>
-            <p:spPr>
-              <a:xfrm>
-                <a:off x="6301275" y="1876114"/>
-                <a:ext cx="294953" cy="276999"/>
-              </a:xfrm>
-              <a:prstGeom prst="rect">
-                <a:avLst/>
-              </a:prstGeom>
-              <a:blipFill rotWithShape="0">
-                <a:blip r:embed="rId20"/>
-                <a:stretch>
-                  <a:fillRect l="-20833" r="-18750" b="-6667"/>
-                </a:stretch>
-              </a:blipFill>
-            </p:spPr>
-            <p:txBody>
-              <a:bodyPr/>
-              <a:lstStyle/>
-              <a:p>
-                <a:r>
-                  <a:rPr lang="en-US">
-                    <a:noFill/>
-                  </a:rPr>
-                  <a:t> </a:t>
-                </a:r>
-              </a:p>
-            </p:txBody>
-          </p:sp>
-        </mc:Fallback>
-      </mc:AlternateContent>
-      <p:grpSp>
-        <p:nvGrpSpPr>
-          <p:cNvPr id="7" name="Group 6"/>
-          <p:cNvGrpSpPr/>
-          <p:nvPr/>
-        </p:nvGrpSpPr>
-        <p:grpSpPr>
-          <a:xfrm>
-            <a:off x="6032480" y="2425541"/>
-            <a:ext cx="1649298" cy="1785644"/>
-            <a:chOff x="6427902" y="2431637"/>
-            <a:chExt cx="1649298" cy="1785644"/>
-          </a:xfrm>
-        </p:grpSpPr>
-        <p:grpSp>
-          <p:nvGrpSpPr>
-            <p:cNvPr id="106" name="Group 105"/>
-            <p:cNvGrpSpPr/>
-            <p:nvPr/>
-          </p:nvGrpSpPr>
-          <p:grpSpPr>
-            <a:xfrm>
-              <a:off x="7121049" y="2635572"/>
-              <a:ext cx="509506" cy="1184482"/>
-              <a:chOff x="4422388" y="3319803"/>
-              <a:chExt cx="833540" cy="2253683"/>
-            </a:xfrm>
-          </p:grpSpPr>
-          <p:sp>
-            <p:nvSpPr>
-              <p:cNvPr id="112" name="Rectangle 111"/>
-              <p:cNvSpPr/>
-              <p:nvPr/>
-            </p:nvSpPr>
-            <p:spPr>
-              <a:xfrm>
-                <a:off x="4422388" y="4953000"/>
-                <a:ext cx="825651" cy="620486"/>
-              </a:xfrm>
-              <a:prstGeom prst="rect">
-                <a:avLst/>
-              </a:prstGeom>
-              <a:solidFill>
-                <a:schemeClr val="bg2">
-                  <a:lumMod val="90000"/>
-                </a:schemeClr>
-              </a:solidFill>
-              <a:ln>
-                <a:solidFill>
-                  <a:schemeClr val="tx1"/>
-                </a:solidFill>
-              </a:ln>
-            </p:spPr>
-            <p:style>
-              <a:lnRef idx="2">
-                <a:schemeClr val="accent1">
-                  <a:shade val="50000"/>
-                </a:schemeClr>
-              </a:lnRef>
-              <a:fillRef idx="1">
-                <a:schemeClr val="accent1"/>
-              </a:fillRef>
-              <a:effectRef idx="0">
-                <a:schemeClr val="accent1"/>
-              </a:effectRef>
-              <a:fontRef idx="minor">
-                <a:schemeClr val="lt1"/>
-              </a:fontRef>
-            </p:style>
-            <p:txBody>
-              <a:bodyPr rtlCol="0" anchor="ctr"/>
-              <a:lstStyle/>
-              <a:p>
-                <a:pPr algn="ctr"/>
-                <a:endParaRPr lang="en-US" sz="2000" dirty="0">
-                  <a:solidFill>
-                    <a:schemeClr val="tx1"/>
-                  </a:solidFill>
-                </a:endParaRPr>
-              </a:p>
-            </p:txBody>
-          </p:sp>
-          <p:sp>
-            <p:nvSpPr>
-              <p:cNvPr id="114" name="Rectangle 113"/>
-              <p:cNvSpPr/>
-              <p:nvPr/>
-            </p:nvSpPr>
-            <p:spPr>
-              <a:xfrm>
-                <a:off x="4430277" y="3319803"/>
-                <a:ext cx="825651" cy="620487"/>
-              </a:xfrm>
-              <a:prstGeom prst="rect">
-                <a:avLst/>
-              </a:prstGeom>
-              <a:solidFill>
-                <a:schemeClr val="bg2">
-                  <a:lumMod val="90000"/>
-                </a:schemeClr>
-              </a:solidFill>
-              <a:ln>
-                <a:solidFill>
-                  <a:schemeClr val="tx1"/>
-                </a:solidFill>
-              </a:ln>
-            </p:spPr>
-            <p:style>
-              <a:lnRef idx="2">
-                <a:schemeClr val="accent1">
-                  <a:shade val="50000"/>
-                </a:schemeClr>
-              </a:lnRef>
-              <a:fillRef idx="1">
-                <a:schemeClr val="accent1"/>
-              </a:fillRef>
-              <a:effectRef idx="0">
-                <a:schemeClr val="accent1"/>
-              </a:effectRef>
-              <a:fontRef idx="minor">
-                <a:schemeClr val="lt1"/>
-              </a:fontRef>
-            </p:style>
-            <p:txBody>
-              <a:bodyPr rtlCol="0" anchor="ctr"/>
-              <a:lstStyle/>
-              <a:p>
-                <a:pPr algn="ctr"/>
-                <a:endParaRPr lang="en-US" sz="2000" dirty="0">
-                  <a:solidFill>
-                    <a:schemeClr val="tx1"/>
-                  </a:solidFill>
-                </a:endParaRPr>
-              </a:p>
-            </p:txBody>
-          </p:sp>
-        </p:grpSp>
-        <p:cxnSp>
-          <p:nvCxnSpPr>
-            <p:cNvPr id="108" name="Straight Connector 107"/>
-            <p:cNvCxnSpPr>
-              <a:stCxn id="114" idx="2"/>
-              <a:endCxn id="112" idx="0"/>
-            </p:cNvCxnSpPr>
-            <p:nvPr/>
-          </p:nvCxnSpPr>
-          <p:spPr>
-            <a:xfrm flipH="1">
-              <a:off x="7373391" y="2961685"/>
-              <a:ext cx="4822" cy="532256"/>
-            </a:xfrm>
-            <a:prstGeom prst="line">
-              <a:avLst/>
-            </a:prstGeom>
-            <a:ln w="19050">
-              <a:solidFill>
-                <a:schemeClr val="tx1"/>
-              </a:solidFill>
-            </a:ln>
-          </p:spPr>
-          <p:style>
-            <a:lnRef idx="1">
-              <a:schemeClr val="accent1"/>
-            </a:lnRef>
-            <a:fillRef idx="0">
-              <a:schemeClr val="accent1"/>
-            </a:fillRef>
-            <a:effectRef idx="0">
-              <a:schemeClr val="accent1"/>
-            </a:effectRef>
-            <a:fontRef idx="minor">
-              <a:schemeClr val="tx1"/>
-            </a:fontRef>
-          </p:style>
-        </p:cxnSp>
-        <p:sp>
-          <p:nvSpPr>
-            <p:cNvPr id="38" name="TextBox 37"/>
-            <p:cNvSpPr txBox="1"/>
-            <p:nvPr/>
-          </p:nvSpPr>
-          <p:spPr>
-            <a:xfrm>
-              <a:off x="7056585" y="3817171"/>
-              <a:ext cx="633611" cy="400110"/>
-            </a:xfrm>
-            <a:prstGeom prst="rect">
-              <a:avLst/>
-            </a:prstGeom>
-            <a:noFill/>
-          </p:spPr>
-          <p:txBody>
-            <a:bodyPr wrap="square" rtlCol="0">
-              <a:spAutoFit/>
-            </a:bodyPr>
-            <a:lstStyle/>
-            <a:p>
-              <a:pPr algn="ctr"/>
-              <a:r>
-                <a:rPr lang="en-US" sz="2000" smtClean="0"/>
-                <a:t>LP</a:t>
-              </a:r>
-              <a:endParaRPr lang="en-US" sz="2000" baseline="-25000" dirty="0"/>
-            </a:p>
-          </p:txBody>
-        </p:sp>
-        <p:sp>
-          <p:nvSpPr>
-            <p:cNvPr id="49" name="Rectangle 48"/>
-            <p:cNvSpPr/>
-            <p:nvPr/>
-          </p:nvSpPr>
-          <p:spPr>
-            <a:xfrm>
-              <a:off x="6624784" y="2431637"/>
-              <a:ext cx="1452416" cy="1748477"/>
-            </a:xfrm>
-            <a:prstGeom prst="rect">
-              <a:avLst/>
-            </a:prstGeom>
-            <a:noFill/>
-            <a:ln w="25400">
-              <a:solidFill>
-                <a:schemeClr val="tx1"/>
-              </a:solidFill>
-              <a:prstDash val="sysDot"/>
-            </a:ln>
-          </p:spPr>
-          <p:style>
-            <a:lnRef idx="2">
-              <a:schemeClr val="accent1">
-                <a:shade val="50000"/>
-              </a:schemeClr>
-            </a:lnRef>
-            <a:fillRef idx="1">
-              <a:schemeClr val="accent1"/>
-            </a:fillRef>
-            <a:effectRef idx="0">
-              <a:schemeClr val="accent1"/>
-            </a:effectRef>
-            <a:fontRef idx="minor">
-              <a:schemeClr val="lt1"/>
-            </a:fontRef>
-          </p:style>
-          <p:txBody>
-            <a:bodyPr rtlCol="0" anchor="ctr"/>
-            <a:lstStyle/>
-            <a:p>
-              <a:pPr algn="ctr"/>
-              <a:endParaRPr lang="en-US" sz="1600"/>
-            </a:p>
-          </p:txBody>
-        </p:sp>
-        <p:sp>
-          <p:nvSpPr>
-            <p:cNvPr id="32" name="TextBox 31"/>
-            <p:cNvSpPr txBox="1"/>
-            <p:nvPr/>
-          </p:nvSpPr>
-          <p:spPr>
-            <a:xfrm>
-              <a:off x="6427902" y="2431637"/>
-              <a:ext cx="703121" cy="400110"/>
-            </a:xfrm>
-            <a:prstGeom prst="rect">
-              <a:avLst/>
-            </a:prstGeom>
-            <a:noFill/>
-          </p:spPr>
-          <p:txBody>
-            <a:bodyPr wrap="square" rtlCol="0">
-              <a:spAutoFit/>
-            </a:bodyPr>
-            <a:lstStyle/>
-            <a:p>
-              <a:pPr algn="ctr"/>
-              <a:r>
-                <a:rPr lang="en-US" sz="2000" dirty="0" smtClean="0"/>
-                <a:t>Q</a:t>
-              </a:r>
-              <a:endParaRPr lang="en-US" sz="2000" baseline="-25000" dirty="0"/>
-            </a:p>
-          </p:txBody>
-        </p:sp>
-        <mc:AlternateContent xmlns:mc="http://schemas.openxmlformats.org/markup-compatibility/2006" xmlns:a14="http://schemas.microsoft.com/office/drawing/2010/main">
-          <mc:Choice Requires="a14">
+        <mc:AlternateContent xmlns:mc="http://schemas.openxmlformats.org/markup-compatibility/2006">
+          <mc:Choice xmlns:a14="http://schemas.microsoft.com/office/drawing/2010/main" Requires="a14">
             <p:sp>
               <p:nvSpPr>
-                <p:cNvPr id="60" name="TextBox 59"/>
+                <p:cNvPr id="87" name="TextBox 86"/>
                 <p:cNvSpPr txBox="1"/>
                 <p:nvPr/>
               </p:nvSpPr>
               <p:spPr>
                 <a:xfrm>
-                  <a:off x="7395243" y="3230174"/>
-                  <a:ext cx="294953" cy="276999"/>
-                </a:xfrm>
-                <a:prstGeom prst="rect">
-                  <a:avLst/>
-                </a:prstGeom>
-                <a:noFill/>
-              </p:spPr>
-              <p:txBody>
-                <a:bodyPr wrap="none" lIns="0" tIns="0" rIns="0" bIns="0" rtlCol="0">
-                  <a:spAutoFit/>
-                </a:bodyPr>
-                <a:lstStyle/>
-                <a:p>
-                  <a:pPr/>
-                  <a14:m>
-                    <m:oMathPara xmlns:m="http://schemas.openxmlformats.org/officeDocument/2006/math">
-                      <m:oMathParaPr>
-                        <m:jc m:val="centerGroup"/>
-                      </m:oMathParaPr>
-                      <m:oMath xmlns:m="http://schemas.openxmlformats.org/officeDocument/2006/math">
-                        <m:r>
-                          <a:rPr lang="en-US" b="0" i="1" smtClean="0">
-                            <a:latin typeface="Cambria Math" charset="0"/>
-                          </a:rPr>
-                          <m:t>𝑒</m:t>
-                        </m:r>
-                        <m:r>
-                          <a:rPr lang="en-US" b="0" i="1" smtClean="0">
-                            <a:latin typeface="Cambria Math" charset="0"/>
-                          </a:rPr>
-                          <m:t>5</m:t>
-                        </m:r>
-                      </m:oMath>
-                    </m:oMathPara>
-                  </a14:m>
-                  <a:endParaRPr lang="en-US" dirty="0" smtClean="0"/>
-                </a:p>
-              </p:txBody>
-            </p:sp>
-          </mc:Choice>
-          <mc:Fallback xmlns="">
-            <p:sp>
-              <p:nvSpPr>
-                <p:cNvPr id="60" name="TextBox 59"/>
-                <p:cNvSpPr txBox="1">
-                  <a:spLocks noRot="1" noChangeAspect="1" noMove="1" noResize="1" noEditPoints="1" noAdjustHandles="1" noChangeArrowheads="1" noChangeShapeType="1" noTextEdit="1"/>
-                </p:cNvSpPr>
-                <p:nvPr/>
-              </p:nvSpPr>
-              <p:spPr>
-                <a:xfrm>
-                  <a:off x="7395243" y="3230174"/>
-                  <a:ext cx="294953" cy="276999"/>
-                </a:xfrm>
-                <a:prstGeom prst="rect">
-                  <a:avLst/>
-                </a:prstGeom>
-                <a:blipFill rotWithShape="0">
-                  <a:blip r:embed="rId21"/>
-                  <a:stretch>
-                    <a:fillRect l="-20408" r="-18367" b="-8889"/>
-                  </a:stretch>
-                </a:blipFill>
-              </p:spPr>
-              <p:txBody>
-                <a:bodyPr/>
-                <a:lstStyle/>
-                <a:p>
-                  <a:r>
-                    <a:rPr lang="en-US">
-                      <a:noFill/>
-                    </a:rPr>
-                    <a:t> </a:t>
-                  </a:r>
-                </a:p>
-              </p:txBody>
-            </p:sp>
-          </mc:Fallback>
-        </mc:AlternateContent>
-        <mc:AlternateContent xmlns:mc="http://schemas.openxmlformats.org/markup-compatibility/2006" xmlns:a14="http://schemas.microsoft.com/office/drawing/2010/main">
-          <mc:Choice Requires="a14">
-            <p:sp>
-              <p:nvSpPr>
-                <p:cNvPr id="61" name="TextBox 60"/>
-                <p:cNvSpPr txBox="1"/>
-                <p:nvPr/>
-              </p:nvSpPr>
-              <p:spPr>
-                <a:xfrm>
-                  <a:off x="7395243" y="2950328"/>
-                  <a:ext cx="294953" cy="276999"/>
-                </a:xfrm>
-                <a:prstGeom prst="rect">
-                  <a:avLst/>
-                </a:prstGeom>
-                <a:noFill/>
-              </p:spPr>
-              <p:txBody>
-                <a:bodyPr wrap="none" lIns="0" tIns="0" rIns="0" bIns="0" rtlCol="0">
-                  <a:spAutoFit/>
-                </a:bodyPr>
-                <a:lstStyle/>
-                <a:p>
-                  <a:pPr/>
-                  <a14:m>
-                    <m:oMathPara xmlns:m="http://schemas.openxmlformats.org/officeDocument/2006/math">
-                      <m:oMathParaPr>
-                        <m:jc m:val="centerGroup"/>
-                      </m:oMathParaPr>
-                      <m:oMath xmlns:m="http://schemas.openxmlformats.org/officeDocument/2006/math">
-                        <m:r>
-                          <a:rPr lang="en-US" b="0" i="1" smtClean="0">
-                            <a:latin typeface="Cambria Math" charset="0"/>
-                          </a:rPr>
-                          <m:t>𝑒</m:t>
-                        </m:r>
-                        <m:r>
-                          <a:rPr lang="en-US" b="0" i="1" smtClean="0">
-                            <a:latin typeface="Cambria Math" charset="0"/>
-                          </a:rPr>
-                          <m:t>6</m:t>
-                        </m:r>
-                      </m:oMath>
-                    </m:oMathPara>
-                  </a14:m>
-                  <a:endParaRPr lang="en-US" dirty="0" smtClean="0"/>
-                </a:p>
-              </p:txBody>
-            </p:sp>
-          </mc:Choice>
-          <mc:Fallback xmlns="">
-            <p:sp>
-              <p:nvSpPr>
-                <p:cNvPr id="61" name="TextBox 60"/>
-                <p:cNvSpPr txBox="1">
-                  <a:spLocks noRot="1" noChangeAspect="1" noMove="1" noResize="1" noEditPoints="1" noAdjustHandles="1" noChangeArrowheads="1" noChangeShapeType="1" noTextEdit="1"/>
-                </p:cNvSpPr>
-                <p:nvPr/>
-              </p:nvSpPr>
-              <p:spPr>
-                <a:xfrm>
-                  <a:off x="7395243" y="2950328"/>
-                  <a:ext cx="294953" cy="276999"/>
-                </a:xfrm>
-                <a:prstGeom prst="rect">
-                  <a:avLst/>
-                </a:prstGeom>
-                <a:blipFill rotWithShape="0">
-                  <a:blip r:embed="rId22"/>
-                  <a:stretch>
-                    <a:fillRect l="-18367" r="-18367" b="-6667"/>
-                  </a:stretch>
-                </a:blipFill>
-              </p:spPr>
-              <p:txBody>
-                <a:bodyPr/>
-                <a:lstStyle/>
-                <a:p>
-                  <a:r>
-                    <a:rPr lang="en-US">
-                      <a:noFill/>
-                    </a:rPr>
-                    <a:t> </a:t>
-                  </a:r>
-                </a:p>
-              </p:txBody>
-            </p:sp>
-          </mc:Fallback>
-        </mc:AlternateContent>
-        <mc:AlternateContent xmlns:mc="http://schemas.openxmlformats.org/markup-compatibility/2006" xmlns:a14="http://schemas.microsoft.com/office/drawing/2010/main">
-          <mc:Choice Requires="a14">
-            <p:sp>
-              <p:nvSpPr>
-                <p:cNvPr id="69" name="TextBox 68"/>
-                <p:cNvSpPr txBox="1"/>
-                <p:nvPr/>
-              </p:nvSpPr>
-              <p:spPr>
-                <a:xfrm>
-                  <a:off x="7209915" y="2655847"/>
-                  <a:ext cx="326949" cy="276999"/>
-                </a:xfrm>
-                <a:prstGeom prst="rect">
-                  <a:avLst/>
-                </a:prstGeom>
-                <a:noFill/>
-              </p:spPr>
-              <p:txBody>
-                <a:bodyPr wrap="none" lIns="0" tIns="0" rIns="0" bIns="0" rtlCol="0">
-                  <a:spAutoFit/>
-                </a:bodyPr>
-                <a:lstStyle/>
-                <a:p>
-                  <a:pPr/>
-                  <a14:m>
-                    <m:oMathPara xmlns:m="http://schemas.openxmlformats.org/officeDocument/2006/math">
-                      <m:oMathParaPr>
-                        <m:jc m:val="centerGroup"/>
-                      </m:oMathParaPr>
-                      <m:oMath xmlns:m="http://schemas.openxmlformats.org/officeDocument/2006/math">
-                        <m:r>
-                          <a:rPr lang="en-US" b="0" i="1" smtClean="0">
-                            <a:latin typeface="Cambria Math" charset="0"/>
-                          </a:rPr>
-                          <m:t>𝐴𝐿</m:t>
-                        </m:r>
-                      </m:oMath>
-                    </m:oMathPara>
-                  </a14:m>
-                  <a:endParaRPr lang="en-US" dirty="0" smtClean="0"/>
-                </a:p>
-              </p:txBody>
-            </p:sp>
-          </mc:Choice>
-          <mc:Fallback xmlns="">
-            <p:sp>
-              <p:nvSpPr>
-                <p:cNvPr id="69" name="TextBox 68"/>
-                <p:cNvSpPr txBox="1">
-                  <a:spLocks noRot="1" noChangeAspect="1" noMove="1" noResize="1" noEditPoints="1" noAdjustHandles="1" noChangeArrowheads="1" noChangeShapeType="1" noTextEdit="1"/>
-                </p:cNvSpPr>
-                <p:nvPr/>
-              </p:nvSpPr>
-              <p:spPr>
-                <a:xfrm>
-                  <a:off x="7209915" y="2655847"/>
-                  <a:ext cx="326949" cy="276999"/>
-                </a:xfrm>
-                <a:prstGeom prst="rect">
-                  <a:avLst/>
-                </a:prstGeom>
-                <a:blipFill rotWithShape="0">
-                  <a:blip r:embed="rId23"/>
-                  <a:stretch>
-                    <a:fillRect l="-18868" r="-15094" b="-6667"/>
-                  </a:stretch>
-                </a:blipFill>
-              </p:spPr>
-              <p:txBody>
-                <a:bodyPr/>
-                <a:lstStyle/>
-                <a:p>
-                  <a:r>
-                    <a:rPr lang="en-US">
-                      <a:noFill/>
-                    </a:rPr>
-                    <a:t> </a:t>
-                  </a:r>
-                </a:p>
-              </p:txBody>
-            </p:sp>
-          </mc:Fallback>
-        </mc:AlternateContent>
-        <mc:AlternateContent xmlns:mc="http://schemas.openxmlformats.org/markup-compatibility/2006" xmlns:a14="http://schemas.microsoft.com/office/drawing/2010/main">
-          <mc:Choice Requires="a14">
-            <p:sp>
-              <p:nvSpPr>
-                <p:cNvPr id="70" name="TextBox 69"/>
-                <p:cNvSpPr txBox="1"/>
-                <p:nvPr/>
-              </p:nvSpPr>
-              <p:spPr>
-                <a:xfrm>
-                  <a:off x="7230631" y="3530355"/>
-                  <a:ext cx="318933" cy="276999"/>
-                </a:xfrm>
-                <a:prstGeom prst="rect">
-                  <a:avLst/>
-                </a:prstGeom>
-                <a:noFill/>
-              </p:spPr>
-              <p:txBody>
-                <a:bodyPr wrap="none" lIns="0" tIns="0" rIns="0" bIns="0" rtlCol="0">
-                  <a:spAutoFit/>
-                </a:bodyPr>
-                <a:lstStyle/>
-                <a:p>
-                  <a:pPr/>
-                  <a14:m>
-                    <m:oMathPara xmlns:m="http://schemas.openxmlformats.org/officeDocument/2006/math">
-                      <m:oMathParaPr>
-                        <m:jc m:val="centerGroup"/>
-                      </m:oMathParaPr>
-                      <m:oMath xmlns:m="http://schemas.openxmlformats.org/officeDocument/2006/math">
-                        <m:r>
-                          <a:rPr lang="en-US" b="0" i="1" smtClean="0">
-                            <a:latin typeface="Cambria Math" charset="0"/>
-                          </a:rPr>
-                          <m:t>𝑇𝐿</m:t>
-                        </m:r>
-                      </m:oMath>
-                    </m:oMathPara>
-                  </a14:m>
-                  <a:endParaRPr lang="en-US" dirty="0" smtClean="0"/>
-                </a:p>
-              </p:txBody>
-            </p:sp>
-          </mc:Choice>
-          <mc:Fallback xmlns="">
-            <p:sp>
-              <p:nvSpPr>
-                <p:cNvPr id="70" name="TextBox 69"/>
-                <p:cNvSpPr txBox="1">
-                  <a:spLocks noRot="1" noChangeAspect="1" noMove="1" noResize="1" noEditPoints="1" noAdjustHandles="1" noChangeArrowheads="1" noChangeShapeType="1" noTextEdit="1"/>
-                </p:cNvSpPr>
-                <p:nvPr/>
-              </p:nvSpPr>
-              <p:spPr>
-                <a:xfrm>
-                  <a:off x="7230631" y="3530355"/>
-                  <a:ext cx="318933" cy="276999"/>
-                </a:xfrm>
-                <a:prstGeom prst="rect">
-                  <a:avLst/>
-                </a:prstGeom>
-                <a:blipFill rotWithShape="0">
-                  <a:blip r:embed="rId24"/>
-                  <a:stretch>
-                    <a:fillRect l="-17308" r="-15385" b="-4348"/>
-                  </a:stretch>
-                </a:blipFill>
-              </p:spPr>
-              <p:txBody>
-                <a:bodyPr/>
-                <a:lstStyle/>
-                <a:p>
-                  <a:r>
-                    <a:rPr lang="en-US">
-                      <a:noFill/>
-                    </a:rPr>
-                    <a:t> </a:t>
-                  </a:r>
-                </a:p>
-              </p:txBody>
-            </p:sp>
-          </mc:Fallback>
-        </mc:AlternateContent>
-      </p:grpSp>
-      <mc:AlternateContent xmlns:mc="http://schemas.openxmlformats.org/markup-compatibility/2006" xmlns:a14="http://schemas.microsoft.com/office/drawing/2010/main">
-        <mc:Choice Requires="a14">
-          <p:sp>
-            <p:nvSpPr>
-              <p:cNvPr id="71" name="TextBox 70"/>
-              <p:cNvSpPr txBox="1"/>
-              <p:nvPr/>
-            </p:nvSpPr>
-            <p:spPr>
-              <a:xfrm>
-                <a:off x="5908029" y="1682486"/>
-                <a:ext cx="179215" cy="276999"/>
-              </a:xfrm>
-              <a:prstGeom prst="rect">
-                <a:avLst/>
-              </a:prstGeom>
-              <a:noFill/>
-            </p:spPr>
-            <p:txBody>
-              <a:bodyPr wrap="none" lIns="0" tIns="0" rIns="0" bIns="0" rtlCol="0">
-                <a:spAutoFit/>
-              </a:bodyPr>
-              <a:lstStyle/>
-              <a:p>
-                <a:pPr/>
-                <a14:m>
-                  <m:oMathPara xmlns:m="http://schemas.openxmlformats.org/officeDocument/2006/math">
-                    <m:oMathParaPr>
-                      <m:jc m:val="centerGroup"/>
-                    </m:oMathParaPr>
-                    <m:oMath xmlns:m="http://schemas.openxmlformats.org/officeDocument/2006/math">
-                      <m:r>
-                        <a:rPr lang="en-US" b="0" i="1" smtClean="0">
-                          <a:latin typeface="Cambria Math" charset="0"/>
-                        </a:rPr>
-                        <m:t>𝑆</m:t>
-                      </m:r>
-                    </m:oMath>
-                  </m:oMathPara>
-                </a14:m>
-                <a:endParaRPr lang="en-US" dirty="0" smtClean="0"/>
-              </a:p>
-            </p:txBody>
-          </p:sp>
-        </mc:Choice>
-        <mc:Fallback xmlns="">
-          <p:sp>
-            <p:nvSpPr>
-              <p:cNvPr id="71" name="TextBox 70"/>
-              <p:cNvSpPr txBox="1">
-                <a:spLocks noRot="1" noChangeAspect="1" noMove="1" noResize="1" noEditPoints="1" noAdjustHandles="1" noChangeArrowheads="1" noChangeShapeType="1" noTextEdit="1"/>
-              </p:cNvSpPr>
-              <p:nvPr/>
-            </p:nvSpPr>
-            <p:spPr>
-              <a:xfrm>
-                <a:off x="5908029" y="1682486"/>
-                <a:ext cx="179215" cy="276999"/>
-              </a:xfrm>
-              <a:prstGeom prst="rect">
-                <a:avLst/>
-              </a:prstGeom>
-              <a:blipFill rotWithShape="0">
-                <a:blip r:embed="rId25"/>
-                <a:stretch>
-                  <a:fillRect l="-30000" r="-26667" b="-6667"/>
-                </a:stretch>
-              </a:blipFill>
-            </p:spPr>
-            <p:txBody>
-              <a:bodyPr/>
-              <a:lstStyle/>
-              <a:p>
-                <a:r>
-                  <a:rPr lang="en-US">
-                    <a:noFill/>
-                  </a:rPr>
-                  <a:t> </a:t>
-                </a:r>
-              </a:p>
-            </p:txBody>
-          </p:sp>
-        </mc:Fallback>
-      </mc:AlternateContent>
-      <p:grpSp>
-        <p:nvGrpSpPr>
-          <p:cNvPr id="6" name="Group 5"/>
-          <p:cNvGrpSpPr/>
-          <p:nvPr/>
-        </p:nvGrpSpPr>
-        <p:grpSpPr>
-          <a:xfrm>
-            <a:off x="4085846" y="2433089"/>
-            <a:ext cx="1684190" cy="1787477"/>
-            <a:chOff x="3665711" y="2433089"/>
-            <a:chExt cx="1684190" cy="1787477"/>
-          </a:xfrm>
-        </p:grpSpPr>
-        <p:grpSp>
-          <p:nvGrpSpPr>
-            <p:cNvPr id="99" name="Group 98"/>
-            <p:cNvGrpSpPr/>
-            <p:nvPr/>
-          </p:nvGrpSpPr>
-          <p:grpSpPr>
-            <a:xfrm>
-              <a:off x="4382036" y="2633123"/>
-              <a:ext cx="504684" cy="1208704"/>
-              <a:chOff x="4422388" y="3273718"/>
-              <a:chExt cx="825651" cy="2299768"/>
-            </a:xfrm>
-          </p:grpSpPr>
-          <p:grpSp>
-            <p:nvGrpSpPr>
-              <p:cNvPr id="124" name="Group 123"/>
-              <p:cNvGrpSpPr/>
-              <p:nvPr/>
-            </p:nvGrpSpPr>
-            <p:grpSpPr>
-              <a:xfrm>
-                <a:off x="4422388" y="3273718"/>
-                <a:ext cx="825651" cy="2299768"/>
-                <a:chOff x="4422388" y="3273718"/>
-                <a:chExt cx="825651" cy="2299768"/>
-              </a:xfrm>
-            </p:grpSpPr>
-            <p:sp>
-              <p:nvSpPr>
-                <p:cNvPr id="130" name="Rectangle 129"/>
-                <p:cNvSpPr/>
-                <p:nvPr/>
-              </p:nvSpPr>
-              <p:spPr>
-                <a:xfrm>
-                  <a:off x="4422388" y="4953000"/>
-                  <a:ext cx="825651" cy="620486"/>
-                </a:xfrm>
-                <a:prstGeom prst="rect">
-                  <a:avLst/>
-                </a:prstGeom>
-                <a:solidFill>
-                  <a:schemeClr val="bg2">
-                    <a:lumMod val="90000"/>
-                  </a:schemeClr>
-                </a:solidFill>
-                <a:ln>
-                  <a:solidFill>
-                    <a:schemeClr val="tx1"/>
-                  </a:solidFill>
-                </a:ln>
-              </p:spPr>
-              <p:style>
-                <a:lnRef idx="2">
-                  <a:schemeClr val="accent1">
-                    <a:shade val="50000"/>
-                  </a:schemeClr>
-                </a:lnRef>
-                <a:fillRef idx="1">
-                  <a:schemeClr val="accent1"/>
-                </a:fillRef>
-                <a:effectRef idx="0">
-                  <a:schemeClr val="accent1"/>
-                </a:effectRef>
-                <a:fontRef idx="minor">
-                  <a:schemeClr val="lt1"/>
-                </a:fontRef>
-              </p:style>
-              <p:txBody>
-                <a:bodyPr rtlCol="0" anchor="ctr"/>
-                <a:lstStyle/>
-                <a:p>
-                  <a:pPr algn="ctr"/>
-                  <a:endParaRPr lang="en-US" sz="2000" dirty="0">
-                    <a:solidFill>
-                      <a:schemeClr val="tx1"/>
-                    </a:solidFill>
-                  </a:endParaRPr>
-                </a:p>
-              </p:txBody>
-            </p:sp>
-            <p:sp>
-              <p:nvSpPr>
-                <p:cNvPr id="132" name="Rectangle 131"/>
-                <p:cNvSpPr/>
-                <p:nvPr/>
-              </p:nvSpPr>
-              <p:spPr>
-                <a:xfrm>
-                  <a:off x="4422388" y="3273718"/>
-                  <a:ext cx="825651" cy="620486"/>
-                </a:xfrm>
-                <a:prstGeom prst="rect">
-                  <a:avLst/>
-                </a:prstGeom>
-                <a:solidFill>
-                  <a:schemeClr val="bg2">
-                    <a:lumMod val="90000"/>
-                  </a:schemeClr>
-                </a:solidFill>
-                <a:ln>
-                  <a:solidFill>
-                    <a:schemeClr val="tx1"/>
-                  </a:solidFill>
-                </a:ln>
-              </p:spPr>
-              <p:style>
-                <a:lnRef idx="2">
-                  <a:schemeClr val="accent1">
-                    <a:shade val="50000"/>
-                  </a:schemeClr>
-                </a:lnRef>
-                <a:fillRef idx="1">
-                  <a:schemeClr val="accent1"/>
-                </a:fillRef>
-                <a:effectRef idx="0">
-                  <a:schemeClr val="accent1"/>
-                </a:effectRef>
-                <a:fontRef idx="minor">
-                  <a:schemeClr val="lt1"/>
-                </a:fontRef>
-              </p:style>
-              <p:txBody>
-                <a:bodyPr rtlCol="0" anchor="ctr"/>
-                <a:lstStyle/>
-                <a:p>
-                  <a:pPr algn="ctr"/>
-                  <a:endParaRPr lang="en-US" sz="2000" dirty="0">
-                    <a:solidFill>
-                      <a:schemeClr val="tx1"/>
-                    </a:solidFill>
-                  </a:endParaRPr>
-                </a:p>
-              </p:txBody>
-            </p:sp>
-          </p:grpSp>
-          <p:cxnSp>
-            <p:nvCxnSpPr>
-              <p:cNvPr id="126" name="Straight Connector 125"/>
-              <p:cNvCxnSpPr>
-                <a:stCxn id="132" idx="2"/>
-                <a:endCxn id="130" idx="0"/>
-              </p:cNvCxnSpPr>
-              <p:nvPr/>
-            </p:nvCxnSpPr>
-            <p:spPr>
-              <a:xfrm>
-                <a:off x="4835214" y="3894204"/>
-                <a:ext cx="0" cy="1058795"/>
-              </a:xfrm>
-              <a:prstGeom prst="line">
-                <a:avLst/>
-              </a:prstGeom>
-              <a:ln w="19050">
-                <a:solidFill>
-                  <a:schemeClr val="tx1"/>
-                </a:solidFill>
-              </a:ln>
-            </p:spPr>
-            <p:style>
-              <a:lnRef idx="1">
-                <a:schemeClr val="accent1"/>
-              </a:lnRef>
-              <a:fillRef idx="0">
-                <a:schemeClr val="accent1"/>
-              </a:fillRef>
-              <a:effectRef idx="0">
-                <a:schemeClr val="accent1"/>
-              </a:effectRef>
-              <a:fontRef idx="minor">
-                <a:schemeClr val="tx1"/>
-              </a:fontRef>
-            </p:style>
-          </p:cxnSp>
-        </p:grpSp>
-        <p:sp>
-          <p:nvSpPr>
-            <p:cNvPr id="102" name="TextBox 101"/>
-            <p:cNvSpPr txBox="1"/>
-            <p:nvPr/>
-          </p:nvSpPr>
-          <p:spPr>
-            <a:xfrm>
-              <a:off x="4257121" y="3820456"/>
-              <a:ext cx="703121" cy="400110"/>
-            </a:xfrm>
-            <a:prstGeom prst="rect">
-              <a:avLst/>
-            </a:prstGeom>
-            <a:noFill/>
-          </p:spPr>
-          <p:txBody>
-            <a:bodyPr wrap="square" rtlCol="0">
-              <a:spAutoFit/>
-            </a:bodyPr>
-            <a:lstStyle/>
-            <a:p>
-              <a:pPr algn="ctr"/>
-              <a:r>
-                <a:rPr lang="en-US" sz="2000" smtClean="0"/>
-                <a:t>GP</a:t>
-              </a:r>
-              <a:endParaRPr lang="en-US" sz="2000" baseline="-25000" dirty="0"/>
-            </a:p>
-          </p:txBody>
-        </p:sp>
-        <p:sp>
-          <p:nvSpPr>
-            <p:cNvPr id="123" name="Rectangle 122"/>
-            <p:cNvSpPr/>
-            <p:nvPr/>
-          </p:nvSpPr>
-          <p:spPr>
-            <a:xfrm>
-              <a:off x="3867464" y="2433089"/>
-              <a:ext cx="1482437" cy="1747026"/>
-            </a:xfrm>
-            <a:prstGeom prst="rect">
-              <a:avLst/>
-            </a:prstGeom>
-            <a:noFill/>
-            <a:ln w="25400">
-              <a:solidFill>
-                <a:schemeClr val="tx1"/>
-              </a:solidFill>
-              <a:prstDash val="sysDot"/>
-            </a:ln>
-          </p:spPr>
-          <p:style>
-            <a:lnRef idx="2">
-              <a:schemeClr val="accent1">
-                <a:shade val="50000"/>
-              </a:schemeClr>
-            </a:lnRef>
-            <a:fillRef idx="1">
-              <a:schemeClr val="accent1"/>
-            </a:fillRef>
-            <a:effectRef idx="0">
-              <a:schemeClr val="accent1"/>
-            </a:effectRef>
-            <a:fontRef idx="minor">
-              <a:schemeClr val="lt1"/>
-            </a:fontRef>
-          </p:style>
-          <p:txBody>
-            <a:bodyPr rtlCol="0" anchor="ctr"/>
-            <a:lstStyle/>
-            <a:p>
-              <a:pPr algn="ctr"/>
-              <a:endParaRPr lang="en-US" sz="1600"/>
-            </a:p>
-          </p:txBody>
-        </p:sp>
-        <mc:AlternateContent xmlns:mc="http://schemas.openxmlformats.org/markup-compatibility/2006" xmlns:a14="http://schemas.microsoft.com/office/drawing/2010/main">
-          <mc:Choice Requires="a14">
-            <p:sp>
-              <p:nvSpPr>
-                <p:cNvPr id="57" name="TextBox 56"/>
-                <p:cNvSpPr txBox="1"/>
-                <p:nvPr/>
-              </p:nvSpPr>
-              <p:spPr>
-                <a:xfrm>
-                  <a:off x="4325317" y="3233021"/>
-                  <a:ext cx="294953" cy="276999"/>
-                </a:xfrm>
-                <a:prstGeom prst="rect">
-                  <a:avLst/>
-                </a:prstGeom>
-                <a:noFill/>
-              </p:spPr>
-              <p:txBody>
-                <a:bodyPr wrap="none" lIns="0" tIns="0" rIns="0" bIns="0" rtlCol="0">
-                  <a:spAutoFit/>
-                </a:bodyPr>
-                <a:lstStyle/>
-                <a:p>
-                  <a:pPr/>
-                  <a14:m>
-                    <m:oMathPara xmlns:m="http://schemas.openxmlformats.org/officeDocument/2006/math">
-                      <m:oMathParaPr>
-                        <m:jc m:val="centerGroup"/>
-                      </m:oMathParaPr>
-                      <m:oMath xmlns:m="http://schemas.openxmlformats.org/officeDocument/2006/math">
-                        <m:r>
-                          <a:rPr lang="en-US" b="0" i="1" smtClean="0">
-                            <a:latin typeface="Cambria Math" charset="0"/>
-                          </a:rPr>
-                          <m:t>𝑒</m:t>
-                        </m:r>
-                        <m:r>
-                          <a:rPr lang="en-US" b="0" i="1" smtClean="0">
-                            <a:latin typeface="Cambria Math" charset="0"/>
-                          </a:rPr>
-                          <m:t>1</m:t>
-                        </m:r>
-                      </m:oMath>
-                    </m:oMathPara>
-                  </a14:m>
-                  <a:endParaRPr lang="en-US" dirty="0" smtClean="0"/>
-                </a:p>
-              </p:txBody>
-            </p:sp>
-          </mc:Choice>
-          <mc:Fallback xmlns="">
-            <p:sp>
-              <p:nvSpPr>
-                <p:cNvPr id="57" name="TextBox 56"/>
-                <p:cNvSpPr txBox="1">
-                  <a:spLocks noRot="1" noChangeAspect="1" noMove="1" noResize="1" noEditPoints="1" noAdjustHandles="1" noChangeArrowheads="1" noChangeShapeType="1" noTextEdit="1"/>
-                </p:cNvSpPr>
-                <p:nvPr/>
-              </p:nvSpPr>
-              <p:spPr>
-                <a:xfrm>
-                  <a:off x="4325317" y="3233021"/>
-                  <a:ext cx="294953" cy="276999"/>
-                </a:xfrm>
-                <a:prstGeom prst="rect">
-                  <a:avLst/>
-                </a:prstGeom>
-                <a:blipFill rotWithShape="0">
-                  <a:blip r:embed="rId26"/>
-                  <a:stretch>
-                    <a:fillRect l="-20833" r="-18750" b="-6522"/>
-                  </a:stretch>
-                </a:blipFill>
-              </p:spPr>
-              <p:txBody>
-                <a:bodyPr/>
-                <a:lstStyle/>
-                <a:p>
-                  <a:r>
-                    <a:rPr lang="en-US">
-                      <a:noFill/>
-                    </a:rPr>
-                    <a:t> </a:t>
-                  </a:r>
-                </a:p>
-              </p:txBody>
-            </p:sp>
-          </mc:Fallback>
-        </mc:AlternateContent>
-        <mc:AlternateContent xmlns:mc="http://schemas.openxmlformats.org/markup-compatibility/2006" xmlns:a14="http://schemas.microsoft.com/office/drawing/2010/main">
-          <mc:Choice Requires="a14">
-            <p:sp>
-              <p:nvSpPr>
-                <p:cNvPr id="58" name="TextBox 57"/>
-                <p:cNvSpPr txBox="1"/>
-                <p:nvPr/>
-              </p:nvSpPr>
-              <p:spPr>
-                <a:xfrm>
-                  <a:off x="4325317" y="2953175"/>
-                  <a:ext cx="294953" cy="276999"/>
-                </a:xfrm>
-                <a:prstGeom prst="rect">
-                  <a:avLst/>
-                </a:prstGeom>
-                <a:noFill/>
-              </p:spPr>
-              <p:txBody>
-                <a:bodyPr wrap="none" lIns="0" tIns="0" rIns="0" bIns="0" rtlCol="0">
-                  <a:spAutoFit/>
-                </a:bodyPr>
-                <a:lstStyle/>
-                <a:p>
-                  <a:pPr/>
-                  <a14:m>
-                    <m:oMathPara xmlns:m="http://schemas.openxmlformats.org/officeDocument/2006/math">
-                      <m:oMathParaPr>
-                        <m:jc m:val="centerGroup"/>
-                      </m:oMathParaPr>
-                      <m:oMath xmlns:m="http://schemas.openxmlformats.org/officeDocument/2006/math">
-                        <m:r>
-                          <a:rPr lang="en-US" b="0" i="1" smtClean="0">
-                            <a:latin typeface="Cambria Math" charset="0"/>
-                          </a:rPr>
-                          <m:t>𝑒</m:t>
-                        </m:r>
-                        <m:r>
-                          <a:rPr lang="en-US" b="0" i="1" smtClean="0">
-                            <a:latin typeface="Cambria Math" charset="0"/>
-                          </a:rPr>
-                          <m:t>2</m:t>
-                        </m:r>
-                      </m:oMath>
-                    </m:oMathPara>
-                  </a14:m>
-                  <a:endParaRPr lang="en-US" dirty="0" smtClean="0"/>
-                </a:p>
-              </p:txBody>
-            </p:sp>
-          </mc:Choice>
-          <mc:Fallback xmlns="">
-            <p:sp>
-              <p:nvSpPr>
-                <p:cNvPr id="58" name="TextBox 57"/>
-                <p:cNvSpPr txBox="1">
-                  <a:spLocks noRot="1" noChangeAspect="1" noMove="1" noResize="1" noEditPoints="1" noAdjustHandles="1" noChangeArrowheads="1" noChangeShapeType="1" noTextEdit="1"/>
-                </p:cNvSpPr>
-                <p:nvPr/>
-              </p:nvSpPr>
-              <p:spPr>
-                <a:xfrm>
-                  <a:off x="4325317" y="2953175"/>
-                  <a:ext cx="294953" cy="276999"/>
-                </a:xfrm>
-                <a:prstGeom prst="rect">
-                  <a:avLst/>
-                </a:prstGeom>
-                <a:blipFill rotWithShape="0">
-                  <a:blip r:embed="rId27"/>
-                  <a:stretch>
-                    <a:fillRect l="-20833" r="-18750" b="-6522"/>
-                  </a:stretch>
-                </a:blipFill>
-              </p:spPr>
-              <p:txBody>
-                <a:bodyPr/>
-                <a:lstStyle/>
-                <a:p>
-                  <a:r>
-                    <a:rPr lang="en-US">
-                      <a:noFill/>
-                    </a:rPr>
-                    <a:t> </a:t>
-                  </a:r>
-                </a:p>
-              </p:txBody>
-            </p:sp>
-          </mc:Fallback>
-        </mc:AlternateContent>
-        <mc:AlternateContent xmlns:mc="http://schemas.openxmlformats.org/markup-compatibility/2006" xmlns:a14="http://schemas.microsoft.com/office/drawing/2010/main">
-          <mc:Choice Requires="a14">
-            <p:sp>
-              <p:nvSpPr>
-                <p:cNvPr id="67" name="TextBox 66"/>
-                <p:cNvSpPr txBox="1"/>
-                <p:nvPr/>
-              </p:nvSpPr>
-              <p:spPr>
-                <a:xfrm>
-                  <a:off x="4456989" y="2655848"/>
-                  <a:ext cx="354776" cy="276999"/>
+                  <a:off x="8014255" y="3256431"/>
+                  <a:ext cx="930191" cy="276999"/>
                 </a:xfrm>
                 <a:prstGeom prst="rect">
                   <a:avLst/>
@@ -22926,6 +23071,18 @@
                           </a:rPr>
                           <m:t>𝐴𝐺</m:t>
                         </m:r>
+                        <m:r>
+                          <a:rPr lang="en-US" b="0" i="1" smtClean="0">
+                            <a:latin typeface="Cambria Math" charset="0"/>
+                          </a:rPr>
+                          <m:t>=</m:t>
+                        </m:r>
+                        <m:r>
+                          <a:rPr lang="en-US" b="0" i="1" smtClean="0">
+                            <a:latin typeface="Cambria Math" charset="0"/>
+                          </a:rPr>
+                          <m:t>𝐴𝐿</m:t>
+                        </m:r>
                       </m:oMath>
                     </m:oMathPara>
                   </a14:m>
@@ -22934,10 +23091,10 @@
               </p:txBody>
             </p:sp>
           </mc:Choice>
-          <mc:Fallback xmlns="">
+          <mc:Fallback>
             <p:sp>
               <p:nvSpPr>
-                <p:cNvPr id="67" name="TextBox 66"/>
+                <p:cNvPr id="87" name="TextBox 86"/>
                 <p:cNvSpPr txBox="1">
                   <a:spLocks noRot="1" noChangeAspect="1" noMove="1" noResize="1" noEditPoints="1" noAdjustHandles="1" noChangeArrowheads="1" noChangeShapeType="1" noTextEdit="1"/>
                 </p:cNvSpPr>
@@ -22945,16 +23102,16 @@
               </p:nvSpPr>
               <p:spPr>
                 <a:xfrm>
-                  <a:off x="4456989" y="2655848"/>
-                  <a:ext cx="354776" cy="276999"/>
+                  <a:off x="8014255" y="3256431"/>
+                  <a:ext cx="930191" cy="276999"/>
                 </a:xfrm>
                 <a:prstGeom prst="rect">
                   <a:avLst/>
                 </a:prstGeom>
                 <a:blipFill rotWithShape="0">
-                  <a:blip r:embed="rId28"/>
+                  <a:blip r:embed="rId44"/>
                   <a:stretch>
-                    <a:fillRect l="-13793" r="-15517" b="-6667"/>
+                    <a:fillRect l="-5921" r="-5263" b="-6522"/>
                   </a:stretch>
                 </a:blipFill>
               </p:spPr>
@@ -22973,121 +23130,6 @@
             </p:sp>
           </mc:Fallback>
         </mc:AlternateContent>
-        <mc:AlternateContent xmlns:mc="http://schemas.openxmlformats.org/markup-compatibility/2006" xmlns:a14="http://schemas.microsoft.com/office/drawing/2010/main">
-          <mc:Choice Requires="a14">
-            <p:sp>
-              <p:nvSpPr>
-                <p:cNvPr id="68" name="TextBox 67"/>
-                <p:cNvSpPr txBox="1"/>
-                <p:nvPr/>
-              </p:nvSpPr>
-              <p:spPr>
-                <a:xfrm>
-                  <a:off x="4456989" y="3556154"/>
-                  <a:ext cx="346762" cy="276999"/>
-                </a:xfrm>
-                <a:prstGeom prst="rect">
-                  <a:avLst/>
-                </a:prstGeom>
-                <a:noFill/>
-              </p:spPr>
-              <p:txBody>
-                <a:bodyPr wrap="none" lIns="0" tIns="0" rIns="0" bIns="0" rtlCol="0">
-                  <a:spAutoFit/>
-                </a:bodyPr>
-                <a:lstStyle/>
-                <a:p>
-                  <a:pPr/>
-                  <a14:m>
-                    <m:oMathPara xmlns:m="http://schemas.openxmlformats.org/officeDocument/2006/math">
-                      <m:oMathParaPr>
-                        <m:jc m:val="centerGroup"/>
-                      </m:oMathParaPr>
-                      <m:oMath xmlns:m="http://schemas.openxmlformats.org/officeDocument/2006/math">
-                        <m:r>
-                          <a:rPr lang="en-US" b="0" i="1" smtClean="0">
-                            <a:latin typeface="Cambria Math" charset="0"/>
-                          </a:rPr>
-                          <m:t>𝑇𝐺</m:t>
-                        </m:r>
-                      </m:oMath>
-                    </m:oMathPara>
-                  </a14:m>
-                  <a:endParaRPr lang="en-US" dirty="0" smtClean="0"/>
-                </a:p>
-              </p:txBody>
-            </p:sp>
-          </mc:Choice>
-          <mc:Fallback xmlns="">
-            <p:sp>
-              <p:nvSpPr>
-                <p:cNvPr id="68" name="TextBox 67"/>
-                <p:cNvSpPr txBox="1">
-                  <a:spLocks noRot="1" noChangeAspect="1" noMove="1" noResize="1" noEditPoints="1" noAdjustHandles="1" noChangeArrowheads="1" noChangeShapeType="1" noTextEdit="1"/>
-                </p:cNvSpPr>
-                <p:nvPr/>
-              </p:nvSpPr>
-              <p:spPr>
-                <a:xfrm>
-                  <a:off x="4456989" y="3556154"/>
-                  <a:ext cx="346762" cy="276999"/>
-                </a:xfrm>
-                <a:prstGeom prst="rect">
-                  <a:avLst/>
-                </a:prstGeom>
-                <a:blipFill rotWithShape="0">
-                  <a:blip r:embed="rId29"/>
-                  <a:stretch>
-                    <a:fillRect l="-14035" r="-15789" b="-6522"/>
-                  </a:stretch>
-                </a:blipFill>
-              </p:spPr>
-              <p:txBody>
-                <a:bodyPr/>
-                <a:lstStyle/>
-                <a:p>
-                  <a:r>
-                    <a:rPr lang="en-US">
-                      <a:noFill/>
-                    </a:rPr>
-                    <a:t> </a:t>
-                  </a:r>
-                </a:p>
-              </p:txBody>
-            </p:sp>
-          </mc:Fallback>
-        </mc:AlternateContent>
-        <p:sp>
-          <p:nvSpPr>
-            <p:cNvPr id="72" name="TextBox 71"/>
-            <p:cNvSpPr txBox="1"/>
-            <p:nvPr/>
-          </p:nvSpPr>
-          <p:spPr>
-            <a:xfrm>
-              <a:off x="3665711" y="2440405"/>
-              <a:ext cx="703121" cy="400110"/>
-            </a:xfrm>
-            <a:prstGeom prst="rect">
-              <a:avLst/>
-            </a:prstGeom>
-            <a:noFill/>
-          </p:spPr>
-          <p:txBody>
-            <a:bodyPr wrap="square" rtlCol="0">
-              <a:spAutoFit/>
-            </a:bodyPr>
-            <a:lstStyle/>
-            <a:p>
-              <a:pPr algn="ctr"/>
-              <a:r>
-                <a:rPr lang="en-US" sz="2000" smtClean="0"/>
-                <a:t>P</a:t>
-              </a:r>
-              <a:endParaRPr lang="en-US" sz="2000" baseline="-25000" dirty="0"/>
-            </a:p>
-          </p:txBody>
-        </p:sp>
       </p:grpSp>
     </p:spTree>
     <p:extLst>
@@ -26715,15 +26757,7 @@
               <a:p>
                 <a:r>
                   <a:rPr lang="en-US" sz="1600" dirty="0" smtClean="0"/>
-                  <a:t>(</a:t>
-                </a:r>
-                <a:r>
-                  <a:rPr lang="en-US" sz="1600" dirty="0" smtClean="0"/>
-                  <a:t>P2,0,0</a:t>
-                </a:r>
-                <a:r>
-                  <a:rPr lang="en-US" sz="1600" dirty="0" smtClean="0"/>
-                  <a:t>)</a:t>
+                  <a:t>(P2,0,0)</a:t>
                 </a:r>
                 <a:endParaRPr lang="en-US" sz="1600" dirty="0"/>
               </a:p>
@@ -29640,15 +29674,7 @@
             <a:p>
               <a:r>
                 <a:rPr lang="en-US" sz="1600" dirty="0" smtClean="0"/>
-                <a:t>(</a:t>
-              </a:r>
-              <a:r>
-                <a:rPr lang="en-US" sz="1600" dirty="0" smtClean="0"/>
-                <a:t>P2,0,0</a:t>
-              </a:r>
-              <a:r>
-                <a:rPr lang="en-US" sz="1600" dirty="0" smtClean="0"/>
-                <a:t>)</a:t>
+                <a:t>(P2,0,0)</a:t>
               </a:r>
               <a:endParaRPr lang="en-US" sz="1600" dirty="0"/>
             </a:p>

--- a/paper/abstraction/figures/examples.pptx
+++ b/paper/abstraction/figures/examples.pptx
@@ -8883,7 +8883,7 @@
         <p:spPr>
           <a:xfrm>
             <a:off x="4786896" y="4987160"/>
-            <a:ext cx="675185" cy="338554"/>
+            <a:ext cx="702436" cy="338554"/>
           </a:xfrm>
           <a:prstGeom prst="rect">
             <a:avLst/>
@@ -8898,7 +8898,11 @@
           <a:p>
             <a:r>
               <a:rPr lang="en-US" sz="1600" dirty="0" smtClean="0"/>
-              <a:t>(P1,0)</a:t>
+              <a:t>(N1,0</a:t>
+            </a:r>
+            <a:r>
+              <a:rPr lang="en-US" sz="1600" dirty="0" smtClean="0"/>
+              <a:t>)</a:t>
             </a:r>
             <a:endParaRPr lang="en-US" sz="1600" dirty="0"/>
           </a:p>
@@ -8913,7 +8917,7 @@
         <p:spPr>
           <a:xfrm>
             <a:off x="6336606" y="4987160"/>
-            <a:ext cx="675185" cy="338554"/>
+            <a:ext cx="702436" cy="338554"/>
           </a:xfrm>
           <a:prstGeom prst="rect">
             <a:avLst/>
@@ -8928,7 +8932,7 @@
           <a:p>
             <a:r>
               <a:rPr lang="en-US" sz="1600" smtClean="0"/>
-              <a:t>(P2,0</a:t>
+              <a:t>(N2,0</a:t>
             </a:r>
             <a:r>
               <a:rPr lang="en-US" sz="1600" dirty="0" smtClean="0"/>
@@ -15706,8 +15710,8 @@
           <a:p>
             <a:pPr algn="ctr"/>
             <a:r>
-              <a:rPr lang="en-US" sz="2000" smtClean="0"/>
-              <a:t>P2</a:t>
+              <a:rPr lang="en-US" sz="2000" dirty="0" smtClean="0"/>
+              <a:t>N2</a:t>
             </a:r>
             <a:endParaRPr lang="en-US" sz="2000" baseline="-25000" dirty="0"/>
           </a:p>
@@ -15848,7 +15852,7 @@
             <a:pPr algn="ctr"/>
             <a:r>
               <a:rPr lang="en-US" sz="2000" dirty="0" smtClean="0"/>
-              <a:t>P1</a:t>
+              <a:t>N1</a:t>
             </a:r>
             <a:endParaRPr lang="en-US" sz="2000" baseline="-25000" dirty="0"/>
           </a:p>
@@ -19393,7 +19397,7 @@
             <a:pPr algn="ctr"/>
             <a:r>
               <a:rPr lang="en-US" sz="2000" dirty="0" smtClean="0"/>
-              <a:t>P2</a:t>
+              <a:t>N2</a:t>
             </a:r>
             <a:endParaRPr lang="en-US" sz="2000" baseline="-25000" dirty="0"/>
           </a:p>
@@ -19454,7 +19458,7 @@
             <a:pPr algn="ctr"/>
             <a:r>
               <a:rPr lang="en-US" sz="2000" dirty="0" smtClean="0"/>
-              <a:t>P1</a:t>
+              <a:t>N1</a:t>
             </a:r>
             <a:endParaRPr lang="en-US" sz="2000" baseline="-25000" dirty="0"/>
           </a:p>
@@ -19679,7 +19683,7 @@
               <a:pPr algn="ctr"/>
               <a:r>
                 <a:rPr lang="en-US" sz="2000" dirty="0" smtClean="0"/>
-                <a:t>P2</a:t>
+                <a:t>N2</a:t>
               </a:r>
               <a:endParaRPr lang="en-US" sz="2000" baseline="-25000" dirty="0"/>
             </a:p>
@@ -19755,7 +19759,7 @@
               <a:pPr algn="ctr"/>
               <a:r>
                 <a:rPr lang="en-US" sz="2000" dirty="0" smtClean="0"/>
-                <a:t>P1</a:t>
+                <a:t>N1</a:t>
               </a:r>
               <a:endParaRPr lang="en-US" sz="2000" baseline="-25000" dirty="0"/>
             </a:p>
@@ -19986,8 +19990,8 @@
             </a:p>
           </p:txBody>
         </p:sp>
-        <mc:AlternateContent xmlns:mc="http://schemas.openxmlformats.org/markup-compatibility/2006">
-          <mc:Choice xmlns:a14="http://schemas.microsoft.com/office/drawing/2010/main" Requires="a14">
+        <mc:AlternateContent xmlns:mc="http://schemas.openxmlformats.org/markup-compatibility/2006" xmlns:a14="http://schemas.microsoft.com/office/drawing/2010/main">
+          <mc:Choice Requires="a14">
             <p:sp>
               <p:nvSpPr>
                 <p:cNvPr id="62" name="TextBox 61"/>
@@ -20037,7 +20041,7 @@
               </p:txBody>
             </p:sp>
           </mc:Choice>
-          <mc:Fallback>
+          <mc:Fallback xmlns="">
             <p:sp>
               <p:nvSpPr>
                 <p:cNvPr id="62" name="TextBox 61"/>
@@ -20076,8 +20080,8 @@
             </p:sp>
           </mc:Fallback>
         </mc:AlternateContent>
-        <mc:AlternateContent xmlns:mc="http://schemas.openxmlformats.org/markup-compatibility/2006">
-          <mc:Choice xmlns:a14="http://schemas.microsoft.com/office/drawing/2010/main" Requires="a14">
+        <mc:AlternateContent xmlns:mc="http://schemas.openxmlformats.org/markup-compatibility/2006" xmlns:a14="http://schemas.microsoft.com/office/drawing/2010/main">
+          <mc:Choice Requires="a14">
             <p:sp>
               <p:nvSpPr>
                 <p:cNvPr id="63" name="TextBox 62"/>
@@ -20127,7 +20131,7 @@
               </p:txBody>
             </p:sp>
           </mc:Choice>
-          <mc:Fallback>
+          <mc:Fallback xmlns="">
             <p:sp>
               <p:nvSpPr>
                 <p:cNvPr id="63" name="TextBox 62"/>
@@ -20166,8 +20170,8 @@
             </p:sp>
           </mc:Fallback>
         </mc:AlternateContent>
-        <mc:AlternateContent xmlns:mc="http://schemas.openxmlformats.org/markup-compatibility/2006">
-          <mc:Choice xmlns:a14="http://schemas.microsoft.com/office/drawing/2010/main" Requires="a14">
+        <mc:AlternateContent xmlns:mc="http://schemas.openxmlformats.org/markup-compatibility/2006" xmlns:a14="http://schemas.microsoft.com/office/drawing/2010/main">
+          <mc:Choice Requires="a14">
             <p:sp>
               <p:nvSpPr>
                 <p:cNvPr id="65" name="TextBox 64"/>
@@ -20217,7 +20221,7 @@
               </p:txBody>
             </p:sp>
           </mc:Choice>
-          <mc:Fallback>
+          <mc:Fallback xmlns="">
             <p:sp>
               <p:nvSpPr>
                 <p:cNvPr id="65" name="TextBox 64"/>
@@ -20256,8 +20260,8 @@
             </p:sp>
           </mc:Fallback>
         </mc:AlternateContent>
-        <mc:AlternateContent xmlns:mc="http://schemas.openxmlformats.org/markup-compatibility/2006">
-          <mc:Choice xmlns:a14="http://schemas.microsoft.com/office/drawing/2010/main" Requires="a14">
+        <mc:AlternateContent xmlns:mc="http://schemas.openxmlformats.org/markup-compatibility/2006" xmlns:a14="http://schemas.microsoft.com/office/drawing/2010/main">
+          <mc:Choice Requires="a14">
             <p:sp>
               <p:nvSpPr>
                 <p:cNvPr id="66" name="TextBox 65"/>
@@ -20307,7 +20311,7 @@
               </p:txBody>
             </p:sp>
           </mc:Choice>
-          <mc:Fallback>
+          <mc:Fallback xmlns="">
             <p:sp>
               <p:nvSpPr>
                 <p:cNvPr id="66" name="TextBox 65"/>
@@ -21681,8 +21685,8 @@
             </a:p>
           </p:txBody>
         </p:sp>
-        <mc:AlternateContent xmlns:mc="http://schemas.openxmlformats.org/markup-compatibility/2006">
-          <mc:Choice xmlns:a14="http://schemas.microsoft.com/office/drawing/2010/main" Requires="a14">
+        <mc:AlternateContent xmlns:mc="http://schemas.openxmlformats.org/markup-compatibility/2006" xmlns:a14="http://schemas.microsoft.com/office/drawing/2010/main">
+          <mc:Choice Requires="a14">
             <p:sp>
               <p:nvSpPr>
                 <p:cNvPr id="83" name="TextBox 82"/>
@@ -21726,7 +21730,7 @@
               </p:txBody>
             </p:sp>
           </mc:Choice>
-          <mc:Fallback>
+          <mc:Fallback xmlns="">
             <p:sp>
               <p:nvSpPr>
                 <p:cNvPr id="83" name="TextBox 82"/>
@@ -21960,8 +21964,8 @@
             <a:chExt cx="2748944" cy="1925417"/>
           </a:xfrm>
         </p:grpSpPr>
-        <mc:AlternateContent xmlns:mc="http://schemas.openxmlformats.org/markup-compatibility/2006">
-          <mc:Choice xmlns:a14="http://schemas.microsoft.com/office/drawing/2010/main" Requires="a14">
+        <mc:AlternateContent xmlns:mc="http://schemas.openxmlformats.org/markup-compatibility/2006" xmlns:a14="http://schemas.microsoft.com/office/drawing/2010/main">
+          <mc:Choice Requires="a14">
             <p:sp>
               <p:nvSpPr>
                 <p:cNvPr id="2" name="TextBox 1"/>
@@ -22017,7 +22021,7 @@
               </p:txBody>
             </p:sp>
           </mc:Choice>
-          <mc:Fallback>
+          <mc:Fallback xmlns="">
             <p:sp>
               <p:nvSpPr>
                 <p:cNvPr id="2" name="TextBox 1"/>
@@ -22056,8 +22060,8 @@
             </p:sp>
           </mc:Fallback>
         </mc:AlternateContent>
-        <mc:AlternateContent xmlns:mc="http://schemas.openxmlformats.org/markup-compatibility/2006">
-          <mc:Choice xmlns:a14="http://schemas.microsoft.com/office/drawing/2010/main" Requires="a14">
+        <mc:AlternateContent xmlns:mc="http://schemas.openxmlformats.org/markup-compatibility/2006" xmlns:a14="http://schemas.microsoft.com/office/drawing/2010/main">
+          <mc:Choice Requires="a14">
             <p:sp>
               <p:nvSpPr>
                 <p:cNvPr id="34" name="TextBox 33"/>
@@ -22113,7 +22117,7 @@
               </p:txBody>
             </p:sp>
           </mc:Choice>
-          <mc:Fallback>
+          <mc:Fallback xmlns="">
             <p:sp>
               <p:nvSpPr>
                 <p:cNvPr id="34" name="TextBox 33"/>
@@ -22152,8 +22156,8 @@
             </p:sp>
           </mc:Fallback>
         </mc:AlternateContent>
-        <mc:AlternateContent xmlns:mc="http://schemas.openxmlformats.org/markup-compatibility/2006">
-          <mc:Choice xmlns:a14="http://schemas.microsoft.com/office/drawing/2010/main" Requires="a14">
+        <mc:AlternateContent xmlns:mc="http://schemas.openxmlformats.org/markup-compatibility/2006" xmlns:a14="http://schemas.microsoft.com/office/drawing/2010/main">
+          <mc:Choice Requires="a14">
             <p:sp>
               <p:nvSpPr>
                 <p:cNvPr id="35" name="TextBox 34"/>
@@ -22209,7 +22213,7 @@
               </p:txBody>
             </p:sp>
           </mc:Choice>
-          <mc:Fallback>
+          <mc:Fallback xmlns="">
             <p:sp>
               <p:nvSpPr>
                 <p:cNvPr id="35" name="TextBox 34"/>
@@ -22248,8 +22252,8 @@
             </p:sp>
           </mc:Fallback>
         </mc:AlternateContent>
-        <mc:AlternateContent xmlns:mc="http://schemas.openxmlformats.org/markup-compatibility/2006">
-          <mc:Choice xmlns:a14="http://schemas.microsoft.com/office/drawing/2010/main" Requires="a14">
+        <mc:AlternateContent xmlns:mc="http://schemas.openxmlformats.org/markup-compatibility/2006" xmlns:a14="http://schemas.microsoft.com/office/drawing/2010/main">
+          <mc:Choice Requires="a14">
             <p:sp>
               <p:nvSpPr>
                 <p:cNvPr id="36" name="TextBox 35"/>
@@ -22305,7 +22309,7 @@
               </p:txBody>
             </p:sp>
           </mc:Choice>
-          <mc:Fallback>
+          <mc:Fallback xmlns="">
             <p:sp>
               <p:nvSpPr>
                 <p:cNvPr id="36" name="TextBox 35"/>
@@ -22344,8 +22348,8 @@
             </p:sp>
           </mc:Fallback>
         </mc:AlternateContent>
-        <mc:AlternateContent xmlns:mc="http://schemas.openxmlformats.org/markup-compatibility/2006">
-          <mc:Choice xmlns:a14="http://schemas.microsoft.com/office/drawing/2010/main" Requires="a14">
+        <mc:AlternateContent xmlns:mc="http://schemas.openxmlformats.org/markup-compatibility/2006" xmlns:a14="http://schemas.microsoft.com/office/drawing/2010/main">
+          <mc:Choice Requires="a14">
             <p:sp>
               <p:nvSpPr>
                 <p:cNvPr id="37" name="TextBox 36"/>
@@ -22401,7 +22405,7 @@
               </p:txBody>
             </p:sp>
           </mc:Choice>
-          <mc:Fallback>
+          <mc:Fallback xmlns="">
             <p:sp>
               <p:nvSpPr>
                 <p:cNvPr id="37" name="TextBox 36"/>
@@ -22440,8 +22444,8 @@
             </p:sp>
           </mc:Fallback>
         </mc:AlternateContent>
-        <mc:AlternateContent xmlns:mc="http://schemas.openxmlformats.org/markup-compatibility/2006">
-          <mc:Choice xmlns:a14="http://schemas.microsoft.com/office/drawing/2010/main" Requires="a14">
+        <mc:AlternateContent xmlns:mc="http://schemas.openxmlformats.org/markup-compatibility/2006" xmlns:a14="http://schemas.microsoft.com/office/drawing/2010/main">
+          <mc:Choice Requires="a14">
             <p:sp>
               <p:nvSpPr>
                 <p:cNvPr id="42" name="TextBox 41"/>
@@ -22491,7 +22495,7 @@
               </p:txBody>
             </p:sp>
           </mc:Choice>
-          <mc:Fallback>
+          <mc:Fallback xmlns="">
             <p:sp>
               <p:nvSpPr>
                 <p:cNvPr id="42" name="TextBox 41"/>
@@ -22530,8 +22534,8 @@
             </p:sp>
           </mc:Fallback>
         </mc:AlternateContent>
-        <mc:AlternateContent xmlns:mc="http://schemas.openxmlformats.org/markup-compatibility/2006">
-          <mc:Choice xmlns:a14="http://schemas.microsoft.com/office/drawing/2010/main" Requires="a14">
+        <mc:AlternateContent xmlns:mc="http://schemas.openxmlformats.org/markup-compatibility/2006" xmlns:a14="http://schemas.microsoft.com/office/drawing/2010/main">
+          <mc:Choice Requires="a14">
             <p:sp>
               <p:nvSpPr>
                 <p:cNvPr id="43" name="TextBox 42"/>
@@ -22581,7 +22585,7 @@
               </p:txBody>
             </p:sp>
           </mc:Choice>
-          <mc:Fallback>
+          <mc:Fallback xmlns="">
             <p:sp>
               <p:nvSpPr>
                 <p:cNvPr id="43" name="TextBox 42"/>
@@ -22620,8 +22624,8 @@
             </p:sp>
           </mc:Fallback>
         </mc:AlternateContent>
-        <mc:AlternateContent xmlns:mc="http://schemas.openxmlformats.org/markup-compatibility/2006">
-          <mc:Choice xmlns:a14="http://schemas.microsoft.com/office/drawing/2010/main" Requires="a14">
+        <mc:AlternateContent xmlns:mc="http://schemas.openxmlformats.org/markup-compatibility/2006" xmlns:a14="http://schemas.microsoft.com/office/drawing/2010/main">
+          <mc:Choice Requires="a14">
             <p:sp>
               <p:nvSpPr>
                 <p:cNvPr id="44" name="TextBox 43"/>
@@ -22671,7 +22675,7 @@
               </p:txBody>
             </p:sp>
           </mc:Choice>
-          <mc:Fallback>
+          <mc:Fallback xmlns="">
             <p:sp>
               <p:nvSpPr>
                 <p:cNvPr id="44" name="TextBox 43"/>
@@ -22710,8 +22714,8 @@
             </p:sp>
           </mc:Fallback>
         </mc:AlternateContent>
-        <mc:AlternateContent xmlns:mc="http://schemas.openxmlformats.org/markup-compatibility/2006">
-          <mc:Choice xmlns:a14="http://schemas.microsoft.com/office/drawing/2010/main" Requires="a14">
+        <mc:AlternateContent xmlns:mc="http://schemas.openxmlformats.org/markup-compatibility/2006" xmlns:a14="http://schemas.microsoft.com/office/drawing/2010/main">
+          <mc:Choice Requires="a14">
             <p:sp>
               <p:nvSpPr>
                 <p:cNvPr id="54" name="TextBox 53"/>
@@ -22767,7 +22771,7 @@
               </p:txBody>
             </p:sp>
           </mc:Choice>
-          <mc:Fallback>
+          <mc:Fallback xmlns="">
             <p:sp>
               <p:nvSpPr>
                 <p:cNvPr id="54" name="TextBox 53"/>
@@ -22806,8 +22810,8 @@
             </p:sp>
           </mc:Fallback>
         </mc:AlternateContent>
-        <mc:AlternateContent xmlns:mc="http://schemas.openxmlformats.org/markup-compatibility/2006">
-          <mc:Choice xmlns:a14="http://schemas.microsoft.com/office/drawing/2010/main" Requires="a14">
+        <mc:AlternateContent xmlns:mc="http://schemas.openxmlformats.org/markup-compatibility/2006" xmlns:a14="http://schemas.microsoft.com/office/drawing/2010/main">
+          <mc:Choice Requires="a14">
             <p:sp>
               <p:nvSpPr>
                 <p:cNvPr id="55" name="TextBox 54"/>
@@ -22881,7 +22885,7 @@
               </p:txBody>
             </p:sp>
           </mc:Choice>
-          <mc:Fallback>
+          <mc:Fallback xmlns="">
             <p:sp>
               <p:nvSpPr>
                 <p:cNvPr id="55" name="TextBox 54"/>
@@ -22920,8 +22924,8 @@
             </p:sp>
           </mc:Fallback>
         </mc:AlternateContent>
-        <mc:AlternateContent xmlns:mc="http://schemas.openxmlformats.org/markup-compatibility/2006">
-          <mc:Choice xmlns:a14="http://schemas.microsoft.com/office/drawing/2010/main" Requires="a14">
+        <mc:AlternateContent xmlns:mc="http://schemas.openxmlformats.org/markup-compatibility/2006" xmlns:a14="http://schemas.microsoft.com/office/drawing/2010/main">
+          <mc:Choice Requires="a14">
             <p:sp>
               <p:nvSpPr>
                 <p:cNvPr id="56" name="TextBox 55"/>
@@ -22995,7 +22999,7 @@
               </p:txBody>
             </p:sp>
           </mc:Choice>
-          <mc:Fallback>
+          <mc:Fallback xmlns="">
             <p:sp>
               <p:nvSpPr>
                 <p:cNvPr id="56" name="TextBox 55"/>
@@ -23034,8 +23038,8 @@
             </p:sp>
           </mc:Fallback>
         </mc:AlternateContent>
-        <mc:AlternateContent xmlns:mc="http://schemas.openxmlformats.org/markup-compatibility/2006">
-          <mc:Choice xmlns:a14="http://schemas.microsoft.com/office/drawing/2010/main" Requires="a14">
+        <mc:AlternateContent xmlns:mc="http://schemas.openxmlformats.org/markup-compatibility/2006" xmlns:a14="http://schemas.microsoft.com/office/drawing/2010/main">
+          <mc:Choice Requires="a14">
             <p:sp>
               <p:nvSpPr>
                 <p:cNvPr id="87" name="TextBox 86"/>
@@ -23091,7 +23095,7 @@
               </p:txBody>
             </p:sp>
           </mc:Choice>
-          <mc:Fallback>
+          <mc:Fallback xmlns="">
             <p:sp>
               <p:nvSpPr>
                 <p:cNvPr id="87" name="TextBox 86"/>
@@ -24910,7 +24914,7 @@
               <a:pPr algn="ctr"/>
               <a:r>
                 <a:rPr lang="en-US" sz="2000" dirty="0" smtClean="0"/>
-                <a:t>P2</a:t>
+                <a:t>N2</a:t>
               </a:r>
               <a:endParaRPr lang="en-US" sz="2000" baseline="-25000" dirty="0"/>
             </a:p>
@@ -24986,7 +24990,7 @@
               <a:pPr algn="ctr"/>
               <a:r>
                 <a:rPr lang="en-US" sz="2000" dirty="0" smtClean="0"/>
-                <a:t>P1</a:t>
+                <a:t>N1</a:t>
               </a:r>
               <a:endParaRPr lang="en-US" sz="2000" baseline="-25000" dirty="0"/>
             </a:p>
@@ -25214,7 +25218,7 @@
               <a:pPr algn="ctr"/>
               <a:r>
                 <a:rPr lang="en-US" sz="2000" dirty="0" smtClean="0"/>
-                <a:t>P2</a:t>
+                <a:t>N2</a:t>
               </a:r>
               <a:endParaRPr lang="en-US" sz="2000" baseline="-25000" dirty="0"/>
             </a:p>
@@ -25290,7 +25294,7 @@
               <a:pPr algn="ctr"/>
               <a:r>
                 <a:rPr lang="en-US" sz="2000" dirty="0" smtClean="0"/>
-                <a:t>P1</a:t>
+                <a:t>N1</a:t>
               </a:r>
               <a:endParaRPr lang="en-US" sz="2000" baseline="-25000" dirty="0"/>
             </a:p>
@@ -25609,9 +25613,9 @@
           <p:grpSpPr>
             <a:xfrm>
               <a:off x="2478106" y="1812496"/>
-              <a:ext cx="830677" cy="654703"/>
+              <a:ext cx="857927" cy="654703"/>
               <a:chOff x="6847409" y="1656010"/>
-              <a:chExt cx="830677" cy="654703"/>
+              <a:chExt cx="857927" cy="654703"/>
             </a:xfrm>
           </p:grpSpPr>
           <p:sp>
@@ -25675,7 +25679,7 @@
             <p:spPr>
               <a:xfrm>
                 <a:off x="6847409" y="1814084"/>
-                <a:ext cx="830677" cy="338554"/>
+                <a:ext cx="857927" cy="338554"/>
               </a:xfrm>
               <a:prstGeom prst="rect">
                 <a:avLst/>
@@ -25690,7 +25694,11 @@
               <a:p>
                 <a:r>
                   <a:rPr lang="en-US" sz="1600" dirty="0" smtClean="0"/>
-                  <a:t>(P1,0,0)</a:t>
+                  <a:t>(N1,0,0</a:t>
+                </a:r>
+                <a:r>
+                  <a:rPr lang="en-US" sz="1600" dirty="0" smtClean="0"/>
+                  <a:t>)</a:t>
                 </a:r>
                 <a:endParaRPr lang="en-US" sz="1600" dirty="0"/>
               </a:p>
@@ -26676,9 +26684,9 @@
           <p:grpSpPr>
             <a:xfrm>
               <a:off x="7044565" y="1812496"/>
-              <a:ext cx="830677" cy="654703"/>
+              <a:ext cx="857927" cy="654703"/>
               <a:chOff x="6847409" y="1656010"/>
-              <a:chExt cx="830677" cy="654703"/>
+              <a:chExt cx="857927" cy="654703"/>
             </a:xfrm>
           </p:grpSpPr>
           <p:sp>
@@ -26742,7 +26750,7 @@
             <p:spPr>
               <a:xfrm>
                 <a:off x="6847409" y="1814084"/>
-                <a:ext cx="830677" cy="338554"/>
+                <a:ext cx="857927" cy="338554"/>
               </a:xfrm>
               <a:prstGeom prst="rect">
                 <a:avLst/>
@@ -26757,7 +26765,11 @@
               <a:p>
                 <a:r>
                   <a:rPr lang="en-US" sz="1600" dirty="0" smtClean="0"/>
-                  <a:t>(P2,0,0)</a:t>
+                  <a:t>(N2,0,0</a:t>
+                </a:r>
+                <a:r>
+                  <a:rPr lang="en-US" sz="1600" dirty="0" smtClean="0"/>
+                  <a:t>)</a:t>
                 </a:r>
                 <a:endParaRPr lang="en-US" sz="1600" dirty="0"/>
               </a:p>
@@ -28885,8 +28897,8 @@
           </p:nvCxnSpPr>
           <p:spPr>
             <a:xfrm flipH="1">
-              <a:off x="3308783" y="1850854"/>
-              <a:ext cx="1453780" cy="288993"/>
+              <a:off x="3336033" y="1850854"/>
+              <a:ext cx="1426530" cy="288993"/>
             </a:xfrm>
             <a:prstGeom prst="line">
               <a:avLst/>
@@ -29306,9 +29318,9 @@
         <p:grpSpPr>
           <a:xfrm>
             <a:off x="3071233" y="1812496"/>
-            <a:ext cx="830677" cy="654703"/>
+            <a:ext cx="857927" cy="654703"/>
             <a:chOff x="6847409" y="1656010"/>
-            <a:chExt cx="830677" cy="654703"/>
+            <a:chExt cx="857927" cy="654703"/>
           </a:xfrm>
           <a:noFill/>
         </p:grpSpPr>
@@ -29371,7 +29383,7 @@
           <p:spPr>
             <a:xfrm>
               <a:off x="6847409" y="1814084"/>
-              <a:ext cx="830677" cy="338554"/>
+              <a:ext cx="857927" cy="338554"/>
             </a:xfrm>
             <a:prstGeom prst="rect">
               <a:avLst/>
@@ -29386,7 +29398,11 @@
             <a:p>
               <a:r>
                 <a:rPr lang="en-US" sz="1600" dirty="0" smtClean="0"/>
-                <a:t>(P1,0,0)</a:t>
+                <a:t>(N1,0,0</a:t>
+              </a:r>
+              <a:r>
+                <a:rPr lang="en-US" sz="1600" dirty="0" smtClean="0"/>
+                <a:t>)</a:t>
               </a:r>
               <a:endParaRPr lang="en-US" sz="1600" dirty="0"/>
             </a:p>
@@ -29594,9 +29610,9 @@
         <p:grpSpPr>
           <a:xfrm>
             <a:off x="6229016" y="1787782"/>
-            <a:ext cx="830677" cy="654703"/>
+            <a:ext cx="857927" cy="654703"/>
             <a:chOff x="6847409" y="1656010"/>
-            <a:chExt cx="830677" cy="654703"/>
+            <a:chExt cx="857927" cy="654703"/>
           </a:xfrm>
           <a:noFill/>
         </p:grpSpPr>
@@ -29659,7 +29675,7 @@
           <p:spPr>
             <a:xfrm>
               <a:off x="6847409" y="1814084"/>
-              <a:ext cx="830677" cy="338554"/>
+              <a:ext cx="857927" cy="338554"/>
             </a:xfrm>
             <a:prstGeom prst="rect">
               <a:avLst/>
@@ -29674,7 +29690,11 @@
             <a:p>
               <a:r>
                 <a:rPr lang="en-US" sz="1600" dirty="0" smtClean="0"/>
-                <a:t>(P2,0,0)</a:t>
+                <a:t>(N2,0,0</a:t>
+              </a:r>
+              <a:r>
+                <a:rPr lang="en-US" sz="1600" dirty="0" smtClean="0"/>
+                <a:t>)</a:t>
               </a:r>
               <a:endParaRPr lang="en-US" sz="1600" dirty="0"/>
             </a:p>
@@ -29929,8 +29949,8 @@
         </p:nvCxnSpPr>
         <p:spPr>
           <a:xfrm flipH="1">
-            <a:off x="3901910" y="1850854"/>
-            <a:ext cx="860653" cy="288993"/>
+            <a:off x="3929160" y="1850854"/>
+            <a:ext cx="833403" cy="288993"/>
           </a:xfrm>
           <a:prstGeom prst="line">
             <a:avLst/>

--- a/paper/abstraction/figures/examples.pptx
+++ b/paper/abstraction/figures/examples.pptx
@@ -5,7 +5,7 @@
     <p:sldMasterId id="2147483648" r:id="rId1"/>
   </p:sldMasterIdLst>
   <p:notesMasterIdLst>
-    <p:notesMasterId r:id="rId12"/>
+    <p:notesMasterId r:id="rId13"/>
   </p:notesMasterIdLst>
   <p:sldIdLst>
     <p:sldId id="412" r:id="rId2"/>
@@ -18,6 +18,7 @@
     <p:sldId id="417" r:id="rId9"/>
     <p:sldId id="419" r:id="rId10"/>
     <p:sldId id="420" r:id="rId11"/>
+    <p:sldId id="423" r:id="rId12"/>
   </p:sldIdLst>
   <p:sldSz cx="12192000" cy="6858000"/>
   <p:notesSz cx="6858000" cy="9144000"/>
@@ -206,7 +207,7 @@
           <a:p>
             <a:fld id="{0CCB65A4-74BE-2E49-B697-B48CA3DADDCF}" type="datetimeFigureOut">
               <a:rPr lang="en-US" smtClean="0"/>
-              <a:t>11/11/16</a:t>
+              <a:t>11/12/16</a:t>
             </a:fld>
             <a:endParaRPr lang="en-US"/>
           </a:p>
@@ -857,7 +858,7 @@
           <a:p>
             <a:fld id="{D1C2FE12-02FD-40D2-9E73-08CF8D46514A}" type="datetimeFigureOut">
               <a:rPr lang="en-US" smtClean="0"/>
-              <a:t>11/11/16</a:t>
+              <a:t>11/12/16</a:t>
             </a:fld>
             <a:endParaRPr lang="en-US"/>
           </a:p>
@@ -1027,7 +1028,7 @@
           <a:p>
             <a:fld id="{D1C2FE12-02FD-40D2-9E73-08CF8D46514A}" type="datetimeFigureOut">
               <a:rPr lang="en-US" smtClean="0"/>
-              <a:t>11/11/16</a:t>
+              <a:t>11/12/16</a:t>
             </a:fld>
             <a:endParaRPr lang="en-US"/>
           </a:p>
@@ -1207,7 +1208,7 @@
           <a:p>
             <a:fld id="{D1C2FE12-02FD-40D2-9E73-08CF8D46514A}" type="datetimeFigureOut">
               <a:rPr lang="en-US" smtClean="0"/>
-              <a:t>11/11/16</a:t>
+              <a:t>11/12/16</a:t>
             </a:fld>
             <a:endParaRPr lang="en-US"/>
           </a:p>
@@ -1377,7 +1378,7 @@
           <a:p>
             <a:fld id="{D1C2FE12-02FD-40D2-9E73-08CF8D46514A}" type="datetimeFigureOut">
               <a:rPr lang="en-US" smtClean="0"/>
-              <a:t>11/11/16</a:t>
+              <a:t>11/12/16</a:t>
             </a:fld>
             <a:endParaRPr lang="en-US"/>
           </a:p>
@@ -1623,7 +1624,7 @@
           <a:p>
             <a:fld id="{D1C2FE12-02FD-40D2-9E73-08CF8D46514A}" type="datetimeFigureOut">
               <a:rPr lang="en-US" smtClean="0"/>
-              <a:t>11/11/16</a:t>
+              <a:t>11/12/16</a:t>
             </a:fld>
             <a:endParaRPr lang="en-US"/>
           </a:p>
@@ -1855,7 +1856,7 @@
           <a:p>
             <a:fld id="{D1C2FE12-02FD-40D2-9E73-08CF8D46514A}" type="datetimeFigureOut">
               <a:rPr lang="en-US" smtClean="0"/>
-              <a:t>11/11/16</a:t>
+              <a:t>11/12/16</a:t>
             </a:fld>
             <a:endParaRPr lang="en-US"/>
           </a:p>
@@ -2222,7 +2223,7 @@
           <a:p>
             <a:fld id="{D1C2FE12-02FD-40D2-9E73-08CF8D46514A}" type="datetimeFigureOut">
               <a:rPr lang="en-US" smtClean="0"/>
-              <a:t>11/11/16</a:t>
+              <a:t>11/12/16</a:t>
             </a:fld>
             <a:endParaRPr lang="en-US"/>
           </a:p>
@@ -2340,7 +2341,7 @@
           <a:p>
             <a:fld id="{D1C2FE12-02FD-40D2-9E73-08CF8D46514A}" type="datetimeFigureOut">
               <a:rPr lang="en-US" smtClean="0"/>
-              <a:t>11/11/16</a:t>
+              <a:t>11/12/16</a:t>
             </a:fld>
             <a:endParaRPr lang="en-US"/>
           </a:p>
@@ -2435,7 +2436,7 @@
           <a:p>
             <a:fld id="{D1C2FE12-02FD-40D2-9E73-08CF8D46514A}" type="datetimeFigureOut">
               <a:rPr lang="en-US" smtClean="0"/>
-              <a:t>11/11/16</a:t>
+              <a:t>11/12/16</a:t>
             </a:fld>
             <a:endParaRPr lang="en-US"/>
           </a:p>
@@ -2712,7 +2713,7 @@
           <a:p>
             <a:fld id="{D1C2FE12-02FD-40D2-9E73-08CF8D46514A}" type="datetimeFigureOut">
               <a:rPr lang="en-US" smtClean="0"/>
-              <a:t>11/11/16</a:t>
+              <a:t>11/12/16</a:t>
             </a:fld>
             <a:endParaRPr lang="en-US"/>
           </a:p>
@@ -2965,7 +2966,7 @@
           <a:p>
             <a:fld id="{D1C2FE12-02FD-40D2-9E73-08CF8D46514A}" type="datetimeFigureOut">
               <a:rPr lang="en-US" smtClean="0"/>
-              <a:t>11/11/16</a:t>
+              <a:t>11/12/16</a:t>
             </a:fld>
             <a:endParaRPr lang="en-US"/>
           </a:p>
@@ -3178,7 +3179,7 @@
           <a:p>
             <a:fld id="{D1C2FE12-02FD-40D2-9E73-08CF8D46514A}" type="datetimeFigureOut">
               <a:rPr lang="en-US" smtClean="0"/>
-              <a:t>11/11/16</a:t>
+              <a:t>11/12/16</a:t>
             </a:fld>
             <a:endParaRPr lang="en-US"/>
           </a:p>
@@ -8248,7 +8249,7 @@
             <p:spPr>
               <a:xfrm>
                 <a:off x="7208921" y="3127604"/>
-                <a:ext cx="1496885" cy="276999"/>
+                <a:ext cx="1471300" cy="296556"/>
               </a:xfrm>
               <a:prstGeom prst="rect">
                 <a:avLst/>
@@ -8295,7 +8296,7 @@
                             <a:rPr lang="en-US" b="0" i="1" smtClean="0">
                               <a:latin typeface="Cambria Math" charset="0"/>
                             </a:rPr>
-                            <m:t>𝑃</m:t>
+                            <m:t>𝑄</m:t>
                           </m:r>
                         </m:sub>
                       </m:sSub>
@@ -8350,7 +8351,7 @@
             <p:spPr>
               <a:xfrm>
                 <a:off x="7208921" y="3127604"/>
-                <a:ext cx="1496885" cy="276999"/>
+                <a:ext cx="1471300" cy="296556"/>
               </a:xfrm>
               <a:prstGeom prst="rect">
                 <a:avLst/>
@@ -8358,7 +8359,7 @@
               <a:blipFill rotWithShape="0">
                 <a:blip r:embed="rId7"/>
                 <a:stretch>
-                  <a:fillRect l="-2449" t="-146667" r="-4490" b="-182222"/>
+                  <a:fillRect l="-3734" t="-132653" r="-5394" b="-161224"/>
                 </a:stretch>
               </a:blipFill>
             </p:spPr>
@@ -8388,7 +8389,7 @@
             <p:spPr>
               <a:xfrm>
                 <a:off x="7221130" y="2014760"/>
-                <a:ext cx="1496885" cy="276999"/>
+                <a:ext cx="1505477" cy="296556"/>
               </a:xfrm>
               <a:prstGeom prst="rect">
                 <a:avLst/>
@@ -8435,7 +8436,7 @@
                             <a:rPr lang="en-US" b="0" i="1" smtClean="0">
                               <a:latin typeface="Cambria Math" charset="0"/>
                             </a:rPr>
-                            <m:t>𝑃</m:t>
+                            <m:t>𝑄</m:t>
                           </m:r>
                         </m:sub>
                       </m:sSub>
@@ -8490,7 +8491,7 @@
             <p:spPr>
               <a:xfrm>
                 <a:off x="7221130" y="2014760"/>
-                <a:ext cx="1496885" cy="276999"/>
+                <a:ext cx="1505477" cy="296556"/>
               </a:xfrm>
               <a:prstGeom prst="rect">
                 <a:avLst/>
@@ -8498,7 +8499,7 @@
               <a:blipFill rotWithShape="0">
                 <a:blip r:embed="rId8"/>
                 <a:stretch>
-                  <a:fillRect l="-3673" t="-148889" r="-5306" b="-180000"/>
+                  <a:fillRect l="-3644" t="-137500" r="-5263" b="-164583"/>
                 </a:stretch>
               </a:blipFill>
             </p:spPr>
@@ -8898,11 +8899,7 @@
           <a:p>
             <a:r>
               <a:rPr lang="en-US" sz="1600" dirty="0" smtClean="0"/>
-              <a:t>(N1,0</a:t>
-            </a:r>
-            <a:r>
-              <a:rPr lang="en-US" sz="1600" dirty="0" smtClean="0"/>
-              <a:t>)</a:t>
+              <a:t>(N1,0)</a:t>
             </a:r>
             <a:endParaRPr lang="en-US" sz="1600" dirty="0"/>
           </a:p>
@@ -8984,6 +8981,2182 @@
     <p:extLst>
       <p:ext uri="{BB962C8B-B14F-4D97-AF65-F5344CB8AC3E}">
         <p14:creationId xmlns:p14="http://schemas.microsoft.com/office/powerpoint/2010/main" val="912758290"/>
+      </p:ext>
+    </p:extLst>
+  </p:cSld>
+  <p:clrMapOvr>
+    <a:masterClrMapping/>
+  </p:clrMapOvr>
+</p:sld>
+</file>
+
+<file path=ppt/slides/slide11.xml><?xml version="1.0" encoding="utf-8"?>
+<p:sld xmlns:a="http://schemas.openxmlformats.org/drawingml/2006/main" xmlns:r="http://schemas.openxmlformats.org/officeDocument/2006/relationships" xmlns:p="http://schemas.openxmlformats.org/presentationml/2006/main">
+  <p:cSld>
+    <p:spTree>
+      <p:nvGrpSpPr>
+        <p:cNvPr id="1" name=""/>
+        <p:cNvGrpSpPr/>
+        <p:nvPr/>
+      </p:nvGrpSpPr>
+      <p:grpSpPr>
+        <a:xfrm>
+          <a:off x="0" y="0"/>
+          <a:ext cx="0" cy="0"/>
+          <a:chOff x="0" y="0"/>
+          <a:chExt cx="0" cy="0"/>
+        </a:xfrm>
+      </p:grpSpPr>
+      <p:grpSp>
+        <p:nvGrpSpPr>
+          <p:cNvPr id="43" name="Group 42"/>
+          <p:cNvGrpSpPr/>
+          <p:nvPr/>
+        </p:nvGrpSpPr>
+        <p:grpSpPr>
+          <a:xfrm>
+            <a:off x="2285998" y="1231464"/>
+            <a:ext cx="5343101" cy="1803292"/>
+            <a:chOff x="2285998" y="1065209"/>
+            <a:chExt cx="5343101" cy="1803292"/>
+          </a:xfrm>
+        </p:grpSpPr>
+        <p:sp>
+          <p:nvSpPr>
+            <p:cNvPr id="4" name="Rectangle 3"/>
+            <p:cNvSpPr/>
+            <p:nvPr/>
+          </p:nvSpPr>
+          <p:spPr>
+            <a:xfrm>
+              <a:off x="2285998" y="1065209"/>
+              <a:ext cx="5343101" cy="1803292"/>
+            </a:xfrm>
+            <a:prstGeom prst="rect">
+              <a:avLst/>
+            </a:prstGeom>
+            <a:solidFill>
+              <a:schemeClr val="accent4">
+                <a:lumMod val="20000"/>
+                <a:lumOff val="80000"/>
+                <a:alpha val="51000"/>
+              </a:schemeClr>
+            </a:solidFill>
+          </p:spPr>
+          <p:style>
+            <a:lnRef idx="2">
+              <a:schemeClr val="accent1">
+                <a:shade val="50000"/>
+              </a:schemeClr>
+            </a:lnRef>
+            <a:fillRef idx="1">
+              <a:schemeClr val="accent1"/>
+            </a:fillRef>
+            <a:effectRef idx="0">
+              <a:schemeClr val="accent1"/>
+            </a:effectRef>
+            <a:fontRef idx="minor">
+              <a:schemeClr val="lt1"/>
+            </a:fontRef>
+          </p:style>
+          <p:txBody>
+            <a:bodyPr rtlCol="0" anchor="ctr"/>
+            <a:lstStyle/>
+            <a:p>
+              <a:pPr algn="ctr"/>
+              <a:endParaRPr lang="en-US" dirty="0"/>
+            </a:p>
+          </p:txBody>
+        </p:sp>
+        <mc:AlternateContent xmlns:mc="http://schemas.openxmlformats.org/markup-compatibility/2006" xmlns:a14="http://schemas.microsoft.com/office/drawing/2010/main">
+          <mc:Choice Requires="a14">
+            <p:sp>
+              <p:nvSpPr>
+                <p:cNvPr id="7" name="TextBox 6"/>
+                <p:cNvSpPr txBox="1"/>
+                <p:nvPr/>
+              </p:nvSpPr>
+              <p:spPr>
+                <a:xfrm>
+                  <a:off x="2557585" y="1407535"/>
+                  <a:ext cx="2799356" cy="276999"/>
+                </a:xfrm>
+                <a:prstGeom prst="rect">
+                  <a:avLst/>
+                </a:prstGeom>
+                <a:noFill/>
+              </p:spPr>
+              <p:txBody>
+                <a:bodyPr wrap="none" lIns="0" tIns="0" rIns="0" bIns="0" rtlCol="0">
+                  <a:spAutoFit/>
+                </a:bodyPr>
+                <a:lstStyle/>
+                <a:p>
+                  <a:pPr/>
+                  <a14:m>
+                    <m:oMathPara xmlns:m="http://schemas.openxmlformats.org/officeDocument/2006/math">
+                      <m:oMathParaPr>
+                        <m:jc m:val="centerGroup"/>
+                      </m:oMathParaPr>
+                      <m:oMath xmlns:m="http://schemas.openxmlformats.org/officeDocument/2006/math">
+                        <m:r>
+                          <a:rPr lang="en-US" b="0" i="1" smtClean="0">
+                            <a:latin typeface="Cambria Math" charset="0"/>
+                          </a:rPr>
+                          <m:t>$</m:t>
+                        </m:r>
+                        <m:r>
+                          <a:rPr lang="en-US" b="0" i="1" smtClean="0">
+                            <a:latin typeface="Cambria Math" charset="0"/>
+                          </a:rPr>
+                          <m:t>𝐺𝑃</m:t>
+                        </m:r>
+                        <m:r>
+                          <a:rPr lang="en-US" b="0" i="1" smtClean="0">
+                            <a:latin typeface="Cambria Math" charset="0"/>
+                          </a:rPr>
+                          <m:t>⇒[100 :</m:t>
+                        </m:r>
+                        <m:d>
+                          <m:dPr>
+                            <m:begChr m:val="{"/>
+                            <m:endChr m:val="}"/>
+                            <m:ctrlPr>
+                              <a:rPr lang="en-US" b="0" i="1" smtClean="0">
+                                <a:latin typeface="Cambria Math" charset="0"/>
+                              </a:rPr>
+                            </m:ctrlPr>
+                          </m:dPr>
+                          <m:e>
+                            <m:r>
+                              <a:rPr lang="en-US" b="0" i="1" smtClean="0">
+                                <a:latin typeface="Cambria Math" charset="0"/>
+                              </a:rPr>
+                              <m:t>𝐴𝐺</m:t>
+                            </m:r>
+                            <m:r>
+                              <a:rPr lang="en-US" b="0" i="1" smtClean="0">
+                                <a:latin typeface="Cambria Math" charset="0"/>
+                              </a:rPr>
+                              <m:t>,</m:t>
+                            </m:r>
+                            <m:r>
+                              <a:rPr lang="en-US" b="0" i="1" smtClean="0">
+                                <a:latin typeface="Cambria Math" charset="0"/>
+                              </a:rPr>
+                              <m:t>𝐴𝐿</m:t>
+                            </m:r>
+                          </m:e>
+                        </m:d>
+                        <m:r>
+                          <a:rPr lang="en-US" b="0" i="1" smtClean="0">
+                            <a:latin typeface="Cambria Math" charset="0"/>
+                          </a:rPr>
+                          <m:t>→ ∗]</m:t>
+                        </m:r>
+                      </m:oMath>
+                    </m:oMathPara>
+                  </a14:m>
+                  <a:endParaRPr lang="en-US" dirty="0"/>
+                </a:p>
+              </p:txBody>
+            </p:sp>
+          </mc:Choice>
+          <mc:Fallback xmlns="">
+            <p:sp>
+              <p:nvSpPr>
+                <p:cNvPr id="7" name="TextBox 6"/>
+                <p:cNvSpPr txBox="1">
+                  <a:spLocks noRot="1" noChangeAspect="1" noMove="1" noResize="1" noEditPoints="1" noAdjustHandles="1" noChangeArrowheads="1" noChangeShapeType="1" noTextEdit="1"/>
+                </p:cNvSpPr>
+                <p:nvPr/>
+              </p:nvSpPr>
+              <p:spPr>
+                <a:xfrm>
+                  <a:off x="2557585" y="1407535"/>
+                  <a:ext cx="2799356" cy="276999"/>
+                </a:xfrm>
+                <a:prstGeom prst="rect">
+                  <a:avLst/>
+                </a:prstGeom>
+                <a:blipFill rotWithShape="0">
+                  <a:blip r:embed="rId2"/>
+                  <a:stretch>
+                    <a:fillRect l="-2179" t="-143478" r="-2614" b="-176087"/>
+                  </a:stretch>
+                </a:blipFill>
+              </p:spPr>
+              <p:txBody>
+                <a:bodyPr/>
+                <a:lstStyle/>
+                <a:p>
+                  <a:r>
+                    <a:rPr lang="en-US">
+                      <a:noFill/>
+                    </a:rPr>
+                    <a:t> </a:t>
+                  </a:r>
+                </a:p>
+              </p:txBody>
+            </p:sp>
+          </mc:Fallback>
+        </mc:AlternateContent>
+        <mc:AlternateContent xmlns:mc="http://schemas.openxmlformats.org/markup-compatibility/2006" xmlns:a14="http://schemas.microsoft.com/office/drawing/2010/main">
+          <mc:Choice Requires="a14">
+            <p:sp>
+              <p:nvSpPr>
+                <p:cNvPr id="13" name="TextBox 12"/>
+                <p:cNvSpPr txBox="1"/>
+                <p:nvPr/>
+              </p:nvSpPr>
+              <p:spPr>
+                <a:xfrm>
+                  <a:off x="2517480" y="2057384"/>
+                  <a:ext cx="3405868" cy="276999"/>
+                </a:xfrm>
+                <a:prstGeom prst="rect">
+                  <a:avLst/>
+                </a:prstGeom>
+                <a:noFill/>
+              </p:spPr>
+              <p:txBody>
+                <a:bodyPr wrap="none" lIns="0" tIns="0" rIns="0" bIns="0" rtlCol="0">
+                  <a:spAutoFit/>
+                </a:bodyPr>
+                <a:lstStyle/>
+                <a:p>
+                  <a:pPr/>
+                  <a14:m>
+                    <m:oMathPara xmlns:m="http://schemas.openxmlformats.org/officeDocument/2006/math">
+                      <m:oMathParaPr>
+                        <m:jc m:val="centerGroup"/>
+                      </m:oMathParaPr>
+                      <m:oMath xmlns:m="http://schemas.openxmlformats.org/officeDocument/2006/math">
+                        <m:r>
+                          <a:rPr lang="en-US" b="0" i="1" smtClean="0">
+                            <a:latin typeface="Cambria Math" charset="0"/>
+                          </a:rPr>
+                          <m:t>𝑡𝑟𝑢𝑒</m:t>
+                        </m:r>
+                        <m:r>
+                          <a:rPr lang="en-US" b="0" i="1" smtClean="0">
+                            <a:latin typeface="Cambria Math" charset="0"/>
+                          </a:rPr>
+                          <m:t>⇒[110 :</m:t>
+                        </m:r>
+                        <m:d>
+                          <m:dPr>
+                            <m:begChr m:val="{"/>
+                            <m:endChr m:val="}"/>
+                            <m:ctrlPr>
+                              <a:rPr lang="en-US" b="0" i="1" smtClean="0">
+                                <a:latin typeface="Cambria Math" charset="0"/>
+                              </a:rPr>
+                            </m:ctrlPr>
+                          </m:dPr>
+                          <m:e>
+                            <m:r>
+                              <a:rPr lang="en-US" b="0" i="1" smtClean="0">
+                                <a:latin typeface="Cambria Math" charset="0"/>
+                              </a:rPr>
+                              <m:t>𝑁</m:t>
+                            </m:r>
+                            <m:r>
+                              <a:rPr lang="en-US" b="0" i="1" smtClean="0">
+                                <a:latin typeface="Cambria Math" charset="0"/>
+                              </a:rPr>
+                              <m:t>1</m:t>
+                            </m:r>
+                          </m:e>
+                        </m:d>
+                        <m:r>
+                          <a:rPr lang="en-US" b="0" i="1" smtClean="0">
+                            <a:latin typeface="Cambria Math" charset="0"/>
+                          </a:rPr>
+                          <m:t>→ ∗</m:t>
+                        </m:r>
+                        <m:r>
+                          <a:rPr lang="en-US" b="0" i="1" smtClean="0">
+                            <a:latin typeface="Cambria Math" charset="0"/>
+                          </a:rPr>
+                          <m:t>𝑡𝑎𝑔</m:t>
+                        </m:r>
+                        <m:r>
+                          <a:rPr lang="en-US" b="0" i="1" smtClean="0">
+                            <a:latin typeface="Cambria Math" charset="0"/>
+                          </a:rPr>
+                          <m:t> </m:t>
+                        </m:r>
+                        <m:d>
+                          <m:dPr>
+                            <m:ctrlPr>
+                              <a:rPr lang="en-US" b="0" i="1" smtClean="0">
+                                <a:latin typeface="Cambria Math" charset="0"/>
+                              </a:rPr>
+                            </m:ctrlPr>
+                          </m:dPr>
+                          <m:e>
+                            <m:r>
+                              <a:rPr lang="en-US" b="0" i="1" smtClean="0">
+                                <a:latin typeface="Cambria Math" charset="0"/>
+                              </a:rPr>
+                              <m:t>1,0</m:t>
+                            </m:r>
+                          </m:e>
+                        </m:d>
+                        <m:r>
+                          <a:rPr lang="en-US" b="0" i="1" smtClean="0">
+                            <a:latin typeface="Cambria Math" charset="0"/>
+                          </a:rPr>
+                          <m:t>,</m:t>
+                        </m:r>
+                      </m:oMath>
+                    </m:oMathPara>
+                  </a14:m>
+                  <a:endParaRPr lang="en-US" dirty="0"/>
+                </a:p>
+              </p:txBody>
+            </p:sp>
+          </mc:Choice>
+          <mc:Fallback xmlns="">
+            <p:sp>
+              <p:nvSpPr>
+                <p:cNvPr id="13" name="TextBox 12"/>
+                <p:cNvSpPr txBox="1">
+                  <a:spLocks noRot="1" noChangeAspect="1" noMove="1" noResize="1" noEditPoints="1" noAdjustHandles="1" noChangeArrowheads="1" noChangeShapeType="1" noTextEdit="1"/>
+                </p:cNvSpPr>
+                <p:nvPr/>
+              </p:nvSpPr>
+              <p:spPr>
+                <a:xfrm>
+                  <a:off x="2517480" y="2057384"/>
+                  <a:ext cx="3405868" cy="276999"/>
+                </a:xfrm>
+                <a:prstGeom prst="rect">
+                  <a:avLst/>
+                </a:prstGeom>
+                <a:blipFill rotWithShape="0">
+                  <a:blip r:embed="rId3"/>
+                  <a:stretch>
+                    <a:fillRect l="-894" t="-146667" b="-180000"/>
+                  </a:stretch>
+                </a:blipFill>
+              </p:spPr>
+              <p:txBody>
+                <a:bodyPr/>
+                <a:lstStyle/>
+                <a:p>
+                  <a:r>
+                    <a:rPr lang="en-US">
+                      <a:noFill/>
+                    </a:rPr>
+                    <a:t> </a:t>
+                  </a:r>
+                </a:p>
+              </p:txBody>
+            </p:sp>
+          </mc:Fallback>
+        </mc:AlternateContent>
+        <mc:AlternateContent xmlns:mc="http://schemas.openxmlformats.org/markup-compatibility/2006" xmlns:a14="http://schemas.microsoft.com/office/drawing/2010/main">
+          <mc:Choice Requires="a14">
+            <p:sp>
+              <p:nvSpPr>
+                <p:cNvPr id="14" name="TextBox 13"/>
+                <p:cNvSpPr txBox="1"/>
+                <p:nvPr/>
+              </p:nvSpPr>
+              <p:spPr>
+                <a:xfrm>
+                  <a:off x="3345827" y="2376630"/>
+                  <a:ext cx="2606547" cy="276999"/>
+                </a:xfrm>
+                <a:prstGeom prst="rect">
+                  <a:avLst/>
+                </a:prstGeom>
+                <a:noFill/>
+              </p:spPr>
+              <p:txBody>
+                <a:bodyPr wrap="none" lIns="0" tIns="0" rIns="0" bIns="0" rtlCol="0">
+                  <a:spAutoFit/>
+                </a:bodyPr>
+                <a:lstStyle/>
+                <a:p>
+                  <a:pPr/>
+                  <a14:m>
+                    <m:oMathPara xmlns:m="http://schemas.openxmlformats.org/officeDocument/2006/math">
+                      <m:oMathParaPr>
+                        <m:jc m:val="centerGroup"/>
+                      </m:oMathParaPr>
+                      <m:oMath xmlns:m="http://schemas.openxmlformats.org/officeDocument/2006/math">
+                        <m:r>
+                          <a:rPr lang="en-US" b="0" i="1" smtClean="0">
+                            <a:latin typeface="Cambria Math" charset="0"/>
+                          </a:rPr>
+                          <m:t>100 :</m:t>
+                        </m:r>
+                        <m:d>
+                          <m:dPr>
+                            <m:begChr m:val="{"/>
+                            <m:endChr m:val="}"/>
+                            <m:ctrlPr>
+                              <a:rPr lang="en-US" b="0" i="1" smtClean="0">
+                                <a:latin typeface="Cambria Math" charset="0"/>
+                              </a:rPr>
+                            </m:ctrlPr>
+                          </m:dPr>
+                          <m:e>
+                            <m:r>
+                              <a:rPr lang="en-US" b="0" i="1" smtClean="0">
+                                <a:latin typeface="Cambria Math" charset="0"/>
+                              </a:rPr>
+                              <m:t>𝑁</m:t>
+                            </m:r>
+                            <m:r>
+                              <a:rPr lang="en-US" b="0" i="1" smtClean="0">
+                                <a:latin typeface="Cambria Math" charset="0"/>
+                              </a:rPr>
+                              <m:t>2</m:t>
+                            </m:r>
+                          </m:e>
+                        </m:d>
+                        <m:r>
+                          <a:rPr lang="en-US" b="0" i="1" smtClean="0">
+                            <a:latin typeface="Cambria Math" charset="0"/>
+                          </a:rPr>
+                          <m:t>→ ∗</m:t>
+                        </m:r>
+                        <m:r>
+                          <a:rPr lang="en-US" b="0" i="1" smtClean="0">
+                            <a:latin typeface="Cambria Math" charset="0"/>
+                          </a:rPr>
+                          <m:t>𝑡𝑎𝑔</m:t>
+                        </m:r>
+                        <m:r>
+                          <a:rPr lang="en-US" b="0" i="1" smtClean="0">
+                            <a:latin typeface="Cambria Math" charset="0"/>
+                          </a:rPr>
+                          <m:t> </m:t>
+                        </m:r>
+                        <m:d>
+                          <m:dPr>
+                            <m:ctrlPr>
+                              <a:rPr lang="en-US" b="0" i="1" smtClean="0">
+                                <a:latin typeface="Cambria Math" charset="0"/>
+                              </a:rPr>
+                            </m:ctrlPr>
+                          </m:dPr>
+                          <m:e>
+                            <m:r>
+                              <a:rPr lang="en-US" b="0" i="1" smtClean="0">
+                                <a:latin typeface="Cambria Math" charset="0"/>
+                              </a:rPr>
+                              <m:t>0,1</m:t>
+                            </m:r>
+                          </m:e>
+                        </m:d>
+                        <m:r>
+                          <a:rPr lang="en-US" b="0" i="1" smtClean="0">
+                            <a:latin typeface="Cambria Math" charset="0"/>
+                          </a:rPr>
+                          <m:t>,</m:t>
+                        </m:r>
+                      </m:oMath>
+                    </m:oMathPara>
+                  </a14:m>
+                  <a:endParaRPr lang="en-US" dirty="0"/>
+                </a:p>
+              </p:txBody>
+            </p:sp>
+          </mc:Choice>
+          <mc:Fallback xmlns="">
+            <p:sp>
+              <p:nvSpPr>
+                <p:cNvPr id="14" name="TextBox 13"/>
+                <p:cNvSpPr txBox="1">
+                  <a:spLocks noRot="1" noChangeAspect="1" noMove="1" noResize="1" noEditPoints="1" noAdjustHandles="1" noChangeArrowheads="1" noChangeShapeType="1" noTextEdit="1"/>
+                </p:cNvSpPr>
+                <p:nvPr/>
+              </p:nvSpPr>
+              <p:spPr>
+                <a:xfrm>
+                  <a:off x="3345827" y="2376630"/>
+                  <a:ext cx="2606547" cy="276999"/>
+                </a:xfrm>
+                <a:prstGeom prst="rect">
+                  <a:avLst/>
+                </a:prstGeom>
+                <a:blipFill rotWithShape="0">
+                  <a:blip r:embed="rId4"/>
+                  <a:stretch>
+                    <a:fillRect l="-703" t="-143478" b="-176087"/>
+                  </a:stretch>
+                </a:blipFill>
+              </p:spPr>
+              <p:txBody>
+                <a:bodyPr/>
+                <a:lstStyle/>
+                <a:p>
+                  <a:r>
+                    <a:rPr lang="en-US">
+                      <a:noFill/>
+                    </a:rPr>
+                    <a:t> </a:t>
+                  </a:r>
+                </a:p>
+              </p:txBody>
+            </p:sp>
+          </mc:Fallback>
+        </mc:AlternateContent>
+        <mc:AlternateContent xmlns:mc="http://schemas.openxmlformats.org/markup-compatibility/2006" xmlns:a14="http://schemas.microsoft.com/office/drawing/2010/main">
+          <mc:Choice Requires="a14">
+            <p:sp>
+              <p:nvSpPr>
+                <p:cNvPr id="17" name="TextBox 16"/>
+                <p:cNvSpPr txBox="1"/>
+                <p:nvPr/>
+              </p:nvSpPr>
+              <p:spPr>
+                <a:xfrm>
+                  <a:off x="2577178" y="1735302"/>
+                  <a:ext cx="3519553" cy="276999"/>
+                </a:xfrm>
+                <a:prstGeom prst="rect">
+                  <a:avLst/>
+                </a:prstGeom>
+                <a:noFill/>
+              </p:spPr>
+              <p:txBody>
+                <a:bodyPr wrap="none" lIns="0" tIns="0" rIns="0" bIns="0" rtlCol="0">
+                  <a:spAutoFit/>
+                </a:bodyPr>
+                <a:lstStyle/>
+                <a:p>
+                  <a:pPr/>
+                  <a14:m>
+                    <m:oMathPara xmlns:m="http://schemas.openxmlformats.org/officeDocument/2006/math">
+                      <m:oMathParaPr>
+                        <m:jc m:val="centerGroup"/>
+                      </m:oMathParaPr>
+                      <m:oMath xmlns:m="http://schemas.openxmlformats.org/officeDocument/2006/math">
+                        <m:r>
+                          <a:rPr lang="en-US" b="0" i="1" smtClean="0">
+                            <a:latin typeface="Cambria Math" charset="0"/>
+                          </a:rPr>
+                          <m:t>$</m:t>
+                        </m:r>
+                        <m:r>
+                          <a:rPr lang="en-US" b="0" i="1" smtClean="0">
+                            <a:latin typeface="Cambria Math" charset="0"/>
+                          </a:rPr>
+                          <m:t>𝐿𝑃</m:t>
+                        </m:r>
+                        <m:r>
+                          <a:rPr lang="en-US" b="0" i="1" smtClean="0">
+                            <a:latin typeface="Cambria Math" charset="0"/>
+                          </a:rPr>
+                          <m:t>⇒[100 :</m:t>
+                        </m:r>
+                        <m:d>
+                          <m:dPr>
+                            <m:begChr m:val="{"/>
+                            <m:endChr m:val="}"/>
+                            <m:ctrlPr>
+                              <a:rPr lang="en-US" b="0" i="1" smtClean="0">
+                                <a:latin typeface="Cambria Math" charset="0"/>
+                              </a:rPr>
+                            </m:ctrlPr>
+                          </m:dPr>
+                          <m:e>
+                            <m:r>
+                              <a:rPr lang="en-US" b="0" i="1" smtClean="0">
+                                <a:latin typeface="Cambria Math" charset="0"/>
+                              </a:rPr>
+                              <m:t>𝐴𝐺</m:t>
+                            </m:r>
+                            <m:r>
+                              <a:rPr lang="en-US" b="0" i="1" smtClean="0">
+                                <a:latin typeface="Cambria Math" charset="0"/>
+                              </a:rPr>
+                              <m:t>,</m:t>
+                            </m:r>
+                            <m:r>
+                              <a:rPr lang="en-US" b="0" i="1" smtClean="0">
+                                <a:latin typeface="Cambria Math" charset="0"/>
+                              </a:rPr>
+                              <m:t>𝐴𝐿</m:t>
+                            </m:r>
+                          </m:e>
+                        </m:d>
+                        <m:r>
+                          <a:rPr lang="en-US" b="0" i="1" smtClean="0">
+                            <a:latin typeface="Cambria Math" charset="0"/>
+                          </a:rPr>
+                          <m:t>→{</m:t>
+                        </m:r>
+                        <m:r>
+                          <a:rPr lang="en-US" b="0" i="1" smtClean="0">
+                            <a:latin typeface="Cambria Math" charset="0"/>
+                          </a:rPr>
+                          <m:t>𝐴𝐺</m:t>
+                        </m:r>
+                        <m:r>
+                          <a:rPr lang="en-US" b="0" i="1" smtClean="0">
+                            <a:latin typeface="Cambria Math" charset="0"/>
+                          </a:rPr>
+                          <m:t>,</m:t>
+                        </m:r>
+                        <m:r>
+                          <a:rPr lang="en-US" b="0" i="1" smtClean="0">
+                            <a:latin typeface="Cambria Math" charset="0"/>
+                          </a:rPr>
+                          <m:t>𝐴𝐿</m:t>
+                        </m:r>
+                        <m:r>
+                          <a:rPr lang="en-US" b="0" i="1" smtClean="0">
+                            <a:latin typeface="Cambria Math" charset="0"/>
+                          </a:rPr>
+                          <m:t>}]</m:t>
+                        </m:r>
+                      </m:oMath>
+                    </m:oMathPara>
+                  </a14:m>
+                  <a:endParaRPr lang="en-US" dirty="0"/>
+                </a:p>
+              </p:txBody>
+            </p:sp>
+          </mc:Choice>
+          <mc:Fallback xmlns="">
+            <p:sp>
+              <p:nvSpPr>
+                <p:cNvPr id="17" name="TextBox 16"/>
+                <p:cNvSpPr txBox="1">
+                  <a:spLocks noRot="1" noChangeAspect="1" noMove="1" noResize="1" noEditPoints="1" noAdjustHandles="1" noChangeArrowheads="1" noChangeShapeType="1" noTextEdit="1"/>
+                </p:cNvSpPr>
+                <p:nvPr/>
+              </p:nvSpPr>
+              <p:spPr>
+                <a:xfrm>
+                  <a:off x="2577178" y="1735302"/>
+                  <a:ext cx="3519553" cy="276999"/>
+                </a:xfrm>
+                <a:prstGeom prst="rect">
+                  <a:avLst/>
+                </a:prstGeom>
+                <a:blipFill rotWithShape="0">
+                  <a:blip r:embed="rId5"/>
+                  <a:stretch>
+                    <a:fillRect l="-1560" t="-2222" r="-2080" b="-35556"/>
+                  </a:stretch>
+                </a:blipFill>
+              </p:spPr>
+              <p:txBody>
+                <a:bodyPr/>
+                <a:lstStyle/>
+                <a:p>
+                  <a:r>
+                    <a:rPr lang="en-US">
+                      <a:noFill/>
+                    </a:rPr>
+                    <a:t> </a:t>
+                  </a:r>
+                </a:p>
+              </p:txBody>
+            </p:sp>
+          </mc:Fallback>
+        </mc:AlternateContent>
+        <mc:AlternateContent xmlns:mc="http://schemas.openxmlformats.org/markup-compatibility/2006" xmlns:a14="http://schemas.microsoft.com/office/drawing/2010/main">
+          <mc:Choice Requires="a14">
+            <p:sp>
+              <p:nvSpPr>
+                <p:cNvPr id="18" name="TextBox 17"/>
+                <p:cNvSpPr txBox="1"/>
+                <p:nvPr/>
+              </p:nvSpPr>
+              <p:spPr>
+                <a:xfrm>
+                  <a:off x="3381686" y="2544563"/>
+                  <a:ext cx="226023" cy="276999"/>
+                </a:xfrm>
+                <a:prstGeom prst="rect">
+                  <a:avLst/>
+                </a:prstGeom>
+                <a:noFill/>
+              </p:spPr>
+              <p:txBody>
+                <a:bodyPr wrap="none" lIns="0" tIns="0" rIns="0" bIns="0" rtlCol="0">
+                  <a:spAutoFit/>
+                </a:bodyPr>
+                <a:lstStyle/>
+                <a:p>
+                  <a:pPr/>
+                  <a14:m>
+                    <m:oMathPara xmlns:m="http://schemas.openxmlformats.org/officeDocument/2006/math">
+                      <m:oMathParaPr>
+                        <m:jc m:val="centerGroup"/>
+                      </m:oMathParaPr>
+                      <m:oMath xmlns:m="http://schemas.openxmlformats.org/officeDocument/2006/math">
+                        <m:r>
+                          <a:rPr lang="en-US" b="0" i="1" smtClean="0">
+                            <a:latin typeface="Cambria Math" charset="0"/>
+                          </a:rPr>
+                          <m:t>…</m:t>
+                        </m:r>
+                      </m:oMath>
+                    </m:oMathPara>
+                  </a14:m>
+                  <a:endParaRPr lang="en-US" dirty="0"/>
+                </a:p>
+              </p:txBody>
+            </p:sp>
+          </mc:Choice>
+          <mc:Fallback xmlns="">
+            <p:sp>
+              <p:nvSpPr>
+                <p:cNvPr id="18" name="TextBox 17"/>
+                <p:cNvSpPr txBox="1">
+                  <a:spLocks noRot="1" noChangeAspect="1" noMove="1" noResize="1" noEditPoints="1" noAdjustHandles="1" noChangeArrowheads="1" noChangeShapeType="1" noTextEdit="1"/>
+                </p:cNvSpPr>
+                <p:nvPr/>
+              </p:nvSpPr>
+              <p:spPr>
+                <a:xfrm>
+                  <a:off x="3381686" y="2544563"/>
+                  <a:ext cx="226023" cy="276999"/>
+                </a:xfrm>
+                <a:prstGeom prst="rect">
+                  <a:avLst/>
+                </a:prstGeom>
+                <a:blipFill rotWithShape="0">
+                  <a:blip r:embed="rId6"/>
+                  <a:stretch>
+                    <a:fillRect/>
+                  </a:stretch>
+                </a:blipFill>
+              </p:spPr>
+              <p:txBody>
+                <a:bodyPr/>
+                <a:lstStyle/>
+                <a:p>
+                  <a:r>
+                    <a:rPr lang="en-US">
+                      <a:noFill/>
+                    </a:rPr>
+                    <a:t> </a:t>
+                  </a:r>
+                </a:p>
+              </p:txBody>
+            </p:sp>
+          </mc:Fallback>
+        </mc:AlternateContent>
+      </p:grpSp>
+      <p:grpSp>
+        <p:nvGrpSpPr>
+          <p:cNvPr id="44" name="Group 43"/>
+          <p:cNvGrpSpPr/>
+          <p:nvPr/>
+        </p:nvGrpSpPr>
+        <p:grpSpPr>
+          <a:xfrm>
+            <a:off x="2285997" y="3134109"/>
+            <a:ext cx="5335667" cy="2866454"/>
+            <a:chOff x="2285998" y="3281427"/>
+            <a:chExt cx="5335667" cy="2866454"/>
+          </a:xfrm>
+        </p:grpSpPr>
+        <p:sp>
+          <p:nvSpPr>
+            <p:cNvPr id="32" name="Rectangle 31"/>
+            <p:cNvSpPr/>
+            <p:nvPr/>
+          </p:nvSpPr>
+          <p:spPr>
+            <a:xfrm>
+              <a:off x="2285998" y="3281427"/>
+              <a:ext cx="5335667" cy="2866454"/>
+            </a:xfrm>
+            <a:prstGeom prst="rect">
+              <a:avLst/>
+            </a:prstGeom>
+            <a:solidFill>
+              <a:schemeClr val="accent4">
+                <a:lumMod val="20000"/>
+                <a:lumOff val="80000"/>
+                <a:alpha val="50000"/>
+              </a:schemeClr>
+            </a:solidFill>
+          </p:spPr>
+          <p:style>
+            <a:lnRef idx="2">
+              <a:schemeClr val="accent1">
+                <a:shade val="50000"/>
+              </a:schemeClr>
+            </a:lnRef>
+            <a:fillRef idx="1">
+              <a:schemeClr val="accent1"/>
+            </a:fillRef>
+            <a:effectRef idx="0">
+              <a:schemeClr val="accent1"/>
+            </a:effectRef>
+            <a:fontRef idx="minor">
+              <a:schemeClr val="lt1"/>
+            </a:fontRef>
+          </p:style>
+          <p:txBody>
+            <a:bodyPr rtlCol="0" anchor="ctr"/>
+            <a:lstStyle/>
+            <a:p>
+              <a:pPr algn="ctr"/>
+              <a:endParaRPr lang="en-US"/>
+            </a:p>
+          </p:txBody>
+        </p:sp>
+        <mc:AlternateContent xmlns:mc="http://schemas.openxmlformats.org/markup-compatibility/2006" xmlns:a14="http://schemas.microsoft.com/office/drawing/2010/main">
+          <mc:Choice Requires="a14">
+            <p:sp>
+              <p:nvSpPr>
+                <p:cNvPr id="33" name="TextBox 32"/>
+                <p:cNvSpPr txBox="1"/>
+                <p:nvPr/>
+              </p:nvSpPr>
+              <p:spPr>
+                <a:xfrm>
+                  <a:off x="2540335" y="3691354"/>
+                  <a:ext cx="3498585" cy="276999"/>
+                </a:xfrm>
+                <a:prstGeom prst="rect">
+                  <a:avLst/>
+                </a:prstGeom>
+                <a:noFill/>
+              </p:spPr>
+              <p:txBody>
+                <a:bodyPr wrap="none" lIns="0" tIns="0" rIns="0" bIns="0" rtlCol="0">
+                  <a:spAutoFit/>
+                </a:bodyPr>
+                <a:lstStyle/>
+                <a:p>
+                  <a:pPr/>
+                  <a14:m>
+                    <m:oMathPara xmlns:m="http://schemas.openxmlformats.org/officeDocument/2006/math">
+                      <m:oMathParaPr>
+                        <m:jc m:val="centerGroup"/>
+                      </m:oMathParaPr>
+                      <m:oMath xmlns:m="http://schemas.openxmlformats.org/officeDocument/2006/math">
+                        <m:r>
+                          <a:rPr lang="en-US" b="0" i="1" smtClean="0">
+                            <a:latin typeface="Cambria Math" charset="0"/>
+                          </a:rPr>
+                          <m:t>𝐺𝑃</m:t>
+                        </m:r>
+                        <m:r>
+                          <a:rPr lang="en-US" b="0" i="1" smtClean="0">
+                            <a:latin typeface="Cambria Math" charset="0"/>
+                          </a:rPr>
+                          <m:t>1⇒[100 :</m:t>
+                        </m:r>
+                        <m:d>
+                          <m:dPr>
+                            <m:begChr m:val="{"/>
+                            <m:endChr m:val="}"/>
+                            <m:ctrlPr>
+                              <a:rPr lang="en-US" b="0" i="1" smtClean="0">
+                                <a:latin typeface="Cambria Math" charset="0"/>
+                              </a:rPr>
+                            </m:ctrlPr>
+                          </m:dPr>
+                          <m:e>
+                            <m:r>
+                              <a:rPr lang="en-US" b="0" i="1" smtClean="0">
+                                <a:latin typeface="Cambria Math" charset="0"/>
+                              </a:rPr>
+                              <m:t>𝐴</m:t>
+                            </m:r>
+                            <m:r>
+                              <a:rPr lang="en-US" b="0" i="1" smtClean="0">
+                                <a:latin typeface="Cambria Math" charset="0"/>
+                              </a:rPr>
+                              <m:t>1,</m:t>
+                            </m:r>
+                            <m:r>
+                              <a:rPr lang="en-US" b="0" i="1" smtClean="0">
+                                <a:latin typeface="Cambria Math" charset="0"/>
+                              </a:rPr>
+                              <m:t>𝐴</m:t>
+                            </m:r>
+                            <m:r>
+                              <a:rPr lang="en-US" b="0" i="1" smtClean="0">
+                                <a:latin typeface="Cambria Math" charset="0"/>
+                              </a:rPr>
+                              <m:t>2,</m:t>
+                            </m:r>
+                            <m:r>
+                              <a:rPr lang="en-US" b="0" i="1" smtClean="0">
+                                <a:latin typeface="Cambria Math" charset="0"/>
+                              </a:rPr>
+                              <m:t>𝐴</m:t>
+                            </m:r>
+                            <m:r>
+                              <a:rPr lang="en-US" b="0" i="1" smtClean="0">
+                                <a:latin typeface="Cambria Math" charset="0"/>
+                              </a:rPr>
+                              <m:t>3,</m:t>
+                            </m:r>
+                            <m:r>
+                              <a:rPr lang="en-US" b="0" i="1" smtClean="0">
+                                <a:latin typeface="Cambria Math" charset="0"/>
+                              </a:rPr>
+                              <m:t>𝐴</m:t>
+                            </m:r>
+                            <m:r>
+                              <a:rPr lang="en-US" b="0" i="1" smtClean="0">
+                                <a:latin typeface="Cambria Math" charset="0"/>
+                              </a:rPr>
+                              <m:t>4</m:t>
+                            </m:r>
+                          </m:e>
+                        </m:d>
+                        <m:r>
+                          <a:rPr lang="en-US" b="0" i="1" smtClean="0">
+                            <a:latin typeface="Cambria Math" charset="0"/>
+                          </a:rPr>
+                          <m:t>→ ∗]</m:t>
+                        </m:r>
+                      </m:oMath>
+                    </m:oMathPara>
+                  </a14:m>
+                  <a:endParaRPr lang="en-US" dirty="0"/>
+                </a:p>
+              </p:txBody>
+            </p:sp>
+          </mc:Choice>
+          <mc:Fallback xmlns="">
+            <p:sp>
+              <p:nvSpPr>
+                <p:cNvPr id="33" name="TextBox 32"/>
+                <p:cNvSpPr txBox="1">
+                  <a:spLocks noRot="1" noChangeAspect="1" noMove="1" noResize="1" noEditPoints="1" noAdjustHandles="1" noChangeArrowheads="1" noChangeShapeType="1" noTextEdit="1"/>
+                </p:cNvSpPr>
+                <p:nvPr/>
+              </p:nvSpPr>
+              <p:spPr>
+                <a:xfrm>
+                  <a:off x="2540335" y="3691354"/>
+                  <a:ext cx="3498585" cy="276999"/>
+                </a:xfrm>
+                <a:prstGeom prst="rect">
+                  <a:avLst/>
+                </a:prstGeom>
+                <a:blipFill rotWithShape="0">
+                  <a:blip r:embed="rId7"/>
+                  <a:stretch>
+                    <a:fillRect l="-1220" t="-148889" r="-1916" b="-180000"/>
+                  </a:stretch>
+                </a:blipFill>
+              </p:spPr>
+              <p:txBody>
+                <a:bodyPr/>
+                <a:lstStyle/>
+                <a:p>
+                  <a:r>
+                    <a:rPr lang="en-US">
+                      <a:noFill/>
+                    </a:rPr>
+                    <a:t> </a:t>
+                  </a:r>
+                </a:p>
+              </p:txBody>
+            </p:sp>
+          </mc:Fallback>
+        </mc:AlternateContent>
+        <mc:AlternateContent xmlns:mc="http://schemas.openxmlformats.org/markup-compatibility/2006" xmlns:a14="http://schemas.microsoft.com/office/drawing/2010/main">
+          <mc:Choice Requires="a14">
+            <p:sp>
+              <p:nvSpPr>
+                <p:cNvPr id="34" name="TextBox 33"/>
+                <p:cNvSpPr txBox="1"/>
+                <p:nvPr/>
+              </p:nvSpPr>
+              <p:spPr>
+                <a:xfrm>
+                  <a:off x="2512828" y="5330557"/>
+                  <a:ext cx="3405868" cy="276999"/>
+                </a:xfrm>
+                <a:prstGeom prst="rect">
+                  <a:avLst/>
+                </a:prstGeom>
+                <a:noFill/>
+              </p:spPr>
+              <p:txBody>
+                <a:bodyPr wrap="none" lIns="0" tIns="0" rIns="0" bIns="0" rtlCol="0">
+                  <a:spAutoFit/>
+                </a:bodyPr>
+                <a:lstStyle/>
+                <a:p>
+                  <a:pPr/>
+                  <a14:m>
+                    <m:oMathPara xmlns:m="http://schemas.openxmlformats.org/officeDocument/2006/math">
+                      <m:oMathParaPr>
+                        <m:jc m:val="centerGroup"/>
+                      </m:oMathParaPr>
+                      <m:oMath xmlns:m="http://schemas.openxmlformats.org/officeDocument/2006/math">
+                        <m:r>
+                          <a:rPr lang="en-US" b="0" i="1" smtClean="0">
+                            <a:latin typeface="Cambria Math" charset="0"/>
+                          </a:rPr>
+                          <m:t>𝑡𝑟𝑢𝑒</m:t>
+                        </m:r>
+                        <m:r>
+                          <a:rPr lang="en-US" b="0" i="1" smtClean="0">
+                            <a:latin typeface="Cambria Math" charset="0"/>
+                          </a:rPr>
+                          <m:t>⇒[110 :</m:t>
+                        </m:r>
+                        <m:d>
+                          <m:dPr>
+                            <m:begChr m:val="{"/>
+                            <m:endChr m:val="}"/>
+                            <m:ctrlPr>
+                              <a:rPr lang="en-US" b="0" i="1" smtClean="0">
+                                <a:latin typeface="Cambria Math" charset="0"/>
+                              </a:rPr>
+                            </m:ctrlPr>
+                          </m:dPr>
+                          <m:e>
+                            <m:r>
+                              <a:rPr lang="en-US" b="0" i="1" smtClean="0">
+                                <a:latin typeface="Cambria Math" charset="0"/>
+                              </a:rPr>
+                              <m:t>𝑁</m:t>
+                            </m:r>
+                            <m:r>
+                              <a:rPr lang="en-US" b="0" i="1" smtClean="0">
+                                <a:latin typeface="Cambria Math" charset="0"/>
+                              </a:rPr>
+                              <m:t>1</m:t>
+                            </m:r>
+                          </m:e>
+                        </m:d>
+                        <m:r>
+                          <a:rPr lang="en-US" b="0" i="1" smtClean="0">
+                            <a:latin typeface="Cambria Math" charset="0"/>
+                          </a:rPr>
+                          <m:t>→ ∗</m:t>
+                        </m:r>
+                        <m:r>
+                          <a:rPr lang="en-US" b="0" i="1" smtClean="0">
+                            <a:latin typeface="Cambria Math" charset="0"/>
+                          </a:rPr>
+                          <m:t>𝑡𝑎𝑔</m:t>
+                        </m:r>
+                        <m:r>
+                          <a:rPr lang="en-US" b="0" i="1" smtClean="0">
+                            <a:latin typeface="Cambria Math" charset="0"/>
+                          </a:rPr>
+                          <m:t> </m:t>
+                        </m:r>
+                        <m:d>
+                          <m:dPr>
+                            <m:ctrlPr>
+                              <a:rPr lang="en-US" b="0" i="1" smtClean="0">
+                                <a:latin typeface="Cambria Math" charset="0"/>
+                              </a:rPr>
+                            </m:ctrlPr>
+                          </m:dPr>
+                          <m:e>
+                            <m:r>
+                              <a:rPr lang="en-US" b="0" i="1" smtClean="0">
+                                <a:latin typeface="Cambria Math" charset="0"/>
+                              </a:rPr>
+                              <m:t>1,0</m:t>
+                            </m:r>
+                          </m:e>
+                        </m:d>
+                        <m:r>
+                          <a:rPr lang="en-US" b="0" i="1" smtClean="0">
+                            <a:latin typeface="Cambria Math" charset="0"/>
+                          </a:rPr>
+                          <m:t>,</m:t>
+                        </m:r>
+                      </m:oMath>
+                    </m:oMathPara>
+                  </a14:m>
+                  <a:endParaRPr lang="en-US" dirty="0"/>
+                </a:p>
+              </p:txBody>
+            </p:sp>
+          </mc:Choice>
+          <mc:Fallback xmlns="">
+            <p:sp>
+              <p:nvSpPr>
+                <p:cNvPr id="34" name="TextBox 33"/>
+                <p:cNvSpPr txBox="1">
+                  <a:spLocks noRot="1" noChangeAspect="1" noMove="1" noResize="1" noEditPoints="1" noAdjustHandles="1" noChangeArrowheads="1" noChangeShapeType="1" noTextEdit="1"/>
+                </p:cNvSpPr>
+                <p:nvPr/>
+              </p:nvSpPr>
+              <p:spPr>
+                <a:xfrm>
+                  <a:off x="2512828" y="5330557"/>
+                  <a:ext cx="3405868" cy="276999"/>
+                </a:xfrm>
+                <a:prstGeom prst="rect">
+                  <a:avLst/>
+                </a:prstGeom>
+                <a:blipFill rotWithShape="0">
+                  <a:blip r:embed="rId8"/>
+                  <a:stretch>
+                    <a:fillRect l="-894" t="-148889" b="-180000"/>
+                  </a:stretch>
+                </a:blipFill>
+              </p:spPr>
+              <p:txBody>
+                <a:bodyPr/>
+                <a:lstStyle/>
+                <a:p>
+                  <a:r>
+                    <a:rPr lang="en-US">
+                      <a:noFill/>
+                    </a:rPr>
+                    <a:t> </a:t>
+                  </a:r>
+                </a:p>
+              </p:txBody>
+            </p:sp>
+          </mc:Fallback>
+        </mc:AlternateContent>
+        <mc:AlternateContent xmlns:mc="http://schemas.openxmlformats.org/markup-compatibility/2006" xmlns:a14="http://schemas.microsoft.com/office/drawing/2010/main">
+          <mc:Choice Requires="a14">
+            <p:sp>
+              <p:nvSpPr>
+                <p:cNvPr id="35" name="TextBox 34"/>
+                <p:cNvSpPr txBox="1"/>
+                <p:nvPr/>
+              </p:nvSpPr>
+              <p:spPr>
+                <a:xfrm>
+                  <a:off x="3341231" y="5649803"/>
+                  <a:ext cx="2606547" cy="276999"/>
+                </a:xfrm>
+                <a:prstGeom prst="rect">
+                  <a:avLst/>
+                </a:prstGeom>
+                <a:noFill/>
+              </p:spPr>
+              <p:txBody>
+                <a:bodyPr wrap="none" lIns="0" tIns="0" rIns="0" bIns="0" rtlCol="0">
+                  <a:spAutoFit/>
+                </a:bodyPr>
+                <a:lstStyle/>
+                <a:p>
+                  <a:pPr/>
+                  <a14:m>
+                    <m:oMathPara xmlns:m="http://schemas.openxmlformats.org/officeDocument/2006/math">
+                      <m:oMathParaPr>
+                        <m:jc m:val="centerGroup"/>
+                      </m:oMathParaPr>
+                      <m:oMath xmlns:m="http://schemas.openxmlformats.org/officeDocument/2006/math">
+                        <m:r>
+                          <a:rPr lang="en-US" b="0" i="1" smtClean="0">
+                            <a:latin typeface="Cambria Math" charset="0"/>
+                          </a:rPr>
+                          <m:t>100 :</m:t>
+                        </m:r>
+                        <m:d>
+                          <m:dPr>
+                            <m:begChr m:val="{"/>
+                            <m:endChr m:val="}"/>
+                            <m:ctrlPr>
+                              <a:rPr lang="en-US" b="0" i="1" smtClean="0">
+                                <a:latin typeface="Cambria Math" charset="0"/>
+                              </a:rPr>
+                            </m:ctrlPr>
+                          </m:dPr>
+                          <m:e>
+                            <m:r>
+                              <a:rPr lang="en-US" b="0" i="1" smtClean="0">
+                                <a:latin typeface="Cambria Math" charset="0"/>
+                              </a:rPr>
+                              <m:t>𝑁</m:t>
+                            </m:r>
+                            <m:r>
+                              <a:rPr lang="en-US" b="0" i="1" smtClean="0">
+                                <a:latin typeface="Cambria Math" charset="0"/>
+                              </a:rPr>
+                              <m:t>2</m:t>
+                            </m:r>
+                          </m:e>
+                        </m:d>
+                        <m:r>
+                          <a:rPr lang="en-US" b="0" i="1" smtClean="0">
+                            <a:latin typeface="Cambria Math" charset="0"/>
+                          </a:rPr>
+                          <m:t>→ ∗</m:t>
+                        </m:r>
+                        <m:r>
+                          <a:rPr lang="en-US" b="0" i="1" smtClean="0">
+                            <a:latin typeface="Cambria Math" charset="0"/>
+                          </a:rPr>
+                          <m:t>𝑡𝑎𝑔</m:t>
+                        </m:r>
+                        <m:r>
+                          <a:rPr lang="en-US" b="0" i="1" smtClean="0">
+                            <a:latin typeface="Cambria Math" charset="0"/>
+                          </a:rPr>
+                          <m:t> </m:t>
+                        </m:r>
+                        <m:d>
+                          <m:dPr>
+                            <m:ctrlPr>
+                              <a:rPr lang="en-US" b="0" i="1" smtClean="0">
+                                <a:latin typeface="Cambria Math" charset="0"/>
+                              </a:rPr>
+                            </m:ctrlPr>
+                          </m:dPr>
+                          <m:e>
+                            <m:r>
+                              <a:rPr lang="en-US" b="0" i="1" smtClean="0">
+                                <a:latin typeface="Cambria Math" charset="0"/>
+                              </a:rPr>
+                              <m:t>0,1</m:t>
+                            </m:r>
+                          </m:e>
+                        </m:d>
+                        <m:r>
+                          <a:rPr lang="en-US" b="0" i="1" smtClean="0">
+                            <a:latin typeface="Cambria Math" charset="0"/>
+                          </a:rPr>
+                          <m:t>,</m:t>
+                        </m:r>
+                      </m:oMath>
+                    </m:oMathPara>
+                  </a14:m>
+                  <a:endParaRPr lang="en-US" dirty="0"/>
+                </a:p>
+              </p:txBody>
+            </p:sp>
+          </mc:Choice>
+          <mc:Fallback xmlns="">
+            <p:sp>
+              <p:nvSpPr>
+                <p:cNvPr id="35" name="TextBox 34"/>
+                <p:cNvSpPr txBox="1">
+                  <a:spLocks noRot="1" noChangeAspect="1" noMove="1" noResize="1" noEditPoints="1" noAdjustHandles="1" noChangeArrowheads="1" noChangeShapeType="1" noTextEdit="1"/>
+                </p:cNvSpPr>
+                <p:nvPr/>
+              </p:nvSpPr>
+              <p:spPr>
+                <a:xfrm>
+                  <a:off x="3341231" y="5649803"/>
+                  <a:ext cx="2606547" cy="276999"/>
+                </a:xfrm>
+                <a:prstGeom prst="rect">
+                  <a:avLst/>
+                </a:prstGeom>
+                <a:blipFill rotWithShape="0">
+                  <a:blip r:embed="rId9"/>
+                  <a:stretch>
+                    <a:fillRect l="-467" t="-146667" b="-182222"/>
+                  </a:stretch>
+                </a:blipFill>
+              </p:spPr>
+              <p:txBody>
+                <a:bodyPr/>
+                <a:lstStyle/>
+                <a:p>
+                  <a:r>
+                    <a:rPr lang="en-US">
+                      <a:noFill/>
+                    </a:rPr>
+                    <a:t> </a:t>
+                  </a:r>
+                </a:p>
+              </p:txBody>
+            </p:sp>
+          </mc:Fallback>
+        </mc:AlternateContent>
+        <mc:AlternateContent xmlns:mc="http://schemas.openxmlformats.org/markup-compatibility/2006" xmlns:a14="http://schemas.microsoft.com/office/drawing/2010/main">
+          <mc:Choice Requires="a14">
+            <p:sp>
+              <p:nvSpPr>
+                <p:cNvPr id="36" name="TextBox 35"/>
+                <p:cNvSpPr txBox="1"/>
+                <p:nvPr/>
+              </p:nvSpPr>
+              <p:spPr>
+                <a:xfrm>
+                  <a:off x="3381686" y="5820169"/>
+                  <a:ext cx="226023" cy="276999"/>
+                </a:xfrm>
+                <a:prstGeom prst="rect">
+                  <a:avLst/>
+                </a:prstGeom>
+                <a:noFill/>
+              </p:spPr>
+              <p:txBody>
+                <a:bodyPr wrap="none" lIns="0" tIns="0" rIns="0" bIns="0" rtlCol="0">
+                  <a:spAutoFit/>
+                </a:bodyPr>
+                <a:lstStyle/>
+                <a:p>
+                  <a:pPr/>
+                  <a14:m>
+                    <m:oMathPara xmlns:m="http://schemas.openxmlformats.org/officeDocument/2006/math">
+                      <m:oMathParaPr>
+                        <m:jc m:val="centerGroup"/>
+                      </m:oMathParaPr>
+                      <m:oMath xmlns:m="http://schemas.openxmlformats.org/officeDocument/2006/math">
+                        <m:r>
+                          <a:rPr lang="en-US" b="0" i="1" smtClean="0">
+                            <a:latin typeface="Cambria Math" charset="0"/>
+                          </a:rPr>
+                          <m:t>…</m:t>
+                        </m:r>
+                      </m:oMath>
+                    </m:oMathPara>
+                  </a14:m>
+                  <a:endParaRPr lang="en-US" dirty="0"/>
+                </a:p>
+              </p:txBody>
+            </p:sp>
+          </mc:Choice>
+          <mc:Fallback xmlns="">
+            <p:sp>
+              <p:nvSpPr>
+                <p:cNvPr id="36" name="TextBox 35"/>
+                <p:cNvSpPr txBox="1">
+                  <a:spLocks noRot="1" noChangeAspect="1" noMove="1" noResize="1" noEditPoints="1" noAdjustHandles="1" noChangeArrowheads="1" noChangeShapeType="1" noTextEdit="1"/>
+                </p:cNvSpPr>
+                <p:nvPr/>
+              </p:nvSpPr>
+              <p:spPr>
+                <a:xfrm>
+                  <a:off x="3381686" y="5820169"/>
+                  <a:ext cx="226023" cy="276999"/>
+                </a:xfrm>
+                <a:prstGeom prst="rect">
+                  <a:avLst/>
+                </a:prstGeom>
+                <a:blipFill rotWithShape="0">
+                  <a:blip r:embed="rId6"/>
+                  <a:stretch>
+                    <a:fillRect/>
+                  </a:stretch>
+                </a:blipFill>
+              </p:spPr>
+              <p:txBody>
+                <a:bodyPr/>
+                <a:lstStyle/>
+                <a:p>
+                  <a:r>
+                    <a:rPr lang="en-US">
+                      <a:noFill/>
+                    </a:rPr>
+                    <a:t> </a:t>
+                  </a:r>
+                </a:p>
+              </p:txBody>
+            </p:sp>
+          </mc:Fallback>
+        </mc:AlternateContent>
+        <mc:AlternateContent xmlns:mc="http://schemas.openxmlformats.org/markup-compatibility/2006" xmlns:a14="http://schemas.microsoft.com/office/drawing/2010/main">
+          <mc:Choice Requires="a14">
+            <p:sp>
+              <p:nvSpPr>
+                <p:cNvPr id="37" name="TextBox 36"/>
+                <p:cNvSpPr txBox="1"/>
+                <p:nvPr/>
+              </p:nvSpPr>
+              <p:spPr>
+                <a:xfrm>
+                  <a:off x="2538930" y="4060685"/>
+                  <a:ext cx="3498586" cy="276999"/>
+                </a:xfrm>
+                <a:prstGeom prst="rect">
+                  <a:avLst/>
+                </a:prstGeom>
+                <a:noFill/>
+              </p:spPr>
+              <p:txBody>
+                <a:bodyPr wrap="none" lIns="0" tIns="0" rIns="0" bIns="0" rtlCol="0">
+                  <a:spAutoFit/>
+                </a:bodyPr>
+                <a:lstStyle/>
+                <a:p>
+                  <a:pPr/>
+                  <a14:m>
+                    <m:oMathPara xmlns:m="http://schemas.openxmlformats.org/officeDocument/2006/math">
+                      <m:oMathParaPr>
+                        <m:jc m:val="centerGroup"/>
+                      </m:oMathParaPr>
+                      <m:oMath xmlns:m="http://schemas.openxmlformats.org/officeDocument/2006/math">
+                        <m:r>
+                          <a:rPr lang="en-US" b="0" i="1" smtClean="0">
+                            <a:latin typeface="Cambria Math" charset="0"/>
+                          </a:rPr>
+                          <m:t>𝐺𝑃</m:t>
+                        </m:r>
+                        <m:r>
+                          <a:rPr lang="en-US" b="0" i="1" smtClean="0">
+                            <a:latin typeface="Cambria Math" charset="0"/>
+                          </a:rPr>
+                          <m:t>2⇒[100 :</m:t>
+                        </m:r>
+                        <m:d>
+                          <m:dPr>
+                            <m:begChr m:val="{"/>
+                            <m:endChr m:val="}"/>
+                            <m:ctrlPr>
+                              <a:rPr lang="en-US" b="0" i="1" smtClean="0">
+                                <a:latin typeface="Cambria Math" charset="0"/>
+                              </a:rPr>
+                            </m:ctrlPr>
+                          </m:dPr>
+                          <m:e>
+                            <m:r>
+                              <a:rPr lang="en-US" i="1">
+                                <a:latin typeface="Cambria Math" charset="0"/>
+                              </a:rPr>
+                              <m:t>𝐴</m:t>
+                            </m:r>
+                            <m:r>
+                              <a:rPr lang="en-US" i="1">
+                                <a:latin typeface="Cambria Math" charset="0"/>
+                              </a:rPr>
+                              <m:t>1,</m:t>
+                            </m:r>
+                            <m:r>
+                              <a:rPr lang="en-US" i="1">
+                                <a:latin typeface="Cambria Math" charset="0"/>
+                              </a:rPr>
+                              <m:t>𝐴</m:t>
+                            </m:r>
+                            <m:r>
+                              <a:rPr lang="en-US" i="1">
+                                <a:latin typeface="Cambria Math" charset="0"/>
+                              </a:rPr>
+                              <m:t>2,</m:t>
+                            </m:r>
+                            <m:r>
+                              <a:rPr lang="en-US" i="1">
+                                <a:latin typeface="Cambria Math" charset="0"/>
+                              </a:rPr>
+                              <m:t>𝐴</m:t>
+                            </m:r>
+                            <m:r>
+                              <a:rPr lang="en-US" i="1">
+                                <a:latin typeface="Cambria Math" charset="0"/>
+                              </a:rPr>
+                              <m:t>3,</m:t>
+                            </m:r>
+                            <m:r>
+                              <a:rPr lang="en-US" i="1">
+                                <a:latin typeface="Cambria Math" charset="0"/>
+                              </a:rPr>
+                              <m:t>𝐴</m:t>
+                            </m:r>
+                            <m:r>
+                              <a:rPr lang="en-US" i="1">
+                                <a:latin typeface="Cambria Math" charset="0"/>
+                              </a:rPr>
+                              <m:t>4</m:t>
+                            </m:r>
+                          </m:e>
+                        </m:d>
+                        <m:r>
+                          <a:rPr lang="en-US" b="0" i="1" smtClean="0">
+                            <a:latin typeface="Cambria Math" charset="0"/>
+                          </a:rPr>
+                          <m:t>→ ∗]</m:t>
+                        </m:r>
+                      </m:oMath>
+                    </m:oMathPara>
+                  </a14:m>
+                  <a:endParaRPr lang="en-US" dirty="0"/>
+                </a:p>
+              </p:txBody>
+            </p:sp>
+          </mc:Choice>
+          <mc:Fallback xmlns="">
+            <p:sp>
+              <p:nvSpPr>
+                <p:cNvPr id="37" name="TextBox 36"/>
+                <p:cNvSpPr txBox="1">
+                  <a:spLocks noRot="1" noChangeAspect="1" noMove="1" noResize="1" noEditPoints="1" noAdjustHandles="1" noChangeArrowheads="1" noChangeShapeType="1" noTextEdit="1"/>
+                </p:cNvSpPr>
+                <p:nvPr/>
+              </p:nvSpPr>
+              <p:spPr>
+                <a:xfrm>
+                  <a:off x="2538930" y="4060685"/>
+                  <a:ext cx="3498586" cy="276999"/>
+                </a:xfrm>
+                <a:prstGeom prst="rect">
+                  <a:avLst/>
+                </a:prstGeom>
+                <a:blipFill rotWithShape="0">
+                  <a:blip r:embed="rId10"/>
+                  <a:stretch>
+                    <a:fillRect l="-1045" t="-143478" r="-1916" b="-176087"/>
+                  </a:stretch>
+                </a:blipFill>
+              </p:spPr>
+              <p:txBody>
+                <a:bodyPr/>
+                <a:lstStyle/>
+                <a:p>
+                  <a:r>
+                    <a:rPr lang="en-US">
+                      <a:noFill/>
+                    </a:rPr>
+                    <a:t> </a:t>
+                  </a:r>
+                </a:p>
+              </p:txBody>
+            </p:sp>
+          </mc:Fallback>
+        </mc:AlternateContent>
+        <mc:AlternateContent xmlns:mc="http://schemas.openxmlformats.org/markup-compatibility/2006" xmlns:a14="http://schemas.microsoft.com/office/drawing/2010/main">
+          <mc:Choice Requires="a14">
+            <p:sp>
+              <p:nvSpPr>
+                <p:cNvPr id="38" name="TextBox 37"/>
+                <p:cNvSpPr txBox="1"/>
+                <p:nvPr/>
+              </p:nvSpPr>
+              <p:spPr>
+                <a:xfrm>
+                  <a:off x="2560823" y="4545303"/>
+                  <a:ext cx="4912435" cy="276999"/>
+                </a:xfrm>
+                <a:prstGeom prst="rect">
+                  <a:avLst/>
+                </a:prstGeom>
+                <a:noFill/>
+              </p:spPr>
+              <p:txBody>
+                <a:bodyPr wrap="none" lIns="0" tIns="0" rIns="0" bIns="0" rtlCol="0">
+                  <a:spAutoFit/>
+                </a:bodyPr>
+                <a:lstStyle/>
+                <a:p>
+                  <a:pPr/>
+                  <a14:m>
+                    <m:oMathPara xmlns:m="http://schemas.openxmlformats.org/officeDocument/2006/math">
+                      <m:oMathParaPr>
+                        <m:jc m:val="centerGroup"/>
+                      </m:oMathParaPr>
+                      <m:oMath xmlns:m="http://schemas.openxmlformats.org/officeDocument/2006/math">
+                        <m:r>
+                          <a:rPr lang="en-US" b="0" i="1" smtClean="0">
+                            <a:latin typeface="Cambria Math" charset="0"/>
+                          </a:rPr>
+                          <m:t>𝐿𝑃</m:t>
+                        </m:r>
+                        <m:r>
+                          <a:rPr lang="en-US" b="0" i="1" smtClean="0">
+                            <a:latin typeface="Cambria Math" charset="0"/>
+                          </a:rPr>
+                          <m:t>1⇒[100 :</m:t>
+                        </m:r>
+                        <m:d>
+                          <m:dPr>
+                            <m:begChr m:val="{"/>
+                            <m:endChr m:val="}"/>
+                            <m:ctrlPr>
+                              <a:rPr lang="en-US" b="0" i="1" smtClean="0">
+                                <a:latin typeface="Cambria Math" charset="0"/>
+                              </a:rPr>
+                            </m:ctrlPr>
+                          </m:dPr>
+                          <m:e>
+                            <m:r>
+                              <a:rPr lang="en-US" i="1">
+                                <a:latin typeface="Cambria Math" charset="0"/>
+                              </a:rPr>
+                              <m:t>𝐴</m:t>
+                            </m:r>
+                            <m:r>
+                              <a:rPr lang="en-US" i="1">
+                                <a:latin typeface="Cambria Math" charset="0"/>
+                              </a:rPr>
+                              <m:t>1,</m:t>
+                            </m:r>
+                            <m:r>
+                              <a:rPr lang="en-US" i="1">
+                                <a:latin typeface="Cambria Math" charset="0"/>
+                              </a:rPr>
+                              <m:t>𝐴</m:t>
+                            </m:r>
+                            <m:r>
+                              <a:rPr lang="en-US" i="1">
+                                <a:latin typeface="Cambria Math" charset="0"/>
+                              </a:rPr>
+                              <m:t>2,</m:t>
+                            </m:r>
+                            <m:r>
+                              <a:rPr lang="en-US" i="1">
+                                <a:latin typeface="Cambria Math" charset="0"/>
+                              </a:rPr>
+                              <m:t>𝐴</m:t>
+                            </m:r>
+                            <m:r>
+                              <a:rPr lang="en-US" i="1">
+                                <a:latin typeface="Cambria Math" charset="0"/>
+                              </a:rPr>
+                              <m:t>3,</m:t>
+                            </m:r>
+                            <m:r>
+                              <a:rPr lang="en-US" i="1">
+                                <a:latin typeface="Cambria Math" charset="0"/>
+                              </a:rPr>
+                              <m:t>𝐴</m:t>
+                            </m:r>
+                            <m:r>
+                              <a:rPr lang="en-US" i="1">
+                                <a:latin typeface="Cambria Math" charset="0"/>
+                              </a:rPr>
+                              <m:t>4</m:t>
+                            </m:r>
+                          </m:e>
+                        </m:d>
+                        <m:r>
+                          <a:rPr lang="en-US" b="0" i="1" smtClean="0">
+                            <a:latin typeface="Cambria Math" charset="0"/>
+                          </a:rPr>
+                          <m:t>→{</m:t>
+                        </m:r>
+                        <m:r>
+                          <a:rPr lang="en-US" i="1">
+                            <a:latin typeface="Cambria Math" charset="0"/>
+                          </a:rPr>
+                          <m:t>𝐴</m:t>
+                        </m:r>
+                        <m:r>
+                          <a:rPr lang="en-US" i="1">
+                            <a:latin typeface="Cambria Math" charset="0"/>
+                          </a:rPr>
+                          <m:t>1,</m:t>
+                        </m:r>
+                        <m:r>
+                          <a:rPr lang="en-US" i="1">
+                            <a:latin typeface="Cambria Math" charset="0"/>
+                          </a:rPr>
+                          <m:t>𝐴</m:t>
+                        </m:r>
+                        <m:r>
+                          <a:rPr lang="en-US" i="1">
+                            <a:latin typeface="Cambria Math" charset="0"/>
+                          </a:rPr>
+                          <m:t>2,</m:t>
+                        </m:r>
+                        <m:r>
+                          <a:rPr lang="en-US" i="1">
+                            <a:latin typeface="Cambria Math" charset="0"/>
+                          </a:rPr>
+                          <m:t>𝐴</m:t>
+                        </m:r>
+                        <m:r>
+                          <a:rPr lang="en-US" i="1">
+                            <a:latin typeface="Cambria Math" charset="0"/>
+                          </a:rPr>
+                          <m:t>3,</m:t>
+                        </m:r>
+                        <m:r>
+                          <a:rPr lang="en-US" i="1">
+                            <a:latin typeface="Cambria Math" charset="0"/>
+                          </a:rPr>
+                          <m:t>𝐴</m:t>
+                        </m:r>
+                        <m:r>
+                          <a:rPr lang="en-US" i="1">
+                            <a:latin typeface="Cambria Math" charset="0"/>
+                          </a:rPr>
+                          <m:t>4}]</m:t>
+                        </m:r>
+                      </m:oMath>
+                    </m:oMathPara>
+                  </a14:m>
+                  <a:endParaRPr lang="en-US" dirty="0"/>
+                </a:p>
+              </p:txBody>
+            </p:sp>
+          </mc:Choice>
+          <mc:Fallback xmlns="">
+            <p:sp>
+              <p:nvSpPr>
+                <p:cNvPr id="38" name="TextBox 37"/>
+                <p:cNvSpPr txBox="1">
+                  <a:spLocks noRot="1" noChangeAspect="1" noMove="1" noResize="1" noEditPoints="1" noAdjustHandles="1" noChangeArrowheads="1" noChangeShapeType="1" noTextEdit="1"/>
+                </p:cNvSpPr>
+                <p:nvPr/>
+              </p:nvSpPr>
+              <p:spPr>
+                <a:xfrm>
+                  <a:off x="2560823" y="4545303"/>
+                  <a:ext cx="4912435" cy="276999"/>
+                </a:xfrm>
+                <a:prstGeom prst="rect">
+                  <a:avLst/>
+                </a:prstGeom>
+                <a:blipFill rotWithShape="0">
+                  <a:blip r:embed="rId11"/>
+                  <a:stretch>
+                    <a:fillRect l="-620" t="-4444" r="-1241" b="-35556"/>
+                  </a:stretch>
+                </a:blipFill>
+              </p:spPr>
+              <p:txBody>
+                <a:bodyPr/>
+                <a:lstStyle/>
+                <a:p>
+                  <a:r>
+                    <a:rPr lang="en-US">
+                      <a:noFill/>
+                    </a:rPr>
+                    <a:t> </a:t>
+                  </a:r>
+                </a:p>
+              </p:txBody>
+            </p:sp>
+          </mc:Fallback>
+        </mc:AlternateContent>
+        <mc:AlternateContent xmlns:mc="http://schemas.openxmlformats.org/markup-compatibility/2006" xmlns:a14="http://schemas.microsoft.com/office/drawing/2010/main">
+          <mc:Choice Requires="a14">
+            <p:sp>
+              <p:nvSpPr>
+                <p:cNvPr id="39" name="TextBox 38"/>
+                <p:cNvSpPr txBox="1"/>
+                <p:nvPr/>
+              </p:nvSpPr>
+              <p:spPr>
+                <a:xfrm>
+                  <a:off x="2560823" y="4864549"/>
+                  <a:ext cx="4912435" cy="276999"/>
+                </a:xfrm>
+                <a:prstGeom prst="rect">
+                  <a:avLst/>
+                </a:prstGeom>
+                <a:noFill/>
+              </p:spPr>
+              <p:txBody>
+                <a:bodyPr wrap="none" lIns="0" tIns="0" rIns="0" bIns="0" rtlCol="0">
+                  <a:spAutoFit/>
+                </a:bodyPr>
+                <a:lstStyle/>
+                <a:p>
+                  <a:pPr/>
+                  <a14:m>
+                    <m:oMathPara xmlns:m="http://schemas.openxmlformats.org/officeDocument/2006/math">
+                      <m:oMathParaPr>
+                        <m:jc m:val="centerGroup"/>
+                      </m:oMathParaPr>
+                      <m:oMath xmlns:m="http://schemas.openxmlformats.org/officeDocument/2006/math">
+                        <m:r>
+                          <a:rPr lang="en-US" b="0" i="1" smtClean="0">
+                            <a:latin typeface="Cambria Math" charset="0"/>
+                          </a:rPr>
+                          <m:t>𝐿𝑃</m:t>
+                        </m:r>
+                        <m:r>
+                          <a:rPr lang="en-US" b="0" i="1" smtClean="0">
+                            <a:latin typeface="Cambria Math" charset="0"/>
+                          </a:rPr>
+                          <m:t>2⇒[100 :</m:t>
+                        </m:r>
+                        <m:d>
+                          <m:dPr>
+                            <m:begChr m:val="{"/>
+                            <m:endChr m:val="}"/>
+                            <m:ctrlPr>
+                              <a:rPr lang="en-US" b="0" i="1" smtClean="0">
+                                <a:latin typeface="Cambria Math" charset="0"/>
+                              </a:rPr>
+                            </m:ctrlPr>
+                          </m:dPr>
+                          <m:e>
+                            <m:r>
+                              <a:rPr lang="en-US" i="1">
+                                <a:latin typeface="Cambria Math" charset="0"/>
+                              </a:rPr>
+                              <m:t>𝐴</m:t>
+                            </m:r>
+                            <m:r>
+                              <a:rPr lang="en-US" i="1">
+                                <a:latin typeface="Cambria Math" charset="0"/>
+                              </a:rPr>
+                              <m:t>1,</m:t>
+                            </m:r>
+                            <m:r>
+                              <a:rPr lang="en-US" i="1">
+                                <a:latin typeface="Cambria Math" charset="0"/>
+                              </a:rPr>
+                              <m:t>𝐴</m:t>
+                            </m:r>
+                            <m:r>
+                              <a:rPr lang="en-US" i="1">
+                                <a:latin typeface="Cambria Math" charset="0"/>
+                              </a:rPr>
+                              <m:t>2,</m:t>
+                            </m:r>
+                            <m:r>
+                              <a:rPr lang="en-US" i="1">
+                                <a:latin typeface="Cambria Math" charset="0"/>
+                              </a:rPr>
+                              <m:t>𝐴</m:t>
+                            </m:r>
+                            <m:r>
+                              <a:rPr lang="en-US" i="1">
+                                <a:latin typeface="Cambria Math" charset="0"/>
+                              </a:rPr>
+                              <m:t>3,</m:t>
+                            </m:r>
+                            <m:r>
+                              <a:rPr lang="en-US" i="1">
+                                <a:latin typeface="Cambria Math" charset="0"/>
+                              </a:rPr>
+                              <m:t>𝐴</m:t>
+                            </m:r>
+                            <m:r>
+                              <a:rPr lang="en-US" i="1">
+                                <a:latin typeface="Cambria Math" charset="0"/>
+                              </a:rPr>
+                              <m:t>4</m:t>
+                            </m:r>
+                          </m:e>
+                        </m:d>
+                        <m:r>
+                          <a:rPr lang="en-US" b="0" i="1" smtClean="0">
+                            <a:latin typeface="Cambria Math" charset="0"/>
+                          </a:rPr>
+                          <m:t>→{</m:t>
+                        </m:r>
+                        <m:r>
+                          <a:rPr lang="en-US" i="1">
+                            <a:latin typeface="Cambria Math" charset="0"/>
+                          </a:rPr>
+                          <m:t>𝐴</m:t>
+                        </m:r>
+                        <m:r>
+                          <a:rPr lang="en-US" i="1">
+                            <a:latin typeface="Cambria Math" charset="0"/>
+                          </a:rPr>
+                          <m:t>1,</m:t>
+                        </m:r>
+                        <m:r>
+                          <a:rPr lang="en-US" i="1">
+                            <a:latin typeface="Cambria Math" charset="0"/>
+                          </a:rPr>
+                          <m:t>𝐴</m:t>
+                        </m:r>
+                        <m:r>
+                          <a:rPr lang="en-US" i="1">
+                            <a:latin typeface="Cambria Math" charset="0"/>
+                          </a:rPr>
+                          <m:t>2,</m:t>
+                        </m:r>
+                        <m:r>
+                          <a:rPr lang="en-US" i="1">
+                            <a:latin typeface="Cambria Math" charset="0"/>
+                          </a:rPr>
+                          <m:t>𝐴</m:t>
+                        </m:r>
+                        <m:r>
+                          <a:rPr lang="en-US" i="1">
+                            <a:latin typeface="Cambria Math" charset="0"/>
+                          </a:rPr>
+                          <m:t>3,</m:t>
+                        </m:r>
+                        <m:r>
+                          <a:rPr lang="en-US" i="1">
+                            <a:latin typeface="Cambria Math" charset="0"/>
+                          </a:rPr>
+                          <m:t>𝐴</m:t>
+                        </m:r>
+                        <m:r>
+                          <a:rPr lang="en-US" i="1">
+                            <a:latin typeface="Cambria Math" charset="0"/>
+                          </a:rPr>
+                          <m:t>4}]</m:t>
+                        </m:r>
+                      </m:oMath>
+                    </m:oMathPara>
+                  </a14:m>
+                  <a:endParaRPr lang="en-US" dirty="0"/>
+                </a:p>
+              </p:txBody>
+            </p:sp>
+          </mc:Choice>
+          <mc:Fallback xmlns="">
+            <p:sp>
+              <p:nvSpPr>
+                <p:cNvPr id="39" name="TextBox 38"/>
+                <p:cNvSpPr txBox="1">
+                  <a:spLocks noRot="1" noChangeAspect="1" noMove="1" noResize="1" noEditPoints="1" noAdjustHandles="1" noChangeArrowheads="1" noChangeShapeType="1" noTextEdit="1"/>
+                </p:cNvSpPr>
+                <p:nvPr/>
+              </p:nvSpPr>
+              <p:spPr>
+                <a:xfrm>
+                  <a:off x="2560823" y="4864549"/>
+                  <a:ext cx="4912435" cy="276999"/>
+                </a:xfrm>
+                <a:prstGeom prst="rect">
+                  <a:avLst/>
+                </a:prstGeom>
+                <a:blipFill rotWithShape="0">
+                  <a:blip r:embed="rId12"/>
+                  <a:stretch>
+                    <a:fillRect l="-620" t="-2174" r="-1241" b="-32609"/>
+                  </a:stretch>
+                </a:blipFill>
+              </p:spPr>
+              <p:txBody>
+                <a:bodyPr/>
+                <a:lstStyle/>
+                <a:p>
+                  <a:r>
+                    <a:rPr lang="en-US">
+                      <a:noFill/>
+                    </a:rPr>
+                    <a:t> </a:t>
+                  </a:r>
+                </a:p>
+              </p:txBody>
+            </p:sp>
+          </mc:Fallback>
+        </mc:AlternateContent>
+        <mc:AlternateContent xmlns:mc="http://schemas.openxmlformats.org/markup-compatibility/2006" xmlns:a14="http://schemas.microsoft.com/office/drawing/2010/main">
+          <mc:Choice Requires="a14">
+            <p:sp>
+              <p:nvSpPr>
+                <p:cNvPr id="40" name="TextBox 39"/>
+                <p:cNvSpPr txBox="1"/>
+                <p:nvPr/>
+              </p:nvSpPr>
+              <p:spPr>
+                <a:xfrm>
+                  <a:off x="2577178" y="4240925"/>
+                  <a:ext cx="226023" cy="276999"/>
+                </a:xfrm>
+                <a:prstGeom prst="rect">
+                  <a:avLst/>
+                </a:prstGeom>
+                <a:noFill/>
+              </p:spPr>
+              <p:txBody>
+                <a:bodyPr wrap="none" lIns="0" tIns="0" rIns="0" bIns="0" rtlCol="0">
+                  <a:spAutoFit/>
+                </a:bodyPr>
+                <a:lstStyle/>
+                <a:p>
+                  <a:pPr/>
+                  <a14:m>
+                    <m:oMathPara xmlns:m="http://schemas.openxmlformats.org/officeDocument/2006/math">
+                      <m:oMathParaPr>
+                        <m:jc m:val="centerGroup"/>
+                      </m:oMathParaPr>
+                      <m:oMath xmlns:m="http://schemas.openxmlformats.org/officeDocument/2006/math">
+                        <m:r>
+                          <a:rPr lang="en-US" b="0" i="1" smtClean="0">
+                            <a:latin typeface="Cambria Math" charset="0"/>
+                          </a:rPr>
+                          <m:t>…</m:t>
+                        </m:r>
+                      </m:oMath>
+                    </m:oMathPara>
+                  </a14:m>
+                  <a:endParaRPr lang="en-US" dirty="0"/>
+                </a:p>
+              </p:txBody>
+            </p:sp>
+          </mc:Choice>
+          <mc:Fallback xmlns="">
+            <p:sp>
+              <p:nvSpPr>
+                <p:cNvPr id="40" name="TextBox 39"/>
+                <p:cNvSpPr txBox="1">
+                  <a:spLocks noRot="1" noChangeAspect="1" noMove="1" noResize="1" noEditPoints="1" noAdjustHandles="1" noChangeArrowheads="1" noChangeShapeType="1" noTextEdit="1"/>
+                </p:cNvSpPr>
+                <p:nvPr/>
+              </p:nvSpPr>
+              <p:spPr>
+                <a:xfrm>
+                  <a:off x="2577178" y="4240925"/>
+                  <a:ext cx="226023" cy="276999"/>
+                </a:xfrm>
+                <a:prstGeom prst="rect">
+                  <a:avLst/>
+                </a:prstGeom>
+                <a:blipFill rotWithShape="0">
+                  <a:blip r:embed="rId6"/>
+                  <a:stretch>
+                    <a:fillRect/>
+                  </a:stretch>
+                </a:blipFill>
+              </p:spPr>
+              <p:txBody>
+                <a:bodyPr/>
+                <a:lstStyle/>
+                <a:p>
+                  <a:r>
+                    <a:rPr lang="en-US">
+                      <a:noFill/>
+                    </a:rPr>
+                    <a:t> </a:t>
+                  </a:r>
+                </a:p>
+              </p:txBody>
+            </p:sp>
+          </mc:Fallback>
+        </mc:AlternateContent>
+        <mc:AlternateContent xmlns:mc="http://schemas.openxmlformats.org/markup-compatibility/2006" xmlns:a14="http://schemas.microsoft.com/office/drawing/2010/main">
+          <mc:Choice Requires="a14">
+            <p:sp>
+              <p:nvSpPr>
+                <p:cNvPr id="41" name="TextBox 40"/>
+                <p:cNvSpPr txBox="1"/>
+                <p:nvPr/>
+              </p:nvSpPr>
+              <p:spPr>
+                <a:xfrm>
+                  <a:off x="2577178" y="5047865"/>
+                  <a:ext cx="226023" cy="276999"/>
+                </a:xfrm>
+                <a:prstGeom prst="rect">
+                  <a:avLst/>
+                </a:prstGeom>
+                <a:noFill/>
+              </p:spPr>
+              <p:txBody>
+                <a:bodyPr wrap="none" lIns="0" tIns="0" rIns="0" bIns="0" rtlCol="0">
+                  <a:spAutoFit/>
+                </a:bodyPr>
+                <a:lstStyle/>
+                <a:p>
+                  <a:pPr/>
+                  <a14:m>
+                    <m:oMathPara xmlns:m="http://schemas.openxmlformats.org/officeDocument/2006/math">
+                      <m:oMathParaPr>
+                        <m:jc m:val="centerGroup"/>
+                      </m:oMathParaPr>
+                      <m:oMath xmlns:m="http://schemas.openxmlformats.org/officeDocument/2006/math">
+                        <m:r>
+                          <a:rPr lang="en-US" b="0" i="1" smtClean="0">
+                            <a:latin typeface="Cambria Math" charset="0"/>
+                          </a:rPr>
+                          <m:t>…</m:t>
+                        </m:r>
+                      </m:oMath>
+                    </m:oMathPara>
+                  </a14:m>
+                  <a:endParaRPr lang="en-US" dirty="0"/>
+                </a:p>
+              </p:txBody>
+            </p:sp>
+          </mc:Choice>
+          <mc:Fallback xmlns="">
+            <p:sp>
+              <p:nvSpPr>
+                <p:cNvPr id="41" name="TextBox 40"/>
+                <p:cNvSpPr txBox="1">
+                  <a:spLocks noRot="1" noChangeAspect="1" noMove="1" noResize="1" noEditPoints="1" noAdjustHandles="1" noChangeArrowheads="1" noChangeShapeType="1" noTextEdit="1"/>
+                </p:cNvSpPr>
+                <p:nvPr/>
+              </p:nvSpPr>
+              <p:spPr>
+                <a:xfrm>
+                  <a:off x="2577178" y="5047865"/>
+                  <a:ext cx="226023" cy="276999"/>
+                </a:xfrm>
+                <a:prstGeom prst="rect">
+                  <a:avLst/>
+                </a:prstGeom>
+                <a:blipFill rotWithShape="0">
+                  <a:blip r:embed="rId13"/>
+                  <a:stretch>
+                    <a:fillRect/>
+                  </a:stretch>
+                </a:blipFill>
+              </p:spPr>
+              <p:txBody>
+                <a:bodyPr/>
+                <a:lstStyle/>
+                <a:p>
+                  <a:r>
+                    <a:rPr lang="en-US">
+                      <a:noFill/>
+                    </a:rPr>
+                    <a:t> </a:t>
+                  </a:r>
+                </a:p>
+              </p:txBody>
+            </p:sp>
+          </mc:Fallback>
+        </mc:AlternateContent>
+      </p:grpSp>
+      <p:sp>
+        <p:nvSpPr>
+          <p:cNvPr id="45" name="TextBox 44"/>
+          <p:cNvSpPr txBox="1"/>
+          <p:nvPr/>
+        </p:nvSpPr>
+        <p:spPr>
+          <a:xfrm>
+            <a:off x="2352807" y="1220034"/>
+            <a:ext cx="1227580" cy="369332"/>
+          </a:xfrm>
+          <a:prstGeom prst="rect">
+            <a:avLst/>
+          </a:prstGeom>
+          <a:noFill/>
+        </p:spPr>
+        <p:txBody>
+          <a:bodyPr wrap="none" rtlCol="0">
+            <a:spAutoFit/>
+          </a:bodyPr>
+          <a:lstStyle/>
+          <a:p>
+            <a:r>
+              <a:rPr lang="en-US" b="1" dirty="0" smtClean="0"/>
+              <a:t>Template S</a:t>
+            </a:r>
+            <a:endParaRPr lang="en-US" b="1" dirty="0"/>
+          </a:p>
+        </p:txBody>
+      </p:sp>
+      <p:sp>
+        <p:nvSpPr>
+          <p:cNvPr id="46" name="TextBox 45"/>
+          <p:cNvSpPr txBox="1"/>
+          <p:nvPr/>
+        </p:nvSpPr>
+        <p:spPr>
+          <a:xfrm>
+            <a:off x="2342603" y="3139601"/>
+            <a:ext cx="2103396" cy="369332"/>
+          </a:xfrm>
+          <a:prstGeom prst="rect">
+            <a:avLst/>
+          </a:prstGeom>
+          <a:noFill/>
+        </p:spPr>
+        <p:txBody>
+          <a:bodyPr wrap="none" rtlCol="0">
+            <a:spAutoFit/>
+          </a:bodyPr>
+          <a:lstStyle/>
+          <a:p>
+            <a:r>
+              <a:rPr lang="en-US" b="1" dirty="0" smtClean="0"/>
+              <a:t>Configuration S1, S2</a:t>
+            </a:r>
+            <a:endParaRPr lang="en-US" b="1" dirty="0"/>
+          </a:p>
+        </p:txBody>
+      </p:sp>
+    </p:spTree>
+    <p:extLst>
+      <p:ext uri="{BB962C8B-B14F-4D97-AF65-F5344CB8AC3E}">
+        <p14:creationId xmlns:p14="http://schemas.microsoft.com/office/powerpoint/2010/main" val="52447391"/>
       </p:ext>
     </p:extLst>
   </p:cSld>
@@ -21770,8 +23943,8 @@
           </mc:Fallback>
         </mc:AlternateContent>
       </p:grpSp>
-      <mc:AlternateContent xmlns:mc="http://schemas.openxmlformats.org/markup-compatibility/2006">
-        <mc:Choice xmlns:a14="http://schemas.microsoft.com/office/drawing/2010/main" Requires="a14">
+      <mc:AlternateContent xmlns:mc="http://schemas.openxmlformats.org/markup-compatibility/2006" xmlns:a14="http://schemas.microsoft.com/office/drawing/2010/main">
+        <mc:Choice Requires="a14">
           <p:sp>
             <p:nvSpPr>
               <p:cNvPr id="84" name="TextBox 83"/>
@@ -21821,7 +23994,7 @@
             </p:txBody>
           </p:sp>
         </mc:Choice>
-        <mc:Fallback>
+        <mc:Fallback xmlns="">
           <p:sp>
             <p:nvSpPr>
               <p:cNvPr id="84" name="TextBox 83"/>
@@ -21860,8 +24033,8 @@
           </p:sp>
         </mc:Fallback>
       </mc:AlternateContent>
-      <mc:AlternateContent xmlns:mc="http://schemas.openxmlformats.org/markup-compatibility/2006">
-        <mc:Choice xmlns:a14="http://schemas.microsoft.com/office/drawing/2010/main" Requires="a14">
+      <mc:AlternateContent xmlns:mc="http://schemas.openxmlformats.org/markup-compatibility/2006" xmlns:a14="http://schemas.microsoft.com/office/drawing/2010/main">
+        <mc:Choice Requires="a14">
           <p:sp>
             <p:nvSpPr>
               <p:cNvPr id="85" name="TextBox 84"/>
@@ -21911,7 +24084,7 @@
             </p:txBody>
           </p:sp>
         </mc:Choice>
-        <mc:Fallback>
+        <mc:Fallback xmlns="">
           <p:sp>
             <p:nvSpPr>
               <p:cNvPr id="85" name="TextBox 84"/>
@@ -25694,11 +27867,7 @@
               <a:p>
                 <a:r>
                   <a:rPr lang="en-US" sz="1600" dirty="0" smtClean="0"/>
-                  <a:t>(N1,0,0</a:t>
-                </a:r>
-                <a:r>
-                  <a:rPr lang="en-US" sz="1600" dirty="0" smtClean="0"/>
-                  <a:t>)</a:t>
+                  <a:t>(N1,0,0)</a:t>
                 </a:r>
                 <a:endParaRPr lang="en-US" sz="1600" dirty="0"/>
               </a:p>
@@ -26765,11 +28934,7 @@
               <a:p>
                 <a:r>
                   <a:rPr lang="en-US" sz="1600" dirty="0" smtClean="0"/>
-                  <a:t>(N2,0,0</a:t>
-                </a:r>
-                <a:r>
-                  <a:rPr lang="en-US" sz="1600" dirty="0" smtClean="0"/>
-                  <a:t>)</a:t>
+                  <a:t>(N2,0,0)</a:t>
                 </a:r>
                 <a:endParaRPr lang="en-US" sz="1600" dirty="0"/>
               </a:p>
@@ -29398,11 +31563,7 @@
             <a:p>
               <a:r>
                 <a:rPr lang="en-US" sz="1600" dirty="0" smtClean="0"/>
-                <a:t>(N1,0,0</a:t>
-              </a:r>
-              <a:r>
-                <a:rPr lang="en-US" sz="1600" dirty="0" smtClean="0"/>
-                <a:t>)</a:t>
+                <a:t>(N1,0,0)</a:t>
               </a:r>
               <a:endParaRPr lang="en-US" sz="1600" dirty="0"/>
             </a:p>
@@ -29690,11 +31851,7 @@
             <a:p>
               <a:r>
                 <a:rPr lang="en-US" sz="1600" dirty="0" smtClean="0"/>
-                <a:t>(N2,0,0</a:t>
-              </a:r>
-              <a:r>
-                <a:rPr lang="en-US" sz="1600" dirty="0" smtClean="0"/>
-                <a:t>)</a:t>
+                <a:t>(N2,0,0)</a:t>
               </a:r>
               <a:endParaRPr lang="en-US" sz="1600" dirty="0"/>
             </a:p>

--- a/paper/abstraction/figures/examples.pptx
+++ b/paper/abstraction/figures/examples.pptx
@@ -9015,10 +9015,10 @@
         </p:nvGrpSpPr>
         <p:grpSpPr>
           <a:xfrm>
-            <a:off x="2285998" y="1231464"/>
-            <a:ext cx="5343101" cy="1803292"/>
-            <a:chOff x="2285998" y="1065209"/>
-            <a:chExt cx="5343101" cy="1803292"/>
+            <a:off x="2285999" y="1231464"/>
+            <a:ext cx="4320541" cy="1803292"/>
+            <a:chOff x="2285999" y="1065209"/>
+            <a:chExt cx="4320541" cy="1803292"/>
           </a:xfrm>
         </p:grpSpPr>
         <p:sp>
@@ -9029,8 +9029,8 @@
           </p:nvSpPr>
           <p:spPr>
             <a:xfrm>
-              <a:off x="2285998" y="1065209"/>
-              <a:ext cx="5343101" cy="1803292"/>
+              <a:off x="2285999" y="1065209"/>
+              <a:ext cx="4320541" cy="1803292"/>
             </a:xfrm>
             <a:prstGeom prst="rect">
               <a:avLst/>
@@ -9068,8 +9068,8 @@
             </a:p>
           </p:txBody>
         </p:sp>
-        <mc:AlternateContent xmlns:mc="http://schemas.openxmlformats.org/markup-compatibility/2006" xmlns:a14="http://schemas.microsoft.com/office/drawing/2010/main">
-          <mc:Choice Requires="a14">
+        <mc:AlternateContent xmlns:mc="http://schemas.openxmlformats.org/markup-compatibility/2006">
+          <mc:Choice xmlns:a14="http://schemas.microsoft.com/office/drawing/2010/main" Requires="a14">
             <p:sp>
               <p:nvSpPr>
                 <p:cNvPr id="7" name="TextBox 6"/>
@@ -9078,7 +9078,7 @@
               </p:nvSpPr>
               <p:spPr>
                 <a:xfrm>
-                  <a:off x="2557585" y="1407535"/>
+                  <a:off x="2489005" y="1407535"/>
                   <a:ext cx="2799356" cy="276999"/>
                 </a:xfrm>
                 <a:prstGeom prst="rect">
@@ -9162,7 +9162,7 @@
               </p:txBody>
             </p:sp>
           </mc:Choice>
-          <mc:Fallback xmlns="">
+          <mc:Fallback>
             <p:sp>
               <p:nvSpPr>
                 <p:cNvPr id="7" name="TextBox 6"/>
@@ -9173,7 +9173,7 @@
               </p:nvSpPr>
               <p:spPr>
                 <a:xfrm>
-                  <a:off x="2557585" y="1407535"/>
+                  <a:off x="2489005" y="1407535"/>
                   <a:ext cx="2799356" cy="276999"/>
                 </a:xfrm>
                 <a:prstGeom prst="rect">
@@ -9182,7 +9182,7 @@
                 <a:blipFill rotWithShape="0">
                   <a:blip r:embed="rId2"/>
                   <a:stretch>
-                    <a:fillRect l="-2179" t="-143478" r="-2614" b="-176087"/>
+                    <a:fillRect l="-2174" t="-143478" r="-2391" b="-176087"/>
                   </a:stretch>
                 </a:blipFill>
               </p:spPr>
@@ -9201,8 +9201,8 @@
             </p:sp>
           </mc:Fallback>
         </mc:AlternateContent>
-        <mc:AlternateContent xmlns:mc="http://schemas.openxmlformats.org/markup-compatibility/2006" xmlns:a14="http://schemas.microsoft.com/office/drawing/2010/main">
-          <mc:Choice Requires="a14">
+        <mc:AlternateContent xmlns:mc="http://schemas.openxmlformats.org/markup-compatibility/2006">
+          <mc:Choice xmlns:a14="http://schemas.microsoft.com/office/drawing/2010/main" Requires="a14">
             <p:sp>
               <p:nvSpPr>
                 <p:cNvPr id="13" name="TextBox 12"/>
@@ -9211,7 +9211,7 @@
               </p:nvSpPr>
               <p:spPr>
                 <a:xfrm>
-                  <a:off x="2517480" y="2057384"/>
+                  <a:off x="2448900" y="2057384"/>
                   <a:ext cx="3405868" cy="276999"/>
                 </a:xfrm>
                 <a:prstGeom prst="rect">
@@ -9318,7 +9318,7 @@
               </p:txBody>
             </p:sp>
           </mc:Choice>
-          <mc:Fallback xmlns="">
+          <mc:Fallback>
             <p:sp>
               <p:nvSpPr>
                 <p:cNvPr id="13" name="TextBox 12"/>
@@ -9329,7 +9329,7 @@
               </p:nvSpPr>
               <p:spPr>
                 <a:xfrm>
-                  <a:off x="2517480" y="2057384"/>
+                  <a:off x="2448900" y="2057384"/>
                   <a:ext cx="3405868" cy="276999"/>
                 </a:xfrm>
                 <a:prstGeom prst="rect">
@@ -9338,7 +9338,7 @@
                 <a:blipFill rotWithShape="0">
                   <a:blip r:embed="rId3"/>
                   <a:stretch>
-                    <a:fillRect l="-894" t="-146667" b="-180000"/>
+                    <a:fillRect l="-896" t="-146667" b="-180000"/>
                   </a:stretch>
                 </a:blipFill>
               </p:spPr>
@@ -9357,8 +9357,8 @@
             </p:sp>
           </mc:Fallback>
         </mc:AlternateContent>
-        <mc:AlternateContent xmlns:mc="http://schemas.openxmlformats.org/markup-compatibility/2006" xmlns:a14="http://schemas.microsoft.com/office/drawing/2010/main">
-          <mc:Choice Requires="a14">
+        <mc:AlternateContent xmlns:mc="http://schemas.openxmlformats.org/markup-compatibility/2006">
+          <mc:Choice xmlns:a14="http://schemas.microsoft.com/office/drawing/2010/main" Requires="a14">
             <p:sp>
               <p:nvSpPr>
                 <p:cNvPr id="14" name="TextBox 13"/>
@@ -9367,7 +9367,7 @@
               </p:nvSpPr>
               <p:spPr>
                 <a:xfrm>
-                  <a:off x="3345827" y="2376630"/>
+                  <a:off x="3277247" y="2376630"/>
                   <a:ext cx="2606547" cy="276999"/>
                 </a:xfrm>
                 <a:prstGeom prst="rect">
@@ -9468,7 +9468,7 @@
               </p:txBody>
             </p:sp>
           </mc:Choice>
-          <mc:Fallback xmlns="">
+          <mc:Fallback>
             <p:sp>
               <p:nvSpPr>
                 <p:cNvPr id="14" name="TextBox 13"/>
@@ -9479,7 +9479,7 @@
               </p:nvSpPr>
               <p:spPr>
                 <a:xfrm>
-                  <a:off x="3345827" y="2376630"/>
+                  <a:off x="3277247" y="2376630"/>
                   <a:ext cx="2606547" cy="276999"/>
                 </a:xfrm>
                 <a:prstGeom prst="rect">
@@ -9507,8 +9507,8 @@
             </p:sp>
           </mc:Fallback>
         </mc:AlternateContent>
-        <mc:AlternateContent xmlns:mc="http://schemas.openxmlformats.org/markup-compatibility/2006" xmlns:a14="http://schemas.microsoft.com/office/drawing/2010/main">
-          <mc:Choice Requires="a14">
+        <mc:AlternateContent xmlns:mc="http://schemas.openxmlformats.org/markup-compatibility/2006">
+          <mc:Choice xmlns:a14="http://schemas.microsoft.com/office/drawing/2010/main" Requires="a14">
             <p:sp>
               <p:nvSpPr>
                 <p:cNvPr id="17" name="TextBox 16"/>
@@ -9517,7 +9517,7 @@
               </p:nvSpPr>
               <p:spPr>
                 <a:xfrm>
-                  <a:off x="2577178" y="1735302"/>
+                  <a:off x="2508598" y="1735302"/>
                   <a:ext cx="3519553" cy="276999"/>
                 </a:xfrm>
                 <a:prstGeom prst="rect">
@@ -9625,7 +9625,7 @@
               </p:txBody>
             </p:sp>
           </mc:Choice>
-          <mc:Fallback xmlns="">
+          <mc:Fallback>
             <p:sp>
               <p:nvSpPr>
                 <p:cNvPr id="17" name="TextBox 16"/>
@@ -9636,7 +9636,7 @@
               </p:nvSpPr>
               <p:spPr>
                 <a:xfrm>
-                  <a:off x="2577178" y="1735302"/>
+                  <a:off x="2508598" y="1735302"/>
                   <a:ext cx="3519553" cy="276999"/>
                 </a:xfrm>
                 <a:prstGeom prst="rect">
@@ -9664,8 +9664,8 @@
             </p:sp>
           </mc:Fallback>
         </mc:AlternateContent>
-        <mc:AlternateContent xmlns:mc="http://schemas.openxmlformats.org/markup-compatibility/2006" xmlns:a14="http://schemas.microsoft.com/office/drawing/2010/main">
-          <mc:Choice Requires="a14">
+        <mc:AlternateContent xmlns:mc="http://schemas.openxmlformats.org/markup-compatibility/2006">
+          <mc:Choice xmlns:a14="http://schemas.microsoft.com/office/drawing/2010/main" Requires="a14">
             <p:sp>
               <p:nvSpPr>
                 <p:cNvPr id="18" name="TextBox 17"/>
@@ -9674,7 +9674,7 @@
               </p:nvSpPr>
               <p:spPr>
                 <a:xfrm>
-                  <a:off x="3381686" y="2544563"/>
+                  <a:off x="3313106" y="2544563"/>
                   <a:ext cx="226023" cy="276999"/>
                 </a:xfrm>
                 <a:prstGeom prst="rect">
@@ -9709,7 +9709,7 @@
               </p:txBody>
             </p:sp>
           </mc:Choice>
-          <mc:Fallback xmlns="">
+          <mc:Fallback>
             <p:sp>
               <p:nvSpPr>
                 <p:cNvPr id="18" name="TextBox 17"/>
@@ -9720,7 +9720,7 @@
               </p:nvSpPr>
               <p:spPr>
                 <a:xfrm>
-                  <a:off x="3381686" y="2544563"/>
+                  <a:off x="3313106" y="2544563"/>
                   <a:ext cx="226023" cy="276999"/>
                 </a:xfrm>
                 <a:prstGeom prst="rect">
@@ -9758,9 +9758,9 @@
         <p:grpSpPr>
           <a:xfrm>
             <a:off x="2285997" y="3134109"/>
-            <a:ext cx="5335667" cy="2866454"/>
+            <a:ext cx="4320543" cy="2866454"/>
             <a:chOff x="2285998" y="3281427"/>
-            <a:chExt cx="5335667" cy="2866454"/>
+            <a:chExt cx="4320543" cy="2866454"/>
           </a:xfrm>
         </p:grpSpPr>
         <p:sp>
@@ -9772,7 +9772,7 @@
           <p:spPr>
             <a:xfrm>
               <a:off x="2285998" y="3281427"/>
-              <a:ext cx="5335667" cy="2866454"/>
+              <a:ext cx="4320543" cy="2866454"/>
             </a:xfrm>
             <a:prstGeom prst="rect">
               <a:avLst/>
@@ -9810,8 +9810,8 @@
             </a:p>
           </p:txBody>
         </p:sp>
-        <mc:AlternateContent xmlns:mc="http://schemas.openxmlformats.org/markup-compatibility/2006" xmlns:a14="http://schemas.microsoft.com/office/drawing/2010/main">
-          <mc:Choice Requires="a14">
+        <mc:AlternateContent xmlns:mc="http://schemas.openxmlformats.org/markup-compatibility/2006">
+          <mc:Choice xmlns:a14="http://schemas.microsoft.com/office/drawing/2010/main" Requires="a14">
             <p:sp>
               <p:nvSpPr>
                 <p:cNvPr id="33" name="TextBox 32"/>
@@ -9820,8 +9820,8 @@
               </p:nvSpPr>
               <p:spPr>
                 <a:xfrm>
-                  <a:off x="2540335" y="3691354"/>
-                  <a:ext cx="3498585" cy="276999"/>
+                  <a:off x="2437465" y="3691354"/>
+                  <a:ext cx="3075394" cy="276999"/>
                 </a:xfrm>
                 <a:prstGeom prst="rect">
                   <a:avLst/>
@@ -9874,31 +9874,7 @@
                               <a:rPr lang="en-US" b="0" i="1" smtClean="0">
                                 <a:latin typeface="Cambria Math" charset="0"/>
                               </a:rPr>
-                              <m:t>1,</m:t>
-                            </m:r>
-                            <m:r>
-                              <a:rPr lang="en-US" b="0" i="1" smtClean="0">
-                                <a:latin typeface="Cambria Math" charset="0"/>
-                              </a:rPr>
-                              <m:t>𝐴</m:t>
-                            </m:r>
-                            <m:r>
-                              <a:rPr lang="en-US" b="0" i="1" smtClean="0">
-                                <a:latin typeface="Cambria Math" charset="0"/>
-                              </a:rPr>
-                              <m:t>2,</m:t>
-                            </m:r>
-                            <m:r>
-                              <a:rPr lang="en-US" b="0" i="1" smtClean="0">
-                                <a:latin typeface="Cambria Math" charset="0"/>
-                              </a:rPr>
-                              <m:t>𝐴</m:t>
-                            </m:r>
-                            <m:r>
-                              <a:rPr lang="en-US" b="0" i="1" smtClean="0">
-                                <a:latin typeface="Cambria Math" charset="0"/>
-                              </a:rPr>
-                              <m:t>3,</m:t>
+                              <m:t>1,…, </m:t>
                             </m:r>
                             <m:r>
                               <a:rPr lang="en-US" b="0" i="1" smtClean="0">
@@ -9928,7 +9904,7 @@
               </p:txBody>
             </p:sp>
           </mc:Choice>
-          <mc:Fallback xmlns="">
+          <mc:Fallback>
             <p:sp>
               <p:nvSpPr>
                 <p:cNvPr id="33" name="TextBox 32"/>
@@ -9939,8 +9915,8 @@
               </p:nvSpPr>
               <p:spPr>
                 <a:xfrm>
-                  <a:off x="2540335" y="3691354"/>
-                  <a:ext cx="3498585" cy="276999"/>
+                  <a:off x="2437465" y="3691354"/>
+                  <a:ext cx="3075394" cy="276999"/>
                 </a:xfrm>
                 <a:prstGeom prst="rect">
                   <a:avLst/>
@@ -9948,7 +9924,7 @@
                 <a:blipFill rotWithShape="0">
                   <a:blip r:embed="rId7"/>
                   <a:stretch>
-                    <a:fillRect l="-1220" t="-148889" r="-1916" b="-180000"/>
+                    <a:fillRect l="-1389" t="-143478" r="-2381" b="-176087"/>
                   </a:stretch>
                 </a:blipFill>
               </p:spPr>
@@ -9967,8 +9943,8 @@
             </p:sp>
           </mc:Fallback>
         </mc:AlternateContent>
-        <mc:AlternateContent xmlns:mc="http://schemas.openxmlformats.org/markup-compatibility/2006" xmlns:a14="http://schemas.microsoft.com/office/drawing/2010/main">
-          <mc:Choice Requires="a14">
+        <mc:AlternateContent xmlns:mc="http://schemas.openxmlformats.org/markup-compatibility/2006">
+          <mc:Choice xmlns:a14="http://schemas.microsoft.com/office/drawing/2010/main" Requires="a14">
             <p:sp>
               <p:nvSpPr>
                 <p:cNvPr id="34" name="TextBox 33"/>
@@ -9977,7 +9953,7 @@
               </p:nvSpPr>
               <p:spPr>
                 <a:xfrm>
-                  <a:off x="2512828" y="5330557"/>
+                  <a:off x="2409958" y="5330557"/>
                   <a:ext cx="3405868" cy="276999"/>
                 </a:xfrm>
                 <a:prstGeom prst="rect">
@@ -10084,7 +10060,7 @@
               </p:txBody>
             </p:sp>
           </mc:Choice>
-          <mc:Fallback xmlns="">
+          <mc:Fallback>
             <p:sp>
               <p:nvSpPr>
                 <p:cNvPr id="34" name="TextBox 33"/>
@@ -10095,7 +10071,7 @@
               </p:nvSpPr>
               <p:spPr>
                 <a:xfrm>
-                  <a:off x="2512828" y="5330557"/>
+                  <a:off x="2409958" y="5330557"/>
                   <a:ext cx="3405868" cy="276999"/>
                 </a:xfrm>
                 <a:prstGeom prst="rect">
@@ -10104,7 +10080,7 @@
                 <a:blipFill rotWithShape="0">
                   <a:blip r:embed="rId8"/>
                   <a:stretch>
-                    <a:fillRect l="-894" t="-148889" b="-180000"/>
+                    <a:fillRect l="-894" t="-143478" b="-176087"/>
                   </a:stretch>
                 </a:blipFill>
               </p:spPr>
@@ -10123,8 +10099,8 @@
             </p:sp>
           </mc:Fallback>
         </mc:AlternateContent>
-        <mc:AlternateContent xmlns:mc="http://schemas.openxmlformats.org/markup-compatibility/2006" xmlns:a14="http://schemas.microsoft.com/office/drawing/2010/main">
-          <mc:Choice Requires="a14">
+        <mc:AlternateContent xmlns:mc="http://schemas.openxmlformats.org/markup-compatibility/2006">
+          <mc:Choice xmlns:a14="http://schemas.microsoft.com/office/drawing/2010/main" Requires="a14">
             <p:sp>
               <p:nvSpPr>
                 <p:cNvPr id="35" name="TextBox 34"/>
@@ -10133,7 +10109,7 @@
               </p:nvSpPr>
               <p:spPr>
                 <a:xfrm>
-                  <a:off x="3341231" y="5649803"/>
+                  <a:off x="3238361" y="5649803"/>
                   <a:ext cx="2606547" cy="276999"/>
                 </a:xfrm>
                 <a:prstGeom prst="rect">
@@ -10234,7 +10210,7 @@
               </p:txBody>
             </p:sp>
           </mc:Choice>
-          <mc:Fallback xmlns="">
+          <mc:Fallback>
             <p:sp>
               <p:nvSpPr>
                 <p:cNvPr id="35" name="TextBox 34"/>
@@ -10245,7 +10221,7 @@
               </p:nvSpPr>
               <p:spPr>
                 <a:xfrm>
-                  <a:off x="3341231" y="5649803"/>
+                  <a:off x="3238361" y="5649803"/>
                   <a:ext cx="2606547" cy="276999"/>
                 </a:xfrm>
                 <a:prstGeom prst="rect">
@@ -10254,7 +10230,7 @@
                 <a:blipFill rotWithShape="0">
                   <a:blip r:embed="rId9"/>
                   <a:stretch>
-                    <a:fillRect l="-467" t="-146667" b="-182222"/>
+                    <a:fillRect l="-467" t="-148889" b="-180000"/>
                   </a:stretch>
                 </a:blipFill>
               </p:spPr>
@@ -10273,8 +10249,8 @@
             </p:sp>
           </mc:Fallback>
         </mc:AlternateContent>
-        <mc:AlternateContent xmlns:mc="http://schemas.openxmlformats.org/markup-compatibility/2006" xmlns:a14="http://schemas.microsoft.com/office/drawing/2010/main">
-          <mc:Choice Requires="a14">
+        <mc:AlternateContent xmlns:mc="http://schemas.openxmlformats.org/markup-compatibility/2006">
+          <mc:Choice xmlns:a14="http://schemas.microsoft.com/office/drawing/2010/main" Requires="a14">
             <p:sp>
               <p:nvSpPr>
                 <p:cNvPr id="36" name="TextBox 35"/>
@@ -10283,7 +10259,7 @@
               </p:nvSpPr>
               <p:spPr>
                 <a:xfrm>
-                  <a:off x="3381686" y="5820169"/>
+                  <a:off x="3278816" y="5820169"/>
                   <a:ext cx="226023" cy="276999"/>
                 </a:xfrm>
                 <a:prstGeom prst="rect">
@@ -10318,7 +10294,7 @@
               </p:txBody>
             </p:sp>
           </mc:Choice>
-          <mc:Fallback xmlns="">
+          <mc:Fallback>
             <p:sp>
               <p:nvSpPr>
                 <p:cNvPr id="36" name="TextBox 35"/>
@@ -10329,14 +10305,14 @@
               </p:nvSpPr>
               <p:spPr>
                 <a:xfrm>
-                  <a:off x="3381686" y="5820169"/>
+                  <a:off x="3278816" y="5820169"/>
                   <a:ext cx="226023" cy="276999"/>
                 </a:xfrm>
                 <a:prstGeom prst="rect">
                   <a:avLst/>
                 </a:prstGeom>
                 <a:blipFill rotWithShape="0">
-                  <a:blip r:embed="rId6"/>
+                  <a:blip r:embed="rId10"/>
                   <a:stretch>
                     <a:fillRect/>
                   </a:stretch>
@@ -10357,8 +10333,8 @@
             </p:sp>
           </mc:Fallback>
         </mc:AlternateContent>
-        <mc:AlternateContent xmlns:mc="http://schemas.openxmlformats.org/markup-compatibility/2006" xmlns:a14="http://schemas.microsoft.com/office/drawing/2010/main">
-          <mc:Choice Requires="a14">
+        <mc:AlternateContent xmlns:mc="http://schemas.openxmlformats.org/markup-compatibility/2006">
+          <mc:Choice xmlns:a14="http://schemas.microsoft.com/office/drawing/2010/main" Requires="a14">
             <p:sp>
               <p:nvSpPr>
                 <p:cNvPr id="37" name="TextBox 36"/>
@@ -10367,8 +10343,8 @@
               </p:nvSpPr>
               <p:spPr>
                 <a:xfrm>
-                  <a:off x="2538930" y="4060685"/>
-                  <a:ext cx="3498586" cy="276999"/>
+                  <a:off x="2436060" y="4060685"/>
+                  <a:ext cx="3075394" cy="276999"/>
                 </a:xfrm>
                 <a:prstGeom prst="rect">
                   <a:avLst/>
@@ -10421,31 +10397,7 @@
                               <a:rPr lang="en-US" i="1">
                                 <a:latin typeface="Cambria Math" charset="0"/>
                               </a:rPr>
-                              <m:t>1,</m:t>
-                            </m:r>
-                            <m:r>
-                              <a:rPr lang="en-US" i="1">
-                                <a:latin typeface="Cambria Math" charset="0"/>
-                              </a:rPr>
-                              <m:t>𝐴</m:t>
-                            </m:r>
-                            <m:r>
-                              <a:rPr lang="en-US" i="1">
-                                <a:latin typeface="Cambria Math" charset="0"/>
-                              </a:rPr>
-                              <m:t>2,</m:t>
-                            </m:r>
-                            <m:r>
-                              <a:rPr lang="en-US" i="1">
-                                <a:latin typeface="Cambria Math" charset="0"/>
-                              </a:rPr>
-                              <m:t>𝐴</m:t>
-                            </m:r>
-                            <m:r>
-                              <a:rPr lang="en-US" i="1">
-                                <a:latin typeface="Cambria Math" charset="0"/>
-                              </a:rPr>
-                              <m:t>3,</m:t>
+                              <m:t>1,…, </m:t>
                             </m:r>
                             <m:r>
                               <a:rPr lang="en-US" i="1">
@@ -10475,7 +10427,7 @@
               </p:txBody>
             </p:sp>
           </mc:Choice>
-          <mc:Fallback xmlns="">
+          <mc:Fallback>
             <p:sp>
               <p:nvSpPr>
                 <p:cNvPr id="37" name="TextBox 36"/>
@@ -10486,16 +10438,16 @@
               </p:nvSpPr>
               <p:spPr>
                 <a:xfrm>
-                  <a:off x="2538930" y="4060685"/>
-                  <a:ext cx="3498586" cy="276999"/>
+                  <a:off x="2436060" y="4060685"/>
+                  <a:ext cx="3075394" cy="276999"/>
                 </a:xfrm>
                 <a:prstGeom prst="rect">
                   <a:avLst/>
                 </a:prstGeom>
                 <a:blipFill rotWithShape="0">
-                  <a:blip r:embed="rId10"/>
+                  <a:blip r:embed="rId11"/>
                   <a:stretch>
-                    <a:fillRect l="-1045" t="-143478" r="-1916" b="-176087"/>
+                    <a:fillRect l="-1389" t="-146667" r="-2381" b="-182222"/>
                   </a:stretch>
                 </a:blipFill>
               </p:spPr>
@@ -10514,8 +10466,8 @@
             </p:sp>
           </mc:Fallback>
         </mc:AlternateContent>
-        <mc:AlternateContent xmlns:mc="http://schemas.openxmlformats.org/markup-compatibility/2006" xmlns:a14="http://schemas.microsoft.com/office/drawing/2010/main">
-          <mc:Choice Requires="a14">
+        <mc:AlternateContent xmlns:mc="http://schemas.openxmlformats.org/markup-compatibility/2006">
+          <mc:Choice xmlns:a14="http://schemas.microsoft.com/office/drawing/2010/main" Requires="a14">
             <p:sp>
               <p:nvSpPr>
                 <p:cNvPr id="38" name="TextBox 37"/>
@@ -10524,8 +10476,8 @@
               </p:nvSpPr>
               <p:spPr>
                 <a:xfrm>
-                  <a:off x="2560823" y="4545303"/>
-                  <a:ext cx="4912435" cy="276999"/>
+                  <a:off x="2457953" y="4545303"/>
+                  <a:ext cx="4066048" cy="276999"/>
                 </a:xfrm>
                 <a:prstGeom prst="rect">
                   <a:avLst/>
@@ -10578,31 +10530,7 @@
                               <a:rPr lang="en-US" i="1">
                                 <a:latin typeface="Cambria Math" charset="0"/>
                               </a:rPr>
-                              <m:t>1,</m:t>
-                            </m:r>
-                            <m:r>
-                              <a:rPr lang="en-US" i="1">
-                                <a:latin typeface="Cambria Math" charset="0"/>
-                              </a:rPr>
-                              <m:t>𝐴</m:t>
-                            </m:r>
-                            <m:r>
-                              <a:rPr lang="en-US" i="1">
-                                <a:latin typeface="Cambria Math" charset="0"/>
-                              </a:rPr>
-                              <m:t>2,</m:t>
-                            </m:r>
-                            <m:r>
-                              <a:rPr lang="en-US" i="1">
-                                <a:latin typeface="Cambria Math" charset="0"/>
-                              </a:rPr>
-                              <m:t>𝐴</m:t>
-                            </m:r>
-                            <m:r>
-                              <a:rPr lang="en-US" i="1">
-                                <a:latin typeface="Cambria Math" charset="0"/>
-                              </a:rPr>
-                              <m:t>3,</m:t>
+                              <m:t>1,…, </m:t>
                             </m:r>
                             <m:r>
                               <a:rPr lang="en-US" i="1">
@@ -10634,31 +10562,7 @@
                           <a:rPr lang="en-US" i="1">
                             <a:latin typeface="Cambria Math" charset="0"/>
                           </a:rPr>
-                          <m:t>1,</m:t>
-                        </m:r>
-                        <m:r>
-                          <a:rPr lang="en-US" i="1">
-                            <a:latin typeface="Cambria Math" charset="0"/>
-                          </a:rPr>
-                          <m:t>𝐴</m:t>
-                        </m:r>
-                        <m:r>
-                          <a:rPr lang="en-US" i="1">
-                            <a:latin typeface="Cambria Math" charset="0"/>
-                          </a:rPr>
-                          <m:t>2,</m:t>
-                        </m:r>
-                        <m:r>
-                          <a:rPr lang="en-US" i="1">
-                            <a:latin typeface="Cambria Math" charset="0"/>
-                          </a:rPr>
-                          <m:t>𝐴</m:t>
-                        </m:r>
-                        <m:r>
-                          <a:rPr lang="en-US" i="1">
-                            <a:latin typeface="Cambria Math" charset="0"/>
-                          </a:rPr>
-                          <m:t>3,</m:t>
+                          <m:t>1,…, </m:t>
                         </m:r>
                         <m:r>
                           <a:rPr lang="en-US" i="1">
@@ -10680,7 +10584,7 @@
               </p:txBody>
             </p:sp>
           </mc:Choice>
-          <mc:Fallback xmlns="">
+          <mc:Fallback>
             <p:sp>
               <p:nvSpPr>
                 <p:cNvPr id="38" name="TextBox 37"/>
@@ -10691,16 +10595,16 @@
               </p:nvSpPr>
               <p:spPr>
                 <a:xfrm>
-                  <a:off x="2560823" y="4545303"/>
-                  <a:ext cx="4912435" cy="276999"/>
+                  <a:off x="2457953" y="4545303"/>
+                  <a:ext cx="4066048" cy="276999"/>
                 </a:xfrm>
                 <a:prstGeom prst="rect">
                   <a:avLst/>
                 </a:prstGeom>
                 <a:blipFill rotWithShape="0">
-                  <a:blip r:embed="rId11"/>
+                  <a:blip r:embed="rId12"/>
                   <a:stretch>
-                    <a:fillRect l="-620" t="-4444" r="-1241" b="-35556"/>
+                    <a:fillRect l="-900" t="-2174" r="-1649" b="-32609"/>
                   </a:stretch>
                 </a:blipFill>
               </p:spPr>
@@ -10719,8 +10623,8 @@
             </p:sp>
           </mc:Fallback>
         </mc:AlternateContent>
-        <mc:AlternateContent xmlns:mc="http://schemas.openxmlformats.org/markup-compatibility/2006" xmlns:a14="http://schemas.microsoft.com/office/drawing/2010/main">
-          <mc:Choice Requires="a14">
+        <mc:AlternateContent xmlns:mc="http://schemas.openxmlformats.org/markup-compatibility/2006">
+          <mc:Choice xmlns:a14="http://schemas.microsoft.com/office/drawing/2010/main" Requires="a14">
             <p:sp>
               <p:nvSpPr>
                 <p:cNvPr id="39" name="TextBox 38"/>
@@ -10729,8 +10633,8 @@
               </p:nvSpPr>
               <p:spPr>
                 <a:xfrm>
-                  <a:off x="2560823" y="4864549"/>
-                  <a:ext cx="4912435" cy="276999"/>
+                  <a:off x="2457953" y="4864549"/>
+                  <a:ext cx="4066048" cy="276999"/>
                 </a:xfrm>
                 <a:prstGeom prst="rect">
                   <a:avLst/>
@@ -10783,31 +10687,7 @@
                               <a:rPr lang="en-US" i="1">
                                 <a:latin typeface="Cambria Math" charset="0"/>
                               </a:rPr>
-                              <m:t>1,</m:t>
-                            </m:r>
-                            <m:r>
-                              <a:rPr lang="en-US" i="1">
-                                <a:latin typeface="Cambria Math" charset="0"/>
-                              </a:rPr>
-                              <m:t>𝐴</m:t>
-                            </m:r>
-                            <m:r>
-                              <a:rPr lang="en-US" i="1">
-                                <a:latin typeface="Cambria Math" charset="0"/>
-                              </a:rPr>
-                              <m:t>2,</m:t>
-                            </m:r>
-                            <m:r>
-                              <a:rPr lang="en-US" i="1">
-                                <a:latin typeface="Cambria Math" charset="0"/>
-                              </a:rPr>
-                              <m:t>𝐴</m:t>
-                            </m:r>
-                            <m:r>
-                              <a:rPr lang="en-US" i="1">
-                                <a:latin typeface="Cambria Math" charset="0"/>
-                              </a:rPr>
-                              <m:t>3,</m:t>
+                              <m:t>1,…, </m:t>
                             </m:r>
                             <m:r>
                               <a:rPr lang="en-US" i="1">
@@ -10839,31 +10719,7 @@
                           <a:rPr lang="en-US" i="1">
                             <a:latin typeface="Cambria Math" charset="0"/>
                           </a:rPr>
-                          <m:t>1,</m:t>
-                        </m:r>
-                        <m:r>
-                          <a:rPr lang="en-US" i="1">
-                            <a:latin typeface="Cambria Math" charset="0"/>
-                          </a:rPr>
-                          <m:t>𝐴</m:t>
-                        </m:r>
-                        <m:r>
-                          <a:rPr lang="en-US" i="1">
-                            <a:latin typeface="Cambria Math" charset="0"/>
-                          </a:rPr>
-                          <m:t>2,</m:t>
-                        </m:r>
-                        <m:r>
-                          <a:rPr lang="en-US" i="1">
-                            <a:latin typeface="Cambria Math" charset="0"/>
-                          </a:rPr>
-                          <m:t>𝐴</m:t>
-                        </m:r>
-                        <m:r>
-                          <a:rPr lang="en-US" i="1">
-                            <a:latin typeface="Cambria Math" charset="0"/>
-                          </a:rPr>
-                          <m:t>3,</m:t>
+                          <m:t>1,…, </m:t>
                         </m:r>
                         <m:r>
                           <a:rPr lang="en-US" i="1">
@@ -10885,7 +10741,7 @@
               </p:txBody>
             </p:sp>
           </mc:Choice>
-          <mc:Fallback xmlns="">
+          <mc:Fallback>
             <p:sp>
               <p:nvSpPr>
                 <p:cNvPr id="39" name="TextBox 38"/>
@@ -10896,16 +10752,16 @@
               </p:nvSpPr>
               <p:spPr>
                 <a:xfrm>
-                  <a:off x="2560823" y="4864549"/>
-                  <a:ext cx="4912435" cy="276999"/>
+                  <a:off x="2457953" y="4864549"/>
+                  <a:ext cx="4066048" cy="276999"/>
                 </a:xfrm>
                 <a:prstGeom prst="rect">
                   <a:avLst/>
                 </a:prstGeom>
                 <a:blipFill rotWithShape="0">
-                  <a:blip r:embed="rId12"/>
+                  <a:blip r:embed="rId13"/>
                   <a:stretch>
-                    <a:fillRect l="-620" t="-2174" r="-1241" b="-32609"/>
+                    <a:fillRect l="-900" t="-2222" r="-1649" b="-35556"/>
                   </a:stretch>
                 </a:blipFill>
               </p:spPr>
@@ -10924,8 +10780,8 @@
             </p:sp>
           </mc:Fallback>
         </mc:AlternateContent>
-        <mc:AlternateContent xmlns:mc="http://schemas.openxmlformats.org/markup-compatibility/2006" xmlns:a14="http://schemas.microsoft.com/office/drawing/2010/main">
-          <mc:Choice Requires="a14">
+        <mc:AlternateContent xmlns:mc="http://schemas.openxmlformats.org/markup-compatibility/2006">
+          <mc:Choice xmlns:a14="http://schemas.microsoft.com/office/drawing/2010/main" Requires="a14">
             <p:sp>
               <p:nvSpPr>
                 <p:cNvPr id="40" name="TextBox 39"/>
@@ -10934,7 +10790,7 @@
               </p:nvSpPr>
               <p:spPr>
                 <a:xfrm>
-                  <a:off x="2577178" y="4240925"/>
+                  <a:off x="2474308" y="4240925"/>
                   <a:ext cx="226023" cy="276999"/>
                 </a:xfrm>
                 <a:prstGeom prst="rect">
@@ -10969,7 +10825,7 @@
               </p:txBody>
             </p:sp>
           </mc:Choice>
-          <mc:Fallback xmlns="">
+          <mc:Fallback>
             <p:sp>
               <p:nvSpPr>
                 <p:cNvPr id="40" name="TextBox 39"/>
@@ -10980,14 +10836,14 @@
               </p:nvSpPr>
               <p:spPr>
                 <a:xfrm>
-                  <a:off x="2577178" y="4240925"/>
+                  <a:off x="2474308" y="4240925"/>
                   <a:ext cx="226023" cy="276999"/>
                 </a:xfrm>
                 <a:prstGeom prst="rect">
                   <a:avLst/>
                 </a:prstGeom>
                 <a:blipFill rotWithShape="0">
-                  <a:blip r:embed="rId6"/>
+                  <a:blip r:embed="rId10"/>
                   <a:stretch>
                     <a:fillRect/>
                   </a:stretch>
@@ -11008,8 +10864,8 @@
             </p:sp>
           </mc:Fallback>
         </mc:AlternateContent>
-        <mc:AlternateContent xmlns:mc="http://schemas.openxmlformats.org/markup-compatibility/2006" xmlns:a14="http://schemas.microsoft.com/office/drawing/2010/main">
-          <mc:Choice Requires="a14">
+        <mc:AlternateContent xmlns:mc="http://schemas.openxmlformats.org/markup-compatibility/2006">
+          <mc:Choice xmlns:a14="http://schemas.microsoft.com/office/drawing/2010/main" Requires="a14">
             <p:sp>
               <p:nvSpPr>
                 <p:cNvPr id="41" name="TextBox 40"/>
@@ -11018,7 +10874,7 @@
               </p:nvSpPr>
               <p:spPr>
                 <a:xfrm>
-                  <a:off x="2577178" y="5047865"/>
+                  <a:off x="2474308" y="5047865"/>
                   <a:ext cx="226023" cy="276999"/>
                 </a:xfrm>
                 <a:prstGeom prst="rect">
@@ -11053,7 +10909,7 @@
               </p:txBody>
             </p:sp>
           </mc:Choice>
-          <mc:Fallback xmlns="">
+          <mc:Fallback>
             <p:sp>
               <p:nvSpPr>
                 <p:cNvPr id="41" name="TextBox 40"/>
@@ -11064,14 +10920,14 @@
               </p:nvSpPr>
               <p:spPr>
                 <a:xfrm>
-                  <a:off x="2577178" y="5047865"/>
+                  <a:off x="2474308" y="5047865"/>
                   <a:ext cx="226023" cy="276999"/>
                 </a:xfrm>
                 <a:prstGeom prst="rect">
                   <a:avLst/>
                 </a:prstGeom>
                 <a:blipFill rotWithShape="0">
-                  <a:blip r:embed="rId13"/>
+                  <a:blip r:embed="rId10"/>
                   <a:stretch>
                     <a:fillRect/>
                   </a:stretch>
@@ -11131,7 +10987,7 @@
         </p:nvSpPr>
         <p:spPr>
           <a:xfrm>
-            <a:off x="2342603" y="3139601"/>
+            <a:off x="2399753" y="3139601"/>
             <a:ext cx="2103396" cy="369332"/>
           </a:xfrm>
           <a:prstGeom prst="rect">
@@ -11148,6 +11004,1104 @@
             <a:r>
               <a:rPr lang="en-US" b="1" dirty="0" smtClean="0"/>
               <a:t>Configuration S1, S2</a:t>
+            </a:r>
+            <a:endParaRPr lang="en-US" b="1" dirty="0"/>
+          </a:p>
+        </p:txBody>
+      </p:sp>
+      <p:grpSp>
+        <p:nvGrpSpPr>
+          <p:cNvPr id="22" name="Group 21"/>
+          <p:cNvGrpSpPr/>
+          <p:nvPr/>
+        </p:nvGrpSpPr>
+        <p:grpSpPr>
+          <a:xfrm>
+            <a:off x="6696209" y="1231464"/>
+            <a:ext cx="4207724" cy="1803292"/>
+            <a:chOff x="2297429" y="1065209"/>
+            <a:chExt cx="4207724" cy="1803292"/>
+          </a:xfrm>
+        </p:grpSpPr>
+        <p:sp>
+          <p:nvSpPr>
+            <p:cNvPr id="23" name="Rectangle 22"/>
+            <p:cNvSpPr/>
+            <p:nvPr/>
+          </p:nvSpPr>
+          <p:spPr>
+            <a:xfrm>
+              <a:off x="2297429" y="1065209"/>
+              <a:ext cx="4207724" cy="1803292"/>
+            </a:xfrm>
+            <a:prstGeom prst="rect">
+              <a:avLst/>
+            </a:prstGeom>
+            <a:solidFill>
+              <a:schemeClr val="accent4">
+                <a:lumMod val="20000"/>
+                <a:lumOff val="80000"/>
+                <a:alpha val="51000"/>
+              </a:schemeClr>
+            </a:solidFill>
+          </p:spPr>
+          <p:style>
+            <a:lnRef idx="2">
+              <a:schemeClr val="accent1">
+                <a:shade val="50000"/>
+              </a:schemeClr>
+            </a:lnRef>
+            <a:fillRef idx="1">
+              <a:schemeClr val="accent1"/>
+            </a:fillRef>
+            <a:effectRef idx="0">
+              <a:schemeClr val="accent1"/>
+            </a:effectRef>
+            <a:fontRef idx="minor">
+              <a:schemeClr val="lt1"/>
+            </a:fontRef>
+          </p:style>
+          <p:txBody>
+            <a:bodyPr rtlCol="0" anchor="ctr"/>
+            <a:lstStyle/>
+            <a:p>
+              <a:pPr algn="ctr"/>
+              <a:endParaRPr lang="en-US" dirty="0"/>
+            </a:p>
+          </p:txBody>
+        </p:sp>
+        <mc:AlternateContent xmlns:mc="http://schemas.openxmlformats.org/markup-compatibility/2006">
+          <mc:Choice xmlns:a14="http://schemas.microsoft.com/office/drawing/2010/main" Requires="a14">
+            <p:sp>
+              <p:nvSpPr>
+                <p:cNvPr id="24" name="TextBox 23"/>
+                <p:cNvSpPr txBox="1"/>
+                <p:nvPr/>
+              </p:nvSpPr>
+              <p:spPr>
+                <a:xfrm>
+                  <a:off x="2386135" y="1407535"/>
+                  <a:ext cx="3356368" cy="276999"/>
+                </a:xfrm>
+                <a:prstGeom prst="rect">
+                  <a:avLst/>
+                </a:prstGeom>
+                <a:noFill/>
+              </p:spPr>
+              <p:txBody>
+                <a:bodyPr wrap="none" lIns="0" tIns="0" rIns="0" bIns="0" rtlCol="0">
+                  <a:spAutoFit/>
+                </a:bodyPr>
+                <a:lstStyle/>
+                <a:p>
+                  <a:pPr/>
+                  <a14:m>
+                    <m:oMathPara xmlns:m="http://schemas.openxmlformats.org/officeDocument/2006/math">
+                      <m:oMathParaPr>
+                        <m:jc m:val="centerGroup"/>
+                      </m:oMathParaPr>
+                      <m:oMath xmlns:m="http://schemas.openxmlformats.org/officeDocument/2006/math">
+                        <m:r>
+                          <a:rPr lang="en-US" b="0" i="1" smtClean="0">
+                            <a:latin typeface="Cambria Math" charset="0"/>
+                          </a:rPr>
+                          <m:t>𝑡𝑎𝑔</m:t>
+                        </m:r>
+                        <m:r>
+                          <a:rPr lang="en-US" b="0" i="1" smtClean="0">
+                            <a:latin typeface="Cambria Math" charset="0"/>
+                          </a:rPr>
+                          <m:t>($</m:t>
+                        </m:r>
+                        <m:r>
+                          <a:rPr lang="en-US" b="0" i="1" smtClean="0">
+                            <a:latin typeface="Cambria Math" charset="0"/>
+                          </a:rPr>
+                          <m:t>𝐺𝑃</m:t>
+                        </m:r>
+                        <m:r>
+                          <a:rPr lang="en-US" b="0" i="1" smtClean="0">
+                            <a:latin typeface="Cambria Math" charset="0"/>
+                          </a:rPr>
+                          <m:t>)</m:t>
+                        </m:r>
+                        <m:r>
+                          <a:rPr lang="en-US" b="0" i="1" smtClean="0">
+                            <a:latin typeface="Cambria Math" charset="0"/>
+                          </a:rPr>
+                          <m:t>⇒[100 :</m:t>
+                        </m:r>
+                        <m:d>
+                          <m:dPr>
+                            <m:begChr m:val="{"/>
+                            <m:endChr m:val="}"/>
+                            <m:ctrlPr>
+                              <a:rPr lang="en-US" b="0" i="1" smtClean="0">
+                                <a:latin typeface="Cambria Math" charset="0"/>
+                              </a:rPr>
+                            </m:ctrlPr>
+                          </m:dPr>
+                          <m:e>
+                            <m:r>
+                              <a:rPr lang="en-US" b="0" i="1" smtClean="0">
+                                <a:latin typeface="Cambria Math" charset="0"/>
+                              </a:rPr>
+                              <m:t>𝐴𝐺</m:t>
+                            </m:r>
+                            <m:r>
+                              <a:rPr lang="en-US" b="0" i="1" smtClean="0">
+                                <a:latin typeface="Cambria Math" charset="0"/>
+                              </a:rPr>
+                              <m:t>,</m:t>
+                            </m:r>
+                            <m:r>
+                              <a:rPr lang="en-US" b="0" i="1" smtClean="0">
+                                <a:latin typeface="Cambria Math" charset="0"/>
+                              </a:rPr>
+                              <m:t>𝐴𝐿</m:t>
+                            </m:r>
+                          </m:e>
+                        </m:d>
+                        <m:r>
+                          <a:rPr lang="en-US" b="0" i="1" smtClean="0">
+                            <a:latin typeface="Cambria Math" charset="0"/>
+                          </a:rPr>
+                          <m:t>→ ∗]</m:t>
+                        </m:r>
+                      </m:oMath>
+                    </m:oMathPara>
+                  </a14:m>
+                  <a:endParaRPr lang="en-US" dirty="0"/>
+                </a:p>
+              </p:txBody>
+            </p:sp>
+          </mc:Choice>
+          <mc:Fallback>
+            <p:sp>
+              <p:nvSpPr>
+                <p:cNvPr id="24" name="TextBox 23"/>
+                <p:cNvSpPr txBox="1">
+                  <a:spLocks noRot="1" noChangeAspect="1" noMove="1" noResize="1" noEditPoints="1" noAdjustHandles="1" noChangeArrowheads="1" noChangeShapeType="1" noTextEdit="1"/>
+                </p:cNvSpPr>
+                <p:nvPr/>
+              </p:nvSpPr>
+              <p:spPr>
+                <a:xfrm>
+                  <a:off x="2386135" y="1407535"/>
+                  <a:ext cx="3356368" cy="276999"/>
+                </a:xfrm>
+                <a:prstGeom prst="rect">
+                  <a:avLst/>
+                </a:prstGeom>
+                <a:blipFill rotWithShape="0">
+                  <a:blip r:embed="rId14"/>
+                  <a:stretch>
+                    <a:fillRect l="-1452" t="-143478" r="-1996" b="-176087"/>
+                  </a:stretch>
+                </a:blipFill>
+              </p:spPr>
+              <p:txBody>
+                <a:bodyPr/>
+                <a:lstStyle/>
+                <a:p>
+                  <a:r>
+                    <a:rPr lang="en-US">
+                      <a:noFill/>
+                    </a:rPr>
+                    <a:t> </a:t>
+                  </a:r>
+                </a:p>
+              </p:txBody>
+            </p:sp>
+          </mc:Fallback>
+        </mc:AlternateContent>
+        <mc:AlternateContent xmlns:mc="http://schemas.openxmlformats.org/markup-compatibility/2006">
+          <mc:Choice xmlns:a14="http://schemas.microsoft.com/office/drawing/2010/main" Requires="a14">
+            <p:sp>
+              <p:nvSpPr>
+                <p:cNvPr id="25" name="TextBox 24"/>
+                <p:cNvSpPr txBox="1"/>
+                <p:nvPr/>
+              </p:nvSpPr>
+              <p:spPr>
+                <a:xfrm>
+                  <a:off x="2894670" y="2057384"/>
+                  <a:ext cx="3405868" cy="276999"/>
+                </a:xfrm>
+                <a:prstGeom prst="rect">
+                  <a:avLst/>
+                </a:prstGeom>
+                <a:noFill/>
+              </p:spPr>
+              <p:txBody>
+                <a:bodyPr wrap="none" lIns="0" tIns="0" rIns="0" bIns="0" rtlCol="0">
+                  <a:spAutoFit/>
+                </a:bodyPr>
+                <a:lstStyle/>
+                <a:p>
+                  <a:pPr/>
+                  <a14:m>
+                    <m:oMathPara xmlns:m="http://schemas.openxmlformats.org/officeDocument/2006/math">
+                      <m:oMathParaPr>
+                        <m:jc m:val="centerGroup"/>
+                      </m:oMathParaPr>
+                      <m:oMath xmlns:m="http://schemas.openxmlformats.org/officeDocument/2006/math">
+                        <m:r>
+                          <a:rPr lang="en-US" b="0" i="1" smtClean="0">
+                            <a:latin typeface="Cambria Math" charset="0"/>
+                          </a:rPr>
+                          <m:t>𝑡𝑟𝑢𝑒</m:t>
+                        </m:r>
+                        <m:r>
+                          <a:rPr lang="en-US" b="0" i="1" smtClean="0">
+                            <a:latin typeface="Cambria Math" charset="0"/>
+                          </a:rPr>
+                          <m:t>⇒[110 :</m:t>
+                        </m:r>
+                        <m:d>
+                          <m:dPr>
+                            <m:begChr m:val="{"/>
+                            <m:endChr m:val="}"/>
+                            <m:ctrlPr>
+                              <a:rPr lang="en-US" b="0" i="1" smtClean="0">
+                                <a:latin typeface="Cambria Math" charset="0"/>
+                              </a:rPr>
+                            </m:ctrlPr>
+                          </m:dPr>
+                          <m:e>
+                            <m:r>
+                              <a:rPr lang="en-US" b="0" i="1" smtClean="0">
+                                <a:latin typeface="Cambria Math" charset="0"/>
+                              </a:rPr>
+                              <m:t>𝑁</m:t>
+                            </m:r>
+                            <m:r>
+                              <a:rPr lang="en-US" b="0" i="1" smtClean="0">
+                                <a:latin typeface="Cambria Math" charset="0"/>
+                              </a:rPr>
+                              <m:t>1</m:t>
+                            </m:r>
+                          </m:e>
+                        </m:d>
+                        <m:r>
+                          <a:rPr lang="en-US" b="0" i="1" smtClean="0">
+                            <a:latin typeface="Cambria Math" charset="0"/>
+                          </a:rPr>
+                          <m:t>→ ∗</m:t>
+                        </m:r>
+                        <m:r>
+                          <a:rPr lang="en-US" b="0" i="1" smtClean="0">
+                            <a:latin typeface="Cambria Math" charset="0"/>
+                          </a:rPr>
+                          <m:t>𝑡𝑎𝑔</m:t>
+                        </m:r>
+                        <m:r>
+                          <a:rPr lang="en-US" b="0" i="1" smtClean="0">
+                            <a:latin typeface="Cambria Math" charset="0"/>
+                          </a:rPr>
+                          <m:t> </m:t>
+                        </m:r>
+                        <m:d>
+                          <m:dPr>
+                            <m:ctrlPr>
+                              <a:rPr lang="en-US" b="0" i="1" smtClean="0">
+                                <a:latin typeface="Cambria Math" charset="0"/>
+                              </a:rPr>
+                            </m:ctrlPr>
+                          </m:dPr>
+                          <m:e>
+                            <m:r>
+                              <a:rPr lang="en-US" b="0" i="1" smtClean="0">
+                                <a:latin typeface="Cambria Math" charset="0"/>
+                              </a:rPr>
+                              <m:t>1,0</m:t>
+                            </m:r>
+                          </m:e>
+                        </m:d>
+                        <m:r>
+                          <a:rPr lang="en-US" b="0" i="1" smtClean="0">
+                            <a:latin typeface="Cambria Math" charset="0"/>
+                          </a:rPr>
+                          <m:t>,</m:t>
+                        </m:r>
+                      </m:oMath>
+                    </m:oMathPara>
+                  </a14:m>
+                  <a:endParaRPr lang="en-US" dirty="0"/>
+                </a:p>
+              </p:txBody>
+            </p:sp>
+          </mc:Choice>
+          <mc:Fallback>
+            <p:sp>
+              <p:nvSpPr>
+                <p:cNvPr id="25" name="TextBox 24"/>
+                <p:cNvSpPr txBox="1">
+                  <a:spLocks noRot="1" noChangeAspect="1" noMove="1" noResize="1" noEditPoints="1" noAdjustHandles="1" noChangeArrowheads="1" noChangeShapeType="1" noTextEdit="1"/>
+                </p:cNvSpPr>
+                <p:nvPr/>
+              </p:nvSpPr>
+              <p:spPr>
+                <a:xfrm>
+                  <a:off x="2894670" y="2057384"/>
+                  <a:ext cx="3405868" cy="276999"/>
+                </a:xfrm>
+                <a:prstGeom prst="rect">
+                  <a:avLst/>
+                </a:prstGeom>
+                <a:blipFill rotWithShape="0">
+                  <a:blip r:embed="rId15"/>
+                  <a:stretch>
+                    <a:fillRect l="-894" t="-146667" b="-180000"/>
+                  </a:stretch>
+                </a:blipFill>
+              </p:spPr>
+              <p:txBody>
+                <a:bodyPr/>
+                <a:lstStyle/>
+                <a:p>
+                  <a:r>
+                    <a:rPr lang="en-US">
+                      <a:noFill/>
+                    </a:rPr>
+                    <a:t> </a:t>
+                  </a:r>
+                </a:p>
+              </p:txBody>
+            </p:sp>
+          </mc:Fallback>
+        </mc:AlternateContent>
+        <mc:AlternateContent xmlns:mc="http://schemas.openxmlformats.org/markup-compatibility/2006">
+          <mc:Choice xmlns:a14="http://schemas.microsoft.com/office/drawing/2010/main" Requires="a14">
+            <p:sp>
+              <p:nvSpPr>
+                <p:cNvPr id="26" name="TextBox 25"/>
+                <p:cNvSpPr txBox="1"/>
+                <p:nvPr/>
+              </p:nvSpPr>
+              <p:spPr>
+                <a:xfrm>
+                  <a:off x="3723017" y="2376630"/>
+                  <a:ext cx="2606547" cy="276999"/>
+                </a:xfrm>
+                <a:prstGeom prst="rect">
+                  <a:avLst/>
+                </a:prstGeom>
+                <a:noFill/>
+              </p:spPr>
+              <p:txBody>
+                <a:bodyPr wrap="none" lIns="0" tIns="0" rIns="0" bIns="0" rtlCol="0">
+                  <a:spAutoFit/>
+                </a:bodyPr>
+                <a:lstStyle/>
+                <a:p>
+                  <a:pPr/>
+                  <a14:m>
+                    <m:oMathPara xmlns:m="http://schemas.openxmlformats.org/officeDocument/2006/math">
+                      <m:oMathParaPr>
+                        <m:jc m:val="centerGroup"/>
+                      </m:oMathParaPr>
+                      <m:oMath xmlns:m="http://schemas.openxmlformats.org/officeDocument/2006/math">
+                        <m:r>
+                          <a:rPr lang="en-US" b="0" i="1" smtClean="0">
+                            <a:latin typeface="Cambria Math" charset="0"/>
+                          </a:rPr>
+                          <m:t>100 :</m:t>
+                        </m:r>
+                        <m:d>
+                          <m:dPr>
+                            <m:begChr m:val="{"/>
+                            <m:endChr m:val="}"/>
+                            <m:ctrlPr>
+                              <a:rPr lang="en-US" b="0" i="1" smtClean="0">
+                                <a:latin typeface="Cambria Math" charset="0"/>
+                              </a:rPr>
+                            </m:ctrlPr>
+                          </m:dPr>
+                          <m:e>
+                            <m:r>
+                              <a:rPr lang="en-US" b="0" i="1" smtClean="0">
+                                <a:latin typeface="Cambria Math" charset="0"/>
+                              </a:rPr>
+                              <m:t>𝑁</m:t>
+                            </m:r>
+                            <m:r>
+                              <a:rPr lang="en-US" b="0" i="1" smtClean="0">
+                                <a:latin typeface="Cambria Math" charset="0"/>
+                              </a:rPr>
+                              <m:t>2</m:t>
+                            </m:r>
+                          </m:e>
+                        </m:d>
+                        <m:r>
+                          <a:rPr lang="en-US" b="0" i="1" smtClean="0">
+                            <a:latin typeface="Cambria Math" charset="0"/>
+                          </a:rPr>
+                          <m:t>→ ∗</m:t>
+                        </m:r>
+                        <m:r>
+                          <a:rPr lang="en-US" b="0" i="1" smtClean="0">
+                            <a:latin typeface="Cambria Math" charset="0"/>
+                          </a:rPr>
+                          <m:t>𝑡𝑎𝑔</m:t>
+                        </m:r>
+                        <m:r>
+                          <a:rPr lang="en-US" b="0" i="1" smtClean="0">
+                            <a:latin typeface="Cambria Math" charset="0"/>
+                          </a:rPr>
+                          <m:t> </m:t>
+                        </m:r>
+                        <m:d>
+                          <m:dPr>
+                            <m:ctrlPr>
+                              <a:rPr lang="en-US" b="0" i="1" smtClean="0">
+                                <a:latin typeface="Cambria Math" charset="0"/>
+                              </a:rPr>
+                            </m:ctrlPr>
+                          </m:dPr>
+                          <m:e>
+                            <m:r>
+                              <a:rPr lang="en-US" b="0" i="1" smtClean="0">
+                                <a:latin typeface="Cambria Math" charset="0"/>
+                              </a:rPr>
+                              <m:t>0,1</m:t>
+                            </m:r>
+                          </m:e>
+                        </m:d>
+                        <m:r>
+                          <a:rPr lang="en-US" b="0" i="1" smtClean="0">
+                            <a:latin typeface="Cambria Math" charset="0"/>
+                          </a:rPr>
+                          <m:t>,</m:t>
+                        </m:r>
+                      </m:oMath>
+                    </m:oMathPara>
+                  </a14:m>
+                  <a:endParaRPr lang="en-US" dirty="0"/>
+                </a:p>
+              </p:txBody>
+            </p:sp>
+          </mc:Choice>
+          <mc:Fallback>
+            <p:sp>
+              <p:nvSpPr>
+                <p:cNvPr id="26" name="TextBox 25"/>
+                <p:cNvSpPr txBox="1">
+                  <a:spLocks noRot="1" noChangeAspect="1" noMove="1" noResize="1" noEditPoints="1" noAdjustHandles="1" noChangeArrowheads="1" noChangeShapeType="1" noTextEdit="1"/>
+                </p:cNvSpPr>
+                <p:nvPr/>
+              </p:nvSpPr>
+              <p:spPr>
+                <a:xfrm>
+                  <a:off x="3723017" y="2376630"/>
+                  <a:ext cx="2606547" cy="276999"/>
+                </a:xfrm>
+                <a:prstGeom prst="rect">
+                  <a:avLst/>
+                </a:prstGeom>
+                <a:blipFill rotWithShape="0">
+                  <a:blip r:embed="rId16"/>
+                  <a:stretch>
+                    <a:fillRect l="-467" t="-143478" b="-176087"/>
+                  </a:stretch>
+                </a:blipFill>
+              </p:spPr>
+              <p:txBody>
+                <a:bodyPr/>
+                <a:lstStyle/>
+                <a:p>
+                  <a:r>
+                    <a:rPr lang="en-US">
+                      <a:noFill/>
+                    </a:rPr>
+                    <a:t> </a:t>
+                  </a:r>
+                </a:p>
+              </p:txBody>
+            </p:sp>
+          </mc:Fallback>
+        </mc:AlternateContent>
+        <mc:AlternateContent xmlns:mc="http://schemas.openxmlformats.org/markup-compatibility/2006">
+          <mc:Choice xmlns:a14="http://schemas.microsoft.com/office/drawing/2010/main" Requires="a14">
+            <p:sp>
+              <p:nvSpPr>
+                <p:cNvPr id="27" name="TextBox 26"/>
+                <p:cNvSpPr txBox="1"/>
+                <p:nvPr/>
+              </p:nvSpPr>
+              <p:spPr>
+                <a:xfrm>
+                  <a:off x="2405728" y="1735302"/>
+                  <a:ext cx="4076565" cy="276999"/>
+                </a:xfrm>
+                <a:prstGeom prst="rect">
+                  <a:avLst/>
+                </a:prstGeom>
+                <a:noFill/>
+              </p:spPr>
+              <p:txBody>
+                <a:bodyPr wrap="none" lIns="0" tIns="0" rIns="0" bIns="0" rtlCol="0">
+                  <a:spAutoFit/>
+                </a:bodyPr>
+                <a:lstStyle/>
+                <a:p>
+                  <a:pPr/>
+                  <a14:m>
+                    <m:oMathPara xmlns:m="http://schemas.openxmlformats.org/officeDocument/2006/math">
+                      <m:oMathParaPr>
+                        <m:jc m:val="centerGroup"/>
+                      </m:oMathParaPr>
+                      <m:oMath xmlns:m="http://schemas.openxmlformats.org/officeDocument/2006/math">
+                        <m:r>
+                          <a:rPr lang="en-US" b="0" i="1" smtClean="0">
+                            <a:latin typeface="Cambria Math" charset="0"/>
+                          </a:rPr>
+                          <m:t>𝑡𝑎𝑔</m:t>
+                        </m:r>
+                        <m:r>
+                          <a:rPr lang="en-US" b="0" i="1" smtClean="0">
+                            <a:latin typeface="Cambria Math" charset="0"/>
+                          </a:rPr>
+                          <m:t>($</m:t>
+                        </m:r>
+                        <m:r>
+                          <a:rPr lang="en-US" b="0" i="1" smtClean="0">
+                            <a:latin typeface="Cambria Math" charset="0"/>
+                          </a:rPr>
+                          <m:t>𝐿𝑃</m:t>
+                        </m:r>
+                        <m:r>
+                          <a:rPr lang="en-US" b="0" i="1" smtClean="0">
+                            <a:latin typeface="Cambria Math" charset="0"/>
+                          </a:rPr>
+                          <m:t>)</m:t>
+                        </m:r>
+                        <m:r>
+                          <a:rPr lang="en-US" b="0" i="1" smtClean="0">
+                            <a:latin typeface="Cambria Math" charset="0"/>
+                          </a:rPr>
+                          <m:t>⇒[100 :</m:t>
+                        </m:r>
+                        <m:d>
+                          <m:dPr>
+                            <m:begChr m:val="{"/>
+                            <m:endChr m:val="}"/>
+                            <m:ctrlPr>
+                              <a:rPr lang="en-US" b="0" i="1" smtClean="0">
+                                <a:latin typeface="Cambria Math" charset="0"/>
+                              </a:rPr>
+                            </m:ctrlPr>
+                          </m:dPr>
+                          <m:e>
+                            <m:r>
+                              <a:rPr lang="en-US" b="0" i="1" smtClean="0">
+                                <a:latin typeface="Cambria Math" charset="0"/>
+                              </a:rPr>
+                              <m:t>𝐴𝐺</m:t>
+                            </m:r>
+                            <m:r>
+                              <a:rPr lang="en-US" b="0" i="1" smtClean="0">
+                                <a:latin typeface="Cambria Math" charset="0"/>
+                              </a:rPr>
+                              <m:t>,</m:t>
+                            </m:r>
+                            <m:r>
+                              <a:rPr lang="en-US" b="0" i="1" smtClean="0">
+                                <a:latin typeface="Cambria Math" charset="0"/>
+                              </a:rPr>
+                              <m:t>𝐴𝐿</m:t>
+                            </m:r>
+                          </m:e>
+                        </m:d>
+                        <m:r>
+                          <a:rPr lang="en-US" b="0" i="1" smtClean="0">
+                            <a:latin typeface="Cambria Math" charset="0"/>
+                          </a:rPr>
+                          <m:t>→{</m:t>
+                        </m:r>
+                        <m:r>
+                          <a:rPr lang="en-US" b="0" i="1" smtClean="0">
+                            <a:latin typeface="Cambria Math" charset="0"/>
+                          </a:rPr>
+                          <m:t>𝐴𝐺</m:t>
+                        </m:r>
+                        <m:r>
+                          <a:rPr lang="en-US" b="0" i="1" smtClean="0">
+                            <a:latin typeface="Cambria Math" charset="0"/>
+                          </a:rPr>
+                          <m:t>,</m:t>
+                        </m:r>
+                        <m:r>
+                          <a:rPr lang="en-US" b="0" i="1" smtClean="0">
+                            <a:latin typeface="Cambria Math" charset="0"/>
+                          </a:rPr>
+                          <m:t>𝐴𝐿</m:t>
+                        </m:r>
+                        <m:r>
+                          <a:rPr lang="en-US" b="0" i="1" smtClean="0">
+                            <a:latin typeface="Cambria Math" charset="0"/>
+                          </a:rPr>
+                          <m:t>}]</m:t>
+                        </m:r>
+                      </m:oMath>
+                    </m:oMathPara>
+                  </a14:m>
+                  <a:endParaRPr lang="en-US" dirty="0"/>
+                </a:p>
+              </p:txBody>
+            </p:sp>
+          </mc:Choice>
+          <mc:Fallback>
+            <p:sp>
+              <p:nvSpPr>
+                <p:cNvPr id="27" name="TextBox 26"/>
+                <p:cNvSpPr txBox="1">
+                  <a:spLocks noRot="1" noChangeAspect="1" noMove="1" noResize="1" noEditPoints="1" noAdjustHandles="1" noChangeArrowheads="1" noChangeShapeType="1" noTextEdit="1"/>
+                </p:cNvSpPr>
+                <p:nvPr/>
+              </p:nvSpPr>
+              <p:spPr>
+                <a:xfrm>
+                  <a:off x="2405728" y="1735302"/>
+                  <a:ext cx="4076565" cy="276999"/>
+                </a:xfrm>
+                <a:prstGeom prst="rect">
+                  <a:avLst/>
+                </a:prstGeom>
+                <a:blipFill rotWithShape="0">
+                  <a:blip r:embed="rId17"/>
+                  <a:stretch>
+                    <a:fillRect l="-1196" t="-2222" r="-1495" b="-35556"/>
+                  </a:stretch>
+                </a:blipFill>
+              </p:spPr>
+              <p:txBody>
+                <a:bodyPr/>
+                <a:lstStyle/>
+                <a:p>
+                  <a:r>
+                    <a:rPr lang="en-US">
+                      <a:noFill/>
+                    </a:rPr>
+                    <a:t> </a:t>
+                  </a:r>
+                </a:p>
+              </p:txBody>
+            </p:sp>
+          </mc:Fallback>
+        </mc:AlternateContent>
+        <mc:AlternateContent xmlns:mc="http://schemas.openxmlformats.org/markup-compatibility/2006">
+          <mc:Choice xmlns:a14="http://schemas.microsoft.com/office/drawing/2010/main" Requires="a14">
+            <p:sp>
+              <p:nvSpPr>
+                <p:cNvPr id="28" name="TextBox 27"/>
+                <p:cNvSpPr txBox="1"/>
+                <p:nvPr/>
+              </p:nvSpPr>
+              <p:spPr>
+                <a:xfrm>
+                  <a:off x="3758876" y="2544563"/>
+                  <a:ext cx="226023" cy="276999"/>
+                </a:xfrm>
+                <a:prstGeom prst="rect">
+                  <a:avLst/>
+                </a:prstGeom>
+                <a:noFill/>
+              </p:spPr>
+              <p:txBody>
+                <a:bodyPr wrap="none" lIns="0" tIns="0" rIns="0" bIns="0" rtlCol="0">
+                  <a:spAutoFit/>
+                </a:bodyPr>
+                <a:lstStyle/>
+                <a:p>
+                  <a:pPr/>
+                  <a14:m>
+                    <m:oMathPara xmlns:m="http://schemas.openxmlformats.org/officeDocument/2006/math">
+                      <m:oMathParaPr>
+                        <m:jc m:val="centerGroup"/>
+                      </m:oMathParaPr>
+                      <m:oMath xmlns:m="http://schemas.openxmlformats.org/officeDocument/2006/math">
+                        <m:r>
+                          <a:rPr lang="en-US" b="0" i="1" smtClean="0">
+                            <a:latin typeface="Cambria Math" charset="0"/>
+                          </a:rPr>
+                          <m:t>…</m:t>
+                        </m:r>
+                      </m:oMath>
+                    </m:oMathPara>
+                  </a14:m>
+                  <a:endParaRPr lang="en-US" dirty="0"/>
+                </a:p>
+              </p:txBody>
+            </p:sp>
+          </mc:Choice>
+          <mc:Fallback>
+            <p:sp>
+              <p:nvSpPr>
+                <p:cNvPr id="28" name="TextBox 27"/>
+                <p:cNvSpPr txBox="1">
+                  <a:spLocks noRot="1" noChangeAspect="1" noMove="1" noResize="1" noEditPoints="1" noAdjustHandles="1" noChangeArrowheads="1" noChangeShapeType="1" noTextEdit="1"/>
+                </p:cNvSpPr>
+                <p:nvPr/>
+              </p:nvSpPr>
+              <p:spPr>
+                <a:xfrm>
+                  <a:off x="3758876" y="2544563"/>
+                  <a:ext cx="226023" cy="276999"/>
+                </a:xfrm>
+                <a:prstGeom prst="rect">
+                  <a:avLst/>
+                </a:prstGeom>
+                <a:blipFill rotWithShape="0">
+                  <a:blip r:embed="rId18"/>
+                  <a:stretch>
+                    <a:fillRect/>
+                  </a:stretch>
+                </a:blipFill>
+              </p:spPr>
+              <p:txBody>
+                <a:bodyPr/>
+                <a:lstStyle/>
+                <a:p>
+                  <a:r>
+                    <a:rPr lang="en-US">
+                      <a:noFill/>
+                    </a:rPr>
+                    <a:t> </a:t>
+                  </a:r>
+                </a:p>
+              </p:txBody>
+            </p:sp>
+          </mc:Fallback>
+        </mc:AlternateContent>
+      </p:grpSp>
+      <p:sp>
+        <p:nvSpPr>
+          <p:cNvPr id="29" name="TextBox 28"/>
+          <p:cNvSpPr txBox="1"/>
+          <p:nvPr/>
+        </p:nvSpPr>
+        <p:spPr>
+          <a:xfrm>
+            <a:off x="6728727" y="1220034"/>
+            <a:ext cx="2427972" cy="369332"/>
+          </a:xfrm>
+          <a:prstGeom prst="rect">
+            <a:avLst/>
+          </a:prstGeom>
+          <a:noFill/>
+        </p:spPr>
+        <p:txBody>
+          <a:bodyPr wrap="none" rtlCol="0">
+            <a:spAutoFit/>
+          </a:bodyPr>
+          <a:lstStyle/>
+          <a:p>
+            <a:r>
+              <a:rPr lang="en-US" b="1" dirty="0" smtClean="0"/>
+              <a:t>Incremental Template S</a:t>
+            </a:r>
+            <a:endParaRPr lang="en-US" b="1" dirty="0"/>
+          </a:p>
+        </p:txBody>
+      </p:sp>
+      <p:grpSp>
+        <p:nvGrpSpPr>
+          <p:cNvPr id="30" name="Group 29"/>
+          <p:cNvGrpSpPr/>
+          <p:nvPr/>
+        </p:nvGrpSpPr>
+        <p:grpSpPr>
+          <a:xfrm>
+            <a:off x="6696209" y="3134109"/>
+            <a:ext cx="4184864" cy="1838480"/>
+            <a:chOff x="2297429" y="1065209"/>
+            <a:chExt cx="4184864" cy="1838480"/>
+          </a:xfrm>
+        </p:grpSpPr>
+        <p:sp>
+          <p:nvSpPr>
+            <p:cNvPr id="31" name="Rectangle 30"/>
+            <p:cNvSpPr/>
+            <p:nvPr/>
+          </p:nvSpPr>
+          <p:spPr>
+            <a:xfrm>
+              <a:off x="2297429" y="1065209"/>
+              <a:ext cx="4184864" cy="1838480"/>
+            </a:xfrm>
+            <a:prstGeom prst="rect">
+              <a:avLst/>
+            </a:prstGeom>
+            <a:solidFill>
+              <a:schemeClr val="accent4">
+                <a:lumMod val="20000"/>
+                <a:lumOff val="80000"/>
+                <a:alpha val="51000"/>
+              </a:schemeClr>
+            </a:solidFill>
+          </p:spPr>
+          <p:style>
+            <a:lnRef idx="2">
+              <a:schemeClr val="accent1">
+                <a:shade val="50000"/>
+              </a:schemeClr>
+            </a:lnRef>
+            <a:fillRef idx="1">
+              <a:schemeClr val="accent1"/>
+            </a:fillRef>
+            <a:effectRef idx="0">
+              <a:schemeClr val="accent1"/>
+            </a:effectRef>
+            <a:fontRef idx="minor">
+              <a:schemeClr val="lt1"/>
+            </a:fontRef>
+          </p:style>
+          <p:txBody>
+            <a:bodyPr rtlCol="0" anchor="ctr"/>
+            <a:lstStyle/>
+            <a:p>
+              <a:pPr algn="ctr"/>
+              <a:endParaRPr lang="en-US" dirty="0"/>
+            </a:p>
+          </p:txBody>
+        </p:sp>
+        <mc:AlternateContent xmlns:mc="http://schemas.openxmlformats.org/markup-compatibility/2006">
+          <mc:Choice xmlns:a14="http://schemas.microsoft.com/office/drawing/2010/main" Requires="a14">
+            <p:sp>
+              <p:nvSpPr>
+                <p:cNvPr id="42" name="TextBox 41"/>
+                <p:cNvSpPr txBox="1"/>
+                <p:nvPr/>
+              </p:nvSpPr>
+              <p:spPr>
+                <a:xfrm>
+                  <a:off x="2454715" y="1430395"/>
+                  <a:ext cx="2527422" cy="276999"/>
+                </a:xfrm>
+                <a:prstGeom prst="rect">
+                  <a:avLst/>
+                </a:prstGeom>
+                <a:noFill/>
+              </p:spPr>
+              <p:txBody>
+                <a:bodyPr wrap="none" lIns="0" tIns="0" rIns="0" bIns="0" rtlCol="0">
+                  <a:spAutoFit/>
+                </a:bodyPr>
+                <a:lstStyle/>
+                <a:p>
+                  <a:pPr/>
+                  <a14:m>
+                    <m:oMathPara xmlns:m="http://schemas.openxmlformats.org/officeDocument/2006/math">
+                      <m:oMathParaPr>
+                        <m:jc m:val="centerGroup"/>
+                      </m:oMathParaPr>
+                      <m:oMath xmlns:m="http://schemas.openxmlformats.org/officeDocument/2006/math">
+                        <m:r>
+                          <a:rPr lang="en-US" b="0" i="1" smtClean="0">
+                            <a:latin typeface="Cambria Math" charset="0"/>
+                          </a:rPr>
+                          <m:t>𝑜𝑟𝑖𝑔𝑖𝑛𝑎𝑡𝑒</m:t>
+                        </m:r>
+                        <m:r>
+                          <a:rPr lang="en-US" b="0" i="1" smtClean="0">
+                            <a:latin typeface="Cambria Math" charset="0"/>
+                          </a:rPr>
+                          <m:t> $</m:t>
+                        </m:r>
+                        <m:r>
+                          <a:rPr lang="en-US" b="0" i="1" smtClean="0">
+                            <a:latin typeface="Cambria Math" charset="0"/>
+                          </a:rPr>
+                          <m:t>𝐺𝑃</m:t>
+                        </m:r>
+                        <m:r>
+                          <a:rPr lang="en-US" b="0" i="1" smtClean="0">
+                            <a:latin typeface="Cambria Math" charset="0"/>
+                          </a:rPr>
+                          <m:t> </m:t>
+                        </m:r>
+                        <m:r>
+                          <a:rPr lang="en-US" b="0" i="1" smtClean="0">
+                            <a:latin typeface="Cambria Math" charset="0"/>
+                          </a:rPr>
+                          <m:t>𝑡𝑎𝑔</m:t>
+                        </m:r>
+                        <m:r>
+                          <a:rPr lang="en-US" b="0" i="1" smtClean="0">
+                            <a:latin typeface="Cambria Math" charset="0"/>
+                          </a:rPr>
+                          <m:t>($</m:t>
+                        </m:r>
+                        <m:r>
+                          <a:rPr lang="en-US" b="0" i="1" smtClean="0">
+                            <a:latin typeface="Cambria Math" charset="0"/>
+                          </a:rPr>
+                          <m:t>𝐺𝑃</m:t>
+                        </m:r>
+                        <m:r>
+                          <a:rPr lang="en-US" b="0" i="1" smtClean="0">
+                            <a:latin typeface="Cambria Math" charset="0"/>
+                          </a:rPr>
+                          <m:t>)</m:t>
+                        </m:r>
+                      </m:oMath>
+                    </m:oMathPara>
+                  </a14:m>
+                  <a:endParaRPr lang="en-US" dirty="0"/>
+                </a:p>
+              </p:txBody>
+            </p:sp>
+          </mc:Choice>
+          <mc:Fallback>
+            <p:sp>
+              <p:nvSpPr>
+                <p:cNvPr id="42" name="TextBox 41"/>
+                <p:cNvSpPr txBox="1">
+                  <a:spLocks noRot="1" noChangeAspect="1" noMove="1" noResize="1" noEditPoints="1" noAdjustHandles="1" noChangeArrowheads="1" noChangeShapeType="1" noTextEdit="1"/>
+                </p:cNvSpPr>
+                <p:nvPr/>
+              </p:nvSpPr>
+              <p:spPr>
+                <a:xfrm>
+                  <a:off x="2454715" y="1430395"/>
+                  <a:ext cx="2527422" cy="276999"/>
+                </a:xfrm>
+                <a:prstGeom prst="rect">
+                  <a:avLst/>
+                </a:prstGeom>
+                <a:blipFill rotWithShape="0">
+                  <a:blip r:embed="rId19"/>
+                  <a:stretch>
+                    <a:fillRect l="-2651" t="-146667" r="-2892" b="-182222"/>
+                  </a:stretch>
+                </a:blipFill>
+              </p:spPr>
+              <p:txBody>
+                <a:bodyPr/>
+                <a:lstStyle/>
+                <a:p>
+                  <a:r>
+                    <a:rPr lang="en-US">
+                      <a:noFill/>
+                    </a:rPr>
+                    <a:t> </a:t>
+                  </a:r>
+                </a:p>
+              </p:txBody>
+            </p:sp>
+          </mc:Fallback>
+        </mc:AlternateContent>
+        <mc:AlternateContent xmlns:mc="http://schemas.openxmlformats.org/markup-compatibility/2006">
+          <mc:Choice xmlns:a14="http://schemas.microsoft.com/office/drawing/2010/main" Requires="a14">
+            <p:sp>
+              <p:nvSpPr>
+                <p:cNvPr id="50" name="TextBox 49"/>
+                <p:cNvSpPr txBox="1"/>
+                <p:nvPr/>
+              </p:nvSpPr>
+              <p:spPr>
+                <a:xfrm>
+                  <a:off x="2517147" y="1707394"/>
+                  <a:ext cx="226023" cy="276999"/>
+                </a:xfrm>
+                <a:prstGeom prst="rect">
+                  <a:avLst/>
+                </a:prstGeom>
+                <a:noFill/>
+              </p:spPr>
+              <p:txBody>
+                <a:bodyPr wrap="none" lIns="0" tIns="0" rIns="0" bIns="0" rtlCol="0">
+                  <a:spAutoFit/>
+                </a:bodyPr>
+                <a:lstStyle/>
+                <a:p>
+                  <a:pPr/>
+                  <a14:m>
+                    <m:oMathPara xmlns:m="http://schemas.openxmlformats.org/officeDocument/2006/math">
+                      <m:oMathParaPr>
+                        <m:jc m:val="centerGroup"/>
+                      </m:oMathParaPr>
+                      <m:oMath xmlns:m="http://schemas.openxmlformats.org/officeDocument/2006/math">
+                        <m:r>
+                          <a:rPr lang="en-US" b="0" i="1" smtClean="0">
+                            <a:latin typeface="Cambria Math" charset="0"/>
+                          </a:rPr>
+                          <m:t>…</m:t>
+                        </m:r>
+                      </m:oMath>
+                    </m:oMathPara>
+                  </a14:m>
+                  <a:endParaRPr lang="en-US" dirty="0"/>
+                </a:p>
+              </p:txBody>
+            </p:sp>
+          </mc:Choice>
+          <mc:Fallback>
+            <p:sp>
+              <p:nvSpPr>
+                <p:cNvPr id="50" name="TextBox 49"/>
+                <p:cNvSpPr txBox="1">
+                  <a:spLocks noRot="1" noChangeAspect="1" noMove="1" noResize="1" noEditPoints="1" noAdjustHandles="1" noChangeArrowheads="1" noChangeShapeType="1" noTextEdit="1"/>
+                </p:cNvSpPr>
+                <p:nvPr/>
+              </p:nvSpPr>
+              <p:spPr>
+                <a:xfrm>
+                  <a:off x="2517147" y="1707394"/>
+                  <a:ext cx="226023" cy="276999"/>
+                </a:xfrm>
+                <a:prstGeom prst="rect">
+                  <a:avLst/>
+                </a:prstGeom>
+                <a:blipFill rotWithShape="0">
+                  <a:blip r:embed="rId20"/>
+                  <a:stretch>
+                    <a:fillRect/>
+                  </a:stretch>
+                </a:blipFill>
+              </p:spPr>
+              <p:txBody>
+                <a:bodyPr/>
+                <a:lstStyle/>
+                <a:p>
+                  <a:r>
+                    <a:rPr lang="en-US">
+                      <a:noFill/>
+                    </a:rPr>
+                    <a:t> </a:t>
+                  </a:r>
+                </a:p>
+              </p:txBody>
+            </p:sp>
+          </mc:Fallback>
+        </mc:AlternateContent>
+      </p:grpSp>
+      <p:sp>
+        <p:nvSpPr>
+          <p:cNvPr id="51" name="TextBox 50"/>
+          <p:cNvSpPr txBox="1"/>
+          <p:nvPr/>
+        </p:nvSpPr>
+        <p:spPr>
+          <a:xfrm>
+            <a:off x="6751587" y="3122679"/>
+            <a:ext cx="2574038" cy="369332"/>
+          </a:xfrm>
+          <a:prstGeom prst="rect">
+            <a:avLst/>
+          </a:prstGeom>
+          <a:noFill/>
+        </p:spPr>
+        <p:txBody>
+          <a:bodyPr wrap="none" rtlCol="0">
+            <a:spAutoFit/>
+          </a:bodyPr>
+          <a:lstStyle/>
+          <a:p>
+            <a:r>
+              <a:rPr lang="en-US" b="1" dirty="0" smtClean="0"/>
+              <a:t>Incremental Template TG</a:t>
             </a:r>
             <a:endParaRPr lang="en-US" b="1" dirty="0"/>
           </a:p>

--- a/paper/abstraction/figures/examples.pptx
+++ b/paper/abstraction/figures/examples.pptx
@@ -5,7 +5,7 @@
     <p:sldMasterId id="2147483648" r:id="rId1"/>
   </p:sldMasterIdLst>
   <p:notesMasterIdLst>
-    <p:notesMasterId r:id="rId13"/>
+    <p:notesMasterId r:id="rId14"/>
   </p:notesMasterIdLst>
   <p:sldIdLst>
     <p:sldId id="412" r:id="rId2"/>
@@ -19,6 +19,7 @@
     <p:sldId id="419" r:id="rId10"/>
     <p:sldId id="420" r:id="rId11"/>
     <p:sldId id="423" r:id="rId12"/>
+    <p:sldId id="424" r:id="rId13"/>
   </p:sldIdLst>
   <p:sldSz cx="12192000" cy="6858000"/>
   <p:notesSz cx="6858000" cy="9144000"/>
@@ -718,6 +719,90 @@
     <p:extLst>
       <p:ext uri="{BB962C8B-B14F-4D97-AF65-F5344CB8AC3E}">
         <p14:creationId xmlns:p14="http://schemas.microsoft.com/office/powerpoint/2010/main" val="1252889509"/>
+      </p:ext>
+    </p:extLst>
+  </p:cSld>
+  <p:clrMapOvr>
+    <a:masterClrMapping/>
+  </p:clrMapOvr>
+</p:notes>
+</file>
+
+<file path=ppt/notesSlides/notesSlide4.xml><?xml version="1.0" encoding="utf-8"?>
+<p:notes xmlns:a="http://schemas.openxmlformats.org/drawingml/2006/main" xmlns:r="http://schemas.openxmlformats.org/officeDocument/2006/relationships" xmlns:p="http://schemas.openxmlformats.org/presentationml/2006/main">
+  <p:cSld>
+    <p:spTree>
+      <p:nvGrpSpPr>
+        <p:cNvPr id="1" name=""/>
+        <p:cNvGrpSpPr/>
+        <p:nvPr/>
+      </p:nvGrpSpPr>
+      <p:grpSpPr>
+        <a:xfrm>
+          <a:off x="0" y="0"/>
+          <a:ext cx="0" cy="0"/>
+          <a:chOff x="0" y="0"/>
+          <a:chExt cx="0" cy="0"/>
+        </a:xfrm>
+      </p:grpSpPr>
+      <p:sp>
+        <p:nvSpPr>
+          <p:cNvPr id="2" name="Slide Image Placeholder 1"/>
+          <p:cNvSpPr>
+            <a:spLocks noGrp="1" noRot="1" noChangeAspect="1"/>
+          </p:cNvSpPr>
+          <p:nvPr>
+            <p:ph type="sldImg"/>
+          </p:nvPr>
+        </p:nvSpPr>
+        <p:spPr/>
+      </p:sp>
+      <p:sp>
+        <p:nvSpPr>
+          <p:cNvPr id="3" name="Notes Placeholder 2"/>
+          <p:cNvSpPr>
+            <a:spLocks noGrp="1"/>
+          </p:cNvSpPr>
+          <p:nvPr>
+            <p:ph type="body" idx="1"/>
+          </p:nvPr>
+        </p:nvSpPr>
+        <p:spPr/>
+        <p:txBody>
+          <a:bodyPr/>
+          <a:lstStyle/>
+          <a:p>
+            <a:endParaRPr lang="en-US" dirty="0"/>
+          </a:p>
+        </p:txBody>
+      </p:sp>
+      <p:sp>
+        <p:nvSpPr>
+          <p:cNvPr id="4" name="Slide Number Placeholder 3"/>
+          <p:cNvSpPr>
+            <a:spLocks noGrp="1"/>
+          </p:cNvSpPr>
+          <p:nvPr>
+            <p:ph type="sldNum" sz="quarter" idx="10"/>
+          </p:nvPr>
+        </p:nvSpPr>
+        <p:spPr/>
+        <p:txBody>
+          <a:bodyPr/>
+          <a:lstStyle/>
+          <a:p>
+            <a:fld id="{D7574437-4189-E14E-8E73-0C93B1A92DE9}" type="slidenum">
+              <a:rPr lang="en-US" smtClean="0"/>
+              <a:t>12</a:t>
+            </a:fld>
+            <a:endParaRPr lang="en-US"/>
+          </a:p>
+        </p:txBody>
+      </p:sp>
+    </p:spTree>
+    <p:extLst>
+      <p:ext uri="{BB962C8B-B14F-4D97-AF65-F5344CB8AC3E}">
+        <p14:creationId xmlns:p14="http://schemas.microsoft.com/office/powerpoint/2010/main" val="25341077"/>
       </p:ext>
     </p:extLst>
   </p:cSld>
@@ -12111,6 +12196,1213 @@
     <p:extLst>
       <p:ext uri="{BB962C8B-B14F-4D97-AF65-F5344CB8AC3E}">
         <p14:creationId xmlns:p14="http://schemas.microsoft.com/office/powerpoint/2010/main" val="52447391"/>
+      </p:ext>
+    </p:extLst>
+  </p:cSld>
+  <p:clrMapOvr>
+    <a:masterClrMapping/>
+  </p:clrMapOvr>
+</p:sld>
+</file>
+
+<file path=ppt/slides/slide12.xml><?xml version="1.0" encoding="utf-8"?>
+<p:sld xmlns:a="http://schemas.openxmlformats.org/drawingml/2006/main" xmlns:r="http://schemas.openxmlformats.org/officeDocument/2006/relationships" xmlns:p="http://schemas.openxmlformats.org/presentationml/2006/main">
+  <p:cSld>
+    <p:spTree>
+      <p:nvGrpSpPr>
+        <p:cNvPr id="1" name=""/>
+        <p:cNvGrpSpPr/>
+        <p:nvPr/>
+      </p:nvGrpSpPr>
+      <p:grpSpPr>
+        <a:xfrm>
+          <a:off x="0" y="0"/>
+          <a:ext cx="0" cy="0"/>
+          <a:chOff x="0" y="0"/>
+          <a:chExt cx="0" cy="0"/>
+        </a:xfrm>
+      </p:grpSpPr>
+      <p:sp>
+        <p:nvSpPr>
+          <p:cNvPr id="6" name="Right Arrow 5"/>
+          <p:cNvSpPr/>
+          <p:nvPr/>
+        </p:nvSpPr>
+        <p:spPr>
+          <a:xfrm>
+            <a:off x="4071342" y="5717134"/>
+            <a:ext cx="1320055" cy="511599"/>
+          </a:xfrm>
+          <a:prstGeom prst="rightArrow">
+            <a:avLst>
+              <a:gd name="adj1" fmla="val 50000"/>
+              <a:gd name="adj2" fmla="val 57357"/>
+            </a:avLst>
+          </a:prstGeom>
+          <a:solidFill>
+            <a:schemeClr val="bg2">
+              <a:lumMod val="75000"/>
+            </a:schemeClr>
+          </a:solidFill>
+          <a:ln>
+            <a:noFill/>
+          </a:ln>
+        </p:spPr>
+        <p:style>
+          <a:lnRef idx="2">
+            <a:schemeClr val="accent1">
+              <a:shade val="50000"/>
+            </a:schemeClr>
+          </a:lnRef>
+          <a:fillRef idx="1">
+            <a:schemeClr val="accent1"/>
+          </a:fillRef>
+          <a:effectRef idx="0">
+            <a:schemeClr val="accent1"/>
+          </a:effectRef>
+          <a:fontRef idx="minor">
+            <a:schemeClr val="lt1"/>
+          </a:fontRef>
+        </p:style>
+        <p:txBody>
+          <a:bodyPr rtlCol="0" anchor="ctr"/>
+          <a:lstStyle/>
+          <a:p>
+            <a:pPr algn="ctr"/>
+            <a:endParaRPr lang="en-US"/>
+          </a:p>
+        </p:txBody>
+      </p:sp>
+      <p:grpSp>
+        <p:nvGrpSpPr>
+          <p:cNvPr id="27" name="Group 26"/>
+          <p:cNvGrpSpPr/>
+          <p:nvPr/>
+        </p:nvGrpSpPr>
+        <p:grpSpPr>
+          <a:xfrm>
+            <a:off x="5662426" y="2396991"/>
+            <a:ext cx="1548501" cy="965834"/>
+            <a:chOff x="5912143" y="2908936"/>
+            <a:chExt cx="1548501" cy="965834"/>
+          </a:xfrm>
+        </p:grpSpPr>
+        <p:sp>
+          <p:nvSpPr>
+            <p:cNvPr id="13" name="Rectangle 12"/>
+            <p:cNvSpPr/>
+            <p:nvPr/>
+          </p:nvSpPr>
+          <p:spPr>
+            <a:xfrm>
+              <a:off x="5912143" y="2908936"/>
+              <a:ext cx="1548501" cy="965834"/>
+            </a:xfrm>
+            <a:prstGeom prst="rect">
+              <a:avLst/>
+            </a:prstGeom>
+            <a:noFill/>
+            <a:ln w="31750">
+              <a:solidFill>
+                <a:schemeClr val="tx1"/>
+              </a:solidFill>
+            </a:ln>
+          </p:spPr>
+          <p:style>
+            <a:lnRef idx="2">
+              <a:schemeClr val="accent1">
+                <a:shade val="50000"/>
+              </a:schemeClr>
+            </a:lnRef>
+            <a:fillRef idx="1">
+              <a:schemeClr val="accent1"/>
+            </a:fillRef>
+            <a:effectRef idx="0">
+              <a:schemeClr val="accent1"/>
+            </a:effectRef>
+            <a:fontRef idx="minor">
+              <a:schemeClr val="lt1"/>
+            </a:fontRef>
+          </p:style>
+          <p:txBody>
+            <a:bodyPr rtlCol="0" anchor="ctr"/>
+            <a:lstStyle/>
+            <a:p>
+              <a:pPr algn="ctr"/>
+              <a:endParaRPr lang="en-US" dirty="0"/>
+            </a:p>
+          </p:txBody>
+        </p:sp>
+        <p:sp>
+          <p:nvSpPr>
+            <p:cNvPr id="14" name="TextBox 13"/>
+            <p:cNvSpPr txBox="1"/>
+            <p:nvPr/>
+          </p:nvSpPr>
+          <p:spPr>
+            <a:xfrm>
+              <a:off x="5912143" y="3068687"/>
+              <a:ext cx="1548501" cy="646331"/>
+            </a:xfrm>
+            <a:prstGeom prst="rect">
+              <a:avLst/>
+            </a:prstGeom>
+            <a:noFill/>
+          </p:spPr>
+          <p:txBody>
+            <a:bodyPr wrap="none" rtlCol="0">
+              <a:spAutoFit/>
+            </a:bodyPr>
+            <a:lstStyle/>
+            <a:p>
+              <a:pPr algn="ctr"/>
+              <a:r>
+                <a:rPr lang="en-US" dirty="0" smtClean="0"/>
+                <a:t>Abstract</a:t>
+              </a:r>
+            </a:p>
+            <a:p>
+              <a:pPr algn="ctr"/>
+              <a:r>
+                <a:rPr lang="en-US" dirty="0" smtClean="0"/>
+                <a:t>Product Graph</a:t>
+              </a:r>
+              <a:endParaRPr lang="en-US" dirty="0"/>
+            </a:p>
+          </p:txBody>
+        </p:sp>
+      </p:grpSp>
+      <p:grpSp>
+        <p:nvGrpSpPr>
+          <p:cNvPr id="25" name="Group 24"/>
+          <p:cNvGrpSpPr/>
+          <p:nvPr/>
+        </p:nvGrpSpPr>
+        <p:grpSpPr>
+          <a:xfrm>
+            <a:off x="5660568" y="842382"/>
+            <a:ext cx="1548501" cy="965834"/>
+            <a:chOff x="4995357" y="1497331"/>
+            <a:chExt cx="1548501" cy="965834"/>
+          </a:xfrm>
+        </p:grpSpPr>
+        <p:sp>
+          <p:nvSpPr>
+            <p:cNvPr id="15" name="Rectangle 14"/>
+            <p:cNvSpPr/>
+            <p:nvPr/>
+          </p:nvSpPr>
+          <p:spPr>
+            <a:xfrm>
+              <a:off x="4995357" y="1497331"/>
+              <a:ext cx="1548501" cy="965834"/>
+            </a:xfrm>
+            <a:prstGeom prst="rect">
+              <a:avLst/>
+            </a:prstGeom>
+            <a:noFill/>
+            <a:ln w="31750">
+              <a:solidFill>
+                <a:schemeClr val="tx1"/>
+              </a:solidFill>
+            </a:ln>
+          </p:spPr>
+          <p:style>
+            <a:lnRef idx="2">
+              <a:schemeClr val="accent1">
+                <a:shade val="50000"/>
+              </a:schemeClr>
+            </a:lnRef>
+            <a:fillRef idx="1">
+              <a:schemeClr val="accent1"/>
+            </a:fillRef>
+            <a:effectRef idx="0">
+              <a:schemeClr val="accent1"/>
+            </a:effectRef>
+            <a:fontRef idx="minor">
+              <a:schemeClr val="lt1"/>
+            </a:fontRef>
+          </p:style>
+          <p:txBody>
+            <a:bodyPr rtlCol="0" anchor="ctr"/>
+            <a:lstStyle/>
+            <a:p>
+              <a:pPr algn="ctr"/>
+              <a:endParaRPr lang="en-US" dirty="0"/>
+            </a:p>
+          </p:txBody>
+        </p:sp>
+        <p:sp>
+          <p:nvSpPr>
+            <p:cNvPr id="16" name="TextBox 15"/>
+            <p:cNvSpPr txBox="1"/>
+            <p:nvPr/>
+          </p:nvSpPr>
+          <p:spPr>
+            <a:xfrm>
+              <a:off x="5254627" y="1657082"/>
+              <a:ext cx="1029962" cy="646331"/>
+            </a:xfrm>
+            <a:prstGeom prst="rect">
+              <a:avLst/>
+            </a:prstGeom>
+            <a:noFill/>
+          </p:spPr>
+          <p:txBody>
+            <a:bodyPr wrap="none" rtlCol="0">
+              <a:spAutoFit/>
+            </a:bodyPr>
+            <a:lstStyle/>
+            <a:p>
+              <a:pPr algn="ctr"/>
+              <a:r>
+                <a:rPr lang="en-US" dirty="0" smtClean="0"/>
+                <a:t>Abstract</a:t>
+              </a:r>
+            </a:p>
+            <a:p>
+              <a:pPr algn="ctr"/>
+              <a:r>
+                <a:rPr lang="en-US" dirty="0" smtClean="0"/>
+                <a:t>Topology</a:t>
+              </a:r>
+              <a:endParaRPr lang="en-US" dirty="0"/>
+            </a:p>
+          </p:txBody>
+        </p:sp>
+      </p:grpSp>
+      <p:grpSp>
+        <p:nvGrpSpPr>
+          <p:cNvPr id="26" name="Group 25"/>
+          <p:cNvGrpSpPr/>
+          <p:nvPr/>
+        </p:nvGrpSpPr>
+        <p:grpSpPr>
+          <a:xfrm>
+            <a:off x="7859881" y="2453655"/>
+            <a:ext cx="1596527" cy="965834"/>
+            <a:chOff x="7249723" y="1497331"/>
+            <a:chExt cx="1596527" cy="965834"/>
+          </a:xfrm>
+        </p:grpSpPr>
+        <p:sp>
+          <p:nvSpPr>
+            <p:cNvPr id="17" name="Rectangle 16"/>
+            <p:cNvSpPr/>
+            <p:nvPr/>
+          </p:nvSpPr>
+          <p:spPr>
+            <a:xfrm>
+              <a:off x="7273737" y="1497331"/>
+              <a:ext cx="1548501" cy="965834"/>
+            </a:xfrm>
+            <a:prstGeom prst="rect">
+              <a:avLst/>
+            </a:prstGeom>
+            <a:noFill/>
+            <a:ln w="31750">
+              <a:solidFill>
+                <a:schemeClr val="tx1"/>
+              </a:solidFill>
+            </a:ln>
+          </p:spPr>
+          <p:style>
+            <a:lnRef idx="2">
+              <a:schemeClr val="accent1">
+                <a:shade val="50000"/>
+              </a:schemeClr>
+            </a:lnRef>
+            <a:fillRef idx="1">
+              <a:schemeClr val="accent1"/>
+            </a:fillRef>
+            <a:effectRef idx="0">
+              <a:schemeClr val="accent1"/>
+            </a:effectRef>
+            <a:fontRef idx="minor">
+              <a:schemeClr val="lt1"/>
+            </a:fontRef>
+          </p:style>
+          <p:txBody>
+            <a:bodyPr rtlCol="0" anchor="ctr"/>
+            <a:lstStyle/>
+            <a:p>
+              <a:pPr algn="ctr"/>
+              <a:endParaRPr lang="en-US" dirty="0"/>
+            </a:p>
+          </p:txBody>
+        </p:sp>
+        <p:sp>
+          <p:nvSpPr>
+            <p:cNvPr id="18" name="TextBox 17"/>
+            <p:cNvSpPr txBox="1"/>
+            <p:nvPr/>
+          </p:nvSpPr>
+          <p:spPr>
+            <a:xfrm>
+              <a:off x="7249723" y="1508223"/>
+              <a:ext cx="1596527" cy="923330"/>
+            </a:xfrm>
+            <a:prstGeom prst="rect">
+              <a:avLst/>
+            </a:prstGeom>
+            <a:noFill/>
+          </p:spPr>
+          <p:txBody>
+            <a:bodyPr wrap="none" rtlCol="0">
+              <a:spAutoFit/>
+            </a:bodyPr>
+            <a:lstStyle/>
+            <a:p>
+              <a:pPr algn="ctr"/>
+              <a:r>
+                <a:rPr lang="en-US" dirty="0" smtClean="0"/>
+                <a:t>Routing &amp;</a:t>
+              </a:r>
+            </a:p>
+            <a:p>
+              <a:pPr algn="ctr"/>
+              <a:r>
+                <a:rPr lang="en-US" dirty="0" smtClean="0"/>
+                <a:t>Fault-tolerance</a:t>
+              </a:r>
+            </a:p>
+            <a:p>
+              <a:pPr algn="ctr"/>
+              <a:r>
+                <a:rPr lang="en-US" dirty="0" smtClean="0"/>
+                <a:t>Policy</a:t>
+              </a:r>
+            </a:p>
+          </p:txBody>
+        </p:sp>
+      </p:grpSp>
+      <p:grpSp>
+        <p:nvGrpSpPr>
+          <p:cNvPr id="30" name="Group 29"/>
+          <p:cNvGrpSpPr/>
+          <p:nvPr/>
+        </p:nvGrpSpPr>
+        <p:grpSpPr>
+          <a:xfrm>
+            <a:off x="3141109" y="842381"/>
+            <a:ext cx="1548501" cy="965834"/>
+            <a:chOff x="2711526" y="1491347"/>
+            <a:chExt cx="1548501" cy="965834"/>
+          </a:xfrm>
+        </p:grpSpPr>
+        <p:sp>
+          <p:nvSpPr>
+            <p:cNvPr id="19" name="Rectangle 18"/>
+            <p:cNvSpPr/>
+            <p:nvPr/>
+          </p:nvSpPr>
+          <p:spPr>
+            <a:xfrm>
+              <a:off x="2711526" y="1491347"/>
+              <a:ext cx="1548501" cy="965834"/>
+            </a:xfrm>
+            <a:prstGeom prst="rect">
+              <a:avLst/>
+            </a:prstGeom>
+            <a:noFill/>
+            <a:ln w="31750">
+              <a:solidFill>
+                <a:schemeClr val="tx1"/>
+              </a:solidFill>
+            </a:ln>
+          </p:spPr>
+          <p:style>
+            <a:lnRef idx="2">
+              <a:schemeClr val="accent1">
+                <a:shade val="50000"/>
+              </a:schemeClr>
+            </a:lnRef>
+            <a:fillRef idx="1">
+              <a:schemeClr val="accent1"/>
+            </a:fillRef>
+            <a:effectRef idx="0">
+              <a:schemeClr val="accent1"/>
+            </a:effectRef>
+            <a:fontRef idx="minor">
+              <a:schemeClr val="lt1"/>
+            </a:fontRef>
+          </p:style>
+          <p:txBody>
+            <a:bodyPr rtlCol="0" anchor="ctr"/>
+            <a:lstStyle/>
+            <a:p>
+              <a:pPr algn="ctr"/>
+              <a:endParaRPr lang="en-US" dirty="0"/>
+            </a:p>
+          </p:txBody>
+        </p:sp>
+        <p:sp>
+          <p:nvSpPr>
+            <p:cNvPr id="20" name="TextBox 19"/>
+            <p:cNvSpPr txBox="1"/>
+            <p:nvPr/>
+          </p:nvSpPr>
+          <p:spPr>
+            <a:xfrm>
+              <a:off x="2943835" y="1651098"/>
+              <a:ext cx="1083886" cy="646331"/>
+            </a:xfrm>
+            <a:prstGeom prst="rect">
+              <a:avLst/>
+            </a:prstGeom>
+            <a:noFill/>
+          </p:spPr>
+          <p:txBody>
+            <a:bodyPr wrap="none" rtlCol="0">
+              <a:spAutoFit/>
+            </a:bodyPr>
+            <a:lstStyle/>
+            <a:p>
+              <a:pPr algn="ctr"/>
+              <a:r>
+                <a:rPr lang="en-US" dirty="0" smtClean="0"/>
+                <a:t>Concrete </a:t>
+              </a:r>
+            </a:p>
+            <a:p>
+              <a:pPr algn="ctr"/>
+              <a:r>
+                <a:rPr lang="en-US" dirty="0"/>
+                <a:t>T</a:t>
+              </a:r>
+              <a:r>
+                <a:rPr lang="en-US" dirty="0" smtClean="0"/>
+                <a:t>opology</a:t>
+              </a:r>
+              <a:endParaRPr lang="en-US" dirty="0"/>
+            </a:p>
+          </p:txBody>
+        </p:sp>
+      </p:grpSp>
+      <p:grpSp>
+        <p:nvGrpSpPr>
+          <p:cNvPr id="28" name="Group 27"/>
+          <p:cNvGrpSpPr/>
+          <p:nvPr/>
+        </p:nvGrpSpPr>
+        <p:grpSpPr>
+          <a:xfrm>
+            <a:off x="5660568" y="3916183"/>
+            <a:ext cx="1548501" cy="965834"/>
+            <a:chOff x="5912143" y="4235173"/>
+            <a:chExt cx="1548501" cy="965834"/>
+          </a:xfrm>
+        </p:grpSpPr>
+        <p:sp>
+          <p:nvSpPr>
+            <p:cNvPr id="21" name="Rectangle 20"/>
+            <p:cNvSpPr/>
+            <p:nvPr/>
+          </p:nvSpPr>
+          <p:spPr>
+            <a:xfrm>
+              <a:off x="5912143" y="4235173"/>
+              <a:ext cx="1548501" cy="965834"/>
+            </a:xfrm>
+            <a:prstGeom prst="rect">
+              <a:avLst/>
+            </a:prstGeom>
+            <a:noFill/>
+            <a:ln w="31750">
+              <a:solidFill>
+                <a:schemeClr val="tx1"/>
+              </a:solidFill>
+            </a:ln>
+          </p:spPr>
+          <p:style>
+            <a:lnRef idx="2">
+              <a:schemeClr val="accent1">
+                <a:shade val="50000"/>
+              </a:schemeClr>
+            </a:lnRef>
+            <a:fillRef idx="1">
+              <a:schemeClr val="accent1"/>
+            </a:fillRef>
+            <a:effectRef idx="0">
+              <a:schemeClr val="accent1"/>
+            </a:effectRef>
+            <a:fontRef idx="minor">
+              <a:schemeClr val="lt1"/>
+            </a:fontRef>
+          </p:style>
+          <p:txBody>
+            <a:bodyPr rtlCol="0" anchor="ctr"/>
+            <a:lstStyle/>
+            <a:p>
+              <a:pPr algn="ctr"/>
+              <a:endParaRPr lang="en-US" dirty="0"/>
+            </a:p>
+          </p:txBody>
+        </p:sp>
+        <p:sp>
+          <p:nvSpPr>
+            <p:cNvPr id="22" name="TextBox 21"/>
+            <p:cNvSpPr txBox="1"/>
+            <p:nvPr/>
+          </p:nvSpPr>
+          <p:spPr>
+            <a:xfrm>
+              <a:off x="6116688" y="4394924"/>
+              <a:ext cx="1139414" cy="646331"/>
+            </a:xfrm>
+            <a:prstGeom prst="rect">
+              <a:avLst/>
+            </a:prstGeom>
+            <a:noFill/>
+          </p:spPr>
+          <p:txBody>
+            <a:bodyPr wrap="none" rtlCol="0">
+              <a:spAutoFit/>
+            </a:bodyPr>
+            <a:lstStyle/>
+            <a:p>
+              <a:pPr algn="ctr"/>
+              <a:r>
+                <a:rPr lang="en-US" dirty="0" smtClean="0"/>
+                <a:t>Device</a:t>
+              </a:r>
+            </a:p>
+            <a:p>
+              <a:pPr algn="ctr"/>
+              <a:r>
+                <a:rPr lang="en-US" dirty="0" smtClean="0"/>
+                <a:t>Templates</a:t>
+              </a:r>
+              <a:endParaRPr lang="en-US" dirty="0"/>
+            </a:p>
+          </p:txBody>
+        </p:sp>
+      </p:grpSp>
+      <p:grpSp>
+        <p:nvGrpSpPr>
+          <p:cNvPr id="29" name="Group 28"/>
+          <p:cNvGrpSpPr/>
+          <p:nvPr/>
+        </p:nvGrpSpPr>
+        <p:grpSpPr>
+          <a:xfrm>
+            <a:off x="5660568" y="5486926"/>
+            <a:ext cx="1552221" cy="965834"/>
+            <a:chOff x="5910285" y="5561410"/>
+            <a:chExt cx="1552221" cy="965834"/>
+          </a:xfrm>
+        </p:grpSpPr>
+        <p:sp>
+          <p:nvSpPr>
+            <p:cNvPr id="23" name="Rectangle 22"/>
+            <p:cNvSpPr/>
+            <p:nvPr/>
+          </p:nvSpPr>
+          <p:spPr>
+            <a:xfrm>
+              <a:off x="5912143" y="5561410"/>
+              <a:ext cx="1548501" cy="965834"/>
+            </a:xfrm>
+            <a:prstGeom prst="rect">
+              <a:avLst/>
+            </a:prstGeom>
+            <a:noFill/>
+            <a:ln w="31750">
+              <a:solidFill>
+                <a:schemeClr val="tx1"/>
+              </a:solidFill>
+            </a:ln>
+          </p:spPr>
+          <p:style>
+            <a:lnRef idx="2">
+              <a:schemeClr val="accent1">
+                <a:shade val="50000"/>
+              </a:schemeClr>
+            </a:lnRef>
+            <a:fillRef idx="1">
+              <a:schemeClr val="accent1"/>
+            </a:fillRef>
+            <a:effectRef idx="0">
+              <a:schemeClr val="accent1"/>
+            </a:effectRef>
+            <a:fontRef idx="minor">
+              <a:schemeClr val="lt1"/>
+            </a:fontRef>
+          </p:style>
+          <p:txBody>
+            <a:bodyPr rtlCol="0" anchor="ctr"/>
+            <a:lstStyle/>
+            <a:p>
+              <a:pPr algn="ctr"/>
+              <a:endParaRPr lang="en-US" dirty="0"/>
+            </a:p>
+          </p:txBody>
+        </p:sp>
+        <p:sp>
+          <p:nvSpPr>
+            <p:cNvPr id="24" name="TextBox 23"/>
+            <p:cNvSpPr txBox="1"/>
+            <p:nvPr/>
+          </p:nvSpPr>
+          <p:spPr>
+            <a:xfrm>
+              <a:off x="5910285" y="5721161"/>
+              <a:ext cx="1552221" cy="646331"/>
+            </a:xfrm>
+            <a:prstGeom prst="rect">
+              <a:avLst/>
+            </a:prstGeom>
+            <a:noFill/>
+          </p:spPr>
+          <p:txBody>
+            <a:bodyPr wrap="none" rtlCol="0">
+              <a:spAutoFit/>
+            </a:bodyPr>
+            <a:lstStyle/>
+            <a:p>
+              <a:pPr algn="ctr"/>
+              <a:r>
+                <a:rPr lang="en-US" dirty="0" smtClean="0"/>
+                <a:t>Device</a:t>
+              </a:r>
+            </a:p>
+            <a:p>
+              <a:pPr algn="ctr"/>
+              <a:r>
+                <a:rPr lang="en-US" dirty="0" smtClean="0"/>
+                <a:t>Configurations</a:t>
+              </a:r>
+              <a:endParaRPr lang="en-US" dirty="0"/>
+            </a:p>
+          </p:txBody>
+        </p:sp>
+      </p:grpSp>
+      <p:sp>
+        <p:nvSpPr>
+          <p:cNvPr id="37" name="Rectangle 36"/>
+          <p:cNvSpPr/>
+          <p:nvPr/>
+        </p:nvSpPr>
+        <p:spPr>
+          <a:xfrm>
+            <a:off x="3799723" y="1914136"/>
+            <a:ext cx="269757" cy="4189782"/>
+          </a:xfrm>
+          <a:prstGeom prst="rect">
+            <a:avLst/>
+          </a:prstGeom>
+          <a:solidFill>
+            <a:schemeClr val="bg2">
+              <a:lumMod val="75000"/>
+            </a:schemeClr>
+          </a:solidFill>
+          <a:ln>
+            <a:noFill/>
+          </a:ln>
+        </p:spPr>
+        <p:style>
+          <a:lnRef idx="2">
+            <a:schemeClr val="accent1">
+              <a:shade val="50000"/>
+            </a:schemeClr>
+          </a:lnRef>
+          <a:fillRef idx="1">
+            <a:schemeClr val="accent1"/>
+          </a:fillRef>
+          <a:effectRef idx="0">
+            <a:schemeClr val="accent1"/>
+          </a:effectRef>
+          <a:fontRef idx="minor">
+            <a:schemeClr val="lt1"/>
+          </a:fontRef>
+        </p:style>
+        <p:txBody>
+          <a:bodyPr rtlCol="0" anchor="ctr"/>
+          <a:lstStyle/>
+          <a:p>
+            <a:pPr algn="ctr"/>
+            <a:endParaRPr lang="en-US"/>
+          </a:p>
+        </p:txBody>
+      </p:sp>
+      <p:sp>
+        <p:nvSpPr>
+          <p:cNvPr id="38" name="Down Arrow 37"/>
+          <p:cNvSpPr/>
+          <p:nvPr/>
+        </p:nvSpPr>
+        <p:spPr>
+          <a:xfrm>
+            <a:off x="6221153" y="1863430"/>
+            <a:ext cx="450159" cy="455134"/>
+          </a:xfrm>
+          <a:prstGeom prst="downArrow">
+            <a:avLst>
+              <a:gd name="adj1" fmla="val 50000"/>
+              <a:gd name="adj2" fmla="val 50097"/>
+            </a:avLst>
+          </a:prstGeom>
+          <a:solidFill>
+            <a:schemeClr val="bg2">
+              <a:lumMod val="75000"/>
+            </a:schemeClr>
+          </a:solidFill>
+          <a:ln>
+            <a:noFill/>
+          </a:ln>
+        </p:spPr>
+        <p:style>
+          <a:lnRef idx="2">
+            <a:schemeClr val="accent1">
+              <a:shade val="50000"/>
+            </a:schemeClr>
+          </a:lnRef>
+          <a:fillRef idx="1">
+            <a:schemeClr val="accent1"/>
+          </a:fillRef>
+          <a:effectRef idx="0">
+            <a:schemeClr val="accent1"/>
+          </a:effectRef>
+          <a:fontRef idx="minor">
+            <a:schemeClr val="lt1"/>
+          </a:fontRef>
+        </p:style>
+        <p:txBody>
+          <a:bodyPr rtlCol="0" anchor="ctr"/>
+          <a:lstStyle/>
+          <a:p>
+            <a:pPr algn="ctr"/>
+            <a:endParaRPr lang="en-US"/>
+          </a:p>
+        </p:txBody>
+      </p:sp>
+      <p:sp>
+        <p:nvSpPr>
+          <p:cNvPr id="42" name="Left-Right Arrow 41"/>
+          <p:cNvSpPr/>
+          <p:nvPr/>
+        </p:nvSpPr>
+        <p:spPr>
+          <a:xfrm>
+            <a:off x="4769670" y="1070813"/>
+            <a:ext cx="761263" cy="508967"/>
+          </a:xfrm>
+          <a:prstGeom prst="leftRightArrow">
+            <a:avLst/>
+          </a:prstGeom>
+          <a:solidFill>
+            <a:schemeClr val="bg2">
+              <a:lumMod val="75000"/>
+            </a:schemeClr>
+          </a:solidFill>
+          <a:ln>
+            <a:noFill/>
+          </a:ln>
+        </p:spPr>
+        <p:style>
+          <a:lnRef idx="2">
+            <a:schemeClr val="accent1">
+              <a:shade val="50000"/>
+            </a:schemeClr>
+          </a:lnRef>
+          <a:fillRef idx="1">
+            <a:schemeClr val="accent1"/>
+          </a:fillRef>
+          <a:effectRef idx="0">
+            <a:schemeClr val="accent1"/>
+          </a:effectRef>
+          <a:fontRef idx="minor">
+            <a:schemeClr val="lt1"/>
+          </a:fontRef>
+        </p:style>
+        <p:txBody>
+          <a:bodyPr rtlCol="0" anchor="ctr"/>
+          <a:lstStyle/>
+          <a:p>
+            <a:pPr algn="ctr"/>
+            <a:endParaRPr lang="en-US"/>
+          </a:p>
+        </p:txBody>
+      </p:sp>
+      <p:sp>
+        <p:nvSpPr>
+          <p:cNvPr id="43" name="Down Arrow 42"/>
+          <p:cNvSpPr/>
+          <p:nvPr/>
+        </p:nvSpPr>
+        <p:spPr>
+          <a:xfrm>
+            <a:off x="6209738" y="3414558"/>
+            <a:ext cx="450159" cy="455134"/>
+          </a:xfrm>
+          <a:prstGeom prst="downArrow">
+            <a:avLst>
+              <a:gd name="adj1" fmla="val 50000"/>
+              <a:gd name="adj2" fmla="val 50097"/>
+            </a:avLst>
+          </a:prstGeom>
+          <a:solidFill>
+            <a:schemeClr val="bg2">
+              <a:lumMod val="75000"/>
+            </a:schemeClr>
+          </a:solidFill>
+          <a:ln>
+            <a:noFill/>
+          </a:ln>
+        </p:spPr>
+        <p:style>
+          <a:lnRef idx="2">
+            <a:schemeClr val="accent1">
+              <a:shade val="50000"/>
+            </a:schemeClr>
+          </a:lnRef>
+          <a:fillRef idx="1">
+            <a:schemeClr val="accent1"/>
+          </a:fillRef>
+          <a:effectRef idx="0">
+            <a:schemeClr val="accent1"/>
+          </a:effectRef>
+          <a:fontRef idx="minor">
+            <a:schemeClr val="lt1"/>
+          </a:fontRef>
+        </p:style>
+        <p:txBody>
+          <a:bodyPr rtlCol="0" anchor="ctr"/>
+          <a:lstStyle/>
+          <a:p>
+            <a:pPr algn="ctr"/>
+            <a:endParaRPr lang="en-US"/>
+          </a:p>
+        </p:txBody>
+      </p:sp>
+      <p:sp>
+        <p:nvSpPr>
+          <p:cNvPr id="44" name="Down Arrow 43"/>
+          <p:cNvSpPr/>
+          <p:nvPr/>
+        </p:nvSpPr>
+        <p:spPr>
+          <a:xfrm>
+            <a:off x="6209737" y="4956911"/>
+            <a:ext cx="450159" cy="455134"/>
+          </a:xfrm>
+          <a:prstGeom prst="downArrow">
+            <a:avLst>
+              <a:gd name="adj1" fmla="val 50000"/>
+              <a:gd name="adj2" fmla="val 50097"/>
+            </a:avLst>
+          </a:prstGeom>
+          <a:solidFill>
+            <a:schemeClr val="bg2">
+              <a:lumMod val="75000"/>
+            </a:schemeClr>
+          </a:solidFill>
+          <a:ln>
+            <a:noFill/>
+          </a:ln>
+        </p:spPr>
+        <p:style>
+          <a:lnRef idx="2">
+            <a:schemeClr val="accent1">
+              <a:shade val="50000"/>
+            </a:schemeClr>
+          </a:lnRef>
+          <a:fillRef idx="1">
+            <a:schemeClr val="accent1"/>
+          </a:fillRef>
+          <a:effectRef idx="0">
+            <a:schemeClr val="accent1"/>
+          </a:effectRef>
+          <a:fontRef idx="minor">
+            <a:schemeClr val="lt1"/>
+          </a:fontRef>
+        </p:style>
+        <p:txBody>
+          <a:bodyPr rtlCol="0" anchor="ctr"/>
+          <a:lstStyle/>
+          <a:p>
+            <a:pPr algn="ctr"/>
+            <a:endParaRPr lang="en-US"/>
+          </a:p>
+        </p:txBody>
+      </p:sp>
+      <p:sp>
+        <p:nvSpPr>
+          <p:cNvPr id="45" name="TextBox 44"/>
+          <p:cNvSpPr txBox="1"/>
+          <p:nvPr/>
+        </p:nvSpPr>
+        <p:spPr>
+          <a:xfrm>
+            <a:off x="4711552" y="1539118"/>
+            <a:ext cx="919291" cy="646331"/>
+          </a:xfrm>
+          <a:prstGeom prst="rect">
+            <a:avLst/>
+          </a:prstGeom>
+          <a:noFill/>
+        </p:spPr>
+        <p:txBody>
+          <a:bodyPr wrap="none" rtlCol="0">
+            <a:spAutoFit/>
+          </a:bodyPr>
+          <a:lstStyle/>
+          <a:p>
+            <a:pPr algn="ctr"/>
+            <a:r>
+              <a:rPr lang="en-US" b="1" dirty="0" smtClean="0">
+                <a:solidFill>
+                  <a:schemeClr val="tx1">
+                    <a:lumMod val="75000"/>
+                    <a:lumOff val="25000"/>
+                  </a:schemeClr>
+                </a:solidFill>
+              </a:rPr>
+              <a:t>Well </a:t>
+            </a:r>
+          </a:p>
+          <a:p>
+            <a:pPr algn="ctr"/>
+            <a:r>
+              <a:rPr lang="en-US" b="1" dirty="0" smtClean="0">
+                <a:solidFill>
+                  <a:schemeClr val="tx1">
+                    <a:lumMod val="75000"/>
+                    <a:lumOff val="25000"/>
+                  </a:schemeClr>
+                </a:solidFill>
+              </a:rPr>
+              <a:t>Formed</a:t>
+            </a:r>
+            <a:endParaRPr lang="en-US" b="1" dirty="0">
+              <a:solidFill>
+                <a:schemeClr val="tx1">
+                  <a:lumMod val="75000"/>
+                  <a:lumOff val="25000"/>
+                </a:schemeClr>
+              </a:solidFill>
+            </a:endParaRPr>
+          </a:p>
+        </p:txBody>
+      </p:sp>
+      <p:sp>
+        <p:nvSpPr>
+          <p:cNvPr id="46" name="TextBox 45"/>
+          <p:cNvSpPr txBox="1"/>
+          <p:nvPr/>
+        </p:nvSpPr>
+        <p:spPr>
+          <a:xfrm>
+            <a:off x="4425581" y="5042713"/>
+            <a:ext cx="1172500" cy="369332"/>
+          </a:xfrm>
+          <a:prstGeom prst="rect">
+            <a:avLst/>
+          </a:prstGeom>
+          <a:noFill/>
+        </p:spPr>
+        <p:txBody>
+          <a:bodyPr wrap="none" rtlCol="0">
+            <a:spAutoFit/>
+          </a:bodyPr>
+          <a:lstStyle/>
+          <a:p>
+            <a:pPr algn="ctr"/>
+            <a:r>
+              <a:rPr lang="en-US" b="1" dirty="0" smtClean="0">
+                <a:solidFill>
+                  <a:schemeClr val="tx1">
+                    <a:lumMod val="75000"/>
+                    <a:lumOff val="25000"/>
+                  </a:schemeClr>
+                </a:solidFill>
+              </a:rPr>
+              <a:t>Concretize</a:t>
+            </a:r>
+            <a:endParaRPr lang="en-US" b="1" dirty="0">
+              <a:solidFill>
+                <a:schemeClr val="tx1">
+                  <a:lumMod val="75000"/>
+                  <a:lumOff val="25000"/>
+                </a:schemeClr>
+              </a:solidFill>
+            </a:endParaRPr>
+          </a:p>
+        </p:txBody>
+      </p:sp>
+      <p:sp>
+        <p:nvSpPr>
+          <p:cNvPr id="47" name="TextBox 46"/>
+          <p:cNvSpPr txBox="1"/>
+          <p:nvPr/>
+        </p:nvSpPr>
+        <p:spPr>
+          <a:xfrm>
+            <a:off x="4425581" y="3242216"/>
+            <a:ext cx="1287981" cy="923330"/>
+          </a:xfrm>
+          <a:prstGeom prst="rect">
+            <a:avLst/>
+          </a:prstGeom>
+          <a:noFill/>
+        </p:spPr>
+        <p:txBody>
+          <a:bodyPr wrap="none" rtlCol="0">
+            <a:spAutoFit/>
+          </a:bodyPr>
+          <a:lstStyle/>
+          <a:p>
+            <a:pPr algn="ctr"/>
+            <a:r>
+              <a:rPr lang="en-US" b="1" dirty="0" smtClean="0">
+                <a:solidFill>
+                  <a:schemeClr val="tx1">
+                    <a:lumMod val="75000"/>
+                    <a:lumOff val="25000"/>
+                  </a:schemeClr>
+                </a:solidFill>
+              </a:rPr>
+              <a:t>Global to </a:t>
+            </a:r>
+          </a:p>
+          <a:p>
+            <a:pPr algn="ctr"/>
+            <a:r>
+              <a:rPr lang="en-US" b="1" dirty="0" smtClean="0">
+                <a:solidFill>
+                  <a:schemeClr val="tx1">
+                    <a:lumMod val="75000"/>
+                    <a:lumOff val="25000"/>
+                  </a:schemeClr>
+                </a:solidFill>
+              </a:rPr>
+              <a:t>Local policy</a:t>
+            </a:r>
+          </a:p>
+          <a:p>
+            <a:pPr algn="ctr"/>
+            <a:endParaRPr lang="en-US" b="1" dirty="0">
+              <a:solidFill>
+                <a:schemeClr val="tx1">
+                  <a:lumMod val="75000"/>
+                  <a:lumOff val="25000"/>
+                </a:schemeClr>
+              </a:solidFill>
+            </a:endParaRPr>
+          </a:p>
+        </p:txBody>
+      </p:sp>
+      <p:sp>
+        <p:nvSpPr>
+          <p:cNvPr id="48" name="TextBox 47"/>
+          <p:cNvSpPr txBox="1"/>
+          <p:nvPr/>
+        </p:nvSpPr>
+        <p:spPr>
+          <a:xfrm>
+            <a:off x="7074978" y="1763550"/>
+            <a:ext cx="963918" cy="646331"/>
+          </a:xfrm>
+          <a:prstGeom prst="rect">
+            <a:avLst/>
+          </a:prstGeom>
+          <a:noFill/>
+        </p:spPr>
+        <p:txBody>
+          <a:bodyPr wrap="none" rtlCol="0">
+            <a:spAutoFit/>
+          </a:bodyPr>
+          <a:lstStyle/>
+          <a:p>
+            <a:pPr algn="ctr"/>
+            <a:r>
+              <a:rPr lang="en-US" b="1" dirty="0" smtClean="0">
+                <a:solidFill>
+                  <a:schemeClr val="tx1">
+                    <a:lumMod val="75000"/>
+                    <a:lumOff val="25000"/>
+                  </a:schemeClr>
+                </a:solidFill>
+              </a:rPr>
+              <a:t>Joint </a:t>
+            </a:r>
+          </a:p>
+          <a:p>
+            <a:pPr algn="ctr"/>
+            <a:r>
+              <a:rPr lang="en-US" b="1" dirty="0" smtClean="0">
+                <a:solidFill>
+                  <a:schemeClr val="tx1">
+                    <a:lumMod val="75000"/>
+                    <a:lumOff val="25000"/>
+                  </a:schemeClr>
+                </a:solidFill>
+              </a:rPr>
+              <a:t>Analysis</a:t>
+            </a:r>
+            <a:endParaRPr lang="en-US" b="1" dirty="0">
+              <a:solidFill>
+                <a:schemeClr val="tx1">
+                  <a:lumMod val="75000"/>
+                  <a:lumOff val="25000"/>
+                </a:schemeClr>
+              </a:solidFill>
+            </a:endParaRPr>
+          </a:p>
+        </p:txBody>
+      </p:sp>
+      <p:sp>
+        <p:nvSpPr>
+          <p:cNvPr id="49" name="Left Arrow 48"/>
+          <p:cNvSpPr/>
+          <p:nvPr/>
+        </p:nvSpPr>
+        <p:spPr>
+          <a:xfrm>
+            <a:off x="7272417" y="2681785"/>
+            <a:ext cx="506807" cy="432180"/>
+          </a:xfrm>
+          <a:prstGeom prst="leftArrow">
+            <a:avLst/>
+          </a:prstGeom>
+          <a:solidFill>
+            <a:schemeClr val="bg2">
+              <a:lumMod val="75000"/>
+            </a:schemeClr>
+          </a:solidFill>
+          <a:ln>
+            <a:noFill/>
+          </a:ln>
+        </p:spPr>
+        <p:style>
+          <a:lnRef idx="2">
+            <a:schemeClr val="accent1">
+              <a:shade val="50000"/>
+            </a:schemeClr>
+          </a:lnRef>
+          <a:fillRef idx="1">
+            <a:schemeClr val="accent1"/>
+          </a:fillRef>
+          <a:effectRef idx="0">
+            <a:schemeClr val="accent1"/>
+          </a:effectRef>
+          <a:fontRef idx="minor">
+            <a:schemeClr val="lt1"/>
+          </a:fontRef>
+        </p:style>
+        <p:txBody>
+          <a:bodyPr rtlCol="0" anchor="ctr"/>
+          <a:lstStyle/>
+          <a:p>
+            <a:pPr algn="ctr"/>
+            <a:endParaRPr lang="en-US"/>
+          </a:p>
+        </p:txBody>
+      </p:sp>
+    </p:spTree>
+    <p:extLst>
+      <p:ext uri="{BB962C8B-B14F-4D97-AF65-F5344CB8AC3E}">
+        <p14:creationId xmlns:p14="http://schemas.microsoft.com/office/powerpoint/2010/main" val="273631745"/>
       </p:ext>
     </p:extLst>
   </p:cSld>

--- a/paper/abstraction/figures/examples.pptx
+++ b/paper/abstraction/figures/examples.pptx
@@ -5,7 +5,7 @@
     <p:sldMasterId id="2147483648" r:id="rId1"/>
   </p:sldMasterIdLst>
   <p:notesMasterIdLst>
-    <p:notesMasterId r:id="rId17"/>
+    <p:notesMasterId r:id="rId16"/>
   </p:notesMasterIdLst>
   <p:sldIdLst>
     <p:sldId id="412" r:id="rId2"/>
@@ -21,8 +21,7 @@
     <p:sldId id="423" r:id="rId12"/>
     <p:sldId id="424" r:id="rId13"/>
     <p:sldId id="426" r:id="rId14"/>
-    <p:sldId id="429" r:id="rId15"/>
-    <p:sldId id="428" r:id="rId16"/>
+    <p:sldId id="428" r:id="rId15"/>
   </p:sldIdLst>
   <p:sldSz cx="12192000" cy="6858000"/>
   <p:notesSz cx="6858000" cy="9144000"/>
@@ -15270,8 +15269,8 @@
             <a:chExt cx="841256" cy="1578019"/>
           </a:xfrm>
         </p:grpSpPr>
-        <mc:AlternateContent xmlns:mc="http://schemas.openxmlformats.org/markup-compatibility/2006">
-          <mc:Choice xmlns:a14="http://schemas.microsoft.com/office/drawing/2010/main" Requires="a14">
+        <mc:AlternateContent xmlns:mc="http://schemas.openxmlformats.org/markup-compatibility/2006" xmlns:a14="http://schemas.microsoft.com/office/drawing/2010/main">
+          <mc:Choice Requires="a14">
             <p:sp>
               <p:nvSpPr>
                 <p:cNvPr id="51" name="TextBox 50"/>
@@ -15327,7 +15326,7 @@
               </p:txBody>
             </p:sp>
           </mc:Choice>
-          <mc:Fallback>
+          <mc:Fallback xmlns="">
             <p:sp>
               <p:nvSpPr>
                 <p:cNvPr id="51" name="TextBox 50"/>
@@ -15366,8 +15365,8 @@
             </p:sp>
           </mc:Fallback>
         </mc:AlternateContent>
-        <mc:AlternateContent xmlns:mc="http://schemas.openxmlformats.org/markup-compatibility/2006">
-          <mc:Choice xmlns:a14="http://schemas.microsoft.com/office/drawing/2010/main" Requires="a14">
+        <mc:AlternateContent xmlns:mc="http://schemas.openxmlformats.org/markup-compatibility/2006" xmlns:a14="http://schemas.microsoft.com/office/drawing/2010/main">
+          <mc:Choice Requires="a14">
             <p:sp>
               <p:nvSpPr>
                 <p:cNvPr id="52" name="TextBox 51"/>
@@ -15423,7 +15422,7 @@
               </p:txBody>
             </p:sp>
           </mc:Choice>
-          <mc:Fallback>
+          <mc:Fallback xmlns="">
             <p:sp>
               <p:nvSpPr>
                 <p:cNvPr id="52" name="TextBox 51"/>
@@ -15462,8 +15461,8 @@
             </p:sp>
           </mc:Fallback>
         </mc:AlternateContent>
-        <mc:AlternateContent xmlns:mc="http://schemas.openxmlformats.org/markup-compatibility/2006">
-          <mc:Choice xmlns:a14="http://schemas.microsoft.com/office/drawing/2010/main" Requires="a14">
+        <mc:AlternateContent xmlns:mc="http://schemas.openxmlformats.org/markup-compatibility/2006" xmlns:a14="http://schemas.microsoft.com/office/drawing/2010/main">
+          <mc:Choice Requires="a14">
             <p:sp>
               <p:nvSpPr>
                 <p:cNvPr id="53" name="TextBox 52"/>
@@ -15513,7 +15512,7 @@
               </p:txBody>
             </p:sp>
           </mc:Choice>
-          <mc:Fallback>
+          <mc:Fallback xmlns="">
             <p:sp>
               <p:nvSpPr>
                 <p:cNvPr id="53" name="TextBox 52"/>
@@ -15552,8 +15551,8 @@
             </p:sp>
           </mc:Fallback>
         </mc:AlternateContent>
-        <mc:AlternateContent xmlns:mc="http://schemas.openxmlformats.org/markup-compatibility/2006">
-          <mc:Choice xmlns:a14="http://schemas.microsoft.com/office/drawing/2010/main" Requires="a14">
+        <mc:AlternateContent xmlns:mc="http://schemas.openxmlformats.org/markup-compatibility/2006" xmlns:a14="http://schemas.microsoft.com/office/drawing/2010/main">
+          <mc:Choice Requires="a14">
             <p:sp>
               <p:nvSpPr>
                 <p:cNvPr id="54" name="TextBox 53"/>
@@ -15603,7 +15602,7 @@
               </p:txBody>
             </p:sp>
           </mc:Choice>
-          <mc:Fallback>
+          <mc:Fallback xmlns="">
             <p:sp>
               <p:nvSpPr>
                 <p:cNvPr id="54" name="TextBox 53"/>
@@ -15642,8 +15641,8 @@
             </p:sp>
           </mc:Fallback>
         </mc:AlternateContent>
-        <mc:AlternateContent xmlns:mc="http://schemas.openxmlformats.org/markup-compatibility/2006">
-          <mc:Choice xmlns:a14="http://schemas.microsoft.com/office/drawing/2010/main" Requires="a14">
+        <mc:AlternateContent xmlns:mc="http://schemas.openxmlformats.org/markup-compatibility/2006" xmlns:a14="http://schemas.microsoft.com/office/drawing/2010/main">
+          <mc:Choice Requires="a14">
             <p:sp>
               <p:nvSpPr>
                 <p:cNvPr id="55" name="TextBox 54"/>
@@ -15693,7 +15692,7 @@
               </p:txBody>
             </p:sp>
           </mc:Choice>
-          <mc:Fallback>
+          <mc:Fallback xmlns="">
             <p:sp>
               <p:nvSpPr>
                 <p:cNvPr id="55" name="TextBox 54"/>
@@ -15743,7 +15742,7 @@
             </p:nvSpPr>
             <p:spPr>
               <a:xfrm>
-                <a:off x="1709847" y="-272962"/>
+                <a:off x="1765969" y="-259582"/>
                 <a:ext cx="773866" cy="307777"/>
               </a:xfrm>
               <a:prstGeom prst="rect">
@@ -15814,7 +15813,7 @@
             </p:nvSpPr>
             <p:spPr>
               <a:xfrm>
-                <a:off x="1709847" y="-272962"/>
+                <a:off x="1765969" y="-259582"/>
                 <a:ext cx="773866" cy="307777"/>
               </a:xfrm>
               <a:prstGeom prst="rect">
@@ -15852,7 +15851,7 @@
             </p:nvSpPr>
             <p:spPr>
               <a:xfrm>
-                <a:off x="1707186" y="151378"/>
+                <a:off x="1759696" y="165306"/>
                 <a:ext cx="779829" cy="307777"/>
               </a:xfrm>
               <a:prstGeom prst="rect">
@@ -15923,7 +15922,7 @@
             </p:nvSpPr>
             <p:spPr>
               <a:xfrm>
-                <a:off x="1707186" y="151378"/>
+                <a:off x="1759696" y="165306"/>
                 <a:ext cx="779829" cy="307777"/>
               </a:xfrm>
               <a:prstGeom prst="rect">
@@ -15932,7 +15931,7 @@
               <a:blipFill rotWithShape="0">
                 <a:blip r:embed="rId11"/>
                 <a:stretch>
-                  <a:fillRect l="-7813" r="-7031" b="-16000"/>
+                  <a:fillRect l="-7813" r="-7031" b="-15686"/>
                 </a:stretch>
               </a:blipFill>
             </p:spPr>
@@ -15961,7 +15960,7 @@
             </p:nvSpPr>
             <p:spPr>
               <a:xfrm>
-                <a:off x="1707186" y="-644788"/>
+                <a:off x="1759696" y="-655072"/>
                 <a:ext cx="676724" cy="307777"/>
               </a:xfrm>
               <a:prstGeom prst="rect">
@@ -16013,7 +16012,7 @@
             </p:nvSpPr>
             <p:spPr>
               <a:xfrm>
-                <a:off x="1707186" y="-644788"/>
+                <a:off x="1759696" y="-655072"/>
                 <a:ext cx="676724" cy="307777"/>
               </a:xfrm>
               <a:prstGeom prst="rect">
@@ -16022,7 +16021,7 @@
               <a:blipFill rotWithShape="0">
                 <a:blip r:embed="rId12"/>
                 <a:stretch>
-                  <a:fillRect l="-8108" r="-9009" b="-5882"/>
+                  <a:fillRect l="-9009" r="-8108" b="-6000"/>
                 </a:stretch>
               </a:blipFill>
             </p:spPr>
@@ -16075,7 +16074,7 @@
         </p:nvSpPr>
         <p:spPr>
           <a:xfrm>
-            <a:off x="2781844" y="3377263"/>
+            <a:off x="3203879" y="3377263"/>
             <a:ext cx="504684" cy="326113"/>
           </a:xfrm>
           <a:prstGeom prst="rect">
@@ -16650,13 +16649,16 @@
       <p:cxnSp>
         <p:nvCxnSpPr>
           <p:cNvPr id="78" name="Straight Connector 77"/>
-          <p:cNvCxnSpPr/>
+          <p:cNvCxnSpPr>
+            <a:stCxn id="56" idx="2"/>
+            <a:endCxn id="59" idx="0"/>
+          </p:cNvCxnSpPr>
           <p:nvPr/>
         </p:nvCxnSpPr>
         <p:spPr>
           <a:xfrm flipH="1">
             <a:off x="2069137" y="3703376"/>
-            <a:ext cx="965049" cy="2245092"/>
+            <a:ext cx="1387084" cy="2245092"/>
           </a:xfrm>
           <a:prstGeom prst="line">
             <a:avLst/>
@@ -16693,7 +16695,7 @@
             <p:spPr>
               <a:xfrm>
                 <a:off x="1749747" y="4926144"/>
-                <a:ext cx="683777" cy="307777"/>
+                <a:ext cx="820866" cy="307777"/>
               </a:xfrm>
               <a:prstGeom prst="rect">
                 <a:avLst/>
@@ -16717,13 +16719,13 @@
                         <a:rPr lang="en-US" sz="2000" b="0" i="1" smtClean="0">
                           <a:latin typeface="Cambria Math" charset="0"/>
                         </a:rPr>
-                        <m:t>𝑘</m:t>
+                        <m:t>𝑙𝑒𝑣𝑒𝑙</m:t>
                       </m:r>
                       <m:r>
                         <a:rPr lang="en-US" sz="2000" b="0" i="1" smtClean="0">
                           <a:latin typeface="Cambria Math" charset="0"/>
                         </a:rPr>
-                        <m:t>=0</m:t>
+                        <m:t> 0</m:t>
                       </m:r>
                     </m:oMath>
                   </m:oMathPara>
@@ -16745,7 +16747,7 @@
             <p:spPr>
               <a:xfrm>
                 <a:off x="1749747" y="4926144"/>
-                <a:ext cx="683777" cy="307777"/>
+                <a:ext cx="820866" cy="307777"/>
               </a:xfrm>
               <a:prstGeom prst="rect">
                 <a:avLst/>
@@ -16753,7 +16755,7 @@
               <a:blipFill rotWithShape="0">
                 <a:blip r:embed="rId13"/>
                 <a:stretch>
-                  <a:fillRect l="-8929" r="-8929" b="-9804"/>
+                  <a:fillRect l="-7407" t="-143137" r="-6667" b="-174510"/>
                 </a:stretch>
               </a:blipFill>
             </p:spPr>
@@ -16782,8 +16784,8 @@
             </p:nvSpPr>
             <p:spPr>
               <a:xfrm>
-                <a:off x="1936401" y="3406285"/>
-                <a:ext cx="683777" cy="307777"/>
+                <a:off x="1763892" y="3375139"/>
+                <a:ext cx="820866" cy="307777"/>
               </a:xfrm>
               <a:prstGeom prst="rect">
                 <a:avLst/>
@@ -16807,13 +16809,13 @@
                         <a:rPr lang="en-US" sz="2000" b="0" i="1" smtClean="0">
                           <a:latin typeface="Cambria Math" charset="0"/>
                         </a:rPr>
-                        <m:t>𝑘</m:t>
+                        <m:t>𝑙𝑒𝑣𝑒𝑙</m:t>
                       </m:r>
                       <m:r>
                         <a:rPr lang="en-US" sz="2000" b="0" i="1" smtClean="0">
                           <a:latin typeface="Cambria Math" charset="0"/>
                         </a:rPr>
-                        <m:t>=1</m:t>
+                        <m:t> 1</m:t>
                       </m:r>
                     </m:oMath>
                   </m:oMathPara>
@@ -16834,8 +16836,8 @@
             </p:nvSpPr>
             <p:spPr>
               <a:xfrm>
-                <a:off x="1936401" y="3406285"/>
-                <a:ext cx="683777" cy="307777"/>
+                <a:off x="1763892" y="3375139"/>
+                <a:ext cx="820866" cy="307777"/>
               </a:xfrm>
               <a:prstGeom prst="rect">
                 <a:avLst/>
@@ -16843,7 +16845,7 @@
               <a:blipFill rotWithShape="0">
                 <a:blip r:embed="rId14"/>
                 <a:stretch>
-                  <a:fillRect l="-9821" r="-8036" b="-10000"/>
+                  <a:fillRect l="-7407" t="-146000" r="-6667" b="-180000"/>
                 </a:stretch>
               </a:blipFill>
             </p:spPr>
@@ -16930,8 +16932,8 @@
             <a:chExt cx="944883" cy="1253267"/>
           </a:xfrm>
         </p:grpSpPr>
-        <mc:AlternateContent xmlns:mc="http://schemas.openxmlformats.org/markup-compatibility/2006">
-          <mc:Choice xmlns:a14="http://schemas.microsoft.com/office/drawing/2010/main" Requires="a14">
+        <mc:AlternateContent xmlns:mc="http://schemas.openxmlformats.org/markup-compatibility/2006" xmlns:a14="http://schemas.microsoft.com/office/drawing/2010/main">
+          <mc:Choice Requires="a14">
             <p:sp>
               <p:nvSpPr>
                 <p:cNvPr id="85" name="TextBox 84"/>
@@ -17006,7 +17008,7 @@
               </p:txBody>
             </p:sp>
           </mc:Choice>
-          <mc:Fallback>
+          <mc:Fallback xmlns="">
             <p:sp>
               <p:nvSpPr>
                 <p:cNvPr id="85" name="TextBox 84"/>
@@ -17045,8 +17047,8 @@
             </p:sp>
           </mc:Fallback>
         </mc:AlternateContent>
-        <mc:AlternateContent xmlns:mc="http://schemas.openxmlformats.org/markup-compatibility/2006">
-          <mc:Choice xmlns:a14="http://schemas.microsoft.com/office/drawing/2010/main" Requires="a14">
+        <mc:AlternateContent xmlns:mc="http://schemas.openxmlformats.org/markup-compatibility/2006" xmlns:a14="http://schemas.microsoft.com/office/drawing/2010/main">
+          <mc:Choice Requires="a14">
             <p:sp>
               <p:nvSpPr>
                 <p:cNvPr id="88" name="TextBox 87"/>
@@ -17102,7 +17104,7 @@
               </p:txBody>
             </p:sp>
           </mc:Choice>
-          <mc:Fallback>
+          <mc:Fallback xmlns="">
             <p:sp>
               <p:nvSpPr>
                 <p:cNvPr id="88" name="TextBox 87"/>
@@ -17141,8 +17143,8 @@
             </p:sp>
           </mc:Fallback>
         </mc:AlternateContent>
-        <mc:AlternateContent xmlns:mc="http://schemas.openxmlformats.org/markup-compatibility/2006">
-          <mc:Choice xmlns:a14="http://schemas.microsoft.com/office/drawing/2010/main" Requires="a14">
+        <mc:AlternateContent xmlns:mc="http://schemas.openxmlformats.org/markup-compatibility/2006" xmlns:a14="http://schemas.microsoft.com/office/drawing/2010/main">
+          <mc:Choice Requires="a14">
             <p:sp>
               <p:nvSpPr>
                 <p:cNvPr id="89" name="TextBox 88"/>
@@ -17192,7 +17194,7 @@
               </p:txBody>
             </p:sp>
           </mc:Choice>
-          <mc:Fallback>
+          <mc:Fallback xmlns="">
             <p:sp>
               <p:nvSpPr>
                 <p:cNvPr id="89" name="TextBox 88"/>
@@ -17231,8 +17233,8 @@
             </p:sp>
           </mc:Fallback>
         </mc:AlternateContent>
-        <mc:AlternateContent xmlns:mc="http://schemas.openxmlformats.org/markup-compatibility/2006">
-          <mc:Choice xmlns:a14="http://schemas.microsoft.com/office/drawing/2010/main" Requires="a14">
+        <mc:AlternateContent xmlns:mc="http://schemas.openxmlformats.org/markup-compatibility/2006" xmlns:a14="http://schemas.microsoft.com/office/drawing/2010/main">
+          <mc:Choice Requires="a14">
             <p:sp>
               <p:nvSpPr>
                 <p:cNvPr id="91" name="TextBox 90"/>
@@ -17282,7 +17284,7 @@
               </p:txBody>
             </p:sp>
           </mc:Choice>
-          <mc:Fallback>
+          <mc:Fallback xmlns="">
             <p:sp>
               <p:nvSpPr>
                 <p:cNvPr id="91" name="TextBox 90"/>
@@ -18669,13 +18671,16 @@
       <p:cxnSp>
         <p:nvCxnSpPr>
           <p:cNvPr id="138" name="Straight Connector 137"/>
-          <p:cNvCxnSpPr/>
+          <p:cNvCxnSpPr>
+            <a:stCxn id="56" idx="2"/>
+            <a:endCxn id="122" idx="0"/>
+          </p:cNvCxnSpPr>
           <p:nvPr/>
         </p:nvCxnSpPr>
         <p:spPr>
           <a:xfrm>
-            <a:off x="3034186" y="3703376"/>
-            <a:ext cx="1416535" cy="2249982"/>
+            <a:off x="3456221" y="3703376"/>
+            <a:ext cx="994500" cy="2249982"/>
           </a:xfrm>
           <a:prstGeom prst="line">
             <a:avLst/>
@@ -18809,8 +18814,8 @@
         </p:nvCxnSpPr>
         <p:spPr>
           <a:xfrm>
-            <a:off x="3034186" y="3703376"/>
-            <a:ext cx="3933020" cy="1650917"/>
+            <a:off x="3456221" y="3703376"/>
+            <a:ext cx="3510985" cy="1650917"/>
           </a:xfrm>
           <a:prstGeom prst="line">
             <a:avLst/>
@@ -19209,2683 +19214,6 @@
 </file>
 
 <file path=ppt/slides/slide14.xml><?xml version="1.0" encoding="utf-8"?>
-<p:sld xmlns:a="http://schemas.openxmlformats.org/drawingml/2006/main" xmlns:r="http://schemas.openxmlformats.org/officeDocument/2006/relationships" xmlns:p="http://schemas.openxmlformats.org/presentationml/2006/main">
-  <p:cSld>
-    <p:spTree>
-      <p:nvGrpSpPr>
-        <p:cNvPr id="1" name=""/>
-        <p:cNvGrpSpPr/>
-        <p:nvPr/>
-      </p:nvGrpSpPr>
-      <p:grpSpPr>
-        <a:xfrm>
-          <a:off x="0" y="0"/>
-          <a:ext cx="0" cy="0"/>
-          <a:chOff x="0" y="0"/>
-          <a:chExt cx="0" cy="0"/>
-        </a:xfrm>
-      </p:grpSpPr>
-      <p:sp>
-        <p:nvSpPr>
-          <p:cNvPr id="32" name="Rectangle 31"/>
-          <p:cNvSpPr/>
-          <p:nvPr/>
-        </p:nvSpPr>
-        <p:spPr>
-          <a:xfrm>
-            <a:off x="4621005" y="3496963"/>
-            <a:ext cx="2060931" cy="1465330"/>
-          </a:xfrm>
-          <a:prstGeom prst="rect">
-            <a:avLst/>
-          </a:prstGeom>
-          <a:noFill/>
-          <a:ln>
-            <a:solidFill>
-              <a:schemeClr val="tx1"/>
-            </a:solidFill>
-            <a:prstDash val="dashDot"/>
-          </a:ln>
-        </p:spPr>
-        <p:style>
-          <a:lnRef idx="2">
-            <a:schemeClr val="accent1">
-              <a:shade val="50000"/>
-            </a:schemeClr>
-          </a:lnRef>
-          <a:fillRef idx="1">
-            <a:schemeClr val="accent1"/>
-          </a:fillRef>
-          <a:effectRef idx="0">
-            <a:schemeClr val="accent1"/>
-          </a:effectRef>
-          <a:fontRef idx="minor">
-            <a:schemeClr val="lt1"/>
-          </a:fontRef>
-        </p:style>
-        <p:txBody>
-          <a:bodyPr rtlCol="0" anchor="ctr"/>
-          <a:lstStyle/>
-          <a:p>
-            <a:pPr algn="ctr"/>
-            <a:endParaRPr lang="en-US" sz="1600"/>
-          </a:p>
-        </p:txBody>
-      </p:sp>
-      <p:sp>
-        <p:nvSpPr>
-          <p:cNvPr id="60" name="Rectangle 59"/>
-          <p:cNvSpPr/>
-          <p:nvPr/>
-        </p:nvSpPr>
-        <p:spPr>
-          <a:xfrm>
-            <a:off x="7101759" y="3059264"/>
-            <a:ext cx="2091916" cy="1903029"/>
-          </a:xfrm>
-          <a:prstGeom prst="rect">
-            <a:avLst/>
-          </a:prstGeom>
-          <a:noFill/>
-          <a:ln>
-            <a:solidFill>
-              <a:schemeClr val="tx1"/>
-            </a:solidFill>
-            <a:prstDash val="dashDot"/>
-          </a:ln>
-        </p:spPr>
-        <p:style>
-          <a:lnRef idx="2">
-            <a:schemeClr val="accent1">
-              <a:shade val="50000"/>
-            </a:schemeClr>
-          </a:lnRef>
-          <a:fillRef idx="1">
-            <a:schemeClr val="accent1"/>
-          </a:fillRef>
-          <a:effectRef idx="0">
-            <a:schemeClr val="accent1"/>
-          </a:effectRef>
-          <a:fontRef idx="minor">
-            <a:schemeClr val="lt1"/>
-          </a:fontRef>
-        </p:style>
-        <p:txBody>
-          <a:bodyPr rtlCol="0" anchor="ctr"/>
-          <a:lstStyle/>
-          <a:p>
-            <a:pPr algn="ctr"/>
-            <a:endParaRPr lang="en-US" sz="1600"/>
-          </a:p>
-        </p:txBody>
-      </p:sp>
-      <p:cxnSp>
-        <p:nvCxnSpPr>
-          <p:cNvPr id="71" name="Straight Connector 70"/>
-          <p:cNvCxnSpPr>
-            <a:stCxn id="117" idx="2"/>
-            <a:endCxn id="5" idx="0"/>
-          </p:cNvCxnSpPr>
-          <p:nvPr/>
-        </p:nvCxnSpPr>
-        <p:spPr>
-          <a:xfrm flipH="1">
-            <a:off x="2980603" y="2967954"/>
-            <a:ext cx="644456" cy="665079"/>
-          </a:xfrm>
-          <a:prstGeom prst="line">
-            <a:avLst/>
-          </a:prstGeom>
-          <a:ln w="19050">
-            <a:solidFill>
-              <a:schemeClr val="tx1"/>
-            </a:solidFill>
-          </a:ln>
-        </p:spPr>
-        <p:style>
-          <a:lnRef idx="1">
-            <a:schemeClr val="accent1"/>
-          </a:lnRef>
-          <a:fillRef idx="0">
-            <a:schemeClr val="accent1"/>
-          </a:fillRef>
-          <a:effectRef idx="0">
-            <a:schemeClr val="accent1"/>
-          </a:effectRef>
-          <a:fontRef idx="minor">
-            <a:schemeClr val="tx1"/>
-          </a:fontRef>
-        </p:style>
-      </p:cxnSp>
-      <p:grpSp>
-        <p:nvGrpSpPr>
-          <p:cNvPr id="106" name="Group 105"/>
-          <p:cNvGrpSpPr/>
-          <p:nvPr/>
-        </p:nvGrpSpPr>
-        <p:grpSpPr>
-          <a:xfrm>
-            <a:off x="2056096" y="3633033"/>
-            <a:ext cx="1764153" cy="1164616"/>
-            <a:chOff x="1333831" y="3288757"/>
-            <a:chExt cx="1764153" cy="1164616"/>
-          </a:xfrm>
-        </p:grpSpPr>
-        <p:sp>
-          <p:nvSpPr>
-            <p:cNvPr id="5" name="Rectangle 4"/>
-            <p:cNvSpPr/>
-            <p:nvPr/>
-          </p:nvSpPr>
-          <p:spPr>
-            <a:xfrm>
-              <a:off x="2005996" y="3288757"/>
-              <a:ext cx="504684" cy="326113"/>
-            </a:xfrm>
-            <a:prstGeom prst="rect">
-              <a:avLst/>
-            </a:prstGeom>
-            <a:solidFill>
-              <a:schemeClr val="bg2">
-                <a:lumMod val="90000"/>
-              </a:schemeClr>
-            </a:solidFill>
-            <a:ln>
-              <a:solidFill>
-                <a:schemeClr val="tx1"/>
-              </a:solidFill>
-            </a:ln>
-          </p:spPr>
-          <p:style>
-            <a:lnRef idx="2">
-              <a:schemeClr val="accent1">
-                <a:shade val="50000"/>
-              </a:schemeClr>
-            </a:lnRef>
-            <a:fillRef idx="1">
-              <a:schemeClr val="accent1"/>
-            </a:fillRef>
-            <a:effectRef idx="0">
-              <a:schemeClr val="accent1"/>
-            </a:effectRef>
-            <a:fontRef idx="minor">
-              <a:schemeClr val="lt1"/>
-            </a:fontRef>
-          </p:style>
-          <p:txBody>
-            <a:bodyPr rtlCol="0" anchor="ctr"/>
-            <a:lstStyle/>
-            <a:p>
-              <a:pPr algn="ctr"/>
-              <a:endParaRPr lang="en-US" sz="2000" dirty="0">
-                <a:solidFill>
-                  <a:schemeClr val="tx1"/>
-                </a:solidFill>
-              </a:endParaRPr>
-            </a:p>
-          </p:txBody>
-        </p:sp>
-        <p:cxnSp>
-          <p:nvCxnSpPr>
-            <p:cNvPr id="70" name="Straight Connector 69"/>
-            <p:cNvCxnSpPr>
-              <a:stCxn id="5" idx="2"/>
-              <a:endCxn id="86" idx="0"/>
-            </p:cNvCxnSpPr>
-            <p:nvPr/>
-          </p:nvCxnSpPr>
-          <p:spPr>
-            <a:xfrm flipH="1">
-              <a:off x="1586173" y="3614870"/>
-              <a:ext cx="672165" cy="512389"/>
-            </a:xfrm>
-            <a:prstGeom prst="line">
-              <a:avLst/>
-            </a:prstGeom>
-            <a:ln w="19050">
-              <a:solidFill>
-                <a:schemeClr val="tx1"/>
-              </a:solidFill>
-            </a:ln>
-          </p:spPr>
-          <p:style>
-            <a:lnRef idx="1">
-              <a:schemeClr val="accent1"/>
-            </a:lnRef>
-            <a:fillRef idx="0">
-              <a:schemeClr val="accent1"/>
-            </a:fillRef>
-            <a:effectRef idx="0">
-              <a:schemeClr val="accent1"/>
-            </a:effectRef>
-            <a:fontRef idx="minor">
-              <a:schemeClr val="tx1"/>
-            </a:fontRef>
-          </p:style>
-        </p:cxnSp>
-        <p:sp>
-          <p:nvSpPr>
-            <p:cNvPr id="86" name="Rectangle 85"/>
-            <p:cNvSpPr/>
-            <p:nvPr/>
-          </p:nvSpPr>
-          <p:spPr>
-            <a:xfrm>
-              <a:off x="1333831" y="4127259"/>
-              <a:ext cx="504684" cy="326113"/>
-            </a:xfrm>
-            <a:prstGeom prst="rect">
-              <a:avLst/>
-            </a:prstGeom>
-            <a:solidFill>
-              <a:schemeClr val="bg2">
-                <a:lumMod val="90000"/>
-              </a:schemeClr>
-            </a:solidFill>
-            <a:ln>
-              <a:solidFill>
-                <a:schemeClr val="tx1"/>
-              </a:solidFill>
-            </a:ln>
-          </p:spPr>
-          <p:style>
-            <a:lnRef idx="2">
-              <a:schemeClr val="accent1">
-                <a:shade val="50000"/>
-              </a:schemeClr>
-            </a:lnRef>
-            <a:fillRef idx="1">
-              <a:schemeClr val="accent1"/>
-            </a:fillRef>
-            <a:effectRef idx="0">
-              <a:schemeClr val="accent1"/>
-            </a:effectRef>
-            <a:fontRef idx="minor">
-              <a:schemeClr val="lt1"/>
-            </a:fontRef>
-          </p:style>
-          <p:txBody>
-            <a:bodyPr rtlCol="0" anchor="ctr"/>
-            <a:lstStyle/>
-            <a:p>
-              <a:pPr algn="ctr"/>
-              <a:endParaRPr lang="en-US" sz="2000" dirty="0">
-                <a:solidFill>
-                  <a:schemeClr val="tx1"/>
-                </a:solidFill>
-              </a:endParaRPr>
-            </a:p>
-          </p:txBody>
-        </p:sp>
-        <p:sp>
-          <p:nvSpPr>
-            <p:cNvPr id="87" name="Rectangle 86"/>
-            <p:cNvSpPr/>
-            <p:nvPr/>
-          </p:nvSpPr>
-          <p:spPr>
-            <a:xfrm>
-              <a:off x="2593300" y="4127260"/>
-              <a:ext cx="504684" cy="326113"/>
-            </a:xfrm>
-            <a:prstGeom prst="rect">
-              <a:avLst/>
-            </a:prstGeom>
-            <a:solidFill>
-              <a:schemeClr val="bg2">
-                <a:lumMod val="90000"/>
-              </a:schemeClr>
-            </a:solidFill>
-            <a:ln>
-              <a:solidFill>
-                <a:schemeClr val="tx1"/>
-              </a:solidFill>
-            </a:ln>
-          </p:spPr>
-          <p:style>
-            <a:lnRef idx="2">
-              <a:schemeClr val="accent1">
-                <a:shade val="50000"/>
-              </a:schemeClr>
-            </a:lnRef>
-            <a:fillRef idx="1">
-              <a:schemeClr val="accent1"/>
-            </a:fillRef>
-            <a:effectRef idx="0">
-              <a:schemeClr val="accent1"/>
-            </a:effectRef>
-            <a:fontRef idx="minor">
-              <a:schemeClr val="lt1"/>
-            </a:fontRef>
-          </p:style>
-          <p:txBody>
-            <a:bodyPr rtlCol="0" anchor="ctr"/>
-            <a:lstStyle/>
-            <a:p>
-              <a:pPr algn="ctr"/>
-              <a:endParaRPr lang="en-US" sz="2000" dirty="0">
-                <a:solidFill>
-                  <a:schemeClr val="tx1"/>
-                </a:solidFill>
-              </a:endParaRPr>
-            </a:p>
-          </p:txBody>
-        </p:sp>
-        <p:cxnSp>
-          <p:nvCxnSpPr>
-            <p:cNvPr id="90" name="Straight Connector 89"/>
-            <p:cNvCxnSpPr>
-              <a:stCxn id="5" idx="2"/>
-              <a:endCxn id="87" idx="0"/>
-            </p:cNvCxnSpPr>
-            <p:nvPr/>
-          </p:nvCxnSpPr>
-          <p:spPr>
-            <a:xfrm>
-              <a:off x="2258338" y="3614870"/>
-              <a:ext cx="587304" cy="512390"/>
-            </a:xfrm>
-            <a:prstGeom prst="line">
-              <a:avLst/>
-            </a:prstGeom>
-            <a:ln w="19050">
-              <a:solidFill>
-                <a:schemeClr val="tx1"/>
-              </a:solidFill>
-            </a:ln>
-          </p:spPr>
-          <p:style>
-            <a:lnRef idx="1">
-              <a:schemeClr val="accent1"/>
-            </a:lnRef>
-            <a:fillRef idx="0">
-              <a:schemeClr val="accent1"/>
-            </a:fillRef>
-            <a:effectRef idx="0">
-              <a:schemeClr val="accent1"/>
-            </a:effectRef>
-            <a:fontRef idx="minor">
-              <a:schemeClr val="tx1"/>
-            </a:fontRef>
-          </p:style>
-        </p:cxnSp>
-        <p:cxnSp>
-          <p:nvCxnSpPr>
-            <p:cNvPr id="93" name="Straight Connector 92"/>
-            <p:cNvCxnSpPr>
-              <a:stCxn id="86" idx="3"/>
-              <a:endCxn id="87" idx="1"/>
-            </p:cNvCxnSpPr>
-            <p:nvPr/>
-          </p:nvCxnSpPr>
-          <p:spPr>
-            <a:xfrm>
-              <a:off x="1838515" y="4290316"/>
-              <a:ext cx="754785" cy="1"/>
-            </a:xfrm>
-            <a:prstGeom prst="line">
-              <a:avLst/>
-            </a:prstGeom>
-            <a:ln w="19050">
-              <a:solidFill>
-                <a:schemeClr val="tx1"/>
-              </a:solidFill>
-            </a:ln>
-          </p:spPr>
-          <p:style>
-            <a:lnRef idx="1">
-              <a:schemeClr val="accent1"/>
-            </a:lnRef>
-            <a:fillRef idx="0">
-              <a:schemeClr val="accent1"/>
-            </a:fillRef>
-            <a:effectRef idx="0">
-              <a:schemeClr val="accent1"/>
-            </a:effectRef>
-            <a:fontRef idx="minor">
-              <a:schemeClr val="tx1"/>
-            </a:fontRef>
-          </p:style>
-        </p:cxnSp>
-      </p:grpSp>
-      <p:grpSp>
-        <p:nvGrpSpPr>
-          <p:cNvPr id="107" name="Group 106"/>
-          <p:cNvGrpSpPr/>
-          <p:nvPr/>
-        </p:nvGrpSpPr>
-        <p:grpSpPr>
-          <a:xfrm>
-            <a:off x="4748061" y="3647321"/>
-            <a:ext cx="1764153" cy="1164616"/>
-            <a:chOff x="1333831" y="3288757"/>
-            <a:chExt cx="1764153" cy="1164616"/>
-          </a:xfrm>
-        </p:grpSpPr>
-        <p:sp>
-          <p:nvSpPr>
-            <p:cNvPr id="108" name="Rectangle 107"/>
-            <p:cNvSpPr/>
-            <p:nvPr/>
-          </p:nvSpPr>
-          <p:spPr>
-            <a:xfrm>
-              <a:off x="2005996" y="3288757"/>
-              <a:ext cx="504684" cy="326113"/>
-            </a:xfrm>
-            <a:prstGeom prst="rect">
-              <a:avLst/>
-            </a:prstGeom>
-            <a:solidFill>
-              <a:schemeClr val="bg2">
-                <a:lumMod val="90000"/>
-              </a:schemeClr>
-            </a:solidFill>
-            <a:ln>
-              <a:solidFill>
-                <a:schemeClr val="tx1"/>
-              </a:solidFill>
-            </a:ln>
-          </p:spPr>
-          <p:style>
-            <a:lnRef idx="2">
-              <a:schemeClr val="accent1">
-                <a:shade val="50000"/>
-              </a:schemeClr>
-            </a:lnRef>
-            <a:fillRef idx="1">
-              <a:schemeClr val="accent1"/>
-            </a:fillRef>
-            <a:effectRef idx="0">
-              <a:schemeClr val="accent1"/>
-            </a:effectRef>
-            <a:fontRef idx="minor">
-              <a:schemeClr val="lt1"/>
-            </a:fontRef>
-          </p:style>
-          <p:txBody>
-            <a:bodyPr rtlCol="0" anchor="ctr"/>
-            <a:lstStyle/>
-            <a:p>
-              <a:pPr algn="ctr"/>
-              <a:endParaRPr lang="en-US" sz="2000" dirty="0">
-                <a:solidFill>
-                  <a:schemeClr val="tx1"/>
-                </a:solidFill>
-              </a:endParaRPr>
-            </a:p>
-          </p:txBody>
-        </p:sp>
-        <p:cxnSp>
-          <p:nvCxnSpPr>
-            <p:cNvPr id="109" name="Straight Connector 108"/>
-            <p:cNvCxnSpPr>
-              <a:stCxn id="110" idx="2"/>
-            </p:cNvCxnSpPr>
-            <p:nvPr/>
-          </p:nvCxnSpPr>
-          <p:spPr>
-            <a:xfrm flipH="1">
-              <a:off x="1586173" y="3614870"/>
-              <a:ext cx="672165" cy="512389"/>
-            </a:xfrm>
-            <a:prstGeom prst="line">
-              <a:avLst/>
-            </a:prstGeom>
-            <a:ln w="19050">
-              <a:solidFill>
-                <a:schemeClr val="tx1"/>
-              </a:solidFill>
-            </a:ln>
-          </p:spPr>
-          <p:style>
-            <a:lnRef idx="1">
-              <a:schemeClr val="accent1"/>
-            </a:lnRef>
-            <a:fillRef idx="0">
-              <a:schemeClr val="accent1"/>
-            </a:fillRef>
-            <a:effectRef idx="0">
-              <a:schemeClr val="accent1"/>
-            </a:effectRef>
-            <a:fontRef idx="minor">
-              <a:schemeClr val="tx1"/>
-            </a:fontRef>
-          </p:style>
-        </p:cxnSp>
-        <p:sp>
-          <p:nvSpPr>
-            <p:cNvPr id="110" name="Rectangle 109"/>
-            <p:cNvSpPr/>
-            <p:nvPr/>
-          </p:nvSpPr>
-          <p:spPr>
-            <a:xfrm>
-              <a:off x="1333831" y="4127259"/>
-              <a:ext cx="504684" cy="326113"/>
-            </a:xfrm>
-            <a:prstGeom prst="rect">
-              <a:avLst/>
-            </a:prstGeom>
-            <a:solidFill>
-              <a:schemeClr val="bg2">
-                <a:lumMod val="90000"/>
-              </a:schemeClr>
-            </a:solidFill>
-            <a:ln>
-              <a:solidFill>
-                <a:schemeClr val="tx1"/>
-              </a:solidFill>
-            </a:ln>
-          </p:spPr>
-          <p:style>
-            <a:lnRef idx="2">
-              <a:schemeClr val="accent1">
-                <a:shade val="50000"/>
-              </a:schemeClr>
-            </a:lnRef>
-            <a:fillRef idx="1">
-              <a:schemeClr val="accent1"/>
-            </a:fillRef>
-            <a:effectRef idx="0">
-              <a:schemeClr val="accent1"/>
-            </a:effectRef>
-            <a:fontRef idx="minor">
-              <a:schemeClr val="lt1"/>
-            </a:fontRef>
-          </p:style>
-          <p:txBody>
-            <a:bodyPr rtlCol="0" anchor="ctr"/>
-            <a:lstStyle/>
-            <a:p>
-              <a:pPr algn="ctr"/>
-              <a:endParaRPr lang="en-US" sz="2000" dirty="0">
-                <a:solidFill>
-                  <a:schemeClr val="tx1"/>
-                </a:solidFill>
-              </a:endParaRPr>
-            </a:p>
-          </p:txBody>
-        </p:sp>
-        <p:sp>
-          <p:nvSpPr>
-            <p:cNvPr id="111" name="Rectangle 110"/>
-            <p:cNvSpPr/>
-            <p:nvPr/>
-          </p:nvSpPr>
-          <p:spPr>
-            <a:xfrm>
-              <a:off x="2593300" y="4127260"/>
-              <a:ext cx="504684" cy="326113"/>
-            </a:xfrm>
-            <a:prstGeom prst="rect">
-              <a:avLst/>
-            </a:prstGeom>
-            <a:solidFill>
-              <a:schemeClr val="bg2">
-                <a:lumMod val="90000"/>
-              </a:schemeClr>
-            </a:solidFill>
-            <a:ln>
-              <a:solidFill>
-                <a:schemeClr val="tx1"/>
-              </a:solidFill>
-            </a:ln>
-          </p:spPr>
-          <p:style>
-            <a:lnRef idx="2">
-              <a:schemeClr val="accent1">
-                <a:shade val="50000"/>
-              </a:schemeClr>
-            </a:lnRef>
-            <a:fillRef idx="1">
-              <a:schemeClr val="accent1"/>
-            </a:fillRef>
-            <a:effectRef idx="0">
-              <a:schemeClr val="accent1"/>
-            </a:effectRef>
-            <a:fontRef idx="minor">
-              <a:schemeClr val="lt1"/>
-            </a:fontRef>
-          </p:style>
-          <p:txBody>
-            <a:bodyPr rtlCol="0" anchor="ctr"/>
-            <a:lstStyle/>
-            <a:p>
-              <a:pPr algn="ctr"/>
-              <a:endParaRPr lang="en-US" sz="2000" dirty="0">
-                <a:solidFill>
-                  <a:schemeClr val="tx1"/>
-                </a:solidFill>
-              </a:endParaRPr>
-            </a:p>
-          </p:txBody>
-        </p:sp>
-        <p:cxnSp>
-          <p:nvCxnSpPr>
-            <p:cNvPr id="112" name="Straight Connector 111"/>
-            <p:cNvCxnSpPr>
-              <a:stCxn id="110" idx="2"/>
-            </p:cNvCxnSpPr>
-            <p:nvPr/>
-          </p:nvCxnSpPr>
-          <p:spPr>
-            <a:xfrm>
-              <a:off x="2258338" y="3614870"/>
-              <a:ext cx="587304" cy="512390"/>
-            </a:xfrm>
-            <a:prstGeom prst="line">
-              <a:avLst/>
-            </a:prstGeom>
-            <a:ln w="19050">
-              <a:solidFill>
-                <a:schemeClr val="tx1"/>
-              </a:solidFill>
-            </a:ln>
-          </p:spPr>
-          <p:style>
-            <a:lnRef idx="1">
-              <a:schemeClr val="accent1"/>
-            </a:lnRef>
-            <a:fillRef idx="0">
-              <a:schemeClr val="accent1"/>
-            </a:fillRef>
-            <a:effectRef idx="0">
-              <a:schemeClr val="accent1"/>
-            </a:effectRef>
-            <a:fontRef idx="minor">
-              <a:schemeClr val="tx1"/>
-            </a:fontRef>
-          </p:style>
-        </p:cxnSp>
-        <p:cxnSp>
-          <p:nvCxnSpPr>
-            <p:cNvPr id="113" name="Straight Connector 112"/>
-            <p:cNvCxnSpPr/>
-            <p:nvPr/>
-          </p:nvCxnSpPr>
-          <p:spPr>
-            <a:xfrm>
-              <a:off x="1838515" y="4290316"/>
-              <a:ext cx="754785" cy="1"/>
-            </a:xfrm>
-            <a:prstGeom prst="line">
-              <a:avLst/>
-            </a:prstGeom>
-            <a:ln w="19050">
-              <a:solidFill>
-                <a:schemeClr val="tx1"/>
-              </a:solidFill>
-            </a:ln>
-          </p:spPr>
-          <p:style>
-            <a:lnRef idx="1">
-              <a:schemeClr val="accent1"/>
-            </a:lnRef>
-            <a:fillRef idx="0">
-              <a:schemeClr val="accent1"/>
-            </a:fillRef>
-            <a:effectRef idx="0">
-              <a:schemeClr val="accent1"/>
-            </a:effectRef>
-            <a:fontRef idx="minor">
-              <a:schemeClr val="tx1"/>
-            </a:fontRef>
-          </p:style>
-        </p:cxnSp>
-      </p:grpSp>
-      <p:grpSp>
-        <p:nvGrpSpPr>
-          <p:cNvPr id="114" name="Group 113"/>
-          <p:cNvGrpSpPr/>
-          <p:nvPr/>
-        </p:nvGrpSpPr>
-        <p:grpSpPr>
-          <a:xfrm>
-            <a:off x="3372717" y="1803339"/>
-            <a:ext cx="1764153" cy="1164616"/>
-            <a:chOff x="1333831" y="3288757"/>
-            <a:chExt cx="1764153" cy="1164616"/>
-          </a:xfrm>
-        </p:grpSpPr>
-        <p:sp>
-          <p:nvSpPr>
-            <p:cNvPr id="115" name="Rectangle 114"/>
-            <p:cNvSpPr/>
-            <p:nvPr/>
-          </p:nvSpPr>
-          <p:spPr>
-            <a:xfrm>
-              <a:off x="2005996" y="3288757"/>
-              <a:ext cx="504684" cy="326113"/>
-            </a:xfrm>
-            <a:prstGeom prst="rect">
-              <a:avLst/>
-            </a:prstGeom>
-            <a:solidFill>
-              <a:schemeClr val="bg2">
-                <a:lumMod val="90000"/>
-              </a:schemeClr>
-            </a:solidFill>
-            <a:ln>
-              <a:solidFill>
-                <a:schemeClr val="tx1"/>
-              </a:solidFill>
-            </a:ln>
-          </p:spPr>
-          <p:style>
-            <a:lnRef idx="2">
-              <a:schemeClr val="accent1">
-                <a:shade val="50000"/>
-              </a:schemeClr>
-            </a:lnRef>
-            <a:fillRef idx="1">
-              <a:schemeClr val="accent1"/>
-            </a:fillRef>
-            <a:effectRef idx="0">
-              <a:schemeClr val="accent1"/>
-            </a:effectRef>
-            <a:fontRef idx="minor">
-              <a:schemeClr val="lt1"/>
-            </a:fontRef>
-          </p:style>
-          <p:txBody>
-            <a:bodyPr rtlCol="0" anchor="ctr"/>
-            <a:lstStyle/>
-            <a:p>
-              <a:pPr algn="ctr"/>
-              <a:endParaRPr lang="en-US" sz="2000" dirty="0">
-                <a:solidFill>
-                  <a:schemeClr val="tx1"/>
-                </a:solidFill>
-              </a:endParaRPr>
-            </a:p>
-          </p:txBody>
-        </p:sp>
-        <p:cxnSp>
-          <p:nvCxnSpPr>
-            <p:cNvPr id="116" name="Straight Connector 115"/>
-            <p:cNvCxnSpPr/>
-            <p:nvPr/>
-          </p:nvCxnSpPr>
-          <p:spPr>
-            <a:xfrm flipH="1">
-              <a:off x="1586173" y="3614870"/>
-              <a:ext cx="672165" cy="512389"/>
-            </a:xfrm>
-            <a:prstGeom prst="line">
-              <a:avLst/>
-            </a:prstGeom>
-            <a:ln w="19050">
-              <a:solidFill>
-                <a:schemeClr val="tx1"/>
-              </a:solidFill>
-            </a:ln>
-          </p:spPr>
-          <p:style>
-            <a:lnRef idx="1">
-              <a:schemeClr val="accent1"/>
-            </a:lnRef>
-            <a:fillRef idx="0">
-              <a:schemeClr val="accent1"/>
-            </a:fillRef>
-            <a:effectRef idx="0">
-              <a:schemeClr val="accent1"/>
-            </a:effectRef>
-            <a:fontRef idx="minor">
-              <a:schemeClr val="tx1"/>
-            </a:fontRef>
-          </p:style>
-        </p:cxnSp>
-        <p:sp>
-          <p:nvSpPr>
-            <p:cNvPr id="117" name="Rectangle 116"/>
-            <p:cNvSpPr/>
-            <p:nvPr/>
-          </p:nvSpPr>
-          <p:spPr>
-            <a:xfrm>
-              <a:off x="1333831" y="4127259"/>
-              <a:ext cx="504684" cy="326113"/>
-            </a:xfrm>
-            <a:prstGeom prst="rect">
-              <a:avLst/>
-            </a:prstGeom>
-            <a:solidFill>
-              <a:schemeClr val="bg2">
-                <a:lumMod val="90000"/>
-              </a:schemeClr>
-            </a:solidFill>
-            <a:ln>
-              <a:solidFill>
-                <a:schemeClr val="tx1"/>
-              </a:solidFill>
-            </a:ln>
-          </p:spPr>
-          <p:style>
-            <a:lnRef idx="2">
-              <a:schemeClr val="accent1">
-                <a:shade val="50000"/>
-              </a:schemeClr>
-            </a:lnRef>
-            <a:fillRef idx="1">
-              <a:schemeClr val="accent1"/>
-            </a:fillRef>
-            <a:effectRef idx="0">
-              <a:schemeClr val="accent1"/>
-            </a:effectRef>
-            <a:fontRef idx="minor">
-              <a:schemeClr val="lt1"/>
-            </a:fontRef>
-          </p:style>
-          <p:txBody>
-            <a:bodyPr rtlCol="0" anchor="ctr"/>
-            <a:lstStyle/>
-            <a:p>
-              <a:pPr algn="ctr"/>
-              <a:endParaRPr lang="en-US" sz="2000" dirty="0">
-                <a:solidFill>
-                  <a:schemeClr val="tx1"/>
-                </a:solidFill>
-              </a:endParaRPr>
-            </a:p>
-          </p:txBody>
-        </p:sp>
-        <p:sp>
-          <p:nvSpPr>
-            <p:cNvPr id="118" name="Rectangle 117"/>
-            <p:cNvSpPr/>
-            <p:nvPr/>
-          </p:nvSpPr>
-          <p:spPr>
-            <a:xfrm>
-              <a:off x="2593300" y="4127260"/>
-              <a:ext cx="504684" cy="326113"/>
-            </a:xfrm>
-            <a:prstGeom prst="rect">
-              <a:avLst/>
-            </a:prstGeom>
-            <a:solidFill>
-              <a:schemeClr val="bg2">
-                <a:lumMod val="90000"/>
-              </a:schemeClr>
-            </a:solidFill>
-            <a:ln>
-              <a:solidFill>
-                <a:schemeClr val="tx1"/>
-              </a:solidFill>
-            </a:ln>
-          </p:spPr>
-          <p:style>
-            <a:lnRef idx="2">
-              <a:schemeClr val="accent1">
-                <a:shade val="50000"/>
-              </a:schemeClr>
-            </a:lnRef>
-            <a:fillRef idx="1">
-              <a:schemeClr val="accent1"/>
-            </a:fillRef>
-            <a:effectRef idx="0">
-              <a:schemeClr val="accent1"/>
-            </a:effectRef>
-            <a:fontRef idx="minor">
-              <a:schemeClr val="lt1"/>
-            </a:fontRef>
-          </p:style>
-          <p:txBody>
-            <a:bodyPr rtlCol="0" anchor="ctr"/>
-            <a:lstStyle/>
-            <a:p>
-              <a:pPr algn="ctr"/>
-              <a:endParaRPr lang="en-US" sz="2000" dirty="0">
-                <a:solidFill>
-                  <a:schemeClr val="tx1"/>
-                </a:solidFill>
-              </a:endParaRPr>
-            </a:p>
-          </p:txBody>
-        </p:sp>
-        <p:cxnSp>
-          <p:nvCxnSpPr>
-            <p:cNvPr id="119" name="Straight Connector 118"/>
-            <p:cNvCxnSpPr/>
-            <p:nvPr/>
-          </p:nvCxnSpPr>
-          <p:spPr>
-            <a:xfrm>
-              <a:off x="2258338" y="3614870"/>
-              <a:ext cx="587304" cy="512390"/>
-            </a:xfrm>
-            <a:prstGeom prst="line">
-              <a:avLst/>
-            </a:prstGeom>
-            <a:ln w="19050">
-              <a:solidFill>
-                <a:schemeClr val="tx1"/>
-              </a:solidFill>
-            </a:ln>
-          </p:spPr>
-          <p:style>
-            <a:lnRef idx="1">
-              <a:schemeClr val="accent1"/>
-            </a:lnRef>
-            <a:fillRef idx="0">
-              <a:schemeClr val="accent1"/>
-            </a:fillRef>
-            <a:effectRef idx="0">
-              <a:schemeClr val="accent1"/>
-            </a:effectRef>
-            <a:fontRef idx="minor">
-              <a:schemeClr val="tx1"/>
-            </a:fontRef>
-          </p:style>
-        </p:cxnSp>
-        <p:cxnSp>
-          <p:nvCxnSpPr>
-            <p:cNvPr id="120" name="Straight Connector 119"/>
-            <p:cNvCxnSpPr/>
-            <p:nvPr/>
-          </p:nvCxnSpPr>
-          <p:spPr>
-            <a:xfrm>
-              <a:off x="1838515" y="4290316"/>
-              <a:ext cx="754785" cy="1"/>
-            </a:xfrm>
-            <a:prstGeom prst="line">
-              <a:avLst/>
-            </a:prstGeom>
-            <a:ln w="19050">
-              <a:solidFill>
-                <a:schemeClr val="tx1"/>
-              </a:solidFill>
-            </a:ln>
-          </p:spPr>
-          <p:style>
-            <a:lnRef idx="1">
-              <a:schemeClr val="accent1"/>
-            </a:lnRef>
-            <a:fillRef idx="0">
-              <a:schemeClr val="accent1"/>
-            </a:fillRef>
-            <a:effectRef idx="0">
-              <a:schemeClr val="accent1"/>
-            </a:effectRef>
-            <a:fontRef idx="minor">
-              <a:schemeClr val="tx1"/>
-            </a:fontRef>
-          </p:style>
-        </p:cxnSp>
-      </p:grpSp>
-      <p:cxnSp>
-        <p:nvCxnSpPr>
-          <p:cNvPr id="123" name="Straight Connector 122"/>
-          <p:cNvCxnSpPr>
-            <a:stCxn id="118" idx="2"/>
-            <a:endCxn id="108" idx="0"/>
-          </p:cNvCxnSpPr>
-          <p:nvPr/>
-        </p:nvCxnSpPr>
-        <p:spPr>
-          <a:xfrm>
-            <a:off x="4884528" y="2967955"/>
-            <a:ext cx="788040" cy="679366"/>
-          </a:xfrm>
-          <a:prstGeom prst="line">
-            <a:avLst/>
-          </a:prstGeom>
-          <a:ln w="19050">
-            <a:solidFill>
-              <a:schemeClr val="tx1"/>
-            </a:solidFill>
-          </a:ln>
-        </p:spPr>
-        <p:style>
-          <a:lnRef idx="1">
-            <a:schemeClr val="accent1"/>
-          </a:lnRef>
-          <a:fillRef idx="0">
-            <a:schemeClr val="accent1"/>
-          </a:fillRef>
-          <a:effectRef idx="0">
-            <a:schemeClr val="accent1"/>
-          </a:effectRef>
-          <a:fontRef idx="minor">
-            <a:schemeClr val="tx1"/>
-          </a:fontRef>
-        </p:style>
-      </p:cxnSp>
-      <p:cxnSp>
-        <p:nvCxnSpPr>
-          <p:cNvPr id="126" name="Straight Connector 125"/>
-          <p:cNvCxnSpPr>
-            <a:stCxn id="87" idx="3"/>
-            <a:endCxn id="110" idx="1"/>
-          </p:cNvCxnSpPr>
-          <p:nvPr/>
-        </p:nvCxnSpPr>
-        <p:spPr>
-          <a:xfrm>
-            <a:off x="3820249" y="4634593"/>
-            <a:ext cx="927812" cy="14287"/>
-          </a:xfrm>
-          <a:prstGeom prst="line">
-            <a:avLst/>
-          </a:prstGeom>
-          <a:ln w="19050">
-            <a:solidFill>
-              <a:schemeClr val="tx1"/>
-            </a:solidFill>
-          </a:ln>
-        </p:spPr>
-        <p:style>
-          <a:lnRef idx="1">
-            <a:schemeClr val="accent1"/>
-          </a:lnRef>
-          <a:fillRef idx="0">
-            <a:schemeClr val="accent1"/>
-          </a:fillRef>
-          <a:effectRef idx="0">
-            <a:schemeClr val="accent1"/>
-          </a:effectRef>
-          <a:fontRef idx="minor">
-            <a:schemeClr val="tx1"/>
-          </a:fontRef>
-        </p:style>
-      </p:cxnSp>
-      <p:sp>
-        <p:nvSpPr>
-          <p:cNvPr id="131" name="Rectangle 130"/>
-          <p:cNvSpPr/>
-          <p:nvPr/>
-        </p:nvSpPr>
-        <p:spPr>
-          <a:xfrm>
-            <a:off x="1926798" y="3482675"/>
-            <a:ext cx="2060931" cy="1465330"/>
-          </a:xfrm>
-          <a:prstGeom prst="rect">
-            <a:avLst/>
-          </a:prstGeom>
-          <a:noFill/>
-          <a:ln>
-            <a:solidFill>
-              <a:schemeClr val="tx1"/>
-            </a:solidFill>
-            <a:prstDash val="dashDot"/>
-          </a:ln>
-        </p:spPr>
-        <p:style>
-          <a:lnRef idx="2">
-            <a:schemeClr val="accent1">
-              <a:shade val="50000"/>
-            </a:schemeClr>
-          </a:lnRef>
-          <a:fillRef idx="1">
-            <a:schemeClr val="accent1"/>
-          </a:fillRef>
-          <a:effectRef idx="0">
-            <a:schemeClr val="accent1"/>
-          </a:effectRef>
-          <a:fontRef idx="minor">
-            <a:schemeClr val="lt1"/>
-          </a:fontRef>
-        </p:style>
-        <p:txBody>
-          <a:bodyPr rtlCol="0" anchor="ctr"/>
-          <a:lstStyle/>
-          <a:p>
-            <a:pPr algn="ctr"/>
-            <a:endParaRPr lang="en-US" sz="1600"/>
-          </a:p>
-        </p:txBody>
-      </p:sp>
-      <p:sp>
-        <p:nvSpPr>
-          <p:cNvPr id="132" name="Rectangle 131"/>
-          <p:cNvSpPr/>
-          <p:nvPr/>
-        </p:nvSpPr>
-        <p:spPr>
-          <a:xfrm>
-            <a:off x="3234447" y="1652981"/>
-            <a:ext cx="2060931" cy="1465330"/>
-          </a:xfrm>
-          <a:prstGeom prst="rect">
-            <a:avLst/>
-          </a:prstGeom>
-          <a:noFill/>
-          <a:ln>
-            <a:solidFill>
-              <a:schemeClr val="tx1"/>
-            </a:solidFill>
-            <a:prstDash val="dashDot"/>
-          </a:ln>
-        </p:spPr>
-        <p:style>
-          <a:lnRef idx="2">
-            <a:schemeClr val="accent1">
-              <a:shade val="50000"/>
-            </a:schemeClr>
-          </a:lnRef>
-          <a:fillRef idx="1">
-            <a:schemeClr val="accent1"/>
-          </a:fillRef>
-          <a:effectRef idx="0">
-            <a:schemeClr val="accent1"/>
-          </a:effectRef>
-          <a:fontRef idx="minor">
-            <a:schemeClr val="lt1"/>
-          </a:fontRef>
-        </p:style>
-        <p:txBody>
-          <a:bodyPr rtlCol="0" anchor="ctr"/>
-          <a:lstStyle/>
-          <a:p>
-            <a:pPr algn="ctr"/>
-            <a:endParaRPr lang="en-US" sz="1600"/>
-          </a:p>
-        </p:txBody>
-      </p:sp>
-      <p:cxnSp>
-        <p:nvCxnSpPr>
-          <p:cNvPr id="136" name="Curved Connector 135"/>
-          <p:cNvCxnSpPr>
-            <a:stCxn id="86" idx="2"/>
-            <a:endCxn id="111" idx="2"/>
-          </p:cNvCxnSpPr>
-          <p:nvPr/>
-        </p:nvCxnSpPr>
-        <p:spPr>
-          <a:xfrm rot="16200000" flipH="1">
-            <a:off x="4277011" y="2829075"/>
-            <a:ext cx="14289" cy="3951434"/>
-          </a:xfrm>
-          <a:prstGeom prst="curvedConnector3">
-            <a:avLst>
-              <a:gd name="adj1" fmla="val 1699832"/>
-            </a:avLst>
-          </a:prstGeom>
-          <a:ln w="19050">
-            <a:solidFill>
-              <a:schemeClr val="tx1"/>
-            </a:solidFill>
-          </a:ln>
-        </p:spPr>
-        <p:style>
-          <a:lnRef idx="1">
-            <a:schemeClr val="accent1"/>
-          </a:lnRef>
-          <a:fillRef idx="0">
-            <a:schemeClr val="accent1"/>
-          </a:fillRef>
-          <a:effectRef idx="0">
-            <a:schemeClr val="accent1"/>
-          </a:effectRef>
-          <a:fontRef idx="minor">
-            <a:schemeClr val="tx1"/>
-          </a:fontRef>
-        </p:style>
-      </p:cxnSp>
-      <p:cxnSp>
-        <p:nvCxnSpPr>
-          <p:cNvPr id="143" name="Curved Connector 142"/>
-          <p:cNvCxnSpPr>
-            <a:stCxn id="86" idx="0"/>
-            <a:endCxn id="115" idx="1"/>
-          </p:cNvCxnSpPr>
-          <p:nvPr/>
-        </p:nvCxnSpPr>
-        <p:spPr>
-          <a:xfrm rot="5400000" flipH="1" flipV="1">
-            <a:off x="1924091" y="2350744"/>
-            <a:ext cx="2505139" cy="1736444"/>
-          </a:xfrm>
-          <a:prstGeom prst="curvedConnector2">
-            <a:avLst/>
-          </a:prstGeom>
-          <a:ln w="19050">
-            <a:solidFill>
-              <a:schemeClr val="tx1"/>
-            </a:solidFill>
-          </a:ln>
-        </p:spPr>
-        <p:style>
-          <a:lnRef idx="1">
-            <a:schemeClr val="accent1"/>
-          </a:lnRef>
-          <a:fillRef idx="0">
-            <a:schemeClr val="accent1"/>
-          </a:fillRef>
-          <a:effectRef idx="0">
-            <a:schemeClr val="accent1"/>
-          </a:effectRef>
-          <a:fontRef idx="minor">
-            <a:schemeClr val="tx1"/>
-          </a:fontRef>
-        </p:style>
-      </p:cxnSp>
-      <p:cxnSp>
-        <p:nvCxnSpPr>
-          <p:cNvPr id="146" name="Curved Connector 145"/>
-          <p:cNvCxnSpPr>
-            <a:stCxn id="111" idx="0"/>
-            <a:endCxn id="115" idx="3"/>
-          </p:cNvCxnSpPr>
-          <p:nvPr/>
-        </p:nvCxnSpPr>
-        <p:spPr>
-          <a:xfrm rot="16200000" flipV="1">
-            <a:off x="4145005" y="2370957"/>
-            <a:ext cx="2519428" cy="1710306"/>
-          </a:xfrm>
-          <a:prstGeom prst="curvedConnector2">
-            <a:avLst/>
-          </a:prstGeom>
-          <a:ln w="19050">
-            <a:solidFill>
-              <a:schemeClr val="tx1"/>
-            </a:solidFill>
-          </a:ln>
-        </p:spPr>
-        <p:style>
-          <a:lnRef idx="1">
-            <a:schemeClr val="accent1"/>
-          </a:lnRef>
-          <a:fillRef idx="0">
-            <a:schemeClr val="accent1"/>
-          </a:fillRef>
-          <a:effectRef idx="0">
-            <a:schemeClr val="accent1"/>
-          </a:effectRef>
-          <a:fontRef idx="minor">
-            <a:schemeClr val="tx1"/>
-          </a:fontRef>
-        </p:style>
-      </p:cxnSp>
-      <p:cxnSp>
-        <p:nvCxnSpPr>
-          <p:cNvPr id="149" name="Straight Connector 148"/>
-          <p:cNvCxnSpPr>
-            <a:stCxn id="5" idx="3"/>
-            <a:endCxn id="108" idx="1"/>
-          </p:cNvCxnSpPr>
-          <p:nvPr/>
-        </p:nvCxnSpPr>
-        <p:spPr>
-          <a:xfrm>
-            <a:off x="3232945" y="3796090"/>
-            <a:ext cx="2187281" cy="14288"/>
-          </a:xfrm>
-          <a:prstGeom prst="line">
-            <a:avLst/>
-          </a:prstGeom>
-          <a:ln w="19050">
-            <a:solidFill>
-              <a:schemeClr val="tx1"/>
-            </a:solidFill>
-          </a:ln>
-        </p:spPr>
-        <p:style>
-          <a:lnRef idx="1">
-            <a:schemeClr val="accent1"/>
-          </a:lnRef>
-          <a:fillRef idx="0">
-            <a:schemeClr val="accent1"/>
-          </a:fillRef>
-          <a:effectRef idx="0">
-            <a:schemeClr val="accent1"/>
-          </a:effectRef>
-          <a:fontRef idx="minor">
-            <a:schemeClr val="tx1"/>
-          </a:fontRef>
-        </p:style>
-      </p:cxnSp>
-      <p:cxnSp>
-        <p:nvCxnSpPr>
-          <p:cNvPr id="154" name="Straight Connector 153"/>
-          <p:cNvCxnSpPr>
-            <a:stCxn id="117" idx="2"/>
-            <a:endCxn id="110" idx="0"/>
-          </p:cNvCxnSpPr>
-          <p:nvPr/>
-        </p:nvCxnSpPr>
-        <p:spPr>
-          <a:xfrm>
-            <a:off x="3625059" y="2967954"/>
-            <a:ext cx="1375344" cy="1517869"/>
-          </a:xfrm>
-          <a:prstGeom prst="line">
-            <a:avLst/>
-          </a:prstGeom>
-          <a:ln w="19050">
-            <a:solidFill>
-              <a:schemeClr val="tx1"/>
-            </a:solidFill>
-          </a:ln>
-        </p:spPr>
-        <p:style>
-          <a:lnRef idx="1">
-            <a:schemeClr val="accent1"/>
-          </a:lnRef>
-          <a:fillRef idx="0">
-            <a:schemeClr val="accent1"/>
-          </a:fillRef>
-          <a:effectRef idx="0">
-            <a:schemeClr val="accent1"/>
-          </a:effectRef>
-          <a:fontRef idx="minor">
-            <a:schemeClr val="tx1"/>
-          </a:fontRef>
-        </p:style>
-      </p:cxnSp>
-      <p:cxnSp>
-        <p:nvCxnSpPr>
-          <p:cNvPr id="157" name="Straight Connector 156"/>
-          <p:cNvCxnSpPr>
-            <a:stCxn id="118" idx="2"/>
-            <a:endCxn id="87" idx="0"/>
-          </p:cNvCxnSpPr>
-          <p:nvPr/>
-        </p:nvCxnSpPr>
-        <p:spPr>
-          <a:xfrm flipH="1">
-            <a:off x="3567907" y="2967955"/>
-            <a:ext cx="1316621" cy="1503581"/>
-          </a:xfrm>
-          <a:prstGeom prst="line">
-            <a:avLst/>
-          </a:prstGeom>
-          <a:ln w="19050">
-            <a:solidFill>
-              <a:schemeClr val="tx1"/>
-            </a:solidFill>
-          </a:ln>
-        </p:spPr>
-        <p:style>
-          <a:lnRef idx="1">
-            <a:schemeClr val="accent1"/>
-          </a:lnRef>
-          <a:fillRef idx="0">
-            <a:schemeClr val="accent1"/>
-          </a:fillRef>
-          <a:effectRef idx="0">
-            <a:schemeClr val="accent1"/>
-          </a:effectRef>
-          <a:fontRef idx="minor">
-            <a:schemeClr val="tx1"/>
-          </a:fontRef>
-        </p:style>
-      </p:cxnSp>
-      <p:sp>
-        <p:nvSpPr>
-          <p:cNvPr id="160" name="Arc 159"/>
-          <p:cNvSpPr/>
-          <p:nvPr/>
-        </p:nvSpPr>
-        <p:spPr>
-          <a:xfrm rot="10800000">
-            <a:off x="8063254" y="3319177"/>
-            <a:ext cx="393198" cy="742633"/>
-          </a:xfrm>
-          <a:prstGeom prst="arc">
-            <a:avLst>
-              <a:gd name="adj1" fmla="val 20544871"/>
-              <a:gd name="adj2" fmla="val 11255835"/>
-            </a:avLst>
-          </a:prstGeom>
-          <a:ln w="25400">
-            <a:solidFill>
-              <a:schemeClr val="tx1"/>
-            </a:solidFill>
-            <a:headEnd w="lg" len="lg"/>
-            <a:tailEnd type="none"/>
-          </a:ln>
-        </p:spPr>
-        <p:style>
-          <a:lnRef idx="1">
-            <a:schemeClr val="accent1"/>
-          </a:lnRef>
-          <a:fillRef idx="0">
-            <a:schemeClr val="accent1"/>
-          </a:fillRef>
-          <a:effectRef idx="0">
-            <a:schemeClr val="accent1"/>
-          </a:effectRef>
-          <a:fontRef idx="minor">
-            <a:schemeClr val="tx1"/>
-          </a:fontRef>
-        </p:style>
-        <p:txBody>
-          <a:bodyPr rtlCol="0" anchor="ctr"/>
-          <a:lstStyle/>
-          <a:p>
-            <a:pPr algn="ctr"/>
-            <a:endParaRPr lang="en-US"/>
-          </a:p>
-        </p:txBody>
-      </p:sp>
-      <p:sp>
-        <p:nvSpPr>
-          <p:cNvPr id="161" name="Arc 160"/>
-          <p:cNvSpPr/>
-          <p:nvPr/>
-        </p:nvSpPr>
-        <p:spPr>
-          <a:xfrm rot="10800000">
-            <a:off x="7714716" y="2565584"/>
-            <a:ext cx="1123284" cy="2211861"/>
-          </a:xfrm>
-          <a:prstGeom prst="arc">
-            <a:avLst>
-              <a:gd name="adj1" fmla="val 20544871"/>
-              <a:gd name="adj2" fmla="val 11255835"/>
-            </a:avLst>
-          </a:prstGeom>
-          <a:ln w="25400">
-            <a:solidFill>
-              <a:schemeClr val="tx1"/>
-            </a:solidFill>
-            <a:headEnd w="lg" len="lg"/>
-            <a:tailEnd type="none"/>
-          </a:ln>
-        </p:spPr>
-        <p:style>
-          <a:lnRef idx="1">
-            <a:schemeClr val="accent1"/>
-          </a:lnRef>
-          <a:fillRef idx="0">
-            <a:schemeClr val="accent1"/>
-          </a:fillRef>
-          <a:effectRef idx="0">
-            <a:schemeClr val="accent1"/>
-          </a:effectRef>
-          <a:fontRef idx="minor">
-            <a:schemeClr val="tx1"/>
-          </a:fontRef>
-        </p:style>
-        <p:txBody>
-          <a:bodyPr rtlCol="0" anchor="ctr"/>
-          <a:lstStyle/>
-          <a:p>
-            <a:pPr algn="ctr"/>
-            <a:endParaRPr lang="en-US"/>
-          </a:p>
-        </p:txBody>
-      </p:sp>
-      <mc:AlternateContent xmlns:mc="http://schemas.openxmlformats.org/markup-compatibility/2006">
-        <mc:Choice xmlns:a14="http://schemas.microsoft.com/office/drawing/2010/main" Requires="a14">
-          <p:sp>
-            <p:nvSpPr>
-              <p:cNvPr id="163" name="TextBox 162"/>
-              <p:cNvSpPr txBox="1"/>
-              <p:nvPr/>
-            </p:nvSpPr>
-            <p:spPr>
-              <a:xfrm>
-                <a:off x="7352008" y="3423131"/>
-                <a:ext cx="359593" cy="276999"/>
-              </a:xfrm>
-              <a:prstGeom prst="rect">
-                <a:avLst/>
-              </a:prstGeom>
-              <a:noFill/>
-            </p:spPr>
-            <p:txBody>
-              <a:bodyPr wrap="square" lIns="0" tIns="0" rIns="0" bIns="0" rtlCol="0">
-                <a:spAutoFit/>
-              </a:bodyPr>
-              <a:lstStyle/>
-              <a:p>
-                <a:pPr/>
-                <a14:m>
-                  <m:oMathPara xmlns:m="http://schemas.openxmlformats.org/officeDocument/2006/math">
-                    <m:oMathParaPr>
-                      <m:jc m:val="centerGroup"/>
-                    </m:oMathParaPr>
-                    <m:oMath xmlns:m="http://schemas.openxmlformats.org/officeDocument/2006/math">
-                      <m:r>
-                        <a:rPr lang="en-US" b="0" i="1" smtClean="0">
-                          <a:latin typeface="Cambria Math" charset="0"/>
-                        </a:rPr>
-                        <m:t>𝑒</m:t>
-                      </m:r>
-                      <m:r>
-                        <a:rPr lang="en-US" b="0" i="1" smtClean="0">
-                          <a:latin typeface="Cambria Math" charset="0"/>
-                        </a:rPr>
-                        <m:t>2</m:t>
-                      </m:r>
-                    </m:oMath>
-                  </m:oMathPara>
-                </a14:m>
-                <a:endParaRPr lang="en-US" dirty="0" smtClean="0"/>
-              </a:p>
-            </p:txBody>
-          </p:sp>
-        </mc:Choice>
-        <mc:Fallback>
-          <p:sp>
-            <p:nvSpPr>
-              <p:cNvPr id="163" name="TextBox 162"/>
-              <p:cNvSpPr txBox="1">
-                <a:spLocks noRot="1" noChangeAspect="1" noMove="1" noResize="1" noEditPoints="1" noAdjustHandles="1" noChangeArrowheads="1" noChangeShapeType="1" noTextEdit="1"/>
-              </p:cNvSpPr>
-              <p:nvPr/>
-            </p:nvSpPr>
-            <p:spPr>
-              <a:xfrm>
-                <a:off x="7352008" y="3423131"/>
-                <a:ext cx="359593" cy="276999"/>
-              </a:xfrm>
-              <a:prstGeom prst="rect">
-                <a:avLst/>
-              </a:prstGeom>
-              <a:blipFill rotWithShape="0">
-                <a:blip r:embed="rId2"/>
-                <a:stretch>
-                  <a:fillRect l="-5085" r="-8475" b="-6667"/>
-                </a:stretch>
-              </a:blipFill>
-            </p:spPr>
-            <p:txBody>
-              <a:bodyPr/>
-              <a:lstStyle/>
-              <a:p>
-                <a:r>
-                  <a:rPr lang="en-US">
-                    <a:noFill/>
-                  </a:rPr>
-                  <a:t> </a:t>
-                </a:r>
-              </a:p>
-            </p:txBody>
-          </p:sp>
-        </mc:Fallback>
-      </mc:AlternateContent>
-      <mc:AlternateContent xmlns:mc="http://schemas.openxmlformats.org/markup-compatibility/2006">
-        <mc:Choice xmlns:a14="http://schemas.microsoft.com/office/drawing/2010/main" Requires="a14">
-          <p:sp>
-            <p:nvSpPr>
-              <p:cNvPr id="164" name="TextBox 163"/>
-              <p:cNvSpPr txBox="1"/>
-              <p:nvPr/>
-            </p:nvSpPr>
-            <p:spPr>
-              <a:xfrm>
-                <a:off x="7773042" y="3418535"/>
-                <a:ext cx="294953" cy="276999"/>
-              </a:xfrm>
-              <a:prstGeom prst="rect">
-                <a:avLst/>
-              </a:prstGeom>
-              <a:noFill/>
-            </p:spPr>
-            <p:txBody>
-              <a:bodyPr wrap="none" lIns="0" tIns="0" rIns="0" bIns="0" rtlCol="0">
-                <a:spAutoFit/>
-              </a:bodyPr>
-              <a:lstStyle/>
-              <a:p>
-                <a:pPr/>
-                <a14:m>
-                  <m:oMathPara xmlns:m="http://schemas.openxmlformats.org/officeDocument/2006/math">
-                    <m:oMathParaPr>
-                      <m:jc m:val="centerGroup"/>
-                    </m:oMathParaPr>
-                    <m:oMath xmlns:m="http://schemas.openxmlformats.org/officeDocument/2006/math">
-                      <m:r>
-                        <a:rPr lang="en-US" b="0" i="1" smtClean="0">
-                          <a:latin typeface="Cambria Math" charset="0"/>
-                        </a:rPr>
-                        <m:t>𝑒</m:t>
-                      </m:r>
-                      <m:r>
-                        <a:rPr lang="en-US" b="0" i="1" smtClean="0">
-                          <a:latin typeface="Cambria Math" charset="0"/>
-                        </a:rPr>
-                        <m:t>1</m:t>
-                      </m:r>
-                    </m:oMath>
-                  </m:oMathPara>
-                </a14:m>
-                <a:endParaRPr lang="en-US" dirty="0" smtClean="0"/>
-              </a:p>
-            </p:txBody>
-          </p:sp>
-        </mc:Choice>
-        <mc:Fallback>
-          <p:sp>
-            <p:nvSpPr>
-              <p:cNvPr id="164" name="TextBox 163"/>
-              <p:cNvSpPr txBox="1">
-                <a:spLocks noRot="1" noChangeAspect="1" noMove="1" noResize="1" noEditPoints="1" noAdjustHandles="1" noChangeArrowheads="1" noChangeShapeType="1" noTextEdit="1"/>
-              </p:cNvSpPr>
-              <p:nvPr/>
-            </p:nvSpPr>
-            <p:spPr>
-              <a:xfrm>
-                <a:off x="7773042" y="3418535"/>
-                <a:ext cx="294953" cy="276999"/>
-              </a:xfrm>
-              <a:prstGeom prst="rect">
-                <a:avLst/>
-              </a:prstGeom>
-              <a:blipFill rotWithShape="0">
-                <a:blip r:embed="rId3"/>
-                <a:stretch>
-                  <a:fillRect l="-18750" r="-20833" b="-6667"/>
-                </a:stretch>
-              </a:blipFill>
-            </p:spPr>
-            <p:txBody>
-              <a:bodyPr/>
-              <a:lstStyle/>
-              <a:p>
-                <a:r>
-                  <a:rPr lang="en-US">
-                    <a:noFill/>
-                  </a:rPr>
-                  <a:t> </a:t>
-                </a:r>
-              </a:p>
-            </p:txBody>
-          </p:sp>
-        </mc:Fallback>
-      </mc:AlternateContent>
-      <p:sp>
-        <p:nvSpPr>
-          <p:cNvPr id="180" name="TextBox 179"/>
-          <p:cNvSpPr txBox="1"/>
-          <p:nvPr/>
-        </p:nvSpPr>
-        <p:spPr>
-          <a:xfrm>
-            <a:off x="6989829" y="3057567"/>
-            <a:ext cx="703121" cy="523220"/>
-          </a:xfrm>
-          <a:prstGeom prst="rect">
-            <a:avLst/>
-          </a:prstGeom>
-          <a:noFill/>
-        </p:spPr>
-        <p:txBody>
-          <a:bodyPr wrap="square" rtlCol="0">
-            <a:spAutoFit/>
-          </a:bodyPr>
-          <a:lstStyle/>
-          <a:p>
-            <a:pPr algn="ctr"/>
-            <a:r>
-              <a:rPr lang="en-US" sz="2800" dirty="0" smtClean="0"/>
-              <a:t>P</a:t>
-            </a:r>
-            <a:endParaRPr lang="en-US" sz="2800" baseline="-25000" dirty="0"/>
-          </a:p>
-        </p:txBody>
-      </p:sp>
-      <p:sp>
-        <p:nvSpPr>
-          <p:cNvPr id="181" name="Rectangle 180"/>
-          <p:cNvSpPr/>
-          <p:nvPr/>
-        </p:nvSpPr>
-        <p:spPr>
-          <a:xfrm>
-            <a:off x="7577322" y="3677063"/>
-            <a:ext cx="1364197" cy="1005481"/>
-          </a:xfrm>
-          <a:prstGeom prst="rect">
-            <a:avLst/>
-          </a:prstGeom>
-          <a:solidFill>
-            <a:schemeClr val="bg2">
-              <a:lumMod val="90000"/>
-            </a:schemeClr>
-          </a:solidFill>
-          <a:ln>
-            <a:solidFill>
-              <a:schemeClr val="tx1"/>
-            </a:solidFill>
-          </a:ln>
-        </p:spPr>
-        <p:style>
-          <a:lnRef idx="2">
-            <a:schemeClr val="accent1">
-              <a:shade val="50000"/>
-            </a:schemeClr>
-          </a:lnRef>
-          <a:fillRef idx="1">
-            <a:schemeClr val="accent1"/>
-          </a:fillRef>
-          <a:effectRef idx="0">
-            <a:schemeClr val="accent1"/>
-          </a:effectRef>
-          <a:fontRef idx="minor">
-            <a:schemeClr val="lt1"/>
-          </a:fontRef>
-        </p:style>
-        <p:txBody>
-          <a:bodyPr rtlCol="0" anchor="ctr"/>
-          <a:lstStyle/>
-          <a:p>
-            <a:pPr algn="ctr"/>
-            <a:endParaRPr lang="en-US" sz="2000" dirty="0">
-              <a:solidFill>
-                <a:schemeClr val="tx1"/>
-              </a:solidFill>
-            </a:endParaRPr>
-          </a:p>
-        </p:txBody>
-      </p:sp>
-      <mc:AlternateContent xmlns:mc="http://schemas.openxmlformats.org/markup-compatibility/2006">
-        <mc:Choice xmlns:a14="http://schemas.microsoft.com/office/drawing/2010/main" Requires="a14">
-          <p:sp>
-            <p:nvSpPr>
-              <p:cNvPr id="182" name="TextBox 181"/>
-              <p:cNvSpPr txBox="1"/>
-              <p:nvPr/>
-            </p:nvSpPr>
-            <p:spPr>
-              <a:xfrm>
-                <a:off x="8116781" y="3970873"/>
-                <a:ext cx="321370" cy="430887"/>
-              </a:xfrm>
-              <a:prstGeom prst="rect">
-                <a:avLst/>
-              </a:prstGeom>
-              <a:noFill/>
-            </p:spPr>
-            <p:txBody>
-              <a:bodyPr wrap="none" lIns="0" tIns="0" rIns="0" bIns="0" rtlCol="0">
-                <a:spAutoFit/>
-              </a:bodyPr>
-              <a:lstStyle/>
-              <a:p>
-                <a:pPr/>
-                <a14:m>
-                  <m:oMathPara xmlns:m="http://schemas.openxmlformats.org/officeDocument/2006/math">
-                    <m:oMathParaPr>
-                      <m:jc m:val="centerGroup"/>
-                    </m:oMathParaPr>
-                    <m:oMath xmlns:m="http://schemas.openxmlformats.org/officeDocument/2006/math">
-                      <m:r>
-                        <a:rPr lang="en-US" sz="2800" b="0" i="1" smtClean="0">
-                          <a:latin typeface="Cambria Math" charset="0"/>
-                        </a:rPr>
-                        <m:t>𝑋</m:t>
-                      </m:r>
-                    </m:oMath>
-                  </m:oMathPara>
-                </a14:m>
-                <a:endParaRPr lang="en-US" sz="2800" dirty="0" smtClean="0"/>
-              </a:p>
-            </p:txBody>
-          </p:sp>
-        </mc:Choice>
-        <mc:Fallback>
-          <p:sp>
-            <p:nvSpPr>
-              <p:cNvPr id="182" name="TextBox 181"/>
-              <p:cNvSpPr txBox="1">
-                <a:spLocks noRot="1" noChangeAspect="1" noMove="1" noResize="1" noEditPoints="1" noAdjustHandles="1" noChangeArrowheads="1" noChangeShapeType="1" noTextEdit="1"/>
-              </p:cNvSpPr>
-              <p:nvPr/>
-            </p:nvSpPr>
-            <p:spPr>
-              <a:xfrm>
-                <a:off x="8116781" y="3970873"/>
-                <a:ext cx="321370" cy="430887"/>
-              </a:xfrm>
-              <a:prstGeom prst="rect">
-                <a:avLst/>
-              </a:prstGeom>
-              <a:blipFill rotWithShape="0">
-                <a:blip r:embed="rId4"/>
-                <a:stretch>
-                  <a:fillRect/>
-                </a:stretch>
-              </a:blipFill>
-            </p:spPr>
-            <p:txBody>
-              <a:bodyPr/>
-              <a:lstStyle/>
-              <a:p>
-                <a:r>
-                  <a:rPr lang="en-US">
-                    <a:noFill/>
-                  </a:rPr>
-                  <a:t> </a:t>
-                </a:r>
-              </a:p>
-            </p:txBody>
-          </p:sp>
-        </mc:Fallback>
-      </mc:AlternateContent>
-      <p:grpSp>
-        <p:nvGrpSpPr>
-          <p:cNvPr id="2" name="Group 1"/>
-          <p:cNvGrpSpPr/>
-          <p:nvPr/>
-        </p:nvGrpSpPr>
-        <p:grpSpPr>
-          <a:xfrm>
-            <a:off x="9302924" y="3328067"/>
-            <a:ext cx="759054" cy="1547241"/>
-            <a:chOff x="9223209" y="2450253"/>
-            <a:chExt cx="759054" cy="1547241"/>
-          </a:xfrm>
-        </p:grpSpPr>
-        <mc:AlternateContent xmlns:mc="http://schemas.openxmlformats.org/markup-compatibility/2006" xmlns:a14="http://schemas.microsoft.com/office/drawing/2010/main">
-          <mc:Choice Requires="a14">
-            <p:sp>
-              <p:nvSpPr>
-                <p:cNvPr id="51" name="TextBox 50"/>
-                <p:cNvSpPr txBox="1"/>
-                <p:nvPr/>
-              </p:nvSpPr>
-              <p:spPr>
-                <a:xfrm>
-                  <a:off x="9223209" y="2450253"/>
-                  <a:ext cx="751039" cy="276999"/>
-                </a:xfrm>
-                <a:prstGeom prst="rect">
-                  <a:avLst/>
-                </a:prstGeom>
-                <a:noFill/>
-              </p:spPr>
-              <p:txBody>
-                <a:bodyPr wrap="none" lIns="0" tIns="0" rIns="0" bIns="0" rtlCol="0">
-                  <a:spAutoFit/>
-                </a:bodyPr>
-                <a:lstStyle/>
-                <a:p>
-                  <a:pPr/>
-                  <a14:m>
-                    <m:oMathPara xmlns:m="http://schemas.openxmlformats.org/officeDocument/2006/math">
-                      <m:oMathParaPr>
-                        <m:jc m:val="centerGroup"/>
-                      </m:oMathParaPr>
-                      <m:oMath xmlns:m="http://schemas.openxmlformats.org/officeDocument/2006/math">
-                        <m:r>
-                          <a:rPr lang="en-US" b="0" i="1" smtClean="0">
-                            <a:latin typeface="Cambria Math" charset="0"/>
-                          </a:rPr>
-                          <m:t>𝑒</m:t>
-                        </m:r>
-                        <m:r>
-                          <a:rPr lang="en-US" b="0" i="1" smtClean="0">
-                            <a:latin typeface="Cambria Math" charset="0"/>
-                          </a:rPr>
-                          <m:t>1=</m:t>
-                        </m:r>
-                        <m:r>
-                          <a:rPr lang="en-US" b="0" i="1" smtClean="0">
-                            <a:latin typeface="Cambria Math" charset="0"/>
-                          </a:rPr>
-                          <m:t>𝑋</m:t>
-                        </m:r>
-                      </m:oMath>
-                    </m:oMathPara>
-                  </a14:m>
-                  <a:endParaRPr lang="en-US" dirty="0" smtClean="0"/>
-                </a:p>
-              </p:txBody>
-            </p:sp>
-          </mc:Choice>
-          <mc:Fallback xmlns="">
-            <p:sp>
-              <p:nvSpPr>
-                <p:cNvPr id="51" name="TextBox 50"/>
-                <p:cNvSpPr txBox="1">
-                  <a:spLocks noRot="1" noChangeAspect="1" noMove="1" noResize="1" noEditPoints="1" noAdjustHandles="1" noChangeArrowheads="1" noChangeShapeType="1" noTextEdit="1"/>
-                </p:cNvSpPr>
-                <p:nvPr/>
-              </p:nvSpPr>
-              <p:spPr>
-                <a:xfrm>
-                  <a:off x="9223209" y="2450253"/>
-                  <a:ext cx="751039" cy="276999"/>
-                </a:xfrm>
-                <a:prstGeom prst="rect">
-                  <a:avLst/>
-                </a:prstGeom>
-                <a:blipFill rotWithShape="0">
-                  <a:blip r:embed="rId5"/>
-                  <a:stretch>
-                    <a:fillRect l="-6504" r="-6504" b="-6667"/>
-                  </a:stretch>
-                </a:blipFill>
-              </p:spPr>
-              <p:txBody>
-                <a:bodyPr/>
-                <a:lstStyle/>
-                <a:p>
-                  <a:r>
-                    <a:rPr lang="en-US">
-                      <a:noFill/>
-                    </a:rPr>
-                    <a:t> </a:t>
-                  </a:r>
-                </a:p>
-              </p:txBody>
-            </p:sp>
-          </mc:Fallback>
-        </mc:AlternateContent>
-        <mc:AlternateContent xmlns:mc="http://schemas.openxmlformats.org/markup-compatibility/2006" xmlns:a14="http://schemas.microsoft.com/office/drawing/2010/main">
-          <mc:Choice Requires="a14">
-            <p:sp>
-              <p:nvSpPr>
-                <p:cNvPr id="52" name="TextBox 51"/>
-                <p:cNvSpPr txBox="1"/>
-                <p:nvPr/>
-              </p:nvSpPr>
-              <p:spPr>
-                <a:xfrm>
-                  <a:off x="9231224" y="2750877"/>
-                  <a:ext cx="751039" cy="276999"/>
-                </a:xfrm>
-                <a:prstGeom prst="rect">
-                  <a:avLst/>
-                </a:prstGeom>
-                <a:noFill/>
-              </p:spPr>
-              <p:txBody>
-                <a:bodyPr wrap="none" lIns="0" tIns="0" rIns="0" bIns="0" rtlCol="0">
-                  <a:spAutoFit/>
-                </a:bodyPr>
-                <a:lstStyle/>
-                <a:p>
-                  <a:pPr/>
-                  <a14:m>
-                    <m:oMathPara xmlns:m="http://schemas.openxmlformats.org/officeDocument/2006/math">
-                      <m:oMathParaPr>
-                        <m:jc m:val="centerGroup"/>
-                      </m:oMathParaPr>
-                      <m:oMath xmlns:m="http://schemas.openxmlformats.org/officeDocument/2006/math">
-                        <m:r>
-                          <a:rPr lang="en-US" b="0" i="1" smtClean="0">
-                            <a:latin typeface="Cambria Math" charset="0"/>
-                          </a:rPr>
-                          <m:t>𝑒</m:t>
-                        </m:r>
-                        <m:r>
-                          <a:rPr lang="en-US" b="0" i="1" smtClean="0">
-                            <a:latin typeface="Cambria Math" charset="0"/>
-                          </a:rPr>
-                          <m:t>2=</m:t>
-                        </m:r>
-                        <m:r>
-                          <a:rPr lang="en-US" b="0" i="1" smtClean="0">
-                            <a:latin typeface="Cambria Math" charset="0"/>
-                          </a:rPr>
-                          <m:t>𝑋</m:t>
-                        </m:r>
-                      </m:oMath>
-                    </m:oMathPara>
-                  </a14:m>
-                  <a:endParaRPr lang="en-US" dirty="0" smtClean="0"/>
-                </a:p>
-              </p:txBody>
-            </p:sp>
-          </mc:Choice>
-          <mc:Fallback xmlns="">
-            <p:sp>
-              <p:nvSpPr>
-                <p:cNvPr id="52" name="TextBox 51"/>
-                <p:cNvSpPr txBox="1">
-                  <a:spLocks noRot="1" noChangeAspect="1" noMove="1" noResize="1" noEditPoints="1" noAdjustHandles="1" noChangeArrowheads="1" noChangeShapeType="1" noTextEdit="1"/>
-                </p:cNvSpPr>
-                <p:nvPr/>
-              </p:nvSpPr>
-              <p:spPr>
-                <a:xfrm>
-                  <a:off x="9231224" y="2750877"/>
-                  <a:ext cx="751039" cy="276999"/>
-                </a:xfrm>
-                <a:prstGeom prst="rect">
-                  <a:avLst/>
-                </a:prstGeom>
-                <a:blipFill rotWithShape="0">
-                  <a:blip r:embed="rId6"/>
-                  <a:stretch>
-                    <a:fillRect l="-7317" r="-6504" b="-6667"/>
-                  </a:stretch>
-                </a:blipFill>
-              </p:spPr>
-              <p:txBody>
-                <a:bodyPr/>
-                <a:lstStyle/>
-                <a:p>
-                  <a:r>
-                    <a:rPr lang="en-US">
-                      <a:noFill/>
-                    </a:rPr>
-                    <a:t> </a:t>
-                  </a:r>
-                </a:p>
-              </p:txBody>
-            </p:sp>
-          </mc:Fallback>
-        </mc:AlternateContent>
-        <mc:AlternateContent xmlns:mc="http://schemas.openxmlformats.org/markup-compatibility/2006" xmlns:a14="http://schemas.microsoft.com/office/drawing/2010/main">
-          <mc:Choice Requires="a14">
-            <p:sp>
-              <p:nvSpPr>
-                <p:cNvPr id="53" name="TextBox 52"/>
-                <p:cNvSpPr txBox="1"/>
-                <p:nvPr/>
-              </p:nvSpPr>
-              <p:spPr>
-                <a:xfrm>
-                  <a:off x="9223209" y="3070991"/>
-                  <a:ext cx="724557" cy="276999"/>
-                </a:xfrm>
-                <a:prstGeom prst="rect">
-                  <a:avLst/>
-                </a:prstGeom>
-                <a:noFill/>
-              </p:spPr>
-              <p:txBody>
-                <a:bodyPr wrap="none" lIns="0" tIns="0" rIns="0" bIns="0" rtlCol="0">
-                  <a:spAutoFit/>
-                </a:bodyPr>
-                <a:lstStyle/>
-                <a:p>
-                  <a:pPr/>
-                  <a14:m>
-                    <m:oMathPara xmlns:m="http://schemas.openxmlformats.org/officeDocument/2006/math">
-                      <m:oMathParaPr>
-                        <m:jc m:val="centerGroup"/>
-                      </m:oMathParaPr>
-                      <m:oMath xmlns:m="http://schemas.openxmlformats.org/officeDocument/2006/math">
-                        <m:r>
-                          <a:rPr lang="en-US" b="0" i="1" smtClean="0">
-                            <a:latin typeface="Cambria Math" charset="0"/>
-                          </a:rPr>
-                          <m:t>𝑒</m:t>
-                        </m:r>
-                        <m:r>
-                          <a:rPr lang="en-US" b="0" i="1" smtClean="0">
-                            <a:latin typeface="Cambria Math" charset="0"/>
-                          </a:rPr>
-                          <m:t>1=1</m:t>
-                        </m:r>
-                      </m:oMath>
-                    </m:oMathPara>
-                  </a14:m>
-                  <a:endParaRPr lang="en-US" dirty="0" smtClean="0"/>
-                </a:p>
-              </p:txBody>
-            </p:sp>
-          </mc:Choice>
-          <mc:Fallback xmlns="">
-            <p:sp>
-              <p:nvSpPr>
-                <p:cNvPr id="53" name="TextBox 52"/>
-                <p:cNvSpPr txBox="1">
-                  <a:spLocks noRot="1" noChangeAspect="1" noMove="1" noResize="1" noEditPoints="1" noAdjustHandles="1" noChangeArrowheads="1" noChangeShapeType="1" noTextEdit="1"/>
-                </p:cNvSpPr>
-                <p:nvPr/>
-              </p:nvSpPr>
-              <p:spPr>
-                <a:xfrm>
-                  <a:off x="9223209" y="3070991"/>
-                  <a:ext cx="724557" cy="276999"/>
-                </a:xfrm>
-                <a:prstGeom prst="rect">
-                  <a:avLst/>
-                </a:prstGeom>
-                <a:blipFill rotWithShape="0">
-                  <a:blip r:embed="rId7"/>
-                  <a:stretch>
-                    <a:fillRect l="-6723" r="-7563" b="-6522"/>
-                  </a:stretch>
-                </a:blipFill>
-              </p:spPr>
-              <p:txBody>
-                <a:bodyPr/>
-                <a:lstStyle/>
-                <a:p>
-                  <a:r>
-                    <a:rPr lang="en-US">
-                      <a:noFill/>
-                    </a:rPr>
-                    <a:t> </a:t>
-                  </a:r>
-                </a:p>
-              </p:txBody>
-            </p:sp>
-          </mc:Fallback>
-        </mc:AlternateContent>
-        <mc:AlternateContent xmlns:mc="http://schemas.openxmlformats.org/markup-compatibility/2006" xmlns:a14="http://schemas.microsoft.com/office/drawing/2010/main">
-          <mc:Choice Requires="a14">
-            <p:sp>
-              <p:nvSpPr>
-                <p:cNvPr id="54" name="TextBox 53"/>
-                <p:cNvSpPr txBox="1"/>
-                <p:nvPr/>
-              </p:nvSpPr>
-              <p:spPr>
-                <a:xfrm>
-                  <a:off x="9223209" y="3395743"/>
-                  <a:ext cx="724557" cy="276999"/>
-                </a:xfrm>
-                <a:prstGeom prst="rect">
-                  <a:avLst/>
-                </a:prstGeom>
-                <a:noFill/>
-              </p:spPr>
-              <p:txBody>
-                <a:bodyPr wrap="none" lIns="0" tIns="0" rIns="0" bIns="0" rtlCol="0">
-                  <a:spAutoFit/>
-                </a:bodyPr>
-                <a:lstStyle/>
-                <a:p>
-                  <a:pPr/>
-                  <a14:m>
-                    <m:oMathPara xmlns:m="http://schemas.openxmlformats.org/officeDocument/2006/math">
-                      <m:oMathParaPr>
-                        <m:jc m:val="centerGroup"/>
-                      </m:oMathParaPr>
-                      <m:oMath xmlns:m="http://schemas.openxmlformats.org/officeDocument/2006/math">
-                        <m:r>
-                          <a:rPr lang="en-US" b="0" i="1" smtClean="0">
-                            <a:latin typeface="Cambria Math" charset="0"/>
-                          </a:rPr>
-                          <m:t>𝑒</m:t>
-                        </m:r>
-                        <m:r>
-                          <a:rPr lang="en-US" b="0" i="1" smtClean="0">
-                            <a:latin typeface="Cambria Math" charset="0"/>
-                          </a:rPr>
-                          <m:t>2=1</m:t>
-                        </m:r>
-                      </m:oMath>
-                    </m:oMathPara>
-                  </a14:m>
-                  <a:endParaRPr lang="en-US" dirty="0" smtClean="0"/>
-                </a:p>
-              </p:txBody>
-            </p:sp>
-          </mc:Choice>
-          <mc:Fallback xmlns="">
-            <p:sp>
-              <p:nvSpPr>
-                <p:cNvPr id="54" name="TextBox 53"/>
-                <p:cNvSpPr txBox="1">
-                  <a:spLocks noRot="1" noChangeAspect="1" noMove="1" noResize="1" noEditPoints="1" noAdjustHandles="1" noChangeArrowheads="1" noChangeShapeType="1" noTextEdit="1"/>
-                </p:cNvSpPr>
-                <p:nvPr/>
-              </p:nvSpPr>
-              <p:spPr>
-                <a:xfrm>
-                  <a:off x="9223209" y="3395743"/>
-                  <a:ext cx="724557" cy="276999"/>
-                </a:xfrm>
-                <a:prstGeom prst="rect">
-                  <a:avLst/>
-                </a:prstGeom>
-                <a:blipFill rotWithShape="0">
-                  <a:blip r:embed="rId8"/>
-                  <a:stretch>
-                    <a:fillRect l="-6723" r="-7563" b="-6667"/>
-                  </a:stretch>
-                </a:blipFill>
-              </p:spPr>
-              <p:txBody>
-                <a:bodyPr/>
-                <a:lstStyle/>
-                <a:p>
-                  <a:r>
-                    <a:rPr lang="en-US">
-                      <a:noFill/>
-                    </a:rPr>
-                    <a:t> </a:t>
-                  </a:r>
-                </a:p>
-              </p:txBody>
-            </p:sp>
-          </mc:Fallback>
-        </mc:AlternateContent>
-        <mc:AlternateContent xmlns:mc="http://schemas.openxmlformats.org/markup-compatibility/2006" xmlns:a14="http://schemas.microsoft.com/office/drawing/2010/main">
-          <mc:Choice Requires="a14">
-            <p:sp>
-              <p:nvSpPr>
-                <p:cNvPr id="55" name="TextBox 54"/>
-                <p:cNvSpPr txBox="1"/>
-                <p:nvPr/>
-              </p:nvSpPr>
-              <p:spPr>
-                <a:xfrm>
-                  <a:off x="9231224" y="3720495"/>
-                  <a:ext cx="637226" cy="276999"/>
-                </a:xfrm>
-                <a:prstGeom prst="rect">
-                  <a:avLst/>
-                </a:prstGeom>
-                <a:noFill/>
-              </p:spPr>
-              <p:txBody>
-                <a:bodyPr wrap="none" lIns="0" tIns="0" rIns="0" bIns="0" rtlCol="0">
-                  <a:spAutoFit/>
-                </a:bodyPr>
-                <a:lstStyle/>
-                <a:p>
-                  <a:pPr/>
-                  <a14:m>
-                    <m:oMathPara xmlns:m="http://schemas.openxmlformats.org/officeDocument/2006/math">
-                      <m:oMathParaPr>
-                        <m:jc m:val="centerGroup"/>
-                      </m:oMathParaPr>
-                      <m:oMath xmlns:m="http://schemas.openxmlformats.org/officeDocument/2006/math">
-                        <m:r>
-                          <a:rPr lang="en-US" b="0" i="1" smtClean="0">
-                            <a:latin typeface="Cambria Math" charset="0"/>
-                          </a:rPr>
-                          <m:t>𝑋</m:t>
-                        </m:r>
-                        <m:r>
-                          <a:rPr lang="en-US" b="0" i="1" smtClean="0">
-                            <a:latin typeface="Cambria Math" charset="0"/>
-                          </a:rPr>
-                          <m:t>≥1</m:t>
-                        </m:r>
-                      </m:oMath>
-                    </m:oMathPara>
-                  </a14:m>
-                  <a:endParaRPr lang="en-US" dirty="0" smtClean="0"/>
-                </a:p>
-              </p:txBody>
-            </p:sp>
-          </mc:Choice>
-          <mc:Fallback xmlns="">
-            <p:sp>
-              <p:nvSpPr>
-                <p:cNvPr id="55" name="TextBox 54"/>
-                <p:cNvSpPr txBox="1">
-                  <a:spLocks noRot="1" noChangeAspect="1" noMove="1" noResize="1" noEditPoints="1" noAdjustHandles="1" noChangeArrowheads="1" noChangeShapeType="1" noTextEdit="1"/>
-                </p:cNvSpPr>
-                <p:nvPr/>
-              </p:nvSpPr>
-              <p:spPr>
-                <a:xfrm>
-                  <a:off x="9231224" y="3720495"/>
-                  <a:ext cx="637226" cy="276999"/>
-                </a:xfrm>
-                <a:prstGeom prst="rect">
-                  <a:avLst/>
-                </a:prstGeom>
-                <a:blipFill rotWithShape="0">
-                  <a:blip r:embed="rId9"/>
-                  <a:stretch>
-                    <a:fillRect l="-7692" r="-8654" b="-11111"/>
-                  </a:stretch>
-                </a:blipFill>
-              </p:spPr>
-              <p:txBody>
-                <a:bodyPr/>
-                <a:lstStyle/>
-                <a:p>
-                  <a:r>
-                    <a:rPr lang="en-US">
-                      <a:noFill/>
-                    </a:rPr>
-                    <a:t> </a:t>
-                  </a:r>
-                </a:p>
-              </p:txBody>
-            </p:sp>
-          </mc:Fallback>
-        </mc:AlternateContent>
-      </p:grpSp>
-      <mc:AlternateContent xmlns:mc="http://schemas.openxmlformats.org/markup-compatibility/2006">
-        <mc:Choice xmlns:a14="http://schemas.microsoft.com/office/drawing/2010/main" Requires="a14">
-          <p:sp>
-            <p:nvSpPr>
-              <p:cNvPr id="61" name="TextBox 60"/>
-              <p:cNvSpPr txBox="1"/>
-              <p:nvPr/>
-            </p:nvSpPr>
-            <p:spPr>
-              <a:xfrm>
-                <a:off x="1742504" y="2372266"/>
-                <a:ext cx="696216" cy="276999"/>
-              </a:xfrm>
-              <a:prstGeom prst="rect">
-                <a:avLst/>
-              </a:prstGeom>
-              <a:noFill/>
-            </p:spPr>
-            <p:txBody>
-              <a:bodyPr wrap="none" lIns="0" tIns="0" rIns="0" bIns="0" rtlCol="0">
-                <a:spAutoFit/>
-              </a:bodyPr>
-              <a:lstStyle/>
-              <a:p>
-                <a:pPr/>
-                <a14:m>
-                  <m:oMathPara xmlns:m="http://schemas.openxmlformats.org/officeDocument/2006/math">
-                    <m:oMathParaPr>
-                      <m:jc m:val="centerGroup"/>
-                    </m:oMathParaPr>
-                    <m:oMath xmlns:m="http://schemas.openxmlformats.org/officeDocument/2006/math">
-                      <m:sSub>
-                        <m:sSubPr>
-                          <m:ctrlPr>
-                            <a:rPr lang="en-US" b="0" i="1" smtClean="0">
-                              <a:latin typeface="Cambria Math" charset="0"/>
-                            </a:rPr>
-                          </m:ctrlPr>
-                        </m:sSubPr>
-                        <m:e>
-                          <m:r>
-                            <a:rPr lang="en-US" b="0" i="1" smtClean="0">
-                              <a:latin typeface="Cambria Math" charset="0"/>
-                            </a:rPr>
-                            <m:t>𝑆</m:t>
-                          </m:r>
-                        </m:e>
-                        <m:sub>
-                          <m:r>
-                            <a:rPr lang="en-US" b="0" i="1" smtClean="0">
-                              <a:latin typeface="Cambria Math" charset="0"/>
-                            </a:rPr>
-                            <m:t>1</m:t>
-                          </m:r>
-                        </m:sub>
-                      </m:sSub>
-                      <m:r>
-                        <a:rPr lang="en-US" b="0" i="1" smtClean="0">
-                          <a:latin typeface="Cambria Math" charset="0"/>
-                        </a:rPr>
-                        <m:t>=3</m:t>
-                      </m:r>
-                    </m:oMath>
-                  </m:oMathPara>
-                </a14:m>
-                <a:endParaRPr lang="en-US" dirty="0" smtClean="0"/>
-              </a:p>
-            </p:txBody>
-          </p:sp>
-        </mc:Choice>
-        <mc:Fallback>
-          <p:sp>
-            <p:nvSpPr>
-              <p:cNvPr id="61" name="TextBox 60"/>
-              <p:cNvSpPr txBox="1">
-                <a:spLocks noRot="1" noChangeAspect="1" noMove="1" noResize="1" noEditPoints="1" noAdjustHandles="1" noChangeArrowheads="1" noChangeShapeType="1" noTextEdit="1"/>
-              </p:cNvSpPr>
-              <p:nvPr/>
-            </p:nvSpPr>
-            <p:spPr>
-              <a:xfrm>
-                <a:off x="1742504" y="2372266"/>
-                <a:ext cx="696216" cy="276999"/>
-              </a:xfrm>
-              <a:prstGeom prst="rect">
-                <a:avLst/>
-              </a:prstGeom>
-              <a:blipFill rotWithShape="0">
-                <a:blip r:embed="rId10"/>
-                <a:stretch>
-                  <a:fillRect l="-7895" r="-7018" b="-15217"/>
-                </a:stretch>
-              </a:blipFill>
-            </p:spPr>
-            <p:txBody>
-              <a:bodyPr/>
-              <a:lstStyle/>
-              <a:p>
-                <a:r>
-                  <a:rPr lang="en-US">
-                    <a:noFill/>
-                  </a:rPr>
-                  <a:t> </a:t>
-                </a:r>
-              </a:p>
-            </p:txBody>
-          </p:sp>
-        </mc:Fallback>
-      </mc:AlternateContent>
-      <mc:AlternateContent xmlns:mc="http://schemas.openxmlformats.org/markup-compatibility/2006">
-        <mc:Choice xmlns:a14="http://schemas.microsoft.com/office/drawing/2010/main" Requires="a14">
-          <p:sp>
-            <p:nvSpPr>
-              <p:cNvPr id="62" name="TextBox 61"/>
-              <p:cNvSpPr txBox="1"/>
-              <p:nvPr/>
-            </p:nvSpPr>
-            <p:spPr>
-              <a:xfrm>
-                <a:off x="1739843" y="2796606"/>
-                <a:ext cx="701538" cy="276999"/>
-              </a:xfrm>
-              <a:prstGeom prst="rect">
-                <a:avLst/>
-              </a:prstGeom>
-              <a:noFill/>
-            </p:spPr>
-            <p:txBody>
-              <a:bodyPr wrap="none" lIns="0" tIns="0" rIns="0" bIns="0" rtlCol="0">
-                <a:spAutoFit/>
-              </a:bodyPr>
-              <a:lstStyle/>
-              <a:p>
-                <a:pPr/>
-                <a14:m>
-                  <m:oMathPara xmlns:m="http://schemas.openxmlformats.org/officeDocument/2006/math">
-                    <m:oMathParaPr>
-                      <m:jc m:val="centerGroup"/>
-                    </m:oMathParaPr>
-                    <m:oMath xmlns:m="http://schemas.openxmlformats.org/officeDocument/2006/math">
-                      <m:sSub>
-                        <m:sSubPr>
-                          <m:ctrlPr>
-                            <a:rPr lang="en-US" b="0" i="1" smtClean="0">
-                              <a:latin typeface="Cambria Math" charset="0"/>
-                            </a:rPr>
-                          </m:ctrlPr>
-                        </m:sSubPr>
-                        <m:e>
-                          <m:r>
-                            <a:rPr lang="en-US" b="0" i="1" smtClean="0">
-                              <a:latin typeface="Cambria Math" charset="0"/>
-                            </a:rPr>
-                            <m:t>𝑆</m:t>
-                          </m:r>
-                        </m:e>
-                        <m:sub>
-                          <m:r>
-                            <a:rPr lang="en-US" b="0" i="1" smtClean="0">
-                              <a:latin typeface="Cambria Math" charset="0"/>
-                            </a:rPr>
-                            <m:t>2</m:t>
-                          </m:r>
-                        </m:sub>
-                      </m:sSub>
-                      <m:r>
-                        <a:rPr lang="en-US" b="0" i="1" smtClean="0">
-                          <a:latin typeface="Cambria Math" charset="0"/>
-                        </a:rPr>
-                        <m:t>=3</m:t>
-                      </m:r>
-                    </m:oMath>
-                  </m:oMathPara>
-                </a14:m>
-                <a:endParaRPr lang="en-US" dirty="0" smtClean="0"/>
-              </a:p>
-            </p:txBody>
-          </p:sp>
-        </mc:Choice>
-        <mc:Fallback>
-          <p:sp>
-            <p:nvSpPr>
-              <p:cNvPr id="62" name="TextBox 61"/>
-              <p:cNvSpPr txBox="1">
-                <a:spLocks noRot="1" noChangeAspect="1" noMove="1" noResize="1" noEditPoints="1" noAdjustHandles="1" noChangeArrowheads="1" noChangeShapeType="1" noTextEdit="1"/>
-              </p:cNvSpPr>
-              <p:nvPr/>
-            </p:nvSpPr>
-            <p:spPr>
-              <a:xfrm>
-                <a:off x="1739843" y="2796606"/>
-                <a:ext cx="701538" cy="276999"/>
-              </a:xfrm>
-              <a:prstGeom prst="rect">
-                <a:avLst/>
-              </a:prstGeom>
-              <a:blipFill rotWithShape="0">
-                <a:blip r:embed="rId11"/>
-                <a:stretch>
-                  <a:fillRect l="-6957" r="-7826" b="-15556"/>
-                </a:stretch>
-              </a:blipFill>
-            </p:spPr>
-            <p:txBody>
-              <a:bodyPr/>
-              <a:lstStyle/>
-              <a:p>
-                <a:r>
-                  <a:rPr lang="en-US">
-                    <a:noFill/>
-                  </a:rPr>
-                  <a:t> </a:t>
-                </a:r>
-              </a:p>
-            </p:txBody>
-          </p:sp>
-        </mc:Fallback>
-      </mc:AlternateContent>
-      <mc:AlternateContent xmlns:mc="http://schemas.openxmlformats.org/markup-compatibility/2006">
-        <mc:Choice xmlns:a14="http://schemas.microsoft.com/office/drawing/2010/main" Requires="a14">
-          <p:sp>
-            <p:nvSpPr>
-              <p:cNvPr id="63" name="TextBox 62"/>
-              <p:cNvSpPr txBox="1"/>
-              <p:nvPr/>
-            </p:nvSpPr>
-            <p:spPr>
-              <a:xfrm>
-                <a:off x="1739843" y="2000440"/>
-                <a:ext cx="610680" cy="276999"/>
-              </a:xfrm>
-              <a:prstGeom prst="rect">
-                <a:avLst/>
-              </a:prstGeom>
-              <a:noFill/>
-            </p:spPr>
-            <p:txBody>
-              <a:bodyPr wrap="none" lIns="0" tIns="0" rIns="0" bIns="0" rtlCol="0">
-                <a:spAutoFit/>
-              </a:bodyPr>
-              <a:lstStyle/>
-              <a:p>
-                <a:pPr/>
-                <a14:m>
-                  <m:oMathPara xmlns:m="http://schemas.openxmlformats.org/officeDocument/2006/math">
-                    <m:oMathParaPr>
-                      <m:jc m:val="centerGroup"/>
-                    </m:oMathParaPr>
-                    <m:oMath xmlns:m="http://schemas.openxmlformats.org/officeDocument/2006/math">
-                      <m:r>
-                        <a:rPr lang="en-US" i="1">
-                          <a:latin typeface="Cambria Math" charset="0"/>
-                        </a:rPr>
-                        <m:t>𝐿</m:t>
-                      </m:r>
-                      <m:r>
-                        <a:rPr lang="en-US" i="1">
-                          <a:latin typeface="Cambria Math" charset="0"/>
-                        </a:rPr>
-                        <m:t>=2</m:t>
-                      </m:r>
-                    </m:oMath>
-                  </m:oMathPara>
-                </a14:m>
-                <a:endParaRPr lang="en-US" dirty="0"/>
-              </a:p>
-            </p:txBody>
-          </p:sp>
-        </mc:Choice>
-        <mc:Fallback>
-          <p:sp>
-            <p:nvSpPr>
-              <p:cNvPr id="63" name="TextBox 62"/>
-              <p:cNvSpPr txBox="1">
-                <a:spLocks noRot="1" noChangeAspect="1" noMove="1" noResize="1" noEditPoints="1" noAdjustHandles="1" noChangeArrowheads="1" noChangeShapeType="1" noTextEdit="1"/>
-              </p:cNvSpPr>
-              <p:nvPr/>
-            </p:nvSpPr>
-            <p:spPr>
-              <a:xfrm>
-                <a:off x="1739843" y="2000440"/>
-                <a:ext cx="610680" cy="276999"/>
-              </a:xfrm>
-              <a:prstGeom prst="rect">
-                <a:avLst/>
-              </a:prstGeom>
-              <a:blipFill rotWithShape="0">
-                <a:blip r:embed="rId12"/>
-                <a:stretch>
-                  <a:fillRect l="-7921" r="-7921" b="-6522"/>
-                </a:stretch>
-              </a:blipFill>
-            </p:spPr>
-            <p:txBody>
-              <a:bodyPr/>
-              <a:lstStyle/>
-              <a:p>
-                <a:r>
-                  <a:rPr lang="en-US">
-                    <a:noFill/>
-                  </a:rPr>
-                  <a:t> </a:t>
-                </a:r>
-              </a:p>
-            </p:txBody>
-          </p:sp>
-        </mc:Fallback>
-      </mc:AlternateContent>
-      <p:sp>
-        <p:nvSpPr>
-          <p:cNvPr id="3" name="TextBox 2"/>
-          <p:cNvSpPr txBox="1"/>
-          <p:nvPr/>
-        </p:nvSpPr>
-        <p:spPr>
-          <a:xfrm>
-            <a:off x="-472440" y="-472440"/>
-            <a:ext cx="184731" cy="369332"/>
-          </a:xfrm>
-          <a:prstGeom prst="rect">
-            <a:avLst/>
-          </a:prstGeom>
-          <a:noFill/>
-        </p:spPr>
-        <p:txBody>
-          <a:bodyPr wrap="none" rtlCol="0">
-            <a:spAutoFit/>
-          </a:bodyPr>
-          <a:lstStyle/>
-          <a:p>
-            <a:endParaRPr lang="en-US"/>
-          </a:p>
-        </p:txBody>
-      </p:sp>
-    </p:spTree>
-    <p:extLst>
-      <p:ext uri="{BB962C8B-B14F-4D97-AF65-F5344CB8AC3E}">
-        <p14:creationId xmlns:p14="http://schemas.microsoft.com/office/powerpoint/2010/main" val="175133456"/>
-      </p:ext>
-    </p:extLst>
-  </p:cSld>
-  <p:clrMapOvr>
-    <a:masterClrMapping/>
-  </p:clrMapOvr>
-</p:sld>
-</file>
-
-<file path=ppt/slides/slide15.xml><?xml version="1.0" encoding="utf-8"?>
 <p:sld xmlns:a="http://schemas.openxmlformats.org/drawingml/2006/main" xmlns:r="http://schemas.openxmlformats.org/officeDocument/2006/relationships" xmlns:p="http://schemas.openxmlformats.org/presentationml/2006/main">
   <p:cSld>
     <p:spTree>

--- a/paper/abstraction/figures/examples.pptx
+++ b/paper/abstraction/figures/examples.pptx
@@ -5,7 +5,7 @@
     <p:sldMasterId id="2147483648" r:id="rId1"/>
   </p:sldMasterIdLst>
   <p:notesMasterIdLst>
-    <p:notesMasterId r:id="rId16"/>
+    <p:notesMasterId r:id="rId17"/>
   </p:notesMasterIdLst>
   <p:sldIdLst>
     <p:sldId id="412" r:id="rId2"/>
@@ -19,9 +19,10 @@
     <p:sldId id="419" r:id="rId10"/>
     <p:sldId id="420" r:id="rId11"/>
     <p:sldId id="423" r:id="rId12"/>
-    <p:sldId id="424" r:id="rId13"/>
-    <p:sldId id="426" r:id="rId14"/>
-    <p:sldId id="428" r:id="rId15"/>
+    <p:sldId id="429" r:id="rId13"/>
+    <p:sldId id="424" r:id="rId14"/>
+    <p:sldId id="426" r:id="rId15"/>
+    <p:sldId id="428" r:id="rId16"/>
   </p:sldIdLst>
   <p:sldSz cx="12192000" cy="6858000"/>
   <p:notesSz cx="6858000" cy="9144000"/>
@@ -177,7 +178,7 @@
             </a:lvl1pPr>
           </a:lstStyle>
           <a:p>
-            <a:endParaRPr lang="en-US"/>
+            <a:endParaRPr lang="en-US" dirty="0"/>
           </a:p>
         </p:txBody>
       </p:sp>
@@ -212,7 +213,7 @@
               <a:rPr lang="en-US" smtClean="0"/>
               <a:t>11/13/16</a:t>
             </a:fld>
-            <a:endParaRPr lang="en-US"/>
+            <a:endParaRPr lang="en-US" dirty="0"/>
           </a:p>
         </p:txBody>
       </p:sp>
@@ -245,7 +246,7 @@
           <a:bodyPr vert="horz" lIns="91440" tIns="45720" rIns="91440" bIns="45720" rtlCol="0" anchor="ctr"/>
           <a:lstStyle/>
           <a:p>
-            <a:endParaRPr lang="en-US"/>
+            <a:endParaRPr lang="en-US" dirty="0"/>
           </a:p>
         </p:txBody>
       </p:sp>
@@ -336,7 +337,7 @@
             </a:lvl1pPr>
           </a:lstStyle>
           <a:p>
-            <a:endParaRPr lang="en-US"/>
+            <a:endParaRPr lang="en-US" dirty="0"/>
           </a:p>
         </p:txBody>
       </p:sp>
@@ -371,7 +372,7 @@
               <a:rPr lang="en-US" smtClean="0"/>
               <a:t>‹#›</a:t>
             </a:fld>
-            <a:endParaRPr lang="en-US"/>
+            <a:endParaRPr lang="en-US" dirty="0"/>
           </a:p>
         </p:txBody>
       </p:sp>
@@ -545,7 +546,7 @@
               <a:rPr lang="en-US" smtClean="0"/>
               <a:t>8</a:t>
             </a:fld>
-            <a:endParaRPr lang="en-US"/>
+            <a:endParaRPr lang="en-US" dirty="0"/>
           </a:p>
         </p:txBody>
       </p:sp>
@@ -629,7 +630,7 @@
               <a:rPr lang="en-US" smtClean="0"/>
               <a:t>9</a:t>
             </a:fld>
-            <a:endParaRPr lang="en-US"/>
+            <a:endParaRPr lang="en-US" dirty="0"/>
           </a:p>
         </p:txBody>
       </p:sp>
@@ -713,7 +714,7 @@
               <a:rPr lang="en-US" smtClean="0"/>
               <a:t>10</a:t>
             </a:fld>
-            <a:endParaRPr lang="en-US"/>
+            <a:endParaRPr lang="en-US" dirty="0"/>
           </a:p>
         </p:txBody>
       </p:sp>
@@ -795,9 +796,9 @@
           <a:p>
             <a:fld id="{D7574437-4189-E14E-8E73-0C93B1A92DE9}" type="slidenum">
               <a:rPr lang="en-US" smtClean="0"/>
-              <a:t>12</a:t>
+              <a:t>13</a:t>
             </a:fld>
-            <a:endParaRPr lang="en-US"/>
+            <a:endParaRPr lang="en-US" dirty="0"/>
           </a:p>
         </p:txBody>
       </p:sp>
@@ -947,7 +948,7 @@
               <a:rPr lang="en-US" smtClean="0"/>
               <a:t>11/13/16</a:t>
             </a:fld>
-            <a:endParaRPr lang="en-US"/>
+            <a:endParaRPr lang="en-US" dirty="0"/>
           </a:p>
         </p:txBody>
       </p:sp>
@@ -966,7 +967,7 @@
           <a:bodyPr/>
           <a:lstStyle/>
           <a:p>
-            <a:endParaRPr lang="en-US"/>
+            <a:endParaRPr lang="en-US" dirty="0"/>
           </a:p>
         </p:txBody>
       </p:sp>
@@ -989,7 +990,7 @@
               <a:rPr lang="en-US" smtClean="0"/>
               <a:t>‹#›</a:t>
             </a:fld>
-            <a:endParaRPr lang="en-US"/>
+            <a:endParaRPr lang="en-US" dirty="0"/>
           </a:p>
         </p:txBody>
       </p:sp>
@@ -1117,7 +1118,7 @@
               <a:rPr lang="en-US" smtClean="0"/>
               <a:t>11/13/16</a:t>
             </a:fld>
-            <a:endParaRPr lang="en-US"/>
+            <a:endParaRPr lang="en-US" dirty="0"/>
           </a:p>
         </p:txBody>
       </p:sp>
@@ -1136,7 +1137,7 @@
           <a:bodyPr/>
           <a:lstStyle/>
           <a:p>
-            <a:endParaRPr lang="en-US"/>
+            <a:endParaRPr lang="en-US" dirty="0"/>
           </a:p>
         </p:txBody>
       </p:sp>
@@ -1159,7 +1160,7 @@
               <a:rPr lang="en-US" smtClean="0"/>
               <a:t>‹#›</a:t>
             </a:fld>
-            <a:endParaRPr lang="en-US"/>
+            <a:endParaRPr lang="en-US" dirty="0"/>
           </a:p>
         </p:txBody>
       </p:sp>
@@ -1297,7 +1298,7 @@
               <a:rPr lang="en-US" smtClean="0"/>
               <a:t>11/13/16</a:t>
             </a:fld>
-            <a:endParaRPr lang="en-US"/>
+            <a:endParaRPr lang="en-US" dirty="0"/>
           </a:p>
         </p:txBody>
       </p:sp>
@@ -1316,7 +1317,7 @@
           <a:bodyPr/>
           <a:lstStyle/>
           <a:p>
-            <a:endParaRPr lang="en-US"/>
+            <a:endParaRPr lang="en-US" dirty="0"/>
           </a:p>
         </p:txBody>
       </p:sp>
@@ -1339,7 +1340,7 @@
               <a:rPr lang="en-US" smtClean="0"/>
               <a:t>‹#›</a:t>
             </a:fld>
-            <a:endParaRPr lang="en-US"/>
+            <a:endParaRPr lang="en-US" dirty="0"/>
           </a:p>
         </p:txBody>
       </p:sp>
@@ -1467,7 +1468,7 @@
               <a:rPr lang="en-US" smtClean="0"/>
               <a:t>11/13/16</a:t>
             </a:fld>
-            <a:endParaRPr lang="en-US"/>
+            <a:endParaRPr lang="en-US" dirty="0"/>
           </a:p>
         </p:txBody>
       </p:sp>
@@ -1486,7 +1487,7 @@
           <a:bodyPr/>
           <a:lstStyle/>
           <a:p>
-            <a:endParaRPr lang="en-US"/>
+            <a:endParaRPr lang="en-US" dirty="0"/>
           </a:p>
         </p:txBody>
       </p:sp>
@@ -1509,7 +1510,7 @@
               <a:rPr lang="en-US" smtClean="0"/>
               <a:t>‹#›</a:t>
             </a:fld>
-            <a:endParaRPr lang="en-US"/>
+            <a:endParaRPr lang="en-US" dirty="0"/>
           </a:p>
         </p:txBody>
       </p:sp>
@@ -1713,7 +1714,7 @@
               <a:rPr lang="en-US" smtClean="0"/>
               <a:t>11/13/16</a:t>
             </a:fld>
-            <a:endParaRPr lang="en-US"/>
+            <a:endParaRPr lang="en-US" dirty="0"/>
           </a:p>
         </p:txBody>
       </p:sp>
@@ -1732,7 +1733,7 @@
           <a:bodyPr/>
           <a:lstStyle/>
           <a:p>
-            <a:endParaRPr lang="en-US"/>
+            <a:endParaRPr lang="en-US" dirty="0"/>
           </a:p>
         </p:txBody>
       </p:sp>
@@ -1755,7 +1756,7 @@
               <a:rPr lang="en-US" smtClean="0"/>
               <a:t>‹#›</a:t>
             </a:fld>
-            <a:endParaRPr lang="en-US"/>
+            <a:endParaRPr lang="en-US" dirty="0"/>
           </a:p>
         </p:txBody>
       </p:sp>
@@ -1945,7 +1946,7 @@
               <a:rPr lang="en-US" smtClean="0"/>
               <a:t>11/13/16</a:t>
             </a:fld>
-            <a:endParaRPr lang="en-US"/>
+            <a:endParaRPr lang="en-US" dirty="0"/>
           </a:p>
         </p:txBody>
       </p:sp>
@@ -1964,7 +1965,7 @@
           <a:bodyPr/>
           <a:lstStyle/>
           <a:p>
-            <a:endParaRPr lang="en-US"/>
+            <a:endParaRPr lang="en-US" dirty="0"/>
           </a:p>
         </p:txBody>
       </p:sp>
@@ -1987,7 +1988,7 @@
               <a:rPr lang="en-US" smtClean="0"/>
               <a:t>‹#›</a:t>
             </a:fld>
-            <a:endParaRPr lang="en-US"/>
+            <a:endParaRPr lang="en-US" dirty="0"/>
           </a:p>
         </p:txBody>
       </p:sp>
@@ -2312,7 +2313,7 @@
               <a:rPr lang="en-US" smtClean="0"/>
               <a:t>11/13/16</a:t>
             </a:fld>
-            <a:endParaRPr lang="en-US"/>
+            <a:endParaRPr lang="en-US" dirty="0"/>
           </a:p>
         </p:txBody>
       </p:sp>
@@ -2331,7 +2332,7 @@
           <a:bodyPr/>
           <a:lstStyle/>
           <a:p>
-            <a:endParaRPr lang="en-US"/>
+            <a:endParaRPr lang="en-US" dirty="0"/>
           </a:p>
         </p:txBody>
       </p:sp>
@@ -2354,7 +2355,7 @@
               <a:rPr lang="en-US" smtClean="0"/>
               <a:t>‹#›</a:t>
             </a:fld>
-            <a:endParaRPr lang="en-US"/>
+            <a:endParaRPr lang="en-US" dirty="0"/>
           </a:p>
         </p:txBody>
       </p:sp>
@@ -2430,7 +2431,7 @@
               <a:rPr lang="en-US" smtClean="0"/>
               <a:t>11/13/16</a:t>
             </a:fld>
-            <a:endParaRPr lang="en-US"/>
+            <a:endParaRPr lang="en-US" dirty="0"/>
           </a:p>
         </p:txBody>
       </p:sp>
@@ -2449,7 +2450,7 @@
           <a:bodyPr/>
           <a:lstStyle/>
           <a:p>
-            <a:endParaRPr lang="en-US"/>
+            <a:endParaRPr lang="en-US" dirty="0"/>
           </a:p>
         </p:txBody>
       </p:sp>
@@ -2472,7 +2473,7 @@
               <a:rPr lang="en-US" smtClean="0"/>
               <a:t>‹#›</a:t>
             </a:fld>
-            <a:endParaRPr lang="en-US"/>
+            <a:endParaRPr lang="en-US" dirty="0"/>
           </a:p>
         </p:txBody>
       </p:sp>
@@ -2525,7 +2526,7 @@
               <a:rPr lang="en-US" smtClean="0"/>
               <a:t>11/13/16</a:t>
             </a:fld>
-            <a:endParaRPr lang="en-US"/>
+            <a:endParaRPr lang="en-US" dirty="0"/>
           </a:p>
         </p:txBody>
       </p:sp>
@@ -2544,7 +2545,7 @@
           <a:bodyPr/>
           <a:lstStyle/>
           <a:p>
-            <a:endParaRPr lang="en-US"/>
+            <a:endParaRPr lang="en-US" dirty="0"/>
           </a:p>
         </p:txBody>
       </p:sp>
@@ -2567,7 +2568,7 @@
               <a:rPr lang="en-US" smtClean="0"/>
               <a:t>‹#›</a:t>
             </a:fld>
-            <a:endParaRPr lang="en-US"/>
+            <a:endParaRPr lang="en-US" dirty="0"/>
           </a:p>
         </p:txBody>
       </p:sp>
@@ -2802,7 +2803,7 @@
               <a:rPr lang="en-US" smtClean="0"/>
               <a:t>11/13/16</a:t>
             </a:fld>
-            <a:endParaRPr lang="en-US"/>
+            <a:endParaRPr lang="en-US" dirty="0"/>
           </a:p>
         </p:txBody>
       </p:sp>
@@ -2821,7 +2822,7 @@
           <a:bodyPr/>
           <a:lstStyle/>
           <a:p>
-            <a:endParaRPr lang="en-US"/>
+            <a:endParaRPr lang="en-US" dirty="0"/>
           </a:p>
         </p:txBody>
       </p:sp>
@@ -2844,7 +2845,7 @@
               <a:rPr lang="en-US" smtClean="0"/>
               <a:t>‹#›</a:t>
             </a:fld>
-            <a:endParaRPr lang="en-US"/>
+            <a:endParaRPr lang="en-US" dirty="0"/>
           </a:p>
         </p:txBody>
       </p:sp>
@@ -2967,7 +2968,7 @@
             </a:lvl9pPr>
           </a:lstStyle>
           <a:p>
-            <a:endParaRPr lang="en-US"/>
+            <a:endParaRPr lang="en-US" dirty="0"/>
           </a:p>
         </p:txBody>
       </p:sp>
@@ -3055,7 +3056,7 @@
               <a:rPr lang="en-US" smtClean="0"/>
               <a:t>11/13/16</a:t>
             </a:fld>
-            <a:endParaRPr lang="en-US"/>
+            <a:endParaRPr lang="en-US" dirty="0"/>
           </a:p>
         </p:txBody>
       </p:sp>
@@ -3074,7 +3075,7 @@
           <a:bodyPr/>
           <a:lstStyle/>
           <a:p>
-            <a:endParaRPr lang="en-US"/>
+            <a:endParaRPr lang="en-US" dirty="0"/>
           </a:p>
         </p:txBody>
       </p:sp>
@@ -3097,7 +3098,7 @@
               <a:rPr lang="en-US" smtClean="0"/>
               <a:t>‹#›</a:t>
             </a:fld>
-            <a:endParaRPr lang="en-US"/>
+            <a:endParaRPr lang="en-US" dirty="0"/>
           </a:p>
         </p:txBody>
       </p:sp>
@@ -3268,7 +3269,7 @@
               <a:rPr lang="en-US" smtClean="0"/>
               <a:t>11/13/16</a:t>
             </a:fld>
-            <a:endParaRPr lang="en-US"/>
+            <a:endParaRPr lang="en-US" dirty="0"/>
           </a:p>
         </p:txBody>
       </p:sp>
@@ -3305,7 +3306,7 @@
             </a:lvl1pPr>
           </a:lstStyle>
           <a:p>
-            <a:endParaRPr lang="en-US"/>
+            <a:endParaRPr lang="en-US" dirty="0"/>
           </a:p>
         </p:txBody>
       </p:sp>
@@ -3346,7 +3347,7 @@
               <a:rPr lang="en-US" smtClean="0"/>
               <a:t>‹#›</a:t>
             </a:fld>
-            <a:endParaRPr lang="en-US"/>
+            <a:endParaRPr lang="en-US" dirty="0"/>
           </a:p>
         </p:txBody>
       </p:sp>
@@ -4712,7 +4713,7 @@
             <a:lstStyle/>
             <a:p>
               <a:pPr algn="ctr"/>
-              <a:endParaRPr lang="en-US" sz="1600"/>
+              <a:endParaRPr lang="en-US" sz="1600" dirty="0"/>
             </a:p>
           </p:txBody>
         </p:sp>
@@ -5301,7 +5302,7 @@
             <a:lstStyle/>
             <a:p>
               <a:pPr algn="ctr"/>
-              <a:endParaRPr lang="en-US" sz="1600"/>
+              <a:endParaRPr lang="en-US" sz="1600" dirty="0"/>
             </a:p>
           </p:txBody>
         </p:sp>
@@ -5896,7 +5897,7 @@
             <a:lstStyle/>
             <a:p>
               <a:pPr algn="ctr"/>
-              <a:endParaRPr lang="en-US" sz="1600"/>
+              <a:endParaRPr lang="en-US" sz="1600" dirty="0"/>
             </a:p>
           </p:txBody>
         </p:sp>
@@ -6444,7 +6445,7 @@
             <a:lstStyle/>
             <a:p>
               <a:pPr algn="ctr"/>
-              <a:endParaRPr lang="en-US" sz="1600"/>
+              <a:endParaRPr lang="en-US" sz="1600" dirty="0"/>
             </a:p>
           </p:txBody>
         </p:sp>
@@ -7254,7 +7255,7 @@
             <a:lstStyle/>
             <a:p>
               <a:r>
-                <a:rPr lang="en-US" sz="1600" smtClean="0"/>
+                <a:rPr lang="en-US" sz="1600" dirty="0" smtClean="0"/>
                 <a:t>(AL,0)</a:t>
               </a:r>
               <a:endParaRPr lang="en-US" sz="1600" dirty="0"/>
@@ -7351,7 +7352,7 @@
             <a:lstStyle/>
             <a:p>
               <a:r>
-                <a:rPr lang="en-US" sz="1600" smtClean="0"/>
+                <a:rPr lang="en-US" sz="1600" dirty="0" smtClean="0"/>
                 <a:t>(AG,0)</a:t>
               </a:r>
               <a:endParaRPr lang="en-US" sz="1600" dirty="0"/>
@@ -7488,7 +7489,7 @@
             <a:lstStyle/>
             <a:p>
               <a:r>
-                <a:rPr lang="en-US" sz="1600" smtClean="0"/>
+                <a:rPr lang="en-US" sz="1600" dirty="0" smtClean="0"/>
                 <a:t>(TL,0)</a:t>
               </a:r>
               <a:endParaRPr lang="en-US" sz="1600" dirty="0"/>
@@ -7585,7 +7586,7 @@
             <a:lstStyle/>
             <a:p>
               <a:r>
-                <a:rPr lang="en-US" sz="1600" smtClean="0"/>
+                <a:rPr lang="en-US" sz="1600" dirty="0" smtClean="0"/>
                 <a:t>(TG,0)</a:t>
               </a:r>
               <a:endParaRPr lang="en-US" sz="1600" dirty="0"/>
@@ -8169,12 +8170,8 @@
           <a:lstStyle/>
           <a:p>
             <a:r>
-              <a:rPr lang="en-US" b="1" smtClean="0"/>
-              <a:t>1, I-local</a:t>
-            </a:r>
-            <a:r>
               <a:rPr lang="en-US" b="1" dirty="0" smtClean="0"/>
-              <a:t>, I-mesh1</a:t>
+              <a:t>1, I-local, I-mesh1</a:t>
             </a:r>
             <a:endParaRPr lang="en-US" b="1" dirty="0"/>
           </a:p>
@@ -8203,7 +8200,7 @@
           <a:lstStyle/>
           <a:p>
             <a:r>
-              <a:rPr lang="en-US" b="1" smtClean="0"/>
+              <a:rPr lang="en-US" b="1" dirty="0" smtClean="0"/>
               <a:t>2, I-striping</a:t>
             </a:r>
             <a:endParaRPr lang="en-US" b="1" dirty="0"/>
@@ -8796,7 +8793,7 @@
           <a:lstStyle/>
           <a:p>
             <a:r>
-              <a:rPr lang="is-IS" b="1" dirty="0" smtClean="0"/>
+              <a:rPr lang="is-IS" b="1" smtClean="0"/>
               <a:t>...</a:t>
             </a:r>
             <a:endParaRPr lang="en-US" b="1" dirty="0"/>
@@ -8895,7 +8892,7 @@
           <a:lstStyle/>
           <a:p>
             <a:r>
-              <a:rPr lang="is-IS" b="1" dirty="0" smtClean="0"/>
+              <a:rPr lang="is-IS" b="1" smtClean="0"/>
               <a:t>...</a:t>
             </a:r>
             <a:endParaRPr lang="en-US" b="1" dirty="0"/>
@@ -9015,12 +9012,8 @@
           <a:lstStyle/>
           <a:p>
             <a:r>
-              <a:rPr lang="en-US" sz="1600" smtClean="0"/>
-              <a:t>(N2,0</a:t>
-            </a:r>
-            <a:r>
               <a:rPr lang="en-US" sz="1600" dirty="0" smtClean="0"/>
-              <a:t>)</a:t>
+              <a:t>(N2,0)</a:t>
             </a:r>
             <a:endParaRPr lang="en-US" sz="1600" dirty="0"/>
           </a:p>
@@ -9893,7 +9886,7 @@
             <a:lstStyle/>
             <a:p>
               <a:pPr algn="ctr"/>
-              <a:endParaRPr lang="en-US"/>
+              <a:endParaRPr lang="en-US" dirty="0"/>
             </a:p>
           </p:txBody>
         </p:sp>
@@ -12214,6 +12207,571 @@
       </p:grpSpPr>
       <p:sp>
         <p:nvSpPr>
+          <p:cNvPr id="32" name="Rectangle 31"/>
+          <p:cNvSpPr/>
+          <p:nvPr/>
+        </p:nvSpPr>
+        <p:spPr>
+          <a:xfrm>
+            <a:off x="1995853" y="548640"/>
+            <a:ext cx="3907403" cy="5939899"/>
+          </a:xfrm>
+          <a:prstGeom prst="rect">
+            <a:avLst/>
+          </a:prstGeom>
+          <a:solidFill>
+            <a:schemeClr val="accent4">
+              <a:lumMod val="20000"/>
+              <a:lumOff val="80000"/>
+              <a:alpha val="50000"/>
+            </a:schemeClr>
+          </a:solidFill>
+        </p:spPr>
+        <p:style>
+          <a:lnRef idx="2">
+            <a:schemeClr val="accent1">
+              <a:shade val="50000"/>
+            </a:schemeClr>
+          </a:lnRef>
+          <a:fillRef idx="1">
+            <a:schemeClr val="accent1"/>
+          </a:fillRef>
+          <a:effectRef idx="0">
+            <a:schemeClr val="accent1"/>
+          </a:effectRef>
+          <a:fontRef idx="minor">
+            <a:schemeClr val="lt1"/>
+          </a:fontRef>
+        </p:style>
+        <p:txBody>
+          <a:bodyPr rtlCol="0" anchor="ctr"/>
+          <a:lstStyle/>
+          <a:p>
+            <a:pPr algn="ctr"/>
+            <a:endParaRPr lang="en-US" dirty="0"/>
+          </a:p>
+        </p:txBody>
+      </p:sp>
+      <p:sp>
+        <p:nvSpPr>
+          <p:cNvPr id="2" name="TextBox 1"/>
+          <p:cNvSpPr txBox="1"/>
+          <p:nvPr/>
+        </p:nvSpPr>
+        <p:spPr>
+          <a:xfrm>
+            <a:off x="2023989" y="579229"/>
+            <a:ext cx="3898568" cy="5909310"/>
+          </a:xfrm>
+          <a:prstGeom prst="rect">
+            <a:avLst/>
+          </a:prstGeom>
+          <a:noFill/>
+        </p:spPr>
+        <p:txBody>
+          <a:bodyPr wrap="none" rtlCol="0">
+            <a:spAutoFit/>
+          </a:bodyPr>
+          <a:lstStyle/>
+          <a:p>
+            <a:r>
+              <a:rPr lang="en-US" b="1" dirty="0" smtClean="0"/>
+              <a:t>%{for $n in neighbors do}%</a:t>
+            </a:r>
+          </a:p>
+          <a:p>
+            <a:r>
+              <a:rPr lang="en-US" dirty="0" smtClean="0"/>
+              <a:t>interface $n.interface</a:t>
+            </a:r>
+          </a:p>
+          <a:p>
+            <a:r>
+              <a:rPr lang="en-US" dirty="0" smtClean="0"/>
+              <a:t>    ip address $n.interfaceIP</a:t>
+            </a:r>
+          </a:p>
+          <a:p>
+            <a:r>
+              <a:rPr lang="en-US" dirty="0" smtClean="0"/>
+              <a:t>!</a:t>
+            </a:r>
+          </a:p>
+          <a:p>
+            <a:r>
+              <a:rPr lang="en-US" b="1" dirty="0" smtClean="0"/>
+              <a:t>%{end for}%</a:t>
+            </a:r>
+          </a:p>
+          <a:p>
+            <a:endParaRPr lang="en-US" dirty="0" smtClean="0"/>
+          </a:p>
+          <a:p>
+            <a:r>
+              <a:rPr lang="en-US" dirty="0" smtClean="0"/>
+              <a:t>router </a:t>
+            </a:r>
+            <a:r>
+              <a:rPr lang="en-US" dirty="0"/>
+              <a:t>bgp </a:t>
+            </a:r>
+            <a:r>
+              <a:rPr lang="en-US" b="1" dirty="0" smtClean="0"/>
+              <a:t>%{$bgpASN}%</a:t>
+            </a:r>
+          </a:p>
+          <a:p>
+            <a:r>
+              <a:rPr lang="en-US" dirty="0" smtClean="0"/>
+              <a:t>    no synchronization</a:t>
+            </a:r>
+          </a:p>
+          <a:p>
+            <a:r>
+              <a:rPr lang="en-US" dirty="0" smtClean="0"/>
+              <a:t>    no auto-summary</a:t>
+            </a:r>
+          </a:p>
+          <a:p>
+            <a:r>
+              <a:rPr lang="en-US" dirty="0" smtClean="0"/>
+              <a:t>    </a:t>
+            </a:r>
+            <a:r>
+              <a:rPr lang="en-US" dirty="0"/>
+              <a:t>bgp router-id </a:t>
+            </a:r>
+            <a:r>
+              <a:rPr lang="en-US" b="1" dirty="0" smtClean="0"/>
+              <a:t>%{$routerID}%</a:t>
+            </a:r>
+          </a:p>
+          <a:p>
+            <a:r>
+              <a:rPr lang="en-US" dirty="0" smtClean="0"/>
+              <a:t>    </a:t>
+            </a:r>
+            <a:r>
+              <a:rPr lang="en-US" dirty="0"/>
+              <a:t>bgp bestpath compare-routerid  </a:t>
+            </a:r>
+            <a:endParaRPr lang="en-US" dirty="0" smtClean="0"/>
+          </a:p>
+          <a:p>
+            <a:r>
+              <a:rPr lang="en-US" b="1" dirty="0" smtClean="0"/>
+              <a:t>%{for $n in neighbors do}%</a:t>
+            </a:r>
+          </a:p>
+          <a:p>
+            <a:r>
+              <a:rPr lang="en-US" dirty="0" smtClean="0"/>
+              <a:t>    neighbor $n.IP remote-as $n. ASN</a:t>
+            </a:r>
+          </a:p>
+          <a:p>
+            <a:r>
+              <a:rPr lang="en-US" dirty="0" smtClean="0"/>
+              <a:t>    neighbor $n.IP send-community both</a:t>
+            </a:r>
+          </a:p>
+          <a:p>
+            <a:r>
+              <a:rPr lang="en-US" dirty="0"/>
+              <a:t> </a:t>
+            </a:r>
+            <a:r>
+              <a:rPr lang="en-US" dirty="0" smtClean="0"/>
+              <a:t>   neighbor </a:t>
+            </a:r>
+            <a:r>
+              <a:rPr lang="en-US" dirty="0"/>
+              <a:t>$</a:t>
+            </a:r>
+            <a:r>
+              <a:rPr lang="en-US" dirty="0" smtClean="0"/>
+              <a:t>n.IP </a:t>
+            </a:r>
+            <a:r>
+              <a:rPr lang="en-US" dirty="0"/>
+              <a:t>route-map </a:t>
+            </a:r>
+            <a:r>
+              <a:rPr lang="en-US" dirty="0" smtClean="0"/>
+              <a:t>peer-in in</a:t>
+            </a:r>
+          </a:p>
+          <a:p>
+            <a:r>
+              <a:rPr lang="en-US" dirty="0" smtClean="0"/>
+              <a:t>    </a:t>
+            </a:r>
+            <a:r>
+              <a:rPr lang="en-US" b="1" dirty="0" smtClean="0"/>
+              <a:t>%{if $n.isLocalPeer then}%</a:t>
+            </a:r>
+          </a:p>
+          <a:p>
+            <a:r>
+              <a:rPr lang="en-US" dirty="0"/>
+              <a:t> </a:t>
+            </a:r>
+            <a:r>
+              <a:rPr lang="en-US" dirty="0" smtClean="0"/>
+              <a:t>   neighbor </a:t>
+            </a:r>
+            <a:r>
+              <a:rPr lang="en-US" dirty="0"/>
+              <a:t>$</a:t>
+            </a:r>
+            <a:r>
+              <a:rPr lang="en-US" dirty="0" smtClean="0"/>
+              <a:t>n.IP </a:t>
+            </a:r>
+            <a:r>
+              <a:rPr lang="en-US" dirty="0"/>
+              <a:t>route-map local </a:t>
+            </a:r>
+            <a:r>
+              <a:rPr lang="en-US" dirty="0" smtClean="0"/>
+              <a:t>out</a:t>
+            </a:r>
+          </a:p>
+          <a:p>
+            <a:r>
+              <a:rPr lang="en-US" dirty="0" smtClean="0"/>
+              <a:t>    </a:t>
+            </a:r>
+            <a:r>
+              <a:rPr lang="en-US" b="1" dirty="0" smtClean="0"/>
+              <a:t>%{else}%</a:t>
+            </a:r>
+          </a:p>
+          <a:p>
+            <a:r>
+              <a:rPr lang="en-US" dirty="0"/>
+              <a:t> </a:t>
+            </a:r>
+            <a:r>
+              <a:rPr lang="en-US" dirty="0" smtClean="0"/>
+              <a:t>   neighbor </a:t>
+            </a:r>
+            <a:r>
+              <a:rPr lang="en-US" dirty="0"/>
+              <a:t>$</a:t>
+            </a:r>
+            <a:r>
+              <a:rPr lang="en-US" dirty="0" smtClean="0"/>
+              <a:t>n.IP </a:t>
+            </a:r>
+            <a:r>
+              <a:rPr lang="en-US" dirty="0"/>
+              <a:t>route-map global </a:t>
+            </a:r>
+            <a:r>
+              <a:rPr lang="en-US" dirty="0" smtClean="0"/>
+              <a:t>out</a:t>
+            </a:r>
+          </a:p>
+          <a:p>
+            <a:r>
+              <a:rPr lang="en-US" dirty="0" smtClean="0"/>
+              <a:t>    </a:t>
+            </a:r>
+            <a:r>
+              <a:rPr lang="en-US" b="1" dirty="0" smtClean="0"/>
+              <a:t>%{end if}%</a:t>
+            </a:r>
+          </a:p>
+          <a:p>
+            <a:r>
+              <a:rPr lang="en-US" b="1" dirty="0" smtClean="0"/>
+              <a:t>%{end for}%</a:t>
+            </a:r>
+          </a:p>
+        </p:txBody>
+      </p:sp>
+      <p:sp>
+        <p:nvSpPr>
+          <p:cNvPr id="48" name="Rectangle 47"/>
+          <p:cNvSpPr/>
+          <p:nvPr/>
+        </p:nvSpPr>
+        <p:spPr>
+          <a:xfrm>
+            <a:off x="5945460" y="548639"/>
+            <a:ext cx="3873968" cy="5939899"/>
+          </a:xfrm>
+          <a:prstGeom prst="rect">
+            <a:avLst/>
+          </a:prstGeom>
+          <a:solidFill>
+            <a:schemeClr val="accent4">
+              <a:lumMod val="20000"/>
+              <a:lumOff val="80000"/>
+              <a:alpha val="50000"/>
+            </a:schemeClr>
+          </a:solidFill>
+        </p:spPr>
+        <p:style>
+          <a:lnRef idx="2">
+            <a:schemeClr val="accent1">
+              <a:shade val="50000"/>
+            </a:schemeClr>
+          </a:lnRef>
+          <a:fillRef idx="1">
+            <a:schemeClr val="accent1"/>
+          </a:fillRef>
+          <a:effectRef idx="0">
+            <a:schemeClr val="accent1"/>
+          </a:effectRef>
+          <a:fontRef idx="minor">
+            <a:schemeClr val="lt1"/>
+          </a:fontRef>
+        </p:style>
+        <p:txBody>
+          <a:bodyPr rtlCol="0" anchor="ctr"/>
+          <a:lstStyle/>
+          <a:p>
+            <a:pPr algn="ctr"/>
+            <a:endParaRPr lang="en-US" dirty="0"/>
+          </a:p>
+        </p:txBody>
+      </p:sp>
+      <p:sp>
+        <p:nvSpPr>
+          <p:cNvPr id="49" name="TextBox 48"/>
+          <p:cNvSpPr txBox="1"/>
+          <p:nvPr/>
+        </p:nvSpPr>
+        <p:spPr>
+          <a:xfrm>
+            <a:off x="5945460" y="565162"/>
+            <a:ext cx="3943772" cy="5909310"/>
+          </a:xfrm>
+          <a:prstGeom prst="rect">
+            <a:avLst/>
+          </a:prstGeom>
+          <a:noFill/>
+        </p:spPr>
+        <p:txBody>
+          <a:bodyPr wrap="none" rtlCol="0">
+            <a:spAutoFit/>
+          </a:bodyPr>
+          <a:lstStyle/>
+          <a:p>
+            <a:r>
+              <a:rPr lang="en-US" b="1" dirty="0" smtClean="0"/>
+              <a:t>%{</a:t>
+            </a:r>
+            <a:r>
+              <a:rPr lang="en-US" b="1" dirty="0"/>
+              <a:t>for </a:t>
+            </a:r>
+            <a:r>
+              <a:rPr lang="en-US" b="1" dirty="0" smtClean="0"/>
+              <a:t>$p </a:t>
+            </a:r>
+            <a:r>
+              <a:rPr lang="en-US" b="1" dirty="0"/>
+              <a:t>in </a:t>
+            </a:r>
+            <a:r>
+              <a:rPr lang="en-US" b="1" dirty="0" smtClean="0"/>
+              <a:t>localPrefixes do}%</a:t>
+            </a:r>
+          </a:p>
+          <a:p>
+            <a:r>
+              <a:rPr lang="en-US" dirty="0"/>
+              <a:t>ip prefix-list </a:t>
+            </a:r>
+            <a:r>
+              <a:rPr lang="en-US" dirty="0" smtClean="0"/>
+              <a:t>localPL permit $p</a:t>
+            </a:r>
+          </a:p>
+          <a:p>
+            <a:r>
+              <a:rPr lang="en-US" b="1" dirty="0" smtClean="0"/>
+              <a:t>%{end for}%</a:t>
+            </a:r>
+          </a:p>
+          <a:p>
+            <a:r>
+              <a:rPr lang="en-US" dirty="0" smtClean="0"/>
+              <a:t>!</a:t>
+            </a:r>
+          </a:p>
+          <a:p>
+            <a:r>
+              <a:rPr lang="en-US" dirty="0" smtClean="0"/>
+              <a:t>ip prefix-list other permit 0.0.0.0/0 le 32</a:t>
+            </a:r>
+          </a:p>
+          <a:p>
+            <a:r>
+              <a:rPr lang="en-US" dirty="0" smtClean="0"/>
+              <a:t>!</a:t>
+            </a:r>
+          </a:p>
+          <a:p>
+            <a:r>
+              <a:rPr lang="en-US" dirty="0" smtClean="0"/>
+              <a:t>route-map local permit 10</a:t>
+            </a:r>
+          </a:p>
+          <a:p>
+            <a:r>
+              <a:rPr lang="en-US" dirty="0" smtClean="0"/>
+              <a:t>     match ip address prefix-list localPL </a:t>
+            </a:r>
+          </a:p>
+          <a:p>
+            <a:r>
+              <a:rPr lang="en-US" dirty="0" smtClean="0"/>
+              <a:t>!</a:t>
+            </a:r>
+            <a:endParaRPr lang="en-US" dirty="0"/>
+          </a:p>
+          <a:p>
+            <a:r>
+              <a:rPr lang="en-US" dirty="0"/>
+              <a:t>route-map local </a:t>
+            </a:r>
+            <a:r>
+              <a:rPr lang="en-US" dirty="0" smtClean="0"/>
+              <a:t>deny 20</a:t>
+            </a:r>
+            <a:endParaRPr lang="en-US" dirty="0"/>
+          </a:p>
+          <a:p>
+            <a:r>
+              <a:rPr lang="en-US" dirty="0"/>
+              <a:t>     match ip address prefix-list </a:t>
+            </a:r>
+            <a:r>
+              <a:rPr lang="en-US" dirty="0" smtClean="0"/>
+              <a:t>other</a:t>
+            </a:r>
+            <a:endParaRPr lang="en-US" dirty="0"/>
+          </a:p>
+          <a:p>
+            <a:r>
+              <a:rPr lang="en-US" dirty="0"/>
+              <a:t>!</a:t>
+            </a:r>
+          </a:p>
+          <a:p>
+            <a:r>
+              <a:rPr lang="en-US" dirty="0" smtClean="0"/>
+              <a:t>route-map peer-in permit 10</a:t>
+            </a:r>
+          </a:p>
+          <a:p>
+            <a:r>
+              <a:rPr lang="en-US" dirty="0" smtClean="0"/>
+              <a:t>     match as-path list WAN1</a:t>
+            </a:r>
+          </a:p>
+          <a:p>
+            <a:r>
+              <a:rPr lang="en-US" dirty="0" smtClean="0"/>
+              <a:t>     set community additive </a:t>
+            </a:r>
+            <a:r>
+              <a:rPr lang="is-IS" dirty="0"/>
+              <a:t>64512:3200</a:t>
+            </a:r>
+            <a:endParaRPr lang="en-US" dirty="0"/>
+          </a:p>
+          <a:p>
+            <a:r>
+              <a:rPr lang="en-US" dirty="0" smtClean="0"/>
+              <a:t>!</a:t>
+            </a:r>
+          </a:p>
+          <a:p>
+            <a:r>
+              <a:rPr lang="en-US" dirty="0" smtClean="0"/>
+              <a:t>route-map peer-in permit 20 </a:t>
+            </a:r>
+          </a:p>
+          <a:p>
+            <a:r>
+              <a:rPr lang="en-US" dirty="0"/>
+              <a:t> </a:t>
+            </a:r>
+            <a:r>
+              <a:rPr lang="en-US" dirty="0" smtClean="0"/>
+              <a:t>   match as-path list WAN2</a:t>
+            </a:r>
+          </a:p>
+          <a:p>
+            <a:r>
+              <a:rPr lang="en-US" dirty="0"/>
+              <a:t> </a:t>
+            </a:r>
+            <a:r>
+              <a:rPr lang="en-US" dirty="0" smtClean="0"/>
+              <a:t>   set local-preference 90</a:t>
+            </a:r>
+          </a:p>
+          <a:p>
+            <a:r>
+              <a:rPr lang="en-US" dirty="0"/>
+              <a:t> </a:t>
+            </a:r>
+            <a:r>
+              <a:rPr lang="en-US" dirty="0" smtClean="0"/>
+              <a:t>   set community additive </a:t>
+            </a:r>
+            <a:r>
+              <a:rPr lang="is-IS" dirty="0" smtClean="0"/>
+              <a:t>64512:3201</a:t>
+            </a:r>
+            <a:endParaRPr lang="en-US" dirty="0" smtClean="0"/>
+          </a:p>
+          <a:p>
+            <a:r>
+              <a:rPr lang="en-US" dirty="0" smtClean="0"/>
+              <a:t>!</a:t>
+            </a:r>
+          </a:p>
+        </p:txBody>
+      </p:sp>
+    </p:spTree>
+    <p:extLst>
+      <p:ext uri="{BB962C8B-B14F-4D97-AF65-F5344CB8AC3E}">
+        <p14:creationId xmlns:p14="http://schemas.microsoft.com/office/powerpoint/2010/main" val="1076514467"/>
+      </p:ext>
+    </p:extLst>
+  </p:cSld>
+  <p:clrMapOvr>
+    <a:masterClrMapping/>
+  </p:clrMapOvr>
+</p:sld>
+</file>
+
+<file path=ppt/slides/slide13.xml><?xml version="1.0" encoding="utf-8"?>
+<p:sld xmlns:a="http://schemas.openxmlformats.org/drawingml/2006/main" xmlns:r="http://schemas.openxmlformats.org/officeDocument/2006/relationships" xmlns:p="http://schemas.openxmlformats.org/presentationml/2006/main">
+  <p:cSld>
+    <p:spTree>
+      <p:nvGrpSpPr>
+        <p:cNvPr id="1" name=""/>
+        <p:cNvGrpSpPr/>
+        <p:nvPr/>
+      </p:nvGrpSpPr>
+      <p:grpSpPr>
+        <a:xfrm>
+          <a:off x="0" y="0"/>
+          <a:ext cx="0" cy="0"/>
+          <a:chOff x="0" y="0"/>
+          <a:chExt cx="0" cy="0"/>
+        </a:xfrm>
+      </p:grpSpPr>
+      <p:sp>
+        <p:nvSpPr>
           <p:cNvPr id="6" name="Right Arrow 5"/>
           <p:cNvSpPr/>
           <p:nvPr/>
@@ -12259,7 +12817,7 @@
           <a:lstStyle/>
           <a:p>
             <a:pPr algn="ctr"/>
-            <a:endParaRPr lang="en-US"/>
+            <a:endParaRPr lang="en-US" dirty="0"/>
           </a:p>
         </p:txBody>
       </p:sp>
@@ -12911,7 +13469,7 @@
           <a:lstStyle/>
           <a:p>
             <a:pPr algn="ctr"/>
-            <a:endParaRPr lang="en-US"/>
+            <a:endParaRPr lang="en-US" dirty="0"/>
           </a:p>
         </p:txBody>
       </p:sp>
@@ -12962,7 +13520,7 @@
           <a:lstStyle/>
           <a:p>
             <a:pPr algn="ctr"/>
-            <a:endParaRPr lang="en-US"/>
+            <a:endParaRPr lang="en-US" dirty="0"/>
           </a:p>
         </p:txBody>
       </p:sp>
@@ -13010,7 +13568,7 @@
           <a:lstStyle/>
           <a:p>
             <a:pPr algn="ctr"/>
-            <a:endParaRPr lang="en-US"/>
+            <a:endParaRPr lang="en-US" dirty="0"/>
           </a:p>
         </p:txBody>
       </p:sp>
@@ -13061,7 +13619,7 @@
           <a:lstStyle/>
           <a:p>
             <a:pPr algn="ctr"/>
-            <a:endParaRPr lang="en-US"/>
+            <a:endParaRPr lang="en-US" dirty="0"/>
           </a:p>
         </p:txBody>
       </p:sp>
@@ -13112,7 +13670,7 @@
           <a:lstStyle/>
           <a:p>
             <a:pPr algn="ctr"/>
-            <a:endParaRPr lang="en-US"/>
+            <a:endParaRPr lang="en-US" dirty="0"/>
           </a:p>
         </p:txBody>
       </p:sp>
@@ -13385,7 +13943,7 @@
           <a:lstStyle/>
           <a:p>
             <a:pPr algn="ctr"/>
-            <a:endParaRPr lang="en-US"/>
+            <a:endParaRPr lang="en-US" dirty="0"/>
           </a:p>
         </p:txBody>
       </p:sp>
@@ -13402,7 +13960,7 @@
 </p:sld>
 </file>
 
-<file path=ppt/slides/slide13.xml><?xml version="1.0" encoding="utf-8"?>
+<file path=ppt/slides/slide14.xml><?xml version="1.0" encoding="utf-8"?>
 <p:sld xmlns:a="http://schemas.openxmlformats.org/drawingml/2006/main" xmlns:r="http://schemas.openxmlformats.org/officeDocument/2006/relationships" xmlns:p="http://schemas.openxmlformats.org/presentationml/2006/main">
   <p:cSld>
     <p:spTree>
@@ -13462,7 +14020,7 @@
           <a:lstStyle/>
           <a:p>
             <a:pPr algn="ctr"/>
-            <a:endParaRPr lang="en-US" sz="1600"/>
+            <a:endParaRPr lang="en-US" sz="1600" dirty="0"/>
           </a:p>
         </p:txBody>
       </p:sp>
@@ -13509,7 +14067,7 @@
           <a:lstStyle/>
           <a:p>
             <a:pPr algn="ctr"/>
-            <a:endParaRPr lang="en-US" sz="1600"/>
+            <a:endParaRPr lang="en-US" sz="1600" dirty="0"/>
           </a:p>
         </p:txBody>
       </p:sp>
@@ -14529,7 +15087,7 @@
           <a:lstStyle/>
           <a:p>
             <a:pPr algn="ctr"/>
-            <a:endParaRPr lang="en-US" sz="1600"/>
+            <a:endParaRPr lang="en-US" sz="1600" dirty="0"/>
           </a:p>
         </p:txBody>
       </p:sp>
@@ -14576,7 +15134,7 @@
           <a:lstStyle/>
           <a:p>
             <a:pPr algn="ctr"/>
-            <a:endParaRPr lang="en-US" sz="1600"/>
+            <a:endParaRPr lang="en-US" sz="1600" dirty="0"/>
           </a:p>
         </p:txBody>
       </p:sp>
@@ -14854,7 +15412,7 @@
           <a:lstStyle/>
           <a:p>
             <a:pPr algn="ctr"/>
-            <a:endParaRPr lang="en-US"/>
+            <a:endParaRPr lang="en-US" dirty="0"/>
           </a:p>
         </p:txBody>
       </p:sp>
@@ -14902,12 +15460,12 @@
           <a:lstStyle/>
           <a:p>
             <a:pPr algn="ctr"/>
-            <a:endParaRPr lang="en-US"/>
+            <a:endParaRPr lang="en-US" dirty="0"/>
           </a:p>
         </p:txBody>
       </p:sp>
-      <mc:AlternateContent xmlns:mc="http://schemas.openxmlformats.org/markup-compatibility/2006">
-        <mc:Choice xmlns:a14="http://schemas.microsoft.com/office/drawing/2010/main" Requires="a14">
+      <mc:AlternateContent xmlns:mc="http://schemas.openxmlformats.org/markup-compatibility/2006" xmlns:a14="http://schemas.microsoft.com/office/drawing/2010/main">
+        <mc:Choice Requires="a14">
           <p:sp>
             <p:nvSpPr>
               <p:cNvPr id="163" name="TextBox 162"/>
@@ -14957,7 +15515,7 @@
             </p:txBody>
           </p:sp>
         </mc:Choice>
-        <mc:Fallback>
+        <mc:Fallback xmlns="">
           <p:sp>
             <p:nvSpPr>
               <p:cNvPr id="163" name="TextBox 162"/>
@@ -14996,8 +15554,8 @@
           </p:sp>
         </mc:Fallback>
       </mc:AlternateContent>
-      <mc:AlternateContent xmlns:mc="http://schemas.openxmlformats.org/markup-compatibility/2006">
-        <mc:Choice xmlns:a14="http://schemas.microsoft.com/office/drawing/2010/main" Requires="a14">
+      <mc:AlternateContent xmlns:mc="http://schemas.openxmlformats.org/markup-compatibility/2006" xmlns:a14="http://schemas.microsoft.com/office/drawing/2010/main">
+        <mc:Choice Requires="a14">
           <p:sp>
             <p:nvSpPr>
               <p:cNvPr id="164" name="TextBox 163"/>
@@ -15047,7 +15605,7 @@
             </p:txBody>
           </p:sp>
         </mc:Choice>
-        <mc:Fallback>
+        <mc:Fallback xmlns="">
           <p:sp>
             <p:nvSpPr>
               <p:cNvPr id="164" name="TextBox 163"/>
@@ -15171,8 +15729,8 @@
           </a:p>
         </p:txBody>
       </p:sp>
-      <mc:AlternateContent xmlns:mc="http://schemas.openxmlformats.org/markup-compatibility/2006">
-        <mc:Choice xmlns:a14="http://schemas.microsoft.com/office/drawing/2010/main" Requires="a14">
+      <mc:AlternateContent xmlns:mc="http://schemas.openxmlformats.org/markup-compatibility/2006" xmlns:a14="http://schemas.microsoft.com/office/drawing/2010/main">
+        <mc:Choice Requires="a14">
           <p:sp>
             <p:nvSpPr>
               <p:cNvPr id="182" name="TextBox 181"/>
@@ -15216,7 +15774,7 @@
             </p:txBody>
           </p:sp>
         </mc:Choice>
-        <mc:Fallback>
+        <mc:Fallback xmlns="">
           <p:sp>
             <p:nvSpPr>
               <p:cNvPr id="182" name="TextBox 181"/>
@@ -15732,8 +16290,8 @@
           </mc:Fallback>
         </mc:AlternateContent>
       </p:grpSp>
-      <mc:AlternateContent xmlns:mc="http://schemas.openxmlformats.org/markup-compatibility/2006">
-        <mc:Choice xmlns:a14="http://schemas.microsoft.com/office/drawing/2010/main" Requires="a14">
+      <mc:AlternateContent xmlns:mc="http://schemas.openxmlformats.org/markup-compatibility/2006" xmlns:a14="http://schemas.microsoft.com/office/drawing/2010/main">
+        <mc:Choice Requires="a14">
           <p:sp>
             <p:nvSpPr>
               <p:cNvPr id="61" name="TextBox 60"/>
@@ -15802,7 +16360,7 @@
             </p:txBody>
           </p:sp>
         </mc:Choice>
-        <mc:Fallback>
+        <mc:Fallback xmlns="">
           <p:sp>
             <p:nvSpPr>
               <p:cNvPr id="61" name="TextBox 60"/>
@@ -15841,8 +16399,8 @@
           </p:sp>
         </mc:Fallback>
       </mc:AlternateContent>
-      <mc:AlternateContent xmlns:mc="http://schemas.openxmlformats.org/markup-compatibility/2006">
-        <mc:Choice xmlns:a14="http://schemas.microsoft.com/office/drawing/2010/main" Requires="a14">
+      <mc:AlternateContent xmlns:mc="http://schemas.openxmlformats.org/markup-compatibility/2006" xmlns:a14="http://schemas.microsoft.com/office/drawing/2010/main">
+        <mc:Choice Requires="a14">
           <p:sp>
             <p:nvSpPr>
               <p:cNvPr id="62" name="TextBox 61"/>
@@ -15911,7 +16469,7 @@
             </p:txBody>
           </p:sp>
         </mc:Choice>
-        <mc:Fallback>
+        <mc:Fallback xmlns="">
           <p:sp>
             <p:nvSpPr>
               <p:cNvPr id="62" name="TextBox 61"/>
@@ -15950,8 +16508,8 @@
           </p:sp>
         </mc:Fallback>
       </mc:AlternateContent>
-      <mc:AlternateContent xmlns:mc="http://schemas.openxmlformats.org/markup-compatibility/2006">
-        <mc:Choice xmlns:a14="http://schemas.microsoft.com/office/drawing/2010/main" Requires="a14">
+      <mc:AlternateContent xmlns:mc="http://schemas.openxmlformats.org/markup-compatibility/2006" xmlns:a14="http://schemas.microsoft.com/office/drawing/2010/main">
+        <mc:Choice Requires="a14">
           <p:sp>
             <p:nvSpPr>
               <p:cNvPr id="63" name="TextBox 62"/>
@@ -16001,7 +16559,7 @@
             </p:txBody>
           </p:sp>
         </mc:Choice>
-        <mc:Fallback>
+        <mc:Fallback xmlns="">
           <p:sp>
             <p:nvSpPr>
               <p:cNvPr id="63" name="TextBox 62"/>
@@ -16062,7 +16620,7 @@
           </a:bodyPr>
           <a:lstStyle/>
           <a:p>
-            <a:endParaRPr lang="en-US"/>
+            <a:endParaRPr lang="en-US" dirty="0"/>
           </a:p>
         </p:txBody>
       </p:sp>
@@ -16266,7 +16824,7 @@
             <a:lstStyle/>
             <a:p>
               <a:pPr algn="ctr"/>
-              <a:endParaRPr lang="en-US" sz="1600"/>
+              <a:endParaRPr lang="en-US" sz="1600" dirty="0"/>
             </a:p>
           </p:txBody>
         </p:sp>
@@ -16684,8 +17242,8 @@
           </a:fontRef>
         </p:style>
       </p:cxnSp>
-      <mc:AlternateContent xmlns:mc="http://schemas.openxmlformats.org/markup-compatibility/2006">
-        <mc:Choice xmlns:a14="http://schemas.microsoft.com/office/drawing/2010/main" Requires="a14">
+      <mc:AlternateContent xmlns:mc="http://schemas.openxmlformats.org/markup-compatibility/2006" xmlns:a14="http://schemas.microsoft.com/office/drawing/2010/main">
+        <mc:Choice Requires="a14">
           <p:sp>
             <p:nvSpPr>
               <p:cNvPr id="79" name="TextBox 78"/>
@@ -16735,7 +17293,7 @@
             </p:txBody>
           </p:sp>
         </mc:Choice>
-        <mc:Fallback>
+        <mc:Fallback xmlns="">
           <p:sp>
             <p:nvSpPr>
               <p:cNvPr id="79" name="TextBox 78"/>
@@ -16774,8 +17332,8 @@
           </p:sp>
         </mc:Fallback>
       </mc:AlternateContent>
-      <mc:AlternateContent xmlns:mc="http://schemas.openxmlformats.org/markup-compatibility/2006">
-        <mc:Choice xmlns:a14="http://schemas.microsoft.com/office/drawing/2010/main" Requires="a14">
+      <mc:AlternateContent xmlns:mc="http://schemas.openxmlformats.org/markup-compatibility/2006" xmlns:a14="http://schemas.microsoft.com/office/drawing/2010/main">
+        <mc:Choice Requires="a14">
           <p:sp>
             <p:nvSpPr>
               <p:cNvPr id="80" name="TextBox 79"/>
@@ -16825,7 +17383,7 @@
             </p:txBody>
           </p:sp>
         </mc:Choice>
-        <mc:Fallback>
+        <mc:Fallback xmlns="">
           <p:sp>
             <p:nvSpPr>
               <p:cNvPr id="80" name="TextBox 79"/>
@@ -17324,8 +17882,8 @@
           </mc:Fallback>
         </mc:AlternateContent>
       </p:grpSp>
-      <mc:AlternateContent xmlns:mc="http://schemas.openxmlformats.org/markup-compatibility/2006">
-        <mc:Choice xmlns:a14="http://schemas.microsoft.com/office/drawing/2010/main" Requires="a14">
+      <mc:AlternateContent xmlns:mc="http://schemas.openxmlformats.org/markup-compatibility/2006" xmlns:a14="http://schemas.microsoft.com/office/drawing/2010/main">
+        <mc:Choice Requires="a14">
           <p:sp>
             <p:nvSpPr>
               <p:cNvPr id="92" name="TextBox 91"/>
@@ -17394,7 +17952,7 @@
             </p:txBody>
           </p:sp>
         </mc:Choice>
-        <mc:Fallback>
+        <mc:Fallback xmlns="">
           <p:sp>
             <p:nvSpPr>
               <p:cNvPr id="92" name="TextBox 91"/>
@@ -17476,7 +18034,7 @@
           <a:lstStyle/>
           <a:p>
             <a:pPr algn="ctr"/>
-            <a:endParaRPr lang="en-US" sz="1600"/>
+            <a:endParaRPr lang="en-US" sz="1600" dirty="0"/>
           </a:p>
         </p:txBody>
       </p:sp>
@@ -17511,8 +18069,8 @@
           </a:p>
         </p:txBody>
       </p:sp>
-      <mc:AlternateContent xmlns:mc="http://schemas.openxmlformats.org/markup-compatibility/2006">
-        <mc:Choice xmlns:a14="http://schemas.microsoft.com/office/drawing/2010/main" Requires="a14">
+      <mc:AlternateContent xmlns:mc="http://schemas.openxmlformats.org/markup-compatibility/2006" xmlns:a14="http://schemas.microsoft.com/office/drawing/2010/main">
+        <mc:Choice Requires="a14">
           <p:sp>
             <p:nvSpPr>
               <p:cNvPr id="96" name="TextBox 95"/>
@@ -17562,7 +18120,7 @@
             </p:txBody>
           </p:sp>
         </mc:Choice>
-        <mc:Fallback>
+        <mc:Fallback xmlns="">
           <p:sp>
             <p:nvSpPr>
               <p:cNvPr id="96" name="TextBox 95"/>
@@ -17601,8 +18159,8 @@
           </p:sp>
         </mc:Fallback>
       </mc:AlternateContent>
-      <mc:AlternateContent xmlns:mc="http://schemas.openxmlformats.org/markup-compatibility/2006">
-        <mc:Choice xmlns:a14="http://schemas.microsoft.com/office/drawing/2010/main" Requires="a14">
+      <mc:AlternateContent xmlns:mc="http://schemas.openxmlformats.org/markup-compatibility/2006" xmlns:a14="http://schemas.microsoft.com/office/drawing/2010/main">
+        <mc:Choice Requires="a14">
           <p:sp>
             <p:nvSpPr>
               <p:cNvPr id="97" name="TextBox 96"/>
@@ -17652,7 +18210,7 @@
             </p:txBody>
           </p:sp>
         </mc:Choice>
-        <mc:Fallback>
+        <mc:Fallback xmlns="">
           <p:sp>
             <p:nvSpPr>
               <p:cNvPr id="97" name="TextBox 96"/>
@@ -17691,8 +18249,8 @@
           </p:sp>
         </mc:Fallback>
       </mc:AlternateContent>
-      <mc:AlternateContent xmlns:mc="http://schemas.openxmlformats.org/markup-compatibility/2006">
-        <mc:Choice xmlns:a14="http://schemas.microsoft.com/office/drawing/2010/main" Requires="a14">
+      <mc:AlternateContent xmlns:mc="http://schemas.openxmlformats.org/markup-compatibility/2006" xmlns:a14="http://schemas.microsoft.com/office/drawing/2010/main">
+        <mc:Choice Requires="a14">
           <p:sp>
             <p:nvSpPr>
               <p:cNvPr id="98" name="TextBox 97"/>
@@ -17742,7 +18300,7 @@
             </p:txBody>
           </p:sp>
         </mc:Choice>
-        <mc:Fallback>
+        <mc:Fallback xmlns="">
           <p:sp>
             <p:nvSpPr>
               <p:cNvPr id="98" name="TextBox 97"/>
@@ -17781,8 +18339,8 @@
           </p:sp>
         </mc:Fallback>
       </mc:AlternateContent>
-      <mc:AlternateContent xmlns:mc="http://schemas.openxmlformats.org/markup-compatibility/2006">
-        <mc:Choice xmlns:a14="http://schemas.microsoft.com/office/drawing/2010/main" Requires="a14">
+      <mc:AlternateContent xmlns:mc="http://schemas.openxmlformats.org/markup-compatibility/2006" xmlns:a14="http://schemas.microsoft.com/office/drawing/2010/main">
+        <mc:Choice Requires="a14">
           <p:sp>
             <p:nvSpPr>
               <p:cNvPr id="99" name="TextBox 98"/>
@@ -17832,7 +18390,7 @@
             </p:txBody>
           </p:sp>
         </mc:Choice>
-        <mc:Fallback>
+        <mc:Fallback xmlns="">
           <p:sp>
             <p:nvSpPr>
               <p:cNvPr id="99" name="TextBox 98"/>
@@ -17871,8 +18429,8 @@
           </p:sp>
         </mc:Fallback>
       </mc:AlternateContent>
-      <mc:AlternateContent xmlns:mc="http://schemas.openxmlformats.org/markup-compatibility/2006">
-        <mc:Choice xmlns:a14="http://schemas.microsoft.com/office/drawing/2010/main" Requires="a14">
+      <mc:AlternateContent xmlns:mc="http://schemas.openxmlformats.org/markup-compatibility/2006" xmlns:a14="http://schemas.microsoft.com/office/drawing/2010/main">
+        <mc:Choice Requires="a14">
           <p:sp>
             <p:nvSpPr>
               <p:cNvPr id="101" name="TextBox 100"/>
@@ -17935,7 +18493,7 @@
             </p:txBody>
           </p:sp>
         </mc:Choice>
-        <mc:Fallback>
+        <mc:Fallback xmlns="">
           <p:sp>
             <p:nvSpPr>
               <p:cNvPr id="101" name="TextBox 100"/>
@@ -18014,8 +18572,8 @@
           </a:fontRef>
         </p:style>
       </p:cxnSp>
-      <mc:AlternateContent xmlns:mc="http://schemas.openxmlformats.org/markup-compatibility/2006">
-        <mc:Choice xmlns:a14="http://schemas.microsoft.com/office/drawing/2010/main" Requires="a14">
+      <mc:AlternateContent xmlns:mc="http://schemas.openxmlformats.org/markup-compatibility/2006" xmlns:a14="http://schemas.microsoft.com/office/drawing/2010/main">
+        <mc:Choice Requires="a14">
           <p:sp>
             <p:nvSpPr>
               <p:cNvPr id="104" name="TextBox 103"/>
@@ -18084,7 +18642,7 @@
             </p:txBody>
           </p:sp>
         </mc:Choice>
-        <mc:Fallback>
+        <mc:Fallback xmlns="">
           <p:sp>
             <p:nvSpPr>
               <p:cNvPr id="104" name="TextBox 103"/>
@@ -18307,7 +18865,7 @@
             <a:lstStyle/>
             <a:p>
               <a:pPr algn="ctr"/>
-              <a:endParaRPr lang="en-US" sz="1600"/>
+              <a:endParaRPr lang="en-US" sz="1600" dirty="0"/>
             </a:p>
           </p:txBody>
         </p:sp>
@@ -18765,7 +19323,7 @@
           <a:p>
             <a:pPr algn="ctr"/>
             <a:r>
-              <a:rPr lang="is-IS" sz="2800" dirty="0" smtClean="0"/>
+              <a:rPr lang="is-IS" sz="2800" smtClean="0"/>
               <a:t>…</a:t>
             </a:r>
             <a:endParaRPr lang="en-US" sz="2800" baseline="-25000" dirty="0"/>
@@ -18796,7 +19354,7 @@
           <a:p>
             <a:pPr algn="ctr"/>
             <a:r>
-              <a:rPr lang="is-IS" sz="2800" dirty="0" smtClean="0"/>
+              <a:rPr lang="is-IS" sz="2800" smtClean="0"/>
               <a:t>…</a:t>
             </a:r>
             <a:endParaRPr lang="en-US" sz="2800" baseline="-25000" dirty="0"/>
@@ -18933,8 +19491,8 @@
           </a:p>
         </p:txBody>
       </p:sp>
-      <mc:AlternateContent xmlns:mc="http://schemas.openxmlformats.org/markup-compatibility/2006">
-        <mc:Choice xmlns:a14="http://schemas.microsoft.com/office/drawing/2010/main" Requires="a14">
+      <mc:AlternateContent xmlns:mc="http://schemas.openxmlformats.org/markup-compatibility/2006" xmlns:a14="http://schemas.microsoft.com/office/drawing/2010/main">
+        <mc:Choice Requires="a14">
           <p:sp>
             <p:nvSpPr>
               <p:cNvPr id="151" name="TextBox 150"/>
@@ -18978,7 +19536,7 @@
             </p:txBody>
           </p:sp>
         </mc:Choice>
-        <mc:Fallback>
+        <mc:Fallback xmlns="">
           <p:sp>
             <p:nvSpPr>
               <p:cNvPr id="151" name="TextBox 150"/>
@@ -19071,8 +19629,8 @@
           </a:p>
         </p:txBody>
       </p:sp>
-      <mc:AlternateContent xmlns:mc="http://schemas.openxmlformats.org/markup-compatibility/2006">
-        <mc:Choice xmlns:a14="http://schemas.microsoft.com/office/drawing/2010/main" Requires="a14">
+      <mc:AlternateContent xmlns:mc="http://schemas.openxmlformats.org/markup-compatibility/2006" xmlns:a14="http://schemas.microsoft.com/office/drawing/2010/main">
+        <mc:Choice Requires="a14">
           <p:sp>
             <p:nvSpPr>
               <p:cNvPr id="153" name="TextBox 152"/>
@@ -19135,7 +19693,7 @@
             </p:txBody>
           </p:sp>
         </mc:Choice>
-        <mc:Fallback>
+        <mc:Fallback xmlns="">
           <p:sp>
             <p:nvSpPr>
               <p:cNvPr id="153" name="TextBox 152"/>
@@ -19196,7 +19754,7 @@
           </a:bodyPr>
           <a:lstStyle/>
           <a:p>
-            <a:endParaRPr lang="en-US"/>
+            <a:endParaRPr lang="en-US" dirty="0"/>
           </a:p>
         </p:txBody>
       </p:sp>
@@ -19213,7 +19771,7 @@
 </p:sld>
 </file>
 
-<file path=ppt/slides/slide14.xml><?xml version="1.0" encoding="utf-8"?>
+<file path=ppt/slides/slide15.xml><?xml version="1.0" encoding="utf-8"?>
 <p:sld xmlns:a="http://schemas.openxmlformats.org/drawingml/2006/main" xmlns:r="http://schemas.openxmlformats.org/officeDocument/2006/relationships" xmlns:p="http://schemas.openxmlformats.org/presentationml/2006/main">
   <p:cSld>
     <p:spTree>
@@ -19433,7 +19991,7 @@
             <a:lstStyle/>
             <a:p>
               <a:pPr algn="ctr"/>
-              <a:endParaRPr lang="en-US" sz="1600"/>
+              <a:endParaRPr lang="en-US" sz="1600" dirty="0"/>
             </a:p>
           </p:txBody>
         </p:sp>
@@ -20030,7 +20588,7 @@
           <a:p>
             <a:pPr algn="ctr"/>
             <a:r>
-              <a:rPr lang="en-US" sz="2800" b="1" smtClean="0"/>
+              <a:rPr lang="en-US" sz="2800" b="1" dirty="0" smtClean="0"/>
               <a:t>BCube</a:t>
             </a:r>
             <a:endParaRPr lang="en-US" sz="2800" b="1" baseline="-25000" dirty="0"/>
@@ -20937,7 +21495,7 @@
           <a:lstStyle/>
           <a:p>
             <a:pPr algn="ctr"/>
-            <a:endParaRPr lang="en-US" sz="1600"/>
+            <a:endParaRPr lang="en-US" sz="1600" dirty="0"/>
           </a:p>
         </p:txBody>
       </p:sp>
@@ -21955,7 +22513,7 @@
             <a:lstStyle/>
             <a:p>
               <a:pPr algn="ctr"/>
-              <a:endParaRPr lang="en-US" sz="1600"/>
+              <a:endParaRPr lang="en-US" sz="1600" dirty="0"/>
             </a:p>
           </p:txBody>
         </p:sp>
@@ -22427,7 +22985,7 @@
             <a:lstStyle/>
             <a:p>
               <a:pPr algn="ctr"/>
-              <a:endParaRPr lang="en-US" sz="1600"/>
+              <a:endParaRPr lang="en-US" sz="1600" dirty="0"/>
             </a:p>
           </p:txBody>
         </p:sp>
@@ -22899,7 +23457,7 @@
             <a:lstStyle/>
             <a:p>
               <a:pPr algn="ctr"/>
-              <a:endParaRPr lang="en-US" sz="1600"/>
+              <a:endParaRPr lang="en-US" sz="1600" dirty="0"/>
             </a:p>
           </p:txBody>
         </p:sp>
@@ -24724,7 +25282,7 @@
             <a:lstStyle/>
             <a:p>
               <a:pPr algn="ctr"/>
-              <a:endParaRPr lang="en-US" sz="1600"/>
+              <a:endParaRPr lang="en-US" sz="1600" dirty="0"/>
             </a:p>
           </p:txBody>
         </p:sp>
@@ -25313,7 +25871,7 @@
             <a:lstStyle/>
             <a:p>
               <a:pPr algn="ctr"/>
-              <a:endParaRPr lang="en-US" sz="1600"/>
+              <a:endParaRPr lang="en-US" sz="1600" dirty="0"/>
             </a:p>
           </p:txBody>
         </p:sp>
@@ -25908,7 +26466,7 @@
             <a:lstStyle/>
             <a:p>
               <a:pPr algn="ctr"/>
-              <a:endParaRPr lang="en-US" sz="1600"/>
+              <a:endParaRPr lang="en-US" sz="1600" dirty="0"/>
             </a:p>
           </p:txBody>
         </p:sp>
@@ -26456,7 +27014,7 @@
             <a:lstStyle/>
             <a:p>
               <a:pPr algn="ctr"/>
-              <a:endParaRPr lang="en-US" sz="1600"/>
+              <a:endParaRPr lang="en-US" sz="1600" dirty="0"/>
             </a:p>
           </p:txBody>
         </p:sp>
@@ -28160,7 +28718,7 @@
             <a:lstStyle/>
             <a:p>
               <a:pPr algn="ctr"/>
-              <a:endParaRPr lang="en-US" sz="1600"/>
+              <a:endParaRPr lang="en-US" sz="1600" dirty="0"/>
             </a:p>
           </p:txBody>
         </p:sp>
@@ -28752,7 +29310,7 @@
             <a:lstStyle/>
             <a:p>
               <a:pPr algn="ctr"/>
-              <a:endParaRPr lang="en-US" sz="1600"/>
+              <a:endParaRPr lang="en-US" sz="1600" dirty="0"/>
             </a:p>
           </p:txBody>
         </p:sp>
@@ -29308,7 +29866,7 @@
             <a:lstStyle/>
             <a:p>
               <a:pPr algn="ctr"/>
-              <a:endParaRPr lang="en-US" sz="1600"/>
+              <a:endParaRPr lang="en-US" sz="1600" dirty="0"/>
             </a:p>
           </p:txBody>
         </p:sp>
@@ -29856,7 +30414,7 @@
             <a:lstStyle/>
             <a:p>
               <a:pPr algn="ctr"/>
-              <a:endParaRPr lang="en-US" sz="1600"/>
+              <a:endParaRPr lang="en-US" sz="1600" dirty="0"/>
             </a:p>
           </p:txBody>
         </p:sp>
@@ -31602,7 +32160,7 @@
             <a:lstStyle/>
             <a:p>
               <a:pPr algn="ctr"/>
-              <a:endParaRPr lang="en-US" sz="1600"/>
+              <a:endParaRPr lang="en-US" sz="1600" dirty="0"/>
             </a:p>
           </p:txBody>
         </p:sp>
@@ -32194,7 +32752,7 @@
             <a:lstStyle/>
             <a:p>
               <a:pPr algn="ctr"/>
-              <a:endParaRPr lang="en-US" sz="1600"/>
+              <a:endParaRPr lang="en-US" sz="1600" dirty="0"/>
             </a:p>
           </p:txBody>
         </p:sp>
@@ -32750,7 +33308,7 @@
             <a:lstStyle/>
             <a:p>
               <a:pPr algn="ctr"/>
-              <a:endParaRPr lang="en-US" sz="1600"/>
+              <a:endParaRPr lang="en-US" sz="1600" dirty="0"/>
             </a:p>
           </p:txBody>
         </p:sp>
@@ -33298,7 +33856,7 @@
             <a:lstStyle/>
             <a:p>
               <a:pPr algn="ctr"/>
-              <a:endParaRPr lang="en-US" sz="1600"/>
+              <a:endParaRPr lang="en-US" sz="1600" dirty="0"/>
             </a:p>
           </p:txBody>
         </p:sp>
@@ -35284,7 +35842,7 @@
               <a:p>
                 <a:pPr algn="ctr"/>
                 <a:r>
-                  <a:rPr lang="en-US" sz="2000" smtClean="0"/>
+                  <a:rPr lang="en-US" sz="2000" dirty="0" smtClean="0"/>
                   <a:t>LP</a:t>
                 </a:r>
                 <a:endParaRPr lang="en-US" sz="2000" baseline="-25000" dirty="0"/>
@@ -35334,7 +35892,7 @@
               <a:lstStyle/>
               <a:p>
                 <a:pPr algn="ctr"/>
-                <a:endParaRPr lang="en-US" sz="1600"/>
+                <a:endParaRPr lang="en-US" sz="1600" dirty="0"/>
               </a:p>
             </p:txBody>
           </p:sp>
@@ -35932,7 +36490,7 @@
               <a:p>
                 <a:pPr algn="ctr"/>
                 <a:r>
-                  <a:rPr lang="en-US" sz="2000" smtClean="0"/>
+                  <a:rPr lang="en-US" sz="2000" dirty="0" smtClean="0"/>
                   <a:t>GP</a:t>
                 </a:r>
                 <a:endParaRPr lang="en-US" sz="2000" baseline="-25000" dirty="0"/>
@@ -35982,7 +36540,7 @@
               <a:lstStyle/>
               <a:p>
                 <a:pPr algn="ctr"/>
-                <a:endParaRPr lang="en-US" sz="1600"/>
+                <a:endParaRPr lang="en-US" sz="1600" dirty="0"/>
               </a:p>
             </p:txBody>
           </p:sp>
@@ -36358,7 +36916,7 @@
               <a:p>
                 <a:pPr algn="ctr"/>
                 <a:r>
-                  <a:rPr lang="en-US" sz="2000" smtClean="0"/>
+                  <a:rPr lang="en-US" sz="2000" dirty="0" smtClean="0"/>
                   <a:t>P</a:t>
                 </a:r>
                 <a:endParaRPr lang="en-US" sz="2000" baseline="-25000" dirty="0"/>
@@ -40134,7 +40692,7 @@
           </a:bodyPr>
           <a:lstStyle/>
           <a:p>
-            <a:endParaRPr lang="en-US"/>
+            <a:endParaRPr lang="en-US" dirty="0"/>
           </a:p>
         </p:txBody>
       </p:sp>
@@ -43749,7 +44307,7 @@
               <a:lstStyle/>
               <a:p>
                 <a:pPr algn="ctr"/>
-                <a:endParaRPr lang="en-US"/>
+                <a:endParaRPr lang="en-US" dirty="0"/>
               </a:p>
             </p:txBody>
           </p:sp>
@@ -44793,7 +45351,7 @@
             <a:lstStyle/>
             <a:p>
               <a:pPr algn="ctr"/>
-              <a:endParaRPr lang="en-US"/>
+              <a:endParaRPr lang="en-US" dirty="0"/>
             </a:p>
           </p:txBody>
         </p:sp>

--- a/paper/abstraction/figures/examples.pptx
+++ b/paper/abstraction/figures/examples.pptx
@@ -211,7 +211,7 @@
           <a:p>
             <a:fld id="{0CCB65A4-74BE-2E49-B697-B48CA3DADDCF}" type="datetimeFigureOut">
               <a:rPr lang="en-US" smtClean="0"/>
-              <a:t>11/13/16</a:t>
+              <a:t>3/12/17</a:t>
             </a:fld>
             <a:endParaRPr lang="en-US" dirty="0"/>
           </a:p>
@@ -946,7 +946,7 @@
           <a:p>
             <a:fld id="{D1C2FE12-02FD-40D2-9E73-08CF8D46514A}" type="datetimeFigureOut">
               <a:rPr lang="en-US" smtClean="0"/>
-              <a:t>11/13/16</a:t>
+              <a:t>3/12/17</a:t>
             </a:fld>
             <a:endParaRPr lang="en-US" dirty="0"/>
           </a:p>
@@ -1116,7 +1116,7 @@
           <a:p>
             <a:fld id="{D1C2FE12-02FD-40D2-9E73-08CF8D46514A}" type="datetimeFigureOut">
               <a:rPr lang="en-US" smtClean="0"/>
-              <a:t>11/13/16</a:t>
+              <a:t>3/12/17</a:t>
             </a:fld>
             <a:endParaRPr lang="en-US" dirty="0"/>
           </a:p>
@@ -1296,7 +1296,7 @@
           <a:p>
             <a:fld id="{D1C2FE12-02FD-40D2-9E73-08CF8D46514A}" type="datetimeFigureOut">
               <a:rPr lang="en-US" smtClean="0"/>
-              <a:t>11/13/16</a:t>
+              <a:t>3/12/17</a:t>
             </a:fld>
             <a:endParaRPr lang="en-US" dirty="0"/>
           </a:p>
@@ -1466,7 +1466,7 @@
           <a:p>
             <a:fld id="{D1C2FE12-02FD-40D2-9E73-08CF8D46514A}" type="datetimeFigureOut">
               <a:rPr lang="en-US" smtClean="0"/>
-              <a:t>11/13/16</a:t>
+              <a:t>3/12/17</a:t>
             </a:fld>
             <a:endParaRPr lang="en-US" dirty="0"/>
           </a:p>
@@ -1712,7 +1712,7 @@
           <a:p>
             <a:fld id="{D1C2FE12-02FD-40D2-9E73-08CF8D46514A}" type="datetimeFigureOut">
               <a:rPr lang="en-US" smtClean="0"/>
-              <a:t>11/13/16</a:t>
+              <a:t>3/12/17</a:t>
             </a:fld>
             <a:endParaRPr lang="en-US" dirty="0"/>
           </a:p>
@@ -1944,7 +1944,7 @@
           <a:p>
             <a:fld id="{D1C2FE12-02FD-40D2-9E73-08CF8D46514A}" type="datetimeFigureOut">
               <a:rPr lang="en-US" smtClean="0"/>
-              <a:t>11/13/16</a:t>
+              <a:t>3/12/17</a:t>
             </a:fld>
             <a:endParaRPr lang="en-US" dirty="0"/>
           </a:p>
@@ -2311,7 +2311,7 @@
           <a:p>
             <a:fld id="{D1C2FE12-02FD-40D2-9E73-08CF8D46514A}" type="datetimeFigureOut">
               <a:rPr lang="en-US" smtClean="0"/>
-              <a:t>11/13/16</a:t>
+              <a:t>3/12/17</a:t>
             </a:fld>
             <a:endParaRPr lang="en-US" dirty="0"/>
           </a:p>
@@ -2429,7 +2429,7 @@
           <a:p>
             <a:fld id="{D1C2FE12-02FD-40D2-9E73-08CF8D46514A}" type="datetimeFigureOut">
               <a:rPr lang="en-US" smtClean="0"/>
-              <a:t>11/13/16</a:t>
+              <a:t>3/12/17</a:t>
             </a:fld>
             <a:endParaRPr lang="en-US" dirty="0"/>
           </a:p>
@@ -2524,7 +2524,7 @@
           <a:p>
             <a:fld id="{D1C2FE12-02FD-40D2-9E73-08CF8D46514A}" type="datetimeFigureOut">
               <a:rPr lang="en-US" smtClean="0"/>
-              <a:t>11/13/16</a:t>
+              <a:t>3/12/17</a:t>
             </a:fld>
             <a:endParaRPr lang="en-US" dirty="0"/>
           </a:p>
@@ -2801,7 +2801,7 @@
           <a:p>
             <a:fld id="{D1C2FE12-02FD-40D2-9E73-08CF8D46514A}" type="datetimeFigureOut">
               <a:rPr lang="en-US" smtClean="0"/>
-              <a:t>11/13/16</a:t>
+              <a:t>3/12/17</a:t>
             </a:fld>
             <a:endParaRPr lang="en-US" dirty="0"/>
           </a:p>
@@ -3054,7 +3054,7 @@
           <a:p>
             <a:fld id="{D1C2FE12-02FD-40D2-9E73-08CF8D46514A}" type="datetimeFigureOut">
               <a:rPr lang="en-US" smtClean="0"/>
-              <a:t>11/13/16</a:t>
+              <a:t>3/12/17</a:t>
             </a:fld>
             <a:endParaRPr lang="en-US" dirty="0"/>
           </a:p>
@@ -3267,7 +3267,7 @@
           <a:p>
             <a:fld id="{D1C2FE12-02FD-40D2-9E73-08CF8D46514A}" type="datetimeFigureOut">
               <a:rPr lang="en-US" smtClean="0"/>
-              <a:t>11/13/16</a:t>
+              <a:t>3/12/17</a:t>
             </a:fld>
             <a:endParaRPr lang="en-US" dirty="0"/>
           </a:p>
@@ -9281,8 +9281,8 @@
             </p:sp>
           </mc:Fallback>
         </mc:AlternateContent>
-        <mc:AlternateContent xmlns:mc="http://schemas.openxmlformats.org/markup-compatibility/2006" xmlns:a14="http://schemas.microsoft.com/office/drawing/2010/main">
-          <mc:Choice Requires="a14">
+        <mc:AlternateContent xmlns:mc="http://schemas.openxmlformats.org/markup-compatibility/2006">
+          <mc:Choice xmlns:a14="http://schemas.microsoft.com/office/drawing/2010/main" Requires="a14">
             <p:sp>
               <p:nvSpPr>
                 <p:cNvPr id="13" name="TextBox 12"/>
@@ -9292,7 +9292,7 @@
               <p:spPr>
                 <a:xfrm>
                   <a:off x="2448900" y="2057384"/>
-                  <a:ext cx="3405868" cy="276999"/>
+                  <a:ext cx="3230372" cy="276999"/>
                 </a:xfrm>
                 <a:prstGeom prst="rect">
                   <a:avLst/>
@@ -9353,13 +9353,25 @@
                           <a:rPr lang="en-US" b="0" i="1" smtClean="0">
                             <a:latin typeface="Cambria Math" charset="0"/>
                           </a:rPr>
-                          <m:t>→ ∗</m:t>
+                          <m:t>→</m:t>
                         </m:r>
                         <m:r>
                           <a:rPr lang="en-US" b="0" i="1" smtClean="0">
                             <a:latin typeface="Cambria Math" charset="0"/>
                           </a:rPr>
-                          <m:t>𝑡𝑎𝑔</m:t>
+                          <m:t>(</m:t>
+                        </m:r>
+                        <m:r>
+                          <a:rPr lang="en-US" b="0" i="1" smtClean="0">
+                            <a:latin typeface="Cambria Math" charset="0"/>
+                          </a:rPr>
+                          <m:t>∗</m:t>
+                        </m:r>
+                        <m:r>
+                          <a:rPr lang="en-US" b="0" i="1" smtClean="0">
+                            <a:latin typeface="Cambria Math" charset="0"/>
+                          </a:rPr>
+                          <m:t>,</m:t>
                         </m:r>
                         <m:r>
                           <a:rPr lang="en-US" b="0" i="1" smtClean="0">
@@ -9388,6 +9400,12 @@
                           <a:rPr lang="en-US" b="0" i="1" smtClean="0">
                             <a:latin typeface="Cambria Math" charset="0"/>
                           </a:rPr>
+                          <m:t>)</m:t>
+                        </m:r>
+                        <m:r>
+                          <a:rPr lang="en-US" b="0" i="1" smtClean="0">
+                            <a:latin typeface="Cambria Math" charset="0"/>
+                          </a:rPr>
                           <m:t>,</m:t>
                         </m:r>
                       </m:oMath>
@@ -9398,7 +9416,7 @@
               </p:txBody>
             </p:sp>
           </mc:Choice>
-          <mc:Fallback xmlns="">
+          <mc:Fallback>
             <p:sp>
               <p:nvSpPr>
                 <p:cNvPr id="13" name="TextBox 12"/>
@@ -9410,7 +9428,7 @@
               <p:spPr>
                 <a:xfrm>
                   <a:off x="2448900" y="2057384"/>
-                  <a:ext cx="3405868" cy="276999"/>
+                  <a:ext cx="3230372" cy="276999"/>
                 </a:xfrm>
                 <a:prstGeom prst="rect">
                   <a:avLst/>
@@ -9418,7 +9436,7 @@
                 <a:blipFill rotWithShape="0">
                   <a:blip r:embed="rId3"/>
                   <a:stretch>
-                    <a:fillRect l="-896" t="-146667" b="-180000"/>
+                    <a:fillRect l="-943" t="-2222" r="-755" b="-35556"/>
                   </a:stretch>
                 </a:blipFill>
               </p:spPr>
@@ -9437,8 +9455,8 @@
             </p:sp>
           </mc:Fallback>
         </mc:AlternateContent>
-        <mc:AlternateContent xmlns:mc="http://schemas.openxmlformats.org/markup-compatibility/2006" xmlns:a14="http://schemas.microsoft.com/office/drawing/2010/main">
-          <mc:Choice Requires="a14">
+        <mc:AlternateContent xmlns:mc="http://schemas.openxmlformats.org/markup-compatibility/2006">
+          <mc:Choice xmlns:a14="http://schemas.microsoft.com/office/drawing/2010/main" Requires="a14">
             <p:sp>
               <p:nvSpPr>
                 <p:cNvPr id="14" name="TextBox 13"/>
@@ -9447,8 +9465,8 @@
               </p:nvSpPr>
               <p:spPr>
                 <a:xfrm>
-                  <a:off x="3277247" y="2376630"/>
-                  <a:ext cx="2606547" cy="276999"/>
+                  <a:off x="3302186" y="2376630"/>
+                  <a:ext cx="2369303" cy="276999"/>
                 </a:xfrm>
                 <a:prstGeom prst="rect">
                   <a:avLst/>
@@ -9503,19 +9521,25 @@
                           <a:rPr lang="en-US" b="0" i="1" smtClean="0">
                             <a:latin typeface="Cambria Math" charset="0"/>
                           </a:rPr>
-                          <m:t>→ ∗</m:t>
+                          <m:t>→</m:t>
                         </m:r>
                         <m:r>
                           <a:rPr lang="en-US" b="0" i="1" smtClean="0">
                             <a:latin typeface="Cambria Math" charset="0"/>
                           </a:rPr>
-                          <m:t>𝑡𝑎𝑔</m:t>
+                          <m:t>(</m:t>
                         </m:r>
                         <m:r>
                           <a:rPr lang="en-US" b="0" i="1" smtClean="0">
                             <a:latin typeface="Cambria Math" charset="0"/>
                           </a:rPr>
-                          <m:t> </m:t>
+                          <m:t>∗</m:t>
+                        </m:r>
+                        <m:r>
+                          <a:rPr lang="en-US" b="0" i="1" smtClean="0">
+                            <a:latin typeface="Cambria Math" charset="0"/>
+                          </a:rPr>
+                          <m:t>, </m:t>
                         </m:r>
                         <m:d>
                           <m:dPr>
@@ -9538,6 +9562,12 @@
                           <a:rPr lang="en-US" b="0" i="1" smtClean="0">
                             <a:latin typeface="Cambria Math" charset="0"/>
                           </a:rPr>
+                          <m:t>)</m:t>
+                        </m:r>
+                        <m:r>
+                          <a:rPr lang="en-US" b="0" i="1" smtClean="0">
+                            <a:latin typeface="Cambria Math" charset="0"/>
+                          </a:rPr>
                           <m:t>,</m:t>
                         </m:r>
                       </m:oMath>
@@ -9548,7 +9578,7 @@
               </p:txBody>
             </p:sp>
           </mc:Choice>
-          <mc:Fallback xmlns="">
+          <mc:Fallback>
             <p:sp>
               <p:nvSpPr>
                 <p:cNvPr id="14" name="TextBox 13"/>
@@ -9559,8 +9589,8 @@
               </p:nvSpPr>
               <p:spPr>
                 <a:xfrm>
-                  <a:off x="3277247" y="2376630"/>
-                  <a:ext cx="2606547" cy="276999"/>
+                  <a:off x="3302186" y="2376630"/>
+                  <a:ext cx="2369303" cy="276999"/>
                 </a:xfrm>
                 <a:prstGeom prst="rect">
                   <a:avLst/>
@@ -9568,7 +9598,7 @@
                 <a:blipFill rotWithShape="0">
                   <a:blip r:embed="rId4"/>
                   <a:stretch>
-                    <a:fillRect l="-703" t="-143478" b="-176087"/>
+                    <a:fillRect l="-2062" t="-2174" r="-1546" b="-32609"/>
                   </a:stretch>
                 </a:blipFill>
               </p:spPr>
@@ -10023,8 +10053,8 @@
             </p:sp>
           </mc:Fallback>
         </mc:AlternateContent>
-        <mc:AlternateContent xmlns:mc="http://schemas.openxmlformats.org/markup-compatibility/2006" xmlns:a14="http://schemas.microsoft.com/office/drawing/2010/main">
-          <mc:Choice Requires="a14">
+        <mc:AlternateContent xmlns:mc="http://schemas.openxmlformats.org/markup-compatibility/2006">
+          <mc:Choice xmlns:a14="http://schemas.microsoft.com/office/drawing/2010/main" Requires="a14">
             <p:sp>
               <p:nvSpPr>
                 <p:cNvPr id="34" name="TextBox 33"/>
@@ -10034,7 +10064,7 @@
               <p:spPr>
                 <a:xfrm>
                   <a:off x="2409958" y="5330557"/>
-                  <a:ext cx="3405868" cy="276999"/>
+                  <a:ext cx="3230372" cy="276999"/>
                 </a:xfrm>
                 <a:prstGeom prst="rect">
                   <a:avLst/>
@@ -10095,19 +10125,25 @@
                           <a:rPr lang="en-US" b="0" i="1" smtClean="0">
                             <a:latin typeface="Cambria Math" charset="0"/>
                           </a:rPr>
-                          <m:t>→ ∗</m:t>
+                          <m:t>→</m:t>
                         </m:r>
                         <m:r>
                           <a:rPr lang="en-US" b="0" i="1" smtClean="0">
                             <a:latin typeface="Cambria Math" charset="0"/>
                           </a:rPr>
-                          <m:t>𝑡𝑎𝑔</m:t>
+                          <m:t>(</m:t>
                         </m:r>
                         <m:r>
                           <a:rPr lang="en-US" b="0" i="1" smtClean="0">
                             <a:latin typeface="Cambria Math" charset="0"/>
                           </a:rPr>
-                          <m:t> </m:t>
+                          <m:t>∗</m:t>
+                        </m:r>
+                        <m:r>
+                          <a:rPr lang="en-US" b="0" i="1" smtClean="0">
+                            <a:latin typeface="Cambria Math" charset="0"/>
+                          </a:rPr>
+                          <m:t>,</m:t>
                         </m:r>
                         <m:d>
                           <m:dPr>
@@ -10130,6 +10166,12 @@
                           <a:rPr lang="en-US" b="0" i="1" smtClean="0">
                             <a:latin typeface="Cambria Math" charset="0"/>
                           </a:rPr>
+                          <m:t>)</m:t>
+                        </m:r>
+                        <m:r>
+                          <a:rPr lang="en-US" b="0" i="1" smtClean="0">
+                            <a:latin typeface="Cambria Math" charset="0"/>
+                          </a:rPr>
                           <m:t>,</m:t>
                         </m:r>
                       </m:oMath>
@@ -10140,7 +10182,7 @@
               </p:txBody>
             </p:sp>
           </mc:Choice>
-          <mc:Fallback xmlns="">
+          <mc:Fallback>
             <p:sp>
               <p:nvSpPr>
                 <p:cNvPr id="34" name="TextBox 33"/>
@@ -10152,7 +10194,7 @@
               <p:spPr>
                 <a:xfrm>
                   <a:off x="2409958" y="5330557"/>
-                  <a:ext cx="3405868" cy="276999"/>
+                  <a:ext cx="3230372" cy="276999"/>
                 </a:xfrm>
                 <a:prstGeom prst="rect">
                   <a:avLst/>
@@ -10160,7 +10202,7 @@
                 <a:blipFill rotWithShape="0">
                   <a:blip r:embed="rId8"/>
                   <a:stretch>
-                    <a:fillRect l="-894" t="-143478" b="-176087"/>
+                    <a:fillRect l="-943" t="-2174" r="-755" b="-32609"/>
                   </a:stretch>
                 </a:blipFill>
               </p:spPr>
@@ -10179,8 +10221,8 @@
             </p:sp>
           </mc:Fallback>
         </mc:AlternateContent>
-        <mc:AlternateContent xmlns:mc="http://schemas.openxmlformats.org/markup-compatibility/2006" xmlns:a14="http://schemas.microsoft.com/office/drawing/2010/main">
-          <mc:Choice Requires="a14">
+        <mc:AlternateContent xmlns:mc="http://schemas.openxmlformats.org/markup-compatibility/2006">
+          <mc:Choice xmlns:a14="http://schemas.microsoft.com/office/drawing/2010/main" Requires="a14">
             <p:sp>
               <p:nvSpPr>
                 <p:cNvPr id="35" name="TextBox 34"/>
@@ -10189,8 +10231,8 @@
               </p:nvSpPr>
               <p:spPr>
                 <a:xfrm>
-                  <a:off x="3238361" y="5649803"/>
-                  <a:ext cx="2606547" cy="276999"/>
+                  <a:off x="3263300" y="5649803"/>
+                  <a:ext cx="2369303" cy="276999"/>
                 </a:xfrm>
                 <a:prstGeom prst="rect">
                   <a:avLst/>
@@ -10245,19 +10287,25 @@
                           <a:rPr lang="en-US" b="0" i="1" smtClean="0">
                             <a:latin typeface="Cambria Math" charset="0"/>
                           </a:rPr>
-                          <m:t>→ ∗</m:t>
+                          <m:t>→</m:t>
                         </m:r>
                         <m:r>
                           <a:rPr lang="en-US" b="0" i="1" smtClean="0">
                             <a:latin typeface="Cambria Math" charset="0"/>
                           </a:rPr>
-                          <m:t>𝑡𝑎𝑔</m:t>
+                          <m:t>(</m:t>
                         </m:r>
                         <m:r>
                           <a:rPr lang="en-US" b="0" i="1" smtClean="0">
                             <a:latin typeface="Cambria Math" charset="0"/>
                           </a:rPr>
-                          <m:t> </m:t>
+                          <m:t>∗</m:t>
+                        </m:r>
+                        <m:r>
+                          <a:rPr lang="en-US" b="0" i="1" smtClean="0">
+                            <a:latin typeface="Cambria Math" charset="0"/>
+                          </a:rPr>
+                          <m:t>,</m:t>
                         </m:r>
                         <m:d>
                           <m:dPr>
@@ -10280,6 +10328,12 @@
                           <a:rPr lang="en-US" b="0" i="1" smtClean="0">
                             <a:latin typeface="Cambria Math" charset="0"/>
                           </a:rPr>
+                          <m:t>)</m:t>
+                        </m:r>
+                        <m:r>
+                          <a:rPr lang="en-US" b="0" i="1" smtClean="0">
+                            <a:latin typeface="Cambria Math" charset="0"/>
+                          </a:rPr>
                           <m:t>,</m:t>
                         </m:r>
                       </m:oMath>
@@ -10290,7 +10344,7 @@
               </p:txBody>
             </p:sp>
           </mc:Choice>
-          <mc:Fallback xmlns="">
+          <mc:Fallback>
             <p:sp>
               <p:nvSpPr>
                 <p:cNvPr id="35" name="TextBox 34"/>
@@ -10301,8 +10355,8 @@
               </p:nvSpPr>
               <p:spPr>
                 <a:xfrm>
-                  <a:off x="3238361" y="5649803"/>
-                  <a:ext cx="2606547" cy="276999"/>
+                  <a:off x="3263300" y="5649803"/>
+                  <a:ext cx="2369303" cy="276999"/>
                 </a:xfrm>
                 <a:prstGeom prst="rect">
                   <a:avLst/>
@@ -10310,7 +10364,7 @@
                 <a:blipFill rotWithShape="0">
                   <a:blip r:embed="rId9"/>
                   <a:stretch>
-                    <a:fillRect l="-467" t="-148889" b="-180000"/>
+                    <a:fillRect l="-1799" t="-4444" r="-1285" b="-35556"/>
                   </a:stretch>
                 </a:blipFill>
               </p:spPr>
@@ -11150,8 +11204,8 @@
             </a:p>
           </p:txBody>
         </p:sp>
-        <mc:AlternateContent xmlns:mc="http://schemas.openxmlformats.org/markup-compatibility/2006" xmlns:a14="http://schemas.microsoft.com/office/drawing/2010/main">
-          <mc:Choice Requires="a14">
+        <mc:AlternateContent xmlns:mc="http://schemas.openxmlformats.org/markup-compatibility/2006">
+          <mc:Choice xmlns:a14="http://schemas.microsoft.com/office/drawing/2010/main" Requires="a14">
             <p:sp>
               <p:nvSpPr>
                 <p:cNvPr id="24" name="TextBox 23"/>
@@ -11250,7 +11304,7 @@
               </p:txBody>
             </p:sp>
           </mc:Choice>
-          <mc:Fallback xmlns="">
+          <mc:Fallback>
             <p:sp>
               <p:nvSpPr>
                 <p:cNvPr id="24" name="TextBox 23"/>
@@ -11289,8 +11343,8 @@
             </p:sp>
           </mc:Fallback>
         </mc:AlternateContent>
-        <mc:AlternateContent xmlns:mc="http://schemas.openxmlformats.org/markup-compatibility/2006" xmlns:a14="http://schemas.microsoft.com/office/drawing/2010/main">
-          <mc:Choice Requires="a14">
+        <mc:AlternateContent xmlns:mc="http://schemas.openxmlformats.org/markup-compatibility/2006">
+          <mc:Choice xmlns:a14="http://schemas.microsoft.com/office/drawing/2010/main" Requires="a14">
             <p:sp>
               <p:nvSpPr>
                 <p:cNvPr id="25" name="TextBox 24"/>
@@ -11300,7 +11354,7 @@
               <p:spPr>
                 <a:xfrm>
                   <a:off x="2894670" y="2057384"/>
-                  <a:ext cx="3405868" cy="276999"/>
+                  <a:ext cx="3230372" cy="276999"/>
                 </a:xfrm>
                 <a:prstGeom prst="rect">
                   <a:avLst/>
@@ -11361,13 +11415,25 @@
                           <a:rPr lang="en-US" b="0" i="1" smtClean="0">
                             <a:latin typeface="Cambria Math" charset="0"/>
                           </a:rPr>
-                          <m:t>→ ∗</m:t>
+                          <m:t>→</m:t>
                         </m:r>
                         <m:r>
                           <a:rPr lang="en-US" b="0" i="1" smtClean="0">
                             <a:latin typeface="Cambria Math" charset="0"/>
                           </a:rPr>
-                          <m:t>𝑡𝑎𝑔</m:t>
+                          <m:t>(</m:t>
+                        </m:r>
+                        <m:r>
+                          <a:rPr lang="en-US" b="0" i="1" smtClean="0">
+                            <a:latin typeface="Cambria Math" charset="0"/>
+                          </a:rPr>
+                          <m:t>∗</m:t>
+                        </m:r>
+                        <m:r>
+                          <a:rPr lang="en-US" b="0" i="1" smtClean="0">
+                            <a:latin typeface="Cambria Math" charset="0"/>
+                          </a:rPr>
+                          <m:t>,</m:t>
                         </m:r>
                         <m:r>
                           <a:rPr lang="en-US" b="0" i="1" smtClean="0">
@@ -11396,6 +11462,12 @@
                           <a:rPr lang="en-US" b="0" i="1" smtClean="0">
                             <a:latin typeface="Cambria Math" charset="0"/>
                           </a:rPr>
+                          <m:t>)</m:t>
+                        </m:r>
+                        <m:r>
+                          <a:rPr lang="en-US" b="0" i="1" smtClean="0">
+                            <a:latin typeface="Cambria Math" charset="0"/>
+                          </a:rPr>
                           <m:t>,</m:t>
                         </m:r>
                       </m:oMath>
@@ -11406,7 +11478,7 @@
               </p:txBody>
             </p:sp>
           </mc:Choice>
-          <mc:Fallback xmlns="">
+          <mc:Fallback>
             <p:sp>
               <p:nvSpPr>
                 <p:cNvPr id="25" name="TextBox 24"/>
@@ -11418,7 +11490,7 @@
               <p:spPr>
                 <a:xfrm>
                   <a:off x="2894670" y="2057384"/>
-                  <a:ext cx="3405868" cy="276999"/>
+                  <a:ext cx="3230372" cy="276999"/>
                 </a:xfrm>
                 <a:prstGeom prst="rect">
                   <a:avLst/>
@@ -11426,7 +11498,7 @@
                 <a:blipFill rotWithShape="0">
                   <a:blip r:embed="rId15"/>
                   <a:stretch>
-                    <a:fillRect l="-894" t="-146667" b="-180000"/>
+                    <a:fillRect l="-943" t="-2222" r="-755" b="-35556"/>
                   </a:stretch>
                 </a:blipFill>
               </p:spPr>
@@ -11445,8 +11517,8 @@
             </p:sp>
           </mc:Fallback>
         </mc:AlternateContent>
-        <mc:AlternateContent xmlns:mc="http://schemas.openxmlformats.org/markup-compatibility/2006" xmlns:a14="http://schemas.microsoft.com/office/drawing/2010/main">
-          <mc:Choice Requires="a14">
+        <mc:AlternateContent xmlns:mc="http://schemas.openxmlformats.org/markup-compatibility/2006">
+          <mc:Choice xmlns:a14="http://schemas.microsoft.com/office/drawing/2010/main" Requires="a14">
             <p:sp>
               <p:nvSpPr>
                 <p:cNvPr id="26" name="TextBox 25"/>
@@ -11455,8 +11527,8 @@
               </p:nvSpPr>
               <p:spPr>
                 <a:xfrm>
-                  <a:off x="3723017" y="2376630"/>
-                  <a:ext cx="2606547" cy="276999"/>
+                  <a:off x="3747956" y="2376630"/>
+                  <a:ext cx="2369303" cy="276999"/>
                 </a:xfrm>
                 <a:prstGeom prst="rect">
                   <a:avLst/>
@@ -11511,19 +11583,25 @@
                           <a:rPr lang="en-US" b="0" i="1" smtClean="0">
                             <a:latin typeface="Cambria Math" charset="0"/>
                           </a:rPr>
-                          <m:t>→ ∗</m:t>
+                          <m:t>→</m:t>
                         </m:r>
                         <m:r>
                           <a:rPr lang="en-US" b="0" i="1" smtClean="0">
                             <a:latin typeface="Cambria Math" charset="0"/>
                           </a:rPr>
-                          <m:t>𝑡𝑎𝑔</m:t>
+                          <m:t>(</m:t>
                         </m:r>
                         <m:r>
                           <a:rPr lang="en-US" b="0" i="1" smtClean="0">
                             <a:latin typeface="Cambria Math" charset="0"/>
                           </a:rPr>
-                          <m:t> </m:t>
+                          <m:t>∗</m:t>
+                        </m:r>
+                        <m:r>
+                          <a:rPr lang="en-US" b="0" i="1" smtClean="0">
+                            <a:latin typeface="Cambria Math" charset="0"/>
+                          </a:rPr>
+                          <m:t>,</m:t>
                         </m:r>
                         <m:d>
                           <m:dPr>
@@ -11546,6 +11624,12 @@
                           <a:rPr lang="en-US" b="0" i="1" smtClean="0">
                             <a:latin typeface="Cambria Math" charset="0"/>
                           </a:rPr>
+                          <m:t>)</m:t>
+                        </m:r>
+                        <m:r>
+                          <a:rPr lang="en-US" b="0" i="1" smtClean="0">
+                            <a:latin typeface="Cambria Math" charset="0"/>
+                          </a:rPr>
                           <m:t>,</m:t>
                         </m:r>
                       </m:oMath>
@@ -11556,7 +11640,7 @@
               </p:txBody>
             </p:sp>
           </mc:Choice>
-          <mc:Fallback xmlns="">
+          <mc:Fallback>
             <p:sp>
               <p:nvSpPr>
                 <p:cNvPr id="26" name="TextBox 25"/>
@@ -11567,8 +11651,8 @@
               </p:nvSpPr>
               <p:spPr>
                 <a:xfrm>
-                  <a:off x="3723017" y="2376630"/>
-                  <a:ext cx="2606547" cy="276999"/>
+                  <a:off x="3747956" y="2376630"/>
+                  <a:ext cx="2369303" cy="276999"/>
                 </a:xfrm>
                 <a:prstGeom prst="rect">
                   <a:avLst/>
@@ -11576,7 +11660,7 @@
                 <a:blipFill rotWithShape="0">
                   <a:blip r:embed="rId16"/>
                   <a:stretch>
-                    <a:fillRect l="-467" t="-143478" b="-176087"/>
+                    <a:fillRect l="-1799" t="-2174" r="-1285" b="-32609"/>
                   </a:stretch>
                 </a:blipFill>
               </p:spPr>
@@ -11882,7 +11966,7 @@
         <p:grpSpPr>
           <a:xfrm>
             <a:off x="6696209" y="3134109"/>
-            <a:ext cx="4184864" cy="1838480"/>
+            <a:ext cx="4207724" cy="1838480"/>
             <a:chOff x="2297429" y="1065209"/>
             <a:chExt cx="4184864" cy="1838480"/>
           </a:xfrm>
@@ -11934,134 +12018,8 @@
             </a:p>
           </p:txBody>
         </p:sp>
-        <mc:AlternateContent xmlns:mc="http://schemas.openxmlformats.org/markup-compatibility/2006" xmlns:a14="http://schemas.microsoft.com/office/drawing/2010/main">
-          <mc:Choice Requires="a14">
-            <p:sp>
-              <p:nvSpPr>
-                <p:cNvPr id="42" name="TextBox 41"/>
-                <p:cNvSpPr txBox="1"/>
-                <p:nvPr/>
-              </p:nvSpPr>
-              <p:spPr>
-                <a:xfrm>
-                  <a:off x="2454715" y="1430395"/>
-                  <a:ext cx="2527422" cy="276999"/>
-                </a:xfrm>
-                <a:prstGeom prst="rect">
-                  <a:avLst/>
-                </a:prstGeom>
-                <a:noFill/>
-              </p:spPr>
-              <p:txBody>
-                <a:bodyPr wrap="none" lIns="0" tIns="0" rIns="0" bIns="0" rtlCol="0">
-                  <a:spAutoFit/>
-                </a:bodyPr>
-                <a:lstStyle/>
-                <a:p>
-                  <a:pPr/>
-                  <a14:m>
-                    <m:oMathPara xmlns:m="http://schemas.openxmlformats.org/officeDocument/2006/math">
-                      <m:oMathParaPr>
-                        <m:jc m:val="centerGroup"/>
-                      </m:oMathParaPr>
-                      <m:oMath xmlns:m="http://schemas.openxmlformats.org/officeDocument/2006/math">
-                        <m:r>
-                          <a:rPr lang="en-US" b="0" i="1" smtClean="0">
-                            <a:latin typeface="Cambria Math" charset="0"/>
-                          </a:rPr>
-                          <m:t>𝑜𝑟𝑖𝑔𝑖𝑛𝑎𝑡𝑒</m:t>
-                        </m:r>
-                        <m:r>
-                          <a:rPr lang="en-US" b="0" i="1" smtClean="0">
-                            <a:latin typeface="Cambria Math" charset="0"/>
-                          </a:rPr>
-                          <m:t> $</m:t>
-                        </m:r>
-                        <m:r>
-                          <a:rPr lang="en-US" b="0" i="1" smtClean="0">
-                            <a:latin typeface="Cambria Math" charset="0"/>
-                          </a:rPr>
-                          <m:t>𝐺𝑃</m:t>
-                        </m:r>
-                        <m:r>
-                          <a:rPr lang="en-US" b="0" i="1" smtClean="0">
-                            <a:latin typeface="Cambria Math" charset="0"/>
-                          </a:rPr>
-                          <m:t> </m:t>
-                        </m:r>
-                        <m:r>
-                          <a:rPr lang="en-US" b="0" i="1" smtClean="0">
-                            <a:latin typeface="Cambria Math" charset="0"/>
-                          </a:rPr>
-                          <m:t>𝑡𝑎𝑔</m:t>
-                        </m:r>
-                        <m:r>
-                          <a:rPr lang="en-US" b="0" i="1" smtClean="0">
-                            <a:latin typeface="Cambria Math" charset="0"/>
-                          </a:rPr>
-                          <m:t>($</m:t>
-                        </m:r>
-                        <m:r>
-                          <a:rPr lang="en-US" b="0" i="1" smtClean="0">
-                            <a:latin typeface="Cambria Math" charset="0"/>
-                          </a:rPr>
-                          <m:t>𝐺𝑃</m:t>
-                        </m:r>
-                        <m:r>
-                          <a:rPr lang="en-US" b="0" i="1" smtClean="0">
-                            <a:latin typeface="Cambria Math" charset="0"/>
-                          </a:rPr>
-                          <m:t>)</m:t>
-                        </m:r>
-                      </m:oMath>
-                    </m:oMathPara>
-                  </a14:m>
-                  <a:endParaRPr lang="en-US" dirty="0"/>
-                </a:p>
-              </p:txBody>
-            </p:sp>
-          </mc:Choice>
-          <mc:Fallback xmlns="">
-            <p:sp>
-              <p:nvSpPr>
-                <p:cNvPr id="42" name="TextBox 41"/>
-                <p:cNvSpPr txBox="1">
-                  <a:spLocks noRot="1" noChangeAspect="1" noMove="1" noResize="1" noEditPoints="1" noAdjustHandles="1" noChangeArrowheads="1" noChangeShapeType="1" noTextEdit="1"/>
-                </p:cNvSpPr>
-                <p:nvPr/>
-              </p:nvSpPr>
-              <p:spPr>
-                <a:xfrm>
-                  <a:off x="2454715" y="1430395"/>
-                  <a:ext cx="2527422" cy="276999"/>
-                </a:xfrm>
-                <a:prstGeom prst="rect">
-                  <a:avLst/>
-                </a:prstGeom>
-                <a:blipFill rotWithShape="0">
-                  <a:blip r:embed="rId19"/>
-                  <a:stretch>
-                    <a:fillRect l="-2651" t="-146667" r="-2892" b="-182222"/>
-                  </a:stretch>
-                </a:blipFill>
-              </p:spPr>
-              <p:txBody>
-                <a:bodyPr/>
-                <a:lstStyle/>
-                <a:p>
-                  <a:r>
-                    <a:rPr lang="en-US">
-                      <a:noFill/>
-                    </a:rPr>
-                    <a:t> </a:t>
-                  </a:r>
-                </a:p>
-              </p:txBody>
-            </p:sp>
-          </mc:Fallback>
-        </mc:AlternateContent>
-        <mc:AlternateContent xmlns:mc="http://schemas.openxmlformats.org/markup-compatibility/2006" xmlns:a14="http://schemas.microsoft.com/office/drawing/2010/main">
-          <mc:Choice Requires="a14">
+        <mc:AlternateContent xmlns:mc="http://schemas.openxmlformats.org/markup-compatibility/2006">
+          <mc:Choice xmlns:a14="http://schemas.microsoft.com/office/drawing/2010/main" Requires="a14">
             <p:sp>
               <p:nvSpPr>
                 <p:cNvPr id="50" name="TextBox 49"/>
@@ -12070,7 +12028,7 @@
               </p:nvSpPr>
               <p:spPr>
                 <a:xfrm>
-                  <a:off x="2517147" y="1707394"/>
+                  <a:off x="2483895" y="1707394"/>
                   <a:ext cx="226023" cy="276999"/>
                 </a:xfrm>
                 <a:prstGeom prst="rect">
@@ -12105,7 +12063,7 @@
               </p:txBody>
             </p:sp>
           </mc:Choice>
-          <mc:Fallback xmlns="">
+          <mc:Fallback>
             <p:sp>
               <p:nvSpPr>
                 <p:cNvPr id="50" name="TextBox 49"/>
@@ -12116,14 +12074,14 @@
               </p:nvSpPr>
               <p:spPr>
                 <a:xfrm>
-                  <a:off x="2517147" y="1707394"/>
+                  <a:off x="2483895" y="1707394"/>
                   <a:ext cx="226023" cy="276999"/>
                 </a:xfrm>
                 <a:prstGeom prst="rect">
                   <a:avLst/>
                 </a:prstGeom>
                 <a:blipFill rotWithShape="0">
-                  <a:blip r:embed="rId20"/>
+                  <a:blip r:embed="rId19"/>
                   <a:stretch>
                     <a:fillRect/>
                   </a:stretch>
@@ -12175,6 +12133,143 @@
           </a:p>
         </p:txBody>
       </p:sp>
+      <mc:AlternateContent xmlns:mc="http://schemas.openxmlformats.org/markup-compatibility/2006">
+        <mc:Choice xmlns:a14="http://schemas.microsoft.com/office/drawing/2010/main" Requires="a14">
+          <p:sp>
+            <p:nvSpPr>
+              <p:cNvPr id="47" name="TextBox 46"/>
+              <p:cNvSpPr txBox="1"/>
+              <p:nvPr/>
+            </p:nvSpPr>
+            <p:spPr>
+              <a:xfrm>
+                <a:off x="6826839" y="3527847"/>
+                <a:ext cx="3396827" cy="276999"/>
+              </a:xfrm>
+              <a:prstGeom prst="rect">
+                <a:avLst/>
+              </a:prstGeom>
+              <a:noFill/>
+            </p:spPr>
+            <p:txBody>
+              <a:bodyPr wrap="none" lIns="0" tIns="0" rIns="0" bIns="0" rtlCol="0">
+                <a:spAutoFit/>
+              </a:bodyPr>
+              <a:lstStyle/>
+              <a:p>
+                <a:pPr/>
+                <a14:m>
+                  <m:oMathPara xmlns:m="http://schemas.openxmlformats.org/officeDocument/2006/math">
+                    <m:oMathParaPr>
+                      <m:jc m:val="centerGroup"/>
+                    </m:oMathParaPr>
+                    <m:oMath xmlns:m="http://schemas.openxmlformats.org/officeDocument/2006/math">
+                      <m:r>
+                        <a:rPr lang="en-US" b="0" i="1" smtClean="0">
+                          <a:latin typeface="Cambria Math" charset="0"/>
+                        </a:rPr>
+                        <m:t>$</m:t>
+                      </m:r>
+                      <m:r>
+                        <a:rPr lang="en-US" b="0" i="1" smtClean="0">
+                          <a:latin typeface="Cambria Math" charset="0"/>
+                        </a:rPr>
+                        <m:t>𝐺𝑃</m:t>
+                      </m:r>
+                      <m:r>
+                        <a:rPr lang="en-US" b="0" i="1" smtClean="0">
+                          <a:latin typeface="Cambria Math" charset="0"/>
+                        </a:rPr>
+                        <m:t>⇒[100 :{}→(∗, </m:t>
+                      </m:r>
+                      <m:r>
+                        <a:rPr lang="en-US" b="0" i="1" smtClean="0">
+                          <a:latin typeface="Cambria Math" charset="0"/>
+                        </a:rPr>
+                        <m:t>𝑡𝑎𝑔</m:t>
+                      </m:r>
+                      <m:d>
+                        <m:dPr>
+                          <m:ctrlPr>
+                            <a:rPr lang="en-US" b="0" i="1" smtClean="0">
+                              <a:latin typeface="Cambria Math" charset="0"/>
+                            </a:rPr>
+                          </m:ctrlPr>
+                        </m:dPr>
+                        <m:e>
+                          <m:r>
+                            <a:rPr lang="en-US" b="0" i="1" smtClean="0">
+                              <a:latin typeface="Cambria Math" charset="0"/>
+                            </a:rPr>
+                            <m:t>$</m:t>
+                          </m:r>
+                          <m:r>
+                            <a:rPr lang="en-US" b="0" i="1" smtClean="0">
+                              <a:latin typeface="Cambria Math" charset="0"/>
+                            </a:rPr>
+                            <m:t>𝐺𝑃</m:t>
+                          </m:r>
+                        </m:e>
+                      </m:d>
+                      <m:r>
+                        <a:rPr lang="en-US" b="0" i="1" smtClean="0">
+                          <a:latin typeface="Cambria Math" charset="0"/>
+                        </a:rPr>
+                        <m:t>)</m:t>
+                      </m:r>
+                      <m:r>
+                        <a:rPr lang="en-US" b="0" i="1" smtClean="0">
+                          <a:latin typeface="Cambria Math" charset="0"/>
+                        </a:rPr>
+                        <m:t>]</m:t>
+                      </m:r>
+                    </m:oMath>
+                  </m:oMathPara>
+                </a14:m>
+                <a:endParaRPr lang="en-US" dirty="0"/>
+              </a:p>
+            </p:txBody>
+          </p:sp>
+        </mc:Choice>
+        <mc:Fallback>
+          <p:sp>
+            <p:nvSpPr>
+              <p:cNvPr id="47" name="TextBox 46"/>
+              <p:cNvSpPr txBox="1">
+                <a:spLocks noRot="1" noChangeAspect="1" noMove="1" noResize="1" noEditPoints="1" noAdjustHandles="1" noChangeArrowheads="1" noChangeShapeType="1" noTextEdit="1"/>
+              </p:cNvSpPr>
+              <p:nvPr/>
+            </p:nvSpPr>
+            <p:spPr>
+              <a:xfrm>
+                <a:off x="6826839" y="3527847"/>
+                <a:ext cx="3396827" cy="276999"/>
+              </a:xfrm>
+              <a:prstGeom prst="rect">
+                <a:avLst/>
+              </a:prstGeom>
+              <a:blipFill rotWithShape="0">
+                <a:blip r:embed="rId20"/>
+                <a:stretch>
+                  <a:fillRect l="-1616" t="-4444" r="-2154" b="-35556"/>
+                </a:stretch>
+              </a:blipFill>
+            </p:spPr>
+            <p:txBody>
+              <a:bodyPr/>
+              <a:lstStyle/>
+              <a:p>
+                <a:r>
+                  <a:rPr lang="en-US">
+                    <a:noFill/>
+                  </a:rPr>
+                  <a:t> </a:t>
+                </a:r>
+              </a:p>
+            </p:txBody>
+          </p:sp>
+        </mc:Fallback>
+      </mc:AlternateContent>
     </p:spTree>
     <p:extLst>
       <p:ext uri="{BB962C8B-B14F-4D97-AF65-F5344CB8AC3E}">

--- a/paper/abstraction/figures/examples.pptx
+++ b/paper/abstraction/figures/examples.pptx
@@ -211,7 +211,7 @@
           <a:p>
             <a:fld id="{0CCB65A4-74BE-2E49-B697-B48CA3DADDCF}" type="datetimeFigureOut">
               <a:rPr lang="en-US" smtClean="0"/>
-              <a:t>3/12/17</a:t>
+              <a:t>3/13/17</a:t>
             </a:fld>
             <a:endParaRPr lang="en-US" dirty="0"/>
           </a:p>
@@ -946,7 +946,7 @@
           <a:p>
             <a:fld id="{D1C2FE12-02FD-40D2-9E73-08CF8D46514A}" type="datetimeFigureOut">
               <a:rPr lang="en-US" smtClean="0"/>
-              <a:t>3/12/17</a:t>
+              <a:t>3/13/17</a:t>
             </a:fld>
             <a:endParaRPr lang="en-US" dirty="0"/>
           </a:p>
@@ -1116,7 +1116,7 @@
           <a:p>
             <a:fld id="{D1C2FE12-02FD-40D2-9E73-08CF8D46514A}" type="datetimeFigureOut">
               <a:rPr lang="en-US" smtClean="0"/>
-              <a:t>3/12/17</a:t>
+              <a:t>3/13/17</a:t>
             </a:fld>
             <a:endParaRPr lang="en-US" dirty="0"/>
           </a:p>
@@ -1296,7 +1296,7 @@
           <a:p>
             <a:fld id="{D1C2FE12-02FD-40D2-9E73-08CF8D46514A}" type="datetimeFigureOut">
               <a:rPr lang="en-US" smtClean="0"/>
-              <a:t>3/12/17</a:t>
+              <a:t>3/13/17</a:t>
             </a:fld>
             <a:endParaRPr lang="en-US" dirty="0"/>
           </a:p>
@@ -1466,7 +1466,7 @@
           <a:p>
             <a:fld id="{D1C2FE12-02FD-40D2-9E73-08CF8D46514A}" type="datetimeFigureOut">
               <a:rPr lang="en-US" smtClean="0"/>
-              <a:t>3/12/17</a:t>
+              <a:t>3/13/17</a:t>
             </a:fld>
             <a:endParaRPr lang="en-US" dirty="0"/>
           </a:p>
@@ -1712,7 +1712,7 @@
           <a:p>
             <a:fld id="{D1C2FE12-02FD-40D2-9E73-08CF8D46514A}" type="datetimeFigureOut">
               <a:rPr lang="en-US" smtClean="0"/>
-              <a:t>3/12/17</a:t>
+              <a:t>3/13/17</a:t>
             </a:fld>
             <a:endParaRPr lang="en-US" dirty="0"/>
           </a:p>
@@ -1944,7 +1944,7 @@
           <a:p>
             <a:fld id="{D1C2FE12-02FD-40D2-9E73-08CF8D46514A}" type="datetimeFigureOut">
               <a:rPr lang="en-US" smtClean="0"/>
-              <a:t>3/12/17</a:t>
+              <a:t>3/13/17</a:t>
             </a:fld>
             <a:endParaRPr lang="en-US" dirty="0"/>
           </a:p>
@@ -2311,7 +2311,7 @@
           <a:p>
             <a:fld id="{D1C2FE12-02FD-40D2-9E73-08CF8D46514A}" type="datetimeFigureOut">
               <a:rPr lang="en-US" smtClean="0"/>
-              <a:t>3/12/17</a:t>
+              <a:t>3/13/17</a:t>
             </a:fld>
             <a:endParaRPr lang="en-US" dirty="0"/>
           </a:p>
@@ -2429,7 +2429,7 @@
           <a:p>
             <a:fld id="{D1C2FE12-02FD-40D2-9E73-08CF8D46514A}" type="datetimeFigureOut">
               <a:rPr lang="en-US" smtClean="0"/>
-              <a:t>3/12/17</a:t>
+              <a:t>3/13/17</a:t>
             </a:fld>
             <a:endParaRPr lang="en-US" dirty="0"/>
           </a:p>
@@ -2524,7 +2524,7 @@
           <a:p>
             <a:fld id="{D1C2FE12-02FD-40D2-9E73-08CF8D46514A}" type="datetimeFigureOut">
               <a:rPr lang="en-US" smtClean="0"/>
-              <a:t>3/12/17</a:t>
+              <a:t>3/13/17</a:t>
             </a:fld>
             <a:endParaRPr lang="en-US" dirty="0"/>
           </a:p>
@@ -2801,7 +2801,7 @@
           <a:p>
             <a:fld id="{D1C2FE12-02FD-40D2-9E73-08CF8D46514A}" type="datetimeFigureOut">
               <a:rPr lang="en-US" smtClean="0"/>
-              <a:t>3/12/17</a:t>
+              <a:t>3/13/17</a:t>
             </a:fld>
             <a:endParaRPr lang="en-US" dirty="0"/>
           </a:p>
@@ -3054,7 +3054,7 @@
           <a:p>
             <a:fld id="{D1C2FE12-02FD-40D2-9E73-08CF8D46514A}" type="datetimeFigureOut">
               <a:rPr lang="en-US" smtClean="0"/>
-              <a:t>3/12/17</a:t>
+              <a:t>3/13/17</a:t>
             </a:fld>
             <a:endParaRPr lang="en-US" dirty="0"/>
           </a:p>
@@ -3267,7 +3267,7 @@
           <a:p>
             <a:fld id="{D1C2FE12-02FD-40D2-9E73-08CF8D46514A}" type="datetimeFigureOut">
               <a:rPr lang="en-US" smtClean="0"/>
-              <a:t>3/12/17</a:t>
+              <a:t>3/13/17</a:t>
             </a:fld>
             <a:endParaRPr lang="en-US" dirty="0"/>
           </a:p>
@@ -6978,7 +6978,7 @@
         </p:nvSpPr>
         <p:spPr>
           <a:xfrm>
-            <a:off x="4534460" y="1049733"/>
+            <a:off x="4534460" y="1251608"/>
             <a:ext cx="889686" cy="481914"/>
           </a:xfrm>
           <a:prstGeom prst="ellipse">
@@ -7041,8 +7041,8 @@
         </p:nvCxnSpPr>
         <p:spPr>
           <a:xfrm>
-            <a:off x="4979303" y="1531647"/>
-            <a:ext cx="574" cy="296893"/>
+            <a:off x="4979303" y="1733522"/>
+            <a:ext cx="574" cy="261268"/>
           </a:xfrm>
           <a:prstGeom prst="line">
             <a:avLst/>
@@ -7077,7 +7077,7 @@
         </p:nvGrpSpPr>
         <p:grpSpPr>
           <a:xfrm>
-            <a:off x="5512139" y="3880344"/>
+            <a:off x="5512139" y="3785344"/>
             <a:ext cx="766243" cy="654703"/>
             <a:chOff x="6874016" y="1656010"/>
             <a:chExt cx="766243" cy="654703"/>
@@ -7371,8 +7371,8 @@
         </p:nvCxnSpPr>
         <p:spPr>
           <a:xfrm>
-            <a:off x="6679878" y="2480613"/>
-            <a:ext cx="0" cy="458140"/>
+            <a:off x="6679878" y="2646863"/>
+            <a:ext cx="0" cy="291890"/>
           </a:xfrm>
           <a:prstGeom prst="line">
             <a:avLst/>
@@ -7408,7 +7408,7 @@
         </p:nvGrpSpPr>
         <p:grpSpPr>
           <a:xfrm>
-            <a:off x="6296756" y="1825910"/>
+            <a:off x="6296756" y="1992160"/>
             <a:ext cx="766243" cy="654703"/>
             <a:chOff x="6874016" y="1656010"/>
             <a:chExt cx="766243" cy="654703"/>
@@ -7505,7 +7505,7 @@
         </p:nvGrpSpPr>
         <p:grpSpPr>
           <a:xfrm>
-            <a:off x="4596755" y="1828540"/>
+            <a:off x="4596755" y="1994790"/>
             <a:ext cx="766243" cy="654703"/>
             <a:chOff x="6874016" y="1656010"/>
             <a:chExt cx="766243" cy="654703"/>
@@ -7605,8 +7605,8 @@
         </p:nvCxnSpPr>
         <p:spPr>
           <a:xfrm>
-            <a:off x="4979877" y="2483243"/>
-            <a:ext cx="0" cy="455511"/>
+            <a:off x="4979877" y="2649493"/>
+            <a:ext cx="0" cy="289261"/>
           </a:xfrm>
           <a:prstGeom prst="line">
             <a:avLst/>
@@ -7646,7 +7646,7 @@
         <p:spPr>
           <a:xfrm>
             <a:off x="4979877" y="3593457"/>
-            <a:ext cx="644476" cy="382766"/>
+            <a:ext cx="644476" cy="287766"/>
           </a:xfrm>
           <a:prstGeom prst="line">
             <a:avLst/>
@@ -7686,7 +7686,7 @@
         <p:spPr>
           <a:xfrm flipH="1">
             <a:off x="6166168" y="3593456"/>
-            <a:ext cx="513710" cy="382767"/>
+            <a:ext cx="513710" cy="287767"/>
           </a:xfrm>
           <a:prstGeom prst="line">
             <a:avLst/>
@@ -7724,8 +7724,8 @@
         </p:nvCxnSpPr>
         <p:spPr>
           <a:xfrm flipH="1">
-            <a:off x="5341434" y="4439168"/>
-            <a:ext cx="282919" cy="422764"/>
+            <a:off x="5545777" y="4344168"/>
+            <a:ext cx="78576" cy="334710"/>
           </a:xfrm>
           <a:prstGeom prst="line">
             <a:avLst/>
@@ -7752,8 +7752,8 @@
           </a:fontRef>
         </p:style>
       </p:cxnSp>
-      <mc:AlternateContent xmlns:mc="http://schemas.openxmlformats.org/markup-compatibility/2006" xmlns:a14="http://schemas.microsoft.com/office/drawing/2010/main">
-        <mc:Choice Requires="a14">
+      <mc:AlternateContent xmlns:mc="http://schemas.openxmlformats.org/markup-compatibility/2006">
+        <mc:Choice xmlns:a14="http://schemas.microsoft.com/office/drawing/2010/main" Requires="a14">
           <p:sp>
             <p:nvSpPr>
               <p:cNvPr id="93" name="TextBox 92"/>
@@ -7762,7 +7762,7 @@
             </p:nvSpPr>
             <p:spPr>
               <a:xfrm>
-                <a:off x="2909262" y="2014761"/>
+                <a:off x="2909262" y="2133511"/>
                 <a:ext cx="1530997" cy="276999"/>
               </a:xfrm>
               <a:prstGeom prst="rect">
@@ -7853,7 +7853,7 @@
             </p:txBody>
           </p:sp>
         </mc:Choice>
-        <mc:Fallback xmlns="">
+        <mc:Fallback>
           <p:sp>
             <p:nvSpPr>
               <p:cNvPr id="93" name="TextBox 92"/>
@@ -7864,7 +7864,7 @@
             </p:nvSpPr>
             <p:spPr>
               <a:xfrm>
-                <a:off x="2909262" y="2014761"/>
+                <a:off x="2909262" y="2133511"/>
                 <a:ext cx="1530997" cy="276999"/>
               </a:xfrm>
               <a:prstGeom prst="rect">
@@ -7873,7 +7873,7 @@
               <a:blipFill rotWithShape="0">
                 <a:blip r:embed="rId3"/>
                 <a:stretch>
-                  <a:fillRect l="-2390" t="-148889" r="-4382" b="-180000"/>
+                  <a:fillRect l="-2390" t="-146667" r="-4382" b="-182222"/>
                 </a:stretch>
               </a:blipFill>
             </p:spPr>
@@ -7892,8 +7892,8 @@
           </p:sp>
         </mc:Fallback>
       </mc:AlternateContent>
-      <mc:AlternateContent xmlns:mc="http://schemas.openxmlformats.org/markup-compatibility/2006" xmlns:a14="http://schemas.microsoft.com/office/drawing/2010/main">
-        <mc:Choice Requires="a14">
+      <mc:AlternateContent xmlns:mc="http://schemas.openxmlformats.org/markup-compatibility/2006">
+        <mc:Choice xmlns:a14="http://schemas.microsoft.com/office/drawing/2010/main" Requires="a14">
           <p:sp>
             <p:nvSpPr>
               <p:cNvPr id="94" name="TextBox 93"/>
@@ -7993,7 +7993,7 @@
             </p:txBody>
           </p:sp>
         </mc:Choice>
-        <mc:Fallback xmlns="">
+        <mc:Fallback>
           <p:sp>
             <p:nvSpPr>
               <p:cNvPr id="94" name="TextBox 93"/>
@@ -8032,8 +8032,8 @@
           </p:sp>
         </mc:Fallback>
       </mc:AlternateContent>
-      <mc:AlternateContent xmlns:mc="http://schemas.openxmlformats.org/markup-compatibility/2006" xmlns:a14="http://schemas.microsoft.com/office/drawing/2010/main">
-        <mc:Choice Requires="a14">
+      <mc:AlternateContent xmlns:mc="http://schemas.openxmlformats.org/markup-compatibility/2006">
+        <mc:Choice xmlns:a14="http://schemas.microsoft.com/office/drawing/2010/main" Requires="a14">
           <p:sp>
             <p:nvSpPr>
               <p:cNvPr id="95" name="TextBox 94"/>
@@ -8042,7 +8042,7 @@
             </p:nvSpPr>
             <p:spPr>
               <a:xfrm>
-                <a:off x="4222125" y="4119548"/>
+                <a:off x="4222125" y="4143298"/>
                 <a:ext cx="1099532" cy="276999"/>
               </a:xfrm>
               <a:prstGeom prst="rect">
@@ -8108,7 +8108,7 @@
             </p:txBody>
           </p:sp>
         </mc:Choice>
-        <mc:Fallback xmlns="">
+        <mc:Fallback>
           <p:sp>
             <p:nvSpPr>
               <p:cNvPr id="95" name="TextBox 94"/>
@@ -8119,7 +8119,7 @@
             </p:nvSpPr>
             <p:spPr>
               <a:xfrm>
-                <a:off x="4222125" y="4119548"/>
+                <a:off x="4222125" y="4143298"/>
                 <a:ext cx="1099532" cy="276999"/>
               </a:xfrm>
               <a:prstGeom prst="rect">
@@ -8128,7 +8128,7 @@
               <a:blipFill rotWithShape="0">
                 <a:blip r:embed="rId5"/>
                 <a:stretch>
-                  <a:fillRect l="-4444" t="-146667" r="-7778" b="-180000"/>
+                  <a:fillRect l="-4444" t="-148889" r="-7778" b="-180000"/>
                 </a:stretch>
               </a:blipFill>
             </p:spPr>
@@ -8155,7 +8155,7 @@
         </p:nvSpPr>
         <p:spPr>
           <a:xfrm>
-            <a:off x="2868441" y="2534614"/>
+            <a:off x="2868441" y="2582114"/>
             <a:ext cx="1868268" cy="369332"/>
           </a:xfrm>
           <a:prstGeom prst="rect">
@@ -8207,8 +8207,8 @@
           </a:p>
         </p:txBody>
       </p:sp>
-      <mc:AlternateContent xmlns:mc="http://schemas.openxmlformats.org/markup-compatibility/2006" xmlns:a14="http://schemas.microsoft.com/office/drawing/2010/main">
-        <mc:Choice Requires="a14">
+      <mc:AlternateContent xmlns:mc="http://schemas.openxmlformats.org/markup-compatibility/2006">
+        <mc:Choice xmlns:a14="http://schemas.microsoft.com/office/drawing/2010/main" Requires="a14">
           <p:sp>
             <p:nvSpPr>
               <p:cNvPr id="107" name="TextBox 106"/>
@@ -8217,7 +8217,7 @@
             </p:nvSpPr>
             <p:spPr>
               <a:xfrm>
-                <a:off x="2865969" y="4119547"/>
+                <a:off x="2865969" y="4143297"/>
                 <a:ext cx="1099532" cy="276999"/>
               </a:xfrm>
               <a:prstGeom prst="rect">
@@ -8283,7 +8283,7 @@
             </p:txBody>
           </p:sp>
         </mc:Choice>
-        <mc:Fallback xmlns="">
+        <mc:Fallback>
           <p:sp>
             <p:nvSpPr>
               <p:cNvPr id="107" name="TextBox 106"/>
@@ -8294,7 +8294,7 @@
             </p:nvSpPr>
             <p:spPr>
               <a:xfrm>
-                <a:off x="2865969" y="4119547"/>
+                <a:off x="2865969" y="4143297"/>
                 <a:ext cx="1099532" cy="276999"/>
               </a:xfrm>
               <a:prstGeom prst="rect">
@@ -8303,7 +8303,7 @@
               <a:blipFill rotWithShape="0">
                 <a:blip r:embed="rId6"/>
                 <a:stretch>
-                  <a:fillRect l="-2762" t="-146667" r="-5525" b="-180000"/>
+                  <a:fillRect l="-2762" t="-148889" r="-5525" b="-180000"/>
                 </a:stretch>
               </a:blipFill>
             </p:spPr>
@@ -8322,8 +8322,8 @@
           </p:sp>
         </mc:Fallback>
       </mc:AlternateContent>
-      <mc:AlternateContent xmlns:mc="http://schemas.openxmlformats.org/markup-compatibility/2006" xmlns:a14="http://schemas.microsoft.com/office/drawing/2010/main">
-        <mc:Choice Requires="a14">
+      <mc:AlternateContent xmlns:mc="http://schemas.openxmlformats.org/markup-compatibility/2006">
+        <mc:Choice xmlns:a14="http://schemas.microsoft.com/office/drawing/2010/main" Requires="a14">
           <p:sp>
             <p:nvSpPr>
               <p:cNvPr id="30" name="TextBox 29"/>
@@ -8423,7 +8423,7 @@
             </p:txBody>
           </p:sp>
         </mc:Choice>
-        <mc:Fallback xmlns="">
+        <mc:Fallback>
           <p:sp>
             <p:nvSpPr>
               <p:cNvPr id="30" name="TextBox 29"/>
@@ -8462,8 +8462,8 @@
           </p:sp>
         </mc:Fallback>
       </mc:AlternateContent>
-      <mc:AlternateContent xmlns:mc="http://schemas.openxmlformats.org/markup-compatibility/2006" xmlns:a14="http://schemas.microsoft.com/office/drawing/2010/main">
-        <mc:Choice Requires="a14">
+      <mc:AlternateContent xmlns:mc="http://schemas.openxmlformats.org/markup-compatibility/2006">
+        <mc:Choice xmlns:a14="http://schemas.microsoft.com/office/drawing/2010/main" Requires="a14">
           <p:sp>
             <p:nvSpPr>
               <p:cNvPr id="31" name="TextBox 30"/>
@@ -8472,7 +8472,7 @@
             </p:nvSpPr>
             <p:spPr>
               <a:xfrm>
-                <a:off x="7221130" y="2014760"/>
+                <a:off x="7221130" y="2133510"/>
                 <a:ext cx="1505477" cy="296556"/>
               </a:xfrm>
               <a:prstGeom prst="rect">
@@ -8563,7 +8563,7 @@
             </p:txBody>
           </p:sp>
         </mc:Choice>
-        <mc:Fallback xmlns="">
+        <mc:Fallback>
           <p:sp>
             <p:nvSpPr>
               <p:cNvPr id="31" name="TextBox 30"/>
@@ -8574,7 +8574,7 @@
             </p:nvSpPr>
             <p:spPr>
               <a:xfrm>
-                <a:off x="7221130" y="2014760"/>
+                <a:off x="7221130" y="2133510"/>
                 <a:ext cx="1505477" cy="296556"/>
               </a:xfrm>
               <a:prstGeom prst="rect">
@@ -8583,7 +8583,7 @@
               <a:blipFill rotWithShape="0">
                 <a:blip r:embed="rId8"/>
                 <a:stretch>
-                  <a:fillRect l="-3644" t="-137500" r="-5263" b="-164583"/>
+                  <a:fillRect l="-3644" t="-132653" r="-5263" b="-161224"/>
                 </a:stretch>
               </a:blipFill>
             </p:spPr>
@@ -8670,7 +8670,7 @@
         </p:nvSpPr>
         <p:spPr>
           <a:xfrm>
-            <a:off x="7174801" y="2548766"/>
+            <a:off x="7174801" y="2596266"/>
             <a:ext cx="1868268" cy="369332"/>
           </a:xfrm>
           <a:prstGeom prst="rect">
@@ -8741,7 +8741,7 @@
         </p:nvCxnSpPr>
         <p:spPr>
           <a:xfrm flipH="1" flipV="1">
-            <a:off x="5895260" y="3435381"/>
+            <a:off x="5895260" y="3340381"/>
             <a:ext cx="1" cy="444963"/>
           </a:xfrm>
           <a:prstGeom prst="line">
@@ -8921,7 +8921,7 @@
         </p:blipFill>
         <p:spPr>
           <a:xfrm>
-            <a:off x="5908906" y="4828336"/>
+            <a:off x="5908906" y="4543335"/>
             <a:ext cx="1602935" cy="574987"/>
           </a:xfrm>
           <a:prstGeom prst="rect">
@@ -8951,7 +8951,7 @@
         </p:blipFill>
         <p:spPr>
           <a:xfrm>
-            <a:off x="4390899" y="4828337"/>
+            <a:off x="4390899" y="4531462"/>
             <a:ext cx="1471608" cy="580226"/>
           </a:xfrm>
           <a:prstGeom prst="rect">
@@ -8967,7 +8967,7 @@
         </p:nvSpPr>
         <p:spPr>
           <a:xfrm>
-            <a:off x="4786896" y="4987160"/>
+            <a:off x="4786896" y="4690285"/>
             <a:ext cx="702436" cy="338554"/>
           </a:xfrm>
           <a:prstGeom prst="rect">
@@ -8997,7 +8997,7 @@
         </p:nvSpPr>
         <p:spPr>
           <a:xfrm>
-            <a:off x="6336606" y="4987160"/>
+            <a:off x="6336606" y="4702159"/>
             <a:ext cx="702436" cy="338554"/>
           </a:xfrm>
           <a:prstGeom prst="rect">
@@ -9029,8 +9029,8 @@
         </p:nvCxnSpPr>
         <p:spPr>
           <a:xfrm>
-            <a:off x="6166168" y="4439168"/>
-            <a:ext cx="312691" cy="433915"/>
+            <a:off x="6166168" y="4344168"/>
+            <a:ext cx="80253" cy="358461"/>
           </a:xfrm>
           <a:prstGeom prst="line">
             <a:avLst/>
@@ -9281,8 +9281,8 @@
             </p:sp>
           </mc:Fallback>
         </mc:AlternateContent>
-        <mc:AlternateContent xmlns:mc="http://schemas.openxmlformats.org/markup-compatibility/2006">
-          <mc:Choice xmlns:a14="http://schemas.microsoft.com/office/drawing/2010/main" Requires="a14">
+        <mc:AlternateContent xmlns:mc="http://schemas.openxmlformats.org/markup-compatibility/2006" xmlns:a14="http://schemas.microsoft.com/office/drawing/2010/main">
+          <mc:Choice Requires="a14">
             <p:sp>
               <p:nvSpPr>
                 <p:cNvPr id="13" name="TextBox 12"/>
@@ -9353,31 +9353,7 @@
                           <a:rPr lang="en-US" b="0" i="1" smtClean="0">
                             <a:latin typeface="Cambria Math" charset="0"/>
                           </a:rPr>
-                          <m:t>→</m:t>
-                        </m:r>
-                        <m:r>
-                          <a:rPr lang="en-US" b="0" i="1" smtClean="0">
-                            <a:latin typeface="Cambria Math" charset="0"/>
-                          </a:rPr>
-                          <m:t>(</m:t>
-                        </m:r>
-                        <m:r>
-                          <a:rPr lang="en-US" b="0" i="1" smtClean="0">
-                            <a:latin typeface="Cambria Math" charset="0"/>
-                          </a:rPr>
-                          <m:t>∗</m:t>
-                        </m:r>
-                        <m:r>
-                          <a:rPr lang="en-US" b="0" i="1" smtClean="0">
-                            <a:latin typeface="Cambria Math" charset="0"/>
-                          </a:rPr>
-                          <m:t>,</m:t>
-                        </m:r>
-                        <m:r>
-                          <a:rPr lang="en-US" b="0" i="1" smtClean="0">
-                            <a:latin typeface="Cambria Math" charset="0"/>
-                          </a:rPr>
-                          <m:t> </m:t>
+                          <m:t>→(∗, </m:t>
                         </m:r>
                         <m:d>
                           <m:dPr>
@@ -9400,13 +9376,7 @@
                           <a:rPr lang="en-US" b="0" i="1" smtClean="0">
                             <a:latin typeface="Cambria Math" charset="0"/>
                           </a:rPr>
-                          <m:t>)</m:t>
-                        </m:r>
-                        <m:r>
-                          <a:rPr lang="en-US" b="0" i="1" smtClean="0">
-                            <a:latin typeface="Cambria Math" charset="0"/>
-                          </a:rPr>
-                          <m:t>,</m:t>
+                          <m:t>),</m:t>
                         </m:r>
                       </m:oMath>
                     </m:oMathPara>
@@ -9416,7 +9386,7 @@
               </p:txBody>
             </p:sp>
           </mc:Choice>
-          <mc:Fallback>
+          <mc:Fallback xmlns="">
             <p:sp>
               <p:nvSpPr>
                 <p:cNvPr id="13" name="TextBox 12"/>
@@ -9455,8 +9425,8 @@
             </p:sp>
           </mc:Fallback>
         </mc:AlternateContent>
-        <mc:AlternateContent xmlns:mc="http://schemas.openxmlformats.org/markup-compatibility/2006">
-          <mc:Choice xmlns:a14="http://schemas.microsoft.com/office/drawing/2010/main" Requires="a14">
+        <mc:AlternateContent xmlns:mc="http://schemas.openxmlformats.org/markup-compatibility/2006" xmlns:a14="http://schemas.microsoft.com/office/drawing/2010/main">
+          <mc:Choice Requires="a14">
             <p:sp>
               <p:nvSpPr>
                 <p:cNvPr id="14" name="TextBox 13"/>
@@ -9521,25 +9491,7 @@
                           <a:rPr lang="en-US" b="0" i="1" smtClean="0">
                             <a:latin typeface="Cambria Math" charset="0"/>
                           </a:rPr>
-                          <m:t>→</m:t>
-                        </m:r>
-                        <m:r>
-                          <a:rPr lang="en-US" b="0" i="1" smtClean="0">
-                            <a:latin typeface="Cambria Math" charset="0"/>
-                          </a:rPr>
-                          <m:t>(</m:t>
-                        </m:r>
-                        <m:r>
-                          <a:rPr lang="en-US" b="0" i="1" smtClean="0">
-                            <a:latin typeface="Cambria Math" charset="0"/>
-                          </a:rPr>
-                          <m:t>∗</m:t>
-                        </m:r>
-                        <m:r>
-                          <a:rPr lang="en-US" b="0" i="1" smtClean="0">
-                            <a:latin typeface="Cambria Math" charset="0"/>
-                          </a:rPr>
-                          <m:t>, </m:t>
+                          <m:t>→(∗, </m:t>
                         </m:r>
                         <m:d>
                           <m:dPr>
@@ -9562,13 +9514,7 @@
                           <a:rPr lang="en-US" b="0" i="1" smtClean="0">
                             <a:latin typeface="Cambria Math" charset="0"/>
                           </a:rPr>
-                          <m:t>)</m:t>
-                        </m:r>
-                        <m:r>
-                          <a:rPr lang="en-US" b="0" i="1" smtClean="0">
-                            <a:latin typeface="Cambria Math" charset="0"/>
-                          </a:rPr>
-                          <m:t>,</m:t>
+                          <m:t>),</m:t>
                         </m:r>
                       </m:oMath>
                     </m:oMathPara>
@@ -9578,7 +9524,7 @@
               </p:txBody>
             </p:sp>
           </mc:Choice>
-          <mc:Fallback>
+          <mc:Fallback xmlns="">
             <p:sp>
               <p:nvSpPr>
                 <p:cNvPr id="14" name="TextBox 13"/>
@@ -10053,8 +9999,8 @@
             </p:sp>
           </mc:Fallback>
         </mc:AlternateContent>
-        <mc:AlternateContent xmlns:mc="http://schemas.openxmlformats.org/markup-compatibility/2006">
-          <mc:Choice xmlns:a14="http://schemas.microsoft.com/office/drawing/2010/main" Requires="a14">
+        <mc:AlternateContent xmlns:mc="http://schemas.openxmlformats.org/markup-compatibility/2006" xmlns:a14="http://schemas.microsoft.com/office/drawing/2010/main">
+          <mc:Choice Requires="a14">
             <p:sp>
               <p:nvSpPr>
                 <p:cNvPr id="34" name="TextBox 33"/>
@@ -10125,25 +10071,7 @@
                           <a:rPr lang="en-US" b="0" i="1" smtClean="0">
                             <a:latin typeface="Cambria Math" charset="0"/>
                           </a:rPr>
-                          <m:t>→</m:t>
-                        </m:r>
-                        <m:r>
-                          <a:rPr lang="en-US" b="0" i="1" smtClean="0">
-                            <a:latin typeface="Cambria Math" charset="0"/>
-                          </a:rPr>
-                          <m:t>(</m:t>
-                        </m:r>
-                        <m:r>
-                          <a:rPr lang="en-US" b="0" i="1" smtClean="0">
-                            <a:latin typeface="Cambria Math" charset="0"/>
-                          </a:rPr>
-                          <m:t>∗</m:t>
-                        </m:r>
-                        <m:r>
-                          <a:rPr lang="en-US" b="0" i="1" smtClean="0">
-                            <a:latin typeface="Cambria Math" charset="0"/>
-                          </a:rPr>
-                          <m:t>,</m:t>
+                          <m:t>→(∗,</m:t>
                         </m:r>
                         <m:d>
                           <m:dPr>
@@ -10166,13 +10094,7 @@
                           <a:rPr lang="en-US" b="0" i="1" smtClean="0">
                             <a:latin typeface="Cambria Math" charset="0"/>
                           </a:rPr>
-                          <m:t>)</m:t>
-                        </m:r>
-                        <m:r>
-                          <a:rPr lang="en-US" b="0" i="1" smtClean="0">
-                            <a:latin typeface="Cambria Math" charset="0"/>
-                          </a:rPr>
-                          <m:t>,</m:t>
+                          <m:t>),</m:t>
                         </m:r>
                       </m:oMath>
                     </m:oMathPara>
@@ -10182,7 +10104,7 @@
               </p:txBody>
             </p:sp>
           </mc:Choice>
-          <mc:Fallback>
+          <mc:Fallback xmlns="">
             <p:sp>
               <p:nvSpPr>
                 <p:cNvPr id="34" name="TextBox 33"/>
@@ -10221,8 +10143,8 @@
             </p:sp>
           </mc:Fallback>
         </mc:AlternateContent>
-        <mc:AlternateContent xmlns:mc="http://schemas.openxmlformats.org/markup-compatibility/2006">
-          <mc:Choice xmlns:a14="http://schemas.microsoft.com/office/drawing/2010/main" Requires="a14">
+        <mc:AlternateContent xmlns:mc="http://schemas.openxmlformats.org/markup-compatibility/2006" xmlns:a14="http://schemas.microsoft.com/office/drawing/2010/main">
+          <mc:Choice Requires="a14">
             <p:sp>
               <p:nvSpPr>
                 <p:cNvPr id="35" name="TextBox 34"/>
@@ -10287,25 +10209,7 @@
                           <a:rPr lang="en-US" b="0" i="1" smtClean="0">
                             <a:latin typeface="Cambria Math" charset="0"/>
                           </a:rPr>
-                          <m:t>→</m:t>
-                        </m:r>
-                        <m:r>
-                          <a:rPr lang="en-US" b="0" i="1" smtClean="0">
-                            <a:latin typeface="Cambria Math" charset="0"/>
-                          </a:rPr>
-                          <m:t>(</m:t>
-                        </m:r>
-                        <m:r>
-                          <a:rPr lang="en-US" b="0" i="1" smtClean="0">
-                            <a:latin typeface="Cambria Math" charset="0"/>
-                          </a:rPr>
-                          <m:t>∗</m:t>
-                        </m:r>
-                        <m:r>
-                          <a:rPr lang="en-US" b="0" i="1" smtClean="0">
-                            <a:latin typeface="Cambria Math" charset="0"/>
-                          </a:rPr>
-                          <m:t>,</m:t>
+                          <m:t>→(∗,</m:t>
                         </m:r>
                         <m:d>
                           <m:dPr>
@@ -10328,13 +10232,7 @@
                           <a:rPr lang="en-US" b="0" i="1" smtClean="0">
                             <a:latin typeface="Cambria Math" charset="0"/>
                           </a:rPr>
-                          <m:t>)</m:t>
-                        </m:r>
-                        <m:r>
-                          <a:rPr lang="en-US" b="0" i="1" smtClean="0">
-                            <a:latin typeface="Cambria Math" charset="0"/>
-                          </a:rPr>
-                          <m:t>,</m:t>
+                          <m:t>),</m:t>
                         </m:r>
                       </m:oMath>
                     </m:oMathPara>
@@ -10344,7 +10242,7 @@
               </p:txBody>
             </p:sp>
           </mc:Choice>
-          <mc:Fallback>
+          <mc:Fallback xmlns="">
             <p:sp>
               <p:nvSpPr>
                 <p:cNvPr id="35" name="TextBox 34"/>
@@ -11204,8 +11102,8 @@
             </a:p>
           </p:txBody>
         </p:sp>
-        <mc:AlternateContent xmlns:mc="http://schemas.openxmlformats.org/markup-compatibility/2006">
-          <mc:Choice xmlns:a14="http://schemas.microsoft.com/office/drawing/2010/main" Requires="a14">
+        <mc:AlternateContent xmlns:mc="http://schemas.openxmlformats.org/markup-compatibility/2006" xmlns:a14="http://schemas.microsoft.com/office/drawing/2010/main">
+          <mc:Choice Requires="a14">
             <p:sp>
               <p:nvSpPr>
                 <p:cNvPr id="24" name="TextBox 23"/>
@@ -11304,7 +11202,7 @@
               </p:txBody>
             </p:sp>
           </mc:Choice>
-          <mc:Fallback>
+          <mc:Fallback xmlns="">
             <p:sp>
               <p:nvSpPr>
                 <p:cNvPr id="24" name="TextBox 23"/>
@@ -11343,8 +11241,8 @@
             </p:sp>
           </mc:Fallback>
         </mc:AlternateContent>
-        <mc:AlternateContent xmlns:mc="http://schemas.openxmlformats.org/markup-compatibility/2006">
-          <mc:Choice xmlns:a14="http://schemas.microsoft.com/office/drawing/2010/main" Requires="a14">
+        <mc:AlternateContent xmlns:mc="http://schemas.openxmlformats.org/markup-compatibility/2006" xmlns:a14="http://schemas.microsoft.com/office/drawing/2010/main">
+          <mc:Choice Requires="a14">
             <p:sp>
               <p:nvSpPr>
                 <p:cNvPr id="25" name="TextBox 24"/>
@@ -11415,31 +11313,7 @@
                           <a:rPr lang="en-US" b="0" i="1" smtClean="0">
                             <a:latin typeface="Cambria Math" charset="0"/>
                           </a:rPr>
-                          <m:t>→</m:t>
-                        </m:r>
-                        <m:r>
-                          <a:rPr lang="en-US" b="0" i="1" smtClean="0">
-                            <a:latin typeface="Cambria Math" charset="0"/>
-                          </a:rPr>
-                          <m:t>(</m:t>
-                        </m:r>
-                        <m:r>
-                          <a:rPr lang="en-US" b="0" i="1" smtClean="0">
-                            <a:latin typeface="Cambria Math" charset="0"/>
-                          </a:rPr>
-                          <m:t>∗</m:t>
-                        </m:r>
-                        <m:r>
-                          <a:rPr lang="en-US" b="0" i="1" smtClean="0">
-                            <a:latin typeface="Cambria Math" charset="0"/>
-                          </a:rPr>
-                          <m:t>,</m:t>
-                        </m:r>
-                        <m:r>
-                          <a:rPr lang="en-US" b="0" i="1" smtClean="0">
-                            <a:latin typeface="Cambria Math" charset="0"/>
-                          </a:rPr>
-                          <m:t> </m:t>
+                          <m:t>→(∗, </m:t>
                         </m:r>
                         <m:d>
                           <m:dPr>
@@ -11462,13 +11336,7 @@
                           <a:rPr lang="en-US" b="0" i="1" smtClean="0">
                             <a:latin typeface="Cambria Math" charset="0"/>
                           </a:rPr>
-                          <m:t>)</m:t>
-                        </m:r>
-                        <m:r>
-                          <a:rPr lang="en-US" b="0" i="1" smtClean="0">
-                            <a:latin typeface="Cambria Math" charset="0"/>
-                          </a:rPr>
-                          <m:t>,</m:t>
+                          <m:t>),</m:t>
                         </m:r>
                       </m:oMath>
                     </m:oMathPara>
@@ -11478,7 +11346,7 @@
               </p:txBody>
             </p:sp>
           </mc:Choice>
-          <mc:Fallback>
+          <mc:Fallback xmlns="">
             <p:sp>
               <p:nvSpPr>
                 <p:cNvPr id="25" name="TextBox 24"/>
@@ -11517,8 +11385,8 @@
             </p:sp>
           </mc:Fallback>
         </mc:AlternateContent>
-        <mc:AlternateContent xmlns:mc="http://schemas.openxmlformats.org/markup-compatibility/2006">
-          <mc:Choice xmlns:a14="http://schemas.microsoft.com/office/drawing/2010/main" Requires="a14">
+        <mc:AlternateContent xmlns:mc="http://schemas.openxmlformats.org/markup-compatibility/2006" xmlns:a14="http://schemas.microsoft.com/office/drawing/2010/main">
+          <mc:Choice Requires="a14">
             <p:sp>
               <p:nvSpPr>
                 <p:cNvPr id="26" name="TextBox 25"/>
@@ -11583,25 +11451,7 @@
                           <a:rPr lang="en-US" b="0" i="1" smtClean="0">
                             <a:latin typeface="Cambria Math" charset="0"/>
                           </a:rPr>
-                          <m:t>→</m:t>
-                        </m:r>
-                        <m:r>
-                          <a:rPr lang="en-US" b="0" i="1" smtClean="0">
-                            <a:latin typeface="Cambria Math" charset="0"/>
-                          </a:rPr>
-                          <m:t>(</m:t>
-                        </m:r>
-                        <m:r>
-                          <a:rPr lang="en-US" b="0" i="1" smtClean="0">
-                            <a:latin typeface="Cambria Math" charset="0"/>
-                          </a:rPr>
-                          <m:t>∗</m:t>
-                        </m:r>
-                        <m:r>
-                          <a:rPr lang="en-US" b="0" i="1" smtClean="0">
-                            <a:latin typeface="Cambria Math" charset="0"/>
-                          </a:rPr>
-                          <m:t>,</m:t>
+                          <m:t>→(∗,</m:t>
                         </m:r>
                         <m:d>
                           <m:dPr>
@@ -11624,13 +11474,7 @@
                           <a:rPr lang="en-US" b="0" i="1" smtClean="0">
                             <a:latin typeface="Cambria Math" charset="0"/>
                           </a:rPr>
-                          <m:t>)</m:t>
-                        </m:r>
-                        <m:r>
-                          <a:rPr lang="en-US" b="0" i="1" smtClean="0">
-                            <a:latin typeface="Cambria Math" charset="0"/>
-                          </a:rPr>
-                          <m:t>,</m:t>
+                          <m:t>),</m:t>
                         </m:r>
                       </m:oMath>
                     </m:oMathPara>
@@ -11640,7 +11484,7 @@
               </p:txBody>
             </p:sp>
           </mc:Choice>
-          <mc:Fallback>
+          <mc:Fallback xmlns="">
             <p:sp>
               <p:nvSpPr>
                 <p:cNvPr id="26" name="TextBox 25"/>
@@ -12018,8 +11862,8 @@
             </a:p>
           </p:txBody>
         </p:sp>
-        <mc:AlternateContent xmlns:mc="http://schemas.openxmlformats.org/markup-compatibility/2006">
-          <mc:Choice xmlns:a14="http://schemas.microsoft.com/office/drawing/2010/main" Requires="a14">
+        <mc:AlternateContent xmlns:mc="http://schemas.openxmlformats.org/markup-compatibility/2006" xmlns:a14="http://schemas.microsoft.com/office/drawing/2010/main">
+          <mc:Choice Requires="a14">
             <p:sp>
               <p:nvSpPr>
                 <p:cNvPr id="50" name="TextBox 49"/>
@@ -12063,7 +11907,7 @@
               </p:txBody>
             </p:sp>
           </mc:Choice>
-          <mc:Fallback>
+          <mc:Fallback xmlns="">
             <p:sp>
               <p:nvSpPr>
                 <p:cNvPr id="50" name="TextBox 49"/>
@@ -12133,8 +11977,8 @@
           </a:p>
         </p:txBody>
       </p:sp>
-      <mc:AlternateContent xmlns:mc="http://schemas.openxmlformats.org/markup-compatibility/2006">
-        <mc:Choice xmlns:a14="http://schemas.microsoft.com/office/drawing/2010/main" Requires="a14">
+      <mc:AlternateContent xmlns:mc="http://schemas.openxmlformats.org/markup-compatibility/2006" xmlns:a14="http://schemas.microsoft.com/office/drawing/2010/main">
+        <mc:Choice Requires="a14">
           <p:sp>
             <p:nvSpPr>
               <p:cNvPr id="47" name="TextBox 46"/>
@@ -12215,13 +12059,7 @@
                         <a:rPr lang="en-US" b="0" i="1" smtClean="0">
                           <a:latin typeface="Cambria Math" charset="0"/>
                         </a:rPr>
-                        <m:t>)</m:t>
-                      </m:r>
-                      <m:r>
-                        <a:rPr lang="en-US" b="0" i="1" smtClean="0">
-                          <a:latin typeface="Cambria Math" charset="0"/>
-                        </a:rPr>
-                        <m:t>]</m:t>
+                        <m:t>)]</m:t>
                       </m:r>
                     </m:oMath>
                   </m:oMathPara>
@@ -12231,7 +12069,7 @@
             </p:txBody>
           </p:sp>
         </mc:Choice>
-        <mc:Fallback>
+        <mc:Fallback xmlns="">
           <p:sp>
             <p:nvSpPr>
               <p:cNvPr id="47" name="TextBox 46"/>
@@ -15916,10 +15754,10 @@
         </p:nvGrpSpPr>
         <p:grpSpPr>
           <a:xfrm>
-            <a:off x="9270267" y="682839"/>
-            <a:ext cx="841256" cy="1578019"/>
-            <a:chOff x="9223209" y="2450253"/>
-            <a:chExt cx="841256" cy="1578019"/>
+            <a:off x="9270267" y="884717"/>
+            <a:ext cx="841256" cy="1126754"/>
+            <a:chOff x="9223209" y="2652131"/>
+            <a:chExt cx="841256" cy="1126754"/>
           </a:xfrm>
         </p:grpSpPr>
         <mc:AlternateContent xmlns:mc="http://schemas.openxmlformats.org/markup-compatibility/2006" xmlns:a14="http://schemas.microsoft.com/office/drawing/2010/main">
@@ -15932,7 +15770,7 @@
               </p:nvSpPr>
               <p:spPr>
                 <a:xfrm>
-                  <a:off x="9223209" y="2450253"/>
+                  <a:off x="9223209" y="2652131"/>
                   <a:ext cx="833241" cy="307777"/>
                 </a:xfrm>
                 <a:prstGeom prst="rect">
@@ -15990,7 +15828,7 @@
               </p:nvSpPr>
               <p:spPr>
                 <a:xfrm>
-                  <a:off x="9223209" y="2450253"/>
+                  <a:off x="9223209" y="2652131"/>
                   <a:ext cx="833241" cy="307777"/>
                 </a:xfrm>
                 <a:prstGeom prst="rect">
@@ -16028,7 +15866,7 @@
               </p:nvSpPr>
               <p:spPr>
                 <a:xfrm>
-                  <a:off x="9231224" y="2750877"/>
+                  <a:off x="9231224" y="3047760"/>
                   <a:ext cx="833241" cy="307777"/>
                 </a:xfrm>
                 <a:prstGeom prst="rect">
@@ -16086,7 +15924,7 @@
               </p:nvSpPr>
               <p:spPr>
                 <a:xfrm>
-                  <a:off x="9231224" y="2750877"/>
+                  <a:off x="9231224" y="3047760"/>
                   <a:ext cx="833241" cy="307777"/>
                 </a:xfrm>
                 <a:prstGeom prst="rect">
@@ -16118,193 +15956,13 @@
           <mc:Choice Requires="a14">
             <p:sp>
               <p:nvSpPr>
-                <p:cNvPr id="53" name="TextBox 52"/>
-                <p:cNvSpPr txBox="1"/>
-                <p:nvPr/>
-              </p:nvSpPr>
-              <p:spPr>
-                <a:xfrm>
-                  <a:off x="9223209" y="3070991"/>
-                  <a:ext cx="804516" cy="307777"/>
-                </a:xfrm>
-                <a:prstGeom prst="rect">
-                  <a:avLst/>
-                </a:prstGeom>
-                <a:noFill/>
-              </p:spPr>
-              <p:txBody>
-                <a:bodyPr wrap="none" lIns="0" tIns="0" rIns="0" bIns="0" rtlCol="0">
-                  <a:spAutoFit/>
-                </a:bodyPr>
-                <a:lstStyle/>
-                <a:p>
-                  <a:pPr/>
-                  <a14:m>
-                    <m:oMathPara xmlns:m="http://schemas.openxmlformats.org/officeDocument/2006/math">
-                      <m:oMathParaPr>
-                        <m:jc m:val="centerGroup"/>
-                      </m:oMathParaPr>
-                      <m:oMath xmlns:m="http://schemas.openxmlformats.org/officeDocument/2006/math">
-                        <m:r>
-                          <a:rPr lang="en-US" sz="2000" b="0" i="1" smtClean="0">
-                            <a:latin typeface="Cambria Math" charset="0"/>
-                          </a:rPr>
-                          <m:t>𝑒</m:t>
-                        </m:r>
-                        <m:r>
-                          <a:rPr lang="en-US" sz="2000" b="0" i="1" smtClean="0">
-                            <a:latin typeface="Cambria Math" charset="0"/>
-                          </a:rPr>
-                          <m:t>1=1</m:t>
-                        </m:r>
-                      </m:oMath>
-                    </m:oMathPara>
-                  </a14:m>
-                  <a:endParaRPr lang="en-US" sz="2000" dirty="0" smtClean="0"/>
-                </a:p>
-              </p:txBody>
-            </p:sp>
-          </mc:Choice>
-          <mc:Fallback xmlns="">
-            <p:sp>
-              <p:nvSpPr>
-                <p:cNvPr id="53" name="TextBox 52"/>
-                <p:cNvSpPr txBox="1">
-                  <a:spLocks noRot="1" noChangeAspect="1" noMove="1" noResize="1" noEditPoints="1" noAdjustHandles="1" noChangeArrowheads="1" noChangeShapeType="1" noTextEdit="1"/>
-                </p:cNvSpPr>
-                <p:nvPr/>
-              </p:nvSpPr>
-              <p:spPr>
-                <a:xfrm>
-                  <a:off x="9223209" y="3070991"/>
-                  <a:ext cx="804516" cy="307777"/>
-                </a:xfrm>
-                <a:prstGeom prst="rect">
-                  <a:avLst/>
-                </a:prstGeom>
-                <a:blipFill rotWithShape="0">
-                  <a:blip r:embed="rId7"/>
-                  <a:stretch>
-                    <a:fillRect l="-7576" r="-6061" b="-6000"/>
-                  </a:stretch>
-                </a:blipFill>
-              </p:spPr>
-              <p:txBody>
-                <a:bodyPr/>
-                <a:lstStyle/>
-                <a:p>
-                  <a:r>
-                    <a:rPr lang="en-US">
-                      <a:noFill/>
-                    </a:rPr>
-                    <a:t> </a:t>
-                  </a:r>
-                </a:p>
-              </p:txBody>
-            </p:sp>
-          </mc:Fallback>
-        </mc:AlternateContent>
-        <mc:AlternateContent xmlns:mc="http://schemas.openxmlformats.org/markup-compatibility/2006" xmlns:a14="http://schemas.microsoft.com/office/drawing/2010/main">
-          <mc:Choice Requires="a14">
-            <p:sp>
-              <p:nvSpPr>
-                <p:cNvPr id="54" name="TextBox 53"/>
-                <p:cNvSpPr txBox="1"/>
-                <p:nvPr/>
-              </p:nvSpPr>
-              <p:spPr>
-                <a:xfrm>
-                  <a:off x="9223209" y="3395743"/>
-                  <a:ext cx="804516" cy="307777"/>
-                </a:xfrm>
-                <a:prstGeom prst="rect">
-                  <a:avLst/>
-                </a:prstGeom>
-                <a:noFill/>
-              </p:spPr>
-              <p:txBody>
-                <a:bodyPr wrap="none" lIns="0" tIns="0" rIns="0" bIns="0" rtlCol="0">
-                  <a:spAutoFit/>
-                </a:bodyPr>
-                <a:lstStyle/>
-                <a:p>
-                  <a:pPr/>
-                  <a14:m>
-                    <m:oMathPara xmlns:m="http://schemas.openxmlformats.org/officeDocument/2006/math">
-                      <m:oMathParaPr>
-                        <m:jc m:val="centerGroup"/>
-                      </m:oMathParaPr>
-                      <m:oMath xmlns:m="http://schemas.openxmlformats.org/officeDocument/2006/math">
-                        <m:r>
-                          <a:rPr lang="en-US" sz="2000" b="0" i="1" smtClean="0">
-                            <a:latin typeface="Cambria Math" charset="0"/>
-                          </a:rPr>
-                          <m:t>𝑒</m:t>
-                        </m:r>
-                        <m:r>
-                          <a:rPr lang="en-US" sz="2000" b="0" i="1" smtClean="0">
-                            <a:latin typeface="Cambria Math" charset="0"/>
-                          </a:rPr>
-                          <m:t>2=1</m:t>
-                        </m:r>
-                      </m:oMath>
-                    </m:oMathPara>
-                  </a14:m>
-                  <a:endParaRPr lang="en-US" sz="2000" dirty="0" smtClean="0"/>
-                </a:p>
-              </p:txBody>
-            </p:sp>
-          </mc:Choice>
-          <mc:Fallback xmlns="">
-            <p:sp>
-              <p:nvSpPr>
-                <p:cNvPr id="54" name="TextBox 53"/>
-                <p:cNvSpPr txBox="1">
-                  <a:spLocks noRot="1" noChangeAspect="1" noMove="1" noResize="1" noEditPoints="1" noAdjustHandles="1" noChangeArrowheads="1" noChangeShapeType="1" noTextEdit="1"/>
-                </p:cNvSpPr>
-                <p:nvPr/>
-              </p:nvSpPr>
-              <p:spPr>
-                <a:xfrm>
-                  <a:off x="9223209" y="3395743"/>
-                  <a:ext cx="804516" cy="307777"/>
-                </a:xfrm>
-                <a:prstGeom prst="rect">
-                  <a:avLst/>
-                </a:prstGeom>
-                <a:blipFill rotWithShape="0">
-                  <a:blip r:embed="rId8"/>
-                  <a:stretch>
-                    <a:fillRect l="-7576" r="-6061" b="-5882"/>
-                  </a:stretch>
-                </a:blipFill>
-              </p:spPr>
-              <p:txBody>
-                <a:bodyPr/>
-                <a:lstStyle/>
-                <a:p>
-                  <a:r>
-                    <a:rPr lang="en-US">
-                      <a:noFill/>
-                    </a:rPr>
-                    <a:t> </a:t>
-                  </a:r>
-                </a:p>
-              </p:txBody>
-            </p:sp>
-          </mc:Fallback>
-        </mc:AlternateContent>
-        <mc:AlternateContent xmlns:mc="http://schemas.openxmlformats.org/markup-compatibility/2006" xmlns:a14="http://schemas.microsoft.com/office/drawing/2010/main">
-          <mc:Choice Requires="a14">
-            <p:sp>
-              <p:nvSpPr>
                 <p:cNvPr id="55" name="TextBox 54"/>
                 <p:cNvSpPr txBox="1"/>
                 <p:nvPr/>
               </p:nvSpPr>
               <p:spPr>
                 <a:xfrm>
-                  <a:off x="9231224" y="3720495"/>
+                  <a:off x="9231224" y="3471108"/>
                   <a:ext cx="706604" cy="307777"/>
                 </a:xfrm>
                 <a:prstGeom prst="rect">
@@ -16356,14 +16014,14 @@
               </p:nvSpPr>
               <p:spPr>
                 <a:xfrm>
-                  <a:off x="9231224" y="3720495"/>
+                  <a:off x="9231224" y="3471108"/>
                   <a:ext cx="706604" cy="307777"/>
                 </a:xfrm>
                 <a:prstGeom prst="rect">
                   <a:avLst/>
                 </a:prstGeom>
                 <a:blipFill rotWithShape="0">
-                  <a:blip r:embed="rId9"/>
+                  <a:blip r:embed="rId7"/>
                   <a:stretch>
                     <a:fillRect l="-7759" r="-7759" b="-11765"/>
                   </a:stretch>
@@ -16473,7 +16131,7 @@
                 <a:avLst/>
               </a:prstGeom>
               <a:blipFill rotWithShape="0">
-                <a:blip r:embed="rId10"/>
+                <a:blip r:embed="rId8"/>
                 <a:stretch>
                   <a:fillRect l="-7874" r="-7087" b="-13725"/>
                 </a:stretch>
@@ -16582,7 +16240,7 @@
                 <a:avLst/>
               </a:prstGeom>
               <a:blipFill rotWithShape="0">
-                <a:blip r:embed="rId11"/>
+                <a:blip r:embed="rId9"/>
                 <a:stretch>
                   <a:fillRect l="-7813" r="-7031" b="-15686"/>
                 </a:stretch>
@@ -16672,7 +16330,7 @@
                 <a:avLst/>
               </a:prstGeom>
               <a:blipFill rotWithShape="0">
-                <a:blip r:embed="rId12"/>
+                <a:blip r:embed="rId10"/>
                 <a:stretch>
                   <a:fillRect l="-9009" r="-8108" b="-6000"/>
                 </a:stretch>
@@ -18233,7 +17891,7 @@
                 <a:avLst/>
               </a:prstGeom>
               <a:blipFill rotWithShape="0">
-                <a:blip r:embed="rId3"/>
+                <a:blip r:embed="rId20"/>
                 <a:stretch>
                   <a:fillRect l="-12069" r="-13793" b="-6000"/>
                 </a:stretch>
@@ -18323,7 +17981,7 @@
                 <a:avLst/>
               </a:prstGeom>
               <a:blipFill rotWithShape="0">
-                <a:blip r:embed="rId20"/>
+                <a:blip r:embed="rId21"/>
                 <a:stretch>
                   <a:fillRect l="-11864" r="-11864" b="-5882"/>
                 </a:stretch>
@@ -18413,7 +18071,7 @@
                 <a:avLst/>
               </a:prstGeom>
               <a:blipFill rotWithShape="0">
-                <a:blip r:embed="rId21"/>
+                <a:blip r:embed="rId22"/>
                 <a:stretch>
                   <a:fillRect l="-11864" r="-13559" b="-10000"/>
                 </a:stretch>
@@ -18503,7 +18161,7 @@
                 <a:avLst/>
               </a:prstGeom>
               <a:blipFill rotWithShape="0">
-                <a:blip r:embed="rId22"/>
+                <a:blip r:embed="rId23"/>
                 <a:stretch>
                   <a:fillRect l="-10169" r="-13559" b="-5882"/>
                 </a:stretch>
@@ -18606,7 +18264,7 @@
                 <a:avLst/>
               </a:prstGeom>
               <a:blipFill rotWithShape="0">
-                <a:blip r:embed="rId23"/>
+                <a:blip r:embed="rId24"/>
                 <a:stretch>
                   <a:fillRect l="-13559" r="-3390" b="-15686"/>
                 </a:stretch>
@@ -18755,7 +18413,7 @@
                 <a:avLst/>
               </a:prstGeom>
               <a:blipFill rotWithShape="0">
-                <a:blip r:embed="rId24"/>
+                <a:blip r:embed="rId25"/>
                 <a:stretch>
                   <a:fillRect l="-6716" r="-6716" b="-15686"/>
                 </a:stretch>
@@ -19649,7 +19307,7 @@
                 <a:avLst/>
               </a:prstGeom>
               <a:blipFill rotWithShape="0">
-                <a:blip r:embed="rId25"/>
+                <a:blip r:embed="rId26"/>
                 <a:stretch>
                   <a:fillRect b="-7843"/>
                 </a:stretch>
@@ -19806,7 +19464,7 @@
                 <a:avLst/>
               </a:prstGeom>
               <a:blipFill rotWithShape="0">
-                <a:blip r:embed="rId26"/>
+                <a:blip r:embed="rId27"/>
                 <a:stretch>
                   <a:fillRect l="-13559" r="-1695" b="-13725"/>
                 </a:stretch>

--- a/paper/abstraction/figures/examples.pptx
+++ b/paper/abstraction/figures/examples.pptx
@@ -7752,8 +7752,8 @@
           </a:fontRef>
         </p:style>
       </p:cxnSp>
-      <mc:AlternateContent xmlns:mc="http://schemas.openxmlformats.org/markup-compatibility/2006">
-        <mc:Choice xmlns:a14="http://schemas.microsoft.com/office/drawing/2010/main" Requires="a14">
+      <mc:AlternateContent xmlns:mc="http://schemas.openxmlformats.org/markup-compatibility/2006" xmlns:a14="http://schemas.microsoft.com/office/drawing/2010/main">
+        <mc:Choice Requires="a14">
           <p:sp>
             <p:nvSpPr>
               <p:cNvPr id="93" name="TextBox 92"/>
@@ -7853,7 +7853,7 @@
             </p:txBody>
           </p:sp>
         </mc:Choice>
-        <mc:Fallback>
+        <mc:Fallback xmlns="">
           <p:sp>
             <p:nvSpPr>
               <p:cNvPr id="93" name="TextBox 92"/>
@@ -7892,8 +7892,8 @@
           </p:sp>
         </mc:Fallback>
       </mc:AlternateContent>
-      <mc:AlternateContent xmlns:mc="http://schemas.openxmlformats.org/markup-compatibility/2006">
-        <mc:Choice xmlns:a14="http://schemas.microsoft.com/office/drawing/2010/main" Requires="a14">
+      <mc:AlternateContent xmlns:mc="http://schemas.openxmlformats.org/markup-compatibility/2006" xmlns:a14="http://schemas.microsoft.com/office/drawing/2010/main">
+        <mc:Choice Requires="a14">
           <p:sp>
             <p:nvSpPr>
               <p:cNvPr id="94" name="TextBox 93"/>
@@ -7993,7 +7993,7 @@
             </p:txBody>
           </p:sp>
         </mc:Choice>
-        <mc:Fallback>
+        <mc:Fallback xmlns="">
           <p:sp>
             <p:nvSpPr>
               <p:cNvPr id="94" name="TextBox 93"/>
@@ -8032,8 +8032,8 @@
           </p:sp>
         </mc:Fallback>
       </mc:AlternateContent>
-      <mc:AlternateContent xmlns:mc="http://schemas.openxmlformats.org/markup-compatibility/2006">
-        <mc:Choice xmlns:a14="http://schemas.microsoft.com/office/drawing/2010/main" Requires="a14">
+      <mc:AlternateContent xmlns:mc="http://schemas.openxmlformats.org/markup-compatibility/2006" xmlns:a14="http://schemas.microsoft.com/office/drawing/2010/main">
+        <mc:Choice Requires="a14">
           <p:sp>
             <p:nvSpPr>
               <p:cNvPr id="95" name="TextBox 94"/>
@@ -8108,7 +8108,7 @@
             </p:txBody>
           </p:sp>
         </mc:Choice>
-        <mc:Fallback>
+        <mc:Fallback xmlns="">
           <p:sp>
             <p:nvSpPr>
               <p:cNvPr id="95" name="TextBox 94"/>
@@ -8207,8 +8207,8 @@
           </a:p>
         </p:txBody>
       </p:sp>
-      <mc:AlternateContent xmlns:mc="http://schemas.openxmlformats.org/markup-compatibility/2006">
-        <mc:Choice xmlns:a14="http://schemas.microsoft.com/office/drawing/2010/main" Requires="a14">
+      <mc:AlternateContent xmlns:mc="http://schemas.openxmlformats.org/markup-compatibility/2006" xmlns:a14="http://schemas.microsoft.com/office/drawing/2010/main">
+        <mc:Choice Requires="a14">
           <p:sp>
             <p:nvSpPr>
               <p:cNvPr id="107" name="TextBox 106"/>
@@ -8283,7 +8283,7 @@
             </p:txBody>
           </p:sp>
         </mc:Choice>
-        <mc:Fallback>
+        <mc:Fallback xmlns="">
           <p:sp>
             <p:nvSpPr>
               <p:cNvPr id="107" name="TextBox 106"/>
@@ -8322,8 +8322,8 @@
           </p:sp>
         </mc:Fallback>
       </mc:AlternateContent>
-      <mc:AlternateContent xmlns:mc="http://schemas.openxmlformats.org/markup-compatibility/2006">
-        <mc:Choice xmlns:a14="http://schemas.microsoft.com/office/drawing/2010/main" Requires="a14">
+      <mc:AlternateContent xmlns:mc="http://schemas.openxmlformats.org/markup-compatibility/2006" xmlns:a14="http://schemas.microsoft.com/office/drawing/2010/main">
+        <mc:Choice Requires="a14">
           <p:sp>
             <p:nvSpPr>
               <p:cNvPr id="30" name="TextBox 29"/>
@@ -8423,7 +8423,7 @@
             </p:txBody>
           </p:sp>
         </mc:Choice>
-        <mc:Fallback>
+        <mc:Fallback xmlns="">
           <p:sp>
             <p:nvSpPr>
               <p:cNvPr id="30" name="TextBox 29"/>
@@ -8462,8 +8462,8 @@
           </p:sp>
         </mc:Fallback>
       </mc:AlternateContent>
-      <mc:AlternateContent xmlns:mc="http://schemas.openxmlformats.org/markup-compatibility/2006">
-        <mc:Choice xmlns:a14="http://schemas.microsoft.com/office/drawing/2010/main" Requires="a14">
+      <mc:AlternateContent xmlns:mc="http://schemas.openxmlformats.org/markup-compatibility/2006" xmlns:a14="http://schemas.microsoft.com/office/drawing/2010/main">
+        <mc:Choice Requires="a14">
           <p:sp>
             <p:nvSpPr>
               <p:cNvPr id="31" name="TextBox 30"/>
@@ -8563,7 +8563,7 @@
             </p:txBody>
           </p:sp>
         </mc:Choice>
-        <mc:Fallback>
+        <mc:Fallback xmlns="">
           <p:sp>
             <p:nvSpPr>
               <p:cNvPr id="31" name="TextBox 30"/>
@@ -37004,7 +37004,7 @@
         </p:nvGrpSpPr>
         <p:grpSpPr>
           <a:xfrm>
-            <a:off x="7951150" y="2274766"/>
+            <a:off x="7951150" y="2571946"/>
             <a:ext cx="2748944" cy="1925417"/>
             <a:chOff x="8006240" y="1952431"/>
             <a:chExt cx="2748944" cy="1925417"/>
@@ -38181,6 +38181,69 @@
           </mc:Fallback>
         </mc:AlternateContent>
       </p:grpSp>
+      <p:sp>
+        <p:nvSpPr>
+          <p:cNvPr id="64" name="TextBox 63"/>
+          <p:cNvSpPr txBox="1"/>
+          <p:nvPr/>
+        </p:nvSpPr>
+        <p:spPr>
+          <a:xfrm>
+            <a:off x="7885066" y="896250"/>
+            <a:ext cx="2782167" cy="1400383"/>
+          </a:xfrm>
+          <a:prstGeom prst="rect">
+            <a:avLst/>
+          </a:prstGeom>
+          <a:noFill/>
+          <a:ln w="19050">
+            <a:solidFill>
+              <a:schemeClr val="tx1"/>
+            </a:solidFill>
+          </a:ln>
+        </p:spPr>
+        <p:txBody>
+          <a:bodyPr wrap="square" rtlCol="0">
+            <a:spAutoFit/>
+          </a:bodyPr>
+          <a:lstStyle/>
+          <a:p>
+            <a:r>
+              <a:rPr lang="en-US" sz="1700" dirty="0" smtClean="0"/>
+              <a:t>S: 	Spine</a:t>
+            </a:r>
+          </a:p>
+          <a:p>
+            <a:r>
+              <a:rPr lang="en-US" sz="1700" dirty="0"/>
+              <a:t>TG: 	Global ToR</a:t>
+            </a:r>
+          </a:p>
+          <a:p>
+            <a:r>
+              <a:rPr lang="en-US" sz="1700" dirty="0"/>
+              <a:t>TL: 	Local </a:t>
+            </a:r>
+            <a:r>
+              <a:rPr lang="en-US" sz="1700" smtClean="0"/>
+              <a:t>ToR</a:t>
+            </a:r>
+            <a:endParaRPr lang="en-US" sz="1700" dirty="0" smtClean="0"/>
+          </a:p>
+          <a:p>
+            <a:r>
+              <a:rPr lang="en-US" sz="1700" dirty="0" smtClean="0"/>
+              <a:t>AG: 	Global Aggregation</a:t>
+            </a:r>
+          </a:p>
+          <a:p>
+            <a:r>
+              <a:rPr lang="en-US" sz="1700" dirty="0" smtClean="0"/>
+              <a:t>AL: 	Local Aggregation</a:t>
+            </a:r>
+          </a:p>
+        </p:txBody>
+      </p:sp>
     </p:spTree>
     <p:extLst>
       <p:ext uri="{BB962C8B-B14F-4D97-AF65-F5344CB8AC3E}">

--- a/paper/abstraction/figures/examples.pptx
+++ b/paper/abstraction/figures/examples.pptx
@@ -12146,8 +12146,8 @@
         </p:nvSpPr>
         <p:spPr>
           <a:xfrm>
-            <a:off x="1995853" y="548640"/>
-            <a:ext cx="3907403" cy="5939899"/>
+            <a:off x="1995853" y="548641"/>
+            <a:ext cx="3907403" cy="5662900"/>
           </a:xfrm>
           <a:prstGeom prst="rect">
             <a:avLst/>
@@ -12194,7 +12194,7 @@
         <p:spPr>
           <a:xfrm>
             <a:off x="2023989" y="579229"/>
-            <a:ext cx="3898568" cy="5909310"/>
+            <a:ext cx="3898568" cy="5632311"/>
           </a:xfrm>
           <a:prstGeom prst="rect">
             <a:avLst/>
@@ -12262,17 +12262,11 @@
           <a:p>
             <a:r>
               <a:rPr lang="en-US" dirty="0" smtClean="0"/>
-              <a:t>    no auto-summary</a:t>
-            </a:r>
-          </a:p>
-          <a:p>
-            <a:r>
-              <a:rPr lang="en-US" dirty="0" smtClean="0"/>
-              <a:t>    </a:t>
+              <a:t>    bgp </a:t>
             </a:r>
             <a:r>
               <a:rPr lang="en-US" dirty="0"/>
-              <a:t>bgp router-id </a:t>
+              <a:t>router-id </a:t>
             </a:r>
             <a:r>
               <a:rPr lang="en-US" b="1" dirty="0" smtClean="0"/>
@@ -12433,7 +12427,7 @@
         <p:spPr>
           <a:xfrm>
             <a:off x="5945460" y="548639"/>
-            <a:ext cx="3873968" cy="5939899"/>
+            <a:ext cx="3873968" cy="5662901"/>
           </a:xfrm>
           <a:prstGeom prst="rect">
             <a:avLst/>
@@ -12480,7 +12474,7 @@
         <p:spPr>
           <a:xfrm>
             <a:off x="5945460" y="565162"/>
-            <a:ext cx="3943772" cy="5909310"/>
+            <a:ext cx="3943772" cy="5632311"/>
           </a:xfrm>
           <a:prstGeom prst="rect">
             <a:avLst/>
@@ -12662,13 +12656,6 @@
             <a:r>
               <a:rPr lang="is-IS" dirty="0" smtClean="0"/>
               <a:t>64512:3201</a:t>
-            </a:r>
-            <a:endParaRPr lang="en-US" dirty="0" smtClean="0"/>
-          </a:p>
-          <a:p>
-            <a:r>
-              <a:rPr lang="en-US" dirty="0" smtClean="0"/>
-              <a:t>!</a:t>
             </a:r>
           </a:p>
         </p:txBody>
@@ -13918,7 +13905,7 @@
         </p:nvSpPr>
         <p:spPr>
           <a:xfrm>
-            <a:off x="4588348" y="851735"/>
+            <a:off x="4486748" y="1588335"/>
             <a:ext cx="2060931" cy="1465330"/>
           </a:xfrm>
           <a:prstGeom prst="rect">
@@ -13965,7 +13952,7 @@
         </p:nvSpPr>
         <p:spPr>
           <a:xfrm>
-            <a:off x="7069102" y="414036"/>
+            <a:off x="7069102" y="1150636"/>
             <a:ext cx="2091916" cy="1903029"/>
           </a:xfrm>
           <a:prstGeom prst="rect">
@@ -14015,8 +14002,8 @@
         </p:nvCxnSpPr>
         <p:spPr>
           <a:xfrm flipH="1">
-            <a:off x="2947946" y="322726"/>
-            <a:ext cx="644456" cy="665079"/>
+            <a:off x="3113046" y="1211726"/>
+            <a:ext cx="479356" cy="525379"/>
           </a:xfrm>
           <a:prstGeom prst="line">
             <a:avLst/>
@@ -14050,7 +14037,7 @@
         </p:nvGrpSpPr>
         <p:grpSpPr>
           <a:xfrm>
-            <a:off x="2023439" y="987805"/>
+            <a:off x="2188539" y="1737105"/>
             <a:ext cx="1764153" cy="1164616"/>
             <a:chOff x="1333831" y="3288757"/>
             <a:chExt cx="1764153" cy="1164616"/>
@@ -14341,7 +14328,7 @@
         </p:nvGrpSpPr>
         <p:grpSpPr>
           <a:xfrm>
-            <a:off x="4715404" y="1002093"/>
+            <a:off x="4613804" y="1738693"/>
             <a:ext cx="1764153" cy="1164616"/>
             <a:chOff x="1333831" y="3288757"/>
             <a:chExt cx="1764153" cy="1164616"/>
@@ -14627,7 +14614,7 @@
         </p:nvGrpSpPr>
         <p:grpSpPr>
           <a:xfrm>
-            <a:off x="3340060" y="-841889"/>
+            <a:off x="3340060" y="47111"/>
             <a:ext cx="1764153" cy="1164616"/>
             <a:chOff x="1333831" y="3288757"/>
             <a:chExt cx="1764153" cy="1164616"/>
@@ -14912,8 +14899,8 @@
         </p:nvCxnSpPr>
         <p:spPr>
           <a:xfrm>
-            <a:off x="4851871" y="322727"/>
-            <a:ext cx="788040" cy="679366"/>
+            <a:off x="4851871" y="1211727"/>
+            <a:ext cx="686440" cy="526966"/>
           </a:xfrm>
           <a:prstGeom prst="line">
             <a:avLst/>
@@ -14950,8 +14937,8 @@
         </p:nvCxnSpPr>
         <p:spPr>
           <a:xfrm>
-            <a:off x="3787592" y="1989365"/>
-            <a:ext cx="927812" cy="14287"/>
+            <a:off x="3952692" y="2738665"/>
+            <a:ext cx="661112" cy="1587"/>
           </a:xfrm>
           <a:prstGeom prst="line">
             <a:avLst/>
@@ -14985,7 +14972,7 @@
         </p:nvSpPr>
         <p:spPr>
           <a:xfrm>
-            <a:off x="1894141" y="837447"/>
+            <a:off x="2059241" y="1586747"/>
             <a:ext cx="2060931" cy="1465330"/>
           </a:xfrm>
           <a:prstGeom prst="rect">
@@ -15032,7 +15019,7 @@
         </p:nvSpPr>
         <p:spPr>
           <a:xfrm>
-            <a:off x="3201790" y="-992247"/>
+            <a:off x="3201790" y="-103247"/>
             <a:ext cx="2060931" cy="1465330"/>
           </a:xfrm>
           <a:prstGeom prst="rect">
@@ -15082,12 +15069,12 @@
         </p:nvCxnSpPr>
         <p:spPr>
           <a:xfrm rot="16200000" flipH="1">
-            <a:off x="4244354" y="183847"/>
-            <a:ext cx="14289" cy="3951434"/>
+            <a:off x="4282454" y="1060147"/>
+            <a:ext cx="1589" cy="3684734"/>
           </a:xfrm>
           <a:prstGeom prst="curvedConnector3">
             <a:avLst>
-              <a:gd name="adj1" fmla="val 1699832"/>
+              <a:gd name="adj1" fmla="val 14486407"/>
             </a:avLst>
           </a:prstGeom>
           <a:ln w="19050">
@@ -15122,8 +15109,8 @@
         </p:nvCxnSpPr>
         <p:spPr>
           <a:xfrm rot="5400000" flipH="1" flipV="1">
-            <a:off x="1891434" y="-294484"/>
-            <a:ext cx="2505139" cy="1736444"/>
+            <a:off x="2043834" y="607216"/>
+            <a:ext cx="2365439" cy="1571344"/>
           </a:xfrm>
           <a:prstGeom prst="curvedConnector2">
             <a:avLst/>
@@ -15160,8 +15147,8 @@
         </p:nvCxnSpPr>
         <p:spPr>
           <a:xfrm rot="16200000" flipV="1">
-            <a:off x="4112348" y="-274271"/>
-            <a:ext cx="2519428" cy="1710306"/>
+            <a:off x="4137748" y="589329"/>
+            <a:ext cx="2367028" cy="1608706"/>
           </a:xfrm>
           <a:prstGeom prst="curvedConnector2">
             <a:avLst/>
@@ -15198,8 +15185,8 @@
         </p:nvCxnSpPr>
         <p:spPr>
           <a:xfrm>
-            <a:off x="3200288" y="1150862"/>
-            <a:ext cx="2187281" cy="14288"/>
+            <a:off x="3365388" y="1900162"/>
+            <a:ext cx="1920581" cy="1588"/>
           </a:xfrm>
           <a:prstGeom prst="line">
             <a:avLst/>
@@ -15236,8 +15223,8 @@
         </p:nvCxnSpPr>
         <p:spPr>
           <a:xfrm>
-            <a:off x="3592402" y="322726"/>
-            <a:ext cx="1375344" cy="1517869"/>
+            <a:off x="3592402" y="1211726"/>
+            <a:ext cx="1273744" cy="1365469"/>
           </a:xfrm>
           <a:prstGeom prst="line">
             <a:avLst/>
@@ -15274,8 +15261,8 @@
         </p:nvCxnSpPr>
         <p:spPr>
           <a:xfrm flipH="1">
-            <a:off x="3535250" y="322727"/>
-            <a:ext cx="1316621" cy="1503581"/>
+            <a:off x="3700350" y="1211727"/>
+            <a:ext cx="1151521" cy="1363881"/>
           </a:xfrm>
           <a:prstGeom prst="line">
             <a:avLst/>
@@ -15309,7 +15296,7 @@
         </p:nvSpPr>
         <p:spPr>
           <a:xfrm rot="10800000">
-            <a:off x="8030597" y="673949"/>
+            <a:off x="8030597" y="1410549"/>
             <a:ext cx="393198" cy="742633"/>
           </a:xfrm>
           <a:prstGeom prst="arc">
@@ -15357,7 +15344,7 @@
         </p:nvSpPr>
         <p:spPr>
           <a:xfrm rot="10800000">
-            <a:off x="7682059" y="-79644"/>
+            <a:off x="7682059" y="656956"/>
             <a:ext cx="1123284" cy="2211861"/>
           </a:xfrm>
           <a:prstGeom prst="arc">
@@ -15397,8 +15384,8 @@
           </a:p>
         </p:txBody>
       </p:sp>
-      <mc:AlternateContent xmlns:mc="http://schemas.openxmlformats.org/markup-compatibility/2006" xmlns:a14="http://schemas.microsoft.com/office/drawing/2010/main">
-        <mc:Choice Requires="a14">
+      <mc:AlternateContent xmlns:mc="http://schemas.openxmlformats.org/markup-compatibility/2006">
+        <mc:Choice xmlns:a14="http://schemas.microsoft.com/office/drawing/2010/main" Requires="a14">
           <p:sp>
             <p:nvSpPr>
               <p:cNvPr id="163" name="TextBox 162"/>
@@ -15407,7 +15394,7 @@
             </p:nvSpPr>
             <p:spPr>
               <a:xfrm>
-                <a:off x="7319351" y="747423"/>
+                <a:off x="7319351" y="1484023"/>
                 <a:ext cx="359593" cy="307777"/>
               </a:xfrm>
               <a:prstGeom prst="rect">
@@ -15448,7 +15435,7 @@
             </p:txBody>
           </p:sp>
         </mc:Choice>
-        <mc:Fallback xmlns="">
+        <mc:Fallback>
           <p:sp>
             <p:nvSpPr>
               <p:cNvPr id="163" name="TextBox 162"/>
@@ -15459,7 +15446,7 @@
             </p:nvSpPr>
             <p:spPr>
               <a:xfrm>
-                <a:off x="7319351" y="747423"/>
+                <a:off x="7319351" y="1484023"/>
                 <a:ext cx="359593" cy="307777"/>
               </a:xfrm>
               <a:prstGeom prst="rect">
@@ -15468,7 +15455,7 @@
               <a:blipFill rotWithShape="0">
                 <a:blip r:embed="rId2"/>
                 <a:stretch>
-                  <a:fillRect l="-11864" r="-11864" b="-6000"/>
+                  <a:fillRect l="-11864" r="-11864" b="-5882"/>
                 </a:stretch>
               </a:blipFill>
             </p:spPr>
@@ -15487,8 +15474,8 @@
           </p:sp>
         </mc:Fallback>
       </mc:AlternateContent>
-      <mc:AlternateContent xmlns:mc="http://schemas.openxmlformats.org/markup-compatibility/2006" xmlns:a14="http://schemas.microsoft.com/office/drawing/2010/main">
-        <mc:Choice Requires="a14">
+      <mc:AlternateContent xmlns:mc="http://schemas.openxmlformats.org/markup-compatibility/2006">
+        <mc:Choice xmlns:a14="http://schemas.microsoft.com/office/drawing/2010/main" Requires="a14">
           <p:sp>
             <p:nvSpPr>
               <p:cNvPr id="164" name="TextBox 163"/>
@@ -15497,7 +15484,7 @@
             </p:nvSpPr>
             <p:spPr>
               <a:xfrm>
-                <a:off x="7740385" y="742827"/>
+                <a:off x="7740385" y="1479427"/>
                 <a:ext cx="327013" cy="307777"/>
               </a:xfrm>
               <a:prstGeom prst="rect">
@@ -15538,7 +15525,7 @@
             </p:txBody>
           </p:sp>
         </mc:Choice>
-        <mc:Fallback xmlns="">
+        <mc:Fallback>
           <p:sp>
             <p:nvSpPr>
               <p:cNvPr id="164" name="TextBox 163"/>
@@ -15549,7 +15536,7 @@
             </p:nvSpPr>
             <p:spPr>
               <a:xfrm>
-                <a:off x="7740385" y="742827"/>
+                <a:off x="7740385" y="1479427"/>
                 <a:ext cx="327013" cy="307777"/>
               </a:xfrm>
               <a:prstGeom prst="rect">
@@ -15585,7 +15572,7 @@
         </p:nvSpPr>
         <p:spPr>
           <a:xfrm>
-            <a:off x="6926692" y="381859"/>
+            <a:off x="6926692" y="1118459"/>
             <a:ext cx="703121" cy="523220"/>
           </a:xfrm>
           <a:prstGeom prst="rect">
@@ -15616,7 +15603,7 @@
         </p:nvSpPr>
         <p:spPr>
           <a:xfrm>
-            <a:off x="7544665" y="1031835"/>
+            <a:off x="7544665" y="1768435"/>
             <a:ext cx="1364197" cy="1005481"/>
           </a:xfrm>
           <a:prstGeom prst="rect">
@@ -15662,8 +15649,8 @@
           </a:p>
         </p:txBody>
       </p:sp>
-      <mc:AlternateContent xmlns:mc="http://schemas.openxmlformats.org/markup-compatibility/2006" xmlns:a14="http://schemas.microsoft.com/office/drawing/2010/main">
-        <mc:Choice Requires="a14">
+      <mc:AlternateContent xmlns:mc="http://schemas.openxmlformats.org/markup-compatibility/2006">
+        <mc:Choice xmlns:a14="http://schemas.microsoft.com/office/drawing/2010/main" Requires="a14">
           <p:sp>
             <p:nvSpPr>
               <p:cNvPr id="182" name="TextBox 181"/>
@@ -15672,7 +15659,7 @@
             </p:nvSpPr>
             <p:spPr>
               <a:xfrm>
-                <a:off x="8084124" y="1325645"/>
+                <a:off x="8084124" y="2062245"/>
                 <a:ext cx="321370" cy="430887"/>
               </a:xfrm>
               <a:prstGeom prst="rect">
@@ -15707,7 +15694,7 @@
             </p:txBody>
           </p:sp>
         </mc:Choice>
-        <mc:Fallback xmlns="">
+        <mc:Fallback>
           <p:sp>
             <p:nvSpPr>
               <p:cNvPr id="182" name="TextBox 181"/>
@@ -15718,7 +15705,7 @@
             </p:nvSpPr>
             <p:spPr>
               <a:xfrm>
-                <a:off x="8084124" y="1325645"/>
+                <a:off x="8084124" y="2062245"/>
                 <a:ext cx="321370" cy="430887"/>
               </a:xfrm>
               <a:prstGeom prst="rect">
@@ -15754,7 +15741,7 @@
         </p:nvGrpSpPr>
         <p:grpSpPr>
           <a:xfrm>
-            <a:off x="9270267" y="884717"/>
+            <a:off x="9270267" y="1621317"/>
             <a:ext cx="841256" cy="1126754"/>
             <a:chOff x="9223209" y="2652131"/>
             <a:chExt cx="841256" cy="1126754"/>
@@ -16043,8 +16030,8 @@
           </mc:Fallback>
         </mc:AlternateContent>
       </p:grpSp>
-      <mc:AlternateContent xmlns:mc="http://schemas.openxmlformats.org/markup-compatibility/2006" xmlns:a14="http://schemas.microsoft.com/office/drawing/2010/main">
-        <mc:Choice Requires="a14">
+      <mc:AlternateContent xmlns:mc="http://schemas.openxmlformats.org/markup-compatibility/2006">
+        <mc:Choice xmlns:a14="http://schemas.microsoft.com/office/drawing/2010/main" Requires="a14">
           <p:sp>
             <p:nvSpPr>
               <p:cNvPr id="61" name="TextBox 60"/>
@@ -16053,7 +16040,7 @@
             </p:nvSpPr>
             <p:spPr>
               <a:xfrm>
-                <a:off x="1765969" y="-259582"/>
+                <a:off x="1765969" y="477018"/>
                 <a:ext cx="773866" cy="307777"/>
               </a:xfrm>
               <a:prstGeom prst="rect">
@@ -16113,7 +16100,7 @@
             </p:txBody>
           </p:sp>
         </mc:Choice>
-        <mc:Fallback xmlns="">
+        <mc:Fallback>
           <p:sp>
             <p:nvSpPr>
               <p:cNvPr id="61" name="TextBox 60"/>
@@ -16124,7 +16111,7 @@
             </p:nvSpPr>
             <p:spPr>
               <a:xfrm>
-                <a:off x="1765969" y="-259582"/>
+                <a:off x="1765969" y="477018"/>
                 <a:ext cx="773866" cy="307777"/>
               </a:xfrm>
               <a:prstGeom prst="rect">
@@ -16152,8 +16139,8 @@
           </p:sp>
         </mc:Fallback>
       </mc:AlternateContent>
-      <mc:AlternateContent xmlns:mc="http://schemas.openxmlformats.org/markup-compatibility/2006" xmlns:a14="http://schemas.microsoft.com/office/drawing/2010/main">
-        <mc:Choice Requires="a14">
+      <mc:AlternateContent xmlns:mc="http://schemas.openxmlformats.org/markup-compatibility/2006">
+        <mc:Choice xmlns:a14="http://schemas.microsoft.com/office/drawing/2010/main" Requires="a14">
           <p:sp>
             <p:nvSpPr>
               <p:cNvPr id="62" name="TextBox 61"/>
@@ -16162,7 +16149,7 @@
             </p:nvSpPr>
             <p:spPr>
               <a:xfrm>
-                <a:off x="1759696" y="165306"/>
+                <a:off x="1759696" y="901906"/>
                 <a:ext cx="779829" cy="307777"/>
               </a:xfrm>
               <a:prstGeom prst="rect">
@@ -16222,7 +16209,7 @@
             </p:txBody>
           </p:sp>
         </mc:Choice>
-        <mc:Fallback xmlns="">
+        <mc:Fallback>
           <p:sp>
             <p:nvSpPr>
               <p:cNvPr id="62" name="TextBox 61"/>
@@ -16233,7 +16220,7 @@
             </p:nvSpPr>
             <p:spPr>
               <a:xfrm>
-                <a:off x="1759696" y="165306"/>
+                <a:off x="1759696" y="901906"/>
                 <a:ext cx="779829" cy="307777"/>
               </a:xfrm>
               <a:prstGeom prst="rect">
@@ -16242,7 +16229,7 @@
               <a:blipFill rotWithShape="0">
                 <a:blip r:embed="rId9"/>
                 <a:stretch>
-                  <a:fillRect l="-7813" r="-7031" b="-15686"/>
+                  <a:fillRect l="-7813" r="-7031" b="-16000"/>
                 </a:stretch>
               </a:blipFill>
             </p:spPr>
@@ -16261,8 +16248,8 @@
           </p:sp>
         </mc:Fallback>
       </mc:AlternateContent>
-      <mc:AlternateContent xmlns:mc="http://schemas.openxmlformats.org/markup-compatibility/2006" xmlns:a14="http://schemas.microsoft.com/office/drawing/2010/main">
-        <mc:Choice Requires="a14">
+      <mc:AlternateContent xmlns:mc="http://schemas.openxmlformats.org/markup-compatibility/2006">
+        <mc:Choice xmlns:a14="http://schemas.microsoft.com/office/drawing/2010/main" Requires="a14">
           <p:sp>
             <p:nvSpPr>
               <p:cNvPr id="63" name="TextBox 62"/>
@@ -16271,7 +16258,7 @@
             </p:nvSpPr>
             <p:spPr>
               <a:xfrm>
-                <a:off x="1759696" y="-655072"/>
+                <a:off x="1759696" y="81528"/>
                 <a:ext cx="676724" cy="307777"/>
               </a:xfrm>
               <a:prstGeom prst="rect">
@@ -16312,7 +16299,7 @@
             </p:txBody>
           </p:sp>
         </mc:Choice>
-        <mc:Fallback xmlns="">
+        <mc:Fallback>
           <p:sp>
             <p:nvSpPr>
               <p:cNvPr id="63" name="TextBox 62"/>
@@ -16323,7 +16310,7 @@
             </p:nvSpPr>
             <p:spPr>
               <a:xfrm>
-                <a:off x="1759696" y="-655072"/>
+                <a:off x="1759696" y="81528"/>
                 <a:ext cx="676724" cy="307777"/>
               </a:xfrm>
               <a:prstGeom prst="rect">
@@ -16332,7 +16319,7 @@
               <a:blipFill rotWithShape="0">
                 <a:blip r:embed="rId10"/>
                 <a:stretch>
-                  <a:fillRect l="-9009" r="-8108" b="-6000"/>
+                  <a:fillRect l="-9009" r="-8108" b="-5882"/>
                 </a:stretch>
               </a:blipFill>
             </p:spPr>
@@ -16385,7 +16372,7 @@
         </p:nvSpPr>
         <p:spPr>
           <a:xfrm>
-            <a:off x="3203879" y="3377263"/>
+            <a:off x="3051479" y="3758263"/>
             <a:ext cx="504684" cy="326113"/>
           </a:xfrm>
           <a:prstGeom prst="rect">
@@ -16911,7 +16898,7 @@
         </p:nvSpPr>
         <p:spPr>
           <a:xfrm>
-            <a:off x="4732064" y="3377263"/>
+            <a:off x="4579664" y="3758263"/>
             <a:ext cx="504684" cy="326113"/>
           </a:xfrm>
           <a:prstGeom prst="rect">
@@ -16968,8 +16955,8 @@
         </p:nvCxnSpPr>
         <p:spPr>
           <a:xfrm flipH="1">
-            <a:off x="2069137" y="3703376"/>
-            <a:ext cx="1387084" cy="2245092"/>
+            <a:off x="2069137" y="4084376"/>
+            <a:ext cx="1234684" cy="1864092"/>
           </a:xfrm>
           <a:prstGeom prst="line">
             <a:avLst/>
@@ -16995,8 +16982,8 @@
           </a:fontRef>
         </p:style>
       </p:cxnSp>
-      <mc:AlternateContent xmlns:mc="http://schemas.openxmlformats.org/markup-compatibility/2006" xmlns:a14="http://schemas.microsoft.com/office/drawing/2010/main">
-        <mc:Choice Requires="a14">
+      <mc:AlternateContent xmlns:mc="http://schemas.openxmlformats.org/markup-compatibility/2006">
+        <mc:Choice xmlns:a14="http://schemas.microsoft.com/office/drawing/2010/main" Requires="a14">
           <p:sp>
             <p:nvSpPr>
               <p:cNvPr id="79" name="TextBox 78"/>
@@ -17046,7 +17033,7 @@
             </p:txBody>
           </p:sp>
         </mc:Choice>
-        <mc:Fallback xmlns="">
+        <mc:Fallback>
           <p:sp>
             <p:nvSpPr>
               <p:cNvPr id="79" name="TextBox 78"/>
@@ -17064,7 +17051,7 @@
                 <a:avLst/>
               </a:prstGeom>
               <a:blipFill rotWithShape="0">
-                <a:blip r:embed="rId13"/>
+                <a:blip r:embed="rId11"/>
                 <a:stretch>
                   <a:fillRect l="-7407" t="-143137" r="-6667" b="-174510"/>
                 </a:stretch>
@@ -17085,8 +17072,8 @@
           </p:sp>
         </mc:Fallback>
       </mc:AlternateContent>
-      <mc:AlternateContent xmlns:mc="http://schemas.openxmlformats.org/markup-compatibility/2006" xmlns:a14="http://schemas.microsoft.com/office/drawing/2010/main">
-        <mc:Choice Requires="a14">
+      <mc:AlternateContent xmlns:mc="http://schemas.openxmlformats.org/markup-compatibility/2006">
+        <mc:Choice xmlns:a14="http://schemas.microsoft.com/office/drawing/2010/main" Requires="a14">
           <p:sp>
             <p:nvSpPr>
               <p:cNvPr id="80" name="TextBox 79"/>
@@ -17095,7 +17082,7 @@
             </p:nvSpPr>
             <p:spPr>
               <a:xfrm>
-                <a:off x="1763892" y="3375139"/>
+                <a:off x="1749747" y="3780130"/>
                 <a:ext cx="820866" cy="307777"/>
               </a:xfrm>
               <a:prstGeom prst="rect">
@@ -17136,7 +17123,7 @@
             </p:txBody>
           </p:sp>
         </mc:Choice>
-        <mc:Fallback xmlns="">
+        <mc:Fallback>
           <p:sp>
             <p:nvSpPr>
               <p:cNvPr id="80" name="TextBox 79"/>
@@ -17147,16 +17134,16 @@
             </p:nvSpPr>
             <p:spPr>
               <a:xfrm>
-                <a:off x="1763892" y="3375139"/>
+                <a:off x="1749747" y="3780130"/>
                 <a:ext cx="820866" cy="307777"/>
               </a:xfrm>
               <a:prstGeom prst="rect">
                 <a:avLst/>
               </a:prstGeom>
               <a:blipFill rotWithShape="0">
-                <a:blip r:embed="rId14"/>
+                <a:blip r:embed="rId12"/>
                 <a:stretch>
-                  <a:fillRect l="-7407" t="-146000" r="-6667" b="-180000"/>
+                  <a:fillRect l="-7407" t="-143137" r="-6667" b="-174510"/>
                 </a:stretch>
               </a:blipFill>
             </p:spPr>
@@ -17635,8 +17622,8 @@
           </mc:Fallback>
         </mc:AlternateContent>
       </p:grpSp>
-      <mc:AlternateContent xmlns:mc="http://schemas.openxmlformats.org/markup-compatibility/2006" xmlns:a14="http://schemas.microsoft.com/office/drawing/2010/main">
-        <mc:Choice Requires="a14">
+      <mc:AlternateContent xmlns:mc="http://schemas.openxmlformats.org/markup-compatibility/2006">
+        <mc:Choice xmlns:a14="http://schemas.microsoft.com/office/drawing/2010/main" Requires="a14">
           <p:sp>
             <p:nvSpPr>
               <p:cNvPr id="92" name="TextBox 91"/>
@@ -17705,7 +17692,7 @@
             </p:txBody>
           </p:sp>
         </mc:Choice>
-        <mc:Fallback xmlns="">
+        <mc:Fallback>
           <p:sp>
             <p:nvSpPr>
               <p:cNvPr id="92" name="TextBox 91"/>
@@ -17822,8 +17809,8 @@
           </a:p>
         </p:txBody>
       </p:sp>
-      <mc:AlternateContent xmlns:mc="http://schemas.openxmlformats.org/markup-compatibility/2006" xmlns:a14="http://schemas.microsoft.com/office/drawing/2010/main">
-        <mc:Choice Requires="a14">
+      <mc:AlternateContent xmlns:mc="http://schemas.openxmlformats.org/markup-compatibility/2006">
+        <mc:Choice xmlns:a14="http://schemas.microsoft.com/office/drawing/2010/main" Requires="a14">
           <p:sp>
             <p:nvSpPr>
               <p:cNvPr id="96" name="TextBox 95"/>
@@ -17873,7 +17860,7 @@
             </p:txBody>
           </p:sp>
         </mc:Choice>
-        <mc:Fallback xmlns="">
+        <mc:Fallback>
           <p:sp>
             <p:nvSpPr>
               <p:cNvPr id="96" name="TextBox 95"/>
@@ -17891,7 +17878,7 @@
                 <a:avLst/>
               </a:prstGeom>
               <a:blipFill rotWithShape="0">
-                <a:blip r:embed="rId20"/>
+                <a:blip r:embed="rId3"/>
                 <a:stretch>
                   <a:fillRect l="-12069" r="-13793" b="-6000"/>
                 </a:stretch>
@@ -17912,8 +17899,8 @@
           </p:sp>
         </mc:Fallback>
       </mc:AlternateContent>
-      <mc:AlternateContent xmlns:mc="http://schemas.openxmlformats.org/markup-compatibility/2006" xmlns:a14="http://schemas.microsoft.com/office/drawing/2010/main">
-        <mc:Choice Requires="a14">
+      <mc:AlternateContent xmlns:mc="http://schemas.openxmlformats.org/markup-compatibility/2006">
+        <mc:Choice xmlns:a14="http://schemas.microsoft.com/office/drawing/2010/main" Requires="a14">
           <p:sp>
             <p:nvSpPr>
               <p:cNvPr id="97" name="TextBox 96"/>
@@ -17963,7 +17950,7 @@
             </p:txBody>
           </p:sp>
         </mc:Choice>
-        <mc:Fallback xmlns="">
+        <mc:Fallback>
           <p:sp>
             <p:nvSpPr>
               <p:cNvPr id="97" name="TextBox 96"/>
@@ -17981,7 +17968,7 @@
                 <a:avLst/>
               </a:prstGeom>
               <a:blipFill rotWithShape="0">
-                <a:blip r:embed="rId21"/>
+                <a:blip r:embed="rId2"/>
                 <a:stretch>
                   <a:fillRect l="-11864" r="-11864" b="-5882"/>
                 </a:stretch>
@@ -18002,8 +17989,8 @@
           </p:sp>
         </mc:Fallback>
       </mc:AlternateContent>
-      <mc:AlternateContent xmlns:mc="http://schemas.openxmlformats.org/markup-compatibility/2006" xmlns:a14="http://schemas.microsoft.com/office/drawing/2010/main">
-        <mc:Choice Requires="a14">
+      <mc:AlternateContent xmlns:mc="http://schemas.openxmlformats.org/markup-compatibility/2006">
+        <mc:Choice xmlns:a14="http://schemas.microsoft.com/office/drawing/2010/main" Requires="a14">
           <p:sp>
             <p:nvSpPr>
               <p:cNvPr id="98" name="TextBox 97"/>
@@ -18053,7 +18040,7 @@
             </p:txBody>
           </p:sp>
         </mc:Choice>
-        <mc:Fallback xmlns="">
+        <mc:Fallback>
           <p:sp>
             <p:nvSpPr>
               <p:cNvPr id="98" name="TextBox 97"/>
@@ -18071,7 +18058,7 @@
                 <a:avLst/>
               </a:prstGeom>
               <a:blipFill rotWithShape="0">
-                <a:blip r:embed="rId22"/>
+                <a:blip r:embed="rId20"/>
                 <a:stretch>
                   <a:fillRect l="-11864" r="-13559" b="-10000"/>
                 </a:stretch>
@@ -18092,8 +18079,8 @@
           </p:sp>
         </mc:Fallback>
       </mc:AlternateContent>
-      <mc:AlternateContent xmlns:mc="http://schemas.openxmlformats.org/markup-compatibility/2006" xmlns:a14="http://schemas.microsoft.com/office/drawing/2010/main">
-        <mc:Choice Requires="a14">
+      <mc:AlternateContent xmlns:mc="http://schemas.openxmlformats.org/markup-compatibility/2006">
+        <mc:Choice xmlns:a14="http://schemas.microsoft.com/office/drawing/2010/main" Requires="a14">
           <p:sp>
             <p:nvSpPr>
               <p:cNvPr id="99" name="TextBox 98"/>
@@ -18102,8 +18089,8 @@
             </p:nvSpPr>
             <p:spPr>
               <a:xfrm>
-                <a:off x="8366750" y="3824004"/>
-                <a:ext cx="359593" cy="307777"/>
+                <a:off x="8327249" y="4051105"/>
+                <a:ext cx="438593" cy="307777"/>
               </a:xfrm>
               <a:prstGeom prst="rect">
                 <a:avLst/>
@@ -18143,7 +18130,7 @@
             </p:txBody>
           </p:sp>
         </mc:Choice>
-        <mc:Fallback xmlns="">
+        <mc:Fallback>
           <p:sp>
             <p:nvSpPr>
               <p:cNvPr id="99" name="TextBox 98"/>
@@ -18154,16 +18141,16 @@
             </p:nvSpPr>
             <p:spPr>
               <a:xfrm>
-                <a:off x="8366750" y="3824004"/>
-                <a:ext cx="359593" cy="307777"/>
+                <a:off x="8327249" y="4051105"/>
+                <a:ext cx="438593" cy="307777"/>
               </a:xfrm>
               <a:prstGeom prst="rect">
                 <a:avLst/>
               </a:prstGeom>
               <a:blipFill rotWithShape="0">
-                <a:blip r:embed="rId23"/>
+                <a:blip r:embed="rId21"/>
                 <a:stretch>
-                  <a:fillRect l="-10169" r="-13559" b="-5882"/>
+                  <a:fillRect r="-1389" b="-6000"/>
                 </a:stretch>
               </a:blipFill>
             </p:spPr>
@@ -18182,8 +18169,8 @@
           </p:sp>
         </mc:Fallback>
       </mc:AlternateContent>
-      <mc:AlternateContent xmlns:mc="http://schemas.openxmlformats.org/markup-compatibility/2006" xmlns:a14="http://schemas.microsoft.com/office/drawing/2010/main">
-        <mc:Choice Requires="a14">
+      <mc:AlternateContent xmlns:mc="http://schemas.openxmlformats.org/markup-compatibility/2006">
+        <mc:Choice xmlns:a14="http://schemas.microsoft.com/office/drawing/2010/main" Requires="a14">
           <p:sp>
             <p:nvSpPr>
               <p:cNvPr id="101" name="TextBox 100"/>
@@ -18246,7 +18233,7 @@
             </p:txBody>
           </p:sp>
         </mc:Choice>
-        <mc:Fallback xmlns="">
+        <mc:Fallback>
           <p:sp>
             <p:nvSpPr>
               <p:cNvPr id="101" name="TextBox 100"/>
@@ -18264,7 +18251,7 @@
                 <a:avLst/>
               </a:prstGeom>
               <a:blipFill rotWithShape="0">
-                <a:blip r:embed="rId24"/>
+                <a:blip r:embed="rId22"/>
                 <a:stretch>
                   <a:fillRect l="-13559" r="-3390" b="-15686"/>
                 </a:stretch>
@@ -18296,12 +18283,12 @@
         </p:nvCxnSpPr>
         <p:spPr>
           <a:xfrm flipH="1" flipV="1">
-            <a:off x="8588754" y="3576790"/>
-            <a:ext cx="3876" cy="2494790"/>
+            <a:off x="8547353" y="3882179"/>
+            <a:ext cx="45277" cy="2189401"/>
           </a:xfrm>
           <a:prstGeom prst="curvedConnector3">
             <a:avLst>
-              <a:gd name="adj1" fmla="val -5897833"/>
+              <a:gd name="adj1" fmla="val -504892"/>
             </a:avLst>
           </a:prstGeom>
           <a:ln w="19050">
@@ -18325,8 +18312,8 @@
           </a:fontRef>
         </p:style>
       </p:cxnSp>
-      <mc:AlternateContent xmlns:mc="http://schemas.openxmlformats.org/markup-compatibility/2006" xmlns:a14="http://schemas.microsoft.com/office/drawing/2010/main">
-        <mc:Choice Requires="a14">
+      <mc:AlternateContent xmlns:mc="http://schemas.openxmlformats.org/markup-compatibility/2006">
+        <mc:Choice xmlns:a14="http://schemas.microsoft.com/office/drawing/2010/main" Requires="a14">
           <p:sp>
             <p:nvSpPr>
               <p:cNvPr id="104" name="TextBox 103"/>
@@ -18395,7 +18382,7 @@
             </p:txBody>
           </p:sp>
         </mc:Choice>
-        <mc:Fallback xmlns="">
+        <mc:Fallback>
           <p:sp>
             <p:nvSpPr>
               <p:cNvPr id="104" name="TextBox 103"/>
@@ -18413,7 +18400,7 @@
                 <a:avLst/>
               </a:prstGeom>
               <a:blipFill rotWithShape="0">
-                <a:blip r:embed="rId25"/>
+                <a:blip r:embed="rId23"/>
                 <a:stretch>
                   <a:fillRect l="-6716" r="-6716" b="-15686"/>
                 </a:stretch>
@@ -18947,13 +18934,15 @@
       <p:cxnSp>
         <p:nvCxnSpPr>
           <p:cNvPr id="137" name="Straight Connector 136"/>
-          <p:cNvCxnSpPr/>
+          <p:cNvCxnSpPr>
+            <a:stCxn id="75" idx="2"/>
+          </p:cNvCxnSpPr>
           <p:nvPr/>
         </p:nvCxnSpPr>
         <p:spPr>
           <a:xfrm flipH="1">
-            <a:off x="2630417" y="3703376"/>
-            <a:ext cx="2353989" cy="2245092"/>
+            <a:off x="2630418" y="4084376"/>
+            <a:ext cx="2201588" cy="1864092"/>
           </a:xfrm>
           <a:prstGeom prst="line">
             <a:avLst/>
@@ -18990,8 +18979,8 @@
         </p:nvCxnSpPr>
         <p:spPr>
           <a:xfrm>
-            <a:off x="3456221" y="3703376"/>
-            <a:ext cx="994500" cy="2249982"/>
+            <a:off x="3303821" y="4084376"/>
+            <a:ext cx="1146900" cy="1868982"/>
           </a:xfrm>
           <a:prstGeom prst="line">
             <a:avLst/>
@@ -19020,13 +19009,15 @@
       <p:cxnSp>
         <p:nvCxnSpPr>
           <p:cNvPr id="139" name="Straight Connector 138"/>
-          <p:cNvCxnSpPr/>
+          <p:cNvCxnSpPr>
+            <a:stCxn id="75" idx="2"/>
+          </p:cNvCxnSpPr>
           <p:nvPr/>
         </p:nvCxnSpPr>
         <p:spPr>
           <a:xfrm>
-            <a:off x="4984406" y="3703376"/>
-            <a:ext cx="27595" cy="2249982"/>
+            <a:off x="4832006" y="4084376"/>
+            <a:ext cx="179995" cy="1868982"/>
           </a:xfrm>
           <a:prstGeom prst="line">
             <a:avLst/>
@@ -19060,7 +19051,7 @@
         </p:nvSpPr>
         <p:spPr>
           <a:xfrm>
-            <a:off x="5485309" y="3202784"/>
+            <a:off x="5421874" y="3586022"/>
             <a:ext cx="703121" cy="523220"/>
           </a:xfrm>
           <a:prstGeom prst="rect">
@@ -19125,8 +19116,8 @@
         </p:nvCxnSpPr>
         <p:spPr>
           <a:xfrm>
-            <a:off x="3456221" y="3703376"/>
-            <a:ext cx="3510985" cy="1650917"/>
+            <a:off x="3303821" y="4084376"/>
+            <a:ext cx="3663385" cy="1269917"/>
           </a:xfrm>
           <a:prstGeom prst="line">
             <a:avLst/>
@@ -19163,8 +19154,8 @@
         </p:nvCxnSpPr>
         <p:spPr>
           <a:xfrm>
-            <a:off x="4984406" y="3703376"/>
-            <a:ext cx="1982800" cy="1650917"/>
+            <a:off x="4832006" y="4084376"/>
+            <a:ext cx="2135200" cy="1269917"/>
           </a:xfrm>
           <a:prstGeom prst="line">
             <a:avLst/>
@@ -19244,8 +19235,8 @@
           </a:p>
         </p:txBody>
       </p:sp>
-      <mc:AlternateContent xmlns:mc="http://schemas.openxmlformats.org/markup-compatibility/2006" xmlns:a14="http://schemas.microsoft.com/office/drawing/2010/main">
-        <mc:Choice Requires="a14">
+      <mc:AlternateContent xmlns:mc="http://schemas.openxmlformats.org/markup-compatibility/2006">
+        <mc:Choice xmlns:a14="http://schemas.microsoft.com/office/drawing/2010/main" Requires="a14">
           <p:sp>
             <p:nvSpPr>
               <p:cNvPr id="151" name="TextBox 150"/>
@@ -19289,7 +19280,7 @@
             </p:txBody>
           </p:sp>
         </mc:Choice>
-        <mc:Fallback xmlns="">
+        <mc:Fallback>
           <p:sp>
             <p:nvSpPr>
               <p:cNvPr id="151" name="TextBox 150"/>
@@ -19307,7 +19298,7 @@
                 <a:avLst/>
               </a:prstGeom>
               <a:blipFill rotWithShape="0">
-                <a:blip r:embed="rId26"/>
+                <a:blip r:embed="rId24"/>
                 <a:stretch>
                   <a:fillRect b="-7843"/>
                 </a:stretch>
@@ -19336,7 +19327,7 @@
         </p:nvSpPr>
         <p:spPr>
           <a:xfrm>
-            <a:off x="7974513" y="3375139"/>
+            <a:off x="7933112" y="3680528"/>
             <a:ext cx="614241" cy="403301"/>
           </a:xfrm>
           <a:prstGeom prst="rect">
@@ -19382,8 +19373,8 @@
           </a:p>
         </p:txBody>
       </p:sp>
-      <mc:AlternateContent xmlns:mc="http://schemas.openxmlformats.org/markup-compatibility/2006" xmlns:a14="http://schemas.microsoft.com/office/drawing/2010/main">
-        <mc:Choice Requires="a14">
+      <mc:AlternateContent xmlns:mc="http://schemas.openxmlformats.org/markup-compatibility/2006">
+        <mc:Choice xmlns:a14="http://schemas.microsoft.com/office/drawing/2010/main" Requires="a14">
           <p:sp>
             <p:nvSpPr>
               <p:cNvPr id="153" name="TextBox 152"/>
@@ -19392,7 +19383,7 @@
             </p:nvSpPr>
             <p:spPr>
               <a:xfrm>
-                <a:off x="8112616" y="3426825"/>
+                <a:off x="8071215" y="3732214"/>
                 <a:ext cx="359593" cy="307777"/>
               </a:xfrm>
               <a:prstGeom prst="rect">
@@ -19446,7 +19437,7 @@
             </p:txBody>
           </p:sp>
         </mc:Choice>
-        <mc:Fallback xmlns="">
+        <mc:Fallback>
           <p:sp>
             <p:nvSpPr>
               <p:cNvPr id="153" name="TextBox 152"/>
@@ -19457,16 +19448,16 @@
             </p:nvSpPr>
             <p:spPr>
               <a:xfrm>
-                <a:off x="8112616" y="3426825"/>
+                <a:off x="8071215" y="3732214"/>
                 <a:ext cx="359593" cy="307777"/>
               </a:xfrm>
               <a:prstGeom prst="rect">
                 <a:avLst/>
               </a:prstGeom>
               <a:blipFill rotWithShape="0">
-                <a:blip r:embed="rId27"/>
+                <a:blip r:embed="rId25"/>
                 <a:stretch>
-                  <a:fillRect l="-13559" r="-1695" b="-13725"/>
+                  <a:fillRect l="-11864" r="-1695" b="-13725"/>
                 </a:stretch>
               </a:blipFill>
             </p:spPr>
@@ -19485,32 +19476,6 @@
           </p:sp>
         </mc:Fallback>
       </mc:AlternateContent>
-      <p:sp>
-        <p:nvSpPr>
-          <p:cNvPr id="4" name="TextBox 3"/>
-          <p:cNvSpPr txBox="1"/>
-          <p:nvPr/>
-        </p:nvSpPr>
-        <p:spPr>
-          <a:xfrm>
-            <a:off x="1364566" y="2546252"/>
-            <a:ext cx="184731" cy="369332"/>
-          </a:xfrm>
-          <a:prstGeom prst="rect">
-            <a:avLst/>
-          </a:prstGeom>
-          <a:noFill/>
-        </p:spPr>
-        <p:txBody>
-          <a:bodyPr wrap="none" rtlCol="0">
-            <a:spAutoFit/>
-          </a:bodyPr>
-          <a:lstStyle/>
-          <a:p>
-            <a:endParaRPr lang="en-US" dirty="0"/>
-          </a:p>
-        </p:txBody>
-      </p:sp>
     </p:spTree>
     <p:extLst>
       <p:ext uri="{BB962C8B-B14F-4D97-AF65-F5344CB8AC3E}">

--- a/paper/abstraction/figures/examples.pptx
+++ b/paper/abstraction/figures/examples.pptx
@@ -211,7 +211,7 @@
           <a:p>
             <a:fld id="{0CCB65A4-74BE-2E49-B697-B48CA3DADDCF}" type="datetimeFigureOut">
               <a:rPr lang="en-US" smtClean="0"/>
-              <a:t>3/13/17</a:t>
+              <a:t>3/15/17</a:t>
             </a:fld>
             <a:endParaRPr lang="en-US" dirty="0"/>
           </a:p>
@@ -946,7 +946,7 @@
           <a:p>
             <a:fld id="{D1C2FE12-02FD-40D2-9E73-08CF8D46514A}" type="datetimeFigureOut">
               <a:rPr lang="en-US" smtClean="0"/>
-              <a:t>3/13/17</a:t>
+              <a:t>3/15/17</a:t>
             </a:fld>
             <a:endParaRPr lang="en-US" dirty="0"/>
           </a:p>
@@ -1116,7 +1116,7 @@
           <a:p>
             <a:fld id="{D1C2FE12-02FD-40D2-9E73-08CF8D46514A}" type="datetimeFigureOut">
               <a:rPr lang="en-US" smtClean="0"/>
-              <a:t>3/13/17</a:t>
+              <a:t>3/15/17</a:t>
             </a:fld>
             <a:endParaRPr lang="en-US" dirty="0"/>
           </a:p>
@@ -1296,7 +1296,7 @@
           <a:p>
             <a:fld id="{D1C2FE12-02FD-40D2-9E73-08CF8D46514A}" type="datetimeFigureOut">
               <a:rPr lang="en-US" smtClean="0"/>
-              <a:t>3/13/17</a:t>
+              <a:t>3/15/17</a:t>
             </a:fld>
             <a:endParaRPr lang="en-US" dirty="0"/>
           </a:p>
@@ -1466,7 +1466,7 @@
           <a:p>
             <a:fld id="{D1C2FE12-02FD-40D2-9E73-08CF8D46514A}" type="datetimeFigureOut">
               <a:rPr lang="en-US" smtClean="0"/>
-              <a:t>3/13/17</a:t>
+              <a:t>3/15/17</a:t>
             </a:fld>
             <a:endParaRPr lang="en-US" dirty="0"/>
           </a:p>
@@ -1712,7 +1712,7 @@
           <a:p>
             <a:fld id="{D1C2FE12-02FD-40D2-9E73-08CF8D46514A}" type="datetimeFigureOut">
               <a:rPr lang="en-US" smtClean="0"/>
-              <a:t>3/13/17</a:t>
+              <a:t>3/15/17</a:t>
             </a:fld>
             <a:endParaRPr lang="en-US" dirty="0"/>
           </a:p>
@@ -1944,7 +1944,7 @@
           <a:p>
             <a:fld id="{D1C2FE12-02FD-40D2-9E73-08CF8D46514A}" type="datetimeFigureOut">
               <a:rPr lang="en-US" smtClean="0"/>
-              <a:t>3/13/17</a:t>
+              <a:t>3/15/17</a:t>
             </a:fld>
             <a:endParaRPr lang="en-US" dirty="0"/>
           </a:p>
@@ -2311,7 +2311,7 @@
           <a:p>
             <a:fld id="{D1C2FE12-02FD-40D2-9E73-08CF8D46514A}" type="datetimeFigureOut">
               <a:rPr lang="en-US" smtClean="0"/>
-              <a:t>3/13/17</a:t>
+              <a:t>3/15/17</a:t>
             </a:fld>
             <a:endParaRPr lang="en-US" dirty="0"/>
           </a:p>
@@ -2429,7 +2429,7 @@
           <a:p>
             <a:fld id="{D1C2FE12-02FD-40D2-9E73-08CF8D46514A}" type="datetimeFigureOut">
               <a:rPr lang="en-US" smtClean="0"/>
-              <a:t>3/13/17</a:t>
+              <a:t>3/15/17</a:t>
             </a:fld>
             <a:endParaRPr lang="en-US" dirty="0"/>
           </a:p>
@@ -2524,7 +2524,7 @@
           <a:p>
             <a:fld id="{D1C2FE12-02FD-40D2-9E73-08CF8D46514A}" type="datetimeFigureOut">
               <a:rPr lang="en-US" smtClean="0"/>
-              <a:t>3/13/17</a:t>
+              <a:t>3/15/17</a:t>
             </a:fld>
             <a:endParaRPr lang="en-US" dirty="0"/>
           </a:p>
@@ -2801,7 +2801,7 @@
           <a:p>
             <a:fld id="{D1C2FE12-02FD-40D2-9E73-08CF8D46514A}" type="datetimeFigureOut">
               <a:rPr lang="en-US" smtClean="0"/>
-              <a:t>3/13/17</a:t>
+              <a:t>3/15/17</a:t>
             </a:fld>
             <a:endParaRPr lang="en-US" dirty="0"/>
           </a:p>
@@ -3054,7 +3054,7 @@
           <a:p>
             <a:fld id="{D1C2FE12-02FD-40D2-9E73-08CF8D46514A}" type="datetimeFigureOut">
               <a:rPr lang="en-US" smtClean="0"/>
-              <a:t>3/13/17</a:t>
+              <a:t>3/15/17</a:t>
             </a:fld>
             <a:endParaRPr lang="en-US" dirty="0"/>
           </a:p>
@@ -3267,7 +3267,7 @@
           <a:p>
             <a:fld id="{D1C2FE12-02FD-40D2-9E73-08CF8D46514A}" type="datetimeFigureOut">
               <a:rPr lang="en-US" smtClean="0"/>
-              <a:t>3/13/17</a:t>
+              <a:t>3/15/17</a:t>
             </a:fld>
             <a:endParaRPr lang="en-US" dirty="0"/>
           </a:p>
@@ -11977,8 +11977,8 @@
           </a:p>
         </p:txBody>
       </p:sp>
-      <mc:AlternateContent xmlns:mc="http://schemas.openxmlformats.org/markup-compatibility/2006" xmlns:a14="http://schemas.microsoft.com/office/drawing/2010/main">
-        <mc:Choice Requires="a14">
+      <mc:AlternateContent xmlns:mc="http://schemas.openxmlformats.org/markup-compatibility/2006">
+        <mc:Choice xmlns:a14="http://schemas.microsoft.com/office/drawing/2010/main" Requires="a14">
           <p:sp>
             <p:nvSpPr>
               <p:cNvPr id="47" name="TextBox 46"/>
@@ -11988,7 +11988,7 @@
             <p:spPr>
               <a:xfrm>
                 <a:off x="6826839" y="3527847"/>
-                <a:ext cx="3396827" cy="276999"/>
+                <a:ext cx="3929858" cy="276999"/>
               </a:xfrm>
               <a:prstGeom prst="rect">
                 <a:avLst/>
@@ -12024,7 +12024,19 @@
                         <a:rPr lang="en-US" b="0" i="1" smtClean="0">
                           <a:latin typeface="Cambria Math" charset="0"/>
                         </a:rPr>
-                        <m:t>⇒[100 :{}→(∗, </m:t>
+                        <m:t>⇒[100 :{</m:t>
+                      </m:r>
+                      <m:r>
+                        <a:rPr lang="en-US" b="0" i="1" smtClean="0">
+                          <a:latin typeface="Cambria Math" charset="0"/>
+                        </a:rPr>
+                        <m:t>𝑠𝑡𝑎𝑟𝑡</m:t>
+                      </m:r>
+                      <m:r>
+                        <a:rPr lang="en-US" b="0" i="1" smtClean="0">
+                          <a:latin typeface="Cambria Math" charset="0"/>
+                        </a:rPr>
+                        <m:t>}→(∗, </m:t>
                       </m:r>
                       <m:r>
                         <a:rPr lang="en-US" b="0" i="1" smtClean="0">
@@ -12069,7 +12081,7 @@
             </p:txBody>
           </p:sp>
         </mc:Choice>
-        <mc:Fallback xmlns="">
+        <mc:Fallback>
           <p:sp>
             <p:nvSpPr>
               <p:cNvPr id="47" name="TextBox 46"/>
@@ -12081,7 +12093,7 @@
             <p:spPr>
               <a:xfrm>
                 <a:off x="6826839" y="3527847"/>
-                <a:ext cx="3396827" cy="276999"/>
+                <a:ext cx="3929858" cy="276999"/>
               </a:xfrm>
               <a:prstGeom prst="rect">
                 <a:avLst/>
@@ -12089,7 +12101,7 @@
               <a:blipFill rotWithShape="0">
                 <a:blip r:embed="rId20"/>
                 <a:stretch>
-                  <a:fillRect l="-1616" t="-4444" r="-2154" b="-35556"/>
+                  <a:fillRect l="-1395" t="-4444" r="-1705" b="-35556"/>
                 </a:stretch>
               </a:blipFill>
             </p:spPr>
@@ -15384,8 +15396,8 @@
           </a:p>
         </p:txBody>
       </p:sp>
-      <mc:AlternateContent xmlns:mc="http://schemas.openxmlformats.org/markup-compatibility/2006">
-        <mc:Choice xmlns:a14="http://schemas.microsoft.com/office/drawing/2010/main" Requires="a14">
+      <mc:AlternateContent xmlns:mc="http://schemas.openxmlformats.org/markup-compatibility/2006" xmlns:a14="http://schemas.microsoft.com/office/drawing/2010/main">
+        <mc:Choice Requires="a14">
           <p:sp>
             <p:nvSpPr>
               <p:cNvPr id="163" name="TextBox 162"/>
@@ -15435,7 +15447,7 @@
             </p:txBody>
           </p:sp>
         </mc:Choice>
-        <mc:Fallback>
+        <mc:Fallback xmlns="">
           <p:sp>
             <p:nvSpPr>
               <p:cNvPr id="163" name="TextBox 162"/>
@@ -15474,8 +15486,8 @@
           </p:sp>
         </mc:Fallback>
       </mc:AlternateContent>
-      <mc:AlternateContent xmlns:mc="http://schemas.openxmlformats.org/markup-compatibility/2006">
-        <mc:Choice xmlns:a14="http://schemas.microsoft.com/office/drawing/2010/main" Requires="a14">
+      <mc:AlternateContent xmlns:mc="http://schemas.openxmlformats.org/markup-compatibility/2006" xmlns:a14="http://schemas.microsoft.com/office/drawing/2010/main">
+        <mc:Choice Requires="a14">
           <p:sp>
             <p:nvSpPr>
               <p:cNvPr id="164" name="TextBox 163"/>
@@ -15525,7 +15537,7 @@
             </p:txBody>
           </p:sp>
         </mc:Choice>
-        <mc:Fallback>
+        <mc:Fallback xmlns="">
           <p:sp>
             <p:nvSpPr>
               <p:cNvPr id="164" name="TextBox 163"/>
@@ -15649,8 +15661,8 @@
           </a:p>
         </p:txBody>
       </p:sp>
-      <mc:AlternateContent xmlns:mc="http://schemas.openxmlformats.org/markup-compatibility/2006">
-        <mc:Choice xmlns:a14="http://schemas.microsoft.com/office/drawing/2010/main" Requires="a14">
+      <mc:AlternateContent xmlns:mc="http://schemas.openxmlformats.org/markup-compatibility/2006" xmlns:a14="http://schemas.microsoft.com/office/drawing/2010/main">
+        <mc:Choice Requires="a14">
           <p:sp>
             <p:nvSpPr>
               <p:cNvPr id="182" name="TextBox 181"/>
@@ -15694,7 +15706,7 @@
             </p:txBody>
           </p:sp>
         </mc:Choice>
-        <mc:Fallback>
+        <mc:Fallback xmlns="">
           <p:sp>
             <p:nvSpPr>
               <p:cNvPr id="182" name="TextBox 181"/>
@@ -16030,8 +16042,8 @@
           </mc:Fallback>
         </mc:AlternateContent>
       </p:grpSp>
-      <mc:AlternateContent xmlns:mc="http://schemas.openxmlformats.org/markup-compatibility/2006">
-        <mc:Choice xmlns:a14="http://schemas.microsoft.com/office/drawing/2010/main" Requires="a14">
+      <mc:AlternateContent xmlns:mc="http://schemas.openxmlformats.org/markup-compatibility/2006" xmlns:a14="http://schemas.microsoft.com/office/drawing/2010/main">
+        <mc:Choice Requires="a14">
           <p:sp>
             <p:nvSpPr>
               <p:cNvPr id="61" name="TextBox 60"/>
@@ -16100,7 +16112,7 @@
             </p:txBody>
           </p:sp>
         </mc:Choice>
-        <mc:Fallback>
+        <mc:Fallback xmlns="">
           <p:sp>
             <p:nvSpPr>
               <p:cNvPr id="61" name="TextBox 60"/>
@@ -16139,8 +16151,8 @@
           </p:sp>
         </mc:Fallback>
       </mc:AlternateContent>
-      <mc:AlternateContent xmlns:mc="http://schemas.openxmlformats.org/markup-compatibility/2006">
-        <mc:Choice xmlns:a14="http://schemas.microsoft.com/office/drawing/2010/main" Requires="a14">
+      <mc:AlternateContent xmlns:mc="http://schemas.openxmlformats.org/markup-compatibility/2006" xmlns:a14="http://schemas.microsoft.com/office/drawing/2010/main">
+        <mc:Choice Requires="a14">
           <p:sp>
             <p:nvSpPr>
               <p:cNvPr id="62" name="TextBox 61"/>
@@ -16209,7 +16221,7 @@
             </p:txBody>
           </p:sp>
         </mc:Choice>
-        <mc:Fallback>
+        <mc:Fallback xmlns="">
           <p:sp>
             <p:nvSpPr>
               <p:cNvPr id="62" name="TextBox 61"/>
@@ -16248,8 +16260,8 @@
           </p:sp>
         </mc:Fallback>
       </mc:AlternateContent>
-      <mc:AlternateContent xmlns:mc="http://schemas.openxmlformats.org/markup-compatibility/2006">
-        <mc:Choice xmlns:a14="http://schemas.microsoft.com/office/drawing/2010/main" Requires="a14">
+      <mc:AlternateContent xmlns:mc="http://schemas.openxmlformats.org/markup-compatibility/2006" xmlns:a14="http://schemas.microsoft.com/office/drawing/2010/main">
+        <mc:Choice Requires="a14">
           <p:sp>
             <p:nvSpPr>
               <p:cNvPr id="63" name="TextBox 62"/>
@@ -16299,7 +16311,7 @@
             </p:txBody>
           </p:sp>
         </mc:Choice>
-        <mc:Fallback>
+        <mc:Fallback xmlns="">
           <p:sp>
             <p:nvSpPr>
               <p:cNvPr id="63" name="TextBox 62"/>
@@ -16982,8 +16994,8 @@
           </a:fontRef>
         </p:style>
       </p:cxnSp>
-      <mc:AlternateContent xmlns:mc="http://schemas.openxmlformats.org/markup-compatibility/2006">
-        <mc:Choice xmlns:a14="http://schemas.microsoft.com/office/drawing/2010/main" Requires="a14">
+      <mc:AlternateContent xmlns:mc="http://schemas.openxmlformats.org/markup-compatibility/2006" xmlns:a14="http://schemas.microsoft.com/office/drawing/2010/main">
+        <mc:Choice Requires="a14">
           <p:sp>
             <p:nvSpPr>
               <p:cNvPr id="79" name="TextBox 78"/>
@@ -17033,7 +17045,7 @@
             </p:txBody>
           </p:sp>
         </mc:Choice>
-        <mc:Fallback>
+        <mc:Fallback xmlns="">
           <p:sp>
             <p:nvSpPr>
               <p:cNvPr id="79" name="TextBox 78"/>
@@ -17072,8 +17084,8 @@
           </p:sp>
         </mc:Fallback>
       </mc:AlternateContent>
-      <mc:AlternateContent xmlns:mc="http://schemas.openxmlformats.org/markup-compatibility/2006">
-        <mc:Choice xmlns:a14="http://schemas.microsoft.com/office/drawing/2010/main" Requires="a14">
+      <mc:AlternateContent xmlns:mc="http://schemas.openxmlformats.org/markup-compatibility/2006" xmlns:a14="http://schemas.microsoft.com/office/drawing/2010/main">
+        <mc:Choice Requires="a14">
           <p:sp>
             <p:nvSpPr>
               <p:cNvPr id="80" name="TextBox 79"/>
@@ -17123,7 +17135,7 @@
             </p:txBody>
           </p:sp>
         </mc:Choice>
-        <mc:Fallback>
+        <mc:Fallback xmlns="">
           <p:sp>
             <p:nvSpPr>
               <p:cNvPr id="80" name="TextBox 79"/>
@@ -17622,8 +17634,8 @@
           </mc:Fallback>
         </mc:AlternateContent>
       </p:grpSp>
-      <mc:AlternateContent xmlns:mc="http://schemas.openxmlformats.org/markup-compatibility/2006">
-        <mc:Choice xmlns:a14="http://schemas.microsoft.com/office/drawing/2010/main" Requires="a14">
+      <mc:AlternateContent xmlns:mc="http://schemas.openxmlformats.org/markup-compatibility/2006" xmlns:a14="http://schemas.microsoft.com/office/drawing/2010/main">
+        <mc:Choice Requires="a14">
           <p:sp>
             <p:nvSpPr>
               <p:cNvPr id="92" name="TextBox 91"/>
@@ -17692,7 +17704,7 @@
             </p:txBody>
           </p:sp>
         </mc:Choice>
-        <mc:Fallback>
+        <mc:Fallback xmlns="">
           <p:sp>
             <p:nvSpPr>
               <p:cNvPr id="92" name="TextBox 91"/>
@@ -17809,8 +17821,8 @@
           </a:p>
         </p:txBody>
       </p:sp>
-      <mc:AlternateContent xmlns:mc="http://schemas.openxmlformats.org/markup-compatibility/2006">
-        <mc:Choice xmlns:a14="http://schemas.microsoft.com/office/drawing/2010/main" Requires="a14">
+      <mc:AlternateContent xmlns:mc="http://schemas.openxmlformats.org/markup-compatibility/2006" xmlns:a14="http://schemas.microsoft.com/office/drawing/2010/main">
+        <mc:Choice Requires="a14">
           <p:sp>
             <p:nvSpPr>
               <p:cNvPr id="96" name="TextBox 95"/>
@@ -17860,7 +17872,7 @@
             </p:txBody>
           </p:sp>
         </mc:Choice>
-        <mc:Fallback>
+        <mc:Fallback xmlns="">
           <p:sp>
             <p:nvSpPr>
               <p:cNvPr id="96" name="TextBox 95"/>
@@ -17899,8 +17911,8 @@
           </p:sp>
         </mc:Fallback>
       </mc:AlternateContent>
-      <mc:AlternateContent xmlns:mc="http://schemas.openxmlformats.org/markup-compatibility/2006">
-        <mc:Choice xmlns:a14="http://schemas.microsoft.com/office/drawing/2010/main" Requires="a14">
+      <mc:AlternateContent xmlns:mc="http://schemas.openxmlformats.org/markup-compatibility/2006" xmlns:a14="http://schemas.microsoft.com/office/drawing/2010/main">
+        <mc:Choice Requires="a14">
           <p:sp>
             <p:nvSpPr>
               <p:cNvPr id="97" name="TextBox 96"/>
@@ -17950,7 +17962,7 @@
             </p:txBody>
           </p:sp>
         </mc:Choice>
-        <mc:Fallback>
+        <mc:Fallback xmlns="">
           <p:sp>
             <p:nvSpPr>
               <p:cNvPr id="97" name="TextBox 96"/>
@@ -17989,8 +18001,8 @@
           </p:sp>
         </mc:Fallback>
       </mc:AlternateContent>
-      <mc:AlternateContent xmlns:mc="http://schemas.openxmlformats.org/markup-compatibility/2006">
-        <mc:Choice xmlns:a14="http://schemas.microsoft.com/office/drawing/2010/main" Requires="a14">
+      <mc:AlternateContent xmlns:mc="http://schemas.openxmlformats.org/markup-compatibility/2006" xmlns:a14="http://schemas.microsoft.com/office/drawing/2010/main">
+        <mc:Choice Requires="a14">
           <p:sp>
             <p:nvSpPr>
               <p:cNvPr id="98" name="TextBox 97"/>
@@ -18040,7 +18052,7 @@
             </p:txBody>
           </p:sp>
         </mc:Choice>
-        <mc:Fallback>
+        <mc:Fallback xmlns="">
           <p:sp>
             <p:nvSpPr>
               <p:cNvPr id="98" name="TextBox 97"/>
@@ -18079,8 +18091,8 @@
           </p:sp>
         </mc:Fallback>
       </mc:AlternateContent>
-      <mc:AlternateContent xmlns:mc="http://schemas.openxmlformats.org/markup-compatibility/2006">
-        <mc:Choice xmlns:a14="http://schemas.microsoft.com/office/drawing/2010/main" Requires="a14">
+      <mc:AlternateContent xmlns:mc="http://schemas.openxmlformats.org/markup-compatibility/2006" xmlns:a14="http://schemas.microsoft.com/office/drawing/2010/main">
+        <mc:Choice Requires="a14">
           <p:sp>
             <p:nvSpPr>
               <p:cNvPr id="99" name="TextBox 98"/>
@@ -18130,7 +18142,7 @@
             </p:txBody>
           </p:sp>
         </mc:Choice>
-        <mc:Fallback>
+        <mc:Fallback xmlns="">
           <p:sp>
             <p:nvSpPr>
               <p:cNvPr id="99" name="TextBox 98"/>
@@ -18169,8 +18181,8 @@
           </p:sp>
         </mc:Fallback>
       </mc:AlternateContent>
-      <mc:AlternateContent xmlns:mc="http://schemas.openxmlformats.org/markup-compatibility/2006">
-        <mc:Choice xmlns:a14="http://schemas.microsoft.com/office/drawing/2010/main" Requires="a14">
+      <mc:AlternateContent xmlns:mc="http://schemas.openxmlformats.org/markup-compatibility/2006" xmlns:a14="http://schemas.microsoft.com/office/drawing/2010/main">
+        <mc:Choice Requires="a14">
           <p:sp>
             <p:nvSpPr>
               <p:cNvPr id="101" name="TextBox 100"/>
@@ -18233,7 +18245,7 @@
             </p:txBody>
           </p:sp>
         </mc:Choice>
-        <mc:Fallback>
+        <mc:Fallback xmlns="">
           <p:sp>
             <p:nvSpPr>
               <p:cNvPr id="101" name="TextBox 100"/>
@@ -18312,8 +18324,8 @@
           </a:fontRef>
         </p:style>
       </p:cxnSp>
-      <mc:AlternateContent xmlns:mc="http://schemas.openxmlformats.org/markup-compatibility/2006">
-        <mc:Choice xmlns:a14="http://schemas.microsoft.com/office/drawing/2010/main" Requires="a14">
+      <mc:AlternateContent xmlns:mc="http://schemas.openxmlformats.org/markup-compatibility/2006" xmlns:a14="http://schemas.microsoft.com/office/drawing/2010/main">
+        <mc:Choice Requires="a14">
           <p:sp>
             <p:nvSpPr>
               <p:cNvPr id="104" name="TextBox 103"/>
@@ -18382,7 +18394,7 @@
             </p:txBody>
           </p:sp>
         </mc:Choice>
-        <mc:Fallback>
+        <mc:Fallback xmlns="">
           <p:sp>
             <p:nvSpPr>
               <p:cNvPr id="104" name="TextBox 103"/>
@@ -19235,8 +19247,8 @@
           </a:p>
         </p:txBody>
       </p:sp>
-      <mc:AlternateContent xmlns:mc="http://schemas.openxmlformats.org/markup-compatibility/2006">
-        <mc:Choice xmlns:a14="http://schemas.microsoft.com/office/drawing/2010/main" Requires="a14">
+      <mc:AlternateContent xmlns:mc="http://schemas.openxmlformats.org/markup-compatibility/2006" xmlns:a14="http://schemas.microsoft.com/office/drawing/2010/main">
+        <mc:Choice Requires="a14">
           <p:sp>
             <p:nvSpPr>
               <p:cNvPr id="151" name="TextBox 150"/>
@@ -19280,7 +19292,7 @@
             </p:txBody>
           </p:sp>
         </mc:Choice>
-        <mc:Fallback>
+        <mc:Fallback xmlns="">
           <p:sp>
             <p:nvSpPr>
               <p:cNvPr id="151" name="TextBox 150"/>
@@ -19373,8 +19385,8 @@
           </a:p>
         </p:txBody>
       </p:sp>
-      <mc:AlternateContent xmlns:mc="http://schemas.openxmlformats.org/markup-compatibility/2006">
-        <mc:Choice xmlns:a14="http://schemas.microsoft.com/office/drawing/2010/main" Requires="a14">
+      <mc:AlternateContent xmlns:mc="http://schemas.openxmlformats.org/markup-compatibility/2006" xmlns:a14="http://schemas.microsoft.com/office/drawing/2010/main">
+        <mc:Choice Requires="a14">
           <p:sp>
             <p:nvSpPr>
               <p:cNvPr id="153" name="TextBox 152"/>
@@ -19437,7 +19449,7 @@
             </p:txBody>
           </p:sp>
         </mc:Choice>
-        <mc:Fallback>
+        <mc:Fallback xmlns="">
           <p:sp>
             <p:nvSpPr>
               <p:cNvPr id="153" name="TextBox 152"/>
